--- a/03-initial-configuration-scans.pptx
+++ b/03-initial-configuration-scans.pptx
@@ -6,10 +6,10 @@
     <p:sldMasterId id="2147483847" r:id="rId6"/>
   </p:sldMasterIdLst>
   <p:notesMasterIdLst>
-    <p:notesMasterId r:id="rId30"/>
+    <p:notesMasterId r:id="rId36"/>
   </p:notesMasterIdLst>
   <p:handoutMasterIdLst>
-    <p:handoutMasterId r:id="rId31"/>
+    <p:handoutMasterId r:id="rId37"/>
   </p:handoutMasterIdLst>
   <p:sldIdLst>
     <p:sldId id="256" r:id="rId7"/>
@@ -22,19 +22,25 @@
     <p:sldId id="292" r:id="rId14"/>
     <p:sldId id="293" r:id="rId15"/>
     <p:sldId id="295" r:id="rId16"/>
-    <p:sldId id="298" r:id="rId17"/>
-    <p:sldId id="300" r:id="rId18"/>
-    <p:sldId id="297" r:id="rId19"/>
-    <p:sldId id="294" r:id="rId20"/>
-    <p:sldId id="301" r:id="rId21"/>
-    <p:sldId id="302" r:id="rId22"/>
-    <p:sldId id="303" r:id="rId23"/>
-    <p:sldId id="273" r:id="rId24"/>
-    <p:sldId id="274" r:id="rId25"/>
-    <p:sldId id="266" r:id="rId26"/>
-    <p:sldId id="275" r:id="rId27"/>
-    <p:sldId id="276" r:id="rId28"/>
-    <p:sldId id="267" r:id="rId29"/>
+    <p:sldId id="304" r:id="rId17"/>
+    <p:sldId id="305" r:id="rId18"/>
+    <p:sldId id="307" r:id="rId19"/>
+    <p:sldId id="308" r:id="rId20"/>
+    <p:sldId id="297" r:id="rId21"/>
+    <p:sldId id="294" r:id="rId22"/>
+    <p:sldId id="301" r:id="rId23"/>
+    <p:sldId id="302" r:id="rId24"/>
+    <p:sldId id="309" r:id="rId25"/>
+    <p:sldId id="312" r:id="rId26"/>
+    <p:sldId id="313" r:id="rId27"/>
+    <p:sldId id="306" r:id="rId28"/>
+    <p:sldId id="303" r:id="rId29"/>
+    <p:sldId id="273" r:id="rId30"/>
+    <p:sldId id="274" r:id="rId31"/>
+    <p:sldId id="266" r:id="rId32"/>
+    <p:sldId id="275" r:id="rId33"/>
+    <p:sldId id="276" r:id="rId34"/>
+    <p:sldId id="267" r:id="rId35"/>
   </p:sldIdLst>
   <p:sldSz cx="16256000" cy="9144000"/>
   <p:notesSz cx="6858000" cy="9144000"/>
@@ -296,7 +302,7 @@
               <a:pPr>
                 <a:defRPr/>
               </a:pPr>
-              <a:t>2015-12-02</a:t>
+              <a:t>2015-12-04</a:t>
             </a:fld>
             <a:endParaRPr lang="en-US" dirty="0"/>
           </a:p>
@@ -479,7 +485,7 @@
               <a:pPr>
                 <a:defRPr/>
               </a:pPr>
-              <a:t>2015-12-02</a:t>
+              <a:t>2015-12-04</a:t>
             </a:fld>
             <a:endParaRPr lang="en-US" dirty="0"/>
           </a:p>
@@ -1014,6 +1020,1073 @@
 </p:notes>
 </file>
 
+<file path=ppt/notesSlides/notesSlide10.xml><?xml version="1.0" encoding="utf-8"?>
+<p:notes xmlns:a="http://schemas.openxmlformats.org/drawingml/2006/main" xmlns:r="http://schemas.openxmlformats.org/officeDocument/2006/relationships" xmlns:p="http://schemas.openxmlformats.org/presentationml/2006/main">
+  <p:cSld>
+    <p:spTree>
+      <p:nvGrpSpPr>
+        <p:cNvPr id="1" name=""/>
+        <p:cNvGrpSpPr/>
+        <p:nvPr/>
+      </p:nvGrpSpPr>
+      <p:grpSpPr>
+        <a:xfrm>
+          <a:off x="0" y="0"/>
+          <a:ext cx="0" cy="0"/>
+          <a:chOff x="0" y="0"/>
+          <a:chExt cx="0" cy="0"/>
+        </a:xfrm>
+      </p:grpSpPr>
+      <p:sp>
+        <p:nvSpPr>
+          <p:cNvPr id="2" name="Slide Image Placeholder 1"/>
+          <p:cNvSpPr>
+            <a:spLocks noGrp="1" noRot="1" noChangeAspect="1"/>
+          </p:cNvSpPr>
+          <p:nvPr>
+            <p:ph type="sldImg"/>
+          </p:nvPr>
+        </p:nvSpPr>
+        <p:spPr/>
+      </p:sp>
+      <p:sp>
+        <p:nvSpPr>
+          <p:cNvPr id="3" name="Notes Placeholder 2"/>
+          <p:cNvSpPr>
+            <a:spLocks noGrp="1"/>
+          </p:cNvSpPr>
+          <p:nvPr>
+            <p:ph type="body" idx="1"/>
+          </p:nvPr>
+        </p:nvSpPr>
+        <p:spPr/>
+        <p:txBody>
+          <a:bodyPr/>
+          <a:lstStyle/>
+          <a:p>
+            <a:endParaRPr lang="en-US" dirty="0"/>
+          </a:p>
+        </p:txBody>
+      </p:sp>
+      <p:sp>
+        <p:nvSpPr>
+          <p:cNvPr id="4" name="Slide Number Placeholder 3"/>
+          <p:cNvSpPr>
+            <a:spLocks noGrp="1"/>
+          </p:cNvSpPr>
+          <p:nvPr>
+            <p:ph type="sldNum" sz="quarter" idx="10"/>
+          </p:nvPr>
+        </p:nvSpPr>
+        <p:spPr/>
+        <p:txBody>
+          <a:bodyPr/>
+          <a:lstStyle/>
+          <a:p>
+            <a:pPr>
+              <a:defRPr/>
+            </a:pPr>
+            <a:fld id="{DC3734AA-3150-D947-AC52-2F5DF48BFCD5}" type="slidenum">
+              <a:rPr lang="en-US" smtClean="0"/>
+              <a:pPr>
+                <a:defRPr/>
+              </a:pPr>
+              <a:t>15</a:t>
+            </a:fld>
+            <a:endParaRPr lang="en-US" dirty="0"/>
+          </a:p>
+        </p:txBody>
+      </p:sp>
+      <p:sp>
+        <p:nvSpPr>
+          <p:cNvPr id="5" name="Header Placeholder 4"/>
+          <p:cNvSpPr>
+            <a:spLocks noGrp="1"/>
+          </p:cNvSpPr>
+          <p:nvPr>
+            <p:ph type="hdr" sz="quarter" idx="11"/>
+          </p:nvPr>
+        </p:nvSpPr>
+        <p:spPr/>
+        <p:txBody>
+          <a:bodyPr/>
+          <a:lstStyle/>
+          <a:p>
+            <a:pPr>
+              <a:defRPr/>
+            </a:pPr>
+            <a:endParaRPr lang="en-US"/>
+          </a:p>
+        </p:txBody>
+      </p:sp>
+      <p:sp>
+        <p:nvSpPr>
+          <p:cNvPr id="6" name="Footer Placeholder 5"/>
+          <p:cNvSpPr>
+            <a:spLocks noGrp="1"/>
+          </p:cNvSpPr>
+          <p:nvPr>
+            <p:ph type="ftr" sz="quarter" idx="12"/>
+          </p:nvPr>
+        </p:nvSpPr>
+        <p:spPr/>
+        <p:txBody>
+          <a:bodyPr/>
+          <a:lstStyle/>
+          <a:p>
+            <a:pPr>
+              <a:defRPr/>
+            </a:pPr>
+            <a:endParaRPr lang="en-US"/>
+          </a:p>
+        </p:txBody>
+      </p:sp>
+    </p:spTree>
+    <p:extLst>
+      <p:ext uri="{BB962C8B-B14F-4D97-AF65-F5344CB8AC3E}">
+        <p14:creationId xmlns:p14="http://schemas.microsoft.com/office/powerpoint/2010/main" val="2879381677"/>
+      </p:ext>
+    </p:extLst>
+  </p:cSld>
+  <p:clrMapOvr>
+    <a:masterClrMapping/>
+  </p:clrMapOvr>
+</p:notes>
+</file>
+
+<file path=ppt/notesSlides/notesSlide11.xml><?xml version="1.0" encoding="utf-8"?>
+<p:notes xmlns:a="http://schemas.openxmlformats.org/drawingml/2006/main" xmlns:r="http://schemas.openxmlformats.org/officeDocument/2006/relationships" xmlns:p="http://schemas.openxmlformats.org/presentationml/2006/main">
+  <p:cSld>
+    <p:spTree>
+      <p:nvGrpSpPr>
+        <p:cNvPr id="1" name=""/>
+        <p:cNvGrpSpPr/>
+        <p:nvPr/>
+      </p:nvGrpSpPr>
+      <p:grpSpPr>
+        <a:xfrm>
+          <a:off x="0" y="0"/>
+          <a:ext cx="0" cy="0"/>
+          <a:chOff x="0" y="0"/>
+          <a:chExt cx="0" cy="0"/>
+        </a:xfrm>
+      </p:grpSpPr>
+      <p:sp>
+        <p:nvSpPr>
+          <p:cNvPr id="2" name="Slide Image Placeholder 1"/>
+          <p:cNvSpPr>
+            <a:spLocks noGrp="1" noRot="1" noChangeAspect="1"/>
+          </p:cNvSpPr>
+          <p:nvPr>
+            <p:ph type="sldImg"/>
+          </p:nvPr>
+        </p:nvSpPr>
+        <p:spPr/>
+      </p:sp>
+      <p:sp>
+        <p:nvSpPr>
+          <p:cNvPr id="3" name="Notes Placeholder 2"/>
+          <p:cNvSpPr>
+            <a:spLocks noGrp="1"/>
+          </p:cNvSpPr>
+          <p:nvPr>
+            <p:ph type="body" idx="1"/>
+          </p:nvPr>
+        </p:nvSpPr>
+        <p:spPr/>
+        <p:txBody>
+          <a:bodyPr/>
+          <a:lstStyle/>
+          <a:p>
+            <a:endParaRPr lang="en-US" dirty="0"/>
+          </a:p>
+        </p:txBody>
+      </p:sp>
+      <p:sp>
+        <p:nvSpPr>
+          <p:cNvPr id="4" name="Slide Number Placeholder 3"/>
+          <p:cNvSpPr>
+            <a:spLocks noGrp="1"/>
+          </p:cNvSpPr>
+          <p:nvPr>
+            <p:ph type="sldNum" sz="quarter" idx="10"/>
+          </p:nvPr>
+        </p:nvSpPr>
+        <p:spPr/>
+        <p:txBody>
+          <a:bodyPr/>
+          <a:lstStyle/>
+          <a:p>
+            <a:pPr>
+              <a:defRPr/>
+            </a:pPr>
+            <a:fld id="{DC3734AA-3150-D947-AC52-2F5DF48BFCD5}" type="slidenum">
+              <a:rPr lang="en-US" smtClean="0"/>
+              <a:pPr>
+                <a:defRPr/>
+              </a:pPr>
+              <a:t>17</a:t>
+            </a:fld>
+            <a:endParaRPr lang="en-US" dirty="0"/>
+          </a:p>
+        </p:txBody>
+      </p:sp>
+      <p:sp>
+        <p:nvSpPr>
+          <p:cNvPr id="5" name="Header Placeholder 4"/>
+          <p:cNvSpPr>
+            <a:spLocks noGrp="1"/>
+          </p:cNvSpPr>
+          <p:nvPr>
+            <p:ph type="hdr" sz="quarter" idx="11"/>
+          </p:nvPr>
+        </p:nvSpPr>
+        <p:spPr/>
+        <p:txBody>
+          <a:bodyPr/>
+          <a:lstStyle/>
+          <a:p>
+            <a:pPr>
+              <a:defRPr/>
+            </a:pPr>
+            <a:endParaRPr lang="en-US"/>
+          </a:p>
+        </p:txBody>
+      </p:sp>
+      <p:sp>
+        <p:nvSpPr>
+          <p:cNvPr id="6" name="Footer Placeholder 5"/>
+          <p:cNvSpPr>
+            <a:spLocks noGrp="1"/>
+          </p:cNvSpPr>
+          <p:nvPr>
+            <p:ph type="ftr" sz="quarter" idx="12"/>
+          </p:nvPr>
+        </p:nvSpPr>
+        <p:spPr/>
+        <p:txBody>
+          <a:bodyPr/>
+          <a:lstStyle/>
+          <a:p>
+            <a:pPr>
+              <a:defRPr/>
+            </a:pPr>
+            <a:endParaRPr lang="en-US"/>
+          </a:p>
+        </p:txBody>
+      </p:sp>
+    </p:spTree>
+    <p:extLst>
+      <p:ext uri="{BB962C8B-B14F-4D97-AF65-F5344CB8AC3E}">
+        <p14:creationId xmlns:p14="http://schemas.microsoft.com/office/powerpoint/2010/main" val="2151536436"/>
+      </p:ext>
+    </p:extLst>
+  </p:cSld>
+  <p:clrMapOvr>
+    <a:masterClrMapping/>
+  </p:clrMapOvr>
+</p:notes>
+</file>
+
+<file path=ppt/notesSlides/notesSlide12.xml><?xml version="1.0" encoding="utf-8"?>
+<p:notes xmlns:a="http://schemas.openxmlformats.org/drawingml/2006/main" xmlns:r="http://schemas.openxmlformats.org/officeDocument/2006/relationships" xmlns:p="http://schemas.openxmlformats.org/presentationml/2006/main">
+  <p:cSld>
+    <p:spTree>
+      <p:nvGrpSpPr>
+        <p:cNvPr id="1" name=""/>
+        <p:cNvGrpSpPr/>
+        <p:nvPr/>
+      </p:nvGrpSpPr>
+      <p:grpSpPr>
+        <a:xfrm>
+          <a:off x="0" y="0"/>
+          <a:ext cx="0" cy="0"/>
+          <a:chOff x="0" y="0"/>
+          <a:chExt cx="0" cy="0"/>
+        </a:xfrm>
+      </p:grpSpPr>
+      <p:sp>
+        <p:nvSpPr>
+          <p:cNvPr id="2" name="Slide Image Placeholder 1"/>
+          <p:cNvSpPr>
+            <a:spLocks noGrp="1" noRot="1" noChangeAspect="1"/>
+          </p:cNvSpPr>
+          <p:nvPr>
+            <p:ph type="sldImg"/>
+          </p:nvPr>
+        </p:nvSpPr>
+        <p:spPr/>
+      </p:sp>
+      <p:sp>
+        <p:nvSpPr>
+          <p:cNvPr id="3" name="Notes Placeholder 2"/>
+          <p:cNvSpPr>
+            <a:spLocks noGrp="1"/>
+          </p:cNvSpPr>
+          <p:nvPr>
+            <p:ph type="body" idx="1"/>
+          </p:nvPr>
+        </p:nvSpPr>
+        <p:spPr/>
+        <p:txBody>
+          <a:bodyPr/>
+          <a:lstStyle/>
+          <a:p>
+            <a:r>
+              <a:rPr lang="en-US" dirty="0" smtClean="0"/>
+              <a:t>There are also 6 critical issues related to ssh on the target node.</a:t>
+            </a:r>
+          </a:p>
+          <a:p>
+            <a:endParaRPr lang="en-US" dirty="0" smtClean="0"/>
+          </a:p>
+          <a:p>
+            <a:r>
+              <a:rPr lang="en-US" dirty="0" smtClean="0"/>
+              <a:t>Instructor Note: This</a:t>
+            </a:r>
+            <a:r>
+              <a:rPr lang="en-US" baseline="0" dirty="0" smtClean="0"/>
+              <a:t> and the following slide should be used for a discussion of the scan results. The group exercise continues after that.</a:t>
+            </a:r>
+            <a:endParaRPr lang="en-US" dirty="0"/>
+          </a:p>
+        </p:txBody>
+      </p:sp>
+      <p:sp>
+        <p:nvSpPr>
+          <p:cNvPr id="4" name="Slide Number Placeholder 3"/>
+          <p:cNvSpPr>
+            <a:spLocks noGrp="1"/>
+          </p:cNvSpPr>
+          <p:nvPr>
+            <p:ph type="sldNum" sz="quarter" idx="10"/>
+          </p:nvPr>
+        </p:nvSpPr>
+        <p:spPr/>
+        <p:txBody>
+          <a:bodyPr/>
+          <a:lstStyle/>
+          <a:p>
+            <a:pPr>
+              <a:defRPr/>
+            </a:pPr>
+            <a:fld id="{DC3734AA-3150-D947-AC52-2F5DF48BFCD5}" type="slidenum">
+              <a:rPr lang="en-US" smtClean="0"/>
+              <a:pPr>
+                <a:defRPr/>
+              </a:pPr>
+              <a:t>18</a:t>
+            </a:fld>
+            <a:endParaRPr lang="en-US" dirty="0"/>
+          </a:p>
+        </p:txBody>
+      </p:sp>
+      <p:sp>
+        <p:nvSpPr>
+          <p:cNvPr id="5" name="Header Placeholder 4"/>
+          <p:cNvSpPr>
+            <a:spLocks noGrp="1"/>
+          </p:cNvSpPr>
+          <p:nvPr>
+            <p:ph type="hdr" sz="quarter" idx="11"/>
+          </p:nvPr>
+        </p:nvSpPr>
+        <p:spPr/>
+        <p:txBody>
+          <a:bodyPr/>
+          <a:lstStyle/>
+          <a:p>
+            <a:pPr>
+              <a:defRPr/>
+            </a:pPr>
+            <a:endParaRPr lang="en-US"/>
+          </a:p>
+        </p:txBody>
+      </p:sp>
+      <p:sp>
+        <p:nvSpPr>
+          <p:cNvPr id="6" name="Footer Placeholder 5"/>
+          <p:cNvSpPr>
+            <a:spLocks noGrp="1"/>
+          </p:cNvSpPr>
+          <p:nvPr>
+            <p:ph type="ftr" sz="quarter" idx="12"/>
+          </p:nvPr>
+        </p:nvSpPr>
+        <p:spPr/>
+        <p:txBody>
+          <a:bodyPr/>
+          <a:lstStyle/>
+          <a:p>
+            <a:pPr>
+              <a:defRPr/>
+            </a:pPr>
+            <a:endParaRPr lang="en-US"/>
+          </a:p>
+        </p:txBody>
+      </p:sp>
+    </p:spTree>
+    <p:extLst>
+      <p:ext uri="{BB962C8B-B14F-4D97-AF65-F5344CB8AC3E}">
+        <p14:creationId xmlns:p14="http://schemas.microsoft.com/office/powerpoint/2010/main" val="1213312203"/>
+      </p:ext>
+    </p:extLst>
+  </p:cSld>
+  <p:clrMapOvr>
+    <a:masterClrMapping/>
+  </p:clrMapOvr>
+</p:notes>
+</file>
+
+<file path=ppt/notesSlides/notesSlide13.xml><?xml version="1.0" encoding="utf-8"?>
+<p:notes xmlns:a="http://schemas.openxmlformats.org/drawingml/2006/main" xmlns:r="http://schemas.openxmlformats.org/officeDocument/2006/relationships" xmlns:p="http://schemas.openxmlformats.org/presentationml/2006/main">
+  <p:cSld>
+    <p:spTree>
+      <p:nvGrpSpPr>
+        <p:cNvPr id="1" name=""/>
+        <p:cNvGrpSpPr/>
+        <p:nvPr/>
+      </p:nvGrpSpPr>
+      <p:grpSpPr>
+        <a:xfrm>
+          <a:off x="0" y="0"/>
+          <a:ext cx="0" cy="0"/>
+          <a:chOff x="0" y="0"/>
+          <a:chExt cx="0" cy="0"/>
+        </a:xfrm>
+      </p:grpSpPr>
+      <p:sp>
+        <p:nvSpPr>
+          <p:cNvPr id="2" name="Slide Image Placeholder 1"/>
+          <p:cNvSpPr>
+            <a:spLocks noGrp="1" noRot="1" noChangeAspect="1"/>
+          </p:cNvSpPr>
+          <p:nvPr>
+            <p:ph type="sldImg"/>
+          </p:nvPr>
+        </p:nvSpPr>
+        <p:spPr/>
+      </p:sp>
+      <p:sp>
+        <p:nvSpPr>
+          <p:cNvPr id="3" name="Notes Placeholder 2"/>
+          <p:cNvSpPr>
+            <a:spLocks noGrp="1"/>
+          </p:cNvSpPr>
+          <p:nvPr>
+            <p:ph type="body" idx="1"/>
+          </p:nvPr>
+        </p:nvSpPr>
+        <p:spPr/>
+        <p:txBody>
+          <a:bodyPr/>
+          <a:lstStyle/>
+          <a:p>
+            <a:r>
+              <a:rPr lang="en-US" dirty="0" smtClean="0"/>
+              <a:t>The bottom half of the Compliance Report has a table of details of test results.</a:t>
+            </a:r>
+          </a:p>
+          <a:p>
+            <a:endParaRPr lang="en-US" dirty="0" smtClean="0"/>
+          </a:p>
+          <a:p>
+            <a:r>
+              <a:rPr lang="en-US" dirty="0" smtClean="0"/>
+              <a:t>These are sorted by severity so the critical issues are listed at the top and the compliant items are at the bottom of the list.     </a:t>
+            </a:r>
+          </a:p>
+          <a:p>
+            <a:endParaRPr lang="en-US" dirty="0" smtClean="0"/>
+          </a:p>
+          <a:p>
+            <a:pPr marL="0" marR="0" indent="0" algn="l" defTabSz="1217613" rtl="0" eaLnBrk="1" fontAlgn="base" latinLnBrk="0" hangingPunct="1">
+              <a:lnSpc>
+                <a:spcPct val="90000"/>
+              </a:lnSpc>
+              <a:spcBef>
+                <a:spcPct val="30000"/>
+              </a:spcBef>
+              <a:spcAft>
+                <a:spcPts val="450"/>
+              </a:spcAft>
+              <a:buClrTx/>
+              <a:buSzTx/>
+              <a:buFontTx/>
+              <a:buNone/>
+              <a:tabLst/>
+              <a:defRPr/>
+            </a:pPr>
+            <a:r>
+              <a:rPr lang="en-US" dirty="0" smtClean="0"/>
+              <a:t>If you click an issue as shown here, a bit more information about the issue displays,</a:t>
+            </a:r>
+            <a:r>
+              <a:rPr lang="en-US" baseline="0" dirty="0" smtClean="0"/>
+              <a:t> but that's not really telling us much.</a:t>
+            </a:r>
+            <a:endParaRPr lang="en-US" dirty="0" smtClean="0"/>
+          </a:p>
+          <a:p>
+            <a:endParaRPr lang="en-US" dirty="0" smtClean="0"/>
+          </a:p>
+          <a:p>
+            <a:endParaRPr lang="en-US" dirty="0"/>
+          </a:p>
+        </p:txBody>
+      </p:sp>
+      <p:sp>
+        <p:nvSpPr>
+          <p:cNvPr id="4" name="Slide Number Placeholder 3"/>
+          <p:cNvSpPr>
+            <a:spLocks noGrp="1"/>
+          </p:cNvSpPr>
+          <p:nvPr>
+            <p:ph type="sldNum" sz="quarter" idx="10"/>
+          </p:nvPr>
+        </p:nvSpPr>
+        <p:spPr/>
+        <p:txBody>
+          <a:bodyPr/>
+          <a:lstStyle/>
+          <a:p>
+            <a:pPr>
+              <a:defRPr/>
+            </a:pPr>
+            <a:fld id="{DC3734AA-3150-D947-AC52-2F5DF48BFCD5}" type="slidenum">
+              <a:rPr lang="en-US" smtClean="0"/>
+              <a:pPr>
+                <a:defRPr/>
+              </a:pPr>
+              <a:t>19</a:t>
+            </a:fld>
+            <a:endParaRPr lang="en-US" dirty="0"/>
+          </a:p>
+        </p:txBody>
+      </p:sp>
+      <p:sp>
+        <p:nvSpPr>
+          <p:cNvPr id="5" name="Header Placeholder 4"/>
+          <p:cNvSpPr>
+            <a:spLocks noGrp="1"/>
+          </p:cNvSpPr>
+          <p:nvPr>
+            <p:ph type="hdr" sz="quarter" idx="11"/>
+          </p:nvPr>
+        </p:nvSpPr>
+        <p:spPr/>
+        <p:txBody>
+          <a:bodyPr/>
+          <a:lstStyle/>
+          <a:p>
+            <a:pPr>
+              <a:defRPr/>
+            </a:pPr>
+            <a:endParaRPr lang="en-US"/>
+          </a:p>
+        </p:txBody>
+      </p:sp>
+      <p:sp>
+        <p:nvSpPr>
+          <p:cNvPr id="6" name="Footer Placeholder 5"/>
+          <p:cNvSpPr>
+            <a:spLocks noGrp="1"/>
+          </p:cNvSpPr>
+          <p:nvPr>
+            <p:ph type="ftr" sz="quarter" idx="12"/>
+          </p:nvPr>
+        </p:nvSpPr>
+        <p:spPr/>
+        <p:txBody>
+          <a:bodyPr/>
+          <a:lstStyle/>
+          <a:p>
+            <a:pPr>
+              <a:defRPr/>
+            </a:pPr>
+            <a:endParaRPr lang="en-US"/>
+          </a:p>
+        </p:txBody>
+      </p:sp>
+    </p:spTree>
+    <p:extLst>
+      <p:ext uri="{BB962C8B-B14F-4D97-AF65-F5344CB8AC3E}">
+        <p14:creationId xmlns:p14="http://schemas.microsoft.com/office/powerpoint/2010/main" val="4045622586"/>
+      </p:ext>
+    </p:extLst>
+  </p:cSld>
+  <p:clrMapOvr>
+    <a:masterClrMapping/>
+  </p:clrMapOvr>
+</p:notes>
+</file>
+
+<file path=ppt/notesSlides/notesSlide14.xml><?xml version="1.0" encoding="utf-8"?>
+<p:notes xmlns:a="http://schemas.openxmlformats.org/drawingml/2006/main" xmlns:r="http://schemas.openxmlformats.org/officeDocument/2006/relationships" xmlns:p="http://schemas.openxmlformats.org/presentationml/2006/main">
+  <p:cSld>
+    <p:spTree>
+      <p:nvGrpSpPr>
+        <p:cNvPr id="1" name=""/>
+        <p:cNvGrpSpPr/>
+        <p:nvPr/>
+      </p:nvGrpSpPr>
+      <p:grpSpPr>
+        <a:xfrm>
+          <a:off x="0" y="0"/>
+          <a:ext cx="0" cy="0"/>
+          <a:chOff x="0" y="0"/>
+          <a:chExt cx="0" cy="0"/>
+        </a:xfrm>
+      </p:grpSpPr>
+      <p:sp>
+        <p:nvSpPr>
+          <p:cNvPr id="2" name="Slide Image Placeholder 1"/>
+          <p:cNvSpPr>
+            <a:spLocks noGrp="1" noRot="1" noChangeAspect="1"/>
+          </p:cNvSpPr>
+          <p:nvPr>
+            <p:ph type="sldImg"/>
+          </p:nvPr>
+        </p:nvSpPr>
+        <p:spPr/>
+      </p:sp>
+      <p:sp>
+        <p:nvSpPr>
+          <p:cNvPr id="3" name="Notes Placeholder 2"/>
+          <p:cNvSpPr>
+            <a:spLocks noGrp="1"/>
+          </p:cNvSpPr>
+          <p:nvPr>
+            <p:ph type="body" idx="1"/>
+          </p:nvPr>
+        </p:nvSpPr>
+        <p:spPr/>
+        <p:txBody>
+          <a:bodyPr/>
+          <a:lstStyle/>
+          <a:p>
+            <a:r>
+              <a:rPr lang="en-US" dirty="0" smtClean="0"/>
+              <a:t>Instructor Note: Now we continue the group exercise but you</a:t>
+            </a:r>
+            <a:r>
+              <a:rPr lang="en-US" baseline="0" dirty="0" smtClean="0"/>
+              <a:t> should stop as needed to explain what this code means.</a:t>
+            </a:r>
+            <a:endParaRPr lang="en-US" dirty="0" smtClean="0"/>
+          </a:p>
+          <a:p>
+            <a:endParaRPr lang="en-US" dirty="0" smtClean="0"/>
+          </a:p>
+          <a:p>
+            <a:endParaRPr lang="en-US" dirty="0"/>
+          </a:p>
+        </p:txBody>
+      </p:sp>
+      <p:sp>
+        <p:nvSpPr>
+          <p:cNvPr id="4" name="Slide Number Placeholder 3"/>
+          <p:cNvSpPr>
+            <a:spLocks noGrp="1"/>
+          </p:cNvSpPr>
+          <p:nvPr>
+            <p:ph type="sldNum" sz="quarter" idx="10"/>
+          </p:nvPr>
+        </p:nvSpPr>
+        <p:spPr/>
+        <p:txBody>
+          <a:bodyPr/>
+          <a:lstStyle/>
+          <a:p>
+            <a:pPr>
+              <a:defRPr/>
+            </a:pPr>
+            <a:fld id="{DC3734AA-3150-D947-AC52-2F5DF48BFCD5}" type="slidenum">
+              <a:rPr lang="en-US" smtClean="0"/>
+              <a:pPr>
+                <a:defRPr/>
+              </a:pPr>
+              <a:t>20</a:t>
+            </a:fld>
+            <a:endParaRPr lang="en-US" dirty="0"/>
+          </a:p>
+        </p:txBody>
+      </p:sp>
+      <p:sp>
+        <p:nvSpPr>
+          <p:cNvPr id="5" name="Header Placeholder 4"/>
+          <p:cNvSpPr>
+            <a:spLocks noGrp="1"/>
+          </p:cNvSpPr>
+          <p:nvPr>
+            <p:ph type="hdr" sz="quarter" idx="11"/>
+          </p:nvPr>
+        </p:nvSpPr>
+        <p:spPr/>
+        <p:txBody>
+          <a:bodyPr/>
+          <a:lstStyle/>
+          <a:p>
+            <a:pPr>
+              <a:defRPr/>
+            </a:pPr>
+            <a:endParaRPr lang="en-US"/>
+          </a:p>
+        </p:txBody>
+      </p:sp>
+      <p:sp>
+        <p:nvSpPr>
+          <p:cNvPr id="6" name="Footer Placeholder 5"/>
+          <p:cNvSpPr>
+            <a:spLocks noGrp="1"/>
+          </p:cNvSpPr>
+          <p:nvPr>
+            <p:ph type="ftr" sz="quarter" idx="12"/>
+          </p:nvPr>
+        </p:nvSpPr>
+        <p:spPr/>
+        <p:txBody>
+          <a:bodyPr/>
+          <a:lstStyle/>
+          <a:p>
+            <a:pPr>
+              <a:defRPr/>
+            </a:pPr>
+            <a:endParaRPr lang="en-US"/>
+          </a:p>
+        </p:txBody>
+      </p:sp>
+    </p:spTree>
+    <p:extLst>
+      <p:ext uri="{BB962C8B-B14F-4D97-AF65-F5344CB8AC3E}">
+        <p14:creationId xmlns:p14="http://schemas.microsoft.com/office/powerpoint/2010/main" val="4240485001"/>
+      </p:ext>
+    </p:extLst>
+  </p:cSld>
+  <p:clrMapOvr>
+    <a:masterClrMapping/>
+  </p:clrMapOvr>
+</p:notes>
+</file>
+
+<file path=ppt/notesSlides/notesSlide15.xml><?xml version="1.0" encoding="utf-8"?>
+<p:notes xmlns:a="http://schemas.openxmlformats.org/drawingml/2006/main" xmlns:r="http://schemas.openxmlformats.org/officeDocument/2006/relationships" xmlns:p="http://schemas.openxmlformats.org/presentationml/2006/main">
+  <p:cSld>
+    <p:spTree>
+      <p:nvGrpSpPr>
+        <p:cNvPr id="1" name=""/>
+        <p:cNvGrpSpPr/>
+        <p:nvPr/>
+      </p:nvGrpSpPr>
+      <p:grpSpPr>
+        <a:xfrm>
+          <a:off x="0" y="0"/>
+          <a:ext cx="0" cy="0"/>
+          <a:chOff x="0" y="0"/>
+          <a:chExt cx="0" cy="0"/>
+        </a:xfrm>
+      </p:grpSpPr>
+      <p:sp>
+        <p:nvSpPr>
+          <p:cNvPr id="2" name="Slide Image Placeholder 1"/>
+          <p:cNvSpPr>
+            <a:spLocks noGrp="1" noRot="1" noChangeAspect="1"/>
+          </p:cNvSpPr>
+          <p:nvPr>
+            <p:ph type="sldImg"/>
+          </p:nvPr>
+        </p:nvSpPr>
+        <p:spPr/>
+      </p:sp>
+      <p:sp>
+        <p:nvSpPr>
+          <p:cNvPr id="3" name="Notes Placeholder 2"/>
+          <p:cNvSpPr>
+            <a:spLocks noGrp="1"/>
+          </p:cNvSpPr>
+          <p:nvPr>
+            <p:ph type="body" idx="1"/>
+          </p:nvPr>
+        </p:nvSpPr>
+        <p:spPr/>
+        <p:txBody>
+          <a:bodyPr/>
+          <a:lstStyle/>
+          <a:p>
+            <a:r>
+              <a:rPr lang="en-US" dirty="0" smtClean="0"/>
+              <a:t>Let's discuss what this profile is doing.</a:t>
+            </a:r>
+          </a:p>
+          <a:p>
+            <a:endParaRPr lang="en-US" dirty="0" smtClean="0"/>
+          </a:p>
+          <a:p>
+            <a:r>
+              <a:rPr lang="en-US" sz="1200" dirty="0" smtClean="0"/>
+              <a:t>The impact of 1.0 indicates this is a Major issue.</a:t>
+            </a:r>
+          </a:p>
+          <a:p>
+            <a:endParaRPr lang="en-US" sz="1200" dirty="0" smtClean="0"/>
+          </a:p>
+          <a:p>
+            <a:r>
+              <a:rPr lang="en-US" sz="1200" dirty="0" smtClean="0"/>
+              <a:t>The title is what populates the Compliance Report issue title.</a:t>
+            </a:r>
+          </a:p>
+          <a:p>
+            <a:endParaRPr lang="en-US" sz="1200" dirty="0" smtClean="0"/>
+          </a:p>
+          <a:p>
+            <a:r>
+              <a:rPr lang="en-US" sz="1200" dirty="0" smtClean="0"/>
+              <a:t>The describe value is the actual test. In this case, this is saying the protocol for </a:t>
+            </a:r>
+            <a:r>
+              <a:rPr lang="en-US" sz="1200" dirty="0" err="1" smtClean="0"/>
+              <a:t>ssh_config</a:t>
+            </a:r>
+            <a:r>
+              <a:rPr lang="en-US" sz="1200" dirty="0" smtClean="0"/>
+              <a:t> should be 2. If the actual value from the node is not Protocol 2, the Major issue is reported </a:t>
+            </a:r>
+            <a:r>
+              <a:rPr lang="en-US" sz="1200" baseline="0" dirty="0" smtClean="0"/>
+              <a:t>as in this case.</a:t>
+            </a:r>
+            <a:endParaRPr lang="en-US" sz="1200" dirty="0" smtClean="0"/>
+          </a:p>
+          <a:p>
+            <a:endParaRPr lang="en-US" dirty="0" smtClean="0"/>
+          </a:p>
+          <a:p>
+            <a:endParaRPr lang="en-US" dirty="0"/>
+          </a:p>
+        </p:txBody>
+      </p:sp>
+      <p:sp>
+        <p:nvSpPr>
+          <p:cNvPr id="4" name="Slide Number Placeholder 3"/>
+          <p:cNvSpPr>
+            <a:spLocks noGrp="1"/>
+          </p:cNvSpPr>
+          <p:nvPr>
+            <p:ph type="sldNum" sz="quarter" idx="10"/>
+          </p:nvPr>
+        </p:nvSpPr>
+        <p:spPr/>
+        <p:txBody>
+          <a:bodyPr/>
+          <a:lstStyle/>
+          <a:p>
+            <a:pPr>
+              <a:defRPr/>
+            </a:pPr>
+            <a:fld id="{DC3734AA-3150-D947-AC52-2F5DF48BFCD5}" type="slidenum">
+              <a:rPr lang="en-US" smtClean="0"/>
+              <a:pPr>
+                <a:defRPr/>
+              </a:pPr>
+              <a:t>21</a:t>
+            </a:fld>
+            <a:endParaRPr lang="en-US" dirty="0"/>
+          </a:p>
+        </p:txBody>
+      </p:sp>
+      <p:sp>
+        <p:nvSpPr>
+          <p:cNvPr id="5" name="Header Placeholder 4"/>
+          <p:cNvSpPr>
+            <a:spLocks noGrp="1"/>
+          </p:cNvSpPr>
+          <p:nvPr>
+            <p:ph type="hdr" sz="quarter" idx="11"/>
+          </p:nvPr>
+        </p:nvSpPr>
+        <p:spPr/>
+        <p:txBody>
+          <a:bodyPr/>
+          <a:lstStyle/>
+          <a:p>
+            <a:pPr>
+              <a:defRPr/>
+            </a:pPr>
+            <a:endParaRPr lang="en-US"/>
+          </a:p>
+        </p:txBody>
+      </p:sp>
+      <p:sp>
+        <p:nvSpPr>
+          <p:cNvPr id="6" name="Footer Placeholder 5"/>
+          <p:cNvSpPr>
+            <a:spLocks noGrp="1"/>
+          </p:cNvSpPr>
+          <p:nvPr>
+            <p:ph type="ftr" sz="quarter" idx="12"/>
+          </p:nvPr>
+        </p:nvSpPr>
+        <p:spPr/>
+        <p:txBody>
+          <a:bodyPr/>
+          <a:lstStyle/>
+          <a:p>
+            <a:pPr>
+              <a:defRPr/>
+            </a:pPr>
+            <a:endParaRPr lang="en-US"/>
+          </a:p>
+        </p:txBody>
+      </p:sp>
+    </p:spTree>
+    <p:extLst>
+      <p:ext uri="{BB962C8B-B14F-4D97-AF65-F5344CB8AC3E}">
+        <p14:creationId xmlns:p14="http://schemas.microsoft.com/office/powerpoint/2010/main" val="445567721"/>
+      </p:ext>
+    </p:extLst>
+  </p:cSld>
+  <p:clrMapOvr>
+    <a:masterClrMapping/>
+  </p:clrMapOvr>
+</p:notes>
+</file>
+
+<file path=ppt/notesSlides/notesSlide16.xml><?xml version="1.0" encoding="utf-8"?>
+<p:notes xmlns:a="http://schemas.openxmlformats.org/drawingml/2006/main" xmlns:r="http://schemas.openxmlformats.org/officeDocument/2006/relationships" xmlns:p="http://schemas.openxmlformats.org/presentationml/2006/main">
+  <p:cSld>
+    <p:spTree>
+      <p:nvGrpSpPr>
+        <p:cNvPr id="1" name=""/>
+        <p:cNvGrpSpPr/>
+        <p:nvPr/>
+      </p:nvGrpSpPr>
+      <p:grpSpPr>
+        <a:xfrm>
+          <a:off x="0" y="0"/>
+          <a:ext cx="0" cy="0"/>
+          <a:chOff x="0" y="0"/>
+          <a:chExt cx="0" cy="0"/>
+        </a:xfrm>
+      </p:grpSpPr>
+      <p:sp>
+        <p:nvSpPr>
+          <p:cNvPr id="2" name="Slide Image Placeholder 1"/>
+          <p:cNvSpPr>
+            <a:spLocks noGrp="1" noRot="1" noChangeAspect="1"/>
+          </p:cNvSpPr>
+          <p:nvPr>
+            <p:ph type="sldImg"/>
+          </p:nvPr>
+        </p:nvSpPr>
+        <p:spPr/>
+      </p:sp>
+      <p:sp>
+        <p:nvSpPr>
+          <p:cNvPr id="3" name="Notes Placeholder 2"/>
+          <p:cNvSpPr>
+            <a:spLocks noGrp="1"/>
+          </p:cNvSpPr>
+          <p:nvPr>
+            <p:ph type="body" idx="1"/>
+          </p:nvPr>
+        </p:nvSpPr>
+        <p:spPr/>
+        <p:txBody>
+          <a:bodyPr/>
+          <a:lstStyle/>
+          <a:p>
+            <a:endParaRPr lang="en-US" dirty="0"/>
+          </a:p>
+        </p:txBody>
+      </p:sp>
+      <p:sp>
+        <p:nvSpPr>
+          <p:cNvPr id="4" name="Slide Number Placeholder 3"/>
+          <p:cNvSpPr>
+            <a:spLocks noGrp="1"/>
+          </p:cNvSpPr>
+          <p:nvPr>
+            <p:ph type="sldNum" sz="quarter" idx="10"/>
+          </p:nvPr>
+        </p:nvSpPr>
+        <p:spPr/>
+        <p:txBody>
+          <a:bodyPr/>
+          <a:lstStyle/>
+          <a:p>
+            <a:pPr>
+              <a:defRPr/>
+            </a:pPr>
+            <a:fld id="{DC3734AA-3150-D947-AC52-2F5DF48BFCD5}" type="slidenum">
+              <a:rPr lang="en-US" smtClean="0"/>
+              <a:pPr>
+                <a:defRPr/>
+              </a:pPr>
+              <a:t>22</a:t>
+            </a:fld>
+            <a:endParaRPr lang="en-US" dirty="0"/>
+          </a:p>
+        </p:txBody>
+      </p:sp>
+      <p:sp>
+        <p:nvSpPr>
+          <p:cNvPr id="5" name="Header Placeholder 4"/>
+          <p:cNvSpPr>
+            <a:spLocks noGrp="1"/>
+          </p:cNvSpPr>
+          <p:nvPr>
+            <p:ph type="hdr" sz="quarter" idx="11"/>
+          </p:nvPr>
+        </p:nvSpPr>
+        <p:spPr/>
+        <p:txBody>
+          <a:bodyPr/>
+          <a:lstStyle/>
+          <a:p>
+            <a:pPr>
+              <a:defRPr/>
+            </a:pPr>
+            <a:endParaRPr lang="en-US"/>
+          </a:p>
+        </p:txBody>
+      </p:sp>
+      <p:sp>
+        <p:nvSpPr>
+          <p:cNvPr id="6" name="Footer Placeholder 5"/>
+          <p:cNvSpPr>
+            <a:spLocks noGrp="1"/>
+          </p:cNvSpPr>
+          <p:nvPr>
+            <p:ph type="ftr" sz="quarter" idx="12"/>
+          </p:nvPr>
+        </p:nvSpPr>
+        <p:spPr/>
+        <p:txBody>
+          <a:bodyPr/>
+          <a:lstStyle/>
+          <a:p>
+            <a:pPr>
+              <a:defRPr/>
+            </a:pPr>
+            <a:endParaRPr lang="en-US"/>
+          </a:p>
+        </p:txBody>
+      </p:sp>
+    </p:spTree>
+    <p:extLst>
+      <p:ext uri="{BB962C8B-B14F-4D97-AF65-F5344CB8AC3E}">
+        <p14:creationId xmlns:p14="http://schemas.microsoft.com/office/powerpoint/2010/main" val="161960279"/>
+      </p:ext>
+    </p:extLst>
+  </p:cSld>
+  <p:clrMapOvr>
+    <a:masterClrMapping/>
+  </p:clrMapOvr>
+</p:notes>
+</file>
+
 <file path=ppt/notesSlides/notesSlide2.xml><?xml version="1.0" encoding="utf-8"?>
 <p:notes xmlns:a="http://schemas.openxmlformats.org/drawingml/2006/main" xmlns:r="http://schemas.openxmlformats.org/officeDocument/2006/relationships" xmlns:p="http://schemas.openxmlformats.org/presentationml/2006/main">
   <p:cSld>
@@ -1198,7 +2271,28 @@
             </a:r>
             <a:r>
               <a:rPr lang="en-US" baseline="0" dirty="0" smtClean="0"/>
-              <a:t> node's username and password will likely different than shown in this example.</a:t>
+              <a:t> node's username and password will likely </a:t>
+            </a:r>
+            <a:r>
+              <a:rPr lang="en-US" baseline="0" dirty="0" smtClean="0"/>
+              <a:t>be different </a:t>
+            </a:r>
+            <a:r>
+              <a:rPr lang="en-US" baseline="0" dirty="0" smtClean="0"/>
+              <a:t>than shown in this example</a:t>
+            </a:r>
+            <a:r>
+              <a:rPr lang="en-US" baseline="0" dirty="0" smtClean="0"/>
+              <a:t>.</a:t>
+            </a:r>
+          </a:p>
+          <a:p>
+            <a:endParaRPr lang="en-US" baseline="0" dirty="0" smtClean="0"/>
+          </a:p>
+          <a:p>
+            <a:r>
+              <a:rPr lang="en-US" baseline="0" dirty="0" smtClean="0"/>
+              <a:t>We'll discuss using key pair access later in the module.</a:t>
             </a:r>
             <a:endParaRPr lang="en-US" dirty="0"/>
           </a:p>
@@ -1490,7 +2584,15 @@
             </a:r>
             <a:r>
               <a:rPr lang="en-US" b="0" baseline="0" dirty="0" smtClean="0"/>
-              <a:t> please notify your instructor.</a:t>
+              <a:t> please notify </a:t>
+            </a:r>
+            <a:r>
+              <a:rPr lang="en-US" b="0" baseline="0" dirty="0" smtClean="0"/>
+              <a:t>the instructor</a:t>
+            </a:r>
+            <a:r>
+              <a:rPr lang="en-US" b="0" baseline="0" dirty="0" smtClean="0"/>
+              <a:t>.</a:t>
             </a:r>
             <a:endParaRPr lang="en-US" dirty="0"/>
           </a:p>
@@ -1628,30 +2730,16 @@
           <a:p>
             <a:r>
               <a:rPr lang="en-US" dirty="0" smtClean="0"/>
-              <a:t>This image shows the default Compliance Profiles that are included with the Chef Compliance server. You'll access the profiles in a moment. These profiles</a:t>
-            </a:r>
-            <a:r>
-              <a:rPr lang="en-US" baseline="0" dirty="0" smtClean="0"/>
-              <a:t> determine what will be scanned on your nodes.</a:t>
-            </a:r>
+              <a:t>As you may have noticed, you could add additional nodes by simply repeating the previous steps and entering the new nodes' IP addresses or FQDNs.</a:t>
+            </a:r>
+          </a:p>
+          <a:p>
             <a:endParaRPr lang="en-US" dirty="0" smtClean="0"/>
           </a:p>
           <a:p>
-            <a:endParaRPr lang="en-US" dirty="0" smtClean="0"/>
-          </a:p>
-          <a:p>
-            <a:r>
-              <a:rPr lang="en-US" dirty="0" smtClean="0"/>
-              <a:t>You should be thoughtful with which profiles choose since the more you choose to run, the longer it will take to execute the scan.</a:t>
-            </a:r>
-          </a:p>
-          <a:p>
-            <a:endParaRPr lang="en-US" dirty="0" smtClean="0"/>
-          </a:p>
-          <a:p>
-            <a:r>
-              <a:rPr lang="en-US" dirty="0" smtClean="0"/>
-              <a:t>Notice how you can also choose to run a scan on demand (Scan now) or schedule a scan to run at a later time.</a:t>
+            <a:r>
+              <a:rPr lang="en-US" dirty="0" smtClean="0"/>
+              <a:t>You could also add nodes in bulk by separating each hostname or IP address with a comma or a space as shown in this illustration.</a:t>
             </a:r>
           </a:p>
           <a:p>
@@ -1682,7 +2770,7 @@
               <a:pPr>
                 <a:defRPr/>
               </a:pPr>
-              <a:t>12</a:t>
+              <a:t>11</a:t>
             </a:fld>
             <a:endParaRPr lang="en-US" dirty="0"/>
           </a:p>
@@ -1735,7 +2823,7 @@
     </p:spTree>
     <p:extLst>
       <p:ext uri="{BB962C8B-B14F-4D97-AF65-F5344CB8AC3E}">
-        <p14:creationId xmlns:p14="http://schemas.microsoft.com/office/powerpoint/2010/main" val="70162713"/>
+        <p14:creationId xmlns:p14="http://schemas.microsoft.com/office/powerpoint/2010/main" val="2409257355"/>
       </p:ext>
     </p:extLst>
   </p:cSld>
@@ -1789,6 +2877,29 @@
           <a:bodyPr/>
           <a:lstStyle/>
           <a:p>
+            <a:r>
+              <a:rPr lang="en-US" dirty="0" smtClean="0"/>
+              <a:t>In the workplace, using security key pairs would be a more secure method for connecting to nodes than using the password method we are using in class. </a:t>
+            </a:r>
+          </a:p>
+          <a:p>
+            <a:endParaRPr lang="en-US" dirty="0" smtClean="0"/>
+          </a:p>
+          <a:p>
+            <a:r>
+              <a:rPr lang="en-US" dirty="0" smtClean="0"/>
+              <a:t>By clicking </a:t>
+            </a:r>
+            <a:r>
+              <a:rPr lang="en-US" b="1" dirty="0" smtClean="0"/>
+              <a:t>Settings &gt; Add New Key Pair  </a:t>
+            </a:r>
+            <a:r>
+              <a:rPr lang="en-US" dirty="0" smtClean="0"/>
+              <a:t>you will see where to past your private and public keys. </a:t>
+            </a:r>
+          </a:p>
+          <a:p>
             <a:endParaRPr lang="en-US" dirty="0"/>
           </a:p>
         </p:txBody>
@@ -1816,7 +2927,7 @@
               <a:pPr>
                 <a:defRPr/>
               </a:pPr>
-              <a:t>13</a:t>
+              <a:t>12</a:t>
             </a:fld>
             <a:endParaRPr lang="en-US" dirty="0"/>
           </a:p>
@@ -1869,7 +2980,7 @@
     </p:spTree>
     <p:extLst>
       <p:ext uri="{BB962C8B-B14F-4D97-AF65-F5344CB8AC3E}">
-        <p14:creationId xmlns:p14="http://schemas.microsoft.com/office/powerpoint/2010/main" val="2879381677"/>
+        <p14:creationId xmlns:p14="http://schemas.microsoft.com/office/powerpoint/2010/main" val="208647667"/>
       </p:ext>
     </p:extLst>
   </p:cSld>
@@ -1950,7 +3061,7 @@
               <a:pPr>
                 <a:defRPr/>
               </a:pPr>
-              <a:t>16</a:t>
+              <a:t>13</a:t>
             </a:fld>
             <a:endParaRPr lang="en-US" dirty="0"/>
           </a:p>
@@ -2003,7 +3114,188 @@
     </p:spTree>
     <p:extLst>
       <p:ext uri="{BB962C8B-B14F-4D97-AF65-F5344CB8AC3E}">
-        <p14:creationId xmlns:p14="http://schemas.microsoft.com/office/powerpoint/2010/main" val="1213312203"/>
+        <p14:creationId xmlns:p14="http://schemas.microsoft.com/office/powerpoint/2010/main" val="958851555"/>
+      </p:ext>
+    </p:extLst>
+  </p:cSld>
+  <p:clrMapOvr>
+    <a:masterClrMapping/>
+  </p:clrMapOvr>
+</p:notes>
+</file>
+
+<file path=ppt/notesSlides/notesSlide9.xml><?xml version="1.0" encoding="utf-8"?>
+<p:notes xmlns:a="http://schemas.openxmlformats.org/drawingml/2006/main" xmlns:r="http://schemas.openxmlformats.org/officeDocument/2006/relationships" xmlns:p="http://schemas.openxmlformats.org/presentationml/2006/main">
+  <p:cSld>
+    <p:spTree>
+      <p:nvGrpSpPr>
+        <p:cNvPr id="1" name=""/>
+        <p:cNvGrpSpPr/>
+        <p:nvPr/>
+      </p:nvGrpSpPr>
+      <p:grpSpPr>
+        <a:xfrm>
+          <a:off x="0" y="0"/>
+          <a:ext cx="0" cy="0"/>
+          <a:chOff x="0" y="0"/>
+          <a:chExt cx="0" cy="0"/>
+        </a:xfrm>
+      </p:grpSpPr>
+      <p:sp>
+        <p:nvSpPr>
+          <p:cNvPr id="2" name="Slide Image Placeholder 1"/>
+          <p:cNvSpPr>
+            <a:spLocks noGrp="1" noRot="1" noChangeAspect="1"/>
+          </p:cNvSpPr>
+          <p:nvPr>
+            <p:ph type="sldImg"/>
+          </p:nvPr>
+        </p:nvSpPr>
+        <p:spPr/>
+      </p:sp>
+      <p:sp>
+        <p:nvSpPr>
+          <p:cNvPr id="3" name="Notes Placeholder 2"/>
+          <p:cNvSpPr>
+            <a:spLocks noGrp="1"/>
+          </p:cNvSpPr>
+          <p:nvPr>
+            <p:ph type="body" idx="1"/>
+          </p:nvPr>
+        </p:nvSpPr>
+        <p:spPr/>
+        <p:txBody>
+          <a:bodyPr/>
+          <a:lstStyle/>
+          <a:p>
+            <a:r>
+              <a:rPr lang="en-US" dirty="0" smtClean="0"/>
+              <a:t>This image shows the default Compliance Profiles as accessed from the Scan Nodes page. This page displays when you select</a:t>
+            </a:r>
+            <a:r>
+              <a:rPr lang="en-US" baseline="0" dirty="0" smtClean="0"/>
+              <a:t> nodes to scan and then click the Scan button.</a:t>
+            </a:r>
+            <a:endParaRPr lang="en-US" dirty="0" smtClean="0"/>
+          </a:p>
+          <a:p>
+            <a:endParaRPr lang="en-US" dirty="0" smtClean="0"/>
+          </a:p>
+          <a:p>
+            <a:r>
+              <a:rPr lang="en-US" dirty="0" smtClean="0"/>
+              <a:t>You'll </a:t>
+            </a:r>
+            <a:r>
+              <a:rPr lang="en-US" dirty="0" smtClean="0"/>
+              <a:t>access the profiles in a moment. These profiles</a:t>
+            </a:r>
+            <a:r>
+              <a:rPr lang="en-US" baseline="0" dirty="0" smtClean="0"/>
+              <a:t> determine what will be scanned on your nodes.</a:t>
+            </a:r>
+            <a:endParaRPr lang="en-US" dirty="0" smtClean="0"/>
+          </a:p>
+          <a:p>
+            <a:endParaRPr lang="en-US" dirty="0" smtClean="0"/>
+          </a:p>
+          <a:p>
+            <a:r>
+              <a:rPr lang="en-US" dirty="0" smtClean="0"/>
+              <a:t>You should be thoughtful with which profiles choose since the more you choose to run, the longer it will take to execute the scan.</a:t>
+            </a:r>
+          </a:p>
+          <a:p>
+            <a:endParaRPr lang="en-US" dirty="0" smtClean="0"/>
+          </a:p>
+          <a:p>
+            <a:r>
+              <a:rPr lang="en-US" dirty="0" smtClean="0"/>
+              <a:t>Notice how you can also choose to run a scan on demand (Scan now) or schedule a scan to run at a later time.</a:t>
+            </a:r>
+          </a:p>
+          <a:p>
+            <a:endParaRPr lang="en-US" dirty="0"/>
+          </a:p>
+        </p:txBody>
+      </p:sp>
+      <p:sp>
+        <p:nvSpPr>
+          <p:cNvPr id="4" name="Slide Number Placeholder 3"/>
+          <p:cNvSpPr>
+            <a:spLocks noGrp="1"/>
+          </p:cNvSpPr>
+          <p:nvPr>
+            <p:ph type="sldNum" sz="quarter" idx="10"/>
+          </p:nvPr>
+        </p:nvSpPr>
+        <p:spPr/>
+        <p:txBody>
+          <a:bodyPr/>
+          <a:lstStyle/>
+          <a:p>
+            <a:pPr>
+              <a:defRPr/>
+            </a:pPr>
+            <a:fld id="{DC3734AA-3150-D947-AC52-2F5DF48BFCD5}" type="slidenum">
+              <a:rPr lang="en-US" smtClean="0"/>
+              <a:pPr>
+                <a:defRPr/>
+              </a:pPr>
+              <a:t>14</a:t>
+            </a:fld>
+            <a:endParaRPr lang="en-US" dirty="0"/>
+          </a:p>
+        </p:txBody>
+      </p:sp>
+      <p:sp>
+        <p:nvSpPr>
+          <p:cNvPr id="5" name="Header Placeholder 4"/>
+          <p:cNvSpPr>
+            <a:spLocks noGrp="1"/>
+          </p:cNvSpPr>
+          <p:nvPr>
+            <p:ph type="hdr" sz="quarter" idx="11"/>
+          </p:nvPr>
+        </p:nvSpPr>
+        <p:spPr/>
+        <p:txBody>
+          <a:bodyPr/>
+          <a:lstStyle/>
+          <a:p>
+            <a:pPr>
+              <a:defRPr/>
+            </a:pPr>
+            <a:endParaRPr lang="en-US"/>
+          </a:p>
+        </p:txBody>
+      </p:sp>
+      <p:sp>
+        <p:nvSpPr>
+          <p:cNvPr id="6" name="Footer Placeholder 5"/>
+          <p:cNvSpPr>
+            <a:spLocks noGrp="1"/>
+          </p:cNvSpPr>
+          <p:nvPr>
+            <p:ph type="ftr" sz="quarter" idx="12"/>
+          </p:nvPr>
+        </p:nvSpPr>
+        <p:spPr/>
+        <p:txBody>
+          <a:bodyPr/>
+          <a:lstStyle/>
+          <a:p>
+            <a:pPr>
+              <a:defRPr/>
+            </a:pPr>
+            <a:endParaRPr lang="en-US"/>
+          </a:p>
+        </p:txBody>
+      </p:sp>
+    </p:spTree>
+    <p:extLst>
+      <p:ext uri="{BB962C8B-B14F-4D97-AF65-F5344CB8AC3E}">
+        <p14:creationId xmlns:p14="http://schemas.microsoft.com/office/powerpoint/2010/main" val="29724005"/>
       </p:ext>
     </p:extLst>
   </p:cSld>
@@ -10384,11 +11676,7 @@
           <a:p>
             <a:r>
               <a:rPr lang="en-US" dirty="0" smtClean="0"/>
-              <a:t>Initial </a:t>
-            </a:r>
-            <a:r>
-              <a:rPr lang="en-US" dirty="0" smtClean="0"/>
-              <a:t>Configuration and Running Scans</a:t>
+              <a:t>Initial Configuration and Running Scans</a:t>
             </a:r>
             <a:endParaRPr lang="en-US" dirty="0"/>
           </a:p>
@@ -10626,6 +11914,13 @@
   <p:transition spd="med">
     <p:fade/>
   </p:transition>
+  <p:timing>
+    <p:tnLst>
+      <p:par>
+        <p:cTn id="1" dur="indefinite" restart="never" nodeType="tmRoot"/>
+      </p:par>
+    </p:tnLst>
+  </p:timing>
 </p:sld>
 </file>
 
@@ -10653,28 +11948,7 @@
             <a:spLocks noGrp="1"/>
           </p:cNvSpPr>
           <p:nvPr>
-            <p:ph type="ctrTitle"/>
-          </p:nvPr>
-        </p:nvSpPr>
-        <p:spPr/>
-        <p:txBody>
-          <a:bodyPr>
-            <a:normAutofit fontScale="90000"/>
-          </a:bodyPr>
-          <a:lstStyle/>
-          <a:p>
-            <a:endParaRPr lang="en-US"/>
-          </a:p>
-        </p:txBody>
-      </p:sp>
-      <p:sp>
-        <p:nvSpPr>
-          <p:cNvPr id="3" name="Subtitle 2"/>
-          <p:cNvSpPr>
-            <a:spLocks noGrp="1"/>
-          </p:cNvSpPr>
-          <p:nvPr>
-            <p:ph type="subTitle" idx="1"/>
+            <p:ph type="title"/>
           </p:nvPr>
         </p:nvSpPr>
         <p:spPr/>
@@ -10682,21 +11956,145 @@
           <a:bodyPr/>
           <a:lstStyle/>
           <a:p>
+            <a:r>
+              <a:rPr lang="en-US" dirty="0" smtClean="0"/>
+              <a:t>Adding Nodes in Bulk</a:t>
+            </a:r>
+            <a:endParaRPr lang="en-US" dirty="0"/>
+          </a:p>
+        </p:txBody>
+      </p:sp>
+      <p:sp>
+        <p:nvSpPr>
+          <p:cNvPr id="3" name="Text Placeholder 2"/>
+          <p:cNvSpPr>
+            <a:spLocks noGrp="1"/>
+          </p:cNvSpPr>
+          <p:nvPr>
+            <p:ph type="body" sz="quarter" idx="12"/>
+          </p:nvPr>
+        </p:nvSpPr>
+        <p:spPr>
+          <a:xfrm>
+            <a:off x="276530" y="1710724"/>
+            <a:ext cx="7992921" cy="5345953"/>
+          </a:xfrm>
+        </p:spPr>
+        <p:txBody>
+          <a:bodyPr/>
+          <a:lstStyle/>
+          <a:p>
+            <a:r>
+              <a:rPr lang="en-US" dirty="0"/>
+              <a:t>As you may have noticed, you could add additional nodes by simply repeating the previous </a:t>
+            </a:r>
+            <a:r>
+              <a:rPr lang="en-US" dirty="0" smtClean="0"/>
+              <a:t>steps.</a:t>
+            </a:r>
+          </a:p>
+          <a:p>
+            <a:endParaRPr lang="en-US" dirty="0"/>
+          </a:p>
+          <a:p>
+            <a:r>
+              <a:rPr lang="en-US" dirty="0" smtClean="0"/>
+              <a:t>You could also add nodes in bulk by separating each hostname or IP address with a comma or a space, as shown in this illustration.</a:t>
+            </a:r>
+            <a:endParaRPr lang="en-US" dirty="0"/>
+          </a:p>
+          <a:p>
+            <a:pPr marL="514350" indent="-514350">
+              <a:buFont typeface="+mj-lt"/>
+              <a:buAutoNum type="arabicPeriod"/>
+            </a:pPr>
             <a:endParaRPr lang="en-US" dirty="0" smtClean="0"/>
           </a:p>
           <a:p>
-            <a:r>
-              <a:rPr lang="en-US" dirty="0" smtClean="0"/>
-              <a:t>As you may have noticed, you could add additional nodes by simply repeating the previous steps and entering the new nodes' IP addresses or FQDNs.</a:t>
-            </a:r>
+            <a:pPr marL="514350" indent="-514350">
+              <a:buFont typeface="+mj-lt"/>
+              <a:buAutoNum type="arabicPeriod"/>
+            </a:pPr>
             <a:endParaRPr lang="en-US" dirty="0"/>
           </a:p>
-        </p:txBody>
-      </p:sp>
+          <a:p>
+            <a:pPr marL="514350" indent="-514350">
+              <a:buFont typeface="+mj-lt"/>
+              <a:buAutoNum type="arabicPeriod"/>
+            </a:pPr>
+            <a:endParaRPr lang="en-US" dirty="0" smtClean="0"/>
+          </a:p>
+        </p:txBody>
+      </p:sp>
+      <p:cxnSp>
+        <p:nvCxnSpPr>
+          <p:cNvPr id="7" name="Straight Arrow Connector 6"/>
+          <p:cNvCxnSpPr/>
+          <p:nvPr/>
+        </p:nvCxnSpPr>
+        <p:spPr>
+          <a:xfrm>
+            <a:off x="13777498" y="463815"/>
+            <a:ext cx="2015836" cy="2493818"/>
+          </a:xfrm>
+          <a:prstGeom prst="straightConnector1">
+            <a:avLst/>
+          </a:prstGeom>
+          <a:ln>
+            <a:solidFill>
+              <a:schemeClr val="accent4"/>
+            </a:solidFill>
+            <a:tailEnd type="triangle"/>
+          </a:ln>
+        </p:spPr>
+        <p:style>
+          <a:lnRef idx="3">
+            <a:schemeClr val="accent1"/>
+          </a:lnRef>
+          <a:fillRef idx="0">
+            <a:schemeClr val="accent1"/>
+          </a:fillRef>
+          <a:effectRef idx="2">
+            <a:schemeClr val="accent1"/>
+          </a:effectRef>
+          <a:fontRef idx="minor">
+            <a:schemeClr val="tx1"/>
+          </a:fontRef>
+        </p:style>
+      </p:cxnSp>
+      <p:pic>
+        <p:nvPicPr>
+          <p:cNvPr id="8" name="Picture 7"/>
+          <p:cNvPicPr>
+            <a:picLocks noChangeAspect="1"/>
+          </p:cNvPicPr>
+          <p:nvPr/>
+        </p:nvPicPr>
+        <p:blipFill>
+          <a:blip r:embed="rId3"/>
+          <a:stretch>
+            <a:fillRect/>
+          </a:stretch>
+        </p:blipFill>
+        <p:spPr>
+          <a:xfrm>
+            <a:off x="8565861" y="41564"/>
+            <a:ext cx="7648575" cy="8029575"/>
+          </a:xfrm>
+          <a:prstGeom prst="rect">
+            <a:avLst/>
+          </a:prstGeom>
+          <a:ln>
+            <a:solidFill>
+              <a:schemeClr val="accent1"/>
+            </a:solidFill>
+          </a:ln>
+        </p:spPr>
+      </p:pic>
     </p:spTree>
     <p:extLst>
       <p:ext uri="{BB962C8B-B14F-4D97-AF65-F5344CB8AC3E}">
-        <p14:creationId xmlns:p14="http://schemas.microsoft.com/office/powerpoint/2010/main" val="240096012"/>
+        <p14:creationId xmlns:p14="http://schemas.microsoft.com/office/powerpoint/2010/main" val="1432411639"/>
       </p:ext>
     </p:extLst>
   </p:cSld>
@@ -10750,7 +12148,7 @@
           <a:p>
             <a:r>
               <a:rPr lang="en-US" dirty="0" smtClean="0"/>
-              <a:t>Compliance Profiles Used in Scans</a:t>
+              <a:t>Key Pairs</a:t>
             </a:r>
             <a:endParaRPr lang="en-US" dirty="0"/>
           </a:p>
@@ -10768,8 +12166,8 @@
         </p:nvSpPr>
         <p:spPr>
           <a:xfrm>
-            <a:off x="151838" y="1710724"/>
-            <a:ext cx="7745253" cy="5345953"/>
+            <a:off x="234966" y="1710724"/>
+            <a:ext cx="7992921" cy="5345953"/>
           </a:xfrm>
         </p:spPr>
         <p:txBody>
@@ -10778,38 +12176,23 @@
           <a:p>
             <a:r>
               <a:rPr lang="en-US" dirty="0" smtClean="0"/>
-              <a:t>This image shows the default Compliance Profiles.</a:t>
-            </a:r>
-          </a:p>
-          <a:p>
-            <a:endParaRPr lang="en-US" dirty="0" smtClean="0"/>
-          </a:p>
-          <a:p>
-            <a:r>
-              <a:rPr lang="en-US" dirty="0" smtClean="0"/>
-              <a:t>You should be thoughtful with which profiles choose.</a:t>
-            </a:r>
-          </a:p>
-          <a:p>
-            <a:endParaRPr lang="en-US" dirty="0" smtClean="0"/>
-          </a:p>
-          <a:p>
-            <a:r>
-              <a:rPr lang="en-US" dirty="0" smtClean="0"/>
-              <a:t>Notice how you can also choose to run a scan on demand or schedule a scan.</a:t>
-            </a:r>
-          </a:p>
-          <a:p>
+              <a:t>In the workplace, using security key pairs would be a more secure method for connecting to nodes than using the password method. </a:t>
+            </a:r>
             <a:endParaRPr lang="en-US" dirty="0"/>
           </a:p>
           <a:p>
-            <a:endParaRPr lang="en-US" dirty="0" smtClean="0"/>
-          </a:p>
-          <a:p>
-            <a:pPr marL="514350" indent="-514350">
-              <a:buFont typeface="+mj-lt"/>
-              <a:buAutoNum type="arabicPeriod"/>
-            </a:pPr>
+            <a:r>
+              <a:rPr lang="en-US" dirty="0" smtClean="0"/>
+              <a:t>By clicking </a:t>
+            </a:r>
+            <a:r>
+              <a:rPr lang="en-US" b="1" dirty="0" smtClean="0"/>
+              <a:t>Settings &gt; Add New Key Pair  </a:t>
+            </a:r>
+            <a:r>
+              <a:rPr lang="en-US" dirty="0" smtClean="0"/>
+              <a:t>you will see where to paste your private and public keys.</a:t>
+            </a:r>
             <a:endParaRPr lang="en-US" dirty="0"/>
           </a:p>
           <a:p>
@@ -10851,158 +12234,23 @@
         </p:blipFill>
         <p:spPr>
           <a:xfrm>
-            <a:off x="8077200" y="1200148"/>
-            <a:ext cx="7810500" cy="6743700"/>
+            <a:off x="8378795" y="154011"/>
+            <a:ext cx="7564467" cy="7535261"/>
           </a:xfrm>
           <a:prstGeom prst="rect">
             <a:avLst/>
           </a:prstGeom>
           <a:ln>
             <a:solidFill>
-              <a:schemeClr val="accent4"/>
+              <a:schemeClr val="accent1"/>
             </a:solidFill>
           </a:ln>
         </p:spPr>
       </p:pic>
-      <p:sp>
-        <p:nvSpPr>
-          <p:cNvPr id="5" name="Rectangle 4"/>
-          <p:cNvSpPr/>
-          <p:nvPr/>
-        </p:nvSpPr>
-        <p:spPr bwMode="auto">
-          <a:xfrm>
-            <a:off x="12115800" y="3314700"/>
-            <a:ext cx="3771900" cy="3741977"/>
-          </a:xfrm>
-          <a:prstGeom prst="rect">
-            <a:avLst/>
-          </a:prstGeom>
-          <a:noFill/>
-          <a:ln>
-            <a:solidFill>
-              <a:schemeClr val="accent1"/>
-            </a:solidFill>
-            <a:headEnd type="none" w="med" len="med"/>
-            <a:tailEnd type="none" w="med" len="med"/>
-          </a:ln>
-          <a:effectLst/>
-        </p:spPr>
-        <p:style>
-          <a:lnRef idx="1">
-            <a:schemeClr val="accent4"/>
-          </a:lnRef>
-          <a:fillRef idx="3">
-            <a:schemeClr val="accent4"/>
-          </a:fillRef>
-          <a:effectRef idx="2">
-            <a:schemeClr val="accent4"/>
-          </a:effectRef>
-          <a:fontRef idx="minor">
-            <a:schemeClr val="lt1"/>
-          </a:fontRef>
-        </p:style>
-        <p:txBody>
-          <a:bodyPr vert="horz" wrap="square" lIns="91436" tIns="45718" rIns="91436" bIns="45718" numCol="1" rtlCol="0" anchor="ctr" anchorCtr="0" compatLnSpc="1">
-            <a:prstTxWarp prst="textNoShape">
-              <a:avLst/>
-            </a:prstTxWarp>
-          </a:bodyPr>
-          <a:lstStyle/>
-          <a:p>
-            <a:pPr algn="ctr" defTabSz="914099"/>
-            <a:endParaRPr lang="en-US" sz="2400" dirty="0" err="1" smtClean="0">
-              <a:gradFill>
-                <a:gsLst>
-                  <a:gs pos="0">
-                    <a:srgbClr val="FFFFFF"/>
-                  </a:gs>
-                  <a:gs pos="100000">
-                    <a:srgbClr val="FFFFFF"/>
-                  </a:gs>
-                </a:gsLst>
-                <a:lin ang="5400000" scaled="0"/>
-              </a:gradFill>
-            </a:endParaRPr>
-          </a:p>
-        </p:txBody>
-      </p:sp>
-      <p:cxnSp>
-        <p:nvCxnSpPr>
-          <p:cNvPr id="9" name="Straight Arrow Connector 8"/>
-          <p:cNvCxnSpPr/>
-          <p:nvPr/>
-        </p:nvCxnSpPr>
-        <p:spPr>
-          <a:xfrm>
-            <a:off x="1771650" y="2571750"/>
-            <a:ext cx="10267950" cy="1905000"/>
-          </a:xfrm>
-          <a:prstGeom prst="straightConnector1">
-            <a:avLst/>
-          </a:prstGeom>
-          <a:ln w="12700">
-            <a:solidFill>
-              <a:schemeClr val="accent4"/>
-            </a:solidFill>
-            <a:tailEnd type="triangle"/>
-          </a:ln>
-        </p:spPr>
-        <p:style>
-          <a:lnRef idx="3">
-            <a:schemeClr val="accent1"/>
-          </a:lnRef>
-          <a:fillRef idx="0">
-            <a:schemeClr val="accent1"/>
-          </a:fillRef>
-          <a:effectRef idx="2">
-            <a:schemeClr val="accent1"/>
-          </a:effectRef>
-          <a:fontRef idx="minor">
-            <a:schemeClr val="tx1"/>
-          </a:fontRef>
-        </p:style>
-      </p:cxnSp>
-      <p:cxnSp>
-        <p:nvCxnSpPr>
-          <p:cNvPr id="10" name="Straight Arrow Connector 9"/>
-          <p:cNvCxnSpPr/>
-          <p:nvPr/>
-        </p:nvCxnSpPr>
-        <p:spPr>
-          <a:xfrm>
-            <a:off x="6943725" y="6248400"/>
-            <a:ext cx="6267450" cy="914399"/>
-          </a:xfrm>
-          <a:prstGeom prst="straightConnector1">
-            <a:avLst/>
-          </a:prstGeom>
-          <a:ln w="12700">
-            <a:solidFill>
-              <a:schemeClr val="accent4"/>
-            </a:solidFill>
-            <a:tailEnd type="triangle"/>
-          </a:ln>
-        </p:spPr>
-        <p:style>
-          <a:lnRef idx="3">
-            <a:schemeClr val="accent1"/>
-          </a:lnRef>
-          <a:fillRef idx="0">
-            <a:schemeClr val="accent1"/>
-          </a:fillRef>
-          <a:effectRef idx="2">
-            <a:schemeClr val="accent1"/>
-          </a:effectRef>
-          <a:fontRef idx="minor">
-            <a:schemeClr val="tx1"/>
-          </a:fontRef>
-        </p:style>
-      </p:cxnSp>
     </p:spTree>
     <p:extLst>
       <p:ext uri="{BB962C8B-B14F-4D97-AF65-F5344CB8AC3E}">
-        <p14:creationId xmlns:p14="http://schemas.microsoft.com/office/powerpoint/2010/main" val="1034997069"/>
+        <p14:creationId xmlns:p14="http://schemas.microsoft.com/office/powerpoint/2010/main" val="871112849"/>
       </p:ext>
     </p:extLst>
   </p:cSld>
@@ -11049,23 +12297,467 @@
             <p:ph type="ctrTitle"/>
           </p:nvPr>
         </p:nvSpPr>
+        <p:spPr/>
+        <p:txBody>
+          <a:bodyPr>
+            <a:normAutofit fontScale="90000"/>
+          </a:bodyPr>
+          <a:lstStyle/>
+          <a:p>
+            <a:r>
+              <a:rPr lang="en-US" dirty="0" smtClean="0"/>
+              <a:t>Running Compliance Scans</a:t>
+            </a:r>
+            <a:endParaRPr lang="en-US" dirty="0"/>
+          </a:p>
+        </p:txBody>
+      </p:sp>
+      <p:sp>
+        <p:nvSpPr>
+          <p:cNvPr id="3" name="Subtitle 2"/>
+          <p:cNvSpPr>
+            <a:spLocks noGrp="1"/>
+          </p:cNvSpPr>
+          <p:nvPr>
+            <p:ph type="subTitle" idx="1"/>
+          </p:nvPr>
+        </p:nvSpPr>
         <p:spPr>
           <a:xfrm>
-            <a:off x="1200150" y="2292126"/>
-            <a:ext cx="14211299" cy="1822674"/>
+            <a:off x="1671638" y="3271838"/>
+            <a:ext cx="12319000" cy="4317682"/>
           </a:xfrm>
         </p:spPr>
         <p:txBody>
-          <a:bodyPr>
-            <a:normAutofit/>
+          <a:bodyPr/>
+          <a:lstStyle/>
+          <a:p>
+            <a:r>
+              <a:rPr lang="en-US" dirty="0"/>
+              <a:t>You can run Compliance scans on demand or schedule them to run at a later time</a:t>
+            </a:r>
+            <a:r>
+              <a:rPr lang="en-US" dirty="0" smtClean="0"/>
+              <a:t>.</a:t>
+            </a:r>
+          </a:p>
+          <a:p>
+            <a:endParaRPr lang="en-US" dirty="0"/>
+          </a:p>
+          <a:p>
+            <a:r>
+              <a:rPr lang="en-US" dirty="0" smtClean="0"/>
+              <a:t>Chef </a:t>
+            </a:r>
+            <a:r>
+              <a:rPr lang="en-US" dirty="0"/>
+              <a:t>Compliance maintains profiles as a collection of individual controls that comprise a complete audit.</a:t>
+            </a:r>
+            <a:endParaRPr lang="en-US" dirty="0" smtClean="0"/>
+          </a:p>
+          <a:p>
+            <a:endParaRPr lang="en-US" dirty="0" smtClean="0"/>
+          </a:p>
+          <a:p>
+            <a:r>
+              <a:rPr lang="en-US" dirty="0" smtClean="0"/>
+              <a:t>As mentioned previously, Compliance </a:t>
+            </a:r>
+            <a:r>
+              <a:rPr lang="en-US" dirty="0"/>
+              <a:t>profiles exist for many scenarios, such as those created by the Center for Internet Security (</a:t>
+            </a:r>
+            <a:r>
+              <a:rPr lang="en-US" dirty="0" smtClean="0"/>
+              <a:t>CIS).</a:t>
+            </a:r>
+          </a:p>
+        </p:txBody>
+      </p:sp>
+    </p:spTree>
+    <p:extLst>
+      <p:ext uri="{BB962C8B-B14F-4D97-AF65-F5344CB8AC3E}">
+        <p14:creationId xmlns:p14="http://schemas.microsoft.com/office/powerpoint/2010/main" val="1842217701"/>
+      </p:ext>
+    </p:extLst>
+  </p:cSld>
+  <p:clrMapOvr>
+    <a:masterClrMapping/>
+  </p:clrMapOvr>
+  <p:transition spd="med">
+    <p:fade/>
+  </p:transition>
+</p:sld>
+</file>
+
+<file path=ppt/slides/slide14.xml><?xml version="1.0" encoding="utf-8"?>
+<p:sld xmlns:a="http://schemas.openxmlformats.org/drawingml/2006/main" xmlns:r="http://schemas.openxmlformats.org/officeDocument/2006/relationships" xmlns:p="http://schemas.openxmlformats.org/presentationml/2006/main">
+  <p:cSld>
+    <p:spTree>
+      <p:nvGrpSpPr>
+        <p:cNvPr id="1" name=""/>
+        <p:cNvGrpSpPr/>
+        <p:nvPr/>
+      </p:nvGrpSpPr>
+      <p:grpSpPr>
+        <a:xfrm>
+          <a:off x="0" y="0"/>
+          <a:ext cx="0" cy="0"/>
+          <a:chOff x="0" y="0"/>
+          <a:chExt cx="0" cy="0"/>
+        </a:xfrm>
+      </p:grpSpPr>
+      <p:sp>
+        <p:nvSpPr>
+          <p:cNvPr id="2" name="Title 1"/>
+          <p:cNvSpPr>
+            <a:spLocks noGrp="1"/>
+          </p:cNvSpPr>
+          <p:nvPr>
+            <p:ph type="title"/>
+          </p:nvPr>
+        </p:nvSpPr>
+        <p:spPr/>
+        <p:txBody>
+          <a:bodyPr/>
+          <a:lstStyle/>
+          <a:p>
+            <a:r>
+              <a:rPr lang="en-US" dirty="0" smtClean="0"/>
+              <a:t>Compliance Profiles Used in Scans</a:t>
+            </a:r>
+            <a:endParaRPr lang="en-US" dirty="0"/>
+          </a:p>
+        </p:txBody>
+      </p:sp>
+      <p:sp>
+        <p:nvSpPr>
+          <p:cNvPr id="3" name="Text Placeholder 2"/>
+          <p:cNvSpPr>
+            <a:spLocks noGrp="1"/>
+          </p:cNvSpPr>
+          <p:nvPr>
+            <p:ph type="body" sz="quarter" idx="12"/>
+          </p:nvPr>
+        </p:nvSpPr>
+        <p:spPr>
+          <a:xfrm>
+            <a:off x="151838" y="1710724"/>
+            <a:ext cx="7745253" cy="5345953"/>
+          </a:xfrm>
+        </p:spPr>
+        <p:txBody>
+          <a:bodyPr/>
+          <a:lstStyle/>
+          <a:p>
+            <a:r>
+              <a:rPr lang="en-US" dirty="0" smtClean="0"/>
+              <a:t>This image shows the default Compliance </a:t>
+            </a:r>
+            <a:r>
+              <a:rPr lang="en-US" dirty="0" smtClean="0"/>
+              <a:t>Profiles as accessed from the Scan Nodes page.</a:t>
+            </a:r>
+          </a:p>
+          <a:p>
+            <a:endParaRPr lang="en-US" dirty="0" smtClean="0"/>
+          </a:p>
+          <a:p>
+            <a:r>
+              <a:rPr lang="en-US" dirty="0" smtClean="0"/>
+              <a:t>You should be thoughtful with which profiles choose.</a:t>
+            </a:r>
+          </a:p>
+          <a:p>
+            <a:endParaRPr lang="en-US" dirty="0" smtClean="0"/>
+          </a:p>
+          <a:p>
+            <a:r>
+              <a:rPr lang="en-US" dirty="0" smtClean="0"/>
+              <a:t>Notice how you can also choose to run a scan on demand or schedule a scan.</a:t>
+            </a:r>
+          </a:p>
+          <a:p>
+            <a:endParaRPr lang="en-US" dirty="0"/>
+          </a:p>
+          <a:p>
+            <a:endParaRPr lang="en-US" dirty="0" smtClean="0"/>
+          </a:p>
+          <a:p>
+            <a:pPr marL="514350" indent="-514350">
+              <a:buFont typeface="+mj-lt"/>
+              <a:buAutoNum type="arabicPeriod"/>
+            </a:pPr>
+            <a:endParaRPr lang="en-US" dirty="0"/>
+          </a:p>
+          <a:p>
+            <a:pPr marL="514350" indent="-514350">
+              <a:buFont typeface="+mj-lt"/>
+              <a:buAutoNum type="arabicPeriod"/>
+            </a:pPr>
+            <a:endParaRPr lang="en-US" dirty="0" smtClean="0"/>
+          </a:p>
+          <a:p>
+            <a:pPr marL="514350" indent="-514350">
+              <a:buFont typeface="+mj-lt"/>
+              <a:buAutoNum type="arabicPeriod"/>
+            </a:pPr>
+            <a:endParaRPr lang="en-US" dirty="0"/>
+          </a:p>
+          <a:p>
+            <a:pPr marL="514350" indent="-514350">
+              <a:buFont typeface="+mj-lt"/>
+              <a:buAutoNum type="arabicPeriod"/>
+            </a:pPr>
+            <a:endParaRPr lang="en-US" dirty="0" smtClean="0"/>
+          </a:p>
+        </p:txBody>
+      </p:sp>
+      <p:pic>
+        <p:nvPicPr>
+          <p:cNvPr id="4" name="Picture 3"/>
+          <p:cNvPicPr>
+            <a:picLocks noChangeAspect="1"/>
+          </p:cNvPicPr>
+          <p:nvPr/>
+        </p:nvPicPr>
+        <p:blipFill>
+          <a:blip r:embed="rId3"/>
+          <a:stretch>
+            <a:fillRect/>
+          </a:stretch>
+        </p:blipFill>
+        <p:spPr>
+          <a:xfrm>
+            <a:off x="8077200" y="1200148"/>
+            <a:ext cx="7810500" cy="6743700"/>
+          </a:xfrm>
+          <a:prstGeom prst="rect">
+            <a:avLst/>
+          </a:prstGeom>
+          <a:ln>
+            <a:solidFill>
+              <a:schemeClr val="accent4"/>
+            </a:solidFill>
+          </a:ln>
+        </p:spPr>
+      </p:pic>
+      <p:sp>
+        <p:nvSpPr>
+          <p:cNvPr id="5" name="Rectangle 4"/>
+          <p:cNvSpPr/>
+          <p:nvPr/>
+        </p:nvSpPr>
+        <p:spPr bwMode="auto">
+          <a:xfrm>
+            <a:off x="12115800" y="3314700"/>
+            <a:ext cx="3771900" cy="3741977"/>
+          </a:xfrm>
+          <a:prstGeom prst="rect">
+            <a:avLst/>
+          </a:prstGeom>
+          <a:noFill/>
+          <a:ln>
+            <a:solidFill>
+              <a:schemeClr val="accent1"/>
+            </a:solidFill>
+            <a:headEnd type="none" w="med" len="med"/>
+            <a:tailEnd type="none" w="med" len="med"/>
+          </a:ln>
+          <a:effectLst/>
+        </p:spPr>
+        <p:style>
+          <a:lnRef idx="1">
+            <a:schemeClr val="accent4"/>
+          </a:lnRef>
+          <a:fillRef idx="3">
+            <a:schemeClr val="accent4"/>
+          </a:fillRef>
+          <a:effectRef idx="2">
+            <a:schemeClr val="accent4"/>
+          </a:effectRef>
+          <a:fontRef idx="minor">
+            <a:schemeClr val="lt1"/>
+          </a:fontRef>
+        </p:style>
+        <p:txBody>
+          <a:bodyPr vert="horz" wrap="square" lIns="91436" tIns="45718" rIns="91436" bIns="45718" numCol="1" rtlCol="0" anchor="ctr" anchorCtr="0" compatLnSpc="1">
+            <a:prstTxWarp prst="textNoShape">
+              <a:avLst/>
+            </a:prstTxWarp>
           </a:bodyPr>
           <a:lstStyle/>
           <a:p>
+            <a:pPr algn="ctr" defTabSz="914099"/>
+            <a:endParaRPr lang="en-US" sz="2400" dirty="0" err="1" smtClean="0">
+              <a:gradFill>
+                <a:gsLst>
+                  <a:gs pos="0">
+                    <a:srgbClr val="FFFFFF"/>
+                  </a:gs>
+                  <a:gs pos="100000">
+                    <a:srgbClr val="FFFFFF"/>
+                  </a:gs>
+                </a:gsLst>
+                <a:lin ang="5400000" scaled="0"/>
+              </a:gradFill>
+            </a:endParaRPr>
+          </a:p>
+        </p:txBody>
+      </p:sp>
+      <p:cxnSp>
+        <p:nvCxnSpPr>
+          <p:cNvPr id="9" name="Straight Arrow Connector 8"/>
+          <p:cNvCxnSpPr/>
+          <p:nvPr/>
+        </p:nvCxnSpPr>
+        <p:spPr>
+          <a:xfrm>
+            <a:off x="6276109" y="2930236"/>
+            <a:ext cx="5659582" cy="748146"/>
+          </a:xfrm>
+          <a:prstGeom prst="straightConnector1">
+            <a:avLst/>
+          </a:prstGeom>
+          <a:ln w="12700">
+            <a:solidFill>
+              <a:schemeClr val="accent4"/>
+            </a:solidFill>
+            <a:tailEnd type="triangle"/>
+          </a:ln>
+        </p:spPr>
+        <p:style>
+          <a:lnRef idx="3">
+            <a:schemeClr val="accent1"/>
+          </a:lnRef>
+          <a:fillRef idx="0">
+            <a:schemeClr val="accent1"/>
+          </a:fillRef>
+          <a:effectRef idx="2">
+            <a:schemeClr val="accent1"/>
+          </a:effectRef>
+          <a:fontRef idx="minor">
+            <a:schemeClr val="tx1"/>
+          </a:fontRef>
+        </p:style>
+      </p:cxnSp>
+      <p:cxnSp>
+        <p:nvCxnSpPr>
+          <p:cNvPr id="10" name="Straight Arrow Connector 9"/>
+          <p:cNvCxnSpPr/>
+          <p:nvPr/>
+        </p:nvCxnSpPr>
+        <p:spPr>
+          <a:xfrm>
+            <a:off x="7232073" y="6546273"/>
+            <a:ext cx="5979102" cy="616526"/>
+          </a:xfrm>
+          <a:prstGeom prst="straightConnector1">
+            <a:avLst/>
+          </a:prstGeom>
+          <a:ln w="12700">
+            <a:solidFill>
+              <a:schemeClr val="accent4"/>
+            </a:solidFill>
+            <a:tailEnd type="triangle"/>
+          </a:ln>
+        </p:spPr>
+        <p:style>
+          <a:lnRef idx="3">
+            <a:schemeClr val="accent1"/>
+          </a:lnRef>
+          <a:fillRef idx="0">
+            <a:schemeClr val="accent1"/>
+          </a:fillRef>
+          <a:effectRef idx="2">
+            <a:schemeClr val="accent1"/>
+          </a:effectRef>
+          <a:fontRef idx="minor">
+            <a:schemeClr val="tx1"/>
+          </a:fontRef>
+        </p:style>
+      </p:cxnSp>
+    </p:spTree>
+    <p:extLst>
+      <p:ext uri="{BB962C8B-B14F-4D97-AF65-F5344CB8AC3E}">
+        <p14:creationId xmlns:p14="http://schemas.microsoft.com/office/powerpoint/2010/main" val="2737170273"/>
+      </p:ext>
+    </p:extLst>
+  </p:cSld>
+  <p:clrMapOvr>
+    <a:masterClrMapping/>
+  </p:clrMapOvr>
+  <p:transition spd="med">
+    <p:fade/>
+  </p:transition>
+  <p:timing>
+    <p:tnLst>
+      <p:par>
+        <p:cTn id="1" dur="indefinite" restart="never" nodeType="tmRoot"/>
+      </p:par>
+    </p:tnLst>
+  </p:timing>
+</p:sld>
+</file>
+
+<file path=ppt/slides/slide15.xml><?xml version="1.0" encoding="utf-8"?>
+<p:sld xmlns:a="http://schemas.openxmlformats.org/drawingml/2006/main" xmlns:r="http://schemas.openxmlformats.org/officeDocument/2006/relationships" xmlns:p="http://schemas.openxmlformats.org/presentationml/2006/main">
+  <p:cSld>
+    <p:spTree>
+      <p:nvGrpSpPr>
+        <p:cNvPr id="1" name=""/>
+        <p:cNvGrpSpPr/>
+        <p:nvPr/>
+      </p:nvGrpSpPr>
+      <p:grpSpPr>
+        <a:xfrm>
+          <a:off x="0" y="0"/>
+          <a:ext cx="0" cy="0"/>
+          <a:chOff x="0" y="0"/>
+          <a:chExt cx="0" cy="0"/>
+        </a:xfrm>
+      </p:grpSpPr>
+      <p:sp>
+        <p:nvSpPr>
+          <p:cNvPr id="2" name="Title 1"/>
+          <p:cNvSpPr>
+            <a:spLocks noGrp="1"/>
+          </p:cNvSpPr>
+          <p:nvPr>
+            <p:ph type="ctrTitle"/>
+          </p:nvPr>
+        </p:nvSpPr>
+        <p:spPr/>
+        <p:txBody>
+          <a:bodyPr>
+            <a:normAutofit fontScale="90000"/>
+          </a:bodyPr>
+          <a:lstStyle/>
+          <a:p>
             <a:r>
               <a:rPr lang="en-US" dirty="0" smtClean="0"/>
               <a:t>Group Exercise: Running a Scan</a:t>
             </a:r>
             <a:endParaRPr lang="en-US" dirty="0"/>
+          </a:p>
+        </p:txBody>
+      </p:sp>
+      <p:sp>
+        <p:nvSpPr>
+          <p:cNvPr id="3" name="Content Placeholder 2"/>
+          <p:cNvSpPr>
+            <a:spLocks noGrp="1"/>
+          </p:cNvSpPr>
+          <p:nvPr>
+            <p:ph sz="quarter" idx="11"/>
+          </p:nvPr>
+        </p:nvSpPr>
+        <p:spPr/>
+        <p:txBody>
+          <a:bodyPr/>
+          <a:lstStyle/>
+          <a:p>
+            <a:endParaRPr lang="en-US"/>
           </a:p>
         </p:txBody>
       </p:sp>
@@ -11132,10 +12824,17 @@
   <p:transition spd="med">
     <p:fade/>
   </p:transition>
+  <p:timing>
+    <p:tnLst>
+      <p:par>
+        <p:cTn id="1" dur="indefinite" restart="never" nodeType="tmRoot"/>
+      </p:par>
+    </p:tnLst>
+  </p:timing>
 </p:sld>
 </file>
 
-<file path=ppt/slides/slide14.xml><?xml version="1.0" encoding="utf-8"?>
+<file path=ppt/slides/slide16.xml><?xml version="1.0" encoding="utf-8"?>
 <p:sld xmlns:a="http://schemas.openxmlformats.org/drawingml/2006/main" xmlns:r="http://schemas.openxmlformats.org/officeDocument/2006/relationships" xmlns:p="http://schemas.openxmlformats.org/presentationml/2006/main">
   <p:cSld>
     <p:spTree>
@@ -11296,10 +12995,17 @@
   <p:transition spd="med">
     <p:fade/>
   </p:transition>
+  <p:timing>
+    <p:tnLst>
+      <p:par>
+        <p:cTn id="1" dur="indefinite" restart="never" nodeType="tmRoot"/>
+      </p:par>
+    </p:tnLst>
+  </p:timing>
 </p:sld>
 </file>
 
-<file path=ppt/slides/slide15.xml><?xml version="1.0" encoding="utf-8"?>
+<file path=ppt/slides/slide17.xml><?xml version="1.0" encoding="utf-8"?>
 <p:sld xmlns:a="http://schemas.openxmlformats.org/drawingml/2006/main" xmlns:r="http://schemas.openxmlformats.org/officeDocument/2006/relationships" xmlns:p="http://schemas.openxmlformats.org/presentationml/2006/main">
   <p:cSld>
     <p:spTree>
@@ -11433,7 +13139,7 @@
           <p:nvPr/>
         </p:nvPicPr>
         <p:blipFill>
-          <a:blip r:embed="rId2"/>
+          <a:blip r:embed="rId3"/>
           <a:stretch>
             <a:fillRect/>
           </a:stretch>
@@ -11502,10 +13208,17 @@
   <p:transition spd="med">
     <p:fade/>
   </p:transition>
+  <p:timing>
+    <p:tnLst>
+      <p:par>
+        <p:cTn id="1" dur="indefinite" restart="never" nodeType="tmRoot"/>
+      </p:par>
+    </p:tnLst>
+  </p:timing>
 </p:sld>
 </file>
 
-<file path=ppt/slides/slide16.xml><?xml version="1.0" encoding="utf-8"?>
+<file path=ppt/slides/slide18.xml><?xml version="1.0" encoding="utf-8"?>
 <p:sld xmlns:a="http://schemas.openxmlformats.org/drawingml/2006/main" xmlns:r="http://schemas.openxmlformats.org/officeDocument/2006/relationships" xmlns:p="http://schemas.openxmlformats.org/presentationml/2006/main">
   <p:cSld>
     <p:spTree>
@@ -11564,7 +13277,7 @@
         </p:nvSpPr>
         <p:spPr>
           <a:xfrm>
-            <a:off x="342900" y="2400300"/>
+            <a:off x="342900" y="1548247"/>
             <a:ext cx="5105400" cy="4439901"/>
           </a:xfrm>
         </p:spPr>
@@ -11583,8 +13296,9 @@
           <a:p>
             <a:r>
               <a:rPr lang="en-US" dirty="0" smtClean="0"/>
-              <a:t>TBD- Show how to view this Compliance Report at a later time. </a:t>
-            </a:r>
+              <a:t>Notice how in the upper Summary section in this example, 10 tests were compliant and 6 tests show critical issues with ssh.</a:t>
+            </a:r>
+            <a:endParaRPr lang="en-US" dirty="0" smtClean="0"/>
           </a:p>
           <a:p>
             <a:endParaRPr lang="en-US" dirty="0"/>
@@ -11644,90 +13358,46 @@
           </a:ln>
         </p:spPr>
       </p:pic>
+      <p:cxnSp>
+        <p:nvCxnSpPr>
+          <p:cNvPr id="7" name="Straight Arrow Connector 6"/>
+          <p:cNvCxnSpPr/>
+          <p:nvPr/>
+        </p:nvCxnSpPr>
+        <p:spPr>
+          <a:xfrm flipV="1">
+            <a:off x="4883727" y="2763983"/>
+            <a:ext cx="5133109" cy="2743199"/>
+          </a:xfrm>
+          <a:prstGeom prst="straightConnector1">
+            <a:avLst/>
+          </a:prstGeom>
+          <a:ln w="12700">
+            <a:solidFill>
+              <a:schemeClr val="accent4"/>
+            </a:solidFill>
+            <a:tailEnd type="triangle"/>
+          </a:ln>
+        </p:spPr>
+        <p:style>
+          <a:lnRef idx="3">
+            <a:schemeClr val="accent1"/>
+          </a:lnRef>
+          <a:fillRef idx="0">
+            <a:schemeClr val="accent1"/>
+          </a:fillRef>
+          <a:effectRef idx="2">
+            <a:schemeClr val="accent1"/>
+          </a:effectRef>
+          <a:fontRef idx="minor">
+            <a:schemeClr val="tx1"/>
+          </a:fontRef>
+        </p:style>
+      </p:cxnSp>
     </p:spTree>
     <p:extLst>
       <p:ext uri="{BB962C8B-B14F-4D97-AF65-F5344CB8AC3E}">
         <p14:creationId xmlns:p14="http://schemas.microsoft.com/office/powerpoint/2010/main" val="2224900576"/>
-      </p:ext>
-    </p:extLst>
-  </p:cSld>
-  <p:clrMapOvr>
-    <a:masterClrMapping/>
-  </p:clrMapOvr>
-  <p:transition spd="med">
-    <p:fade/>
-  </p:transition>
-</p:sld>
-</file>
-
-<file path=ppt/slides/slide17.xml><?xml version="1.0" encoding="utf-8"?>
-<p:sld xmlns:a="http://schemas.openxmlformats.org/drawingml/2006/main" xmlns:r="http://schemas.openxmlformats.org/officeDocument/2006/relationships" xmlns:p="http://schemas.openxmlformats.org/presentationml/2006/main">
-  <p:cSld>
-    <p:spTree>
-      <p:nvGrpSpPr>
-        <p:cNvPr id="1" name=""/>
-        <p:cNvGrpSpPr/>
-        <p:nvPr/>
-      </p:nvGrpSpPr>
-      <p:grpSpPr>
-        <a:xfrm>
-          <a:off x="0" y="0"/>
-          <a:ext cx="0" cy="0"/>
-          <a:chOff x="0" y="0"/>
-          <a:chExt cx="0" cy="0"/>
-        </a:xfrm>
-      </p:grpSpPr>
-      <p:sp>
-        <p:nvSpPr>
-          <p:cNvPr id="2" name="Title 1"/>
-          <p:cNvSpPr>
-            <a:spLocks noGrp="1"/>
-          </p:cNvSpPr>
-          <p:nvPr>
-            <p:ph type="ctrTitle"/>
-          </p:nvPr>
-        </p:nvSpPr>
-        <p:spPr/>
-        <p:txBody>
-          <a:bodyPr>
-            <a:normAutofit fontScale="90000"/>
-          </a:bodyPr>
-          <a:lstStyle/>
-          <a:p>
-            <a:endParaRPr lang="en-US"/>
-          </a:p>
-        </p:txBody>
-      </p:sp>
-      <p:sp>
-        <p:nvSpPr>
-          <p:cNvPr id="3" name="Subtitle 2"/>
-          <p:cNvSpPr>
-            <a:spLocks noGrp="1"/>
-          </p:cNvSpPr>
-          <p:nvPr>
-            <p:ph type="subTitle" idx="1"/>
-          </p:nvPr>
-        </p:nvSpPr>
-        <p:spPr/>
-        <p:txBody>
-          <a:bodyPr/>
-          <a:lstStyle/>
-          <a:p>
-            <a:endParaRPr lang="en-US" dirty="0" smtClean="0"/>
-          </a:p>
-          <a:p>
-            <a:r>
-              <a:rPr lang="en-US" dirty="0" smtClean="0"/>
-              <a:t>Need explanation of scan results here.</a:t>
-            </a:r>
-            <a:endParaRPr lang="en-US" dirty="0"/>
-          </a:p>
-        </p:txBody>
-      </p:sp>
-    </p:spTree>
-    <p:extLst>
-      <p:ext uri="{BB962C8B-B14F-4D97-AF65-F5344CB8AC3E}">
-        <p14:creationId xmlns:p14="http://schemas.microsoft.com/office/powerpoint/2010/main" val="389738391"/>
       </p:ext>
     </p:extLst>
   </p:cSld>
@@ -11744,79 +13414,6 @@
       </p:par>
     </p:tnLst>
   </p:timing>
-</p:sld>
-</file>
-
-<file path=ppt/slides/slide18.xml><?xml version="1.0" encoding="utf-8"?>
-<p:sld xmlns:a="http://schemas.openxmlformats.org/drawingml/2006/main" xmlns:r="http://schemas.openxmlformats.org/officeDocument/2006/relationships" xmlns:p="http://schemas.openxmlformats.org/presentationml/2006/main">
-  <p:cSld>
-    <p:spTree>
-      <p:nvGrpSpPr>
-        <p:cNvPr id="1" name=""/>
-        <p:cNvGrpSpPr/>
-        <p:nvPr/>
-      </p:nvGrpSpPr>
-      <p:grpSpPr>
-        <a:xfrm>
-          <a:off x="0" y="0"/>
-          <a:ext cx="0" cy="0"/>
-          <a:chOff x="0" y="0"/>
-          <a:chExt cx="0" cy="0"/>
-        </a:xfrm>
-      </p:grpSpPr>
-      <p:sp>
-        <p:nvSpPr>
-          <p:cNvPr id="2" name="Title 1"/>
-          <p:cNvSpPr>
-            <a:spLocks noGrp="1"/>
-          </p:cNvSpPr>
-          <p:nvPr>
-            <p:ph type="ctrTitle"/>
-          </p:nvPr>
-        </p:nvSpPr>
-        <p:spPr/>
-        <p:txBody>
-          <a:bodyPr>
-            <a:normAutofit fontScale="90000"/>
-          </a:bodyPr>
-          <a:lstStyle/>
-          <a:p>
-            <a:endParaRPr lang="en-US"/>
-          </a:p>
-        </p:txBody>
-      </p:sp>
-      <p:sp>
-        <p:nvSpPr>
-          <p:cNvPr id="3" name="Subtitle 2"/>
-          <p:cNvSpPr>
-            <a:spLocks noGrp="1"/>
-          </p:cNvSpPr>
-          <p:nvPr>
-            <p:ph type="subTitle" idx="1"/>
-          </p:nvPr>
-        </p:nvSpPr>
-        <p:spPr/>
-        <p:txBody>
-          <a:bodyPr/>
-          <a:lstStyle/>
-          <a:p>
-            <a:endParaRPr lang="en-US"/>
-          </a:p>
-        </p:txBody>
-      </p:sp>
-    </p:spTree>
-    <p:extLst>
-      <p:ext uri="{BB962C8B-B14F-4D97-AF65-F5344CB8AC3E}">
-        <p14:creationId xmlns:p14="http://schemas.microsoft.com/office/powerpoint/2010/main" val="3842220861"/>
-      </p:ext>
-    </p:extLst>
-  </p:cSld>
-  <p:clrMapOvr>
-    <a:masterClrMapping/>
-  </p:clrMapOvr>
-  <p:transition spd="med">
-    <p:fade/>
-  </p:transition>
 </p:sld>
 </file>
 
@@ -11844,43 +13441,139 @@
             <a:spLocks noGrp="1"/>
           </p:cNvSpPr>
           <p:nvPr>
-            <p:ph type="ctrTitle"/>
-          </p:nvPr>
-        </p:nvSpPr>
-        <p:spPr/>
+            <p:ph type="title"/>
+          </p:nvPr>
+        </p:nvSpPr>
+        <p:spPr>
+          <a:xfrm>
+            <a:off x="457200" y="304800"/>
+            <a:ext cx="4838700" cy="828675"/>
+          </a:xfrm>
+        </p:spPr>
         <p:txBody>
           <a:bodyPr>
-            <a:normAutofit fontScale="90000"/>
+            <a:normAutofit/>
           </a:bodyPr>
           <a:lstStyle/>
           <a:p>
-            <a:endParaRPr lang="en-US"/>
-          </a:p>
-        </p:txBody>
-      </p:sp>
-      <p:sp>
-        <p:nvSpPr>
-          <p:cNvPr id="3" name="Subtitle 2"/>
-          <p:cNvSpPr>
-            <a:spLocks noGrp="1"/>
-          </p:cNvSpPr>
-          <p:nvPr>
-            <p:ph type="subTitle" idx="1"/>
-          </p:nvPr>
-        </p:nvSpPr>
-        <p:spPr/>
+            <a:r>
+              <a:rPr lang="en-US" dirty="0" smtClean="0"/>
+              <a:t>Scan Results</a:t>
+            </a:r>
+            <a:endParaRPr lang="en-US" dirty="0"/>
+          </a:p>
+        </p:txBody>
+      </p:sp>
+      <p:sp>
+        <p:nvSpPr>
+          <p:cNvPr id="3" name="Text Placeholder 2"/>
+          <p:cNvSpPr>
+            <a:spLocks noGrp="1"/>
+          </p:cNvSpPr>
+          <p:nvPr>
+            <p:ph type="body" sz="quarter" idx="12"/>
+          </p:nvPr>
+        </p:nvSpPr>
+        <p:spPr>
+          <a:xfrm>
+            <a:off x="342900" y="1652155"/>
+            <a:ext cx="4707082" cy="4439901"/>
+          </a:xfrm>
+        </p:spPr>
         <p:txBody>
           <a:bodyPr/>
           <a:lstStyle/>
           <a:p>
-            <a:endParaRPr lang="en-US"/>
-          </a:p>
-        </p:txBody>
-      </p:sp>
+            <a:r>
+              <a:rPr lang="en-US" dirty="0" smtClean="0"/>
+              <a:t>The bottom half of the Compliance Report shown here has a table of details of test results.</a:t>
+            </a:r>
+            <a:endParaRPr lang="en-US" dirty="0"/>
+          </a:p>
+          <a:p>
+            <a:r>
+              <a:rPr lang="en-US" dirty="0" smtClean="0"/>
+              <a:t>These are sorted by severity.</a:t>
+            </a:r>
+          </a:p>
+          <a:p>
+            <a:r>
+              <a:rPr lang="en-US" dirty="0" smtClean="0"/>
+              <a:t>If you click an issue as shown here, a bit more information about the issue displays.</a:t>
+            </a:r>
+            <a:endParaRPr lang="en-US" dirty="0"/>
+          </a:p>
+        </p:txBody>
+      </p:sp>
+      <p:pic>
+        <p:nvPicPr>
+          <p:cNvPr id="5" name="Picture 4"/>
+          <p:cNvPicPr>
+            <a:picLocks noChangeAspect="1"/>
+          </p:cNvPicPr>
+          <p:nvPr/>
+        </p:nvPicPr>
+        <p:blipFill>
+          <a:blip r:embed="rId3"/>
+          <a:stretch>
+            <a:fillRect/>
+          </a:stretch>
+        </p:blipFill>
+        <p:spPr>
+          <a:xfrm>
+            <a:off x="5623471" y="2236210"/>
+            <a:ext cx="10539779" cy="3790518"/>
+          </a:xfrm>
+          <a:prstGeom prst="rect">
+            <a:avLst/>
+          </a:prstGeom>
+          <a:ln>
+            <a:solidFill>
+              <a:schemeClr val="accent1"/>
+            </a:solidFill>
+          </a:ln>
+        </p:spPr>
+      </p:pic>
+      <p:cxnSp>
+        <p:nvCxnSpPr>
+          <p:cNvPr id="9" name="Straight Arrow Connector 8"/>
+          <p:cNvCxnSpPr/>
+          <p:nvPr/>
+        </p:nvCxnSpPr>
+        <p:spPr>
+          <a:xfrm>
+            <a:off x="4094018" y="2327564"/>
+            <a:ext cx="1201882" cy="249381"/>
+          </a:xfrm>
+          <a:prstGeom prst="straightConnector1">
+            <a:avLst/>
+          </a:prstGeom>
+          <a:ln w="12700">
+            <a:solidFill>
+              <a:schemeClr val="accent4"/>
+            </a:solidFill>
+            <a:tailEnd type="triangle"/>
+          </a:ln>
+        </p:spPr>
+        <p:style>
+          <a:lnRef idx="3">
+            <a:schemeClr val="accent1"/>
+          </a:lnRef>
+          <a:fillRef idx="0">
+            <a:schemeClr val="accent1"/>
+          </a:fillRef>
+          <a:effectRef idx="2">
+            <a:schemeClr val="accent1"/>
+          </a:effectRef>
+          <a:fontRef idx="minor">
+            <a:schemeClr val="tx1"/>
+          </a:fontRef>
+        </p:style>
+      </p:cxnSp>
     </p:spTree>
     <p:extLst>
       <p:ext uri="{BB962C8B-B14F-4D97-AF65-F5344CB8AC3E}">
-        <p14:creationId xmlns:p14="http://schemas.microsoft.com/office/powerpoint/2010/main" val="3953335903"/>
+        <p14:creationId xmlns:p14="http://schemas.microsoft.com/office/powerpoint/2010/main" val="2780391815"/>
       </p:ext>
     </p:extLst>
   </p:cSld>
@@ -11890,6 +13583,13 @@
   <p:transition spd="med">
     <p:fade/>
   </p:transition>
+  <p:timing>
+    <p:tnLst>
+      <p:par>
+        <p:cTn id="1" dur="indefinite" restart="never" nodeType="tmRoot"/>
+      </p:par>
+    </p:tnLst>
+  </p:timing>
 </p:sld>
 </file>
 
@@ -12009,7 +13709,11 @@
             </a:pPr>
             <a:r>
               <a:rPr lang="en-US" dirty="0" smtClean="0"/>
-              <a:t>Run a Compliance scan.</a:t>
+              <a:t>Run a Compliance scan</a:t>
+            </a:r>
+            <a:r>
+              <a:rPr lang="en-US" dirty="0" smtClean="0"/>
+              <a:t>.</a:t>
             </a:r>
           </a:p>
           <a:p>
@@ -12019,7 +13723,22 @@
             </a:pPr>
             <a:r>
               <a:rPr lang="en-US" dirty="0" smtClean="0"/>
-              <a:t>Set up Compliance key pairs.</a:t>
+              <a:t>Interpret scan results.</a:t>
+            </a:r>
+            <a:endParaRPr lang="en-US" dirty="0" smtClean="0"/>
+          </a:p>
+          <a:p>
+            <a:pPr marL="457200" indent="-457200">
+              <a:buFont typeface="Wingdings" charset="2"/>
+              <a:buChar char="Ø"/>
+            </a:pPr>
+            <a:r>
+              <a:rPr lang="en-US" dirty="0" smtClean="0"/>
+              <a:t>Explain where to set up security key </a:t>
+            </a:r>
+            <a:r>
+              <a:rPr lang="en-US" dirty="0" smtClean="0"/>
+              <a:t>pairs.</a:t>
             </a:r>
             <a:endParaRPr lang="en-US" dirty="0"/>
           </a:p>
@@ -12065,6 +13784,986 @@
           <a:chExt cx="0" cy="0"/>
         </a:xfrm>
       </p:grpSpPr>
+      <p:pic>
+        <p:nvPicPr>
+          <p:cNvPr id="18" name="Picture 17"/>
+          <p:cNvPicPr>
+            <a:picLocks noChangeAspect="1"/>
+          </p:cNvPicPr>
+          <p:nvPr/>
+        </p:nvPicPr>
+        <p:blipFill>
+          <a:blip r:embed="rId3"/>
+          <a:stretch>
+            <a:fillRect/>
+          </a:stretch>
+        </p:blipFill>
+        <p:spPr>
+          <a:xfrm>
+            <a:off x="7309713" y="318576"/>
+            <a:ext cx="5934075" cy="3505200"/>
+          </a:xfrm>
+          <a:prstGeom prst="rect">
+            <a:avLst/>
+          </a:prstGeom>
+          <a:ln>
+            <a:solidFill>
+              <a:schemeClr val="accent1"/>
+            </a:solidFill>
+          </a:ln>
+        </p:spPr>
+      </p:pic>
+      <p:sp>
+        <p:nvSpPr>
+          <p:cNvPr id="2" name="Title 1"/>
+          <p:cNvSpPr>
+            <a:spLocks noGrp="1"/>
+          </p:cNvSpPr>
+          <p:nvPr>
+            <p:ph type="title"/>
+          </p:nvPr>
+        </p:nvSpPr>
+        <p:spPr>
+          <a:xfrm>
+            <a:off x="457199" y="304800"/>
+            <a:ext cx="6089073" cy="911752"/>
+          </a:xfrm>
+        </p:spPr>
+        <p:txBody>
+          <a:bodyPr>
+            <a:normAutofit fontScale="90000"/>
+          </a:bodyPr>
+          <a:lstStyle/>
+          <a:p>
+            <a:r>
+              <a:rPr lang="en-US" dirty="0" smtClean="0"/>
+              <a:t>GE: Scan </a:t>
+            </a:r>
+            <a:r>
+              <a:rPr lang="en-US" dirty="0" smtClean="0"/>
+              <a:t>Results</a:t>
+            </a:r>
+            <a:endParaRPr lang="en-US" dirty="0"/>
+          </a:p>
+        </p:txBody>
+      </p:sp>
+      <p:sp>
+        <p:nvSpPr>
+          <p:cNvPr id="3" name="Text Placeholder 2"/>
+          <p:cNvSpPr>
+            <a:spLocks noGrp="1"/>
+          </p:cNvSpPr>
+          <p:nvPr>
+            <p:ph type="body" sz="quarter" idx="12"/>
+          </p:nvPr>
+        </p:nvSpPr>
+        <p:spPr>
+          <a:xfrm>
+            <a:off x="342900" y="1428751"/>
+            <a:ext cx="4707082" cy="6156614"/>
+          </a:xfrm>
+        </p:spPr>
+        <p:txBody>
+          <a:bodyPr/>
+          <a:lstStyle/>
+          <a:p>
+            <a:r>
+              <a:rPr lang="en-US" dirty="0" smtClean="0"/>
+              <a:t>To view the </a:t>
+            </a:r>
+            <a:r>
+              <a:rPr lang="en-US" dirty="0" err="1" smtClean="0"/>
+              <a:t>InfoSpec</a:t>
+            </a:r>
+            <a:r>
+              <a:rPr lang="en-US" dirty="0" smtClean="0"/>
+              <a:t> code that comprises this profile, do the following:</a:t>
+            </a:r>
+          </a:p>
+          <a:p>
+            <a:endParaRPr lang="en-US" dirty="0"/>
+          </a:p>
+          <a:p>
+            <a:pPr marL="514350" indent="-514350">
+              <a:buFont typeface="+mj-lt"/>
+              <a:buAutoNum type="arabicPeriod"/>
+            </a:pPr>
+            <a:r>
+              <a:rPr lang="en-US" dirty="0" smtClean="0"/>
+              <a:t>Click the </a:t>
+            </a:r>
+            <a:r>
+              <a:rPr lang="en-US" b="1" dirty="0" smtClean="0"/>
+              <a:t>Compliance</a:t>
+            </a:r>
+            <a:r>
+              <a:rPr lang="en-US" dirty="0" smtClean="0"/>
+              <a:t> button.</a:t>
+            </a:r>
+          </a:p>
+          <a:p>
+            <a:pPr marL="514350" indent="-514350">
+              <a:buFont typeface="+mj-lt"/>
+              <a:buAutoNum type="arabicPeriod"/>
+            </a:pPr>
+            <a:r>
+              <a:rPr lang="en-US" dirty="0" smtClean="0"/>
+              <a:t>Click the relevant profile (</a:t>
+            </a:r>
+            <a:r>
+              <a:rPr lang="en-US" b="1" dirty="0" smtClean="0"/>
+              <a:t>Basic SSH</a:t>
+            </a:r>
+            <a:r>
+              <a:rPr lang="en-US" dirty="0" smtClean="0"/>
+              <a:t>).</a:t>
+            </a:r>
+          </a:p>
+          <a:p>
+            <a:pPr marL="514350" indent="-514350">
+              <a:buFont typeface="+mj-lt"/>
+              <a:buAutoNum type="arabicPeriod"/>
+            </a:pPr>
+            <a:r>
+              <a:rPr lang="en-US" dirty="0" smtClean="0"/>
+              <a:t>Scroll down and click the `</a:t>
+            </a:r>
+            <a:r>
+              <a:rPr lang="en-US" b="1" dirty="0"/>
+              <a:t>Set SSH protocol version to </a:t>
+            </a:r>
+            <a:r>
+              <a:rPr lang="en-US" b="1" dirty="0" smtClean="0"/>
+              <a:t>2</a:t>
+            </a:r>
+            <a:r>
+              <a:rPr lang="en-US" dirty="0" smtClean="0"/>
+              <a:t>` profile.</a:t>
+            </a:r>
+            <a:endParaRPr lang="en-US" dirty="0"/>
+          </a:p>
+        </p:txBody>
+      </p:sp>
+      <p:pic>
+        <p:nvPicPr>
+          <p:cNvPr id="7" name="Picture 6"/>
+          <p:cNvPicPr>
+            <a:picLocks noChangeAspect="1"/>
+          </p:cNvPicPr>
+          <p:nvPr/>
+        </p:nvPicPr>
+        <p:blipFill>
+          <a:blip r:embed="rId4"/>
+          <a:stretch>
+            <a:fillRect/>
+          </a:stretch>
+        </p:blipFill>
+        <p:spPr>
+          <a:xfrm>
+            <a:off x="11226220" y="1216552"/>
+            <a:ext cx="4921251" cy="3645765"/>
+          </a:xfrm>
+          <a:prstGeom prst="rect">
+            <a:avLst/>
+          </a:prstGeom>
+          <a:ln>
+            <a:solidFill>
+              <a:schemeClr val="accent1"/>
+            </a:solidFill>
+          </a:ln>
+        </p:spPr>
+      </p:pic>
+      <p:pic>
+        <p:nvPicPr>
+          <p:cNvPr id="8" name="Picture 7"/>
+          <p:cNvPicPr>
+            <a:picLocks noChangeAspect="1"/>
+          </p:cNvPicPr>
+          <p:nvPr/>
+        </p:nvPicPr>
+        <p:blipFill>
+          <a:blip r:embed="rId5"/>
+          <a:stretch>
+            <a:fillRect/>
+          </a:stretch>
+        </p:blipFill>
+        <p:spPr>
+          <a:xfrm>
+            <a:off x="7535282" y="4814930"/>
+            <a:ext cx="7381875" cy="3228975"/>
+          </a:xfrm>
+          <a:prstGeom prst="rect">
+            <a:avLst/>
+          </a:prstGeom>
+          <a:ln>
+            <a:solidFill>
+              <a:schemeClr val="accent1"/>
+            </a:solidFill>
+          </a:ln>
+        </p:spPr>
+      </p:pic>
+      <p:cxnSp>
+        <p:nvCxnSpPr>
+          <p:cNvPr id="9" name="Straight Arrow Connector 8"/>
+          <p:cNvCxnSpPr/>
+          <p:nvPr/>
+        </p:nvCxnSpPr>
+        <p:spPr>
+          <a:xfrm flipV="1">
+            <a:off x="4967142" y="2876550"/>
+            <a:ext cx="2900508" cy="1104431"/>
+          </a:xfrm>
+          <a:prstGeom prst="straightConnector1">
+            <a:avLst/>
+          </a:prstGeom>
+          <a:ln w="28575">
+            <a:solidFill>
+              <a:schemeClr val="accent1"/>
+            </a:solidFill>
+            <a:tailEnd type="triangle"/>
+          </a:ln>
+        </p:spPr>
+        <p:style>
+          <a:lnRef idx="3">
+            <a:schemeClr val="accent1"/>
+          </a:lnRef>
+          <a:fillRef idx="0">
+            <a:schemeClr val="accent1"/>
+          </a:fillRef>
+          <a:effectRef idx="2">
+            <a:schemeClr val="accent1"/>
+          </a:effectRef>
+          <a:fontRef idx="minor">
+            <a:schemeClr val="tx1"/>
+          </a:fontRef>
+        </p:style>
+      </p:cxnSp>
+      <p:cxnSp>
+        <p:nvCxnSpPr>
+          <p:cNvPr id="13" name="Straight Arrow Connector 12"/>
+          <p:cNvCxnSpPr/>
+          <p:nvPr/>
+        </p:nvCxnSpPr>
+        <p:spPr>
+          <a:xfrm flipV="1">
+            <a:off x="4490892" y="4438650"/>
+            <a:ext cx="9129858" cy="1180631"/>
+          </a:xfrm>
+          <a:prstGeom prst="straightConnector1">
+            <a:avLst/>
+          </a:prstGeom>
+          <a:ln w="28575">
+            <a:solidFill>
+              <a:schemeClr val="accent1"/>
+            </a:solidFill>
+            <a:tailEnd type="triangle"/>
+          </a:ln>
+        </p:spPr>
+        <p:style>
+          <a:lnRef idx="3">
+            <a:schemeClr val="accent1"/>
+          </a:lnRef>
+          <a:fillRef idx="0">
+            <a:schemeClr val="accent1"/>
+          </a:fillRef>
+          <a:effectRef idx="2">
+            <a:schemeClr val="accent1"/>
+          </a:effectRef>
+          <a:fontRef idx="minor">
+            <a:schemeClr val="tx1"/>
+          </a:fontRef>
+        </p:style>
+      </p:cxnSp>
+      <p:cxnSp>
+        <p:nvCxnSpPr>
+          <p:cNvPr id="15" name="Straight Arrow Connector 14"/>
+          <p:cNvCxnSpPr/>
+          <p:nvPr/>
+        </p:nvCxnSpPr>
+        <p:spPr>
+          <a:xfrm flipV="1">
+            <a:off x="5295900" y="5831480"/>
+            <a:ext cx="3543300" cy="1026520"/>
+          </a:xfrm>
+          <a:prstGeom prst="straightConnector1">
+            <a:avLst/>
+          </a:prstGeom>
+          <a:ln w="28575">
+            <a:solidFill>
+              <a:schemeClr val="accent1"/>
+            </a:solidFill>
+            <a:tailEnd type="triangle"/>
+          </a:ln>
+        </p:spPr>
+        <p:style>
+          <a:lnRef idx="3">
+            <a:schemeClr val="accent1"/>
+          </a:lnRef>
+          <a:fillRef idx="0">
+            <a:schemeClr val="accent1"/>
+          </a:fillRef>
+          <a:effectRef idx="2">
+            <a:schemeClr val="accent1"/>
+          </a:effectRef>
+          <a:fontRef idx="minor">
+            <a:schemeClr val="tx1"/>
+          </a:fontRef>
+        </p:style>
+      </p:cxnSp>
+    </p:spTree>
+    <p:extLst>
+      <p:ext uri="{BB962C8B-B14F-4D97-AF65-F5344CB8AC3E}">
+        <p14:creationId xmlns:p14="http://schemas.microsoft.com/office/powerpoint/2010/main" val="3577483553"/>
+      </p:ext>
+    </p:extLst>
+  </p:cSld>
+  <p:clrMapOvr>
+    <a:masterClrMapping/>
+  </p:clrMapOvr>
+  <p:transition spd="med">
+    <p:fade/>
+  </p:transition>
+  <p:timing>
+    <p:tnLst>
+      <p:par>
+        <p:cTn id="1" dur="indefinite" restart="never" nodeType="tmRoot"/>
+      </p:par>
+    </p:tnLst>
+  </p:timing>
+</p:sld>
+</file>
+
+<file path=ppt/slides/slide21.xml><?xml version="1.0" encoding="utf-8"?>
+<p:sld xmlns:a="http://schemas.openxmlformats.org/drawingml/2006/main" xmlns:r="http://schemas.openxmlformats.org/officeDocument/2006/relationships" xmlns:p="http://schemas.openxmlformats.org/presentationml/2006/main">
+  <p:cSld>
+    <p:spTree>
+      <p:nvGrpSpPr>
+        <p:cNvPr id="1" name=""/>
+        <p:cNvGrpSpPr/>
+        <p:nvPr/>
+      </p:nvGrpSpPr>
+      <p:grpSpPr>
+        <a:xfrm>
+          <a:off x="0" y="0"/>
+          <a:ext cx="0" cy="0"/>
+          <a:chOff x="0" y="0"/>
+          <a:chExt cx="0" cy="0"/>
+        </a:xfrm>
+      </p:grpSpPr>
+      <p:sp>
+        <p:nvSpPr>
+          <p:cNvPr id="2" name="Title 1"/>
+          <p:cNvSpPr>
+            <a:spLocks noGrp="1"/>
+          </p:cNvSpPr>
+          <p:nvPr>
+            <p:ph type="title"/>
+          </p:nvPr>
+        </p:nvSpPr>
+        <p:spPr>
+          <a:xfrm>
+            <a:off x="457199" y="304800"/>
+            <a:ext cx="6089073" cy="911752"/>
+          </a:xfrm>
+        </p:spPr>
+        <p:txBody>
+          <a:bodyPr>
+            <a:normAutofit fontScale="90000"/>
+          </a:bodyPr>
+          <a:lstStyle/>
+          <a:p>
+            <a:r>
+              <a:rPr lang="en-US" dirty="0" smtClean="0"/>
+              <a:t>GE: Scan </a:t>
+            </a:r>
+            <a:r>
+              <a:rPr lang="en-US" dirty="0" smtClean="0"/>
+              <a:t>Results</a:t>
+            </a:r>
+            <a:endParaRPr lang="en-US" dirty="0"/>
+          </a:p>
+        </p:txBody>
+      </p:sp>
+      <p:sp>
+        <p:nvSpPr>
+          <p:cNvPr id="3" name="Text Placeholder 2"/>
+          <p:cNvSpPr>
+            <a:spLocks noGrp="1"/>
+          </p:cNvSpPr>
+          <p:nvPr>
+            <p:ph type="body" sz="quarter" idx="12"/>
+          </p:nvPr>
+        </p:nvSpPr>
+        <p:spPr>
+          <a:xfrm>
+            <a:off x="342900" y="1314451"/>
+            <a:ext cx="4707082" cy="6156614"/>
+          </a:xfrm>
+        </p:spPr>
+        <p:txBody>
+          <a:bodyPr/>
+          <a:lstStyle/>
+          <a:p>
+            <a:r>
+              <a:rPr lang="en-US" dirty="0" smtClean="0"/>
+              <a:t>Let's discuss what this profile is doing.</a:t>
+            </a:r>
+          </a:p>
+          <a:p>
+            <a:endParaRPr lang="en-US" dirty="0"/>
+          </a:p>
+          <a:p>
+            <a:r>
+              <a:rPr lang="en-US" sz="2800" dirty="0" smtClean="0"/>
+              <a:t>The impact of 1.0 indicates this is a </a:t>
+            </a:r>
+            <a:r>
+              <a:rPr lang="en-US" sz="2800" dirty="0" smtClean="0"/>
+              <a:t>Major </a:t>
+            </a:r>
+            <a:r>
+              <a:rPr lang="en-US" sz="2800" dirty="0" smtClean="0"/>
+              <a:t>issue.</a:t>
+            </a:r>
+          </a:p>
+          <a:p>
+            <a:endParaRPr lang="en-US" sz="2800" dirty="0" smtClean="0"/>
+          </a:p>
+          <a:p>
+            <a:r>
+              <a:rPr lang="en-US" sz="2800" dirty="0" smtClean="0"/>
+              <a:t>The title is what populates the Compliance Report issue title.</a:t>
+            </a:r>
+          </a:p>
+          <a:p>
+            <a:endParaRPr lang="en-US" sz="2800" dirty="0" smtClean="0"/>
+          </a:p>
+          <a:p>
+            <a:r>
+              <a:rPr lang="en-US" sz="2800" dirty="0" smtClean="0"/>
+              <a:t>The describe section is the actual test.</a:t>
+            </a:r>
+          </a:p>
+          <a:p>
+            <a:endParaRPr lang="en-US" dirty="0" smtClean="0"/>
+          </a:p>
+          <a:p>
+            <a:endParaRPr lang="en-US" dirty="0" smtClean="0"/>
+          </a:p>
+          <a:p>
+            <a:endParaRPr lang="en-US" dirty="0" smtClean="0"/>
+          </a:p>
+          <a:p>
+            <a:endParaRPr lang="en-US" dirty="0"/>
+          </a:p>
+          <a:p>
+            <a:endParaRPr lang="en-US" dirty="0"/>
+          </a:p>
+        </p:txBody>
+      </p:sp>
+      <p:pic>
+        <p:nvPicPr>
+          <p:cNvPr id="8" name="Picture 7"/>
+          <p:cNvPicPr>
+            <a:picLocks noChangeAspect="1"/>
+          </p:cNvPicPr>
+          <p:nvPr/>
+        </p:nvPicPr>
+        <p:blipFill>
+          <a:blip r:embed="rId3"/>
+          <a:stretch>
+            <a:fillRect/>
+          </a:stretch>
+        </p:blipFill>
+        <p:spPr>
+          <a:xfrm>
+            <a:off x="5281258" y="1428751"/>
+            <a:ext cx="10887719" cy="4762499"/>
+          </a:xfrm>
+          <a:prstGeom prst="rect">
+            <a:avLst/>
+          </a:prstGeom>
+          <a:ln>
+            <a:solidFill>
+              <a:schemeClr val="accent1"/>
+            </a:solidFill>
+          </a:ln>
+        </p:spPr>
+      </p:pic>
+      <p:cxnSp>
+        <p:nvCxnSpPr>
+          <p:cNvPr id="10" name="Straight Arrow Connector 9"/>
+          <p:cNvCxnSpPr/>
+          <p:nvPr/>
+        </p:nvCxnSpPr>
+        <p:spPr>
+          <a:xfrm>
+            <a:off x="4133850" y="3752851"/>
+            <a:ext cx="3409950" cy="292222"/>
+          </a:xfrm>
+          <a:prstGeom prst="straightConnector1">
+            <a:avLst/>
+          </a:prstGeom>
+          <a:ln w="28575">
+            <a:solidFill>
+              <a:schemeClr val="accent1"/>
+            </a:solidFill>
+            <a:tailEnd type="triangle"/>
+          </a:ln>
+        </p:spPr>
+        <p:style>
+          <a:lnRef idx="3">
+            <a:schemeClr val="accent1"/>
+          </a:lnRef>
+          <a:fillRef idx="0">
+            <a:schemeClr val="accent1"/>
+          </a:fillRef>
+          <a:effectRef idx="2">
+            <a:schemeClr val="accent1"/>
+          </a:effectRef>
+          <a:fontRef idx="minor">
+            <a:schemeClr val="tx1"/>
+          </a:fontRef>
+        </p:style>
+      </p:cxnSp>
+      <p:cxnSp>
+        <p:nvCxnSpPr>
+          <p:cNvPr id="11" name="Straight Arrow Connector 10"/>
+          <p:cNvCxnSpPr/>
+          <p:nvPr/>
+        </p:nvCxnSpPr>
+        <p:spPr>
+          <a:xfrm flipV="1">
+            <a:off x="4572000" y="4392758"/>
+            <a:ext cx="3733800" cy="712644"/>
+          </a:xfrm>
+          <a:prstGeom prst="straightConnector1">
+            <a:avLst/>
+          </a:prstGeom>
+          <a:ln w="28575">
+            <a:solidFill>
+              <a:schemeClr val="accent1"/>
+            </a:solidFill>
+            <a:tailEnd type="triangle"/>
+          </a:ln>
+        </p:spPr>
+        <p:style>
+          <a:lnRef idx="3">
+            <a:schemeClr val="accent1"/>
+          </a:lnRef>
+          <a:fillRef idx="0">
+            <a:schemeClr val="accent1"/>
+          </a:fillRef>
+          <a:effectRef idx="2">
+            <a:schemeClr val="accent1"/>
+          </a:effectRef>
+          <a:fontRef idx="minor">
+            <a:schemeClr val="tx1"/>
+          </a:fontRef>
+        </p:style>
+      </p:cxnSp>
+      <p:cxnSp>
+        <p:nvCxnSpPr>
+          <p:cNvPr id="15" name="Straight Arrow Connector 14"/>
+          <p:cNvCxnSpPr/>
+          <p:nvPr/>
+        </p:nvCxnSpPr>
+        <p:spPr>
+          <a:xfrm flipV="1">
+            <a:off x="4400550" y="5581650"/>
+            <a:ext cx="3276600" cy="1541730"/>
+          </a:xfrm>
+          <a:prstGeom prst="straightConnector1">
+            <a:avLst/>
+          </a:prstGeom>
+          <a:ln w="28575">
+            <a:solidFill>
+              <a:schemeClr val="accent1"/>
+            </a:solidFill>
+            <a:tailEnd type="triangle"/>
+          </a:ln>
+        </p:spPr>
+        <p:style>
+          <a:lnRef idx="3">
+            <a:schemeClr val="accent1"/>
+          </a:lnRef>
+          <a:fillRef idx="0">
+            <a:schemeClr val="accent1"/>
+          </a:fillRef>
+          <a:effectRef idx="2">
+            <a:schemeClr val="accent1"/>
+          </a:effectRef>
+          <a:fontRef idx="minor">
+            <a:schemeClr val="tx1"/>
+          </a:fontRef>
+        </p:style>
+      </p:cxnSp>
+    </p:spTree>
+    <p:extLst>
+      <p:ext uri="{BB962C8B-B14F-4D97-AF65-F5344CB8AC3E}">
+        <p14:creationId xmlns:p14="http://schemas.microsoft.com/office/powerpoint/2010/main" val="1080805466"/>
+      </p:ext>
+    </p:extLst>
+  </p:cSld>
+  <p:clrMapOvr>
+    <a:masterClrMapping/>
+  </p:clrMapOvr>
+  <p:transition spd="med">
+    <p:fade/>
+  </p:transition>
+  <p:timing>
+    <p:tnLst>
+      <p:par>
+        <p:cTn id="1" dur="indefinite" restart="never" nodeType="tmRoot"/>
+      </p:par>
+    </p:tnLst>
+  </p:timing>
+</p:sld>
+</file>
+
+<file path=ppt/slides/slide22.xml><?xml version="1.0" encoding="utf-8"?>
+<p:sld xmlns:a="http://schemas.openxmlformats.org/drawingml/2006/main" xmlns:r="http://schemas.openxmlformats.org/officeDocument/2006/relationships" xmlns:p="http://schemas.openxmlformats.org/presentationml/2006/main">
+  <p:cSld>
+    <p:spTree>
+      <p:nvGrpSpPr>
+        <p:cNvPr id="1" name=""/>
+        <p:cNvGrpSpPr/>
+        <p:nvPr/>
+      </p:nvGrpSpPr>
+      <p:grpSpPr>
+        <a:xfrm>
+          <a:off x="0" y="0"/>
+          <a:ext cx="0" cy="0"/>
+          <a:chOff x="0" y="0"/>
+          <a:chExt cx="0" cy="0"/>
+        </a:xfrm>
+      </p:grpSpPr>
+      <p:sp>
+        <p:nvSpPr>
+          <p:cNvPr id="2" name="Title 1"/>
+          <p:cNvSpPr>
+            <a:spLocks noGrp="1"/>
+          </p:cNvSpPr>
+          <p:nvPr>
+            <p:ph type="ctrTitle"/>
+          </p:nvPr>
+        </p:nvSpPr>
+        <p:spPr/>
+        <p:txBody>
+          <a:bodyPr>
+            <a:normAutofit fontScale="90000"/>
+          </a:bodyPr>
+          <a:lstStyle/>
+          <a:p>
+            <a:endParaRPr lang="en-US" dirty="0"/>
+          </a:p>
+        </p:txBody>
+      </p:sp>
+      <p:sp>
+        <p:nvSpPr>
+          <p:cNvPr id="3" name="Subtitle 2"/>
+          <p:cNvSpPr>
+            <a:spLocks noGrp="1"/>
+          </p:cNvSpPr>
+          <p:nvPr>
+            <p:ph type="subTitle" idx="1"/>
+          </p:nvPr>
+        </p:nvSpPr>
+        <p:spPr>
+          <a:xfrm>
+            <a:off x="1671638" y="3271838"/>
+            <a:ext cx="12319000" cy="4317682"/>
+          </a:xfrm>
+        </p:spPr>
+        <p:txBody>
+          <a:bodyPr/>
+          <a:lstStyle/>
+          <a:p>
+            <a:r>
+              <a:rPr lang="en-US" dirty="0" smtClean="0"/>
+              <a:t>Adding </a:t>
+            </a:r>
+            <a:r>
+              <a:rPr lang="en-US" dirty="0" smtClean="0"/>
+              <a:t>a</a:t>
+            </a:r>
+            <a:endParaRPr lang="en-US" dirty="0" smtClean="0"/>
+          </a:p>
+        </p:txBody>
+      </p:sp>
+    </p:spTree>
+    <p:extLst>
+      <p:ext uri="{BB962C8B-B14F-4D97-AF65-F5344CB8AC3E}">
+        <p14:creationId xmlns:p14="http://schemas.microsoft.com/office/powerpoint/2010/main" val="847587243"/>
+      </p:ext>
+    </p:extLst>
+  </p:cSld>
+  <p:clrMapOvr>
+    <a:masterClrMapping/>
+  </p:clrMapOvr>
+  <p:transition spd="med">
+    <p:fade/>
+  </p:transition>
+  <p:timing>
+    <p:tnLst>
+      <p:par>
+        <p:cTn id="1" dur="indefinite" restart="never" nodeType="tmRoot"/>
+      </p:par>
+    </p:tnLst>
+  </p:timing>
+</p:sld>
+</file>
+
+<file path=ppt/slides/slide23.xml><?xml version="1.0" encoding="utf-8"?>
+<p:sld xmlns:a="http://schemas.openxmlformats.org/drawingml/2006/main" xmlns:r="http://schemas.openxmlformats.org/officeDocument/2006/relationships" xmlns:p="http://schemas.openxmlformats.org/presentationml/2006/main">
+  <p:cSld>
+    <p:spTree>
+      <p:nvGrpSpPr>
+        <p:cNvPr id="1" name=""/>
+        <p:cNvGrpSpPr/>
+        <p:nvPr/>
+      </p:nvGrpSpPr>
+      <p:grpSpPr>
+        <a:xfrm>
+          <a:off x="0" y="0"/>
+          <a:ext cx="0" cy="0"/>
+          <a:chOff x="0" y="0"/>
+          <a:chExt cx="0" cy="0"/>
+        </a:xfrm>
+      </p:grpSpPr>
+      <p:sp>
+        <p:nvSpPr>
+          <p:cNvPr id="2" name="Title 1"/>
+          <p:cNvSpPr>
+            <a:spLocks noGrp="1"/>
+          </p:cNvSpPr>
+          <p:nvPr>
+            <p:ph type="ctrTitle"/>
+          </p:nvPr>
+        </p:nvSpPr>
+        <p:spPr/>
+        <p:txBody>
+          <a:bodyPr>
+            <a:normAutofit fontScale="90000"/>
+          </a:bodyPr>
+          <a:lstStyle/>
+          <a:p>
+            <a:endParaRPr lang="en-US"/>
+          </a:p>
+        </p:txBody>
+      </p:sp>
+      <p:sp>
+        <p:nvSpPr>
+          <p:cNvPr id="3" name="Subtitle 2"/>
+          <p:cNvSpPr>
+            <a:spLocks noGrp="1"/>
+          </p:cNvSpPr>
+          <p:nvPr>
+            <p:ph type="subTitle" idx="1"/>
+          </p:nvPr>
+        </p:nvSpPr>
+        <p:spPr/>
+        <p:txBody>
+          <a:bodyPr/>
+          <a:lstStyle/>
+          <a:p>
+            <a:endParaRPr lang="en-US" dirty="0" smtClean="0"/>
+          </a:p>
+          <a:p>
+            <a:r>
+              <a:rPr lang="en-US" dirty="0" smtClean="0"/>
+              <a:t>Need explanation of scan results here.</a:t>
+            </a:r>
+            <a:endParaRPr lang="en-US" dirty="0"/>
+          </a:p>
+        </p:txBody>
+      </p:sp>
+    </p:spTree>
+    <p:extLst>
+      <p:ext uri="{BB962C8B-B14F-4D97-AF65-F5344CB8AC3E}">
+        <p14:creationId xmlns:p14="http://schemas.microsoft.com/office/powerpoint/2010/main" val="389738391"/>
+      </p:ext>
+    </p:extLst>
+  </p:cSld>
+  <p:clrMapOvr>
+    <a:masterClrMapping/>
+  </p:clrMapOvr>
+  <p:transition spd="med">
+    <p:fade/>
+  </p:transition>
+  <p:timing>
+    <p:tnLst>
+      <p:par>
+        <p:cTn id="1" dur="indefinite" restart="never" nodeType="tmRoot"/>
+      </p:par>
+    </p:tnLst>
+  </p:timing>
+</p:sld>
+</file>
+
+<file path=ppt/slides/slide24.xml><?xml version="1.0" encoding="utf-8"?>
+<p:sld xmlns:a="http://schemas.openxmlformats.org/drawingml/2006/main" xmlns:r="http://schemas.openxmlformats.org/officeDocument/2006/relationships" xmlns:p="http://schemas.openxmlformats.org/presentationml/2006/main">
+  <p:cSld>
+    <p:spTree>
+      <p:nvGrpSpPr>
+        <p:cNvPr id="1" name=""/>
+        <p:cNvGrpSpPr/>
+        <p:nvPr/>
+      </p:nvGrpSpPr>
+      <p:grpSpPr>
+        <a:xfrm>
+          <a:off x="0" y="0"/>
+          <a:ext cx="0" cy="0"/>
+          <a:chOff x="0" y="0"/>
+          <a:chExt cx="0" cy="0"/>
+        </a:xfrm>
+      </p:grpSpPr>
+      <p:sp>
+        <p:nvSpPr>
+          <p:cNvPr id="2" name="Title 1"/>
+          <p:cNvSpPr>
+            <a:spLocks noGrp="1"/>
+          </p:cNvSpPr>
+          <p:nvPr>
+            <p:ph type="ctrTitle"/>
+          </p:nvPr>
+        </p:nvSpPr>
+        <p:spPr/>
+        <p:txBody>
+          <a:bodyPr>
+            <a:normAutofit fontScale="90000"/>
+          </a:bodyPr>
+          <a:lstStyle/>
+          <a:p>
+            <a:endParaRPr lang="en-US"/>
+          </a:p>
+        </p:txBody>
+      </p:sp>
+      <p:sp>
+        <p:nvSpPr>
+          <p:cNvPr id="3" name="Subtitle 2"/>
+          <p:cNvSpPr>
+            <a:spLocks noGrp="1"/>
+          </p:cNvSpPr>
+          <p:nvPr>
+            <p:ph type="subTitle" idx="1"/>
+          </p:nvPr>
+        </p:nvSpPr>
+        <p:spPr/>
+        <p:txBody>
+          <a:bodyPr/>
+          <a:lstStyle/>
+          <a:p>
+            <a:endParaRPr lang="en-US"/>
+          </a:p>
+        </p:txBody>
+      </p:sp>
+    </p:spTree>
+    <p:extLst>
+      <p:ext uri="{BB962C8B-B14F-4D97-AF65-F5344CB8AC3E}">
+        <p14:creationId xmlns:p14="http://schemas.microsoft.com/office/powerpoint/2010/main" val="3842220861"/>
+      </p:ext>
+    </p:extLst>
+  </p:cSld>
+  <p:clrMapOvr>
+    <a:masterClrMapping/>
+  </p:clrMapOvr>
+  <p:transition spd="med">
+    <p:fade/>
+  </p:transition>
+</p:sld>
+</file>
+
+<file path=ppt/slides/slide25.xml><?xml version="1.0" encoding="utf-8"?>
+<p:sld xmlns:a="http://schemas.openxmlformats.org/drawingml/2006/main" xmlns:r="http://schemas.openxmlformats.org/officeDocument/2006/relationships" xmlns:p="http://schemas.openxmlformats.org/presentationml/2006/main">
+  <p:cSld>
+    <p:spTree>
+      <p:nvGrpSpPr>
+        <p:cNvPr id="1" name=""/>
+        <p:cNvGrpSpPr/>
+        <p:nvPr/>
+      </p:nvGrpSpPr>
+      <p:grpSpPr>
+        <a:xfrm>
+          <a:off x="0" y="0"/>
+          <a:ext cx="0" cy="0"/>
+          <a:chOff x="0" y="0"/>
+          <a:chExt cx="0" cy="0"/>
+        </a:xfrm>
+      </p:grpSpPr>
+      <p:sp>
+        <p:nvSpPr>
+          <p:cNvPr id="2" name="Title 1"/>
+          <p:cNvSpPr>
+            <a:spLocks noGrp="1"/>
+          </p:cNvSpPr>
+          <p:nvPr>
+            <p:ph type="ctrTitle"/>
+          </p:nvPr>
+        </p:nvSpPr>
+        <p:spPr/>
+        <p:txBody>
+          <a:bodyPr>
+            <a:normAutofit fontScale="90000"/>
+          </a:bodyPr>
+          <a:lstStyle/>
+          <a:p>
+            <a:endParaRPr lang="en-US"/>
+          </a:p>
+        </p:txBody>
+      </p:sp>
+      <p:sp>
+        <p:nvSpPr>
+          <p:cNvPr id="3" name="Subtitle 2"/>
+          <p:cNvSpPr>
+            <a:spLocks noGrp="1"/>
+          </p:cNvSpPr>
+          <p:nvPr>
+            <p:ph type="subTitle" idx="1"/>
+          </p:nvPr>
+        </p:nvSpPr>
+        <p:spPr/>
+        <p:txBody>
+          <a:bodyPr/>
+          <a:lstStyle/>
+          <a:p>
+            <a:endParaRPr lang="en-US"/>
+          </a:p>
+        </p:txBody>
+      </p:sp>
+    </p:spTree>
+    <p:extLst>
+      <p:ext uri="{BB962C8B-B14F-4D97-AF65-F5344CB8AC3E}">
+        <p14:creationId xmlns:p14="http://schemas.microsoft.com/office/powerpoint/2010/main" val="3953335903"/>
+      </p:ext>
+    </p:extLst>
+  </p:cSld>
+  <p:clrMapOvr>
+    <a:masterClrMapping/>
+  </p:clrMapOvr>
+  <p:transition spd="med">
+    <p:fade/>
+  </p:transition>
+</p:sld>
+</file>
+
+<file path=ppt/slides/slide26.xml><?xml version="1.0" encoding="utf-8"?>
+<p:sld xmlns:a="http://schemas.openxmlformats.org/drawingml/2006/main" xmlns:r="http://schemas.openxmlformats.org/officeDocument/2006/relationships" xmlns:p="http://schemas.openxmlformats.org/presentationml/2006/main">
+  <p:cSld>
+    <p:spTree>
+      <p:nvGrpSpPr>
+        <p:cNvPr id="1" name=""/>
+        <p:cNvGrpSpPr/>
+        <p:nvPr/>
+      </p:nvGrpSpPr>
+      <p:grpSpPr>
+        <a:xfrm>
+          <a:off x="0" y="0"/>
+          <a:ext cx="0" cy="0"/>
+          <a:chOff x="0" y="0"/>
+          <a:chExt cx="0" cy="0"/>
+        </a:xfrm>
+      </p:grpSpPr>
       <p:sp>
         <p:nvSpPr>
           <p:cNvPr id="2" name="Content Placeholder 1"/>
@@ -12157,7 +14856,7 @@
 </p:sld>
 </file>
 
-<file path=ppt/slides/slide21.xml><?xml version="1.0" encoding="utf-8"?>
+<file path=ppt/slides/slide27.xml><?xml version="1.0" encoding="utf-8"?>
 <p:sld xmlns:a="http://schemas.openxmlformats.org/drawingml/2006/main" xmlns:r="http://schemas.openxmlformats.org/officeDocument/2006/relationships" xmlns:p="http://schemas.openxmlformats.org/presentationml/2006/main">
   <p:cSld>
     <p:spTree>
@@ -12325,7 +15024,7 @@
 </p:sld>
 </file>
 
-<file path=ppt/slides/slide22.xml><?xml version="1.0" encoding="utf-8"?>
+<file path=ppt/slides/slide28.xml><?xml version="1.0" encoding="utf-8"?>
 <p:sld xmlns:a="http://schemas.openxmlformats.org/drawingml/2006/main" xmlns:r="http://schemas.openxmlformats.org/officeDocument/2006/relationships" xmlns:p="http://schemas.openxmlformats.org/presentationml/2006/main">
   <p:cSld>
     <p:bg>
@@ -12505,7 +15204,7 @@
 </p:sld>
 </file>
 
-<file path=ppt/slides/slide23.xml><?xml version="1.0" encoding="utf-8"?>
+<file path=ppt/slides/slide29.xml><?xml version="1.0" encoding="utf-8"?>
 <p:sld xmlns:a="http://schemas.openxmlformats.org/drawingml/2006/main" xmlns:r="http://schemas.openxmlformats.org/officeDocument/2006/relationships" xmlns:p="http://schemas.openxmlformats.org/presentationml/2006/main">
   <p:cSld>
     <p:spTree>
@@ -13930,6 +16629,13 @@
   <p:transition spd="med">
     <p:fade/>
   </p:transition>
+  <p:timing>
+    <p:tnLst>
+      <p:par>
+        <p:cTn id="1" dur="indefinite" restart="never" nodeType="tmRoot"/>
+      </p:par>
+    </p:tnLst>
+  </p:timing>
 </p:sld>
 </file>
 

--- a/03-initial-configuration-scans.pptx
+++ b/03-initial-configuration-scans.pptx
@@ -6,10 +6,10 @@
     <p:sldMasterId id="2147483847" r:id="rId6"/>
   </p:sldMasterIdLst>
   <p:notesMasterIdLst>
-    <p:notesMasterId r:id="rId36"/>
+    <p:notesMasterId r:id="rId57"/>
   </p:notesMasterIdLst>
   <p:handoutMasterIdLst>
-    <p:handoutMasterId r:id="rId37"/>
+    <p:handoutMasterId r:id="rId58"/>
   </p:handoutMasterIdLst>
   <p:sldIdLst>
     <p:sldId id="256" r:id="rId7"/>
@@ -33,14 +33,35 @@
     <p:sldId id="309" r:id="rId25"/>
     <p:sldId id="312" r:id="rId26"/>
     <p:sldId id="313" r:id="rId27"/>
-    <p:sldId id="306" r:id="rId28"/>
-    <p:sldId id="303" r:id="rId29"/>
-    <p:sldId id="273" r:id="rId30"/>
-    <p:sldId id="274" r:id="rId31"/>
-    <p:sldId id="266" r:id="rId32"/>
-    <p:sldId id="275" r:id="rId33"/>
-    <p:sldId id="276" r:id="rId34"/>
-    <p:sldId id="267" r:id="rId35"/>
+    <p:sldId id="315" r:id="rId28"/>
+    <p:sldId id="306" r:id="rId29"/>
+    <p:sldId id="317" r:id="rId30"/>
+    <p:sldId id="316" r:id="rId31"/>
+    <p:sldId id="318" r:id="rId32"/>
+    <p:sldId id="319" r:id="rId33"/>
+    <p:sldId id="320" r:id="rId34"/>
+    <p:sldId id="321" r:id="rId35"/>
+    <p:sldId id="322" r:id="rId36"/>
+    <p:sldId id="330" r:id="rId37"/>
+    <p:sldId id="324" r:id="rId38"/>
+    <p:sldId id="325" r:id="rId39"/>
+    <p:sldId id="326" r:id="rId40"/>
+    <p:sldId id="327" r:id="rId41"/>
+    <p:sldId id="328" r:id="rId42"/>
+    <p:sldId id="329" r:id="rId43"/>
+    <p:sldId id="332" r:id="rId44"/>
+    <p:sldId id="333" r:id="rId45"/>
+    <p:sldId id="331" r:id="rId46"/>
+    <p:sldId id="334" r:id="rId47"/>
+    <p:sldId id="335" r:id="rId48"/>
+    <p:sldId id="336" r:id="rId49"/>
+    <p:sldId id="337" r:id="rId50"/>
+    <p:sldId id="273" r:id="rId51"/>
+    <p:sldId id="274" r:id="rId52"/>
+    <p:sldId id="266" r:id="rId53"/>
+    <p:sldId id="275" r:id="rId54"/>
+    <p:sldId id="276" r:id="rId55"/>
+    <p:sldId id="267" r:id="rId56"/>
   </p:sldIdLst>
   <p:sldSz cx="16256000" cy="9144000"/>
   <p:notesSz cx="6858000" cy="9144000"/>
@@ -302,7 +323,7 @@
               <a:pPr>
                 <a:defRPr/>
               </a:pPr>
-              <a:t>2015-12-04</a:t>
+              <a:t>2015-12-07</a:t>
             </a:fld>
             <a:endParaRPr lang="en-US" dirty="0"/>
           </a:p>
@@ -485,7 +506,7 @@
               <a:pPr>
                 <a:defRPr/>
               </a:pPr>
-              <a:t>2015-12-04</a:t>
+              <a:t>2015-12-07</a:t>
             </a:fld>
             <a:endParaRPr lang="en-US" dirty="0"/>
           </a:p>
@@ -1811,7 +1832,9 @@
         </p:nvSpPr>
         <p:spPr/>
         <p:txBody>
-          <a:bodyPr/>
+          <a:bodyPr>
+            <a:normAutofit lnSpcReduction="10000"/>
+          </a:bodyPr>
           <a:lstStyle/>
           <a:p>
             <a:r>
@@ -1825,8 +1848,17 @@
           <a:p>
             <a:r>
               <a:rPr lang="en-US" sz="1200" dirty="0" smtClean="0"/>
-              <a:t>The impact of 1.0 indicates this is a Major issue.</a:t>
-            </a:r>
+              <a:t>The impact of 1.0 indicates this is a Major </a:t>
+            </a:r>
+            <a:r>
+              <a:rPr lang="en-US" sz="1200" dirty="0" smtClean="0"/>
+              <a:t>issue</a:t>
+            </a:r>
+            <a:r>
+              <a:rPr lang="en-US" sz="1200" baseline="0" dirty="0" smtClean="0"/>
+              <a:t> if it the scanned node violates what is in this code.</a:t>
+            </a:r>
+            <a:endParaRPr lang="en-US" sz="1200" dirty="0" smtClean="0"/>
           </a:p>
           <a:p>
             <a:endParaRPr lang="en-US" sz="1200" dirty="0" smtClean="0"/>
@@ -1846,17 +1878,81 @@
               <a:t>The describe value is the actual test. In this case, this is saying the protocol for </a:t>
             </a:r>
             <a:r>
+              <a:rPr lang="en-US" sz="1200" dirty="0" smtClean="0"/>
+              <a:t>`</a:t>
+            </a:r>
+            <a:r>
               <a:rPr lang="en-US" sz="1200" dirty="0" err="1" smtClean="0"/>
               <a:t>ssh_config</a:t>
             </a:r>
             <a:r>
               <a:rPr lang="en-US" sz="1200" dirty="0" smtClean="0"/>
-              <a:t> should be 2. If the actual value from the node is not Protocol 2, the Major issue is reported </a:t>
+              <a:t>` </a:t>
+            </a:r>
+            <a:r>
+              <a:rPr lang="en-US" sz="1200" dirty="0" smtClean="0"/>
+              <a:t>should be </a:t>
+            </a:r>
+            <a:r>
+              <a:rPr lang="en-US" sz="1200" dirty="0" smtClean="0"/>
+              <a:t>`2`. </a:t>
+            </a:r>
+            <a:r>
+              <a:rPr lang="en-US" sz="1200" dirty="0" smtClean="0"/>
+              <a:t>If the actual value from the node is not Protocol 2, the </a:t>
+            </a:r>
+            <a:r>
+              <a:rPr lang="en-US" sz="1200" dirty="0" smtClean="0"/>
+              <a:t>Critical issue </a:t>
+            </a:r>
+            <a:r>
+              <a:rPr lang="en-US" sz="1200" dirty="0" smtClean="0"/>
+              <a:t>is reported </a:t>
             </a:r>
             <a:r>
               <a:rPr lang="en-US" sz="1200" baseline="0" dirty="0" smtClean="0"/>
-              <a:t>as in this case.</a:t>
-            </a:r>
+              <a:t>as in this case</a:t>
+            </a:r>
+            <a:r>
+              <a:rPr lang="en-US" sz="1200" baseline="0" dirty="0" smtClean="0"/>
+              <a:t>.</a:t>
+            </a:r>
+          </a:p>
+          <a:p>
+            <a:endParaRPr lang="en-US" sz="1200" baseline="0" dirty="0" smtClean="0"/>
+          </a:p>
+          <a:p>
+            <a:r>
+              <a:rPr lang="en-US" sz="1200" baseline="0" dirty="0" smtClean="0"/>
+              <a:t>So when you run a scan, the Compliance Server connects to the node using the configuration we specified, in this case ssh, and then it will run this set of code, this </a:t>
+            </a:r>
+            <a:r>
+              <a:rPr lang="en-US" sz="1200" baseline="0" dirty="0" err="1" smtClean="0"/>
+              <a:t>InSpec</a:t>
+            </a:r>
+            <a:r>
+              <a:rPr lang="en-US" sz="1200" baseline="0" dirty="0" smtClean="0"/>
+              <a:t> control, on that node. The Compliance Server translates the </a:t>
+            </a:r>
+            <a:r>
+              <a:rPr lang="en-US" sz="1200" baseline="0" dirty="0" err="1" smtClean="0"/>
+              <a:t>InSpec</a:t>
+            </a:r>
+            <a:r>
+              <a:rPr lang="en-US" sz="1200" baseline="0" dirty="0" smtClean="0"/>
+              <a:t> code into ssh commands when it transmits across the wire.</a:t>
+            </a:r>
+          </a:p>
+          <a:p>
+            <a:endParaRPr lang="en-US" sz="1200" baseline="0" dirty="0" smtClean="0"/>
+          </a:p>
+          <a:p>
+            <a:r>
+              <a:rPr lang="en-US" sz="1200" baseline="0" dirty="0" smtClean="0"/>
+              <a:t>No agent or client is required to be running on the target node for this work.</a:t>
+            </a:r>
+          </a:p>
+          <a:p>
             <a:endParaRPr lang="en-US" sz="1200" dirty="0" smtClean="0"/>
           </a:p>
           <a:p>
@@ -1997,6 +2093,19 @@
           <a:bodyPr/>
           <a:lstStyle/>
           <a:p>
+            <a:endParaRPr lang="en-US" dirty="0" smtClean="0"/>
+          </a:p>
+          <a:p>
+            <a:endParaRPr lang="en-US" dirty="0" smtClean="0"/>
+          </a:p>
+          <a:p>
+            <a:endParaRPr lang="en-US" dirty="0" smtClean="0"/>
+          </a:p>
+          <a:p>
+            <a:r>
+              <a:rPr lang="en-US" dirty="0" smtClean="0"/>
+              <a:t>Show logs a la 46:00 in video. ? TBD</a:t>
+            </a:r>
             <a:endParaRPr lang="en-US" dirty="0"/>
           </a:p>
         </p:txBody>
@@ -2077,7 +2186,482 @@
     </p:spTree>
     <p:extLst>
       <p:ext uri="{BB962C8B-B14F-4D97-AF65-F5344CB8AC3E}">
+        <p14:creationId xmlns:p14="http://schemas.microsoft.com/office/powerpoint/2010/main" val="1489440238"/>
+      </p:ext>
+    </p:extLst>
+  </p:cSld>
+  <p:clrMapOvr>
+    <a:masterClrMapping/>
+  </p:clrMapOvr>
+</p:notes>
+</file>
+
+<file path=ppt/notesSlides/notesSlide17.xml><?xml version="1.0" encoding="utf-8"?>
+<p:notes xmlns:a="http://schemas.openxmlformats.org/drawingml/2006/main" xmlns:r="http://schemas.openxmlformats.org/officeDocument/2006/relationships" xmlns:p="http://schemas.openxmlformats.org/presentationml/2006/main">
+  <p:cSld>
+    <p:spTree>
+      <p:nvGrpSpPr>
+        <p:cNvPr id="1" name=""/>
+        <p:cNvGrpSpPr/>
+        <p:nvPr/>
+      </p:nvGrpSpPr>
+      <p:grpSpPr>
+        <a:xfrm>
+          <a:off x="0" y="0"/>
+          <a:ext cx="0" cy="0"/>
+          <a:chOff x="0" y="0"/>
+          <a:chExt cx="0" cy="0"/>
+        </a:xfrm>
+      </p:grpSpPr>
+      <p:sp>
+        <p:nvSpPr>
+          <p:cNvPr id="2" name="Slide Image Placeholder 1"/>
+          <p:cNvSpPr>
+            <a:spLocks noGrp="1" noRot="1" noChangeAspect="1"/>
+          </p:cNvSpPr>
+          <p:nvPr>
+            <p:ph type="sldImg"/>
+          </p:nvPr>
+        </p:nvSpPr>
+        <p:spPr/>
+      </p:sp>
+      <p:sp>
+        <p:nvSpPr>
+          <p:cNvPr id="3" name="Notes Placeholder 2"/>
+          <p:cNvSpPr>
+            <a:spLocks noGrp="1"/>
+          </p:cNvSpPr>
+          <p:nvPr>
+            <p:ph type="body" idx="1"/>
+          </p:nvPr>
+        </p:nvSpPr>
+        <p:spPr/>
+        <p:txBody>
+          <a:bodyPr/>
+          <a:lstStyle/>
+          <a:p>
+            <a:endParaRPr lang="en-US" dirty="0"/>
+          </a:p>
+        </p:txBody>
+      </p:sp>
+      <p:sp>
+        <p:nvSpPr>
+          <p:cNvPr id="4" name="Slide Number Placeholder 3"/>
+          <p:cNvSpPr>
+            <a:spLocks noGrp="1"/>
+          </p:cNvSpPr>
+          <p:nvPr>
+            <p:ph type="sldNum" sz="quarter" idx="10"/>
+          </p:nvPr>
+        </p:nvSpPr>
+        <p:spPr/>
+        <p:txBody>
+          <a:bodyPr/>
+          <a:lstStyle/>
+          <a:p>
+            <a:pPr>
+              <a:defRPr/>
+            </a:pPr>
+            <a:fld id="{DC3734AA-3150-D947-AC52-2F5DF48BFCD5}" type="slidenum">
+              <a:rPr lang="en-US" smtClean="0"/>
+              <a:pPr>
+                <a:defRPr/>
+              </a:pPr>
+              <a:t>23</a:t>
+            </a:fld>
+            <a:endParaRPr lang="en-US" dirty="0"/>
+          </a:p>
+        </p:txBody>
+      </p:sp>
+      <p:sp>
+        <p:nvSpPr>
+          <p:cNvPr id="5" name="Header Placeholder 4"/>
+          <p:cNvSpPr>
+            <a:spLocks noGrp="1"/>
+          </p:cNvSpPr>
+          <p:nvPr>
+            <p:ph type="hdr" sz="quarter" idx="11"/>
+          </p:nvPr>
+        </p:nvSpPr>
+        <p:spPr/>
+        <p:txBody>
+          <a:bodyPr/>
+          <a:lstStyle/>
+          <a:p>
+            <a:pPr>
+              <a:defRPr/>
+            </a:pPr>
+            <a:endParaRPr lang="en-US"/>
+          </a:p>
+        </p:txBody>
+      </p:sp>
+      <p:sp>
+        <p:nvSpPr>
+          <p:cNvPr id="6" name="Footer Placeholder 5"/>
+          <p:cNvSpPr>
+            <a:spLocks noGrp="1"/>
+          </p:cNvSpPr>
+          <p:nvPr>
+            <p:ph type="ftr" sz="quarter" idx="12"/>
+          </p:nvPr>
+        </p:nvSpPr>
+        <p:spPr/>
+        <p:txBody>
+          <a:bodyPr/>
+          <a:lstStyle/>
+          <a:p>
+            <a:pPr>
+              <a:defRPr/>
+            </a:pPr>
+            <a:endParaRPr lang="en-US"/>
+          </a:p>
+        </p:txBody>
+      </p:sp>
+    </p:spTree>
+    <p:extLst>
+      <p:ext uri="{BB962C8B-B14F-4D97-AF65-F5344CB8AC3E}">
         <p14:creationId xmlns:p14="http://schemas.microsoft.com/office/powerpoint/2010/main" val="161960279"/>
+      </p:ext>
+    </p:extLst>
+  </p:cSld>
+  <p:clrMapOvr>
+    <a:masterClrMapping/>
+  </p:clrMapOvr>
+</p:notes>
+</file>
+
+<file path=ppt/notesSlides/notesSlide18.xml><?xml version="1.0" encoding="utf-8"?>
+<p:notes xmlns:a="http://schemas.openxmlformats.org/drawingml/2006/main" xmlns:r="http://schemas.openxmlformats.org/officeDocument/2006/relationships" xmlns:p="http://schemas.openxmlformats.org/presentationml/2006/main">
+  <p:cSld>
+    <p:spTree>
+      <p:nvGrpSpPr>
+        <p:cNvPr id="1" name=""/>
+        <p:cNvGrpSpPr/>
+        <p:nvPr/>
+      </p:nvGrpSpPr>
+      <p:grpSpPr>
+        <a:xfrm>
+          <a:off x="0" y="0"/>
+          <a:ext cx="0" cy="0"/>
+          <a:chOff x="0" y="0"/>
+          <a:chExt cx="0" cy="0"/>
+        </a:xfrm>
+      </p:grpSpPr>
+      <p:sp>
+        <p:nvSpPr>
+          <p:cNvPr id="2" name="Slide Image Placeholder 1"/>
+          <p:cNvSpPr>
+            <a:spLocks noGrp="1" noRot="1" noChangeAspect="1"/>
+          </p:cNvSpPr>
+          <p:nvPr>
+            <p:ph type="sldImg"/>
+          </p:nvPr>
+        </p:nvSpPr>
+        <p:spPr/>
+      </p:sp>
+      <p:sp>
+        <p:nvSpPr>
+          <p:cNvPr id="3" name="Notes Placeholder 2"/>
+          <p:cNvSpPr>
+            <a:spLocks noGrp="1"/>
+          </p:cNvSpPr>
+          <p:nvPr>
+            <p:ph type="body" idx="1"/>
+          </p:nvPr>
+        </p:nvSpPr>
+        <p:spPr/>
+        <p:txBody>
+          <a:bodyPr>
+            <a:normAutofit/>
+          </a:bodyPr>
+          <a:lstStyle/>
+          <a:p>
+            <a:pPr marL="0" marR="0" indent="0" algn="l" defTabSz="1217613" rtl="0" eaLnBrk="1" fontAlgn="base" latinLnBrk="0" hangingPunct="1">
+              <a:lnSpc>
+                <a:spcPct val="90000"/>
+              </a:lnSpc>
+              <a:spcBef>
+                <a:spcPct val="30000"/>
+              </a:spcBef>
+              <a:spcAft>
+                <a:spcPts val="450"/>
+              </a:spcAft>
+              <a:buClrTx/>
+              <a:buSzTx/>
+              <a:buFontTx/>
+              <a:buNone/>
+              <a:tabLst/>
+              <a:defRPr/>
+            </a:pPr>
+            <a:r>
+              <a:rPr lang="en-US" dirty="0" smtClean="0"/>
+              <a:t>If you prefer to use emacs, nano, or vim to edit files on this training node, please do so now.</a:t>
+            </a:r>
+            <a:br>
+              <a:rPr lang="en-US" dirty="0" smtClean="0"/>
+            </a:br>
+            <a:r>
+              <a:rPr lang="en-US" dirty="0" smtClean="0"/>
+              <a:t/>
+            </a:r>
+            <a:br>
+              <a:rPr lang="en-US" dirty="0" smtClean="0"/>
+            </a:br>
+            <a:r>
+              <a:rPr lang="en-US" dirty="0" smtClean="0"/>
+              <a:t>For nano: sudo chef-apply -e "package 'nano'"</a:t>
+            </a:r>
+          </a:p>
+          <a:p>
+            <a:endParaRPr lang="en-US" dirty="0" smtClean="0"/>
+          </a:p>
+          <a:p>
+            <a:r>
+              <a:rPr lang="en-US" dirty="0" smtClean="0"/>
+              <a:t>For emacs: sudo chef-apply -e "package 'emacs'"</a:t>
+            </a:r>
+          </a:p>
+          <a:p>
+            <a:endParaRPr lang="en-US" dirty="0" smtClean="0"/>
+          </a:p>
+          <a:p>
+            <a:r>
+              <a:rPr lang="en-US" dirty="0" smtClean="0"/>
+              <a:t>For vim:</a:t>
+            </a:r>
+            <a:r>
+              <a:rPr lang="en-US" baseline="0" dirty="0" smtClean="0"/>
+              <a:t> sudo chef-apply -e "package 'vim'"</a:t>
+            </a:r>
+            <a:endParaRPr lang="en-US" dirty="0" smtClean="0"/>
+          </a:p>
+          <a:p>
+            <a:endParaRPr lang="en-US" dirty="0" smtClean="0"/>
+          </a:p>
+          <a:p>
+            <a:r>
+              <a:rPr lang="en-US" dirty="0" smtClean="0"/>
+              <a:t>Instructor Note: Allow</a:t>
+            </a:r>
+            <a:r>
+              <a:rPr lang="en-US" baseline="0" dirty="0" smtClean="0"/>
+              <a:t> the students time to install vim, emacs, or nano at this time in case they prefer not to use the existing vi editor.</a:t>
+            </a:r>
+            <a:endParaRPr lang="en-US" dirty="0"/>
+          </a:p>
+        </p:txBody>
+      </p:sp>
+      <p:sp>
+        <p:nvSpPr>
+          <p:cNvPr id="4" name="Slide Number Placeholder 3"/>
+          <p:cNvSpPr>
+            <a:spLocks noGrp="1"/>
+          </p:cNvSpPr>
+          <p:nvPr>
+            <p:ph type="sldNum" sz="quarter" idx="10"/>
+          </p:nvPr>
+        </p:nvSpPr>
+        <p:spPr/>
+        <p:txBody>
+          <a:bodyPr/>
+          <a:lstStyle/>
+          <a:p>
+            <a:pPr>
+              <a:defRPr/>
+            </a:pPr>
+            <a:fld id="{DC3734AA-3150-D947-AC52-2F5DF48BFCD5}" type="slidenum">
+              <a:rPr lang="en-US" smtClean="0"/>
+              <a:pPr>
+                <a:defRPr/>
+              </a:pPr>
+              <a:t>25</a:t>
+            </a:fld>
+            <a:endParaRPr lang="en-US" dirty="0"/>
+          </a:p>
+        </p:txBody>
+      </p:sp>
+      <p:sp>
+        <p:nvSpPr>
+          <p:cNvPr id="5" name="Header Placeholder 4"/>
+          <p:cNvSpPr>
+            <a:spLocks noGrp="1"/>
+          </p:cNvSpPr>
+          <p:nvPr>
+            <p:ph type="hdr" sz="quarter" idx="11"/>
+          </p:nvPr>
+        </p:nvSpPr>
+        <p:spPr/>
+        <p:txBody>
+          <a:bodyPr/>
+          <a:lstStyle/>
+          <a:p>
+            <a:pPr>
+              <a:defRPr/>
+            </a:pPr>
+            <a:endParaRPr lang="en-US"/>
+          </a:p>
+        </p:txBody>
+      </p:sp>
+      <p:sp>
+        <p:nvSpPr>
+          <p:cNvPr id="6" name="Footer Placeholder 5"/>
+          <p:cNvSpPr>
+            <a:spLocks noGrp="1"/>
+          </p:cNvSpPr>
+          <p:nvPr>
+            <p:ph type="ftr" sz="quarter" idx="12"/>
+          </p:nvPr>
+        </p:nvSpPr>
+        <p:spPr/>
+        <p:txBody>
+          <a:bodyPr/>
+          <a:lstStyle/>
+          <a:p>
+            <a:pPr>
+              <a:defRPr/>
+            </a:pPr>
+            <a:endParaRPr lang="en-US"/>
+          </a:p>
+        </p:txBody>
+      </p:sp>
+    </p:spTree>
+    <p:extLst>
+      <p:ext uri="{BB962C8B-B14F-4D97-AF65-F5344CB8AC3E}">
+        <p14:creationId xmlns:p14="http://schemas.microsoft.com/office/powerpoint/2010/main" val="3262167288"/>
+      </p:ext>
+    </p:extLst>
+  </p:cSld>
+  <p:clrMapOvr>
+    <a:masterClrMapping/>
+  </p:clrMapOvr>
+</p:notes>
+</file>
+
+<file path=ppt/notesSlides/notesSlide19.xml><?xml version="1.0" encoding="utf-8"?>
+<p:notes xmlns:a="http://schemas.openxmlformats.org/drawingml/2006/main" xmlns:r="http://schemas.openxmlformats.org/officeDocument/2006/relationships" xmlns:p="http://schemas.openxmlformats.org/presentationml/2006/main">
+  <p:cSld>
+    <p:spTree>
+      <p:nvGrpSpPr>
+        <p:cNvPr id="1" name=""/>
+        <p:cNvGrpSpPr/>
+        <p:nvPr/>
+      </p:nvGrpSpPr>
+      <p:grpSpPr>
+        <a:xfrm>
+          <a:off x="0" y="0"/>
+          <a:ext cx="0" cy="0"/>
+          <a:chOff x="0" y="0"/>
+          <a:chExt cx="0" cy="0"/>
+        </a:xfrm>
+      </p:grpSpPr>
+      <p:sp>
+        <p:nvSpPr>
+          <p:cNvPr id="2" name="Slide Image Placeholder 1"/>
+          <p:cNvSpPr>
+            <a:spLocks noGrp="1" noRot="1" noChangeAspect="1"/>
+          </p:cNvSpPr>
+          <p:nvPr>
+            <p:ph type="sldImg"/>
+          </p:nvPr>
+        </p:nvSpPr>
+        <p:spPr/>
+      </p:sp>
+      <p:sp>
+        <p:nvSpPr>
+          <p:cNvPr id="3" name="Notes Placeholder 2"/>
+          <p:cNvSpPr>
+            <a:spLocks noGrp="1"/>
+          </p:cNvSpPr>
+          <p:nvPr>
+            <p:ph type="body" idx="1"/>
+          </p:nvPr>
+        </p:nvSpPr>
+        <p:spPr/>
+        <p:txBody>
+          <a:bodyPr/>
+          <a:lstStyle/>
+          <a:p>
+            <a:endParaRPr lang="en-US" dirty="0"/>
+          </a:p>
+        </p:txBody>
+      </p:sp>
+      <p:sp>
+        <p:nvSpPr>
+          <p:cNvPr id="4" name="Slide Number Placeholder 3"/>
+          <p:cNvSpPr>
+            <a:spLocks noGrp="1"/>
+          </p:cNvSpPr>
+          <p:nvPr>
+            <p:ph type="sldNum" sz="quarter" idx="10"/>
+          </p:nvPr>
+        </p:nvSpPr>
+        <p:spPr/>
+        <p:txBody>
+          <a:bodyPr/>
+          <a:lstStyle/>
+          <a:p>
+            <a:pPr>
+              <a:defRPr/>
+            </a:pPr>
+            <a:fld id="{DC3734AA-3150-D947-AC52-2F5DF48BFCD5}" type="slidenum">
+              <a:rPr lang="en-US" smtClean="0"/>
+              <a:pPr>
+                <a:defRPr/>
+              </a:pPr>
+              <a:t>27</a:t>
+            </a:fld>
+            <a:endParaRPr lang="en-US" dirty="0"/>
+          </a:p>
+        </p:txBody>
+      </p:sp>
+      <p:sp>
+        <p:nvSpPr>
+          <p:cNvPr id="5" name="Header Placeholder 4"/>
+          <p:cNvSpPr>
+            <a:spLocks noGrp="1"/>
+          </p:cNvSpPr>
+          <p:nvPr>
+            <p:ph type="hdr" sz="quarter" idx="11"/>
+          </p:nvPr>
+        </p:nvSpPr>
+        <p:spPr/>
+        <p:txBody>
+          <a:bodyPr/>
+          <a:lstStyle/>
+          <a:p>
+            <a:pPr>
+              <a:defRPr/>
+            </a:pPr>
+            <a:endParaRPr lang="en-US"/>
+          </a:p>
+        </p:txBody>
+      </p:sp>
+      <p:sp>
+        <p:nvSpPr>
+          <p:cNvPr id="6" name="Footer Placeholder 5"/>
+          <p:cNvSpPr>
+            <a:spLocks noGrp="1"/>
+          </p:cNvSpPr>
+          <p:nvPr>
+            <p:ph type="ftr" sz="quarter" idx="12"/>
+          </p:nvPr>
+        </p:nvSpPr>
+        <p:spPr/>
+        <p:txBody>
+          <a:bodyPr/>
+          <a:lstStyle/>
+          <a:p>
+            <a:pPr>
+              <a:defRPr/>
+            </a:pPr>
+            <a:endParaRPr lang="en-US"/>
+          </a:p>
+        </p:txBody>
+      </p:sp>
+    </p:spTree>
+    <p:extLst>
+      <p:ext uri="{BB962C8B-B14F-4D97-AF65-F5344CB8AC3E}">
+        <p14:creationId xmlns:p14="http://schemas.microsoft.com/office/powerpoint/2010/main" val="2896949549"/>
       </p:ext>
     </p:extLst>
   </p:cSld>
@@ -2221,6 +2805,1992 @@
 </p:notes>
 </file>
 
+<file path=ppt/notesSlides/notesSlide20.xml><?xml version="1.0" encoding="utf-8"?>
+<p:notes xmlns:a="http://schemas.openxmlformats.org/drawingml/2006/main" xmlns:r="http://schemas.openxmlformats.org/officeDocument/2006/relationships" xmlns:p="http://schemas.openxmlformats.org/presentationml/2006/main">
+  <p:cSld>
+    <p:spTree>
+      <p:nvGrpSpPr>
+        <p:cNvPr id="1" name=""/>
+        <p:cNvGrpSpPr/>
+        <p:nvPr/>
+      </p:nvGrpSpPr>
+      <p:grpSpPr>
+        <a:xfrm>
+          <a:off x="0" y="0"/>
+          <a:ext cx="0" cy="0"/>
+          <a:chOff x="0" y="0"/>
+          <a:chExt cx="0" cy="0"/>
+        </a:xfrm>
+      </p:grpSpPr>
+      <p:sp>
+        <p:nvSpPr>
+          <p:cNvPr id="2" name="Slide Image Placeholder 1"/>
+          <p:cNvSpPr>
+            <a:spLocks noGrp="1" noRot="1" noChangeAspect="1"/>
+          </p:cNvSpPr>
+          <p:nvPr>
+            <p:ph type="sldImg"/>
+          </p:nvPr>
+        </p:nvSpPr>
+        <p:spPr/>
+      </p:sp>
+      <p:sp>
+        <p:nvSpPr>
+          <p:cNvPr id="3" name="Notes Placeholder 2"/>
+          <p:cNvSpPr>
+            <a:spLocks noGrp="1"/>
+          </p:cNvSpPr>
+          <p:nvPr>
+            <p:ph type="body" idx="1"/>
+          </p:nvPr>
+        </p:nvSpPr>
+        <p:spPr/>
+        <p:txBody>
+          <a:bodyPr/>
+          <a:lstStyle/>
+          <a:p>
+            <a:r>
+              <a:rPr lang="en-US" dirty="0" smtClean="0"/>
+              <a:t>In this step,</a:t>
+            </a:r>
+            <a:r>
+              <a:rPr lang="en-US" baseline="0" dirty="0" smtClean="0"/>
+              <a:t> instead of modifying the default recipe, </a:t>
+            </a:r>
+            <a:r>
+              <a:rPr lang="en-US" dirty="0" smtClean="0"/>
+              <a:t>we will create a new `</a:t>
+            </a:r>
+            <a:r>
+              <a:rPr lang="en-US" b="1" dirty="0" smtClean="0"/>
+              <a:t>ssh client</a:t>
+            </a:r>
+            <a:r>
+              <a:rPr lang="en-US" dirty="0" smtClean="0"/>
+              <a:t>` recipe.</a:t>
+            </a:r>
+          </a:p>
+          <a:p>
+            <a:endParaRPr lang="en-US" dirty="0" smtClean="0"/>
+          </a:p>
+          <a:p>
+            <a:r>
+              <a:rPr lang="en-US" dirty="0" smtClean="0"/>
+              <a:t>This is because</a:t>
+            </a:r>
+            <a:r>
+              <a:rPr lang="en-US" baseline="0" dirty="0" smtClean="0"/>
+              <a:t> a default ssh cookbook probably affects an ssh </a:t>
+            </a:r>
+            <a:r>
+              <a:rPr lang="en-US" dirty="0" smtClean="0"/>
+              <a:t>server config and ssh client config</a:t>
+            </a:r>
+            <a:r>
+              <a:rPr lang="en-US" baseline="0" dirty="0" smtClean="0"/>
+              <a:t> and we only want to affect an ssh client.  TBD - why?</a:t>
+            </a:r>
+            <a:endParaRPr lang="en-US" dirty="0"/>
+          </a:p>
+        </p:txBody>
+      </p:sp>
+      <p:sp>
+        <p:nvSpPr>
+          <p:cNvPr id="4" name="Slide Number Placeholder 3"/>
+          <p:cNvSpPr>
+            <a:spLocks noGrp="1"/>
+          </p:cNvSpPr>
+          <p:nvPr>
+            <p:ph type="sldNum" sz="quarter" idx="10"/>
+          </p:nvPr>
+        </p:nvSpPr>
+        <p:spPr/>
+        <p:txBody>
+          <a:bodyPr/>
+          <a:lstStyle/>
+          <a:p>
+            <a:pPr>
+              <a:defRPr/>
+            </a:pPr>
+            <a:fld id="{DC3734AA-3150-D947-AC52-2F5DF48BFCD5}" type="slidenum">
+              <a:rPr lang="en-US" smtClean="0"/>
+              <a:pPr>
+                <a:defRPr/>
+              </a:pPr>
+              <a:t>28</a:t>
+            </a:fld>
+            <a:endParaRPr lang="en-US" dirty="0"/>
+          </a:p>
+        </p:txBody>
+      </p:sp>
+      <p:sp>
+        <p:nvSpPr>
+          <p:cNvPr id="5" name="Header Placeholder 4"/>
+          <p:cNvSpPr>
+            <a:spLocks noGrp="1"/>
+          </p:cNvSpPr>
+          <p:nvPr>
+            <p:ph type="hdr" sz="quarter" idx="11"/>
+          </p:nvPr>
+        </p:nvSpPr>
+        <p:spPr/>
+        <p:txBody>
+          <a:bodyPr/>
+          <a:lstStyle/>
+          <a:p>
+            <a:pPr>
+              <a:defRPr/>
+            </a:pPr>
+            <a:endParaRPr lang="en-US"/>
+          </a:p>
+        </p:txBody>
+      </p:sp>
+      <p:sp>
+        <p:nvSpPr>
+          <p:cNvPr id="6" name="Footer Placeholder 5"/>
+          <p:cNvSpPr>
+            <a:spLocks noGrp="1"/>
+          </p:cNvSpPr>
+          <p:nvPr>
+            <p:ph type="ftr" sz="quarter" idx="12"/>
+          </p:nvPr>
+        </p:nvSpPr>
+        <p:spPr/>
+        <p:txBody>
+          <a:bodyPr/>
+          <a:lstStyle/>
+          <a:p>
+            <a:pPr>
+              <a:defRPr/>
+            </a:pPr>
+            <a:endParaRPr lang="en-US"/>
+          </a:p>
+        </p:txBody>
+      </p:sp>
+    </p:spTree>
+    <p:extLst>
+      <p:ext uri="{BB962C8B-B14F-4D97-AF65-F5344CB8AC3E}">
+        <p14:creationId xmlns:p14="http://schemas.microsoft.com/office/powerpoint/2010/main" val="3783773599"/>
+      </p:ext>
+    </p:extLst>
+  </p:cSld>
+  <p:clrMapOvr>
+    <a:masterClrMapping/>
+  </p:clrMapOvr>
+</p:notes>
+</file>
+
+<file path=ppt/notesSlides/notesSlide21.xml><?xml version="1.0" encoding="utf-8"?>
+<p:notes xmlns:a="http://schemas.openxmlformats.org/drawingml/2006/main" xmlns:r="http://schemas.openxmlformats.org/officeDocument/2006/relationships" xmlns:p="http://schemas.openxmlformats.org/presentationml/2006/main">
+  <p:cSld>
+    <p:spTree>
+      <p:nvGrpSpPr>
+        <p:cNvPr id="1" name=""/>
+        <p:cNvGrpSpPr/>
+        <p:nvPr/>
+      </p:nvGrpSpPr>
+      <p:grpSpPr>
+        <a:xfrm>
+          <a:off x="0" y="0"/>
+          <a:ext cx="0" cy="0"/>
+          <a:chOff x="0" y="0"/>
+          <a:chExt cx="0" cy="0"/>
+        </a:xfrm>
+      </p:grpSpPr>
+      <p:sp>
+        <p:nvSpPr>
+          <p:cNvPr id="2" name="Slide Image Placeholder 1"/>
+          <p:cNvSpPr>
+            <a:spLocks noGrp="1" noRot="1" noChangeAspect="1"/>
+          </p:cNvSpPr>
+          <p:nvPr>
+            <p:ph type="sldImg"/>
+          </p:nvPr>
+        </p:nvSpPr>
+        <p:spPr/>
+      </p:sp>
+      <p:sp>
+        <p:nvSpPr>
+          <p:cNvPr id="3" name="Notes Placeholder 2"/>
+          <p:cNvSpPr>
+            <a:spLocks noGrp="1"/>
+          </p:cNvSpPr>
+          <p:nvPr>
+            <p:ph type="body" idx="1"/>
+          </p:nvPr>
+        </p:nvSpPr>
+        <p:spPr/>
+        <p:txBody>
+          <a:bodyPr/>
+          <a:lstStyle/>
+          <a:p>
+            <a:r>
+              <a:rPr lang="en-US" dirty="0" smtClean="0"/>
+              <a:t>In this step,</a:t>
+            </a:r>
+            <a:r>
+              <a:rPr lang="en-US" baseline="0" dirty="0" smtClean="0"/>
+              <a:t> we want to create a template file to manage our `</a:t>
+            </a:r>
+            <a:r>
+              <a:rPr lang="en-US" baseline="0" dirty="0" err="1" smtClean="0"/>
+              <a:t>ssh_config</a:t>
+            </a:r>
+            <a:r>
+              <a:rPr lang="en-US" baseline="0" dirty="0" smtClean="0"/>
+              <a:t>` file.</a:t>
+            </a:r>
+          </a:p>
+          <a:p>
+            <a:endParaRPr lang="en-US" baseline="0" dirty="0" smtClean="0"/>
+          </a:p>
+          <a:p>
+            <a:r>
+              <a:rPr lang="en-US" baseline="0" dirty="0" smtClean="0"/>
+              <a:t>The `-s` option in this command takes the contents of the current `</a:t>
+            </a:r>
+            <a:r>
+              <a:rPr lang="en-US" b="1" baseline="0" dirty="0" smtClean="0"/>
+              <a:t>/etc/ssh/</a:t>
+            </a:r>
+            <a:r>
+              <a:rPr lang="en-US" b="1" baseline="0" dirty="0" err="1" smtClean="0"/>
+              <a:t>ssh_config</a:t>
+            </a:r>
+            <a:r>
+              <a:rPr lang="en-US" b="1" baseline="0" dirty="0" smtClean="0"/>
+              <a:t>` </a:t>
+            </a:r>
+            <a:r>
+              <a:rPr lang="en-US" baseline="0" dirty="0" smtClean="0"/>
+              <a:t>file and places it in the `</a:t>
+            </a:r>
+            <a:r>
+              <a:rPr lang="en-US" b="1" baseline="0" dirty="0" err="1" smtClean="0"/>
+              <a:t>ssh_config.erb</a:t>
+            </a:r>
+            <a:r>
+              <a:rPr lang="en-US" b="1" baseline="0" dirty="0" smtClean="0"/>
+              <a:t>`</a:t>
+            </a:r>
+            <a:r>
+              <a:rPr lang="en-US" baseline="0" dirty="0" smtClean="0"/>
+              <a:t> file. </a:t>
+            </a:r>
+          </a:p>
+          <a:p>
+            <a:endParaRPr lang="en-US" baseline="0" dirty="0" smtClean="0"/>
+          </a:p>
+          <a:p>
+            <a:pPr marL="0" marR="0" indent="0" algn="l" defTabSz="1217613" rtl="0" eaLnBrk="1" fontAlgn="base" latinLnBrk="0" hangingPunct="1">
+              <a:lnSpc>
+                <a:spcPct val="90000"/>
+              </a:lnSpc>
+              <a:spcBef>
+                <a:spcPct val="30000"/>
+              </a:spcBef>
+              <a:spcAft>
+                <a:spcPts val="450"/>
+              </a:spcAft>
+              <a:buClrTx/>
+              <a:buSzTx/>
+              <a:buFontTx/>
+              <a:buNone/>
+              <a:tabLst/>
+              <a:defRPr/>
+            </a:pPr>
+            <a:r>
+              <a:rPr lang="en-US" baseline="0" dirty="0" smtClean="0"/>
+              <a:t>Instructor Note: At this time you might want to show the class the contents of `</a:t>
+            </a:r>
+            <a:r>
+              <a:rPr lang="en-US" b="1" baseline="0" dirty="0" smtClean="0"/>
+              <a:t>/home/chef/cookbooks/ssh/templates/default/</a:t>
+            </a:r>
+            <a:r>
+              <a:rPr lang="en-US" b="1" baseline="0" dirty="0" err="1" smtClean="0"/>
+              <a:t>ssh_config.erb</a:t>
+            </a:r>
+            <a:r>
+              <a:rPr lang="en-US" b="1" baseline="0" dirty="0" smtClean="0"/>
+              <a:t>`</a:t>
+            </a:r>
+            <a:r>
+              <a:rPr lang="en-US" baseline="0" dirty="0" smtClean="0"/>
+              <a:t> to illustrate how the contents of the </a:t>
+            </a:r>
+            <a:r>
+              <a:rPr lang="en-US" baseline="0" dirty="0" smtClean="0"/>
+              <a:t>current `</a:t>
+            </a:r>
+            <a:r>
+              <a:rPr lang="en-US" b="1" baseline="0" dirty="0" smtClean="0"/>
+              <a:t>/etc/ssh/</a:t>
+            </a:r>
+            <a:r>
+              <a:rPr lang="en-US" b="1" baseline="0" dirty="0" err="1" smtClean="0"/>
+              <a:t>ssh_config</a:t>
+            </a:r>
+            <a:r>
+              <a:rPr lang="en-US" b="1" baseline="0" dirty="0" smtClean="0"/>
+              <a:t>` </a:t>
+            </a:r>
+            <a:r>
+              <a:rPr lang="en-US" baseline="0" dirty="0" smtClean="0"/>
+              <a:t>file is now in the `</a:t>
+            </a:r>
+            <a:r>
+              <a:rPr lang="en-US" b="1" baseline="0" dirty="0" err="1" smtClean="0"/>
+              <a:t>ssh_config.erb</a:t>
+            </a:r>
+            <a:r>
+              <a:rPr lang="en-US" b="1" baseline="0" dirty="0" smtClean="0"/>
+              <a:t>`</a:t>
+            </a:r>
+            <a:r>
+              <a:rPr lang="en-US" baseline="0" dirty="0" smtClean="0"/>
+              <a:t> file. </a:t>
+            </a:r>
+          </a:p>
+          <a:p>
+            <a:endParaRPr lang="en-US" dirty="0"/>
+          </a:p>
+        </p:txBody>
+      </p:sp>
+      <p:sp>
+        <p:nvSpPr>
+          <p:cNvPr id="4" name="Slide Number Placeholder 3"/>
+          <p:cNvSpPr>
+            <a:spLocks noGrp="1"/>
+          </p:cNvSpPr>
+          <p:nvPr>
+            <p:ph type="sldNum" sz="quarter" idx="10"/>
+          </p:nvPr>
+        </p:nvSpPr>
+        <p:spPr/>
+        <p:txBody>
+          <a:bodyPr/>
+          <a:lstStyle/>
+          <a:p>
+            <a:pPr>
+              <a:defRPr/>
+            </a:pPr>
+            <a:fld id="{DC3734AA-3150-D947-AC52-2F5DF48BFCD5}" type="slidenum">
+              <a:rPr lang="en-US" smtClean="0"/>
+              <a:pPr>
+                <a:defRPr/>
+              </a:pPr>
+              <a:t>29</a:t>
+            </a:fld>
+            <a:endParaRPr lang="en-US" dirty="0"/>
+          </a:p>
+        </p:txBody>
+      </p:sp>
+      <p:sp>
+        <p:nvSpPr>
+          <p:cNvPr id="5" name="Header Placeholder 4"/>
+          <p:cNvSpPr>
+            <a:spLocks noGrp="1"/>
+          </p:cNvSpPr>
+          <p:nvPr>
+            <p:ph type="hdr" sz="quarter" idx="11"/>
+          </p:nvPr>
+        </p:nvSpPr>
+        <p:spPr/>
+        <p:txBody>
+          <a:bodyPr/>
+          <a:lstStyle/>
+          <a:p>
+            <a:pPr>
+              <a:defRPr/>
+            </a:pPr>
+            <a:endParaRPr lang="en-US"/>
+          </a:p>
+        </p:txBody>
+      </p:sp>
+      <p:sp>
+        <p:nvSpPr>
+          <p:cNvPr id="6" name="Footer Placeholder 5"/>
+          <p:cNvSpPr>
+            <a:spLocks noGrp="1"/>
+          </p:cNvSpPr>
+          <p:nvPr>
+            <p:ph type="ftr" sz="quarter" idx="12"/>
+          </p:nvPr>
+        </p:nvSpPr>
+        <p:spPr/>
+        <p:txBody>
+          <a:bodyPr/>
+          <a:lstStyle/>
+          <a:p>
+            <a:pPr>
+              <a:defRPr/>
+            </a:pPr>
+            <a:endParaRPr lang="en-US"/>
+          </a:p>
+        </p:txBody>
+      </p:sp>
+    </p:spTree>
+    <p:extLst>
+      <p:ext uri="{BB962C8B-B14F-4D97-AF65-F5344CB8AC3E}">
+        <p14:creationId xmlns:p14="http://schemas.microsoft.com/office/powerpoint/2010/main" val="560908694"/>
+      </p:ext>
+    </p:extLst>
+  </p:cSld>
+  <p:clrMapOvr>
+    <a:masterClrMapping/>
+  </p:clrMapOvr>
+</p:notes>
+</file>
+
+<file path=ppt/notesSlides/notesSlide22.xml><?xml version="1.0" encoding="utf-8"?>
+<p:notes xmlns:a="http://schemas.openxmlformats.org/drawingml/2006/main" xmlns:r="http://schemas.openxmlformats.org/officeDocument/2006/relationships" xmlns:p="http://schemas.openxmlformats.org/presentationml/2006/main">
+  <p:cSld>
+    <p:spTree>
+      <p:nvGrpSpPr>
+        <p:cNvPr id="1" name=""/>
+        <p:cNvGrpSpPr/>
+        <p:nvPr/>
+      </p:nvGrpSpPr>
+      <p:grpSpPr>
+        <a:xfrm>
+          <a:off x="0" y="0"/>
+          <a:ext cx="0" cy="0"/>
+          <a:chOff x="0" y="0"/>
+          <a:chExt cx="0" cy="0"/>
+        </a:xfrm>
+      </p:grpSpPr>
+      <p:sp>
+        <p:nvSpPr>
+          <p:cNvPr id="2" name="Slide Image Placeholder 1"/>
+          <p:cNvSpPr>
+            <a:spLocks noGrp="1" noRot="1" noChangeAspect="1"/>
+          </p:cNvSpPr>
+          <p:nvPr>
+            <p:ph type="sldImg"/>
+          </p:nvPr>
+        </p:nvSpPr>
+        <p:spPr/>
+      </p:sp>
+      <p:sp>
+        <p:nvSpPr>
+          <p:cNvPr id="3" name="Notes Placeholder 2"/>
+          <p:cNvSpPr>
+            <a:spLocks noGrp="1"/>
+          </p:cNvSpPr>
+          <p:nvPr>
+            <p:ph type="body" idx="1"/>
+          </p:nvPr>
+        </p:nvSpPr>
+        <p:spPr/>
+        <p:txBody>
+          <a:bodyPr/>
+          <a:lstStyle/>
+          <a:p>
+            <a:pPr marL="0" marR="0" indent="0" algn="l" defTabSz="1217613" rtl="0" eaLnBrk="1" fontAlgn="base" latinLnBrk="0" hangingPunct="1">
+              <a:lnSpc>
+                <a:spcPct val="90000"/>
+              </a:lnSpc>
+              <a:spcBef>
+                <a:spcPct val="30000"/>
+              </a:spcBef>
+              <a:spcAft>
+                <a:spcPts val="450"/>
+              </a:spcAft>
+              <a:buClrTx/>
+              <a:buSzTx/>
+              <a:buFontTx/>
+              <a:buNone/>
+              <a:tabLst/>
+              <a:defRPr/>
+            </a:pPr>
+            <a:r>
+              <a:rPr lang="en-US" dirty="0" smtClean="0"/>
+              <a:t>Edit the `</a:t>
+            </a:r>
+            <a:r>
+              <a:rPr lang="en-US" b="1" dirty="0" smtClean="0"/>
+              <a:t>~/cookbooks/ssh/recipes/</a:t>
+            </a:r>
+            <a:r>
+              <a:rPr lang="en-US" b="1" dirty="0" err="1" smtClean="0"/>
+              <a:t>client.rb</a:t>
+            </a:r>
+            <a:r>
+              <a:rPr lang="en-US" b="1" dirty="0" smtClean="0"/>
+              <a:t>`</a:t>
+            </a:r>
+            <a:r>
+              <a:rPr lang="en-US" b="1" baseline="0" dirty="0" smtClean="0"/>
+              <a:t> </a:t>
+            </a:r>
+            <a:r>
+              <a:rPr lang="en-US" dirty="0" smtClean="0"/>
+              <a:t>file and</a:t>
+            </a:r>
+            <a:r>
+              <a:rPr lang="en-US" baseline="0" dirty="0" smtClean="0"/>
+              <a:t> add the contents shown here.</a:t>
+            </a:r>
+            <a:endParaRPr lang="en-US" dirty="0"/>
+          </a:p>
+        </p:txBody>
+      </p:sp>
+      <p:sp>
+        <p:nvSpPr>
+          <p:cNvPr id="4" name="Slide Number Placeholder 3"/>
+          <p:cNvSpPr>
+            <a:spLocks noGrp="1"/>
+          </p:cNvSpPr>
+          <p:nvPr>
+            <p:ph type="sldNum" sz="quarter" idx="10"/>
+          </p:nvPr>
+        </p:nvSpPr>
+        <p:spPr/>
+        <p:txBody>
+          <a:bodyPr/>
+          <a:lstStyle/>
+          <a:p>
+            <a:pPr>
+              <a:defRPr/>
+            </a:pPr>
+            <a:fld id="{DC3734AA-3150-D947-AC52-2F5DF48BFCD5}" type="slidenum">
+              <a:rPr lang="en-US" smtClean="0"/>
+              <a:pPr>
+                <a:defRPr/>
+              </a:pPr>
+              <a:t>30</a:t>
+            </a:fld>
+            <a:endParaRPr lang="en-US" dirty="0"/>
+          </a:p>
+        </p:txBody>
+      </p:sp>
+      <p:sp>
+        <p:nvSpPr>
+          <p:cNvPr id="5" name="Header Placeholder 4"/>
+          <p:cNvSpPr>
+            <a:spLocks noGrp="1"/>
+          </p:cNvSpPr>
+          <p:nvPr>
+            <p:ph type="hdr" sz="quarter" idx="11"/>
+          </p:nvPr>
+        </p:nvSpPr>
+        <p:spPr/>
+        <p:txBody>
+          <a:bodyPr/>
+          <a:lstStyle/>
+          <a:p>
+            <a:pPr>
+              <a:defRPr/>
+            </a:pPr>
+            <a:endParaRPr lang="en-US"/>
+          </a:p>
+        </p:txBody>
+      </p:sp>
+      <p:sp>
+        <p:nvSpPr>
+          <p:cNvPr id="6" name="Footer Placeholder 5"/>
+          <p:cNvSpPr>
+            <a:spLocks noGrp="1"/>
+          </p:cNvSpPr>
+          <p:nvPr>
+            <p:ph type="ftr" sz="quarter" idx="12"/>
+          </p:nvPr>
+        </p:nvSpPr>
+        <p:spPr/>
+        <p:txBody>
+          <a:bodyPr/>
+          <a:lstStyle/>
+          <a:p>
+            <a:pPr>
+              <a:defRPr/>
+            </a:pPr>
+            <a:endParaRPr lang="en-US"/>
+          </a:p>
+        </p:txBody>
+      </p:sp>
+    </p:spTree>
+    <p:extLst>
+      <p:ext uri="{BB962C8B-B14F-4D97-AF65-F5344CB8AC3E}">
+        <p14:creationId xmlns:p14="http://schemas.microsoft.com/office/powerpoint/2010/main" val="1585885190"/>
+      </p:ext>
+    </p:extLst>
+  </p:cSld>
+  <p:clrMapOvr>
+    <a:masterClrMapping/>
+  </p:clrMapOvr>
+</p:notes>
+</file>
+
+<file path=ppt/notesSlides/notesSlide23.xml><?xml version="1.0" encoding="utf-8"?>
+<p:notes xmlns:a="http://schemas.openxmlformats.org/drawingml/2006/main" xmlns:r="http://schemas.openxmlformats.org/officeDocument/2006/relationships" xmlns:p="http://schemas.openxmlformats.org/presentationml/2006/main">
+  <p:cSld>
+    <p:spTree>
+      <p:nvGrpSpPr>
+        <p:cNvPr id="1" name=""/>
+        <p:cNvGrpSpPr/>
+        <p:nvPr/>
+      </p:nvGrpSpPr>
+      <p:grpSpPr>
+        <a:xfrm>
+          <a:off x="0" y="0"/>
+          <a:ext cx="0" cy="0"/>
+          <a:chOff x="0" y="0"/>
+          <a:chExt cx="0" cy="0"/>
+        </a:xfrm>
+      </p:grpSpPr>
+      <p:sp>
+        <p:nvSpPr>
+          <p:cNvPr id="2" name="Slide Image Placeholder 1"/>
+          <p:cNvSpPr>
+            <a:spLocks noGrp="1" noRot="1" noChangeAspect="1"/>
+          </p:cNvSpPr>
+          <p:nvPr>
+            <p:ph type="sldImg"/>
+          </p:nvPr>
+        </p:nvSpPr>
+        <p:spPr/>
+      </p:sp>
+      <p:sp>
+        <p:nvSpPr>
+          <p:cNvPr id="3" name="Notes Placeholder 2"/>
+          <p:cNvSpPr>
+            <a:spLocks noGrp="1"/>
+          </p:cNvSpPr>
+          <p:nvPr>
+            <p:ph type="body" idx="1"/>
+          </p:nvPr>
+        </p:nvSpPr>
+        <p:spPr/>
+        <p:txBody>
+          <a:bodyPr/>
+          <a:lstStyle/>
+          <a:p>
+            <a:endParaRPr lang="en-US" dirty="0"/>
+          </a:p>
+        </p:txBody>
+      </p:sp>
+      <p:sp>
+        <p:nvSpPr>
+          <p:cNvPr id="4" name="Slide Number Placeholder 3"/>
+          <p:cNvSpPr>
+            <a:spLocks noGrp="1"/>
+          </p:cNvSpPr>
+          <p:nvPr>
+            <p:ph type="sldNum" sz="quarter" idx="10"/>
+          </p:nvPr>
+        </p:nvSpPr>
+        <p:spPr/>
+        <p:txBody>
+          <a:bodyPr/>
+          <a:lstStyle/>
+          <a:p>
+            <a:pPr>
+              <a:defRPr/>
+            </a:pPr>
+            <a:fld id="{DC3734AA-3150-D947-AC52-2F5DF48BFCD5}" type="slidenum">
+              <a:rPr lang="en-US" smtClean="0"/>
+              <a:pPr>
+                <a:defRPr/>
+              </a:pPr>
+              <a:t>31</a:t>
+            </a:fld>
+            <a:endParaRPr lang="en-US" dirty="0"/>
+          </a:p>
+        </p:txBody>
+      </p:sp>
+      <p:sp>
+        <p:nvSpPr>
+          <p:cNvPr id="5" name="Header Placeholder 4"/>
+          <p:cNvSpPr>
+            <a:spLocks noGrp="1"/>
+          </p:cNvSpPr>
+          <p:nvPr>
+            <p:ph type="hdr" sz="quarter" idx="11"/>
+          </p:nvPr>
+        </p:nvSpPr>
+        <p:spPr/>
+        <p:txBody>
+          <a:bodyPr/>
+          <a:lstStyle/>
+          <a:p>
+            <a:pPr>
+              <a:defRPr/>
+            </a:pPr>
+            <a:endParaRPr lang="en-US"/>
+          </a:p>
+        </p:txBody>
+      </p:sp>
+      <p:sp>
+        <p:nvSpPr>
+          <p:cNvPr id="6" name="Footer Placeholder 5"/>
+          <p:cNvSpPr>
+            <a:spLocks noGrp="1"/>
+          </p:cNvSpPr>
+          <p:nvPr>
+            <p:ph type="ftr" sz="quarter" idx="12"/>
+          </p:nvPr>
+        </p:nvSpPr>
+        <p:spPr/>
+        <p:txBody>
+          <a:bodyPr/>
+          <a:lstStyle/>
+          <a:p>
+            <a:pPr>
+              <a:defRPr/>
+            </a:pPr>
+            <a:endParaRPr lang="en-US"/>
+          </a:p>
+        </p:txBody>
+      </p:sp>
+    </p:spTree>
+    <p:extLst>
+      <p:ext uri="{BB962C8B-B14F-4D97-AF65-F5344CB8AC3E}">
+        <p14:creationId xmlns:p14="http://schemas.microsoft.com/office/powerpoint/2010/main" val="492091542"/>
+      </p:ext>
+    </p:extLst>
+  </p:cSld>
+  <p:clrMapOvr>
+    <a:masterClrMapping/>
+  </p:clrMapOvr>
+</p:notes>
+</file>
+
+<file path=ppt/notesSlides/notesSlide24.xml><?xml version="1.0" encoding="utf-8"?>
+<p:notes xmlns:a="http://schemas.openxmlformats.org/drawingml/2006/main" xmlns:r="http://schemas.openxmlformats.org/officeDocument/2006/relationships" xmlns:p="http://schemas.openxmlformats.org/presentationml/2006/main">
+  <p:cSld>
+    <p:spTree>
+      <p:nvGrpSpPr>
+        <p:cNvPr id="1" name=""/>
+        <p:cNvGrpSpPr/>
+        <p:nvPr/>
+      </p:nvGrpSpPr>
+      <p:grpSpPr>
+        <a:xfrm>
+          <a:off x="0" y="0"/>
+          <a:ext cx="0" cy="0"/>
+          <a:chOff x="0" y="0"/>
+          <a:chExt cx="0" cy="0"/>
+        </a:xfrm>
+      </p:grpSpPr>
+      <p:sp>
+        <p:nvSpPr>
+          <p:cNvPr id="2" name="Slide Image Placeholder 1"/>
+          <p:cNvSpPr>
+            <a:spLocks noGrp="1" noRot="1" noChangeAspect="1"/>
+          </p:cNvSpPr>
+          <p:nvPr>
+            <p:ph type="sldImg"/>
+          </p:nvPr>
+        </p:nvSpPr>
+        <p:spPr/>
+      </p:sp>
+      <p:sp>
+        <p:nvSpPr>
+          <p:cNvPr id="3" name="Notes Placeholder 2"/>
+          <p:cNvSpPr>
+            <a:spLocks noGrp="1"/>
+          </p:cNvSpPr>
+          <p:nvPr>
+            <p:ph type="body" idx="1"/>
+          </p:nvPr>
+        </p:nvSpPr>
+        <p:spPr/>
+        <p:txBody>
+          <a:bodyPr/>
+          <a:lstStyle/>
+          <a:p>
+            <a:r>
+              <a:rPr lang="en-US" dirty="0" smtClean="0"/>
+              <a:t>To test your recipe, first navigate to where</a:t>
+            </a:r>
+            <a:r>
+              <a:rPr lang="en-US" baseline="0" dirty="0" smtClean="0"/>
+              <a:t> the </a:t>
+            </a:r>
+            <a:r>
+              <a:rPr lang="en-US" baseline="0" smtClean="0"/>
+              <a:t>recipe lives</a:t>
+            </a:r>
+            <a:endParaRPr lang="en-US" baseline="0" dirty="0" smtClean="0"/>
+          </a:p>
+        </p:txBody>
+      </p:sp>
+      <p:sp>
+        <p:nvSpPr>
+          <p:cNvPr id="4" name="Slide Number Placeholder 3"/>
+          <p:cNvSpPr>
+            <a:spLocks noGrp="1"/>
+          </p:cNvSpPr>
+          <p:nvPr>
+            <p:ph type="sldNum" sz="quarter" idx="10"/>
+          </p:nvPr>
+        </p:nvSpPr>
+        <p:spPr/>
+        <p:txBody>
+          <a:bodyPr/>
+          <a:lstStyle/>
+          <a:p>
+            <a:pPr>
+              <a:defRPr/>
+            </a:pPr>
+            <a:fld id="{DC3734AA-3150-D947-AC52-2F5DF48BFCD5}" type="slidenum">
+              <a:rPr lang="en-US" smtClean="0"/>
+              <a:pPr>
+                <a:defRPr/>
+              </a:pPr>
+              <a:t>32</a:t>
+            </a:fld>
+            <a:endParaRPr lang="en-US" dirty="0"/>
+          </a:p>
+        </p:txBody>
+      </p:sp>
+      <p:sp>
+        <p:nvSpPr>
+          <p:cNvPr id="5" name="Header Placeholder 4"/>
+          <p:cNvSpPr>
+            <a:spLocks noGrp="1"/>
+          </p:cNvSpPr>
+          <p:nvPr>
+            <p:ph type="hdr" sz="quarter" idx="11"/>
+          </p:nvPr>
+        </p:nvSpPr>
+        <p:spPr/>
+        <p:txBody>
+          <a:bodyPr/>
+          <a:lstStyle/>
+          <a:p>
+            <a:pPr>
+              <a:defRPr/>
+            </a:pPr>
+            <a:endParaRPr lang="en-US"/>
+          </a:p>
+        </p:txBody>
+      </p:sp>
+      <p:sp>
+        <p:nvSpPr>
+          <p:cNvPr id="6" name="Footer Placeholder 5"/>
+          <p:cNvSpPr>
+            <a:spLocks noGrp="1"/>
+          </p:cNvSpPr>
+          <p:nvPr>
+            <p:ph type="ftr" sz="quarter" idx="12"/>
+          </p:nvPr>
+        </p:nvSpPr>
+        <p:spPr/>
+        <p:txBody>
+          <a:bodyPr/>
+          <a:lstStyle/>
+          <a:p>
+            <a:pPr>
+              <a:defRPr/>
+            </a:pPr>
+            <a:endParaRPr lang="en-US"/>
+          </a:p>
+        </p:txBody>
+      </p:sp>
+    </p:spTree>
+    <p:extLst>
+      <p:ext uri="{BB962C8B-B14F-4D97-AF65-F5344CB8AC3E}">
+        <p14:creationId xmlns:p14="http://schemas.microsoft.com/office/powerpoint/2010/main" val="1996759426"/>
+      </p:ext>
+    </p:extLst>
+  </p:cSld>
+  <p:clrMapOvr>
+    <a:masterClrMapping/>
+  </p:clrMapOvr>
+</p:notes>
+</file>
+
+<file path=ppt/notesSlides/notesSlide25.xml><?xml version="1.0" encoding="utf-8"?>
+<p:notes xmlns:a="http://schemas.openxmlformats.org/drawingml/2006/main" xmlns:r="http://schemas.openxmlformats.org/officeDocument/2006/relationships" xmlns:p="http://schemas.openxmlformats.org/presentationml/2006/main">
+  <p:cSld>
+    <p:spTree>
+      <p:nvGrpSpPr>
+        <p:cNvPr id="1" name=""/>
+        <p:cNvGrpSpPr/>
+        <p:nvPr/>
+      </p:nvGrpSpPr>
+      <p:grpSpPr>
+        <a:xfrm>
+          <a:off x="0" y="0"/>
+          <a:ext cx="0" cy="0"/>
+          <a:chOff x="0" y="0"/>
+          <a:chExt cx="0" cy="0"/>
+        </a:xfrm>
+      </p:grpSpPr>
+      <p:sp>
+        <p:nvSpPr>
+          <p:cNvPr id="2" name="Slide Image Placeholder 1"/>
+          <p:cNvSpPr>
+            <a:spLocks noGrp="1" noRot="1" noChangeAspect="1"/>
+          </p:cNvSpPr>
+          <p:nvPr>
+            <p:ph type="sldImg"/>
+          </p:nvPr>
+        </p:nvSpPr>
+        <p:spPr/>
+      </p:sp>
+      <p:sp>
+        <p:nvSpPr>
+          <p:cNvPr id="3" name="Notes Placeholder 2"/>
+          <p:cNvSpPr>
+            <a:spLocks noGrp="1"/>
+          </p:cNvSpPr>
+          <p:nvPr>
+            <p:ph type="body" idx="1"/>
+          </p:nvPr>
+        </p:nvSpPr>
+        <p:spPr/>
+        <p:txBody>
+          <a:bodyPr/>
+          <a:lstStyle/>
+          <a:p>
+            <a:r>
+              <a:rPr lang="en-US" dirty="0" smtClean="0"/>
+              <a:t>Edit your</a:t>
+            </a:r>
+            <a:r>
+              <a:rPr lang="en-US" baseline="0" dirty="0" smtClean="0"/>
+              <a:t> `.</a:t>
+            </a:r>
+            <a:r>
+              <a:rPr lang="en-US" baseline="0" dirty="0" err="1" smtClean="0"/>
+              <a:t>kitchen.yml</a:t>
+            </a:r>
+            <a:r>
+              <a:rPr lang="en-US" baseline="0" dirty="0" smtClean="0"/>
+              <a:t>` as shown here and on the following slide. </a:t>
+            </a:r>
+          </a:p>
+          <a:p>
+            <a:endParaRPr lang="en-US" baseline="0" dirty="0" smtClean="0"/>
+          </a:p>
+          <a:p>
+            <a:r>
+              <a:rPr lang="en-US" baseline="0" dirty="0" smtClean="0"/>
+              <a:t>Because our node is an EC2 AWS instance, we need to change the driver from vagrant to </a:t>
+            </a:r>
+            <a:r>
+              <a:rPr lang="en-US" baseline="0" dirty="0" err="1" smtClean="0"/>
+              <a:t>docker</a:t>
+            </a:r>
+            <a:r>
+              <a:rPr lang="en-US" baseline="0" dirty="0" smtClean="0"/>
+              <a:t>. </a:t>
+            </a:r>
+            <a:r>
+              <a:rPr lang="en-US" baseline="0" dirty="0" err="1" smtClean="0"/>
+              <a:t>docker</a:t>
+            </a:r>
+            <a:r>
+              <a:rPr lang="en-US" baseline="0" dirty="0" smtClean="0"/>
+              <a:t> should already be installed on the </a:t>
+            </a:r>
+            <a:r>
+              <a:rPr lang="en-US" baseline="0" dirty="0" smtClean="0"/>
+              <a:t>EC2 AWS training instances.</a:t>
+            </a:r>
+          </a:p>
+          <a:p>
+            <a:endParaRPr lang="en-US" baseline="0" dirty="0" smtClean="0"/>
+          </a:p>
+        </p:txBody>
+      </p:sp>
+      <p:sp>
+        <p:nvSpPr>
+          <p:cNvPr id="4" name="Slide Number Placeholder 3"/>
+          <p:cNvSpPr>
+            <a:spLocks noGrp="1"/>
+          </p:cNvSpPr>
+          <p:nvPr>
+            <p:ph type="sldNum" sz="quarter" idx="10"/>
+          </p:nvPr>
+        </p:nvSpPr>
+        <p:spPr/>
+        <p:txBody>
+          <a:bodyPr/>
+          <a:lstStyle/>
+          <a:p>
+            <a:pPr>
+              <a:defRPr/>
+            </a:pPr>
+            <a:fld id="{DC3734AA-3150-D947-AC52-2F5DF48BFCD5}" type="slidenum">
+              <a:rPr lang="en-US" smtClean="0"/>
+              <a:pPr>
+                <a:defRPr/>
+              </a:pPr>
+              <a:t>33</a:t>
+            </a:fld>
+            <a:endParaRPr lang="en-US" dirty="0"/>
+          </a:p>
+        </p:txBody>
+      </p:sp>
+      <p:sp>
+        <p:nvSpPr>
+          <p:cNvPr id="5" name="Header Placeholder 4"/>
+          <p:cNvSpPr>
+            <a:spLocks noGrp="1"/>
+          </p:cNvSpPr>
+          <p:nvPr>
+            <p:ph type="hdr" sz="quarter" idx="11"/>
+          </p:nvPr>
+        </p:nvSpPr>
+        <p:spPr/>
+        <p:txBody>
+          <a:bodyPr/>
+          <a:lstStyle/>
+          <a:p>
+            <a:pPr>
+              <a:defRPr/>
+            </a:pPr>
+            <a:endParaRPr lang="en-US"/>
+          </a:p>
+        </p:txBody>
+      </p:sp>
+      <p:sp>
+        <p:nvSpPr>
+          <p:cNvPr id="6" name="Footer Placeholder 5"/>
+          <p:cNvSpPr>
+            <a:spLocks noGrp="1"/>
+          </p:cNvSpPr>
+          <p:nvPr>
+            <p:ph type="ftr" sz="quarter" idx="12"/>
+          </p:nvPr>
+        </p:nvSpPr>
+        <p:spPr/>
+        <p:txBody>
+          <a:bodyPr/>
+          <a:lstStyle/>
+          <a:p>
+            <a:pPr>
+              <a:defRPr/>
+            </a:pPr>
+            <a:endParaRPr lang="en-US"/>
+          </a:p>
+        </p:txBody>
+      </p:sp>
+    </p:spTree>
+    <p:extLst>
+      <p:ext uri="{BB962C8B-B14F-4D97-AF65-F5344CB8AC3E}">
+        <p14:creationId xmlns:p14="http://schemas.microsoft.com/office/powerpoint/2010/main" val="2979663564"/>
+      </p:ext>
+    </p:extLst>
+  </p:cSld>
+  <p:clrMapOvr>
+    <a:masterClrMapping/>
+  </p:clrMapOvr>
+</p:notes>
+</file>
+
+<file path=ppt/notesSlides/notesSlide26.xml><?xml version="1.0" encoding="utf-8"?>
+<p:notes xmlns:a="http://schemas.openxmlformats.org/drawingml/2006/main" xmlns:r="http://schemas.openxmlformats.org/officeDocument/2006/relationships" xmlns:p="http://schemas.openxmlformats.org/presentationml/2006/main">
+  <p:cSld>
+    <p:spTree>
+      <p:nvGrpSpPr>
+        <p:cNvPr id="1" name=""/>
+        <p:cNvGrpSpPr/>
+        <p:nvPr/>
+      </p:nvGrpSpPr>
+      <p:grpSpPr>
+        <a:xfrm>
+          <a:off x="0" y="0"/>
+          <a:ext cx="0" cy="0"/>
+          <a:chOff x="0" y="0"/>
+          <a:chExt cx="0" cy="0"/>
+        </a:xfrm>
+      </p:grpSpPr>
+      <p:sp>
+        <p:nvSpPr>
+          <p:cNvPr id="2" name="Slide Image Placeholder 1"/>
+          <p:cNvSpPr>
+            <a:spLocks noGrp="1" noRot="1" noChangeAspect="1"/>
+          </p:cNvSpPr>
+          <p:nvPr>
+            <p:ph type="sldImg"/>
+          </p:nvPr>
+        </p:nvSpPr>
+        <p:spPr/>
+      </p:sp>
+      <p:sp>
+        <p:nvSpPr>
+          <p:cNvPr id="3" name="Notes Placeholder 2"/>
+          <p:cNvSpPr>
+            <a:spLocks noGrp="1"/>
+          </p:cNvSpPr>
+          <p:nvPr>
+            <p:ph type="body" idx="1"/>
+          </p:nvPr>
+        </p:nvSpPr>
+        <p:spPr/>
+        <p:txBody>
+          <a:bodyPr/>
+          <a:lstStyle/>
+          <a:p>
+            <a:r>
+              <a:rPr lang="en-US" baseline="0" dirty="0" smtClean="0"/>
+              <a:t>Also comment the </a:t>
+            </a:r>
+            <a:r>
+              <a:rPr lang="en-US" baseline="0" dirty="0" err="1" smtClean="0"/>
+              <a:t>ubuntu</a:t>
+            </a:r>
+            <a:r>
+              <a:rPr lang="en-US" baseline="0" dirty="0" smtClean="0"/>
+              <a:t> platform line and change the centos platform to `centos-6.7', which should be the version running on the training instance.</a:t>
+            </a:r>
+          </a:p>
+          <a:p>
+            <a:endParaRPr lang="en-US" baseline="0" dirty="0" smtClean="0"/>
+          </a:p>
+          <a:p>
+            <a:r>
+              <a:rPr lang="en-US" baseline="0" dirty="0" smtClean="0"/>
+              <a:t>To confirm the centos release, you could execute </a:t>
+            </a:r>
+            <a:r>
+              <a:rPr lang="en-US" baseline="0" dirty="0" smtClean="0"/>
+              <a:t> `more /etc/*-release`</a:t>
+            </a:r>
+          </a:p>
+          <a:p>
+            <a:r>
+              <a:rPr lang="en-US" baseline="0" dirty="0" smtClean="0"/>
+              <a:t>::::::::::::::</a:t>
+            </a:r>
+          </a:p>
+          <a:p>
+            <a:r>
+              <a:rPr lang="en-US" baseline="0" dirty="0" smtClean="0"/>
+              <a:t>/etc/centos-release</a:t>
+            </a:r>
+          </a:p>
+          <a:p>
+            <a:r>
+              <a:rPr lang="en-US" baseline="0" dirty="0" smtClean="0"/>
+              <a:t>::::::::::::::</a:t>
+            </a:r>
+          </a:p>
+          <a:p>
+            <a:r>
+              <a:rPr lang="en-US" baseline="0" dirty="0" smtClean="0"/>
+              <a:t>CentOS release 6.7 (Final)</a:t>
+            </a:r>
+          </a:p>
+          <a:p>
+            <a:endParaRPr lang="en-US" baseline="0" dirty="0" smtClean="0"/>
+          </a:p>
+          <a:p>
+            <a:endParaRPr lang="en-US" baseline="0" dirty="0" smtClean="0"/>
+          </a:p>
+          <a:p>
+            <a:endParaRPr lang="en-US" baseline="0" dirty="0" smtClean="0"/>
+          </a:p>
+        </p:txBody>
+      </p:sp>
+      <p:sp>
+        <p:nvSpPr>
+          <p:cNvPr id="4" name="Slide Number Placeholder 3"/>
+          <p:cNvSpPr>
+            <a:spLocks noGrp="1"/>
+          </p:cNvSpPr>
+          <p:nvPr>
+            <p:ph type="sldNum" sz="quarter" idx="10"/>
+          </p:nvPr>
+        </p:nvSpPr>
+        <p:spPr/>
+        <p:txBody>
+          <a:bodyPr/>
+          <a:lstStyle/>
+          <a:p>
+            <a:pPr>
+              <a:defRPr/>
+            </a:pPr>
+            <a:fld id="{DC3734AA-3150-D947-AC52-2F5DF48BFCD5}" type="slidenum">
+              <a:rPr lang="en-US" smtClean="0"/>
+              <a:pPr>
+                <a:defRPr/>
+              </a:pPr>
+              <a:t>34</a:t>
+            </a:fld>
+            <a:endParaRPr lang="en-US" dirty="0"/>
+          </a:p>
+        </p:txBody>
+      </p:sp>
+      <p:sp>
+        <p:nvSpPr>
+          <p:cNvPr id="5" name="Header Placeholder 4"/>
+          <p:cNvSpPr>
+            <a:spLocks noGrp="1"/>
+          </p:cNvSpPr>
+          <p:nvPr>
+            <p:ph type="hdr" sz="quarter" idx="11"/>
+          </p:nvPr>
+        </p:nvSpPr>
+        <p:spPr/>
+        <p:txBody>
+          <a:bodyPr/>
+          <a:lstStyle/>
+          <a:p>
+            <a:pPr>
+              <a:defRPr/>
+            </a:pPr>
+            <a:endParaRPr lang="en-US"/>
+          </a:p>
+        </p:txBody>
+      </p:sp>
+      <p:sp>
+        <p:nvSpPr>
+          <p:cNvPr id="6" name="Footer Placeholder 5"/>
+          <p:cNvSpPr>
+            <a:spLocks noGrp="1"/>
+          </p:cNvSpPr>
+          <p:nvPr>
+            <p:ph type="ftr" sz="quarter" idx="12"/>
+          </p:nvPr>
+        </p:nvSpPr>
+        <p:spPr/>
+        <p:txBody>
+          <a:bodyPr/>
+          <a:lstStyle/>
+          <a:p>
+            <a:pPr>
+              <a:defRPr/>
+            </a:pPr>
+            <a:endParaRPr lang="en-US"/>
+          </a:p>
+        </p:txBody>
+      </p:sp>
+    </p:spTree>
+    <p:extLst>
+      <p:ext uri="{BB962C8B-B14F-4D97-AF65-F5344CB8AC3E}">
+        <p14:creationId xmlns:p14="http://schemas.microsoft.com/office/powerpoint/2010/main" val="1633869159"/>
+      </p:ext>
+    </p:extLst>
+  </p:cSld>
+  <p:clrMapOvr>
+    <a:masterClrMapping/>
+  </p:clrMapOvr>
+</p:notes>
+</file>
+
+<file path=ppt/notesSlides/notesSlide27.xml><?xml version="1.0" encoding="utf-8"?>
+<p:notes xmlns:a="http://schemas.openxmlformats.org/drawingml/2006/main" xmlns:r="http://schemas.openxmlformats.org/officeDocument/2006/relationships" xmlns:p="http://schemas.openxmlformats.org/presentationml/2006/main">
+  <p:cSld>
+    <p:spTree>
+      <p:nvGrpSpPr>
+        <p:cNvPr id="1" name=""/>
+        <p:cNvGrpSpPr/>
+        <p:nvPr/>
+      </p:nvGrpSpPr>
+      <p:grpSpPr>
+        <a:xfrm>
+          <a:off x="0" y="0"/>
+          <a:ext cx="0" cy="0"/>
+          <a:chOff x="0" y="0"/>
+          <a:chExt cx="0" cy="0"/>
+        </a:xfrm>
+      </p:grpSpPr>
+      <p:sp>
+        <p:nvSpPr>
+          <p:cNvPr id="2" name="Slide Image Placeholder 1"/>
+          <p:cNvSpPr>
+            <a:spLocks noGrp="1" noRot="1" noChangeAspect="1"/>
+          </p:cNvSpPr>
+          <p:nvPr>
+            <p:ph type="sldImg"/>
+          </p:nvPr>
+        </p:nvSpPr>
+        <p:spPr/>
+      </p:sp>
+      <p:sp>
+        <p:nvSpPr>
+          <p:cNvPr id="3" name="Notes Placeholder 2"/>
+          <p:cNvSpPr>
+            <a:spLocks noGrp="1"/>
+          </p:cNvSpPr>
+          <p:nvPr>
+            <p:ph type="body" idx="1"/>
+          </p:nvPr>
+        </p:nvSpPr>
+        <p:spPr/>
+        <p:txBody>
+          <a:bodyPr/>
+          <a:lstStyle/>
+          <a:p>
+            <a:r>
+              <a:rPr lang="en-US" baseline="0" dirty="0" smtClean="0"/>
+              <a:t>Finally, change the suites name to `client' and the run_list recipe name to `</a:t>
+            </a:r>
+            <a:r>
+              <a:rPr lang="en-US" baseline="0" dirty="0" err="1" smtClean="0"/>
+              <a:t>ssh:client</a:t>
+            </a:r>
+            <a:r>
+              <a:rPr lang="en-US" baseline="0" dirty="0" smtClean="0"/>
+              <a:t>`.</a:t>
+            </a:r>
+          </a:p>
+          <a:p>
+            <a:r>
+              <a:rPr lang="en-US" baseline="0" dirty="0" smtClean="0"/>
+              <a:t>run_list:</a:t>
+            </a:r>
+          </a:p>
+          <a:p>
+            <a:r>
+              <a:rPr lang="en-US" baseline="0" dirty="0" smtClean="0"/>
+              <a:t>      - recipe[ssh::client]</a:t>
+            </a:r>
+          </a:p>
+          <a:p>
+            <a:endParaRPr lang="en-US" baseline="0" dirty="0" smtClean="0"/>
+          </a:p>
+          <a:p>
+            <a:endParaRPr lang="en-US" baseline="0" dirty="0" smtClean="0"/>
+          </a:p>
+          <a:p>
+            <a:endParaRPr lang="en-US" baseline="0" dirty="0" smtClean="0"/>
+          </a:p>
+          <a:p>
+            <a:endParaRPr lang="en-US" baseline="0" dirty="0" smtClean="0"/>
+          </a:p>
+          <a:p>
+            <a:endParaRPr lang="en-US" baseline="0" dirty="0" smtClean="0"/>
+          </a:p>
+        </p:txBody>
+      </p:sp>
+      <p:sp>
+        <p:nvSpPr>
+          <p:cNvPr id="4" name="Slide Number Placeholder 3"/>
+          <p:cNvSpPr>
+            <a:spLocks noGrp="1"/>
+          </p:cNvSpPr>
+          <p:nvPr>
+            <p:ph type="sldNum" sz="quarter" idx="10"/>
+          </p:nvPr>
+        </p:nvSpPr>
+        <p:spPr/>
+        <p:txBody>
+          <a:bodyPr/>
+          <a:lstStyle/>
+          <a:p>
+            <a:pPr>
+              <a:defRPr/>
+            </a:pPr>
+            <a:fld id="{DC3734AA-3150-D947-AC52-2F5DF48BFCD5}" type="slidenum">
+              <a:rPr lang="en-US" smtClean="0"/>
+              <a:pPr>
+                <a:defRPr/>
+              </a:pPr>
+              <a:t>35</a:t>
+            </a:fld>
+            <a:endParaRPr lang="en-US" dirty="0"/>
+          </a:p>
+        </p:txBody>
+      </p:sp>
+      <p:sp>
+        <p:nvSpPr>
+          <p:cNvPr id="5" name="Header Placeholder 4"/>
+          <p:cNvSpPr>
+            <a:spLocks noGrp="1"/>
+          </p:cNvSpPr>
+          <p:nvPr>
+            <p:ph type="hdr" sz="quarter" idx="11"/>
+          </p:nvPr>
+        </p:nvSpPr>
+        <p:spPr/>
+        <p:txBody>
+          <a:bodyPr/>
+          <a:lstStyle/>
+          <a:p>
+            <a:pPr>
+              <a:defRPr/>
+            </a:pPr>
+            <a:endParaRPr lang="en-US"/>
+          </a:p>
+        </p:txBody>
+      </p:sp>
+      <p:sp>
+        <p:nvSpPr>
+          <p:cNvPr id="6" name="Footer Placeholder 5"/>
+          <p:cNvSpPr>
+            <a:spLocks noGrp="1"/>
+          </p:cNvSpPr>
+          <p:nvPr>
+            <p:ph type="ftr" sz="quarter" idx="12"/>
+          </p:nvPr>
+        </p:nvSpPr>
+        <p:spPr/>
+        <p:txBody>
+          <a:bodyPr/>
+          <a:lstStyle/>
+          <a:p>
+            <a:pPr>
+              <a:defRPr/>
+            </a:pPr>
+            <a:endParaRPr lang="en-US"/>
+          </a:p>
+        </p:txBody>
+      </p:sp>
+    </p:spTree>
+    <p:extLst>
+      <p:ext uri="{BB962C8B-B14F-4D97-AF65-F5344CB8AC3E}">
+        <p14:creationId xmlns:p14="http://schemas.microsoft.com/office/powerpoint/2010/main" val="3301825103"/>
+      </p:ext>
+    </p:extLst>
+  </p:cSld>
+  <p:clrMapOvr>
+    <a:masterClrMapping/>
+  </p:clrMapOvr>
+</p:notes>
+</file>
+
+<file path=ppt/notesSlides/notesSlide28.xml><?xml version="1.0" encoding="utf-8"?>
+<p:notes xmlns:a="http://schemas.openxmlformats.org/drawingml/2006/main" xmlns:r="http://schemas.openxmlformats.org/officeDocument/2006/relationships" xmlns:p="http://schemas.openxmlformats.org/presentationml/2006/main">
+  <p:cSld>
+    <p:spTree>
+      <p:nvGrpSpPr>
+        <p:cNvPr id="1" name=""/>
+        <p:cNvGrpSpPr/>
+        <p:nvPr/>
+      </p:nvGrpSpPr>
+      <p:grpSpPr>
+        <a:xfrm>
+          <a:off x="0" y="0"/>
+          <a:ext cx="0" cy="0"/>
+          <a:chOff x="0" y="0"/>
+          <a:chExt cx="0" cy="0"/>
+        </a:xfrm>
+      </p:grpSpPr>
+      <p:sp>
+        <p:nvSpPr>
+          <p:cNvPr id="2" name="Slide Image Placeholder 1"/>
+          <p:cNvSpPr>
+            <a:spLocks noGrp="1" noRot="1" noChangeAspect="1"/>
+          </p:cNvSpPr>
+          <p:nvPr>
+            <p:ph type="sldImg"/>
+          </p:nvPr>
+        </p:nvSpPr>
+        <p:spPr/>
+      </p:sp>
+      <p:sp>
+        <p:nvSpPr>
+          <p:cNvPr id="3" name="Notes Placeholder 2"/>
+          <p:cNvSpPr>
+            <a:spLocks noGrp="1"/>
+          </p:cNvSpPr>
+          <p:nvPr>
+            <p:ph type="body" idx="1"/>
+          </p:nvPr>
+        </p:nvSpPr>
+        <p:spPr/>
+        <p:txBody>
+          <a:bodyPr/>
+          <a:lstStyle/>
+          <a:p>
+            <a:r>
+              <a:rPr lang="en-US" baseline="0" dirty="0" smtClean="0"/>
+              <a:t>Now run </a:t>
+            </a:r>
+            <a:r>
+              <a:rPr lang="en-US" dirty="0" smtClean="0"/>
+              <a:t>`kitchen list` from the ~/cookbooks/ssh directory. This command will tell you if you have a typo in your</a:t>
+            </a:r>
+            <a:r>
+              <a:rPr lang="en-US" baseline="0" dirty="0" smtClean="0"/>
+              <a:t> `.</a:t>
+            </a:r>
+            <a:r>
+              <a:rPr lang="en-US" dirty="0" err="1" smtClean="0"/>
+              <a:t>kitchen.yml</a:t>
+            </a:r>
+            <a:r>
+              <a:rPr lang="en-US" dirty="0" smtClean="0"/>
+              <a:t>`.</a:t>
+            </a:r>
+            <a:endParaRPr lang="en-US" baseline="0" dirty="0" smtClean="0"/>
+          </a:p>
+          <a:p>
+            <a:endParaRPr lang="en-US" baseline="0" dirty="0" smtClean="0"/>
+          </a:p>
+          <a:p>
+            <a:endParaRPr lang="en-US" baseline="0" dirty="0" smtClean="0"/>
+          </a:p>
+          <a:p>
+            <a:endParaRPr lang="en-US" baseline="0" dirty="0" smtClean="0"/>
+          </a:p>
+          <a:p>
+            <a:endParaRPr lang="en-US" baseline="0" dirty="0" smtClean="0"/>
+          </a:p>
+          <a:p>
+            <a:endParaRPr lang="en-US" baseline="0" dirty="0" smtClean="0"/>
+          </a:p>
+        </p:txBody>
+      </p:sp>
+      <p:sp>
+        <p:nvSpPr>
+          <p:cNvPr id="4" name="Slide Number Placeholder 3"/>
+          <p:cNvSpPr>
+            <a:spLocks noGrp="1"/>
+          </p:cNvSpPr>
+          <p:nvPr>
+            <p:ph type="sldNum" sz="quarter" idx="10"/>
+          </p:nvPr>
+        </p:nvSpPr>
+        <p:spPr/>
+        <p:txBody>
+          <a:bodyPr/>
+          <a:lstStyle/>
+          <a:p>
+            <a:pPr>
+              <a:defRPr/>
+            </a:pPr>
+            <a:fld id="{DC3734AA-3150-D947-AC52-2F5DF48BFCD5}" type="slidenum">
+              <a:rPr lang="en-US" smtClean="0"/>
+              <a:pPr>
+                <a:defRPr/>
+              </a:pPr>
+              <a:t>36</a:t>
+            </a:fld>
+            <a:endParaRPr lang="en-US" dirty="0"/>
+          </a:p>
+        </p:txBody>
+      </p:sp>
+      <p:sp>
+        <p:nvSpPr>
+          <p:cNvPr id="5" name="Header Placeholder 4"/>
+          <p:cNvSpPr>
+            <a:spLocks noGrp="1"/>
+          </p:cNvSpPr>
+          <p:nvPr>
+            <p:ph type="hdr" sz="quarter" idx="11"/>
+          </p:nvPr>
+        </p:nvSpPr>
+        <p:spPr/>
+        <p:txBody>
+          <a:bodyPr/>
+          <a:lstStyle/>
+          <a:p>
+            <a:pPr>
+              <a:defRPr/>
+            </a:pPr>
+            <a:endParaRPr lang="en-US"/>
+          </a:p>
+        </p:txBody>
+      </p:sp>
+      <p:sp>
+        <p:nvSpPr>
+          <p:cNvPr id="6" name="Footer Placeholder 5"/>
+          <p:cNvSpPr>
+            <a:spLocks noGrp="1"/>
+          </p:cNvSpPr>
+          <p:nvPr>
+            <p:ph type="ftr" sz="quarter" idx="12"/>
+          </p:nvPr>
+        </p:nvSpPr>
+        <p:spPr/>
+        <p:txBody>
+          <a:bodyPr/>
+          <a:lstStyle/>
+          <a:p>
+            <a:pPr>
+              <a:defRPr/>
+            </a:pPr>
+            <a:endParaRPr lang="en-US"/>
+          </a:p>
+        </p:txBody>
+      </p:sp>
+    </p:spTree>
+    <p:extLst>
+      <p:ext uri="{BB962C8B-B14F-4D97-AF65-F5344CB8AC3E}">
+        <p14:creationId xmlns:p14="http://schemas.microsoft.com/office/powerpoint/2010/main" val="2150267368"/>
+      </p:ext>
+    </p:extLst>
+  </p:cSld>
+  <p:clrMapOvr>
+    <a:masterClrMapping/>
+  </p:clrMapOvr>
+</p:notes>
+</file>
+
+<file path=ppt/notesSlides/notesSlide29.xml><?xml version="1.0" encoding="utf-8"?>
+<p:notes xmlns:a="http://schemas.openxmlformats.org/drawingml/2006/main" xmlns:r="http://schemas.openxmlformats.org/officeDocument/2006/relationships" xmlns:p="http://schemas.openxmlformats.org/presentationml/2006/main">
+  <p:cSld>
+    <p:spTree>
+      <p:nvGrpSpPr>
+        <p:cNvPr id="1" name=""/>
+        <p:cNvGrpSpPr/>
+        <p:nvPr/>
+      </p:nvGrpSpPr>
+      <p:grpSpPr>
+        <a:xfrm>
+          <a:off x="0" y="0"/>
+          <a:ext cx="0" cy="0"/>
+          <a:chOff x="0" y="0"/>
+          <a:chExt cx="0" cy="0"/>
+        </a:xfrm>
+      </p:grpSpPr>
+      <p:sp>
+        <p:nvSpPr>
+          <p:cNvPr id="2" name="Slide Image Placeholder 1"/>
+          <p:cNvSpPr>
+            <a:spLocks noGrp="1" noRot="1" noChangeAspect="1"/>
+          </p:cNvSpPr>
+          <p:nvPr>
+            <p:ph type="sldImg"/>
+          </p:nvPr>
+        </p:nvSpPr>
+        <p:spPr/>
+      </p:sp>
+      <p:sp>
+        <p:nvSpPr>
+          <p:cNvPr id="3" name="Notes Placeholder 2"/>
+          <p:cNvSpPr>
+            <a:spLocks noGrp="1"/>
+          </p:cNvSpPr>
+          <p:nvPr>
+            <p:ph type="body" idx="1"/>
+          </p:nvPr>
+        </p:nvSpPr>
+        <p:spPr/>
+        <p:txBody>
+          <a:bodyPr/>
+          <a:lstStyle/>
+          <a:p>
+            <a:r>
+              <a:rPr lang="en-US" baseline="0" dirty="0" smtClean="0"/>
+              <a:t>Now run </a:t>
+            </a:r>
+            <a:r>
+              <a:rPr lang="en-US" dirty="0" smtClean="0"/>
+              <a:t>`kitchen converge` from the ~/cookbooks/ssh directory. </a:t>
+            </a:r>
+          </a:p>
+          <a:p>
+            <a:endParaRPr lang="en-US" baseline="0" dirty="0" smtClean="0"/>
+          </a:p>
+          <a:p>
+            <a:r>
+              <a:rPr lang="en-US" dirty="0" smtClean="0"/>
+              <a:t>`kitchen converge` will:</a:t>
+            </a:r>
+          </a:p>
+          <a:p>
+            <a:endParaRPr lang="en-US" dirty="0" smtClean="0"/>
+          </a:p>
+          <a:p>
+            <a:pPr marL="171450" indent="-171450">
+              <a:buFont typeface="Arial" panose="020B0604020202020204" pitchFamily="34" charset="0"/>
+              <a:buChar char="•"/>
+            </a:pPr>
+            <a:r>
+              <a:rPr lang="en-US" dirty="0" smtClean="0"/>
+              <a:t>Launch a </a:t>
+            </a:r>
+            <a:r>
+              <a:rPr lang="en-US" dirty="0" err="1" smtClean="0"/>
+              <a:t>docker</a:t>
+            </a:r>
+            <a:r>
+              <a:rPr lang="en-US" dirty="0" smtClean="0"/>
+              <a:t> container.</a:t>
+            </a:r>
+          </a:p>
+          <a:p>
+            <a:pPr marL="171450" indent="-171450">
+              <a:buFont typeface="Arial" panose="020B0604020202020204" pitchFamily="34" charset="0"/>
+              <a:buChar char="•"/>
+            </a:pPr>
+            <a:r>
+              <a:rPr lang="en-US" dirty="0" smtClean="0"/>
+              <a:t>Place the cookbook into the </a:t>
+            </a:r>
+            <a:r>
+              <a:rPr lang="en-US" dirty="0" err="1" smtClean="0"/>
+              <a:t>docker</a:t>
+            </a:r>
+            <a:r>
+              <a:rPr lang="en-US" dirty="0" smtClean="0"/>
+              <a:t> container.</a:t>
+            </a:r>
+          </a:p>
+          <a:p>
+            <a:pPr marL="171450" marR="0" indent="-171450" algn="l" defTabSz="1217613" rtl="0" eaLnBrk="1" fontAlgn="base" latinLnBrk="0" hangingPunct="1">
+              <a:lnSpc>
+                <a:spcPct val="90000"/>
+              </a:lnSpc>
+              <a:spcBef>
+                <a:spcPct val="30000"/>
+              </a:spcBef>
+              <a:spcAft>
+                <a:spcPts val="450"/>
+              </a:spcAft>
+              <a:buClrTx/>
+              <a:buSzTx/>
+              <a:buFont typeface="Arial" panose="020B0604020202020204" pitchFamily="34" charset="0"/>
+              <a:buChar char="•"/>
+              <a:tabLst/>
+              <a:defRPr/>
+            </a:pPr>
+            <a:r>
+              <a:rPr lang="en-US" dirty="0" smtClean="0"/>
+              <a:t>Install chef-client in the </a:t>
+            </a:r>
+            <a:r>
+              <a:rPr lang="en-US" dirty="0" err="1" smtClean="0"/>
+              <a:t>docker</a:t>
+            </a:r>
+            <a:r>
+              <a:rPr lang="en-US" dirty="0" smtClean="0"/>
+              <a:t> container.</a:t>
+            </a:r>
+          </a:p>
+          <a:p>
+            <a:pPr marL="171450" marR="0" indent="-171450" algn="l" defTabSz="1217613" rtl="0" eaLnBrk="1" fontAlgn="base" latinLnBrk="0" hangingPunct="1">
+              <a:lnSpc>
+                <a:spcPct val="90000"/>
+              </a:lnSpc>
+              <a:spcBef>
+                <a:spcPct val="30000"/>
+              </a:spcBef>
+              <a:spcAft>
+                <a:spcPts val="450"/>
+              </a:spcAft>
+              <a:buClrTx/>
+              <a:buSzTx/>
+              <a:buFont typeface="Arial" panose="020B0604020202020204" pitchFamily="34" charset="0"/>
+              <a:buChar char="•"/>
+              <a:tabLst/>
+              <a:defRPr/>
+            </a:pPr>
+            <a:r>
+              <a:rPr lang="en-US" dirty="0" smtClean="0"/>
+              <a:t>Run chef</a:t>
+            </a:r>
+            <a:r>
+              <a:rPr lang="en-US" baseline="0" dirty="0" smtClean="0"/>
+              <a:t> zero (i.e., chef-client in local mode) across the client recipe.</a:t>
+            </a:r>
+          </a:p>
+          <a:p>
+            <a:pPr marL="171450" marR="0" indent="-171450" algn="l" defTabSz="1217613" rtl="0" eaLnBrk="1" fontAlgn="base" latinLnBrk="0" hangingPunct="1">
+              <a:lnSpc>
+                <a:spcPct val="90000"/>
+              </a:lnSpc>
+              <a:spcBef>
+                <a:spcPct val="30000"/>
+              </a:spcBef>
+              <a:spcAft>
+                <a:spcPts val="450"/>
+              </a:spcAft>
+              <a:buClrTx/>
+              <a:buSzTx/>
+              <a:buFont typeface="Arial" panose="020B0604020202020204" pitchFamily="34" charset="0"/>
+              <a:buChar char="•"/>
+              <a:tabLst/>
+              <a:defRPr/>
+            </a:pPr>
+            <a:endParaRPr lang="en-US" baseline="0" dirty="0" smtClean="0"/>
+          </a:p>
+          <a:p>
+            <a:pPr marL="0" marR="0" indent="0" algn="l" defTabSz="1217613" rtl="0" eaLnBrk="1" fontAlgn="base" latinLnBrk="0" hangingPunct="1">
+              <a:lnSpc>
+                <a:spcPct val="90000"/>
+              </a:lnSpc>
+              <a:spcBef>
+                <a:spcPct val="30000"/>
+              </a:spcBef>
+              <a:spcAft>
+                <a:spcPts val="450"/>
+              </a:spcAft>
+              <a:buClrTx/>
+              <a:buSzTx/>
+              <a:buFont typeface="Arial" panose="020B0604020202020204" pitchFamily="34" charset="0"/>
+              <a:buNone/>
+              <a:tabLst/>
+              <a:defRPr/>
+            </a:pPr>
+            <a:r>
+              <a:rPr lang="en-US" baseline="0" dirty="0" smtClean="0"/>
+              <a:t>The end result will be that it should write out the </a:t>
+            </a:r>
+            <a:r>
+              <a:rPr lang="en-US" baseline="0" dirty="0" err="1" smtClean="0"/>
+              <a:t>ssh_conf</a:t>
+            </a:r>
+            <a:r>
+              <a:rPr lang="en-US" baseline="0" dirty="0" smtClean="0"/>
+              <a:t> to the appropriate location (i.e</a:t>
+            </a:r>
+            <a:r>
+              <a:rPr lang="en-US" b="0" baseline="0" dirty="0" smtClean="0"/>
+              <a:t>., /etc/ssh/</a:t>
+            </a:r>
+            <a:r>
+              <a:rPr lang="en-US" b="0" baseline="0" dirty="0" err="1" smtClean="0"/>
+              <a:t>ssh_config</a:t>
+            </a:r>
+            <a:r>
+              <a:rPr lang="en-US" b="0" baseline="0" dirty="0" smtClean="0"/>
+              <a:t>).</a:t>
+            </a:r>
+          </a:p>
+          <a:p>
+            <a:pPr marL="0" marR="0" indent="0" algn="l" defTabSz="1217613" rtl="0" eaLnBrk="1" fontAlgn="base" latinLnBrk="0" hangingPunct="1">
+              <a:lnSpc>
+                <a:spcPct val="90000"/>
+              </a:lnSpc>
+              <a:spcBef>
+                <a:spcPct val="30000"/>
+              </a:spcBef>
+              <a:spcAft>
+                <a:spcPts val="450"/>
+              </a:spcAft>
+              <a:buClrTx/>
+              <a:buSzTx/>
+              <a:buFont typeface="Arial" panose="020B0604020202020204" pitchFamily="34" charset="0"/>
+              <a:buNone/>
+              <a:tabLst/>
+              <a:defRPr/>
+            </a:pPr>
+            <a:endParaRPr lang="en-US" b="0" baseline="0" dirty="0" smtClean="0"/>
+          </a:p>
+          <a:p>
+            <a:pPr marL="0" marR="0" indent="0" algn="l" defTabSz="1217613" rtl="0" eaLnBrk="1" fontAlgn="base" latinLnBrk="0" hangingPunct="1">
+              <a:lnSpc>
+                <a:spcPct val="90000"/>
+              </a:lnSpc>
+              <a:spcBef>
+                <a:spcPct val="30000"/>
+              </a:spcBef>
+              <a:spcAft>
+                <a:spcPts val="450"/>
+              </a:spcAft>
+              <a:buClrTx/>
+              <a:buSzTx/>
+              <a:buFont typeface="Arial" panose="020B0604020202020204" pitchFamily="34" charset="0"/>
+              <a:buNone/>
+              <a:tabLst/>
+              <a:defRPr/>
+            </a:pPr>
+            <a:r>
+              <a:rPr lang="en-US" b="0" baseline="0" dirty="0" smtClean="0"/>
+              <a:t>It could take a minute or so for this command to complete.</a:t>
+            </a:r>
+            <a:endParaRPr lang="en-US" b="0" dirty="0" smtClean="0"/>
+          </a:p>
+          <a:p>
+            <a:pPr marL="171450" indent="-171450">
+              <a:buFont typeface="Arial" panose="020B0604020202020204" pitchFamily="34" charset="0"/>
+              <a:buChar char="•"/>
+            </a:pPr>
+            <a:endParaRPr lang="en-US" baseline="0" dirty="0" smtClean="0"/>
+          </a:p>
+          <a:p>
+            <a:endParaRPr lang="en-US" baseline="0" dirty="0" smtClean="0"/>
+          </a:p>
+          <a:p>
+            <a:endParaRPr lang="en-US" baseline="0" dirty="0" smtClean="0"/>
+          </a:p>
+          <a:p>
+            <a:endParaRPr lang="en-US" baseline="0" dirty="0" smtClean="0"/>
+          </a:p>
+          <a:p>
+            <a:endParaRPr lang="en-US" baseline="0" dirty="0" smtClean="0"/>
+          </a:p>
+          <a:p>
+            <a:endParaRPr lang="en-US" baseline="0" dirty="0" smtClean="0"/>
+          </a:p>
+        </p:txBody>
+      </p:sp>
+      <p:sp>
+        <p:nvSpPr>
+          <p:cNvPr id="4" name="Slide Number Placeholder 3"/>
+          <p:cNvSpPr>
+            <a:spLocks noGrp="1"/>
+          </p:cNvSpPr>
+          <p:nvPr>
+            <p:ph type="sldNum" sz="quarter" idx="10"/>
+          </p:nvPr>
+        </p:nvSpPr>
+        <p:spPr/>
+        <p:txBody>
+          <a:bodyPr/>
+          <a:lstStyle/>
+          <a:p>
+            <a:pPr>
+              <a:defRPr/>
+            </a:pPr>
+            <a:fld id="{DC3734AA-3150-D947-AC52-2F5DF48BFCD5}" type="slidenum">
+              <a:rPr lang="en-US" smtClean="0"/>
+              <a:pPr>
+                <a:defRPr/>
+              </a:pPr>
+              <a:t>37</a:t>
+            </a:fld>
+            <a:endParaRPr lang="en-US" dirty="0"/>
+          </a:p>
+        </p:txBody>
+      </p:sp>
+      <p:sp>
+        <p:nvSpPr>
+          <p:cNvPr id="5" name="Header Placeholder 4"/>
+          <p:cNvSpPr>
+            <a:spLocks noGrp="1"/>
+          </p:cNvSpPr>
+          <p:nvPr>
+            <p:ph type="hdr" sz="quarter" idx="11"/>
+          </p:nvPr>
+        </p:nvSpPr>
+        <p:spPr/>
+        <p:txBody>
+          <a:bodyPr/>
+          <a:lstStyle/>
+          <a:p>
+            <a:pPr>
+              <a:defRPr/>
+            </a:pPr>
+            <a:endParaRPr lang="en-US"/>
+          </a:p>
+        </p:txBody>
+      </p:sp>
+      <p:sp>
+        <p:nvSpPr>
+          <p:cNvPr id="6" name="Footer Placeholder 5"/>
+          <p:cNvSpPr>
+            <a:spLocks noGrp="1"/>
+          </p:cNvSpPr>
+          <p:nvPr>
+            <p:ph type="ftr" sz="quarter" idx="12"/>
+          </p:nvPr>
+        </p:nvSpPr>
+        <p:spPr/>
+        <p:txBody>
+          <a:bodyPr/>
+          <a:lstStyle/>
+          <a:p>
+            <a:pPr>
+              <a:defRPr/>
+            </a:pPr>
+            <a:endParaRPr lang="en-US"/>
+          </a:p>
+        </p:txBody>
+      </p:sp>
+    </p:spTree>
+    <p:extLst>
+      <p:ext uri="{BB962C8B-B14F-4D97-AF65-F5344CB8AC3E}">
+        <p14:creationId xmlns:p14="http://schemas.microsoft.com/office/powerpoint/2010/main" val="1087261345"/>
+      </p:ext>
+    </p:extLst>
+  </p:cSld>
+  <p:clrMapOvr>
+    <a:masterClrMapping/>
+  </p:clrMapOvr>
+</p:notes>
+</file>
+
 <file path=ppt/notesSlides/notesSlide3.xml><?xml version="1.0" encoding="utf-8"?>
 <p:notes xmlns:a="http://schemas.openxmlformats.org/drawingml/2006/main" xmlns:r="http://schemas.openxmlformats.org/officeDocument/2006/relationships" xmlns:p="http://schemas.openxmlformats.org/presentationml/2006/main">
   <p:cSld>
@@ -2267,23 +4837,37 @@
           <a:p>
             <a:r>
               <a:rPr lang="en-US" dirty="0" smtClean="0"/>
-              <a:t>In the workplace, the</a:t>
+              <a:t>Be sure you are using the hostname of</a:t>
             </a:r>
             <a:r>
               <a:rPr lang="en-US" baseline="0" dirty="0" smtClean="0"/>
-              <a:t> node's username and password will likely </a:t>
+              <a:t> the target node that you noted previously in class.</a:t>
+            </a:r>
+            <a:endParaRPr lang="en-US" dirty="0" smtClean="0"/>
+          </a:p>
+          <a:p>
+            <a:endParaRPr lang="en-US" dirty="0" smtClean="0"/>
+          </a:p>
+          <a:p>
+            <a:r>
+              <a:rPr lang="en-US" dirty="0" smtClean="0"/>
+              <a:t>In </a:t>
+            </a:r>
+            <a:r>
+              <a:rPr lang="en-US" dirty="0" smtClean="0"/>
+              <a:t>the workplace, the</a:t>
             </a:r>
             <a:r>
               <a:rPr lang="en-US" baseline="0" dirty="0" smtClean="0"/>
-              <a:t>be different </a:t>
+              <a:t> </a:t>
             </a:r>
             <a:r>
               <a:rPr lang="en-US" baseline="0" dirty="0" smtClean="0"/>
-              <a:t>than shown in this example</a:t>
+              <a:t>target node's </a:t>
             </a:r>
             <a:r>
               <a:rPr lang="en-US" baseline="0" dirty="0" smtClean="0"/>
-              <a:t>.</a:t>
+              <a:t>username and password will likely be different than shown in this example.</a:t>
             </a:r>
           </a:p>
           <a:p>
@@ -2375,6 +4959,672 @@
     <p:extLst>
       <p:ext uri="{BB962C8B-B14F-4D97-AF65-F5344CB8AC3E}">
         <p14:creationId xmlns:p14="http://schemas.microsoft.com/office/powerpoint/2010/main" val="1824773967"/>
+      </p:ext>
+    </p:extLst>
+  </p:cSld>
+  <p:clrMapOvr>
+    <a:masterClrMapping/>
+  </p:clrMapOvr>
+</p:notes>
+</file>
+
+<file path=ppt/notesSlides/notesSlide30.xml><?xml version="1.0" encoding="utf-8"?>
+<p:notes xmlns:a="http://schemas.openxmlformats.org/drawingml/2006/main" xmlns:r="http://schemas.openxmlformats.org/officeDocument/2006/relationships" xmlns:p="http://schemas.openxmlformats.org/presentationml/2006/main">
+  <p:cSld>
+    <p:spTree>
+      <p:nvGrpSpPr>
+        <p:cNvPr id="1" name=""/>
+        <p:cNvGrpSpPr/>
+        <p:nvPr/>
+      </p:nvGrpSpPr>
+      <p:grpSpPr>
+        <a:xfrm>
+          <a:off x="0" y="0"/>
+          <a:ext cx="0" cy="0"/>
+          <a:chOff x="0" y="0"/>
+          <a:chExt cx="0" cy="0"/>
+        </a:xfrm>
+      </p:grpSpPr>
+      <p:sp>
+        <p:nvSpPr>
+          <p:cNvPr id="2" name="Slide Image Placeholder 1"/>
+          <p:cNvSpPr>
+            <a:spLocks noGrp="1" noRot="1" noChangeAspect="1"/>
+          </p:cNvSpPr>
+          <p:nvPr>
+            <p:ph type="sldImg"/>
+          </p:nvPr>
+        </p:nvSpPr>
+        <p:spPr/>
+      </p:sp>
+      <p:sp>
+        <p:nvSpPr>
+          <p:cNvPr id="3" name="Notes Placeholder 2"/>
+          <p:cNvSpPr>
+            <a:spLocks noGrp="1"/>
+          </p:cNvSpPr>
+          <p:nvPr>
+            <p:ph type="body" idx="1"/>
+          </p:nvPr>
+        </p:nvSpPr>
+        <p:spPr/>
+        <p:txBody>
+          <a:bodyPr/>
+          <a:lstStyle/>
+          <a:p>
+            <a:r>
+              <a:rPr lang="en-US" dirty="0" smtClean="0"/>
+              <a:t>In the preceding exercises we began writing a remediation recipe on our target node.</a:t>
+            </a:r>
+          </a:p>
+          <a:p>
+            <a:endParaRPr lang="en-US" dirty="0" smtClean="0"/>
+          </a:p>
+          <a:p>
+            <a:r>
+              <a:rPr lang="en-US" dirty="0" smtClean="0"/>
+              <a:t>We also tested the recipe with Test Kitchen.</a:t>
+            </a:r>
+          </a:p>
+          <a:p>
+            <a:endParaRPr lang="en-US" dirty="0" smtClean="0"/>
+          </a:p>
+          <a:p>
+            <a:r>
+              <a:rPr lang="en-US" dirty="0" smtClean="0"/>
+              <a:t>But have we even addressed the "Set the SSH protocol version to 2" issue?</a:t>
+            </a:r>
+          </a:p>
+          <a:p>
+            <a:endParaRPr lang="en-US" dirty="0" smtClean="0"/>
+          </a:p>
+          <a:p>
+            <a:r>
+              <a:rPr lang="en-US" dirty="0" smtClean="0"/>
+              <a:t>If you answered "no", you are correct. In</a:t>
+            </a:r>
+            <a:r>
+              <a:rPr lang="en-US" baseline="0" dirty="0" smtClean="0"/>
+              <a:t> a little while we</a:t>
+            </a:r>
+            <a:r>
+              <a:rPr lang="en-US" dirty="0" smtClean="0"/>
+              <a:t> will modify our recipe to address</a:t>
+            </a:r>
+            <a:r>
+              <a:rPr lang="en-US" baseline="0" dirty="0" smtClean="0"/>
+              <a:t> the "</a:t>
+            </a:r>
+            <a:r>
+              <a:rPr lang="en-US" dirty="0" smtClean="0"/>
+              <a:t>Set the SSH protocol version to 2"</a:t>
+            </a:r>
+            <a:r>
+              <a:rPr lang="en-US" baseline="0" dirty="0" smtClean="0"/>
+              <a:t> issue.</a:t>
+            </a:r>
+          </a:p>
+          <a:p>
+            <a:endParaRPr lang="en-US" baseline="0" dirty="0" smtClean="0"/>
+          </a:p>
+          <a:p>
+            <a:r>
+              <a:rPr lang="en-US" baseline="0" dirty="0" smtClean="0"/>
+              <a:t>But first, let's add an </a:t>
+            </a:r>
+            <a:r>
+              <a:rPr lang="en-US" baseline="0" dirty="0" err="1" smtClean="0"/>
+              <a:t>InSpec</a:t>
+            </a:r>
+            <a:r>
+              <a:rPr lang="en-US" baseline="0" dirty="0" smtClean="0"/>
+              <a:t> Verifier.</a:t>
+            </a:r>
+            <a:endParaRPr lang="en-US" dirty="0"/>
+          </a:p>
+        </p:txBody>
+      </p:sp>
+      <p:sp>
+        <p:nvSpPr>
+          <p:cNvPr id="4" name="Slide Number Placeholder 3"/>
+          <p:cNvSpPr>
+            <a:spLocks noGrp="1"/>
+          </p:cNvSpPr>
+          <p:nvPr>
+            <p:ph type="sldNum" sz="quarter" idx="10"/>
+          </p:nvPr>
+        </p:nvSpPr>
+        <p:spPr/>
+        <p:txBody>
+          <a:bodyPr/>
+          <a:lstStyle/>
+          <a:p>
+            <a:pPr>
+              <a:defRPr/>
+            </a:pPr>
+            <a:fld id="{DC3734AA-3150-D947-AC52-2F5DF48BFCD5}" type="slidenum">
+              <a:rPr lang="en-US" smtClean="0"/>
+              <a:pPr>
+                <a:defRPr/>
+              </a:pPr>
+              <a:t>38</a:t>
+            </a:fld>
+            <a:endParaRPr lang="en-US" dirty="0"/>
+          </a:p>
+        </p:txBody>
+      </p:sp>
+      <p:sp>
+        <p:nvSpPr>
+          <p:cNvPr id="5" name="Header Placeholder 4"/>
+          <p:cNvSpPr>
+            <a:spLocks noGrp="1"/>
+          </p:cNvSpPr>
+          <p:nvPr>
+            <p:ph type="hdr" sz="quarter" idx="11"/>
+          </p:nvPr>
+        </p:nvSpPr>
+        <p:spPr/>
+        <p:txBody>
+          <a:bodyPr/>
+          <a:lstStyle/>
+          <a:p>
+            <a:pPr>
+              <a:defRPr/>
+            </a:pPr>
+            <a:endParaRPr lang="en-US"/>
+          </a:p>
+        </p:txBody>
+      </p:sp>
+      <p:sp>
+        <p:nvSpPr>
+          <p:cNvPr id="6" name="Footer Placeholder 5"/>
+          <p:cNvSpPr>
+            <a:spLocks noGrp="1"/>
+          </p:cNvSpPr>
+          <p:nvPr>
+            <p:ph type="ftr" sz="quarter" idx="12"/>
+          </p:nvPr>
+        </p:nvSpPr>
+        <p:spPr/>
+        <p:txBody>
+          <a:bodyPr/>
+          <a:lstStyle/>
+          <a:p>
+            <a:pPr>
+              <a:defRPr/>
+            </a:pPr>
+            <a:endParaRPr lang="en-US"/>
+          </a:p>
+        </p:txBody>
+      </p:sp>
+    </p:spTree>
+    <p:extLst>
+      <p:ext uri="{BB962C8B-B14F-4D97-AF65-F5344CB8AC3E}">
+        <p14:creationId xmlns:p14="http://schemas.microsoft.com/office/powerpoint/2010/main" val="753225799"/>
+      </p:ext>
+    </p:extLst>
+  </p:cSld>
+  <p:clrMapOvr>
+    <a:masterClrMapping/>
+  </p:clrMapOvr>
+</p:notes>
+</file>
+
+<file path=ppt/notesSlides/notesSlide31.xml><?xml version="1.0" encoding="utf-8"?>
+<p:notes xmlns:a="http://schemas.openxmlformats.org/drawingml/2006/main" xmlns:r="http://schemas.openxmlformats.org/officeDocument/2006/relationships" xmlns:p="http://schemas.openxmlformats.org/presentationml/2006/main">
+  <p:cSld>
+    <p:spTree>
+      <p:nvGrpSpPr>
+        <p:cNvPr id="1" name=""/>
+        <p:cNvGrpSpPr/>
+        <p:nvPr/>
+      </p:nvGrpSpPr>
+      <p:grpSpPr>
+        <a:xfrm>
+          <a:off x="0" y="0"/>
+          <a:ext cx="0" cy="0"/>
+          <a:chOff x="0" y="0"/>
+          <a:chExt cx="0" cy="0"/>
+        </a:xfrm>
+      </p:grpSpPr>
+      <p:sp>
+        <p:nvSpPr>
+          <p:cNvPr id="2" name="Slide Image Placeholder 1"/>
+          <p:cNvSpPr>
+            <a:spLocks noGrp="1" noRot="1" noChangeAspect="1"/>
+          </p:cNvSpPr>
+          <p:nvPr>
+            <p:ph type="sldImg"/>
+          </p:nvPr>
+        </p:nvSpPr>
+        <p:spPr/>
+      </p:sp>
+      <p:sp>
+        <p:nvSpPr>
+          <p:cNvPr id="3" name="Notes Placeholder 2"/>
+          <p:cNvSpPr>
+            <a:spLocks noGrp="1"/>
+          </p:cNvSpPr>
+          <p:nvPr>
+            <p:ph type="body" idx="1"/>
+          </p:nvPr>
+        </p:nvSpPr>
+        <p:spPr/>
+        <p:txBody>
+          <a:bodyPr/>
+          <a:lstStyle/>
+          <a:p>
+            <a:endParaRPr lang="en-US" dirty="0"/>
+          </a:p>
+        </p:txBody>
+      </p:sp>
+      <p:sp>
+        <p:nvSpPr>
+          <p:cNvPr id="4" name="Slide Number Placeholder 3"/>
+          <p:cNvSpPr>
+            <a:spLocks noGrp="1"/>
+          </p:cNvSpPr>
+          <p:nvPr>
+            <p:ph type="sldNum" sz="quarter" idx="10"/>
+          </p:nvPr>
+        </p:nvSpPr>
+        <p:spPr/>
+        <p:txBody>
+          <a:bodyPr/>
+          <a:lstStyle/>
+          <a:p>
+            <a:pPr>
+              <a:defRPr/>
+            </a:pPr>
+            <a:fld id="{DC3734AA-3150-D947-AC52-2F5DF48BFCD5}" type="slidenum">
+              <a:rPr lang="en-US" smtClean="0"/>
+              <a:pPr>
+                <a:defRPr/>
+              </a:pPr>
+              <a:t>39</a:t>
+            </a:fld>
+            <a:endParaRPr lang="en-US" dirty="0"/>
+          </a:p>
+        </p:txBody>
+      </p:sp>
+      <p:sp>
+        <p:nvSpPr>
+          <p:cNvPr id="5" name="Header Placeholder 4"/>
+          <p:cNvSpPr>
+            <a:spLocks noGrp="1"/>
+          </p:cNvSpPr>
+          <p:nvPr>
+            <p:ph type="hdr" sz="quarter" idx="11"/>
+          </p:nvPr>
+        </p:nvSpPr>
+        <p:spPr/>
+        <p:txBody>
+          <a:bodyPr/>
+          <a:lstStyle/>
+          <a:p>
+            <a:pPr>
+              <a:defRPr/>
+            </a:pPr>
+            <a:endParaRPr lang="en-US"/>
+          </a:p>
+        </p:txBody>
+      </p:sp>
+      <p:sp>
+        <p:nvSpPr>
+          <p:cNvPr id="6" name="Footer Placeholder 5"/>
+          <p:cNvSpPr>
+            <a:spLocks noGrp="1"/>
+          </p:cNvSpPr>
+          <p:nvPr>
+            <p:ph type="ftr" sz="quarter" idx="12"/>
+          </p:nvPr>
+        </p:nvSpPr>
+        <p:spPr/>
+        <p:txBody>
+          <a:bodyPr/>
+          <a:lstStyle/>
+          <a:p>
+            <a:pPr>
+              <a:defRPr/>
+            </a:pPr>
+            <a:endParaRPr lang="en-US"/>
+          </a:p>
+        </p:txBody>
+      </p:sp>
+    </p:spTree>
+    <p:extLst>
+      <p:ext uri="{BB962C8B-B14F-4D97-AF65-F5344CB8AC3E}">
+        <p14:creationId xmlns:p14="http://schemas.microsoft.com/office/powerpoint/2010/main" val="3651809373"/>
+      </p:ext>
+    </p:extLst>
+  </p:cSld>
+  <p:clrMapOvr>
+    <a:masterClrMapping/>
+  </p:clrMapOvr>
+</p:notes>
+</file>
+
+<file path=ppt/notesSlides/notesSlide32.xml><?xml version="1.0" encoding="utf-8"?>
+<p:notes xmlns:a="http://schemas.openxmlformats.org/drawingml/2006/main" xmlns:r="http://schemas.openxmlformats.org/officeDocument/2006/relationships" xmlns:p="http://schemas.openxmlformats.org/presentationml/2006/main">
+  <p:cSld>
+    <p:spTree>
+      <p:nvGrpSpPr>
+        <p:cNvPr id="1" name=""/>
+        <p:cNvGrpSpPr/>
+        <p:nvPr/>
+      </p:nvGrpSpPr>
+      <p:grpSpPr>
+        <a:xfrm>
+          <a:off x="0" y="0"/>
+          <a:ext cx="0" cy="0"/>
+          <a:chOff x="0" y="0"/>
+          <a:chExt cx="0" cy="0"/>
+        </a:xfrm>
+      </p:grpSpPr>
+      <p:sp>
+        <p:nvSpPr>
+          <p:cNvPr id="2" name="Slide Image Placeholder 1"/>
+          <p:cNvSpPr>
+            <a:spLocks noGrp="1" noRot="1" noChangeAspect="1"/>
+          </p:cNvSpPr>
+          <p:nvPr>
+            <p:ph type="sldImg"/>
+          </p:nvPr>
+        </p:nvSpPr>
+        <p:spPr/>
+      </p:sp>
+      <p:sp>
+        <p:nvSpPr>
+          <p:cNvPr id="3" name="Notes Placeholder 2"/>
+          <p:cNvSpPr>
+            <a:spLocks noGrp="1"/>
+          </p:cNvSpPr>
+          <p:nvPr>
+            <p:ph type="body" idx="1"/>
+          </p:nvPr>
+        </p:nvSpPr>
+        <p:spPr/>
+        <p:txBody>
+          <a:bodyPr/>
+          <a:lstStyle/>
+          <a:p>
+            <a:r>
+              <a:rPr lang="en-US" dirty="0" smtClean="0"/>
+              <a:t>See the following slide for an example of a handy way to populate this file.</a:t>
+            </a:r>
+            <a:endParaRPr lang="en-US" dirty="0"/>
+          </a:p>
+        </p:txBody>
+      </p:sp>
+      <p:sp>
+        <p:nvSpPr>
+          <p:cNvPr id="4" name="Slide Number Placeholder 3"/>
+          <p:cNvSpPr>
+            <a:spLocks noGrp="1"/>
+          </p:cNvSpPr>
+          <p:nvPr>
+            <p:ph type="sldNum" sz="quarter" idx="10"/>
+          </p:nvPr>
+        </p:nvSpPr>
+        <p:spPr/>
+        <p:txBody>
+          <a:bodyPr/>
+          <a:lstStyle/>
+          <a:p>
+            <a:pPr>
+              <a:defRPr/>
+            </a:pPr>
+            <a:fld id="{DC3734AA-3150-D947-AC52-2F5DF48BFCD5}" type="slidenum">
+              <a:rPr lang="en-US" smtClean="0"/>
+              <a:pPr>
+                <a:defRPr/>
+              </a:pPr>
+              <a:t>42</a:t>
+            </a:fld>
+            <a:endParaRPr lang="en-US" dirty="0"/>
+          </a:p>
+        </p:txBody>
+      </p:sp>
+      <p:sp>
+        <p:nvSpPr>
+          <p:cNvPr id="5" name="Header Placeholder 4"/>
+          <p:cNvSpPr>
+            <a:spLocks noGrp="1"/>
+          </p:cNvSpPr>
+          <p:nvPr>
+            <p:ph type="hdr" sz="quarter" idx="11"/>
+          </p:nvPr>
+        </p:nvSpPr>
+        <p:spPr/>
+        <p:txBody>
+          <a:bodyPr/>
+          <a:lstStyle/>
+          <a:p>
+            <a:pPr>
+              <a:defRPr/>
+            </a:pPr>
+            <a:endParaRPr lang="en-US"/>
+          </a:p>
+        </p:txBody>
+      </p:sp>
+      <p:sp>
+        <p:nvSpPr>
+          <p:cNvPr id="6" name="Footer Placeholder 5"/>
+          <p:cNvSpPr>
+            <a:spLocks noGrp="1"/>
+          </p:cNvSpPr>
+          <p:nvPr>
+            <p:ph type="ftr" sz="quarter" idx="12"/>
+          </p:nvPr>
+        </p:nvSpPr>
+        <p:spPr/>
+        <p:txBody>
+          <a:bodyPr/>
+          <a:lstStyle/>
+          <a:p>
+            <a:pPr>
+              <a:defRPr/>
+            </a:pPr>
+            <a:endParaRPr lang="en-US"/>
+          </a:p>
+        </p:txBody>
+      </p:sp>
+    </p:spTree>
+    <p:extLst>
+      <p:ext uri="{BB962C8B-B14F-4D97-AF65-F5344CB8AC3E}">
+        <p14:creationId xmlns:p14="http://schemas.microsoft.com/office/powerpoint/2010/main" val="1699919457"/>
+      </p:ext>
+    </p:extLst>
+  </p:cSld>
+  <p:clrMapOvr>
+    <a:masterClrMapping/>
+  </p:clrMapOvr>
+</p:notes>
+</file>
+
+<file path=ppt/notesSlides/notesSlide33.xml><?xml version="1.0" encoding="utf-8"?>
+<p:notes xmlns:a="http://schemas.openxmlformats.org/drawingml/2006/main" xmlns:r="http://schemas.openxmlformats.org/officeDocument/2006/relationships" xmlns:p="http://schemas.openxmlformats.org/presentationml/2006/main">
+  <p:cSld>
+    <p:spTree>
+      <p:nvGrpSpPr>
+        <p:cNvPr id="1" name=""/>
+        <p:cNvGrpSpPr/>
+        <p:nvPr/>
+      </p:nvGrpSpPr>
+      <p:grpSpPr>
+        <a:xfrm>
+          <a:off x="0" y="0"/>
+          <a:ext cx="0" cy="0"/>
+          <a:chOff x="0" y="0"/>
+          <a:chExt cx="0" cy="0"/>
+        </a:xfrm>
+      </p:grpSpPr>
+      <p:sp>
+        <p:nvSpPr>
+          <p:cNvPr id="2" name="Slide Image Placeholder 1"/>
+          <p:cNvSpPr>
+            <a:spLocks noGrp="1" noRot="1" noChangeAspect="1"/>
+          </p:cNvSpPr>
+          <p:nvPr>
+            <p:ph type="sldImg"/>
+          </p:nvPr>
+        </p:nvSpPr>
+        <p:spPr/>
+      </p:sp>
+      <p:sp>
+        <p:nvSpPr>
+          <p:cNvPr id="3" name="Notes Placeholder 2"/>
+          <p:cNvSpPr>
+            <a:spLocks noGrp="1"/>
+          </p:cNvSpPr>
+          <p:nvPr>
+            <p:ph type="body" idx="1"/>
+          </p:nvPr>
+        </p:nvSpPr>
+        <p:spPr/>
+        <p:txBody>
+          <a:bodyPr/>
+          <a:lstStyle/>
+          <a:p>
+            <a:pPr marL="0" marR="0" indent="0" algn="l" defTabSz="1217613" rtl="0" eaLnBrk="1" fontAlgn="base" latinLnBrk="0" hangingPunct="1">
+              <a:lnSpc>
+                <a:spcPct val="90000"/>
+              </a:lnSpc>
+              <a:spcBef>
+                <a:spcPct val="30000"/>
+              </a:spcBef>
+              <a:spcAft>
+                <a:spcPts val="450"/>
+              </a:spcAft>
+              <a:buClrTx/>
+              <a:buSzTx/>
+              <a:buFontTx/>
+              <a:buNone/>
+              <a:tabLst/>
+              <a:defRPr/>
+            </a:pPr>
+            <a:r>
+              <a:rPr lang="en-US" dirty="0" smtClean="0"/>
+              <a:t>One handy way to populate the preceding `</a:t>
+            </a:r>
+            <a:r>
+              <a:rPr lang="en-US" dirty="0" err="1" smtClean="0"/>
+              <a:t>client_spec.rb</a:t>
+            </a:r>
+            <a:r>
+              <a:rPr lang="en-US" dirty="0" smtClean="0"/>
+              <a:t>' is to use the Compliance Web UI and copy the </a:t>
+            </a:r>
+            <a:r>
+              <a:rPr lang="en-US" dirty="0" err="1" smtClean="0"/>
+              <a:t>InSpec</a:t>
+            </a:r>
+            <a:r>
+              <a:rPr lang="en-US" dirty="0" smtClean="0"/>
+              <a:t> control code found in the relevant Compliance profile. </a:t>
+            </a:r>
+          </a:p>
+          <a:p>
+            <a:endParaRPr lang="en-US" dirty="0" smtClean="0"/>
+          </a:p>
+          <a:p>
+            <a:r>
+              <a:rPr lang="en-US" dirty="0" smtClean="0"/>
+              <a:t>Then you can paste it into the </a:t>
+            </a:r>
+            <a:r>
+              <a:rPr lang="en-US" dirty="0" smtClean="0"/>
+              <a:t>`</a:t>
+            </a:r>
+            <a:r>
+              <a:rPr lang="en-US" dirty="0" err="1" smtClean="0"/>
+              <a:t>client_spec.rb</a:t>
+            </a:r>
+            <a:r>
+              <a:rPr lang="en-US" dirty="0" smtClean="0"/>
+              <a:t>' file to save yourself some typing.</a:t>
+            </a:r>
+            <a:endParaRPr lang="en-US" dirty="0"/>
+          </a:p>
+        </p:txBody>
+      </p:sp>
+      <p:sp>
+        <p:nvSpPr>
+          <p:cNvPr id="4" name="Slide Number Placeholder 3"/>
+          <p:cNvSpPr>
+            <a:spLocks noGrp="1"/>
+          </p:cNvSpPr>
+          <p:nvPr>
+            <p:ph type="sldNum" sz="quarter" idx="10"/>
+          </p:nvPr>
+        </p:nvSpPr>
+        <p:spPr/>
+        <p:txBody>
+          <a:bodyPr/>
+          <a:lstStyle/>
+          <a:p>
+            <a:pPr>
+              <a:defRPr/>
+            </a:pPr>
+            <a:fld id="{DC3734AA-3150-D947-AC52-2F5DF48BFCD5}" type="slidenum">
+              <a:rPr lang="en-US" smtClean="0"/>
+              <a:pPr>
+                <a:defRPr/>
+              </a:pPr>
+              <a:t>43</a:t>
+            </a:fld>
+            <a:endParaRPr lang="en-US" dirty="0"/>
+          </a:p>
+        </p:txBody>
+      </p:sp>
+      <p:sp>
+        <p:nvSpPr>
+          <p:cNvPr id="5" name="Header Placeholder 4"/>
+          <p:cNvSpPr>
+            <a:spLocks noGrp="1"/>
+          </p:cNvSpPr>
+          <p:nvPr>
+            <p:ph type="hdr" sz="quarter" idx="11"/>
+          </p:nvPr>
+        </p:nvSpPr>
+        <p:spPr/>
+        <p:txBody>
+          <a:bodyPr/>
+          <a:lstStyle/>
+          <a:p>
+            <a:pPr>
+              <a:defRPr/>
+            </a:pPr>
+            <a:endParaRPr lang="en-US"/>
+          </a:p>
+        </p:txBody>
+      </p:sp>
+      <p:sp>
+        <p:nvSpPr>
+          <p:cNvPr id="6" name="Footer Placeholder 5"/>
+          <p:cNvSpPr>
+            <a:spLocks noGrp="1"/>
+          </p:cNvSpPr>
+          <p:nvPr>
+            <p:ph type="ftr" sz="quarter" idx="12"/>
+          </p:nvPr>
+        </p:nvSpPr>
+        <p:spPr/>
+        <p:txBody>
+          <a:bodyPr/>
+          <a:lstStyle/>
+          <a:p>
+            <a:pPr>
+              <a:defRPr/>
+            </a:pPr>
+            <a:endParaRPr lang="en-US"/>
+          </a:p>
+        </p:txBody>
+      </p:sp>
+    </p:spTree>
+    <p:extLst>
+      <p:ext uri="{BB962C8B-B14F-4D97-AF65-F5344CB8AC3E}">
+        <p14:creationId xmlns:p14="http://schemas.microsoft.com/office/powerpoint/2010/main" val="3465403761"/>
       </p:ext>
     </p:extLst>
   </p:cSld>
@@ -2575,8 +5825,12 @@
               <a:t>indicate </a:t>
             </a:r>
             <a:r>
+              <a:rPr lang="en-US" dirty="0" smtClean="0"/>
+              <a:t>`</a:t>
+            </a:r>
+            <a:r>
               <a:rPr lang="en-US" b="1" dirty="0" smtClean="0"/>
-              <a:t>Connection established</a:t>
+              <a:t>Connection established`</a:t>
             </a:r>
             <a:r>
               <a:rPr lang="en-US" b="0" dirty="0" smtClean="0"/>
@@ -2584,15 +5838,11 @@
             </a:r>
             <a:r>
               <a:rPr lang="en-US" b="0" baseline="0" dirty="0" smtClean="0"/>
-              <a:t> please notify </a:t>
+              <a:t> </a:t>
             </a:r>
             <a:r>
               <a:rPr lang="en-US" b="0" baseline="0" dirty="0" smtClean="0"/>
-              <a:t>the instructor</a:t>
-            </a:r>
-            <a:r>
-              <a:rPr lang="en-US" b="0" baseline="0" dirty="0" smtClean="0"/>
-              <a:t>.</a:t>
+              <a:t>please notify the instructor.</a:t>
             </a:r>
             <a:endParaRPr lang="en-US" dirty="0"/>
           </a:p>
@@ -2891,12 +6141,40 @@
               <a:t>By clicking </a:t>
             </a:r>
             <a:r>
+              <a:rPr lang="en-US" dirty="0" smtClean="0"/>
+              <a:t>`</a:t>
+            </a:r>
+            <a:r>
               <a:rPr lang="en-US" b="1" dirty="0" smtClean="0"/>
-              <a:t>Settings &gt; Add New Key Pair  </a:t>
-            </a:r>
-            <a:r>
-              <a:rPr lang="en-US" dirty="0" smtClean="0"/>
-              <a:t>you will see where to past your private and public keys. </a:t>
+              <a:t>Settings </a:t>
+            </a:r>
+            <a:r>
+              <a:rPr lang="en-US" b="1" dirty="0" smtClean="0"/>
+              <a:t>&gt; Add New Key </a:t>
+            </a:r>
+            <a:r>
+              <a:rPr lang="en-US" b="1" dirty="0" smtClean="0"/>
+              <a:t>Pair`  </a:t>
+            </a:r>
+            <a:r>
+              <a:rPr lang="en-US" dirty="0" smtClean="0"/>
+              <a:t>you will see where to </a:t>
+            </a:r>
+            <a:r>
+              <a:rPr lang="en-US" dirty="0" smtClean="0"/>
+              <a:t>paste</a:t>
+            </a:r>
+            <a:r>
+              <a:rPr lang="en-US" baseline="0" dirty="0" smtClean="0"/>
+              <a:t> </a:t>
+            </a:r>
+            <a:r>
+              <a:rPr lang="en-US" dirty="0" smtClean="0"/>
+              <a:t>your </a:t>
+            </a:r>
+            <a:r>
+              <a:rPr lang="en-US" dirty="0" smtClean="0"/>
+              <a:t>private and public keys. </a:t>
             </a:r>
           </a:p>
           <a:p>
@@ -3184,11 +6462,7 @@
           <a:p>
             <a:r>
               <a:rPr lang="en-US" dirty="0" smtClean="0"/>
-              <a:t>You'll </a:t>
-            </a:r>
-            <a:r>
-              <a:rPr lang="en-US" dirty="0" smtClean="0"/>
-              <a:t>access the profiles in a moment. These profiles</a:t>
+              <a:t>You'll access the profiles in a moment. These profiles</a:t>
             </a:r>
             <a:r>
               <a:rPr lang="en-US" baseline="0" dirty="0" smtClean="0"/>
@@ -3870,14 +7144,14 @@
           </a:ln>
           <a:extLst>
             <a:ext uri="{909E8E84-426E-40dd-AFC4-6F175D3DCCD1}">
-              <a14:hiddenFill xmlns="" xmlns:a14="http://schemas.microsoft.com/office/drawing/2010/main">
+              <a14:hiddenFill xmlns:a14="http://schemas.microsoft.com/office/drawing/2010/main" xmlns="">
                 <a:solidFill>
                   <a:srgbClr val="FFFFFF"/>
                 </a:solidFill>
               </a14:hiddenFill>
             </a:ext>
             <a:ext uri="{91240B29-F687-4f45-9708-019B960494DF}">
-              <a14:hiddenLine xmlns="" xmlns:a14="http://schemas.microsoft.com/office/drawing/2010/main" w="9525">
+              <a14:hiddenLine xmlns:a14="http://schemas.microsoft.com/office/drawing/2010/main" xmlns="" w="9525">
                 <a:solidFill>
                   <a:srgbClr val="000000"/>
                 </a:solidFill>
@@ -4025,14 +7299,14 @@
           </a:ln>
           <a:extLst>
             <a:ext uri="{909E8E84-426E-40dd-AFC4-6F175D3DCCD1}">
-              <a14:hiddenFill xmlns="" xmlns:a14="http://schemas.microsoft.com/office/drawing/2010/main">
+              <a14:hiddenFill xmlns:a14="http://schemas.microsoft.com/office/drawing/2010/main" xmlns="">
                 <a:solidFill>
                   <a:srgbClr val="FFFFFF"/>
                 </a:solidFill>
               </a14:hiddenFill>
             </a:ext>
             <a:ext uri="{91240B29-F687-4f45-9708-019B960494DF}">
-              <a14:hiddenLine xmlns="" xmlns:a14="http://schemas.microsoft.com/office/drawing/2010/main" w="9525">
+              <a14:hiddenLine xmlns:a14="http://schemas.microsoft.com/office/drawing/2010/main" xmlns="" w="9525">
                 <a:solidFill>
                   <a:srgbClr val="000000"/>
                 </a:solidFill>
@@ -4523,14 +7797,14 @@
           </a:ln>
           <a:extLst>
             <a:ext uri="{909E8E84-426E-40dd-AFC4-6F175D3DCCD1}">
-              <a14:hiddenFill xmlns="" xmlns:a14="http://schemas.microsoft.com/office/drawing/2010/main">
+              <a14:hiddenFill xmlns:a14="http://schemas.microsoft.com/office/drawing/2010/main" xmlns="">
                 <a:solidFill>
                   <a:srgbClr val="FFFFFF"/>
                 </a:solidFill>
               </a14:hiddenFill>
             </a:ext>
             <a:ext uri="{91240B29-F687-4f45-9708-019B960494DF}">
-              <a14:hiddenLine xmlns="" xmlns:a14="http://schemas.microsoft.com/office/drawing/2010/main" w="9525">
+              <a14:hiddenLine xmlns:a14="http://schemas.microsoft.com/office/drawing/2010/main" xmlns="" w="9525">
                 <a:solidFill>
                   <a:srgbClr val="000000"/>
                 </a:solidFill>
@@ -4769,14 +8043,14 @@
           </a:ln>
           <a:extLst>
             <a:ext uri="{909E8E84-426E-40dd-AFC4-6F175D3DCCD1}">
-              <a14:hiddenFill xmlns="" xmlns:a14="http://schemas.microsoft.com/office/drawing/2010/main">
+              <a14:hiddenFill xmlns:a14="http://schemas.microsoft.com/office/drawing/2010/main" xmlns="">
                 <a:solidFill>
                   <a:srgbClr val="FFFFFF"/>
                 </a:solidFill>
               </a14:hiddenFill>
             </a:ext>
             <a:ext uri="{91240B29-F687-4f45-9708-019B960494DF}">
-              <a14:hiddenLine xmlns="" xmlns:a14="http://schemas.microsoft.com/office/drawing/2010/main" w="9525">
+              <a14:hiddenLine xmlns:a14="http://schemas.microsoft.com/office/drawing/2010/main" xmlns="" w="9525">
                 <a:solidFill>
                   <a:srgbClr val="000000"/>
                 </a:solidFill>
@@ -6704,14 +9978,14 @@
           </a:ln>
           <a:extLst>
             <a:ext uri="{909E8E84-426E-40dd-AFC4-6F175D3DCCD1}">
-              <a14:hiddenFill xmlns="" xmlns:a14="http://schemas.microsoft.com/office/drawing/2010/main">
+              <a14:hiddenFill xmlns:a14="http://schemas.microsoft.com/office/drawing/2010/main" xmlns="">
                 <a:solidFill>
                   <a:srgbClr val="FFFFFF"/>
                 </a:solidFill>
               </a14:hiddenFill>
             </a:ext>
             <a:ext uri="{91240B29-F687-4f45-9708-019B960494DF}">
-              <a14:hiddenLine xmlns="" xmlns:a14="http://schemas.microsoft.com/office/drawing/2010/main" w="9525">
+              <a14:hiddenLine xmlns:a14="http://schemas.microsoft.com/office/drawing/2010/main" xmlns="" w="9525">
                 <a:solidFill>
                   <a:srgbClr val="000000"/>
                 </a:solidFill>
@@ -7995,6 +11269,186 @@
 </p:sldLayout>
 </file>
 
+<file path=ppt/slideLayouts/slideLayout23.xml><?xml version="1.0" encoding="utf-8"?>
+<p:sldLayout xmlns:a="http://schemas.openxmlformats.org/drawingml/2006/main" xmlns:r="http://schemas.openxmlformats.org/officeDocument/2006/relationships" xmlns:p="http://schemas.openxmlformats.org/presentationml/2006/main" userDrawn="1">
+  <p:cSld name="Standard">
+    <p:bg>
+      <p:bgPr>
+        <a:gradFill rotWithShape="0">
+          <a:gsLst>
+            <a:gs pos="0">
+              <a:srgbClr val="F0F0F0"/>
+            </a:gs>
+            <a:gs pos="100000">
+              <a:schemeClr val="bg2"/>
+            </a:gs>
+          </a:gsLst>
+          <a:lin ang="5400000" scaled="1"/>
+        </a:gradFill>
+        <a:effectLst/>
+      </p:bgPr>
+    </p:bg>
+    <p:spTree>
+      <p:nvGrpSpPr>
+        <p:cNvPr id="1" name=""/>
+        <p:cNvGrpSpPr/>
+        <p:nvPr/>
+      </p:nvGrpSpPr>
+      <p:grpSpPr>
+        <a:xfrm>
+          <a:off x="0" y="0"/>
+          <a:ext cx="0" cy="0"/>
+          <a:chOff x="0" y="0"/>
+          <a:chExt cx="0" cy="0"/>
+        </a:xfrm>
+      </p:grpSpPr>
+      <p:sp>
+        <p:nvSpPr>
+          <p:cNvPr id="13" name="Title 12"/>
+          <p:cNvSpPr>
+            <a:spLocks noGrp="1"/>
+          </p:cNvSpPr>
+          <p:nvPr>
+            <p:ph type="title"/>
+          </p:nvPr>
+        </p:nvSpPr>
+        <p:spPr/>
+        <p:txBody>
+          <a:bodyPr/>
+          <a:lstStyle/>
+          <a:p>
+            <a:r>
+              <a:rPr lang="en-US" smtClean="0"/>
+              <a:t>Click to edit Master title style</a:t>
+            </a:r>
+            <a:endParaRPr lang="en-US" dirty="0"/>
+          </a:p>
+        </p:txBody>
+      </p:sp>
+      <p:sp>
+        <p:nvSpPr>
+          <p:cNvPr id="17" name="Text Placeholder 4"/>
+          <p:cNvSpPr>
+            <a:spLocks noGrp="1"/>
+          </p:cNvSpPr>
+          <p:nvPr>
+            <p:ph type="body" sz="quarter" idx="12"/>
+          </p:nvPr>
+        </p:nvSpPr>
+        <p:spPr>
+          <a:xfrm>
+            <a:off x="650040" y="1856198"/>
+            <a:ext cx="14898624" cy="5345953"/>
+          </a:xfrm>
+          <a:prstGeom prst="rect">
+            <a:avLst/>
+          </a:prstGeom>
+        </p:spPr>
+        <p:txBody>
+          <a:bodyPr>
+            <a:noAutofit/>
+          </a:bodyPr>
+          <a:lstStyle>
+            <a:lvl1pPr>
+              <a:spcAft>
+                <a:spcPts val="800"/>
+              </a:spcAft>
+              <a:defRPr baseline="0">
+                <a:solidFill>
+                  <a:schemeClr val="accent3">
+                    <a:lumMod val="50000"/>
+                  </a:schemeClr>
+                </a:solidFill>
+              </a:defRPr>
+            </a:lvl1pPr>
+            <a:lvl2pPr>
+              <a:spcAft>
+                <a:spcPts val="800"/>
+              </a:spcAft>
+              <a:defRPr baseline="0">
+                <a:solidFill>
+                  <a:schemeClr val="accent3">
+                    <a:lumMod val="50000"/>
+                  </a:schemeClr>
+                </a:solidFill>
+              </a:defRPr>
+            </a:lvl2pPr>
+            <a:lvl3pPr>
+              <a:spcAft>
+                <a:spcPts val="800"/>
+              </a:spcAft>
+              <a:defRPr baseline="0">
+                <a:solidFill>
+                  <a:schemeClr val="accent3">
+                    <a:lumMod val="50000"/>
+                  </a:schemeClr>
+                </a:solidFill>
+              </a:defRPr>
+            </a:lvl3pPr>
+            <a:lvl4pPr>
+              <a:spcAft>
+                <a:spcPts val="800"/>
+              </a:spcAft>
+              <a:defRPr baseline="0">
+                <a:solidFill>
+                  <a:schemeClr val="accent3">
+                    <a:lumMod val="50000"/>
+                  </a:schemeClr>
+                </a:solidFill>
+              </a:defRPr>
+            </a:lvl4pPr>
+            <a:lvl5pPr>
+              <a:spcAft>
+                <a:spcPts val="800"/>
+              </a:spcAft>
+              <a:defRPr baseline="0">
+                <a:solidFill>
+                  <a:schemeClr val="accent3">
+                    <a:lumMod val="50000"/>
+                  </a:schemeClr>
+                </a:solidFill>
+              </a:defRPr>
+            </a:lvl5pPr>
+          </a:lstStyle>
+          <a:p>
+            <a:pPr lvl="0"/>
+            <a:r>
+              <a:rPr lang="en-US" smtClean="0"/>
+              <a:t>Click to edit Master text styles</a:t>
+            </a:r>
+          </a:p>
+          <a:p>
+            <a:pPr lvl="1"/>
+            <a:r>
+              <a:rPr lang="en-US" smtClean="0"/>
+              <a:t>Second level</a:t>
+            </a:r>
+          </a:p>
+          <a:p>
+            <a:pPr lvl="2"/>
+            <a:r>
+              <a:rPr lang="en-US" smtClean="0"/>
+              <a:t>Third level</a:t>
+            </a:r>
+          </a:p>
+        </p:txBody>
+      </p:sp>
+    </p:spTree>
+    <p:extLst>
+      <p:ext uri="{BB962C8B-B14F-4D97-AF65-F5344CB8AC3E}">
+        <p14:creationId xmlns:p14="http://schemas.microsoft.com/office/powerpoint/2010/main" val="3907652553"/>
+      </p:ext>
+    </p:extLst>
+  </p:cSld>
+  <p:clrMapOvr>
+    <a:masterClrMapping/>
+  </p:clrMapOvr>
+  <p:transition spd="med">
+    <p:fade/>
+  </p:transition>
+</p:sldLayout>
+</file>
+
 <file path=ppt/slideLayouts/slideLayout3.xml><?xml version="1.0" encoding="utf-8"?>
 <p:sldLayout xmlns:a="http://schemas.openxmlformats.org/drawingml/2006/main" xmlns:r="http://schemas.openxmlformats.org/officeDocument/2006/relationships" xmlns:p="http://schemas.openxmlformats.org/presentationml/2006/main" preserve="1" userDrawn="1">
   <p:cSld name="Command - Black">
@@ -8065,14 +11519,14 @@
           </a:ln>
           <a:extLst>
             <a:ext uri="{909E8E84-426E-40dd-AFC4-6F175D3DCCD1}">
-              <a14:hiddenFill xmlns="" xmlns:a14="http://schemas.microsoft.com/office/drawing/2010/main">
+              <a14:hiddenFill xmlns:a14="http://schemas.microsoft.com/office/drawing/2010/main" xmlns="">
                 <a:solidFill>
                   <a:srgbClr val="FFFFFF"/>
                 </a:solidFill>
               </a14:hiddenFill>
             </a:ext>
             <a:ext uri="{91240B29-F687-4f45-9708-019B960494DF}">
-              <a14:hiddenLine xmlns="" xmlns:a14="http://schemas.microsoft.com/office/drawing/2010/main" w="9525">
+              <a14:hiddenLine xmlns:a14="http://schemas.microsoft.com/office/drawing/2010/main" xmlns="" w="9525">
                 <a:solidFill>
                   <a:srgbClr val="000000"/>
                 </a:solidFill>
@@ -8630,14 +12084,14 @@
           </a:ln>
           <a:extLst>
             <a:ext uri="{909E8E84-426E-40dd-AFC4-6F175D3DCCD1}">
-              <a14:hiddenFill xmlns="" xmlns:a14="http://schemas.microsoft.com/office/drawing/2010/main">
+              <a14:hiddenFill xmlns:a14="http://schemas.microsoft.com/office/drawing/2010/main" xmlns="">
                 <a:solidFill>
                   <a:srgbClr val="FFFFFF"/>
                 </a:solidFill>
               </a14:hiddenFill>
             </a:ext>
             <a:ext uri="{91240B29-F687-4f45-9708-019B960494DF}">
-              <a14:hiddenLine xmlns="" xmlns:a14="http://schemas.microsoft.com/office/drawing/2010/main" w="9525">
+              <a14:hiddenLine xmlns:a14="http://schemas.microsoft.com/office/drawing/2010/main" xmlns="" w="9525">
                 <a:solidFill>
                   <a:srgbClr val="000000"/>
                 </a:solidFill>
@@ -9204,14 +12658,14 @@
           </a:ln>
           <a:extLst>
             <a:ext uri="{909E8E84-426E-40dd-AFC4-6F175D3DCCD1}">
-              <a14:hiddenFill xmlns="" xmlns:a14="http://schemas.microsoft.com/office/drawing/2010/main">
+              <a14:hiddenFill xmlns:a14="http://schemas.microsoft.com/office/drawing/2010/main" xmlns="">
                 <a:solidFill>
                   <a:srgbClr val="FFFFFF"/>
                 </a:solidFill>
               </a14:hiddenFill>
             </a:ext>
             <a:ext uri="{91240B29-F687-4f45-9708-019B960494DF}">
-              <a14:hiddenLine xmlns="" xmlns:a14="http://schemas.microsoft.com/office/drawing/2010/main" w="9525">
+              <a14:hiddenLine xmlns:a14="http://schemas.microsoft.com/office/drawing/2010/main" xmlns="" w="9525">
                 <a:solidFill>
                   <a:srgbClr val="000000"/>
                 </a:solidFill>
@@ -10151,14 +13605,14 @@
           </a:ln>
           <a:extLst>
             <a:ext uri="{909E8E84-426E-40dd-AFC4-6F175D3DCCD1}">
-              <a14:hiddenFill xmlns="" xmlns:a14="http://schemas.microsoft.com/office/drawing/2010/main">
+              <a14:hiddenFill xmlns:a14="http://schemas.microsoft.com/office/drawing/2010/main" xmlns="">
                 <a:solidFill>
                   <a:srgbClr val="FFFFFF"/>
                 </a:solidFill>
               </a14:hiddenFill>
             </a:ext>
             <a:ext uri="{91240B29-F687-4f45-9708-019B960494DF}">
-              <a14:hiddenLine xmlns="" xmlns:a14="http://schemas.microsoft.com/office/drawing/2010/main" w="9525">
+              <a14:hiddenLine xmlns:a14="http://schemas.microsoft.com/office/drawing/2010/main" xmlns="" w="9525">
                 <a:solidFill>
                   <a:srgbClr val="000000"/>
                 </a:solidFill>
@@ -10885,7 +14339,7 @@
           <p:nvPr/>
         </p:nvPicPr>
         <p:blipFill>
-          <a:blip r:embed="rId10">
+          <a:blip r:embed="rId11">
             <a:extLst>
               <a:ext uri="{28A0092B-C50C-407E-A947-70E740481C1C}">
                 <a14:useLocalDpi xmlns:a14="http://schemas.microsoft.com/office/drawing/2010/main" val="0"/>
@@ -10911,14 +14365,14 @@
           </a:ln>
           <a:extLst>
             <a:ext uri="{909E8E84-426E-40dd-AFC4-6F175D3DCCD1}">
-              <a14:hiddenFill xmlns="" xmlns:a14="http://schemas.microsoft.com/office/drawing/2010/main">
+              <a14:hiddenFill xmlns:a14="http://schemas.microsoft.com/office/drawing/2010/main" xmlns="">
                 <a:solidFill>
                   <a:srgbClr val="FFFFFF"/>
                 </a:solidFill>
               </a14:hiddenFill>
             </a:ext>
             <a:ext uri="{91240B29-F687-4f45-9708-019B960494DF}">
-              <a14:hiddenLine xmlns="" xmlns:a14="http://schemas.microsoft.com/office/drawing/2010/main" w="9525">
+              <a14:hiddenLine xmlns:a14="http://schemas.microsoft.com/office/drawing/2010/main" xmlns="" w="9525">
                 <a:solidFill>
                   <a:srgbClr val="000000"/>
                 </a:solidFill>
@@ -11205,6 +14659,7 @@
     <p:sldLayoutId id="2147483855" r:id="rId6"/>
     <p:sldLayoutId id="2147483856" r:id="rId7"/>
     <p:sldLayoutId id="2147483866" r:id="rId8"/>
+    <p:sldLayoutId id="2147483870" r:id="rId9"/>
   </p:sldLayoutIdLst>
   <p:transition spd="med">
     <p:fade/>
@@ -12452,11 +15907,7 @@
           <a:p>
             <a:r>
               <a:rPr lang="en-US" dirty="0" smtClean="0"/>
-              <a:t>This image shows the default Compliance </a:t>
-            </a:r>
-            <a:r>
-              <a:rPr lang="en-US" dirty="0" smtClean="0"/>
-              <a:t>Profiles as accessed from the Scan Nodes page.</a:t>
+              <a:t>This image shows the default Compliance Profiles as accessed from the Scan Nodes page.</a:t>
             </a:r>
           </a:p>
           <a:p>
@@ -13298,7 +16749,6 @@
               <a:rPr lang="en-US" dirty="0" smtClean="0"/>
               <a:t>Notice how in the upper Summary section in this example, 10 tests were compliant and 6 tests show critical issues with ssh.</a:t>
             </a:r>
-            <a:endParaRPr lang="en-US" dirty="0" smtClean="0"/>
           </a:p>
           <a:p>
             <a:endParaRPr lang="en-US" dirty="0"/>
@@ -13709,11 +17159,7 @@
             </a:pPr>
             <a:r>
               <a:rPr lang="en-US" dirty="0" smtClean="0"/>
-              <a:t>Run a Compliance scan</a:t>
-            </a:r>
-            <a:r>
-              <a:rPr lang="en-US" dirty="0" smtClean="0"/>
-              <a:t>.</a:t>
+              <a:t>Run a Compliance scan.</a:t>
             </a:r>
           </a:p>
           <a:p>
@@ -13725,7 +17171,6 @@
               <a:rPr lang="en-US" dirty="0" smtClean="0"/>
               <a:t>Interpret scan results.</a:t>
             </a:r>
-            <a:endParaRPr lang="en-US" dirty="0" smtClean="0"/>
           </a:p>
           <a:p>
             <a:pPr marL="457200" indent="-457200">
@@ -13734,11 +17179,7 @@
             </a:pPr>
             <a:r>
               <a:rPr lang="en-US" dirty="0" smtClean="0"/>
-              <a:t>Explain where to set up security key </a:t>
-            </a:r>
-            <a:r>
-              <a:rPr lang="en-US" dirty="0" smtClean="0"/>
-              <a:t>pairs.</a:t>
+              <a:t>Explain where to set up security key pairs.</a:t>
             </a:r>
             <a:endParaRPr lang="en-US" dirty="0"/>
           </a:p>
@@ -13837,11 +17278,7 @@
           <a:p>
             <a:r>
               <a:rPr lang="en-US" dirty="0" smtClean="0"/>
-              <a:t>GE: Scan </a:t>
-            </a:r>
-            <a:r>
-              <a:rPr lang="en-US" dirty="0" smtClean="0"/>
-              <a:t>Results</a:t>
+              <a:t>GE: Scan Results</a:t>
             </a:r>
             <a:endParaRPr lang="en-US" dirty="0"/>
           </a:p>
@@ -13873,11 +17310,15 @@
             </a:r>
             <a:r>
               <a:rPr lang="en-US" dirty="0" err="1" smtClean="0"/>
-              <a:t>InfoSpec</a:t>
-            </a:r>
-            <a:r>
-              <a:rPr lang="en-US" dirty="0" smtClean="0"/>
-              <a:t> code that comprises this profile, do the following:</a:t>
+              <a:t>InSpec</a:t>
+            </a:r>
+            <a:r>
+              <a:rPr lang="en-US" dirty="0" smtClean="0"/>
+              <a:t> </a:t>
+            </a:r>
+            <a:r>
+              <a:rPr lang="en-US" dirty="0" smtClean="0"/>
+              <a:t>code that comprises this profile, do the following:</a:t>
             </a:r>
           </a:p>
           <a:p>
@@ -14163,22 +17604,26 @@
         <p:spPr>
           <a:xfrm>
             <a:off x="457199" y="304800"/>
-            <a:ext cx="6089073" cy="911752"/>
+            <a:ext cx="12409715" cy="911752"/>
           </a:xfrm>
         </p:spPr>
         <p:txBody>
           <a:bodyPr>
-            <a:normAutofit fontScale="90000"/>
+            <a:normAutofit/>
           </a:bodyPr>
           <a:lstStyle/>
           <a:p>
             <a:r>
               <a:rPr lang="en-US" dirty="0" smtClean="0"/>
-              <a:t>GE: Scan </a:t>
-            </a:r>
-            <a:r>
-              <a:rPr lang="en-US" dirty="0" smtClean="0"/>
-              <a:t>Results</a:t>
+              <a:t>Discussion: </a:t>
+            </a:r>
+            <a:r>
+              <a:rPr lang="en-US" dirty="0" err="1" smtClean="0"/>
+              <a:t>InSpec</a:t>
+            </a:r>
+            <a:r>
+              <a:rPr lang="en-US" dirty="0" smtClean="0"/>
+              <a:t> Profile Code</a:t>
             </a:r>
             <a:endParaRPr lang="en-US" dirty="0"/>
           </a:p>
@@ -14215,33 +17660,25 @@
           <a:p>
             <a:r>
               <a:rPr lang="en-US" sz="2800" dirty="0" smtClean="0"/>
-              <a:t>The impact of 1.0 indicates this is a </a:t>
-            </a:r>
+              <a:t>The `impact` of 1.0 indicates this is a Critical issue.</a:t>
+            </a:r>
+          </a:p>
+          <a:p>
+            <a:endParaRPr lang="en-US" sz="2800" dirty="0" smtClean="0"/>
+          </a:p>
+          <a:p>
             <a:r>
               <a:rPr lang="en-US" sz="2800" dirty="0" smtClean="0"/>
-              <a:t>Major </a:t>
-            </a:r>
+              <a:t>The `title` is what populates the Compliance Report issue title.</a:t>
+            </a:r>
+          </a:p>
+          <a:p>
+            <a:endParaRPr lang="en-US" sz="2800" dirty="0" smtClean="0"/>
+          </a:p>
+          <a:p>
             <a:r>
               <a:rPr lang="en-US" sz="2800" dirty="0" smtClean="0"/>
-              <a:t>issue.</a:t>
-            </a:r>
-          </a:p>
-          <a:p>
-            <a:endParaRPr lang="en-US" sz="2800" dirty="0" smtClean="0"/>
-          </a:p>
-          <a:p>
-            <a:r>
-              <a:rPr lang="en-US" sz="2800" dirty="0" smtClean="0"/>
-              <a:t>The title is what populates the Compliance Report issue title.</a:t>
-            </a:r>
-          </a:p>
-          <a:p>
-            <a:endParaRPr lang="en-US" sz="2800" dirty="0" smtClean="0"/>
-          </a:p>
-          <a:p>
-            <a:r>
-              <a:rPr lang="en-US" sz="2800" dirty="0" smtClean="0"/>
-              <a:t>The describe section is the actual test.</a:t>
+              <a:t>The `describe` section is the actual test that is executed.</a:t>
             </a:r>
           </a:p>
           <a:p>
@@ -14334,8 +17771,8 @@
         </p:nvCxnSpPr>
         <p:spPr>
           <a:xfrm flipV="1">
-            <a:off x="4572000" y="4392758"/>
-            <a:ext cx="3733800" cy="712644"/>
+            <a:off x="4863830" y="4392758"/>
+            <a:ext cx="3441970" cy="665625"/>
           </a:xfrm>
           <a:prstGeom prst="straightConnector1">
             <a:avLst/>
@@ -14370,8 +17807,8 @@
         </p:nvCxnSpPr>
         <p:spPr>
           <a:xfrm flipV="1">
-            <a:off x="4400550" y="5581650"/>
-            <a:ext cx="3276600" cy="1541730"/>
+            <a:off x="4727643" y="5581650"/>
+            <a:ext cx="2949507" cy="1461176"/>
           </a:xfrm>
           <a:prstGeom prst="straightConnector1">
             <a:avLst/>
@@ -14440,61 +17877,168 @@
       </p:grpSpPr>
       <p:sp>
         <p:nvSpPr>
-          <p:cNvPr id="2" name="Title 1"/>
-          <p:cNvSpPr>
-            <a:spLocks noGrp="1"/>
-          </p:cNvSpPr>
-          <p:nvPr>
-            <p:ph type="ctrTitle"/>
+          <p:cNvPr id="2" name="Content Placeholder 1"/>
+          <p:cNvSpPr>
+            <a:spLocks noGrp="1"/>
+          </p:cNvSpPr>
+          <p:nvPr>
+            <p:ph sz="quarter" idx="10"/>
           </p:nvPr>
         </p:nvSpPr>
         <p:spPr/>
         <p:txBody>
-          <a:bodyPr>
-            <a:normAutofit fontScale="90000"/>
-          </a:bodyPr>
-          <a:lstStyle/>
-          <a:p>
+          <a:bodyPr/>
+          <a:lstStyle/>
+          <a:p>
+            <a:r>
+              <a:rPr lang="en-US" dirty="0" smtClean="0"/>
+              <a:t>#   </a:t>
+            </a:r>
+            <a:r>
+              <a:rPr lang="en-US" dirty="0" err="1"/>
+              <a:t>IdentityFile</a:t>
+            </a:r>
+            <a:r>
+              <a:rPr lang="en-US" dirty="0"/>
+              <a:t> ~/.ssh/identity</a:t>
+            </a:r>
+          </a:p>
+          <a:p>
+            <a:r>
+              <a:rPr lang="en-US" dirty="0"/>
+              <a:t>#   </a:t>
+            </a:r>
+            <a:r>
+              <a:rPr lang="en-US" dirty="0" err="1"/>
+              <a:t>IdentityFile</a:t>
+            </a:r>
+            <a:r>
+              <a:rPr lang="en-US" dirty="0"/>
+              <a:t> ~/.ssh/</a:t>
+            </a:r>
+            <a:r>
+              <a:rPr lang="en-US" dirty="0" err="1"/>
+              <a:t>id_rsa</a:t>
+            </a:r>
             <a:endParaRPr lang="en-US" dirty="0"/>
           </a:p>
-        </p:txBody>
-      </p:sp>
-      <p:sp>
-        <p:nvSpPr>
-          <p:cNvPr id="3" name="Subtitle 2"/>
-          <p:cNvSpPr>
-            <a:spLocks noGrp="1"/>
-          </p:cNvSpPr>
-          <p:nvPr>
-            <p:ph type="subTitle" idx="1"/>
+          <a:p>
+            <a:r>
+              <a:rPr lang="en-US" dirty="0"/>
+              <a:t>#   </a:t>
+            </a:r>
+            <a:r>
+              <a:rPr lang="en-US" dirty="0" err="1"/>
+              <a:t>IdentityFile</a:t>
+            </a:r>
+            <a:r>
+              <a:rPr lang="en-US" dirty="0"/>
+              <a:t> ~/.ssh/</a:t>
+            </a:r>
+            <a:r>
+              <a:rPr lang="en-US" dirty="0" err="1"/>
+              <a:t>id_dsa</a:t>
+            </a:r>
+            <a:endParaRPr lang="en-US" dirty="0"/>
+          </a:p>
+          <a:p>
+            <a:r>
+              <a:rPr lang="en-US" dirty="0"/>
+              <a:t>#   Port 22</a:t>
+            </a:r>
+          </a:p>
+          <a:p>
+            <a:r>
+              <a:rPr lang="en-US" dirty="0"/>
+              <a:t>#   Protocol 2,1</a:t>
+            </a:r>
+          </a:p>
+          <a:p>
+            <a:r>
+              <a:rPr lang="en-US" dirty="0"/>
+              <a:t>#   Cipher 3des</a:t>
+            </a:r>
+          </a:p>
+        </p:txBody>
+      </p:sp>
+      <p:sp>
+        <p:nvSpPr>
+          <p:cNvPr id="3" name="Text Placeholder 2"/>
+          <p:cNvSpPr>
+            <a:spLocks noGrp="1"/>
+          </p:cNvSpPr>
+          <p:nvPr>
+            <p:ph type="body" sz="quarter" idx="11"/>
+          </p:nvPr>
+        </p:nvSpPr>
+        <p:spPr/>
+        <p:txBody>
+          <a:bodyPr/>
+          <a:lstStyle/>
+          <a:p>
+            <a:r>
+              <a:rPr lang="en-US" dirty="0"/>
+              <a:t> more /etc/ssh/</a:t>
+            </a:r>
+            <a:r>
+              <a:rPr lang="en-US" dirty="0" err="1"/>
+              <a:t>ssh_config</a:t>
+            </a:r>
+            <a:endParaRPr lang="en-US" dirty="0"/>
+          </a:p>
+        </p:txBody>
+      </p:sp>
+      <p:sp>
+        <p:nvSpPr>
+          <p:cNvPr id="4" name="Content Placeholder 3"/>
+          <p:cNvSpPr>
+            <a:spLocks noGrp="1"/>
+          </p:cNvSpPr>
+          <p:nvPr>
+            <p:ph sz="quarter" idx="12"/>
           </p:nvPr>
         </p:nvSpPr>
         <p:spPr>
           <a:xfrm>
-            <a:off x="1671638" y="3271838"/>
-            <a:ext cx="12319000" cy="4317682"/>
+            <a:off x="1122782" y="4356924"/>
+            <a:ext cx="14420850" cy="557213"/>
           </a:xfrm>
         </p:spPr>
         <p:txBody>
           <a:bodyPr/>
           <a:lstStyle/>
           <a:p>
-            <a:r>
-              <a:rPr lang="en-US" dirty="0" smtClean="0"/>
-              <a:t>Adding </a:t>
-            </a:r>
-            <a:r>
-              <a:rPr lang="en-US" dirty="0" smtClean="0"/>
-              <a:t>a</a:t>
-            </a:r>
-            <a:endParaRPr lang="en-US" dirty="0" smtClean="0"/>
+            <a:endParaRPr lang="en-US" dirty="0"/>
+          </a:p>
+        </p:txBody>
+      </p:sp>
+      <p:sp>
+        <p:nvSpPr>
+          <p:cNvPr id="5" name="Title 4"/>
+          <p:cNvSpPr>
+            <a:spLocks noGrp="1"/>
+          </p:cNvSpPr>
+          <p:nvPr>
+            <p:ph type="title"/>
+          </p:nvPr>
+        </p:nvSpPr>
+        <p:spPr/>
+        <p:txBody>
+          <a:bodyPr/>
+          <a:lstStyle/>
+          <a:p>
+            <a:r>
+              <a:rPr lang="en-US" dirty="0" smtClean="0"/>
+              <a:t>Example: Node's ssh config</a:t>
+            </a:r>
+            <a:endParaRPr lang="en-US" dirty="0"/>
           </a:p>
         </p:txBody>
       </p:sp>
     </p:spTree>
     <p:extLst>
       <p:ext uri="{BB962C8B-B14F-4D97-AF65-F5344CB8AC3E}">
-        <p14:creationId xmlns:p14="http://schemas.microsoft.com/office/powerpoint/2010/main" val="847587243"/>
+        <p14:creationId xmlns:p14="http://schemas.microsoft.com/office/powerpoint/2010/main" val="2643880712"/>
       </p:ext>
     </p:extLst>
   </p:cSld>
@@ -14504,13 +18048,6 @@
   <p:transition spd="med">
     <p:fade/>
   </p:transition>
-  <p:timing>
-    <p:tnLst>
-      <p:par>
-        <p:cTn id="1" dur="indefinite" restart="never" nodeType="tmRoot"/>
-      </p:par>
-    </p:tnLst>
-  </p:timing>
 </p:sld>
 </file>
 
@@ -14548,7 +18085,11 @@
           </a:bodyPr>
           <a:lstStyle/>
           <a:p>
-            <a:endParaRPr lang="en-US"/>
+            <a:r>
+              <a:rPr lang="en-US" dirty="0" smtClean="0"/>
+              <a:t>Let's Remediate the Issue</a:t>
+            </a:r>
+            <a:endParaRPr lang="en-US" dirty="0"/>
           </a:p>
         </p:txBody>
       </p:sp>
@@ -14562,26 +18103,37 @@
             <p:ph type="subTitle" idx="1"/>
           </p:nvPr>
         </p:nvSpPr>
-        <p:spPr/>
+        <p:spPr>
+          <a:xfrm>
+            <a:off x="1671638" y="3271838"/>
+            <a:ext cx="12319000" cy="4317682"/>
+          </a:xfrm>
+        </p:spPr>
         <p:txBody>
           <a:bodyPr/>
           <a:lstStyle/>
           <a:p>
+            <a:r>
+              <a:rPr lang="en-US" dirty="0" smtClean="0"/>
+              <a:t>Now that we've identified the ssh version issue, let's write a recipe on the target node to remediate the issue.</a:t>
+            </a:r>
+          </a:p>
+          <a:p>
+            <a:endParaRPr lang="en-US" dirty="0"/>
+          </a:p>
+          <a:p>
+            <a:r>
+              <a:rPr lang="en-US" dirty="0" smtClean="0"/>
+              <a:t>Then we'll run the compliance scan again to see if we successfully remediated the issue.</a:t>
+            </a:r>
             <a:endParaRPr lang="en-US" dirty="0" smtClean="0"/>
-          </a:p>
-          <a:p>
-            <a:r>
-              <a:rPr lang="en-US" dirty="0" smtClean="0"/>
-              <a:t>Need explanation of scan results here.</a:t>
-            </a:r>
-            <a:endParaRPr lang="en-US" dirty="0"/>
           </a:p>
         </p:txBody>
       </p:sp>
     </p:spTree>
     <p:extLst>
       <p:ext uri="{BB962C8B-B14F-4D97-AF65-F5344CB8AC3E}">
-        <p14:creationId xmlns:p14="http://schemas.microsoft.com/office/powerpoint/2010/main" val="389738391"/>
+        <p14:creationId xmlns:p14="http://schemas.microsoft.com/office/powerpoint/2010/main" val="847587243"/>
       </p:ext>
     </p:extLst>
   </p:cSld>
@@ -14628,25 +18180,34 @@
             <p:ph type="ctrTitle"/>
           </p:nvPr>
         </p:nvSpPr>
-        <p:spPr/>
+        <p:spPr>
+          <a:xfrm>
+            <a:off x="1671637" y="2961599"/>
+            <a:ext cx="12319001" cy="852712"/>
+          </a:xfrm>
+        </p:spPr>
         <p:txBody>
           <a:bodyPr>
             <a:normAutofit fontScale="90000"/>
           </a:bodyPr>
           <a:lstStyle/>
           <a:p>
-            <a:endParaRPr lang="en-US"/>
-          </a:p>
-        </p:txBody>
-      </p:sp>
-      <p:sp>
-        <p:nvSpPr>
-          <p:cNvPr id="3" name="Subtitle 2"/>
-          <p:cNvSpPr>
-            <a:spLocks noGrp="1"/>
-          </p:cNvSpPr>
-          <p:nvPr>
-            <p:ph type="subTitle" idx="1"/>
+            <a:r>
+              <a:rPr lang="en-US" dirty="0" smtClean="0"/>
+              <a:t>GE: Remediating the Issue</a:t>
+            </a:r>
+            <a:endParaRPr lang="en-US" dirty="0"/>
+          </a:p>
+        </p:txBody>
+      </p:sp>
+      <p:sp>
+        <p:nvSpPr>
+          <p:cNvPr id="4" name="Text Placeholder 3"/>
+          <p:cNvSpPr>
+            <a:spLocks noGrp="1"/>
+          </p:cNvSpPr>
+          <p:nvPr>
+            <p:ph type="body" sz="quarter" idx="10"/>
           </p:nvPr>
         </p:nvSpPr>
         <p:spPr/>
@@ -14654,14 +18215,42 @@
           <a:bodyPr/>
           <a:lstStyle/>
           <a:p>
-            <a:endParaRPr lang="en-US"/>
+            <a:pPr marL="342900" indent="-342900">
+              <a:buFont typeface="Wingdings" panose="05000000000000000000" pitchFamily="2" charset="2"/>
+              <a:buChar char="q"/>
+            </a:pPr>
+            <a:r>
+              <a:rPr lang="en-US" dirty="0" smtClean="0"/>
+              <a:t>Log into your target node</a:t>
+            </a:r>
+          </a:p>
+          <a:p>
+            <a:pPr marL="342900" indent="-342900">
+              <a:buFont typeface="Wingdings" panose="05000000000000000000" pitchFamily="2" charset="2"/>
+              <a:buChar char="q"/>
+            </a:pPr>
+            <a:r>
+              <a:rPr lang="en-US" dirty="0" smtClean="0"/>
+              <a:t>Start writing a remediation recipe on that node.</a:t>
+            </a:r>
+          </a:p>
+          <a:p>
+            <a:pPr marL="342900" indent="-342900">
+              <a:buFont typeface="Wingdings" panose="05000000000000000000" pitchFamily="2" charset="2"/>
+              <a:buChar char="q"/>
+            </a:pPr>
+            <a:r>
+              <a:rPr lang="en-US" dirty="0" smtClean="0"/>
+              <a:t>Test the recipe with Test Kitchen.</a:t>
+            </a:r>
+            <a:endParaRPr lang="en-US" dirty="0"/>
           </a:p>
         </p:txBody>
       </p:sp>
     </p:spTree>
     <p:extLst>
       <p:ext uri="{BB962C8B-B14F-4D97-AF65-F5344CB8AC3E}">
-        <p14:creationId xmlns:p14="http://schemas.microsoft.com/office/powerpoint/2010/main" val="3842220861"/>
+        <p14:creationId xmlns:p14="http://schemas.microsoft.com/office/powerpoint/2010/main" val="1088515292"/>
       </p:ext>
     </p:extLst>
   </p:cSld>
@@ -14698,43 +18287,316 @@
             <a:spLocks noGrp="1"/>
           </p:cNvSpPr>
           <p:nvPr>
-            <p:ph type="ctrTitle"/>
+            <p:ph type="title"/>
           </p:nvPr>
         </p:nvSpPr>
         <p:spPr/>
         <p:txBody>
           <a:bodyPr>
-            <a:normAutofit fontScale="90000"/>
+            <a:normAutofit/>
           </a:bodyPr>
           <a:lstStyle/>
           <a:p>
-            <a:endParaRPr lang="en-US"/>
-          </a:p>
-        </p:txBody>
-      </p:sp>
-      <p:sp>
-        <p:nvSpPr>
-          <p:cNvPr id="3" name="Subtitle 2"/>
-          <p:cNvSpPr>
-            <a:spLocks noGrp="1"/>
-          </p:cNvSpPr>
-          <p:nvPr>
-            <p:ph type="subTitle" idx="1"/>
-          </p:nvPr>
-        </p:nvSpPr>
-        <p:spPr/>
+            <a:r>
+              <a:rPr lang="en-US" dirty="0" smtClean="0"/>
+              <a:t>GE: </a:t>
+            </a:r>
+            <a:r>
+              <a:rPr lang="en-US" dirty="0"/>
+              <a:t>Remediating the Issue</a:t>
+            </a:r>
+            <a:endParaRPr lang="en-US" dirty="0"/>
+          </a:p>
+        </p:txBody>
+      </p:sp>
+      <p:sp>
+        <p:nvSpPr>
+          <p:cNvPr id="3" name="Text Placeholder 2"/>
+          <p:cNvSpPr>
+            <a:spLocks noGrp="1"/>
+          </p:cNvSpPr>
+          <p:nvPr>
+            <p:ph type="body" sz="quarter" idx="12"/>
+          </p:nvPr>
+        </p:nvSpPr>
+        <p:spPr>
+          <a:xfrm>
+            <a:off x="650040" y="1856198"/>
+            <a:ext cx="6390840" cy="5345953"/>
+          </a:xfrm>
+        </p:spPr>
         <p:txBody>
           <a:bodyPr/>
           <a:lstStyle/>
           <a:p>
-            <a:endParaRPr lang="en-US"/>
+            <a:r>
+              <a:rPr lang="en-US" sz="2800" dirty="0" smtClean="0"/>
+              <a:t>Log into your </a:t>
+            </a:r>
+            <a:r>
+              <a:rPr lang="en-US" sz="2800" b="1" dirty="0" smtClean="0"/>
+              <a:t>target</a:t>
+            </a:r>
+            <a:r>
+              <a:rPr lang="en-US" sz="2800" dirty="0" smtClean="0"/>
+              <a:t> node (not your compliance server node) and ensure you are in the home directory.</a:t>
+            </a:r>
+          </a:p>
+          <a:p>
+            <a:endParaRPr lang="en-US" sz="2800" dirty="0"/>
+          </a:p>
+          <a:p>
+            <a:endParaRPr lang="en-US" sz="2800" dirty="0" smtClean="0"/>
+          </a:p>
+          <a:p>
+            <a:endParaRPr lang="en-US" sz="2800" dirty="0"/>
+          </a:p>
+          <a:p>
+            <a:endParaRPr lang="en-US" sz="2800" dirty="0" smtClean="0"/>
+          </a:p>
+          <a:p>
+            <a:endParaRPr lang="en-US" sz="2800" dirty="0" smtClean="0"/>
+          </a:p>
+        </p:txBody>
+      </p:sp>
+      <p:pic>
+        <p:nvPicPr>
+          <p:cNvPr id="4" name="Picture 3"/>
+          <p:cNvPicPr>
+            <a:picLocks noChangeAspect="1"/>
+          </p:cNvPicPr>
+          <p:nvPr/>
+        </p:nvPicPr>
+        <p:blipFill>
+          <a:blip r:embed="rId3"/>
+          <a:stretch>
+            <a:fillRect/>
+          </a:stretch>
+        </p:blipFill>
+        <p:spPr>
+          <a:xfrm>
+            <a:off x="6867075" y="1435223"/>
+            <a:ext cx="8823722" cy="4132820"/>
+          </a:xfrm>
+          <a:prstGeom prst="rect">
+            <a:avLst/>
+          </a:prstGeom>
+        </p:spPr>
+      </p:pic>
+      <p:sp>
+        <p:nvSpPr>
+          <p:cNvPr id="9" name="Text Placeholder 2"/>
+          <p:cNvSpPr txBox="1">
+            <a:spLocks/>
+          </p:cNvSpPr>
+          <p:nvPr/>
+        </p:nvSpPr>
+        <p:spPr bwMode="white">
+          <a:xfrm>
+            <a:off x="802439" y="6171898"/>
+            <a:ext cx="14888357" cy="1935855"/>
+          </a:xfrm>
+          <a:prstGeom prst="rect">
+            <a:avLst/>
+          </a:prstGeom>
+        </p:spPr>
+        <p:txBody>
+          <a:bodyPr vert="horz" wrap="square" lIns="0" tIns="0" rIns="0" bIns="0" rtlCol="0">
+            <a:noAutofit/>
+          </a:bodyPr>
+          <a:lstStyle>
+            <a:lvl1pPr algn="l" defTabSz="1217613" rtl="0" eaLnBrk="1" fontAlgn="base" hangingPunct="1">
+              <a:spcBef>
+                <a:spcPts val="800"/>
+              </a:spcBef>
+              <a:spcAft>
+                <a:spcPts val="800"/>
+              </a:spcAft>
+              <a:buSzPct val="90000"/>
+              <a:buFont typeface="Arial" charset="0"/>
+              <a:defRPr sz="3200" kern="1200" baseline="0">
+                <a:solidFill>
+                  <a:schemeClr val="accent3">
+                    <a:lumMod val="50000"/>
+                  </a:schemeClr>
+                </a:solidFill>
+                <a:latin typeface="+mn-lt"/>
+                <a:ea typeface="ＭＳ Ｐゴシック" charset="0"/>
+                <a:cs typeface="ＭＳ Ｐゴシック" charset="0"/>
+              </a:defRPr>
+            </a:lvl1pPr>
+            <a:lvl2pPr marL="307975" algn="l" defTabSz="1217613" rtl="0" eaLnBrk="1" fontAlgn="base" hangingPunct="1">
+              <a:spcBef>
+                <a:spcPts val="800"/>
+              </a:spcBef>
+              <a:spcAft>
+                <a:spcPts val="800"/>
+              </a:spcAft>
+              <a:buSzPct val="90000"/>
+              <a:buFont typeface="Arial" charset="0"/>
+              <a:defRPr sz="2800" kern="1200" baseline="0">
+                <a:solidFill>
+                  <a:schemeClr val="accent3">
+                    <a:lumMod val="50000"/>
+                  </a:schemeClr>
+                </a:solidFill>
+                <a:latin typeface="+mn-lt"/>
+                <a:ea typeface="ＭＳ Ｐゴシック" charset="0"/>
+                <a:cs typeface="+mn-cs"/>
+              </a:defRPr>
+            </a:lvl2pPr>
+            <a:lvl3pPr marL="608013" algn="l" defTabSz="1217613" rtl="0" eaLnBrk="1" fontAlgn="base" hangingPunct="1">
+              <a:spcBef>
+                <a:spcPts val="800"/>
+              </a:spcBef>
+              <a:spcAft>
+                <a:spcPts val="800"/>
+              </a:spcAft>
+              <a:buSzPct val="90000"/>
+              <a:buFont typeface="Arial" charset="0"/>
+              <a:defRPr sz="2400" kern="1200" baseline="0">
+                <a:solidFill>
+                  <a:schemeClr val="accent3">
+                    <a:lumMod val="50000"/>
+                  </a:schemeClr>
+                </a:solidFill>
+                <a:latin typeface="+mn-lt"/>
+                <a:ea typeface="ＭＳ Ｐゴシック" charset="0"/>
+                <a:cs typeface="+mn-cs"/>
+              </a:defRPr>
+            </a:lvl3pPr>
+            <a:lvl4pPr marL="839788" algn="l" defTabSz="1217613" rtl="0" eaLnBrk="1" fontAlgn="base" hangingPunct="1">
+              <a:spcBef>
+                <a:spcPts val="800"/>
+              </a:spcBef>
+              <a:spcAft>
+                <a:spcPts val="800"/>
+              </a:spcAft>
+              <a:buSzPct val="90000"/>
+              <a:buFont typeface="Arial" charset="0"/>
+              <a:defRPr sz="2400" kern="1200" baseline="0">
+                <a:solidFill>
+                  <a:schemeClr val="accent3">
+                    <a:lumMod val="50000"/>
+                  </a:schemeClr>
+                </a:solidFill>
+                <a:latin typeface="+mn-lt"/>
+                <a:ea typeface="ＭＳ Ｐゴシック" charset="0"/>
+                <a:cs typeface="+mn-cs"/>
+              </a:defRPr>
+            </a:lvl4pPr>
+            <a:lvl5pPr marL="1068388" algn="l" defTabSz="1217613" rtl="0" eaLnBrk="1" fontAlgn="base" hangingPunct="1">
+              <a:spcBef>
+                <a:spcPts val="800"/>
+              </a:spcBef>
+              <a:spcAft>
+                <a:spcPts val="800"/>
+              </a:spcAft>
+              <a:buSzPct val="90000"/>
+              <a:buFont typeface="Arial" charset="0"/>
+              <a:defRPr sz="2000" kern="1200" baseline="0">
+                <a:solidFill>
+                  <a:schemeClr val="accent3">
+                    <a:lumMod val="50000"/>
+                  </a:schemeClr>
+                </a:solidFill>
+                <a:latin typeface="+mn-lt"/>
+                <a:ea typeface="ＭＳ Ｐゴシック" charset="0"/>
+                <a:cs typeface="+mn-cs"/>
+              </a:defRPr>
+            </a:lvl5pPr>
+            <a:lvl6pPr marL="3352582" indent="-304780" algn="l" defTabSz="1219120" rtl="0" eaLnBrk="1" latinLnBrk="0" hangingPunct="1">
+              <a:spcBef>
+                <a:spcPct val="20000"/>
+              </a:spcBef>
+              <a:buFont typeface="Arial" pitchFamily="34" charset="0"/>
+              <a:buChar char="•"/>
+              <a:defRPr sz="2667" kern="1200">
+                <a:solidFill>
+                  <a:schemeClr val="tx1"/>
+                </a:solidFill>
+                <a:latin typeface="+mn-lt"/>
+                <a:ea typeface="+mn-ea"/>
+                <a:cs typeface="+mn-cs"/>
+              </a:defRPr>
+            </a:lvl6pPr>
+            <a:lvl7pPr marL="3962142" indent="-304780" algn="l" defTabSz="1219120" rtl="0" eaLnBrk="1" latinLnBrk="0" hangingPunct="1">
+              <a:spcBef>
+                <a:spcPct val="20000"/>
+              </a:spcBef>
+              <a:buFont typeface="Arial" pitchFamily="34" charset="0"/>
+              <a:buChar char="•"/>
+              <a:defRPr sz="2667" kern="1200">
+                <a:solidFill>
+                  <a:schemeClr val="tx1"/>
+                </a:solidFill>
+                <a:latin typeface="+mn-lt"/>
+                <a:ea typeface="+mn-ea"/>
+                <a:cs typeface="+mn-cs"/>
+              </a:defRPr>
+            </a:lvl7pPr>
+            <a:lvl8pPr marL="4571703" indent="-304780" algn="l" defTabSz="1219120" rtl="0" eaLnBrk="1" latinLnBrk="0" hangingPunct="1">
+              <a:spcBef>
+                <a:spcPct val="20000"/>
+              </a:spcBef>
+              <a:buFont typeface="Arial" pitchFamily="34" charset="0"/>
+              <a:buChar char="•"/>
+              <a:defRPr sz="2667" kern="1200">
+                <a:solidFill>
+                  <a:schemeClr val="tx1"/>
+                </a:solidFill>
+                <a:latin typeface="+mn-lt"/>
+                <a:ea typeface="+mn-ea"/>
+                <a:cs typeface="+mn-cs"/>
+              </a:defRPr>
+            </a:lvl8pPr>
+            <a:lvl9pPr marL="5181264" indent="-304780" algn="l" defTabSz="1219120" rtl="0" eaLnBrk="1" latinLnBrk="0" hangingPunct="1">
+              <a:spcBef>
+                <a:spcPct val="20000"/>
+              </a:spcBef>
+              <a:buFont typeface="Arial" pitchFamily="34" charset="0"/>
+              <a:buChar char="•"/>
+              <a:defRPr sz="2667" kern="1200">
+                <a:solidFill>
+                  <a:schemeClr val="tx1"/>
+                </a:solidFill>
+                <a:latin typeface="+mn-lt"/>
+                <a:ea typeface="+mn-ea"/>
+                <a:cs typeface="+mn-cs"/>
+              </a:defRPr>
+            </a:lvl9pPr>
+          </a:lstStyle>
+          <a:p>
+            <a:r>
+              <a:rPr lang="en-US" sz="2800" b="1" dirty="0" smtClean="0"/>
+              <a:t>Note</a:t>
+            </a:r>
+            <a:r>
+              <a:rPr lang="en-US" sz="2800" dirty="0" smtClean="0"/>
+              <a:t>: You can install the editor of your choice on the target node after you log in. The only editor currently installed on these training nodes is vi. Instructions to install nano, emacs, and vim are below in your participant guide.</a:t>
+            </a:r>
+          </a:p>
+          <a:p>
+            <a:endParaRPr lang="en-US" sz="2800" dirty="0" smtClean="0"/>
+          </a:p>
+          <a:p>
+            <a:endParaRPr lang="en-US" sz="2800" dirty="0" smtClean="0"/>
+          </a:p>
+          <a:p>
+            <a:endParaRPr lang="en-US" sz="2800" dirty="0" smtClean="0"/>
+          </a:p>
+          <a:p>
+            <a:endParaRPr lang="en-US" sz="2800" dirty="0" smtClean="0"/>
+          </a:p>
+          <a:p>
+            <a:endParaRPr lang="en-US" sz="2800" dirty="0" smtClean="0"/>
           </a:p>
         </p:txBody>
       </p:sp>
     </p:spTree>
     <p:extLst>
       <p:ext uri="{BB962C8B-B14F-4D97-AF65-F5344CB8AC3E}">
-        <p14:creationId xmlns:p14="http://schemas.microsoft.com/office/powerpoint/2010/main" val="3953335903"/>
+        <p14:creationId xmlns:p14="http://schemas.microsoft.com/office/powerpoint/2010/main" val="1399417866"/>
       </p:ext>
     </p:extLst>
   </p:cSld>
@@ -14744,6 +18606,13 @@
   <p:transition spd="med">
     <p:fade/>
   </p:transition>
+  <p:timing>
+    <p:tnLst>
+      <p:par>
+        <p:cTn id="1" dur="indefinite" restart="never" nodeType="tmRoot"/>
+      </p:par>
+    </p:tnLst>
+  </p:timing>
 </p:sld>
 </file>
 
@@ -14766,12 +18635,50 @@
       </p:grpSpPr>
       <p:sp>
         <p:nvSpPr>
-          <p:cNvPr id="2" name="Content Placeholder 1"/>
-          <p:cNvSpPr>
-            <a:spLocks noGrp="1"/>
-          </p:cNvSpPr>
-          <p:nvPr>
-            <p:ph sz="quarter" idx="14"/>
+          <p:cNvPr id="3" name="Text Placeholder 2"/>
+          <p:cNvSpPr>
+            <a:spLocks noGrp="1"/>
+          </p:cNvSpPr>
+          <p:nvPr>
+            <p:ph type="body" sz="quarter" idx="11"/>
+          </p:nvPr>
+        </p:nvSpPr>
+        <p:spPr>
+          <a:xfrm>
+            <a:off x="1121104" y="1337149"/>
+            <a:ext cx="14422528" cy="1699965"/>
+          </a:xfrm>
+        </p:spPr>
+        <p:txBody>
+          <a:bodyPr/>
+          <a:lstStyle/>
+          <a:p>
+            <a:r>
+              <a:rPr lang="en-US" dirty="0" smtClean="0"/>
+              <a:t>$ mkdir -p cookbooks</a:t>
+            </a:r>
+          </a:p>
+          <a:p>
+            <a:r>
+              <a:rPr lang="en-US" dirty="0"/>
+              <a:t>$ </a:t>
+            </a:r>
+            <a:r>
+              <a:rPr lang="en-US" dirty="0" smtClean="0"/>
+              <a:t>cd cookbooks</a:t>
+            </a:r>
+            <a:endParaRPr lang="en-US" dirty="0"/>
+          </a:p>
+        </p:txBody>
+      </p:sp>
+      <p:sp>
+        <p:nvSpPr>
+          <p:cNvPr id="5" name="Title 4"/>
+          <p:cNvSpPr>
+            <a:spLocks noGrp="1"/>
+          </p:cNvSpPr>
+          <p:nvPr>
+            <p:ph type="title"/>
           </p:nvPr>
         </p:nvSpPr>
         <p:spPr/>
@@ -14779,71 +18686,206 @@
           <a:bodyPr/>
           <a:lstStyle/>
           <a:p>
-            <a:endParaRPr lang="en-US"/>
-          </a:p>
-        </p:txBody>
-      </p:sp>
-      <p:sp>
-        <p:nvSpPr>
-          <p:cNvPr id="3" name="Content Placeholder 2"/>
-          <p:cNvSpPr>
-            <a:spLocks noGrp="1"/>
-          </p:cNvSpPr>
-          <p:nvPr>
-            <p:ph sz="quarter" idx="12"/>
-          </p:nvPr>
-        </p:nvSpPr>
-        <p:spPr/>
+            <a:r>
+              <a:rPr lang="en-US" dirty="0" smtClean="0"/>
+              <a:t>GE: Create an SSH Cookbook</a:t>
+            </a:r>
+            <a:endParaRPr lang="en-US" dirty="0"/>
+          </a:p>
+        </p:txBody>
+      </p:sp>
+      <p:sp>
+        <p:nvSpPr>
+          <p:cNvPr id="7" name="Subtitle 2"/>
+          <p:cNvSpPr txBox="1">
+            <a:spLocks/>
+          </p:cNvSpPr>
+          <p:nvPr/>
+        </p:nvSpPr>
+        <p:spPr>
+          <a:xfrm>
+            <a:off x="1121104" y="3271838"/>
+            <a:ext cx="12869534" cy="4317682"/>
+          </a:xfrm>
+          <a:prstGeom prst="rect">
+            <a:avLst/>
+          </a:prstGeom>
+        </p:spPr>
         <p:txBody>
           <a:bodyPr/>
-          <a:lstStyle/>
-          <a:p>
-            <a:endParaRPr lang="en-US"/>
-          </a:p>
-        </p:txBody>
-      </p:sp>
-      <p:sp>
-        <p:nvSpPr>
-          <p:cNvPr id="4" name="Text Placeholder 3"/>
-          <p:cNvSpPr>
-            <a:spLocks noGrp="1"/>
-          </p:cNvSpPr>
-          <p:nvPr>
-            <p:ph type="body" sz="quarter" idx="15"/>
-          </p:nvPr>
-        </p:nvSpPr>
-        <p:spPr/>
-        <p:txBody>
-          <a:bodyPr/>
-          <a:lstStyle/>
-          <a:p>
-            <a:endParaRPr lang="en-US"/>
-          </a:p>
-        </p:txBody>
-      </p:sp>
-      <p:sp>
-        <p:nvSpPr>
-          <p:cNvPr id="5" name="Text Placeholder 4"/>
-          <p:cNvSpPr>
-            <a:spLocks noGrp="1"/>
-          </p:cNvSpPr>
-          <p:nvPr>
-            <p:ph type="body" sz="quarter" idx="16"/>
-          </p:nvPr>
-        </p:nvSpPr>
-        <p:spPr/>
-        <p:txBody>
-          <a:bodyPr/>
-          <a:lstStyle/>
-          <a:p>
-            <a:endParaRPr lang="en-US"/>
+          <a:lstStyle>
+            <a:lvl1pPr algn="l" defTabSz="1217613" rtl="0" eaLnBrk="1" fontAlgn="base" hangingPunct="1">
+              <a:spcBef>
+                <a:spcPts val="800"/>
+              </a:spcBef>
+              <a:spcAft>
+                <a:spcPct val="0"/>
+              </a:spcAft>
+              <a:buSzPct val="90000"/>
+              <a:buFont typeface="Arial" charset="0"/>
+              <a:defRPr sz="3200" kern="1200">
+                <a:solidFill>
+                  <a:srgbClr val="3E4346"/>
+                </a:solidFill>
+                <a:latin typeface="+mn-lt"/>
+                <a:ea typeface="ＭＳ Ｐゴシック" charset="0"/>
+                <a:cs typeface="ＭＳ Ｐゴシック" charset="0"/>
+              </a:defRPr>
+            </a:lvl1pPr>
+            <a:lvl2pPr marL="307975" algn="l" defTabSz="1217613" rtl="0" eaLnBrk="1" fontAlgn="base" hangingPunct="1">
+              <a:spcBef>
+                <a:spcPts val="800"/>
+              </a:spcBef>
+              <a:spcAft>
+                <a:spcPct val="0"/>
+              </a:spcAft>
+              <a:buSzPct val="90000"/>
+              <a:buFont typeface="Arial" charset="0"/>
+              <a:defRPr sz="2800" kern="1200">
+                <a:solidFill>
+                  <a:srgbClr val="3E4346"/>
+                </a:solidFill>
+                <a:latin typeface="+mn-lt"/>
+                <a:ea typeface="ＭＳ Ｐゴシック" charset="0"/>
+                <a:cs typeface="+mn-cs"/>
+              </a:defRPr>
+            </a:lvl2pPr>
+            <a:lvl3pPr marL="608013" algn="l" defTabSz="1217613" rtl="0" eaLnBrk="1" fontAlgn="base" hangingPunct="1">
+              <a:spcBef>
+                <a:spcPts val="800"/>
+              </a:spcBef>
+              <a:spcAft>
+                <a:spcPct val="0"/>
+              </a:spcAft>
+              <a:buSzPct val="90000"/>
+              <a:buFont typeface="Arial" charset="0"/>
+              <a:defRPr sz="2400" kern="1200">
+                <a:solidFill>
+                  <a:srgbClr val="3E4346"/>
+                </a:solidFill>
+                <a:latin typeface="+mn-lt"/>
+                <a:ea typeface="ＭＳ Ｐゴシック" charset="0"/>
+                <a:cs typeface="+mn-cs"/>
+              </a:defRPr>
+            </a:lvl3pPr>
+            <a:lvl4pPr marL="839788" algn="l" defTabSz="1217613" rtl="0" eaLnBrk="1" fontAlgn="base" hangingPunct="1">
+              <a:spcBef>
+                <a:spcPts val="800"/>
+              </a:spcBef>
+              <a:spcAft>
+                <a:spcPct val="0"/>
+              </a:spcAft>
+              <a:buSzPct val="90000"/>
+              <a:buFont typeface="Arial" charset="0"/>
+              <a:defRPr sz="2400" kern="1200">
+                <a:solidFill>
+                  <a:srgbClr val="3E4346"/>
+                </a:solidFill>
+                <a:latin typeface="+mn-lt"/>
+                <a:ea typeface="ＭＳ Ｐゴシック" charset="0"/>
+                <a:cs typeface="+mn-cs"/>
+              </a:defRPr>
+            </a:lvl4pPr>
+            <a:lvl5pPr marL="1068388" algn="l" defTabSz="1217613" rtl="0" eaLnBrk="1" fontAlgn="base" hangingPunct="1">
+              <a:spcBef>
+                <a:spcPts val="800"/>
+              </a:spcBef>
+              <a:spcAft>
+                <a:spcPct val="0"/>
+              </a:spcAft>
+              <a:buSzPct val="90000"/>
+              <a:buFont typeface="Arial" charset="0"/>
+              <a:defRPr sz="2000" kern="1200">
+                <a:solidFill>
+                  <a:srgbClr val="3E4346"/>
+                </a:solidFill>
+                <a:latin typeface="+mn-lt"/>
+                <a:ea typeface="ＭＳ Ｐゴシック" charset="0"/>
+                <a:cs typeface="+mn-cs"/>
+              </a:defRPr>
+            </a:lvl5pPr>
+            <a:lvl6pPr marL="3352582" indent="-304780" algn="l" defTabSz="1219120" rtl="0" eaLnBrk="1" latinLnBrk="0" hangingPunct="1">
+              <a:spcBef>
+                <a:spcPct val="20000"/>
+              </a:spcBef>
+              <a:buFont typeface="Arial" pitchFamily="34" charset="0"/>
+              <a:buChar char="•"/>
+              <a:defRPr sz="2667" kern="1200">
+                <a:solidFill>
+                  <a:schemeClr val="tx1"/>
+                </a:solidFill>
+                <a:latin typeface="+mn-lt"/>
+                <a:ea typeface="+mn-ea"/>
+                <a:cs typeface="+mn-cs"/>
+              </a:defRPr>
+            </a:lvl6pPr>
+            <a:lvl7pPr marL="3962142" indent="-304780" algn="l" defTabSz="1219120" rtl="0" eaLnBrk="1" latinLnBrk="0" hangingPunct="1">
+              <a:spcBef>
+                <a:spcPct val="20000"/>
+              </a:spcBef>
+              <a:buFont typeface="Arial" pitchFamily="34" charset="0"/>
+              <a:buChar char="•"/>
+              <a:defRPr sz="2667" kern="1200">
+                <a:solidFill>
+                  <a:schemeClr val="tx1"/>
+                </a:solidFill>
+                <a:latin typeface="+mn-lt"/>
+                <a:ea typeface="+mn-ea"/>
+                <a:cs typeface="+mn-cs"/>
+              </a:defRPr>
+            </a:lvl7pPr>
+            <a:lvl8pPr marL="4571703" indent="-304780" algn="l" defTabSz="1219120" rtl="0" eaLnBrk="1" latinLnBrk="0" hangingPunct="1">
+              <a:spcBef>
+                <a:spcPct val="20000"/>
+              </a:spcBef>
+              <a:buFont typeface="Arial" pitchFamily="34" charset="0"/>
+              <a:buChar char="•"/>
+              <a:defRPr sz="2667" kern="1200">
+                <a:solidFill>
+                  <a:schemeClr val="tx1"/>
+                </a:solidFill>
+                <a:latin typeface="+mn-lt"/>
+                <a:ea typeface="+mn-ea"/>
+                <a:cs typeface="+mn-cs"/>
+              </a:defRPr>
+            </a:lvl8pPr>
+            <a:lvl9pPr marL="5181264" indent="-304780" algn="l" defTabSz="1219120" rtl="0" eaLnBrk="1" latinLnBrk="0" hangingPunct="1">
+              <a:spcBef>
+                <a:spcPct val="20000"/>
+              </a:spcBef>
+              <a:buFont typeface="Arial" pitchFamily="34" charset="0"/>
+              <a:buChar char="•"/>
+              <a:defRPr sz="2667" kern="1200">
+                <a:solidFill>
+                  <a:schemeClr val="tx1"/>
+                </a:solidFill>
+                <a:latin typeface="+mn-lt"/>
+                <a:ea typeface="+mn-ea"/>
+                <a:cs typeface="+mn-cs"/>
+              </a:defRPr>
+            </a:lvl9pPr>
+          </a:lstStyle>
+          <a:p>
+            <a:r>
+              <a:rPr lang="en-US" dirty="0" smtClean="0"/>
+              <a:t>Create a `</a:t>
+            </a:r>
+            <a:r>
+              <a:rPr lang="en-US" b="1" dirty="0" smtClean="0"/>
+              <a:t>cookbooks</a:t>
+            </a:r>
+            <a:r>
+              <a:rPr lang="en-US" dirty="0" smtClean="0"/>
+              <a:t>` directory and navigate into it.</a:t>
+            </a:r>
+            <a:endParaRPr lang="en-US" dirty="0" smtClean="0"/>
           </a:p>
         </p:txBody>
       </p:sp>
     </p:spTree>
     <p:extLst>
       <p:ext uri="{BB962C8B-B14F-4D97-AF65-F5344CB8AC3E}">
-        <p14:creationId xmlns:p14="http://schemas.microsoft.com/office/powerpoint/2010/main" val="3439457985"/>
+        <p14:creationId xmlns:p14="http://schemas.microsoft.com/office/powerpoint/2010/main" val="488231227"/>
       </p:ext>
     </p:extLst>
   </p:cSld>
@@ -14875,6 +18917,3841 @@
       </p:grpSpPr>
       <p:sp>
         <p:nvSpPr>
+          <p:cNvPr id="2" name="Content Placeholder 1"/>
+          <p:cNvSpPr>
+            <a:spLocks noGrp="1"/>
+          </p:cNvSpPr>
+          <p:nvPr>
+            <p:ph sz="quarter" idx="10"/>
+          </p:nvPr>
+        </p:nvSpPr>
+        <p:spPr/>
+        <p:txBody>
+          <a:bodyPr/>
+          <a:lstStyle/>
+          <a:p>
+            <a:r>
+              <a:rPr lang="en-US" b="1" dirty="0"/>
+              <a:t>Compiling Cookbooks...</a:t>
+            </a:r>
+          </a:p>
+          <a:p>
+            <a:r>
+              <a:rPr lang="en-US" b="1" dirty="0"/>
+              <a:t>Recipe: </a:t>
+            </a:r>
+            <a:r>
+              <a:rPr lang="en-US" b="1" dirty="0" err="1"/>
+              <a:t>code_generator</a:t>
+            </a:r>
+            <a:r>
+              <a:rPr lang="en-US" b="1" dirty="0"/>
+              <a:t>::cookbook</a:t>
+            </a:r>
+          </a:p>
+          <a:p>
+            <a:r>
+              <a:rPr lang="en-US" b="1" dirty="0"/>
+              <a:t>  * directory[/home/chef/cookbooks/ssh] action create</a:t>
+            </a:r>
+          </a:p>
+          <a:p>
+            <a:r>
+              <a:rPr lang="en-US" b="1" dirty="0"/>
+              <a:t>    - create new directory /home/chef/cookbooks/ssh</a:t>
+            </a:r>
+          </a:p>
+          <a:p>
+            <a:r>
+              <a:rPr lang="en-US" b="1" dirty="0" smtClean="0"/>
+              <a:t>...</a:t>
+            </a:r>
+          </a:p>
+          <a:p>
+            <a:r>
+              <a:rPr lang="en-US" b="1" dirty="0" smtClean="0"/>
+              <a:t>- </a:t>
+            </a:r>
+            <a:r>
+              <a:rPr lang="en-US" b="1" dirty="0"/>
+              <a:t>create new file /home/chef/cookbooks/ssh/recipes/default.rb</a:t>
+            </a:r>
+          </a:p>
+          <a:p>
+            <a:r>
+              <a:rPr lang="en-US" b="1" dirty="0"/>
+              <a:t>    - update content in file /home/chef/cookbooks/ssh/recipes/default.rb from none to b702c7</a:t>
+            </a:r>
+          </a:p>
+          <a:p>
+            <a:r>
+              <a:rPr lang="en-US" b="1" dirty="0"/>
+              <a:t>    (diff output suppressed by config)</a:t>
+            </a:r>
+          </a:p>
+          <a:p>
+            <a:endParaRPr lang="en-US" b="1" dirty="0"/>
+          </a:p>
+        </p:txBody>
+      </p:sp>
+      <p:sp>
+        <p:nvSpPr>
+          <p:cNvPr id="3" name="Text Placeholder 2"/>
+          <p:cNvSpPr>
+            <a:spLocks noGrp="1"/>
+          </p:cNvSpPr>
+          <p:nvPr>
+            <p:ph type="body" sz="quarter" idx="11"/>
+          </p:nvPr>
+        </p:nvSpPr>
+        <p:spPr/>
+        <p:txBody>
+          <a:bodyPr/>
+          <a:lstStyle/>
+          <a:p>
+            <a:r>
+              <a:rPr lang="en-US" dirty="0" smtClean="0"/>
+              <a:t>$ </a:t>
+            </a:r>
+            <a:r>
+              <a:rPr lang="en-US" dirty="0"/>
+              <a:t>chef generate cookbook ssh</a:t>
+            </a:r>
+          </a:p>
+        </p:txBody>
+      </p:sp>
+      <p:sp>
+        <p:nvSpPr>
+          <p:cNvPr id="5" name="Title 4"/>
+          <p:cNvSpPr>
+            <a:spLocks noGrp="1"/>
+          </p:cNvSpPr>
+          <p:nvPr>
+            <p:ph type="title"/>
+          </p:nvPr>
+        </p:nvSpPr>
+        <p:spPr/>
+        <p:txBody>
+          <a:bodyPr/>
+          <a:lstStyle/>
+          <a:p>
+            <a:r>
+              <a:rPr lang="en-US" dirty="0"/>
+              <a:t>GE: Create an SSH Cookbook</a:t>
+            </a:r>
+          </a:p>
+        </p:txBody>
+      </p:sp>
+    </p:spTree>
+    <p:extLst>
+      <p:ext uri="{BB962C8B-B14F-4D97-AF65-F5344CB8AC3E}">
+        <p14:creationId xmlns:p14="http://schemas.microsoft.com/office/powerpoint/2010/main" val="3630403266"/>
+      </p:ext>
+    </p:extLst>
+  </p:cSld>
+  <p:clrMapOvr>
+    <a:masterClrMapping/>
+  </p:clrMapOvr>
+  <p:transition spd="med">
+    <p:fade/>
+  </p:transition>
+</p:sld>
+</file>
+
+<file path=ppt/slides/slide28.xml><?xml version="1.0" encoding="utf-8"?>
+<p:sld xmlns:a="http://schemas.openxmlformats.org/drawingml/2006/main" xmlns:r="http://schemas.openxmlformats.org/officeDocument/2006/relationships" xmlns:p="http://schemas.openxmlformats.org/presentationml/2006/main">
+  <p:cSld>
+    <p:spTree>
+      <p:nvGrpSpPr>
+        <p:cNvPr id="1" name=""/>
+        <p:cNvGrpSpPr/>
+        <p:nvPr/>
+      </p:nvGrpSpPr>
+      <p:grpSpPr>
+        <a:xfrm>
+          <a:off x="0" y="0"/>
+          <a:ext cx="0" cy="0"/>
+          <a:chOff x="0" y="0"/>
+          <a:chExt cx="0" cy="0"/>
+        </a:xfrm>
+      </p:grpSpPr>
+      <p:sp>
+        <p:nvSpPr>
+          <p:cNvPr id="2" name="Content Placeholder 1"/>
+          <p:cNvSpPr>
+            <a:spLocks noGrp="1"/>
+          </p:cNvSpPr>
+          <p:nvPr>
+            <p:ph sz="quarter" idx="10"/>
+          </p:nvPr>
+        </p:nvSpPr>
+        <p:spPr/>
+        <p:txBody>
+          <a:bodyPr/>
+          <a:lstStyle/>
+          <a:p>
+            <a:r>
+              <a:rPr lang="en-US" b="1" dirty="0"/>
+              <a:t>Compiling Cookbooks...</a:t>
+            </a:r>
+          </a:p>
+          <a:p>
+            <a:r>
+              <a:rPr lang="en-US" b="1" dirty="0"/>
+              <a:t>Recipe: </a:t>
+            </a:r>
+            <a:r>
+              <a:rPr lang="en-US" b="1" dirty="0" err="1"/>
+              <a:t>code_generator</a:t>
+            </a:r>
+            <a:r>
+              <a:rPr lang="en-US" b="1" dirty="0"/>
+              <a:t>::recipe</a:t>
+            </a:r>
+          </a:p>
+          <a:p>
+            <a:r>
+              <a:rPr lang="en-US" b="1" dirty="0"/>
+              <a:t>  * directory[./ssh/spec/unit/recipes] action create (up to date)</a:t>
+            </a:r>
+          </a:p>
+          <a:p>
+            <a:r>
+              <a:rPr lang="en-US" b="1" dirty="0"/>
+              <a:t>  * cookbook_file[./ssh/spec/</a:t>
+            </a:r>
+            <a:r>
+              <a:rPr lang="en-US" b="1" dirty="0" err="1"/>
+              <a:t>spec_helper.rb</a:t>
+            </a:r>
+            <a:r>
+              <a:rPr lang="en-US" b="1" dirty="0"/>
+              <a:t>] action </a:t>
+            </a:r>
+            <a:r>
+              <a:rPr lang="en-US" b="1" dirty="0" err="1"/>
+              <a:t>create_if_missing</a:t>
+            </a:r>
+            <a:r>
+              <a:rPr lang="en-US" b="1" dirty="0"/>
+              <a:t> (up to date)</a:t>
+            </a:r>
+          </a:p>
+          <a:p>
+            <a:r>
+              <a:rPr lang="en-US" b="1" dirty="0" smtClean="0"/>
+              <a:t>...</a:t>
+            </a:r>
+          </a:p>
+          <a:p>
+            <a:r>
+              <a:rPr lang="en-US" b="1" dirty="0" smtClean="0"/>
+              <a:t>- </a:t>
+            </a:r>
+            <a:r>
+              <a:rPr lang="en-US" b="1" dirty="0"/>
+              <a:t>create new file ./ssh/recipes/</a:t>
+            </a:r>
+            <a:r>
+              <a:rPr lang="en-US" b="1" dirty="0" err="1"/>
+              <a:t>client.rb</a:t>
+            </a:r>
+            <a:endParaRPr lang="en-US" b="1" dirty="0"/>
+          </a:p>
+          <a:p>
+            <a:r>
+              <a:rPr lang="en-US" b="1" dirty="0"/>
+              <a:t>    - update content in file ./ssh/recipes/</a:t>
+            </a:r>
+            <a:r>
+              <a:rPr lang="en-US" b="1" dirty="0" err="1"/>
+              <a:t>client.rb</a:t>
+            </a:r>
+            <a:r>
+              <a:rPr lang="en-US" b="1" dirty="0"/>
+              <a:t> from none to 9c811a</a:t>
+            </a:r>
+          </a:p>
+          <a:p>
+            <a:r>
+              <a:rPr lang="en-US" b="1" dirty="0"/>
+              <a:t>    (diff output suppressed by config)</a:t>
+            </a:r>
+          </a:p>
+          <a:p>
+            <a:endParaRPr lang="en-US" dirty="0"/>
+          </a:p>
+        </p:txBody>
+      </p:sp>
+      <p:sp>
+        <p:nvSpPr>
+          <p:cNvPr id="3" name="Text Placeholder 2"/>
+          <p:cNvSpPr>
+            <a:spLocks noGrp="1"/>
+          </p:cNvSpPr>
+          <p:nvPr>
+            <p:ph type="body" sz="quarter" idx="11"/>
+          </p:nvPr>
+        </p:nvSpPr>
+        <p:spPr/>
+        <p:txBody>
+          <a:bodyPr/>
+          <a:lstStyle/>
+          <a:p>
+            <a:r>
+              <a:rPr lang="en-US" dirty="0" smtClean="0"/>
+              <a:t>$ </a:t>
+            </a:r>
+            <a:r>
+              <a:rPr lang="en-US" dirty="0"/>
+              <a:t>chef generate </a:t>
+            </a:r>
+            <a:r>
+              <a:rPr lang="en-US" dirty="0" smtClean="0"/>
+              <a:t>recipe ssh client</a:t>
+            </a:r>
+            <a:endParaRPr lang="en-US" dirty="0"/>
+          </a:p>
+        </p:txBody>
+      </p:sp>
+      <p:sp>
+        <p:nvSpPr>
+          <p:cNvPr id="5" name="Title 4"/>
+          <p:cNvSpPr>
+            <a:spLocks noGrp="1"/>
+          </p:cNvSpPr>
+          <p:nvPr>
+            <p:ph type="title"/>
+          </p:nvPr>
+        </p:nvSpPr>
+        <p:spPr/>
+        <p:txBody>
+          <a:bodyPr/>
+          <a:lstStyle/>
+          <a:p>
+            <a:r>
+              <a:rPr lang="en-US" dirty="0"/>
+              <a:t>GE: Create an SSH </a:t>
+            </a:r>
+            <a:r>
+              <a:rPr lang="en-US" dirty="0" smtClean="0"/>
+              <a:t>Client Recipe</a:t>
+            </a:r>
+            <a:endParaRPr lang="en-US" dirty="0"/>
+          </a:p>
+        </p:txBody>
+      </p:sp>
+    </p:spTree>
+    <p:extLst>
+      <p:ext uri="{BB962C8B-B14F-4D97-AF65-F5344CB8AC3E}">
+        <p14:creationId xmlns:p14="http://schemas.microsoft.com/office/powerpoint/2010/main" val="858937813"/>
+      </p:ext>
+    </p:extLst>
+  </p:cSld>
+  <p:clrMapOvr>
+    <a:masterClrMapping/>
+  </p:clrMapOvr>
+  <p:transition spd="med">
+    <p:fade/>
+  </p:transition>
+</p:sld>
+</file>
+
+<file path=ppt/slides/slide29.xml><?xml version="1.0" encoding="utf-8"?>
+<p:sld xmlns:a="http://schemas.openxmlformats.org/drawingml/2006/main" xmlns:r="http://schemas.openxmlformats.org/officeDocument/2006/relationships" xmlns:p="http://schemas.openxmlformats.org/presentationml/2006/main">
+  <p:cSld>
+    <p:spTree>
+      <p:nvGrpSpPr>
+        <p:cNvPr id="1" name=""/>
+        <p:cNvGrpSpPr/>
+        <p:nvPr/>
+      </p:nvGrpSpPr>
+      <p:grpSpPr>
+        <a:xfrm>
+          <a:off x="0" y="0"/>
+          <a:ext cx="0" cy="0"/>
+          <a:chOff x="0" y="0"/>
+          <a:chExt cx="0" cy="0"/>
+        </a:xfrm>
+      </p:grpSpPr>
+      <p:sp>
+        <p:nvSpPr>
+          <p:cNvPr id="2" name="Content Placeholder 1"/>
+          <p:cNvSpPr>
+            <a:spLocks noGrp="1"/>
+          </p:cNvSpPr>
+          <p:nvPr>
+            <p:ph sz="quarter" idx="10"/>
+          </p:nvPr>
+        </p:nvSpPr>
+        <p:spPr/>
+        <p:txBody>
+          <a:bodyPr/>
+          <a:lstStyle/>
+          <a:p>
+            <a:r>
+              <a:rPr lang="en-US" b="1" dirty="0"/>
+              <a:t>Compiling Cookbooks...</a:t>
+            </a:r>
+          </a:p>
+          <a:p>
+            <a:r>
+              <a:rPr lang="en-US" b="1" dirty="0"/>
+              <a:t>Recipe: </a:t>
+            </a:r>
+            <a:r>
+              <a:rPr lang="en-US" b="1" dirty="0" err="1"/>
+              <a:t>code_generator</a:t>
+            </a:r>
+            <a:r>
+              <a:rPr lang="en-US" b="1" dirty="0"/>
+              <a:t>::template</a:t>
+            </a:r>
+          </a:p>
+          <a:p>
+            <a:r>
+              <a:rPr lang="en-US" b="1" dirty="0"/>
+              <a:t>  * directory[./ssh/templates/default] action create</a:t>
+            </a:r>
+          </a:p>
+          <a:p>
+            <a:r>
+              <a:rPr lang="en-US" b="1" dirty="0"/>
+              <a:t>    - create new directory ./ssh/templates/default</a:t>
+            </a:r>
+          </a:p>
+          <a:p>
+            <a:r>
+              <a:rPr lang="en-US" b="1" dirty="0"/>
+              <a:t>  * file[./ssh/templates/default/</a:t>
+            </a:r>
+            <a:r>
+              <a:rPr lang="en-US" b="1" dirty="0" err="1"/>
+              <a:t>ssh_config.erb</a:t>
+            </a:r>
+            <a:r>
+              <a:rPr lang="en-US" b="1" dirty="0"/>
+              <a:t>] action create</a:t>
+            </a:r>
+          </a:p>
+          <a:p>
+            <a:r>
+              <a:rPr lang="en-US" b="1" dirty="0"/>
+              <a:t>    - create new file ./ssh/templates/default/</a:t>
+            </a:r>
+            <a:r>
+              <a:rPr lang="en-US" b="1" dirty="0" err="1"/>
+              <a:t>ssh_config.erb</a:t>
+            </a:r>
+            <a:endParaRPr lang="en-US" b="1" dirty="0"/>
+          </a:p>
+          <a:p>
+            <a:r>
+              <a:rPr lang="en-US" b="1" dirty="0"/>
+              <a:t>    - update content in file ./ssh/templates/default/</a:t>
+            </a:r>
+            <a:r>
+              <a:rPr lang="en-US" b="1" dirty="0" err="1"/>
+              <a:t>ssh_config.erb</a:t>
+            </a:r>
+            <a:r>
+              <a:rPr lang="en-US" b="1" dirty="0"/>
+              <a:t> from none to 86eb9b</a:t>
+            </a:r>
+          </a:p>
+          <a:p>
+            <a:r>
+              <a:rPr lang="en-US" b="1" dirty="0"/>
+              <a:t>    (diff output suppressed by config</a:t>
+            </a:r>
+            <a:r>
+              <a:rPr lang="en-US" b="1" dirty="0" smtClean="0"/>
+              <a:t>)</a:t>
+            </a:r>
+            <a:endParaRPr lang="en-US" b="1" dirty="0"/>
+          </a:p>
+        </p:txBody>
+      </p:sp>
+      <p:sp>
+        <p:nvSpPr>
+          <p:cNvPr id="3" name="Text Placeholder 2"/>
+          <p:cNvSpPr>
+            <a:spLocks noGrp="1"/>
+          </p:cNvSpPr>
+          <p:nvPr>
+            <p:ph type="body" sz="quarter" idx="11"/>
+          </p:nvPr>
+        </p:nvSpPr>
+        <p:spPr>
+          <a:xfrm>
+            <a:off x="1121103" y="1337149"/>
+            <a:ext cx="14554325" cy="729785"/>
+          </a:xfrm>
+        </p:spPr>
+        <p:txBody>
+          <a:bodyPr/>
+          <a:lstStyle/>
+          <a:p>
+            <a:r>
+              <a:rPr lang="en-US" dirty="0"/>
+              <a:t>$ chef generate template ssh </a:t>
+            </a:r>
+            <a:r>
+              <a:rPr lang="en-US" dirty="0" err="1"/>
+              <a:t>ssh_config.erb</a:t>
+            </a:r>
+            <a:r>
+              <a:rPr lang="en-US" dirty="0"/>
+              <a:t> -s /etc/ssh/</a:t>
+            </a:r>
+            <a:r>
+              <a:rPr lang="en-US" dirty="0" err="1"/>
+              <a:t>ssh_config</a:t>
+            </a:r>
+            <a:endParaRPr lang="en-US" dirty="0"/>
+          </a:p>
+        </p:txBody>
+      </p:sp>
+      <p:sp>
+        <p:nvSpPr>
+          <p:cNvPr id="5" name="Title 4"/>
+          <p:cNvSpPr>
+            <a:spLocks noGrp="1"/>
+          </p:cNvSpPr>
+          <p:nvPr>
+            <p:ph type="title"/>
+          </p:nvPr>
+        </p:nvSpPr>
+        <p:spPr/>
+        <p:txBody>
+          <a:bodyPr/>
+          <a:lstStyle/>
+          <a:p>
+            <a:r>
+              <a:rPr lang="en-US" dirty="0"/>
+              <a:t>GE: Create an SSH </a:t>
+            </a:r>
+            <a:r>
+              <a:rPr lang="en-US" dirty="0" smtClean="0"/>
+              <a:t>Template</a:t>
+            </a:r>
+            <a:endParaRPr lang="en-US" dirty="0"/>
+          </a:p>
+        </p:txBody>
+      </p:sp>
+    </p:spTree>
+    <p:extLst>
+      <p:ext uri="{BB962C8B-B14F-4D97-AF65-F5344CB8AC3E}">
+        <p14:creationId xmlns:p14="http://schemas.microsoft.com/office/powerpoint/2010/main" val="4229444765"/>
+      </p:ext>
+    </p:extLst>
+  </p:cSld>
+  <p:clrMapOvr>
+    <a:masterClrMapping/>
+  </p:clrMapOvr>
+  <p:transition spd="med">
+    <p:fade/>
+  </p:transition>
+</p:sld>
+</file>
+
+<file path=ppt/slides/slide3.xml><?xml version="1.0" encoding="utf-8"?>
+<p:sld xmlns:a="http://schemas.openxmlformats.org/drawingml/2006/main" xmlns:r="http://schemas.openxmlformats.org/officeDocument/2006/relationships" xmlns:p="http://schemas.openxmlformats.org/presentationml/2006/main">
+  <p:cSld>
+    <p:spTree>
+      <p:nvGrpSpPr>
+        <p:cNvPr id="1" name=""/>
+        <p:cNvGrpSpPr/>
+        <p:nvPr/>
+      </p:nvGrpSpPr>
+      <p:grpSpPr>
+        <a:xfrm>
+          <a:off x="0" y="0"/>
+          <a:ext cx="0" cy="0"/>
+          <a:chOff x="0" y="0"/>
+          <a:chExt cx="0" cy="0"/>
+        </a:xfrm>
+      </p:grpSpPr>
+      <p:sp>
+        <p:nvSpPr>
+          <p:cNvPr id="2" name="Title 1"/>
+          <p:cNvSpPr>
+            <a:spLocks noGrp="1"/>
+          </p:cNvSpPr>
+          <p:nvPr>
+            <p:ph type="ctrTitle"/>
+          </p:nvPr>
+        </p:nvSpPr>
+        <p:spPr/>
+        <p:txBody>
+          <a:bodyPr>
+            <a:normAutofit fontScale="90000"/>
+          </a:bodyPr>
+          <a:lstStyle/>
+          <a:p>
+            <a:r>
+              <a:rPr lang="en-US" dirty="0" smtClean="0"/>
+              <a:t>Adding a Node to Test</a:t>
+            </a:r>
+            <a:endParaRPr lang="en-US" dirty="0"/>
+          </a:p>
+        </p:txBody>
+      </p:sp>
+      <p:sp>
+        <p:nvSpPr>
+          <p:cNvPr id="3" name="Subtitle 2"/>
+          <p:cNvSpPr>
+            <a:spLocks noGrp="1"/>
+          </p:cNvSpPr>
+          <p:nvPr>
+            <p:ph type="subTitle" idx="1"/>
+          </p:nvPr>
+        </p:nvSpPr>
+        <p:spPr>
+          <a:xfrm>
+            <a:off x="1671638" y="3271838"/>
+            <a:ext cx="12319000" cy="4317682"/>
+          </a:xfrm>
+        </p:spPr>
+        <p:txBody>
+          <a:bodyPr/>
+          <a:lstStyle/>
+          <a:p>
+            <a:r>
+              <a:rPr lang="en-US" dirty="0" smtClean="0"/>
+              <a:t>Adding a node is a fairly straightforward process. You'll need:</a:t>
+            </a:r>
+          </a:p>
+          <a:p>
+            <a:endParaRPr lang="en-US" dirty="0"/>
+          </a:p>
+          <a:p>
+            <a:pPr marL="457200" indent="-457200">
+              <a:buFont typeface="Arial" panose="020B0604020202020204" pitchFamily="34" charset="0"/>
+              <a:buChar char="•"/>
+            </a:pPr>
+            <a:r>
+              <a:rPr lang="en-US" dirty="0" smtClean="0"/>
+              <a:t>The IP address or FQDN of the nodes to be tested.</a:t>
+            </a:r>
+          </a:p>
+          <a:p>
+            <a:pPr marL="457200" indent="-457200">
+              <a:buFont typeface="Arial" panose="020B0604020202020204" pitchFamily="34" charset="0"/>
+              <a:buChar char="•"/>
+            </a:pPr>
+            <a:r>
+              <a:rPr lang="en-US" dirty="0" smtClean="0"/>
+              <a:t>Access configuration (ssh or </a:t>
+            </a:r>
+            <a:r>
+              <a:rPr lang="en-US" dirty="0" err="1" smtClean="0"/>
+              <a:t>WinRM</a:t>
+            </a:r>
+            <a:r>
+              <a:rPr lang="en-US" dirty="0" smtClean="0"/>
+              <a:t>).</a:t>
+            </a:r>
+          </a:p>
+          <a:p>
+            <a:pPr marL="457200" indent="-457200">
+              <a:buFont typeface="Arial" panose="020B0604020202020204" pitchFamily="34" charset="0"/>
+              <a:buChar char="•"/>
+            </a:pPr>
+            <a:r>
+              <a:rPr lang="en-US" dirty="0" smtClean="0"/>
+              <a:t>The node's username and password OR</a:t>
+            </a:r>
+          </a:p>
+          <a:p>
+            <a:pPr marL="457200" indent="-457200">
+              <a:buFont typeface="Arial" panose="020B0604020202020204" pitchFamily="34" charset="0"/>
+              <a:buChar char="•"/>
+            </a:pPr>
+            <a:r>
+              <a:rPr lang="en-US" dirty="0" smtClean="0"/>
+              <a:t>The node's username plus security key pair.</a:t>
+            </a:r>
+          </a:p>
+        </p:txBody>
+      </p:sp>
+    </p:spTree>
+    <p:extLst>
+      <p:ext uri="{BB962C8B-B14F-4D97-AF65-F5344CB8AC3E}">
+        <p14:creationId xmlns:p14="http://schemas.microsoft.com/office/powerpoint/2010/main" val="3390536075"/>
+      </p:ext>
+    </p:extLst>
+  </p:cSld>
+  <p:clrMapOvr>
+    <a:masterClrMapping/>
+  </p:clrMapOvr>
+  <p:transition spd="med">
+    <p:fade/>
+  </p:transition>
+</p:sld>
+</file>
+
+<file path=ppt/slides/slide30.xml><?xml version="1.0" encoding="utf-8"?>
+<p:sld xmlns:a="http://schemas.openxmlformats.org/drawingml/2006/main" xmlns:r="http://schemas.openxmlformats.org/officeDocument/2006/relationships" xmlns:p="http://schemas.openxmlformats.org/presentationml/2006/main">
+  <p:cSld>
+    <p:spTree>
+      <p:nvGrpSpPr>
+        <p:cNvPr id="1" name=""/>
+        <p:cNvGrpSpPr/>
+        <p:nvPr/>
+      </p:nvGrpSpPr>
+      <p:grpSpPr>
+        <a:xfrm>
+          <a:off x="0" y="0"/>
+          <a:ext cx="0" cy="0"/>
+          <a:chOff x="0" y="0"/>
+          <a:chExt cx="0" cy="0"/>
+        </a:xfrm>
+      </p:grpSpPr>
+      <p:sp>
+        <p:nvSpPr>
+          <p:cNvPr id="2" name="Content Placeholder 1"/>
+          <p:cNvSpPr>
+            <a:spLocks noGrp="1"/>
+          </p:cNvSpPr>
+          <p:nvPr>
+            <p:ph sz="quarter" idx="10"/>
+          </p:nvPr>
+        </p:nvSpPr>
+        <p:spPr/>
+        <p:txBody>
+          <a:bodyPr/>
+          <a:lstStyle/>
+          <a:p>
+            <a:r>
+              <a:rPr lang="en-US" b="1" dirty="0"/>
+              <a:t># Cookbook Name:: ssh</a:t>
+            </a:r>
+          </a:p>
+          <a:p>
+            <a:r>
+              <a:rPr lang="en-US" b="1" dirty="0"/>
+              <a:t># Recipe:: </a:t>
+            </a:r>
+            <a:r>
+              <a:rPr lang="en-US" b="1" dirty="0" smtClean="0"/>
+              <a:t>client</a:t>
+            </a:r>
+            <a:endParaRPr lang="en-US" b="1" dirty="0"/>
+          </a:p>
+          <a:p>
+            <a:r>
+              <a:rPr lang="en-US" b="1" dirty="0"/>
+              <a:t># Copyright (c) 2015 The Authors, All Rights Reserved.</a:t>
+            </a:r>
+          </a:p>
+          <a:p>
+            <a:endParaRPr lang="en-US" b="1" dirty="0"/>
+          </a:p>
+          <a:p>
+            <a:r>
+              <a:rPr lang="en-US" b="1" dirty="0"/>
+              <a:t>template '/etc/ssh/</a:t>
+            </a:r>
+            <a:r>
+              <a:rPr lang="en-US" b="1" dirty="0" err="1"/>
+              <a:t>ssh_config</a:t>
+            </a:r>
+            <a:r>
+              <a:rPr lang="en-US" b="1" dirty="0"/>
+              <a:t>' do</a:t>
+            </a:r>
+          </a:p>
+          <a:p>
+            <a:r>
+              <a:rPr lang="en-US" b="1" dirty="0"/>
+              <a:t>  source '</a:t>
+            </a:r>
+            <a:r>
+              <a:rPr lang="en-US" b="1" dirty="0" err="1"/>
+              <a:t>ssh_config.erb</a:t>
+            </a:r>
+            <a:r>
+              <a:rPr lang="en-US" b="1" dirty="0"/>
+              <a:t>'</a:t>
+            </a:r>
+          </a:p>
+          <a:p>
+            <a:r>
+              <a:rPr lang="en-US" b="1" dirty="0"/>
+              <a:t>  owner 'root'</a:t>
+            </a:r>
+          </a:p>
+          <a:p>
+            <a:r>
+              <a:rPr lang="en-US" b="1" dirty="0"/>
+              <a:t>  group 'root'</a:t>
+            </a:r>
+          </a:p>
+          <a:p>
+            <a:r>
+              <a:rPr lang="en-US" b="1" dirty="0"/>
+              <a:t>  mode '0644'</a:t>
+            </a:r>
+          </a:p>
+          <a:p>
+            <a:r>
+              <a:rPr lang="en-US" b="1" dirty="0"/>
+              <a:t>end</a:t>
+            </a:r>
+            <a:endParaRPr lang="en-US" b="1" dirty="0"/>
+          </a:p>
+        </p:txBody>
+      </p:sp>
+      <p:sp>
+        <p:nvSpPr>
+          <p:cNvPr id="3" name="Text Placeholder 2"/>
+          <p:cNvSpPr>
+            <a:spLocks noGrp="1"/>
+          </p:cNvSpPr>
+          <p:nvPr>
+            <p:ph type="body" sz="quarter" idx="11"/>
+          </p:nvPr>
+        </p:nvSpPr>
+        <p:spPr>
+          <a:xfrm>
+            <a:off x="1121103" y="1337149"/>
+            <a:ext cx="14554325" cy="729785"/>
+          </a:xfrm>
+        </p:spPr>
+        <p:txBody>
+          <a:bodyPr/>
+          <a:lstStyle/>
+          <a:p>
+            <a:r>
+              <a:rPr lang="en-US" dirty="0"/>
+              <a:t>$ </a:t>
+            </a:r>
+            <a:r>
+              <a:rPr lang="en-US" dirty="0"/>
+              <a:t>~/cookbooks/ssh/recipes/</a:t>
+            </a:r>
+            <a:r>
+              <a:rPr lang="en-US" dirty="0" err="1"/>
+              <a:t>client.rb</a:t>
+            </a:r>
+            <a:endParaRPr lang="en-US" dirty="0"/>
+          </a:p>
+        </p:txBody>
+      </p:sp>
+      <p:sp>
+        <p:nvSpPr>
+          <p:cNvPr id="5" name="Title 4"/>
+          <p:cNvSpPr>
+            <a:spLocks noGrp="1"/>
+          </p:cNvSpPr>
+          <p:nvPr>
+            <p:ph type="title"/>
+          </p:nvPr>
+        </p:nvSpPr>
+        <p:spPr/>
+        <p:txBody>
+          <a:bodyPr/>
+          <a:lstStyle/>
+          <a:p>
+            <a:r>
+              <a:rPr lang="en-US" dirty="0"/>
+              <a:t>GE: </a:t>
+            </a:r>
+            <a:r>
+              <a:rPr lang="en-US" dirty="0" smtClean="0"/>
+              <a:t>Write the Client Recipe</a:t>
+            </a:r>
+            <a:endParaRPr lang="en-US" dirty="0"/>
+          </a:p>
+        </p:txBody>
+      </p:sp>
+    </p:spTree>
+    <p:extLst>
+      <p:ext uri="{BB962C8B-B14F-4D97-AF65-F5344CB8AC3E}">
+        <p14:creationId xmlns:p14="http://schemas.microsoft.com/office/powerpoint/2010/main" val="2295369889"/>
+      </p:ext>
+    </p:extLst>
+  </p:cSld>
+  <p:clrMapOvr>
+    <a:masterClrMapping/>
+  </p:clrMapOvr>
+  <p:transition spd="med">
+    <p:fade/>
+  </p:transition>
+</p:sld>
+</file>
+
+<file path=ppt/slides/slide31.xml><?xml version="1.0" encoding="utf-8"?>
+<p:sld xmlns:a="http://schemas.openxmlformats.org/drawingml/2006/main" xmlns:r="http://schemas.openxmlformats.org/officeDocument/2006/relationships" xmlns:p="http://schemas.openxmlformats.org/presentationml/2006/main">
+  <p:cSld>
+    <p:spTree>
+      <p:nvGrpSpPr>
+        <p:cNvPr id="1" name=""/>
+        <p:cNvGrpSpPr/>
+        <p:nvPr/>
+      </p:nvGrpSpPr>
+      <p:grpSpPr>
+        <a:xfrm>
+          <a:off x="0" y="0"/>
+          <a:ext cx="0" cy="0"/>
+          <a:chOff x="0" y="0"/>
+          <a:chExt cx="0" cy="0"/>
+        </a:xfrm>
+      </p:grpSpPr>
+      <p:sp>
+        <p:nvSpPr>
+          <p:cNvPr id="2" name="Title 1"/>
+          <p:cNvSpPr>
+            <a:spLocks noGrp="1"/>
+          </p:cNvSpPr>
+          <p:nvPr>
+            <p:ph type="ctrTitle"/>
+          </p:nvPr>
+        </p:nvSpPr>
+        <p:spPr>
+          <a:xfrm>
+            <a:off x="1671637" y="2961599"/>
+            <a:ext cx="12319001" cy="852712"/>
+          </a:xfrm>
+        </p:spPr>
+        <p:txBody>
+          <a:bodyPr>
+            <a:normAutofit fontScale="90000"/>
+          </a:bodyPr>
+          <a:lstStyle/>
+          <a:p>
+            <a:r>
+              <a:rPr lang="en-US" dirty="0" smtClean="0"/>
+              <a:t>GE: Testing the Recipe</a:t>
+            </a:r>
+            <a:endParaRPr lang="en-US" dirty="0"/>
+          </a:p>
+        </p:txBody>
+      </p:sp>
+      <p:sp>
+        <p:nvSpPr>
+          <p:cNvPr id="4" name="Text Placeholder 3"/>
+          <p:cNvSpPr>
+            <a:spLocks noGrp="1"/>
+          </p:cNvSpPr>
+          <p:nvPr>
+            <p:ph type="body" sz="quarter" idx="10"/>
+          </p:nvPr>
+        </p:nvSpPr>
+        <p:spPr/>
+        <p:txBody>
+          <a:bodyPr/>
+          <a:lstStyle/>
+          <a:p>
+            <a:pPr marL="342900" indent="-342900">
+              <a:buFont typeface="Wingdings" panose="05000000000000000000" pitchFamily="2" charset="2"/>
+              <a:buChar char="ü"/>
+            </a:pPr>
+            <a:r>
+              <a:rPr lang="en-US" dirty="0" smtClean="0"/>
+              <a:t>Log into your target node</a:t>
+            </a:r>
+          </a:p>
+          <a:p>
+            <a:pPr marL="342900" indent="-342900">
+              <a:buFont typeface="Wingdings" panose="05000000000000000000" pitchFamily="2" charset="2"/>
+              <a:buChar char="ü"/>
+            </a:pPr>
+            <a:r>
+              <a:rPr lang="en-US" dirty="0" smtClean="0"/>
+              <a:t>Start writing a remediation recipe on that node.</a:t>
+            </a:r>
+          </a:p>
+          <a:p>
+            <a:pPr marL="342900" indent="-342900">
+              <a:buFont typeface="Wingdings" panose="05000000000000000000" pitchFamily="2" charset="2"/>
+              <a:buChar char="q"/>
+            </a:pPr>
+            <a:r>
+              <a:rPr lang="en-US" dirty="0" smtClean="0"/>
+              <a:t>Test the recipe with Test Kitchen.</a:t>
+            </a:r>
+            <a:endParaRPr lang="en-US" dirty="0"/>
+          </a:p>
+        </p:txBody>
+      </p:sp>
+    </p:spTree>
+    <p:extLst>
+      <p:ext uri="{BB962C8B-B14F-4D97-AF65-F5344CB8AC3E}">
+        <p14:creationId xmlns:p14="http://schemas.microsoft.com/office/powerpoint/2010/main" val="4009617569"/>
+      </p:ext>
+    </p:extLst>
+  </p:cSld>
+  <p:clrMapOvr>
+    <a:masterClrMapping/>
+  </p:clrMapOvr>
+  <p:transition spd="med">
+    <p:fade/>
+  </p:transition>
+</p:sld>
+</file>
+
+<file path=ppt/slides/slide32.xml><?xml version="1.0" encoding="utf-8"?>
+<p:sld xmlns:a="http://schemas.openxmlformats.org/drawingml/2006/main" xmlns:r="http://schemas.openxmlformats.org/officeDocument/2006/relationships" xmlns:p="http://schemas.openxmlformats.org/presentationml/2006/main">
+  <p:cSld>
+    <p:spTree>
+      <p:nvGrpSpPr>
+        <p:cNvPr id="1" name=""/>
+        <p:cNvGrpSpPr/>
+        <p:nvPr/>
+      </p:nvGrpSpPr>
+      <p:grpSpPr>
+        <a:xfrm>
+          <a:off x="0" y="0"/>
+          <a:ext cx="0" cy="0"/>
+          <a:chOff x="0" y="0"/>
+          <a:chExt cx="0" cy="0"/>
+        </a:xfrm>
+      </p:grpSpPr>
+      <p:sp>
+        <p:nvSpPr>
+          <p:cNvPr id="3" name="Text Placeholder 2"/>
+          <p:cNvSpPr>
+            <a:spLocks noGrp="1"/>
+          </p:cNvSpPr>
+          <p:nvPr>
+            <p:ph type="body" sz="quarter" idx="11"/>
+          </p:nvPr>
+        </p:nvSpPr>
+        <p:spPr>
+          <a:xfrm>
+            <a:off x="1121104" y="1337149"/>
+            <a:ext cx="14422528" cy="1314611"/>
+          </a:xfrm>
+        </p:spPr>
+        <p:txBody>
+          <a:bodyPr/>
+          <a:lstStyle/>
+          <a:p>
+            <a:r>
+              <a:rPr lang="en-US" dirty="0"/>
+              <a:t>$ cd </a:t>
+            </a:r>
+            <a:r>
+              <a:rPr lang="en-US" dirty="0" smtClean="0"/>
+              <a:t>~/cookbooks/ssh/</a:t>
+            </a:r>
+          </a:p>
+        </p:txBody>
+      </p:sp>
+      <p:sp>
+        <p:nvSpPr>
+          <p:cNvPr id="5" name="Title 4"/>
+          <p:cNvSpPr>
+            <a:spLocks noGrp="1"/>
+          </p:cNvSpPr>
+          <p:nvPr>
+            <p:ph type="title"/>
+          </p:nvPr>
+        </p:nvSpPr>
+        <p:spPr/>
+        <p:txBody>
+          <a:bodyPr>
+            <a:normAutofit/>
+          </a:bodyPr>
+          <a:lstStyle/>
+          <a:p>
+            <a:r>
+              <a:rPr lang="en-US" dirty="0" smtClean="0"/>
+              <a:t>GE: Navigate to your SSH Cookbook</a:t>
+            </a:r>
+            <a:endParaRPr lang="en-US" dirty="0"/>
+          </a:p>
+        </p:txBody>
+      </p:sp>
+    </p:spTree>
+    <p:extLst>
+      <p:ext uri="{BB962C8B-B14F-4D97-AF65-F5344CB8AC3E}">
+        <p14:creationId xmlns:p14="http://schemas.microsoft.com/office/powerpoint/2010/main" val="3115391137"/>
+      </p:ext>
+    </p:extLst>
+  </p:cSld>
+  <p:clrMapOvr>
+    <a:masterClrMapping/>
+  </p:clrMapOvr>
+  <p:transition spd="med">
+    <p:fade/>
+  </p:transition>
+  <p:timing>
+    <p:tnLst>
+      <p:par>
+        <p:cTn id="1" dur="indefinite" restart="never" nodeType="tmRoot"/>
+      </p:par>
+    </p:tnLst>
+  </p:timing>
+</p:sld>
+</file>
+
+<file path=ppt/slides/slide33.xml><?xml version="1.0" encoding="utf-8"?>
+<p:sld xmlns:a="http://schemas.openxmlformats.org/drawingml/2006/main" xmlns:r="http://schemas.openxmlformats.org/officeDocument/2006/relationships" xmlns:p="http://schemas.openxmlformats.org/presentationml/2006/main">
+  <p:cSld>
+    <p:spTree>
+      <p:nvGrpSpPr>
+        <p:cNvPr id="1" name=""/>
+        <p:cNvGrpSpPr/>
+        <p:nvPr/>
+      </p:nvGrpSpPr>
+      <p:grpSpPr>
+        <a:xfrm>
+          <a:off x="0" y="0"/>
+          <a:ext cx="0" cy="0"/>
+          <a:chOff x="0" y="0"/>
+          <a:chExt cx="0" cy="0"/>
+        </a:xfrm>
+      </p:grpSpPr>
+      <p:sp>
+        <p:nvSpPr>
+          <p:cNvPr id="10" name="Content Placeholder 9"/>
+          <p:cNvSpPr>
+            <a:spLocks noGrp="1"/>
+          </p:cNvSpPr>
+          <p:nvPr>
+            <p:ph sz="quarter" idx="10"/>
+          </p:nvPr>
+        </p:nvSpPr>
+        <p:spPr>
+          <a:xfrm>
+            <a:off x="1121104" y="2270608"/>
+            <a:ext cx="14423693" cy="5580480"/>
+          </a:xfrm>
+        </p:spPr>
+        <p:txBody>
+          <a:bodyPr/>
+          <a:lstStyle/>
+          <a:p>
+            <a:r>
+              <a:rPr lang="en-US" b="1" dirty="0" smtClean="0"/>
+              <a:t>---</a:t>
+            </a:r>
+          </a:p>
+          <a:p>
+            <a:r>
+              <a:rPr lang="en-US" b="1" dirty="0" smtClean="0"/>
+              <a:t>driver:</a:t>
+            </a:r>
+          </a:p>
+          <a:p>
+            <a:r>
+              <a:rPr lang="en-US" b="1" dirty="0" smtClean="0"/>
+              <a:t>  name: </a:t>
+            </a:r>
+            <a:r>
+              <a:rPr lang="en-US" b="1" dirty="0" err="1" smtClean="0"/>
+              <a:t>docker</a:t>
+            </a:r>
+            <a:endParaRPr lang="en-US" b="1" dirty="0" smtClean="0"/>
+          </a:p>
+          <a:p>
+            <a:endParaRPr lang="en-US" b="1" dirty="0" smtClean="0"/>
+          </a:p>
+          <a:p>
+            <a:r>
+              <a:rPr lang="en-US" b="1" dirty="0" err="1" smtClean="0"/>
+              <a:t>provisioner</a:t>
+            </a:r>
+            <a:r>
+              <a:rPr lang="en-US" b="1" dirty="0" smtClean="0"/>
+              <a:t>:</a:t>
+            </a:r>
+          </a:p>
+          <a:p>
+            <a:r>
+              <a:rPr lang="en-US" b="1" dirty="0" smtClean="0"/>
+              <a:t>  name: </a:t>
+            </a:r>
+            <a:r>
+              <a:rPr lang="en-US" b="1" dirty="0" err="1" smtClean="0"/>
+              <a:t>chef_zero</a:t>
+            </a:r>
+            <a:endParaRPr lang="en-US" b="1" dirty="0" smtClean="0"/>
+          </a:p>
+          <a:p>
+            <a:endParaRPr lang="en-US" dirty="0"/>
+          </a:p>
+        </p:txBody>
+      </p:sp>
+      <p:sp>
+        <p:nvSpPr>
+          <p:cNvPr id="11" name="Text Placeholder 10"/>
+          <p:cNvSpPr>
+            <a:spLocks noGrp="1"/>
+          </p:cNvSpPr>
+          <p:nvPr>
+            <p:ph type="body" sz="quarter" idx="11"/>
+          </p:nvPr>
+        </p:nvSpPr>
+        <p:spPr/>
+        <p:txBody>
+          <a:bodyPr/>
+          <a:lstStyle/>
+          <a:p>
+            <a:endParaRPr lang="en-US" dirty="0" smtClean="0"/>
+          </a:p>
+          <a:p>
+            <a:r>
+              <a:rPr lang="en-US" dirty="0" smtClean="0"/>
+              <a:t>$ ~/cookbooks/ssh/.</a:t>
+            </a:r>
+            <a:r>
+              <a:rPr lang="en-US" dirty="0" err="1" smtClean="0"/>
+              <a:t>kitchen.yml</a:t>
+            </a:r>
+            <a:endParaRPr lang="en-US" dirty="0" smtClean="0"/>
+          </a:p>
+          <a:p>
+            <a:endParaRPr lang="en-US" dirty="0"/>
+          </a:p>
+        </p:txBody>
+      </p:sp>
+      <p:sp>
+        <p:nvSpPr>
+          <p:cNvPr id="5" name="Title 4"/>
+          <p:cNvSpPr>
+            <a:spLocks noGrp="1"/>
+          </p:cNvSpPr>
+          <p:nvPr>
+            <p:ph type="title"/>
+          </p:nvPr>
+        </p:nvSpPr>
+        <p:spPr/>
+        <p:txBody>
+          <a:bodyPr/>
+          <a:lstStyle/>
+          <a:p>
+            <a:r>
+              <a:rPr lang="en-US" smtClean="0"/>
+              <a:t>GE: Edit your .kitchen.yml -- Part 1</a:t>
+            </a:r>
+            <a:endParaRPr lang="en-US" dirty="0"/>
+          </a:p>
+        </p:txBody>
+      </p:sp>
+      <p:sp>
+        <p:nvSpPr>
+          <p:cNvPr id="18" name="Content Placeholder 5"/>
+          <p:cNvSpPr>
+            <a:spLocks noGrp="1"/>
+          </p:cNvSpPr>
+          <p:nvPr>
+            <p:ph sz="quarter" idx="12" hasCustomPrompt="1"/>
+          </p:nvPr>
+        </p:nvSpPr>
+        <p:spPr>
+          <a:xfrm>
+            <a:off x="1127883" y="3297095"/>
+            <a:ext cx="14420850" cy="543385"/>
+          </a:xfrm>
+          <a:solidFill>
+            <a:schemeClr val="accent1">
+              <a:alpha val="60000"/>
+            </a:schemeClr>
+          </a:solidFill>
+          <a:ln>
+            <a:solidFill>
+              <a:schemeClr val="accent1">
+                <a:lumMod val="75000"/>
+              </a:schemeClr>
+            </a:solidFill>
+          </a:ln>
+        </p:spPr>
+        <p:txBody>
+          <a:bodyPr anchor="ctr">
+            <a:noAutofit/>
+          </a:bodyPr>
+          <a:lstStyle>
+            <a:lvl1pPr algn="l">
+              <a:defRPr sz="4200" baseline="0">
+                <a:solidFill>
+                  <a:schemeClr val="bg2"/>
+                </a:solidFill>
+                <a:latin typeface="Courier New"/>
+                <a:cs typeface="Courier New"/>
+              </a:defRPr>
+            </a:lvl1pPr>
+          </a:lstStyle>
+          <a:p>
+            <a:pPr lvl="0"/>
+            <a:r>
+              <a:rPr lang="en-US" dirty="0" smtClean="0"/>
+              <a:t> </a:t>
+            </a:r>
+          </a:p>
+        </p:txBody>
+      </p:sp>
+    </p:spTree>
+    <p:extLst>
+      <p:ext uri="{BB962C8B-B14F-4D97-AF65-F5344CB8AC3E}">
+        <p14:creationId xmlns:p14="http://schemas.microsoft.com/office/powerpoint/2010/main" val="453521190"/>
+      </p:ext>
+    </p:extLst>
+  </p:cSld>
+  <p:clrMapOvr>
+    <a:masterClrMapping/>
+  </p:clrMapOvr>
+  <p:transition spd="med">
+    <p:fade/>
+  </p:transition>
+  <p:timing>
+    <p:tnLst>
+      <p:par>
+        <p:cTn id="1" dur="indefinite" restart="never" nodeType="tmRoot"/>
+      </p:par>
+    </p:tnLst>
+  </p:timing>
+</p:sld>
+</file>
+
+<file path=ppt/slides/slide34.xml><?xml version="1.0" encoding="utf-8"?>
+<p:sld xmlns:a="http://schemas.openxmlformats.org/drawingml/2006/main" xmlns:r="http://schemas.openxmlformats.org/officeDocument/2006/relationships" xmlns:p="http://schemas.openxmlformats.org/presentationml/2006/main">
+  <p:cSld>
+    <p:spTree>
+      <p:nvGrpSpPr>
+        <p:cNvPr id="1" name=""/>
+        <p:cNvGrpSpPr/>
+        <p:nvPr/>
+      </p:nvGrpSpPr>
+      <p:grpSpPr>
+        <a:xfrm>
+          <a:off x="0" y="0"/>
+          <a:ext cx="0" cy="0"/>
+          <a:chOff x="0" y="0"/>
+          <a:chExt cx="0" cy="0"/>
+        </a:xfrm>
+      </p:grpSpPr>
+      <p:sp>
+        <p:nvSpPr>
+          <p:cNvPr id="10" name="Content Placeholder 9"/>
+          <p:cNvSpPr>
+            <a:spLocks noGrp="1"/>
+          </p:cNvSpPr>
+          <p:nvPr>
+            <p:ph sz="quarter" idx="10"/>
+          </p:nvPr>
+        </p:nvSpPr>
+        <p:spPr/>
+        <p:txBody>
+          <a:bodyPr/>
+          <a:lstStyle/>
+          <a:p>
+            <a:r>
+              <a:rPr lang="en-US" dirty="0" smtClean="0"/>
+              <a:t>platforms</a:t>
+            </a:r>
+            <a:r>
+              <a:rPr lang="en-US" dirty="0"/>
+              <a:t>:</a:t>
+            </a:r>
+          </a:p>
+          <a:p>
+            <a:r>
+              <a:rPr lang="en-US" dirty="0"/>
+              <a:t>#  - name: ubuntu-14.04</a:t>
+            </a:r>
+          </a:p>
+          <a:p>
+            <a:r>
+              <a:rPr lang="en-US" dirty="0"/>
+              <a:t>  - name: centos-6.7</a:t>
+            </a:r>
+          </a:p>
+          <a:p>
+            <a:endParaRPr lang="en-US" dirty="0"/>
+          </a:p>
+          <a:p>
+            <a:r>
+              <a:rPr lang="en-US" dirty="0"/>
+              <a:t>suites:</a:t>
+            </a:r>
+          </a:p>
+          <a:p>
+            <a:r>
+              <a:rPr lang="en-US" dirty="0"/>
+              <a:t>  - name: client</a:t>
+            </a:r>
+          </a:p>
+          <a:p>
+            <a:r>
+              <a:rPr lang="en-US" dirty="0"/>
+              <a:t>    run_list:</a:t>
+            </a:r>
+          </a:p>
+          <a:p>
+            <a:r>
+              <a:rPr lang="en-US" dirty="0"/>
+              <a:t>      - recipe[ssh::client]</a:t>
+            </a:r>
+          </a:p>
+          <a:p>
+            <a:r>
+              <a:rPr lang="en-US" dirty="0"/>
+              <a:t>    attributes:</a:t>
+            </a:r>
+          </a:p>
+          <a:p>
+            <a:endParaRPr lang="en-US" dirty="0"/>
+          </a:p>
+        </p:txBody>
+      </p:sp>
+      <p:sp>
+        <p:nvSpPr>
+          <p:cNvPr id="11" name="Text Placeholder 10"/>
+          <p:cNvSpPr>
+            <a:spLocks noGrp="1"/>
+          </p:cNvSpPr>
+          <p:nvPr>
+            <p:ph type="body" sz="quarter" idx="11"/>
+          </p:nvPr>
+        </p:nvSpPr>
+        <p:spPr>
+          <a:xfrm>
+            <a:off x="1121104" y="1337150"/>
+            <a:ext cx="14422528" cy="708878"/>
+          </a:xfrm>
+        </p:spPr>
+        <p:txBody>
+          <a:bodyPr/>
+          <a:lstStyle/>
+          <a:p>
+            <a:endParaRPr lang="en-US" dirty="0"/>
+          </a:p>
+          <a:p>
+            <a:r>
+              <a:rPr lang="en-US" dirty="0" smtClean="0"/>
+              <a:t>$ </a:t>
+            </a:r>
+            <a:r>
+              <a:rPr lang="en-US" dirty="0"/>
+              <a:t>~/cookbooks/ssh/.</a:t>
+            </a:r>
+            <a:r>
+              <a:rPr lang="en-US" dirty="0" err="1"/>
+              <a:t>kitchen.yml</a:t>
+            </a:r>
+            <a:endParaRPr lang="en-US" dirty="0"/>
+          </a:p>
+          <a:p>
+            <a:endParaRPr lang="en-US" dirty="0"/>
+          </a:p>
+        </p:txBody>
+      </p:sp>
+      <p:sp>
+        <p:nvSpPr>
+          <p:cNvPr id="5" name="Title 4"/>
+          <p:cNvSpPr>
+            <a:spLocks noGrp="1"/>
+          </p:cNvSpPr>
+          <p:nvPr>
+            <p:ph type="title"/>
+          </p:nvPr>
+        </p:nvSpPr>
+        <p:spPr/>
+        <p:txBody>
+          <a:bodyPr>
+            <a:normAutofit/>
+          </a:bodyPr>
+          <a:lstStyle/>
+          <a:p>
+            <a:r>
+              <a:rPr lang="en-US" dirty="0" smtClean="0"/>
+              <a:t>GE: Edit your .</a:t>
+            </a:r>
+            <a:r>
+              <a:rPr lang="en-US" dirty="0" err="1" smtClean="0"/>
+              <a:t>kitchen.yml</a:t>
+            </a:r>
+            <a:r>
+              <a:rPr lang="en-US" dirty="0" smtClean="0"/>
+              <a:t> -- Part 2</a:t>
+            </a:r>
+            <a:endParaRPr lang="en-US" dirty="0"/>
+          </a:p>
+        </p:txBody>
+      </p:sp>
+      <p:sp>
+        <p:nvSpPr>
+          <p:cNvPr id="6" name="Content Placeholder 5"/>
+          <p:cNvSpPr>
+            <a:spLocks noGrp="1"/>
+          </p:cNvSpPr>
+          <p:nvPr>
+            <p:ph sz="quarter" idx="12" hasCustomPrompt="1"/>
+          </p:nvPr>
+        </p:nvSpPr>
+        <p:spPr>
+          <a:xfrm>
+            <a:off x="1127883" y="2908475"/>
+            <a:ext cx="14420850" cy="1023445"/>
+          </a:xfrm>
+          <a:solidFill>
+            <a:schemeClr val="accent1">
+              <a:alpha val="60000"/>
+            </a:schemeClr>
+          </a:solidFill>
+          <a:ln>
+            <a:solidFill>
+              <a:schemeClr val="accent1">
+                <a:lumMod val="75000"/>
+              </a:schemeClr>
+            </a:solidFill>
+          </a:ln>
+        </p:spPr>
+        <p:txBody>
+          <a:bodyPr anchor="ctr">
+            <a:noAutofit/>
+          </a:bodyPr>
+          <a:lstStyle>
+            <a:lvl1pPr algn="l">
+              <a:defRPr sz="4200" baseline="0">
+                <a:solidFill>
+                  <a:schemeClr val="bg2"/>
+                </a:solidFill>
+                <a:latin typeface="Courier New"/>
+                <a:cs typeface="Courier New"/>
+              </a:defRPr>
+            </a:lvl1pPr>
+          </a:lstStyle>
+          <a:p>
+            <a:pPr lvl="0"/>
+            <a:r>
+              <a:rPr lang="en-US" dirty="0" smtClean="0"/>
+              <a:t> </a:t>
+            </a:r>
+          </a:p>
+        </p:txBody>
+      </p:sp>
+    </p:spTree>
+    <p:extLst>
+      <p:ext uri="{BB962C8B-B14F-4D97-AF65-F5344CB8AC3E}">
+        <p14:creationId xmlns:p14="http://schemas.microsoft.com/office/powerpoint/2010/main" val="3436160997"/>
+      </p:ext>
+    </p:extLst>
+  </p:cSld>
+  <p:clrMapOvr>
+    <a:masterClrMapping/>
+  </p:clrMapOvr>
+  <p:transition spd="med">
+    <p:fade/>
+  </p:transition>
+  <p:timing>
+    <p:tnLst>
+      <p:par>
+        <p:cTn id="1" dur="indefinite" restart="never" nodeType="tmRoot"/>
+      </p:par>
+    </p:tnLst>
+  </p:timing>
+</p:sld>
+</file>
+
+<file path=ppt/slides/slide35.xml><?xml version="1.0" encoding="utf-8"?>
+<p:sld xmlns:a="http://schemas.openxmlformats.org/drawingml/2006/main" xmlns:r="http://schemas.openxmlformats.org/officeDocument/2006/relationships" xmlns:p="http://schemas.openxmlformats.org/presentationml/2006/main">
+  <p:cSld>
+    <p:spTree>
+      <p:nvGrpSpPr>
+        <p:cNvPr id="1" name=""/>
+        <p:cNvGrpSpPr/>
+        <p:nvPr/>
+      </p:nvGrpSpPr>
+      <p:grpSpPr>
+        <a:xfrm>
+          <a:off x="0" y="0"/>
+          <a:ext cx="0" cy="0"/>
+          <a:chOff x="0" y="0"/>
+          <a:chExt cx="0" cy="0"/>
+        </a:xfrm>
+      </p:grpSpPr>
+      <p:sp>
+        <p:nvSpPr>
+          <p:cNvPr id="10" name="Content Placeholder 9"/>
+          <p:cNvSpPr>
+            <a:spLocks noGrp="1"/>
+          </p:cNvSpPr>
+          <p:nvPr>
+            <p:ph sz="quarter" idx="10"/>
+          </p:nvPr>
+        </p:nvSpPr>
+        <p:spPr/>
+        <p:txBody>
+          <a:bodyPr/>
+          <a:lstStyle/>
+          <a:p>
+            <a:r>
+              <a:rPr lang="en-US" dirty="0" smtClean="0"/>
+              <a:t>platforms</a:t>
+            </a:r>
+            <a:r>
+              <a:rPr lang="en-US" dirty="0"/>
+              <a:t>:</a:t>
+            </a:r>
+          </a:p>
+          <a:p>
+            <a:r>
+              <a:rPr lang="en-US" dirty="0"/>
+              <a:t>#  - name: ubuntu-14.04</a:t>
+            </a:r>
+          </a:p>
+          <a:p>
+            <a:r>
+              <a:rPr lang="en-US" dirty="0"/>
+              <a:t>  - name: centos-6.7</a:t>
+            </a:r>
+          </a:p>
+          <a:p>
+            <a:endParaRPr lang="en-US" dirty="0"/>
+          </a:p>
+          <a:p>
+            <a:r>
+              <a:rPr lang="en-US" dirty="0"/>
+              <a:t>suites:</a:t>
+            </a:r>
+          </a:p>
+          <a:p>
+            <a:r>
+              <a:rPr lang="en-US" dirty="0"/>
+              <a:t>  - name: client</a:t>
+            </a:r>
+          </a:p>
+          <a:p>
+            <a:r>
+              <a:rPr lang="en-US" dirty="0"/>
+              <a:t>    run_list:</a:t>
+            </a:r>
+          </a:p>
+          <a:p>
+            <a:r>
+              <a:rPr lang="en-US" dirty="0"/>
+              <a:t>      - recipe[ssh::client]</a:t>
+            </a:r>
+          </a:p>
+          <a:p>
+            <a:r>
+              <a:rPr lang="en-US" dirty="0"/>
+              <a:t>    attributes:</a:t>
+            </a:r>
+          </a:p>
+          <a:p>
+            <a:endParaRPr lang="en-US" dirty="0"/>
+          </a:p>
+        </p:txBody>
+      </p:sp>
+      <p:sp>
+        <p:nvSpPr>
+          <p:cNvPr id="11" name="Text Placeholder 10"/>
+          <p:cNvSpPr>
+            <a:spLocks noGrp="1"/>
+          </p:cNvSpPr>
+          <p:nvPr>
+            <p:ph type="body" sz="quarter" idx="11"/>
+          </p:nvPr>
+        </p:nvSpPr>
+        <p:spPr>
+          <a:xfrm>
+            <a:off x="1121104" y="1337150"/>
+            <a:ext cx="14422528" cy="708878"/>
+          </a:xfrm>
+        </p:spPr>
+        <p:txBody>
+          <a:bodyPr/>
+          <a:lstStyle/>
+          <a:p>
+            <a:endParaRPr lang="en-US" dirty="0"/>
+          </a:p>
+          <a:p>
+            <a:r>
+              <a:rPr lang="en-US" dirty="0" smtClean="0"/>
+              <a:t>$ </a:t>
+            </a:r>
+            <a:r>
+              <a:rPr lang="en-US" dirty="0"/>
+              <a:t>~/cookbooks/ssh/.</a:t>
+            </a:r>
+            <a:r>
+              <a:rPr lang="en-US" dirty="0" err="1"/>
+              <a:t>kitchen.yml</a:t>
+            </a:r>
+            <a:endParaRPr lang="en-US" dirty="0"/>
+          </a:p>
+          <a:p>
+            <a:endParaRPr lang="en-US" dirty="0"/>
+          </a:p>
+        </p:txBody>
+      </p:sp>
+      <p:sp>
+        <p:nvSpPr>
+          <p:cNvPr id="5" name="Title 4"/>
+          <p:cNvSpPr>
+            <a:spLocks noGrp="1"/>
+          </p:cNvSpPr>
+          <p:nvPr>
+            <p:ph type="title"/>
+          </p:nvPr>
+        </p:nvSpPr>
+        <p:spPr/>
+        <p:txBody>
+          <a:bodyPr>
+            <a:normAutofit/>
+          </a:bodyPr>
+          <a:lstStyle/>
+          <a:p>
+            <a:r>
+              <a:rPr lang="en-US" dirty="0" smtClean="0"/>
+              <a:t>GE: Edit your .</a:t>
+            </a:r>
+            <a:r>
+              <a:rPr lang="en-US" dirty="0" err="1" smtClean="0"/>
+              <a:t>kitchen.yml</a:t>
+            </a:r>
+            <a:r>
+              <a:rPr lang="en-US" dirty="0" smtClean="0"/>
+              <a:t> -- Part 3</a:t>
+            </a:r>
+            <a:endParaRPr lang="en-US" dirty="0"/>
+          </a:p>
+        </p:txBody>
+      </p:sp>
+      <p:sp>
+        <p:nvSpPr>
+          <p:cNvPr id="7" name="Content Placeholder 5"/>
+          <p:cNvSpPr txBox="1">
+            <a:spLocks/>
+          </p:cNvSpPr>
+          <p:nvPr/>
+        </p:nvSpPr>
+        <p:spPr bwMode="white">
+          <a:xfrm>
+            <a:off x="1127883" y="4954388"/>
+            <a:ext cx="14420850" cy="503517"/>
+          </a:xfrm>
+          <a:prstGeom prst="rect">
+            <a:avLst/>
+          </a:prstGeom>
+          <a:solidFill>
+            <a:schemeClr val="accent1">
+              <a:alpha val="60000"/>
+            </a:schemeClr>
+          </a:solidFill>
+          <a:ln>
+            <a:solidFill>
+              <a:schemeClr val="accent1">
+                <a:lumMod val="75000"/>
+              </a:schemeClr>
+            </a:solidFill>
+          </a:ln>
+        </p:spPr>
+        <p:txBody>
+          <a:bodyPr vert="horz" wrap="square" lIns="0" tIns="0" rIns="0" bIns="0" rtlCol="0" anchor="ctr">
+            <a:noAutofit/>
+          </a:bodyPr>
+          <a:lstStyle>
+            <a:lvl1pPr algn="l" defTabSz="1217613" rtl="0" eaLnBrk="1" fontAlgn="base" hangingPunct="1">
+              <a:spcBef>
+                <a:spcPts val="800"/>
+              </a:spcBef>
+              <a:spcAft>
+                <a:spcPct val="0"/>
+              </a:spcAft>
+              <a:buSzPct val="90000"/>
+              <a:buFont typeface="Arial" charset="0"/>
+              <a:defRPr sz="4200" kern="1200" baseline="0">
+                <a:solidFill>
+                  <a:schemeClr val="bg2"/>
+                </a:solidFill>
+                <a:latin typeface="Courier New"/>
+                <a:ea typeface="ＭＳ Ｐゴシック" charset="0"/>
+                <a:cs typeface="Courier New"/>
+              </a:defRPr>
+            </a:lvl1pPr>
+            <a:lvl2pPr marL="307975" algn="l" defTabSz="1217613" rtl="0" eaLnBrk="1" fontAlgn="base" hangingPunct="1">
+              <a:spcBef>
+                <a:spcPts val="800"/>
+              </a:spcBef>
+              <a:spcAft>
+                <a:spcPct val="0"/>
+              </a:spcAft>
+              <a:buSzPct val="90000"/>
+              <a:buFont typeface="Arial" charset="0"/>
+              <a:defRPr sz="2800" kern="1200">
+                <a:solidFill>
+                  <a:srgbClr val="3E4346"/>
+                </a:solidFill>
+                <a:latin typeface="+mn-lt"/>
+                <a:ea typeface="ＭＳ Ｐゴシック" charset="0"/>
+                <a:cs typeface="+mn-cs"/>
+              </a:defRPr>
+            </a:lvl2pPr>
+            <a:lvl3pPr marL="608013" algn="l" defTabSz="1217613" rtl="0" eaLnBrk="1" fontAlgn="base" hangingPunct="1">
+              <a:spcBef>
+                <a:spcPts val="800"/>
+              </a:spcBef>
+              <a:spcAft>
+                <a:spcPct val="0"/>
+              </a:spcAft>
+              <a:buSzPct val="90000"/>
+              <a:buFont typeface="Arial" charset="0"/>
+              <a:defRPr sz="2400" kern="1200">
+                <a:solidFill>
+                  <a:srgbClr val="3E4346"/>
+                </a:solidFill>
+                <a:latin typeface="+mn-lt"/>
+                <a:ea typeface="ＭＳ Ｐゴシック" charset="0"/>
+                <a:cs typeface="+mn-cs"/>
+              </a:defRPr>
+            </a:lvl3pPr>
+            <a:lvl4pPr marL="839788" algn="l" defTabSz="1217613" rtl="0" eaLnBrk="1" fontAlgn="base" hangingPunct="1">
+              <a:spcBef>
+                <a:spcPts val="800"/>
+              </a:spcBef>
+              <a:spcAft>
+                <a:spcPct val="0"/>
+              </a:spcAft>
+              <a:buSzPct val="90000"/>
+              <a:buFont typeface="Arial" charset="0"/>
+              <a:defRPr sz="2400" kern="1200">
+                <a:solidFill>
+                  <a:srgbClr val="3E4346"/>
+                </a:solidFill>
+                <a:latin typeface="+mn-lt"/>
+                <a:ea typeface="ＭＳ Ｐゴシック" charset="0"/>
+                <a:cs typeface="+mn-cs"/>
+              </a:defRPr>
+            </a:lvl4pPr>
+            <a:lvl5pPr marL="1068388" algn="l" defTabSz="1217613" rtl="0" eaLnBrk="1" fontAlgn="base" hangingPunct="1">
+              <a:spcBef>
+                <a:spcPts val="800"/>
+              </a:spcBef>
+              <a:spcAft>
+                <a:spcPct val="0"/>
+              </a:spcAft>
+              <a:buSzPct val="90000"/>
+              <a:buFont typeface="Arial" charset="0"/>
+              <a:defRPr sz="2000" kern="1200">
+                <a:solidFill>
+                  <a:srgbClr val="3E4346"/>
+                </a:solidFill>
+                <a:latin typeface="+mn-lt"/>
+                <a:ea typeface="ＭＳ Ｐゴシック" charset="0"/>
+                <a:cs typeface="+mn-cs"/>
+              </a:defRPr>
+            </a:lvl5pPr>
+            <a:lvl6pPr marL="3352582" indent="-304780" algn="l" defTabSz="1219120" rtl="0" eaLnBrk="1" latinLnBrk="0" hangingPunct="1">
+              <a:spcBef>
+                <a:spcPct val="20000"/>
+              </a:spcBef>
+              <a:buFont typeface="Arial" pitchFamily="34" charset="0"/>
+              <a:buChar char="•"/>
+              <a:defRPr sz="2667" kern="1200">
+                <a:solidFill>
+                  <a:schemeClr val="tx1"/>
+                </a:solidFill>
+                <a:latin typeface="+mn-lt"/>
+                <a:ea typeface="+mn-ea"/>
+                <a:cs typeface="+mn-cs"/>
+              </a:defRPr>
+            </a:lvl6pPr>
+            <a:lvl7pPr marL="3962142" indent="-304780" algn="l" defTabSz="1219120" rtl="0" eaLnBrk="1" latinLnBrk="0" hangingPunct="1">
+              <a:spcBef>
+                <a:spcPct val="20000"/>
+              </a:spcBef>
+              <a:buFont typeface="Arial" pitchFamily="34" charset="0"/>
+              <a:buChar char="•"/>
+              <a:defRPr sz="2667" kern="1200">
+                <a:solidFill>
+                  <a:schemeClr val="tx1"/>
+                </a:solidFill>
+                <a:latin typeface="+mn-lt"/>
+                <a:ea typeface="+mn-ea"/>
+                <a:cs typeface="+mn-cs"/>
+              </a:defRPr>
+            </a:lvl7pPr>
+            <a:lvl8pPr marL="4571703" indent="-304780" algn="l" defTabSz="1219120" rtl="0" eaLnBrk="1" latinLnBrk="0" hangingPunct="1">
+              <a:spcBef>
+                <a:spcPct val="20000"/>
+              </a:spcBef>
+              <a:buFont typeface="Arial" pitchFamily="34" charset="0"/>
+              <a:buChar char="•"/>
+              <a:defRPr sz="2667" kern="1200">
+                <a:solidFill>
+                  <a:schemeClr val="tx1"/>
+                </a:solidFill>
+                <a:latin typeface="+mn-lt"/>
+                <a:ea typeface="+mn-ea"/>
+                <a:cs typeface="+mn-cs"/>
+              </a:defRPr>
+            </a:lvl8pPr>
+            <a:lvl9pPr marL="5181264" indent="-304780" algn="l" defTabSz="1219120" rtl="0" eaLnBrk="1" latinLnBrk="0" hangingPunct="1">
+              <a:spcBef>
+                <a:spcPct val="20000"/>
+              </a:spcBef>
+              <a:buFont typeface="Arial" pitchFamily="34" charset="0"/>
+              <a:buChar char="•"/>
+              <a:defRPr sz="2667" kern="1200">
+                <a:solidFill>
+                  <a:schemeClr val="tx1"/>
+                </a:solidFill>
+                <a:latin typeface="+mn-lt"/>
+                <a:ea typeface="+mn-ea"/>
+                <a:cs typeface="+mn-cs"/>
+              </a:defRPr>
+            </a:lvl9pPr>
+          </a:lstStyle>
+          <a:p>
+            <a:r>
+              <a:rPr lang="en-US" smtClean="0"/>
+              <a:t> </a:t>
+            </a:r>
+            <a:endParaRPr lang="en-US" dirty="0" smtClean="0"/>
+          </a:p>
+        </p:txBody>
+      </p:sp>
+      <p:sp>
+        <p:nvSpPr>
+          <p:cNvPr id="8" name="Content Placeholder 5"/>
+          <p:cNvSpPr txBox="1">
+            <a:spLocks/>
+          </p:cNvSpPr>
+          <p:nvPr/>
+        </p:nvSpPr>
+        <p:spPr bwMode="white">
+          <a:xfrm>
+            <a:off x="1143123" y="5975468"/>
+            <a:ext cx="14420850" cy="503517"/>
+          </a:xfrm>
+          <a:prstGeom prst="rect">
+            <a:avLst/>
+          </a:prstGeom>
+          <a:solidFill>
+            <a:schemeClr val="accent1">
+              <a:alpha val="60000"/>
+            </a:schemeClr>
+          </a:solidFill>
+          <a:ln>
+            <a:solidFill>
+              <a:schemeClr val="accent1">
+                <a:lumMod val="75000"/>
+              </a:schemeClr>
+            </a:solidFill>
+          </a:ln>
+        </p:spPr>
+        <p:txBody>
+          <a:bodyPr vert="horz" wrap="square" lIns="0" tIns="0" rIns="0" bIns="0" rtlCol="0" anchor="ctr">
+            <a:noAutofit/>
+          </a:bodyPr>
+          <a:lstStyle>
+            <a:lvl1pPr algn="l" defTabSz="1217613" rtl="0" eaLnBrk="1" fontAlgn="base" hangingPunct="1">
+              <a:spcBef>
+                <a:spcPts val="800"/>
+              </a:spcBef>
+              <a:spcAft>
+                <a:spcPct val="0"/>
+              </a:spcAft>
+              <a:buSzPct val="90000"/>
+              <a:buFont typeface="Arial" charset="0"/>
+              <a:defRPr sz="4200" kern="1200" baseline="0">
+                <a:solidFill>
+                  <a:schemeClr val="bg2"/>
+                </a:solidFill>
+                <a:latin typeface="Courier New"/>
+                <a:ea typeface="ＭＳ Ｐゴシック" charset="0"/>
+                <a:cs typeface="Courier New"/>
+              </a:defRPr>
+            </a:lvl1pPr>
+            <a:lvl2pPr marL="307975" algn="l" defTabSz="1217613" rtl="0" eaLnBrk="1" fontAlgn="base" hangingPunct="1">
+              <a:spcBef>
+                <a:spcPts val="800"/>
+              </a:spcBef>
+              <a:spcAft>
+                <a:spcPct val="0"/>
+              </a:spcAft>
+              <a:buSzPct val="90000"/>
+              <a:buFont typeface="Arial" charset="0"/>
+              <a:defRPr sz="2800" kern="1200">
+                <a:solidFill>
+                  <a:srgbClr val="3E4346"/>
+                </a:solidFill>
+                <a:latin typeface="+mn-lt"/>
+                <a:ea typeface="ＭＳ Ｐゴシック" charset="0"/>
+                <a:cs typeface="+mn-cs"/>
+              </a:defRPr>
+            </a:lvl2pPr>
+            <a:lvl3pPr marL="608013" algn="l" defTabSz="1217613" rtl="0" eaLnBrk="1" fontAlgn="base" hangingPunct="1">
+              <a:spcBef>
+                <a:spcPts val="800"/>
+              </a:spcBef>
+              <a:spcAft>
+                <a:spcPct val="0"/>
+              </a:spcAft>
+              <a:buSzPct val="90000"/>
+              <a:buFont typeface="Arial" charset="0"/>
+              <a:defRPr sz="2400" kern="1200">
+                <a:solidFill>
+                  <a:srgbClr val="3E4346"/>
+                </a:solidFill>
+                <a:latin typeface="+mn-lt"/>
+                <a:ea typeface="ＭＳ Ｐゴシック" charset="0"/>
+                <a:cs typeface="+mn-cs"/>
+              </a:defRPr>
+            </a:lvl3pPr>
+            <a:lvl4pPr marL="839788" algn="l" defTabSz="1217613" rtl="0" eaLnBrk="1" fontAlgn="base" hangingPunct="1">
+              <a:spcBef>
+                <a:spcPts val="800"/>
+              </a:spcBef>
+              <a:spcAft>
+                <a:spcPct val="0"/>
+              </a:spcAft>
+              <a:buSzPct val="90000"/>
+              <a:buFont typeface="Arial" charset="0"/>
+              <a:defRPr sz="2400" kern="1200">
+                <a:solidFill>
+                  <a:srgbClr val="3E4346"/>
+                </a:solidFill>
+                <a:latin typeface="+mn-lt"/>
+                <a:ea typeface="ＭＳ Ｐゴシック" charset="0"/>
+                <a:cs typeface="+mn-cs"/>
+              </a:defRPr>
+            </a:lvl4pPr>
+            <a:lvl5pPr marL="1068388" algn="l" defTabSz="1217613" rtl="0" eaLnBrk="1" fontAlgn="base" hangingPunct="1">
+              <a:spcBef>
+                <a:spcPts val="800"/>
+              </a:spcBef>
+              <a:spcAft>
+                <a:spcPct val="0"/>
+              </a:spcAft>
+              <a:buSzPct val="90000"/>
+              <a:buFont typeface="Arial" charset="0"/>
+              <a:defRPr sz="2000" kern="1200">
+                <a:solidFill>
+                  <a:srgbClr val="3E4346"/>
+                </a:solidFill>
+                <a:latin typeface="+mn-lt"/>
+                <a:ea typeface="ＭＳ Ｐゴシック" charset="0"/>
+                <a:cs typeface="+mn-cs"/>
+              </a:defRPr>
+            </a:lvl5pPr>
+            <a:lvl6pPr marL="3352582" indent="-304780" algn="l" defTabSz="1219120" rtl="0" eaLnBrk="1" latinLnBrk="0" hangingPunct="1">
+              <a:spcBef>
+                <a:spcPct val="20000"/>
+              </a:spcBef>
+              <a:buFont typeface="Arial" pitchFamily="34" charset="0"/>
+              <a:buChar char="•"/>
+              <a:defRPr sz="2667" kern="1200">
+                <a:solidFill>
+                  <a:schemeClr val="tx1"/>
+                </a:solidFill>
+                <a:latin typeface="+mn-lt"/>
+                <a:ea typeface="+mn-ea"/>
+                <a:cs typeface="+mn-cs"/>
+              </a:defRPr>
+            </a:lvl6pPr>
+            <a:lvl7pPr marL="3962142" indent="-304780" algn="l" defTabSz="1219120" rtl="0" eaLnBrk="1" latinLnBrk="0" hangingPunct="1">
+              <a:spcBef>
+                <a:spcPct val="20000"/>
+              </a:spcBef>
+              <a:buFont typeface="Arial" pitchFamily="34" charset="0"/>
+              <a:buChar char="•"/>
+              <a:defRPr sz="2667" kern="1200">
+                <a:solidFill>
+                  <a:schemeClr val="tx1"/>
+                </a:solidFill>
+                <a:latin typeface="+mn-lt"/>
+                <a:ea typeface="+mn-ea"/>
+                <a:cs typeface="+mn-cs"/>
+              </a:defRPr>
+            </a:lvl7pPr>
+            <a:lvl8pPr marL="4571703" indent="-304780" algn="l" defTabSz="1219120" rtl="0" eaLnBrk="1" latinLnBrk="0" hangingPunct="1">
+              <a:spcBef>
+                <a:spcPct val="20000"/>
+              </a:spcBef>
+              <a:buFont typeface="Arial" pitchFamily="34" charset="0"/>
+              <a:buChar char="•"/>
+              <a:defRPr sz="2667" kern="1200">
+                <a:solidFill>
+                  <a:schemeClr val="tx1"/>
+                </a:solidFill>
+                <a:latin typeface="+mn-lt"/>
+                <a:ea typeface="+mn-ea"/>
+                <a:cs typeface="+mn-cs"/>
+              </a:defRPr>
+            </a:lvl8pPr>
+            <a:lvl9pPr marL="5181264" indent="-304780" algn="l" defTabSz="1219120" rtl="0" eaLnBrk="1" latinLnBrk="0" hangingPunct="1">
+              <a:spcBef>
+                <a:spcPct val="20000"/>
+              </a:spcBef>
+              <a:buFont typeface="Arial" pitchFamily="34" charset="0"/>
+              <a:buChar char="•"/>
+              <a:defRPr sz="2667" kern="1200">
+                <a:solidFill>
+                  <a:schemeClr val="tx1"/>
+                </a:solidFill>
+                <a:latin typeface="+mn-lt"/>
+                <a:ea typeface="+mn-ea"/>
+                <a:cs typeface="+mn-cs"/>
+              </a:defRPr>
+            </a:lvl9pPr>
+          </a:lstStyle>
+          <a:p>
+            <a:r>
+              <a:rPr lang="en-US" smtClean="0"/>
+              <a:t> </a:t>
+            </a:r>
+            <a:endParaRPr lang="en-US" dirty="0" smtClean="0"/>
+          </a:p>
+        </p:txBody>
+      </p:sp>
+    </p:spTree>
+    <p:extLst>
+      <p:ext uri="{BB962C8B-B14F-4D97-AF65-F5344CB8AC3E}">
+        <p14:creationId xmlns:p14="http://schemas.microsoft.com/office/powerpoint/2010/main" val="3051012957"/>
+      </p:ext>
+    </p:extLst>
+  </p:cSld>
+  <p:clrMapOvr>
+    <a:masterClrMapping/>
+  </p:clrMapOvr>
+  <p:transition spd="med">
+    <p:fade/>
+  </p:transition>
+  <p:timing>
+    <p:tnLst>
+      <p:par>
+        <p:cTn id="1" dur="indefinite" restart="never" nodeType="tmRoot"/>
+      </p:par>
+    </p:tnLst>
+  </p:timing>
+</p:sld>
+</file>
+
+<file path=ppt/slides/slide36.xml><?xml version="1.0" encoding="utf-8"?>
+<p:sld xmlns:a="http://schemas.openxmlformats.org/drawingml/2006/main" xmlns:r="http://schemas.openxmlformats.org/officeDocument/2006/relationships" xmlns:p="http://schemas.openxmlformats.org/presentationml/2006/main">
+  <p:cSld>
+    <p:spTree>
+      <p:nvGrpSpPr>
+        <p:cNvPr id="1" name=""/>
+        <p:cNvGrpSpPr/>
+        <p:nvPr/>
+      </p:nvGrpSpPr>
+      <p:grpSpPr>
+        <a:xfrm>
+          <a:off x="0" y="0"/>
+          <a:ext cx="0" cy="0"/>
+          <a:chOff x="0" y="0"/>
+          <a:chExt cx="0" cy="0"/>
+        </a:xfrm>
+      </p:grpSpPr>
+      <p:sp>
+        <p:nvSpPr>
+          <p:cNvPr id="10" name="Content Placeholder 9"/>
+          <p:cNvSpPr>
+            <a:spLocks noGrp="1"/>
+          </p:cNvSpPr>
+          <p:nvPr>
+            <p:ph sz="quarter" idx="10"/>
+          </p:nvPr>
+        </p:nvSpPr>
+        <p:spPr/>
+        <p:txBody>
+          <a:bodyPr/>
+          <a:lstStyle/>
+          <a:p>
+            <a:r>
+              <a:rPr lang="en-US" sz="2400" b="1" dirty="0" smtClean="0"/>
+              <a:t>Instance          </a:t>
+            </a:r>
+            <a:r>
+              <a:rPr lang="en-US" sz="2400" b="1" dirty="0"/>
+              <a:t>Driver  </a:t>
+            </a:r>
+            <a:r>
+              <a:rPr lang="en-US" sz="2400" b="1" dirty="0" err="1"/>
+              <a:t>Provisioner</a:t>
+            </a:r>
+            <a:r>
+              <a:rPr lang="en-US" sz="2400" b="1" dirty="0"/>
+              <a:t>  Verifier  Transport  Last Action</a:t>
+            </a:r>
+          </a:p>
+          <a:p>
+            <a:r>
+              <a:rPr lang="en-US" sz="2400" b="1" dirty="0"/>
+              <a:t>client-centos-67  Docker  </a:t>
+            </a:r>
+            <a:r>
+              <a:rPr lang="en-US" sz="2400" b="1" dirty="0" err="1"/>
+              <a:t>ChefZero</a:t>
+            </a:r>
+            <a:r>
+              <a:rPr lang="en-US" sz="2400" b="1" dirty="0"/>
+              <a:t>     Busser    Ssh        &lt;Not Created&gt; </a:t>
+            </a:r>
+            <a:r>
+              <a:rPr lang="en-US" sz="2400" dirty="0"/>
+              <a:t>:</a:t>
+            </a:r>
+          </a:p>
+          <a:p>
+            <a:endParaRPr lang="en-US" dirty="0"/>
+          </a:p>
+        </p:txBody>
+      </p:sp>
+      <p:sp>
+        <p:nvSpPr>
+          <p:cNvPr id="11" name="Text Placeholder 10"/>
+          <p:cNvSpPr>
+            <a:spLocks noGrp="1"/>
+          </p:cNvSpPr>
+          <p:nvPr>
+            <p:ph type="body" sz="quarter" idx="11"/>
+          </p:nvPr>
+        </p:nvSpPr>
+        <p:spPr>
+          <a:xfrm>
+            <a:off x="1121104" y="1337150"/>
+            <a:ext cx="14422528" cy="708878"/>
+          </a:xfrm>
+        </p:spPr>
+        <p:txBody>
+          <a:bodyPr/>
+          <a:lstStyle/>
+          <a:p>
+            <a:endParaRPr lang="en-US" dirty="0"/>
+          </a:p>
+          <a:p>
+            <a:r>
+              <a:rPr lang="en-US" dirty="0" smtClean="0"/>
+              <a:t>$ kitchen list</a:t>
+            </a:r>
+            <a:endParaRPr lang="en-US" dirty="0"/>
+          </a:p>
+          <a:p>
+            <a:endParaRPr lang="en-US" dirty="0"/>
+          </a:p>
+        </p:txBody>
+      </p:sp>
+      <p:sp>
+        <p:nvSpPr>
+          <p:cNvPr id="5" name="Title 4"/>
+          <p:cNvSpPr>
+            <a:spLocks noGrp="1"/>
+          </p:cNvSpPr>
+          <p:nvPr>
+            <p:ph type="title"/>
+          </p:nvPr>
+        </p:nvSpPr>
+        <p:spPr/>
+        <p:txBody>
+          <a:bodyPr>
+            <a:normAutofit fontScale="90000"/>
+          </a:bodyPr>
+          <a:lstStyle/>
+          <a:p>
+            <a:r>
+              <a:rPr lang="en-US" dirty="0" smtClean="0"/>
+              <a:t>GE: Run `kitchen list` </a:t>
+            </a:r>
+            <a:r>
+              <a:rPr lang="en-US" dirty="0"/>
+              <a:t>from </a:t>
+            </a:r>
+            <a:r>
+              <a:rPr lang="en-US" dirty="0" smtClean="0"/>
+              <a:t>~/cookbooks/ssh/</a:t>
+            </a:r>
+            <a:r>
+              <a:rPr lang="en-US" dirty="0"/>
+              <a:t/>
+            </a:r>
+            <a:br>
+              <a:rPr lang="en-US" dirty="0"/>
+            </a:br>
+            <a:endParaRPr lang="en-US" dirty="0"/>
+          </a:p>
+        </p:txBody>
+      </p:sp>
+    </p:spTree>
+    <p:extLst>
+      <p:ext uri="{BB962C8B-B14F-4D97-AF65-F5344CB8AC3E}">
+        <p14:creationId xmlns:p14="http://schemas.microsoft.com/office/powerpoint/2010/main" val="2616885174"/>
+      </p:ext>
+    </p:extLst>
+  </p:cSld>
+  <p:clrMapOvr>
+    <a:masterClrMapping/>
+  </p:clrMapOvr>
+  <p:transition spd="med">
+    <p:fade/>
+  </p:transition>
+  <p:timing>
+    <p:tnLst>
+      <p:par>
+        <p:cTn id="1" dur="indefinite" restart="never" nodeType="tmRoot"/>
+      </p:par>
+    </p:tnLst>
+  </p:timing>
+</p:sld>
+</file>
+
+<file path=ppt/slides/slide37.xml><?xml version="1.0" encoding="utf-8"?>
+<p:sld xmlns:a="http://schemas.openxmlformats.org/drawingml/2006/main" xmlns:r="http://schemas.openxmlformats.org/officeDocument/2006/relationships" xmlns:p="http://schemas.openxmlformats.org/presentationml/2006/main">
+  <p:cSld>
+    <p:spTree>
+      <p:nvGrpSpPr>
+        <p:cNvPr id="1" name=""/>
+        <p:cNvGrpSpPr/>
+        <p:nvPr/>
+      </p:nvGrpSpPr>
+      <p:grpSpPr>
+        <a:xfrm>
+          <a:off x="0" y="0"/>
+          <a:ext cx="0" cy="0"/>
+          <a:chOff x="0" y="0"/>
+          <a:chExt cx="0" cy="0"/>
+        </a:xfrm>
+      </p:grpSpPr>
+      <p:sp>
+        <p:nvSpPr>
+          <p:cNvPr id="10" name="Content Placeholder 9"/>
+          <p:cNvSpPr>
+            <a:spLocks noGrp="1"/>
+          </p:cNvSpPr>
+          <p:nvPr>
+            <p:ph sz="quarter" idx="10"/>
+          </p:nvPr>
+        </p:nvSpPr>
+        <p:spPr/>
+        <p:txBody>
+          <a:bodyPr/>
+          <a:lstStyle/>
+          <a:p>
+            <a:r>
+              <a:rPr lang="en-US" sz="2400" b="1" dirty="0"/>
+              <a:t>-----&gt; Starting Kitchen (v1.4.2)</a:t>
+            </a:r>
+          </a:p>
+          <a:p>
+            <a:r>
+              <a:rPr lang="en-US" sz="2400" b="1" dirty="0"/>
+              <a:t>-----&gt; Creating &lt;client-centos-67&gt;...</a:t>
+            </a:r>
+          </a:p>
+          <a:p>
+            <a:r>
+              <a:rPr lang="en-US" sz="2400" b="1" dirty="0"/>
+              <a:t>       Sending build context to Docker daemon 32.26 kB</a:t>
+            </a:r>
+          </a:p>
+          <a:p>
+            <a:r>
+              <a:rPr lang="en-US" sz="2400" b="1" dirty="0"/>
+              <a:t>       Sending build context to Docker daemon</a:t>
+            </a:r>
+          </a:p>
+          <a:p>
+            <a:r>
+              <a:rPr lang="en-US" sz="2400" b="1" dirty="0"/>
+              <a:t>       Step 0 : FROM centos:centos6</a:t>
+            </a:r>
+          </a:p>
+          <a:p>
+            <a:r>
+              <a:rPr lang="en-US" sz="2400" b="1" dirty="0"/>
+              <a:t>        ---&gt; </a:t>
+            </a:r>
+            <a:r>
+              <a:rPr lang="en-US" sz="2400" b="1" dirty="0" smtClean="0"/>
+              <a:t>3bbbf0aca359</a:t>
+            </a:r>
+          </a:p>
+          <a:p>
+            <a:r>
+              <a:rPr lang="en-US" sz="2400" b="1" dirty="0" smtClean="0"/>
+              <a:t>...</a:t>
+            </a:r>
+          </a:p>
+          <a:p>
+            <a:r>
+              <a:rPr lang="en-US" sz="2400" b="1" dirty="0" smtClean="0"/>
+              <a:t> </a:t>
+            </a:r>
+            <a:r>
+              <a:rPr lang="en-US" sz="2400" b="1" dirty="0"/>
+              <a:t>Chef Client finished, 0/1 resources updated in 03 seconds</a:t>
+            </a:r>
+          </a:p>
+          <a:p>
+            <a:r>
+              <a:rPr lang="en-US" sz="2400" b="1" dirty="0"/>
+              <a:t>       Finished converging &lt;client-centos-67&gt; (0m28.27s).</a:t>
+            </a:r>
+          </a:p>
+          <a:p>
+            <a:r>
+              <a:rPr lang="en-US" sz="2400" b="1" dirty="0"/>
+              <a:t>-----&gt; Kitchen is finished. (0m30.32s)</a:t>
+            </a:r>
+          </a:p>
+          <a:p>
+            <a:r>
+              <a:rPr lang="en-US" sz="2400" b="1" dirty="0" err="1"/>
+              <a:t>zlib</a:t>
+            </a:r>
+            <a:r>
+              <a:rPr lang="en-US" sz="2400" b="1" dirty="0"/>
+              <a:t>(finalizer): the stream was freed prematurely.</a:t>
+            </a:r>
+            <a:endParaRPr lang="en-US" sz="2400" b="1" dirty="0" smtClean="0"/>
+          </a:p>
+        </p:txBody>
+      </p:sp>
+      <p:sp>
+        <p:nvSpPr>
+          <p:cNvPr id="11" name="Text Placeholder 10"/>
+          <p:cNvSpPr>
+            <a:spLocks noGrp="1"/>
+          </p:cNvSpPr>
+          <p:nvPr>
+            <p:ph type="body" sz="quarter" idx="11"/>
+          </p:nvPr>
+        </p:nvSpPr>
+        <p:spPr>
+          <a:xfrm>
+            <a:off x="1121104" y="1337150"/>
+            <a:ext cx="14422528" cy="708878"/>
+          </a:xfrm>
+        </p:spPr>
+        <p:txBody>
+          <a:bodyPr/>
+          <a:lstStyle/>
+          <a:p>
+            <a:endParaRPr lang="en-US" dirty="0"/>
+          </a:p>
+          <a:p>
+            <a:r>
+              <a:rPr lang="en-US" dirty="0" smtClean="0"/>
+              <a:t>$ kitchen converge</a:t>
+            </a:r>
+            <a:endParaRPr lang="en-US" dirty="0"/>
+          </a:p>
+          <a:p>
+            <a:endParaRPr lang="en-US" dirty="0"/>
+          </a:p>
+        </p:txBody>
+      </p:sp>
+      <p:sp>
+        <p:nvSpPr>
+          <p:cNvPr id="5" name="Title 4"/>
+          <p:cNvSpPr>
+            <a:spLocks noGrp="1"/>
+          </p:cNvSpPr>
+          <p:nvPr>
+            <p:ph type="title"/>
+          </p:nvPr>
+        </p:nvSpPr>
+        <p:spPr/>
+        <p:txBody>
+          <a:bodyPr>
+            <a:normAutofit fontScale="90000"/>
+          </a:bodyPr>
+          <a:lstStyle/>
+          <a:p>
+            <a:r>
+              <a:rPr lang="en-US" dirty="0" smtClean="0"/>
+              <a:t>GE: Run `kitchen converge`</a:t>
+            </a:r>
+            <a:r>
+              <a:rPr lang="en-US" dirty="0"/>
+              <a:t/>
+            </a:r>
+            <a:br>
+              <a:rPr lang="en-US" dirty="0"/>
+            </a:br>
+            <a:endParaRPr lang="en-US" dirty="0"/>
+          </a:p>
+        </p:txBody>
+      </p:sp>
+    </p:spTree>
+    <p:extLst>
+      <p:ext uri="{BB962C8B-B14F-4D97-AF65-F5344CB8AC3E}">
+        <p14:creationId xmlns:p14="http://schemas.microsoft.com/office/powerpoint/2010/main" val="1913004562"/>
+      </p:ext>
+    </p:extLst>
+  </p:cSld>
+  <p:clrMapOvr>
+    <a:masterClrMapping/>
+  </p:clrMapOvr>
+  <p:transition spd="med">
+    <p:fade/>
+  </p:transition>
+  <p:timing>
+    <p:tnLst>
+      <p:par>
+        <p:cTn id="1" dur="indefinite" restart="never" nodeType="tmRoot"/>
+      </p:par>
+    </p:tnLst>
+  </p:timing>
+</p:sld>
+</file>
+
+<file path=ppt/slides/slide38.xml><?xml version="1.0" encoding="utf-8"?>
+<p:sld xmlns:a="http://schemas.openxmlformats.org/drawingml/2006/main" xmlns:r="http://schemas.openxmlformats.org/officeDocument/2006/relationships" xmlns:p="http://schemas.openxmlformats.org/presentationml/2006/main">
+  <p:cSld>
+    <p:spTree>
+      <p:nvGrpSpPr>
+        <p:cNvPr id="1" name=""/>
+        <p:cNvGrpSpPr/>
+        <p:nvPr/>
+      </p:nvGrpSpPr>
+      <p:grpSpPr>
+        <a:xfrm>
+          <a:off x="0" y="0"/>
+          <a:ext cx="0" cy="0"/>
+          <a:chOff x="0" y="0"/>
+          <a:chExt cx="0" cy="0"/>
+        </a:xfrm>
+      </p:grpSpPr>
+      <p:sp>
+        <p:nvSpPr>
+          <p:cNvPr id="2" name="Title 1"/>
+          <p:cNvSpPr>
+            <a:spLocks noGrp="1"/>
+          </p:cNvSpPr>
+          <p:nvPr>
+            <p:ph type="ctrTitle"/>
+          </p:nvPr>
+        </p:nvSpPr>
+        <p:spPr/>
+        <p:txBody>
+          <a:bodyPr>
+            <a:normAutofit fontScale="90000"/>
+          </a:bodyPr>
+          <a:lstStyle/>
+          <a:p>
+            <a:r>
+              <a:rPr lang="en-US" dirty="0" smtClean="0"/>
+              <a:t>What We've Done So Far</a:t>
+            </a:r>
+            <a:endParaRPr lang="en-US" dirty="0"/>
+          </a:p>
+        </p:txBody>
+      </p:sp>
+      <p:sp>
+        <p:nvSpPr>
+          <p:cNvPr id="3" name="Subtitle 2"/>
+          <p:cNvSpPr>
+            <a:spLocks noGrp="1"/>
+          </p:cNvSpPr>
+          <p:nvPr>
+            <p:ph type="subTitle" idx="1"/>
+          </p:nvPr>
+        </p:nvSpPr>
+        <p:spPr/>
+        <p:txBody>
+          <a:bodyPr/>
+          <a:lstStyle/>
+          <a:p>
+            <a:r>
+              <a:rPr lang="en-US" dirty="0" smtClean="0"/>
+              <a:t>In the preceding exercises, we began writing </a:t>
+            </a:r>
+            <a:r>
+              <a:rPr lang="en-US" dirty="0"/>
+              <a:t>a remediation recipe on </a:t>
+            </a:r>
+            <a:r>
+              <a:rPr lang="en-US" dirty="0" smtClean="0"/>
+              <a:t>our target node.</a:t>
+            </a:r>
+          </a:p>
+          <a:p>
+            <a:endParaRPr lang="en-US" dirty="0"/>
+          </a:p>
+          <a:p>
+            <a:r>
+              <a:rPr lang="en-US" dirty="0" smtClean="0"/>
+              <a:t>We also tested </a:t>
+            </a:r>
+            <a:r>
+              <a:rPr lang="en-US" dirty="0"/>
+              <a:t>the recipe with Test </a:t>
+            </a:r>
+            <a:r>
+              <a:rPr lang="en-US" dirty="0" smtClean="0"/>
+              <a:t>Kitchen.</a:t>
+            </a:r>
+          </a:p>
+          <a:p>
+            <a:endParaRPr lang="en-US" dirty="0"/>
+          </a:p>
+          <a:p>
+            <a:r>
+              <a:rPr lang="en-US" dirty="0" smtClean="0"/>
+              <a:t>But have we even addressed </a:t>
+            </a:r>
+            <a:r>
+              <a:rPr lang="en-US" dirty="0"/>
+              <a:t>the "Set the SSH protocol version to </a:t>
+            </a:r>
+            <a:r>
+              <a:rPr lang="en-US" dirty="0" smtClean="0"/>
+              <a:t>2" issue?</a:t>
+            </a:r>
+          </a:p>
+          <a:p>
+            <a:endParaRPr lang="en-US" dirty="0"/>
+          </a:p>
+        </p:txBody>
+      </p:sp>
+    </p:spTree>
+    <p:extLst>
+      <p:ext uri="{BB962C8B-B14F-4D97-AF65-F5344CB8AC3E}">
+        <p14:creationId xmlns:p14="http://schemas.microsoft.com/office/powerpoint/2010/main" val="94747643"/>
+      </p:ext>
+    </p:extLst>
+  </p:cSld>
+  <p:clrMapOvr>
+    <a:masterClrMapping/>
+  </p:clrMapOvr>
+  <p:transition spd="med">
+    <p:fade/>
+  </p:transition>
+</p:sld>
+</file>
+
+<file path=ppt/slides/slide39.xml><?xml version="1.0" encoding="utf-8"?>
+<p:sld xmlns:a="http://schemas.openxmlformats.org/drawingml/2006/main" xmlns:r="http://schemas.openxmlformats.org/officeDocument/2006/relationships" xmlns:p="http://schemas.openxmlformats.org/presentationml/2006/main">
+  <p:cSld>
+    <p:spTree>
+      <p:nvGrpSpPr>
+        <p:cNvPr id="1" name=""/>
+        <p:cNvGrpSpPr/>
+        <p:nvPr/>
+      </p:nvGrpSpPr>
+      <p:grpSpPr>
+        <a:xfrm>
+          <a:off x="0" y="0"/>
+          <a:ext cx="0" cy="0"/>
+          <a:chOff x="0" y="0"/>
+          <a:chExt cx="0" cy="0"/>
+        </a:xfrm>
+      </p:grpSpPr>
+      <p:sp>
+        <p:nvSpPr>
+          <p:cNvPr id="2" name="Title 1"/>
+          <p:cNvSpPr>
+            <a:spLocks noGrp="1"/>
+          </p:cNvSpPr>
+          <p:nvPr>
+            <p:ph type="ctrTitle"/>
+          </p:nvPr>
+        </p:nvSpPr>
+        <p:spPr/>
+        <p:txBody>
+          <a:bodyPr>
+            <a:normAutofit fontScale="90000"/>
+          </a:bodyPr>
+          <a:lstStyle/>
+          <a:p>
+            <a:r>
+              <a:rPr lang="en-US" dirty="0" err="1" smtClean="0"/>
+              <a:t>InSpec</a:t>
+            </a:r>
+            <a:r>
+              <a:rPr lang="en-US" dirty="0" smtClean="0"/>
+              <a:t> Verifier</a:t>
+            </a:r>
+            <a:endParaRPr lang="en-US" dirty="0"/>
+          </a:p>
+        </p:txBody>
+      </p:sp>
+      <p:sp>
+        <p:nvSpPr>
+          <p:cNvPr id="3" name="Subtitle 2"/>
+          <p:cNvSpPr>
+            <a:spLocks noGrp="1"/>
+          </p:cNvSpPr>
+          <p:nvPr>
+            <p:ph type="subTitle" idx="1"/>
+          </p:nvPr>
+        </p:nvSpPr>
+        <p:spPr/>
+        <p:txBody>
+          <a:bodyPr/>
+          <a:lstStyle/>
+          <a:p>
+            <a:r>
+              <a:rPr lang="en-US" dirty="0" smtClean="0"/>
+              <a:t>An </a:t>
+            </a:r>
+            <a:r>
+              <a:rPr lang="en-US" dirty="0" err="1" smtClean="0"/>
+              <a:t>InSpec</a:t>
+            </a:r>
+            <a:r>
+              <a:rPr lang="en-US" dirty="0" smtClean="0"/>
+              <a:t> verifier </a:t>
+            </a:r>
+            <a:r>
+              <a:rPr lang="en-US" dirty="0"/>
+              <a:t>is responsible for running tests post-converge to confirm that the instance is in a known/consistent state</a:t>
+            </a:r>
+            <a:r>
+              <a:rPr lang="en-US" dirty="0" smtClean="0"/>
+              <a:t>.</a:t>
+            </a:r>
+          </a:p>
+          <a:p>
+            <a:endParaRPr lang="en-US" dirty="0"/>
+          </a:p>
+          <a:p>
+            <a:r>
+              <a:rPr lang="en-US" dirty="0" err="1" smtClean="0"/>
+              <a:t>InSpec</a:t>
+            </a:r>
+            <a:r>
+              <a:rPr lang="en-US" dirty="0" smtClean="0"/>
+              <a:t> </a:t>
+            </a:r>
+            <a:r>
+              <a:rPr lang="en-US" dirty="0"/>
+              <a:t>can be used as a verifier for test </a:t>
+            </a:r>
+            <a:r>
+              <a:rPr lang="en-US" dirty="0" smtClean="0"/>
+              <a:t>kitchen. After </a:t>
+            </a:r>
+            <a:r>
+              <a:rPr lang="en-US" dirty="0"/>
+              <a:t>the converge, the kitchen verify step uses a verifier such as bats, </a:t>
+            </a:r>
+            <a:r>
+              <a:rPr lang="en-US" dirty="0" err="1"/>
+              <a:t>serverspec</a:t>
+            </a:r>
+            <a:r>
+              <a:rPr lang="en-US" dirty="0"/>
+              <a:t>, or </a:t>
+            </a:r>
+            <a:r>
+              <a:rPr lang="en-US" dirty="0" err="1"/>
+              <a:t>inspec</a:t>
+            </a:r>
+            <a:r>
+              <a:rPr lang="en-US" dirty="0"/>
+              <a:t> to verify the state of the test </a:t>
+            </a:r>
+            <a:r>
+              <a:rPr lang="en-US" dirty="0" smtClean="0"/>
+              <a:t>instance.</a:t>
+            </a:r>
+          </a:p>
+          <a:p>
+            <a:endParaRPr lang="en-US" dirty="0"/>
+          </a:p>
+        </p:txBody>
+      </p:sp>
+    </p:spTree>
+    <p:extLst>
+      <p:ext uri="{BB962C8B-B14F-4D97-AF65-F5344CB8AC3E}">
+        <p14:creationId xmlns:p14="http://schemas.microsoft.com/office/powerpoint/2010/main" val="1470440467"/>
+      </p:ext>
+    </p:extLst>
+  </p:cSld>
+  <p:clrMapOvr>
+    <a:masterClrMapping/>
+  </p:clrMapOvr>
+  <p:transition spd="med">
+    <p:fade/>
+  </p:transition>
+</p:sld>
+</file>
+
+<file path=ppt/slides/slide4.xml><?xml version="1.0" encoding="utf-8"?>
+<p:sld xmlns:a="http://schemas.openxmlformats.org/drawingml/2006/main" xmlns:r="http://schemas.openxmlformats.org/officeDocument/2006/relationships" xmlns:p="http://schemas.openxmlformats.org/presentationml/2006/main">
+  <p:cSld>
+    <p:spTree>
+      <p:nvGrpSpPr>
+        <p:cNvPr id="1" name=""/>
+        <p:cNvGrpSpPr/>
+        <p:nvPr/>
+      </p:nvGrpSpPr>
+      <p:grpSpPr>
+        <a:xfrm>
+          <a:off x="0" y="0"/>
+          <a:ext cx="0" cy="0"/>
+          <a:chOff x="0" y="0"/>
+          <a:chExt cx="0" cy="0"/>
+        </a:xfrm>
+      </p:grpSpPr>
+      <p:sp>
+        <p:nvSpPr>
+          <p:cNvPr id="2" name="Title 1"/>
+          <p:cNvSpPr>
+            <a:spLocks noGrp="1"/>
+          </p:cNvSpPr>
+          <p:nvPr>
+            <p:ph type="ctrTitle"/>
+          </p:nvPr>
+        </p:nvSpPr>
+        <p:spPr>
+          <a:xfrm>
+            <a:off x="1200150" y="2292126"/>
+            <a:ext cx="14211299" cy="1822674"/>
+          </a:xfrm>
+        </p:spPr>
+        <p:txBody>
+          <a:bodyPr>
+            <a:normAutofit fontScale="90000"/>
+          </a:bodyPr>
+          <a:lstStyle/>
+          <a:p>
+            <a:r>
+              <a:rPr lang="en-US" dirty="0" smtClean="0"/>
+              <a:t>Group Exercise: Adding a Node to Scan</a:t>
+            </a:r>
+            <a:endParaRPr lang="en-US" dirty="0"/>
+          </a:p>
+        </p:txBody>
+      </p:sp>
+      <p:sp>
+        <p:nvSpPr>
+          <p:cNvPr id="4" name="Text Placeholder 3"/>
+          <p:cNvSpPr>
+            <a:spLocks noGrp="1"/>
+          </p:cNvSpPr>
+          <p:nvPr>
+            <p:ph type="body" sz="quarter" idx="10"/>
+          </p:nvPr>
+        </p:nvSpPr>
+        <p:spPr/>
+        <p:txBody>
+          <a:bodyPr/>
+          <a:lstStyle/>
+          <a:p>
+            <a:pPr marL="342900" indent="-342900">
+              <a:buFont typeface="Wingdings" panose="05000000000000000000" pitchFamily="2" charset="2"/>
+              <a:buChar char="q"/>
+            </a:pPr>
+            <a:r>
+              <a:rPr lang="en-US" dirty="0" smtClean="0"/>
+              <a:t>Add a Node to Scan</a:t>
+            </a:r>
+          </a:p>
+          <a:p>
+            <a:pPr marL="342900" indent="-342900">
+              <a:buFont typeface="Wingdings" panose="05000000000000000000" pitchFamily="2" charset="2"/>
+              <a:buChar char="q"/>
+            </a:pPr>
+            <a:r>
+              <a:rPr lang="en-US" dirty="0" smtClean="0"/>
+              <a:t>Test connectivity</a:t>
+            </a:r>
+          </a:p>
+          <a:p>
+            <a:pPr marL="342900" indent="-342900">
+              <a:buFont typeface="Wingdings" panose="05000000000000000000" pitchFamily="2" charset="2"/>
+              <a:buChar char="q"/>
+            </a:pPr>
+            <a:r>
+              <a:rPr lang="en-US" dirty="0" smtClean="0"/>
+              <a:t>Run an initial scan</a:t>
+            </a:r>
+          </a:p>
+          <a:p>
+            <a:pPr marL="342900" indent="-342900">
+              <a:buFont typeface="Wingdings" panose="05000000000000000000" pitchFamily="2" charset="2"/>
+              <a:buChar char="q"/>
+            </a:pPr>
+            <a:endParaRPr lang="en-US" dirty="0" smtClean="0"/>
+          </a:p>
+          <a:p>
+            <a:pPr marL="342900" indent="-342900">
+              <a:buFont typeface="Wingdings" panose="05000000000000000000" pitchFamily="2" charset="2"/>
+              <a:buChar char="q"/>
+            </a:pPr>
+            <a:endParaRPr lang="en-US" dirty="0"/>
+          </a:p>
+        </p:txBody>
+      </p:sp>
+    </p:spTree>
+    <p:extLst>
+      <p:ext uri="{BB962C8B-B14F-4D97-AF65-F5344CB8AC3E}">
+        <p14:creationId xmlns:p14="http://schemas.microsoft.com/office/powerpoint/2010/main" val="1713764854"/>
+      </p:ext>
+    </p:extLst>
+  </p:cSld>
+  <p:clrMapOvr>
+    <a:masterClrMapping/>
+  </p:clrMapOvr>
+  <p:transition spd="med">
+    <p:fade/>
+  </p:transition>
+</p:sld>
+</file>
+
+<file path=ppt/slides/slide40.xml><?xml version="1.0" encoding="utf-8"?>
+<p:sld xmlns:a="http://schemas.openxmlformats.org/drawingml/2006/main" xmlns:r="http://schemas.openxmlformats.org/officeDocument/2006/relationships" xmlns:p="http://schemas.openxmlformats.org/presentationml/2006/main">
+  <p:cSld>
+    <p:spTree>
+      <p:nvGrpSpPr>
+        <p:cNvPr id="1" name=""/>
+        <p:cNvGrpSpPr/>
+        <p:nvPr/>
+      </p:nvGrpSpPr>
+      <p:grpSpPr>
+        <a:xfrm>
+          <a:off x="0" y="0"/>
+          <a:ext cx="0" cy="0"/>
+          <a:chOff x="0" y="0"/>
+          <a:chExt cx="0" cy="0"/>
+        </a:xfrm>
+      </p:grpSpPr>
+      <p:sp>
+        <p:nvSpPr>
+          <p:cNvPr id="2" name="Title 1"/>
+          <p:cNvSpPr>
+            <a:spLocks noGrp="1"/>
+          </p:cNvSpPr>
+          <p:nvPr>
+            <p:ph type="ctrTitle"/>
+          </p:nvPr>
+        </p:nvSpPr>
+        <p:spPr>
+          <a:xfrm>
+            <a:off x="1671637" y="2961599"/>
+            <a:ext cx="12319001" cy="852712"/>
+          </a:xfrm>
+        </p:spPr>
+        <p:txBody>
+          <a:bodyPr>
+            <a:normAutofit fontScale="90000"/>
+          </a:bodyPr>
+          <a:lstStyle/>
+          <a:p>
+            <a:r>
+              <a:rPr lang="en-US" dirty="0" smtClean="0"/>
+              <a:t>GE: Adding an </a:t>
+            </a:r>
+            <a:r>
+              <a:rPr lang="en-US" dirty="0" err="1" smtClean="0"/>
+              <a:t>InSpec</a:t>
+            </a:r>
+            <a:r>
+              <a:rPr lang="en-US" dirty="0" smtClean="0"/>
+              <a:t> Verification</a:t>
+            </a:r>
+            <a:endParaRPr lang="en-US" dirty="0"/>
+          </a:p>
+        </p:txBody>
+      </p:sp>
+      <p:sp>
+        <p:nvSpPr>
+          <p:cNvPr id="4" name="Text Placeholder 3"/>
+          <p:cNvSpPr>
+            <a:spLocks noGrp="1"/>
+          </p:cNvSpPr>
+          <p:nvPr>
+            <p:ph type="body" sz="quarter" idx="10"/>
+          </p:nvPr>
+        </p:nvSpPr>
+        <p:spPr/>
+        <p:txBody>
+          <a:bodyPr/>
+          <a:lstStyle/>
+          <a:p>
+            <a:pPr marL="342900" indent="-342900">
+              <a:buFont typeface="Wingdings" panose="05000000000000000000" pitchFamily="2" charset="2"/>
+              <a:buChar char="q"/>
+            </a:pPr>
+            <a:r>
+              <a:rPr lang="en-US" dirty="0" smtClean="0"/>
+              <a:t>TBD</a:t>
+            </a:r>
+          </a:p>
+          <a:p>
+            <a:pPr marL="342900" indent="-342900">
+              <a:buFont typeface="Wingdings" panose="05000000000000000000" pitchFamily="2" charset="2"/>
+              <a:buChar char="q"/>
+            </a:pPr>
+            <a:r>
+              <a:rPr lang="en-US" dirty="0" smtClean="0"/>
+              <a:t>Write a remediation recipe on that node.</a:t>
+            </a:r>
+          </a:p>
+          <a:p>
+            <a:pPr marL="342900" indent="-342900">
+              <a:buFont typeface="Wingdings" panose="05000000000000000000" pitchFamily="2" charset="2"/>
+              <a:buChar char="q"/>
+            </a:pPr>
+            <a:r>
+              <a:rPr lang="en-US" dirty="0" smtClean="0"/>
+              <a:t>Test the recipe with Test Kitchen.</a:t>
+            </a:r>
+            <a:endParaRPr lang="en-US" dirty="0"/>
+          </a:p>
+        </p:txBody>
+      </p:sp>
+    </p:spTree>
+    <p:extLst>
+      <p:ext uri="{BB962C8B-B14F-4D97-AF65-F5344CB8AC3E}">
+        <p14:creationId xmlns:p14="http://schemas.microsoft.com/office/powerpoint/2010/main" val="2425373303"/>
+      </p:ext>
+    </p:extLst>
+  </p:cSld>
+  <p:clrMapOvr>
+    <a:masterClrMapping/>
+  </p:clrMapOvr>
+  <p:transition spd="med">
+    <p:fade/>
+  </p:transition>
+</p:sld>
+</file>
+
+<file path=ppt/slides/slide41.xml><?xml version="1.0" encoding="utf-8"?>
+<p:sld xmlns:a="http://schemas.openxmlformats.org/drawingml/2006/main" xmlns:r="http://schemas.openxmlformats.org/officeDocument/2006/relationships" xmlns:p="http://schemas.openxmlformats.org/presentationml/2006/main">
+  <p:cSld>
+    <p:spTree>
+      <p:nvGrpSpPr>
+        <p:cNvPr id="1" name=""/>
+        <p:cNvGrpSpPr/>
+        <p:nvPr/>
+      </p:nvGrpSpPr>
+      <p:grpSpPr>
+        <a:xfrm>
+          <a:off x="0" y="0"/>
+          <a:ext cx="0" cy="0"/>
+          <a:chOff x="0" y="0"/>
+          <a:chExt cx="0" cy="0"/>
+        </a:xfrm>
+      </p:grpSpPr>
+      <p:sp>
+        <p:nvSpPr>
+          <p:cNvPr id="3" name="Text Placeholder 2"/>
+          <p:cNvSpPr>
+            <a:spLocks noGrp="1"/>
+          </p:cNvSpPr>
+          <p:nvPr>
+            <p:ph type="body" sz="quarter" idx="11"/>
+          </p:nvPr>
+        </p:nvSpPr>
+        <p:spPr/>
+        <p:txBody>
+          <a:bodyPr/>
+          <a:lstStyle/>
+          <a:p>
+            <a:r>
+              <a:rPr lang="en-US" dirty="0" smtClean="0"/>
+              <a:t>$ mkdir -p ~/cookbooks/ssh/test/integration/client/</a:t>
+            </a:r>
+            <a:r>
+              <a:rPr lang="en-US" dirty="0" err="1" smtClean="0"/>
+              <a:t>inspec</a:t>
+            </a:r>
+            <a:endParaRPr lang="en-US" dirty="0" smtClean="0"/>
+          </a:p>
+        </p:txBody>
+      </p:sp>
+      <p:sp>
+        <p:nvSpPr>
+          <p:cNvPr id="5" name="Title 4"/>
+          <p:cNvSpPr>
+            <a:spLocks noGrp="1"/>
+          </p:cNvSpPr>
+          <p:nvPr>
+            <p:ph type="title"/>
+          </p:nvPr>
+        </p:nvSpPr>
+        <p:spPr/>
+        <p:txBody>
+          <a:bodyPr/>
+          <a:lstStyle/>
+          <a:p>
+            <a:r>
+              <a:rPr lang="en-US" smtClean="0"/>
+              <a:t>GE: Create the `inspec` Directory</a:t>
+            </a:r>
+            <a:endParaRPr lang="en-US" dirty="0"/>
+          </a:p>
+        </p:txBody>
+      </p:sp>
+    </p:spTree>
+    <p:extLst>
+      <p:ext uri="{BB962C8B-B14F-4D97-AF65-F5344CB8AC3E}">
+        <p14:creationId xmlns:p14="http://schemas.microsoft.com/office/powerpoint/2010/main" val="3368399157"/>
+      </p:ext>
+    </p:extLst>
+  </p:cSld>
+  <p:clrMapOvr>
+    <a:masterClrMapping/>
+  </p:clrMapOvr>
+  <p:transition spd="med">
+    <p:fade/>
+  </p:transition>
+</p:sld>
+</file>
+
+<file path=ppt/slides/slide42.xml><?xml version="1.0" encoding="utf-8"?>
+<p:sld xmlns:a="http://schemas.openxmlformats.org/drawingml/2006/main" xmlns:r="http://schemas.openxmlformats.org/officeDocument/2006/relationships" xmlns:p="http://schemas.openxmlformats.org/presentationml/2006/main">
+  <p:cSld>
+    <p:spTree>
+      <p:nvGrpSpPr>
+        <p:cNvPr id="1" name=""/>
+        <p:cNvGrpSpPr/>
+        <p:nvPr/>
+      </p:nvGrpSpPr>
+      <p:grpSpPr>
+        <a:xfrm>
+          <a:off x="0" y="0"/>
+          <a:ext cx="0" cy="0"/>
+          <a:chOff x="0" y="0"/>
+          <a:chExt cx="0" cy="0"/>
+        </a:xfrm>
+      </p:grpSpPr>
+      <p:sp>
+        <p:nvSpPr>
+          <p:cNvPr id="2" name="Content Placeholder 1"/>
+          <p:cNvSpPr>
+            <a:spLocks noGrp="1"/>
+          </p:cNvSpPr>
+          <p:nvPr>
+            <p:ph sz="quarter" idx="10"/>
+          </p:nvPr>
+        </p:nvSpPr>
+        <p:spPr>
+          <a:xfrm>
+            <a:off x="1121104" y="2315962"/>
+            <a:ext cx="14423693" cy="5822197"/>
+          </a:xfrm>
+        </p:spPr>
+        <p:txBody>
+          <a:bodyPr/>
+          <a:lstStyle/>
+          <a:p>
+            <a:r>
+              <a:rPr lang="en-US" dirty="0" smtClean="0"/>
+              <a:t>control 'ssh-4' do</a:t>
+            </a:r>
+          </a:p>
+          <a:p>
+            <a:r>
+              <a:rPr lang="en-US" dirty="0" smtClean="0"/>
+              <a:t>  impact 1.0</a:t>
+            </a:r>
+          </a:p>
+          <a:p>
+            <a:r>
+              <a:rPr lang="en-US" dirty="0" smtClean="0"/>
+              <a:t>  title 'Client: Set SSH protocol version to 2'</a:t>
+            </a:r>
+          </a:p>
+          <a:p>
+            <a:r>
+              <a:rPr lang="en-US" dirty="0" smtClean="0"/>
+              <a:t>  </a:t>
+            </a:r>
+            <a:r>
+              <a:rPr lang="en-US" dirty="0" err="1" smtClean="0"/>
+              <a:t>desc</a:t>
+            </a:r>
+            <a:r>
+              <a:rPr lang="en-US" dirty="0" smtClean="0"/>
+              <a:t> "</a:t>
+            </a:r>
+          </a:p>
+          <a:p>
+            <a:r>
+              <a:rPr lang="en-US" dirty="0" smtClean="0"/>
+              <a:t>    Set the SSH protocol version to 2. Don't use legacy</a:t>
+            </a:r>
+          </a:p>
+          <a:p>
+            <a:r>
+              <a:rPr lang="en-US" dirty="0" smtClean="0"/>
+              <a:t>    insecure SSHv1 connections anymore.</a:t>
+            </a:r>
+          </a:p>
+          <a:p>
+            <a:r>
+              <a:rPr lang="en-US" dirty="0" smtClean="0"/>
+              <a:t>  "</a:t>
+            </a:r>
+          </a:p>
+          <a:p>
+            <a:r>
+              <a:rPr lang="en-US" dirty="0" smtClean="0"/>
+              <a:t>  describe </a:t>
+            </a:r>
+            <a:r>
+              <a:rPr lang="en-US" dirty="0" err="1" smtClean="0"/>
+              <a:t>ssh_config</a:t>
+            </a:r>
+            <a:r>
+              <a:rPr lang="en-US" dirty="0" smtClean="0"/>
+              <a:t> do</a:t>
+            </a:r>
+          </a:p>
+          <a:p>
+            <a:r>
+              <a:rPr lang="en-US" dirty="0" smtClean="0"/>
+              <a:t>    its('Protocol') { should </a:t>
+            </a:r>
+            <a:r>
+              <a:rPr lang="en-US" dirty="0" err="1" smtClean="0"/>
+              <a:t>eq</a:t>
+            </a:r>
+            <a:r>
+              <a:rPr lang="en-US" dirty="0" smtClean="0"/>
+              <a:t>('2') }</a:t>
+            </a:r>
+          </a:p>
+          <a:p>
+            <a:r>
+              <a:rPr lang="en-US" dirty="0" smtClean="0"/>
+              <a:t>  end</a:t>
+            </a:r>
+          </a:p>
+          <a:p>
+            <a:r>
+              <a:rPr lang="en-US" dirty="0" smtClean="0"/>
+              <a:t>end</a:t>
+            </a:r>
+            <a:endParaRPr lang="en-US" dirty="0"/>
+          </a:p>
+        </p:txBody>
+      </p:sp>
+      <p:sp>
+        <p:nvSpPr>
+          <p:cNvPr id="3" name="Text Placeholder 2"/>
+          <p:cNvSpPr>
+            <a:spLocks noGrp="1"/>
+          </p:cNvSpPr>
+          <p:nvPr>
+            <p:ph type="body" sz="quarter" idx="11"/>
+          </p:nvPr>
+        </p:nvSpPr>
+        <p:spPr/>
+        <p:txBody>
+          <a:bodyPr/>
+          <a:lstStyle/>
+          <a:p>
+            <a:r>
+              <a:rPr lang="en-US" smtClean="0"/>
+              <a:t>$ ~/cookbooks/ssh/test/integration/client/inspec/client_spec.rb</a:t>
+            </a:r>
+            <a:endParaRPr lang="en-US" dirty="0"/>
+          </a:p>
+        </p:txBody>
+      </p:sp>
+      <p:sp>
+        <p:nvSpPr>
+          <p:cNvPr id="5" name="Title 4"/>
+          <p:cNvSpPr>
+            <a:spLocks noGrp="1"/>
+          </p:cNvSpPr>
+          <p:nvPr>
+            <p:ph type="title"/>
+          </p:nvPr>
+        </p:nvSpPr>
+        <p:spPr/>
+        <p:txBody>
+          <a:bodyPr/>
+          <a:lstStyle/>
+          <a:p>
+            <a:r>
+              <a:rPr lang="en-US" dirty="0" smtClean="0"/>
+              <a:t>GE: Create the `</a:t>
+            </a:r>
+            <a:r>
+              <a:rPr lang="en-US" dirty="0" err="1" smtClean="0"/>
+              <a:t>client_spec.rb</a:t>
+            </a:r>
+            <a:r>
+              <a:rPr lang="en-US" dirty="0" smtClean="0"/>
+              <a:t>' file</a:t>
+            </a:r>
+            <a:endParaRPr lang="en-US" dirty="0"/>
+          </a:p>
+        </p:txBody>
+      </p:sp>
+    </p:spTree>
+    <p:extLst>
+      <p:ext uri="{BB962C8B-B14F-4D97-AF65-F5344CB8AC3E}">
+        <p14:creationId xmlns:p14="http://schemas.microsoft.com/office/powerpoint/2010/main" val="2216193123"/>
+      </p:ext>
+    </p:extLst>
+  </p:cSld>
+  <p:clrMapOvr>
+    <a:masterClrMapping/>
+  </p:clrMapOvr>
+  <p:transition spd="med">
+    <p:fade/>
+  </p:transition>
+</p:sld>
+</file>
+
+<file path=ppt/slides/slide43.xml><?xml version="1.0" encoding="utf-8"?>
+<p:sld xmlns:a="http://schemas.openxmlformats.org/drawingml/2006/main" xmlns:r="http://schemas.openxmlformats.org/officeDocument/2006/relationships" xmlns:p="http://schemas.openxmlformats.org/presentationml/2006/main">
+  <p:cSld>
+    <p:spTree>
+      <p:nvGrpSpPr>
+        <p:cNvPr id="1" name=""/>
+        <p:cNvGrpSpPr/>
+        <p:nvPr/>
+      </p:nvGrpSpPr>
+      <p:grpSpPr>
+        <a:xfrm>
+          <a:off x="0" y="0"/>
+          <a:ext cx="0" cy="0"/>
+          <a:chOff x="0" y="0"/>
+          <a:chExt cx="0" cy="0"/>
+        </a:xfrm>
+      </p:grpSpPr>
+      <p:sp>
+        <p:nvSpPr>
+          <p:cNvPr id="2" name="Title 1"/>
+          <p:cNvSpPr>
+            <a:spLocks noGrp="1"/>
+          </p:cNvSpPr>
+          <p:nvPr>
+            <p:ph type="title"/>
+          </p:nvPr>
+        </p:nvSpPr>
+        <p:spPr/>
+        <p:txBody>
+          <a:bodyPr>
+            <a:normAutofit fontScale="90000"/>
+          </a:bodyPr>
+          <a:lstStyle/>
+          <a:p>
+            <a:r>
+              <a:rPr lang="en-US" dirty="0" smtClean="0"/>
+              <a:t>Example of Creating </a:t>
+            </a:r>
+            <a:r>
+              <a:rPr lang="en-US" dirty="0"/>
+              <a:t>the `</a:t>
+            </a:r>
+            <a:r>
+              <a:rPr lang="en-US" dirty="0" err="1" smtClean="0"/>
+              <a:t>client_spec.rb</a:t>
+            </a:r>
+            <a:r>
+              <a:rPr lang="en-US" dirty="0" smtClean="0"/>
+              <a:t>' </a:t>
+            </a:r>
+            <a:r>
+              <a:rPr lang="en-US" dirty="0"/>
+              <a:t>file</a:t>
+            </a:r>
+          </a:p>
+        </p:txBody>
+      </p:sp>
+      <p:sp>
+        <p:nvSpPr>
+          <p:cNvPr id="3" name="Text Placeholder 2"/>
+          <p:cNvSpPr>
+            <a:spLocks noGrp="1"/>
+          </p:cNvSpPr>
+          <p:nvPr>
+            <p:ph type="body" sz="quarter" idx="12"/>
+          </p:nvPr>
+        </p:nvSpPr>
+        <p:spPr>
+          <a:xfrm>
+            <a:off x="650040" y="1330419"/>
+            <a:ext cx="14894760" cy="1892842"/>
+          </a:xfrm>
+        </p:spPr>
+        <p:txBody>
+          <a:bodyPr/>
+          <a:lstStyle/>
+          <a:p>
+            <a:r>
+              <a:rPr lang="en-US" dirty="0" smtClean="0"/>
+              <a:t>One handy way to populate the preceding </a:t>
+            </a:r>
+            <a:r>
+              <a:rPr lang="en-US" dirty="0"/>
+              <a:t>`</a:t>
+            </a:r>
+            <a:r>
+              <a:rPr lang="en-US" dirty="0" err="1" smtClean="0"/>
+              <a:t>client_spec.rb</a:t>
+            </a:r>
+            <a:r>
+              <a:rPr lang="en-US" dirty="0" smtClean="0"/>
+              <a:t>' is to use the Compliance Web UI and copy the </a:t>
+            </a:r>
+            <a:r>
+              <a:rPr lang="en-US" dirty="0" err="1" smtClean="0"/>
+              <a:t>InSpec</a:t>
+            </a:r>
+            <a:r>
+              <a:rPr lang="en-US" dirty="0" smtClean="0"/>
+              <a:t> code found in the relevant Compliance profile: </a:t>
+            </a:r>
+            <a:br>
+              <a:rPr lang="en-US" dirty="0" smtClean="0"/>
+            </a:br>
+            <a:r>
+              <a:rPr lang="en-US" dirty="0" smtClean="0"/>
+              <a:t/>
+            </a:r>
+            <a:br>
+              <a:rPr lang="en-US" dirty="0" smtClean="0"/>
+            </a:br>
+            <a:r>
+              <a:rPr lang="en-US" b="1" dirty="0" smtClean="0"/>
+              <a:t>Compliance &gt; Base SSH &gt; </a:t>
+            </a:r>
+            <a:r>
+              <a:rPr lang="en-US" b="1" dirty="0"/>
+              <a:t>Set the SSH protocol version to 2</a:t>
+            </a:r>
+          </a:p>
+        </p:txBody>
+      </p:sp>
+      <p:pic>
+        <p:nvPicPr>
+          <p:cNvPr id="4" name="Picture 3"/>
+          <p:cNvPicPr>
+            <a:picLocks noChangeAspect="1"/>
+          </p:cNvPicPr>
+          <p:nvPr/>
+        </p:nvPicPr>
+        <p:blipFill>
+          <a:blip r:embed="rId3"/>
+          <a:stretch>
+            <a:fillRect/>
+          </a:stretch>
+        </p:blipFill>
+        <p:spPr>
+          <a:xfrm>
+            <a:off x="1712480" y="3420205"/>
+            <a:ext cx="12831041" cy="4504669"/>
+          </a:xfrm>
+          <a:prstGeom prst="rect">
+            <a:avLst/>
+          </a:prstGeom>
+          <a:ln>
+            <a:solidFill>
+              <a:schemeClr val="accent1"/>
+            </a:solidFill>
+          </a:ln>
+        </p:spPr>
+      </p:pic>
+    </p:spTree>
+    <p:extLst>
+      <p:ext uri="{BB962C8B-B14F-4D97-AF65-F5344CB8AC3E}">
+        <p14:creationId xmlns:p14="http://schemas.microsoft.com/office/powerpoint/2010/main" val="581564905"/>
+      </p:ext>
+    </p:extLst>
+  </p:cSld>
+  <p:clrMapOvr>
+    <a:masterClrMapping/>
+  </p:clrMapOvr>
+  <p:transition spd="med">
+    <p:fade/>
+  </p:transition>
+</p:sld>
+</file>
+
+<file path=ppt/slides/slide44.xml><?xml version="1.0" encoding="utf-8"?>
+<p:sld xmlns:a="http://schemas.openxmlformats.org/drawingml/2006/main" xmlns:r="http://schemas.openxmlformats.org/officeDocument/2006/relationships" xmlns:p="http://schemas.openxmlformats.org/presentationml/2006/main">
+  <p:cSld>
+    <p:spTree>
+      <p:nvGrpSpPr>
+        <p:cNvPr id="1" name=""/>
+        <p:cNvGrpSpPr/>
+        <p:nvPr/>
+      </p:nvGrpSpPr>
+      <p:grpSpPr>
+        <a:xfrm>
+          <a:off x="0" y="0"/>
+          <a:ext cx="0" cy="0"/>
+          <a:chOff x="0" y="0"/>
+          <a:chExt cx="0" cy="0"/>
+        </a:xfrm>
+      </p:grpSpPr>
+      <p:sp>
+        <p:nvSpPr>
+          <p:cNvPr id="2" name="Content Placeholder 1"/>
+          <p:cNvSpPr>
+            <a:spLocks noGrp="1"/>
+          </p:cNvSpPr>
+          <p:nvPr>
+            <p:ph sz="quarter" idx="10"/>
+          </p:nvPr>
+        </p:nvSpPr>
+        <p:spPr/>
+        <p:txBody>
+          <a:bodyPr/>
+          <a:lstStyle/>
+          <a:p>
+            <a:endParaRPr lang="en-US"/>
+          </a:p>
+        </p:txBody>
+      </p:sp>
+      <p:sp>
+        <p:nvSpPr>
+          <p:cNvPr id="3" name="Text Placeholder 2"/>
+          <p:cNvSpPr>
+            <a:spLocks noGrp="1"/>
+          </p:cNvSpPr>
+          <p:nvPr>
+            <p:ph type="body" sz="quarter" idx="11"/>
+          </p:nvPr>
+        </p:nvSpPr>
+        <p:spPr/>
+        <p:txBody>
+          <a:bodyPr/>
+          <a:lstStyle/>
+          <a:p>
+            <a:endParaRPr lang="en-US"/>
+          </a:p>
+        </p:txBody>
+      </p:sp>
+      <p:sp>
+        <p:nvSpPr>
+          <p:cNvPr id="4" name="Content Placeholder 3"/>
+          <p:cNvSpPr>
+            <a:spLocks noGrp="1"/>
+          </p:cNvSpPr>
+          <p:nvPr>
+            <p:ph sz="quarter" idx="12"/>
+          </p:nvPr>
+        </p:nvSpPr>
+        <p:spPr/>
+        <p:txBody>
+          <a:bodyPr/>
+          <a:lstStyle/>
+          <a:p>
+            <a:endParaRPr lang="en-US"/>
+          </a:p>
+        </p:txBody>
+      </p:sp>
+      <p:sp>
+        <p:nvSpPr>
+          <p:cNvPr id="5" name="Title 4"/>
+          <p:cNvSpPr>
+            <a:spLocks noGrp="1"/>
+          </p:cNvSpPr>
+          <p:nvPr>
+            <p:ph type="title"/>
+          </p:nvPr>
+        </p:nvSpPr>
+        <p:spPr/>
+        <p:txBody>
+          <a:bodyPr/>
+          <a:lstStyle/>
+          <a:p>
+            <a:r>
+              <a:rPr lang="en-US" dirty="0"/>
+              <a:t>GE: Create the `</a:t>
+            </a:r>
+            <a:r>
+              <a:rPr lang="en-US" dirty="0" err="1"/>
+              <a:t>client_spec.rb</a:t>
+            </a:r>
+            <a:r>
+              <a:rPr lang="en-US" dirty="0"/>
+              <a:t>' file</a:t>
+            </a:r>
+          </a:p>
+        </p:txBody>
+      </p:sp>
+    </p:spTree>
+    <p:extLst>
+      <p:ext uri="{BB962C8B-B14F-4D97-AF65-F5344CB8AC3E}">
+        <p14:creationId xmlns:p14="http://schemas.microsoft.com/office/powerpoint/2010/main" val="1752883517"/>
+      </p:ext>
+    </p:extLst>
+  </p:cSld>
+  <p:clrMapOvr>
+    <a:masterClrMapping/>
+  </p:clrMapOvr>
+  <p:transition spd="med">
+    <p:fade/>
+  </p:transition>
+</p:sld>
+</file>
+
+<file path=ppt/slides/slide45.xml><?xml version="1.0" encoding="utf-8"?>
+<p:sld xmlns:a="http://schemas.openxmlformats.org/drawingml/2006/main" xmlns:r="http://schemas.openxmlformats.org/officeDocument/2006/relationships" xmlns:p="http://schemas.openxmlformats.org/presentationml/2006/main">
+  <p:cSld>
+    <p:spTree>
+      <p:nvGrpSpPr>
+        <p:cNvPr id="1" name=""/>
+        <p:cNvGrpSpPr/>
+        <p:nvPr/>
+      </p:nvGrpSpPr>
+      <p:grpSpPr>
+        <a:xfrm>
+          <a:off x="0" y="0"/>
+          <a:ext cx="0" cy="0"/>
+          <a:chOff x="0" y="0"/>
+          <a:chExt cx="0" cy="0"/>
+        </a:xfrm>
+      </p:grpSpPr>
+      <p:sp>
+        <p:nvSpPr>
+          <p:cNvPr id="2" name="Title 1"/>
+          <p:cNvSpPr>
+            <a:spLocks noGrp="1"/>
+          </p:cNvSpPr>
+          <p:nvPr>
+            <p:ph type="ctrTitle"/>
+          </p:nvPr>
+        </p:nvSpPr>
+        <p:spPr/>
+        <p:txBody>
+          <a:bodyPr>
+            <a:normAutofit fontScale="90000"/>
+          </a:bodyPr>
+          <a:lstStyle/>
+          <a:p>
+            <a:endParaRPr lang="en-US"/>
+          </a:p>
+        </p:txBody>
+      </p:sp>
+      <p:sp>
+        <p:nvSpPr>
+          <p:cNvPr id="3" name="Subtitle 2"/>
+          <p:cNvSpPr>
+            <a:spLocks noGrp="1"/>
+          </p:cNvSpPr>
+          <p:nvPr>
+            <p:ph type="subTitle" idx="1"/>
+          </p:nvPr>
+        </p:nvSpPr>
+        <p:spPr/>
+        <p:txBody>
+          <a:bodyPr/>
+          <a:lstStyle/>
+          <a:p>
+            <a:endParaRPr lang="en-US"/>
+          </a:p>
+        </p:txBody>
+      </p:sp>
+    </p:spTree>
+    <p:extLst>
+      <p:ext uri="{BB962C8B-B14F-4D97-AF65-F5344CB8AC3E}">
+        <p14:creationId xmlns:p14="http://schemas.microsoft.com/office/powerpoint/2010/main" val="3842220861"/>
+      </p:ext>
+    </p:extLst>
+  </p:cSld>
+  <p:clrMapOvr>
+    <a:masterClrMapping/>
+  </p:clrMapOvr>
+  <p:transition spd="med">
+    <p:fade/>
+  </p:transition>
+</p:sld>
+</file>
+
+<file path=ppt/slides/slide46.xml><?xml version="1.0" encoding="utf-8"?>
+<p:sld xmlns:a="http://schemas.openxmlformats.org/drawingml/2006/main" xmlns:r="http://schemas.openxmlformats.org/officeDocument/2006/relationships" xmlns:p="http://schemas.openxmlformats.org/presentationml/2006/main">
+  <p:cSld>
+    <p:spTree>
+      <p:nvGrpSpPr>
+        <p:cNvPr id="1" name=""/>
+        <p:cNvGrpSpPr/>
+        <p:nvPr/>
+      </p:nvGrpSpPr>
+      <p:grpSpPr>
+        <a:xfrm>
+          <a:off x="0" y="0"/>
+          <a:ext cx="0" cy="0"/>
+          <a:chOff x="0" y="0"/>
+          <a:chExt cx="0" cy="0"/>
+        </a:xfrm>
+      </p:grpSpPr>
+      <p:sp>
+        <p:nvSpPr>
+          <p:cNvPr id="2" name="Title 1"/>
+          <p:cNvSpPr>
+            <a:spLocks noGrp="1"/>
+          </p:cNvSpPr>
+          <p:nvPr>
+            <p:ph type="ctrTitle"/>
+          </p:nvPr>
+        </p:nvSpPr>
+        <p:spPr/>
+        <p:txBody>
+          <a:bodyPr>
+            <a:normAutofit fontScale="90000"/>
+          </a:bodyPr>
+          <a:lstStyle/>
+          <a:p>
+            <a:endParaRPr lang="en-US"/>
+          </a:p>
+        </p:txBody>
+      </p:sp>
+      <p:sp>
+        <p:nvSpPr>
+          <p:cNvPr id="3" name="Subtitle 2"/>
+          <p:cNvSpPr>
+            <a:spLocks noGrp="1"/>
+          </p:cNvSpPr>
+          <p:nvPr>
+            <p:ph type="subTitle" idx="1"/>
+          </p:nvPr>
+        </p:nvSpPr>
+        <p:spPr/>
+        <p:txBody>
+          <a:bodyPr/>
+          <a:lstStyle/>
+          <a:p>
+            <a:endParaRPr lang="en-US"/>
+          </a:p>
+        </p:txBody>
+      </p:sp>
+    </p:spTree>
+    <p:extLst>
+      <p:ext uri="{BB962C8B-B14F-4D97-AF65-F5344CB8AC3E}">
+        <p14:creationId xmlns:p14="http://schemas.microsoft.com/office/powerpoint/2010/main" val="3953335903"/>
+      </p:ext>
+    </p:extLst>
+  </p:cSld>
+  <p:clrMapOvr>
+    <a:masterClrMapping/>
+  </p:clrMapOvr>
+  <p:transition spd="med">
+    <p:fade/>
+  </p:transition>
+</p:sld>
+</file>
+
+<file path=ppt/slides/slide47.xml><?xml version="1.0" encoding="utf-8"?>
+<p:sld xmlns:a="http://schemas.openxmlformats.org/drawingml/2006/main" xmlns:r="http://schemas.openxmlformats.org/officeDocument/2006/relationships" xmlns:p="http://schemas.openxmlformats.org/presentationml/2006/main">
+  <p:cSld>
+    <p:spTree>
+      <p:nvGrpSpPr>
+        <p:cNvPr id="1" name=""/>
+        <p:cNvGrpSpPr/>
+        <p:nvPr/>
+      </p:nvGrpSpPr>
+      <p:grpSpPr>
+        <a:xfrm>
+          <a:off x="0" y="0"/>
+          <a:ext cx="0" cy="0"/>
+          <a:chOff x="0" y="0"/>
+          <a:chExt cx="0" cy="0"/>
+        </a:xfrm>
+      </p:grpSpPr>
+      <p:sp>
+        <p:nvSpPr>
+          <p:cNvPr id="2" name="Content Placeholder 1"/>
+          <p:cNvSpPr>
+            <a:spLocks noGrp="1"/>
+          </p:cNvSpPr>
+          <p:nvPr>
+            <p:ph sz="quarter" idx="14"/>
+          </p:nvPr>
+        </p:nvSpPr>
+        <p:spPr/>
+        <p:txBody>
+          <a:bodyPr/>
+          <a:lstStyle/>
+          <a:p>
+            <a:endParaRPr lang="en-US"/>
+          </a:p>
+        </p:txBody>
+      </p:sp>
+      <p:sp>
+        <p:nvSpPr>
+          <p:cNvPr id="3" name="Content Placeholder 2"/>
+          <p:cNvSpPr>
+            <a:spLocks noGrp="1"/>
+          </p:cNvSpPr>
+          <p:nvPr>
+            <p:ph sz="quarter" idx="12"/>
+          </p:nvPr>
+        </p:nvSpPr>
+        <p:spPr/>
+        <p:txBody>
+          <a:bodyPr/>
+          <a:lstStyle/>
+          <a:p>
+            <a:endParaRPr lang="en-US"/>
+          </a:p>
+        </p:txBody>
+      </p:sp>
+      <p:sp>
+        <p:nvSpPr>
+          <p:cNvPr id="4" name="Text Placeholder 3"/>
+          <p:cNvSpPr>
+            <a:spLocks noGrp="1"/>
+          </p:cNvSpPr>
+          <p:nvPr>
+            <p:ph type="body" sz="quarter" idx="15"/>
+          </p:nvPr>
+        </p:nvSpPr>
+        <p:spPr/>
+        <p:txBody>
+          <a:bodyPr/>
+          <a:lstStyle/>
+          <a:p>
+            <a:endParaRPr lang="en-US"/>
+          </a:p>
+        </p:txBody>
+      </p:sp>
+      <p:sp>
+        <p:nvSpPr>
+          <p:cNvPr id="5" name="Text Placeholder 4"/>
+          <p:cNvSpPr>
+            <a:spLocks noGrp="1"/>
+          </p:cNvSpPr>
+          <p:nvPr>
+            <p:ph type="body" sz="quarter" idx="16"/>
+          </p:nvPr>
+        </p:nvSpPr>
+        <p:spPr/>
+        <p:txBody>
+          <a:bodyPr/>
+          <a:lstStyle/>
+          <a:p>
+            <a:endParaRPr lang="en-US"/>
+          </a:p>
+        </p:txBody>
+      </p:sp>
+    </p:spTree>
+    <p:extLst>
+      <p:ext uri="{BB962C8B-B14F-4D97-AF65-F5344CB8AC3E}">
+        <p14:creationId xmlns:p14="http://schemas.microsoft.com/office/powerpoint/2010/main" val="3439457985"/>
+      </p:ext>
+    </p:extLst>
+  </p:cSld>
+  <p:clrMapOvr>
+    <a:masterClrMapping/>
+  </p:clrMapOvr>
+  <p:transition spd="med">
+    <p:fade/>
+  </p:transition>
+</p:sld>
+</file>
+
+<file path=ppt/slides/slide48.xml><?xml version="1.0" encoding="utf-8"?>
+<p:sld xmlns:a="http://schemas.openxmlformats.org/drawingml/2006/main" xmlns:r="http://schemas.openxmlformats.org/officeDocument/2006/relationships" xmlns:p="http://schemas.openxmlformats.org/presentationml/2006/main">
+  <p:cSld>
+    <p:spTree>
+      <p:nvGrpSpPr>
+        <p:cNvPr id="1" name=""/>
+        <p:cNvGrpSpPr/>
+        <p:nvPr/>
+      </p:nvGrpSpPr>
+      <p:grpSpPr>
+        <a:xfrm>
+          <a:off x="0" y="0"/>
+          <a:ext cx="0" cy="0"/>
+          <a:chOff x="0" y="0"/>
+          <a:chExt cx="0" cy="0"/>
+        </a:xfrm>
+      </p:grpSpPr>
+      <p:sp>
+        <p:nvSpPr>
           <p:cNvPr id="2" name="Title 1"/>
           <p:cNvSpPr>
             <a:spLocks noGrp="1"/>
@@ -15024,7 +22901,7 @@
 </p:sld>
 </file>
 
-<file path=ppt/slides/slide28.xml><?xml version="1.0" encoding="utf-8"?>
+<file path=ppt/slides/slide49.xml><?xml version="1.0" encoding="utf-8"?>
 <p:sld xmlns:a="http://schemas.openxmlformats.org/drawingml/2006/main" xmlns:r="http://schemas.openxmlformats.org/officeDocument/2006/relationships" xmlns:p="http://schemas.openxmlformats.org/presentationml/2006/main">
   <p:cSld>
     <p:bg>
@@ -15204,7 +23081,161 @@
 </p:sld>
 </file>
 
-<file path=ppt/slides/slide29.xml><?xml version="1.0" encoding="utf-8"?>
+<file path=ppt/slides/slide5.xml><?xml version="1.0" encoding="utf-8"?>
+<p:sld xmlns:a="http://schemas.openxmlformats.org/drawingml/2006/main" xmlns:r="http://schemas.openxmlformats.org/officeDocument/2006/relationships" xmlns:p="http://schemas.openxmlformats.org/presentationml/2006/main">
+  <p:cSld>
+    <p:spTree>
+      <p:nvGrpSpPr>
+        <p:cNvPr id="1" name=""/>
+        <p:cNvGrpSpPr/>
+        <p:nvPr/>
+      </p:nvGrpSpPr>
+      <p:grpSpPr>
+        <a:xfrm>
+          <a:off x="0" y="0"/>
+          <a:ext cx="0" cy="0"/>
+          <a:chOff x="0" y="0"/>
+          <a:chExt cx="0" cy="0"/>
+        </a:xfrm>
+      </p:grpSpPr>
+      <p:sp>
+        <p:nvSpPr>
+          <p:cNvPr id="2" name="Title 1"/>
+          <p:cNvSpPr>
+            <a:spLocks noGrp="1"/>
+          </p:cNvSpPr>
+          <p:nvPr>
+            <p:ph type="title"/>
+          </p:nvPr>
+        </p:nvSpPr>
+        <p:spPr/>
+        <p:txBody>
+          <a:bodyPr/>
+          <a:lstStyle/>
+          <a:p>
+            <a:r>
+              <a:rPr lang="en-US" dirty="0" smtClean="0"/>
+              <a:t>GE: </a:t>
+            </a:r>
+            <a:r>
+              <a:rPr lang="en-US" dirty="0"/>
+              <a:t>Adding a Node to Scan</a:t>
+            </a:r>
+          </a:p>
+        </p:txBody>
+      </p:sp>
+      <p:sp>
+        <p:nvSpPr>
+          <p:cNvPr id="3" name="Text Placeholder 2"/>
+          <p:cNvSpPr>
+            <a:spLocks noGrp="1"/>
+          </p:cNvSpPr>
+          <p:nvPr>
+            <p:ph type="body" sz="quarter" idx="12"/>
+          </p:nvPr>
+        </p:nvSpPr>
+        <p:spPr>
+          <a:xfrm>
+            <a:off x="650040" y="1856198"/>
+            <a:ext cx="5865060" cy="5345953"/>
+          </a:xfrm>
+        </p:spPr>
+        <p:txBody>
+          <a:bodyPr/>
+          <a:lstStyle/>
+          <a:p>
+            <a:pPr marL="514350" indent="-514350">
+              <a:buFont typeface="+mj-lt"/>
+              <a:buAutoNum type="arabicPeriod"/>
+            </a:pPr>
+            <a:r>
+              <a:rPr lang="en-US" dirty="0" smtClean="0"/>
+              <a:t>From your Chef Compliance Dashboard, click Add Node.</a:t>
+            </a:r>
+          </a:p>
+          <a:p>
+            <a:pPr marL="514350" indent="-514350">
+              <a:buFont typeface="+mj-lt"/>
+              <a:buAutoNum type="arabicPeriod"/>
+            </a:pPr>
+            <a:endParaRPr lang="en-US" dirty="0"/>
+          </a:p>
+          <a:p>
+            <a:pPr marL="514350" indent="-514350">
+              <a:buFont typeface="+mj-lt"/>
+              <a:buAutoNum type="arabicPeriod"/>
+            </a:pPr>
+            <a:endParaRPr lang="en-US" dirty="0" smtClean="0"/>
+          </a:p>
+          <a:p>
+            <a:pPr marL="457200" indent="-457200">
+              <a:buFont typeface="Arial" panose="020B0604020202020204" pitchFamily="34" charset="0"/>
+              <a:buChar char="•"/>
+            </a:pPr>
+            <a:endParaRPr lang="en-US" dirty="0"/>
+          </a:p>
+          <a:p>
+            <a:pPr marL="457200" indent="-457200">
+              <a:buFont typeface="Arial" panose="020B0604020202020204" pitchFamily="34" charset="0"/>
+              <a:buChar char="•"/>
+            </a:pPr>
+            <a:endParaRPr lang="en-US" dirty="0"/>
+          </a:p>
+        </p:txBody>
+      </p:sp>
+      <p:pic>
+        <p:nvPicPr>
+          <p:cNvPr id="4" name="Picture 3"/>
+          <p:cNvPicPr>
+            <a:picLocks noChangeAspect="1"/>
+          </p:cNvPicPr>
+          <p:nvPr/>
+        </p:nvPicPr>
+        <p:blipFill>
+          <a:blip r:embed="rId2"/>
+          <a:stretch>
+            <a:fillRect/>
+          </a:stretch>
+        </p:blipFill>
+        <p:spPr>
+          <a:xfrm>
+            <a:off x="6759742" y="2924211"/>
+            <a:ext cx="8785058" cy="3209925"/>
+          </a:xfrm>
+          <a:prstGeom prst="rect">
+            <a:avLst/>
+          </a:prstGeom>
+          <a:ln>
+            <a:solidFill>
+              <a:schemeClr val="accent1"/>
+            </a:solidFill>
+          </a:ln>
+        </p:spPr>
+      </p:pic>
+    </p:spTree>
+    <p:extLst>
+      <p:ext uri="{BB962C8B-B14F-4D97-AF65-F5344CB8AC3E}">
+        <p14:creationId xmlns:p14="http://schemas.microsoft.com/office/powerpoint/2010/main" val="2840953653"/>
+      </p:ext>
+    </p:extLst>
+  </p:cSld>
+  <p:clrMapOvr>
+    <a:masterClrMapping/>
+  </p:clrMapOvr>
+  <p:transition spd="med">
+    <p:fade/>
+  </p:transition>
+  <p:timing>
+    <p:tnLst>
+      <p:par>
+        <p:cTn id="1" dur="indefinite" restart="never" nodeType="tmRoot"/>
+      </p:par>
+    </p:tnLst>
+  </p:timing>
+</p:sld>
+</file>
+
+<file path=ppt/slides/slide50.xml><?xml version="1.0" encoding="utf-8"?>
 <p:sld xmlns:a="http://schemas.openxmlformats.org/drawingml/2006/main" xmlns:r="http://schemas.openxmlformats.org/officeDocument/2006/relationships" xmlns:p="http://schemas.openxmlformats.org/presentationml/2006/main">
   <p:cSld>
     <p:spTree>
@@ -15395,419 +23426,6 @@
   <p:transition spd="med">
     <p:fade/>
   </p:transition>
-</p:sld>
-</file>
-
-<file path=ppt/slides/slide3.xml><?xml version="1.0" encoding="utf-8"?>
-<p:sld xmlns:a="http://schemas.openxmlformats.org/drawingml/2006/main" xmlns:r="http://schemas.openxmlformats.org/officeDocument/2006/relationships" xmlns:p="http://schemas.openxmlformats.org/presentationml/2006/main">
-  <p:cSld>
-    <p:spTree>
-      <p:nvGrpSpPr>
-        <p:cNvPr id="1" name=""/>
-        <p:cNvGrpSpPr/>
-        <p:nvPr/>
-      </p:nvGrpSpPr>
-      <p:grpSpPr>
-        <a:xfrm>
-          <a:off x="0" y="0"/>
-          <a:ext cx="0" cy="0"/>
-          <a:chOff x="0" y="0"/>
-          <a:chExt cx="0" cy="0"/>
-        </a:xfrm>
-      </p:grpSpPr>
-      <p:sp>
-        <p:nvSpPr>
-          <p:cNvPr id="2" name="Title 1"/>
-          <p:cNvSpPr>
-            <a:spLocks noGrp="1"/>
-          </p:cNvSpPr>
-          <p:nvPr>
-            <p:ph type="ctrTitle"/>
-          </p:nvPr>
-        </p:nvSpPr>
-        <p:spPr/>
-        <p:txBody>
-          <a:bodyPr>
-            <a:normAutofit fontScale="90000"/>
-          </a:bodyPr>
-          <a:lstStyle/>
-          <a:p>
-            <a:r>
-              <a:rPr lang="en-US" dirty="0" smtClean="0"/>
-              <a:t>Adding a Node to Test</a:t>
-            </a:r>
-            <a:endParaRPr lang="en-US" dirty="0"/>
-          </a:p>
-        </p:txBody>
-      </p:sp>
-      <p:sp>
-        <p:nvSpPr>
-          <p:cNvPr id="3" name="Subtitle 2"/>
-          <p:cNvSpPr>
-            <a:spLocks noGrp="1"/>
-          </p:cNvSpPr>
-          <p:nvPr>
-            <p:ph type="subTitle" idx="1"/>
-          </p:nvPr>
-        </p:nvSpPr>
-        <p:spPr>
-          <a:xfrm>
-            <a:off x="1671638" y="3271838"/>
-            <a:ext cx="12319000" cy="4317682"/>
-          </a:xfrm>
-        </p:spPr>
-        <p:txBody>
-          <a:bodyPr/>
-          <a:lstStyle/>
-          <a:p>
-            <a:r>
-              <a:rPr lang="en-US" dirty="0" smtClean="0"/>
-              <a:t>Adding a node is a fairly straightforward process. You'll need:</a:t>
-            </a:r>
-          </a:p>
-          <a:p>
-            <a:endParaRPr lang="en-US" dirty="0"/>
-          </a:p>
-          <a:p>
-            <a:pPr marL="457200" indent="-457200">
-              <a:buFont typeface="Arial" panose="020B0604020202020204" pitchFamily="34" charset="0"/>
-              <a:buChar char="•"/>
-            </a:pPr>
-            <a:r>
-              <a:rPr lang="en-US" dirty="0" smtClean="0"/>
-              <a:t>The IP address or FQDN of the nodes to be tested.</a:t>
-            </a:r>
-          </a:p>
-          <a:p>
-            <a:pPr marL="457200" indent="-457200">
-              <a:buFont typeface="Arial" panose="020B0604020202020204" pitchFamily="34" charset="0"/>
-              <a:buChar char="•"/>
-            </a:pPr>
-            <a:r>
-              <a:rPr lang="en-US" dirty="0" smtClean="0"/>
-              <a:t>Access configuration (ssh or </a:t>
-            </a:r>
-            <a:r>
-              <a:rPr lang="en-US" dirty="0" err="1" smtClean="0"/>
-              <a:t>WinRM</a:t>
-            </a:r>
-            <a:r>
-              <a:rPr lang="en-US" dirty="0" smtClean="0"/>
-              <a:t>).</a:t>
-            </a:r>
-          </a:p>
-          <a:p>
-            <a:pPr marL="457200" indent="-457200">
-              <a:buFont typeface="Arial" panose="020B0604020202020204" pitchFamily="34" charset="0"/>
-              <a:buChar char="•"/>
-            </a:pPr>
-            <a:r>
-              <a:rPr lang="en-US" dirty="0" smtClean="0"/>
-              <a:t>The node's username and password OR</a:t>
-            </a:r>
-          </a:p>
-          <a:p>
-            <a:pPr marL="457200" indent="-457200">
-              <a:buFont typeface="Arial" panose="020B0604020202020204" pitchFamily="34" charset="0"/>
-              <a:buChar char="•"/>
-            </a:pPr>
-            <a:r>
-              <a:rPr lang="en-US" dirty="0" smtClean="0"/>
-              <a:t>The node's username plus security key pair.</a:t>
-            </a:r>
-          </a:p>
-        </p:txBody>
-      </p:sp>
-    </p:spTree>
-    <p:extLst>
-      <p:ext uri="{BB962C8B-B14F-4D97-AF65-F5344CB8AC3E}">
-        <p14:creationId xmlns:p14="http://schemas.microsoft.com/office/powerpoint/2010/main" val="3390536075"/>
-      </p:ext>
-    </p:extLst>
-  </p:cSld>
-  <p:clrMapOvr>
-    <a:masterClrMapping/>
-  </p:clrMapOvr>
-  <p:transition spd="med">
-    <p:fade/>
-  </p:transition>
-</p:sld>
-</file>
-
-<file path=ppt/slides/slide4.xml><?xml version="1.0" encoding="utf-8"?>
-<p:sld xmlns:a="http://schemas.openxmlformats.org/drawingml/2006/main" xmlns:r="http://schemas.openxmlformats.org/officeDocument/2006/relationships" xmlns:p="http://schemas.openxmlformats.org/presentationml/2006/main">
-  <p:cSld>
-    <p:spTree>
-      <p:nvGrpSpPr>
-        <p:cNvPr id="1" name=""/>
-        <p:cNvGrpSpPr/>
-        <p:nvPr/>
-      </p:nvGrpSpPr>
-      <p:grpSpPr>
-        <a:xfrm>
-          <a:off x="0" y="0"/>
-          <a:ext cx="0" cy="0"/>
-          <a:chOff x="0" y="0"/>
-          <a:chExt cx="0" cy="0"/>
-        </a:xfrm>
-      </p:grpSpPr>
-      <p:sp>
-        <p:nvSpPr>
-          <p:cNvPr id="2" name="Title 1"/>
-          <p:cNvSpPr>
-            <a:spLocks noGrp="1"/>
-          </p:cNvSpPr>
-          <p:nvPr>
-            <p:ph type="ctrTitle"/>
-          </p:nvPr>
-        </p:nvSpPr>
-        <p:spPr>
-          <a:xfrm>
-            <a:off x="1200150" y="2292126"/>
-            <a:ext cx="14211299" cy="1822674"/>
-          </a:xfrm>
-        </p:spPr>
-        <p:txBody>
-          <a:bodyPr>
-            <a:normAutofit fontScale="90000"/>
-          </a:bodyPr>
-          <a:lstStyle/>
-          <a:p>
-            <a:r>
-              <a:rPr lang="en-US" dirty="0" smtClean="0"/>
-              <a:t>Group Exercise: Adding a Node to Scan</a:t>
-            </a:r>
-            <a:endParaRPr lang="en-US" dirty="0"/>
-          </a:p>
-        </p:txBody>
-      </p:sp>
-      <p:sp>
-        <p:nvSpPr>
-          <p:cNvPr id="4" name="Text Placeholder 3"/>
-          <p:cNvSpPr>
-            <a:spLocks noGrp="1"/>
-          </p:cNvSpPr>
-          <p:nvPr>
-            <p:ph type="body" sz="quarter" idx="10"/>
-          </p:nvPr>
-        </p:nvSpPr>
-        <p:spPr/>
-        <p:txBody>
-          <a:bodyPr/>
-          <a:lstStyle/>
-          <a:p>
-            <a:pPr marL="342900" indent="-342900">
-              <a:buFont typeface="Wingdings" panose="05000000000000000000" pitchFamily="2" charset="2"/>
-              <a:buChar char="q"/>
-            </a:pPr>
-            <a:r>
-              <a:rPr lang="en-US" dirty="0" smtClean="0"/>
-              <a:t>Add a Node to Scan</a:t>
-            </a:r>
-          </a:p>
-          <a:p>
-            <a:pPr marL="342900" indent="-342900">
-              <a:buFont typeface="Wingdings" panose="05000000000000000000" pitchFamily="2" charset="2"/>
-              <a:buChar char="q"/>
-            </a:pPr>
-            <a:r>
-              <a:rPr lang="en-US" dirty="0" smtClean="0"/>
-              <a:t>Test connectivity</a:t>
-            </a:r>
-          </a:p>
-          <a:p>
-            <a:pPr marL="342900" indent="-342900">
-              <a:buFont typeface="Wingdings" panose="05000000000000000000" pitchFamily="2" charset="2"/>
-              <a:buChar char="q"/>
-            </a:pPr>
-            <a:r>
-              <a:rPr lang="en-US" dirty="0" smtClean="0"/>
-              <a:t>Run an initial scan</a:t>
-            </a:r>
-          </a:p>
-          <a:p>
-            <a:pPr marL="342900" indent="-342900">
-              <a:buFont typeface="Wingdings" panose="05000000000000000000" pitchFamily="2" charset="2"/>
-              <a:buChar char="q"/>
-            </a:pPr>
-            <a:endParaRPr lang="en-US" dirty="0" smtClean="0"/>
-          </a:p>
-          <a:p>
-            <a:pPr marL="342900" indent="-342900">
-              <a:buFont typeface="Wingdings" panose="05000000000000000000" pitchFamily="2" charset="2"/>
-              <a:buChar char="q"/>
-            </a:pPr>
-            <a:endParaRPr lang="en-US" dirty="0"/>
-          </a:p>
-        </p:txBody>
-      </p:sp>
-    </p:spTree>
-    <p:extLst>
-      <p:ext uri="{BB962C8B-B14F-4D97-AF65-F5344CB8AC3E}">
-        <p14:creationId xmlns:p14="http://schemas.microsoft.com/office/powerpoint/2010/main" val="1713764854"/>
-      </p:ext>
-    </p:extLst>
-  </p:cSld>
-  <p:clrMapOvr>
-    <a:masterClrMapping/>
-  </p:clrMapOvr>
-  <p:transition spd="med">
-    <p:fade/>
-  </p:transition>
-</p:sld>
-</file>
-
-<file path=ppt/slides/slide5.xml><?xml version="1.0" encoding="utf-8"?>
-<p:sld xmlns:a="http://schemas.openxmlformats.org/drawingml/2006/main" xmlns:r="http://schemas.openxmlformats.org/officeDocument/2006/relationships" xmlns:p="http://schemas.openxmlformats.org/presentationml/2006/main">
-  <p:cSld>
-    <p:spTree>
-      <p:nvGrpSpPr>
-        <p:cNvPr id="1" name=""/>
-        <p:cNvGrpSpPr/>
-        <p:nvPr/>
-      </p:nvGrpSpPr>
-      <p:grpSpPr>
-        <a:xfrm>
-          <a:off x="0" y="0"/>
-          <a:ext cx="0" cy="0"/>
-          <a:chOff x="0" y="0"/>
-          <a:chExt cx="0" cy="0"/>
-        </a:xfrm>
-      </p:grpSpPr>
-      <p:sp>
-        <p:nvSpPr>
-          <p:cNvPr id="2" name="Title 1"/>
-          <p:cNvSpPr>
-            <a:spLocks noGrp="1"/>
-          </p:cNvSpPr>
-          <p:nvPr>
-            <p:ph type="title"/>
-          </p:nvPr>
-        </p:nvSpPr>
-        <p:spPr/>
-        <p:txBody>
-          <a:bodyPr/>
-          <a:lstStyle/>
-          <a:p>
-            <a:r>
-              <a:rPr lang="en-US" dirty="0" smtClean="0"/>
-              <a:t>GE: </a:t>
-            </a:r>
-            <a:r>
-              <a:rPr lang="en-US" dirty="0"/>
-              <a:t>Adding a Node to Scan</a:t>
-            </a:r>
-          </a:p>
-        </p:txBody>
-      </p:sp>
-      <p:sp>
-        <p:nvSpPr>
-          <p:cNvPr id="3" name="Text Placeholder 2"/>
-          <p:cNvSpPr>
-            <a:spLocks noGrp="1"/>
-          </p:cNvSpPr>
-          <p:nvPr>
-            <p:ph type="body" sz="quarter" idx="12"/>
-          </p:nvPr>
-        </p:nvSpPr>
-        <p:spPr>
-          <a:xfrm>
-            <a:off x="650040" y="1856198"/>
-            <a:ext cx="5865060" cy="5345953"/>
-          </a:xfrm>
-        </p:spPr>
-        <p:txBody>
-          <a:bodyPr/>
-          <a:lstStyle/>
-          <a:p>
-            <a:pPr marL="514350" indent="-514350">
-              <a:buFont typeface="+mj-lt"/>
-              <a:buAutoNum type="arabicPeriod"/>
-            </a:pPr>
-            <a:r>
-              <a:rPr lang="en-US" dirty="0" smtClean="0"/>
-              <a:t>From your Chef Compliance Dashboard, click Add Node.</a:t>
-            </a:r>
-          </a:p>
-          <a:p>
-            <a:pPr marL="514350" indent="-514350">
-              <a:buFont typeface="+mj-lt"/>
-              <a:buAutoNum type="arabicPeriod"/>
-            </a:pPr>
-            <a:endParaRPr lang="en-US" dirty="0"/>
-          </a:p>
-          <a:p>
-            <a:pPr marL="514350" indent="-514350">
-              <a:buFont typeface="+mj-lt"/>
-              <a:buAutoNum type="arabicPeriod"/>
-            </a:pPr>
-            <a:endParaRPr lang="en-US" dirty="0" smtClean="0"/>
-          </a:p>
-          <a:p>
-            <a:pPr marL="457200" indent="-457200">
-              <a:buFont typeface="Arial" panose="020B0604020202020204" pitchFamily="34" charset="0"/>
-              <a:buChar char="•"/>
-            </a:pPr>
-            <a:endParaRPr lang="en-US" dirty="0"/>
-          </a:p>
-          <a:p>
-            <a:pPr marL="457200" indent="-457200">
-              <a:buFont typeface="Arial" panose="020B0604020202020204" pitchFamily="34" charset="0"/>
-              <a:buChar char="•"/>
-            </a:pPr>
-            <a:endParaRPr lang="en-US" dirty="0"/>
-          </a:p>
-        </p:txBody>
-      </p:sp>
-      <p:pic>
-        <p:nvPicPr>
-          <p:cNvPr id="4" name="Picture 3"/>
-          <p:cNvPicPr>
-            <a:picLocks noChangeAspect="1"/>
-          </p:cNvPicPr>
-          <p:nvPr/>
-        </p:nvPicPr>
-        <p:blipFill>
-          <a:blip r:embed="rId2"/>
-          <a:stretch>
-            <a:fillRect/>
-          </a:stretch>
-        </p:blipFill>
-        <p:spPr>
-          <a:xfrm>
-            <a:off x="6759742" y="2924211"/>
-            <a:ext cx="8785058" cy="3209925"/>
-          </a:xfrm>
-          <a:prstGeom prst="rect">
-            <a:avLst/>
-          </a:prstGeom>
-          <a:ln>
-            <a:solidFill>
-              <a:schemeClr val="accent1"/>
-            </a:solidFill>
-          </a:ln>
-        </p:spPr>
-      </p:pic>
-    </p:spTree>
-    <p:extLst>
-      <p:ext uri="{BB962C8B-B14F-4D97-AF65-F5344CB8AC3E}">
-        <p14:creationId xmlns:p14="http://schemas.microsoft.com/office/powerpoint/2010/main" val="2840953653"/>
-      </p:ext>
-    </p:extLst>
-  </p:cSld>
-  <p:clrMapOvr>
-    <a:masterClrMapping/>
-  </p:clrMapOvr>
-  <p:transition spd="med">
-    <p:fade/>
-  </p:transition>
-  <p:timing>
-    <p:tnLst>
-      <p:par>
-        <p:cTn id="1" dur="indefinite" restart="never" nodeType="tmRoot"/>
-      </p:par>
-    </p:tnLst>
-  </p:timing>
 </p:sld>
 </file>
 
@@ -17970,15 +25588,49 @@
 </file>
 
 <file path=customXml/item1.xml><?xml version="1.0" encoding="utf-8"?>
-<p:properties xmlns:p="http://schemas.microsoft.com/office/2006/metadata/properties" xmlns:xsi="http://www.w3.org/2001/XMLSchema-instance" xmlns:pc="http://schemas.microsoft.com/office/infopath/2007/PartnerControls">
-  <documentManagement>
-    <_dlc_DocId xmlns="7bb5d761-a2ea-4873-95f7-7a6658fb3ef0">M4CWTKMW727E-592-73</_dlc_DocId>
-    <_dlc_DocIdUrl xmlns="7bb5d761-a2ea-4873-95f7-7a6658fb3ef0">
-      <Url>https://kms.vci.local/marketing/team/_layouts/DocIdRedir.aspx?ID=M4CWTKMW727E-592-73</Url>
-      <Description>M4CWTKMW727E-592-73</Description>
-    </_dlc_DocIdUrl>
-  </documentManagement>
-</p:properties>
+<?mso-contentType ?>
+<spe:Receivers xmlns:spe="http://schemas.microsoft.com/sharepoint/events">
+  <Receiver>
+    <Name>Document ID Generator</Name>
+    <Synchronization>Synchronous</Synchronization>
+    <Type>10001</Type>
+    <SequenceNumber>1000</SequenceNumber>
+    <Assembly>Microsoft.Office.DocumentManagement, Version=14.0.0.0, Culture=neutral, PublicKeyToken=71e9bce111e9429c</Assembly>
+    <Class>Microsoft.Office.DocumentManagement.Internal.DocIdHandler</Class>
+    <Data/>
+    <Filter/>
+  </Receiver>
+  <Receiver>
+    <Name>Document ID Generator</Name>
+    <Synchronization>Synchronous</Synchronization>
+    <Type>10002</Type>
+    <SequenceNumber>1001</SequenceNumber>
+    <Assembly>Microsoft.Office.DocumentManagement, Version=14.0.0.0, Culture=neutral, PublicKeyToken=71e9bce111e9429c</Assembly>
+    <Class>Microsoft.Office.DocumentManagement.Internal.DocIdHandler</Class>
+    <Data/>
+    <Filter/>
+  </Receiver>
+  <Receiver>
+    <Name>Document ID Generator</Name>
+    <Synchronization>Synchronous</Synchronization>
+    <Type>10004</Type>
+    <SequenceNumber>1002</SequenceNumber>
+    <Assembly>Microsoft.Office.DocumentManagement, Version=14.0.0.0, Culture=neutral, PublicKeyToken=71e9bce111e9429c</Assembly>
+    <Class>Microsoft.Office.DocumentManagement.Internal.DocIdHandler</Class>
+    <Data/>
+    <Filter/>
+  </Receiver>
+  <Receiver>
+    <Name>Document ID Generator</Name>
+    <Synchronization>Synchronous</Synchronization>
+    <Type>10006</Type>
+    <SequenceNumber>1003</SequenceNumber>
+    <Assembly>Microsoft.Office.DocumentManagement, Version=14.0.0.0, Culture=neutral, PublicKeyToken=71e9bce111e9429c</Assembly>
+    <Class>Microsoft.Office.DocumentManagement.Internal.DocIdHandler</Class>
+    <Data/>
+    <Filter/>
+  </Receiver>
+</spe:Receivers>
 </file>
 
 <file path=customXml/item2.xml><?xml version="1.0" encoding="utf-8"?>
@@ -18127,49 +25779,15 @@
 </file>
 
 <file path=customXml/item3.xml><?xml version="1.0" encoding="utf-8"?>
-<?mso-contentType ?>
-<spe:Receivers xmlns:spe="http://schemas.microsoft.com/sharepoint/events">
-  <Receiver>
-    <Name>Document ID Generator</Name>
-    <Synchronization>Synchronous</Synchronization>
-    <Type>10001</Type>
-    <SequenceNumber>1000</SequenceNumber>
-    <Assembly>Microsoft.Office.DocumentManagement, Version=14.0.0.0, Culture=neutral, PublicKeyToken=71e9bce111e9429c</Assembly>
-    <Class>Microsoft.Office.DocumentManagement.Internal.DocIdHandler</Class>
-    <Data/>
-    <Filter/>
-  </Receiver>
-  <Receiver>
-    <Name>Document ID Generator</Name>
-    <Synchronization>Synchronous</Synchronization>
-    <Type>10002</Type>
-    <SequenceNumber>1001</SequenceNumber>
-    <Assembly>Microsoft.Office.DocumentManagement, Version=14.0.0.0, Culture=neutral, PublicKeyToken=71e9bce111e9429c</Assembly>
-    <Class>Microsoft.Office.DocumentManagement.Internal.DocIdHandler</Class>
-    <Data/>
-    <Filter/>
-  </Receiver>
-  <Receiver>
-    <Name>Document ID Generator</Name>
-    <Synchronization>Synchronous</Synchronization>
-    <Type>10004</Type>
-    <SequenceNumber>1002</SequenceNumber>
-    <Assembly>Microsoft.Office.DocumentManagement, Version=14.0.0.0, Culture=neutral, PublicKeyToken=71e9bce111e9429c</Assembly>
-    <Class>Microsoft.Office.DocumentManagement.Internal.DocIdHandler</Class>
-    <Data/>
-    <Filter/>
-  </Receiver>
-  <Receiver>
-    <Name>Document ID Generator</Name>
-    <Synchronization>Synchronous</Synchronization>
-    <Type>10006</Type>
-    <SequenceNumber>1003</SequenceNumber>
-    <Assembly>Microsoft.Office.DocumentManagement, Version=14.0.0.0, Culture=neutral, PublicKeyToken=71e9bce111e9429c</Assembly>
-    <Class>Microsoft.Office.DocumentManagement.Internal.DocIdHandler</Class>
-    <Data/>
-    <Filter/>
-  </Receiver>
-</spe:Receivers>
+<p:properties xmlns:p="http://schemas.microsoft.com/office/2006/metadata/properties" xmlns:xsi="http://www.w3.org/2001/XMLSchema-instance" xmlns:pc="http://schemas.microsoft.com/office/infopath/2007/PartnerControls">
+  <documentManagement>
+    <_dlc_DocId xmlns="7bb5d761-a2ea-4873-95f7-7a6658fb3ef0">M4CWTKMW727E-592-73</_dlc_DocId>
+    <_dlc_DocIdUrl xmlns="7bb5d761-a2ea-4873-95f7-7a6658fb3ef0">
+      <Url>https://kms.vci.local/marketing/team/_layouts/DocIdRedir.aspx?ID=M4CWTKMW727E-592-73</Url>
+      <Description>M4CWTKMW727E-592-73</Description>
+    </_dlc_DocIdUrl>
+  </documentManagement>
+</p:properties>
 </file>
 
 <file path=customXml/item4.xml><?xml version="1.0" encoding="utf-8"?>
@@ -18182,17 +25800,9 @@
 </file>
 
 <file path=customXml/itemProps1.xml><?xml version="1.0" encoding="utf-8"?>
-<ds:datastoreItem xmlns:ds="http://schemas.openxmlformats.org/officeDocument/2006/customXml" ds:itemID="{6921749B-AEB7-461B-845F-603CABD25259}">
+<ds:datastoreItem xmlns:ds="http://schemas.openxmlformats.org/officeDocument/2006/customXml" ds:itemID="{B13EBC30-FE27-4C6A-B723-23FC2188F7DC}">
   <ds:schemaRefs>
-    <ds:schemaRef ds:uri="7bb5d761-a2ea-4873-95f7-7a6658fb3ef0"/>
-    <ds:schemaRef ds:uri="http://purl.org/dc/terms/"/>
-    <ds:schemaRef ds:uri="http://schemas.openxmlformats.org/package/2006/metadata/core-properties"/>
-    <ds:schemaRef ds:uri="http://schemas.microsoft.com/office/2006/documentManagement/types"/>
-    <ds:schemaRef ds:uri="http://schemas.microsoft.com/office/infopath/2007/PartnerControls"/>
-    <ds:schemaRef ds:uri="http://purl.org/dc/elements/1.1/"/>
-    <ds:schemaRef ds:uri="http://schemas.microsoft.com/office/2006/metadata/properties"/>
-    <ds:schemaRef ds:uri="http://www.w3.org/XML/1998/namespace"/>
-    <ds:schemaRef ds:uri="http://purl.org/dc/dcmitype/"/>
+    <ds:schemaRef ds:uri="http://schemas.microsoft.com/sharepoint/events"/>
   </ds:schemaRefs>
 </ds:datastoreItem>
 </file>
@@ -18216,9 +25826,17 @@
 </file>
 
 <file path=customXml/itemProps3.xml><?xml version="1.0" encoding="utf-8"?>
-<ds:datastoreItem xmlns:ds="http://schemas.openxmlformats.org/officeDocument/2006/customXml" ds:itemID="{B13EBC30-FE27-4C6A-B723-23FC2188F7DC}">
+<ds:datastoreItem xmlns:ds="http://schemas.openxmlformats.org/officeDocument/2006/customXml" ds:itemID="{6921749B-AEB7-461B-845F-603CABD25259}">
   <ds:schemaRefs>
-    <ds:schemaRef ds:uri="http://schemas.microsoft.com/sharepoint/events"/>
+    <ds:schemaRef ds:uri="http://purl.org/dc/dcmitype/"/>
+    <ds:schemaRef ds:uri="http://schemas.microsoft.com/office/2006/documentManagement/types"/>
+    <ds:schemaRef ds:uri="http://purl.org/dc/elements/1.1/"/>
+    <ds:schemaRef ds:uri="http://schemas.microsoft.com/office/2006/metadata/properties"/>
+    <ds:schemaRef ds:uri="7bb5d761-a2ea-4873-95f7-7a6658fb3ef0"/>
+    <ds:schemaRef ds:uri="http://purl.org/dc/terms/"/>
+    <ds:schemaRef ds:uri="http://schemas.openxmlformats.org/package/2006/metadata/core-properties"/>
+    <ds:schemaRef ds:uri="http://schemas.microsoft.com/office/infopath/2007/PartnerControls"/>
+    <ds:schemaRef ds:uri="http://www.w3.org/XML/1998/namespace"/>
   </ds:schemaRefs>
 </ds:datastoreItem>
 </file>

--- a/03-initial-configuration-scans.pptx
+++ b/03-initial-configuration-scans.pptx
@@ -6,10 +6,10 @@
     <p:sldMasterId id="2147483847" r:id="rId6"/>
   </p:sldMasterIdLst>
   <p:notesMasterIdLst>
-    <p:notesMasterId r:id="rId57"/>
+    <p:notesMasterId r:id="rId65"/>
   </p:notesMasterIdLst>
   <p:handoutMasterIdLst>
-    <p:handoutMasterId r:id="rId58"/>
+    <p:handoutMasterId r:id="rId66"/>
   </p:handoutMasterIdLst>
   <p:sldIdLst>
     <p:sldId id="256" r:id="rId7"/>
@@ -56,12 +56,20 @@
     <p:sldId id="335" r:id="rId48"/>
     <p:sldId id="336" r:id="rId49"/>
     <p:sldId id="337" r:id="rId50"/>
-    <p:sldId id="273" r:id="rId51"/>
-    <p:sldId id="274" r:id="rId52"/>
-    <p:sldId id="266" r:id="rId53"/>
-    <p:sldId id="275" r:id="rId54"/>
-    <p:sldId id="276" r:id="rId55"/>
-    <p:sldId id="267" r:id="rId56"/>
+    <p:sldId id="338" r:id="rId51"/>
+    <p:sldId id="339" r:id="rId52"/>
+    <p:sldId id="340" r:id="rId53"/>
+    <p:sldId id="341" r:id="rId54"/>
+    <p:sldId id="342" r:id="rId55"/>
+    <p:sldId id="343" r:id="rId56"/>
+    <p:sldId id="344" r:id="rId57"/>
+    <p:sldId id="345" r:id="rId58"/>
+    <p:sldId id="273" r:id="rId59"/>
+    <p:sldId id="274" r:id="rId60"/>
+    <p:sldId id="266" r:id="rId61"/>
+    <p:sldId id="275" r:id="rId62"/>
+    <p:sldId id="276" r:id="rId63"/>
+    <p:sldId id="267" r:id="rId64"/>
   </p:sldIdLst>
   <p:sldSz cx="16256000" cy="9144000"/>
   <p:notesSz cx="6858000" cy="9144000"/>
@@ -323,7 +331,7 @@
               <a:pPr>
                 <a:defRPr/>
               </a:pPr>
-              <a:t>2015-12-07</a:t>
+              <a:t>2015-12-08</a:t>
             </a:fld>
             <a:endParaRPr lang="en-US" dirty="0"/>
           </a:p>
@@ -506,7 +514,7 @@
               <a:pPr>
                 <a:defRPr/>
               </a:pPr>
-              <a:t>2015-12-07</a:t>
+              <a:t>2015-12-08</a:t>
             </a:fld>
             <a:endParaRPr lang="en-US" dirty="0"/>
           </a:p>
@@ -1848,11 +1856,7 @@
           <a:p>
             <a:r>
               <a:rPr lang="en-US" sz="1200" dirty="0" smtClean="0"/>
-              <a:t>The impact of 1.0 indicates this is a Major </a:t>
-            </a:r>
-            <a:r>
-              <a:rPr lang="en-US" sz="1200" dirty="0" smtClean="0"/>
-              <a:t>issue</a:t>
+              <a:t>The impact of 1.0 indicates this is a Major issue</a:t>
             </a:r>
             <a:r>
               <a:rPr lang="en-US" sz="1200" baseline="0" dirty="0" smtClean="0"/>
@@ -1875,11 +1879,7 @@
           <a:p>
             <a:r>
               <a:rPr lang="en-US" sz="1200" dirty="0" smtClean="0"/>
-              <a:t>The describe value is the actual test. In this case, this is saying the protocol for </a:t>
-            </a:r>
-            <a:r>
-              <a:rPr lang="en-US" sz="1200" dirty="0" smtClean="0"/>
-              <a:t>`</a:t>
+              <a:t>The describe value is the actual test. In this case, this is saying the protocol for `</a:t>
             </a:r>
             <a:r>
               <a:rPr lang="en-US" sz="1200" dirty="0" err="1" smtClean="0"/>
@@ -1887,35 +1887,11 @@
             </a:r>
             <a:r>
               <a:rPr lang="en-US" sz="1200" dirty="0" smtClean="0"/>
-              <a:t>` </a:t>
-            </a:r>
-            <a:r>
-              <a:rPr lang="en-US" sz="1200" dirty="0" smtClean="0"/>
-              <a:t>should be </a:t>
-            </a:r>
-            <a:r>
-              <a:rPr lang="en-US" sz="1200" dirty="0" smtClean="0"/>
-              <a:t>`2`. </a:t>
-            </a:r>
-            <a:r>
-              <a:rPr lang="en-US" sz="1200" dirty="0" smtClean="0"/>
-              <a:t>If the actual value from the node is not Protocol 2, the </a:t>
-            </a:r>
-            <a:r>
-              <a:rPr lang="en-US" sz="1200" dirty="0" smtClean="0"/>
-              <a:t>Critical issue </a:t>
-            </a:r>
-            <a:r>
-              <a:rPr lang="en-US" sz="1200" dirty="0" smtClean="0"/>
-              <a:t>is reported </a:t>
+              <a:t>` should be `2`. If the actual value from the node is not Protocol 2, the Critical issue is reported </a:t>
             </a:r>
             <a:r>
               <a:rPr lang="en-US" sz="1200" baseline="0" dirty="0" smtClean="0"/>
-              <a:t>as in this case</a:t>
-            </a:r>
-            <a:r>
-              <a:rPr lang="en-US" sz="1200" baseline="0" dirty="0" smtClean="0"/>
-              <a:t>.</a:t>
+              <a:t>as in this case.</a:t>
             </a:r>
           </a:p>
           <a:p>
@@ -3117,11 +3093,7 @@
             </a:r>
             <a:r>
               <a:rPr lang="en-US" baseline="0" dirty="0" smtClean="0"/>
-              <a:t> to illustrate how the contents of the </a:t>
-            </a:r>
-            <a:r>
-              <a:rPr lang="en-US" baseline="0" dirty="0" smtClean="0"/>
-              <a:t>current `</a:t>
+              <a:t> to illustrate how the contents of the current `</a:t>
             </a:r>
             <a:r>
               <a:rPr lang="en-US" b="1" baseline="0" dirty="0" smtClean="0"/>
@@ -3785,11 +3757,7 @@
             </a:r>
             <a:r>
               <a:rPr lang="en-US" baseline="0" dirty="0" smtClean="0"/>
-              <a:t> should already be installed on the </a:t>
-            </a:r>
-            <a:r>
-              <a:rPr lang="en-US" baseline="0" dirty="0" smtClean="0"/>
-              <a:t>EC2 AWS training instances.</a:t>
+              <a:t> should already be installed on the EC2 AWS training instances.</a:t>
             </a:r>
           </a:p>
           <a:p>
@@ -3946,11 +3914,7 @@
           <a:p>
             <a:r>
               <a:rPr lang="en-US" baseline="0" dirty="0" smtClean="0"/>
-              <a:t>To confirm the centos release, you could execute </a:t>
-            </a:r>
-            <a:r>
-              <a:rPr lang="en-US" baseline="0" dirty="0" smtClean="0"/>
-              <a:t> `more /etc/*-release`</a:t>
+              <a:t>To confirm the centos release, you could execute  `more /etc/*-release`</a:t>
             </a:r>
           </a:p>
           <a:p>
@@ -4851,23 +4815,11 @@
           <a:p>
             <a:r>
               <a:rPr lang="en-US" dirty="0" smtClean="0"/>
-              <a:t>In </a:t>
-            </a:r>
-            <a:r>
-              <a:rPr lang="en-US" dirty="0" smtClean="0"/>
-              <a:t>the workplace, the</a:t>
+              <a:t>In the workplace, the</a:t>
             </a:r>
             <a:r>
               <a:rPr lang="en-US" baseline="0" dirty="0" smtClean="0"/>
-              <a:t> </a:t>
-            </a:r>
-            <a:r>
-              <a:rPr lang="en-US" baseline="0" dirty="0" smtClean="0"/>
-              <a:t>target node's </a:t>
-            </a:r>
-            <a:r>
-              <a:rPr lang="en-US" baseline="0" dirty="0" smtClean="0"/>
-              <a:t>username and password will likely be different than shown in this example.</a:t>
+              <a:t> target node's username and password will likely be different than shown in this example.</a:t>
             </a:r>
           </a:p>
           <a:p>
@@ -5530,11 +5482,7 @@
           <a:p>
             <a:r>
               <a:rPr lang="en-US" dirty="0" smtClean="0"/>
-              <a:t>Then you can paste it into the </a:t>
-            </a:r>
-            <a:r>
-              <a:rPr lang="en-US" dirty="0" smtClean="0"/>
-              <a:t>`</a:t>
+              <a:t>Then you can paste it into the `</a:t>
             </a:r>
             <a:r>
               <a:rPr lang="en-US" dirty="0" err="1" smtClean="0"/>
@@ -5625,6 +5573,1579 @@
     <p:extLst>
       <p:ext uri="{BB962C8B-B14F-4D97-AF65-F5344CB8AC3E}">
         <p14:creationId xmlns:p14="http://schemas.microsoft.com/office/powerpoint/2010/main" val="3465403761"/>
+      </p:ext>
+    </p:extLst>
+  </p:cSld>
+  <p:clrMapOvr>
+    <a:masterClrMapping/>
+  </p:clrMapOvr>
+</p:notes>
+</file>
+
+<file path=ppt/notesSlides/notesSlide34.xml><?xml version="1.0" encoding="utf-8"?>
+<p:notes xmlns:a="http://schemas.openxmlformats.org/drawingml/2006/main" xmlns:r="http://schemas.openxmlformats.org/officeDocument/2006/relationships" xmlns:p="http://schemas.openxmlformats.org/presentationml/2006/main">
+  <p:cSld>
+    <p:spTree>
+      <p:nvGrpSpPr>
+        <p:cNvPr id="1" name=""/>
+        <p:cNvGrpSpPr/>
+        <p:nvPr/>
+      </p:nvGrpSpPr>
+      <p:grpSpPr>
+        <a:xfrm>
+          <a:off x="0" y="0"/>
+          <a:ext cx="0" cy="0"/>
+          <a:chOff x="0" y="0"/>
+          <a:chExt cx="0" cy="0"/>
+        </a:xfrm>
+      </p:grpSpPr>
+      <p:sp>
+        <p:nvSpPr>
+          <p:cNvPr id="2" name="Slide Image Placeholder 1"/>
+          <p:cNvSpPr>
+            <a:spLocks noGrp="1" noRot="1" noChangeAspect="1"/>
+          </p:cNvSpPr>
+          <p:nvPr>
+            <p:ph type="sldImg"/>
+          </p:nvPr>
+        </p:nvSpPr>
+        <p:spPr/>
+      </p:sp>
+      <p:sp>
+        <p:nvSpPr>
+          <p:cNvPr id="3" name="Notes Placeholder 2"/>
+          <p:cNvSpPr>
+            <a:spLocks noGrp="1"/>
+          </p:cNvSpPr>
+          <p:nvPr>
+            <p:ph type="body" idx="1"/>
+          </p:nvPr>
+        </p:nvSpPr>
+        <p:spPr/>
+        <p:txBody>
+          <a:bodyPr/>
+          <a:lstStyle/>
+          <a:p>
+            <a:pPr marL="228600" marR="0" indent="-228600" algn="l" defTabSz="1217613" rtl="0" eaLnBrk="1" fontAlgn="base" latinLnBrk="0" hangingPunct="1">
+              <a:lnSpc>
+                <a:spcPct val="90000"/>
+              </a:lnSpc>
+              <a:spcBef>
+                <a:spcPct val="30000"/>
+              </a:spcBef>
+              <a:spcAft>
+                <a:spcPts val="450"/>
+              </a:spcAft>
+              <a:buClrTx/>
+              <a:buSzTx/>
+              <a:buFontTx/>
+              <a:buAutoNum type="arabicPeriod"/>
+              <a:tabLst/>
+              <a:defRPr/>
+            </a:pPr>
+            <a:r>
+              <a:rPr lang="en-US" dirty="0" smtClean="0"/>
+              <a:t>Edit the </a:t>
+            </a:r>
+            <a:r>
+              <a:rPr lang="en-US" dirty="0" smtClean="0"/>
+              <a:t>~/cookbooks/ssh/templates/default/</a:t>
+            </a:r>
+            <a:r>
+              <a:rPr lang="en-US" dirty="0" err="1" smtClean="0"/>
+              <a:t>ssh_config.erb</a:t>
+            </a:r>
+            <a:r>
+              <a:rPr lang="en-US" baseline="0" dirty="0" smtClean="0"/>
+              <a:t> file. </a:t>
+            </a:r>
+          </a:p>
+          <a:p>
+            <a:pPr marL="228600" marR="0" indent="-228600" algn="l" defTabSz="1217613" rtl="0" eaLnBrk="1" fontAlgn="base" latinLnBrk="0" hangingPunct="1">
+              <a:lnSpc>
+                <a:spcPct val="90000"/>
+              </a:lnSpc>
+              <a:spcBef>
+                <a:spcPct val="30000"/>
+              </a:spcBef>
+              <a:spcAft>
+                <a:spcPts val="450"/>
+              </a:spcAft>
+              <a:buClrTx/>
+              <a:buSzTx/>
+              <a:buFontTx/>
+              <a:buAutoNum type="arabicPeriod"/>
+              <a:tabLst/>
+              <a:defRPr/>
+            </a:pPr>
+            <a:r>
+              <a:rPr lang="en-US" baseline="0" dirty="0" smtClean="0"/>
+              <a:t>Uncomment the `#   Protocol 2,1` line.</a:t>
+            </a:r>
+          </a:p>
+          <a:p>
+            <a:pPr marL="228600" marR="0" indent="-228600" algn="l" defTabSz="1217613" rtl="0" eaLnBrk="1" fontAlgn="base" latinLnBrk="0" hangingPunct="1">
+              <a:lnSpc>
+                <a:spcPct val="90000"/>
+              </a:lnSpc>
+              <a:spcBef>
+                <a:spcPct val="30000"/>
+              </a:spcBef>
+              <a:spcAft>
+                <a:spcPts val="450"/>
+              </a:spcAft>
+              <a:buClrTx/>
+              <a:buSzTx/>
+              <a:buFontTx/>
+              <a:buAutoNum type="arabicPeriod"/>
+              <a:tabLst/>
+              <a:defRPr/>
+            </a:pPr>
+            <a:r>
+              <a:rPr lang="en-US" baseline="0" dirty="0" smtClean="0"/>
+              <a:t>Change the protocol version to `2` only.</a:t>
+            </a:r>
+            <a:endParaRPr lang="en-US" dirty="0" smtClean="0"/>
+          </a:p>
+        </p:txBody>
+      </p:sp>
+      <p:sp>
+        <p:nvSpPr>
+          <p:cNvPr id="4" name="Slide Number Placeholder 3"/>
+          <p:cNvSpPr>
+            <a:spLocks noGrp="1"/>
+          </p:cNvSpPr>
+          <p:nvPr>
+            <p:ph type="sldNum" sz="quarter" idx="10"/>
+          </p:nvPr>
+        </p:nvSpPr>
+        <p:spPr/>
+        <p:txBody>
+          <a:bodyPr/>
+          <a:lstStyle/>
+          <a:p>
+            <a:pPr>
+              <a:defRPr/>
+            </a:pPr>
+            <a:fld id="{DC3734AA-3150-D947-AC52-2F5DF48BFCD5}" type="slidenum">
+              <a:rPr lang="en-US" smtClean="0"/>
+              <a:pPr>
+                <a:defRPr/>
+              </a:pPr>
+              <a:t>44</a:t>
+            </a:fld>
+            <a:endParaRPr lang="en-US" dirty="0"/>
+          </a:p>
+        </p:txBody>
+      </p:sp>
+      <p:sp>
+        <p:nvSpPr>
+          <p:cNvPr id="5" name="Header Placeholder 4"/>
+          <p:cNvSpPr>
+            <a:spLocks noGrp="1"/>
+          </p:cNvSpPr>
+          <p:nvPr>
+            <p:ph type="hdr" sz="quarter" idx="11"/>
+          </p:nvPr>
+        </p:nvSpPr>
+        <p:spPr/>
+        <p:txBody>
+          <a:bodyPr/>
+          <a:lstStyle/>
+          <a:p>
+            <a:pPr>
+              <a:defRPr/>
+            </a:pPr>
+            <a:endParaRPr lang="en-US"/>
+          </a:p>
+        </p:txBody>
+      </p:sp>
+      <p:sp>
+        <p:nvSpPr>
+          <p:cNvPr id="6" name="Footer Placeholder 5"/>
+          <p:cNvSpPr>
+            <a:spLocks noGrp="1"/>
+          </p:cNvSpPr>
+          <p:nvPr>
+            <p:ph type="ftr" sz="quarter" idx="12"/>
+          </p:nvPr>
+        </p:nvSpPr>
+        <p:spPr/>
+        <p:txBody>
+          <a:bodyPr/>
+          <a:lstStyle/>
+          <a:p>
+            <a:pPr>
+              <a:defRPr/>
+            </a:pPr>
+            <a:endParaRPr lang="en-US"/>
+          </a:p>
+        </p:txBody>
+      </p:sp>
+    </p:spTree>
+    <p:extLst>
+      <p:ext uri="{BB962C8B-B14F-4D97-AF65-F5344CB8AC3E}">
+        <p14:creationId xmlns:p14="http://schemas.microsoft.com/office/powerpoint/2010/main" val="1368529320"/>
+      </p:ext>
+    </p:extLst>
+  </p:cSld>
+  <p:clrMapOvr>
+    <a:masterClrMapping/>
+  </p:clrMapOvr>
+</p:notes>
+</file>
+
+<file path=ppt/notesSlides/notesSlide35.xml><?xml version="1.0" encoding="utf-8"?>
+<p:notes xmlns:a="http://schemas.openxmlformats.org/drawingml/2006/main" xmlns:r="http://schemas.openxmlformats.org/officeDocument/2006/relationships" xmlns:p="http://schemas.openxmlformats.org/presentationml/2006/main">
+  <p:cSld>
+    <p:spTree>
+      <p:nvGrpSpPr>
+        <p:cNvPr id="1" name=""/>
+        <p:cNvGrpSpPr/>
+        <p:nvPr/>
+      </p:nvGrpSpPr>
+      <p:grpSpPr>
+        <a:xfrm>
+          <a:off x="0" y="0"/>
+          <a:ext cx="0" cy="0"/>
+          <a:chOff x="0" y="0"/>
+          <a:chExt cx="0" cy="0"/>
+        </a:xfrm>
+      </p:grpSpPr>
+      <p:sp>
+        <p:nvSpPr>
+          <p:cNvPr id="2" name="Slide Image Placeholder 1"/>
+          <p:cNvSpPr>
+            <a:spLocks noGrp="1" noRot="1" noChangeAspect="1"/>
+          </p:cNvSpPr>
+          <p:nvPr>
+            <p:ph type="sldImg"/>
+          </p:nvPr>
+        </p:nvSpPr>
+        <p:spPr/>
+      </p:sp>
+      <p:sp>
+        <p:nvSpPr>
+          <p:cNvPr id="3" name="Notes Placeholder 2"/>
+          <p:cNvSpPr>
+            <a:spLocks noGrp="1"/>
+          </p:cNvSpPr>
+          <p:nvPr>
+            <p:ph type="body" idx="1"/>
+          </p:nvPr>
+        </p:nvSpPr>
+        <p:spPr/>
+        <p:txBody>
+          <a:bodyPr/>
+          <a:lstStyle/>
+          <a:p>
+            <a:pPr marL="0" marR="0" indent="0" algn="l" defTabSz="1217613" rtl="0" eaLnBrk="1" fontAlgn="base" latinLnBrk="0" hangingPunct="1">
+              <a:lnSpc>
+                <a:spcPct val="90000"/>
+              </a:lnSpc>
+              <a:spcBef>
+                <a:spcPct val="30000"/>
+              </a:spcBef>
+              <a:spcAft>
+                <a:spcPts val="450"/>
+              </a:spcAft>
+              <a:buClrTx/>
+              <a:buSzTx/>
+              <a:buFontTx/>
+              <a:buNone/>
+              <a:tabLst/>
+              <a:defRPr/>
+            </a:pPr>
+            <a:r>
+              <a:rPr lang="en-US" dirty="0" smtClean="0"/>
+              <a:t>Results: Your </a:t>
+            </a:r>
+            <a:r>
+              <a:rPr lang="en-US" dirty="0" smtClean="0"/>
+              <a:t>~/cookbooks/ssh/templates/default/</a:t>
+            </a:r>
+            <a:r>
+              <a:rPr lang="en-US" dirty="0" err="1" smtClean="0"/>
+              <a:t>ssh_config.erb</a:t>
+            </a:r>
+            <a:r>
+              <a:rPr lang="en-US" baseline="0" dirty="0" smtClean="0"/>
+              <a:t> file's Protocol line should now look like this example.</a:t>
+            </a:r>
+          </a:p>
+        </p:txBody>
+      </p:sp>
+      <p:sp>
+        <p:nvSpPr>
+          <p:cNvPr id="4" name="Slide Number Placeholder 3"/>
+          <p:cNvSpPr>
+            <a:spLocks noGrp="1"/>
+          </p:cNvSpPr>
+          <p:nvPr>
+            <p:ph type="sldNum" sz="quarter" idx="10"/>
+          </p:nvPr>
+        </p:nvSpPr>
+        <p:spPr/>
+        <p:txBody>
+          <a:bodyPr/>
+          <a:lstStyle/>
+          <a:p>
+            <a:pPr>
+              <a:defRPr/>
+            </a:pPr>
+            <a:fld id="{DC3734AA-3150-D947-AC52-2F5DF48BFCD5}" type="slidenum">
+              <a:rPr lang="en-US" smtClean="0"/>
+              <a:pPr>
+                <a:defRPr/>
+              </a:pPr>
+              <a:t>45</a:t>
+            </a:fld>
+            <a:endParaRPr lang="en-US" dirty="0"/>
+          </a:p>
+        </p:txBody>
+      </p:sp>
+      <p:sp>
+        <p:nvSpPr>
+          <p:cNvPr id="5" name="Header Placeholder 4"/>
+          <p:cNvSpPr>
+            <a:spLocks noGrp="1"/>
+          </p:cNvSpPr>
+          <p:nvPr>
+            <p:ph type="hdr" sz="quarter" idx="11"/>
+          </p:nvPr>
+        </p:nvSpPr>
+        <p:spPr/>
+        <p:txBody>
+          <a:bodyPr/>
+          <a:lstStyle/>
+          <a:p>
+            <a:pPr>
+              <a:defRPr/>
+            </a:pPr>
+            <a:endParaRPr lang="en-US"/>
+          </a:p>
+        </p:txBody>
+      </p:sp>
+      <p:sp>
+        <p:nvSpPr>
+          <p:cNvPr id="6" name="Footer Placeholder 5"/>
+          <p:cNvSpPr>
+            <a:spLocks noGrp="1"/>
+          </p:cNvSpPr>
+          <p:nvPr>
+            <p:ph type="ftr" sz="quarter" idx="12"/>
+          </p:nvPr>
+        </p:nvSpPr>
+        <p:spPr/>
+        <p:txBody>
+          <a:bodyPr/>
+          <a:lstStyle/>
+          <a:p>
+            <a:pPr>
+              <a:defRPr/>
+            </a:pPr>
+            <a:endParaRPr lang="en-US"/>
+          </a:p>
+        </p:txBody>
+      </p:sp>
+    </p:spTree>
+    <p:extLst>
+      <p:ext uri="{BB962C8B-B14F-4D97-AF65-F5344CB8AC3E}">
+        <p14:creationId xmlns:p14="http://schemas.microsoft.com/office/powerpoint/2010/main" val="2889801010"/>
+      </p:ext>
+    </p:extLst>
+  </p:cSld>
+  <p:clrMapOvr>
+    <a:masterClrMapping/>
+  </p:clrMapOvr>
+</p:notes>
+</file>
+
+<file path=ppt/notesSlides/notesSlide36.xml><?xml version="1.0" encoding="utf-8"?>
+<p:notes xmlns:a="http://schemas.openxmlformats.org/drawingml/2006/main" xmlns:r="http://schemas.openxmlformats.org/officeDocument/2006/relationships" xmlns:p="http://schemas.openxmlformats.org/presentationml/2006/main">
+  <p:cSld>
+    <p:spTree>
+      <p:nvGrpSpPr>
+        <p:cNvPr id="1" name=""/>
+        <p:cNvGrpSpPr/>
+        <p:nvPr/>
+      </p:nvGrpSpPr>
+      <p:grpSpPr>
+        <a:xfrm>
+          <a:off x="0" y="0"/>
+          <a:ext cx="0" cy="0"/>
+          <a:chOff x="0" y="0"/>
+          <a:chExt cx="0" cy="0"/>
+        </a:xfrm>
+      </p:grpSpPr>
+      <p:sp>
+        <p:nvSpPr>
+          <p:cNvPr id="2" name="Slide Image Placeholder 1"/>
+          <p:cNvSpPr>
+            <a:spLocks noGrp="1" noRot="1" noChangeAspect="1"/>
+          </p:cNvSpPr>
+          <p:nvPr>
+            <p:ph type="sldImg"/>
+          </p:nvPr>
+        </p:nvSpPr>
+        <p:spPr/>
+      </p:sp>
+      <p:sp>
+        <p:nvSpPr>
+          <p:cNvPr id="3" name="Notes Placeholder 2"/>
+          <p:cNvSpPr>
+            <a:spLocks noGrp="1"/>
+          </p:cNvSpPr>
+          <p:nvPr>
+            <p:ph type="body" idx="1"/>
+          </p:nvPr>
+        </p:nvSpPr>
+        <p:spPr/>
+        <p:txBody>
+          <a:bodyPr/>
+          <a:lstStyle/>
+          <a:p>
+            <a:pPr marL="0" marR="0" indent="0" algn="l" defTabSz="1217613" rtl="0" eaLnBrk="1" fontAlgn="base" latinLnBrk="0" hangingPunct="1">
+              <a:lnSpc>
+                <a:spcPct val="90000"/>
+              </a:lnSpc>
+              <a:spcBef>
+                <a:spcPct val="30000"/>
+              </a:spcBef>
+              <a:spcAft>
+                <a:spcPts val="450"/>
+              </a:spcAft>
+              <a:buClrTx/>
+              <a:buSzTx/>
+              <a:buFontTx/>
+              <a:buNone/>
+              <a:tabLst/>
+              <a:defRPr/>
+            </a:pPr>
+            <a:r>
+              <a:rPr lang="en-US" dirty="0" smtClean="0"/>
+              <a:t>Results: Your </a:t>
+            </a:r>
+            <a:r>
+              <a:rPr lang="en-US" dirty="0" smtClean="0"/>
+              <a:t>~/cookbooks/ssh/templates/default/</a:t>
+            </a:r>
+            <a:r>
+              <a:rPr lang="en-US" dirty="0" err="1" smtClean="0"/>
+              <a:t>ssh_config.erb</a:t>
+            </a:r>
+            <a:r>
+              <a:rPr lang="en-US" baseline="0" dirty="0" smtClean="0"/>
+              <a:t> file's Protocol line should now look like this example.</a:t>
+            </a:r>
+          </a:p>
+        </p:txBody>
+      </p:sp>
+      <p:sp>
+        <p:nvSpPr>
+          <p:cNvPr id="4" name="Slide Number Placeholder 3"/>
+          <p:cNvSpPr>
+            <a:spLocks noGrp="1"/>
+          </p:cNvSpPr>
+          <p:nvPr>
+            <p:ph type="sldNum" sz="quarter" idx="10"/>
+          </p:nvPr>
+        </p:nvSpPr>
+        <p:spPr/>
+        <p:txBody>
+          <a:bodyPr/>
+          <a:lstStyle/>
+          <a:p>
+            <a:pPr>
+              <a:defRPr/>
+            </a:pPr>
+            <a:fld id="{DC3734AA-3150-D947-AC52-2F5DF48BFCD5}" type="slidenum">
+              <a:rPr lang="en-US" smtClean="0"/>
+              <a:pPr>
+                <a:defRPr/>
+              </a:pPr>
+              <a:t>46</a:t>
+            </a:fld>
+            <a:endParaRPr lang="en-US" dirty="0"/>
+          </a:p>
+        </p:txBody>
+      </p:sp>
+      <p:sp>
+        <p:nvSpPr>
+          <p:cNvPr id="5" name="Header Placeholder 4"/>
+          <p:cNvSpPr>
+            <a:spLocks noGrp="1"/>
+          </p:cNvSpPr>
+          <p:nvPr>
+            <p:ph type="hdr" sz="quarter" idx="11"/>
+          </p:nvPr>
+        </p:nvSpPr>
+        <p:spPr/>
+        <p:txBody>
+          <a:bodyPr/>
+          <a:lstStyle/>
+          <a:p>
+            <a:pPr>
+              <a:defRPr/>
+            </a:pPr>
+            <a:endParaRPr lang="en-US"/>
+          </a:p>
+        </p:txBody>
+      </p:sp>
+      <p:sp>
+        <p:nvSpPr>
+          <p:cNvPr id="6" name="Footer Placeholder 5"/>
+          <p:cNvSpPr>
+            <a:spLocks noGrp="1"/>
+          </p:cNvSpPr>
+          <p:nvPr>
+            <p:ph type="ftr" sz="quarter" idx="12"/>
+          </p:nvPr>
+        </p:nvSpPr>
+        <p:spPr/>
+        <p:txBody>
+          <a:bodyPr/>
+          <a:lstStyle/>
+          <a:p>
+            <a:pPr>
+              <a:defRPr/>
+            </a:pPr>
+            <a:endParaRPr lang="en-US"/>
+          </a:p>
+        </p:txBody>
+      </p:sp>
+    </p:spTree>
+    <p:extLst>
+      <p:ext uri="{BB962C8B-B14F-4D97-AF65-F5344CB8AC3E}">
+        <p14:creationId xmlns:p14="http://schemas.microsoft.com/office/powerpoint/2010/main" val="3314187838"/>
+      </p:ext>
+    </p:extLst>
+  </p:cSld>
+  <p:clrMapOvr>
+    <a:masterClrMapping/>
+  </p:clrMapOvr>
+</p:notes>
+</file>
+
+<file path=ppt/notesSlides/notesSlide37.xml><?xml version="1.0" encoding="utf-8"?>
+<p:notes xmlns:a="http://schemas.openxmlformats.org/drawingml/2006/main" xmlns:r="http://schemas.openxmlformats.org/officeDocument/2006/relationships" xmlns:p="http://schemas.openxmlformats.org/presentationml/2006/main">
+  <p:cSld>
+    <p:spTree>
+      <p:nvGrpSpPr>
+        <p:cNvPr id="1" name=""/>
+        <p:cNvGrpSpPr/>
+        <p:nvPr/>
+      </p:nvGrpSpPr>
+      <p:grpSpPr>
+        <a:xfrm>
+          <a:off x="0" y="0"/>
+          <a:ext cx="0" cy="0"/>
+          <a:chOff x="0" y="0"/>
+          <a:chExt cx="0" cy="0"/>
+        </a:xfrm>
+      </p:grpSpPr>
+      <p:sp>
+        <p:nvSpPr>
+          <p:cNvPr id="2" name="Slide Image Placeholder 1"/>
+          <p:cNvSpPr>
+            <a:spLocks noGrp="1" noRot="1" noChangeAspect="1"/>
+          </p:cNvSpPr>
+          <p:nvPr>
+            <p:ph type="sldImg"/>
+          </p:nvPr>
+        </p:nvSpPr>
+        <p:spPr/>
+      </p:sp>
+      <p:sp>
+        <p:nvSpPr>
+          <p:cNvPr id="3" name="Notes Placeholder 2"/>
+          <p:cNvSpPr>
+            <a:spLocks noGrp="1"/>
+          </p:cNvSpPr>
+          <p:nvPr>
+            <p:ph type="body" idx="1"/>
+          </p:nvPr>
+        </p:nvSpPr>
+        <p:spPr/>
+        <p:txBody>
+          <a:bodyPr>
+            <a:normAutofit fontScale="70000" lnSpcReduction="20000"/>
+          </a:bodyPr>
+          <a:lstStyle/>
+          <a:p>
+            <a:pPr marL="0" marR="0" indent="0" algn="l" defTabSz="1217613" rtl="0" eaLnBrk="1" fontAlgn="base" latinLnBrk="0" hangingPunct="1">
+              <a:lnSpc>
+                <a:spcPct val="90000"/>
+              </a:lnSpc>
+              <a:spcBef>
+                <a:spcPct val="30000"/>
+              </a:spcBef>
+              <a:spcAft>
+                <a:spcPts val="450"/>
+              </a:spcAft>
+              <a:buClrTx/>
+              <a:buSzTx/>
+              <a:buFontTx/>
+              <a:buNone/>
+              <a:tabLst/>
+              <a:defRPr/>
+            </a:pPr>
+            <a:r>
+              <a:rPr lang="en-US" dirty="0" smtClean="0"/>
+              <a:t>You should now see that only Protocol version 2 is currently set</a:t>
+            </a:r>
+            <a:r>
+              <a:rPr lang="en-US" baseline="0" dirty="0" smtClean="0"/>
+              <a:t> in test kitchen. </a:t>
+            </a:r>
+            <a:endParaRPr lang="en-US" baseline="0" dirty="0" smtClean="0"/>
+          </a:p>
+          <a:p>
+            <a:pPr marL="0" marR="0" indent="0" algn="l" defTabSz="1217613" rtl="0" eaLnBrk="1" fontAlgn="base" latinLnBrk="0" hangingPunct="1">
+              <a:lnSpc>
+                <a:spcPct val="90000"/>
+              </a:lnSpc>
+              <a:spcBef>
+                <a:spcPct val="30000"/>
+              </a:spcBef>
+              <a:spcAft>
+                <a:spcPts val="450"/>
+              </a:spcAft>
+              <a:buClrTx/>
+              <a:buSzTx/>
+              <a:buFontTx/>
+              <a:buNone/>
+              <a:tabLst/>
+              <a:defRPr/>
+            </a:pPr>
+            <a:endParaRPr lang="en-US" baseline="0" dirty="0" smtClean="0"/>
+          </a:p>
+          <a:p>
+            <a:pPr marL="0" marR="0" indent="0" algn="l" defTabSz="1217613" rtl="0" eaLnBrk="1" fontAlgn="base" latinLnBrk="0" hangingPunct="1">
+              <a:lnSpc>
+                <a:spcPct val="90000"/>
+              </a:lnSpc>
+              <a:spcBef>
+                <a:spcPct val="30000"/>
+              </a:spcBef>
+              <a:spcAft>
+                <a:spcPts val="450"/>
+              </a:spcAft>
+              <a:buClrTx/>
+              <a:buSzTx/>
+              <a:buFontTx/>
+              <a:buNone/>
+              <a:tabLst/>
+              <a:defRPr/>
+            </a:pPr>
+            <a:endParaRPr lang="en-US" baseline="0" dirty="0" smtClean="0"/>
+          </a:p>
+          <a:p>
+            <a:pPr marL="0" marR="0" indent="0" algn="l" defTabSz="1217613" rtl="0" eaLnBrk="1" fontAlgn="base" latinLnBrk="0" hangingPunct="1">
+              <a:lnSpc>
+                <a:spcPct val="90000"/>
+              </a:lnSpc>
+              <a:spcBef>
+                <a:spcPct val="30000"/>
+              </a:spcBef>
+              <a:spcAft>
+                <a:spcPts val="450"/>
+              </a:spcAft>
+              <a:buClrTx/>
+              <a:buSzTx/>
+              <a:buFontTx/>
+              <a:buNone/>
+              <a:tabLst/>
+              <a:defRPr/>
+            </a:pPr>
+            <a:r>
+              <a:rPr lang="en-US" baseline="0" dirty="0" smtClean="0"/>
+              <a:t> - update content in file /etc/ssh/</a:t>
+            </a:r>
+            <a:r>
+              <a:rPr lang="en-US" baseline="0" dirty="0" err="1" smtClean="0"/>
+              <a:t>ssh_config</a:t>
+            </a:r>
+            <a:r>
+              <a:rPr lang="en-US" baseline="0" dirty="0" smtClean="0"/>
+              <a:t> from 86eb9b to cca3f2</a:t>
+            </a:r>
+          </a:p>
+          <a:p>
+            <a:pPr marL="0" marR="0" indent="0" algn="l" defTabSz="1217613" rtl="0" eaLnBrk="1" fontAlgn="base" latinLnBrk="0" hangingPunct="1">
+              <a:lnSpc>
+                <a:spcPct val="90000"/>
+              </a:lnSpc>
+              <a:spcBef>
+                <a:spcPct val="30000"/>
+              </a:spcBef>
+              <a:spcAft>
+                <a:spcPts val="450"/>
+              </a:spcAft>
+              <a:buClrTx/>
+              <a:buSzTx/>
+              <a:buFontTx/>
+              <a:buNone/>
+              <a:tabLst/>
+              <a:defRPr/>
+            </a:pPr>
+            <a:r>
+              <a:rPr lang="en-US" baseline="0" dirty="0" smtClean="0"/>
+              <a:t>           --- /etc/ssh/</a:t>
+            </a:r>
+            <a:r>
+              <a:rPr lang="en-US" baseline="0" dirty="0" err="1" smtClean="0"/>
+              <a:t>ssh_config</a:t>
+            </a:r>
+            <a:r>
+              <a:rPr lang="en-US" baseline="0" dirty="0" smtClean="0"/>
+              <a:t>      2015-08-13 09:58:26.000000000 +0000</a:t>
+            </a:r>
+          </a:p>
+          <a:p>
+            <a:pPr marL="0" marR="0" indent="0" algn="l" defTabSz="1217613" rtl="0" eaLnBrk="1" fontAlgn="base" latinLnBrk="0" hangingPunct="1">
+              <a:lnSpc>
+                <a:spcPct val="90000"/>
+              </a:lnSpc>
+              <a:spcBef>
+                <a:spcPct val="30000"/>
+              </a:spcBef>
+              <a:spcAft>
+                <a:spcPts val="450"/>
+              </a:spcAft>
+              <a:buClrTx/>
+              <a:buSzTx/>
+              <a:buFontTx/>
+              <a:buNone/>
+              <a:tabLst/>
+              <a:defRPr/>
+            </a:pPr>
+            <a:r>
+              <a:rPr lang="en-US" baseline="0" dirty="0" smtClean="0"/>
+              <a:t>           +++ /etc/ssh/.ssh_config20151208-344-8n2j2b  2015-12-08 16:49:09.916359184 +0000</a:t>
+            </a:r>
+          </a:p>
+          <a:p>
+            <a:pPr marL="0" marR="0" indent="0" algn="l" defTabSz="1217613" rtl="0" eaLnBrk="1" fontAlgn="base" latinLnBrk="0" hangingPunct="1">
+              <a:lnSpc>
+                <a:spcPct val="90000"/>
+              </a:lnSpc>
+              <a:spcBef>
+                <a:spcPct val="30000"/>
+              </a:spcBef>
+              <a:spcAft>
+                <a:spcPts val="450"/>
+              </a:spcAft>
+              <a:buClrTx/>
+              <a:buSzTx/>
+              <a:buFontTx/>
+              <a:buNone/>
+              <a:tabLst/>
+              <a:defRPr/>
+            </a:pPr>
+            <a:r>
+              <a:rPr lang="en-US" baseline="0" dirty="0" smtClean="0"/>
+              <a:t>           @@ -37,7 +37,7 @@</a:t>
+            </a:r>
+          </a:p>
+          <a:p>
+            <a:pPr marL="0" marR="0" indent="0" algn="l" defTabSz="1217613" rtl="0" eaLnBrk="1" fontAlgn="base" latinLnBrk="0" hangingPunct="1">
+              <a:lnSpc>
+                <a:spcPct val="90000"/>
+              </a:lnSpc>
+              <a:spcBef>
+                <a:spcPct val="30000"/>
+              </a:spcBef>
+              <a:spcAft>
+                <a:spcPts val="450"/>
+              </a:spcAft>
+              <a:buClrTx/>
+              <a:buSzTx/>
+              <a:buFontTx/>
+              <a:buNone/>
+              <a:tabLst/>
+              <a:defRPr/>
+            </a:pPr>
+            <a:r>
+              <a:rPr lang="en-US" baseline="0" dirty="0" smtClean="0"/>
+              <a:t>            #   </a:t>
+            </a:r>
+            <a:r>
+              <a:rPr lang="en-US" baseline="0" dirty="0" err="1" smtClean="0"/>
+              <a:t>IdentityFile</a:t>
+            </a:r>
+            <a:r>
+              <a:rPr lang="en-US" baseline="0" dirty="0" smtClean="0"/>
+              <a:t> ~/.ssh/</a:t>
+            </a:r>
+            <a:r>
+              <a:rPr lang="en-US" baseline="0" dirty="0" err="1" smtClean="0"/>
+              <a:t>id_rsa</a:t>
+            </a:r>
+            <a:endParaRPr lang="en-US" baseline="0" dirty="0" smtClean="0"/>
+          </a:p>
+          <a:p>
+            <a:pPr marL="0" marR="0" indent="0" algn="l" defTabSz="1217613" rtl="0" eaLnBrk="1" fontAlgn="base" latinLnBrk="0" hangingPunct="1">
+              <a:lnSpc>
+                <a:spcPct val="90000"/>
+              </a:lnSpc>
+              <a:spcBef>
+                <a:spcPct val="30000"/>
+              </a:spcBef>
+              <a:spcAft>
+                <a:spcPts val="450"/>
+              </a:spcAft>
+              <a:buClrTx/>
+              <a:buSzTx/>
+              <a:buFontTx/>
+              <a:buNone/>
+              <a:tabLst/>
+              <a:defRPr/>
+            </a:pPr>
+            <a:r>
+              <a:rPr lang="en-US" baseline="0" dirty="0" smtClean="0"/>
+              <a:t>            #   </a:t>
+            </a:r>
+            <a:r>
+              <a:rPr lang="en-US" baseline="0" dirty="0" err="1" smtClean="0"/>
+              <a:t>IdentityFile</a:t>
+            </a:r>
+            <a:r>
+              <a:rPr lang="en-US" baseline="0" dirty="0" smtClean="0"/>
+              <a:t> ~/.ssh/</a:t>
+            </a:r>
+            <a:r>
+              <a:rPr lang="en-US" baseline="0" dirty="0" err="1" smtClean="0"/>
+              <a:t>id_dsa</a:t>
+            </a:r>
+            <a:endParaRPr lang="en-US" baseline="0" dirty="0" smtClean="0"/>
+          </a:p>
+          <a:p>
+            <a:pPr marL="0" marR="0" indent="0" algn="l" defTabSz="1217613" rtl="0" eaLnBrk="1" fontAlgn="base" latinLnBrk="0" hangingPunct="1">
+              <a:lnSpc>
+                <a:spcPct val="90000"/>
+              </a:lnSpc>
+              <a:spcBef>
+                <a:spcPct val="30000"/>
+              </a:spcBef>
+              <a:spcAft>
+                <a:spcPts val="450"/>
+              </a:spcAft>
+              <a:buClrTx/>
+              <a:buSzTx/>
+              <a:buFontTx/>
+              <a:buNone/>
+              <a:tabLst/>
+              <a:defRPr/>
+            </a:pPr>
+            <a:r>
+              <a:rPr lang="en-US" baseline="0" dirty="0" smtClean="0"/>
+              <a:t>            #   Port 22</a:t>
+            </a:r>
+          </a:p>
+          <a:p>
+            <a:pPr marL="0" marR="0" indent="0" algn="l" defTabSz="1217613" rtl="0" eaLnBrk="1" fontAlgn="base" latinLnBrk="0" hangingPunct="1">
+              <a:lnSpc>
+                <a:spcPct val="90000"/>
+              </a:lnSpc>
+              <a:spcBef>
+                <a:spcPct val="30000"/>
+              </a:spcBef>
+              <a:spcAft>
+                <a:spcPts val="450"/>
+              </a:spcAft>
+              <a:buClrTx/>
+              <a:buSzTx/>
+              <a:buFontTx/>
+              <a:buNone/>
+              <a:tabLst/>
+              <a:defRPr/>
+            </a:pPr>
+            <a:r>
+              <a:rPr lang="en-US" b="1" baseline="0" dirty="0" smtClean="0"/>
+              <a:t>           -#   Protocol 2,1</a:t>
+            </a:r>
+          </a:p>
+          <a:p>
+            <a:pPr marL="0" marR="0" indent="0" algn="l" defTabSz="1217613" rtl="0" eaLnBrk="1" fontAlgn="base" latinLnBrk="0" hangingPunct="1">
+              <a:lnSpc>
+                <a:spcPct val="90000"/>
+              </a:lnSpc>
+              <a:spcBef>
+                <a:spcPct val="30000"/>
+              </a:spcBef>
+              <a:spcAft>
+                <a:spcPts val="450"/>
+              </a:spcAft>
+              <a:buClrTx/>
+              <a:buSzTx/>
+              <a:buFontTx/>
+              <a:buNone/>
+              <a:tabLst/>
+              <a:defRPr/>
+            </a:pPr>
+            <a:r>
+              <a:rPr lang="en-US" b="1" baseline="0" dirty="0" smtClean="0"/>
+              <a:t>           +   Protocol 2</a:t>
+            </a:r>
+          </a:p>
+          <a:p>
+            <a:pPr marL="0" marR="0" indent="0" algn="l" defTabSz="1217613" rtl="0" eaLnBrk="1" fontAlgn="base" latinLnBrk="0" hangingPunct="1">
+              <a:lnSpc>
+                <a:spcPct val="90000"/>
+              </a:lnSpc>
+              <a:spcBef>
+                <a:spcPct val="30000"/>
+              </a:spcBef>
+              <a:spcAft>
+                <a:spcPts val="450"/>
+              </a:spcAft>
+              <a:buClrTx/>
+              <a:buSzTx/>
+              <a:buFontTx/>
+              <a:buNone/>
+              <a:tabLst/>
+              <a:defRPr/>
+            </a:pPr>
+            <a:endParaRPr lang="en-US" baseline="0" dirty="0" smtClean="0"/>
+          </a:p>
+          <a:p>
+            <a:pPr marL="0" marR="0" indent="0" algn="l" defTabSz="1217613" rtl="0" eaLnBrk="1" fontAlgn="base" latinLnBrk="0" hangingPunct="1">
+              <a:lnSpc>
+                <a:spcPct val="90000"/>
+              </a:lnSpc>
+              <a:spcBef>
+                <a:spcPct val="30000"/>
+              </a:spcBef>
+              <a:spcAft>
+                <a:spcPts val="450"/>
+              </a:spcAft>
+              <a:buClrTx/>
+              <a:buSzTx/>
+              <a:buFontTx/>
+              <a:buNone/>
+              <a:tabLst/>
+              <a:defRPr/>
+            </a:pPr>
+            <a:r>
+              <a:rPr lang="en-US" baseline="0" dirty="0" smtClean="0"/>
+              <a:t>            #   Ciphers aes128-ctr,aes192-ctr,aes256-ctr,arcfour256,arcfour128,aes128-cbc,3des-cbc</a:t>
+            </a:r>
+          </a:p>
+          <a:p>
+            <a:pPr marL="0" marR="0" indent="0" algn="l" defTabSz="1217613" rtl="0" eaLnBrk="1" fontAlgn="base" latinLnBrk="0" hangingPunct="1">
+              <a:lnSpc>
+                <a:spcPct val="90000"/>
+              </a:lnSpc>
+              <a:spcBef>
+                <a:spcPct val="30000"/>
+              </a:spcBef>
+              <a:spcAft>
+                <a:spcPts val="450"/>
+              </a:spcAft>
+              <a:buClrTx/>
+              <a:buSzTx/>
+              <a:buFontTx/>
+              <a:buNone/>
+              <a:tabLst/>
+              <a:defRPr/>
+            </a:pPr>
+            <a:endParaRPr lang="en-US" baseline="0" dirty="0" smtClean="0"/>
+          </a:p>
+          <a:p>
+            <a:pPr marL="0" marR="0" indent="0" algn="l" defTabSz="1217613" rtl="0" eaLnBrk="1" fontAlgn="base" latinLnBrk="0" hangingPunct="1">
+              <a:lnSpc>
+                <a:spcPct val="90000"/>
+              </a:lnSpc>
+              <a:spcBef>
+                <a:spcPct val="30000"/>
+              </a:spcBef>
+              <a:spcAft>
+                <a:spcPts val="450"/>
+              </a:spcAft>
+              <a:buClrTx/>
+              <a:buSzTx/>
+              <a:buFontTx/>
+              <a:buNone/>
+              <a:tabLst/>
+              <a:defRPr/>
+            </a:pPr>
+            <a:endParaRPr lang="en-US" baseline="0" dirty="0" smtClean="0"/>
+          </a:p>
+          <a:p>
+            <a:pPr marL="0" marR="0" indent="0" algn="l" defTabSz="1217613" rtl="0" eaLnBrk="1" fontAlgn="base" latinLnBrk="0" hangingPunct="1">
+              <a:lnSpc>
+                <a:spcPct val="90000"/>
+              </a:lnSpc>
+              <a:spcBef>
+                <a:spcPct val="30000"/>
+              </a:spcBef>
+              <a:spcAft>
+                <a:spcPts val="450"/>
+              </a:spcAft>
+              <a:buClrTx/>
+              <a:buSzTx/>
+              <a:buFontTx/>
+              <a:buNone/>
+              <a:tabLst/>
+              <a:defRPr/>
+            </a:pPr>
+            <a:r>
+              <a:rPr lang="en-US" baseline="0" dirty="0" smtClean="0"/>
+              <a:t>       Running handlers:</a:t>
+            </a:r>
+          </a:p>
+          <a:p>
+            <a:pPr marL="0" marR="0" indent="0" algn="l" defTabSz="1217613" rtl="0" eaLnBrk="1" fontAlgn="base" latinLnBrk="0" hangingPunct="1">
+              <a:lnSpc>
+                <a:spcPct val="90000"/>
+              </a:lnSpc>
+              <a:spcBef>
+                <a:spcPct val="30000"/>
+              </a:spcBef>
+              <a:spcAft>
+                <a:spcPts val="450"/>
+              </a:spcAft>
+              <a:buClrTx/>
+              <a:buSzTx/>
+              <a:buFontTx/>
+              <a:buNone/>
+              <a:tabLst/>
+              <a:defRPr/>
+            </a:pPr>
+            <a:endParaRPr lang="en-US" baseline="0" dirty="0" smtClean="0"/>
+          </a:p>
+          <a:p>
+            <a:pPr marL="0" marR="0" indent="0" algn="l" defTabSz="1217613" rtl="0" eaLnBrk="1" fontAlgn="base" latinLnBrk="0" hangingPunct="1">
+              <a:lnSpc>
+                <a:spcPct val="90000"/>
+              </a:lnSpc>
+              <a:spcBef>
+                <a:spcPct val="30000"/>
+              </a:spcBef>
+              <a:spcAft>
+                <a:spcPts val="450"/>
+              </a:spcAft>
+              <a:buClrTx/>
+              <a:buSzTx/>
+              <a:buFontTx/>
+              <a:buNone/>
+              <a:tabLst/>
+              <a:defRPr/>
+            </a:pPr>
+            <a:r>
+              <a:rPr lang="en-US" baseline="0" dirty="0" smtClean="0"/>
+              <a:t>       Chef Client finished, 1/1 resources updated in 03 seconds</a:t>
+            </a:r>
+          </a:p>
+          <a:p>
+            <a:pPr marL="0" marR="0" indent="0" algn="l" defTabSz="1217613" rtl="0" eaLnBrk="1" fontAlgn="base" latinLnBrk="0" hangingPunct="1">
+              <a:lnSpc>
+                <a:spcPct val="90000"/>
+              </a:lnSpc>
+              <a:spcBef>
+                <a:spcPct val="30000"/>
+              </a:spcBef>
+              <a:spcAft>
+                <a:spcPts val="450"/>
+              </a:spcAft>
+              <a:buClrTx/>
+              <a:buSzTx/>
+              <a:buFontTx/>
+              <a:buNone/>
+              <a:tabLst/>
+              <a:defRPr/>
+            </a:pPr>
+            <a:r>
+              <a:rPr lang="en-US" baseline="0" dirty="0" smtClean="0"/>
+              <a:t>       Finished converging &lt;client-centos-67&gt; (0m8.22s).</a:t>
+            </a:r>
+          </a:p>
+          <a:p>
+            <a:pPr marL="0" marR="0" indent="0" algn="l" defTabSz="1217613" rtl="0" eaLnBrk="1" fontAlgn="base" latinLnBrk="0" hangingPunct="1">
+              <a:lnSpc>
+                <a:spcPct val="90000"/>
+              </a:lnSpc>
+              <a:spcBef>
+                <a:spcPct val="30000"/>
+              </a:spcBef>
+              <a:spcAft>
+                <a:spcPts val="450"/>
+              </a:spcAft>
+              <a:buClrTx/>
+              <a:buSzTx/>
+              <a:buFontTx/>
+              <a:buNone/>
+              <a:tabLst/>
+              <a:defRPr/>
+            </a:pPr>
+            <a:endParaRPr lang="en-US" baseline="0" dirty="0" smtClean="0"/>
+          </a:p>
+        </p:txBody>
+      </p:sp>
+      <p:sp>
+        <p:nvSpPr>
+          <p:cNvPr id="4" name="Slide Number Placeholder 3"/>
+          <p:cNvSpPr>
+            <a:spLocks noGrp="1"/>
+          </p:cNvSpPr>
+          <p:nvPr>
+            <p:ph type="sldNum" sz="quarter" idx="10"/>
+          </p:nvPr>
+        </p:nvSpPr>
+        <p:spPr/>
+        <p:txBody>
+          <a:bodyPr/>
+          <a:lstStyle/>
+          <a:p>
+            <a:pPr>
+              <a:defRPr/>
+            </a:pPr>
+            <a:fld id="{DC3734AA-3150-D947-AC52-2F5DF48BFCD5}" type="slidenum">
+              <a:rPr lang="en-US" smtClean="0"/>
+              <a:pPr>
+                <a:defRPr/>
+              </a:pPr>
+              <a:t>47</a:t>
+            </a:fld>
+            <a:endParaRPr lang="en-US" dirty="0"/>
+          </a:p>
+        </p:txBody>
+      </p:sp>
+      <p:sp>
+        <p:nvSpPr>
+          <p:cNvPr id="5" name="Header Placeholder 4"/>
+          <p:cNvSpPr>
+            <a:spLocks noGrp="1"/>
+          </p:cNvSpPr>
+          <p:nvPr>
+            <p:ph type="hdr" sz="quarter" idx="11"/>
+          </p:nvPr>
+        </p:nvSpPr>
+        <p:spPr/>
+        <p:txBody>
+          <a:bodyPr/>
+          <a:lstStyle/>
+          <a:p>
+            <a:pPr>
+              <a:defRPr/>
+            </a:pPr>
+            <a:endParaRPr lang="en-US"/>
+          </a:p>
+        </p:txBody>
+      </p:sp>
+      <p:sp>
+        <p:nvSpPr>
+          <p:cNvPr id="6" name="Footer Placeholder 5"/>
+          <p:cNvSpPr>
+            <a:spLocks noGrp="1"/>
+          </p:cNvSpPr>
+          <p:nvPr>
+            <p:ph type="ftr" sz="quarter" idx="12"/>
+          </p:nvPr>
+        </p:nvSpPr>
+        <p:spPr/>
+        <p:txBody>
+          <a:bodyPr/>
+          <a:lstStyle/>
+          <a:p>
+            <a:pPr>
+              <a:defRPr/>
+            </a:pPr>
+            <a:endParaRPr lang="en-US"/>
+          </a:p>
+        </p:txBody>
+      </p:sp>
+    </p:spTree>
+    <p:extLst>
+      <p:ext uri="{BB962C8B-B14F-4D97-AF65-F5344CB8AC3E}">
+        <p14:creationId xmlns:p14="http://schemas.microsoft.com/office/powerpoint/2010/main" val="2354239035"/>
+      </p:ext>
+    </p:extLst>
+  </p:cSld>
+  <p:clrMapOvr>
+    <a:masterClrMapping/>
+  </p:clrMapOvr>
+</p:notes>
+</file>
+
+<file path=ppt/notesSlides/notesSlide38.xml><?xml version="1.0" encoding="utf-8"?>
+<p:notes xmlns:a="http://schemas.openxmlformats.org/drawingml/2006/main" xmlns:r="http://schemas.openxmlformats.org/officeDocument/2006/relationships" xmlns:p="http://schemas.openxmlformats.org/presentationml/2006/main">
+  <p:cSld>
+    <p:spTree>
+      <p:nvGrpSpPr>
+        <p:cNvPr id="1" name=""/>
+        <p:cNvGrpSpPr/>
+        <p:nvPr/>
+      </p:nvGrpSpPr>
+      <p:grpSpPr>
+        <a:xfrm>
+          <a:off x="0" y="0"/>
+          <a:ext cx="0" cy="0"/>
+          <a:chOff x="0" y="0"/>
+          <a:chExt cx="0" cy="0"/>
+        </a:xfrm>
+      </p:grpSpPr>
+      <p:sp>
+        <p:nvSpPr>
+          <p:cNvPr id="2" name="Slide Image Placeholder 1"/>
+          <p:cNvSpPr>
+            <a:spLocks noGrp="1" noRot="1" noChangeAspect="1"/>
+          </p:cNvSpPr>
+          <p:nvPr>
+            <p:ph type="sldImg"/>
+          </p:nvPr>
+        </p:nvSpPr>
+        <p:spPr/>
+      </p:sp>
+      <p:sp>
+        <p:nvSpPr>
+          <p:cNvPr id="3" name="Notes Placeholder 2"/>
+          <p:cNvSpPr>
+            <a:spLocks noGrp="1"/>
+          </p:cNvSpPr>
+          <p:nvPr>
+            <p:ph type="body" idx="1"/>
+          </p:nvPr>
+        </p:nvSpPr>
+        <p:spPr/>
+        <p:txBody>
+          <a:bodyPr>
+            <a:normAutofit fontScale="77500" lnSpcReduction="20000"/>
+          </a:bodyPr>
+          <a:lstStyle/>
+          <a:p>
+            <a:pPr marL="0" marR="0" indent="0" algn="l" defTabSz="1217613" rtl="0" eaLnBrk="1" fontAlgn="base" latinLnBrk="0" hangingPunct="1">
+              <a:lnSpc>
+                <a:spcPct val="90000"/>
+              </a:lnSpc>
+              <a:spcBef>
+                <a:spcPct val="30000"/>
+              </a:spcBef>
+              <a:spcAft>
+                <a:spcPts val="450"/>
+              </a:spcAft>
+              <a:buClrTx/>
+              <a:buSzTx/>
+              <a:buFontTx/>
+              <a:buNone/>
+              <a:tabLst/>
+              <a:defRPr/>
+            </a:pPr>
+            <a:r>
+              <a:rPr lang="en-US" dirty="0" smtClean="0"/>
+              <a:t>Now we</a:t>
+            </a:r>
+            <a:r>
+              <a:rPr lang="en-US" baseline="0" dirty="0" smtClean="0"/>
+              <a:t> need to actually apply the change to the node. We'll do this using </a:t>
+            </a:r>
+            <a:r>
+              <a:rPr lang="en-US" dirty="0" smtClean="0"/>
+              <a:t>chef-client in local mode. Of course</a:t>
+            </a:r>
+            <a:r>
+              <a:rPr lang="en-US" baseline="0" dirty="0" smtClean="0"/>
+              <a:t> in a production environment chef-client would be set to run automatically to download and converge these changes, most likely from Chef Server.</a:t>
+            </a:r>
+          </a:p>
+          <a:p>
+            <a:pPr marL="0" marR="0" indent="0" algn="l" defTabSz="1217613" rtl="0" eaLnBrk="1" fontAlgn="base" latinLnBrk="0" hangingPunct="1">
+              <a:lnSpc>
+                <a:spcPct val="90000"/>
+              </a:lnSpc>
+              <a:spcBef>
+                <a:spcPct val="30000"/>
+              </a:spcBef>
+              <a:spcAft>
+                <a:spcPts val="450"/>
+              </a:spcAft>
+              <a:buClrTx/>
+              <a:buSzTx/>
+              <a:buFontTx/>
+              <a:buNone/>
+              <a:tabLst/>
+              <a:defRPr/>
+            </a:pPr>
+            <a:endParaRPr lang="en-US" baseline="0" dirty="0" smtClean="0"/>
+          </a:p>
+          <a:p>
+            <a:pPr marL="0" marR="0" indent="0" algn="l" defTabSz="1217613" rtl="0" eaLnBrk="1" fontAlgn="base" latinLnBrk="0" hangingPunct="1">
+              <a:lnSpc>
+                <a:spcPct val="90000"/>
+              </a:lnSpc>
+              <a:spcBef>
+                <a:spcPct val="30000"/>
+              </a:spcBef>
+              <a:spcAft>
+                <a:spcPts val="450"/>
+              </a:spcAft>
+              <a:buClrTx/>
+              <a:buSzTx/>
+              <a:buFontTx/>
+              <a:buNone/>
+              <a:tabLst/>
+              <a:defRPr/>
+            </a:pPr>
+            <a:r>
+              <a:rPr lang="en-US" dirty="0" smtClean="0"/>
+              <a:t>You should then see that only Protocol version 2 is currently set</a:t>
+            </a:r>
+            <a:r>
+              <a:rPr lang="en-US" baseline="0" dirty="0" smtClean="0"/>
+              <a:t> on the node. </a:t>
+            </a:r>
+          </a:p>
+          <a:p>
+            <a:pPr marL="0" marR="0" indent="0" algn="l" defTabSz="1217613" rtl="0" eaLnBrk="1" fontAlgn="base" latinLnBrk="0" hangingPunct="1">
+              <a:lnSpc>
+                <a:spcPct val="90000"/>
+              </a:lnSpc>
+              <a:spcBef>
+                <a:spcPct val="30000"/>
+              </a:spcBef>
+              <a:spcAft>
+                <a:spcPts val="450"/>
+              </a:spcAft>
+              <a:buClrTx/>
+              <a:buSzTx/>
+              <a:buFontTx/>
+              <a:buNone/>
+              <a:tabLst/>
+              <a:defRPr/>
+            </a:pPr>
+            <a:endParaRPr lang="en-US" baseline="0" dirty="0" smtClean="0"/>
+          </a:p>
+        </p:txBody>
+      </p:sp>
+      <p:sp>
+        <p:nvSpPr>
+          <p:cNvPr id="4" name="Slide Number Placeholder 3"/>
+          <p:cNvSpPr>
+            <a:spLocks noGrp="1"/>
+          </p:cNvSpPr>
+          <p:nvPr>
+            <p:ph type="sldNum" sz="quarter" idx="10"/>
+          </p:nvPr>
+        </p:nvSpPr>
+        <p:spPr/>
+        <p:txBody>
+          <a:bodyPr/>
+          <a:lstStyle/>
+          <a:p>
+            <a:pPr>
+              <a:defRPr/>
+            </a:pPr>
+            <a:fld id="{DC3734AA-3150-D947-AC52-2F5DF48BFCD5}" type="slidenum">
+              <a:rPr lang="en-US" smtClean="0"/>
+              <a:pPr>
+                <a:defRPr/>
+              </a:pPr>
+              <a:t>48</a:t>
+            </a:fld>
+            <a:endParaRPr lang="en-US" dirty="0"/>
+          </a:p>
+        </p:txBody>
+      </p:sp>
+      <p:sp>
+        <p:nvSpPr>
+          <p:cNvPr id="5" name="Header Placeholder 4"/>
+          <p:cNvSpPr>
+            <a:spLocks noGrp="1"/>
+          </p:cNvSpPr>
+          <p:nvPr>
+            <p:ph type="hdr" sz="quarter" idx="11"/>
+          </p:nvPr>
+        </p:nvSpPr>
+        <p:spPr/>
+        <p:txBody>
+          <a:bodyPr/>
+          <a:lstStyle/>
+          <a:p>
+            <a:pPr>
+              <a:defRPr/>
+            </a:pPr>
+            <a:endParaRPr lang="en-US"/>
+          </a:p>
+        </p:txBody>
+      </p:sp>
+      <p:sp>
+        <p:nvSpPr>
+          <p:cNvPr id="6" name="Footer Placeholder 5"/>
+          <p:cNvSpPr>
+            <a:spLocks noGrp="1"/>
+          </p:cNvSpPr>
+          <p:nvPr>
+            <p:ph type="ftr" sz="quarter" idx="12"/>
+          </p:nvPr>
+        </p:nvSpPr>
+        <p:spPr/>
+        <p:txBody>
+          <a:bodyPr/>
+          <a:lstStyle/>
+          <a:p>
+            <a:pPr>
+              <a:defRPr/>
+            </a:pPr>
+            <a:endParaRPr lang="en-US"/>
+          </a:p>
+        </p:txBody>
+      </p:sp>
+    </p:spTree>
+    <p:extLst>
+      <p:ext uri="{BB962C8B-B14F-4D97-AF65-F5344CB8AC3E}">
+        <p14:creationId xmlns:p14="http://schemas.microsoft.com/office/powerpoint/2010/main" val="67414775"/>
+      </p:ext>
+    </p:extLst>
+  </p:cSld>
+  <p:clrMapOvr>
+    <a:masterClrMapping/>
+  </p:clrMapOvr>
+</p:notes>
+</file>
+
+<file path=ppt/notesSlides/notesSlide39.xml><?xml version="1.0" encoding="utf-8"?>
+<p:notes xmlns:a="http://schemas.openxmlformats.org/drawingml/2006/main" xmlns:r="http://schemas.openxmlformats.org/officeDocument/2006/relationships" xmlns:p="http://schemas.openxmlformats.org/presentationml/2006/main">
+  <p:cSld>
+    <p:spTree>
+      <p:nvGrpSpPr>
+        <p:cNvPr id="1" name=""/>
+        <p:cNvGrpSpPr/>
+        <p:nvPr/>
+      </p:nvGrpSpPr>
+      <p:grpSpPr>
+        <a:xfrm>
+          <a:off x="0" y="0"/>
+          <a:ext cx="0" cy="0"/>
+          <a:chOff x="0" y="0"/>
+          <a:chExt cx="0" cy="0"/>
+        </a:xfrm>
+      </p:grpSpPr>
+      <p:sp>
+        <p:nvSpPr>
+          <p:cNvPr id="2" name="Slide Image Placeholder 1"/>
+          <p:cNvSpPr>
+            <a:spLocks noGrp="1" noRot="1" noChangeAspect="1"/>
+          </p:cNvSpPr>
+          <p:nvPr>
+            <p:ph type="sldImg"/>
+          </p:nvPr>
+        </p:nvSpPr>
+        <p:spPr/>
+      </p:sp>
+      <p:sp>
+        <p:nvSpPr>
+          <p:cNvPr id="3" name="Notes Placeholder 2"/>
+          <p:cNvSpPr>
+            <a:spLocks noGrp="1"/>
+          </p:cNvSpPr>
+          <p:nvPr>
+            <p:ph type="body" idx="1"/>
+          </p:nvPr>
+        </p:nvSpPr>
+        <p:spPr/>
+        <p:txBody>
+          <a:bodyPr/>
+          <a:lstStyle/>
+          <a:p>
+            <a:pPr marL="0" marR="0" indent="0" algn="l" defTabSz="1217613" rtl="0" eaLnBrk="1" fontAlgn="base" latinLnBrk="0" hangingPunct="1">
+              <a:lnSpc>
+                <a:spcPct val="90000"/>
+              </a:lnSpc>
+              <a:spcBef>
+                <a:spcPct val="30000"/>
+              </a:spcBef>
+              <a:spcAft>
+                <a:spcPts val="450"/>
+              </a:spcAft>
+              <a:buClrTx/>
+              <a:buSzTx/>
+              <a:buFontTx/>
+              <a:buNone/>
+              <a:tabLst/>
+              <a:defRPr/>
+            </a:pPr>
+            <a:endParaRPr lang="en-US" dirty="0"/>
+          </a:p>
+        </p:txBody>
+      </p:sp>
+      <p:sp>
+        <p:nvSpPr>
+          <p:cNvPr id="4" name="Slide Number Placeholder 3"/>
+          <p:cNvSpPr>
+            <a:spLocks noGrp="1"/>
+          </p:cNvSpPr>
+          <p:nvPr>
+            <p:ph type="sldNum" sz="quarter" idx="10"/>
+          </p:nvPr>
+        </p:nvSpPr>
+        <p:spPr/>
+        <p:txBody>
+          <a:bodyPr/>
+          <a:lstStyle/>
+          <a:p>
+            <a:pPr>
+              <a:defRPr/>
+            </a:pPr>
+            <a:fld id="{DC3734AA-3150-D947-AC52-2F5DF48BFCD5}" type="slidenum">
+              <a:rPr lang="en-US" smtClean="0"/>
+              <a:pPr>
+                <a:defRPr/>
+              </a:pPr>
+              <a:t>49</a:t>
+            </a:fld>
+            <a:endParaRPr lang="en-US" dirty="0"/>
+          </a:p>
+        </p:txBody>
+      </p:sp>
+      <p:sp>
+        <p:nvSpPr>
+          <p:cNvPr id="5" name="Header Placeholder 4"/>
+          <p:cNvSpPr>
+            <a:spLocks noGrp="1"/>
+          </p:cNvSpPr>
+          <p:nvPr>
+            <p:ph type="hdr" sz="quarter" idx="11"/>
+          </p:nvPr>
+        </p:nvSpPr>
+        <p:spPr/>
+        <p:txBody>
+          <a:bodyPr/>
+          <a:lstStyle/>
+          <a:p>
+            <a:pPr>
+              <a:defRPr/>
+            </a:pPr>
+            <a:endParaRPr lang="en-US"/>
+          </a:p>
+        </p:txBody>
+      </p:sp>
+      <p:sp>
+        <p:nvSpPr>
+          <p:cNvPr id="6" name="Footer Placeholder 5"/>
+          <p:cNvSpPr>
+            <a:spLocks noGrp="1"/>
+          </p:cNvSpPr>
+          <p:nvPr>
+            <p:ph type="ftr" sz="quarter" idx="12"/>
+          </p:nvPr>
+        </p:nvSpPr>
+        <p:spPr/>
+        <p:txBody>
+          <a:bodyPr/>
+          <a:lstStyle/>
+          <a:p>
+            <a:pPr>
+              <a:defRPr/>
+            </a:pPr>
+            <a:endParaRPr lang="en-US"/>
+          </a:p>
+        </p:txBody>
+      </p:sp>
+    </p:spTree>
+    <p:extLst>
+      <p:ext uri="{BB962C8B-B14F-4D97-AF65-F5344CB8AC3E}">
+        <p14:creationId xmlns:p14="http://schemas.microsoft.com/office/powerpoint/2010/main" val="903931591"/>
       </p:ext>
     </p:extLst>
   </p:cSld>
@@ -5768,6 +7289,308 @@
 </p:notes>
 </file>
 
+<file path=ppt/notesSlides/notesSlide40.xml><?xml version="1.0" encoding="utf-8"?>
+<p:notes xmlns:a="http://schemas.openxmlformats.org/drawingml/2006/main" xmlns:r="http://schemas.openxmlformats.org/officeDocument/2006/relationships" xmlns:p="http://schemas.openxmlformats.org/presentationml/2006/main">
+  <p:cSld>
+    <p:spTree>
+      <p:nvGrpSpPr>
+        <p:cNvPr id="1" name=""/>
+        <p:cNvGrpSpPr/>
+        <p:nvPr/>
+      </p:nvGrpSpPr>
+      <p:grpSpPr>
+        <a:xfrm>
+          <a:off x="0" y="0"/>
+          <a:ext cx="0" cy="0"/>
+          <a:chOff x="0" y="0"/>
+          <a:chExt cx="0" cy="0"/>
+        </a:xfrm>
+      </p:grpSpPr>
+      <p:sp>
+        <p:nvSpPr>
+          <p:cNvPr id="2" name="Slide Image Placeholder 1"/>
+          <p:cNvSpPr>
+            <a:spLocks noGrp="1" noRot="1" noChangeAspect="1"/>
+          </p:cNvSpPr>
+          <p:nvPr>
+            <p:ph type="sldImg"/>
+          </p:nvPr>
+        </p:nvSpPr>
+        <p:spPr/>
+      </p:sp>
+      <p:sp>
+        <p:nvSpPr>
+          <p:cNvPr id="3" name="Notes Placeholder 2"/>
+          <p:cNvSpPr>
+            <a:spLocks noGrp="1"/>
+          </p:cNvSpPr>
+          <p:nvPr>
+            <p:ph type="body" idx="1"/>
+          </p:nvPr>
+        </p:nvSpPr>
+        <p:spPr/>
+        <p:txBody>
+          <a:bodyPr/>
+          <a:lstStyle/>
+          <a:p>
+            <a:pPr marL="0" marR="0" indent="0" algn="l" defTabSz="1217613" rtl="0" eaLnBrk="1" fontAlgn="base" latinLnBrk="0" hangingPunct="1">
+              <a:lnSpc>
+                <a:spcPct val="90000"/>
+              </a:lnSpc>
+              <a:spcBef>
+                <a:spcPct val="30000"/>
+              </a:spcBef>
+              <a:spcAft>
+                <a:spcPts val="450"/>
+              </a:spcAft>
+              <a:buClrTx/>
+              <a:buSzTx/>
+              <a:buFontTx/>
+              <a:buNone/>
+              <a:tabLst/>
+              <a:defRPr/>
+            </a:pPr>
+            <a:endParaRPr lang="en-US" dirty="0"/>
+          </a:p>
+        </p:txBody>
+      </p:sp>
+      <p:sp>
+        <p:nvSpPr>
+          <p:cNvPr id="4" name="Slide Number Placeholder 3"/>
+          <p:cNvSpPr>
+            <a:spLocks noGrp="1"/>
+          </p:cNvSpPr>
+          <p:nvPr>
+            <p:ph type="sldNum" sz="quarter" idx="10"/>
+          </p:nvPr>
+        </p:nvSpPr>
+        <p:spPr/>
+        <p:txBody>
+          <a:bodyPr/>
+          <a:lstStyle/>
+          <a:p>
+            <a:pPr>
+              <a:defRPr/>
+            </a:pPr>
+            <a:fld id="{DC3734AA-3150-D947-AC52-2F5DF48BFCD5}" type="slidenum">
+              <a:rPr lang="en-US" smtClean="0"/>
+              <a:pPr>
+                <a:defRPr/>
+              </a:pPr>
+              <a:t>50</a:t>
+            </a:fld>
+            <a:endParaRPr lang="en-US" dirty="0"/>
+          </a:p>
+        </p:txBody>
+      </p:sp>
+      <p:sp>
+        <p:nvSpPr>
+          <p:cNvPr id="5" name="Header Placeholder 4"/>
+          <p:cNvSpPr>
+            <a:spLocks noGrp="1"/>
+          </p:cNvSpPr>
+          <p:nvPr>
+            <p:ph type="hdr" sz="quarter" idx="11"/>
+          </p:nvPr>
+        </p:nvSpPr>
+        <p:spPr/>
+        <p:txBody>
+          <a:bodyPr/>
+          <a:lstStyle/>
+          <a:p>
+            <a:pPr>
+              <a:defRPr/>
+            </a:pPr>
+            <a:endParaRPr lang="en-US"/>
+          </a:p>
+        </p:txBody>
+      </p:sp>
+      <p:sp>
+        <p:nvSpPr>
+          <p:cNvPr id="6" name="Footer Placeholder 5"/>
+          <p:cNvSpPr>
+            <a:spLocks noGrp="1"/>
+          </p:cNvSpPr>
+          <p:nvPr>
+            <p:ph type="ftr" sz="quarter" idx="12"/>
+          </p:nvPr>
+        </p:nvSpPr>
+        <p:spPr/>
+        <p:txBody>
+          <a:bodyPr/>
+          <a:lstStyle/>
+          <a:p>
+            <a:pPr>
+              <a:defRPr/>
+            </a:pPr>
+            <a:endParaRPr lang="en-US"/>
+          </a:p>
+        </p:txBody>
+      </p:sp>
+    </p:spTree>
+    <p:extLst>
+      <p:ext uri="{BB962C8B-B14F-4D97-AF65-F5344CB8AC3E}">
+        <p14:creationId xmlns:p14="http://schemas.microsoft.com/office/powerpoint/2010/main" val="2126077804"/>
+      </p:ext>
+    </p:extLst>
+  </p:cSld>
+  <p:clrMapOvr>
+    <a:masterClrMapping/>
+  </p:clrMapOvr>
+</p:notes>
+</file>
+
+<file path=ppt/notesSlides/notesSlide41.xml><?xml version="1.0" encoding="utf-8"?>
+<p:notes xmlns:a="http://schemas.openxmlformats.org/drawingml/2006/main" xmlns:r="http://schemas.openxmlformats.org/officeDocument/2006/relationships" xmlns:p="http://schemas.openxmlformats.org/presentationml/2006/main">
+  <p:cSld>
+    <p:spTree>
+      <p:nvGrpSpPr>
+        <p:cNvPr id="1" name=""/>
+        <p:cNvGrpSpPr/>
+        <p:nvPr/>
+      </p:nvGrpSpPr>
+      <p:grpSpPr>
+        <a:xfrm>
+          <a:off x="0" y="0"/>
+          <a:ext cx="0" cy="0"/>
+          <a:chOff x="0" y="0"/>
+          <a:chExt cx="0" cy="0"/>
+        </a:xfrm>
+      </p:grpSpPr>
+      <p:sp>
+        <p:nvSpPr>
+          <p:cNvPr id="2" name="Slide Image Placeholder 1"/>
+          <p:cNvSpPr>
+            <a:spLocks noGrp="1" noRot="1" noChangeAspect="1"/>
+          </p:cNvSpPr>
+          <p:nvPr>
+            <p:ph type="sldImg"/>
+          </p:nvPr>
+        </p:nvSpPr>
+        <p:spPr/>
+      </p:sp>
+      <p:sp>
+        <p:nvSpPr>
+          <p:cNvPr id="3" name="Notes Placeholder 2"/>
+          <p:cNvSpPr>
+            <a:spLocks noGrp="1"/>
+          </p:cNvSpPr>
+          <p:nvPr>
+            <p:ph type="body" idx="1"/>
+          </p:nvPr>
+        </p:nvSpPr>
+        <p:spPr/>
+        <p:txBody>
+          <a:bodyPr/>
+          <a:lstStyle/>
+          <a:p>
+            <a:pPr marL="0" marR="0" indent="0" algn="l" defTabSz="1217613" rtl="0" eaLnBrk="1" fontAlgn="base" latinLnBrk="0" hangingPunct="1">
+              <a:lnSpc>
+                <a:spcPct val="90000"/>
+              </a:lnSpc>
+              <a:spcBef>
+                <a:spcPct val="30000"/>
+              </a:spcBef>
+              <a:spcAft>
+                <a:spcPts val="450"/>
+              </a:spcAft>
+              <a:buClrTx/>
+              <a:buSzTx/>
+              <a:buFontTx/>
+              <a:buNone/>
+              <a:tabLst/>
+              <a:defRPr/>
+            </a:pPr>
+            <a:endParaRPr lang="en-US" dirty="0"/>
+          </a:p>
+        </p:txBody>
+      </p:sp>
+      <p:sp>
+        <p:nvSpPr>
+          <p:cNvPr id="4" name="Slide Number Placeholder 3"/>
+          <p:cNvSpPr>
+            <a:spLocks noGrp="1"/>
+          </p:cNvSpPr>
+          <p:nvPr>
+            <p:ph type="sldNum" sz="quarter" idx="10"/>
+          </p:nvPr>
+        </p:nvSpPr>
+        <p:spPr/>
+        <p:txBody>
+          <a:bodyPr/>
+          <a:lstStyle/>
+          <a:p>
+            <a:pPr>
+              <a:defRPr/>
+            </a:pPr>
+            <a:fld id="{DC3734AA-3150-D947-AC52-2F5DF48BFCD5}" type="slidenum">
+              <a:rPr lang="en-US" smtClean="0"/>
+              <a:pPr>
+                <a:defRPr/>
+              </a:pPr>
+              <a:t>51</a:t>
+            </a:fld>
+            <a:endParaRPr lang="en-US" dirty="0"/>
+          </a:p>
+        </p:txBody>
+      </p:sp>
+      <p:sp>
+        <p:nvSpPr>
+          <p:cNvPr id="5" name="Header Placeholder 4"/>
+          <p:cNvSpPr>
+            <a:spLocks noGrp="1"/>
+          </p:cNvSpPr>
+          <p:nvPr>
+            <p:ph type="hdr" sz="quarter" idx="11"/>
+          </p:nvPr>
+        </p:nvSpPr>
+        <p:spPr/>
+        <p:txBody>
+          <a:bodyPr/>
+          <a:lstStyle/>
+          <a:p>
+            <a:pPr>
+              <a:defRPr/>
+            </a:pPr>
+            <a:endParaRPr lang="en-US"/>
+          </a:p>
+        </p:txBody>
+      </p:sp>
+      <p:sp>
+        <p:nvSpPr>
+          <p:cNvPr id="6" name="Footer Placeholder 5"/>
+          <p:cNvSpPr>
+            <a:spLocks noGrp="1"/>
+          </p:cNvSpPr>
+          <p:nvPr>
+            <p:ph type="ftr" sz="quarter" idx="12"/>
+          </p:nvPr>
+        </p:nvSpPr>
+        <p:spPr/>
+        <p:txBody>
+          <a:bodyPr/>
+          <a:lstStyle/>
+          <a:p>
+            <a:pPr>
+              <a:defRPr/>
+            </a:pPr>
+            <a:endParaRPr lang="en-US"/>
+          </a:p>
+        </p:txBody>
+      </p:sp>
+    </p:spTree>
+    <p:extLst>
+      <p:ext uri="{BB962C8B-B14F-4D97-AF65-F5344CB8AC3E}">
+        <p14:creationId xmlns:p14="http://schemas.microsoft.com/office/powerpoint/2010/main" val="2355399236"/>
+      </p:ext>
+    </p:extLst>
+  </p:cSld>
+  <p:clrMapOvr>
+    <a:masterClrMapping/>
+  </p:clrMapOvr>
+</p:notes>
+</file>
+
 <file path=ppt/notesSlides/notesSlide5.xml><?xml version="1.0" encoding="utf-8"?>
 <p:notes xmlns:a="http://schemas.openxmlformats.org/drawingml/2006/main" xmlns:r="http://schemas.openxmlformats.org/officeDocument/2006/relationships" xmlns:p="http://schemas.openxmlformats.org/presentationml/2006/main">
   <p:cSld>
@@ -5822,11 +7645,7 @@
             </a:r>
             <a:r>
               <a:rPr lang="en-US" dirty="0" smtClean="0"/>
-              <a:t>indicate </a:t>
-            </a:r>
-            <a:r>
-              <a:rPr lang="en-US" dirty="0" smtClean="0"/>
-              <a:t>`</a:t>
+              <a:t>indicate `</a:t>
             </a:r>
             <a:r>
               <a:rPr lang="en-US" b="1" dirty="0" smtClean="0"/>
@@ -5838,11 +7657,7 @@
             </a:r>
             <a:r>
               <a:rPr lang="en-US" b="0" baseline="0" dirty="0" smtClean="0"/>
-              <a:t> </a:t>
-            </a:r>
-            <a:r>
-              <a:rPr lang="en-US" b="0" baseline="0" dirty="0" smtClean="0"/>
-              <a:t>please notify the instructor.</a:t>
+              <a:t> please notify the instructor.</a:t>
             </a:r>
             <a:endParaRPr lang="en-US" dirty="0"/>
           </a:p>
@@ -6138,31 +7953,15 @@
           <a:p>
             <a:r>
               <a:rPr lang="en-US" dirty="0" smtClean="0"/>
-              <a:t>By clicking </a:t>
-            </a:r>
-            <a:r>
-              <a:rPr lang="en-US" dirty="0" smtClean="0"/>
-              <a:t>`</a:t>
+              <a:t>By clicking `</a:t>
             </a:r>
             <a:r>
               <a:rPr lang="en-US" b="1" dirty="0" smtClean="0"/>
-              <a:t>Settings </a:t>
-            </a:r>
-            <a:r>
-              <a:rPr lang="en-US" b="1" dirty="0" smtClean="0"/>
-              <a:t>&gt; Add New Key </a:t>
-            </a:r>
-            <a:r>
-              <a:rPr lang="en-US" b="1" dirty="0" smtClean="0"/>
-              <a:t>Pair`  </a:t>
-            </a:r>
-            <a:r>
-              <a:rPr lang="en-US" dirty="0" smtClean="0"/>
-              <a:t>you will see where to </a:t>
-            </a:r>
-            <a:r>
-              <a:rPr lang="en-US" dirty="0" smtClean="0"/>
-              <a:t>paste</a:t>
+              <a:t>Settings &gt; Add New Key Pair`  </a:t>
+            </a:r>
+            <a:r>
+              <a:rPr lang="en-US" dirty="0" smtClean="0"/>
+              <a:t>you will see where to paste</a:t>
             </a:r>
             <a:r>
               <a:rPr lang="en-US" baseline="0" dirty="0" smtClean="0"/>
@@ -6170,11 +7969,7 @@
             </a:r>
             <a:r>
               <a:rPr lang="en-US" dirty="0" smtClean="0"/>
-              <a:t>your </a:t>
-            </a:r>
-            <a:r>
-              <a:rPr lang="en-US" dirty="0" smtClean="0"/>
-              <a:t>private and public keys. </a:t>
+              <a:t>your private and public keys. </a:t>
             </a:r>
           </a:p>
           <a:p>
@@ -7144,14 +8939,14 @@
           </a:ln>
           <a:extLst>
             <a:ext uri="{909E8E84-426E-40dd-AFC4-6F175D3DCCD1}">
-              <a14:hiddenFill xmlns:a14="http://schemas.microsoft.com/office/drawing/2010/main" xmlns="">
+              <a14:hiddenFill xmlns="" xmlns:a14="http://schemas.microsoft.com/office/drawing/2010/main">
                 <a:solidFill>
                   <a:srgbClr val="FFFFFF"/>
                 </a:solidFill>
               </a14:hiddenFill>
             </a:ext>
             <a:ext uri="{91240B29-F687-4f45-9708-019B960494DF}">
-              <a14:hiddenLine xmlns:a14="http://schemas.microsoft.com/office/drawing/2010/main" xmlns="" w="9525">
+              <a14:hiddenLine xmlns="" xmlns:a14="http://schemas.microsoft.com/office/drawing/2010/main" w="9525">
                 <a:solidFill>
                   <a:srgbClr val="000000"/>
                 </a:solidFill>
@@ -7299,14 +9094,14 @@
           </a:ln>
           <a:extLst>
             <a:ext uri="{909E8E84-426E-40dd-AFC4-6F175D3DCCD1}">
-              <a14:hiddenFill xmlns:a14="http://schemas.microsoft.com/office/drawing/2010/main" xmlns="">
+              <a14:hiddenFill xmlns="" xmlns:a14="http://schemas.microsoft.com/office/drawing/2010/main">
                 <a:solidFill>
                   <a:srgbClr val="FFFFFF"/>
                 </a:solidFill>
               </a14:hiddenFill>
             </a:ext>
             <a:ext uri="{91240B29-F687-4f45-9708-019B960494DF}">
-              <a14:hiddenLine xmlns:a14="http://schemas.microsoft.com/office/drawing/2010/main" xmlns="" w="9525">
+              <a14:hiddenLine xmlns="" xmlns:a14="http://schemas.microsoft.com/office/drawing/2010/main" w="9525">
                 <a:solidFill>
                   <a:srgbClr val="000000"/>
                 </a:solidFill>
@@ -7797,14 +9592,14 @@
           </a:ln>
           <a:extLst>
             <a:ext uri="{909E8E84-426E-40dd-AFC4-6F175D3DCCD1}">
-              <a14:hiddenFill xmlns:a14="http://schemas.microsoft.com/office/drawing/2010/main" xmlns="">
+              <a14:hiddenFill xmlns="" xmlns:a14="http://schemas.microsoft.com/office/drawing/2010/main">
                 <a:solidFill>
                   <a:srgbClr val="FFFFFF"/>
                 </a:solidFill>
               </a14:hiddenFill>
             </a:ext>
             <a:ext uri="{91240B29-F687-4f45-9708-019B960494DF}">
-              <a14:hiddenLine xmlns:a14="http://schemas.microsoft.com/office/drawing/2010/main" xmlns="" w="9525">
+              <a14:hiddenLine xmlns="" xmlns:a14="http://schemas.microsoft.com/office/drawing/2010/main" w="9525">
                 <a:solidFill>
                   <a:srgbClr val="000000"/>
                 </a:solidFill>
@@ -8043,14 +9838,14 @@
           </a:ln>
           <a:extLst>
             <a:ext uri="{909E8E84-426E-40dd-AFC4-6F175D3DCCD1}">
-              <a14:hiddenFill xmlns:a14="http://schemas.microsoft.com/office/drawing/2010/main" xmlns="">
+              <a14:hiddenFill xmlns="" xmlns:a14="http://schemas.microsoft.com/office/drawing/2010/main">
                 <a:solidFill>
                   <a:srgbClr val="FFFFFF"/>
                 </a:solidFill>
               </a14:hiddenFill>
             </a:ext>
             <a:ext uri="{91240B29-F687-4f45-9708-019B960494DF}">
-              <a14:hiddenLine xmlns:a14="http://schemas.microsoft.com/office/drawing/2010/main" xmlns="" w="9525">
+              <a14:hiddenLine xmlns="" xmlns:a14="http://schemas.microsoft.com/office/drawing/2010/main" w="9525">
                 <a:solidFill>
                   <a:srgbClr val="000000"/>
                 </a:solidFill>
@@ -9978,14 +11773,14 @@
           </a:ln>
           <a:extLst>
             <a:ext uri="{909E8E84-426E-40dd-AFC4-6F175D3DCCD1}">
-              <a14:hiddenFill xmlns:a14="http://schemas.microsoft.com/office/drawing/2010/main" xmlns="">
+              <a14:hiddenFill xmlns="" xmlns:a14="http://schemas.microsoft.com/office/drawing/2010/main">
                 <a:solidFill>
                   <a:srgbClr val="FFFFFF"/>
                 </a:solidFill>
               </a14:hiddenFill>
             </a:ext>
             <a:ext uri="{91240B29-F687-4f45-9708-019B960494DF}">
-              <a14:hiddenLine xmlns:a14="http://schemas.microsoft.com/office/drawing/2010/main" xmlns="" w="9525">
+              <a14:hiddenLine xmlns="" xmlns:a14="http://schemas.microsoft.com/office/drawing/2010/main" w="9525">
                 <a:solidFill>
                   <a:srgbClr val="000000"/>
                 </a:solidFill>
@@ -11519,14 +13314,14 @@
           </a:ln>
           <a:extLst>
             <a:ext uri="{909E8E84-426E-40dd-AFC4-6F175D3DCCD1}">
-              <a14:hiddenFill xmlns:a14="http://schemas.microsoft.com/office/drawing/2010/main" xmlns="">
+              <a14:hiddenFill xmlns="" xmlns:a14="http://schemas.microsoft.com/office/drawing/2010/main">
                 <a:solidFill>
                   <a:srgbClr val="FFFFFF"/>
                 </a:solidFill>
               </a14:hiddenFill>
             </a:ext>
             <a:ext uri="{91240B29-F687-4f45-9708-019B960494DF}">
-              <a14:hiddenLine xmlns:a14="http://schemas.microsoft.com/office/drawing/2010/main" xmlns="" w="9525">
+              <a14:hiddenLine xmlns="" xmlns:a14="http://schemas.microsoft.com/office/drawing/2010/main" w="9525">
                 <a:solidFill>
                   <a:srgbClr val="000000"/>
                 </a:solidFill>
@@ -12084,14 +13879,14 @@
           </a:ln>
           <a:extLst>
             <a:ext uri="{909E8E84-426E-40dd-AFC4-6F175D3DCCD1}">
-              <a14:hiddenFill xmlns:a14="http://schemas.microsoft.com/office/drawing/2010/main" xmlns="">
+              <a14:hiddenFill xmlns="" xmlns:a14="http://schemas.microsoft.com/office/drawing/2010/main">
                 <a:solidFill>
                   <a:srgbClr val="FFFFFF"/>
                 </a:solidFill>
               </a14:hiddenFill>
             </a:ext>
             <a:ext uri="{91240B29-F687-4f45-9708-019B960494DF}">
-              <a14:hiddenLine xmlns:a14="http://schemas.microsoft.com/office/drawing/2010/main" xmlns="" w="9525">
+              <a14:hiddenLine xmlns="" xmlns:a14="http://schemas.microsoft.com/office/drawing/2010/main" w="9525">
                 <a:solidFill>
                   <a:srgbClr val="000000"/>
                 </a:solidFill>
@@ -12658,14 +14453,14 @@
           </a:ln>
           <a:extLst>
             <a:ext uri="{909E8E84-426E-40dd-AFC4-6F175D3DCCD1}">
-              <a14:hiddenFill xmlns:a14="http://schemas.microsoft.com/office/drawing/2010/main" xmlns="">
+              <a14:hiddenFill xmlns="" xmlns:a14="http://schemas.microsoft.com/office/drawing/2010/main">
                 <a:solidFill>
                   <a:srgbClr val="FFFFFF"/>
                 </a:solidFill>
               </a14:hiddenFill>
             </a:ext>
             <a:ext uri="{91240B29-F687-4f45-9708-019B960494DF}">
-              <a14:hiddenLine xmlns:a14="http://schemas.microsoft.com/office/drawing/2010/main" xmlns="" w="9525">
+              <a14:hiddenLine xmlns="" xmlns:a14="http://schemas.microsoft.com/office/drawing/2010/main" w="9525">
                 <a:solidFill>
                   <a:srgbClr val="000000"/>
                 </a:solidFill>
@@ -13605,14 +15400,14 @@
           </a:ln>
           <a:extLst>
             <a:ext uri="{909E8E84-426E-40dd-AFC4-6F175D3DCCD1}">
-              <a14:hiddenFill xmlns:a14="http://schemas.microsoft.com/office/drawing/2010/main" xmlns="">
+              <a14:hiddenFill xmlns="" xmlns:a14="http://schemas.microsoft.com/office/drawing/2010/main">
                 <a:solidFill>
                   <a:srgbClr val="FFFFFF"/>
                 </a:solidFill>
               </a14:hiddenFill>
             </a:ext>
             <a:ext uri="{91240B29-F687-4f45-9708-019B960494DF}">
-              <a14:hiddenLine xmlns:a14="http://schemas.microsoft.com/office/drawing/2010/main" xmlns="" w="9525">
+              <a14:hiddenLine xmlns="" xmlns:a14="http://schemas.microsoft.com/office/drawing/2010/main" w="9525">
                 <a:solidFill>
                   <a:srgbClr val="000000"/>
                 </a:solidFill>
@@ -13771,7 +15566,7 @@
               <a:defRPr/>
             </a:pPr>
             <a:r>
-              <a:rPr lang="en-US" dirty="0">
+              <a:rPr lang="en-US" dirty="0" smtClean="0">
                 <a:solidFill>
                   <a:srgbClr val="7F7F7F"/>
                 </a:solidFill>
@@ -13779,10 +15574,10 @@
                 <a:ea typeface="+mn-ea"/>
                 <a:cs typeface="+mn-cs"/>
               </a:rPr>
-              <a:t>1-</a:t>
+              <a:t>3-</a:t>
             </a:r>
             <a:fld id="{F0B79B2F-E1DD-4D43-95B3-EA08C411D807}" type="slidenum">
-              <a:rPr lang="en-US">
+              <a:rPr lang="en-US" smtClean="0">
                 <a:solidFill>
                   <a:srgbClr val="7F7F7F"/>
                 </a:solidFill>
@@ -14365,14 +16160,14 @@
           </a:ln>
           <a:extLst>
             <a:ext uri="{909E8E84-426E-40dd-AFC4-6F175D3DCCD1}">
-              <a14:hiddenFill xmlns:a14="http://schemas.microsoft.com/office/drawing/2010/main" xmlns="">
+              <a14:hiddenFill xmlns="" xmlns:a14="http://schemas.microsoft.com/office/drawing/2010/main">
                 <a:solidFill>
                   <a:srgbClr val="FFFFFF"/>
                 </a:solidFill>
               </a14:hiddenFill>
             </a:ext>
             <a:ext uri="{91240B29-F687-4f45-9708-019B960494DF}">
-              <a14:hiddenLine xmlns:a14="http://schemas.microsoft.com/office/drawing/2010/main" xmlns="" w="9525">
+              <a14:hiddenLine xmlns="" xmlns:a14="http://schemas.microsoft.com/office/drawing/2010/main" w="9525">
                 <a:solidFill>
                   <a:srgbClr val="000000"/>
                 </a:solidFill>
@@ -17314,11 +19109,7 @@
             </a:r>
             <a:r>
               <a:rPr lang="en-US" dirty="0" smtClean="0"/>
-              <a:t> </a:t>
-            </a:r>
-            <a:r>
-              <a:rPr lang="en-US" dirty="0" smtClean="0"/>
-              <a:t>code that comprises this profile, do the following:</a:t>
+              <a:t> code that comprises this profile, do the following:</a:t>
             </a:r>
           </a:p>
           <a:p>
@@ -18124,7 +19915,24 @@
           <a:p>
             <a:r>
               <a:rPr lang="en-US" dirty="0" smtClean="0"/>
-              <a:t>Then we'll run the compliance scan again to see if we successfully remediated the issue.</a:t>
+              <a:t>Then we'll run the compliance scan again to see if we successfully remediated the issue</a:t>
+            </a:r>
+            <a:r>
+              <a:rPr lang="en-US" dirty="0" smtClean="0"/>
+              <a:t>.</a:t>
+            </a:r>
+          </a:p>
+          <a:p>
+            <a:endParaRPr lang="en-US" dirty="0"/>
+          </a:p>
+          <a:p>
+            <a:r>
+              <a:rPr lang="en-US" b="1" dirty="0" smtClean="0"/>
+              <a:t>Note</a:t>
+            </a:r>
+            <a:r>
+              <a:rPr lang="en-US" dirty="0" smtClean="0"/>
+              <a:t>: In this course we will write a recipe directly on the node that we're running scans on. Of course, in the workplace you will likely write such recipes locally and upload them to Chef Server for convergence by the target nodes.</a:t>
             </a:r>
             <a:endParaRPr lang="en-US" dirty="0" smtClean="0"/>
           </a:p>
@@ -18305,7 +20113,6 @@
               <a:rPr lang="en-US" dirty="0"/>
               <a:t>Remediating the Issue</a:t>
             </a:r>
-            <a:endParaRPr lang="en-US" dirty="0"/>
           </a:p>
         </p:txBody>
       </p:sp>
@@ -18878,7 +20685,6 @@
               <a:rPr lang="en-US" dirty="0" smtClean="0"/>
               <a:t>` directory and navigate into it.</a:t>
             </a:r>
-            <a:endParaRPr lang="en-US" dirty="0" smtClean="0"/>
           </a:p>
         </p:txBody>
       </p:sp>
@@ -19699,7 +21505,6 @@
               <a:rPr lang="en-US" b="1" dirty="0"/>
               <a:t>end</a:t>
             </a:r>
-            <a:endParaRPr lang="en-US" b="1" dirty="0"/>
           </a:p>
         </p:txBody>
       </p:sp>
@@ -19725,11 +21530,7 @@
           <a:p>
             <a:r>
               <a:rPr lang="en-US" dirty="0"/>
-              <a:t>$ </a:t>
-            </a:r>
-            <a:r>
-              <a:rPr lang="en-US" dirty="0"/>
-              <a:t>~/cookbooks/ssh/recipes/</a:t>
+              <a:t>$ ~/cookbooks/ssh/recipes/</a:t>
             </a:r>
             <a:r>
               <a:rPr lang="en-US" dirty="0" err="1"/>
@@ -19870,7 +21671,21 @@
             </a:pPr>
             <a:r>
               <a:rPr lang="en-US" dirty="0" smtClean="0"/>
-              <a:t>Test the recipe with Test Kitchen.</a:t>
+              <a:t>Test the recipe with Test Kitchen</a:t>
+            </a:r>
+            <a:r>
+              <a:rPr lang="en-US" dirty="0" smtClean="0"/>
+              <a:t>.</a:t>
+            </a:r>
+          </a:p>
+          <a:p>
+            <a:pPr marL="342900" indent="-342900">
+              <a:buFont typeface="Wingdings" panose="05000000000000000000" pitchFamily="2" charset="2"/>
+              <a:buChar char="q"/>
+            </a:pPr>
+            <a:r>
+              <a:rPr lang="en-US" dirty="0" smtClean="0"/>
+              <a:t>Rescan the node and ensure compliance.</a:t>
             </a:r>
             <a:endParaRPr lang="en-US" dirty="0"/>
           </a:p>
@@ -22137,8 +23952,20 @@
           <a:lstStyle/>
           <a:p>
             <a:r>
-              <a:rPr lang="en-US" smtClean="0"/>
-              <a:t>$ ~/cookbooks/ssh/test/integration/client/inspec/client_spec.rb</a:t>
+              <a:rPr lang="en-US" dirty="0" smtClean="0"/>
+              <a:t>$ ~/cookbooks/ssh/test/integration/client/</a:t>
+            </a:r>
+            <a:r>
+              <a:rPr lang="en-US" dirty="0" err="1" smtClean="0"/>
+              <a:t>inspec</a:t>
+            </a:r>
+            <a:r>
+              <a:rPr lang="en-US" dirty="0" smtClean="0"/>
+              <a:t>/</a:t>
+            </a:r>
+            <a:r>
+              <a:rPr lang="en-US" dirty="0" err="1" smtClean="0"/>
+              <a:t>client_spec.rb</a:t>
             </a:r>
             <a:endParaRPr lang="en-US" dirty="0"/>
           </a:p>
@@ -22390,7 +24217,57 @@
           <a:bodyPr/>
           <a:lstStyle/>
           <a:p>
-            <a:endParaRPr lang="en-US"/>
+            <a:r>
+              <a:rPr lang="en-US" dirty="0"/>
+              <a:t>#   </a:t>
+            </a:r>
+            <a:r>
+              <a:rPr lang="en-US" dirty="0" err="1"/>
+              <a:t>IdentityFile</a:t>
+            </a:r>
+            <a:r>
+              <a:rPr lang="en-US" dirty="0"/>
+              <a:t> ~/.ssh/</a:t>
+            </a:r>
+            <a:r>
+              <a:rPr lang="en-US" dirty="0" err="1"/>
+              <a:t>id_rsa</a:t>
+            </a:r>
+            <a:endParaRPr lang="en-US" dirty="0"/>
+          </a:p>
+          <a:p>
+            <a:r>
+              <a:rPr lang="en-US" dirty="0"/>
+              <a:t>#   </a:t>
+            </a:r>
+            <a:r>
+              <a:rPr lang="en-US" dirty="0" err="1"/>
+              <a:t>IdentityFile</a:t>
+            </a:r>
+            <a:r>
+              <a:rPr lang="en-US" dirty="0"/>
+              <a:t> ~/.ssh/</a:t>
+            </a:r>
+            <a:r>
+              <a:rPr lang="en-US" dirty="0" err="1"/>
+              <a:t>id_dsa</a:t>
+            </a:r>
+            <a:endParaRPr lang="en-US" dirty="0"/>
+          </a:p>
+          <a:p>
+            <a:r>
+              <a:rPr lang="en-US" dirty="0"/>
+              <a:t>#   Port 22</a:t>
+            </a:r>
+          </a:p>
+          <a:p>
+            <a:r>
+              <a:rPr lang="en-US" dirty="0"/>
+              <a:t>#   Protocol 2,1</a:t>
+            </a:r>
+          </a:p>
+          <a:p>
+            <a:endParaRPr lang="en-US" dirty="0"/>
           </a:p>
         </p:txBody>
       </p:sp>
@@ -22409,7 +24286,19 @@
           <a:bodyPr/>
           <a:lstStyle/>
           <a:p>
-            <a:endParaRPr lang="en-US"/>
+            <a:r>
+              <a:rPr lang="en-US" dirty="0" smtClean="0"/>
+              <a:t>$ </a:t>
+            </a:r>
+            <a:r>
+              <a:rPr lang="en-US" dirty="0"/>
+              <a:t>~/cookbooks/ssh/templates/default/</a:t>
+            </a:r>
+            <a:r>
+              <a:rPr lang="en-US" dirty="0" err="1"/>
+              <a:t>ssh_config.erb</a:t>
+            </a:r>
+            <a:endParaRPr lang="en-US" dirty="0"/>
           </a:p>
         </p:txBody>
       </p:sp>
@@ -22423,12 +24312,17 @@
             <p:ph sz="quarter" idx="12"/>
           </p:nvPr>
         </p:nvSpPr>
-        <p:spPr/>
+        <p:spPr>
+          <a:xfrm>
+            <a:off x="1121104" y="3931920"/>
+            <a:ext cx="14422528" cy="434340"/>
+          </a:xfrm>
+        </p:spPr>
         <p:txBody>
           <a:bodyPr/>
           <a:lstStyle/>
           <a:p>
-            <a:endParaRPr lang="en-US"/>
+            <a:endParaRPr lang="en-US" dirty="0"/>
           </a:p>
         </p:txBody>
       </p:sp>
@@ -22449,16 +24343,17 @@
           <a:p>
             <a:r>
               <a:rPr lang="en-US" dirty="0"/>
-              <a:t>GE: Create the `</a:t>
-            </a:r>
-            <a:r>
-              <a:rPr lang="en-US" dirty="0" err="1"/>
-              <a:t>client_spec.rb</a:t>
+              <a:t>GE: </a:t>
             </a:r>
             <a:r>
               <a:rPr lang="en-US" dirty="0"/>
-              <a:t>' file</a:t>
-            </a:r>
+              <a:t>Update the </a:t>
+            </a:r>
+            <a:r>
+              <a:rPr lang="en-US" dirty="0" smtClean="0"/>
+              <a:t>Template</a:t>
+            </a:r>
+            <a:endParaRPr lang="en-US" dirty="0"/>
           </a:p>
         </p:txBody>
       </p:sp>
@@ -22497,33 +24392,12 @@
       </p:grpSpPr>
       <p:sp>
         <p:nvSpPr>
-          <p:cNvPr id="2" name="Title 1"/>
-          <p:cNvSpPr>
-            <a:spLocks noGrp="1"/>
-          </p:cNvSpPr>
-          <p:nvPr>
-            <p:ph type="ctrTitle"/>
-          </p:nvPr>
-        </p:nvSpPr>
-        <p:spPr/>
-        <p:txBody>
-          <a:bodyPr>
-            <a:normAutofit fontScale="90000"/>
-          </a:bodyPr>
-          <a:lstStyle/>
-          <a:p>
-            <a:endParaRPr lang="en-US"/>
-          </a:p>
-        </p:txBody>
-      </p:sp>
-      <p:sp>
-        <p:nvSpPr>
-          <p:cNvPr id="3" name="Subtitle 2"/>
-          <p:cNvSpPr>
-            <a:spLocks noGrp="1"/>
-          </p:cNvSpPr>
-          <p:nvPr>
-            <p:ph type="subTitle" idx="1"/>
+          <p:cNvPr id="2" name="Content Placeholder 1"/>
+          <p:cNvSpPr>
+            <a:spLocks noGrp="1"/>
+          </p:cNvSpPr>
+          <p:nvPr>
+            <p:ph sz="quarter" idx="10"/>
           </p:nvPr>
         </p:nvSpPr>
         <p:spPr/>
@@ -22531,14 +24405,155 @@
           <a:bodyPr/>
           <a:lstStyle/>
           <a:p>
-            <a:endParaRPr lang="en-US"/>
+            <a:r>
+              <a:rPr lang="en-US" dirty="0"/>
+              <a:t>#   </a:t>
+            </a:r>
+            <a:r>
+              <a:rPr lang="en-US" dirty="0" err="1"/>
+              <a:t>IdentityFile</a:t>
+            </a:r>
+            <a:r>
+              <a:rPr lang="en-US" dirty="0"/>
+              <a:t> ~/.ssh/</a:t>
+            </a:r>
+            <a:r>
+              <a:rPr lang="en-US" dirty="0" err="1"/>
+              <a:t>id_rsa</a:t>
+            </a:r>
+            <a:endParaRPr lang="en-US" dirty="0"/>
+          </a:p>
+          <a:p>
+            <a:r>
+              <a:rPr lang="en-US" dirty="0"/>
+              <a:t>#   </a:t>
+            </a:r>
+            <a:r>
+              <a:rPr lang="en-US" dirty="0" err="1"/>
+              <a:t>IdentityFile</a:t>
+            </a:r>
+            <a:r>
+              <a:rPr lang="en-US" dirty="0"/>
+              <a:t> ~/.ssh/</a:t>
+            </a:r>
+            <a:r>
+              <a:rPr lang="en-US" dirty="0" err="1"/>
+              <a:t>id_dsa</a:t>
+            </a:r>
+            <a:endParaRPr lang="en-US" dirty="0"/>
+          </a:p>
+          <a:p>
+            <a:r>
+              <a:rPr lang="en-US" dirty="0"/>
+              <a:t>#   Port 22</a:t>
+            </a:r>
+          </a:p>
+          <a:p>
+            <a:r>
+              <a:rPr lang="en-US" dirty="0"/>
+              <a:t>   Protocol 2</a:t>
+            </a:r>
+          </a:p>
+        </p:txBody>
+      </p:sp>
+      <p:sp>
+        <p:nvSpPr>
+          <p:cNvPr id="3" name="Text Placeholder 2"/>
+          <p:cNvSpPr>
+            <a:spLocks noGrp="1"/>
+          </p:cNvSpPr>
+          <p:nvPr>
+            <p:ph type="body" sz="quarter" idx="11"/>
+          </p:nvPr>
+        </p:nvSpPr>
+        <p:spPr/>
+        <p:txBody>
+          <a:bodyPr/>
+          <a:lstStyle/>
+          <a:p>
+            <a:r>
+              <a:rPr lang="en-US" dirty="0" smtClean="0"/>
+              <a:t>$ </a:t>
+            </a:r>
+            <a:r>
+              <a:rPr lang="en-US" dirty="0"/>
+              <a:t>~/cookbooks/ssh/templates/default/</a:t>
+            </a:r>
+            <a:r>
+              <a:rPr lang="en-US" dirty="0" err="1"/>
+              <a:t>ssh_config.erb</a:t>
+            </a:r>
+            <a:endParaRPr lang="en-US" dirty="0"/>
+          </a:p>
+        </p:txBody>
+      </p:sp>
+      <p:sp>
+        <p:nvSpPr>
+          <p:cNvPr id="4" name="Content Placeholder 3"/>
+          <p:cNvSpPr>
+            <a:spLocks noGrp="1"/>
+          </p:cNvSpPr>
+          <p:nvPr>
+            <p:ph sz="quarter" idx="12"/>
+          </p:nvPr>
+        </p:nvSpPr>
+        <p:spPr>
+          <a:xfrm>
+            <a:off x="1121104" y="3931920"/>
+            <a:ext cx="14422528" cy="434340"/>
+          </a:xfrm>
+        </p:spPr>
+        <p:txBody>
+          <a:bodyPr/>
+          <a:lstStyle/>
+          <a:p>
+            <a:endParaRPr lang="en-US" dirty="0"/>
+          </a:p>
+        </p:txBody>
+      </p:sp>
+      <p:sp>
+        <p:nvSpPr>
+          <p:cNvPr id="5" name="Title 4"/>
+          <p:cNvSpPr>
+            <a:spLocks noGrp="1"/>
+          </p:cNvSpPr>
+          <p:nvPr>
+            <p:ph type="title"/>
+          </p:nvPr>
+        </p:nvSpPr>
+        <p:spPr/>
+        <p:txBody>
+          <a:bodyPr/>
+          <a:lstStyle/>
+          <a:p>
+            <a:r>
+              <a:rPr lang="en-US" dirty="0"/>
+              <a:t>GE: </a:t>
+            </a:r>
+            <a:r>
+              <a:rPr lang="en-US" dirty="0" smtClean="0"/>
+              <a:t>Results of </a:t>
+            </a:r>
+            <a:r>
+              <a:rPr lang="en-US" dirty="0" smtClean="0"/>
+              <a:t>Updating </a:t>
+            </a:r>
+            <a:r>
+              <a:rPr lang="en-US" dirty="0"/>
+              <a:t>the </a:t>
+            </a:r>
+            <a:r>
+              <a:rPr lang="en-US" dirty="0" smtClean="0"/>
+              <a:t>Template</a:t>
+            </a:r>
+            <a:endParaRPr lang="en-US" dirty="0"/>
           </a:p>
         </p:txBody>
       </p:sp>
     </p:spTree>
     <p:extLst>
       <p:ext uri="{BB962C8B-B14F-4D97-AF65-F5344CB8AC3E}">
-        <p14:creationId xmlns:p14="http://schemas.microsoft.com/office/powerpoint/2010/main" val="3842220861"/>
+        <p14:creationId xmlns:p14="http://schemas.microsoft.com/office/powerpoint/2010/main" val="3730243556"/>
       </p:ext>
     </p:extLst>
   </p:cSld>
@@ -22570,48 +24585,77 @@
       </p:grpSpPr>
       <p:sp>
         <p:nvSpPr>
-          <p:cNvPr id="2" name="Title 1"/>
-          <p:cNvSpPr>
-            <a:spLocks noGrp="1"/>
-          </p:cNvSpPr>
-          <p:nvPr>
-            <p:ph type="ctrTitle"/>
+          <p:cNvPr id="3" name="Text Placeholder 2"/>
+          <p:cNvSpPr>
+            <a:spLocks noGrp="1"/>
+          </p:cNvSpPr>
+          <p:nvPr>
+            <p:ph type="body" sz="quarter" idx="11"/>
+          </p:nvPr>
+        </p:nvSpPr>
+        <p:spPr>
+          <a:xfrm>
+            <a:off x="1121104" y="1337149"/>
+            <a:ext cx="14422528" cy="1108871"/>
+          </a:xfrm>
+        </p:spPr>
+        <p:txBody>
+          <a:bodyPr/>
+          <a:lstStyle/>
+          <a:p>
+            <a:r>
+              <a:rPr lang="en-US" dirty="0" smtClean="0"/>
+              <a:t>$ </a:t>
+            </a:r>
+            <a:r>
+              <a:rPr lang="en-US" dirty="0"/>
+              <a:t>cd ~/cookbooks/ssh</a:t>
+            </a:r>
+            <a:endParaRPr lang="en-US" dirty="0"/>
+          </a:p>
+        </p:txBody>
+      </p:sp>
+      <p:sp>
+        <p:nvSpPr>
+          <p:cNvPr id="5" name="Title 4"/>
+          <p:cNvSpPr>
+            <a:spLocks noGrp="1"/>
+          </p:cNvSpPr>
+          <p:nvPr>
+            <p:ph type="title"/>
           </p:nvPr>
         </p:nvSpPr>
         <p:spPr/>
         <p:txBody>
           <a:bodyPr>
-            <a:normAutofit fontScale="90000"/>
+            <a:normAutofit/>
           </a:bodyPr>
           <a:lstStyle/>
           <a:p>
-            <a:endParaRPr lang="en-US"/>
-          </a:p>
-        </p:txBody>
-      </p:sp>
-      <p:sp>
-        <p:nvSpPr>
-          <p:cNvPr id="3" name="Subtitle 2"/>
-          <p:cNvSpPr>
-            <a:spLocks noGrp="1"/>
-          </p:cNvSpPr>
-          <p:nvPr>
-            <p:ph type="subTitle" idx="1"/>
-          </p:nvPr>
-        </p:nvSpPr>
-        <p:spPr/>
-        <p:txBody>
-          <a:bodyPr/>
-          <a:lstStyle/>
-          <a:p>
-            <a:endParaRPr lang="en-US"/>
+            <a:r>
+              <a:rPr lang="en-US" dirty="0"/>
+              <a:t>GE: </a:t>
+            </a:r>
+            <a:r>
+              <a:rPr lang="en-US" dirty="0" smtClean="0"/>
+              <a:t>Ensure you are in </a:t>
+            </a:r>
+            <a:r>
+              <a:rPr lang="en-US" dirty="0" smtClean="0"/>
+              <a:t>~/</a:t>
+            </a:r>
+            <a:r>
+              <a:rPr lang="en-US" dirty="0"/>
+              <a:t>cookbooks/ssh</a:t>
+            </a:r>
+            <a:endParaRPr lang="en-US" dirty="0"/>
           </a:p>
         </p:txBody>
       </p:sp>
     </p:spTree>
     <p:extLst>
       <p:ext uri="{BB962C8B-B14F-4D97-AF65-F5344CB8AC3E}">
-        <p14:creationId xmlns:p14="http://schemas.microsoft.com/office/powerpoint/2010/main" val="3953335903"/>
+        <p14:creationId xmlns:p14="http://schemas.microsoft.com/office/powerpoint/2010/main" val="2566115230"/>
       </p:ext>
     </p:extLst>
   </p:cSld>
@@ -22648,7 +24692,7 @@
             <a:spLocks noGrp="1"/>
           </p:cNvSpPr>
           <p:nvPr>
-            <p:ph sz="quarter" idx="14"/>
+            <p:ph sz="quarter" idx="10"/>
           </p:nvPr>
         </p:nvSpPr>
         <p:spPr/>
@@ -22656,18 +24700,183 @@
           <a:bodyPr/>
           <a:lstStyle/>
           <a:p>
-            <a:endParaRPr lang="en-US"/>
-          </a:p>
-        </p:txBody>
-      </p:sp>
-      <p:sp>
-        <p:nvSpPr>
-          <p:cNvPr id="3" name="Content Placeholder 2"/>
-          <p:cNvSpPr>
-            <a:spLocks noGrp="1"/>
-          </p:cNvSpPr>
-          <p:nvPr>
-            <p:ph sz="quarter" idx="12"/>
+            <a:r>
+              <a:rPr lang="en-US" dirty="0" smtClean="0"/>
+              <a:t>...</a:t>
+            </a:r>
+          </a:p>
+          <a:p>
+            <a:pPr defTabSz="1217613" fontAlgn="base">
+              <a:lnSpc>
+                <a:spcPct val="90000"/>
+              </a:lnSpc>
+              <a:spcBef>
+                <a:spcPct val="30000"/>
+              </a:spcBef>
+              <a:spcAft>
+                <a:spcPts val="450"/>
+              </a:spcAft>
+              <a:buSzTx/>
+              <a:defRPr/>
+            </a:pPr>
+            <a:r>
+              <a:rPr lang="en-US" dirty="0"/>
+              <a:t>+++ /etc/ssh/.ssh_config20151208-344-8n2j2b  2015-12-08 16:49:09.916359184 +0000</a:t>
+            </a:r>
+          </a:p>
+          <a:p>
+            <a:pPr defTabSz="1217613" fontAlgn="base">
+              <a:lnSpc>
+                <a:spcPct val="90000"/>
+              </a:lnSpc>
+              <a:spcBef>
+                <a:spcPct val="30000"/>
+              </a:spcBef>
+              <a:spcAft>
+                <a:spcPts val="450"/>
+              </a:spcAft>
+              <a:buSzTx/>
+              <a:defRPr/>
+            </a:pPr>
+            <a:r>
+              <a:rPr lang="en-US" dirty="0"/>
+              <a:t>           @@ -37,7 +37,7 @@</a:t>
+            </a:r>
+          </a:p>
+          <a:p>
+            <a:pPr defTabSz="1217613" fontAlgn="base">
+              <a:lnSpc>
+                <a:spcPct val="90000"/>
+              </a:lnSpc>
+              <a:spcBef>
+                <a:spcPct val="30000"/>
+              </a:spcBef>
+              <a:spcAft>
+                <a:spcPts val="450"/>
+              </a:spcAft>
+              <a:buSzTx/>
+              <a:defRPr/>
+            </a:pPr>
+            <a:r>
+              <a:rPr lang="en-US" dirty="0"/>
+              <a:t>            #   </a:t>
+            </a:r>
+            <a:r>
+              <a:rPr lang="en-US" dirty="0" err="1"/>
+              <a:t>IdentityFile</a:t>
+            </a:r>
+            <a:r>
+              <a:rPr lang="en-US" dirty="0"/>
+              <a:t> ~/.ssh/</a:t>
+            </a:r>
+            <a:r>
+              <a:rPr lang="en-US" dirty="0" err="1"/>
+              <a:t>id_rsa</a:t>
+            </a:r>
+            <a:endParaRPr lang="en-US" dirty="0"/>
+          </a:p>
+          <a:p>
+            <a:pPr defTabSz="1217613" fontAlgn="base">
+              <a:lnSpc>
+                <a:spcPct val="90000"/>
+              </a:lnSpc>
+              <a:spcBef>
+                <a:spcPct val="30000"/>
+              </a:spcBef>
+              <a:spcAft>
+                <a:spcPts val="450"/>
+              </a:spcAft>
+              <a:buSzTx/>
+              <a:defRPr/>
+            </a:pPr>
+            <a:r>
+              <a:rPr lang="en-US" dirty="0"/>
+              <a:t>            #   </a:t>
+            </a:r>
+            <a:r>
+              <a:rPr lang="en-US" dirty="0" err="1"/>
+              <a:t>IdentityFile</a:t>
+            </a:r>
+            <a:r>
+              <a:rPr lang="en-US" dirty="0"/>
+              <a:t> ~/.ssh/</a:t>
+            </a:r>
+            <a:r>
+              <a:rPr lang="en-US" dirty="0" err="1"/>
+              <a:t>id_dsa</a:t>
+            </a:r>
+            <a:endParaRPr lang="en-US" dirty="0"/>
+          </a:p>
+          <a:p>
+            <a:pPr defTabSz="1217613" fontAlgn="base">
+              <a:lnSpc>
+                <a:spcPct val="90000"/>
+              </a:lnSpc>
+              <a:spcBef>
+                <a:spcPct val="30000"/>
+              </a:spcBef>
+              <a:spcAft>
+                <a:spcPts val="450"/>
+              </a:spcAft>
+              <a:buSzTx/>
+              <a:defRPr/>
+            </a:pPr>
+            <a:r>
+              <a:rPr lang="en-US" dirty="0"/>
+              <a:t>            #   Port 22</a:t>
+            </a:r>
+          </a:p>
+          <a:p>
+            <a:pPr defTabSz="1217613" fontAlgn="base">
+              <a:lnSpc>
+                <a:spcPct val="90000"/>
+              </a:lnSpc>
+              <a:spcBef>
+                <a:spcPct val="30000"/>
+              </a:spcBef>
+              <a:spcAft>
+                <a:spcPts val="450"/>
+              </a:spcAft>
+              <a:buSzTx/>
+              <a:defRPr/>
+            </a:pPr>
+            <a:r>
+              <a:rPr lang="en-US" dirty="0"/>
+              <a:t>           -#   Protocol 2,1</a:t>
+            </a:r>
+          </a:p>
+          <a:p>
+            <a:pPr defTabSz="1217613" fontAlgn="base">
+              <a:lnSpc>
+                <a:spcPct val="90000"/>
+              </a:lnSpc>
+              <a:spcBef>
+                <a:spcPct val="30000"/>
+              </a:spcBef>
+              <a:spcAft>
+                <a:spcPts val="450"/>
+              </a:spcAft>
+              <a:buSzTx/>
+              <a:defRPr/>
+            </a:pPr>
+            <a:r>
+              <a:rPr lang="en-US" dirty="0"/>
+              <a:t>           +   Protocol 2</a:t>
+            </a:r>
+          </a:p>
+          <a:p>
+            <a:endParaRPr lang="en-US" dirty="0"/>
+          </a:p>
+        </p:txBody>
+      </p:sp>
+      <p:sp>
+        <p:nvSpPr>
+          <p:cNvPr id="3" name="Text Placeholder 2"/>
+          <p:cNvSpPr>
+            <a:spLocks noGrp="1"/>
+          </p:cNvSpPr>
+          <p:nvPr>
+            <p:ph type="body" sz="quarter" idx="11"/>
           </p:nvPr>
         </p:nvSpPr>
         <p:spPr/>
@@ -22675,18 +24884,22 @@
           <a:bodyPr/>
           <a:lstStyle/>
           <a:p>
-            <a:endParaRPr lang="en-US"/>
-          </a:p>
-        </p:txBody>
-      </p:sp>
-      <p:sp>
-        <p:nvSpPr>
-          <p:cNvPr id="4" name="Text Placeholder 3"/>
-          <p:cNvSpPr>
-            <a:spLocks noGrp="1"/>
-          </p:cNvSpPr>
-          <p:nvPr>
-            <p:ph type="body" sz="quarter" idx="15"/>
+            <a:r>
+              <a:rPr lang="en-US" dirty="0"/>
+              <a:t>$ kitchen converge</a:t>
+            </a:r>
+            <a:endParaRPr lang="en-US" dirty="0"/>
+          </a:p>
+        </p:txBody>
+      </p:sp>
+      <p:sp>
+        <p:nvSpPr>
+          <p:cNvPr id="5" name="Title 4"/>
+          <p:cNvSpPr>
+            <a:spLocks noGrp="1"/>
+          </p:cNvSpPr>
+          <p:nvPr>
+            <p:ph type="title"/>
           </p:nvPr>
         </p:nvSpPr>
         <p:spPr/>
@@ -22694,33 +24907,74 @@
           <a:bodyPr/>
           <a:lstStyle/>
           <a:p>
-            <a:endParaRPr lang="en-US"/>
-          </a:p>
-        </p:txBody>
-      </p:sp>
-      <p:sp>
-        <p:nvSpPr>
-          <p:cNvPr id="5" name="Text Placeholder 4"/>
-          <p:cNvSpPr>
-            <a:spLocks noGrp="1"/>
-          </p:cNvSpPr>
-          <p:nvPr>
-            <p:ph type="body" sz="quarter" idx="16"/>
-          </p:nvPr>
-        </p:nvSpPr>
-        <p:spPr/>
-        <p:txBody>
-          <a:bodyPr/>
-          <a:lstStyle/>
-          <a:p>
-            <a:endParaRPr lang="en-US"/>
+            <a:r>
+              <a:rPr lang="en-US" dirty="0"/>
+              <a:t>GE: </a:t>
+            </a:r>
+            <a:r>
+              <a:rPr lang="en-US" dirty="0" smtClean="0"/>
+              <a:t>Run `kitchen converge`</a:t>
+            </a:r>
+            <a:endParaRPr lang="en-US" dirty="0"/>
+          </a:p>
+        </p:txBody>
+      </p:sp>
+      <p:sp>
+        <p:nvSpPr>
+          <p:cNvPr id="9" name="Content Placeholder 5"/>
+          <p:cNvSpPr>
+            <a:spLocks noGrp="1"/>
+          </p:cNvSpPr>
+          <p:nvPr>
+            <p:ph sz="quarter" idx="12" hasCustomPrompt="1"/>
+          </p:nvPr>
+        </p:nvSpPr>
+        <p:spPr>
+          <a:xfrm>
+            <a:off x="1122782" y="6086015"/>
+            <a:ext cx="14420850" cy="1114885"/>
+          </a:xfrm>
+          <a:solidFill>
+            <a:schemeClr val="accent1">
+              <a:alpha val="60000"/>
+            </a:schemeClr>
+          </a:solidFill>
+          <a:ln>
+            <a:solidFill>
+              <a:schemeClr val="accent1">
+                <a:lumMod val="75000"/>
+              </a:schemeClr>
+            </a:solidFill>
+          </a:ln>
+        </p:spPr>
+        <p:txBody>
+          <a:bodyPr anchor="ctr">
+            <a:noAutofit/>
+          </a:bodyPr>
+          <a:lstStyle>
+            <a:lvl1pPr algn="l">
+              <a:defRPr sz="4200" baseline="0">
+                <a:solidFill>
+                  <a:schemeClr val="bg2"/>
+                </a:solidFill>
+                <a:latin typeface="Courier New"/>
+                <a:cs typeface="Courier New"/>
+              </a:defRPr>
+            </a:lvl1pPr>
+          </a:lstStyle>
+          <a:p>
+            <a:pPr lvl="0"/>
+            <a:r>
+              <a:rPr lang="en-US" dirty="0" smtClean="0"/>
+              <a:t> </a:t>
+            </a:r>
           </a:p>
         </p:txBody>
       </p:sp>
     </p:spTree>
     <p:extLst>
       <p:ext uri="{BB962C8B-B14F-4D97-AF65-F5344CB8AC3E}">
-        <p14:creationId xmlns:p14="http://schemas.microsoft.com/office/powerpoint/2010/main" val="3439457985"/>
+        <p14:creationId xmlns:p14="http://schemas.microsoft.com/office/powerpoint/2010/main" val="313274046"/>
       </p:ext>
     </p:extLst>
   </p:cSld>
@@ -22752,128 +25006,437 @@
       </p:grpSpPr>
       <p:sp>
         <p:nvSpPr>
-          <p:cNvPr id="2" name="Title 1"/>
-          <p:cNvSpPr>
-            <a:spLocks noGrp="1"/>
-          </p:cNvSpPr>
-          <p:nvPr>
-            <p:ph type="ctrTitle"/>
-          </p:nvPr>
-        </p:nvSpPr>
-        <p:spPr/>
-        <p:txBody>
-          <a:bodyPr>
-            <a:normAutofit fontScale="90000"/>
+          <p:cNvPr id="2" name="Content Placeholder 1"/>
+          <p:cNvSpPr>
+            <a:spLocks noGrp="1"/>
+          </p:cNvSpPr>
+          <p:nvPr>
+            <p:ph sz="quarter" idx="10"/>
+          </p:nvPr>
+        </p:nvSpPr>
+        <p:spPr/>
+        <p:txBody>
+          <a:bodyPr/>
+          <a:lstStyle/>
+          <a:p>
+            <a:r>
+              <a:rPr lang="en-US" dirty="0" smtClean="0"/>
+              <a:t>...</a:t>
+            </a:r>
+          </a:p>
+          <a:p>
+            <a:pPr defTabSz="1217613" fontAlgn="base">
+              <a:lnSpc>
+                <a:spcPct val="90000"/>
+              </a:lnSpc>
+              <a:spcBef>
+                <a:spcPct val="30000"/>
+              </a:spcBef>
+              <a:spcAft>
+                <a:spcPts val="450"/>
+              </a:spcAft>
+              <a:buSzTx/>
+              <a:defRPr/>
+            </a:pPr>
+            <a:r>
+              <a:rPr lang="en-US" dirty="0" smtClean="0"/>
+              <a:t>+++ </a:t>
+            </a:r>
+            <a:r>
+              <a:rPr lang="en-US" dirty="0"/>
+              <a:t>/</a:t>
+            </a:r>
+            <a:r>
+              <a:rPr lang="en-US" dirty="0" err="1"/>
+              <a:t>tmp</a:t>
+            </a:r>
+            <a:r>
+              <a:rPr lang="en-US" dirty="0"/>
+              <a:t>/chef-rendered-template20151208-21411-lkf24j        2015-12-08 16:57:28.398359184 +0000</a:t>
+            </a:r>
+          </a:p>
+          <a:p>
+            <a:pPr defTabSz="1217613" fontAlgn="base">
+              <a:lnSpc>
+                <a:spcPct val="90000"/>
+              </a:lnSpc>
+              <a:spcBef>
+                <a:spcPct val="30000"/>
+              </a:spcBef>
+              <a:spcAft>
+                <a:spcPts val="450"/>
+              </a:spcAft>
+              <a:buSzTx/>
+              <a:defRPr/>
+            </a:pPr>
+            <a:r>
+              <a:rPr lang="en-US" dirty="0"/>
+              <a:t>    @@ -37,7 +37,7 @@</a:t>
+            </a:r>
+          </a:p>
+          <a:p>
+            <a:pPr defTabSz="1217613" fontAlgn="base">
+              <a:lnSpc>
+                <a:spcPct val="90000"/>
+              </a:lnSpc>
+              <a:spcBef>
+                <a:spcPct val="30000"/>
+              </a:spcBef>
+              <a:spcAft>
+                <a:spcPts val="450"/>
+              </a:spcAft>
+              <a:buSzTx/>
+              <a:defRPr/>
+            </a:pPr>
+            <a:r>
+              <a:rPr lang="en-US" dirty="0"/>
+              <a:t>     #   </a:t>
+            </a:r>
+            <a:r>
+              <a:rPr lang="en-US" dirty="0" err="1"/>
+              <a:t>IdentityFile</a:t>
+            </a:r>
+            <a:r>
+              <a:rPr lang="en-US" dirty="0"/>
+              <a:t> ~/.ssh/</a:t>
+            </a:r>
+            <a:r>
+              <a:rPr lang="en-US" dirty="0" err="1"/>
+              <a:t>id_rsa</a:t>
+            </a:r>
+            <a:endParaRPr lang="en-US" dirty="0"/>
+          </a:p>
+          <a:p>
+            <a:pPr defTabSz="1217613" fontAlgn="base">
+              <a:lnSpc>
+                <a:spcPct val="90000"/>
+              </a:lnSpc>
+              <a:spcBef>
+                <a:spcPct val="30000"/>
+              </a:spcBef>
+              <a:spcAft>
+                <a:spcPts val="450"/>
+              </a:spcAft>
+              <a:buSzTx/>
+              <a:defRPr/>
+            </a:pPr>
+            <a:r>
+              <a:rPr lang="en-US" dirty="0"/>
+              <a:t>     #   </a:t>
+            </a:r>
+            <a:r>
+              <a:rPr lang="en-US" dirty="0" err="1"/>
+              <a:t>IdentityFile</a:t>
+            </a:r>
+            <a:r>
+              <a:rPr lang="en-US" dirty="0"/>
+              <a:t> ~/.ssh/</a:t>
+            </a:r>
+            <a:r>
+              <a:rPr lang="en-US" dirty="0" err="1"/>
+              <a:t>id_dsa</a:t>
+            </a:r>
+            <a:endParaRPr lang="en-US" dirty="0"/>
+          </a:p>
+          <a:p>
+            <a:pPr defTabSz="1217613" fontAlgn="base">
+              <a:lnSpc>
+                <a:spcPct val="90000"/>
+              </a:lnSpc>
+              <a:spcBef>
+                <a:spcPct val="30000"/>
+              </a:spcBef>
+              <a:spcAft>
+                <a:spcPts val="450"/>
+              </a:spcAft>
+              <a:buSzTx/>
+              <a:defRPr/>
+            </a:pPr>
+            <a:r>
+              <a:rPr lang="en-US" dirty="0"/>
+              <a:t>     #   Port 22</a:t>
+            </a:r>
+          </a:p>
+          <a:p>
+            <a:pPr defTabSz="1217613" fontAlgn="base">
+              <a:lnSpc>
+                <a:spcPct val="90000"/>
+              </a:lnSpc>
+              <a:spcBef>
+                <a:spcPct val="30000"/>
+              </a:spcBef>
+              <a:spcAft>
+                <a:spcPts val="450"/>
+              </a:spcAft>
+              <a:buSzTx/>
+              <a:defRPr/>
+            </a:pPr>
+            <a:r>
+              <a:rPr lang="en-US" dirty="0"/>
+              <a:t>    -#   Protocol 2,1</a:t>
+            </a:r>
+          </a:p>
+          <a:p>
+            <a:pPr defTabSz="1217613" fontAlgn="base">
+              <a:lnSpc>
+                <a:spcPct val="90000"/>
+              </a:lnSpc>
+              <a:spcBef>
+                <a:spcPct val="30000"/>
+              </a:spcBef>
+              <a:spcAft>
+                <a:spcPts val="450"/>
+              </a:spcAft>
+              <a:buSzTx/>
+              <a:defRPr/>
+            </a:pPr>
+            <a:r>
+              <a:rPr lang="en-US" dirty="0"/>
+              <a:t>    +   Protocol 2</a:t>
+            </a:r>
+          </a:p>
+          <a:p>
+            <a:pPr defTabSz="1217613" fontAlgn="base">
+              <a:lnSpc>
+                <a:spcPct val="90000"/>
+              </a:lnSpc>
+              <a:spcBef>
+                <a:spcPct val="30000"/>
+              </a:spcBef>
+              <a:spcAft>
+                <a:spcPts val="450"/>
+              </a:spcAft>
+              <a:buSzTx/>
+              <a:defRPr/>
+            </a:pPr>
+            <a:r>
+              <a:rPr lang="en-US" dirty="0"/>
+              <a:t>     #   Cipher 3des</a:t>
+            </a:r>
+          </a:p>
+          <a:p>
+            <a:pPr defTabSz="1217613" fontAlgn="base">
+              <a:lnSpc>
+                <a:spcPct val="90000"/>
+              </a:lnSpc>
+              <a:spcBef>
+                <a:spcPct val="30000"/>
+              </a:spcBef>
+              <a:spcAft>
+                <a:spcPts val="450"/>
+              </a:spcAft>
+              <a:buSzTx/>
+              <a:defRPr/>
+            </a:pPr>
+            <a:r>
+              <a:rPr lang="en-US" dirty="0"/>
+              <a:t>     #   Ciphers aes128-ctr,aes192-ctr,aes256-ctr,arcfour256,arcfour128,aes128-cbc,3des-cbc</a:t>
+            </a:r>
+          </a:p>
+          <a:p>
+            <a:pPr defTabSz="1217613" fontAlgn="base">
+              <a:lnSpc>
+                <a:spcPct val="90000"/>
+              </a:lnSpc>
+              <a:spcBef>
+                <a:spcPct val="30000"/>
+              </a:spcBef>
+              <a:spcAft>
+                <a:spcPts val="450"/>
+              </a:spcAft>
+              <a:buSzTx/>
+              <a:defRPr/>
+            </a:pPr>
+            <a:r>
+              <a:rPr lang="en-US" dirty="0"/>
+              <a:t>     #   MACs hmac-md5,hmac-sha1,umac-64@openssh.com,hmac-ripemd160</a:t>
+            </a:r>
+          </a:p>
+          <a:p>
+            <a:pPr defTabSz="1217613" fontAlgn="base">
+              <a:lnSpc>
+                <a:spcPct val="90000"/>
+              </a:lnSpc>
+              <a:spcBef>
+                <a:spcPct val="30000"/>
+              </a:spcBef>
+              <a:spcAft>
+                <a:spcPts val="450"/>
+              </a:spcAft>
+              <a:buSzTx/>
+              <a:defRPr/>
+            </a:pPr>
+            <a:endParaRPr lang="en-US" dirty="0"/>
+          </a:p>
+          <a:p>
+            <a:pPr defTabSz="1217613" fontAlgn="base">
+              <a:lnSpc>
+                <a:spcPct val="90000"/>
+              </a:lnSpc>
+              <a:spcBef>
+                <a:spcPct val="30000"/>
+              </a:spcBef>
+              <a:spcAft>
+                <a:spcPts val="450"/>
+              </a:spcAft>
+              <a:buSzTx/>
+              <a:defRPr/>
+            </a:pPr>
+            <a:r>
+              <a:rPr lang="en-US" dirty="0"/>
+              <a:t>Running handlers:</a:t>
+            </a:r>
+          </a:p>
+          <a:p>
+            <a:pPr defTabSz="1217613" fontAlgn="base">
+              <a:lnSpc>
+                <a:spcPct val="90000"/>
+              </a:lnSpc>
+              <a:spcBef>
+                <a:spcPct val="30000"/>
+              </a:spcBef>
+              <a:spcAft>
+                <a:spcPts val="450"/>
+              </a:spcAft>
+              <a:buSzTx/>
+              <a:defRPr/>
+            </a:pPr>
+            <a:r>
+              <a:rPr lang="en-US" dirty="0"/>
+              <a:t>Running handlers complete</a:t>
+            </a:r>
+          </a:p>
+          <a:p>
+            <a:pPr defTabSz="1217613" fontAlgn="base">
+              <a:lnSpc>
+                <a:spcPct val="90000"/>
+              </a:lnSpc>
+              <a:spcBef>
+                <a:spcPct val="30000"/>
+              </a:spcBef>
+              <a:spcAft>
+                <a:spcPts val="450"/>
+              </a:spcAft>
+              <a:buSzTx/>
+              <a:defRPr/>
+            </a:pPr>
+            <a:r>
+              <a:rPr lang="en-US" dirty="0"/>
+              <a:t>Chef Client finished, 1/1 resources updated in 3.29477715 seconds</a:t>
+            </a:r>
+          </a:p>
+        </p:txBody>
+      </p:sp>
+      <p:sp>
+        <p:nvSpPr>
+          <p:cNvPr id="3" name="Text Placeholder 2"/>
+          <p:cNvSpPr>
+            <a:spLocks noGrp="1"/>
+          </p:cNvSpPr>
+          <p:nvPr>
+            <p:ph type="body" sz="quarter" idx="11"/>
+          </p:nvPr>
+        </p:nvSpPr>
+        <p:spPr/>
+        <p:txBody>
+          <a:bodyPr/>
+          <a:lstStyle/>
+          <a:p>
+            <a:r>
+              <a:rPr lang="en-US" dirty="0"/>
+              <a:t>$ </a:t>
+            </a:r>
+            <a:r>
+              <a:rPr lang="fr-FR" dirty="0"/>
+              <a:t>sudo chef-client --local-mode -r '</a:t>
+            </a:r>
+            <a:r>
+              <a:rPr lang="fr-FR" dirty="0" err="1"/>
+              <a:t>recipe</a:t>
+            </a:r>
+            <a:r>
+              <a:rPr lang="fr-FR" dirty="0"/>
+              <a:t>[ssh::client]'</a:t>
+            </a:r>
+            <a:endParaRPr lang="en-US" dirty="0"/>
+          </a:p>
+        </p:txBody>
+      </p:sp>
+      <p:sp>
+        <p:nvSpPr>
+          <p:cNvPr id="5" name="Title 4"/>
+          <p:cNvSpPr>
+            <a:spLocks noGrp="1"/>
+          </p:cNvSpPr>
+          <p:nvPr>
+            <p:ph type="title"/>
+          </p:nvPr>
+        </p:nvSpPr>
+        <p:spPr/>
+        <p:txBody>
+          <a:bodyPr/>
+          <a:lstStyle/>
+          <a:p>
+            <a:r>
+              <a:rPr lang="en-US" dirty="0"/>
+              <a:t>GE: </a:t>
+            </a:r>
+            <a:r>
+              <a:rPr lang="en-US" dirty="0" smtClean="0"/>
+              <a:t>Run chef-client in Local Mode</a:t>
+            </a:r>
+            <a:endParaRPr lang="en-US" dirty="0"/>
+          </a:p>
+        </p:txBody>
+      </p:sp>
+      <p:sp>
+        <p:nvSpPr>
+          <p:cNvPr id="9" name="Content Placeholder 5"/>
+          <p:cNvSpPr>
+            <a:spLocks noGrp="1"/>
+          </p:cNvSpPr>
+          <p:nvPr>
+            <p:ph sz="quarter" idx="12" hasCustomPrompt="1"/>
+          </p:nvPr>
+        </p:nvSpPr>
+        <p:spPr>
+          <a:xfrm>
+            <a:off x="1122782" y="6108875"/>
+            <a:ext cx="14420850" cy="1069165"/>
+          </a:xfrm>
+          <a:solidFill>
+            <a:schemeClr val="accent1">
+              <a:alpha val="60000"/>
+            </a:schemeClr>
+          </a:solidFill>
+          <a:ln>
+            <a:solidFill>
+              <a:schemeClr val="accent1">
+                <a:lumMod val="75000"/>
+              </a:schemeClr>
+            </a:solidFill>
+          </a:ln>
+        </p:spPr>
+        <p:txBody>
+          <a:bodyPr anchor="ctr">
+            <a:noAutofit/>
           </a:bodyPr>
-          <a:lstStyle/>
-          <a:p>
-            <a:endParaRPr lang="en-US"/>
-          </a:p>
-        </p:txBody>
-      </p:sp>
-      <p:sp>
-        <p:nvSpPr>
-          <p:cNvPr id="3" name="Subtitle 2"/>
-          <p:cNvSpPr>
-            <a:spLocks noGrp="1"/>
-          </p:cNvSpPr>
-          <p:nvPr>
-            <p:ph type="subTitle" idx="1"/>
-          </p:nvPr>
-        </p:nvSpPr>
-        <p:spPr/>
-        <p:txBody>
-          <a:bodyPr/>
-          <a:lstStyle/>
-          <a:p>
-            <a:endParaRPr lang="en-US" dirty="0" smtClean="0"/>
-          </a:p>
-          <a:p>
-            <a:r>
-              <a:rPr lang="en-US" dirty="0" err="1"/>
-              <a:t>i</a:t>
-            </a:r>
-            <a:r>
-              <a:rPr lang="en-US" dirty="0"/>
-              <a:t> believe so.  that's how </a:t>
-            </a:r>
-            <a:r>
-              <a:rPr lang="en-US" dirty="0" err="1"/>
-              <a:t>i</a:t>
-            </a:r>
-            <a:r>
-              <a:rPr lang="en-US" dirty="0"/>
-              <a:t> have it running,  </a:t>
-            </a:r>
-            <a:r>
-              <a:rPr lang="en-US" dirty="0" err="1"/>
-              <a:t>i've</a:t>
-            </a:r>
-            <a:r>
-              <a:rPr lang="en-US" dirty="0"/>
-              <a:t> also been running a reconfigure and restart after </a:t>
-            </a:r>
-            <a:r>
-              <a:rPr lang="en-US" dirty="0" err="1"/>
-              <a:t>i</a:t>
-            </a:r>
-            <a:r>
-              <a:rPr lang="en-US" dirty="0"/>
-              <a:t> upgrade the package</a:t>
-            </a:r>
-          </a:p>
-          <a:p>
-            <a:r>
-              <a:rPr lang="en-US" dirty="0"/>
-              <a:t>​[9:04 AM] </a:t>
-            </a:r>
-          </a:p>
-          <a:p>
-            <a:r>
-              <a:rPr lang="en-US" dirty="0" err="1"/>
-              <a:t>steve_delfante</a:t>
-            </a:r>
-            <a:r>
-              <a:rPr lang="en-US" dirty="0"/>
-              <a:t> `sudo chef-compliance-</a:t>
-            </a:r>
-            <a:r>
-              <a:rPr lang="en-US" dirty="0" err="1"/>
-              <a:t>ctl</a:t>
-            </a:r>
-            <a:r>
-              <a:rPr lang="en-US" dirty="0"/>
-              <a:t> reconfigure` will reconfigure it but s=does that also restart it?</a:t>
-            </a:r>
-          </a:p>
-          <a:p>
-            <a:r>
-              <a:rPr lang="en-US" dirty="0"/>
-              <a:t>new messages</a:t>
-            </a:r>
-          </a:p>
-          <a:p>
-            <a:r>
-              <a:rPr lang="en-US" dirty="0"/>
-              <a:t>​[9:04 AM] </a:t>
-            </a:r>
-          </a:p>
-          <a:p>
-            <a:r>
-              <a:rPr lang="en-US" dirty="0" err="1"/>
-              <a:t>kennon</a:t>
-            </a:r>
-            <a:r>
-              <a:rPr lang="en-US" dirty="0"/>
-              <a:t> not always, you should also run `sudo chef-compliance-</a:t>
-            </a:r>
-            <a:r>
-              <a:rPr lang="en-US" dirty="0" err="1"/>
-              <a:t>ctl</a:t>
-            </a:r>
-            <a:r>
-              <a:rPr lang="en-US" dirty="0"/>
-              <a:t> restart</a:t>
+          <a:lstStyle>
+            <a:lvl1pPr algn="l">
+              <a:defRPr sz="4200" baseline="0">
+                <a:solidFill>
+                  <a:schemeClr val="bg2"/>
+                </a:solidFill>
+                <a:latin typeface="Courier New"/>
+                <a:cs typeface="Courier New"/>
+              </a:defRPr>
+            </a:lvl1pPr>
+          </a:lstStyle>
+          <a:p>
+            <a:pPr lvl="0"/>
+            <a:r>
+              <a:rPr lang="en-US" dirty="0" smtClean="0"/>
+              <a:t> </a:t>
             </a:r>
           </a:p>
         </p:txBody>
@@ -22881,7 +25444,7 @@
     </p:spTree>
     <p:extLst>
       <p:ext uri="{BB962C8B-B14F-4D97-AF65-F5344CB8AC3E}">
-        <p14:creationId xmlns:p14="http://schemas.microsoft.com/office/powerpoint/2010/main" val="108599519"/>
+        <p14:creationId xmlns:p14="http://schemas.microsoft.com/office/powerpoint/2010/main" val="1541066198"/>
       </p:ext>
     </p:extLst>
   </p:cSld>
@@ -22891,35 +25454,12 @@
   <p:transition spd="med">
     <p:fade/>
   </p:transition>
-  <p:timing>
-    <p:tnLst>
-      <p:par>
-        <p:cTn id="1" dur="indefinite" restart="never" nodeType="tmRoot"/>
-      </p:par>
-    </p:tnLst>
-  </p:timing>
 </p:sld>
 </file>
 
 <file path=ppt/slides/slide49.xml><?xml version="1.0" encoding="utf-8"?>
 <p:sld xmlns:a="http://schemas.openxmlformats.org/drawingml/2006/main" xmlns:r="http://schemas.openxmlformats.org/officeDocument/2006/relationships" xmlns:p="http://schemas.openxmlformats.org/presentationml/2006/main">
   <p:cSld>
-    <p:bg>
-      <p:bgPr>
-        <a:gradFill rotWithShape="0">
-          <a:gsLst>
-            <a:gs pos="0">
-              <a:srgbClr val="F0F0F0"/>
-            </a:gs>
-            <a:gs pos="100000">
-              <a:schemeClr val="bg2"/>
-            </a:gs>
-          </a:gsLst>
-          <a:lin ang="5400000" scaled="1"/>
-        </a:gradFill>
-        <a:effectLst/>
-      </p:bgPr>
-    </p:bg>
     <p:spTree>
       <p:nvGrpSpPr>
         <p:cNvPr id="1" name=""/>
@@ -22946,129 +25486,89 @@
         </p:nvSpPr>
         <p:spPr/>
         <p:txBody>
+          <a:bodyPr>
+            <a:normAutofit/>
+          </a:bodyPr>
+          <a:lstStyle/>
+          <a:p>
+            <a:r>
+              <a:rPr lang="en-US" dirty="0" smtClean="0"/>
+              <a:t>GE: Re-run the Compliance Scan</a:t>
+            </a:r>
+            <a:endParaRPr lang="en-US" dirty="0"/>
+          </a:p>
+        </p:txBody>
+      </p:sp>
+      <p:sp>
+        <p:nvSpPr>
+          <p:cNvPr id="3" name="Text Placeholder 2"/>
+          <p:cNvSpPr>
+            <a:spLocks noGrp="1"/>
+          </p:cNvSpPr>
+          <p:nvPr>
+            <p:ph type="body" sz="quarter" idx="12"/>
+          </p:nvPr>
+        </p:nvSpPr>
+        <p:spPr>
+          <a:xfrm>
+            <a:off x="421440" y="1856198"/>
+            <a:ext cx="5293560" cy="5345953"/>
+          </a:xfrm>
+        </p:spPr>
+        <p:txBody>
           <a:bodyPr/>
           <a:lstStyle/>
           <a:p>
             <a:r>
               <a:rPr lang="en-US" dirty="0" smtClean="0"/>
-              <a:t>Review Questions</a:t>
+              <a:t>Return to the Compliance Web UI and re-run the scan on your target node.</a:t>
+            </a:r>
+          </a:p>
+          <a:p>
+            <a:endParaRPr lang="en-US" dirty="0" smtClean="0"/>
+          </a:p>
+          <a:p>
+            <a:r>
+              <a:rPr lang="en-US" dirty="0" smtClean="0"/>
+              <a:t>Be sure to run only the base/ssh scan as shown on the next slide.</a:t>
             </a:r>
             <a:endParaRPr lang="en-US" dirty="0"/>
           </a:p>
         </p:txBody>
       </p:sp>
-      <p:sp>
-        <p:nvSpPr>
-          <p:cNvPr id="3" name="Text Placeholder 2"/>
-          <p:cNvSpPr>
-            <a:spLocks noGrp="1"/>
-          </p:cNvSpPr>
-          <p:nvPr>
-            <p:ph type="body" sz="quarter" idx="12"/>
-          </p:nvPr>
-        </p:nvSpPr>
-        <p:spPr/>
-        <p:txBody>
-          <a:bodyPr/>
-          <a:lstStyle/>
-          <a:p>
-            <a:pPr marL="514350" indent="-514350">
-              <a:buFont typeface="+mj-lt"/>
-              <a:buAutoNum type="arabicPeriod"/>
-            </a:pPr>
-            <a:r>
-              <a:rPr lang="en-US" dirty="0" smtClean="0"/>
-              <a:t>What is ...?</a:t>
-            </a:r>
-            <a:br>
-              <a:rPr lang="en-US" dirty="0" smtClean="0"/>
-            </a:br>
-            <a:r>
-              <a:rPr lang="en-US" dirty="0" smtClean="0"/>
-              <a:t>______________________________</a:t>
-            </a:r>
-          </a:p>
-          <a:p>
-            <a:pPr marL="514350" indent="-514350">
-              <a:buFont typeface="+mj-lt"/>
-              <a:buAutoNum type="arabicPeriod"/>
-            </a:pPr>
-            <a:r>
-              <a:rPr lang="en-US" dirty="0" smtClean="0"/>
-              <a:t>Which is the correct answer?  </a:t>
-            </a:r>
-          </a:p>
-          <a:p>
-            <a:pPr marL="822325" lvl="1" indent="-514350">
-              <a:buFont typeface="+mj-lt"/>
-              <a:buAutoNum type="alphaLcPeriod"/>
-            </a:pPr>
-            <a:r>
-              <a:rPr lang="en-US" dirty="0" smtClean="0"/>
-              <a:t>answer</a:t>
-            </a:r>
-          </a:p>
-          <a:p>
-            <a:pPr marL="822325" lvl="1" indent="-514350">
-              <a:buFont typeface="+mj-lt"/>
-              <a:buAutoNum type="alphaLcPeriod"/>
-            </a:pPr>
-            <a:r>
-              <a:rPr lang="en-US" dirty="0" smtClean="0"/>
-              <a:t>answer</a:t>
-            </a:r>
-          </a:p>
-          <a:p>
-            <a:pPr marL="822325" lvl="1" indent="-514350">
-              <a:buFont typeface="+mj-lt"/>
-              <a:buAutoNum type="alphaLcPeriod"/>
-            </a:pPr>
-            <a:r>
-              <a:rPr lang="en-US" dirty="0" smtClean="0"/>
-              <a:t>answer</a:t>
-            </a:r>
-          </a:p>
-          <a:p>
-            <a:pPr marL="822325" lvl="1" indent="-514350">
-              <a:buFont typeface="+mj-lt"/>
-              <a:buAutoNum type="alphaLcPeriod"/>
-            </a:pPr>
-            <a:r>
-              <a:rPr lang="en-US" dirty="0" smtClean="0"/>
-              <a:t>answer</a:t>
-            </a:r>
-            <a:br>
-              <a:rPr lang="en-US" dirty="0" smtClean="0"/>
-            </a:br>
-            <a:endParaRPr lang="en-US" dirty="0" smtClean="0"/>
-          </a:p>
-          <a:p>
-            <a:pPr marL="514350" indent="-514350">
-              <a:buFont typeface="+mj-lt"/>
-              <a:buAutoNum type="arabicPeriod"/>
-            </a:pPr>
-            <a:r>
-              <a:rPr lang="en-US" dirty="0" smtClean="0"/>
-              <a:t>Capable of carrying on a conversation</a:t>
-            </a:r>
-          </a:p>
-          <a:p>
-            <a:pPr marL="514350" indent="-514350">
-              <a:buFont typeface="+mj-lt"/>
-              <a:buAutoNum type="arabicPeriod"/>
-            </a:pPr>
-            <a:r>
-              <a:rPr lang="en-US" dirty="0" smtClean="0"/>
-              <a:t>Explain</a:t>
-            </a:r>
-            <a:endParaRPr lang="en-US" dirty="0"/>
-          </a:p>
-        </p:txBody>
-      </p:sp>
+      <p:pic>
+        <p:nvPicPr>
+          <p:cNvPr id="7" name="Picture 6"/>
+          <p:cNvPicPr>
+            <a:picLocks noChangeAspect="1"/>
+          </p:cNvPicPr>
+          <p:nvPr/>
+        </p:nvPicPr>
+        <p:blipFill>
+          <a:blip r:embed="rId3"/>
+          <a:stretch>
+            <a:fillRect/>
+          </a:stretch>
+        </p:blipFill>
+        <p:spPr>
+          <a:xfrm>
+            <a:off x="5943600" y="1669732"/>
+            <a:ext cx="10113481" cy="3839528"/>
+          </a:xfrm>
+          <a:prstGeom prst="rect">
+            <a:avLst/>
+          </a:prstGeom>
+          <a:ln>
+            <a:solidFill>
+              <a:schemeClr val="accent1"/>
+            </a:solidFill>
+          </a:ln>
+        </p:spPr>
+      </p:pic>
     </p:spTree>
     <p:extLst>
       <p:ext uri="{BB962C8B-B14F-4D97-AF65-F5344CB8AC3E}">
-        <p14:creationId xmlns:p14="http://schemas.microsoft.com/office/powerpoint/2010/main" val="321457963"/>
+        <p14:creationId xmlns:p14="http://schemas.microsoft.com/office/powerpoint/2010/main" val="1063650275"/>
       </p:ext>
     </p:extLst>
   </p:cSld>
@@ -23236,6 +25736,987 @@
 </file>
 
 <file path=ppt/slides/slide50.xml><?xml version="1.0" encoding="utf-8"?>
+<p:sld xmlns:a="http://schemas.openxmlformats.org/drawingml/2006/main" xmlns:r="http://schemas.openxmlformats.org/officeDocument/2006/relationships" xmlns:p="http://schemas.openxmlformats.org/presentationml/2006/main">
+  <p:cSld>
+    <p:spTree>
+      <p:nvGrpSpPr>
+        <p:cNvPr id="1" name=""/>
+        <p:cNvGrpSpPr/>
+        <p:nvPr/>
+      </p:nvGrpSpPr>
+      <p:grpSpPr>
+        <a:xfrm>
+          <a:off x="0" y="0"/>
+          <a:ext cx="0" cy="0"/>
+          <a:chOff x="0" y="0"/>
+          <a:chExt cx="0" cy="0"/>
+        </a:xfrm>
+      </p:grpSpPr>
+      <p:sp>
+        <p:nvSpPr>
+          <p:cNvPr id="2" name="Title 1"/>
+          <p:cNvSpPr>
+            <a:spLocks noGrp="1"/>
+          </p:cNvSpPr>
+          <p:nvPr>
+            <p:ph type="title"/>
+          </p:nvPr>
+        </p:nvSpPr>
+        <p:spPr/>
+        <p:txBody>
+          <a:bodyPr>
+            <a:normAutofit/>
+          </a:bodyPr>
+          <a:lstStyle/>
+          <a:p>
+            <a:r>
+              <a:rPr lang="en-US" dirty="0" smtClean="0"/>
+              <a:t>GE: Re-run the Compliance Scan</a:t>
+            </a:r>
+            <a:endParaRPr lang="en-US" dirty="0"/>
+          </a:p>
+        </p:txBody>
+      </p:sp>
+      <p:sp>
+        <p:nvSpPr>
+          <p:cNvPr id="3" name="Text Placeholder 2"/>
+          <p:cNvSpPr>
+            <a:spLocks noGrp="1"/>
+          </p:cNvSpPr>
+          <p:nvPr>
+            <p:ph type="body" sz="quarter" idx="12"/>
+          </p:nvPr>
+        </p:nvSpPr>
+        <p:spPr>
+          <a:xfrm>
+            <a:off x="650040" y="1856198"/>
+            <a:ext cx="5293560" cy="5345953"/>
+          </a:xfrm>
+        </p:spPr>
+        <p:txBody>
+          <a:bodyPr/>
+          <a:lstStyle/>
+          <a:p>
+            <a:r>
+              <a:rPr lang="en-US" dirty="0" smtClean="0"/>
+              <a:t>Run </a:t>
+            </a:r>
+            <a:r>
+              <a:rPr lang="en-US" dirty="0"/>
+              <a:t>only the base/ssh </a:t>
+            </a:r>
+            <a:r>
+              <a:rPr lang="en-US" dirty="0" smtClean="0"/>
+              <a:t>scan.</a:t>
+            </a:r>
+            <a:endParaRPr lang="en-US" dirty="0"/>
+          </a:p>
+        </p:txBody>
+      </p:sp>
+      <p:pic>
+        <p:nvPicPr>
+          <p:cNvPr id="5" name="Picture 4"/>
+          <p:cNvPicPr>
+            <a:picLocks noChangeAspect="1"/>
+          </p:cNvPicPr>
+          <p:nvPr/>
+        </p:nvPicPr>
+        <p:blipFill>
+          <a:blip r:embed="rId3"/>
+          <a:stretch>
+            <a:fillRect/>
+          </a:stretch>
+        </p:blipFill>
+        <p:spPr>
+          <a:xfrm>
+            <a:off x="8535670" y="1127952"/>
+            <a:ext cx="7420610" cy="6985323"/>
+          </a:xfrm>
+          <a:prstGeom prst="rect">
+            <a:avLst/>
+          </a:prstGeom>
+          <a:ln>
+            <a:solidFill>
+              <a:schemeClr val="accent1"/>
+            </a:solidFill>
+          </a:ln>
+        </p:spPr>
+      </p:pic>
+    </p:spTree>
+    <p:extLst>
+      <p:ext uri="{BB962C8B-B14F-4D97-AF65-F5344CB8AC3E}">
+        <p14:creationId xmlns:p14="http://schemas.microsoft.com/office/powerpoint/2010/main" val="479942138"/>
+      </p:ext>
+    </p:extLst>
+  </p:cSld>
+  <p:clrMapOvr>
+    <a:masterClrMapping/>
+  </p:clrMapOvr>
+  <p:transition spd="med">
+    <p:fade/>
+  </p:transition>
+</p:sld>
+</file>
+
+<file path=ppt/slides/slide51.xml><?xml version="1.0" encoding="utf-8"?>
+<p:sld xmlns:a="http://schemas.openxmlformats.org/drawingml/2006/main" xmlns:r="http://schemas.openxmlformats.org/officeDocument/2006/relationships" xmlns:p="http://schemas.openxmlformats.org/presentationml/2006/main">
+  <p:cSld>
+    <p:spTree>
+      <p:nvGrpSpPr>
+        <p:cNvPr id="1" name=""/>
+        <p:cNvGrpSpPr/>
+        <p:nvPr/>
+      </p:nvGrpSpPr>
+      <p:grpSpPr>
+        <a:xfrm>
+          <a:off x="0" y="0"/>
+          <a:ext cx="0" cy="0"/>
+          <a:chOff x="0" y="0"/>
+          <a:chExt cx="0" cy="0"/>
+        </a:xfrm>
+      </p:grpSpPr>
+      <p:sp>
+        <p:nvSpPr>
+          <p:cNvPr id="2" name="Title 1"/>
+          <p:cNvSpPr>
+            <a:spLocks noGrp="1"/>
+          </p:cNvSpPr>
+          <p:nvPr>
+            <p:ph type="title"/>
+          </p:nvPr>
+        </p:nvSpPr>
+        <p:spPr/>
+        <p:txBody>
+          <a:bodyPr>
+            <a:normAutofit/>
+          </a:bodyPr>
+          <a:lstStyle/>
+          <a:p>
+            <a:r>
+              <a:rPr lang="en-US" dirty="0" smtClean="0"/>
+              <a:t>GE: Results of this Exercise</a:t>
+            </a:r>
+            <a:endParaRPr lang="en-US" dirty="0"/>
+          </a:p>
+        </p:txBody>
+      </p:sp>
+      <p:sp>
+        <p:nvSpPr>
+          <p:cNvPr id="3" name="Text Placeholder 2"/>
+          <p:cNvSpPr>
+            <a:spLocks noGrp="1"/>
+          </p:cNvSpPr>
+          <p:nvPr>
+            <p:ph type="body" sz="quarter" idx="12"/>
+          </p:nvPr>
+        </p:nvSpPr>
+        <p:spPr>
+          <a:xfrm>
+            <a:off x="650040" y="1856198"/>
+            <a:ext cx="13225980" cy="5345953"/>
+          </a:xfrm>
+        </p:spPr>
+        <p:txBody>
+          <a:bodyPr/>
+          <a:lstStyle/>
+          <a:p>
+            <a:r>
+              <a:rPr lang="en-US" dirty="0" smtClean="0"/>
+              <a:t>Your scan should show that the ssh protocol issue is now complaint.</a:t>
+            </a:r>
+            <a:endParaRPr lang="en-US" dirty="0"/>
+          </a:p>
+        </p:txBody>
+      </p:sp>
+      <p:pic>
+        <p:nvPicPr>
+          <p:cNvPr id="6" name="Picture 5"/>
+          <p:cNvPicPr>
+            <a:picLocks noChangeAspect="1"/>
+          </p:cNvPicPr>
+          <p:nvPr/>
+        </p:nvPicPr>
+        <p:blipFill>
+          <a:blip r:embed="rId3"/>
+          <a:stretch>
+            <a:fillRect/>
+          </a:stretch>
+        </p:blipFill>
+        <p:spPr>
+          <a:xfrm>
+            <a:off x="1792998" y="3114674"/>
+            <a:ext cx="12670005" cy="4497705"/>
+          </a:xfrm>
+          <a:prstGeom prst="rect">
+            <a:avLst/>
+          </a:prstGeom>
+          <a:ln>
+            <a:solidFill>
+              <a:schemeClr val="accent1"/>
+            </a:solidFill>
+          </a:ln>
+        </p:spPr>
+      </p:pic>
+    </p:spTree>
+    <p:extLst>
+      <p:ext uri="{BB962C8B-B14F-4D97-AF65-F5344CB8AC3E}">
+        <p14:creationId xmlns:p14="http://schemas.microsoft.com/office/powerpoint/2010/main" val="2621874911"/>
+      </p:ext>
+    </p:extLst>
+  </p:cSld>
+  <p:clrMapOvr>
+    <a:masterClrMapping/>
+  </p:clrMapOvr>
+  <p:transition spd="med">
+    <p:fade/>
+  </p:transition>
+</p:sld>
+</file>
+
+<file path=ppt/slides/slide52.xml><?xml version="1.0" encoding="utf-8"?>
+<p:sld xmlns:a="http://schemas.openxmlformats.org/drawingml/2006/main" xmlns:r="http://schemas.openxmlformats.org/officeDocument/2006/relationships" xmlns:p="http://schemas.openxmlformats.org/presentationml/2006/main">
+  <p:cSld>
+    <p:spTree>
+      <p:nvGrpSpPr>
+        <p:cNvPr id="1" name=""/>
+        <p:cNvGrpSpPr/>
+        <p:nvPr/>
+      </p:nvGrpSpPr>
+      <p:grpSpPr>
+        <a:xfrm>
+          <a:off x="0" y="0"/>
+          <a:ext cx="0" cy="0"/>
+          <a:chOff x="0" y="0"/>
+          <a:chExt cx="0" cy="0"/>
+        </a:xfrm>
+      </p:grpSpPr>
+      <p:sp>
+        <p:nvSpPr>
+          <p:cNvPr id="2" name="Title 1"/>
+          <p:cNvSpPr>
+            <a:spLocks noGrp="1"/>
+          </p:cNvSpPr>
+          <p:nvPr>
+            <p:ph type="ctrTitle"/>
+          </p:nvPr>
+        </p:nvSpPr>
+        <p:spPr/>
+        <p:txBody>
+          <a:bodyPr>
+            <a:normAutofit fontScale="90000"/>
+          </a:bodyPr>
+          <a:lstStyle/>
+          <a:p>
+            <a:r>
+              <a:rPr lang="en-US" dirty="0" smtClean="0"/>
+              <a:t>Conclusion</a:t>
+            </a:r>
+            <a:endParaRPr lang="en-US" dirty="0"/>
+          </a:p>
+        </p:txBody>
+      </p:sp>
+      <p:sp>
+        <p:nvSpPr>
+          <p:cNvPr id="3" name="Subtitle 2"/>
+          <p:cNvSpPr>
+            <a:spLocks noGrp="1"/>
+          </p:cNvSpPr>
+          <p:nvPr>
+            <p:ph type="subTitle" idx="1"/>
+          </p:nvPr>
+        </p:nvSpPr>
+        <p:spPr>
+          <a:xfrm>
+            <a:off x="1660524" y="3420745"/>
+            <a:ext cx="12330113" cy="4123055"/>
+          </a:xfrm>
+        </p:spPr>
+        <p:txBody>
+          <a:bodyPr/>
+          <a:lstStyle/>
+          <a:p>
+            <a:pPr marL="342900" indent="-342900">
+              <a:buFont typeface="Wingdings" panose="05000000000000000000" pitchFamily="2" charset="2"/>
+              <a:buChar char="ü"/>
+            </a:pPr>
+            <a:r>
+              <a:rPr lang="en-US" dirty="0"/>
+              <a:t>Log into your target node</a:t>
+            </a:r>
+          </a:p>
+          <a:p>
+            <a:pPr marL="342900" indent="-342900">
+              <a:buFont typeface="Wingdings" panose="05000000000000000000" pitchFamily="2" charset="2"/>
+              <a:buChar char="ü"/>
+            </a:pPr>
+            <a:r>
+              <a:rPr lang="en-US" dirty="0" smtClean="0"/>
+              <a:t>Write </a:t>
+            </a:r>
+            <a:r>
+              <a:rPr lang="en-US" dirty="0"/>
+              <a:t>a remediation recipe on that node.</a:t>
+            </a:r>
+          </a:p>
+          <a:p>
+            <a:pPr marL="457200" indent="-457200">
+              <a:buFont typeface="Wingdings" panose="05000000000000000000" pitchFamily="2" charset="2"/>
+              <a:buChar char="ü"/>
+            </a:pPr>
+            <a:r>
+              <a:rPr lang="en-US" dirty="0"/>
+              <a:t>Test the recipe with Test Kitchen.</a:t>
+            </a:r>
+          </a:p>
+          <a:p>
+            <a:pPr marL="457200" indent="-457200">
+              <a:buFont typeface="Wingdings" panose="05000000000000000000" pitchFamily="2" charset="2"/>
+              <a:buChar char="ü"/>
+            </a:pPr>
+            <a:r>
+              <a:rPr lang="en-US" dirty="0"/>
+              <a:t>Rescan the node and ensure compliance</a:t>
+            </a:r>
+            <a:r>
+              <a:rPr lang="en-US" dirty="0" smtClean="0"/>
+              <a:t>.</a:t>
+            </a:r>
+          </a:p>
+          <a:p>
+            <a:pPr marL="457200" indent="-457200">
+              <a:buFont typeface="Wingdings" panose="05000000000000000000" pitchFamily="2" charset="2"/>
+              <a:buChar char="ü"/>
+            </a:pPr>
+            <a:endParaRPr lang="en-US" dirty="0"/>
+          </a:p>
+          <a:p>
+            <a:endParaRPr lang="en-US" dirty="0"/>
+          </a:p>
+          <a:p>
+            <a:endParaRPr lang="en-US" dirty="0"/>
+          </a:p>
+        </p:txBody>
+      </p:sp>
+    </p:spTree>
+    <p:extLst>
+      <p:ext uri="{BB962C8B-B14F-4D97-AF65-F5344CB8AC3E}">
+        <p14:creationId xmlns:p14="http://schemas.microsoft.com/office/powerpoint/2010/main" val="1996638172"/>
+      </p:ext>
+    </p:extLst>
+  </p:cSld>
+  <p:clrMapOvr>
+    <a:masterClrMapping/>
+  </p:clrMapOvr>
+  <p:transition spd="med">
+    <p:fade/>
+  </p:transition>
+</p:sld>
+</file>
+
+<file path=ppt/slides/slide53.xml><?xml version="1.0" encoding="utf-8"?>
+<p:sld xmlns:a="http://schemas.openxmlformats.org/drawingml/2006/main" xmlns:r="http://schemas.openxmlformats.org/officeDocument/2006/relationships" xmlns:p="http://schemas.openxmlformats.org/presentationml/2006/main">
+  <p:cSld>
+    <p:spTree>
+      <p:nvGrpSpPr>
+        <p:cNvPr id="1" name=""/>
+        <p:cNvGrpSpPr/>
+        <p:nvPr/>
+      </p:nvGrpSpPr>
+      <p:grpSpPr>
+        <a:xfrm>
+          <a:off x="0" y="0"/>
+          <a:ext cx="0" cy="0"/>
+          <a:chOff x="0" y="0"/>
+          <a:chExt cx="0" cy="0"/>
+        </a:xfrm>
+      </p:grpSpPr>
+      <p:sp>
+        <p:nvSpPr>
+          <p:cNvPr id="2" name="Title 1"/>
+          <p:cNvSpPr>
+            <a:spLocks noGrp="1"/>
+          </p:cNvSpPr>
+          <p:nvPr>
+            <p:ph type="ctrTitle"/>
+          </p:nvPr>
+        </p:nvSpPr>
+        <p:spPr/>
+        <p:txBody>
+          <a:bodyPr>
+            <a:normAutofit fontScale="90000"/>
+          </a:bodyPr>
+          <a:lstStyle/>
+          <a:p>
+            <a:endParaRPr lang="en-US"/>
+          </a:p>
+        </p:txBody>
+      </p:sp>
+      <p:sp>
+        <p:nvSpPr>
+          <p:cNvPr id="3" name="Subtitle 2"/>
+          <p:cNvSpPr>
+            <a:spLocks noGrp="1"/>
+          </p:cNvSpPr>
+          <p:nvPr>
+            <p:ph type="subTitle" idx="1"/>
+          </p:nvPr>
+        </p:nvSpPr>
+        <p:spPr/>
+        <p:txBody>
+          <a:bodyPr/>
+          <a:lstStyle/>
+          <a:p>
+            <a:endParaRPr lang="en-US"/>
+          </a:p>
+        </p:txBody>
+      </p:sp>
+    </p:spTree>
+    <p:extLst>
+      <p:ext uri="{BB962C8B-B14F-4D97-AF65-F5344CB8AC3E}">
+        <p14:creationId xmlns:p14="http://schemas.microsoft.com/office/powerpoint/2010/main" val="3842220861"/>
+      </p:ext>
+    </p:extLst>
+  </p:cSld>
+  <p:clrMapOvr>
+    <a:masterClrMapping/>
+  </p:clrMapOvr>
+  <p:transition spd="med">
+    <p:fade/>
+  </p:transition>
+</p:sld>
+</file>
+
+<file path=ppt/slides/slide54.xml><?xml version="1.0" encoding="utf-8"?>
+<p:sld xmlns:a="http://schemas.openxmlformats.org/drawingml/2006/main" xmlns:r="http://schemas.openxmlformats.org/officeDocument/2006/relationships" xmlns:p="http://schemas.openxmlformats.org/presentationml/2006/main">
+  <p:cSld>
+    <p:spTree>
+      <p:nvGrpSpPr>
+        <p:cNvPr id="1" name=""/>
+        <p:cNvGrpSpPr/>
+        <p:nvPr/>
+      </p:nvGrpSpPr>
+      <p:grpSpPr>
+        <a:xfrm>
+          <a:off x="0" y="0"/>
+          <a:ext cx="0" cy="0"/>
+          <a:chOff x="0" y="0"/>
+          <a:chExt cx="0" cy="0"/>
+        </a:xfrm>
+      </p:grpSpPr>
+      <p:sp>
+        <p:nvSpPr>
+          <p:cNvPr id="2" name="Title 1"/>
+          <p:cNvSpPr>
+            <a:spLocks noGrp="1"/>
+          </p:cNvSpPr>
+          <p:nvPr>
+            <p:ph type="ctrTitle"/>
+          </p:nvPr>
+        </p:nvSpPr>
+        <p:spPr/>
+        <p:txBody>
+          <a:bodyPr>
+            <a:normAutofit fontScale="90000"/>
+          </a:bodyPr>
+          <a:lstStyle/>
+          <a:p>
+            <a:endParaRPr lang="en-US"/>
+          </a:p>
+        </p:txBody>
+      </p:sp>
+      <p:sp>
+        <p:nvSpPr>
+          <p:cNvPr id="3" name="Subtitle 2"/>
+          <p:cNvSpPr>
+            <a:spLocks noGrp="1"/>
+          </p:cNvSpPr>
+          <p:nvPr>
+            <p:ph type="subTitle" idx="1"/>
+          </p:nvPr>
+        </p:nvSpPr>
+        <p:spPr/>
+        <p:txBody>
+          <a:bodyPr/>
+          <a:lstStyle/>
+          <a:p>
+            <a:endParaRPr lang="en-US"/>
+          </a:p>
+        </p:txBody>
+      </p:sp>
+    </p:spTree>
+    <p:extLst>
+      <p:ext uri="{BB962C8B-B14F-4D97-AF65-F5344CB8AC3E}">
+        <p14:creationId xmlns:p14="http://schemas.microsoft.com/office/powerpoint/2010/main" val="3953335903"/>
+      </p:ext>
+    </p:extLst>
+  </p:cSld>
+  <p:clrMapOvr>
+    <a:masterClrMapping/>
+  </p:clrMapOvr>
+  <p:transition spd="med">
+    <p:fade/>
+  </p:transition>
+</p:sld>
+</file>
+
+<file path=ppt/slides/slide55.xml><?xml version="1.0" encoding="utf-8"?>
+<p:sld xmlns:a="http://schemas.openxmlformats.org/drawingml/2006/main" xmlns:r="http://schemas.openxmlformats.org/officeDocument/2006/relationships" xmlns:p="http://schemas.openxmlformats.org/presentationml/2006/main">
+  <p:cSld>
+    <p:spTree>
+      <p:nvGrpSpPr>
+        <p:cNvPr id="1" name=""/>
+        <p:cNvGrpSpPr/>
+        <p:nvPr/>
+      </p:nvGrpSpPr>
+      <p:grpSpPr>
+        <a:xfrm>
+          <a:off x="0" y="0"/>
+          <a:ext cx="0" cy="0"/>
+          <a:chOff x="0" y="0"/>
+          <a:chExt cx="0" cy="0"/>
+        </a:xfrm>
+      </p:grpSpPr>
+      <p:sp>
+        <p:nvSpPr>
+          <p:cNvPr id="2" name="Content Placeholder 1"/>
+          <p:cNvSpPr>
+            <a:spLocks noGrp="1"/>
+          </p:cNvSpPr>
+          <p:nvPr>
+            <p:ph sz="quarter" idx="14"/>
+          </p:nvPr>
+        </p:nvSpPr>
+        <p:spPr/>
+        <p:txBody>
+          <a:bodyPr/>
+          <a:lstStyle/>
+          <a:p>
+            <a:endParaRPr lang="en-US"/>
+          </a:p>
+        </p:txBody>
+      </p:sp>
+      <p:sp>
+        <p:nvSpPr>
+          <p:cNvPr id="3" name="Content Placeholder 2"/>
+          <p:cNvSpPr>
+            <a:spLocks noGrp="1"/>
+          </p:cNvSpPr>
+          <p:nvPr>
+            <p:ph sz="quarter" idx="12"/>
+          </p:nvPr>
+        </p:nvSpPr>
+        <p:spPr/>
+        <p:txBody>
+          <a:bodyPr/>
+          <a:lstStyle/>
+          <a:p>
+            <a:endParaRPr lang="en-US"/>
+          </a:p>
+        </p:txBody>
+      </p:sp>
+      <p:sp>
+        <p:nvSpPr>
+          <p:cNvPr id="4" name="Text Placeholder 3"/>
+          <p:cNvSpPr>
+            <a:spLocks noGrp="1"/>
+          </p:cNvSpPr>
+          <p:nvPr>
+            <p:ph type="body" sz="quarter" idx="15"/>
+          </p:nvPr>
+        </p:nvSpPr>
+        <p:spPr/>
+        <p:txBody>
+          <a:bodyPr/>
+          <a:lstStyle/>
+          <a:p>
+            <a:endParaRPr lang="en-US"/>
+          </a:p>
+        </p:txBody>
+      </p:sp>
+      <p:sp>
+        <p:nvSpPr>
+          <p:cNvPr id="5" name="Text Placeholder 4"/>
+          <p:cNvSpPr>
+            <a:spLocks noGrp="1"/>
+          </p:cNvSpPr>
+          <p:nvPr>
+            <p:ph type="body" sz="quarter" idx="16"/>
+          </p:nvPr>
+        </p:nvSpPr>
+        <p:spPr/>
+        <p:txBody>
+          <a:bodyPr/>
+          <a:lstStyle/>
+          <a:p>
+            <a:endParaRPr lang="en-US"/>
+          </a:p>
+        </p:txBody>
+      </p:sp>
+    </p:spTree>
+    <p:extLst>
+      <p:ext uri="{BB962C8B-B14F-4D97-AF65-F5344CB8AC3E}">
+        <p14:creationId xmlns:p14="http://schemas.microsoft.com/office/powerpoint/2010/main" val="3439457985"/>
+      </p:ext>
+    </p:extLst>
+  </p:cSld>
+  <p:clrMapOvr>
+    <a:masterClrMapping/>
+  </p:clrMapOvr>
+  <p:transition spd="med">
+    <p:fade/>
+  </p:transition>
+</p:sld>
+</file>
+
+<file path=ppt/slides/slide56.xml><?xml version="1.0" encoding="utf-8"?>
+<p:sld xmlns:a="http://schemas.openxmlformats.org/drawingml/2006/main" xmlns:r="http://schemas.openxmlformats.org/officeDocument/2006/relationships" xmlns:p="http://schemas.openxmlformats.org/presentationml/2006/main">
+  <p:cSld>
+    <p:spTree>
+      <p:nvGrpSpPr>
+        <p:cNvPr id="1" name=""/>
+        <p:cNvGrpSpPr/>
+        <p:nvPr/>
+      </p:nvGrpSpPr>
+      <p:grpSpPr>
+        <a:xfrm>
+          <a:off x="0" y="0"/>
+          <a:ext cx="0" cy="0"/>
+          <a:chOff x="0" y="0"/>
+          <a:chExt cx="0" cy="0"/>
+        </a:xfrm>
+      </p:grpSpPr>
+      <p:sp>
+        <p:nvSpPr>
+          <p:cNvPr id="2" name="Title 1"/>
+          <p:cNvSpPr>
+            <a:spLocks noGrp="1"/>
+          </p:cNvSpPr>
+          <p:nvPr>
+            <p:ph type="ctrTitle"/>
+          </p:nvPr>
+        </p:nvSpPr>
+        <p:spPr/>
+        <p:txBody>
+          <a:bodyPr>
+            <a:normAutofit fontScale="90000"/>
+          </a:bodyPr>
+          <a:lstStyle/>
+          <a:p>
+            <a:endParaRPr lang="en-US"/>
+          </a:p>
+        </p:txBody>
+      </p:sp>
+      <p:sp>
+        <p:nvSpPr>
+          <p:cNvPr id="3" name="Subtitle 2"/>
+          <p:cNvSpPr>
+            <a:spLocks noGrp="1"/>
+          </p:cNvSpPr>
+          <p:nvPr>
+            <p:ph type="subTitle" idx="1"/>
+          </p:nvPr>
+        </p:nvSpPr>
+        <p:spPr/>
+        <p:txBody>
+          <a:bodyPr/>
+          <a:lstStyle/>
+          <a:p>
+            <a:endParaRPr lang="en-US" dirty="0" smtClean="0"/>
+          </a:p>
+          <a:p>
+            <a:r>
+              <a:rPr lang="en-US" dirty="0" err="1"/>
+              <a:t>i</a:t>
+            </a:r>
+            <a:r>
+              <a:rPr lang="en-US" dirty="0"/>
+              <a:t> believe so.  that's how </a:t>
+            </a:r>
+            <a:r>
+              <a:rPr lang="en-US" dirty="0" err="1"/>
+              <a:t>i</a:t>
+            </a:r>
+            <a:r>
+              <a:rPr lang="en-US" dirty="0"/>
+              <a:t> have it running,  </a:t>
+            </a:r>
+            <a:r>
+              <a:rPr lang="en-US" dirty="0" err="1"/>
+              <a:t>i've</a:t>
+            </a:r>
+            <a:r>
+              <a:rPr lang="en-US" dirty="0"/>
+              <a:t> also been running a reconfigure and restart after </a:t>
+            </a:r>
+            <a:r>
+              <a:rPr lang="en-US" dirty="0" err="1"/>
+              <a:t>i</a:t>
+            </a:r>
+            <a:r>
+              <a:rPr lang="en-US" dirty="0"/>
+              <a:t> upgrade the package</a:t>
+            </a:r>
+          </a:p>
+          <a:p>
+            <a:r>
+              <a:rPr lang="en-US" dirty="0"/>
+              <a:t>​[9:04 AM] </a:t>
+            </a:r>
+          </a:p>
+          <a:p>
+            <a:r>
+              <a:rPr lang="en-US" dirty="0" err="1"/>
+              <a:t>steve_delfante</a:t>
+            </a:r>
+            <a:r>
+              <a:rPr lang="en-US" dirty="0"/>
+              <a:t> `sudo chef-compliance-</a:t>
+            </a:r>
+            <a:r>
+              <a:rPr lang="en-US" dirty="0" err="1"/>
+              <a:t>ctl</a:t>
+            </a:r>
+            <a:r>
+              <a:rPr lang="en-US" dirty="0"/>
+              <a:t> reconfigure` will reconfigure it but s=does that also restart it?</a:t>
+            </a:r>
+          </a:p>
+          <a:p>
+            <a:r>
+              <a:rPr lang="en-US" dirty="0"/>
+              <a:t>new messages</a:t>
+            </a:r>
+          </a:p>
+          <a:p>
+            <a:r>
+              <a:rPr lang="en-US" dirty="0"/>
+              <a:t>​[9:04 AM] </a:t>
+            </a:r>
+          </a:p>
+          <a:p>
+            <a:r>
+              <a:rPr lang="en-US" dirty="0" err="1"/>
+              <a:t>kennon</a:t>
+            </a:r>
+            <a:r>
+              <a:rPr lang="en-US" dirty="0"/>
+              <a:t> not always, you should also run `sudo chef-compliance-</a:t>
+            </a:r>
+            <a:r>
+              <a:rPr lang="en-US" dirty="0" err="1"/>
+              <a:t>ctl</a:t>
+            </a:r>
+            <a:r>
+              <a:rPr lang="en-US" dirty="0"/>
+              <a:t> restart</a:t>
+            </a:r>
+          </a:p>
+        </p:txBody>
+      </p:sp>
+    </p:spTree>
+    <p:extLst>
+      <p:ext uri="{BB962C8B-B14F-4D97-AF65-F5344CB8AC3E}">
+        <p14:creationId xmlns:p14="http://schemas.microsoft.com/office/powerpoint/2010/main" val="108599519"/>
+      </p:ext>
+    </p:extLst>
+  </p:cSld>
+  <p:clrMapOvr>
+    <a:masterClrMapping/>
+  </p:clrMapOvr>
+  <p:transition spd="med">
+    <p:fade/>
+  </p:transition>
+  <p:timing>
+    <p:tnLst>
+      <p:par>
+        <p:cTn id="1" dur="indefinite" restart="never" nodeType="tmRoot"/>
+      </p:par>
+    </p:tnLst>
+  </p:timing>
+</p:sld>
+</file>
+
+<file path=ppt/slides/slide57.xml><?xml version="1.0" encoding="utf-8"?>
+<p:sld xmlns:a="http://schemas.openxmlformats.org/drawingml/2006/main" xmlns:r="http://schemas.openxmlformats.org/officeDocument/2006/relationships" xmlns:p="http://schemas.openxmlformats.org/presentationml/2006/main">
+  <p:cSld>
+    <p:bg>
+      <p:bgPr>
+        <a:gradFill rotWithShape="0">
+          <a:gsLst>
+            <a:gs pos="0">
+              <a:srgbClr val="F0F0F0"/>
+            </a:gs>
+            <a:gs pos="100000">
+              <a:schemeClr val="bg2"/>
+            </a:gs>
+          </a:gsLst>
+          <a:lin ang="5400000" scaled="1"/>
+        </a:gradFill>
+        <a:effectLst/>
+      </p:bgPr>
+    </p:bg>
+    <p:spTree>
+      <p:nvGrpSpPr>
+        <p:cNvPr id="1" name=""/>
+        <p:cNvGrpSpPr/>
+        <p:nvPr/>
+      </p:nvGrpSpPr>
+      <p:grpSpPr>
+        <a:xfrm>
+          <a:off x="0" y="0"/>
+          <a:ext cx="0" cy="0"/>
+          <a:chOff x="0" y="0"/>
+          <a:chExt cx="0" cy="0"/>
+        </a:xfrm>
+      </p:grpSpPr>
+      <p:sp>
+        <p:nvSpPr>
+          <p:cNvPr id="2" name="Title 1"/>
+          <p:cNvSpPr>
+            <a:spLocks noGrp="1"/>
+          </p:cNvSpPr>
+          <p:nvPr>
+            <p:ph type="title"/>
+          </p:nvPr>
+        </p:nvSpPr>
+        <p:spPr/>
+        <p:txBody>
+          <a:bodyPr/>
+          <a:lstStyle/>
+          <a:p>
+            <a:r>
+              <a:rPr lang="en-US" dirty="0" smtClean="0"/>
+              <a:t>Review Questions</a:t>
+            </a:r>
+            <a:endParaRPr lang="en-US" dirty="0"/>
+          </a:p>
+        </p:txBody>
+      </p:sp>
+      <p:sp>
+        <p:nvSpPr>
+          <p:cNvPr id="3" name="Text Placeholder 2"/>
+          <p:cNvSpPr>
+            <a:spLocks noGrp="1"/>
+          </p:cNvSpPr>
+          <p:nvPr>
+            <p:ph type="body" sz="quarter" idx="12"/>
+          </p:nvPr>
+        </p:nvSpPr>
+        <p:spPr/>
+        <p:txBody>
+          <a:bodyPr/>
+          <a:lstStyle/>
+          <a:p>
+            <a:pPr marL="514350" indent="-514350">
+              <a:buFont typeface="+mj-lt"/>
+              <a:buAutoNum type="arabicPeriod"/>
+            </a:pPr>
+            <a:r>
+              <a:rPr lang="en-US" dirty="0" smtClean="0"/>
+              <a:t>What is ...?</a:t>
+            </a:r>
+            <a:br>
+              <a:rPr lang="en-US" dirty="0" smtClean="0"/>
+            </a:br>
+            <a:r>
+              <a:rPr lang="en-US" dirty="0" smtClean="0"/>
+              <a:t>______________________________</a:t>
+            </a:r>
+          </a:p>
+          <a:p>
+            <a:pPr marL="514350" indent="-514350">
+              <a:buFont typeface="+mj-lt"/>
+              <a:buAutoNum type="arabicPeriod"/>
+            </a:pPr>
+            <a:r>
+              <a:rPr lang="en-US" dirty="0" smtClean="0"/>
+              <a:t>Which is the correct answer?  </a:t>
+            </a:r>
+          </a:p>
+          <a:p>
+            <a:pPr marL="822325" lvl="1" indent="-514350">
+              <a:buFont typeface="+mj-lt"/>
+              <a:buAutoNum type="alphaLcPeriod"/>
+            </a:pPr>
+            <a:r>
+              <a:rPr lang="en-US" dirty="0" smtClean="0"/>
+              <a:t>answer</a:t>
+            </a:r>
+          </a:p>
+          <a:p>
+            <a:pPr marL="822325" lvl="1" indent="-514350">
+              <a:buFont typeface="+mj-lt"/>
+              <a:buAutoNum type="alphaLcPeriod"/>
+            </a:pPr>
+            <a:r>
+              <a:rPr lang="en-US" dirty="0" smtClean="0"/>
+              <a:t>answer</a:t>
+            </a:r>
+          </a:p>
+          <a:p>
+            <a:pPr marL="822325" lvl="1" indent="-514350">
+              <a:buFont typeface="+mj-lt"/>
+              <a:buAutoNum type="alphaLcPeriod"/>
+            </a:pPr>
+            <a:r>
+              <a:rPr lang="en-US" dirty="0" smtClean="0"/>
+              <a:t>answer</a:t>
+            </a:r>
+          </a:p>
+          <a:p>
+            <a:pPr marL="822325" lvl="1" indent="-514350">
+              <a:buFont typeface="+mj-lt"/>
+              <a:buAutoNum type="alphaLcPeriod"/>
+            </a:pPr>
+            <a:r>
+              <a:rPr lang="en-US" dirty="0" smtClean="0"/>
+              <a:t>answer</a:t>
+            </a:r>
+            <a:br>
+              <a:rPr lang="en-US" dirty="0" smtClean="0"/>
+            </a:br>
+            <a:endParaRPr lang="en-US" dirty="0" smtClean="0"/>
+          </a:p>
+          <a:p>
+            <a:pPr marL="514350" indent="-514350">
+              <a:buFont typeface="+mj-lt"/>
+              <a:buAutoNum type="arabicPeriod"/>
+            </a:pPr>
+            <a:r>
+              <a:rPr lang="en-US" dirty="0" smtClean="0"/>
+              <a:t>Capable of carrying on a conversation</a:t>
+            </a:r>
+          </a:p>
+          <a:p>
+            <a:pPr marL="514350" indent="-514350">
+              <a:buFont typeface="+mj-lt"/>
+              <a:buAutoNum type="arabicPeriod"/>
+            </a:pPr>
+            <a:r>
+              <a:rPr lang="en-US" dirty="0" smtClean="0"/>
+              <a:t>Explain</a:t>
+            </a:r>
+            <a:endParaRPr lang="en-US" dirty="0"/>
+          </a:p>
+        </p:txBody>
+      </p:sp>
+    </p:spTree>
+    <p:extLst>
+      <p:ext uri="{BB962C8B-B14F-4D97-AF65-F5344CB8AC3E}">
+        <p14:creationId xmlns:p14="http://schemas.microsoft.com/office/powerpoint/2010/main" val="321457963"/>
+      </p:ext>
+    </p:extLst>
+  </p:cSld>
+  <p:clrMapOvr>
+    <a:masterClrMapping/>
+  </p:clrMapOvr>
+  <p:transition spd="med">
+    <p:fade/>
+  </p:transition>
+</p:sld>
+</file>
+
+<file path=ppt/slides/slide58.xml><?xml version="1.0" encoding="utf-8"?>
 <p:sld xmlns:a="http://schemas.openxmlformats.org/drawingml/2006/main" xmlns:r="http://schemas.openxmlformats.org/officeDocument/2006/relationships" xmlns:p="http://schemas.openxmlformats.org/presentationml/2006/main">
   <p:cSld>
     <p:spTree>
@@ -25588,52 +29069,6 @@
 </file>
 
 <file path=customXml/item1.xml><?xml version="1.0" encoding="utf-8"?>
-<?mso-contentType ?>
-<spe:Receivers xmlns:spe="http://schemas.microsoft.com/sharepoint/events">
-  <Receiver>
-    <Name>Document ID Generator</Name>
-    <Synchronization>Synchronous</Synchronization>
-    <Type>10001</Type>
-    <SequenceNumber>1000</SequenceNumber>
-    <Assembly>Microsoft.Office.DocumentManagement, Version=14.0.0.0, Culture=neutral, PublicKeyToken=71e9bce111e9429c</Assembly>
-    <Class>Microsoft.Office.DocumentManagement.Internal.DocIdHandler</Class>
-    <Data/>
-    <Filter/>
-  </Receiver>
-  <Receiver>
-    <Name>Document ID Generator</Name>
-    <Synchronization>Synchronous</Synchronization>
-    <Type>10002</Type>
-    <SequenceNumber>1001</SequenceNumber>
-    <Assembly>Microsoft.Office.DocumentManagement, Version=14.0.0.0, Culture=neutral, PublicKeyToken=71e9bce111e9429c</Assembly>
-    <Class>Microsoft.Office.DocumentManagement.Internal.DocIdHandler</Class>
-    <Data/>
-    <Filter/>
-  </Receiver>
-  <Receiver>
-    <Name>Document ID Generator</Name>
-    <Synchronization>Synchronous</Synchronization>
-    <Type>10004</Type>
-    <SequenceNumber>1002</SequenceNumber>
-    <Assembly>Microsoft.Office.DocumentManagement, Version=14.0.0.0, Culture=neutral, PublicKeyToken=71e9bce111e9429c</Assembly>
-    <Class>Microsoft.Office.DocumentManagement.Internal.DocIdHandler</Class>
-    <Data/>
-    <Filter/>
-  </Receiver>
-  <Receiver>
-    <Name>Document ID Generator</Name>
-    <Synchronization>Synchronous</Synchronization>
-    <Type>10006</Type>
-    <SequenceNumber>1003</SequenceNumber>
-    <Assembly>Microsoft.Office.DocumentManagement, Version=14.0.0.0, Culture=neutral, PublicKeyToken=71e9bce111e9429c</Assembly>
-    <Class>Microsoft.Office.DocumentManagement.Internal.DocIdHandler</Class>
-    <Data/>
-    <Filter/>
-  </Receiver>
-</spe:Receivers>
-</file>
-
-<file path=customXml/item2.xml><?xml version="1.0" encoding="utf-8"?>
 <ct:contentTypeSchema xmlns:ct="http://schemas.microsoft.com/office/2006/metadata/contentType" xmlns:ma="http://schemas.microsoft.com/office/2006/metadata/properties/metaAttributes" ct:_="" ma:_="" ma:contentTypeName="Document" ma:contentTypeID="0x0101000812F700BE7F874999720E88173FE491" ma:contentTypeVersion="0" ma:contentTypeDescription="Create a new document." ma:contentTypeScope="" ma:versionID="3f79f408e2ca720b7aba6e0e32464d0c">
   <xsd:schema xmlns:xsd="http://www.w3.org/2001/XMLSchema" xmlns:xs="http://www.w3.org/2001/XMLSchema" xmlns:p="http://schemas.microsoft.com/office/2006/metadata/properties" xmlns:ns2="7bb5d761-a2ea-4873-95f7-7a6658fb3ef0" targetNamespace="http://schemas.microsoft.com/office/2006/metadata/properties" ma:root="true" ma:fieldsID="1e062cd38ba31e406bfc4340fbc7f87a" ns2:_="">
     <xsd:import namespace="7bb5d761-a2ea-4873-95f7-7a6658fb3ef0"/>
@@ -25778,7 +29213,62 @@
 </ct:contentTypeSchema>
 </file>
 
+<file path=customXml/item2.xml><?xml version="1.0" encoding="utf-8"?>
+<?mso-contentType ?>
+<spe:Receivers xmlns:spe="http://schemas.microsoft.com/sharepoint/events">
+  <Receiver>
+    <Name>Document ID Generator</Name>
+    <Synchronization>Synchronous</Synchronization>
+    <Type>10001</Type>
+    <SequenceNumber>1000</SequenceNumber>
+    <Assembly>Microsoft.Office.DocumentManagement, Version=14.0.0.0, Culture=neutral, PublicKeyToken=71e9bce111e9429c</Assembly>
+    <Class>Microsoft.Office.DocumentManagement.Internal.DocIdHandler</Class>
+    <Data/>
+    <Filter/>
+  </Receiver>
+  <Receiver>
+    <Name>Document ID Generator</Name>
+    <Synchronization>Synchronous</Synchronization>
+    <Type>10002</Type>
+    <SequenceNumber>1001</SequenceNumber>
+    <Assembly>Microsoft.Office.DocumentManagement, Version=14.0.0.0, Culture=neutral, PublicKeyToken=71e9bce111e9429c</Assembly>
+    <Class>Microsoft.Office.DocumentManagement.Internal.DocIdHandler</Class>
+    <Data/>
+    <Filter/>
+  </Receiver>
+  <Receiver>
+    <Name>Document ID Generator</Name>
+    <Synchronization>Synchronous</Synchronization>
+    <Type>10004</Type>
+    <SequenceNumber>1002</SequenceNumber>
+    <Assembly>Microsoft.Office.DocumentManagement, Version=14.0.0.0, Culture=neutral, PublicKeyToken=71e9bce111e9429c</Assembly>
+    <Class>Microsoft.Office.DocumentManagement.Internal.DocIdHandler</Class>
+    <Data/>
+    <Filter/>
+  </Receiver>
+  <Receiver>
+    <Name>Document ID Generator</Name>
+    <Synchronization>Synchronous</Synchronization>
+    <Type>10006</Type>
+    <SequenceNumber>1003</SequenceNumber>
+    <Assembly>Microsoft.Office.DocumentManagement, Version=14.0.0.0, Culture=neutral, PublicKeyToken=71e9bce111e9429c</Assembly>
+    <Class>Microsoft.Office.DocumentManagement.Internal.DocIdHandler</Class>
+    <Data/>
+    <Filter/>
+  </Receiver>
+</spe:Receivers>
+</file>
+
 <file path=customXml/item3.xml><?xml version="1.0" encoding="utf-8"?>
+<?mso-contentType ?>
+<FormTemplates xmlns="http://schemas.microsoft.com/sharepoint/v3/contenttype/forms">
+  <Display>DocumentLibraryForm</Display>
+  <Edit>DocumentLibraryForm</Edit>
+  <New>DocumentLibraryForm</New>
+</FormTemplates>
+</file>
+
+<file path=customXml/item4.xml><?xml version="1.0" encoding="utf-8"?>
 <p:properties xmlns:p="http://schemas.microsoft.com/office/2006/metadata/properties" xmlns:xsi="http://www.w3.org/2001/XMLSchema-instance" xmlns:pc="http://schemas.microsoft.com/office/infopath/2007/PartnerControls">
   <documentManagement>
     <_dlc_DocId xmlns="7bb5d761-a2ea-4873-95f7-7a6658fb3ef0">M4CWTKMW727E-592-73</_dlc_DocId>
@@ -25790,24 +29280,7 @@
 </p:properties>
 </file>
 
-<file path=customXml/item4.xml><?xml version="1.0" encoding="utf-8"?>
-<?mso-contentType ?>
-<FormTemplates xmlns="http://schemas.microsoft.com/sharepoint/v3/contenttype/forms">
-  <Display>DocumentLibraryForm</Display>
-  <Edit>DocumentLibraryForm</Edit>
-  <New>DocumentLibraryForm</New>
-</FormTemplates>
-</file>
-
 <file path=customXml/itemProps1.xml><?xml version="1.0" encoding="utf-8"?>
-<ds:datastoreItem xmlns:ds="http://schemas.openxmlformats.org/officeDocument/2006/customXml" ds:itemID="{B13EBC30-FE27-4C6A-B723-23FC2188F7DC}">
-  <ds:schemaRefs>
-    <ds:schemaRef ds:uri="http://schemas.microsoft.com/sharepoint/events"/>
-  </ds:schemaRefs>
-</ds:datastoreItem>
-</file>
-
-<file path=customXml/itemProps2.xml><?xml version="1.0" encoding="utf-8"?>
 <ds:datastoreItem xmlns:ds="http://schemas.openxmlformats.org/officeDocument/2006/customXml" ds:itemID="{164479E5-0B02-49AC-B79E-EC1D6164DDD3}">
   <ds:schemaRefs>
     <ds:schemaRef ds:uri="http://schemas.microsoft.com/office/2006/metadata/contentType"/>
@@ -25825,7 +29298,23 @@
 </ds:datastoreItem>
 </file>
 
+<file path=customXml/itemProps2.xml><?xml version="1.0" encoding="utf-8"?>
+<ds:datastoreItem xmlns:ds="http://schemas.openxmlformats.org/officeDocument/2006/customXml" ds:itemID="{B13EBC30-FE27-4C6A-B723-23FC2188F7DC}">
+  <ds:schemaRefs>
+    <ds:schemaRef ds:uri="http://schemas.microsoft.com/sharepoint/events"/>
+  </ds:schemaRefs>
+</ds:datastoreItem>
+</file>
+
 <file path=customXml/itemProps3.xml><?xml version="1.0" encoding="utf-8"?>
+<ds:datastoreItem xmlns:ds="http://schemas.openxmlformats.org/officeDocument/2006/customXml" ds:itemID="{5CDEB364-43EC-4510-9881-539C2A3FCE9E}">
+  <ds:schemaRefs>
+    <ds:schemaRef ds:uri="http://schemas.microsoft.com/sharepoint/v3/contenttype/forms"/>
+  </ds:schemaRefs>
+</ds:datastoreItem>
+</file>
+
+<file path=customXml/itemProps4.xml><?xml version="1.0" encoding="utf-8"?>
 <ds:datastoreItem xmlns:ds="http://schemas.openxmlformats.org/officeDocument/2006/customXml" ds:itemID="{6921749B-AEB7-461B-845F-603CABD25259}">
   <ds:schemaRefs>
     <ds:schemaRef ds:uri="http://purl.org/dc/dcmitype/"/>
@@ -25839,12 +29328,4 @@
     <ds:schemaRef ds:uri="http://www.w3.org/XML/1998/namespace"/>
   </ds:schemaRefs>
 </ds:datastoreItem>
-</file>
-
-<file path=customXml/itemProps4.xml><?xml version="1.0" encoding="utf-8"?>
-<ds:datastoreItem xmlns:ds="http://schemas.openxmlformats.org/officeDocument/2006/customXml" ds:itemID="{5CDEB364-43EC-4510-9881-539C2A3FCE9E}">
-  <ds:schemaRefs>
-    <ds:schemaRef ds:uri="http://schemas.microsoft.com/sharepoint/v3/contenttype/forms"/>
-  </ds:schemaRefs>
-</ds:datastoreItem>
 </file>
--- a/03-initial-configuration-scans.pptx
+++ b/03-initial-configuration-scans.pptx
@@ -6,10 +6,10 @@
     <p:sldMasterId id="2147483847" r:id="rId6"/>
   </p:sldMasterIdLst>
   <p:notesMasterIdLst>
-    <p:notesMasterId r:id="rId65"/>
+    <p:notesMasterId r:id="rId67"/>
   </p:notesMasterIdLst>
   <p:handoutMasterIdLst>
-    <p:handoutMasterId r:id="rId66"/>
+    <p:handoutMasterId r:id="rId68"/>
   </p:handoutMasterIdLst>
   <p:sldIdLst>
     <p:sldId id="256" r:id="rId7"/>
@@ -51,25 +51,27 @@
     <p:sldId id="329" r:id="rId43"/>
     <p:sldId id="332" r:id="rId44"/>
     <p:sldId id="333" r:id="rId45"/>
-    <p:sldId id="331" r:id="rId46"/>
+    <p:sldId id="353" r:id="rId46"/>
     <p:sldId id="334" r:id="rId47"/>
     <p:sldId id="335" r:id="rId48"/>
     <p:sldId id="336" r:id="rId49"/>
-    <p:sldId id="337" r:id="rId50"/>
-    <p:sldId id="338" r:id="rId51"/>
-    <p:sldId id="339" r:id="rId52"/>
-    <p:sldId id="340" r:id="rId53"/>
-    <p:sldId id="341" r:id="rId54"/>
-    <p:sldId id="342" r:id="rId55"/>
-    <p:sldId id="343" r:id="rId56"/>
-    <p:sldId id="344" r:id="rId57"/>
-    <p:sldId id="345" r:id="rId58"/>
-    <p:sldId id="273" r:id="rId59"/>
-    <p:sldId id="274" r:id="rId60"/>
-    <p:sldId id="266" r:id="rId61"/>
-    <p:sldId id="275" r:id="rId62"/>
-    <p:sldId id="276" r:id="rId63"/>
-    <p:sldId id="267" r:id="rId64"/>
+    <p:sldId id="346" r:id="rId50"/>
+    <p:sldId id="349" r:id="rId51"/>
+    <p:sldId id="350" r:id="rId52"/>
+    <p:sldId id="351" r:id="rId53"/>
+    <p:sldId id="352" r:id="rId54"/>
+    <p:sldId id="348" r:id="rId55"/>
+    <p:sldId id="347" r:id="rId56"/>
+    <p:sldId id="339" r:id="rId57"/>
+    <p:sldId id="340" r:id="rId58"/>
+    <p:sldId id="341" r:id="rId59"/>
+    <p:sldId id="342" r:id="rId60"/>
+    <p:sldId id="343" r:id="rId61"/>
+    <p:sldId id="344" r:id="rId62"/>
+    <p:sldId id="345" r:id="rId63"/>
+    <p:sldId id="275" r:id="rId64"/>
+    <p:sldId id="276" r:id="rId65"/>
+    <p:sldId id="267" r:id="rId66"/>
   </p:sldIdLst>
   <p:sldSz cx="16256000" cy="9144000"/>
   <p:notesSz cx="6858000" cy="9144000"/>
@@ -331,7 +333,7 @@
               <a:pPr>
                 <a:defRPr/>
               </a:pPr>
-              <a:t>2015-12-08</a:t>
+              <a:t>2015-12-09</a:t>
             </a:fld>
             <a:endParaRPr lang="en-US" dirty="0"/>
           </a:p>
@@ -514,7 +516,7 @@
               <a:pPr>
                 <a:defRPr/>
               </a:pPr>
-              <a:t>2015-12-08</a:t>
+              <a:t>2015-12-09</a:t>
             </a:fld>
             <a:endParaRPr lang="en-US" dirty="0"/>
           </a:p>
@@ -1856,7 +1858,7 @@
           <a:p>
             <a:r>
               <a:rPr lang="en-US" sz="1200" dirty="0" smtClean="0"/>
-              <a:t>The impact of 1.0 indicates this is a Major issue</a:t>
+              <a:t>The impact of 3.0 indicates this is a Major issue</a:t>
             </a:r>
             <a:r>
               <a:rPr lang="en-US" sz="1200" baseline="0" dirty="0" smtClean="0"/>
@@ -4641,7 +4643,15 @@
             </a:pPr>
             <a:r>
               <a:rPr lang="en-US" b="0" baseline="0" dirty="0" smtClean="0"/>
-              <a:t>It could take a minute or so for this command to complete.</a:t>
+              <a:t>It could take a </a:t>
+            </a:r>
+            <a:r>
+              <a:rPr lang="en-US" b="0" baseline="0" dirty="0" smtClean="0"/>
+              <a:t>couple minutes </a:t>
+            </a:r>
+            <a:r>
+              <a:rPr lang="en-US" b="0" baseline="0" dirty="0" smtClean="0"/>
+              <a:t>or so for this command to complete.</a:t>
             </a:r>
             <a:endParaRPr lang="en-US" b="0" dirty="0" smtClean="0"/>
           </a:p>
@@ -5300,10 +5310,6 @@
           <a:bodyPr/>
           <a:lstStyle/>
           <a:p>
-            <a:r>
-              <a:rPr lang="en-US" dirty="0" smtClean="0"/>
-              <a:t>See the following slide for an example of a handy way to populate this file.</a:t>
-            </a:r>
             <a:endParaRPr lang="en-US" dirty="0"/>
           </a:p>
         </p:txBody>
@@ -5331,7 +5337,7 @@
               <a:pPr>
                 <a:defRPr/>
               </a:pPr>
-              <a:t>42</a:t>
+              <a:t>40</a:t>
             </a:fld>
             <a:endParaRPr lang="en-US" dirty="0"/>
           </a:p>
@@ -5384,7 +5390,7 @@
     </p:spTree>
     <p:extLst>
       <p:ext uri="{BB962C8B-B14F-4D97-AF65-F5344CB8AC3E}">
-        <p14:creationId xmlns:p14="http://schemas.microsoft.com/office/powerpoint/2010/main" val="1699919457"/>
+        <p14:creationId xmlns:p14="http://schemas.microsoft.com/office/powerpoint/2010/main" val="1838538428"/>
       </p:ext>
     </p:extLst>
   </p:cSld>
@@ -5438,60 +5444,6 @@
           <a:bodyPr/>
           <a:lstStyle/>
           <a:p>
-            <a:pPr marL="0" marR="0" indent="0" algn="l" defTabSz="1217613" rtl="0" eaLnBrk="1" fontAlgn="base" latinLnBrk="0" hangingPunct="1">
-              <a:lnSpc>
-                <a:spcPct val="90000"/>
-              </a:lnSpc>
-              <a:spcBef>
-                <a:spcPct val="30000"/>
-              </a:spcBef>
-              <a:spcAft>
-                <a:spcPts val="450"/>
-              </a:spcAft>
-              <a:buClrTx/>
-              <a:buSzTx/>
-              <a:buFontTx/>
-              <a:buNone/>
-              <a:tabLst/>
-              <a:defRPr/>
-            </a:pPr>
-            <a:r>
-              <a:rPr lang="en-US" dirty="0" smtClean="0"/>
-              <a:t>One handy way to populate the preceding `</a:t>
-            </a:r>
-            <a:r>
-              <a:rPr lang="en-US" dirty="0" err="1" smtClean="0"/>
-              <a:t>client_spec.rb</a:t>
-            </a:r>
-            <a:r>
-              <a:rPr lang="en-US" dirty="0" smtClean="0"/>
-              <a:t>' is to use the Compliance Web UI and copy the </a:t>
-            </a:r>
-            <a:r>
-              <a:rPr lang="en-US" dirty="0" err="1" smtClean="0"/>
-              <a:t>InSpec</a:t>
-            </a:r>
-            <a:r>
-              <a:rPr lang="en-US" dirty="0" smtClean="0"/>
-              <a:t> control code found in the relevant Compliance profile. </a:t>
-            </a:r>
-          </a:p>
-          <a:p>
-            <a:endParaRPr lang="en-US" dirty="0" smtClean="0"/>
-          </a:p>
-          <a:p>
-            <a:r>
-              <a:rPr lang="en-US" dirty="0" smtClean="0"/>
-              <a:t>Then you can paste it into the `</a:t>
-            </a:r>
-            <a:r>
-              <a:rPr lang="en-US" dirty="0" err="1" smtClean="0"/>
-              <a:t>client_spec.rb</a:t>
-            </a:r>
-            <a:r>
-              <a:rPr lang="en-US" dirty="0" smtClean="0"/>
-              <a:t>' file to save yourself some typing.</a:t>
-            </a:r>
             <a:endParaRPr lang="en-US" dirty="0"/>
           </a:p>
         </p:txBody>
@@ -5519,7 +5471,7 @@
               <a:pPr>
                 <a:defRPr/>
               </a:pPr>
-              <a:t>43</a:t>
+              <a:t>41</a:t>
             </a:fld>
             <a:endParaRPr lang="en-US" dirty="0"/>
           </a:p>
@@ -5572,7 +5524,7 @@
     </p:spTree>
     <p:extLst>
       <p:ext uri="{BB962C8B-B14F-4D97-AF65-F5344CB8AC3E}">
-        <p14:creationId xmlns:p14="http://schemas.microsoft.com/office/powerpoint/2010/main" val="3465403761"/>
+        <p14:creationId xmlns:p14="http://schemas.microsoft.com/office/powerpoint/2010/main" val="2201971819"/>
       </p:ext>
     </p:extLst>
   </p:cSld>
@@ -5626,86 +5578,11 @@
           <a:bodyPr/>
           <a:lstStyle/>
           <a:p>
-            <a:pPr marL="228600" marR="0" indent="-228600" algn="l" defTabSz="1217613" rtl="0" eaLnBrk="1" fontAlgn="base" latinLnBrk="0" hangingPunct="1">
-              <a:lnSpc>
-                <a:spcPct val="90000"/>
-              </a:lnSpc>
-              <a:spcBef>
-                <a:spcPct val="30000"/>
-              </a:spcBef>
-              <a:spcAft>
-                <a:spcPts val="450"/>
-              </a:spcAft>
-              <a:buClrTx/>
-              <a:buSzTx/>
-              <a:buFontTx/>
-              <a:buAutoNum type="arabicPeriod"/>
-              <a:tabLst/>
-              <a:defRPr/>
-            </a:pPr>
-            <a:r>
-              <a:rPr lang="en-US" dirty="0" smtClean="0"/>
-              <a:t>Edit the </a:t>
-            </a:r>
-            <a:r>
-              <a:rPr lang="en-US" dirty="0" smtClean="0"/>
-              <a:t>~/cookbooks/ssh/templates/default/</a:t>
-            </a:r>
-            <a:r>
-              <a:rPr lang="en-US" dirty="0" err="1" smtClean="0"/>
-              <a:t>ssh_config.erb</a:t>
-            </a:r>
-            <a:r>
-              <a:rPr lang="en-US" baseline="0" dirty="0" smtClean="0"/>
-              <a:t> file. </a:t>
-            </a:r>
-          </a:p>
-          <a:p>
-            <a:pPr marL="228600" marR="0" indent="-228600" algn="l" defTabSz="1217613" rtl="0" eaLnBrk="1" fontAlgn="base" latinLnBrk="0" hangingPunct="1">
-              <a:lnSpc>
-                <a:spcPct val="90000"/>
-              </a:lnSpc>
-              <a:spcBef>
-                <a:spcPct val="30000"/>
-              </a:spcBef>
-              <a:spcAft>
-                <a:spcPts val="450"/>
-              </a:spcAft>
-              <a:buClrTx/>
-              <a:buSzTx/>
-              <a:buFontTx/>
-              <a:buAutoNum type="arabicPeriod"/>
-              <a:tabLst/>
-              <a:defRPr/>
-            </a:pPr>
-            <a:r>
-              <a:rPr lang="en-US" baseline="0" dirty="0" smtClean="0"/>
-              <a:t>Uncomment the `#   Protocol 2,1` line.</a:t>
-            </a:r>
-          </a:p>
-          <a:p>
-            <a:pPr marL="228600" marR="0" indent="-228600" algn="l" defTabSz="1217613" rtl="0" eaLnBrk="1" fontAlgn="base" latinLnBrk="0" hangingPunct="1">
-              <a:lnSpc>
-                <a:spcPct val="90000"/>
-              </a:lnSpc>
-              <a:spcBef>
-                <a:spcPct val="30000"/>
-              </a:spcBef>
-              <a:spcAft>
-                <a:spcPts val="450"/>
-              </a:spcAft>
-              <a:buClrTx/>
-              <a:buSzTx/>
-              <a:buFontTx/>
-              <a:buAutoNum type="arabicPeriod"/>
-              <a:tabLst/>
-              <a:defRPr/>
-            </a:pPr>
-            <a:r>
-              <a:rPr lang="en-US" baseline="0" dirty="0" smtClean="0"/>
-              <a:t>Change the protocol version to `2` only.</a:t>
-            </a:r>
-            <a:endParaRPr lang="en-US" dirty="0" smtClean="0"/>
+            <a:r>
+              <a:rPr lang="en-US" dirty="0" smtClean="0"/>
+              <a:t>See the following slide for an example of a handy way to populate this file.</a:t>
+            </a:r>
+            <a:endParaRPr lang="en-US" dirty="0"/>
           </a:p>
         </p:txBody>
       </p:sp>
@@ -5732,7 +5609,7 @@
               <a:pPr>
                 <a:defRPr/>
               </a:pPr>
-              <a:t>44</a:t>
+              <a:t>42</a:t>
             </a:fld>
             <a:endParaRPr lang="en-US" dirty="0"/>
           </a:p>
@@ -5785,7 +5662,7 @@
     </p:spTree>
     <p:extLst>
       <p:ext uri="{BB962C8B-B14F-4D97-AF65-F5344CB8AC3E}">
-        <p14:creationId xmlns:p14="http://schemas.microsoft.com/office/powerpoint/2010/main" val="1368529320"/>
+        <p14:creationId xmlns:p14="http://schemas.microsoft.com/office/powerpoint/2010/main" val="1699919457"/>
       </p:ext>
     </p:extLst>
   </p:cSld>
@@ -5858,20 +5735,42 @@
             </a:pPr>
             <a:r>
               <a:rPr lang="en-US" dirty="0" smtClean="0"/>
-              <a:t>Results: Your </a:t>
-            </a:r>
-            <a:r>
-              <a:rPr lang="en-US" dirty="0" smtClean="0"/>
-              <a:t>~/cookbooks/ssh/templates/default/</a:t>
+              <a:t>One handy way to populate the preceding `</a:t>
             </a:r>
             <a:r>
               <a:rPr lang="en-US" dirty="0" err="1" smtClean="0"/>
-              <a:t>ssh_config.erb</a:t>
-            </a:r>
-            <a:r>
-              <a:rPr lang="en-US" baseline="0" dirty="0" smtClean="0"/>
-              <a:t> file's Protocol line should now look like this example.</a:t>
-            </a:r>
+              <a:t>client_spec.rb</a:t>
+            </a:r>
+            <a:r>
+              <a:rPr lang="en-US" dirty="0" smtClean="0"/>
+              <a:t>' is to use the Compliance Web UI and copy the </a:t>
+            </a:r>
+            <a:r>
+              <a:rPr lang="en-US" dirty="0" err="1" smtClean="0"/>
+              <a:t>InSpec</a:t>
+            </a:r>
+            <a:r>
+              <a:rPr lang="en-US" dirty="0" smtClean="0"/>
+              <a:t> control code found in the relevant Compliance profile. </a:t>
+            </a:r>
+          </a:p>
+          <a:p>
+            <a:endParaRPr lang="en-US" dirty="0" smtClean="0"/>
+          </a:p>
+          <a:p>
+            <a:r>
+              <a:rPr lang="en-US" dirty="0" smtClean="0"/>
+              <a:t>Then you can paste it into the `</a:t>
+            </a:r>
+            <a:r>
+              <a:rPr lang="en-US" dirty="0" err="1" smtClean="0"/>
+              <a:t>client_spec.rb</a:t>
+            </a:r>
+            <a:r>
+              <a:rPr lang="en-US" dirty="0" smtClean="0"/>
+              <a:t>' file to save yourself some typing.</a:t>
+            </a:r>
+            <a:endParaRPr lang="en-US" dirty="0"/>
           </a:p>
         </p:txBody>
       </p:sp>
@@ -5898,7 +5797,7 @@
               <a:pPr>
                 <a:defRPr/>
               </a:pPr>
-              <a:t>45</a:t>
+              <a:t>43</a:t>
             </a:fld>
             <a:endParaRPr lang="en-US" dirty="0"/>
           </a:p>
@@ -5951,7 +5850,7 @@
     </p:spTree>
     <p:extLst>
       <p:ext uri="{BB962C8B-B14F-4D97-AF65-F5344CB8AC3E}">
-        <p14:creationId xmlns:p14="http://schemas.microsoft.com/office/powerpoint/2010/main" val="2889801010"/>
+        <p14:creationId xmlns:p14="http://schemas.microsoft.com/office/powerpoint/2010/main" val="3465403761"/>
       </p:ext>
     </p:extLst>
   </p:cSld>
@@ -6024,20 +5923,137 @@
             </a:pPr>
             <a:r>
               <a:rPr lang="en-US" dirty="0" smtClean="0"/>
-              <a:t>Results: Your </a:t>
-            </a:r>
-            <a:r>
-              <a:rPr lang="en-US" dirty="0" smtClean="0"/>
-              <a:t>~/cookbooks/ssh/templates/default/</a:t>
+              <a:t>Edit ~/cookbooks/ssh/.</a:t>
             </a:r>
             <a:r>
               <a:rPr lang="en-US" dirty="0" err="1" smtClean="0"/>
-              <a:t>ssh_config.erb</a:t>
+              <a:t>kitchen.yml</a:t>
+            </a:r>
+            <a:r>
+              <a:rPr lang="en-US" dirty="0" smtClean="0"/>
+              <a:t> and </a:t>
+            </a:r>
+            <a:r>
+              <a:rPr lang="en-US" dirty="0" smtClean="0"/>
+              <a:t>uncomment the `verifier` and `name: </a:t>
+            </a:r>
+            <a:r>
+              <a:rPr lang="en-US" dirty="0" err="1" smtClean="0"/>
+              <a:t>inspec</a:t>
+            </a:r>
+            <a:r>
+              <a:rPr lang="en-US" dirty="0" smtClean="0"/>
+              <a:t>'</a:t>
             </a:r>
             <a:r>
               <a:rPr lang="en-US" baseline="0" dirty="0" smtClean="0"/>
-              <a:t> file's Protocol line should now look like this example.</a:t>
-            </a:r>
+              <a:t> lines.</a:t>
+            </a:r>
+            <a:endParaRPr lang="en-US" baseline="0" dirty="0" smtClean="0"/>
+          </a:p>
+          <a:p>
+            <a:endParaRPr lang="en-US" sz="1200" b="1" dirty="0" smtClean="0"/>
+          </a:p>
+          <a:p>
+            <a:r>
+              <a:rPr lang="en-US" sz="1200" b="0" dirty="0" smtClean="0"/>
+              <a:t>verifier</a:t>
+            </a:r>
+            <a:r>
+              <a:rPr lang="en-US" sz="1200" b="0" dirty="0" smtClean="0"/>
+              <a:t>:</a:t>
+            </a:r>
+          </a:p>
+          <a:p>
+            <a:r>
+              <a:rPr lang="en-US" sz="1200" b="0" dirty="0" smtClean="0"/>
+              <a:t> name: </a:t>
+            </a:r>
+            <a:r>
+              <a:rPr lang="en-US" sz="1200" b="0" dirty="0" err="1" smtClean="0"/>
+              <a:t>inspec</a:t>
+            </a:r>
+            <a:endParaRPr lang="en-US" sz="1200" b="0" dirty="0" smtClean="0"/>
+          </a:p>
+          <a:p>
+            <a:endParaRPr lang="en-US" sz="1200" b="0" dirty="0" smtClean="0"/>
+          </a:p>
+          <a:p>
+            <a:r>
+              <a:rPr lang="en-US" sz="1200" b="1" dirty="0" smtClean="0"/>
+              <a:t>Note</a:t>
+            </a:r>
+            <a:r>
+              <a:rPr lang="en-US" sz="1200" b="0" dirty="0" smtClean="0"/>
+              <a:t>: Be sure to remove any extra</a:t>
+            </a:r>
+            <a:r>
+              <a:rPr lang="en-US" sz="1200" b="0" baseline="0" dirty="0" smtClean="0"/>
+              <a:t> spaces that may precede `verifier`.</a:t>
+            </a:r>
+          </a:p>
+          <a:p>
+            <a:pPr marL="0" marR="0" indent="0" algn="l" defTabSz="1217613" rtl="0" eaLnBrk="1" fontAlgn="base" latinLnBrk="0" hangingPunct="1">
+              <a:lnSpc>
+                <a:spcPct val="90000"/>
+              </a:lnSpc>
+              <a:spcBef>
+                <a:spcPct val="30000"/>
+              </a:spcBef>
+              <a:spcAft>
+                <a:spcPts val="450"/>
+              </a:spcAft>
+              <a:buClrTx/>
+              <a:buSzTx/>
+              <a:buFontTx/>
+              <a:buNone/>
+              <a:tabLst/>
+              <a:defRPr/>
+            </a:pPr>
+            <a:endParaRPr lang="en-US" sz="1200" b="0" baseline="0" dirty="0" smtClean="0"/>
+          </a:p>
+          <a:p>
+            <a:pPr marL="0" marR="0" indent="0" algn="l" defTabSz="1217613" rtl="0" eaLnBrk="1" fontAlgn="base" latinLnBrk="0" hangingPunct="1">
+              <a:lnSpc>
+                <a:spcPct val="90000"/>
+              </a:lnSpc>
+              <a:spcBef>
+                <a:spcPct val="30000"/>
+              </a:spcBef>
+              <a:spcAft>
+                <a:spcPts val="450"/>
+              </a:spcAft>
+              <a:buClrTx/>
+              <a:buSzTx/>
+              <a:buFontTx/>
+              <a:buNone/>
+              <a:tabLst/>
+              <a:defRPr/>
+            </a:pPr>
+            <a:endParaRPr lang="nl-NL" dirty="0" smtClean="0"/>
+          </a:p>
+          <a:p>
+            <a:pPr marL="0" marR="0" indent="0" algn="l" defTabSz="1217613" rtl="0" eaLnBrk="1" fontAlgn="base" latinLnBrk="0" hangingPunct="1">
+              <a:lnSpc>
+                <a:spcPct val="90000"/>
+              </a:lnSpc>
+              <a:spcBef>
+                <a:spcPct val="30000"/>
+              </a:spcBef>
+              <a:spcAft>
+                <a:spcPts val="450"/>
+              </a:spcAft>
+              <a:buClrTx/>
+              <a:buSzTx/>
+              <a:buFontTx/>
+              <a:buNone/>
+              <a:tabLst/>
+              <a:defRPr/>
+            </a:pPr>
+            <a:endParaRPr lang="en-US" dirty="0" smtClean="0"/>
+          </a:p>
+          <a:p>
+            <a:endParaRPr lang="en-US" dirty="0"/>
           </a:p>
         </p:txBody>
       </p:sp>
@@ -6064,7 +6080,7 @@
               <a:pPr>
                 <a:defRPr/>
               </a:pPr>
-              <a:t>46</a:t>
+              <a:t>44</a:t>
             </a:fld>
             <a:endParaRPr lang="en-US" dirty="0"/>
           </a:p>
@@ -6117,7 +6133,7 @@
     </p:spTree>
     <p:extLst>
       <p:ext uri="{BB962C8B-B14F-4D97-AF65-F5344CB8AC3E}">
-        <p14:creationId xmlns:p14="http://schemas.microsoft.com/office/powerpoint/2010/main" val="3314187838"/>
+        <p14:creationId xmlns:p14="http://schemas.microsoft.com/office/powerpoint/2010/main" val="3214270224"/>
       </p:ext>
     </p:extLst>
   </p:cSld>
@@ -6168,9 +6184,7 @@
         </p:nvSpPr>
         <p:spPr/>
         <p:txBody>
-          <a:bodyPr>
-            <a:normAutofit fontScale="70000" lnSpcReduction="20000"/>
-          </a:bodyPr>
+          <a:bodyPr/>
           <a:lstStyle/>
           <a:p>
             <a:pPr marL="0" marR="0" indent="0" algn="l" defTabSz="1217613" rtl="0" eaLnBrk="1" fontAlgn="base" latinLnBrk="0" hangingPunct="1">
@@ -6192,13 +6206,20 @@
             </a:pPr>
             <a:r>
               <a:rPr lang="en-US" dirty="0" smtClean="0"/>
-              <a:t>You should now see that only Protocol version 2 is currently set</a:t>
+              <a:t>Ensure you are in</a:t>
             </a:r>
             <a:r>
               <a:rPr lang="en-US" baseline="0" dirty="0" smtClean="0"/>
-              <a:t> in test kitchen. </a:t>
-            </a:r>
-            <a:endParaRPr lang="en-US" baseline="0" dirty="0" smtClean="0"/>
+              <a:t> </a:t>
+            </a:r>
+            <a:r>
+              <a:rPr lang="en-US" dirty="0" smtClean="0"/>
+              <a:t>~/cookbooks/ssh</a:t>
+            </a:r>
+            <a:r>
+              <a:rPr lang="en-US" baseline="0" dirty="0" smtClean="0"/>
+              <a:t> and run `kitchen verify`.</a:t>
+            </a:r>
           </a:p>
           <a:p>
             <a:pPr marL="0" marR="0" indent="0" algn="l" defTabSz="1217613" rtl="0" eaLnBrk="1" fontAlgn="base" latinLnBrk="0" hangingPunct="1">
@@ -6238,7 +6259,22 @@
               <a:tabLst/>
               <a:defRPr/>
             </a:pPr>
-            <a:endParaRPr lang="en-US" baseline="0" dirty="0" smtClean="0"/>
+            <a:r>
+              <a:rPr lang="en-US" baseline="0" dirty="0" err="1" smtClean="0"/>
+              <a:t>InSpec</a:t>
+            </a:r>
+            <a:r>
+              <a:rPr lang="en-US" baseline="0" dirty="0" smtClean="0"/>
+              <a:t> verifier does not work with kitchen </a:t>
+            </a:r>
+            <a:r>
+              <a:rPr lang="en-US" baseline="0" dirty="0" err="1" smtClean="0"/>
+              <a:t>docker</a:t>
+            </a:r>
+            <a:r>
+              <a:rPr lang="en-US" baseline="0" dirty="0" smtClean="0"/>
+              <a:t> so we'll look at that issue in a moment.</a:t>
+            </a:r>
           </a:p>
           <a:p>
             <a:pPr marL="0" marR="0" indent="0" algn="l" defTabSz="1217613" rtl="0" eaLnBrk="1" fontAlgn="base" latinLnBrk="0" hangingPunct="1">
@@ -6258,18 +6294,7 @@
               <a:tabLst/>
               <a:defRPr/>
             </a:pPr>
-            <a:r>
-              <a:rPr lang="en-US" baseline="0" dirty="0" smtClean="0"/>
-              <a:t> - update content in file /etc/ssh/</a:t>
-            </a:r>
-            <a:r>
-              <a:rPr lang="en-US" baseline="0" dirty="0" err="1" smtClean="0"/>
-              <a:t>ssh_config</a:t>
-            </a:r>
-            <a:r>
-              <a:rPr lang="en-US" baseline="0" dirty="0" smtClean="0"/>
-              <a:t> from 86eb9b to cca3f2</a:t>
-            </a:r>
+            <a:endParaRPr lang="en-US" baseline="0" dirty="0" smtClean="0"/>
           </a:p>
           <a:p>
             <a:pPr marL="0" marR="0" indent="0" algn="l" defTabSz="1217613" rtl="0" eaLnBrk="1" fontAlgn="base" latinLnBrk="0" hangingPunct="1">
@@ -6291,395 +6316,9 @@
             </a:pPr>
             <a:r>
               <a:rPr lang="en-US" baseline="0" dirty="0" smtClean="0"/>
-              <a:t>           --- /etc/ssh/</a:t>
-            </a:r>
-            <a:r>
-              <a:rPr lang="en-US" baseline="0" dirty="0" err="1" smtClean="0"/>
-              <a:t>ssh_config</a:t>
-            </a:r>
-            <a:r>
-              <a:rPr lang="en-US" baseline="0" dirty="0" smtClean="0"/>
-              <a:t>      2015-08-13 09:58:26.000000000 +0000</a:t>
-            </a:r>
-          </a:p>
-          <a:p>
-            <a:pPr marL="0" marR="0" indent="0" algn="l" defTabSz="1217613" rtl="0" eaLnBrk="1" fontAlgn="base" latinLnBrk="0" hangingPunct="1">
-              <a:lnSpc>
-                <a:spcPct val="90000"/>
-              </a:lnSpc>
-              <a:spcBef>
-                <a:spcPct val="30000"/>
-              </a:spcBef>
-              <a:spcAft>
-                <a:spcPts val="450"/>
-              </a:spcAft>
-              <a:buClrTx/>
-              <a:buSzTx/>
-              <a:buFontTx/>
-              <a:buNone/>
-              <a:tabLst/>
-              <a:defRPr/>
-            </a:pPr>
-            <a:r>
-              <a:rPr lang="en-US" baseline="0" dirty="0" smtClean="0"/>
-              <a:t>           +++ /etc/ssh/.ssh_config20151208-344-8n2j2b  2015-12-08 16:49:09.916359184 +0000</a:t>
-            </a:r>
-          </a:p>
-          <a:p>
-            <a:pPr marL="0" marR="0" indent="0" algn="l" defTabSz="1217613" rtl="0" eaLnBrk="1" fontAlgn="base" latinLnBrk="0" hangingPunct="1">
-              <a:lnSpc>
-                <a:spcPct val="90000"/>
-              </a:lnSpc>
-              <a:spcBef>
-                <a:spcPct val="30000"/>
-              </a:spcBef>
-              <a:spcAft>
-                <a:spcPts val="450"/>
-              </a:spcAft>
-              <a:buClrTx/>
-              <a:buSzTx/>
-              <a:buFontTx/>
-              <a:buNone/>
-              <a:tabLst/>
-              <a:defRPr/>
-            </a:pPr>
-            <a:r>
-              <a:rPr lang="en-US" baseline="0" dirty="0" smtClean="0"/>
-              <a:t>           @@ -37,7 +37,7 @@</a:t>
-            </a:r>
-          </a:p>
-          <a:p>
-            <a:pPr marL="0" marR="0" indent="0" algn="l" defTabSz="1217613" rtl="0" eaLnBrk="1" fontAlgn="base" latinLnBrk="0" hangingPunct="1">
-              <a:lnSpc>
-                <a:spcPct val="90000"/>
-              </a:lnSpc>
-              <a:spcBef>
-                <a:spcPct val="30000"/>
-              </a:spcBef>
-              <a:spcAft>
-                <a:spcPts val="450"/>
-              </a:spcAft>
-              <a:buClrTx/>
-              <a:buSzTx/>
-              <a:buFontTx/>
-              <a:buNone/>
-              <a:tabLst/>
-              <a:defRPr/>
-            </a:pPr>
-            <a:r>
-              <a:rPr lang="en-US" baseline="0" dirty="0" smtClean="0"/>
-              <a:t>            #   </a:t>
-            </a:r>
-            <a:r>
-              <a:rPr lang="en-US" baseline="0" dirty="0" err="1" smtClean="0"/>
-              <a:t>IdentityFile</a:t>
-            </a:r>
-            <a:r>
-              <a:rPr lang="en-US" baseline="0" dirty="0" smtClean="0"/>
-              <a:t> ~/.ssh/</a:t>
-            </a:r>
-            <a:r>
-              <a:rPr lang="en-US" baseline="0" dirty="0" err="1" smtClean="0"/>
-              <a:t>id_rsa</a:t>
-            </a:r>
-            <a:endParaRPr lang="en-US" baseline="0" dirty="0" smtClean="0"/>
-          </a:p>
-          <a:p>
-            <a:pPr marL="0" marR="0" indent="0" algn="l" defTabSz="1217613" rtl="0" eaLnBrk="1" fontAlgn="base" latinLnBrk="0" hangingPunct="1">
-              <a:lnSpc>
-                <a:spcPct val="90000"/>
-              </a:lnSpc>
-              <a:spcBef>
-                <a:spcPct val="30000"/>
-              </a:spcBef>
-              <a:spcAft>
-                <a:spcPts val="450"/>
-              </a:spcAft>
-              <a:buClrTx/>
-              <a:buSzTx/>
-              <a:buFontTx/>
-              <a:buNone/>
-              <a:tabLst/>
-              <a:defRPr/>
-            </a:pPr>
-            <a:r>
-              <a:rPr lang="en-US" baseline="0" dirty="0" smtClean="0"/>
-              <a:t>            #   </a:t>
-            </a:r>
-            <a:r>
-              <a:rPr lang="en-US" baseline="0" dirty="0" err="1" smtClean="0"/>
-              <a:t>IdentityFile</a:t>
-            </a:r>
-            <a:r>
-              <a:rPr lang="en-US" baseline="0" dirty="0" smtClean="0"/>
-              <a:t> ~/.ssh/</a:t>
-            </a:r>
-            <a:r>
-              <a:rPr lang="en-US" baseline="0" dirty="0" err="1" smtClean="0"/>
-              <a:t>id_dsa</a:t>
-            </a:r>
-            <a:endParaRPr lang="en-US" baseline="0" dirty="0" smtClean="0"/>
-          </a:p>
-          <a:p>
-            <a:pPr marL="0" marR="0" indent="0" algn="l" defTabSz="1217613" rtl="0" eaLnBrk="1" fontAlgn="base" latinLnBrk="0" hangingPunct="1">
-              <a:lnSpc>
-                <a:spcPct val="90000"/>
-              </a:lnSpc>
-              <a:spcBef>
-                <a:spcPct val="30000"/>
-              </a:spcBef>
-              <a:spcAft>
-                <a:spcPts val="450"/>
-              </a:spcAft>
-              <a:buClrTx/>
-              <a:buSzTx/>
-              <a:buFontTx/>
-              <a:buNone/>
-              <a:tabLst/>
-              <a:defRPr/>
-            </a:pPr>
-            <a:r>
-              <a:rPr lang="en-US" baseline="0" dirty="0" smtClean="0"/>
-              <a:t>            #   Port 22</a:t>
-            </a:r>
-          </a:p>
-          <a:p>
-            <a:pPr marL="0" marR="0" indent="0" algn="l" defTabSz="1217613" rtl="0" eaLnBrk="1" fontAlgn="base" latinLnBrk="0" hangingPunct="1">
-              <a:lnSpc>
-                <a:spcPct val="90000"/>
-              </a:lnSpc>
-              <a:spcBef>
-                <a:spcPct val="30000"/>
-              </a:spcBef>
-              <a:spcAft>
-                <a:spcPts val="450"/>
-              </a:spcAft>
-              <a:buClrTx/>
-              <a:buSzTx/>
-              <a:buFontTx/>
-              <a:buNone/>
-              <a:tabLst/>
-              <a:defRPr/>
-            </a:pPr>
-            <a:r>
-              <a:rPr lang="en-US" b="1" baseline="0" dirty="0" smtClean="0"/>
-              <a:t>           -#   Protocol 2,1</a:t>
-            </a:r>
-          </a:p>
-          <a:p>
-            <a:pPr marL="0" marR="0" indent="0" algn="l" defTabSz="1217613" rtl="0" eaLnBrk="1" fontAlgn="base" latinLnBrk="0" hangingPunct="1">
-              <a:lnSpc>
-                <a:spcPct val="90000"/>
-              </a:lnSpc>
-              <a:spcBef>
-                <a:spcPct val="30000"/>
-              </a:spcBef>
-              <a:spcAft>
-                <a:spcPts val="450"/>
-              </a:spcAft>
-              <a:buClrTx/>
-              <a:buSzTx/>
-              <a:buFontTx/>
-              <a:buNone/>
-              <a:tabLst/>
-              <a:defRPr/>
-            </a:pPr>
-            <a:r>
-              <a:rPr lang="en-US" b="1" baseline="0" dirty="0" smtClean="0"/>
-              <a:t>           +   Protocol 2</a:t>
-            </a:r>
-          </a:p>
-          <a:p>
-            <a:pPr marL="0" marR="0" indent="0" algn="l" defTabSz="1217613" rtl="0" eaLnBrk="1" fontAlgn="base" latinLnBrk="0" hangingPunct="1">
-              <a:lnSpc>
-                <a:spcPct val="90000"/>
-              </a:lnSpc>
-              <a:spcBef>
-                <a:spcPct val="30000"/>
-              </a:spcBef>
-              <a:spcAft>
-                <a:spcPts val="450"/>
-              </a:spcAft>
-              <a:buClrTx/>
-              <a:buSzTx/>
-              <a:buFontTx/>
-              <a:buNone/>
-              <a:tabLst/>
-              <a:defRPr/>
-            </a:pPr>
-            <a:endParaRPr lang="en-US" baseline="0" dirty="0" smtClean="0"/>
-          </a:p>
-          <a:p>
-            <a:pPr marL="0" marR="0" indent="0" algn="l" defTabSz="1217613" rtl="0" eaLnBrk="1" fontAlgn="base" latinLnBrk="0" hangingPunct="1">
-              <a:lnSpc>
-                <a:spcPct val="90000"/>
-              </a:lnSpc>
-              <a:spcBef>
-                <a:spcPct val="30000"/>
-              </a:spcBef>
-              <a:spcAft>
-                <a:spcPts val="450"/>
-              </a:spcAft>
-              <a:buClrTx/>
-              <a:buSzTx/>
-              <a:buFontTx/>
-              <a:buNone/>
-              <a:tabLst/>
-              <a:defRPr/>
-            </a:pPr>
-            <a:r>
-              <a:rPr lang="en-US" baseline="0" dirty="0" smtClean="0"/>
-              <a:t>            #   Ciphers aes128-ctr,aes192-ctr,aes256-ctr,arcfour256,arcfour128,aes128-cbc,3des-cbc</a:t>
-            </a:r>
-          </a:p>
-          <a:p>
-            <a:pPr marL="0" marR="0" indent="0" algn="l" defTabSz="1217613" rtl="0" eaLnBrk="1" fontAlgn="base" latinLnBrk="0" hangingPunct="1">
-              <a:lnSpc>
-                <a:spcPct val="90000"/>
-              </a:lnSpc>
-              <a:spcBef>
-                <a:spcPct val="30000"/>
-              </a:spcBef>
-              <a:spcAft>
-                <a:spcPts val="450"/>
-              </a:spcAft>
-              <a:buClrTx/>
-              <a:buSzTx/>
-              <a:buFontTx/>
-              <a:buNone/>
-              <a:tabLst/>
-              <a:defRPr/>
-            </a:pPr>
-            <a:endParaRPr lang="en-US" baseline="0" dirty="0" smtClean="0"/>
-          </a:p>
-          <a:p>
-            <a:pPr marL="0" marR="0" indent="0" algn="l" defTabSz="1217613" rtl="0" eaLnBrk="1" fontAlgn="base" latinLnBrk="0" hangingPunct="1">
-              <a:lnSpc>
-                <a:spcPct val="90000"/>
-              </a:lnSpc>
-              <a:spcBef>
-                <a:spcPct val="30000"/>
-              </a:spcBef>
-              <a:spcAft>
-                <a:spcPts val="450"/>
-              </a:spcAft>
-              <a:buClrTx/>
-              <a:buSzTx/>
-              <a:buFontTx/>
-              <a:buNone/>
-              <a:tabLst/>
-              <a:defRPr/>
-            </a:pPr>
-            <a:endParaRPr lang="en-US" baseline="0" dirty="0" smtClean="0"/>
-          </a:p>
-          <a:p>
-            <a:pPr marL="0" marR="0" indent="0" algn="l" defTabSz="1217613" rtl="0" eaLnBrk="1" fontAlgn="base" latinLnBrk="0" hangingPunct="1">
-              <a:lnSpc>
-                <a:spcPct val="90000"/>
-              </a:lnSpc>
-              <a:spcBef>
-                <a:spcPct val="30000"/>
-              </a:spcBef>
-              <a:spcAft>
-                <a:spcPts val="450"/>
-              </a:spcAft>
-              <a:buClrTx/>
-              <a:buSzTx/>
-              <a:buFontTx/>
-              <a:buNone/>
-              <a:tabLst/>
-              <a:defRPr/>
-            </a:pPr>
-            <a:r>
-              <a:rPr lang="en-US" baseline="0" dirty="0" smtClean="0"/>
-              <a:t>       Running handlers:</a:t>
-            </a:r>
-          </a:p>
-          <a:p>
-            <a:pPr marL="0" marR="0" indent="0" algn="l" defTabSz="1217613" rtl="0" eaLnBrk="1" fontAlgn="base" latinLnBrk="0" hangingPunct="1">
-              <a:lnSpc>
-                <a:spcPct val="90000"/>
-              </a:lnSpc>
-              <a:spcBef>
-                <a:spcPct val="30000"/>
-              </a:spcBef>
-              <a:spcAft>
-                <a:spcPts val="450"/>
-              </a:spcAft>
-              <a:buClrTx/>
-              <a:buSzTx/>
-              <a:buFontTx/>
-              <a:buNone/>
-              <a:tabLst/>
-              <a:defRPr/>
-            </a:pPr>
-            <a:endParaRPr lang="en-US" baseline="0" dirty="0" smtClean="0"/>
-          </a:p>
-          <a:p>
-            <a:pPr marL="0" marR="0" indent="0" algn="l" defTabSz="1217613" rtl="0" eaLnBrk="1" fontAlgn="base" latinLnBrk="0" hangingPunct="1">
-              <a:lnSpc>
-                <a:spcPct val="90000"/>
-              </a:lnSpc>
-              <a:spcBef>
-                <a:spcPct val="30000"/>
-              </a:spcBef>
-              <a:spcAft>
-                <a:spcPts val="450"/>
-              </a:spcAft>
-              <a:buClrTx/>
-              <a:buSzTx/>
-              <a:buFontTx/>
-              <a:buNone/>
-              <a:tabLst/>
-              <a:defRPr/>
-            </a:pPr>
-            <a:r>
-              <a:rPr lang="en-US" baseline="0" dirty="0" smtClean="0"/>
-              <a:t>       Chef Client finished, 1/1 resources updated in 03 seconds</a:t>
-            </a:r>
-          </a:p>
-          <a:p>
-            <a:pPr marL="0" marR="0" indent="0" algn="l" defTabSz="1217613" rtl="0" eaLnBrk="1" fontAlgn="base" latinLnBrk="0" hangingPunct="1">
-              <a:lnSpc>
-                <a:spcPct val="90000"/>
-              </a:lnSpc>
-              <a:spcBef>
-                <a:spcPct val="30000"/>
-              </a:spcBef>
-              <a:spcAft>
-                <a:spcPts val="450"/>
-              </a:spcAft>
-              <a:buClrTx/>
-              <a:buSzTx/>
-              <a:buFontTx/>
-              <a:buNone/>
-              <a:tabLst/>
-              <a:defRPr/>
-            </a:pPr>
-            <a:r>
-              <a:rPr lang="en-US" baseline="0" dirty="0" smtClean="0"/>
-              <a:t>       Finished converging &lt;client-centos-67&gt; (0m8.22s).</a:t>
-            </a:r>
-          </a:p>
-          <a:p>
-            <a:pPr marL="0" marR="0" indent="0" algn="l" defTabSz="1217613" rtl="0" eaLnBrk="1" fontAlgn="base" latinLnBrk="0" hangingPunct="1">
-              <a:lnSpc>
-                <a:spcPct val="90000"/>
-              </a:lnSpc>
-              <a:spcBef>
-                <a:spcPct val="30000"/>
-              </a:spcBef>
-              <a:spcAft>
-                <a:spcPts val="450"/>
-              </a:spcAft>
-              <a:buClrTx/>
-              <a:buSzTx/>
-              <a:buFontTx/>
-              <a:buNone/>
-              <a:tabLst/>
-              <a:defRPr/>
-            </a:pPr>
-            <a:endParaRPr lang="en-US" baseline="0" dirty="0" smtClean="0"/>
+              <a:t>TBD explain the output </a:t>
+            </a:r>
+            <a:endParaRPr lang="en-US" dirty="0"/>
           </a:p>
         </p:txBody>
       </p:sp>
@@ -6706,7 +6345,7 @@
               <a:pPr>
                 <a:defRPr/>
               </a:pPr>
-              <a:t>47</a:t>
+              <a:t>45</a:t>
             </a:fld>
             <a:endParaRPr lang="en-US" dirty="0"/>
           </a:p>
@@ -6759,7 +6398,7 @@
     </p:spTree>
     <p:extLst>
       <p:ext uri="{BB962C8B-B14F-4D97-AF65-F5344CB8AC3E}">
-        <p14:creationId xmlns:p14="http://schemas.microsoft.com/office/powerpoint/2010/main" val="2354239035"/>
+        <p14:creationId xmlns:p14="http://schemas.microsoft.com/office/powerpoint/2010/main" val="232547243"/>
       </p:ext>
     </p:extLst>
   </p:cSld>
@@ -6810,111 +6449,10 @@
         </p:nvSpPr>
         <p:spPr/>
         <p:txBody>
-          <a:bodyPr>
-            <a:normAutofit fontScale="77500" lnSpcReduction="20000"/>
-          </a:bodyPr>
-          <a:lstStyle/>
-          <a:p>
-            <a:pPr marL="0" marR="0" indent="0" algn="l" defTabSz="1217613" rtl="0" eaLnBrk="1" fontAlgn="base" latinLnBrk="0" hangingPunct="1">
-              <a:lnSpc>
-                <a:spcPct val="90000"/>
-              </a:lnSpc>
-              <a:spcBef>
-                <a:spcPct val="30000"/>
-              </a:spcBef>
-              <a:spcAft>
-                <a:spcPts val="450"/>
-              </a:spcAft>
-              <a:buClrTx/>
-              <a:buSzTx/>
-              <a:buFontTx/>
-              <a:buNone/>
-              <a:tabLst/>
-              <a:defRPr/>
-            </a:pPr>
-            <a:r>
-              <a:rPr lang="en-US" dirty="0" smtClean="0"/>
-              <a:t>Now we</a:t>
-            </a:r>
-            <a:r>
-              <a:rPr lang="en-US" baseline="0" dirty="0" smtClean="0"/>
-              <a:t> need to actually apply the change to the node. We'll do this using </a:t>
-            </a:r>
-            <a:r>
-              <a:rPr lang="en-US" dirty="0" smtClean="0"/>
-              <a:t>chef-client in local mode. Of course</a:t>
-            </a:r>
-            <a:r>
-              <a:rPr lang="en-US" baseline="0" dirty="0" smtClean="0"/>
-              <a:t> in a production environment chef-client would be set to run automatically to download and converge these changes, most likely from Chef Server.</a:t>
-            </a:r>
-          </a:p>
-          <a:p>
-            <a:pPr marL="0" marR="0" indent="0" algn="l" defTabSz="1217613" rtl="0" eaLnBrk="1" fontAlgn="base" latinLnBrk="0" hangingPunct="1">
-              <a:lnSpc>
-                <a:spcPct val="90000"/>
-              </a:lnSpc>
-              <a:spcBef>
-                <a:spcPct val="30000"/>
-              </a:spcBef>
-              <a:spcAft>
-                <a:spcPts val="450"/>
-              </a:spcAft>
-              <a:buClrTx/>
-              <a:buSzTx/>
-              <a:buFontTx/>
-              <a:buNone/>
-              <a:tabLst/>
-              <a:defRPr/>
-            </a:pPr>
-            <a:endParaRPr lang="en-US" baseline="0" dirty="0" smtClean="0"/>
-          </a:p>
-          <a:p>
-            <a:pPr marL="0" marR="0" indent="0" algn="l" defTabSz="1217613" rtl="0" eaLnBrk="1" fontAlgn="base" latinLnBrk="0" hangingPunct="1">
-              <a:lnSpc>
-                <a:spcPct val="90000"/>
-              </a:lnSpc>
-              <a:spcBef>
-                <a:spcPct val="30000"/>
-              </a:spcBef>
-              <a:spcAft>
-                <a:spcPts val="450"/>
-              </a:spcAft>
-              <a:buClrTx/>
-              <a:buSzTx/>
-              <a:buFontTx/>
-              <a:buNone/>
-              <a:tabLst/>
-              <a:defRPr/>
-            </a:pPr>
-            <a:r>
-              <a:rPr lang="en-US" dirty="0" smtClean="0"/>
-              <a:t>You should then see that only Protocol version 2 is currently set</a:t>
-            </a:r>
-            <a:r>
-              <a:rPr lang="en-US" baseline="0" dirty="0" smtClean="0"/>
-              <a:t> on the node. </a:t>
-            </a:r>
-          </a:p>
-          <a:p>
-            <a:pPr marL="0" marR="0" indent="0" algn="l" defTabSz="1217613" rtl="0" eaLnBrk="1" fontAlgn="base" latinLnBrk="0" hangingPunct="1">
-              <a:lnSpc>
-                <a:spcPct val="90000"/>
-              </a:lnSpc>
-              <a:spcBef>
-                <a:spcPct val="30000"/>
-              </a:spcBef>
-              <a:spcAft>
-                <a:spcPts val="450"/>
-              </a:spcAft>
-              <a:buClrTx/>
-              <a:buSzTx/>
-              <a:buFontTx/>
-              <a:buNone/>
-              <a:tabLst/>
-              <a:defRPr/>
-            </a:pPr>
-            <a:endParaRPr lang="en-US" baseline="0" dirty="0" smtClean="0"/>
+          <a:bodyPr/>
+          <a:lstStyle/>
+          <a:p>
+            <a:endParaRPr lang="en-US" dirty="0"/>
           </a:p>
         </p:txBody>
       </p:sp>
@@ -6941,7 +6479,7 @@
               <a:pPr>
                 <a:defRPr/>
               </a:pPr>
-              <a:t>48</a:t>
+              <a:t>46</a:t>
             </a:fld>
             <a:endParaRPr lang="en-US" dirty="0"/>
           </a:p>
@@ -6994,7 +6532,7 @@
     </p:spTree>
     <p:extLst>
       <p:ext uri="{BB962C8B-B14F-4D97-AF65-F5344CB8AC3E}">
-        <p14:creationId xmlns:p14="http://schemas.microsoft.com/office/powerpoint/2010/main" val="67414775"/>
+        <p14:creationId xmlns:p14="http://schemas.microsoft.com/office/powerpoint/2010/main" val="1916148903"/>
       </p:ext>
     </p:extLst>
   </p:cSld>
@@ -7048,23 +6586,121 @@
           <a:bodyPr/>
           <a:lstStyle/>
           <a:p>
-            <a:pPr marL="0" marR="0" indent="0" algn="l" defTabSz="1217613" rtl="0" eaLnBrk="1" fontAlgn="base" latinLnBrk="0" hangingPunct="1">
-              <a:lnSpc>
-                <a:spcPct val="90000"/>
-              </a:lnSpc>
-              <a:spcBef>
-                <a:spcPct val="30000"/>
-              </a:spcBef>
-              <a:spcAft>
-                <a:spcPts val="450"/>
-              </a:spcAft>
-              <a:buClrTx/>
-              <a:buSzTx/>
-              <a:buFontTx/>
-              <a:buNone/>
-              <a:tabLst/>
-              <a:defRPr/>
-            </a:pPr>
+            <a:r>
+              <a:rPr lang="en-US" dirty="0" smtClean="0"/>
+              <a:t>Below</a:t>
+            </a:r>
+            <a:r>
+              <a:rPr lang="en-US" baseline="0" dirty="0" smtClean="0"/>
+              <a:t> is an example of the details of the `sudo </a:t>
+            </a:r>
+            <a:r>
+              <a:rPr lang="en-US" baseline="0" dirty="0" err="1" smtClean="0"/>
+              <a:t>docker</a:t>
+            </a:r>
+            <a:r>
+              <a:rPr lang="en-US" baseline="0" dirty="0" smtClean="0"/>
+              <a:t> </a:t>
+            </a:r>
+            <a:r>
+              <a:rPr lang="en-US" baseline="0" dirty="0" err="1" smtClean="0"/>
+              <a:t>ps`</a:t>
+            </a:r>
+            <a:r>
+              <a:rPr lang="en-US" baseline="0" dirty="0" smtClean="0"/>
+              <a:t> command. This shows one </a:t>
+            </a:r>
+            <a:r>
+              <a:rPr lang="en-US" baseline="0" dirty="0" err="1" smtClean="0"/>
+              <a:t>docker</a:t>
+            </a:r>
+            <a:r>
+              <a:rPr lang="en-US" baseline="0" dirty="0" smtClean="0"/>
+              <a:t> container running.</a:t>
+            </a:r>
+          </a:p>
+          <a:p>
+            <a:endParaRPr lang="en-US" baseline="0" dirty="0" smtClean="0"/>
+          </a:p>
+          <a:p>
+            <a:r>
+              <a:rPr lang="en-US" baseline="0" dirty="0" smtClean="0"/>
+              <a:t>You should only have only one </a:t>
+            </a:r>
+            <a:r>
+              <a:rPr lang="en-US" baseline="0" dirty="0" err="1" smtClean="0"/>
+              <a:t>docker</a:t>
+            </a:r>
+            <a:r>
+              <a:rPr lang="en-US" baseline="0" dirty="0" smtClean="0"/>
+              <a:t> container running too.</a:t>
+            </a:r>
+          </a:p>
+          <a:p>
+            <a:endParaRPr lang="en-US" baseline="0" dirty="0" smtClean="0"/>
+          </a:p>
+          <a:p>
+            <a:r>
+              <a:rPr lang="en-US" baseline="0" dirty="0" smtClean="0"/>
+              <a:t>You'll need the Container ID for the next step so copy your Container ID, which is the first value that is not a header.</a:t>
+            </a:r>
+          </a:p>
+          <a:p>
+            <a:endParaRPr lang="en-US" baseline="0" dirty="0" smtClean="0"/>
+          </a:p>
+          <a:p>
+            <a:endParaRPr lang="en-US" baseline="0" dirty="0" smtClean="0"/>
+          </a:p>
+          <a:p>
+            <a:endParaRPr lang="en-US" dirty="0" smtClean="0"/>
+          </a:p>
+          <a:p>
+            <a:r>
+              <a:rPr lang="en-US" dirty="0" smtClean="0"/>
+              <a:t>CONTAINER ID        IMAGE               COMMAND                CREATED             STATUS              PORTS                   NAMES</a:t>
+            </a:r>
+          </a:p>
+          <a:p>
+            <a:r>
+              <a:rPr lang="en-US" dirty="0" smtClean="0"/>
+              <a:t>5b51a4237437        d5b8fd3299b4        "/</a:t>
+            </a:r>
+            <a:r>
+              <a:rPr lang="en-US" dirty="0" err="1" smtClean="0"/>
+              <a:t>usr</a:t>
+            </a:r>
+            <a:r>
+              <a:rPr lang="en-US" dirty="0" smtClean="0"/>
+              <a:t>/</a:t>
+            </a:r>
+            <a:r>
+              <a:rPr lang="en-US" dirty="0" err="1" smtClean="0"/>
+              <a:t>sbin</a:t>
+            </a:r>
+            <a:r>
+              <a:rPr lang="en-US" dirty="0" smtClean="0"/>
+              <a:t>/</a:t>
+            </a:r>
+            <a:r>
+              <a:rPr lang="en-US" dirty="0" err="1" smtClean="0"/>
+              <a:t>sshd</a:t>
+            </a:r>
+            <a:r>
+              <a:rPr lang="en-US" dirty="0" smtClean="0"/>
+              <a:t> -D -   41 minutes ago      Up 41 minutes       0.0.0.0:32768-&gt;22/</a:t>
+            </a:r>
+            <a:r>
+              <a:rPr lang="en-US" dirty="0" err="1" smtClean="0"/>
+              <a:t>tcp</a:t>
+            </a:r>
+            <a:r>
+              <a:rPr lang="en-US" dirty="0" smtClean="0"/>
+              <a:t>   </a:t>
+            </a:r>
+            <a:r>
+              <a:rPr lang="en-US" dirty="0" err="1" smtClean="0"/>
+              <a:t>grave_davinci</a:t>
+            </a:r>
             <a:endParaRPr lang="en-US" dirty="0"/>
           </a:p>
         </p:txBody>
@@ -7092,7 +6728,7 @@
               <a:pPr>
                 <a:defRPr/>
               </a:pPr>
-              <a:t>49</a:t>
+              <a:t>47</a:t>
             </a:fld>
             <a:endParaRPr lang="en-US" dirty="0"/>
           </a:p>
@@ -7145,7 +6781,7 @@
     </p:spTree>
     <p:extLst>
       <p:ext uri="{BB962C8B-B14F-4D97-AF65-F5344CB8AC3E}">
-        <p14:creationId xmlns:p14="http://schemas.microsoft.com/office/powerpoint/2010/main" val="903931591"/>
+        <p14:creationId xmlns:p14="http://schemas.microsoft.com/office/powerpoint/2010/main" val="3435014385"/>
       </p:ext>
     </p:extLst>
   </p:cSld>
@@ -7330,26 +6966,423 @@
         </p:nvSpPr>
         <p:spPr/>
         <p:txBody>
-          <a:bodyPr/>
-          <a:lstStyle/>
-          <a:p>
-            <a:pPr marL="0" marR="0" indent="0" algn="l" defTabSz="1217613" rtl="0" eaLnBrk="1" fontAlgn="base" latinLnBrk="0" hangingPunct="1">
-              <a:lnSpc>
-                <a:spcPct val="90000"/>
-              </a:lnSpc>
-              <a:spcBef>
-                <a:spcPct val="30000"/>
-              </a:spcBef>
-              <a:spcAft>
-                <a:spcPts val="450"/>
-              </a:spcAft>
-              <a:buClrTx/>
-              <a:buSzTx/>
-              <a:buFontTx/>
-              <a:buNone/>
-              <a:tabLst/>
-              <a:defRPr/>
-            </a:pPr>
+          <a:bodyPr>
+            <a:normAutofit fontScale="55000" lnSpcReduction="20000"/>
+          </a:bodyPr>
+          <a:lstStyle/>
+          <a:p>
+            <a:r>
+              <a:rPr lang="en-US" dirty="0" smtClean="0"/>
+              <a:t>Run this </a:t>
+            </a:r>
+            <a:r>
+              <a:rPr lang="en-US" dirty="0" err="1" smtClean="0"/>
+              <a:t>inspec</a:t>
+            </a:r>
+            <a:r>
+              <a:rPr lang="en-US" baseline="0" dirty="0" smtClean="0"/>
+              <a:t> command using the container ID you just copied, replacing CONTAINER_ID in the example.</a:t>
+            </a:r>
+            <a:endParaRPr lang="en-US" dirty="0" smtClean="0"/>
+          </a:p>
+          <a:p>
+            <a:endParaRPr lang="en-US" dirty="0" smtClean="0"/>
+          </a:p>
+          <a:p>
+            <a:r>
+              <a:rPr lang="en-US" dirty="0" smtClean="0"/>
+              <a:t>While the image of the output</a:t>
+            </a:r>
+            <a:r>
+              <a:rPr lang="en-US" baseline="0" dirty="0" smtClean="0"/>
+              <a:t> </a:t>
+            </a:r>
+            <a:r>
+              <a:rPr lang="en-US" dirty="0" smtClean="0"/>
+              <a:t>may be hard to see, the</a:t>
+            </a:r>
+            <a:r>
+              <a:rPr lang="en-US" baseline="0" dirty="0" smtClean="0"/>
+              <a:t> output is also pasted below. Notice how </a:t>
+            </a:r>
+            <a:r>
+              <a:rPr lang="en-US" baseline="0" dirty="0" err="1" smtClean="0"/>
+              <a:t>inspec</a:t>
+            </a:r>
+            <a:r>
+              <a:rPr lang="en-US" baseline="0" dirty="0" smtClean="0"/>
+              <a:t> from the command line also found the "</a:t>
+            </a:r>
+            <a:r>
+              <a:rPr lang="en-US" dirty="0" smtClean="0"/>
+              <a:t>SSH Configuration Protocol should </a:t>
+            </a:r>
+            <a:r>
+              <a:rPr lang="en-US" dirty="0" err="1" smtClean="0"/>
+              <a:t>eq</a:t>
+            </a:r>
+            <a:r>
+              <a:rPr lang="en-US" dirty="0" smtClean="0"/>
+              <a:t> "2"</a:t>
+            </a:r>
+            <a:r>
+              <a:rPr lang="en-US" baseline="0" dirty="0" smtClean="0"/>
+              <a:t> non compliance issue.</a:t>
+            </a:r>
+          </a:p>
+          <a:p>
+            <a:endParaRPr lang="en-US" baseline="0" dirty="0" smtClean="0"/>
+          </a:p>
+          <a:p>
+            <a:r>
+              <a:rPr lang="en-US" baseline="0" dirty="0" smtClean="0"/>
+              <a:t>Running </a:t>
+            </a:r>
+            <a:r>
+              <a:rPr lang="en-US" baseline="0" dirty="0" err="1" smtClean="0"/>
+              <a:t>InSpec</a:t>
+            </a:r>
+            <a:r>
+              <a:rPr lang="en-US" baseline="0" dirty="0" smtClean="0"/>
+              <a:t> in this way can uncover more complex issues than the basic issue we are remediating in this module.</a:t>
+            </a:r>
+          </a:p>
+          <a:p>
+            <a:endParaRPr lang="en-US" baseline="0" dirty="0" smtClean="0"/>
+          </a:p>
+          <a:p>
+            <a:r>
+              <a:rPr lang="en-US" dirty="0" err="1" smtClean="0">
+                <a:effectLst/>
+              </a:rPr>
+              <a:t>Nathen:"I</a:t>
+            </a:r>
+            <a:r>
+              <a:rPr lang="en-US" dirty="0" smtClean="0">
+                <a:effectLst/>
+              </a:rPr>
+              <a:t> think it’s a critical part of the remediation b/c you want to make sure you are testing the same thing locally</a:t>
+            </a:r>
+            <a:r>
+              <a:rPr lang="en-US" i="1" dirty="0" smtClean="0">
+                <a:effectLst/>
+              </a:rPr>
+              <a:t/>
+            </a:r>
+            <a:br>
+              <a:rPr lang="en-US" i="1" dirty="0" smtClean="0">
+                <a:effectLst/>
+              </a:rPr>
+            </a:br>
+            <a:endParaRPr lang="en-US" dirty="0" smtClean="0">
+              <a:effectLst/>
+            </a:endParaRPr>
+          </a:p>
+          <a:p>
+            <a:r>
+              <a:rPr lang="en-US" sz="1200" u="none" strike="noStrike" kern="1200" dirty="0" smtClean="0">
+                <a:solidFill>
+                  <a:schemeClr val="tx1"/>
+                </a:solidFill>
+                <a:effectLst/>
+                <a:latin typeface="Arial" panose="020B0604020202020204" pitchFamily="34" charset="0"/>
+                <a:ea typeface="ＭＳ Ｐゴシック" charset="0"/>
+                <a:cs typeface="Arial" panose="020B0604020202020204" pitchFamily="34" charset="0"/>
+                <a:hlinkClick r:id="rId3" tooltip="Yesterday at 12:25:20 PM&#10;Click to open in archives"/>
+              </a:rPr>
+              <a:t>​</a:t>
+            </a:r>
+            <a:r>
+              <a:rPr lang="en-US" sz="1200" i="1" u="none" strike="noStrike" kern="1200" dirty="0" smtClean="0">
+                <a:solidFill>
+                  <a:schemeClr val="tx1"/>
+                </a:solidFill>
+                <a:effectLst/>
+                <a:latin typeface="Arial" panose="020B0604020202020204" pitchFamily="34" charset="0"/>
+                <a:ea typeface="ＭＳ Ｐゴシック" charset="0"/>
+                <a:cs typeface="Arial" panose="020B0604020202020204" pitchFamily="34" charset="0"/>
+                <a:hlinkClick r:id="rId3" tooltip="Yesterday at 12:25:20 PM&#10;Click to open in archives"/>
+              </a:rPr>
+              <a:t>[</a:t>
+            </a:r>
+            <a:r>
+              <a:rPr lang="en-US" sz="1200" u="none" strike="noStrike" kern="1200" dirty="0" smtClean="0">
+                <a:solidFill>
+                  <a:schemeClr val="tx1"/>
+                </a:solidFill>
+                <a:effectLst/>
+                <a:latin typeface="Arial" panose="020B0604020202020204" pitchFamily="34" charset="0"/>
+                <a:ea typeface="ＭＳ Ｐゴシック" charset="0"/>
+                <a:cs typeface="Arial" panose="020B0604020202020204" pitchFamily="34" charset="0"/>
+                <a:hlinkClick r:id="rId3" tooltip="Yesterday at 12:25:20 PM&#10;Click to open in archives"/>
+              </a:rPr>
+              <a:t>12:25 PM</a:t>
+            </a:r>
+            <a:r>
+              <a:rPr lang="en-US" sz="1200" i="1" u="none" strike="noStrike" kern="1200" dirty="0" smtClean="0">
+                <a:solidFill>
+                  <a:schemeClr val="tx1"/>
+                </a:solidFill>
+                <a:effectLst/>
+                <a:latin typeface="Arial" panose="020B0604020202020204" pitchFamily="34" charset="0"/>
+                <a:ea typeface="ＭＳ Ｐゴシック" charset="0"/>
+                <a:cs typeface="Arial" panose="020B0604020202020204" pitchFamily="34" charset="0"/>
+                <a:hlinkClick r:id="rId3" tooltip="Yesterday at 12:25:20 PM&#10;Click to open in archives"/>
+              </a:rPr>
+              <a:t>]</a:t>
+            </a:r>
+            <a:r>
+              <a:rPr lang="en-US" dirty="0" smtClean="0">
+                <a:effectLst/>
+              </a:rPr>
+              <a:t> </a:t>
+            </a:r>
+          </a:p>
+          <a:p>
+            <a:r>
+              <a:rPr lang="en-US" dirty="0" smtClean="0">
+                <a:effectLst/>
+              </a:rPr>
+              <a:t>in this case, it’s a pretty easy fix so you might feel you don’t need to test locally first but it’s important to get into that habit and, I believe, we should teach that pattern"</a:t>
+            </a:r>
+          </a:p>
+          <a:p>
+            <a:endParaRPr lang="en-US" dirty="0" smtClean="0"/>
+          </a:p>
+          <a:p>
+            <a:r>
+              <a:rPr lang="en-US" dirty="0" smtClean="0"/>
+              <a:t>The full output is here:</a:t>
+            </a:r>
+          </a:p>
+          <a:p>
+            <a:endParaRPr lang="en-US" dirty="0" smtClean="0"/>
+          </a:p>
+          <a:p>
+            <a:r>
+              <a:rPr lang="en-US" dirty="0" smtClean="0"/>
+              <a:t>F</a:t>
+            </a:r>
+          </a:p>
+          <a:p>
+            <a:endParaRPr lang="en-US" dirty="0" smtClean="0"/>
+          </a:p>
+          <a:p>
+            <a:r>
+              <a:rPr lang="en-US" dirty="0" smtClean="0"/>
+              <a:t>Failures:</a:t>
+            </a:r>
+          </a:p>
+          <a:p>
+            <a:endParaRPr lang="en-US" dirty="0" smtClean="0"/>
+          </a:p>
+          <a:p>
+            <a:r>
+              <a:rPr lang="en-US" dirty="0" smtClean="0"/>
+              <a:t>  1) SSH Configuration Protocol should </a:t>
+            </a:r>
+            <a:r>
+              <a:rPr lang="en-US" dirty="0" err="1" smtClean="0"/>
+              <a:t>eq</a:t>
+            </a:r>
+            <a:r>
+              <a:rPr lang="en-US" dirty="0" smtClean="0"/>
+              <a:t> "2"</a:t>
+            </a:r>
+          </a:p>
+          <a:p>
+            <a:r>
+              <a:rPr lang="en-US" dirty="0" smtClean="0"/>
+              <a:t>     Failure/Error: its('Protocol') { should </a:t>
+            </a:r>
+            <a:r>
+              <a:rPr lang="en-US" dirty="0" err="1" smtClean="0"/>
+              <a:t>eq</a:t>
+            </a:r>
+            <a:r>
+              <a:rPr lang="en-US" dirty="0" smtClean="0"/>
+              <a:t>('2') }</a:t>
+            </a:r>
+          </a:p>
+          <a:p>
+            <a:endParaRPr lang="en-US" dirty="0" smtClean="0"/>
+          </a:p>
+          <a:p>
+            <a:r>
+              <a:rPr lang="en-US" dirty="0" smtClean="0"/>
+              <a:t>       expected: "2"</a:t>
+            </a:r>
+          </a:p>
+          <a:p>
+            <a:r>
+              <a:rPr lang="en-US" dirty="0" smtClean="0"/>
+              <a:t>            got: nil</a:t>
+            </a:r>
+          </a:p>
+          <a:p>
+            <a:endParaRPr lang="en-US" dirty="0" smtClean="0"/>
+          </a:p>
+          <a:p>
+            <a:r>
+              <a:rPr lang="en-US" dirty="0" smtClean="0"/>
+              <a:t>       (compared using ==)</a:t>
+            </a:r>
+          </a:p>
+          <a:p>
+            <a:r>
+              <a:rPr lang="en-US" dirty="0" smtClean="0"/>
+              <a:t>     # ./test/integration/client/</a:t>
+            </a:r>
+            <a:r>
+              <a:rPr lang="en-US" dirty="0" err="1" smtClean="0"/>
+              <a:t>inspec</a:t>
+            </a:r>
+            <a:r>
+              <a:rPr lang="en-US" dirty="0" smtClean="0"/>
+              <a:t>/client_spec.rb:9:in `block (3 levels) in load'</a:t>
+            </a:r>
+          </a:p>
+          <a:p>
+            <a:endParaRPr lang="en-US" dirty="0" smtClean="0"/>
+          </a:p>
+          <a:p>
+            <a:r>
+              <a:rPr lang="en-US" dirty="0" smtClean="0"/>
+              <a:t>Finished in 0.79369 seconds (files took 0.7207 seconds to load)</a:t>
+            </a:r>
+          </a:p>
+          <a:p>
+            <a:r>
+              <a:rPr lang="en-US" dirty="0" smtClean="0"/>
+              <a:t>1 example, 1 failure</a:t>
+            </a:r>
+          </a:p>
+          <a:p>
+            <a:endParaRPr lang="en-US" dirty="0" smtClean="0"/>
+          </a:p>
+          <a:p>
+            <a:r>
+              <a:rPr lang="en-US" dirty="0" smtClean="0"/>
+              <a:t>Failed examples:</a:t>
+            </a:r>
+          </a:p>
+          <a:p>
+            <a:endParaRPr lang="en-US" dirty="0" smtClean="0"/>
+          </a:p>
+          <a:p>
+            <a:r>
+              <a:rPr lang="en-US" dirty="0" err="1" smtClean="0"/>
+              <a:t>rspec</a:t>
+            </a:r>
+            <a:r>
+              <a:rPr lang="en-US" dirty="0" smtClean="0"/>
+              <a:t>  # SSH Configuration Protocol should </a:t>
+            </a:r>
+            <a:r>
+              <a:rPr lang="en-US" dirty="0" err="1" smtClean="0"/>
+              <a:t>eq</a:t>
+            </a:r>
+            <a:r>
+              <a:rPr lang="en-US" dirty="0" smtClean="0"/>
+              <a:t> "2"</a:t>
+            </a:r>
+          </a:p>
+          <a:p>
+            <a:endParaRPr lang="en-US" dirty="0" smtClean="0"/>
+          </a:p>
+          <a:p>
+            <a:endParaRPr lang="en-US" dirty="0" smtClean="0"/>
+          </a:p>
+          <a:p>
+            <a:r>
+              <a:rPr lang="en-US" dirty="0" smtClean="0"/>
+              <a:t>TBD IMPORTANT: We need to build </a:t>
+            </a:r>
+            <a:r>
+              <a:rPr lang="en-US" sz="1200" b="0" i="0" kern="1200" dirty="0" smtClean="0">
+                <a:solidFill>
+                  <a:schemeClr val="tx1"/>
+                </a:solidFill>
+                <a:effectLst/>
+                <a:latin typeface="Arial" panose="020B0604020202020204" pitchFamily="34" charset="0"/>
+                <a:ea typeface="ＭＳ Ｐゴシック" charset="0"/>
+                <a:cs typeface="Arial" panose="020B0604020202020204" pitchFamily="34" charset="0"/>
+              </a:rPr>
+              <a:t>the shell </a:t>
+            </a:r>
+            <a:r>
+              <a:rPr lang="en-US" sz="1200" b="0" i="0" kern="1200" dirty="0" err="1" smtClean="0">
+                <a:solidFill>
+                  <a:schemeClr val="tx1"/>
+                </a:solidFill>
+                <a:effectLst/>
+                <a:latin typeface="Arial" panose="020B0604020202020204" pitchFamily="34" charset="0"/>
+                <a:ea typeface="ＭＳ Ｐゴシック" charset="0"/>
+                <a:cs typeface="Arial" panose="020B0604020202020204" pitchFamily="34" charset="0"/>
+              </a:rPr>
+              <a:t>init</a:t>
+            </a:r>
+            <a:r>
+              <a:rPr lang="en-US" sz="1200" b="0" i="0" kern="1200" dirty="0" smtClean="0">
+                <a:solidFill>
+                  <a:schemeClr val="tx1"/>
+                </a:solidFill>
+                <a:effectLst/>
+                <a:latin typeface="Arial" panose="020B0604020202020204" pitchFamily="34" charset="0"/>
+                <a:ea typeface="ＭＳ Ｐゴシック" charset="0"/>
+                <a:cs typeface="Arial" panose="020B0604020202020204" pitchFamily="34" charset="0"/>
+              </a:rPr>
+              <a:t> stuff for chef </a:t>
+            </a:r>
+            <a:r>
+              <a:rPr lang="en-US" sz="1200" b="0" i="0" kern="1200" dirty="0" err="1" smtClean="0">
+                <a:solidFill>
+                  <a:schemeClr val="tx1"/>
+                </a:solidFill>
+                <a:effectLst/>
+                <a:latin typeface="Arial" panose="020B0604020202020204" pitchFamily="34" charset="0"/>
+                <a:ea typeface="ＭＳ Ｐゴシック" charset="0"/>
+                <a:cs typeface="Arial" panose="020B0604020202020204" pitchFamily="34" charset="0"/>
+              </a:rPr>
+              <a:t>dk</a:t>
+            </a:r>
+            <a:r>
+              <a:rPr lang="en-US" sz="1200" b="0" i="0" kern="1200" dirty="0" smtClean="0">
+                <a:solidFill>
+                  <a:schemeClr val="tx1"/>
+                </a:solidFill>
+                <a:effectLst/>
+                <a:latin typeface="Arial" panose="020B0604020202020204" pitchFamily="34" charset="0"/>
+                <a:ea typeface="ＭＳ Ｐゴシック" charset="0"/>
+                <a:cs typeface="Arial" panose="020B0604020202020204" pitchFamily="34" charset="0"/>
+              </a:rPr>
+              <a:t> into the AMI images.</a:t>
+            </a:r>
+          </a:p>
+          <a:p>
+            <a:endParaRPr lang="en-US" sz="1200" b="0" i="0" kern="1200" dirty="0" smtClean="0">
+              <a:solidFill>
+                <a:schemeClr val="tx1"/>
+              </a:solidFill>
+              <a:effectLst/>
+              <a:latin typeface="Arial" panose="020B0604020202020204" pitchFamily="34" charset="0"/>
+              <a:ea typeface="ＭＳ Ｐゴシック" charset="0"/>
+              <a:cs typeface="Arial" panose="020B0604020202020204" pitchFamily="34" charset="0"/>
+            </a:endParaRPr>
+          </a:p>
+          <a:p>
+            <a:r>
+              <a:rPr lang="en-US" dirty="0" smtClean="0"/>
+              <a:t>https://docs.chef.io/install_dk.html</a:t>
+            </a:r>
+          </a:p>
+          <a:p>
+            <a:endParaRPr lang="en-US" dirty="0" smtClean="0"/>
+          </a:p>
+          <a:p>
+            <a:endParaRPr lang="en-US" dirty="0" smtClean="0"/>
+          </a:p>
+          <a:p>
             <a:endParaRPr lang="en-US" dirty="0"/>
           </a:p>
         </p:txBody>
@@ -7377,7 +7410,7 @@
               <a:pPr>
                 <a:defRPr/>
               </a:pPr>
-              <a:t>50</a:t>
+              <a:t>48</a:t>
             </a:fld>
             <a:endParaRPr lang="en-US" dirty="0"/>
           </a:p>
@@ -7430,7 +7463,7 @@
     </p:spTree>
     <p:extLst>
       <p:ext uri="{BB962C8B-B14F-4D97-AF65-F5344CB8AC3E}">
-        <p14:creationId xmlns:p14="http://schemas.microsoft.com/office/powerpoint/2010/main" val="2126077804"/>
+        <p14:creationId xmlns:p14="http://schemas.microsoft.com/office/powerpoint/2010/main" val="2321952843"/>
       </p:ext>
     </p:extLst>
   </p:cSld>
@@ -7484,6 +7517,226 @@
           <a:bodyPr/>
           <a:lstStyle/>
           <a:p>
+            <a:pPr marL="228600" marR="0" indent="-228600" algn="l" defTabSz="1217613" rtl="0" eaLnBrk="1" fontAlgn="base" latinLnBrk="0" hangingPunct="1">
+              <a:lnSpc>
+                <a:spcPct val="90000"/>
+              </a:lnSpc>
+              <a:spcBef>
+                <a:spcPct val="30000"/>
+              </a:spcBef>
+              <a:spcAft>
+                <a:spcPts val="450"/>
+              </a:spcAft>
+              <a:buClrTx/>
+              <a:buSzTx/>
+              <a:buFontTx/>
+              <a:buAutoNum type="arabicPeriod"/>
+              <a:tabLst/>
+              <a:defRPr/>
+            </a:pPr>
+            <a:r>
+              <a:rPr lang="en-US" dirty="0" smtClean="0"/>
+              <a:t>Edit the ~/cookbooks/ssh/templates/default/</a:t>
+            </a:r>
+            <a:r>
+              <a:rPr lang="en-US" dirty="0" err="1" smtClean="0"/>
+              <a:t>ssh_config.erb</a:t>
+            </a:r>
+            <a:r>
+              <a:rPr lang="en-US" baseline="0" dirty="0" smtClean="0"/>
+              <a:t> file. </a:t>
+            </a:r>
+          </a:p>
+          <a:p>
+            <a:pPr marL="228600" marR="0" indent="-228600" algn="l" defTabSz="1217613" rtl="0" eaLnBrk="1" fontAlgn="base" latinLnBrk="0" hangingPunct="1">
+              <a:lnSpc>
+                <a:spcPct val="90000"/>
+              </a:lnSpc>
+              <a:spcBef>
+                <a:spcPct val="30000"/>
+              </a:spcBef>
+              <a:spcAft>
+                <a:spcPts val="450"/>
+              </a:spcAft>
+              <a:buClrTx/>
+              <a:buSzTx/>
+              <a:buFontTx/>
+              <a:buAutoNum type="arabicPeriod"/>
+              <a:tabLst/>
+              <a:defRPr/>
+            </a:pPr>
+            <a:r>
+              <a:rPr lang="en-US" baseline="0" dirty="0" smtClean="0"/>
+              <a:t>Uncomment the `#   Protocol </a:t>
+            </a:r>
+            <a:r>
+              <a:rPr lang="en-US" baseline="0" dirty="0" smtClean="0"/>
+              <a:t>2,1` </a:t>
+            </a:r>
+            <a:r>
+              <a:rPr lang="en-US" baseline="0" dirty="0" smtClean="0"/>
+              <a:t>line.</a:t>
+            </a:r>
+          </a:p>
+          <a:p>
+            <a:pPr marL="228600" marR="0" indent="-228600" algn="l" defTabSz="1217613" rtl="0" eaLnBrk="1" fontAlgn="base" latinLnBrk="0" hangingPunct="1">
+              <a:lnSpc>
+                <a:spcPct val="90000"/>
+              </a:lnSpc>
+              <a:spcBef>
+                <a:spcPct val="30000"/>
+              </a:spcBef>
+              <a:spcAft>
+                <a:spcPts val="450"/>
+              </a:spcAft>
+              <a:buClrTx/>
+              <a:buSzTx/>
+              <a:buFontTx/>
+              <a:buAutoNum type="arabicPeriod"/>
+              <a:tabLst/>
+              <a:defRPr/>
+            </a:pPr>
+            <a:r>
+              <a:rPr lang="en-US" baseline="0" dirty="0" smtClean="0"/>
+              <a:t>Change the protocol version to `2` only.</a:t>
+            </a:r>
+            <a:endParaRPr lang="en-US" dirty="0" smtClean="0"/>
+          </a:p>
+          <a:p>
+            <a:endParaRPr lang="en-US" dirty="0"/>
+          </a:p>
+        </p:txBody>
+      </p:sp>
+      <p:sp>
+        <p:nvSpPr>
+          <p:cNvPr id="4" name="Slide Number Placeholder 3"/>
+          <p:cNvSpPr>
+            <a:spLocks noGrp="1"/>
+          </p:cNvSpPr>
+          <p:nvPr>
+            <p:ph type="sldNum" sz="quarter" idx="10"/>
+          </p:nvPr>
+        </p:nvSpPr>
+        <p:spPr/>
+        <p:txBody>
+          <a:bodyPr/>
+          <a:lstStyle/>
+          <a:p>
+            <a:pPr>
+              <a:defRPr/>
+            </a:pPr>
+            <a:fld id="{DC3734AA-3150-D947-AC52-2F5DF48BFCD5}" type="slidenum">
+              <a:rPr lang="en-US" smtClean="0"/>
+              <a:pPr>
+                <a:defRPr/>
+              </a:pPr>
+              <a:t>49</a:t>
+            </a:fld>
+            <a:endParaRPr lang="en-US" dirty="0"/>
+          </a:p>
+        </p:txBody>
+      </p:sp>
+      <p:sp>
+        <p:nvSpPr>
+          <p:cNvPr id="5" name="Header Placeholder 4"/>
+          <p:cNvSpPr>
+            <a:spLocks noGrp="1"/>
+          </p:cNvSpPr>
+          <p:nvPr>
+            <p:ph type="hdr" sz="quarter" idx="11"/>
+          </p:nvPr>
+        </p:nvSpPr>
+        <p:spPr/>
+        <p:txBody>
+          <a:bodyPr/>
+          <a:lstStyle/>
+          <a:p>
+            <a:pPr>
+              <a:defRPr/>
+            </a:pPr>
+            <a:endParaRPr lang="en-US"/>
+          </a:p>
+        </p:txBody>
+      </p:sp>
+      <p:sp>
+        <p:nvSpPr>
+          <p:cNvPr id="6" name="Footer Placeholder 5"/>
+          <p:cNvSpPr>
+            <a:spLocks noGrp="1"/>
+          </p:cNvSpPr>
+          <p:nvPr>
+            <p:ph type="ftr" sz="quarter" idx="12"/>
+          </p:nvPr>
+        </p:nvSpPr>
+        <p:spPr/>
+        <p:txBody>
+          <a:bodyPr/>
+          <a:lstStyle/>
+          <a:p>
+            <a:pPr>
+              <a:defRPr/>
+            </a:pPr>
+            <a:endParaRPr lang="en-US"/>
+          </a:p>
+        </p:txBody>
+      </p:sp>
+    </p:spTree>
+    <p:extLst>
+      <p:ext uri="{BB962C8B-B14F-4D97-AF65-F5344CB8AC3E}">
+        <p14:creationId xmlns:p14="http://schemas.microsoft.com/office/powerpoint/2010/main" val="2679144512"/>
+      </p:ext>
+    </p:extLst>
+  </p:cSld>
+  <p:clrMapOvr>
+    <a:masterClrMapping/>
+  </p:clrMapOvr>
+</p:notes>
+</file>
+
+<file path=ppt/notesSlides/notesSlide42.xml><?xml version="1.0" encoding="utf-8"?>
+<p:notes xmlns:a="http://schemas.openxmlformats.org/drawingml/2006/main" xmlns:r="http://schemas.openxmlformats.org/officeDocument/2006/relationships" xmlns:p="http://schemas.openxmlformats.org/presentationml/2006/main">
+  <p:cSld>
+    <p:spTree>
+      <p:nvGrpSpPr>
+        <p:cNvPr id="1" name=""/>
+        <p:cNvGrpSpPr/>
+        <p:nvPr/>
+      </p:nvGrpSpPr>
+      <p:grpSpPr>
+        <a:xfrm>
+          <a:off x="0" y="0"/>
+          <a:ext cx="0" cy="0"/>
+          <a:chOff x="0" y="0"/>
+          <a:chExt cx="0" cy="0"/>
+        </a:xfrm>
+      </p:grpSpPr>
+      <p:sp>
+        <p:nvSpPr>
+          <p:cNvPr id="2" name="Slide Image Placeholder 1"/>
+          <p:cNvSpPr>
+            <a:spLocks noGrp="1" noRot="1" noChangeAspect="1"/>
+          </p:cNvSpPr>
+          <p:nvPr>
+            <p:ph type="sldImg"/>
+          </p:nvPr>
+        </p:nvSpPr>
+        <p:spPr/>
+      </p:sp>
+      <p:sp>
+        <p:nvSpPr>
+          <p:cNvPr id="3" name="Notes Placeholder 2"/>
+          <p:cNvSpPr>
+            <a:spLocks noGrp="1"/>
+          </p:cNvSpPr>
+          <p:nvPr>
+            <p:ph type="body" idx="1"/>
+          </p:nvPr>
+        </p:nvSpPr>
+        <p:spPr/>
+        <p:txBody>
+          <a:bodyPr/>
+          <a:lstStyle/>
+          <a:p>
             <a:pPr marL="0" marR="0" indent="0" algn="l" defTabSz="1217613" rtl="0" eaLnBrk="1" fontAlgn="base" latinLnBrk="0" hangingPunct="1">
               <a:lnSpc>
                 <a:spcPct val="90000"/>
@@ -7501,7 +7754,172 @@
               <a:tabLst/>
               <a:defRPr/>
             </a:pPr>
+            <a:r>
+              <a:rPr lang="en-US" dirty="0" smtClean="0"/>
+              <a:t>Results: Your ~/cookbooks/ssh/templates/default/</a:t>
+            </a:r>
+            <a:r>
+              <a:rPr lang="en-US" dirty="0" err="1" smtClean="0"/>
+              <a:t>ssh_config.erb</a:t>
+            </a:r>
+            <a:r>
+              <a:rPr lang="en-US" baseline="0" dirty="0" smtClean="0"/>
+              <a:t> file's Protocol line should now look like this example.</a:t>
+            </a:r>
+          </a:p>
+          <a:p>
             <a:endParaRPr lang="en-US" dirty="0"/>
+          </a:p>
+        </p:txBody>
+      </p:sp>
+      <p:sp>
+        <p:nvSpPr>
+          <p:cNvPr id="4" name="Slide Number Placeholder 3"/>
+          <p:cNvSpPr>
+            <a:spLocks noGrp="1"/>
+          </p:cNvSpPr>
+          <p:nvPr>
+            <p:ph type="sldNum" sz="quarter" idx="10"/>
+          </p:nvPr>
+        </p:nvSpPr>
+        <p:spPr/>
+        <p:txBody>
+          <a:bodyPr/>
+          <a:lstStyle/>
+          <a:p>
+            <a:pPr>
+              <a:defRPr/>
+            </a:pPr>
+            <a:fld id="{DC3734AA-3150-D947-AC52-2F5DF48BFCD5}" type="slidenum">
+              <a:rPr lang="en-US" smtClean="0"/>
+              <a:pPr>
+                <a:defRPr/>
+              </a:pPr>
+              <a:t>50</a:t>
+            </a:fld>
+            <a:endParaRPr lang="en-US" dirty="0"/>
+          </a:p>
+        </p:txBody>
+      </p:sp>
+      <p:sp>
+        <p:nvSpPr>
+          <p:cNvPr id="5" name="Header Placeholder 4"/>
+          <p:cNvSpPr>
+            <a:spLocks noGrp="1"/>
+          </p:cNvSpPr>
+          <p:nvPr>
+            <p:ph type="hdr" sz="quarter" idx="11"/>
+          </p:nvPr>
+        </p:nvSpPr>
+        <p:spPr/>
+        <p:txBody>
+          <a:bodyPr/>
+          <a:lstStyle/>
+          <a:p>
+            <a:pPr>
+              <a:defRPr/>
+            </a:pPr>
+            <a:endParaRPr lang="en-US"/>
+          </a:p>
+        </p:txBody>
+      </p:sp>
+      <p:sp>
+        <p:nvSpPr>
+          <p:cNvPr id="6" name="Footer Placeholder 5"/>
+          <p:cNvSpPr>
+            <a:spLocks noGrp="1"/>
+          </p:cNvSpPr>
+          <p:nvPr>
+            <p:ph type="ftr" sz="quarter" idx="12"/>
+          </p:nvPr>
+        </p:nvSpPr>
+        <p:spPr/>
+        <p:txBody>
+          <a:bodyPr/>
+          <a:lstStyle/>
+          <a:p>
+            <a:pPr>
+              <a:defRPr/>
+            </a:pPr>
+            <a:endParaRPr lang="en-US"/>
+          </a:p>
+        </p:txBody>
+      </p:sp>
+    </p:spTree>
+    <p:extLst>
+      <p:ext uri="{BB962C8B-B14F-4D97-AF65-F5344CB8AC3E}">
+        <p14:creationId xmlns:p14="http://schemas.microsoft.com/office/powerpoint/2010/main" val="3645924741"/>
+      </p:ext>
+    </p:extLst>
+  </p:cSld>
+  <p:clrMapOvr>
+    <a:masterClrMapping/>
+  </p:clrMapOvr>
+</p:notes>
+</file>
+
+<file path=ppt/notesSlides/notesSlide43.xml><?xml version="1.0" encoding="utf-8"?>
+<p:notes xmlns:a="http://schemas.openxmlformats.org/drawingml/2006/main" xmlns:r="http://schemas.openxmlformats.org/officeDocument/2006/relationships" xmlns:p="http://schemas.openxmlformats.org/presentationml/2006/main">
+  <p:cSld>
+    <p:spTree>
+      <p:nvGrpSpPr>
+        <p:cNvPr id="1" name=""/>
+        <p:cNvGrpSpPr/>
+        <p:nvPr/>
+      </p:nvGrpSpPr>
+      <p:grpSpPr>
+        <a:xfrm>
+          <a:off x="0" y="0"/>
+          <a:ext cx="0" cy="0"/>
+          <a:chOff x="0" y="0"/>
+          <a:chExt cx="0" cy="0"/>
+        </a:xfrm>
+      </p:grpSpPr>
+      <p:sp>
+        <p:nvSpPr>
+          <p:cNvPr id="2" name="Slide Image Placeholder 1"/>
+          <p:cNvSpPr>
+            <a:spLocks noGrp="1" noRot="1" noChangeAspect="1"/>
+          </p:cNvSpPr>
+          <p:nvPr>
+            <p:ph type="sldImg"/>
+          </p:nvPr>
+        </p:nvSpPr>
+        <p:spPr/>
+      </p:sp>
+      <p:sp>
+        <p:nvSpPr>
+          <p:cNvPr id="3" name="Notes Placeholder 2"/>
+          <p:cNvSpPr>
+            <a:spLocks noGrp="1"/>
+          </p:cNvSpPr>
+          <p:nvPr>
+            <p:ph type="body" idx="1"/>
+          </p:nvPr>
+        </p:nvSpPr>
+        <p:spPr/>
+        <p:txBody>
+          <a:bodyPr/>
+          <a:lstStyle/>
+          <a:p>
+            <a:pPr marL="0" marR="0" indent="0" algn="l" defTabSz="1217613" rtl="0" eaLnBrk="1" fontAlgn="base" latinLnBrk="0" hangingPunct="1">
+              <a:lnSpc>
+                <a:spcPct val="90000"/>
+              </a:lnSpc>
+              <a:spcBef>
+                <a:spcPct val="30000"/>
+              </a:spcBef>
+              <a:spcAft>
+                <a:spcPts val="450"/>
+              </a:spcAft>
+              <a:buClrTx/>
+              <a:buSzTx/>
+              <a:buFontTx/>
+              <a:buNone/>
+              <a:tabLst/>
+              <a:defRPr/>
+            </a:pPr>
+            <a:endParaRPr lang="en-US" baseline="0" dirty="0" smtClean="0"/>
           </a:p>
         </p:txBody>
       </p:sp>
@@ -7529,6 +7947,1344 @@
                 <a:defRPr/>
               </a:pPr>
               <a:t>51</a:t>
+            </a:fld>
+            <a:endParaRPr lang="en-US" dirty="0"/>
+          </a:p>
+        </p:txBody>
+      </p:sp>
+      <p:sp>
+        <p:nvSpPr>
+          <p:cNvPr id="5" name="Header Placeholder 4"/>
+          <p:cNvSpPr>
+            <a:spLocks noGrp="1"/>
+          </p:cNvSpPr>
+          <p:nvPr>
+            <p:ph type="hdr" sz="quarter" idx="11"/>
+          </p:nvPr>
+        </p:nvSpPr>
+        <p:spPr/>
+        <p:txBody>
+          <a:bodyPr/>
+          <a:lstStyle/>
+          <a:p>
+            <a:pPr>
+              <a:defRPr/>
+            </a:pPr>
+            <a:endParaRPr lang="en-US"/>
+          </a:p>
+        </p:txBody>
+      </p:sp>
+      <p:sp>
+        <p:nvSpPr>
+          <p:cNvPr id="6" name="Footer Placeholder 5"/>
+          <p:cNvSpPr>
+            <a:spLocks noGrp="1"/>
+          </p:cNvSpPr>
+          <p:nvPr>
+            <p:ph type="ftr" sz="quarter" idx="12"/>
+          </p:nvPr>
+        </p:nvSpPr>
+        <p:spPr/>
+        <p:txBody>
+          <a:bodyPr/>
+          <a:lstStyle/>
+          <a:p>
+            <a:pPr>
+              <a:defRPr/>
+            </a:pPr>
+            <a:endParaRPr lang="en-US"/>
+          </a:p>
+        </p:txBody>
+      </p:sp>
+    </p:spTree>
+    <p:extLst>
+      <p:ext uri="{BB962C8B-B14F-4D97-AF65-F5344CB8AC3E}">
+        <p14:creationId xmlns:p14="http://schemas.microsoft.com/office/powerpoint/2010/main" val="3314187838"/>
+      </p:ext>
+    </p:extLst>
+  </p:cSld>
+  <p:clrMapOvr>
+    <a:masterClrMapping/>
+  </p:clrMapOvr>
+</p:notes>
+</file>
+
+<file path=ppt/notesSlides/notesSlide44.xml><?xml version="1.0" encoding="utf-8"?>
+<p:notes xmlns:a="http://schemas.openxmlformats.org/drawingml/2006/main" xmlns:r="http://schemas.openxmlformats.org/officeDocument/2006/relationships" xmlns:p="http://schemas.openxmlformats.org/presentationml/2006/main">
+  <p:cSld>
+    <p:spTree>
+      <p:nvGrpSpPr>
+        <p:cNvPr id="1" name=""/>
+        <p:cNvGrpSpPr/>
+        <p:nvPr/>
+      </p:nvGrpSpPr>
+      <p:grpSpPr>
+        <a:xfrm>
+          <a:off x="0" y="0"/>
+          <a:ext cx="0" cy="0"/>
+          <a:chOff x="0" y="0"/>
+          <a:chExt cx="0" cy="0"/>
+        </a:xfrm>
+      </p:grpSpPr>
+      <p:sp>
+        <p:nvSpPr>
+          <p:cNvPr id="2" name="Slide Image Placeholder 1"/>
+          <p:cNvSpPr>
+            <a:spLocks noGrp="1" noRot="1" noChangeAspect="1"/>
+          </p:cNvSpPr>
+          <p:nvPr>
+            <p:ph type="sldImg"/>
+          </p:nvPr>
+        </p:nvSpPr>
+        <p:spPr/>
+      </p:sp>
+      <p:sp>
+        <p:nvSpPr>
+          <p:cNvPr id="3" name="Notes Placeholder 2"/>
+          <p:cNvSpPr>
+            <a:spLocks noGrp="1"/>
+          </p:cNvSpPr>
+          <p:nvPr>
+            <p:ph type="body" idx="1"/>
+          </p:nvPr>
+        </p:nvSpPr>
+        <p:spPr/>
+        <p:txBody>
+          <a:bodyPr>
+            <a:normAutofit fontScale="77500" lnSpcReduction="20000"/>
+          </a:bodyPr>
+          <a:lstStyle/>
+          <a:p>
+            <a:pPr marL="0" marR="0" indent="0" algn="l" defTabSz="1217613" rtl="0" eaLnBrk="1" fontAlgn="base" latinLnBrk="0" hangingPunct="1">
+              <a:lnSpc>
+                <a:spcPct val="90000"/>
+              </a:lnSpc>
+              <a:spcBef>
+                <a:spcPct val="30000"/>
+              </a:spcBef>
+              <a:spcAft>
+                <a:spcPts val="450"/>
+              </a:spcAft>
+              <a:buClrTx/>
+              <a:buSzTx/>
+              <a:buFontTx/>
+              <a:buNone/>
+              <a:tabLst/>
+              <a:defRPr/>
+            </a:pPr>
+            <a:r>
+              <a:rPr lang="en-US" dirty="0" smtClean="0"/>
+              <a:t>You should now see that only Protocol version 2 is currently set</a:t>
+            </a:r>
+            <a:r>
+              <a:rPr lang="en-US" baseline="0" dirty="0" smtClean="0"/>
+              <a:t> in test kitchen. </a:t>
+            </a:r>
+          </a:p>
+          <a:p>
+            <a:pPr marL="0" marR="0" indent="0" algn="l" defTabSz="1217613" rtl="0" eaLnBrk="1" fontAlgn="base" latinLnBrk="0" hangingPunct="1">
+              <a:lnSpc>
+                <a:spcPct val="90000"/>
+              </a:lnSpc>
+              <a:spcBef>
+                <a:spcPct val="30000"/>
+              </a:spcBef>
+              <a:spcAft>
+                <a:spcPts val="450"/>
+              </a:spcAft>
+              <a:buClrTx/>
+              <a:buSzTx/>
+              <a:buFontTx/>
+              <a:buNone/>
+              <a:tabLst/>
+              <a:defRPr/>
+            </a:pPr>
+            <a:endParaRPr lang="en-US" baseline="0" dirty="0" smtClean="0"/>
+          </a:p>
+          <a:p>
+            <a:pPr marL="0" marR="0" indent="0" algn="l" defTabSz="1217613" rtl="0" eaLnBrk="1" fontAlgn="base" latinLnBrk="0" hangingPunct="1">
+              <a:lnSpc>
+                <a:spcPct val="90000"/>
+              </a:lnSpc>
+              <a:spcBef>
+                <a:spcPct val="30000"/>
+              </a:spcBef>
+              <a:spcAft>
+                <a:spcPts val="450"/>
+              </a:spcAft>
+              <a:buClrTx/>
+              <a:buSzTx/>
+              <a:buFontTx/>
+              <a:buNone/>
+              <a:tabLst/>
+              <a:defRPr/>
+            </a:pPr>
+            <a:endParaRPr lang="en-US" baseline="0" dirty="0" smtClean="0"/>
+          </a:p>
+          <a:p>
+            <a:pPr marL="0" marR="0" indent="0" algn="l" defTabSz="1217613" rtl="0" eaLnBrk="1" fontAlgn="base" latinLnBrk="0" hangingPunct="1">
+              <a:lnSpc>
+                <a:spcPct val="90000"/>
+              </a:lnSpc>
+              <a:spcBef>
+                <a:spcPct val="30000"/>
+              </a:spcBef>
+              <a:spcAft>
+                <a:spcPts val="450"/>
+              </a:spcAft>
+              <a:buClrTx/>
+              <a:buSzTx/>
+              <a:buFontTx/>
+              <a:buNone/>
+              <a:tabLst/>
+              <a:defRPr/>
+            </a:pPr>
+            <a:r>
+              <a:rPr lang="en-US" baseline="0" dirty="0" smtClean="0"/>
+              <a:t> - update content in file /etc/ssh/</a:t>
+            </a:r>
+            <a:r>
+              <a:rPr lang="en-US" baseline="0" dirty="0" err="1" smtClean="0"/>
+              <a:t>ssh_config</a:t>
+            </a:r>
+            <a:r>
+              <a:rPr lang="en-US" baseline="0" dirty="0" smtClean="0"/>
+              <a:t> from 86eb9b to 065f90</a:t>
+            </a:r>
+          </a:p>
+          <a:p>
+            <a:pPr marL="0" marR="0" indent="0" algn="l" defTabSz="1217613" rtl="0" eaLnBrk="1" fontAlgn="base" latinLnBrk="0" hangingPunct="1">
+              <a:lnSpc>
+                <a:spcPct val="90000"/>
+              </a:lnSpc>
+              <a:spcBef>
+                <a:spcPct val="30000"/>
+              </a:spcBef>
+              <a:spcAft>
+                <a:spcPts val="450"/>
+              </a:spcAft>
+              <a:buClrTx/>
+              <a:buSzTx/>
+              <a:buFontTx/>
+              <a:buNone/>
+              <a:tabLst/>
+              <a:defRPr/>
+            </a:pPr>
+            <a:r>
+              <a:rPr lang="en-US" baseline="0" dirty="0" smtClean="0"/>
+              <a:t>           --- /etc/ssh/</a:t>
+            </a:r>
+            <a:r>
+              <a:rPr lang="en-US" baseline="0" dirty="0" err="1" smtClean="0"/>
+              <a:t>ssh_config</a:t>
+            </a:r>
+            <a:r>
+              <a:rPr lang="en-US" baseline="0" dirty="0" smtClean="0"/>
+              <a:t>      2015-08-13 09:58:26.000000000 +0000</a:t>
+            </a:r>
+          </a:p>
+          <a:p>
+            <a:pPr marL="0" marR="0" indent="0" algn="l" defTabSz="1217613" rtl="0" eaLnBrk="1" fontAlgn="base" latinLnBrk="0" hangingPunct="1">
+              <a:lnSpc>
+                <a:spcPct val="90000"/>
+              </a:lnSpc>
+              <a:spcBef>
+                <a:spcPct val="30000"/>
+              </a:spcBef>
+              <a:spcAft>
+                <a:spcPts val="450"/>
+              </a:spcAft>
+              <a:buClrTx/>
+              <a:buSzTx/>
+              <a:buFontTx/>
+              <a:buNone/>
+              <a:tabLst/>
+              <a:defRPr/>
+            </a:pPr>
+            <a:r>
+              <a:rPr lang="en-US" baseline="0" dirty="0" smtClean="0"/>
+              <a:t>           +++ /etc/ssh/.ssh_config20151209-412-cf7gd7  2015-12-09 20:35:29.734689138 +0000</a:t>
+            </a:r>
+          </a:p>
+          <a:p>
+            <a:pPr marL="0" marR="0" indent="0" algn="l" defTabSz="1217613" rtl="0" eaLnBrk="1" fontAlgn="base" latinLnBrk="0" hangingPunct="1">
+              <a:lnSpc>
+                <a:spcPct val="90000"/>
+              </a:lnSpc>
+              <a:spcBef>
+                <a:spcPct val="30000"/>
+              </a:spcBef>
+              <a:spcAft>
+                <a:spcPts val="450"/>
+              </a:spcAft>
+              <a:buClrTx/>
+              <a:buSzTx/>
+              <a:buFontTx/>
+              <a:buNone/>
+              <a:tabLst/>
+              <a:defRPr/>
+            </a:pPr>
+            <a:r>
+              <a:rPr lang="en-US" baseline="0" dirty="0" smtClean="0"/>
+              <a:t>           @@ -37,7 +37,7 @@</a:t>
+            </a:r>
+          </a:p>
+          <a:p>
+            <a:pPr marL="0" marR="0" indent="0" algn="l" defTabSz="1217613" rtl="0" eaLnBrk="1" fontAlgn="base" latinLnBrk="0" hangingPunct="1">
+              <a:lnSpc>
+                <a:spcPct val="90000"/>
+              </a:lnSpc>
+              <a:spcBef>
+                <a:spcPct val="30000"/>
+              </a:spcBef>
+              <a:spcAft>
+                <a:spcPts val="450"/>
+              </a:spcAft>
+              <a:buClrTx/>
+              <a:buSzTx/>
+              <a:buFontTx/>
+              <a:buNone/>
+              <a:tabLst/>
+              <a:defRPr/>
+            </a:pPr>
+            <a:r>
+              <a:rPr lang="en-US" baseline="0" dirty="0" smtClean="0"/>
+              <a:t>            #   </a:t>
+            </a:r>
+            <a:r>
+              <a:rPr lang="en-US" baseline="0" dirty="0" err="1" smtClean="0"/>
+              <a:t>IdentityFile</a:t>
+            </a:r>
+            <a:r>
+              <a:rPr lang="en-US" baseline="0" dirty="0" smtClean="0"/>
+              <a:t> ~/.ssh/</a:t>
+            </a:r>
+            <a:r>
+              <a:rPr lang="en-US" baseline="0" dirty="0" err="1" smtClean="0"/>
+              <a:t>id_rsa</a:t>
+            </a:r>
+            <a:endParaRPr lang="en-US" baseline="0" dirty="0" smtClean="0"/>
+          </a:p>
+          <a:p>
+            <a:pPr marL="0" marR="0" indent="0" algn="l" defTabSz="1217613" rtl="0" eaLnBrk="1" fontAlgn="base" latinLnBrk="0" hangingPunct="1">
+              <a:lnSpc>
+                <a:spcPct val="90000"/>
+              </a:lnSpc>
+              <a:spcBef>
+                <a:spcPct val="30000"/>
+              </a:spcBef>
+              <a:spcAft>
+                <a:spcPts val="450"/>
+              </a:spcAft>
+              <a:buClrTx/>
+              <a:buSzTx/>
+              <a:buFontTx/>
+              <a:buNone/>
+              <a:tabLst/>
+              <a:defRPr/>
+            </a:pPr>
+            <a:r>
+              <a:rPr lang="en-US" baseline="0" dirty="0" smtClean="0"/>
+              <a:t>            #   </a:t>
+            </a:r>
+            <a:r>
+              <a:rPr lang="en-US" baseline="0" dirty="0" err="1" smtClean="0"/>
+              <a:t>IdentityFile</a:t>
+            </a:r>
+            <a:r>
+              <a:rPr lang="en-US" baseline="0" dirty="0" smtClean="0"/>
+              <a:t> ~/.ssh/</a:t>
+            </a:r>
+            <a:r>
+              <a:rPr lang="en-US" baseline="0" dirty="0" err="1" smtClean="0"/>
+              <a:t>id_dsa</a:t>
+            </a:r>
+            <a:endParaRPr lang="en-US" baseline="0" dirty="0" smtClean="0"/>
+          </a:p>
+          <a:p>
+            <a:pPr marL="0" marR="0" indent="0" algn="l" defTabSz="1217613" rtl="0" eaLnBrk="1" fontAlgn="base" latinLnBrk="0" hangingPunct="1">
+              <a:lnSpc>
+                <a:spcPct val="90000"/>
+              </a:lnSpc>
+              <a:spcBef>
+                <a:spcPct val="30000"/>
+              </a:spcBef>
+              <a:spcAft>
+                <a:spcPts val="450"/>
+              </a:spcAft>
+              <a:buClrTx/>
+              <a:buSzTx/>
+              <a:buFontTx/>
+              <a:buNone/>
+              <a:tabLst/>
+              <a:defRPr/>
+            </a:pPr>
+            <a:r>
+              <a:rPr lang="en-US" baseline="0" dirty="0" smtClean="0"/>
+              <a:t>            #   Port 22</a:t>
+            </a:r>
+          </a:p>
+          <a:p>
+            <a:pPr marL="0" marR="0" indent="0" algn="l" defTabSz="1217613" rtl="0" eaLnBrk="1" fontAlgn="base" latinLnBrk="0" hangingPunct="1">
+              <a:lnSpc>
+                <a:spcPct val="90000"/>
+              </a:lnSpc>
+              <a:spcBef>
+                <a:spcPct val="30000"/>
+              </a:spcBef>
+              <a:spcAft>
+                <a:spcPts val="450"/>
+              </a:spcAft>
+              <a:buClrTx/>
+              <a:buSzTx/>
+              <a:buFontTx/>
+              <a:buNone/>
+              <a:tabLst/>
+              <a:defRPr/>
+            </a:pPr>
+            <a:r>
+              <a:rPr lang="en-US" baseline="0" dirty="0" smtClean="0"/>
+              <a:t>           -#   Protocol 2,1</a:t>
+            </a:r>
+          </a:p>
+          <a:p>
+            <a:pPr marL="0" marR="0" indent="0" algn="l" defTabSz="1217613" rtl="0" eaLnBrk="1" fontAlgn="base" latinLnBrk="0" hangingPunct="1">
+              <a:lnSpc>
+                <a:spcPct val="90000"/>
+              </a:lnSpc>
+              <a:spcBef>
+                <a:spcPct val="30000"/>
+              </a:spcBef>
+              <a:spcAft>
+                <a:spcPts val="450"/>
+              </a:spcAft>
+              <a:buClrTx/>
+              <a:buSzTx/>
+              <a:buFontTx/>
+              <a:buNone/>
+              <a:tabLst/>
+              <a:defRPr/>
+            </a:pPr>
+            <a:r>
+              <a:rPr lang="en-US" baseline="0" dirty="0" smtClean="0"/>
+              <a:t>           </a:t>
+            </a:r>
+            <a:r>
+              <a:rPr lang="en-US" b="1" baseline="0" dirty="0" smtClean="0"/>
+              <a:t>+Protocol 2</a:t>
+            </a:r>
+          </a:p>
+          <a:p>
+            <a:pPr marL="0" marR="0" indent="0" algn="l" defTabSz="1217613" rtl="0" eaLnBrk="1" fontAlgn="base" latinLnBrk="0" hangingPunct="1">
+              <a:lnSpc>
+                <a:spcPct val="90000"/>
+              </a:lnSpc>
+              <a:spcBef>
+                <a:spcPct val="30000"/>
+              </a:spcBef>
+              <a:spcAft>
+                <a:spcPts val="450"/>
+              </a:spcAft>
+              <a:buClrTx/>
+              <a:buSzTx/>
+              <a:buFontTx/>
+              <a:buNone/>
+              <a:tabLst/>
+              <a:defRPr/>
+            </a:pPr>
+            <a:r>
+              <a:rPr lang="en-US" baseline="0" dirty="0" smtClean="0"/>
+              <a:t>            #   Cipher 3des</a:t>
+            </a:r>
+          </a:p>
+          <a:p>
+            <a:pPr marL="0" marR="0" indent="0" algn="l" defTabSz="1217613" rtl="0" eaLnBrk="1" fontAlgn="base" latinLnBrk="0" hangingPunct="1">
+              <a:lnSpc>
+                <a:spcPct val="90000"/>
+              </a:lnSpc>
+              <a:spcBef>
+                <a:spcPct val="30000"/>
+              </a:spcBef>
+              <a:spcAft>
+                <a:spcPts val="450"/>
+              </a:spcAft>
+              <a:buClrTx/>
+              <a:buSzTx/>
+              <a:buFontTx/>
+              <a:buNone/>
+              <a:tabLst/>
+              <a:defRPr/>
+            </a:pPr>
+            <a:r>
+              <a:rPr lang="en-US" baseline="0" dirty="0" smtClean="0"/>
+              <a:t>            #   Ciphers aes128-ctr,aes192-ctr,aes256-ctr,arcfour256,arcfour128,aes128-cbc,3des-cbc</a:t>
+            </a:r>
+            <a:endParaRPr lang="en-US" baseline="0" dirty="0" smtClean="0"/>
+          </a:p>
+          <a:p>
+            <a:pPr marL="0" marR="0" indent="0" algn="l" defTabSz="1217613" rtl="0" eaLnBrk="1" fontAlgn="base" latinLnBrk="0" hangingPunct="1">
+              <a:lnSpc>
+                <a:spcPct val="90000"/>
+              </a:lnSpc>
+              <a:spcBef>
+                <a:spcPct val="30000"/>
+              </a:spcBef>
+              <a:spcAft>
+                <a:spcPts val="450"/>
+              </a:spcAft>
+              <a:buClrTx/>
+              <a:buSzTx/>
+              <a:buFontTx/>
+              <a:buNone/>
+              <a:tabLst/>
+              <a:defRPr/>
+            </a:pPr>
+            <a:endParaRPr lang="en-US" baseline="0" dirty="0" smtClean="0"/>
+          </a:p>
+          <a:p>
+            <a:pPr marL="0" marR="0" indent="0" algn="l" defTabSz="1217613" rtl="0" eaLnBrk="1" fontAlgn="base" latinLnBrk="0" hangingPunct="1">
+              <a:lnSpc>
+                <a:spcPct val="90000"/>
+              </a:lnSpc>
+              <a:spcBef>
+                <a:spcPct val="30000"/>
+              </a:spcBef>
+              <a:spcAft>
+                <a:spcPts val="450"/>
+              </a:spcAft>
+              <a:buClrTx/>
+              <a:buSzTx/>
+              <a:buFontTx/>
+              <a:buNone/>
+              <a:tabLst/>
+              <a:defRPr/>
+            </a:pPr>
+            <a:r>
+              <a:rPr lang="en-US" baseline="0" dirty="0" smtClean="0"/>
+              <a:t>       Running handlers:</a:t>
+            </a:r>
+          </a:p>
+          <a:p>
+            <a:pPr marL="0" marR="0" indent="0" algn="l" defTabSz="1217613" rtl="0" eaLnBrk="1" fontAlgn="base" latinLnBrk="0" hangingPunct="1">
+              <a:lnSpc>
+                <a:spcPct val="90000"/>
+              </a:lnSpc>
+              <a:spcBef>
+                <a:spcPct val="30000"/>
+              </a:spcBef>
+              <a:spcAft>
+                <a:spcPts val="450"/>
+              </a:spcAft>
+              <a:buClrTx/>
+              <a:buSzTx/>
+              <a:buFontTx/>
+              <a:buNone/>
+              <a:tabLst/>
+              <a:defRPr/>
+            </a:pPr>
+            <a:endParaRPr lang="en-US" baseline="0" dirty="0" smtClean="0"/>
+          </a:p>
+          <a:p>
+            <a:pPr marL="0" marR="0" indent="0" algn="l" defTabSz="1217613" rtl="0" eaLnBrk="1" fontAlgn="base" latinLnBrk="0" hangingPunct="1">
+              <a:lnSpc>
+                <a:spcPct val="90000"/>
+              </a:lnSpc>
+              <a:spcBef>
+                <a:spcPct val="30000"/>
+              </a:spcBef>
+              <a:spcAft>
+                <a:spcPts val="450"/>
+              </a:spcAft>
+              <a:buClrTx/>
+              <a:buSzTx/>
+              <a:buFontTx/>
+              <a:buNone/>
+              <a:tabLst/>
+              <a:defRPr/>
+            </a:pPr>
+            <a:r>
+              <a:rPr lang="en-US" baseline="0" dirty="0" smtClean="0"/>
+              <a:t>       Chef Client finished, 3/3 resources updated in 03 seconds</a:t>
+            </a:r>
+          </a:p>
+          <a:p>
+            <a:pPr marL="0" marR="0" indent="0" algn="l" defTabSz="1217613" rtl="0" eaLnBrk="1" fontAlgn="base" latinLnBrk="0" hangingPunct="1">
+              <a:lnSpc>
+                <a:spcPct val="90000"/>
+              </a:lnSpc>
+              <a:spcBef>
+                <a:spcPct val="30000"/>
+              </a:spcBef>
+              <a:spcAft>
+                <a:spcPts val="450"/>
+              </a:spcAft>
+              <a:buClrTx/>
+              <a:buSzTx/>
+              <a:buFontTx/>
+              <a:buNone/>
+              <a:tabLst/>
+              <a:defRPr/>
+            </a:pPr>
+            <a:r>
+              <a:rPr lang="en-US" baseline="0" dirty="0" smtClean="0"/>
+              <a:t>       Finished converging &lt;client-centos-67&gt; (0m8.22s).</a:t>
+            </a:r>
+          </a:p>
+          <a:p>
+            <a:pPr marL="0" marR="0" indent="0" algn="l" defTabSz="1217613" rtl="0" eaLnBrk="1" fontAlgn="base" latinLnBrk="0" hangingPunct="1">
+              <a:lnSpc>
+                <a:spcPct val="90000"/>
+              </a:lnSpc>
+              <a:spcBef>
+                <a:spcPct val="30000"/>
+              </a:spcBef>
+              <a:spcAft>
+                <a:spcPts val="450"/>
+              </a:spcAft>
+              <a:buClrTx/>
+              <a:buSzTx/>
+              <a:buFontTx/>
+              <a:buNone/>
+              <a:tabLst/>
+              <a:defRPr/>
+            </a:pPr>
+            <a:endParaRPr lang="en-US" baseline="0" dirty="0" smtClean="0"/>
+          </a:p>
+        </p:txBody>
+      </p:sp>
+      <p:sp>
+        <p:nvSpPr>
+          <p:cNvPr id="4" name="Slide Number Placeholder 3"/>
+          <p:cNvSpPr>
+            <a:spLocks noGrp="1"/>
+          </p:cNvSpPr>
+          <p:nvPr>
+            <p:ph type="sldNum" sz="quarter" idx="10"/>
+          </p:nvPr>
+        </p:nvSpPr>
+        <p:spPr/>
+        <p:txBody>
+          <a:bodyPr/>
+          <a:lstStyle/>
+          <a:p>
+            <a:pPr>
+              <a:defRPr/>
+            </a:pPr>
+            <a:fld id="{DC3734AA-3150-D947-AC52-2F5DF48BFCD5}" type="slidenum">
+              <a:rPr lang="en-US" smtClean="0"/>
+              <a:pPr>
+                <a:defRPr/>
+              </a:pPr>
+              <a:t>52</a:t>
+            </a:fld>
+            <a:endParaRPr lang="en-US" dirty="0"/>
+          </a:p>
+        </p:txBody>
+      </p:sp>
+      <p:sp>
+        <p:nvSpPr>
+          <p:cNvPr id="5" name="Header Placeholder 4"/>
+          <p:cNvSpPr>
+            <a:spLocks noGrp="1"/>
+          </p:cNvSpPr>
+          <p:nvPr>
+            <p:ph type="hdr" sz="quarter" idx="11"/>
+          </p:nvPr>
+        </p:nvSpPr>
+        <p:spPr/>
+        <p:txBody>
+          <a:bodyPr/>
+          <a:lstStyle/>
+          <a:p>
+            <a:pPr>
+              <a:defRPr/>
+            </a:pPr>
+            <a:endParaRPr lang="en-US"/>
+          </a:p>
+        </p:txBody>
+      </p:sp>
+      <p:sp>
+        <p:nvSpPr>
+          <p:cNvPr id="6" name="Footer Placeholder 5"/>
+          <p:cNvSpPr>
+            <a:spLocks noGrp="1"/>
+          </p:cNvSpPr>
+          <p:nvPr>
+            <p:ph type="ftr" sz="quarter" idx="12"/>
+          </p:nvPr>
+        </p:nvSpPr>
+        <p:spPr/>
+        <p:txBody>
+          <a:bodyPr/>
+          <a:lstStyle/>
+          <a:p>
+            <a:pPr>
+              <a:defRPr/>
+            </a:pPr>
+            <a:endParaRPr lang="en-US"/>
+          </a:p>
+        </p:txBody>
+      </p:sp>
+    </p:spTree>
+    <p:extLst>
+      <p:ext uri="{BB962C8B-B14F-4D97-AF65-F5344CB8AC3E}">
+        <p14:creationId xmlns:p14="http://schemas.microsoft.com/office/powerpoint/2010/main" val="2354239035"/>
+      </p:ext>
+    </p:extLst>
+  </p:cSld>
+  <p:clrMapOvr>
+    <a:masterClrMapping/>
+  </p:clrMapOvr>
+</p:notes>
+</file>
+
+<file path=ppt/notesSlides/notesSlide45.xml><?xml version="1.0" encoding="utf-8"?>
+<p:notes xmlns:a="http://schemas.openxmlformats.org/drawingml/2006/main" xmlns:r="http://schemas.openxmlformats.org/officeDocument/2006/relationships" xmlns:p="http://schemas.openxmlformats.org/presentationml/2006/main">
+  <p:cSld>
+    <p:spTree>
+      <p:nvGrpSpPr>
+        <p:cNvPr id="1" name=""/>
+        <p:cNvGrpSpPr/>
+        <p:nvPr/>
+      </p:nvGrpSpPr>
+      <p:grpSpPr>
+        <a:xfrm>
+          <a:off x="0" y="0"/>
+          <a:ext cx="0" cy="0"/>
+          <a:chOff x="0" y="0"/>
+          <a:chExt cx="0" cy="0"/>
+        </a:xfrm>
+      </p:grpSpPr>
+      <p:sp>
+        <p:nvSpPr>
+          <p:cNvPr id="2" name="Slide Image Placeholder 1"/>
+          <p:cNvSpPr>
+            <a:spLocks noGrp="1" noRot="1" noChangeAspect="1"/>
+          </p:cNvSpPr>
+          <p:nvPr>
+            <p:ph type="sldImg"/>
+          </p:nvPr>
+        </p:nvSpPr>
+        <p:spPr/>
+      </p:sp>
+      <p:sp>
+        <p:nvSpPr>
+          <p:cNvPr id="3" name="Notes Placeholder 2"/>
+          <p:cNvSpPr>
+            <a:spLocks noGrp="1"/>
+          </p:cNvSpPr>
+          <p:nvPr>
+            <p:ph type="body" idx="1"/>
+          </p:nvPr>
+        </p:nvSpPr>
+        <p:spPr/>
+        <p:txBody>
+          <a:bodyPr>
+            <a:normAutofit/>
+          </a:bodyPr>
+          <a:lstStyle/>
+          <a:p>
+            <a:pPr marL="0" marR="0" indent="0" algn="l" defTabSz="1217613" rtl="0" eaLnBrk="1" fontAlgn="base" latinLnBrk="0" hangingPunct="1">
+              <a:lnSpc>
+                <a:spcPct val="90000"/>
+              </a:lnSpc>
+              <a:spcBef>
+                <a:spcPct val="30000"/>
+              </a:spcBef>
+              <a:spcAft>
+                <a:spcPts val="450"/>
+              </a:spcAft>
+              <a:buClrTx/>
+              <a:buSzTx/>
+              <a:buFontTx/>
+              <a:buNone/>
+              <a:tabLst/>
+              <a:defRPr/>
+            </a:pPr>
+            <a:r>
+              <a:rPr lang="en-US" dirty="0" smtClean="0"/>
+              <a:t>Now we</a:t>
+            </a:r>
+            <a:r>
+              <a:rPr lang="en-US" baseline="0" dirty="0" smtClean="0"/>
+              <a:t> need to actually apply the change to the node. We'll do this using </a:t>
+            </a:r>
+            <a:r>
+              <a:rPr lang="en-US" dirty="0" smtClean="0"/>
+              <a:t>chef-client in local mode. You should then see that only Protocol version 2 is currently set</a:t>
+            </a:r>
+            <a:r>
+              <a:rPr lang="en-US" baseline="0" dirty="0" smtClean="0"/>
+              <a:t> on the node. </a:t>
+            </a:r>
+            <a:endParaRPr lang="en-US" dirty="0" smtClean="0"/>
+          </a:p>
+          <a:p>
+            <a:pPr marL="0" marR="0" indent="0" algn="l" defTabSz="1217613" rtl="0" eaLnBrk="1" fontAlgn="base" latinLnBrk="0" hangingPunct="1">
+              <a:lnSpc>
+                <a:spcPct val="90000"/>
+              </a:lnSpc>
+              <a:spcBef>
+                <a:spcPct val="30000"/>
+              </a:spcBef>
+              <a:spcAft>
+                <a:spcPts val="450"/>
+              </a:spcAft>
+              <a:buClrTx/>
+              <a:buSzTx/>
+              <a:buFontTx/>
+              <a:buNone/>
+              <a:tabLst/>
+              <a:defRPr/>
+            </a:pPr>
+            <a:endParaRPr lang="en-US" dirty="0" smtClean="0"/>
+          </a:p>
+          <a:p>
+            <a:pPr marL="0" marR="0" indent="0" algn="l" defTabSz="1217613" rtl="0" eaLnBrk="1" fontAlgn="base" latinLnBrk="0" hangingPunct="1">
+              <a:lnSpc>
+                <a:spcPct val="90000"/>
+              </a:lnSpc>
+              <a:spcBef>
+                <a:spcPct val="30000"/>
+              </a:spcBef>
+              <a:spcAft>
+                <a:spcPts val="450"/>
+              </a:spcAft>
+              <a:buClrTx/>
+              <a:buSzTx/>
+              <a:buFontTx/>
+              <a:buNone/>
+              <a:tabLst/>
+              <a:defRPr/>
+            </a:pPr>
+            <a:r>
+              <a:rPr lang="en-US" dirty="0" smtClean="0"/>
+              <a:t>Of course</a:t>
+            </a:r>
+            <a:r>
+              <a:rPr lang="en-US" baseline="0" dirty="0" smtClean="0"/>
+              <a:t> in a production environment chef-client would most likely be set to run automatically to download and converge these changes from Chef Server.</a:t>
+            </a:r>
+          </a:p>
+          <a:p>
+            <a:pPr marL="0" marR="0" indent="0" algn="l" defTabSz="1217613" rtl="0" eaLnBrk="1" fontAlgn="base" latinLnBrk="0" hangingPunct="1">
+              <a:lnSpc>
+                <a:spcPct val="90000"/>
+              </a:lnSpc>
+              <a:spcBef>
+                <a:spcPct val="30000"/>
+              </a:spcBef>
+              <a:spcAft>
+                <a:spcPts val="450"/>
+              </a:spcAft>
+              <a:buClrTx/>
+              <a:buSzTx/>
+              <a:buFontTx/>
+              <a:buNone/>
+              <a:tabLst/>
+              <a:defRPr/>
+            </a:pPr>
+            <a:endParaRPr lang="en-US" baseline="0" dirty="0" smtClean="0"/>
+          </a:p>
+          <a:p>
+            <a:pPr marL="0" marR="0" indent="0" algn="l" defTabSz="1217613" rtl="0" eaLnBrk="1" fontAlgn="base" latinLnBrk="0" hangingPunct="1">
+              <a:lnSpc>
+                <a:spcPct val="90000"/>
+              </a:lnSpc>
+              <a:spcBef>
+                <a:spcPct val="30000"/>
+              </a:spcBef>
+              <a:spcAft>
+                <a:spcPts val="450"/>
+              </a:spcAft>
+              <a:buClrTx/>
+              <a:buSzTx/>
+              <a:buFontTx/>
+              <a:buNone/>
+              <a:tabLst/>
+              <a:defRPr/>
+            </a:pPr>
+            <a:endParaRPr lang="en-US" baseline="0" dirty="0" smtClean="0"/>
+          </a:p>
+        </p:txBody>
+      </p:sp>
+      <p:sp>
+        <p:nvSpPr>
+          <p:cNvPr id="4" name="Slide Number Placeholder 3"/>
+          <p:cNvSpPr>
+            <a:spLocks noGrp="1"/>
+          </p:cNvSpPr>
+          <p:nvPr>
+            <p:ph type="sldNum" sz="quarter" idx="10"/>
+          </p:nvPr>
+        </p:nvSpPr>
+        <p:spPr/>
+        <p:txBody>
+          <a:bodyPr/>
+          <a:lstStyle/>
+          <a:p>
+            <a:pPr>
+              <a:defRPr/>
+            </a:pPr>
+            <a:fld id="{DC3734AA-3150-D947-AC52-2F5DF48BFCD5}" type="slidenum">
+              <a:rPr lang="en-US" smtClean="0"/>
+              <a:pPr>
+                <a:defRPr/>
+              </a:pPr>
+              <a:t>53</a:t>
+            </a:fld>
+            <a:endParaRPr lang="en-US" dirty="0"/>
+          </a:p>
+        </p:txBody>
+      </p:sp>
+      <p:sp>
+        <p:nvSpPr>
+          <p:cNvPr id="5" name="Header Placeholder 4"/>
+          <p:cNvSpPr>
+            <a:spLocks noGrp="1"/>
+          </p:cNvSpPr>
+          <p:nvPr>
+            <p:ph type="hdr" sz="quarter" idx="11"/>
+          </p:nvPr>
+        </p:nvSpPr>
+        <p:spPr/>
+        <p:txBody>
+          <a:bodyPr/>
+          <a:lstStyle/>
+          <a:p>
+            <a:pPr>
+              <a:defRPr/>
+            </a:pPr>
+            <a:endParaRPr lang="en-US"/>
+          </a:p>
+        </p:txBody>
+      </p:sp>
+      <p:sp>
+        <p:nvSpPr>
+          <p:cNvPr id="6" name="Footer Placeholder 5"/>
+          <p:cNvSpPr>
+            <a:spLocks noGrp="1"/>
+          </p:cNvSpPr>
+          <p:nvPr>
+            <p:ph type="ftr" sz="quarter" idx="12"/>
+          </p:nvPr>
+        </p:nvSpPr>
+        <p:spPr/>
+        <p:txBody>
+          <a:bodyPr/>
+          <a:lstStyle/>
+          <a:p>
+            <a:pPr>
+              <a:defRPr/>
+            </a:pPr>
+            <a:endParaRPr lang="en-US"/>
+          </a:p>
+        </p:txBody>
+      </p:sp>
+    </p:spTree>
+    <p:extLst>
+      <p:ext uri="{BB962C8B-B14F-4D97-AF65-F5344CB8AC3E}">
+        <p14:creationId xmlns:p14="http://schemas.microsoft.com/office/powerpoint/2010/main" val="67414775"/>
+      </p:ext>
+    </p:extLst>
+  </p:cSld>
+  <p:clrMapOvr>
+    <a:masterClrMapping/>
+  </p:clrMapOvr>
+</p:notes>
+</file>
+
+<file path=ppt/notesSlides/notesSlide46.xml><?xml version="1.0" encoding="utf-8"?>
+<p:notes xmlns:a="http://schemas.openxmlformats.org/drawingml/2006/main" xmlns:r="http://schemas.openxmlformats.org/officeDocument/2006/relationships" xmlns:p="http://schemas.openxmlformats.org/presentationml/2006/main">
+  <p:cSld>
+    <p:spTree>
+      <p:nvGrpSpPr>
+        <p:cNvPr id="1" name=""/>
+        <p:cNvGrpSpPr/>
+        <p:nvPr/>
+      </p:nvGrpSpPr>
+      <p:grpSpPr>
+        <a:xfrm>
+          <a:off x="0" y="0"/>
+          <a:ext cx="0" cy="0"/>
+          <a:chOff x="0" y="0"/>
+          <a:chExt cx="0" cy="0"/>
+        </a:xfrm>
+      </p:grpSpPr>
+      <p:sp>
+        <p:nvSpPr>
+          <p:cNvPr id="2" name="Slide Image Placeholder 1"/>
+          <p:cNvSpPr>
+            <a:spLocks noGrp="1" noRot="1" noChangeAspect="1"/>
+          </p:cNvSpPr>
+          <p:nvPr>
+            <p:ph type="sldImg"/>
+          </p:nvPr>
+        </p:nvSpPr>
+        <p:spPr/>
+      </p:sp>
+      <p:sp>
+        <p:nvSpPr>
+          <p:cNvPr id="3" name="Notes Placeholder 2"/>
+          <p:cNvSpPr>
+            <a:spLocks noGrp="1"/>
+          </p:cNvSpPr>
+          <p:nvPr>
+            <p:ph type="body" idx="1"/>
+          </p:nvPr>
+        </p:nvSpPr>
+        <p:spPr/>
+        <p:txBody>
+          <a:bodyPr/>
+          <a:lstStyle/>
+          <a:p>
+            <a:pPr marL="0" marR="0" indent="0" algn="l" defTabSz="1217613" rtl="0" eaLnBrk="1" fontAlgn="base" latinLnBrk="0" hangingPunct="1">
+              <a:lnSpc>
+                <a:spcPct val="90000"/>
+              </a:lnSpc>
+              <a:spcBef>
+                <a:spcPct val="30000"/>
+              </a:spcBef>
+              <a:spcAft>
+                <a:spcPts val="450"/>
+              </a:spcAft>
+              <a:buClrTx/>
+              <a:buSzTx/>
+              <a:buFontTx/>
+              <a:buNone/>
+              <a:tabLst/>
+              <a:defRPr/>
+            </a:pPr>
+            <a:endParaRPr lang="en-US" dirty="0"/>
+          </a:p>
+        </p:txBody>
+      </p:sp>
+      <p:sp>
+        <p:nvSpPr>
+          <p:cNvPr id="4" name="Slide Number Placeholder 3"/>
+          <p:cNvSpPr>
+            <a:spLocks noGrp="1"/>
+          </p:cNvSpPr>
+          <p:nvPr>
+            <p:ph type="sldNum" sz="quarter" idx="10"/>
+          </p:nvPr>
+        </p:nvSpPr>
+        <p:spPr/>
+        <p:txBody>
+          <a:bodyPr/>
+          <a:lstStyle/>
+          <a:p>
+            <a:pPr>
+              <a:defRPr/>
+            </a:pPr>
+            <a:fld id="{DC3734AA-3150-D947-AC52-2F5DF48BFCD5}" type="slidenum">
+              <a:rPr lang="en-US" smtClean="0"/>
+              <a:pPr>
+                <a:defRPr/>
+              </a:pPr>
+              <a:t>54</a:t>
+            </a:fld>
+            <a:endParaRPr lang="en-US" dirty="0"/>
+          </a:p>
+        </p:txBody>
+      </p:sp>
+      <p:sp>
+        <p:nvSpPr>
+          <p:cNvPr id="5" name="Header Placeholder 4"/>
+          <p:cNvSpPr>
+            <a:spLocks noGrp="1"/>
+          </p:cNvSpPr>
+          <p:nvPr>
+            <p:ph type="hdr" sz="quarter" idx="11"/>
+          </p:nvPr>
+        </p:nvSpPr>
+        <p:spPr/>
+        <p:txBody>
+          <a:bodyPr/>
+          <a:lstStyle/>
+          <a:p>
+            <a:pPr>
+              <a:defRPr/>
+            </a:pPr>
+            <a:endParaRPr lang="en-US"/>
+          </a:p>
+        </p:txBody>
+      </p:sp>
+      <p:sp>
+        <p:nvSpPr>
+          <p:cNvPr id="6" name="Footer Placeholder 5"/>
+          <p:cNvSpPr>
+            <a:spLocks noGrp="1"/>
+          </p:cNvSpPr>
+          <p:nvPr>
+            <p:ph type="ftr" sz="quarter" idx="12"/>
+          </p:nvPr>
+        </p:nvSpPr>
+        <p:spPr/>
+        <p:txBody>
+          <a:bodyPr/>
+          <a:lstStyle/>
+          <a:p>
+            <a:pPr>
+              <a:defRPr/>
+            </a:pPr>
+            <a:endParaRPr lang="en-US"/>
+          </a:p>
+        </p:txBody>
+      </p:sp>
+    </p:spTree>
+    <p:extLst>
+      <p:ext uri="{BB962C8B-B14F-4D97-AF65-F5344CB8AC3E}">
+        <p14:creationId xmlns:p14="http://schemas.microsoft.com/office/powerpoint/2010/main" val="903931591"/>
+      </p:ext>
+    </p:extLst>
+  </p:cSld>
+  <p:clrMapOvr>
+    <a:masterClrMapping/>
+  </p:clrMapOvr>
+</p:notes>
+</file>
+
+<file path=ppt/notesSlides/notesSlide47.xml><?xml version="1.0" encoding="utf-8"?>
+<p:notes xmlns:a="http://schemas.openxmlformats.org/drawingml/2006/main" xmlns:r="http://schemas.openxmlformats.org/officeDocument/2006/relationships" xmlns:p="http://schemas.openxmlformats.org/presentationml/2006/main">
+  <p:cSld>
+    <p:spTree>
+      <p:nvGrpSpPr>
+        <p:cNvPr id="1" name=""/>
+        <p:cNvGrpSpPr/>
+        <p:nvPr/>
+      </p:nvGrpSpPr>
+      <p:grpSpPr>
+        <a:xfrm>
+          <a:off x="0" y="0"/>
+          <a:ext cx="0" cy="0"/>
+          <a:chOff x="0" y="0"/>
+          <a:chExt cx="0" cy="0"/>
+        </a:xfrm>
+      </p:grpSpPr>
+      <p:sp>
+        <p:nvSpPr>
+          <p:cNvPr id="2" name="Slide Image Placeholder 1"/>
+          <p:cNvSpPr>
+            <a:spLocks noGrp="1" noRot="1" noChangeAspect="1"/>
+          </p:cNvSpPr>
+          <p:nvPr>
+            <p:ph type="sldImg"/>
+          </p:nvPr>
+        </p:nvSpPr>
+        <p:spPr/>
+      </p:sp>
+      <p:sp>
+        <p:nvSpPr>
+          <p:cNvPr id="3" name="Notes Placeholder 2"/>
+          <p:cNvSpPr>
+            <a:spLocks noGrp="1"/>
+          </p:cNvSpPr>
+          <p:nvPr>
+            <p:ph type="body" idx="1"/>
+          </p:nvPr>
+        </p:nvSpPr>
+        <p:spPr/>
+        <p:txBody>
+          <a:bodyPr/>
+          <a:lstStyle/>
+          <a:p>
+            <a:pPr marL="0" marR="0" indent="0" algn="l" defTabSz="1217613" rtl="0" eaLnBrk="1" fontAlgn="base" latinLnBrk="0" hangingPunct="1">
+              <a:lnSpc>
+                <a:spcPct val="90000"/>
+              </a:lnSpc>
+              <a:spcBef>
+                <a:spcPct val="30000"/>
+              </a:spcBef>
+              <a:spcAft>
+                <a:spcPts val="450"/>
+              </a:spcAft>
+              <a:buClrTx/>
+              <a:buSzTx/>
+              <a:buFontTx/>
+              <a:buNone/>
+              <a:tabLst/>
+              <a:defRPr/>
+            </a:pPr>
+            <a:endParaRPr lang="en-US" dirty="0"/>
+          </a:p>
+        </p:txBody>
+      </p:sp>
+      <p:sp>
+        <p:nvSpPr>
+          <p:cNvPr id="4" name="Slide Number Placeholder 3"/>
+          <p:cNvSpPr>
+            <a:spLocks noGrp="1"/>
+          </p:cNvSpPr>
+          <p:nvPr>
+            <p:ph type="sldNum" sz="quarter" idx="10"/>
+          </p:nvPr>
+        </p:nvSpPr>
+        <p:spPr/>
+        <p:txBody>
+          <a:bodyPr/>
+          <a:lstStyle/>
+          <a:p>
+            <a:pPr>
+              <a:defRPr/>
+            </a:pPr>
+            <a:fld id="{DC3734AA-3150-D947-AC52-2F5DF48BFCD5}" type="slidenum">
+              <a:rPr lang="en-US" smtClean="0"/>
+              <a:pPr>
+                <a:defRPr/>
+              </a:pPr>
+              <a:t>55</a:t>
+            </a:fld>
+            <a:endParaRPr lang="en-US" dirty="0"/>
+          </a:p>
+        </p:txBody>
+      </p:sp>
+      <p:sp>
+        <p:nvSpPr>
+          <p:cNvPr id="5" name="Header Placeholder 4"/>
+          <p:cNvSpPr>
+            <a:spLocks noGrp="1"/>
+          </p:cNvSpPr>
+          <p:nvPr>
+            <p:ph type="hdr" sz="quarter" idx="11"/>
+          </p:nvPr>
+        </p:nvSpPr>
+        <p:spPr/>
+        <p:txBody>
+          <a:bodyPr/>
+          <a:lstStyle/>
+          <a:p>
+            <a:pPr>
+              <a:defRPr/>
+            </a:pPr>
+            <a:endParaRPr lang="en-US"/>
+          </a:p>
+        </p:txBody>
+      </p:sp>
+      <p:sp>
+        <p:nvSpPr>
+          <p:cNvPr id="6" name="Footer Placeholder 5"/>
+          <p:cNvSpPr>
+            <a:spLocks noGrp="1"/>
+          </p:cNvSpPr>
+          <p:nvPr>
+            <p:ph type="ftr" sz="quarter" idx="12"/>
+          </p:nvPr>
+        </p:nvSpPr>
+        <p:spPr/>
+        <p:txBody>
+          <a:bodyPr/>
+          <a:lstStyle/>
+          <a:p>
+            <a:pPr>
+              <a:defRPr/>
+            </a:pPr>
+            <a:endParaRPr lang="en-US"/>
+          </a:p>
+        </p:txBody>
+      </p:sp>
+    </p:spTree>
+    <p:extLst>
+      <p:ext uri="{BB962C8B-B14F-4D97-AF65-F5344CB8AC3E}">
+        <p14:creationId xmlns:p14="http://schemas.microsoft.com/office/powerpoint/2010/main" val="2126077804"/>
+      </p:ext>
+    </p:extLst>
+  </p:cSld>
+  <p:clrMapOvr>
+    <a:masterClrMapping/>
+  </p:clrMapOvr>
+</p:notes>
+</file>
+
+<file path=ppt/notesSlides/notesSlide48.xml><?xml version="1.0" encoding="utf-8"?>
+<p:notes xmlns:a="http://schemas.openxmlformats.org/drawingml/2006/main" xmlns:r="http://schemas.openxmlformats.org/officeDocument/2006/relationships" xmlns:p="http://schemas.openxmlformats.org/presentationml/2006/main">
+  <p:cSld>
+    <p:spTree>
+      <p:nvGrpSpPr>
+        <p:cNvPr id="1" name=""/>
+        <p:cNvGrpSpPr/>
+        <p:nvPr/>
+      </p:nvGrpSpPr>
+      <p:grpSpPr>
+        <a:xfrm>
+          <a:off x="0" y="0"/>
+          <a:ext cx="0" cy="0"/>
+          <a:chOff x="0" y="0"/>
+          <a:chExt cx="0" cy="0"/>
+        </a:xfrm>
+      </p:grpSpPr>
+      <p:sp>
+        <p:nvSpPr>
+          <p:cNvPr id="2" name="Slide Image Placeholder 1"/>
+          <p:cNvSpPr>
+            <a:spLocks noGrp="1" noRot="1" noChangeAspect="1"/>
+          </p:cNvSpPr>
+          <p:nvPr>
+            <p:ph type="sldImg"/>
+          </p:nvPr>
+        </p:nvSpPr>
+        <p:spPr/>
+      </p:sp>
+      <p:sp>
+        <p:nvSpPr>
+          <p:cNvPr id="3" name="Notes Placeholder 2"/>
+          <p:cNvSpPr>
+            <a:spLocks noGrp="1"/>
+          </p:cNvSpPr>
+          <p:nvPr>
+            <p:ph type="body" idx="1"/>
+          </p:nvPr>
+        </p:nvSpPr>
+        <p:spPr/>
+        <p:txBody>
+          <a:bodyPr/>
+          <a:lstStyle/>
+          <a:p>
+            <a:pPr marL="0" marR="0" indent="0" algn="l" defTabSz="1217613" rtl="0" eaLnBrk="1" fontAlgn="base" latinLnBrk="0" hangingPunct="1">
+              <a:lnSpc>
+                <a:spcPct val="90000"/>
+              </a:lnSpc>
+              <a:spcBef>
+                <a:spcPct val="30000"/>
+              </a:spcBef>
+              <a:spcAft>
+                <a:spcPts val="450"/>
+              </a:spcAft>
+              <a:buClrTx/>
+              <a:buSzTx/>
+              <a:buFontTx/>
+              <a:buNone/>
+              <a:tabLst/>
+              <a:defRPr/>
+            </a:pPr>
+            <a:endParaRPr lang="en-US" dirty="0"/>
+          </a:p>
+        </p:txBody>
+      </p:sp>
+      <p:sp>
+        <p:nvSpPr>
+          <p:cNvPr id="4" name="Slide Number Placeholder 3"/>
+          <p:cNvSpPr>
+            <a:spLocks noGrp="1"/>
+          </p:cNvSpPr>
+          <p:nvPr>
+            <p:ph type="sldNum" sz="quarter" idx="10"/>
+          </p:nvPr>
+        </p:nvSpPr>
+        <p:spPr/>
+        <p:txBody>
+          <a:bodyPr/>
+          <a:lstStyle/>
+          <a:p>
+            <a:pPr>
+              <a:defRPr/>
+            </a:pPr>
+            <a:fld id="{DC3734AA-3150-D947-AC52-2F5DF48BFCD5}" type="slidenum">
+              <a:rPr lang="en-US" smtClean="0"/>
+              <a:pPr>
+                <a:defRPr/>
+              </a:pPr>
+              <a:t>56</a:t>
             </a:fld>
             <a:endParaRPr lang="en-US" dirty="0"/>
           </a:p>
@@ -8939,14 +10695,14 @@
           </a:ln>
           <a:extLst>
             <a:ext uri="{909E8E84-426E-40dd-AFC4-6F175D3DCCD1}">
-              <a14:hiddenFill xmlns="" xmlns:a14="http://schemas.microsoft.com/office/drawing/2010/main">
+              <a14:hiddenFill xmlns:a14="http://schemas.microsoft.com/office/drawing/2010/main" xmlns="">
                 <a:solidFill>
                   <a:srgbClr val="FFFFFF"/>
                 </a:solidFill>
               </a14:hiddenFill>
             </a:ext>
             <a:ext uri="{91240B29-F687-4f45-9708-019B960494DF}">
-              <a14:hiddenLine xmlns="" xmlns:a14="http://schemas.microsoft.com/office/drawing/2010/main" w="9525">
+              <a14:hiddenLine xmlns:a14="http://schemas.microsoft.com/office/drawing/2010/main" xmlns="" w="9525">
                 <a:solidFill>
                   <a:srgbClr val="000000"/>
                 </a:solidFill>
@@ -9094,14 +10850,14 @@
           </a:ln>
           <a:extLst>
             <a:ext uri="{909E8E84-426E-40dd-AFC4-6F175D3DCCD1}">
-              <a14:hiddenFill xmlns="" xmlns:a14="http://schemas.microsoft.com/office/drawing/2010/main">
+              <a14:hiddenFill xmlns:a14="http://schemas.microsoft.com/office/drawing/2010/main" xmlns="">
                 <a:solidFill>
                   <a:srgbClr val="FFFFFF"/>
                 </a:solidFill>
               </a14:hiddenFill>
             </a:ext>
             <a:ext uri="{91240B29-F687-4f45-9708-019B960494DF}">
-              <a14:hiddenLine xmlns="" xmlns:a14="http://schemas.microsoft.com/office/drawing/2010/main" w="9525">
+              <a14:hiddenLine xmlns:a14="http://schemas.microsoft.com/office/drawing/2010/main" xmlns="" w="9525">
                 <a:solidFill>
                   <a:srgbClr val="000000"/>
                 </a:solidFill>
@@ -9592,14 +11348,14 @@
           </a:ln>
           <a:extLst>
             <a:ext uri="{909E8E84-426E-40dd-AFC4-6F175D3DCCD1}">
-              <a14:hiddenFill xmlns="" xmlns:a14="http://schemas.microsoft.com/office/drawing/2010/main">
+              <a14:hiddenFill xmlns:a14="http://schemas.microsoft.com/office/drawing/2010/main" xmlns="">
                 <a:solidFill>
                   <a:srgbClr val="FFFFFF"/>
                 </a:solidFill>
               </a14:hiddenFill>
             </a:ext>
             <a:ext uri="{91240B29-F687-4f45-9708-019B960494DF}">
-              <a14:hiddenLine xmlns="" xmlns:a14="http://schemas.microsoft.com/office/drawing/2010/main" w="9525">
+              <a14:hiddenLine xmlns:a14="http://schemas.microsoft.com/office/drawing/2010/main" xmlns="" w="9525">
                 <a:solidFill>
                   <a:srgbClr val="000000"/>
                 </a:solidFill>
@@ -9838,14 +11594,14 @@
           </a:ln>
           <a:extLst>
             <a:ext uri="{909E8E84-426E-40dd-AFC4-6F175D3DCCD1}">
-              <a14:hiddenFill xmlns="" xmlns:a14="http://schemas.microsoft.com/office/drawing/2010/main">
+              <a14:hiddenFill xmlns:a14="http://schemas.microsoft.com/office/drawing/2010/main" xmlns="">
                 <a:solidFill>
                   <a:srgbClr val="FFFFFF"/>
                 </a:solidFill>
               </a14:hiddenFill>
             </a:ext>
             <a:ext uri="{91240B29-F687-4f45-9708-019B960494DF}">
-              <a14:hiddenLine xmlns="" xmlns:a14="http://schemas.microsoft.com/office/drawing/2010/main" w="9525">
+              <a14:hiddenLine xmlns:a14="http://schemas.microsoft.com/office/drawing/2010/main" xmlns="" w="9525">
                 <a:solidFill>
                   <a:srgbClr val="000000"/>
                 </a:solidFill>
@@ -11773,14 +13529,14 @@
           </a:ln>
           <a:extLst>
             <a:ext uri="{909E8E84-426E-40dd-AFC4-6F175D3DCCD1}">
-              <a14:hiddenFill xmlns="" xmlns:a14="http://schemas.microsoft.com/office/drawing/2010/main">
+              <a14:hiddenFill xmlns:a14="http://schemas.microsoft.com/office/drawing/2010/main" xmlns="">
                 <a:solidFill>
                   <a:srgbClr val="FFFFFF"/>
                 </a:solidFill>
               </a14:hiddenFill>
             </a:ext>
             <a:ext uri="{91240B29-F687-4f45-9708-019B960494DF}">
-              <a14:hiddenLine xmlns="" xmlns:a14="http://schemas.microsoft.com/office/drawing/2010/main" w="9525">
+              <a14:hiddenLine xmlns:a14="http://schemas.microsoft.com/office/drawing/2010/main" xmlns="" w="9525">
                 <a:solidFill>
                   <a:srgbClr val="000000"/>
                 </a:solidFill>
@@ -13314,14 +15070,14 @@
           </a:ln>
           <a:extLst>
             <a:ext uri="{909E8E84-426E-40dd-AFC4-6F175D3DCCD1}">
-              <a14:hiddenFill xmlns="" xmlns:a14="http://schemas.microsoft.com/office/drawing/2010/main">
+              <a14:hiddenFill xmlns:a14="http://schemas.microsoft.com/office/drawing/2010/main" xmlns="">
                 <a:solidFill>
                   <a:srgbClr val="FFFFFF"/>
                 </a:solidFill>
               </a14:hiddenFill>
             </a:ext>
             <a:ext uri="{91240B29-F687-4f45-9708-019B960494DF}">
-              <a14:hiddenLine xmlns="" xmlns:a14="http://schemas.microsoft.com/office/drawing/2010/main" w="9525">
+              <a14:hiddenLine xmlns:a14="http://schemas.microsoft.com/office/drawing/2010/main" xmlns="" w="9525">
                 <a:solidFill>
                   <a:srgbClr val="000000"/>
                 </a:solidFill>
@@ -13879,14 +15635,14 @@
           </a:ln>
           <a:extLst>
             <a:ext uri="{909E8E84-426E-40dd-AFC4-6F175D3DCCD1}">
-              <a14:hiddenFill xmlns="" xmlns:a14="http://schemas.microsoft.com/office/drawing/2010/main">
+              <a14:hiddenFill xmlns:a14="http://schemas.microsoft.com/office/drawing/2010/main" xmlns="">
                 <a:solidFill>
                   <a:srgbClr val="FFFFFF"/>
                 </a:solidFill>
               </a14:hiddenFill>
             </a:ext>
             <a:ext uri="{91240B29-F687-4f45-9708-019B960494DF}">
-              <a14:hiddenLine xmlns="" xmlns:a14="http://schemas.microsoft.com/office/drawing/2010/main" w="9525">
+              <a14:hiddenLine xmlns:a14="http://schemas.microsoft.com/office/drawing/2010/main" xmlns="" w="9525">
                 <a:solidFill>
                   <a:srgbClr val="000000"/>
                 </a:solidFill>
@@ -14453,14 +16209,14 @@
           </a:ln>
           <a:extLst>
             <a:ext uri="{909E8E84-426E-40dd-AFC4-6F175D3DCCD1}">
-              <a14:hiddenFill xmlns="" xmlns:a14="http://schemas.microsoft.com/office/drawing/2010/main">
+              <a14:hiddenFill xmlns:a14="http://schemas.microsoft.com/office/drawing/2010/main" xmlns="">
                 <a:solidFill>
                   <a:srgbClr val="FFFFFF"/>
                 </a:solidFill>
               </a14:hiddenFill>
             </a:ext>
             <a:ext uri="{91240B29-F687-4f45-9708-019B960494DF}">
-              <a14:hiddenLine xmlns="" xmlns:a14="http://schemas.microsoft.com/office/drawing/2010/main" w="9525">
+              <a14:hiddenLine xmlns:a14="http://schemas.microsoft.com/office/drawing/2010/main" xmlns="" w="9525">
                 <a:solidFill>
                   <a:srgbClr val="000000"/>
                 </a:solidFill>
@@ -15400,14 +17156,14 @@
           </a:ln>
           <a:extLst>
             <a:ext uri="{909E8E84-426E-40dd-AFC4-6F175D3DCCD1}">
-              <a14:hiddenFill xmlns="" xmlns:a14="http://schemas.microsoft.com/office/drawing/2010/main">
+              <a14:hiddenFill xmlns:a14="http://schemas.microsoft.com/office/drawing/2010/main" xmlns="">
                 <a:solidFill>
                   <a:srgbClr val="FFFFFF"/>
                 </a:solidFill>
               </a14:hiddenFill>
             </a:ext>
             <a:ext uri="{91240B29-F687-4f45-9708-019B960494DF}">
-              <a14:hiddenLine xmlns="" xmlns:a14="http://schemas.microsoft.com/office/drawing/2010/main" w="9525">
+              <a14:hiddenLine xmlns:a14="http://schemas.microsoft.com/office/drawing/2010/main" xmlns="" w="9525">
                 <a:solidFill>
                   <a:srgbClr val="000000"/>
                 </a:solidFill>
@@ -15495,7 +17251,7 @@
                 <a:ea typeface="+mn-ea"/>
                 <a:cs typeface="+mn-cs"/>
               </a:rPr>
-              <a:t>©2016 </a:t>
+              <a:t>©2036 </a:t>
             </a:r>
             <a:r>
               <a:rPr lang="en-US" dirty="0">
@@ -16160,14 +17916,14 @@
           </a:ln>
           <a:extLst>
             <a:ext uri="{909E8E84-426E-40dd-AFC4-6F175D3DCCD1}">
-              <a14:hiddenFill xmlns="" xmlns:a14="http://schemas.microsoft.com/office/drawing/2010/main">
+              <a14:hiddenFill xmlns:a14="http://schemas.microsoft.com/office/drawing/2010/main" xmlns="">
                 <a:solidFill>
                   <a:srgbClr val="FFFFFF"/>
                 </a:solidFill>
               </a14:hiddenFill>
             </a:ext>
             <a:ext uri="{91240B29-F687-4f45-9708-019B960494DF}">
-              <a14:hiddenLine xmlns="" xmlns:a14="http://schemas.microsoft.com/office/drawing/2010/main" w="9525">
+              <a14:hiddenLine xmlns:a14="http://schemas.microsoft.com/office/drawing/2010/main" xmlns="" w="9525">
                 <a:solidFill>
                   <a:srgbClr val="000000"/>
                 </a:solidFill>
@@ -16255,7 +18011,7 @@
                 <a:ea typeface="+mn-ea"/>
                 <a:cs typeface="+mn-cs"/>
               </a:rPr>
-              <a:t>©2016 </a:t>
+              <a:t>©2036 </a:t>
             </a:r>
             <a:r>
               <a:rPr lang="en-US" dirty="0">
@@ -16326,7 +18082,7 @@
               <a:defRPr/>
             </a:pPr>
             <a:r>
-              <a:rPr lang="en-US" dirty="0">
+              <a:rPr lang="en-US" dirty="0" smtClean="0">
                 <a:solidFill>
                   <a:srgbClr val="7F7F7F"/>
                 </a:solidFill>
@@ -16334,7 +18090,7 @@
                 <a:ea typeface="+mn-ea"/>
                 <a:cs typeface="+mn-cs"/>
               </a:rPr>
-              <a:t>1-</a:t>
+              <a:t>3-</a:t>
             </a:r>
             <a:fld id="{F0B79B2F-E1DD-4D43-95B3-EA08C411D807}" type="slidenum">
               <a:rPr lang="en-US">
@@ -17251,6 +19007,15 @@
               <a:rPr lang="en-US" dirty="0" smtClean="0"/>
               <a:t>You could also add nodes in bulk by separating each hostname or IP address with a comma or a space, as shown in this illustration.</a:t>
             </a:r>
+          </a:p>
+          <a:p>
+            <a:endParaRPr lang="en-US" dirty="0"/>
+          </a:p>
+          <a:p>
+            <a:r>
+              <a:rPr lang="en-US" dirty="0" smtClean="0"/>
+              <a:t>TBD- add note about bulk loading via API</a:t>
+            </a:r>
             <a:endParaRPr lang="en-US" dirty="0"/>
           </a:p>
           <a:p>
@@ -17637,6 +19402,13 @@
   <p:transition spd="med">
     <p:fade/>
   </p:transition>
+  <p:timing>
+    <p:tnLst>
+      <p:par>
+        <p:cTn id="1" dur="indefinite" restart="never" nodeType="tmRoot"/>
+      </p:par>
+    </p:tnLst>
+  </p:timing>
 </p:sld>
 </file>
 
@@ -18542,7 +20314,7 @@
           <a:p>
             <a:r>
               <a:rPr lang="en-US" dirty="0" smtClean="0"/>
-              <a:t>Notice how in the upper Summary section in this example, 10 tests were compliant and 6 tests show critical issues with ssh.</a:t>
+              <a:t>Notice how in the upper Summary section in this example, 30 tests were compliant and 6 tests show critical issues with ssh.</a:t>
             </a:r>
           </a:p>
           <a:p>
@@ -18904,7 +20676,12 @@
             <p:ph type="body" sz="quarter" idx="12"/>
           </p:nvPr>
         </p:nvSpPr>
-        <p:spPr/>
+        <p:spPr>
+          <a:xfrm>
+            <a:off x="646176" y="1167981"/>
+            <a:ext cx="14898624" cy="5345953"/>
+          </a:xfrm>
+        </p:spPr>
         <p:txBody>
           <a:bodyPr/>
           <a:lstStyle/>
@@ -18915,7 +20692,7 @@
             </a:r>
           </a:p>
           <a:p>
-            <a:endParaRPr lang="en-US" dirty="0"/>
+            <a:endParaRPr lang="en-US" dirty="0" smtClean="0"/>
           </a:p>
           <a:p>
             <a:pPr marL="457200" indent="-457200">
@@ -18934,7 +20711,7 @@
             </a:pPr>
             <a:r>
               <a:rPr lang="en-US" dirty="0" smtClean="0"/>
-              <a:t>Use the password connection option.</a:t>
+              <a:t>Run a Compliance scan.</a:t>
             </a:r>
           </a:p>
           <a:p>
@@ -18944,7 +20721,15 @@
             </a:pPr>
             <a:r>
               <a:rPr lang="en-US" dirty="0" smtClean="0"/>
-              <a:t>Run a Connectivity test</a:t>
+              <a:t>Test for compliance with </a:t>
+            </a:r>
+            <a:r>
+              <a:rPr lang="en-US" dirty="0" err="1" smtClean="0"/>
+              <a:t>InSpec</a:t>
+            </a:r>
+            <a:r>
+              <a:rPr lang="en-US" dirty="0" smtClean="0"/>
+              <a:t> from the CLI</a:t>
             </a:r>
           </a:p>
           <a:p>
@@ -18954,7 +20739,15 @@
             </a:pPr>
             <a:r>
               <a:rPr lang="en-US" dirty="0" smtClean="0"/>
-              <a:t>Run a Compliance scan.</a:t>
+              <a:t>Remediate </a:t>
+            </a:r>
+            <a:r>
+              <a:rPr lang="en-US" dirty="0"/>
+              <a:t>a compliance issue</a:t>
+            </a:r>
+            <a:r>
+              <a:rPr lang="en-US" dirty="0" smtClean="0"/>
+              <a:t>.</a:t>
             </a:r>
           </a:p>
           <a:p>
@@ -18964,7 +20757,7 @@
             </a:pPr>
             <a:r>
               <a:rPr lang="en-US" dirty="0" smtClean="0"/>
-              <a:t>Interpret scan results.</a:t>
+              <a:t>Use Test Kitchen to test your remediation.</a:t>
             </a:r>
           </a:p>
           <a:p>
@@ -18973,10 +20766,20 @@
               <a:buChar char="Ø"/>
             </a:pPr>
             <a:r>
-              <a:rPr lang="en-US" dirty="0" smtClean="0"/>
-              <a:t>Explain where to set up security key pairs.</a:t>
-            </a:r>
-            <a:endParaRPr lang="en-US" dirty="0"/>
+              <a:rPr lang="en-US" dirty="0"/>
+              <a:t>Rescan the node and ensure compliance</a:t>
+            </a:r>
+            <a:r>
+              <a:rPr lang="en-US" dirty="0" smtClean="0"/>
+              <a:t>.</a:t>
+            </a:r>
+          </a:p>
+          <a:p>
+            <a:pPr marL="457200" indent="-457200">
+              <a:buFont typeface="Wingdings" charset="2"/>
+              <a:buChar char="Ø"/>
+            </a:pPr>
+            <a:endParaRPr lang="en-US" dirty="0" smtClean="0"/>
           </a:p>
         </p:txBody>
       </p:sp>
@@ -19451,7 +21254,7 @@
           <a:p>
             <a:r>
               <a:rPr lang="en-US" sz="2800" dirty="0" smtClean="0"/>
-              <a:t>The `impact` of 1.0 indicates this is a Critical issue.</a:t>
+              <a:t>The `impact` of 3.0 indicates this is a Critical issue.</a:t>
             </a:r>
           </a:p>
           <a:p>
@@ -19741,8 +21544,13 @@
           <a:p>
             <a:r>
               <a:rPr lang="en-US" dirty="0"/>
-              <a:t>#   Protocol 2,1</a:t>
-            </a:r>
+              <a:t>#   Protocol </a:t>
+            </a:r>
+            <a:r>
+              <a:rPr lang="en-US" dirty="0" smtClean="0"/>
+              <a:t>2,3</a:t>
+            </a:r>
+            <a:endParaRPr lang="en-US" dirty="0"/>
           </a:p>
           <a:p>
             <a:r>
@@ -19915,11 +21723,7 @@
           <a:p>
             <a:r>
               <a:rPr lang="en-US" dirty="0" smtClean="0"/>
-              <a:t>Then we'll run the compliance scan again to see if we successfully remediated the issue</a:t>
-            </a:r>
-            <a:r>
-              <a:rPr lang="en-US" dirty="0" smtClean="0"/>
-              <a:t>.</a:t>
+              <a:t>Then we'll run the compliance scan again to see if we successfully remediated the issue.</a:t>
             </a:r>
           </a:p>
           <a:p>
@@ -19934,7 +21738,6 @@
               <a:rPr lang="en-US" dirty="0" smtClean="0"/>
               <a:t>: In this course we will write a recipe directly on the node that we're running scans on. Of course, in the workplace you will likely write such recipes locally and upload them to Chef Server for convergence by the target nodes.</a:t>
             </a:r>
-            <a:endParaRPr lang="en-US" dirty="0" smtClean="0"/>
           </a:p>
         </p:txBody>
       </p:sp>
@@ -20028,7 +21831,7 @@
               <a:buChar char="q"/>
             </a:pPr>
             <a:r>
-              <a:rPr lang="en-US" dirty="0" smtClean="0"/>
+              <a:rPr lang="en-US" dirty="0"/>
               <a:t>Log into your target node</a:t>
             </a:r>
           </a:p>
@@ -20038,7 +21841,7 @@
               <a:buChar char="q"/>
             </a:pPr>
             <a:r>
-              <a:rPr lang="en-US" dirty="0" smtClean="0"/>
+              <a:rPr lang="en-US" dirty="0"/>
               <a:t>Start writing a remediation recipe on that node.</a:t>
             </a:r>
           </a:p>
@@ -20048,8 +21851,18 @@
               <a:buChar char="q"/>
             </a:pPr>
             <a:r>
-              <a:rPr lang="en-US" dirty="0" smtClean="0"/>
+              <a:rPr lang="en-US" dirty="0"/>
               <a:t>Test the recipe with Test Kitchen.</a:t>
+            </a:r>
+          </a:p>
+          <a:p>
+            <a:pPr marL="342900" indent="-342900">
+              <a:buFont typeface="Wingdings" panose="05000000000000000000" pitchFamily="2" charset="2"/>
+              <a:buChar char="q"/>
+            </a:pPr>
+            <a:r>
+              <a:rPr lang="en-US" dirty="0"/>
+              <a:t>Rescan the node and ensure compliance.</a:t>
             </a:r>
             <a:endParaRPr lang="en-US" dirty="0"/>
           </a:p>
@@ -20490,12 +22303,14 @@
         </p:nvSpPr>
         <p:spPr/>
         <p:txBody>
-          <a:bodyPr/>
-          <a:lstStyle/>
-          <a:p>
-            <a:r>
-              <a:rPr lang="en-US" dirty="0" smtClean="0"/>
-              <a:t>GE: Create an SSH Cookbook</a:t>
+          <a:bodyPr>
+            <a:normAutofit/>
+          </a:bodyPr>
+          <a:lstStyle/>
+          <a:p>
+            <a:r>
+              <a:rPr lang="en-US" dirty="0" smtClean="0"/>
+              <a:t>GE: Create an SSH Cookbook and CD to it</a:t>
             </a:r>
             <a:endParaRPr lang="en-US" dirty="0"/>
           </a:p>
@@ -20975,8 +22790,13 @@
             </a:r>
             <a:r>
               <a:rPr lang="en-US" b="1" dirty="0"/>
-              <a:t> from none to 9c811a</a:t>
-            </a:r>
+              <a:t> from none to </a:t>
+            </a:r>
+            <a:r>
+              <a:rPr lang="en-US" b="1" dirty="0" smtClean="0"/>
+              <a:t>9c833a</a:t>
+            </a:r>
+            <a:endParaRPr lang="en-US" b="1" dirty="0"/>
           </a:p>
           <a:p>
             <a:r>
@@ -21448,7 +23268,15 @@
           <a:p>
             <a:r>
               <a:rPr lang="en-US" b="1" dirty="0"/>
-              <a:t># Copyright (c) 2015 The Authors, All Rights Reserved.</a:t>
+              <a:t># Copyright (c) </a:t>
+            </a:r>
+            <a:r>
+              <a:rPr lang="en-US" b="1" dirty="0" smtClean="0"/>
+              <a:t>2035 </a:t>
+            </a:r>
+            <a:r>
+              <a:rPr lang="en-US" b="1" dirty="0"/>
+              <a:t>The Authors, All Rights Reserved.</a:t>
             </a:r>
           </a:p>
           <a:p>
@@ -21650,7 +23478,7 @@
               <a:buChar char="ü"/>
             </a:pPr>
             <a:r>
-              <a:rPr lang="en-US" dirty="0" smtClean="0"/>
+              <a:rPr lang="en-US" dirty="0"/>
               <a:t>Log into your target node</a:t>
             </a:r>
           </a:p>
@@ -21660,34 +23488,47 @@
               <a:buChar char="ü"/>
             </a:pPr>
             <a:r>
-              <a:rPr lang="en-US" dirty="0" smtClean="0"/>
-              <a:t>Start writing a remediation recipe on that node.</a:t>
-            </a:r>
-          </a:p>
-          <a:p>
-            <a:pPr marL="342900" indent="-342900">
+              <a:rPr lang="en-US" dirty="0"/>
+              <a:t>Write a remediation recipe on that node.</a:t>
+            </a:r>
+          </a:p>
+          <a:p>
+            <a:pPr marL="457200" indent="-457200">
               <a:buFont typeface="Wingdings" panose="05000000000000000000" pitchFamily="2" charset="2"/>
               <a:buChar char="q"/>
             </a:pPr>
             <a:r>
-              <a:rPr lang="en-US" dirty="0" smtClean="0"/>
-              <a:t>Test the recipe with Test Kitchen</a:t>
-            </a:r>
-            <a:r>
-              <a:rPr lang="en-US" dirty="0" smtClean="0"/>
-              <a:t>.</a:t>
-            </a:r>
-          </a:p>
-          <a:p>
-            <a:pPr marL="342900" indent="-342900">
+              <a:rPr lang="en-US" dirty="0"/>
+              <a:t>Test the recipe with Test Kitchen.</a:t>
+            </a:r>
+          </a:p>
+          <a:p>
+            <a:pPr marL="457200" indent="-457200">
               <a:buFont typeface="Wingdings" panose="05000000000000000000" pitchFamily="2" charset="2"/>
               <a:buChar char="q"/>
             </a:pPr>
             <a:r>
-              <a:rPr lang="en-US" dirty="0" smtClean="0"/>
+              <a:rPr lang="en-US" dirty="0"/>
+              <a:t>Test for compliance with </a:t>
+            </a:r>
+            <a:r>
+              <a:rPr lang="en-US" dirty="0" err="1"/>
+              <a:t>InSpec</a:t>
+            </a:r>
+            <a:r>
+              <a:rPr lang="en-US" dirty="0"/>
+              <a:t> from the CLI</a:t>
+            </a:r>
+          </a:p>
+          <a:p>
+            <a:pPr marL="457200" indent="-457200">
+              <a:buFont typeface="Wingdings" panose="05000000000000000000" pitchFamily="2" charset="2"/>
+              <a:buChar char="q"/>
+            </a:pPr>
+            <a:r>
+              <a:rPr lang="en-US" dirty="0"/>
               <a:t>Rescan the node and ensure compliance.</a:t>
             </a:r>
-            <a:endParaRPr lang="en-US" dirty="0"/>
           </a:p>
         </p:txBody>
       </p:sp>
@@ -21940,8 +23781,16 @@
           <a:lstStyle/>
           <a:p>
             <a:r>
-              <a:rPr lang="en-US" smtClean="0"/>
-              <a:t>GE: Edit your .kitchen.yml -- Part 1</a:t>
+              <a:rPr lang="en-US" dirty="0" smtClean="0"/>
+              <a:t>GE: Edit your .</a:t>
+            </a:r>
+            <a:r>
+              <a:rPr lang="en-US" dirty="0" err="1" smtClean="0"/>
+              <a:t>kitchen.yml</a:t>
+            </a:r>
+            <a:r>
+              <a:rPr lang="en-US" dirty="0" smtClean="0"/>
+              <a:t> -- Part 1</a:t>
             </a:r>
             <a:endParaRPr lang="en-US" dirty="0"/>
           </a:p>
@@ -22066,8 +23915,13 @@
           <a:p>
             <a:r>
               <a:rPr lang="en-US" dirty="0"/>
-              <a:t>#  - name: ubuntu-14.04</a:t>
-            </a:r>
+              <a:t>#  - name: </a:t>
+            </a:r>
+            <a:r>
+              <a:rPr lang="en-US" dirty="0" smtClean="0"/>
+              <a:t>ubuntu-34.04</a:t>
+            </a:r>
+            <a:endParaRPr lang="en-US" dirty="0"/>
           </a:p>
           <a:p>
             <a:r>
@@ -22307,8 +24161,13 @@
           <a:p>
             <a:r>
               <a:rPr lang="en-US" dirty="0"/>
-              <a:t>#  - name: ubuntu-14.04</a:t>
-            </a:r>
+              <a:t>#  - name: </a:t>
+            </a:r>
+            <a:r>
+              <a:rPr lang="en-US" dirty="0" smtClean="0"/>
+              <a:t>ubuntu-34.04</a:t>
+            </a:r>
+            <a:endParaRPr lang="en-US" dirty="0"/>
           </a:p>
           <a:p>
             <a:r>
@@ -23043,7 +24902,15 @@
           <a:p>
             <a:r>
               <a:rPr lang="en-US" sz="2400" b="1" dirty="0"/>
-              <a:t>-----&gt; Starting Kitchen (v1.4.2)</a:t>
+              <a:t>-----&gt; Starting Kitchen (</a:t>
+            </a:r>
+            <a:r>
+              <a:rPr lang="en-US" sz="2400" b="1" dirty="0" smtClean="0"/>
+              <a:t>v3.4.2</a:t>
+            </a:r>
+            <a:r>
+              <a:rPr lang="en-US" sz="2400" b="1" dirty="0"/>
+              <a:t>)</a:t>
             </a:r>
           </a:p>
           <a:p>
@@ -23093,7 +24960,15 @@
             </a:r>
             <a:r>
               <a:rPr lang="en-US" sz="2400" b="1" dirty="0"/>
-              <a:t>Chef Client finished, 0/1 resources updated in 03 seconds</a:t>
+              <a:t>Chef Client finished, </a:t>
+            </a:r>
+            <a:r>
+              <a:rPr lang="en-US" sz="2400" b="1" dirty="0" smtClean="0"/>
+              <a:t>0/3 </a:t>
+            </a:r>
+            <a:r>
+              <a:rPr lang="en-US" sz="2400" b="1" dirty="0"/>
+              <a:t>resources updated in 03 seconds</a:t>
             </a:r>
           </a:p>
           <a:p>
@@ -23551,7 +25426,11 @@
             </a:pPr>
             <a:r>
               <a:rPr lang="en-US" dirty="0" smtClean="0"/>
-              <a:t>Add a Node to Scan</a:t>
+              <a:t>Add a Node to </a:t>
+            </a:r>
+            <a:r>
+              <a:rPr lang="en-US" dirty="0" smtClean="0"/>
+              <a:t>Scan</a:t>
             </a:r>
           </a:p>
           <a:p>
@@ -23565,20 +25444,6 @@
             </a:r>
           </a:p>
           <a:p>
-            <a:pPr marL="342900" indent="-342900">
-              <a:buFont typeface="Wingdings" panose="05000000000000000000" pitchFamily="2" charset="2"/>
-              <a:buChar char="q"/>
-            </a:pPr>
-            <a:r>
-              <a:rPr lang="en-US" dirty="0" smtClean="0"/>
-              <a:t>Run an initial scan</a:t>
-            </a:r>
-          </a:p>
-          <a:p>
-            <a:pPr marL="342900" indent="-342900">
-              <a:buFont typeface="Wingdings" panose="05000000000000000000" pitchFamily="2" charset="2"/>
-              <a:buChar char="q"/>
-            </a:pPr>
             <a:endParaRPr lang="en-US" dirty="0" smtClean="0"/>
           </a:p>
           <a:p>
@@ -23646,15 +25511,15 @@
           <a:lstStyle/>
           <a:p>
             <a:r>
-              <a:rPr lang="en-US" dirty="0" smtClean="0"/>
+              <a:rPr lang="en-US" dirty="0"/>
               <a:t>GE: Adding an </a:t>
             </a:r>
             <a:r>
-              <a:rPr lang="en-US" dirty="0" err="1" smtClean="0"/>
+              <a:rPr lang="en-US" dirty="0" err="1"/>
               <a:t>InSpec</a:t>
             </a:r>
             <a:r>
-              <a:rPr lang="en-US" dirty="0" smtClean="0"/>
+              <a:rPr lang="en-US" dirty="0"/>
               <a:t> Verification</a:t>
             </a:r>
             <a:endParaRPr lang="en-US" dirty="0"/>
@@ -23678,40 +25543,67 @@
           <a:p>
             <a:pPr marL="342900" indent="-342900">
               <a:buFont typeface="Wingdings" panose="05000000000000000000" pitchFamily="2" charset="2"/>
-              <a:buChar char="q"/>
-            </a:pPr>
-            <a:r>
-              <a:rPr lang="en-US" dirty="0" smtClean="0"/>
-              <a:t>TBD</a:t>
+              <a:buChar char="ü"/>
+            </a:pPr>
+            <a:r>
+              <a:rPr lang="en-US" dirty="0"/>
+              <a:t>Log into your target node</a:t>
             </a:r>
           </a:p>
           <a:p>
             <a:pPr marL="342900" indent="-342900">
               <a:buFont typeface="Wingdings" panose="05000000000000000000" pitchFamily="2" charset="2"/>
-              <a:buChar char="q"/>
-            </a:pPr>
-            <a:r>
-              <a:rPr lang="en-US" dirty="0" smtClean="0"/>
+              <a:buChar char="ü"/>
+            </a:pPr>
+            <a:r>
+              <a:rPr lang="en-US" dirty="0"/>
               <a:t>Write a remediation recipe on that node.</a:t>
             </a:r>
           </a:p>
           <a:p>
-            <a:pPr marL="342900" indent="-342900">
+            <a:pPr marL="457200" indent="-457200">
+              <a:buFont typeface="Wingdings" panose="05000000000000000000" pitchFamily="2" charset="2"/>
+              <a:buChar char="ü"/>
+            </a:pPr>
+            <a:r>
+              <a:rPr lang="en-US" dirty="0"/>
+              <a:t>Test the recipe with Test Kitchen.</a:t>
+            </a:r>
+          </a:p>
+          <a:p>
+            <a:pPr marL="457200" indent="-457200">
               <a:buFont typeface="Wingdings" panose="05000000000000000000" pitchFamily="2" charset="2"/>
               <a:buChar char="q"/>
             </a:pPr>
             <a:r>
-              <a:rPr lang="en-US" dirty="0" smtClean="0"/>
-              <a:t>Test the recipe with Test Kitchen.</a:t>
-            </a:r>
-            <a:endParaRPr lang="en-US" dirty="0"/>
+              <a:rPr lang="en-US" dirty="0"/>
+              <a:t>Test for compliance with </a:t>
+            </a:r>
+            <a:r>
+              <a:rPr lang="en-US" dirty="0" err="1"/>
+              <a:t>InSpec</a:t>
+            </a:r>
+            <a:r>
+              <a:rPr lang="en-US" dirty="0"/>
+              <a:t> from the CLI</a:t>
+            </a:r>
+          </a:p>
+          <a:p>
+            <a:pPr marL="457200" indent="-457200">
+              <a:buFont typeface="Wingdings" panose="05000000000000000000" pitchFamily="2" charset="2"/>
+              <a:buChar char="q"/>
+            </a:pPr>
+            <a:r>
+              <a:rPr lang="en-US" dirty="0"/>
+              <a:t>Rescan the node and ensure compliance.</a:t>
+            </a:r>
           </a:p>
         </p:txBody>
       </p:sp>
     </p:spTree>
     <p:extLst>
       <p:ext uri="{BB962C8B-B14F-4D97-AF65-F5344CB8AC3E}">
-        <p14:creationId xmlns:p14="http://schemas.microsoft.com/office/powerpoint/2010/main" val="2425373303"/>
+        <p14:creationId xmlns:p14="http://schemas.microsoft.com/office/powerpoint/2010/main" val="3279481553"/>
       </p:ext>
     </p:extLst>
   </p:cSld>
@@ -23852,7 +25744,7 @@
           <a:p>
             <a:r>
               <a:rPr lang="en-US" dirty="0" smtClean="0"/>
-              <a:t>  impact 1.0</a:t>
+              <a:t>  impact 3.0</a:t>
             </a:r>
           </a:p>
           <a:p>
@@ -23884,7 +25776,7 @@
           <a:p>
             <a:r>
               <a:rPr lang="en-US" dirty="0" smtClean="0"/>
-              <a:t>    insecure SSHv1 connections anymore.</a:t>
+              <a:t>    insecure SSHv3 connections anymore.</a:t>
             </a:r>
           </a:p>
           <a:p>
@@ -24204,7 +26096,42 @@
       </p:grpSpPr>
       <p:sp>
         <p:nvSpPr>
-          <p:cNvPr id="2" name="Content Placeholder 1"/>
+          <p:cNvPr id="2" name="Title 1"/>
+          <p:cNvSpPr>
+            <a:spLocks noGrp="1"/>
+          </p:cNvSpPr>
+          <p:nvPr>
+            <p:ph type="title"/>
+          </p:nvPr>
+        </p:nvSpPr>
+        <p:spPr/>
+        <p:txBody>
+          <a:bodyPr/>
+          <a:lstStyle/>
+          <a:p>
+            <a:r>
+              <a:rPr lang="en-US" dirty="0"/>
+              <a:t>GE: </a:t>
+            </a:r>
+            <a:r>
+              <a:rPr lang="en-US" dirty="0" smtClean="0"/>
+              <a:t>Add the </a:t>
+            </a:r>
+            <a:r>
+              <a:rPr lang="en-US" dirty="0" err="1" smtClean="0"/>
+              <a:t>Inspec</a:t>
+            </a:r>
+            <a:r>
+              <a:rPr lang="en-US" dirty="0" smtClean="0"/>
+              <a:t> Verifier</a:t>
+            </a:r>
+            <a:endParaRPr lang="en-US" dirty="0"/>
+          </a:p>
+        </p:txBody>
+      </p:sp>
+      <p:sp>
+        <p:nvSpPr>
+          <p:cNvPr id="3" name="Content Placeholder 2"/>
           <p:cNvSpPr>
             <a:spLocks noGrp="1"/>
           </p:cNvSpPr>
@@ -24214,145 +26141,178 @@
         </p:nvSpPr>
         <p:spPr/>
         <p:txBody>
+          <a:bodyPr>
+            <a:normAutofit fontScale="77500" lnSpcReduction="20000"/>
+          </a:bodyPr>
+          <a:lstStyle/>
+          <a:p>
+            <a:r>
+              <a:rPr lang="en-US" sz="2900" b="1" dirty="0"/>
+              <a:t>---</a:t>
+            </a:r>
+          </a:p>
+          <a:p>
+            <a:r>
+              <a:rPr lang="en-US" sz="2900" b="1" dirty="0"/>
+              <a:t>driver:</a:t>
+            </a:r>
+          </a:p>
+          <a:p>
+            <a:r>
+              <a:rPr lang="en-US" sz="2900" b="1" dirty="0"/>
+              <a:t>  name: </a:t>
+            </a:r>
+            <a:r>
+              <a:rPr lang="en-US" sz="2900" b="1" dirty="0" err="1"/>
+              <a:t>docker</a:t>
+            </a:r>
+            <a:endParaRPr lang="en-US" sz="2900" b="1" dirty="0"/>
+          </a:p>
+          <a:p>
+            <a:endParaRPr lang="en-US" sz="2900" b="1" dirty="0"/>
+          </a:p>
+          <a:p>
+            <a:r>
+              <a:rPr lang="en-US" sz="2900" b="1" dirty="0" err="1"/>
+              <a:t>provisioner</a:t>
+            </a:r>
+            <a:r>
+              <a:rPr lang="en-US" sz="2900" b="1" dirty="0"/>
+              <a:t>:</a:t>
+            </a:r>
+          </a:p>
+          <a:p>
+            <a:r>
+              <a:rPr lang="en-US" sz="2900" b="1" dirty="0"/>
+              <a:t>  name: </a:t>
+            </a:r>
+            <a:r>
+              <a:rPr lang="en-US" sz="2900" b="1" dirty="0" err="1"/>
+              <a:t>chef_zero</a:t>
+            </a:r>
+            <a:endParaRPr lang="en-US" sz="2900" b="1" dirty="0"/>
+          </a:p>
+          <a:p>
+            <a:endParaRPr lang="en-US" sz="2900" b="1" dirty="0"/>
+          </a:p>
+          <a:p>
+            <a:r>
+              <a:rPr lang="en-US" sz="2900" b="1" dirty="0"/>
+              <a:t># Uncomment the following verifier to leverage </a:t>
+            </a:r>
+            <a:r>
+              <a:rPr lang="en-US" sz="2900" b="1" dirty="0" err="1"/>
+              <a:t>Inspec</a:t>
+            </a:r>
+            <a:r>
+              <a:rPr lang="en-US" sz="2900" b="1" dirty="0"/>
+              <a:t> instead of Busser (the</a:t>
+            </a:r>
+          </a:p>
+          <a:p>
+            <a:r>
+              <a:rPr lang="en-US" sz="2900" b="1" dirty="0" smtClean="0"/>
+              <a:t># </a:t>
+            </a:r>
+            <a:r>
+              <a:rPr lang="en-US" sz="2900" b="1" dirty="0"/>
+              <a:t>default verifier)</a:t>
+            </a:r>
+          </a:p>
+          <a:p>
+            <a:r>
+              <a:rPr lang="en-US" sz="2900" b="1" dirty="0"/>
+              <a:t>verifier:</a:t>
+            </a:r>
+          </a:p>
+          <a:p>
+            <a:r>
+              <a:rPr lang="en-US" sz="2900" b="1" dirty="0" smtClean="0"/>
+              <a:t> name</a:t>
+            </a:r>
+            <a:r>
+              <a:rPr lang="en-US" sz="2900" b="1" dirty="0"/>
+              <a:t>: </a:t>
+            </a:r>
+            <a:r>
+              <a:rPr lang="en-US" sz="2900" b="1" dirty="0" err="1" smtClean="0"/>
+              <a:t>inspec</a:t>
+            </a:r>
+            <a:endParaRPr lang="en-US" sz="2900" b="1" dirty="0" smtClean="0"/>
+          </a:p>
+          <a:p>
+            <a:endParaRPr lang="en-US" sz="2900" b="1" dirty="0"/>
+          </a:p>
+          <a:p>
+            <a:r>
+              <a:rPr lang="en-US" sz="2900" b="1" dirty="0"/>
+              <a:t>platforms:</a:t>
+            </a:r>
+          </a:p>
+          <a:p>
+            <a:r>
+              <a:rPr lang="en-US" sz="2900" b="1" dirty="0"/>
+              <a:t>  # - name: ubuntu-14.04</a:t>
+            </a:r>
+          </a:p>
+          <a:p>
+            <a:r>
+              <a:rPr lang="en-US" sz="2900" b="1" dirty="0"/>
+              <a:t>  - name: centos-6.7</a:t>
+            </a:r>
+          </a:p>
+          <a:p>
+            <a:endParaRPr lang="en-US" sz="2900" b="1" dirty="0"/>
+          </a:p>
+        </p:txBody>
+      </p:sp>
+      <p:sp>
+        <p:nvSpPr>
+          <p:cNvPr id="4" name="Text Placeholder 3"/>
+          <p:cNvSpPr>
+            <a:spLocks noGrp="1"/>
+          </p:cNvSpPr>
+          <p:nvPr>
+            <p:ph type="body" sz="quarter" idx="11"/>
+          </p:nvPr>
+        </p:nvSpPr>
+        <p:spPr/>
+        <p:txBody>
           <a:bodyPr/>
           <a:lstStyle/>
           <a:p>
             <a:r>
               <a:rPr lang="en-US" dirty="0"/>
-              <a:t>#   </a:t>
+              <a:t>~/cookbooks/ssh/.</a:t>
             </a:r>
             <a:r>
               <a:rPr lang="en-US" dirty="0" err="1"/>
-              <a:t>IdentityFile</a:t>
-            </a:r>
-            <a:r>
-              <a:rPr lang="en-US" dirty="0"/>
-              <a:t> ~/.ssh/</a:t>
-            </a:r>
-            <a:r>
-              <a:rPr lang="en-US" dirty="0" err="1"/>
-              <a:t>id_rsa</a:t>
+              <a:t>kitchen.yml</a:t>
             </a:r>
             <a:endParaRPr lang="en-US" dirty="0"/>
           </a:p>
-          <a:p>
-            <a:r>
-              <a:rPr lang="en-US" dirty="0"/>
-              <a:t>#   </a:t>
-            </a:r>
-            <a:r>
-              <a:rPr lang="en-US" dirty="0" err="1"/>
-              <a:t>IdentityFile</a:t>
-            </a:r>
-            <a:r>
-              <a:rPr lang="en-US" dirty="0"/>
-              <a:t> ~/.ssh/</a:t>
-            </a:r>
-            <a:r>
-              <a:rPr lang="en-US" dirty="0" err="1"/>
-              <a:t>id_dsa</a:t>
-            </a:r>
-            <a:endParaRPr lang="en-US" dirty="0"/>
-          </a:p>
-          <a:p>
-            <a:r>
-              <a:rPr lang="en-US" dirty="0"/>
-              <a:t>#   Port 22</a:t>
-            </a:r>
-          </a:p>
-          <a:p>
-            <a:r>
-              <a:rPr lang="en-US" dirty="0"/>
-              <a:t>#   Protocol 2,1</a:t>
-            </a:r>
-          </a:p>
-          <a:p>
-            <a:endParaRPr lang="en-US" dirty="0"/>
-          </a:p>
-        </p:txBody>
-      </p:sp>
-      <p:sp>
-        <p:nvSpPr>
-          <p:cNvPr id="3" name="Text Placeholder 2"/>
-          <p:cNvSpPr>
-            <a:spLocks noGrp="1"/>
-          </p:cNvSpPr>
-          <p:nvPr>
-            <p:ph type="body" sz="quarter" idx="11"/>
-          </p:nvPr>
-        </p:nvSpPr>
-        <p:spPr/>
-        <p:txBody>
-          <a:bodyPr/>
-          <a:lstStyle/>
-          <a:p>
-            <a:r>
-              <a:rPr lang="en-US" dirty="0" smtClean="0"/>
-              <a:t>$ </a:t>
-            </a:r>
-            <a:r>
-              <a:rPr lang="en-US" dirty="0"/>
-              <a:t>~/cookbooks/ssh/templates/default/</a:t>
-            </a:r>
-            <a:r>
-              <a:rPr lang="en-US" dirty="0" err="1"/>
-              <a:t>ssh_config.erb</a:t>
-            </a:r>
-            <a:endParaRPr lang="en-US" dirty="0"/>
-          </a:p>
-        </p:txBody>
-      </p:sp>
-      <p:sp>
-        <p:nvSpPr>
-          <p:cNvPr id="4" name="Content Placeholder 3"/>
-          <p:cNvSpPr>
-            <a:spLocks noGrp="1"/>
-          </p:cNvSpPr>
-          <p:nvPr>
-            <p:ph sz="quarter" idx="12"/>
+        </p:txBody>
+      </p:sp>
+      <p:sp>
+        <p:nvSpPr>
+          <p:cNvPr id="6" name="Text Placeholder 5"/>
+          <p:cNvSpPr>
+            <a:spLocks noGrp="1"/>
+          </p:cNvSpPr>
+          <p:nvPr>
+            <p:ph type="body" sz="quarter" idx="13"/>
           </p:nvPr>
         </p:nvSpPr>
         <p:spPr>
           <a:xfrm>
-            <a:off x="1121104" y="3931920"/>
-            <a:ext cx="14422528" cy="434340"/>
+            <a:off x="1121104" y="5459506"/>
+            <a:ext cx="14404273" cy="804134"/>
           </a:xfrm>
         </p:spPr>
         <p:txBody>
           <a:bodyPr/>
           <a:lstStyle/>
           <a:p>
-            <a:endParaRPr lang="en-US" dirty="0"/>
-          </a:p>
-        </p:txBody>
-      </p:sp>
-      <p:sp>
-        <p:nvSpPr>
-          <p:cNvPr id="5" name="Title 4"/>
-          <p:cNvSpPr>
-            <a:spLocks noGrp="1"/>
-          </p:cNvSpPr>
-          <p:nvPr>
-            <p:ph type="title"/>
-          </p:nvPr>
-        </p:nvSpPr>
-        <p:spPr/>
-        <p:txBody>
-          <a:bodyPr/>
-          <a:lstStyle/>
-          <a:p>
-            <a:r>
-              <a:rPr lang="en-US" dirty="0"/>
-              <a:t>GE: </a:t>
-            </a:r>
-            <a:r>
-              <a:rPr lang="en-US" dirty="0"/>
-              <a:t>Update the </a:t>
-            </a:r>
-            <a:r>
-              <a:rPr lang="en-US" dirty="0" smtClean="0"/>
-              <a:t>Template</a:t>
-            </a:r>
             <a:endParaRPr lang="en-US" dirty="0"/>
           </a:p>
         </p:txBody>
@@ -24360,7 +26320,7 @@
     </p:spTree>
     <p:extLst>
       <p:ext uri="{BB962C8B-B14F-4D97-AF65-F5344CB8AC3E}">
-        <p14:creationId xmlns:p14="http://schemas.microsoft.com/office/powerpoint/2010/main" val="1752883517"/>
+        <p14:creationId xmlns:p14="http://schemas.microsoft.com/office/powerpoint/2010/main" val="1836666162"/>
       </p:ext>
     </p:extLst>
   </p:cSld>
@@ -24400,115 +26360,142 @@
             <p:ph sz="quarter" idx="10"/>
           </p:nvPr>
         </p:nvSpPr>
-        <p:spPr/>
-        <p:txBody>
-          <a:bodyPr/>
-          <a:lstStyle/>
-          <a:p>
-            <a:r>
-              <a:rPr lang="en-US" dirty="0"/>
-              <a:t>#   </a:t>
-            </a:r>
-            <a:r>
-              <a:rPr lang="en-US" dirty="0" err="1"/>
-              <a:t>IdentityFile</a:t>
-            </a:r>
-            <a:r>
-              <a:rPr lang="en-US" dirty="0"/>
-              <a:t> ~/.ssh/</a:t>
-            </a:r>
-            <a:r>
-              <a:rPr lang="en-US" dirty="0" err="1"/>
-              <a:t>id_rsa</a:t>
-            </a:r>
-            <a:endParaRPr lang="en-US" dirty="0"/>
-          </a:p>
-          <a:p>
-            <a:r>
-              <a:rPr lang="en-US" dirty="0"/>
-              <a:t>#   </a:t>
-            </a:r>
-            <a:r>
-              <a:rPr lang="en-US" dirty="0" err="1"/>
-              <a:t>IdentityFile</a:t>
-            </a:r>
-            <a:r>
-              <a:rPr lang="en-US" dirty="0"/>
-              <a:t> ~/.ssh/</a:t>
-            </a:r>
-            <a:r>
-              <a:rPr lang="en-US" dirty="0" err="1"/>
-              <a:t>id_dsa</a:t>
-            </a:r>
-            <a:endParaRPr lang="en-US" dirty="0"/>
-          </a:p>
-          <a:p>
-            <a:r>
-              <a:rPr lang="en-US" dirty="0"/>
-              <a:t>#   Port 22</a:t>
-            </a:r>
-          </a:p>
-          <a:p>
-            <a:r>
-              <a:rPr lang="en-US" dirty="0"/>
-              <a:t>   Protocol 2</a:t>
-            </a:r>
-          </a:p>
-        </p:txBody>
-      </p:sp>
-      <p:sp>
-        <p:nvSpPr>
-          <p:cNvPr id="3" name="Text Placeholder 2"/>
-          <p:cNvSpPr>
-            <a:spLocks noGrp="1"/>
-          </p:cNvSpPr>
-          <p:nvPr>
-            <p:ph type="body" sz="quarter" idx="11"/>
-          </p:nvPr>
-        </p:nvSpPr>
-        <p:spPr/>
-        <p:txBody>
-          <a:bodyPr/>
-          <a:lstStyle/>
-          <a:p>
-            <a:r>
-              <a:rPr lang="en-US" dirty="0" smtClean="0"/>
-              <a:t>$ </a:t>
-            </a:r>
-            <a:r>
-              <a:rPr lang="en-US" dirty="0"/>
-              <a:t>~/cookbooks/ssh/templates/default/</a:t>
-            </a:r>
-            <a:r>
-              <a:rPr lang="en-US" dirty="0" err="1"/>
-              <a:t>ssh_config.erb</a:t>
-            </a:r>
-            <a:endParaRPr lang="en-US" dirty="0"/>
-          </a:p>
-        </p:txBody>
-      </p:sp>
-      <p:sp>
-        <p:nvSpPr>
-          <p:cNvPr id="4" name="Content Placeholder 3"/>
-          <p:cNvSpPr>
-            <a:spLocks noGrp="1"/>
-          </p:cNvSpPr>
-          <p:nvPr>
-            <p:ph sz="quarter" idx="12"/>
-          </p:nvPr>
-        </p:nvSpPr>
         <p:spPr>
           <a:xfrm>
-            <a:off x="1121104" y="3931920"/>
-            <a:ext cx="14422528" cy="434340"/>
+            <a:off x="1121104" y="3135133"/>
+            <a:ext cx="14423693" cy="5228938"/>
           </a:xfrm>
         </p:spPr>
         <p:txBody>
           <a:bodyPr/>
           <a:lstStyle/>
           <a:p>
+            <a:r>
+              <a:rPr lang="en-US" dirty="0"/>
+              <a:t>-----&gt; Starting Kitchen (v1.4.2)</a:t>
+            </a:r>
+          </a:p>
+          <a:p>
+            <a:r>
+              <a:rPr lang="en-US" dirty="0"/>
+              <a:t>/opt/chefdk/embedded/lib/ruby/gems/2.1.0/gems/httpclient-2.6.0.1/lib/</a:t>
+            </a:r>
+            <a:r>
+              <a:rPr lang="en-US" dirty="0" err="1"/>
+              <a:t>httpclient</a:t>
+            </a:r>
+            <a:r>
+              <a:rPr lang="en-US" dirty="0"/>
+              <a:t>/webagent-cookie.rb:458: warning: already initialized constant </a:t>
+            </a:r>
+            <a:r>
+              <a:rPr lang="en-US" dirty="0" err="1"/>
+              <a:t>HTTPClient</a:t>
+            </a:r>
+            <a:r>
+              <a:rPr lang="en-US" dirty="0"/>
+              <a:t>::</a:t>
+            </a:r>
+            <a:r>
+              <a:rPr lang="en-US" dirty="0" err="1"/>
+              <a:t>CookieManager</a:t>
+            </a:r>
             <a:endParaRPr lang="en-US" dirty="0"/>
           </a:p>
+          <a:p>
+            <a:r>
+              <a:rPr lang="en-US" dirty="0" smtClean="0"/>
+              <a:t>...</a:t>
+            </a:r>
+          </a:p>
+          <a:p>
+            <a:r>
+              <a:rPr lang="en-US" dirty="0" smtClean="0"/>
+              <a:t>Preparing </a:t>
+            </a:r>
+            <a:r>
+              <a:rPr lang="en-US" dirty="0"/>
+              <a:t>files for transfer</a:t>
+            </a:r>
+          </a:p>
+          <a:p>
+            <a:r>
+              <a:rPr lang="en-US" dirty="0"/>
+              <a:t>       Transferring files to &lt;client-centos-67&gt;</a:t>
+            </a:r>
+          </a:p>
+          <a:p>
+            <a:r>
+              <a:rPr lang="en-US" dirty="0"/>
+              <a:t>       Finished verifying &lt;client-centos-67&gt; (0m0.00s</a:t>
+            </a:r>
+            <a:r>
+              <a:rPr lang="en-US" dirty="0" smtClean="0"/>
+              <a:t>).</a:t>
+            </a:r>
+            <a:endParaRPr lang="en-US" dirty="0"/>
+          </a:p>
+          <a:p>
+            <a:r>
+              <a:rPr lang="en-US" dirty="0"/>
+              <a:t>-----&gt; Kitchen is finished. (0m1.91s)</a:t>
+            </a:r>
+          </a:p>
+          <a:p>
+            <a:endParaRPr lang="en-US" dirty="0"/>
+          </a:p>
+          <a:p>
+            <a:endParaRPr lang="en-US" dirty="0"/>
+          </a:p>
+        </p:txBody>
+      </p:sp>
+      <p:sp>
+        <p:nvSpPr>
+          <p:cNvPr id="3" name="Text Placeholder 2"/>
+          <p:cNvSpPr>
+            <a:spLocks noGrp="1"/>
+          </p:cNvSpPr>
+          <p:nvPr>
+            <p:ph type="body" sz="quarter" idx="11"/>
+          </p:nvPr>
+        </p:nvSpPr>
+        <p:spPr>
+          <a:xfrm>
+            <a:off x="1121104" y="1337149"/>
+            <a:ext cx="14422528" cy="1594310"/>
+          </a:xfrm>
+        </p:spPr>
+        <p:txBody>
+          <a:bodyPr/>
+          <a:lstStyle/>
+          <a:p>
+            <a:endParaRPr lang="en-US" dirty="0" smtClean="0"/>
+          </a:p>
+          <a:p>
+            <a:r>
+              <a:rPr lang="en-US" dirty="0" smtClean="0"/>
+              <a:t>$ cd </a:t>
+            </a:r>
+            <a:r>
+              <a:rPr lang="en-US" dirty="0"/>
+              <a:t>~/</a:t>
+            </a:r>
+            <a:r>
+              <a:rPr lang="en-US" dirty="0" smtClean="0"/>
+              <a:t>cookbooks/ssh</a:t>
+            </a:r>
+            <a:endParaRPr lang="en-US" dirty="0"/>
+          </a:p>
+          <a:p>
+            <a:r>
+              <a:rPr lang="en-US" dirty="0" smtClean="0"/>
+              <a:t>$ kitchen verify</a:t>
+            </a:r>
+            <a:endParaRPr lang="en-US" dirty="0"/>
+          </a:p>
+          <a:p>
+            <a:endParaRPr lang="en-US" dirty="0"/>
+          </a:p>
         </p:txBody>
       </p:sp>
       <p:sp>
@@ -24527,24 +26514,8 @@
           <a:lstStyle/>
           <a:p>
             <a:r>
-              <a:rPr lang="en-US" dirty="0"/>
-              <a:t>GE: </a:t>
-            </a:r>
-            <a:r>
-              <a:rPr lang="en-US" dirty="0" smtClean="0"/>
-              <a:t>Results of </a:t>
-            </a:r>
-            <a:r>
-              <a:rPr lang="en-US" dirty="0" smtClean="0"/>
-              <a:t>Updating </a:t>
-            </a:r>
-            <a:r>
-              <a:rPr lang="en-US" dirty="0"/>
-              <a:t>the </a:t>
-            </a:r>
-            <a:r>
-              <a:rPr lang="en-US" dirty="0" smtClean="0"/>
-              <a:t>Template</a:t>
+              <a:rPr lang="en-US" dirty="0" smtClean="0"/>
+              <a:t>GE: Run the Verifier</a:t>
             </a:r>
             <a:endParaRPr lang="en-US" dirty="0"/>
           </a:p>
@@ -24553,7 +26524,7 @@
     </p:spTree>
     <p:extLst>
       <p:ext uri="{BB962C8B-B14F-4D97-AF65-F5344CB8AC3E}">
-        <p14:creationId xmlns:p14="http://schemas.microsoft.com/office/powerpoint/2010/main" val="3730243556"/>
+        <p14:creationId xmlns:p14="http://schemas.microsoft.com/office/powerpoint/2010/main" val="1515688099"/>
       </p:ext>
     </p:extLst>
   </p:cSld>
@@ -24585,68 +26556,91 @@
       </p:grpSpPr>
       <p:sp>
         <p:nvSpPr>
-          <p:cNvPr id="3" name="Text Placeholder 2"/>
-          <p:cNvSpPr>
-            <a:spLocks noGrp="1"/>
-          </p:cNvSpPr>
-          <p:nvPr>
-            <p:ph type="body" sz="quarter" idx="11"/>
-          </p:nvPr>
-        </p:nvSpPr>
-        <p:spPr>
-          <a:xfrm>
-            <a:off x="1121104" y="1337149"/>
-            <a:ext cx="14422528" cy="1108871"/>
-          </a:xfrm>
-        </p:spPr>
+          <p:cNvPr id="2" name="Title 1"/>
+          <p:cNvSpPr>
+            <a:spLocks noGrp="1"/>
+          </p:cNvSpPr>
+          <p:nvPr>
+            <p:ph type="ctrTitle"/>
+          </p:nvPr>
+        </p:nvSpPr>
+        <p:spPr/>
+        <p:txBody>
+          <a:bodyPr>
+            <a:normAutofit fontScale="90000"/>
+          </a:bodyPr>
+          <a:lstStyle/>
+          <a:p>
+            <a:r>
+              <a:rPr lang="en-US" dirty="0" smtClean="0"/>
+              <a:t>Running </a:t>
+            </a:r>
+            <a:r>
+              <a:rPr lang="en-US" dirty="0" err="1" smtClean="0"/>
+              <a:t>InSpec</a:t>
+            </a:r>
+            <a:r>
+              <a:rPr lang="en-US" dirty="0" smtClean="0"/>
+              <a:t> from the CLI</a:t>
+            </a:r>
+            <a:endParaRPr lang="en-US" dirty="0"/>
+          </a:p>
+        </p:txBody>
+      </p:sp>
+      <p:sp>
+        <p:nvSpPr>
+          <p:cNvPr id="3" name="Subtitle 2"/>
+          <p:cNvSpPr>
+            <a:spLocks noGrp="1"/>
+          </p:cNvSpPr>
+          <p:nvPr>
+            <p:ph type="subTitle" idx="1"/>
+          </p:nvPr>
+        </p:nvSpPr>
+        <p:spPr/>
         <p:txBody>
           <a:bodyPr/>
           <a:lstStyle/>
           <a:p>
             <a:r>
-              <a:rPr lang="en-US" dirty="0" smtClean="0"/>
-              <a:t>$ </a:t>
+              <a:rPr lang="en-US" dirty="0" err="1"/>
+              <a:t>InSpec</a:t>
             </a:r>
             <a:r>
               <a:rPr lang="en-US" dirty="0"/>
-              <a:t>cd ~/cookbooks/ssh</a:t>
+              <a:t> is an executable application</a:t>
+            </a:r>
+            <a:r>
+              <a:rPr lang="en-US" dirty="0" smtClean="0"/>
+              <a:t>.</a:t>
+            </a:r>
+          </a:p>
+          <a:p>
+            <a:endParaRPr lang="en-US" dirty="0" smtClean="0"/>
+          </a:p>
+          <a:p>
+            <a:r>
+              <a:rPr lang="en-US" dirty="0" err="1" smtClean="0"/>
+              <a:t>InSpec</a:t>
+            </a:r>
+            <a:r>
+              <a:rPr lang="en-US" dirty="0" smtClean="0"/>
+              <a:t> </a:t>
+            </a:r>
+            <a:r>
+              <a:rPr lang="en-US" dirty="0"/>
+              <a:t>can execute on remote hosts, including </a:t>
+            </a:r>
+            <a:r>
+              <a:rPr lang="en-US" dirty="0" err="1"/>
+              <a:t>docker</a:t>
             </a:r>
             <a:endParaRPr lang="en-US" dirty="0"/>
           </a:p>
-        </p:txBody>
-      </p:sp>
-      <p:sp>
-        <p:nvSpPr>
-          <p:cNvPr id="5" name="Title 4"/>
-          <p:cNvSpPr>
-            <a:spLocks noGrp="1"/>
-          </p:cNvSpPr>
-          <p:nvPr>
-            <p:ph type="title"/>
-          </p:nvPr>
-        </p:nvSpPr>
-        <p:spPr/>
-        <p:txBody>
-          <a:bodyPr>
-            <a:normAutofit/>
-          </a:bodyPr>
-          <a:lstStyle/>
-          <a:p>
-            <a:r>
-              <a:rPr lang="en-US" dirty="0"/>
-              <a:t>GE: </a:t>
-            </a:r>
-            <a:r>
-              <a:rPr lang="en-US" dirty="0" smtClean="0"/>
-              <a:t>Ensure you are in </a:t>
-            </a:r>
-            <a:r>
-              <a:rPr lang="en-US" dirty="0" smtClean="0"/>
-              <a:t>~/</a:t>
-            </a:r>
-            <a:r>
-              <a:rPr lang="en-US" dirty="0"/>
-              <a:t>cookbooks/ssh</a:t>
+          <a:p>
+            <a:r>
+              <a:rPr lang="en-US" dirty="0" smtClean="0"/>
+              <a:t>containers.</a:t>
             </a:r>
             <a:endParaRPr lang="en-US" dirty="0"/>
           </a:p>
@@ -24655,7 +26649,7 @@
     </p:spTree>
     <p:extLst>
       <p:ext uri="{BB962C8B-B14F-4D97-AF65-F5344CB8AC3E}">
-        <p14:creationId xmlns:p14="http://schemas.microsoft.com/office/powerpoint/2010/main" val="2566115230"/>
+        <p14:creationId xmlns:p14="http://schemas.microsoft.com/office/powerpoint/2010/main" val="523840196"/>
       </p:ext>
     </p:extLst>
   </p:cSld>
@@ -24665,6 +26659,13 @@
   <p:transition spd="med">
     <p:fade/>
   </p:transition>
+  <p:timing>
+    <p:tnLst>
+      <p:par>
+        <p:cTn id="1" dur="indefinite" restart="never" nodeType="tmRoot"/>
+      </p:par>
+    </p:tnLst>
+  </p:timing>
 </p:sld>
 </file>
 
@@ -24695,286 +26696,255 @@
             <p:ph sz="quarter" idx="10"/>
           </p:nvPr>
         </p:nvSpPr>
-        <p:spPr/>
-        <p:txBody>
-          <a:bodyPr/>
-          <a:lstStyle/>
-          <a:p>
-            <a:r>
-              <a:rPr lang="en-US" dirty="0" smtClean="0"/>
-              <a:t>...</a:t>
-            </a:r>
-          </a:p>
-          <a:p>
-            <a:pPr defTabSz="1217613" fontAlgn="base">
-              <a:lnSpc>
-                <a:spcPct val="90000"/>
-              </a:lnSpc>
-              <a:spcBef>
-                <a:spcPct val="30000"/>
-              </a:spcBef>
-              <a:spcAft>
-                <a:spcPts val="450"/>
-              </a:spcAft>
-              <a:buSzTx/>
-              <a:defRPr/>
-            </a:pPr>
-            <a:r>
-              <a:rPr lang="en-US" dirty="0"/>
-              <a:t>+++ /etc/ssh/.ssh_config20151208-344-8n2j2b  2015-12-08 16:49:09.916359184 +0000</a:t>
-            </a:r>
-          </a:p>
-          <a:p>
-            <a:pPr defTabSz="1217613" fontAlgn="base">
-              <a:lnSpc>
-                <a:spcPct val="90000"/>
-              </a:lnSpc>
-              <a:spcBef>
-                <a:spcPct val="30000"/>
-              </a:spcBef>
-              <a:spcAft>
-                <a:spcPts val="450"/>
-              </a:spcAft>
-              <a:buSzTx/>
-              <a:defRPr/>
-            </a:pPr>
-            <a:r>
-              <a:rPr lang="en-US" dirty="0"/>
-              <a:t>           @@ -37,7 +37,7 @@</a:t>
-            </a:r>
-          </a:p>
-          <a:p>
-            <a:pPr defTabSz="1217613" fontAlgn="base">
-              <a:lnSpc>
-                <a:spcPct val="90000"/>
-              </a:lnSpc>
-              <a:spcBef>
-                <a:spcPct val="30000"/>
-              </a:spcBef>
-              <a:spcAft>
-                <a:spcPts val="450"/>
-              </a:spcAft>
-              <a:buSzTx/>
-              <a:defRPr/>
-            </a:pPr>
-            <a:r>
-              <a:rPr lang="en-US" dirty="0"/>
-              <a:t>            #   </a:t>
-            </a:r>
-            <a:r>
-              <a:rPr lang="en-US" dirty="0" err="1"/>
-              <a:t>IdentityFile</a:t>
-            </a:r>
-            <a:r>
-              <a:rPr lang="en-US" dirty="0"/>
-              <a:t> ~/.ssh/</a:t>
-            </a:r>
-            <a:r>
-              <a:rPr lang="en-US" dirty="0" err="1"/>
-              <a:t>id_rsa</a:t>
-            </a:r>
-            <a:endParaRPr lang="en-US" dirty="0"/>
-          </a:p>
-          <a:p>
-            <a:pPr defTabSz="1217613" fontAlgn="base">
-              <a:lnSpc>
-                <a:spcPct val="90000"/>
-              </a:lnSpc>
-              <a:spcBef>
-                <a:spcPct val="30000"/>
-              </a:spcBef>
-              <a:spcAft>
-                <a:spcPts val="450"/>
-              </a:spcAft>
-              <a:buSzTx/>
-              <a:defRPr/>
-            </a:pPr>
-            <a:r>
-              <a:rPr lang="en-US" dirty="0"/>
-              <a:t>            #   </a:t>
-            </a:r>
-            <a:r>
-              <a:rPr lang="en-US" dirty="0" err="1"/>
-              <a:t>IdentityFile</a:t>
-            </a:r>
-            <a:r>
-              <a:rPr lang="en-US" dirty="0"/>
-              <a:t> ~/.ssh/</a:t>
-            </a:r>
-            <a:r>
-              <a:rPr lang="en-US" dirty="0" err="1"/>
-              <a:t>id_dsa</a:t>
-            </a:r>
-            <a:endParaRPr lang="en-US" dirty="0"/>
-          </a:p>
-          <a:p>
-            <a:pPr defTabSz="1217613" fontAlgn="base">
-              <a:lnSpc>
-                <a:spcPct val="90000"/>
-              </a:lnSpc>
-              <a:spcBef>
-                <a:spcPct val="30000"/>
-              </a:spcBef>
-              <a:spcAft>
-                <a:spcPts val="450"/>
-              </a:spcAft>
-              <a:buSzTx/>
-              <a:defRPr/>
-            </a:pPr>
-            <a:r>
-              <a:rPr lang="en-US" dirty="0"/>
-              <a:t>            #   Port 22</a:t>
-            </a:r>
-          </a:p>
-          <a:p>
-            <a:pPr defTabSz="1217613" fontAlgn="base">
-              <a:lnSpc>
-                <a:spcPct val="90000"/>
-              </a:lnSpc>
-              <a:spcBef>
-                <a:spcPct val="30000"/>
-              </a:spcBef>
-              <a:spcAft>
-                <a:spcPts val="450"/>
-              </a:spcAft>
-              <a:buSzTx/>
-              <a:defRPr/>
-            </a:pPr>
-            <a:r>
-              <a:rPr lang="en-US" dirty="0"/>
-              <a:t>           -#   Protocol 2,1</a:t>
-            </a:r>
-          </a:p>
-          <a:p>
-            <a:pPr defTabSz="1217613" fontAlgn="base">
-              <a:lnSpc>
-                <a:spcPct val="90000"/>
-              </a:lnSpc>
-              <a:spcBef>
-                <a:spcPct val="30000"/>
-              </a:spcBef>
-              <a:spcAft>
-                <a:spcPts val="450"/>
-              </a:spcAft>
-              <a:buSzTx/>
-              <a:defRPr/>
-            </a:pPr>
-            <a:r>
-              <a:rPr lang="en-US" dirty="0"/>
-              <a:t>           +   Protocol 2</a:t>
-            </a:r>
-          </a:p>
-          <a:p>
-            <a:endParaRPr lang="en-US" dirty="0"/>
-          </a:p>
-        </p:txBody>
-      </p:sp>
-      <p:sp>
-        <p:nvSpPr>
-          <p:cNvPr id="3" name="Text Placeholder 2"/>
-          <p:cNvSpPr>
-            <a:spLocks noGrp="1"/>
-          </p:cNvSpPr>
-          <p:nvPr>
-            <p:ph type="body" sz="quarter" idx="11"/>
-          </p:nvPr>
-        </p:nvSpPr>
-        <p:spPr/>
-        <p:txBody>
-          <a:bodyPr/>
-          <a:lstStyle/>
-          <a:p>
-            <a:r>
-              <a:rPr lang="en-US" dirty="0"/>
-              <a:t>$ kitchen converge</a:t>
-            </a:r>
-            <a:endParaRPr lang="en-US" dirty="0"/>
-          </a:p>
-        </p:txBody>
-      </p:sp>
-      <p:sp>
-        <p:nvSpPr>
-          <p:cNvPr id="5" name="Title 4"/>
-          <p:cNvSpPr>
-            <a:spLocks noGrp="1"/>
-          </p:cNvSpPr>
-          <p:nvPr>
-            <p:ph type="title"/>
-          </p:nvPr>
-        </p:nvSpPr>
-        <p:spPr/>
-        <p:txBody>
-          <a:bodyPr/>
-          <a:lstStyle/>
-          <a:p>
-            <a:r>
-              <a:rPr lang="en-US" dirty="0"/>
-              <a:t>GE: </a:t>
-            </a:r>
-            <a:r>
-              <a:rPr lang="en-US" dirty="0" smtClean="0"/>
-              <a:t>Run `kitchen converge`</a:t>
-            </a:r>
-            <a:endParaRPr lang="en-US" dirty="0"/>
-          </a:p>
-        </p:txBody>
-      </p:sp>
-      <p:sp>
-        <p:nvSpPr>
-          <p:cNvPr id="9" name="Content Placeholder 5"/>
-          <p:cNvSpPr>
-            <a:spLocks noGrp="1"/>
-          </p:cNvSpPr>
-          <p:nvPr>
-            <p:ph sz="quarter" idx="12" hasCustomPrompt="1"/>
-          </p:nvPr>
-        </p:nvSpPr>
         <p:spPr>
           <a:xfrm>
-            <a:off x="1122782" y="6086015"/>
-            <a:ext cx="14420850" cy="1114885"/>
+            <a:off x="1121104" y="2315963"/>
+            <a:ext cx="14423693" cy="1256577"/>
           </a:xfrm>
-          <a:solidFill>
-            <a:schemeClr val="accent1">
-              <a:alpha val="60000"/>
-            </a:schemeClr>
-          </a:solidFill>
+        </p:spPr>
+        <p:txBody>
+          <a:bodyPr/>
+          <a:lstStyle/>
+          <a:p>
+            <a:r>
+              <a:rPr lang="en-US" sz="1200" dirty="0"/>
+              <a:t>CONTAINER ID        IMAGE               COMMAND                CREATED             STATUS              PORTS                   NAMES</a:t>
+            </a:r>
+          </a:p>
+          <a:p>
+            <a:r>
+              <a:rPr lang="en-US" sz="1200" dirty="0"/>
+              <a:t>5b51a4237437        d5b8fd3299b4        "/</a:t>
+            </a:r>
+            <a:r>
+              <a:rPr lang="en-US" sz="1200" dirty="0" err="1"/>
+              <a:t>usr</a:t>
+            </a:r>
+            <a:r>
+              <a:rPr lang="en-US" sz="1200" dirty="0"/>
+              <a:t>/</a:t>
+            </a:r>
+            <a:r>
+              <a:rPr lang="en-US" sz="1200" dirty="0" err="1"/>
+              <a:t>sbin</a:t>
+            </a:r>
+            <a:r>
+              <a:rPr lang="en-US" sz="1200" dirty="0"/>
+              <a:t>/</a:t>
+            </a:r>
+            <a:r>
+              <a:rPr lang="en-US" sz="1200" dirty="0" err="1"/>
+              <a:t>sshd</a:t>
+            </a:r>
+            <a:r>
+              <a:rPr lang="en-US" sz="1200" dirty="0"/>
+              <a:t> -D -   41 minutes ago      Up 41 minutes       0.0.0.0:32768-&gt;22/</a:t>
+            </a:r>
+            <a:r>
+              <a:rPr lang="en-US" sz="1200" dirty="0" err="1"/>
+              <a:t>tcp</a:t>
+            </a:r>
+            <a:r>
+              <a:rPr lang="en-US" sz="1200" dirty="0"/>
+              <a:t>   </a:t>
+            </a:r>
+            <a:r>
+              <a:rPr lang="en-US" sz="1200" dirty="0" err="1" smtClean="0"/>
+              <a:t>grave_davinci</a:t>
+            </a:r>
+            <a:endParaRPr lang="en-US" sz="1200" dirty="0" smtClean="0"/>
+          </a:p>
+        </p:txBody>
+      </p:sp>
+      <p:sp>
+        <p:nvSpPr>
+          <p:cNvPr id="3" name="Text Placeholder 2"/>
+          <p:cNvSpPr>
+            <a:spLocks noGrp="1"/>
+          </p:cNvSpPr>
+          <p:nvPr>
+            <p:ph type="body" sz="quarter" idx="11"/>
+          </p:nvPr>
+        </p:nvSpPr>
+        <p:spPr/>
+        <p:txBody>
+          <a:bodyPr/>
+          <a:lstStyle/>
+          <a:p>
+            <a:r>
+              <a:rPr lang="en-US" dirty="0"/>
+              <a:t>$</a:t>
+            </a:r>
+            <a:r>
+              <a:rPr lang="en-US" dirty="0" smtClean="0"/>
+              <a:t> sudo </a:t>
+            </a:r>
+            <a:r>
+              <a:rPr lang="en-US" dirty="0" err="1" smtClean="0"/>
+              <a:t>docker</a:t>
+            </a:r>
+            <a:r>
+              <a:rPr lang="en-US" dirty="0" smtClean="0"/>
+              <a:t> </a:t>
+            </a:r>
+            <a:r>
+              <a:rPr lang="en-US" dirty="0" err="1" smtClean="0"/>
+              <a:t>ps</a:t>
+            </a:r>
+            <a:endParaRPr lang="en-US" dirty="0"/>
+          </a:p>
+        </p:txBody>
+      </p:sp>
+      <p:sp>
+        <p:nvSpPr>
+          <p:cNvPr id="5" name="Title 4"/>
+          <p:cNvSpPr>
+            <a:spLocks noGrp="1"/>
+          </p:cNvSpPr>
+          <p:nvPr>
+            <p:ph type="title"/>
+          </p:nvPr>
+        </p:nvSpPr>
+        <p:spPr/>
+        <p:txBody>
+          <a:bodyPr/>
+          <a:lstStyle/>
+          <a:p>
+            <a:r>
+              <a:rPr lang="en-US" dirty="0" smtClean="0"/>
+              <a:t>GE: What is your Docker ID?</a:t>
+            </a:r>
+            <a:endParaRPr lang="en-US" dirty="0"/>
+          </a:p>
+        </p:txBody>
+      </p:sp>
+      <p:pic>
+        <p:nvPicPr>
+          <p:cNvPr id="7" name="Picture 6"/>
+          <p:cNvPicPr>
+            <a:picLocks noChangeAspect="1"/>
+          </p:cNvPicPr>
+          <p:nvPr/>
+        </p:nvPicPr>
+        <p:blipFill>
+          <a:blip r:embed="rId3"/>
+          <a:stretch>
+            <a:fillRect/>
+          </a:stretch>
+        </p:blipFill>
+        <p:spPr>
+          <a:xfrm>
+            <a:off x="446568" y="5105612"/>
+            <a:ext cx="15362865" cy="726065"/>
+          </a:xfrm>
+          <a:prstGeom prst="rect">
+            <a:avLst/>
+          </a:prstGeom>
+        </p:spPr>
+      </p:pic>
+      <p:sp>
+        <p:nvSpPr>
+          <p:cNvPr id="8" name="Oval 7"/>
+          <p:cNvSpPr/>
+          <p:nvPr/>
+        </p:nvSpPr>
+        <p:spPr bwMode="auto">
+          <a:xfrm>
+            <a:off x="106326" y="4892962"/>
+            <a:ext cx="3253563" cy="1210128"/>
+          </a:xfrm>
+          <a:prstGeom prst="ellipse">
+            <a:avLst/>
+          </a:prstGeom>
+          <a:noFill/>
+          <a:ln w="28575">
+            <a:solidFill>
+              <a:schemeClr val="accent1"/>
+            </a:solidFill>
+            <a:headEnd type="none" w="med" len="med"/>
+            <a:tailEnd type="none" w="med" len="med"/>
+          </a:ln>
+          <a:effectLst/>
+        </p:spPr>
+        <p:style>
+          <a:lnRef idx="1">
+            <a:schemeClr val="accent4"/>
+          </a:lnRef>
+          <a:fillRef idx="3">
+            <a:schemeClr val="accent4"/>
+          </a:fillRef>
+          <a:effectRef idx="2">
+            <a:schemeClr val="accent4"/>
+          </a:effectRef>
+          <a:fontRef idx="minor">
+            <a:schemeClr val="lt1"/>
+          </a:fontRef>
+        </p:style>
+        <p:txBody>
+          <a:bodyPr vert="horz" wrap="square" lIns="91436" tIns="45718" rIns="91436" bIns="45718" numCol="1" rtlCol="0" anchor="ctr" anchorCtr="0" compatLnSpc="1">
+            <a:prstTxWarp prst="textNoShape">
+              <a:avLst/>
+            </a:prstTxWarp>
+          </a:bodyPr>
+          <a:lstStyle/>
+          <a:p>
+            <a:pPr algn="ctr" defTabSz="914099"/>
+            <a:endParaRPr lang="en-US" sz="2400" dirty="0" err="1" smtClean="0">
+              <a:gradFill>
+                <a:gsLst>
+                  <a:gs pos="0">
+                    <a:srgbClr val="FFFFFF"/>
+                  </a:gs>
+                  <a:gs pos="100000">
+                    <a:srgbClr val="FFFFFF"/>
+                  </a:gs>
+                </a:gsLst>
+                <a:lin ang="5400000" scaled="0"/>
+              </a:gradFill>
+            </a:endParaRPr>
+          </a:p>
+        </p:txBody>
+      </p:sp>
+      <p:cxnSp>
+        <p:nvCxnSpPr>
+          <p:cNvPr id="10" name="Straight Arrow Connector 9"/>
+          <p:cNvCxnSpPr/>
+          <p:nvPr/>
+        </p:nvCxnSpPr>
+        <p:spPr>
+          <a:xfrm flipH="1">
+            <a:off x="1743740" y="2998381"/>
+            <a:ext cx="1" cy="1756647"/>
+          </a:xfrm>
+          <a:prstGeom prst="straightConnector1">
+            <a:avLst/>
+          </a:prstGeom>
           <a:ln>
             <a:solidFill>
-              <a:schemeClr val="accent1">
-                <a:lumMod val="75000"/>
-              </a:schemeClr>
+              <a:schemeClr val="accent1"/>
             </a:solidFill>
+            <a:tailEnd type="triangle"/>
           </a:ln>
         </p:spPr>
-        <p:txBody>
-          <a:bodyPr anchor="ctr">
-            <a:noAutofit/>
-          </a:bodyPr>
-          <a:lstStyle>
-            <a:lvl1pPr algn="l">
-              <a:defRPr sz="4200" baseline="0">
-                <a:solidFill>
-                  <a:schemeClr val="bg2"/>
-                </a:solidFill>
-                <a:latin typeface="Courier New"/>
-                <a:cs typeface="Courier New"/>
-              </a:defRPr>
-            </a:lvl1pPr>
-          </a:lstStyle>
-          <a:p>
-            <a:pPr lvl="0"/>
-            <a:r>
-              <a:rPr lang="en-US" dirty="0" smtClean="0"/>
-              <a:t> </a:t>
-            </a:r>
-          </a:p>
-        </p:txBody>
-      </p:sp>
+        <p:style>
+          <a:lnRef idx="3">
+            <a:schemeClr val="accent1"/>
+          </a:lnRef>
+          <a:fillRef idx="0">
+            <a:schemeClr val="accent1"/>
+          </a:fillRef>
+          <a:effectRef idx="2">
+            <a:schemeClr val="accent1"/>
+          </a:effectRef>
+          <a:fontRef idx="minor">
+            <a:schemeClr val="tx1"/>
+          </a:fontRef>
+        </p:style>
+      </p:cxnSp>
     </p:spTree>
     <p:extLst>
       <p:ext uri="{BB962C8B-B14F-4D97-AF65-F5344CB8AC3E}">
-        <p14:creationId xmlns:p14="http://schemas.microsoft.com/office/powerpoint/2010/main" val="313274046"/>
+        <p14:creationId xmlns:p14="http://schemas.microsoft.com/office/powerpoint/2010/main" val="4012328690"/>
       </p:ext>
     </p:extLst>
   </p:cSld>
@@ -24984,6 +26954,13 @@
   <p:transition spd="med">
     <p:fade/>
   </p:transition>
+  <p:timing>
+    <p:tnLst>
+      <p:par>
+        <p:cTn id="1" dur="indefinite" restart="never" nodeType="tmRoot"/>
+      </p:par>
+    </p:tnLst>
+  </p:timing>
 </p:sld>
 </file>
 
@@ -25014,33 +26991,181 @@
             <p:ph sz="quarter" idx="10"/>
           </p:nvPr>
         </p:nvSpPr>
-        <p:spPr/>
+        <p:spPr>
+          <a:xfrm>
+            <a:off x="1121104" y="3228515"/>
+            <a:ext cx="14423693" cy="4667928"/>
+          </a:xfrm>
+        </p:spPr>
         <p:txBody>
           <a:bodyPr/>
           <a:lstStyle/>
           <a:p>
             <a:r>
-              <a:rPr lang="en-US" dirty="0" smtClean="0"/>
-              <a:t>...</a:t>
-            </a:r>
-          </a:p>
-          <a:p>
-            <a:pPr defTabSz="1217613" fontAlgn="base">
-              <a:lnSpc>
-                <a:spcPct val="90000"/>
-              </a:lnSpc>
-              <a:spcBef>
-                <a:spcPct val="30000"/>
-              </a:spcBef>
-              <a:spcAft>
-                <a:spcPts val="450"/>
-              </a:spcAft>
-              <a:buSzTx/>
-              <a:defRPr/>
-            </a:pPr>
-            <a:r>
-              <a:rPr lang="en-US" dirty="0" smtClean="0"/>
-              <a:t>+++ </a:t>
+              <a:rPr lang="en-US" sz="1200" dirty="0" smtClean="0"/>
+              <a:t>Failures:</a:t>
+            </a:r>
+            <a:endParaRPr lang="en-US" sz="1200" dirty="0"/>
+          </a:p>
+          <a:p>
+            <a:r>
+              <a:rPr lang="en-US" sz="1200" dirty="0"/>
+              <a:t>  1) SSH Configuration Protocol should </a:t>
+            </a:r>
+            <a:r>
+              <a:rPr lang="en-US" sz="1200" dirty="0" err="1"/>
+              <a:t>eq</a:t>
+            </a:r>
+            <a:r>
+              <a:rPr lang="en-US" sz="1200" dirty="0"/>
+              <a:t> "2"</a:t>
+            </a:r>
+          </a:p>
+          <a:p>
+            <a:r>
+              <a:rPr lang="en-US" sz="1200" dirty="0"/>
+              <a:t>     Failure/Error: its('Protocol') { should </a:t>
+            </a:r>
+            <a:r>
+              <a:rPr lang="en-US" sz="1200" dirty="0" err="1"/>
+              <a:t>eq</a:t>
+            </a:r>
+            <a:r>
+              <a:rPr lang="en-US" sz="1200" dirty="0"/>
+              <a:t>('2') }</a:t>
+            </a:r>
+          </a:p>
+          <a:p>
+            <a:endParaRPr lang="en-US" sz="1200" dirty="0"/>
+          </a:p>
+          <a:p>
+            <a:r>
+              <a:rPr lang="en-US" sz="1200" dirty="0"/>
+              <a:t>       expected: "2"</a:t>
+            </a:r>
+          </a:p>
+          <a:p>
+            <a:r>
+              <a:rPr lang="en-US" sz="1200" dirty="0"/>
+              <a:t>            got: nil</a:t>
+            </a:r>
+          </a:p>
+          <a:p>
+            <a:endParaRPr lang="en-US" sz="1200" dirty="0"/>
+          </a:p>
+          <a:p>
+            <a:r>
+              <a:rPr lang="en-US" sz="1200" dirty="0"/>
+              <a:t>       (compared using ==)</a:t>
+            </a:r>
+          </a:p>
+          <a:p>
+            <a:r>
+              <a:rPr lang="en-US" sz="1200" dirty="0"/>
+              <a:t>     # ./test/integration/client/</a:t>
+            </a:r>
+            <a:r>
+              <a:rPr lang="en-US" sz="1200" dirty="0" err="1"/>
+              <a:t>inspec</a:t>
+            </a:r>
+            <a:r>
+              <a:rPr lang="en-US" sz="1200" dirty="0"/>
+              <a:t>/client_spec.rb:9:in `block (3 levels) in load'</a:t>
+            </a:r>
+          </a:p>
+          <a:p>
+            <a:endParaRPr lang="en-US" sz="1200" dirty="0"/>
+          </a:p>
+          <a:p>
+            <a:r>
+              <a:rPr lang="en-US" sz="1200" dirty="0"/>
+              <a:t>Finished in 0.79369 seconds (files took 0.7207 seconds to load)</a:t>
+            </a:r>
+          </a:p>
+          <a:p>
+            <a:r>
+              <a:rPr lang="en-US" sz="1200" dirty="0"/>
+              <a:t>1 example, 1 failure</a:t>
+            </a:r>
+          </a:p>
+          <a:p>
+            <a:endParaRPr lang="en-US" sz="1200" dirty="0"/>
+          </a:p>
+          <a:p>
+            <a:r>
+              <a:rPr lang="en-US" sz="1200" dirty="0"/>
+              <a:t>Failed examples:</a:t>
+            </a:r>
+          </a:p>
+          <a:p>
+            <a:endParaRPr lang="en-US" sz="1200" dirty="0"/>
+          </a:p>
+          <a:p>
+            <a:r>
+              <a:rPr lang="en-US" sz="1200" dirty="0" err="1"/>
+              <a:t>rspec</a:t>
+            </a:r>
+            <a:r>
+              <a:rPr lang="en-US" sz="1200" dirty="0"/>
+              <a:t>  # SSH Configuration Protocol should </a:t>
+            </a:r>
+            <a:r>
+              <a:rPr lang="en-US" sz="1200" dirty="0" err="1"/>
+              <a:t>eq</a:t>
+            </a:r>
+            <a:r>
+              <a:rPr lang="en-US" sz="1200" dirty="0"/>
+              <a:t> "2"</a:t>
+            </a:r>
+          </a:p>
+          <a:p>
+            <a:endParaRPr lang="en-US" sz="1200" dirty="0"/>
+          </a:p>
+        </p:txBody>
+      </p:sp>
+      <p:sp>
+        <p:nvSpPr>
+          <p:cNvPr id="3" name="Text Placeholder 2"/>
+          <p:cNvSpPr>
+            <a:spLocks noGrp="1"/>
+          </p:cNvSpPr>
+          <p:nvPr>
+            <p:ph type="body" sz="quarter" idx="11"/>
+          </p:nvPr>
+        </p:nvSpPr>
+        <p:spPr>
+          <a:xfrm>
+            <a:off x="1121104" y="1337149"/>
+            <a:ext cx="14422528" cy="1512377"/>
+          </a:xfrm>
+        </p:spPr>
+        <p:txBody>
+          <a:bodyPr/>
+          <a:lstStyle/>
+          <a:p>
+            <a:r>
+              <a:rPr lang="en-US" dirty="0" smtClean="0"/>
+              <a:t>$ </a:t>
+            </a:r>
+            <a:r>
+              <a:rPr lang="en-US" dirty="0" err="1"/>
+              <a:t>inspec</a:t>
+            </a:r>
+            <a:r>
+              <a:rPr lang="en-US" dirty="0"/>
+              <a:t> </a:t>
+            </a:r>
+            <a:r>
+              <a:rPr lang="en-US" dirty="0" smtClean="0"/>
+              <a:t>exec ~/</a:t>
+            </a:r>
+            <a:r>
+              <a:rPr lang="en-US" dirty="0"/>
+              <a:t>cookbooks/ssh/test/integration/client/</a:t>
+            </a:r>
+            <a:r>
+              <a:rPr lang="en-US" dirty="0" err="1"/>
+              <a:t>inspec</a:t>
             </a:r>
             <a:r>
               <a:rPr lang="en-US" dirty="0"/>
@@ -25048,395 +27173,79 @@
             </a:r>
             <a:r>
               <a:rPr lang="en-US" dirty="0" err="1"/>
-              <a:t>tmp</a:t>
+              <a:t>client_spec.rb</a:t>
             </a:r>
             <a:r>
               <a:rPr lang="en-US" dirty="0"/>
-              <a:t>/chef-rendered-template20151208-21411-lkf24j        2015-12-08 16:57:28.398359184 +0000</a:t>
-            </a:r>
-          </a:p>
-          <a:p>
-            <a:pPr defTabSz="1217613" fontAlgn="base">
-              <a:lnSpc>
-                <a:spcPct val="90000"/>
-              </a:lnSpc>
-              <a:spcBef>
-                <a:spcPct val="30000"/>
-              </a:spcBef>
-              <a:spcAft>
-                <a:spcPts val="450"/>
-              </a:spcAft>
-              <a:buSzTx/>
-              <a:defRPr/>
-            </a:pPr>
-            <a:r>
-              <a:rPr lang="en-US" dirty="0"/>
-              <a:t>    @@ -37,7 +37,7 @@</a:t>
-            </a:r>
-          </a:p>
-          <a:p>
-            <a:pPr defTabSz="1217613" fontAlgn="base">
-              <a:lnSpc>
-                <a:spcPct val="90000"/>
-              </a:lnSpc>
-              <a:spcBef>
-                <a:spcPct val="30000"/>
-              </a:spcBef>
-              <a:spcAft>
-                <a:spcPts val="450"/>
-              </a:spcAft>
-              <a:buSzTx/>
-              <a:defRPr/>
-            </a:pPr>
-            <a:r>
-              <a:rPr lang="en-US" dirty="0"/>
-              <a:t>     #   </a:t>
-            </a:r>
-            <a:r>
-              <a:rPr lang="en-US" dirty="0" err="1"/>
-              <a:t>IdentityFile</a:t>
-            </a:r>
-            <a:r>
-              <a:rPr lang="en-US" dirty="0"/>
-              <a:t> ~/.ssh/</a:t>
-            </a:r>
-            <a:r>
-              <a:rPr lang="en-US" dirty="0" err="1"/>
-              <a:t>id_rsa</a:t>
+              <a:t> -t docker</a:t>
+            </a:r>
+            <a:r>
+              <a:rPr lang="en-US" dirty="0" smtClean="0"/>
+              <a:t>://CONTAINER_ID </a:t>
             </a:r>
             <a:endParaRPr lang="en-US" dirty="0"/>
           </a:p>
-          <a:p>
-            <a:pPr defTabSz="1217613" fontAlgn="base">
-              <a:lnSpc>
-                <a:spcPct val="90000"/>
-              </a:lnSpc>
-              <a:spcBef>
-                <a:spcPct val="30000"/>
-              </a:spcBef>
-              <a:spcAft>
-                <a:spcPts val="450"/>
-              </a:spcAft>
-              <a:buSzTx/>
-              <a:defRPr/>
-            </a:pPr>
-            <a:r>
-              <a:rPr lang="en-US" dirty="0"/>
-              <a:t>     #   </a:t>
-            </a:r>
-            <a:r>
-              <a:rPr lang="en-US" dirty="0" err="1"/>
-              <a:t>IdentityFile</a:t>
-            </a:r>
-            <a:r>
-              <a:rPr lang="en-US" dirty="0"/>
-              <a:t> ~/.ssh/</a:t>
-            </a:r>
-            <a:r>
-              <a:rPr lang="en-US" dirty="0" err="1"/>
-              <a:t>id_dsa</a:t>
-            </a:r>
-            <a:endParaRPr lang="en-US" dirty="0"/>
-          </a:p>
-          <a:p>
-            <a:pPr defTabSz="1217613" fontAlgn="base">
-              <a:lnSpc>
-                <a:spcPct val="90000"/>
-              </a:lnSpc>
-              <a:spcBef>
-                <a:spcPct val="30000"/>
-              </a:spcBef>
-              <a:spcAft>
-                <a:spcPts val="450"/>
-              </a:spcAft>
-              <a:buSzTx/>
-              <a:defRPr/>
-            </a:pPr>
-            <a:r>
-              <a:rPr lang="en-US" dirty="0"/>
-              <a:t>     #   Port 22</a:t>
-            </a:r>
-          </a:p>
-          <a:p>
-            <a:pPr defTabSz="1217613" fontAlgn="base">
-              <a:lnSpc>
-                <a:spcPct val="90000"/>
-              </a:lnSpc>
-              <a:spcBef>
-                <a:spcPct val="30000"/>
-              </a:spcBef>
-              <a:spcAft>
-                <a:spcPts val="450"/>
-              </a:spcAft>
-              <a:buSzTx/>
-              <a:defRPr/>
-            </a:pPr>
-            <a:r>
-              <a:rPr lang="en-US" dirty="0"/>
-              <a:t>    -#   Protocol 2,1</a:t>
-            </a:r>
-          </a:p>
-          <a:p>
-            <a:pPr defTabSz="1217613" fontAlgn="base">
-              <a:lnSpc>
-                <a:spcPct val="90000"/>
-              </a:lnSpc>
-              <a:spcBef>
-                <a:spcPct val="30000"/>
-              </a:spcBef>
-              <a:spcAft>
-                <a:spcPts val="450"/>
-              </a:spcAft>
-              <a:buSzTx/>
-              <a:defRPr/>
-            </a:pPr>
-            <a:r>
-              <a:rPr lang="en-US" dirty="0"/>
-              <a:t>    +   Protocol 2</a:t>
-            </a:r>
-          </a:p>
-          <a:p>
-            <a:pPr defTabSz="1217613" fontAlgn="base">
-              <a:lnSpc>
-                <a:spcPct val="90000"/>
-              </a:lnSpc>
-              <a:spcBef>
-                <a:spcPct val="30000"/>
-              </a:spcBef>
-              <a:spcAft>
-                <a:spcPts val="450"/>
-              </a:spcAft>
-              <a:buSzTx/>
-              <a:defRPr/>
-            </a:pPr>
-            <a:r>
-              <a:rPr lang="en-US" dirty="0"/>
-              <a:t>     #   Cipher 3des</a:t>
-            </a:r>
-          </a:p>
-          <a:p>
-            <a:pPr defTabSz="1217613" fontAlgn="base">
-              <a:lnSpc>
-                <a:spcPct val="90000"/>
-              </a:lnSpc>
-              <a:spcBef>
-                <a:spcPct val="30000"/>
-              </a:spcBef>
-              <a:spcAft>
-                <a:spcPts val="450"/>
-              </a:spcAft>
-              <a:buSzTx/>
-              <a:defRPr/>
-            </a:pPr>
-            <a:r>
-              <a:rPr lang="en-US" dirty="0"/>
-              <a:t>     #   Ciphers aes128-ctr,aes192-ctr,aes256-ctr,arcfour256,arcfour128,aes128-cbc,3des-cbc</a:t>
-            </a:r>
-          </a:p>
-          <a:p>
-            <a:pPr defTabSz="1217613" fontAlgn="base">
-              <a:lnSpc>
-                <a:spcPct val="90000"/>
-              </a:lnSpc>
-              <a:spcBef>
-                <a:spcPct val="30000"/>
-              </a:spcBef>
-              <a:spcAft>
-                <a:spcPts val="450"/>
-              </a:spcAft>
-              <a:buSzTx/>
-              <a:defRPr/>
-            </a:pPr>
-            <a:r>
-              <a:rPr lang="en-US" dirty="0"/>
-              <a:t>     #   MACs hmac-md5,hmac-sha1,umac-64@openssh.com,hmac-ripemd160</a:t>
-            </a:r>
-          </a:p>
-          <a:p>
-            <a:pPr defTabSz="1217613" fontAlgn="base">
-              <a:lnSpc>
-                <a:spcPct val="90000"/>
-              </a:lnSpc>
-              <a:spcBef>
-                <a:spcPct val="30000"/>
-              </a:spcBef>
-              <a:spcAft>
-                <a:spcPts val="450"/>
-              </a:spcAft>
-              <a:buSzTx/>
-              <a:defRPr/>
-            </a:pPr>
-            <a:endParaRPr lang="en-US" dirty="0"/>
-          </a:p>
-          <a:p>
-            <a:pPr defTabSz="1217613" fontAlgn="base">
-              <a:lnSpc>
-                <a:spcPct val="90000"/>
-              </a:lnSpc>
-              <a:spcBef>
-                <a:spcPct val="30000"/>
-              </a:spcBef>
-              <a:spcAft>
-                <a:spcPts val="450"/>
-              </a:spcAft>
-              <a:buSzTx/>
-              <a:defRPr/>
-            </a:pPr>
-            <a:r>
-              <a:rPr lang="en-US" dirty="0"/>
-              <a:t>Running handlers:</a:t>
-            </a:r>
-          </a:p>
-          <a:p>
-            <a:pPr defTabSz="1217613" fontAlgn="base">
-              <a:lnSpc>
-                <a:spcPct val="90000"/>
-              </a:lnSpc>
-              <a:spcBef>
-                <a:spcPct val="30000"/>
-              </a:spcBef>
-              <a:spcAft>
-                <a:spcPts val="450"/>
-              </a:spcAft>
-              <a:buSzTx/>
-              <a:defRPr/>
-            </a:pPr>
-            <a:r>
-              <a:rPr lang="en-US" dirty="0"/>
-              <a:t>Running handlers complete</a:t>
-            </a:r>
-          </a:p>
-          <a:p>
-            <a:pPr defTabSz="1217613" fontAlgn="base">
-              <a:lnSpc>
-                <a:spcPct val="90000"/>
-              </a:lnSpc>
-              <a:spcBef>
-                <a:spcPct val="30000"/>
-              </a:spcBef>
-              <a:spcAft>
-                <a:spcPts val="450"/>
-              </a:spcAft>
-              <a:buSzTx/>
-              <a:defRPr/>
-            </a:pPr>
-            <a:r>
-              <a:rPr lang="en-US" dirty="0"/>
-              <a:t>Chef Client finished, 1/1 resources updated in 3.29477715 seconds</a:t>
-            </a:r>
-          </a:p>
-        </p:txBody>
-      </p:sp>
-      <p:sp>
-        <p:nvSpPr>
-          <p:cNvPr id="3" name="Text Placeholder 2"/>
-          <p:cNvSpPr>
-            <a:spLocks noGrp="1"/>
-          </p:cNvSpPr>
-          <p:nvPr>
-            <p:ph type="body" sz="quarter" idx="11"/>
-          </p:nvPr>
-        </p:nvSpPr>
-        <p:spPr/>
-        <p:txBody>
-          <a:bodyPr/>
-          <a:lstStyle/>
-          <a:p>
-            <a:r>
-              <a:rPr lang="en-US" dirty="0"/>
-              <a:t>$ </a:t>
-            </a:r>
-            <a:r>
-              <a:rPr lang="fr-FR" dirty="0"/>
-              <a:t>sudo chef-client --local-mode -r '</a:t>
-            </a:r>
-            <a:r>
-              <a:rPr lang="fr-FR" dirty="0" err="1"/>
-              <a:t>recipe</a:t>
-            </a:r>
-            <a:r>
-              <a:rPr lang="fr-FR" dirty="0"/>
-              <a:t>[ssh::client]'</a:t>
-            </a:r>
-            <a:endParaRPr lang="en-US" dirty="0"/>
-          </a:p>
-        </p:txBody>
-      </p:sp>
-      <p:sp>
-        <p:nvSpPr>
-          <p:cNvPr id="5" name="Title 4"/>
-          <p:cNvSpPr>
-            <a:spLocks noGrp="1"/>
-          </p:cNvSpPr>
-          <p:nvPr>
-            <p:ph type="title"/>
-          </p:nvPr>
-        </p:nvSpPr>
-        <p:spPr/>
-        <p:txBody>
-          <a:bodyPr/>
-          <a:lstStyle/>
-          <a:p>
-            <a:r>
-              <a:rPr lang="en-US" dirty="0"/>
-              <a:t>GE: </a:t>
-            </a:r>
-            <a:r>
-              <a:rPr lang="en-US" dirty="0" smtClean="0"/>
-              <a:t>Run chef-client in Local Mode</a:t>
-            </a:r>
-            <a:endParaRPr lang="en-US" dirty="0"/>
-          </a:p>
-        </p:txBody>
-      </p:sp>
-      <p:sp>
-        <p:nvSpPr>
-          <p:cNvPr id="9" name="Content Placeholder 5"/>
-          <p:cNvSpPr>
-            <a:spLocks noGrp="1"/>
-          </p:cNvSpPr>
-          <p:nvPr>
-            <p:ph sz="quarter" idx="12" hasCustomPrompt="1"/>
+        </p:txBody>
+      </p:sp>
+      <p:sp>
+        <p:nvSpPr>
+          <p:cNvPr id="4" name="Content Placeholder 3"/>
+          <p:cNvSpPr>
+            <a:spLocks noGrp="1"/>
+          </p:cNvSpPr>
+          <p:nvPr>
+            <p:ph sz="quarter" idx="12"/>
           </p:nvPr>
         </p:nvSpPr>
         <p:spPr>
           <a:xfrm>
-            <a:off x="1122782" y="6108875"/>
-            <a:ext cx="14420850" cy="1069165"/>
+            <a:off x="1122782" y="2292313"/>
+            <a:ext cx="14420850" cy="557213"/>
           </a:xfrm>
-          <a:solidFill>
-            <a:schemeClr val="accent1">
-              <a:alpha val="60000"/>
-            </a:schemeClr>
-          </a:solidFill>
-          <a:ln>
-            <a:solidFill>
-              <a:schemeClr val="accent1">
-                <a:lumMod val="75000"/>
-              </a:schemeClr>
-            </a:solidFill>
-          </a:ln>
         </p:spPr>
         <p:txBody>
-          <a:bodyPr anchor="ctr">
-            <a:noAutofit/>
-          </a:bodyPr>
-          <a:lstStyle>
-            <a:lvl1pPr algn="l">
-              <a:defRPr sz="4200" baseline="0">
-                <a:solidFill>
-                  <a:schemeClr val="bg2"/>
-                </a:solidFill>
-                <a:latin typeface="Courier New"/>
-                <a:cs typeface="Courier New"/>
-              </a:defRPr>
-            </a:lvl1pPr>
-          </a:lstStyle>
-          <a:p>
-            <a:pPr lvl="0"/>
-            <a:r>
-              <a:rPr lang="en-US" dirty="0" smtClean="0"/>
-              <a:t> </a:t>
+          <a:bodyPr/>
+          <a:lstStyle/>
+          <a:p>
+            <a:endParaRPr lang="en-US" dirty="0"/>
+          </a:p>
+        </p:txBody>
+      </p:sp>
+      <p:sp>
+        <p:nvSpPr>
+          <p:cNvPr id="5" name="Title 4"/>
+          <p:cNvSpPr>
+            <a:spLocks noGrp="1"/>
+          </p:cNvSpPr>
+          <p:nvPr>
+            <p:ph type="title"/>
+          </p:nvPr>
+        </p:nvSpPr>
+        <p:spPr>
+          <a:xfrm>
+            <a:off x="608432" y="360193"/>
+            <a:ext cx="14935200" cy="828675"/>
+          </a:xfrm>
+        </p:spPr>
+        <p:txBody>
+          <a:bodyPr/>
+          <a:lstStyle/>
+          <a:p>
+            <a:r>
+              <a:rPr lang="en-US" dirty="0" smtClean="0"/>
+              <a:t>GE: </a:t>
+            </a:r>
+            <a:r>
+              <a:rPr lang="en-US" dirty="0"/>
+              <a:t>Running </a:t>
+            </a:r>
+            <a:r>
+              <a:rPr lang="en-US" dirty="0" err="1"/>
+              <a:t>InSpec</a:t>
+            </a:r>
+            <a:r>
+              <a:rPr lang="en-US" dirty="0"/>
+              <a:t> from the CLI</a:t>
             </a:r>
           </a:p>
         </p:txBody>
@@ -25444,7 +27253,7 @@
     </p:spTree>
     <p:extLst>
       <p:ext uri="{BB962C8B-B14F-4D97-AF65-F5344CB8AC3E}">
-        <p14:creationId xmlns:p14="http://schemas.microsoft.com/office/powerpoint/2010/main" val="1541066198"/>
+        <p14:creationId xmlns:p14="http://schemas.microsoft.com/office/powerpoint/2010/main" val="372084642"/>
       </p:ext>
     </p:extLst>
   </p:cSld>
@@ -25454,6 +27263,13 @@
   <p:transition spd="med">
     <p:fade/>
   </p:transition>
+  <p:timing>
+    <p:tnLst>
+      <p:par>
+        <p:cTn id="1" dur="indefinite" restart="never" nodeType="tmRoot"/>
+      </p:par>
+    </p:tnLst>
+  </p:timing>
 </p:sld>
 </file>
 
@@ -25486,22 +27302,120 @@
         </p:nvSpPr>
         <p:spPr/>
         <p:txBody>
-          <a:bodyPr>
-            <a:normAutofit/>
-          </a:bodyPr>
-          <a:lstStyle/>
-          <a:p>
-            <a:r>
-              <a:rPr lang="en-US" dirty="0" smtClean="0"/>
-              <a:t>GE: Re-run the Compliance Scan</a:t>
-            </a:r>
+          <a:bodyPr/>
+          <a:lstStyle/>
+          <a:p>
+            <a:r>
+              <a:rPr lang="en-US" dirty="0"/>
+              <a:t>GE: Update the Template</a:t>
+            </a:r>
+          </a:p>
+        </p:txBody>
+      </p:sp>
+      <p:sp>
+        <p:nvSpPr>
+          <p:cNvPr id="3" name="Content Placeholder 2"/>
+          <p:cNvSpPr>
+            <a:spLocks noGrp="1"/>
+          </p:cNvSpPr>
+          <p:nvPr>
+            <p:ph sz="quarter" idx="10"/>
+          </p:nvPr>
+        </p:nvSpPr>
+        <p:spPr/>
+        <p:txBody>
+          <a:bodyPr/>
+          <a:lstStyle/>
+          <a:p>
+            <a:r>
+              <a:rPr lang="en-US" b="1" dirty="0"/>
+              <a:t>#   </a:t>
+            </a:r>
+            <a:r>
+              <a:rPr lang="en-US" b="1" dirty="0" err="1"/>
+              <a:t>IdentityFile</a:t>
+            </a:r>
+            <a:r>
+              <a:rPr lang="en-US" b="1" dirty="0"/>
+              <a:t> ~/.ssh/</a:t>
+            </a:r>
+            <a:r>
+              <a:rPr lang="en-US" b="1" dirty="0" err="1"/>
+              <a:t>id_rsa</a:t>
+            </a:r>
+            <a:endParaRPr lang="en-US" b="1" dirty="0"/>
+          </a:p>
+          <a:p>
+            <a:r>
+              <a:rPr lang="en-US" b="1" dirty="0"/>
+              <a:t>#   </a:t>
+            </a:r>
+            <a:r>
+              <a:rPr lang="en-US" b="1" dirty="0" err="1"/>
+              <a:t>IdentityFile</a:t>
+            </a:r>
+            <a:r>
+              <a:rPr lang="en-US" b="1" dirty="0"/>
+              <a:t> ~/.ssh/</a:t>
+            </a:r>
+            <a:r>
+              <a:rPr lang="en-US" b="1" dirty="0" err="1"/>
+              <a:t>id_dsa</a:t>
+            </a:r>
+            <a:endParaRPr lang="en-US" b="1" dirty="0"/>
+          </a:p>
+          <a:p>
+            <a:r>
+              <a:rPr lang="en-US" b="1" dirty="0"/>
+              <a:t>#   Port 22</a:t>
+            </a:r>
+          </a:p>
+          <a:p>
+            <a:r>
+              <a:rPr lang="en-US" b="1" dirty="0"/>
+              <a:t>#   Protocol </a:t>
+            </a:r>
+            <a:r>
+              <a:rPr lang="en-US" b="1" dirty="0" smtClean="0"/>
+              <a:t>2,1</a:t>
+            </a:r>
+            <a:endParaRPr lang="en-US" b="1" dirty="0"/>
+          </a:p>
+          <a:p>
             <a:endParaRPr lang="en-US" dirty="0"/>
           </a:p>
         </p:txBody>
       </p:sp>
       <p:sp>
         <p:nvSpPr>
-          <p:cNvPr id="3" name="Text Placeholder 2"/>
+          <p:cNvPr id="4" name="Text Placeholder 3"/>
+          <p:cNvSpPr>
+            <a:spLocks noGrp="1"/>
+          </p:cNvSpPr>
+          <p:nvPr>
+            <p:ph type="body" sz="quarter" idx="11"/>
+          </p:nvPr>
+        </p:nvSpPr>
+        <p:spPr/>
+        <p:txBody>
+          <a:bodyPr/>
+          <a:lstStyle/>
+          <a:p>
+            <a:r>
+              <a:rPr lang="en-US" dirty="0" smtClean="0"/>
+              <a:t>~/cookbooks/ssh/templates/default/</a:t>
+            </a:r>
+            <a:r>
+              <a:rPr lang="en-US" dirty="0" err="1" smtClean="0"/>
+              <a:t>ssh_config.erb</a:t>
+            </a:r>
+            <a:endParaRPr lang="en-US" dirty="0"/>
+          </a:p>
+        </p:txBody>
+      </p:sp>
+      <p:sp>
+        <p:nvSpPr>
+          <p:cNvPr id="5" name="Text Placeholder 4"/>
           <p:cNvSpPr>
             <a:spLocks noGrp="1"/>
           </p:cNvSpPr>
@@ -25511,64 +27425,22 @@
         </p:nvSpPr>
         <p:spPr>
           <a:xfrm>
-            <a:off x="421440" y="1856198"/>
-            <a:ext cx="5293560" cy="5345953"/>
+            <a:off x="1198583" y="3627899"/>
+            <a:ext cx="14404273" cy="659007"/>
           </a:xfrm>
         </p:spPr>
         <p:txBody>
           <a:bodyPr/>
           <a:lstStyle/>
           <a:p>
-            <a:r>
-              <a:rPr lang="en-US" dirty="0" smtClean="0"/>
-              <a:t>Return to the Compliance Web UI and re-run the scan on your target node.</a:t>
-            </a:r>
-          </a:p>
-          <a:p>
-            <a:endParaRPr lang="en-US" dirty="0" smtClean="0"/>
-          </a:p>
-          <a:p>
-            <a:r>
-              <a:rPr lang="en-US" dirty="0" smtClean="0"/>
-              <a:t>Be sure to run only the base/ssh scan as shown on the next slide.</a:t>
-            </a:r>
             <a:endParaRPr lang="en-US" dirty="0"/>
           </a:p>
         </p:txBody>
       </p:sp>
-      <p:pic>
-        <p:nvPicPr>
-          <p:cNvPr id="7" name="Picture 6"/>
-          <p:cNvPicPr>
-            <a:picLocks noChangeAspect="1"/>
-          </p:cNvPicPr>
-          <p:nvPr/>
-        </p:nvPicPr>
-        <p:blipFill>
-          <a:blip r:embed="rId3"/>
-          <a:stretch>
-            <a:fillRect/>
-          </a:stretch>
-        </p:blipFill>
-        <p:spPr>
-          <a:xfrm>
-            <a:off x="5943600" y="1669732"/>
-            <a:ext cx="10113481" cy="3839528"/>
-          </a:xfrm>
-          <a:prstGeom prst="rect">
-            <a:avLst/>
-          </a:prstGeom>
-          <a:ln>
-            <a:solidFill>
-              <a:schemeClr val="accent1"/>
-            </a:solidFill>
-          </a:ln>
-        </p:spPr>
-      </p:pic>
     </p:spTree>
     <p:extLst>
       <p:ext uri="{BB962C8B-B14F-4D97-AF65-F5344CB8AC3E}">
-        <p14:creationId xmlns:p14="http://schemas.microsoft.com/office/powerpoint/2010/main" val="1063650275"/>
+        <p14:creationId xmlns:p14="http://schemas.microsoft.com/office/powerpoint/2010/main" val="1938383060"/>
       </p:ext>
     </p:extLst>
   </p:cSld>
@@ -25578,6 +27450,13 @@
   <p:transition spd="med">
     <p:fade/>
   </p:transition>
+  <p:timing>
+    <p:tnLst>
+      <p:par>
+        <p:cTn id="1" dur="indefinite" restart="never" nodeType="tmRoot"/>
+      </p:par>
+    </p:tnLst>
+  </p:timing>
 </p:sld>
 </file>
 
@@ -25764,6 +27643,1119 @@
         </p:nvSpPr>
         <p:spPr/>
         <p:txBody>
+          <a:bodyPr/>
+          <a:lstStyle/>
+          <a:p>
+            <a:r>
+              <a:rPr lang="en-US" dirty="0"/>
+              <a:t>GE: Update the Template</a:t>
+            </a:r>
+          </a:p>
+        </p:txBody>
+      </p:sp>
+      <p:sp>
+        <p:nvSpPr>
+          <p:cNvPr id="3" name="Content Placeholder 2"/>
+          <p:cNvSpPr>
+            <a:spLocks noGrp="1"/>
+          </p:cNvSpPr>
+          <p:nvPr>
+            <p:ph sz="quarter" idx="10"/>
+          </p:nvPr>
+        </p:nvSpPr>
+        <p:spPr/>
+        <p:txBody>
+          <a:bodyPr/>
+          <a:lstStyle/>
+          <a:p>
+            <a:r>
+              <a:rPr lang="en-US" b="1" dirty="0"/>
+              <a:t>#   </a:t>
+            </a:r>
+            <a:r>
+              <a:rPr lang="en-US" b="1" dirty="0" err="1"/>
+              <a:t>IdentityFile</a:t>
+            </a:r>
+            <a:r>
+              <a:rPr lang="en-US" b="1" dirty="0"/>
+              <a:t> ~/.ssh/</a:t>
+            </a:r>
+            <a:r>
+              <a:rPr lang="en-US" b="1" dirty="0" err="1"/>
+              <a:t>id_rsa</a:t>
+            </a:r>
+            <a:endParaRPr lang="en-US" b="1" dirty="0"/>
+          </a:p>
+          <a:p>
+            <a:r>
+              <a:rPr lang="en-US" b="1" dirty="0"/>
+              <a:t>#   </a:t>
+            </a:r>
+            <a:r>
+              <a:rPr lang="en-US" b="1" dirty="0" err="1"/>
+              <a:t>IdentityFile</a:t>
+            </a:r>
+            <a:r>
+              <a:rPr lang="en-US" b="1" dirty="0"/>
+              <a:t> ~/.ssh/</a:t>
+            </a:r>
+            <a:r>
+              <a:rPr lang="en-US" b="1" dirty="0" err="1"/>
+              <a:t>id_dsa</a:t>
+            </a:r>
+            <a:endParaRPr lang="en-US" b="1" dirty="0"/>
+          </a:p>
+          <a:p>
+            <a:r>
+              <a:rPr lang="en-US" b="1" dirty="0"/>
+              <a:t>#   Port </a:t>
+            </a:r>
+            <a:r>
+              <a:rPr lang="en-US" b="1" dirty="0" smtClean="0"/>
+              <a:t>22</a:t>
+            </a:r>
+          </a:p>
+          <a:p>
+            <a:r>
+              <a:rPr lang="en-US" b="1" dirty="0" smtClean="0"/>
+              <a:t>Protocol 2</a:t>
+            </a:r>
+          </a:p>
+          <a:p>
+            <a:endParaRPr lang="en-US" dirty="0"/>
+          </a:p>
+        </p:txBody>
+      </p:sp>
+      <p:sp>
+        <p:nvSpPr>
+          <p:cNvPr id="4" name="Text Placeholder 3"/>
+          <p:cNvSpPr>
+            <a:spLocks noGrp="1"/>
+          </p:cNvSpPr>
+          <p:nvPr>
+            <p:ph type="body" sz="quarter" idx="11"/>
+          </p:nvPr>
+        </p:nvSpPr>
+        <p:spPr/>
+        <p:txBody>
+          <a:bodyPr/>
+          <a:lstStyle/>
+          <a:p>
+            <a:r>
+              <a:rPr lang="en-US" dirty="0" smtClean="0"/>
+              <a:t>~/cookbooks/ssh/templates/default/</a:t>
+            </a:r>
+            <a:r>
+              <a:rPr lang="en-US" dirty="0" err="1" smtClean="0"/>
+              <a:t>ssh_config.erb</a:t>
+            </a:r>
+            <a:endParaRPr lang="en-US" dirty="0"/>
+          </a:p>
+        </p:txBody>
+      </p:sp>
+      <p:sp>
+        <p:nvSpPr>
+          <p:cNvPr id="6" name="Text Placeholder 5"/>
+          <p:cNvSpPr>
+            <a:spLocks noGrp="1"/>
+          </p:cNvSpPr>
+          <p:nvPr>
+            <p:ph type="body" sz="quarter" idx="13"/>
+          </p:nvPr>
+        </p:nvSpPr>
+        <p:spPr>
+          <a:xfrm>
+            <a:off x="1139359" y="3696890"/>
+            <a:ext cx="14404273" cy="626533"/>
+          </a:xfrm>
+        </p:spPr>
+        <p:txBody>
+          <a:bodyPr/>
+          <a:lstStyle/>
+          <a:p>
+            <a:endParaRPr lang="en-US" dirty="0"/>
+          </a:p>
+        </p:txBody>
+      </p:sp>
+    </p:spTree>
+    <p:extLst>
+      <p:ext uri="{BB962C8B-B14F-4D97-AF65-F5344CB8AC3E}">
+        <p14:creationId xmlns:p14="http://schemas.microsoft.com/office/powerpoint/2010/main" val="3137575415"/>
+      </p:ext>
+    </p:extLst>
+  </p:cSld>
+  <p:clrMapOvr>
+    <a:masterClrMapping/>
+  </p:clrMapOvr>
+  <p:transition spd="med">
+    <p:fade/>
+  </p:transition>
+</p:sld>
+</file>
+
+<file path=ppt/slides/slide51.xml><?xml version="1.0" encoding="utf-8"?>
+<p:sld xmlns:a="http://schemas.openxmlformats.org/drawingml/2006/main" xmlns:r="http://schemas.openxmlformats.org/officeDocument/2006/relationships" xmlns:p="http://schemas.openxmlformats.org/presentationml/2006/main">
+  <p:cSld>
+    <p:spTree>
+      <p:nvGrpSpPr>
+        <p:cNvPr id="1" name=""/>
+        <p:cNvGrpSpPr/>
+        <p:nvPr/>
+      </p:nvGrpSpPr>
+      <p:grpSpPr>
+        <a:xfrm>
+          <a:off x="0" y="0"/>
+          <a:ext cx="0" cy="0"/>
+          <a:chOff x="0" y="0"/>
+          <a:chExt cx="0" cy="0"/>
+        </a:xfrm>
+      </p:grpSpPr>
+      <p:sp>
+        <p:nvSpPr>
+          <p:cNvPr id="3" name="Text Placeholder 2"/>
+          <p:cNvSpPr>
+            <a:spLocks noGrp="1"/>
+          </p:cNvSpPr>
+          <p:nvPr>
+            <p:ph type="body" sz="quarter" idx="11"/>
+          </p:nvPr>
+        </p:nvSpPr>
+        <p:spPr>
+          <a:xfrm>
+            <a:off x="1121104" y="1337149"/>
+            <a:ext cx="14422528" cy="1108871"/>
+          </a:xfrm>
+        </p:spPr>
+        <p:txBody>
+          <a:bodyPr/>
+          <a:lstStyle/>
+          <a:p>
+            <a:r>
+              <a:rPr lang="en-US" dirty="0" smtClean="0"/>
+              <a:t>$ </a:t>
+            </a:r>
+            <a:r>
+              <a:rPr lang="en-US" dirty="0"/>
+              <a:t>cd ~/cookbooks/ssh</a:t>
+            </a:r>
+          </a:p>
+        </p:txBody>
+      </p:sp>
+      <p:sp>
+        <p:nvSpPr>
+          <p:cNvPr id="5" name="Title 4"/>
+          <p:cNvSpPr>
+            <a:spLocks noGrp="1"/>
+          </p:cNvSpPr>
+          <p:nvPr>
+            <p:ph type="title"/>
+          </p:nvPr>
+        </p:nvSpPr>
+        <p:spPr/>
+        <p:txBody>
+          <a:bodyPr>
+            <a:normAutofit/>
+          </a:bodyPr>
+          <a:lstStyle/>
+          <a:p>
+            <a:r>
+              <a:rPr lang="en-US" dirty="0"/>
+              <a:t>GE: </a:t>
+            </a:r>
+            <a:r>
+              <a:rPr lang="en-US" dirty="0" smtClean="0"/>
+              <a:t>Ensure you are in ~/</a:t>
+            </a:r>
+            <a:r>
+              <a:rPr lang="en-US" dirty="0"/>
+              <a:t>cookbooks/ssh</a:t>
+            </a:r>
+          </a:p>
+        </p:txBody>
+      </p:sp>
+    </p:spTree>
+    <p:extLst>
+      <p:ext uri="{BB962C8B-B14F-4D97-AF65-F5344CB8AC3E}">
+        <p14:creationId xmlns:p14="http://schemas.microsoft.com/office/powerpoint/2010/main" val="2566115230"/>
+      </p:ext>
+    </p:extLst>
+  </p:cSld>
+  <p:clrMapOvr>
+    <a:masterClrMapping/>
+  </p:clrMapOvr>
+  <p:transition spd="med">
+    <p:fade/>
+  </p:transition>
+</p:sld>
+</file>
+
+<file path=ppt/slides/slide52.xml><?xml version="1.0" encoding="utf-8"?>
+<p:sld xmlns:a="http://schemas.openxmlformats.org/drawingml/2006/main" xmlns:r="http://schemas.openxmlformats.org/officeDocument/2006/relationships" xmlns:p="http://schemas.openxmlformats.org/presentationml/2006/main">
+  <p:cSld>
+    <p:spTree>
+      <p:nvGrpSpPr>
+        <p:cNvPr id="1" name=""/>
+        <p:cNvGrpSpPr/>
+        <p:nvPr/>
+      </p:nvGrpSpPr>
+      <p:grpSpPr>
+        <a:xfrm>
+          <a:off x="0" y="0"/>
+          <a:ext cx="0" cy="0"/>
+          <a:chOff x="0" y="0"/>
+          <a:chExt cx="0" cy="0"/>
+        </a:xfrm>
+      </p:grpSpPr>
+      <p:sp>
+        <p:nvSpPr>
+          <p:cNvPr id="2" name="Content Placeholder 1"/>
+          <p:cNvSpPr>
+            <a:spLocks noGrp="1"/>
+          </p:cNvSpPr>
+          <p:nvPr>
+            <p:ph sz="quarter" idx="10"/>
+          </p:nvPr>
+        </p:nvSpPr>
+        <p:spPr/>
+        <p:txBody>
+          <a:bodyPr/>
+          <a:lstStyle/>
+          <a:p>
+            <a:r>
+              <a:rPr lang="en-US" dirty="0" smtClean="0"/>
+              <a:t>...</a:t>
+            </a:r>
+          </a:p>
+          <a:p>
+            <a:pPr defTabSz="1217613" fontAlgn="base">
+              <a:lnSpc>
+                <a:spcPct val="90000"/>
+              </a:lnSpc>
+              <a:spcBef>
+                <a:spcPct val="30000"/>
+              </a:spcBef>
+              <a:spcAft>
+                <a:spcPts val="450"/>
+              </a:spcAft>
+              <a:buSzTx/>
+              <a:defRPr/>
+            </a:pPr>
+            <a:r>
+              <a:rPr lang="en-US" dirty="0" smtClean="0"/>
+              <a:t>+++ </a:t>
+            </a:r>
+            <a:r>
+              <a:rPr lang="en-US" dirty="0"/>
+              <a:t>/etc/ssh/.ssh_config20151209-412-cf7gd7  2015-12-09 20:35:29.734689138 +0000</a:t>
+            </a:r>
+          </a:p>
+          <a:p>
+            <a:pPr defTabSz="1217613" fontAlgn="base">
+              <a:lnSpc>
+                <a:spcPct val="90000"/>
+              </a:lnSpc>
+              <a:spcBef>
+                <a:spcPct val="30000"/>
+              </a:spcBef>
+              <a:spcAft>
+                <a:spcPts val="450"/>
+              </a:spcAft>
+              <a:buSzTx/>
+              <a:defRPr/>
+            </a:pPr>
+            <a:r>
+              <a:rPr lang="en-US" dirty="0"/>
+              <a:t>           @@ -37,7 +37,7 @@</a:t>
+            </a:r>
+          </a:p>
+          <a:p>
+            <a:pPr defTabSz="1217613" fontAlgn="base">
+              <a:lnSpc>
+                <a:spcPct val="90000"/>
+              </a:lnSpc>
+              <a:spcBef>
+                <a:spcPct val="30000"/>
+              </a:spcBef>
+              <a:spcAft>
+                <a:spcPts val="450"/>
+              </a:spcAft>
+              <a:buSzTx/>
+              <a:defRPr/>
+            </a:pPr>
+            <a:r>
+              <a:rPr lang="en-US" dirty="0"/>
+              <a:t>            #   </a:t>
+            </a:r>
+            <a:r>
+              <a:rPr lang="en-US" dirty="0" err="1"/>
+              <a:t>IdentityFile</a:t>
+            </a:r>
+            <a:r>
+              <a:rPr lang="en-US" dirty="0"/>
+              <a:t> ~/.ssh/</a:t>
+            </a:r>
+            <a:r>
+              <a:rPr lang="en-US" dirty="0" err="1"/>
+              <a:t>id_rsa</a:t>
+            </a:r>
+            <a:endParaRPr lang="en-US" dirty="0"/>
+          </a:p>
+          <a:p>
+            <a:pPr defTabSz="1217613" fontAlgn="base">
+              <a:lnSpc>
+                <a:spcPct val="90000"/>
+              </a:lnSpc>
+              <a:spcBef>
+                <a:spcPct val="30000"/>
+              </a:spcBef>
+              <a:spcAft>
+                <a:spcPts val="450"/>
+              </a:spcAft>
+              <a:buSzTx/>
+              <a:defRPr/>
+            </a:pPr>
+            <a:r>
+              <a:rPr lang="en-US" dirty="0"/>
+              <a:t>            #   </a:t>
+            </a:r>
+            <a:r>
+              <a:rPr lang="en-US" dirty="0" err="1"/>
+              <a:t>IdentityFile</a:t>
+            </a:r>
+            <a:r>
+              <a:rPr lang="en-US" dirty="0"/>
+              <a:t> ~/.ssh/</a:t>
+            </a:r>
+            <a:r>
+              <a:rPr lang="en-US" dirty="0" err="1"/>
+              <a:t>id_dsa</a:t>
+            </a:r>
+            <a:endParaRPr lang="en-US" dirty="0"/>
+          </a:p>
+          <a:p>
+            <a:pPr defTabSz="1217613" fontAlgn="base">
+              <a:lnSpc>
+                <a:spcPct val="90000"/>
+              </a:lnSpc>
+              <a:spcBef>
+                <a:spcPct val="30000"/>
+              </a:spcBef>
+              <a:spcAft>
+                <a:spcPts val="450"/>
+              </a:spcAft>
+              <a:buSzTx/>
+              <a:defRPr/>
+            </a:pPr>
+            <a:r>
+              <a:rPr lang="en-US" dirty="0"/>
+              <a:t>            #   Port 22</a:t>
+            </a:r>
+          </a:p>
+          <a:p>
+            <a:pPr defTabSz="1217613" fontAlgn="base">
+              <a:lnSpc>
+                <a:spcPct val="90000"/>
+              </a:lnSpc>
+              <a:spcBef>
+                <a:spcPct val="30000"/>
+              </a:spcBef>
+              <a:spcAft>
+                <a:spcPts val="450"/>
+              </a:spcAft>
+              <a:buSzTx/>
+              <a:defRPr/>
+            </a:pPr>
+            <a:r>
+              <a:rPr lang="en-US" dirty="0"/>
+              <a:t>           -#   Protocol 2,1</a:t>
+            </a:r>
+          </a:p>
+          <a:p>
+            <a:pPr defTabSz="1217613" fontAlgn="base">
+              <a:lnSpc>
+                <a:spcPct val="90000"/>
+              </a:lnSpc>
+              <a:spcBef>
+                <a:spcPct val="30000"/>
+              </a:spcBef>
+              <a:spcAft>
+                <a:spcPts val="450"/>
+              </a:spcAft>
+              <a:buSzTx/>
+              <a:defRPr/>
+            </a:pPr>
+            <a:r>
+              <a:rPr lang="en-US" dirty="0"/>
+              <a:t>           +Protocol 2</a:t>
+            </a:r>
+          </a:p>
+          <a:p>
+            <a:pPr defTabSz="1217613" fontAlgn="base">
+              <a:lnSpc>
+                <a:spcPct val="90000"/>
+              </a:lnSpc>
+              <a:spcBef>
+                <a:spcPct val="30000"/>
+              </a:spcBef>
+              <a:spcAft>
+                <a:spcPts val="450"/>
+              </a:spcAft>
+              <a:buSzTx/>
+              <a:defRPr/>
+            </a:pPr>
+            <a:r>
+              <a:rPr lang="en-US" dirty="0"/>
+              <a:t>            #   Cipher </a:t>
+            </a:r>
+            <a:r>
+              <a:rPr lang="en-US" dirty="0" smtClean="0"/>
+              <a:t>3des</a:t>
+            </a:r>
+            <a:endParaRPr lang="en-US" dirty="0"/>
+          </a:p>
+        </p:txBody>
+      </p:sp>
+      <p:sp>
+        <p:nvSpPr>
+          <p:cNvPr id="3" name="Text Placeholder 2"/>
+          <p:cNvSpPr>
+            <a:spLocks noGrp="1"/>
+          </p:cNvSpPr>
+          <p:nvPr>
+            <p:ph type="body" sz="quarter" idx="11"/>
+          </p:nvPr>
+        </p:nvSpPr>
+        <p:spPr/>
+        <p:txBody>
+          <a:bodyPr/>
+          <a:lstStyle/>
+          <a:p>
+            <a:r>
+              <a:rPr lang="en-US" dirty="0"/>
+              <a:t>$ kitchen converge</a:t>
+            </a:r>
+          </a:p>
+        </p:txBody>
+      </p:sp>
+      <p:sp>
+        <p:nvSpPr>
+          <p:cNvPr id="5" name="Title 4"/>
+          <p:cNvSpPr>
+            <a:spLocks noGrp="1"/>
+          </p:cNvSpPr>
+          <p:nvPr>
+            <p:ph type="title"/>
+          </p:nvPr>
+        </p:nvSpPr>
+        <p:spPr/>
+        <p:txBody>
+          <a:bodyPr/>
+          <a:lstStyle/>
+          <a:p>
+            <a:r>
+              <a:rPr lang="en-US" dirty="0"/>
+              <a:t>GE: </a:t>
+            </a:r>
+            <a:r>
+              <a:rPr lang="en-US" dirty="0" smtClean="0"/>
+              <a:t>Run `kitchen converge`</a:t>
+            </a:r>
+            <a:endParaRPr lang="en-US" dirty="0"/>
+          </a:p>
+        </p:txBody>
+      </p:sp>
+      <p:sp>
+        <p:nvSpPr>
+          <p:cNvPr id="9" name="Content Placeholder 5"/>
+          <p:cNvSpPr>
+            <a:spLocks noGrp="1"/>
+          </p:cNvSpPr>
+          <p:nvPr>
+            <p:ph sz="quarter" idx="12" hasCustomPrompt="1"/>
+          </p:nvPr>
+        </p:nvSpPr>
+        <p:spPr>
+          <a:xfrm>
+            <a:off x="1122782" y="6086015"/>
+            <a:ext cx="14420850" cy="1114885"/>
+          </a:xfrm>
+          <a:solidFill>
+            <a:schemeClr val="accent1">
+              <a:alpha val="60000"/>
+            </a:schemeClr>
+          </a:solidFill>
+          <a:ln>
+            <a:solidFill>
+              <a:schemeClr val="accent1">
+                <a:lumMod val="75000"/>
+              </a:schemeClr>
+            </a:solidFill>
+          </a:ln>
+        </p:spPr>
+        <p:txBody>
+          <a:bodyPr anchor="ctr">
+            <a:noAutofit/>
+          </a:bodyPr>
+          <a:lstStyle>
+            <a:lvl1pPr algn="l">
+              <a:defRPr sz="4200" baseline="0">
+                <a:solidFill>
+                  <a:schemeClr val="bg2"/>
+                </a:solidFill>
+                <a:latin typeface="Courier New"/>
+                <a:cs typeface="Courier New"/>
+              </a:defRPr>
+            </a:lvl1pPr>
+          </a:lstStyle>
+          <a:p>
+            <a:pPr lvl="0"/>
+            <a:r>
+              <a:rPr lang="en-US" dirty="0" smtClean="0"/>
+              <a:t> </a:t>
+            </a:r>
+          </a:p>
+        </p:txBody>
+      </p:sp>
+    </p:spTree>
+    <p:extLst>
+      <p:ext uri="{BB962C8B-B14F-4D97-AF65-F5344CB8AC3E}">
+        <p14:creationId xmlns:p14="http://schemas.microsoft.com/office/powerpoint/2010/main" val="313274046"/>
+      </p:ext>
+    </p:extLst>
+  </p:cSld>
+  <p:clrMapOvr>
+    <a:masterClrMapping/>
+  </p:clrMapOvr>
+  <p:transition spd="med">
+    <p:fade/>
+  </p:transition>
+</p:sld>
+</file>
+
+<file path=ppt/slides/slide53.xml><?xml version="1.0" encoding="utf-8"?>
+<p:sld xmlns:a="http://schemas.openxmlformats.org/drawingml/2006/main" xmlns:r="http://schemas.openxmlformats.org/officeDocument/2006/relationships" xmlns:p="http://schemas.openxmlformats.org/presentationml/2006/main">
+  <p:cSld>
+    <p:spTree>
+      <p:nvGrpSpPr>
+        <p:cNvPr id="1" name=""/>
+        <p:cNvGrpSpPr/>
+        <p:nvPr/>
+      </p:nvGrpSpPr>
+      <p:grpSpPr>
+        <a:xfrm>
+          <a:off x="0" y="0"/>
+          <a:ext cx="0" cy="0"/>
+          <a:chOff x="0" y="0"/>
+          <a:chExt cx="0" cy="0"/>
+        </a:xfrm>
+      </p:grpSpPr>
+      <p:sp>
+        <p:nvSpPr>
+          <p:cNvPr id="2" name="Content Placeholder 1"/>
+          <p:cNvSpPr>
+            <a:spLocks noGrp="1"/>
+          </p:cNvSpPr>
+          <p:nvPr>
+            <p:ph sz="quarter" idx="10"/>
+          </p:nvPr>
+        </p:nvSpPr>
+        <p:spPr/>
+        <p:txBody>
+          <a:bodyPr/>
+          <a:lstStyle/>
+          <a:p>
+            <a:r>
+              <a:rPr lang="en-US" dirty="0" smtClean="0"/>
+              <a:t>...</a:t>
+            </a:r>
+          </a:p>
+          <a:p>
+            <a:pPr defTabSz="1217613" fontAlgn="base">
+              <a:lnSpc>
+                <a:spcPct val="90000"/>
+              </a:lnSpc>
+              <a:spcBef>
+                <a:spcPct val="30000"/>
+              </a:spcBef>
+              <a:spcAft>
+                <a:spcPts val="450"/>
+              </a:spcAft>
+              <a:buSzTx/>
+              <a:defRPr/>
+            </a:pPr>
+            <a:r>
+              <a:rPr lang="en-US" dirty="0" smtClean="0"/>
+              <a:t>+++ </a:t>
+            </a:r>
+            <a:r>
+              <a:rPr lang="en-US" dirty="0"/>
+              <a:t>/etc/ssh/.ssh_config20151209-10413-hlk9ow       2015-12-09 20:37:07.621689137 +0000</a:t>
+            </a:r>
+          </a:p>
+          <a:p>
+            <a:pPr defTabSz="1217613" fontAlgn="base">
+              <a:lnSpc>
+                <a:spcPct val="90000"/>
+              </a:lnSpc>
+              <a:spcBef>
+                <a:spcPct val="30000"/>
+              </a:spcBef>
+              <a:spcAft>
+                <a:spcPts val="450"/>
+              </a:spcAft>
+              <a:buSzTx/>
+              <a:defRPr/>
+            </a:pPr>
+            <a:r>
+              <a:rPr lang="en-US" dirty="0"/>
+              <a:t>    @@ -37,7 +37,7 @@</a:t>
+            </a:r>
+          </a:p>
+          <a:p>
+            <a:pPr defTabSz="1217613" fontAlgn="base">
+              <a:lnSpc>
+                <a:spcPct val="90000"/>
+              </a:lnSpc>
+              <a:spcBef>
+                <a:spcPct val="30000"/>
+              </a:spcBef>
+              <a:spcAft>
+                <a:spcPts val="450"/>
+              </a:spcAft>
+              <a:buSzTx/>
+              <a:defRPr/>
+            </a:pPr>
+            <a:r>
+              <a:rPr lang="en-US" dirty="0"/>
+              <a:t>     #   </a:t>
+            </a:r>
+            <a:r>
+              <a:rPr lang="en-US" dirty="0" err="1"/>
+              <a:t>IdentityFile</a:t>
+            </a:r>
+            <a:r>
+              <a:rPr lang="en-US" dirty="0"/>
+              <a:t> ~/.ssh/</a:t>
+            </a:r>
+            <a:r>
+              <a:rPr lang="en-US" dirty="0" err="1"/>
+              <a:t>id_rsa</a:t>
+            </a:r>
+            <a:endParaRPr lang="en-US" dirty="0"/>
+          </a:p>
+          <a:p>
+            <a:pPr defTabSz="1217613" fontAlgn="base">
+              <a:lnSpc>
+                <a:spcPct val="90000"/>
+              </a:lnSpc>
+              <a:spcBef>
+                <a:spcPct val="30000"/>
+              </a:spcBef>
+              <a:spcAft>
+                <a:spcPts val="450"/>
+              </a:spcAft>
+              <a:buSzTx/>
+              <a:defRPr/>
+            </a:pPr>
+            <a:r>
+              <a:rPr lang="en-US" dirty="0"/>
+              <a:t>     #   </a:t>
+            </a:r>
+            <a:r>
+              <a:rPr lang="en-US" dirty="0" err="1"/>
+              <a:t>IdentityFile</a:t>
+            </a:r>
+            <a:r>
+              <a:rPr lang="en-US" dirty="0"/>
+              <a:t> ~/.ssh/</a:t>
+            </a:r>
+            <a:r>
+              <a:rPr lang="en-US" dirty="0" err="1"/>
+              <a:t>id_dsa</a:t>
+            </a:r>
+            <a:endParaRPr lang="en-US" dirty="0"/>
+          </a:p>
+          <a:p>
+            <a:pPr defTabSz="1217613" fontAlgn="base">
+              <a:lnSpc>
+                <a:spcPct val="90000"/>
+              </a:lnSpc>
+              <a:spcBef>
+                <a:spcPct val="30000"/>
+              </a:spcBef>
+              <a:spcAft>
+                <a:spcPts val="450"/>
+              </a:spcAft>
+              <a:buSzTx/>
+              <a:defRPr/>
+            </a:pPr>
+            <a:r>
+              <a:rPr lang="en-US" dirty="0"/>
+              <a:t>     #   Port 22</a:t>
+            </a:r>
+          </a:p>
+          <a:p>
+            <a:pPr defTabSz="1217613" fontAlgn="base">
+              <a:lnSpc>
+                <a:spcPct val="90000"/>
+              </a:lnSpc>
+              <a:spcBef>
+                <a:spcPct val="30000"/>
+              </a:spcBef>
+              <a:spcAft>
+                <a:spcPts val="450"/>
+              </a:spcAft>
+              <a:buSzTx/>
+              <a:defRPr/>
+            </a:pPr>
+            <a:r>
+              <a:rPr lang="en-US" dirty="0"/>
+              <a:t>    -#   Protocol 2,1</a:t>
+            </a:r>
+          </a:p>
+          <a:p>
+            <a:pPr defTabSz="1217613" fontAlgn="base">
+              <a:lnSpc>
+                <a:spcPct val="90000"/>
+              </a:lnSpc>
+              <a:spcBef>
+                <a:spcPct val="30000"/>
+              </a:spcBef>
+              <a:spcAft>
+                <a:spcPts val="450"/>
+              </a:spcAft>
+              <a:buSzTx/>
+              <a:defRPr/>
+            </a:pPr>
+            <a:r>
+              <a:rPr lang="en-US" dirty="0"/>
+              <a:t>    +Protocol 2</a:t>
+            </a:r>
+          </a:p>
+          <a:p>
+            <a:pPr defTabSz="1217613" fontAlgn="base">
+              <a:lnSpc>
+                <a:spcPct val="90000"/>
+              </a:lnSpc>
+              <a:spcBef>
+                <a:spcPct val="30000"/>
+              </a:spcBef>
+              <a:spcAft>
+                <a:spcPts val="450"/>
+              </a:spcAft>
+              <a:buSzTx/>
+              <a:defRPr/>
+            </a:pPr>
+            <a:r>
+              <a:rPr lang="en-US" dirty="0"/>
+              <a:t>     #   Cipher </a:t>
+            </a:r>
+            <a:r>
+              <a:rPr lang="en-US" dirty="0" smtClean="0"/>
+              <a:t>3des</a:t>
+            </a:r>
+            <a:r>
+              <a:rPr lang="en-US" dirty="0" smtClean="0"/>
+              <a:t>esources </a:t>
+            </a:r>
+            <a:r>
+              <a:rPr lang="en-US" dirty="0"/>
+              <a:t>updated in </a:t>
+            </a:r>
+            <a:r>
+              <a:rPr lang="en-US" dirty="0" smtClean="0"/>
+              <a:t>3.29477735 </a:t>
+            </a:r>
+            <a:r>
+              <a:rPr lang="en-US" dirty="0"/>
+              <a:t>seconds</a:t>
+            </a:r>
+          </a:p>
+        </p:txBody>
+      </p:sp>
+      <p:sp>
+        <p:nvSpPr>
+          <p:cNvPr id="3" name="Text Placeholder 2"/>
+          <p:cNvSpPr>
+            <a:spLocks noGrp="1"/>
+          </p:cNvSpPr>
+          <p:nvPr>
+            <p:ph type="body" sz="quarter" idx="11"/>
+          </p:nvPr>
+        </p:nvSpPr>
+        <p:spPr/>
+        <p:txBody>
+          <a:bodyPr/>
+          <a:lstStyle/>
+          <a:p>
+            <a:r>
+              <a:rPr lang="en-US" dirty="0"/>
+              <a:t>$ </a:t>
+            </a:r>
+            <a:r>
+              <a:rPr lang="fr-FR" dirty="0"/>
+              <a:t>sudo chef-client --local-mode -r '</a:t>
+            </a:r>
+            <a:r>
+              <a:rPr lang="fr-FR" dirty="0" err="1"/>
+              <a:t>recipe</a:t>
+            </a:r>
+            <a:r>
+              <a:rPr lang="fr-FR" dirty="0"/>
+              <a:t>[ssh::client]'</a:t>
+            </a:r>
+            <a:endParaRPr lang="en-US" dirty="0"/>
+          </a:p>
+        </p:txBody>
+      </p:sp>
+      <p:sp>
+        <p:nvSpPr>
+          <p:cNvPr id="5" name="Title 4"/>
+          <p:cNvSpPr>
+            <a:spLocks noGrp="1"/>
+          </p:cNvSpPr>
+          <p:nvPr>
+            <p:ph type="title"/>
+          </p:nvPr>
+        </p:nvSpPr>
+        <p:spPr/>
+        <p:txBody>
+          <a:bodyPr/>
+          <a:lstStyle/>
+          <a:p>
+            <a:r>
+              <a:rPr lang="en-US" dirty="0"/>
+              <a:t>GE: </a:t>
+            </a:r>
+            <a:r>
+              <a:rPr lang="en-US" dirty="0" smtClean="0"/>
+              <a:t>Apply the New SSH Recipe</a:t>
+            </a:r>
+            <a:endParaRPr lang="en-US" dirty="0"/>
+          </a:p>
+        </p:txBody>
+      </p:sp>
+      <p:sp>
+        <p:nvSpPr>
+          <p:cNvPr id="9" name="Content Placeholder 5"/>
+          <p:cNvSpPr>
+            <a:spLocks noGrp="1"/>
+          </p:cNvSpPr>
+          <p:nvPr>
+            <p:ph sz="quarter" idx="12" hasCustomPrompt="1"/>
+          </p:nvPr>
+        </p:nvSpPr>
+        <p:spPr>
+          <a:xfrm>
+            <a:off x="1122782" y="6108875"/>
+            <a:ext cx="14420850" cy="1069165"/>
+          </a:xfrm>
+          <a:solidFill>
+            <a:schemeClr val="accent1">
+              <a:alpha val="60000"/>
+            </a:schemeClr>
+          </a:solidFill>
+          <a:ln>
+            <a:solidFill>
+              <a:schemeClr val="accent1">
+                <a:lumMod val="75000"/>
+              </a:schemeClr>
+            </a:solidFill>
+          </a:ln>
+        </p:spPr>
+        <p:txBody>
+          <a:bodyPr anchor="ctr">
+            <a:noAutofit/>
+          </a:bodyPr>
+          <a:lstStyle>
+            <a:lvl1pPr algn="l">
+              <a:defRPr sz="4200" baseline="0">
+                <a:solidFill>
+                  <a:schemeClr val="bg2"/>
+                </a:solidFill>
+                <a:latin typeface="Courier New"/>
+                <a:cs typeface="Courier New"/>
+              </a:defRPr>
+            </a:lvl1pPr>
+          </a:lstStyle>
+          <a:p>
+            <a:pPr lvl="0"/>
+            <a:r>
+              <a:rPr lang="en-US" dirty="0" smtClean="0"/>
+              <a:t> </a:t>
+            </a:r>
+          </a:p>
+        </p:txBody>
+      </p:sp>
+    </p:spTree>
+    <p:extLst>
+      <p:ext uri="{BB962C8B-B14F-4D97-AF65-F5344CB8AC3E}">
+        <p14:creationId xmlns:p14="http://schemas.microsoft.com/office/powerpoint/2010/main" val="1541066198"/>
+      </p:ext>
+    </p:extLst>
+  </p:cSld>
+  <p:clrMapOvr>
+    <a:masterClrMapping/>
+  </p:clrMapOvr>
+  <p:transition spd="med">
+    <p:fade/>
+  </p:transition>
+</p:sld>
+</file>
+
+<file path=ppt/slides/slide54.xml><?xml version="1.0" encoding="utf-8"?>
+<p:sld xmlns:a="http://schemas.openxmlformats.org/drawingml/2006/main" xmlns:r="http://schemas.openxmlformats.org/officeDocument/2006/relationships" xmlns:p="http://schemas.openxmlformats.org/presentationml/2006/main">
+  <p:cSld>
+    <p:spTree>
+      <p:nvGrpSpPr>
+        <p:cNvPr id="1" name=""/>
+        <p:cNvGrpSpPr/>
+        <p:nvPr/>
+      </p:nvGrpSpPr>
+      <p:grpSpPr>
+        <a:xfrm>
+          <a:off x="0" y="0"/>
+          <a:ext cx="0" cy="0"/>
+          <a:chOff x="0" y="0"/>
+          <a:chExt cx="0" cy="0"/>
+        </a:xfrm>
+      </p:grpSpPr>
+      <p:sp>
+        <p:nvSpPr>
+          <p:cNvPr id="2" name="Title 1"/>
+          <p:cNvSpPr>
+            <a:spLocks noGrp="1"/>
+          </p:cNvSpPr>
+          <p:nvPr>
+            <p:ph type="title"/>
+          </p:nvPr>
+        </p:nvSpPr>
+        <p:spPr/>
+        <p:txBody>
+          <a:bodyPr>
+            <a:normAutofit/>
+          </a:bodyPr>
+          <a:lstStyle/>
+          <a:p>
+            <a:r>
+              <a:rPr lang="en-US" dirty="0" smtClean="0"/>
+              <a:t>GE: Re-run the Compliance Scan</a:t>
+            </a:r>
+            <a:endParaRPr lang="en-US" dirty="0"/>
+          </a:p>
+        </p:txBody>
+      </p:sp>
+      <p:sp>
+        <p:nvSpPr>
+          <p:cNvPr id="3" name="Text Placeholder 2"/>
+          <p:cNvSpPr>
+            <a:spLocks noGrp="1"/>
+          </p:cNvSpPr>
+          <p:nvPr>
+            <p:ph type="body" sz="quarter" idx="12"/>
+          </p:nvPr>
+        </p:nvSpPr>
+        <p:spPr>
+          <a:xfrm>
+            <a:off x="421440" y="1856198"/>
+            <a:ext cx="5293560" cy="5345953"/>
+          </a:xfrm>
+        </p:spPr>
+        <p:txBody>
+          <a:bodyPr/>
+          <a:lstStyle/>
+          <a:p>
+            <a:r>
+              <a:rPr lang="en-US" dirty="0" smtClean="0"/>
+              <a:t>Return to the Compliance Web UI and re-run the scan on your target node.</a:t>
+            </a:r>
+          </a:p>
+          <a:p>
+            <a:endParaRPr lang="en-US" dirty="0" smtClean="0"/>
+          </a:p>
+          <a:p>
+            <a:r>
+              <a:rPr lang="en-US" dirty="0" smtClean="0"/>
+              <a:t>Be sure to run only the base/ssh scan as shown on the next slide.</a:t>
+            </a:r>
+            <a:endParaRPr lang="en-US" dirty="0"/>
+          </a:p>
+        </p:txBody>
+      </p:sp>
+      <p:pic>
+        <p:nvPicPr>
+          <p:cNvPr id="7" name="Picture 6"/>
+          <p:cNvPicPr>
+            <a:picLocks noChangeAspect="1"/>
+          </p:cNvPicPr>
+          <p:nvPr/>
+        </p:nvPicPr>
+        <p:blipFill>
+          <a:blip r:embed="rId3"/>
+          <a:stretch>
+            <a:fillRect/>
+          </a:stretch>
+        </p:blipFill>
+        <p:spPr>
+          <a:xfrm>
+            <a:off x="5943600" y="1669732"/>
+            <a:ext cx="10113481" cy="3839528"/>
+          </a:xfrm>
+          <a:prstGeom prst="rect">
+            <a:avLst/>
+          </a:prstGeom>
+          <a:ln>
+            <a:solidFill>
+              <a:schemeClr val="accent1"/>
+            </a:solidFill>
+          </a:ln>
+        </p:spPr>
+      </p:pic>
+    </p:spTree>
+    <p:extLst>
+      <p:ext uri="{BB962C8B-B14F-4D97-AF65-F5344CB8AC3E}">
+        <p14:creationId xmlns:p14="http://schemas.microsoft.com/office/powerpoint/2010/main" val="1063650275"/>
+      </p:ext>
+    </p:extLst>
+  </p:cSld>
+  <p:clrMapOvr>
+    <a:masterClrMapping/>
+  </p:clrMapOvr>
+  <p:transition spd="med">
+    <p:fade/>
+  </p:transition>
+</p:sld>
+</file>
+
+<file path=ppt/slides/slide55.xml><?xml version="1.0" encoding="utf-8"?>
+<p:sld xmlns:a="http://schemas.openxmlformats.org/drawingml/2006/main" xmlns:r="http://schemas.openxmlformats.org/officeDocument/2006/relationships" xmlns:p="http://schemas.openxmlformats.org/presentationml/2006/main">
+  <p:cSld>
+    <p:spTree>
+      <p:nvGrpSpPr>
+        <p:cNvPr id="1" name=""/>
+        <p:cNvGrpSpPr/>
+        <p:nvPr/>
+      </p:nvGrpSpPr>
+      <p:grpSpPr>
+        <a:xfrm>
+          <a:off x="0" y="0"/>
+          <a:ext cx="0" cy="0"/>
+          <a:chOff x="0" y="0"/>
+          <a:chExt cx="0" cy="0"/>
+        </a:xfrm>
+      </p:grpSpPr>
+      <p:sp>
+        <p:nvSpPr>
+          <p:cNvPr id="2" name="Title 1"/>
+          <p:cNvSpPr>
+            <a:spLocks noGrp="1"/>
+          </p:cNvSpPr>
+          <p:nvPr>
+            <p:ph type="title"/>
+          </p:nvPr>
+        </p:nvSpPr>
+        <p:spPr/>
+        <p:txBody>
           <a:bodyPr>
             <a:normAutofit/>
           </a:bodyPr>
@@ -25855,10 +28847,17 @@
   <p:transition spd="med">
     <p:fade/>
   </p:transition>
+  <p:timing>
+    <p:tnLst>
+      <p:par>
+        <p:cTn id="1" dur="indefinite" restart="never" nodeType="tmRoot"/>
+      </p:par>
+    </p:tnLst>
+  </p:timing>
 </p:sld>
 </file>
 
-<file path=ppt/slides/slide51.xml><?xml version="1.0" encoding="utf-8"?>
+<file path=ppt/slides/slide56.xml><?xml version="1.0" encoding="utf-8"?>
 <p:sld xmlns:a="http://schemas.openxmlformats.org/drawingml/2006/main" xmlns:r="http://schemas.openxmlformats.org/officeDocument/2006/relationships" xmlns:p="http://schemas.openxmlformats.org/presentationml/2006/main">
   <p:cSld>
     <p:spTree>
@@ -25970,10 +28969,17 @@
   <p:transition spd="med">
     <p:fade/>
   </p:transition>
+  <p:timing>
+    <p:tnLst>
+      <p:par>
+        <p:cTn id="1" dur="indefinite" restart="never" nodeType="tmRoot"/>
+      </p:par>
+    </p:tnLst>
+  </p:timing>
 </p:sld>
 </file>
 
-<file path=ppt/slides/slide52.xml><?xml version="1.0" encoding="utf-8"?>
+<file path=ppt/slides/slide57.xml><?xml version="1.0" encoding="utf-8"?>
 <p:sld xmlns:a="http://schemas.openxmlformats.org/drawingml/2006/main" xmlns:r="http://schemas.openxmlformats.org/officeDocument/2006/relationships" xmlns:p="http://schemas.openxmlformats.org/presentationml/2006/main">
   <p:cSld>
     <p:spTree>
@@ -26065,8 +29071,31 @@
             </a:pPr>
             <a:r>
               <a:rPr lang="en-US" dirty="0"/>
-              <a:t>Test the recipe with Test Kitchen.</a:t>
-            </a:r>
+              <a:t>Test the recipe with Test Kitchen</a:t>
+            </a:r>
+            <a:r>
+              <a:rPr lang="en-US" dirty="0" smtClean="0"/>
+              <a:t>.</a:t>
+            </a:r>
+          </a:p>
+          <a:p>
+            <a:pPr marL="457200" indent="-457200">
+              <a:buFont typeface="Wingdings" panose="05000000000000000000" pitchFamily="2" charset="2"/>
+              <a:buChar char="ü"/>
+            </a:pPr>
+            <a:r>
+              <a:rPr lang="en-US" dirty="0" smtClean="0"/>
+              <a:t>Test for compliance with </a:t>
+            </a:r>
+            <a:r>
+              <a:rPr lang="en-US" dirty="0" err="1" smtClean="0"/>
+              <a:t>InSpec</a:t>
+            </a:r>
+            <a:r>
+              <a:rPr lang="en-US" dirty="0" smtClean="0"/>
+              <a:t> from the CLI</a:t>
+            </a:r>
+            <a:endParaRPr lang="en-US" dirty="0"/>
           </a:p>
           <a:p>
             <a:pPr marL="457200" indent="-457200">
@@ -26110,265 +29139,17 @@
   <p:transition spd="med">
     <p:fade/>
   </p:transition>
+  <p:timing>
+    <p:tnLst>
+      <p:par>
+        <p:cTn id="1" dur="indefinite" restart="never" nodeType="tmRoot"/>
+      </p:par>
+    </p:tnLst>
+  </p:timing>
 </p:sld>
 </file>
 
-<file path=ppt/slides/slide53.xml><?xml version="1.0" encoding="utf-8"?>
-<p:sld xmlns:a="http://schemas.openxmlformats.org/drawingml/2006/main" xmlns:r="http://schemas.openxmlformats.org/officeDocument/2006/relationships" xmlns:p="http://schemas.openxmlformats.org/presentationml/2006/main">
-  <p:cSld>
-    <p:spTree>
-      <p:nvGrpSpPr>
-        <p:cNvPr id="1" name=""/>
-        <p:cNvGrpSpPr/>
-        <p:nvPr/>
-      </p:nvGrpSpPr>
-      <p:grpSpPr>
-        <a:xfrm>
-          <a:off x="0" y="0"/>
-          <a:ext cx="0" cy="0"/>
-          <a:chOff x="0" y="0"/>
-          <a:chExt cx="0" cy="0"/>
-        </a:xfrm>
-      </p:grpSpPr>
-      <p:sp>
-        <p:nvSpPr>
-          <p:cNvPr id="2" name="Title 1"/>
-          <p:cNvSpPr>
-            <a:spLocks noGrp="1"/>
-          </p:cNvSpPr>
-          <p:nvPr>
-            <p:ph type="ctrTitle"/>
-          </p:nvPr>
-        </p:nvSpPr>
-        <p:spPr/>
-        <p:txBody>
-          <a:bodyPr>
-            <a:normAutofit fontScale="90000"/>
-          </a:bodyPr>
-          <a:lstStyle/>
-          <a:p>
-            <a:endParaRPr lang="en-US"/>
-          </a:p>
-        </p:txBody>
-      </p:sp>
-      <p:sp>
-        <p:nvSpPr>
-          <p:cNvPr id="3" name="Subtitle 2"/>
-          <p:cNvSpPr>
-            <a:spLocks noGrp="1"/>
-          </p:cNvSpPr>
-          <p:nvPr>
-            <p:ph type="subTitle" idx="1"/>
-          </p:nvPr>
-        </p:nvSpPr>
-        <p:spPr/>
-        <p:txBody>
-          <a:bodyPr/>
-          <a:lstStyle/>
-          <a:p>
-            <a:endParaRPr lang="en-US"/>
-          </a:p>
-        </p:txBody>
-      </p:sp>
-    </p:spTree>
-    <p:extLst>
-      <p:ext uri="{BB962C8B-B14F-4D97-AF65-F5344CB8AC3E}">
-        <p14:creationId xmlns:p14="http://schemas.microsoft.com/office/powerpoint/2010/main" val="3842220861"/>
-      </p:ext>
-    </p:extLst>
-  </p:cSld>
-  <p:clrMapOvr>
-    <a:masterClrMapping/>
-  </p:clrMapOvr>
-  <p:transition spd="med">
-    <p:fade/>
-  </p:transition>
-</p:sld>
-</file>
-
-<file path=ppt/slides/slide54.xml><?xml version="1.0" encoding="utf-8"?>
-<p:sld xmlns:a="http://schemas.openxmlformats.org/drawingml/2006/main" xmlns:r="http://schemas.openxmlformats.org/officeDocument/2006/relationships" xmlns:p="http://schemas.openxmlformats.org/presentationml/2006/main">
-  <p:cSld>
-    <p:spTree>
-      <p:nvGrpSpPr>
-        <p:cNvPr id="1" name=""/>
-        <p:cNvGrpSpPr/>
-        <p:nvPr/>
-      </p:nvGrpSpPr>
-      <p:grpSpPr>
-        <a:xfrm>
-          <a:off x="0" y="0"/>
-          <a:ext cx="0" cy="0"/>
-          <a:chOff x="0" y="0"/>
-          <a:chExt cx="0" cy="0"/>
-        </a:xfrm>
-      </p:grpSpPr>
-      <p:sp>
-        <p:nvSpPr>
-          <p:cNvPr id="2" name="Title 1"/>
-          <p:cNvSpPr>
-            <a:spLocks noGrp="1"/>
-          </p:cNvSpPr>
-          <p:nvPr>
-            <p:ph type="ctrTitle"/>
-          </p:nvPr>
-        </p:nvSpPr>
-        <p:spPr/>
-        <p:txBody>
-          <a:bodyPr>
-            <a:normAutofit fontScale="90000"/>
-          </a:bodyPr>
-          <a:lstStyle/>
-          <a:p>
-            <a:endParaRPr lang="en-US"/>
-          </a:p>
-        </p:txBody>
-      </p:sp>
-      <p:sp>
-        <p:nvSpPr>
-          <p:cNvPr id="3" name="Subtitle 2"/>
-          <p:cNvSpPr>
-            <a:spLocks noGrp="1"/>
-          </p:cNvSpPr>
-          <p:nvPr>
-            <p:ph type="subTitle" idx="1"/>
-          </p:nvPr>
-        </p:nvSpPr>
-        <p:spPr/>
-        <p:txBody>
-          <a:bodyPr/>
-          <a:lstStyle/>
-          <a:p>
-            <a:endParaRPr lang="en-US"/>
-          </a:p>
-        </p:txBody>
-      </p:sp>
-    </p:spTree>
-    <p:extLst>
-      <p:ext uri="{BB962C8B-B14F-4D97-AF65-F5344CB8AC3E}">
-        <p14:creationId xmlns:p14="http://schemas.microsoft.com/office/powerpoint/2010/main" val="3953335903"/>
-      </p:ext>
-    </p:extLst>
-  </p:cSld>
-  <p:clrMapOvr>
-    <a:masterClrMapping/>
-  </p:clrMapOvr>
-  <p:transition spd="med">
-    <p:fade/>
-  </p:transition>
-</p:sld>
-</file>
-
-<file path=ppt/slides/slide55.xml><?xml version="1.0" encoding="utf-8"?>
-<p:sld xmlns:a="http://schemas.openxmlformats.org/drawingml/2006/main" xmlns:r="http://schemas.openxmlformats.org/officeDocument/2006/relationships" xmlns:p="http://schemas.openxmlformats.org/presentationml/2006/main">
-  <p:cSld>
-    <p:spTree>
-      <p:nvGrpSpPr>
-        <p:cNvPr id="1" name=""/>
-        <p:cNvGrpSpPr/>
-        <p:nvPr/>
-      </p:nvGrpSpPr>
-      <p:grpSpPr>
-        <a:xfrm>
-          <a:off x="0" y="0"/>
-          <a:ext cx="0" cy="0"/>
-          <a:chOff x="0" y="0"/>
-          <a:chExt cx="0" cy="0"/>
-        </a:xfrm>
-      </p:grpSpPr>
-      <p:sp>
-        <p:nvSpPr>
-          <p:cNvPr id="2" name="Content Placeholder 1"/>
-          <p:cNvSpPr>
-            <a:spLocks noGrp="1"/>
-          </p:cNvSpPr>
-          <p:nvPr>
-            <p:ph sz="quarter" idx="14"/>
-          </p:nvPr>
-        </p:nvSpPr>
-        <p:spPr/>
-        <p:txBody>
-          <a:bodyPr/>
-          <a:lstStyle/>
-          <a:p>
-            <a:endParaRPr lang="en-US"/>
-          </a:p>
-        </p:txBody>
-      </p:sp>
-      <p:sp>
-        <p:nvSpPr>
-          <p:cNvPr id="3" name="Content Placeholder 2"/>
-          <p:cNvSpPr>
-            <a:spLocks noGrp="1"/>
-          </p:cNvSpPr>
-          <p:nvPr>
-            <p:ph sz="quarter" idx="12"/>
-          </p:nvPr>
-        </p:nvSpPr>
-        <p:spPr/>
-        <p:txBody>
-          <a:bodyPr/>
-          <a:lstStyle/>
-          <a:p>
-            <a:endParaRPr lang="en-US"/>
-          </a:p>
-        </p:txBody>
-      </p:sp>
-      <p:sp>
-        <p:nvSpPr>
-          <p:cNvPr id="4" name="Text Placeholder 3"/>
-          <p:cNvSpPr>
-            <a:spLocks noGrp="1"/>
-          </p:cNvSpPr>
-          <p:nvPr>
-            <p:ph type="body" sz="quarter" idx="15"/>
-          </p:nvPr>
-        </p:nvSpPr>
-        <p:spPr/>
-        <p:txBody>
-          <a:bodyPr/>
-          <a:lstStyle/>
-          <a:p>
-            <a:endParaRPr lang="en-US"/>
-          </a:p>
-        </p:txBody>
-      </p:sp>
-      <p:sp>
-        <p:nvSpPr>
-          <p:cNvPr id="5" name="Text Placeholder 4"/>
-          <p:cNvSpPr>
-            <a:spLocks noGrp="1"/>
-          </p:cNvSpPr>
-          <p:nvPr>
-            <p:ph type="body" sz="quarter" idx="16"/>
-          </p:nvPr>
-        </p:nvSpPr>
-        <p:spPr/>
-        <p:txBody>
-          <a:bodyPr/>
-          <a:lstStyle/>
-          <a:p>
-            <a:endParaRPr lang="en-US"/>
-          </a:p>
-        </p:txBody>
-      </p:sp>
-    </p:spTree>
-    <p:extLst>
-      <p:ext uri="{BB962C8B-B14F-4D97-AF65-F5344CB8AC3E}">
-        <p14:creationId xmlns:p14="http://schemas.microsoft.com/office/powerpoint/2010/main" val="3439457985"/>
-      </p:ext>
-    </p:extLst>
-  </p:cSld>
-  <p:clrMapOvr>
-    <a:masterClrMapping/>
-  </p:clrMapOvr>
-  <p:transition spd="med">
-    <p:fade/>
-  </p:transition>
-</p:sld>
-</file>
-
-<file path=ppt/slides/slide56.xml><?xml version="1.0" encoding="utf-8"?>
+<file path=ppt/slides/slide58.xml><?xml version="1.0" encoding="utf-8"?>
 <p:sld xmlns:a="http://schemas.openxmlformats.org/drawingml/2006/main" xmlns:r="http://schemas.openxmlformats.org/officeDocument/2006/relationships" xmlns:p="http://schemas.openxmlformats.org/presentationml/2006/main">
   <p:cSld>
     <p:spTree>
@@ -26536,7 +29317,7 @@
 </p:sld>
 </file>
 
-<file path=ppt/slides/slide57.xml><?xml version="1.0" encoding="utf-8"?>
+<file path=ppt/slides/slide59.xml><?xml version="1.0" encoding="utf-8"?>
 <p:sld xmlns:a="http://schemas.openxmlformats.org/drawingml/2006/main" xmlns:r="http://schemas.openxmlformats.org/officeDocument/2006/relationships" xmlns:p="http://schemas.openxmlformats.org/presentationml/2006/main">
   <p:cSld>
     <p:bg>
@@ -26716,7 +29497,260 @@
 </p:sld>
 </file>
 
-<file path=ppt/slides/slide58.xml><?xml version="1.0" encoding="utf-8"?>
+<file path=ppt/slides/slide6.xml><?xml version="1.0" encoding="utf-8"?>
+<p:sld xmlns:a="http://schemas.openxmlformats.org/drawingml/2006/main" xmlns:r="http://schemas.openxmlformats.org/officeDocument/2006/relationships" xmlns:p="http://schemas.openxmlformats.org/presentationml/2006/main">
+  <p:cSld>
+    <p:spTree>
+      <p:nvGrpSpPr>
+        <p:cNvPr id="1" name=""/>
+        <p:cNvGrpSpPr/>
+        <p:nvPr/>
+      </p:nvGrpSpPr>
+      <p:grpSpPr>
+        <a:xfrm>
+          <a:off x="0" y="0"/>
+          <a:ext cx="0" cy="0"/>
+          <a:chOff x="0" y="0"/>
+          <a:chExt cx="0" cy="0"/>
+        </a:xfrm>
+      </p:grpSpPr>
+      <p:sp>
+        <p:nvSpPr>
+          <p:cNvPr id="2" name="Title 1"/>
+          <p:cNvSpPr>
+            <a:spLocks noGrp="1"/>
+          </p:cNvSpPr>
+          <p:nvPr>
+            <p:ph type="title"/>
+          </p:nvPr>
+        </p:nvSpPr>
+        <p:spPr/>
+        <p:txBody>
+          <a:bodyPr/>
+          <a:lstStyle/>
+          <a:p>
+            <a:r>
+              <a:rPr lang="en-US" dirty="0" smtClean="0"/>
+              <a:t>GE: </a:t>
+            </a:r>
+            <a:r>
+              <a:rPr lang="en-US" dirty="0"/>
+              <a:t>Adding a </a:t>
+            </a:r>
+            <a:r>
+              <a:rPr lang="en-US" dirty="0" smtClean="0"/>
+              <a:t>Node</a:t>
+            </a:r>
+            <a:endParaRPr lang="en-US" dirty="0"/>
+          </a:p>
+        </p:txBody>
+      </p:sp>
+      <p:sp>
+        <p:nvSpPr>
+          <p:cNvPr id="3" name="Text Placeholder 2"/>
+          <p:cNvSpPr>
+            <a:spLocks noGrp="1"/>
+          </p:cNvSpPr>
+          <p:nvPr>
+            <p:ph type="body" sz="quarter" idx="12"/>
+          </p:nvPr>
+        </p:nvSpPr>
+        <p:spPr>
+          <a:xfrm>
+            <a:off x="546130" y="1856198"/>
+            <a:ext cx="6855660" cy="5345953"/>
+          </a:xfrm>
+        </p:spPr>
+        <p:txBody>
+          <a:bodyPr/>
+          <a:lstStyle/>
+          <a:p>
+            <a:pPr marL="514350" indent="-514350">
+              <a:buFont typeface="+mj-lt"/>
+              <a:buAutoNum type="arabicPeriod" startAt="2"/>
+            </a:pPr>
+            <a:r>
+              <a:rPr lang="en-US" dirty="0" smtClean="0"/>
+              <a:t>From the resulting page, enter the node's FQDN or IP address.</a:t>
+            </a:r>
+          </a:p>
+          <a:p>
+            <a:pPr marL="514350" indent="-514350">
+              <a:buFont typeface="+mj-lt"/>
+              <a:buAutoNum type="arabicPeriod" startAt="2"/>
+            </a:pPr>
+            <a:r>
+              <a:rPr lang="en-US" dirty="0" smtClean="0"/>
+              <a:t>Select the </a:t>
+            </a:r>
+            <a:r>
+              <a:rPr lang="en-US" b="1" dirty="0" smtClean="0"/>
+              <a:t>default</a:t>
+            </a:r>
+            <a:r>
+              <a:rPr lang="en-US" dirty="0" smtClean="0"/>
+              <a:t> environment.</a:t>
+            </a:r>
+          </a:p>
+          <a:p>
+            <a:pPr marL="514350" indent="-514350">
+              <a:buFont typeface="+mj-lt"/>
+              <a:buAutoNum type="arabicPeriod" startAt="2"/>
+            </a:pPr>
+            <a:r>
+              <a:rPr lang="en-US" dirty="0" smtClean="0"/>
+              <a:t>Accept the default </a:t>
+            </a:r>
+            <a:r>
+              <a:rPr lang="en-US" b="1" dirty="0" smtClean="0"/>
+              <a:t>SSH</a:t>
+            </a:r>
+            <a:r>
+              <a:rPr lang="en-US" dirty="0" smtClean="0"/>
+              <a:t> Access configuration</a:t>
+            </a:r>
+          </a:p>
+          <a:p>
+            <a:pPr marL="514350" indent="-514350">
+              <a:buFont typeface="+mj-lt"/>
+              <a:buAutoNum type="arabicPeriod" startAt="2"/>
+            </a:pPr>
+            <a:r>
+              <a:rPr lang="en-US" dirty="0" smtClean="0"/>
+              <a:t>Type </a:t>
+            </a:r>
+            <a:r>
+              <a:rPr lang="en-US" b="1" dirty="0" smtClean="0"/>
+              <a:t>chef</a:t>
+            </a:r>
+            <a:r>
+              <a:rPr lang="en-US" dirty="0" smtClean="0"/>
+              <a:t> in the </a:t>
+            </a:r>
+            <a:r>
+              <a:rPr lang="en-US" b="1" dirty="0" smtClean="0"/>
+              <a:t>username</a:t>
+            </a:r>
+            <a:r>
+              <a:rPr lang="en-US" dirty="0" smtClean="0"/>
+              <a:t> field.</a:t>
+            </a:r>
+          </a:p>
+          <a:p>
+            <a:pPr marL="514350" indent="-514350">
+              <a:buFont typeface="+mj-lt"/>
+              <a:buAutoNum type="arabicPeriod" startAt="2"/>
+            </a:pPr>
+            <a:r>
+              <a:rPr lang="en-US" dirty="0" smtClean="0"/>
+              <a:t>Click the </a:t>
+            </a:r>
+            <a:r>
+              <a:rPr lang="en-US" b="1" dirty="0" smtClean="0"/>
+              <a:t>password</a:t>
+            </a:r>
+            <a:r>
+              <a:rPr lang="en-US" dirty="0" smtClean="0"/>
+              <a:t> link as shown in this illustration.</a:t>
+            </a:r>
+          </a:p>
+          <a:p>
+            <a:pPr marL="514350" indent="-514350">
+              <a:buFont typeface="+mj-lt"/>
+              <a:buAutoNum type="arabicPeriod" startAt="2"/>
+            </a:pPr>
+            <a:endParaRPr lang="en-US" dirty="0" smtClean="0"/>
+          </a:p>
+          <a:p>
+            <a:pPr marL="514350" indent="-514350">
+              <a:buFont typeface="+mj-lt"/>
+              <a:buAutoNum type="arabicPeriod" startAt="2"/>
+            </a:pPr>
+            <a:endParaRPr lang="en-US" dirty="0" smtClean="0"/>
+          </a:p>
+          <a:p>
+            <a:pPr marL="514350" indent="-514350">
+              <a:buFont typeface="+mj-lt"/>
+              <a:buAutoNum type="arabicPeriod" startAt="2"/>
+            </a:pPr>
+            <a:endParaRPr lang="en-US" dirty="0"/>
+          </a:p>
+          <a:p>
+            <a:pPr marL="514350" indent="-514350">
+              <a:buFont typeface="+mj-lt"/>
+              <a:buAutoNum type="arabicPeriod" startAt="2"/>
+            </a:pPr>
+            <a:endParaRPr lang="en-US" dirty="0" smtClean="0"/>
+          </a:p>
+          <a:p>
+            <a:pPr marL="457200" indent="-457200">
+              <a:buFont typeface="Arial" panose="020B0604020202020204" pitchFamily="34" charset="0"/>
+              <a:buChar char="•"/>
+            </a:pPr>
+            <a:endParaRPr lang="en-US" dirty="0"/>
+          </a:p>
+          <a:p>
+            <a:pPr marL="457200" indent="-457200">
+              <a:buFont typeface="Arial" panose="020B0604020202020204" pitchFamily="34" charset="0"/>
+              <a:buChar char="•"/>
+            </a:pPr>
+            <a:endParaRPr lang="en-US" dirty="0"/>
+          </a:p>
+        </p:txBody>
+      </p:sp>
+      <p:pic>
+        <p:nvPicPr>
+          <p:cNvPr id="5" name="Picture 4"/>
+          <p:cNvPicPr>
+            <a:picLocks noChangeAspect="1"/>
+          </p:cNvPicPr>
+          <p:nvPr/>
+        </p:nvPicPr>
+        <p:blipFill>
+          <a:blip r:embed="rId3"/>
+          <a:stretch>
+            <a:fillRect/>
+          </a:stretch>
+        </p:blipFill>
+        <p:spPr>
+          <a:xfrm>
+            <a:off x="7639376" y="353289"/>
+            <a:ext cx="8474616" cy="7516091"/>
+          </a:xfrm>
+          <a:prstGeom prst="rect">
+            <a:avLst/>
+          </a:prstGeom>
+          <a:ln>
+            <a:solidFill>
+              <a:schemeClr val="accent1"/>
+            </a:solidFill>
+          </a:ln>
+        </p:spPr>
+      </p:pic>
+    </p:spTree>
+    <p:extLst>
+      <p:ext uri="{BB962C8B-B14F-4D97-AF65-F5344CB8AC3E}">
+        <p14:creationId xmlns:p14="http://schemas.microsoft.com/office/powerpoint/2010/main" val="2579876178"/>
+      </p:ext>
+    </p:extLst>
+  </p:cSld>
+  <p:clrMapOvr>
+    <a:masterClrMapping/>
+  </p:clrMapOvr>
+  <p:transition spd="med">
+    <p:fade/>
+  </p:transition>
+  <p:timing>
+    <p:tnLst>
+      <p:par>
+        <p:cTn id="1" dur="indefinite" restart="never" nodeType="tmRoot"/>
+      </p:par>
+    </p:tnLst>
+  </p:timing>
+</p:sld>
+</file>
+
+<file path=ppt/slides/slide60.xml><?xml version="1.0" encoding="utf-8"?>
 <p:sld xmlns:a="http://schemas.openxmlformats.org/drawingml/2006/main" xmlns:r="http://schemas.openxmlformats.org/officeDocument/2006/relationships" xmlns:p="http://schemas.openxmlformats.org/presentationml/2006/main">
   <p:cSld>
     <p:spTree>
@@ -26884,7 +29918,7 @@
                   <a:srgbClr val="7D868C"/>
                 </a:solidFill>
               </a:rPr>
-              <a:t>©2016 Chef Software Inc</a:t>
+              <a:t>©2036 Chef Software Inc</a:t>
             </a:r>
             <a:r>
               <a:rPr lang="en-US" dirty="0" smtClean="0"/>
@@ -26907,259 +29941,6 @@
   <p:transition spd="med">
     <p:fade/>
   </p:transition>
-</p:sld>
-</file>
-
-<file path=ppt/slides/slide6.xml><?xml version="1.0" encoding="utf-8"?>
-<p:sld xmlns:a="http://schemas.openxmlformats.org/drawingml/2006/main" xmlns:r="http://schemas.openxmlformats.org/officeDocument/2006/relationships" xmlns:p="http://schemas.openxmlformats.org/presentationml/2006/main">
-  <p:cSld>
-    <p:spTree>
-      <p:nvGrpSpPr>
-        <p:cNvPr id="1" name=""/>
-        <p:cNvGrpSpPr/>
-        <p:nvPr/>
-      </p:nvGrpSpPr>
-      <p:grpSpPr>
-        <a:xfrm>
-          <a:off x="0" y="0"/>
-          <a:ext cx="0" cy="0"/>
-          <a:chOff x="0" y="0"/>
-          <a:chExt cx="0" cy="0"/>
-        </a:xfrm>
-      </p:grpSpPr>
-      <p:sp>
-        <p:nvSpPr>
-          <p:cNvPr id="2" name="Title 1"/>
-          <p:cNvSpPr>
-            <a:spLocks noGrp="1"/>
-          </p:cNvSpPr>
-          <p:nvPr>
-            <p:ph type="title"/>
-          </p:nvPr>
-        </p:nvSpPr>
-        <p:spPr/>
-        <p:txBody>
-          <a:bodyPr/>
-          <a:lstStyle/>
-          <a:p>
-            <a:r>
-              <a:rPr lang="en-US" dirty="0" smtClean="0"/>
-              <a:t>GE: </a:t>
-            </a:r>
-            <a:r>
-              <a:rPr lang="en-US" dirty="0"/>
-              <a:t>Adding a </a:t>
-            </a:r>
-            <a:r>
-              <a:rPr lang="en-US" dirty="0" smtClean="0"/>
-              <a:t>Node</a:t>
-            </a:r>
-            <a:endParaRPr lang="en-US" dirty="0"/>
-          </a:p>
-        </p:txBody>
-      </p:sp>
-      <p:sp>
-        <p:nvSpPr>
-          <p:cNvPr id="3" name="Text Placeholder 2"/>
-          <p:cNvSpPr>
-            <a:spLocks noGrp="1"/>
-          </p:cNvSpPr>
-          <p:nvPr>
-            <p:ph type="body" sz="quarter" idx="12"/>
-          </p:nvPr>
-        </p:nvSpPr>
-        <p:spPr>
-          <a:xfrm>
-            <a:off x="546130" y="1856198"/>
-            <a:ext cx="6855660" cy="5345953"/>
-          </a:xfrm>
-        </p:spPr>
-        <p:txBody>
-          <a:bodyPr/>
-          <a:lstStyle/>
-          <a:p>
-            <a:pPr marL="514350" indent="-514350">
-              <a:buFont typeface="+mj-lt"/>
-              <a:buAutoNum type="arabicPeriod" startAt="2"/>
-            </a:pPr>
-            <a:r>
-              <a:rPr lang="en-US" dirty="0" smtClean="0"/>
-              <a:t>From the resulting page, enter the node's FQDN or IP address.</a:t>
-            </a:r>
-          </a:p>
-          <a:p>
-            <a:pPr marL="514350" indent="-514350">
-              <a:buFont typeface="+mj-lt"/>
-              <a:buAutoNum type="arabicPeriod" startAt="2"/>
-            </a:pPr>
-            <a:r>
-              <a:rPr lang="en-US" dirty="0" smtClean="0"/>
-              <a:t>Select the </a:t>
-            </a:r>
-            <a:r>
-              <a:rPr lang="en-US" b="1" dirty="0" smtClean="0"/>
-              <a:t>default</a:t>
-            </a:r>
-            <a:r>
-              <a:rPr lang="en-US" dirty="0" smtClean="0"/>
-              <a:t> environment.</a:t>
-            </a:r>
-          </a:p>
-          <a:p>
-            <a:pPr marL="514350" indent="-514350">
-              <a:buFont typeface="+mj-lt"/>
-              <a:buAutoNum type="arabicPeriod" startAt="2"/>
-            </a:pPr>
-            <a:r>
-              <a:rPr lang="en-US" dirty="0" smtClean="0"/>
-              <a:t>Accept the default </a:t>
-            </a:r>
-            <a:r>
-              <a:rPr lang="en-US" b="1" dirty="0" smtClean="0"/>
-              <a:t>SSH</a:t>
-            </a:r>
-            <a:r>
-              <a:rPr lang="en-US" dirty="0" smtClean="0"/>
-              <a:t> Access configuration</a:t>
-            </a:r>
-          </a:p>
-          <a:p>
-            <a:pPr marL="514350" indent="-514350">
-              <a:buFont typeface="+mj-lt"/>
-              <a:buAutoNum type="arabicPeriod" startAt="2"/>
-            </a:pPr>
-            <a:r>
-              <a:rPr lang="en-US" dirty="0" smtClean="0"/>
-              <a:t>Type </a:t>
-            </a:r>
-            <a:r>
-              <a:rPr lang="en-US" b="1" dirty="0" smtClean="0"/>
-              <a:t>chef</a:t>
-            </a:r>
-            <a:r>
-              <a:rPr lang="en-US" dirty="0" smtClean="0"/>
-              <a:t> in the </a:t>
-            </a:r>
-            <a:r>
-              <a:rPr lang="en-US" b="1" dirty="0" smtClean="0"/>
-              <a:t>username</a:t>
-            </a:r>
-            <a:r>
-              <a:rPr lang="en-US" dirty="0" smtClean="0"/>
-              <a:t> field.</a:t>
-            </a:r>
-          </a:p>
-          <a:p>
-            <a:pPr marL="514350" indent="-514350">
-              <a:buFont typeface="+mj-lt"/>
-              <a:buAutoNum type="arabicPeriod" startAt="2"/>
-            </a:pPr>
-            <a:r>
-              <a:rPr lang="en-US" dirty="0" smtClean="0"/>
-              <a:t>Click the </a:t>
-            </a:r>
-            <a:r>
-              <a:rPr lang="en-US" b="1" dirty="0" smtClean="0"/>
-              <a:t>password</a:t>
-            </a:r>
-            <a:r>
-              <a:rPr lang="en-US" dirty="0" smtClean="0"/>
-              <a:t> link as shown in this illustration.</a:t>
-            </a:r>
-          </a:p>
-          <a:p>
-            <a:pPr marL="514350" indent="-514350">
-              <a:buFont typeface="+mj-lt"/>
-              <a:buAutoNum type="arabicPeriod" startAt="2"/>
-            </a:pPr>
-            <a:endParaRPr lang="en-US" dirty="0" smtClean="0"/>
-          </a:p>
-          <a:p>
-            <a:pPr marL="514350" indent="-514350">
-              <a:buFont typeface="+mj-lt"/>
-              <a:buAutoNum type="arabicPeriod" startAt="2"/>
-            </a:pPr>
-            <a:endParaRPr lang="en-US" dirty="0" smtClean="0"/>
-          </a:p>
-          <a:p>
-            <a:pPr marL="514350" indent="-514350">
-              <a:buFont typeface="+mj-lt"/>
-              <a:buAutoNum type="arabicPeriod" startAt="2"/>
-            </a:pPr>
-            <a:endParaRPr lang="en-US" dirty="0"/>
-          </a:p>
-          <a:p>
-            <a:pPr marL="514350" indent="-514350">
-              <a:buFont typeface="+mj-lt"/>
-              <a:buAutoNum type="arabicPeriod" startAt="2"/>
-            </a:pPr>
-            <a:endParaRPr lang="en-US" dirty="0" smtClean="0"/>
-          </a:p>
-          <a:p>
-            <a:pPr marL="457200" indent="-457200">
-              <a:buFont typeface="Arial" panose="020B0604020202020204" pitchFamily="34" charset="0"/>
-              <a:buChar char="•"/>
-            </a:pPr>
-            <a:endParaRPr lang="en-US" dirty="0"/>
-          </a:p>
-          <a:p>
-            <a:pPr marL="457200" indent="-457200">
-              <a:buFont typeface="Arial" panose="020B0604020202020204" pitchFamily="34" charset="0"/>
-              <a:buChar char="•"/>
-            </a:pPr>
-            <a:endParaRPr lang="en-US" dirty="0"/>
-          </a:p>
-        </p:txBody>
-      </p:sp>
-      <p:pic>
-        <p:nvPicPr>
-          <p:cNvPr id="5" name="Picture 4"/>
-          <p:cNvPicPr>
-            <a:picLocks noChangeAspect="1"/>
-          </p:cNvPicPr>
-          <p:nvPr/>
-        </p:nvPicPr>
-        <p:blipFill>
-          <a:blip r:embed="rId3"/>
-          <a:stretch>
-            <a:fillRect/>
-          </a:stretch>
-        </p:blipFill>
-        <p:spPr>
-          <a:xfrm>
-            <a:off x="7639376" y="353289"/>
-            <a:ext cx="8474616" cy="7516091"/>
-          </a:xfrm>
-          <a:prstGeom prst="rect">
-            <a:avLst/>
-          </a:prstGeom>
-          <a:ln>
-            <a:solidFill>
-              <a:schemeClr val="accent1"/>
-            </a:solidFill>
-          </a:ln>
-        </p:spPr>
-      </p:pic>
-    </p:spTree>
-    <p:extLst>
-      <p:ext uri="{BB962C8B-B14F-4D97-AF65-F5344CB8AC3E}">
-        <p14:creationId xmlns:p14="http://schemas.microsoft.com/office/powerpoint/2010/main" val="2579876178"/>
-      </p:ext>
-    </p:extLst>
-  </p:cSld>
-  <p:clrMapOvr>
-    <a:masterClrMapping/>
-  </p:clrMapOvr>
-  <p:transition spd="med">
-    <p:fade/>
-  </p:transition>
-  <p:timing>
-    <p:tnLst>
-      <p:par>
-        <p:cTn id="1" dur="indefinite" restart="never" nodeType="tmRoot"/>
-      </p:par>
-    </p:tnLst>
-  </p:timing>
 </p:sld>
 </file>
 
@@ -27254,7 +30035,15 @@
             </a:r>
             <a:r>
               <a:rPr lang="en-US" b="1" dirty="0" smtClean="0"/>
-              <a:t>Add 1 node</a:t>
+              <a:t>Add </a:t>
+            </a:r>
+            <a:r>
+              <a:rPr lang="en-US" b="1" dirty="0"/>
+              <a:t>1</a:t>
+            </a:r>
+            <a:r>
+              <a:rPr lang="en-US" b="1" dirty="0" smtClean="0"/>
+              <a:t> node</a:t>
             </a:r>
             <a:r>
               <a:rPr lang="en-US" dirty="0" smtClean="0"/>
@@ -29069,6 +31858,52 @@
 </file>
 
 <file path=customXml/item1.xml><?xml version="1.0" encoding="utf-8"?>
+<?mso-contentType ?>
+<spe:Receivers xmlns:spe="http://schemas.microsoft.com/sharepoint/events">
+  <Receiver>
+    <Name>Document ID Generator</Name>
+    <Synchronization>Synchronous</Synchronization>
+    <Type>10001</Type>
+    <SequenceNumber>1000</SequenceNumber>
+    <Assembly>Microsoft.Office.DocumentManagement, Version=14.0.0.0, Culture=neutral, PublicKeyToken=71e9bce111e9429c</Assembly>
+    <Class>Microsoft.Office.DocumentManagement.Internal.DocIdHandler</Class>
+    <Data/>
+    <Filter/>
+  </Receiver>
+  <Receiver>
+    <Name>Document ID Generator</Name>
+    <Synchronization>Synchronous</Synchronization>
+    <Type>10002</Type>
+    <SequenceNumber>1001</SequenceNumber>
+    <Assembly>Microsoft.Office.DocumentManagement, Version=14.0.0.0, Culture=neutral, PublicKeyToken=71e9bce111e9429c</Assembly>
+    <Class>Microsoft.Office.DocumentManagement.Internal.DocIdHandler</Class>
+    <Data/>
+    <Filter/>
+  </Receiver>
+  <Receiver>
+    <Name>Document ID Generator</Name>
+    <Synchronization>Synchronous</Synchronization>
+    <Type>10004</Type>
+    <SequenceNumber>1002</SequenceNumber>
+    <Assembly>Microsoft.Office.DocumentManagement, Version=14.0.0.0, Culture=neutral, PublicKeyToken=71e9bce111e9429c</Assembly>
+    <Class>Microsoft.Office.DocumentManagement.Internal.DocIdHandler</Class>
+    <Data/>
+    <Filter/>
+  </Receiver>
+  <Receiver>
+    <Name>Document ID Generator</Name>
+    <Synchronization>Synchronous</Synchronization>
+    <Type>10006</Type>
+    <SequenceNumber>1003</SequenceNumber>
+    <Assembly>Microsoft.Office.DocumentManagement, Version=14.0.0.0, Culture=neutral, PublicKeyToken=71e9bce111e9429c</Assembly>
+    <Class>Microsoft.Office.DocumentManagement.Internal.DocIdHandler</Class>
+    <Data/>
+    <Filter/>
+  </Receiver>
+</spe:Receivers>
+</file>
+
+<file path=customXml/item2.xml><?xml version="1.0" encoding="utf-8"?>
 <ct:contentTypeSchema xmlns:ct="http://schemas.microsoft.com/office/2006/metadata/contentType" xmlns:ma="http://schemas.microsoft.com/office/2006/metadata/properties/metaAttributes" ct:_="" ma:_="" ma:contentTypeName="Document" ma:contentTypeID="0x0101000812F700BE7F874999720E88173FE491" ma:contentTypeVersion="0" ma:contentTypeDescription="Create a new document." ma:contentTypeScope="" ma:versionID="3f79f408e2ca720b7aba6e0e32464d0c">
   <xsd:schema xmlns:xsd="http://www.w3.org/2001/XMLSchema" xmlns:xs="http://www.w3.org/2001/XMLSchema" xmlns:p="http://schemas.microsoft.com/office/2006/metadata/properties" xmlns:ns2="7bb5d761-a2ea-4873-95f7-7a6658fb3ef0" targetNamespace="http://schemas.microsoft.com/office/2006/metadata/properties" ma:root="true" ma:fieldsID="1e062cd38ba31e406bfc4340fbc7f87a" ns2:_="">
     <xsd:import namespace="7bb5d761-a2ea-4873-95f7-7a6658fb3ef0"/>
@@ -29213,62 +32048,7 @@
 </ct:contentTypeSchema>
 </file>
 
-<file path=customXml/item2.xml><?xml version="1.0" encoding="utf-8"?>
-<?mso-contentType ?>
-<spe:Receivers xmlns:spe="http://schemas.microsoft.com/sharepoint/events">
-  <Receiver>
-    <Name>Document ID Generator</Name>
-    <Synchronization>Synchronous</Synchronization>
-    <Type>10001</Type>
-    <SequenceNumber>1000</SequenceNumber>
-    <Assembly>Microsoft.Office.DocumentManagement, Version=14.0.0.0, Culture=neutral, PublicKeyToken=71e9bce111e9429c</Assembly>
-    <Class>Microsoft.Office.DocumentManagement.Internal.DocIdHandler</Class>
-    <Data/>
-    <Filter/>
-  </Receiver>
-  <Receiver>
-    <Name>Document ID Generator</Name>
-    <Synchronization>Synchronous</Synchronization>
-    <Type>10002</Type>
-    <SequenceNumber>1001</SequenceNumber>
-    <Assembly>Microsoft.Office.DocumentManagement, Version=14.0.0.0, Culture=neutral, PublicKeyToken=71e9bce111e9429c</Assembly>
-    <Class>Microsoft.Office.DocumentManagement.Internal.DocIdHandler</Class>
-    <Data/>
-    <Filter/>
-  </Receiver>
-  <Receiver>
-    <Name>Document ID Generator</Name>
-    <Synchronization>Synchronous</Synchronization>
-    <Type>10004</Type>
-    <SequenceNumber>1002</SequenceNumber>
-    <Assembly>Microsoft.Office.DocumentManagement, Version=14.0.0.0, Culture=neutral, PublicKeyToken=71e9bce111e9429c</Assembly>
-    <Class>Microsoft.Office.DocumentManagement.Internal.DocIdHandler</Class>
-    <Data/>
-    <Filter/>
-  </Receiver>
-  <Receiver>
-    <Name>Document ID Generator</Name>
-    <Synchronization>Synchronous</Synchronization>
-    <Type>10006</Type>
-    <SequenceNumber>1003</SequenceNumber>
-    <Assembly>Microsoft.Office.DocumentManagement, Version=14.0.0.0, Culture=neutral, PublicKeyToken=71e9bce111e9429c</Assembly>
-    <Class>Microsoft.Office.DocumentManagement.Internal.DocIdHandler</Class>
-    <Data/>
-    <Filter/>
-  </Receiver>
-</spe:Receivers>
-</file>
-
 <file path=customXml/item3.xml><?xml version="1.0" encoding="utf-8"?>
-<?mso-contentType ?>
-<FormTemplates xmlns="http://schemas.microsoft.com/sharepoint/v3/contenttype/forms">
-  <Display>DocumentLibraryForm</Display>
-  <Edit>DocumentLibraryForm</Edit>
-  <New>DocumentLibraryForm</New>
-</FormTemplates>
-</file>
-
-<file path=customXml/item4.xml><?xml version="1.0" encoding="utf-8"?>
 <p:properties xmlns:p="http://schemas.microsoft.com/office/2006/metadata/properties" xmlns:xsi="http://www.w3.org/2001/XMLSchema-instance" xmlns:pc="http://schemas.microsoft.com/office/infopath/2007/PartnerControls">
   <documentManagement>
     <_dlc_DocId xmlns="7bb5d761-a2ea-4873-95f7-7a6658fb3ef0">M4CWTKMW727E-592-73</_dlc_DocId>
@@ -29280,7 +32060,24 @@
 </p:properties>
 </file>
 
+<file path=customXml/item4.xml><?xml version="1.0" encoding="utf-8"?>
+<?mso-contentType ?>
+<FormTemplates xmlns="http://schemas.microsoft.com/sharepoint/v3/contenttype/forms">
+  <Display>DocumentLibraryForm</Display>
+  <Edit>DocumentLibraryForm</Edit>
+  <New>DocumentLibraryForm</New>
+</FormTemplates>
+</file>
+
 <file path=customXml/itemProps1.xml><?xml version="1.0" encoding="utf-8"?>
+<ds:datastoreItem xmlns:ds="http://schemas.openxmlformats.org/officeDocument/2006/customXml" ds:itemID="{B13EBC30-FE27-4C6A-B723-23FC2188F7DC}">
+  <ds:schemaRefs>
+    <ds:schemaRef ds:uri="http://schemas.microsoft.com/sharepoint/events"/>
+  </ds:schemaRefs>
+</ds:datastoreItem>
+</file>
+
+<file path=customXml/itemProps2.xml><?xml version="1.0" encoding="utf-8"?>
 <ds:datastoreItem xmlns:ds="http://schemas.openxmlformats.org/officeDocument/2006/customXml" ds:itemID="{164479E5-0B02-49AC-B79E-EC1D6164DDD3}">
   <ds:schemaRefs>
     <ds:schemaRef ds:uri="http://schemas.microsoft.com/office/2006/metadata/contentType"/>
@@ -29298,23 +32095,7 @@
 </ds:datastoreItem>
 </file>
 
-<file path=customXml/itemProps2.xml><?xml version="1.0" encoding="utf-8"?>
-<ds:datastoreItem xmlns:ds="http://schemas.openxmlformats.org/officeDocument/2006/customXml" ds:itemID="{B13EBC30-FE27-4C6A-B723-23FC2188F7DC}">
-  <ds:schemaRefs>
-    <ds:schemaRef ds:uri="http://schemas.microsoft.com/sharepoint/events"/>
-  </ds:schemaRefs>
-</ds:datastoreItem>
-</file>
-
 <file path=customXml/itemProps3.xml><?xml version="1.0" encoding="utf-8"?>
-<ds:datastoreItem xmlns:ds="http://schemas.openxmlformats.org/officeDocument/2006/customXml" ds:itemID="{5CDEB364-43EC-4510-9881-539C2A3FCE9E}">
-  <ds:schemaRefs>
-    <ds:schemaRef ds:uri="http://schemas.microsoft.com/sharepoint/v3/contenttype/forms"/>
-  </ds:schemaRefs>
-</ds:datastoreItem>
-</file>
-
-<file path=customXml/itemProps4.xml><?xml version="1.0" encoding="utf-8"?>
 <ds:datastoreItem xmlns:ds="http://schemas.openxmlformats.org/officeDocument/2006/customXml" ds:itemID="{6921749B-AEB7-461B-845F-603CABD25259}">
   <ds:schemaRefs>
     <ds:schemaRef ds:uri="http://purl.org/dc/dcmitype/"/>
@@ -29328,4 +32109,12 @@
     <ds:schemaRef ds:uri="http://www.w3.org/XML/1998/namespace"/>
   </ds:schemaRefs>
 </ds:datastoreItem>
+</file>
+
+<file path=customXml/itemProps4.xml><?xml version="1.0" encoding="utf-8"?>
+<ds:datastoreItem xmlns:ds="http://schemas.openxmlformats.org/officeDocument/2006/customXml" ds:itemID="{5CDEB364-43EC-4510-9881-539C2A3FCE9E}">
+  <ds:schemaRefs>
+    <ds:schemaRef ds:uri="http://schemas.microsoft.com/sharepoint/v3/contenttype/forms"/>
+  </ds:schemaRefs>
+</ds:datastoreItem>
 </file>
--- a/03-initial-configuration-scans.pptx
+++ b/03-initial-configuration-scans.pptx
@@ -333,7 +333,7 @@
               <a:pPr>
                 <a:defRPr/>
               </a:pPr>
-              <a:t>2015-12-09</a:t>
+              <a:t>2015-12-10</a:t>
             </a:fld>
             <a:endParaRPr lang="en-US" dirty="0"/>
           </a:p>
@@ -516,7 +516,7 @@
               <a:pPr>
                 <a:defRPr/>
               </a:pPr>
-              <a:t>2015-12-09</a:t>
+              <a:t>2015-12-10</a:t>
             </a:fld>
             <a:endParaRPr lang="en-US" dirty="0"/>
           </a:p>
@@ -4643,15 +4643,7 @@
             </a:pPr>
             <a:r>
               <a:rPr lang="en-US" b="0" baseline="0" dirty="0" smtClean="0"/>
-              <a:t>It could take a </a:t>
-            </a:r>
-            <a:r>
-              <a:rPr lang="en-US" b="0" baseline="0" dirty="0" smtClean="0"/>
-              <a:t>couple minutes </a:t>
-            </a:r>
-            <a:r>
-              <a:rPr lang="en-US" b="0" baseline="0" dirty="0" smtClean="0"/>
-              <a:t>or so for this command to complete.</a:t>
+              <a:t>It could take a couple minutes or so for this command to complete.</a:t>
             </a:r>
             <a:endParaRPr lang="en-US" b="0" dirty="0" smtClean="0"/>
           </a:p>
@@ -5931,11 +5923,7 @@
             </a:r>
             <a:r>
               <a:rPr lang="en-US" dirty="0" smtClean="0"/>
-              <a:t> and </a:t>
-            </a:r>
-            <a:r>
-              <a:rPr lang="en-US" dirty="0" smtClean="0"/>
-              <a:t>uncomment the `verifier` and `name: </a:t>
+              <a:t> and uncomment the `verifier` and `name: </a:t>
             </a:r>
             <a:r>
               <a:rPr lang="en-US" dirty="0" err="1" smtClean="0"/>
@@ -5949,7 +5937,6 @@
               <a:rPr lang="en-US" baseline="0" dirty="0" smtClean="0"/>
               <a:t> lines.</a:t>
             </a:r>
-            <a:endParaRPr lang="en-US" baseline="0" dirty="0" smtClean="0"/>
           </a:p>
           <a:p>
             <a:endParaRPr lang="en-US" sz="1200" b="1" dirty="0" smtClean="0"/>
@@ -5957,11 +5944,7 @@
           <a:p>
             <a:r>
               <a:rPr lang="en-US" sz="1200" b="0" dirty="0" smtClean="0"/>
-              <a:t>verifier</a:t>
-            </a:r>
-            <a:r>
-              <a:rPr lang="en-US" sz="1200" b="0" dirty="0" smtClean="0"/>
-              <a:t>:</a:t>
+              <a:t>verifier:</a:t>
             </a:r>
           </a:p>
           <a:p>
@@ -6967,7 +6950,7 @@
         <p:spPr/>
         <p:txBody>
           <a:bodyPr>
-            <a:normAutofit fontScale="55000" lnSpcReduction="20000"/>
+            <a:normAutofit fontScale="25000" lnSpcReduction="20000"/>
           </a:bodyPr>
           <a:lstStyle/>
           <a:p>
@@ -6981,7 +6964,44 @@
             </a:r>
             <a:r>
               <a:rPr lang="en-US" baseline="0" dirty="0" smtClean="0"/>
-              <a:t> command using the container ID you just copied, replacing CONTAINER_ID in the example.</a:t>
+              <a:t> command using the container ID you just copied, replacing CONTAINER_ID in the example</a:t>
+            </a:r>
+            <a:r>
+              <a:rPr lang="en-US" baseline="0" dirty="0" smtClean="0"/>
+              <a:t>.</a:t>
+            </a:r>
+          </a:p>
+          <a:p>
+            <a:endParaRPr lang="en-US" baseline="0" dirty="0" smtClean="0"/>
+          </a:p>
+          <a:p>
+            <a:r>
+              <a:rPr lang="en-US" dirty="0" smtClean="0"/>
+              <a:t>`</a:t>
+            </a:r>
+            <a:r>
+              <a:rPr lang="en-US" dirty="0" err="1" smtClean="0"/>
+              <a:t>inspec</a:t>
+            </a:r>
+            <a:r>
+              <a:rPr lang="en-US" dirty="0" smtClean="0"/>
+              <a:t> exec ~/cookbooks/ssh/test/integration/client/</a:t>
+            </a:r>
+            <a:r>
+              <a:rPr lang="en-US" dirty="0" err="1" smtClean="0"/>
+              <a:t>inspec</a:t>
+            </a:r>
+            <a:r>
+              <a:rPr lang="en-US" dirty="0" smtClean="0"/>
+              <a:t>/</a:t>
+            </a:r>
+            <a:r>
+              <a:rPr lang="en-US" dirty="0" err="1" smtClean="0"/>
+              <a:t>client_spec.rb</a:t>
+            </a:r>
+            <a:r>
+              <a:rPr lang="en-US" dirty="0" smtClean="0"/>
+              <a:t> -t docker://CONTAINER_ID`</a:t>
             </a:r>
             <a:endParaRPr lang="en-US" dirty="0" smtClean="0"/>
           </a:p>
@@ -7051,11 +7071,23 @@
             <a:endParaRPr lang="en-US" baseline="0" dirty="0" smtClean="0"/>
           </a:p>
           <a:p>
+            <a:r>
+              <a:rPr lang="en-US" dirty="0" smtClean="0">
+                <a:effectLst/>
+              </a:rPr>
+              <a:t>TBD: </a:t>
+            </a:r>
             <a:r>
               <a:rPr lang="en-US" dirty="0" err="1" smtClean="0">
                 <a:effectLst/>
               </a:rPr>
-              <a:t>Nathen:"I</a:t>
+              <a:t>Nathen</a:t>
+            </a:r>
+            <a:r>
+              <a:rPr lang="en-US" dirty="0" err="1" smtClean="0">
+                <a:effectLst/>
+              </a:rPr>
+              <a:t>:"I</a:t>
             </a:r>
             <a:r>
               <a:rPr lang="en-US" dirty="0" smtClean="0">
@@ -7567,15 +7599,7 @@
             </a:pPr>
             <a:r>
               <a:rPr lang="en-US" baseline="0" dirty="0" smtClean="0"/>
-              <a:t>Uncomment the `#   Protocol </a:t>
-            </a:r>
-            <a:r>
-              <a:rPr lang="en-US" baseline="0" dirty="0" smtClean="0"/>
-              <a:t>2,1` </a:t>
-            </a:r>
-            <a:r>
-              <a:rPr lang="en-US" baseline="0" dirty="0" smtClean="0"/>
-              <a:t>line.</a:t>
+              <a:t>Uncomment the `#   Protocol 2,1` line.</a:t>
             </a:r>
           </a:p>
           <a:p>
@@ -8419,7 +8443,6 @@
               <a:rPr lang="en-US" baseline="0" dirty="0" smtClean="0"/>
               <a:t>            #   Ciphers aes128-ctr,aes192-ctr,aes256-ctr,arcfour256,arcfour128,aes128-cbc,3des-cbc</a:t>
             </a:r>
-            <a:endParaRPr lang="en-US" baseline="0" dirty="0" smtClean="0"/>
           </a:p>
           <a:p>
             <a:pPr marL="0" marR="0" indent="0" algn="l" defTabSz="1217613" rtl="0" eaLnBrk="1" fontAlgn="base" latinLnBrk="0" hangingPunct="1">
@@ -9338,6 +9361,281 @@
     <p:extLst>
       <p:ext uri="{BB962C8B-B14F-4D97-AF65-F5344CB8AC3E}">
         <p14:creationId xmlns:p14="http://schemas.microsoft.com/office/powerpoint/2010/main" val="2355399236"/>
+      </p:ext>
+    </p:extLst>
+  </p:cSld>
+  <p:clrMapOvr>
+    <a:masterClrMapping/>
+  </p:clrMapOvr>
+</p:notes>
+</file>
+
+<file path=ppt/notesSlides/notesSlide49.xml><?xml version="1.0" encoding="utf-8"?>
+<p:notes xmlns:a="http://schemas.openxmlformats.org/drawingml/2006/main" xmlns:r="http://schemas.openxmlformats.org/officeDocument/2006/relationships" xmlns:p="http://schemas.openxmlformats.org/presentationml/2006/main">
+  <p:cSld>
+    <p:spTree>
+      <p:nvGrpSpPr>
+        <p:cNvPr id="1" name=""/>
+        <p:cNvGrpSpPr/>
+        <p:nvPr/>
+      </p:nvGrpSpPr>
+      <p:grpSpPr>
+        <a:xfrm>
+          <a:off x="0" y="0"/>
+          <a:ext cx="0" cy="0"/>
+          <a:chOff x="0" y="0"/>
+          <a:chExt cx="0" cy="0"/>
+        </a:xfrm>
+      </p:grpSpPr>
+      <p:sp>
+        <p:nvSpPr>
+          <p:cNvPr id="2" name="Slide Image Placeholder 1"/>
+          <p:cNvSpPr>
+            <a:spLocks noGrp="1" noRot="1" noChangeAspect="1"/>
+          </p:cNvSpPr>
+          <p:nvPr>
+            <p:ph type="sldImg"/>
+          </p:nvPr>
+        </p:nvSpPr>
+        <p:spPr/>
+      </p:sp>
+      <p:sp>
+        <p:nvSpPr>
+          <p:cNvPr id="3" name="Notes Placeholder 2"/>
+          <p:cNvSpPr>
+            <a:spLocks noGrp="1"/>
+          </p:cNvSpPr>
+          <p:nvPr>
+            <p:ph type="body" idx="1"/>
+          </p:nvPr>
+        </p:nvSpPr>
+        <p:spPr/>
+        <p:txBody>
+          <a:bodyPr/>
+          <a:lstStyle/>
+          <a:p>
+            <a:pPr marL="0" marR="0" indent="0" algn="l" defTabSz="1217613" rtl="0" eaLnBrk="1" fontAlgn="base" latinLnBrk="0" hangingPunct="1">
+              <a:lnSpc>
+                <a:spcPct val="90000"/>
+              </a:lnSpc>
+              <a:spcBef>
+                <a:spcPct val="30000"/>
+              </a:spcBef>
+              <a:spcAft>
+                <a:spcPts val="450"/>
+              </a:spcAft>
+              <a:buClrTx/>
+              <a:buSzTx/>
+              <a:buFontTx/>
+              <a:buNone/>
+              <a:tabLst/>
+              <a:defRPr/>
+            </a:pPr>
+            <a:r>
+              <a:rPr lang="en-US" dirty="0" smtClean="0"/>
+              <a:t>In this module we scanned a node for compliance issues. We identified an issues and then wrote a remediation recipe directly on the node that we ran scans on. We also tested out recipe with test kitchen.</a:t>
+            </a:r>
+          </a:p>
+          <a:p>
+            <a:pPr marL="0" marR="0" indent="0" algn="l" defTabSz="1217613" rtl="0" eaLnBrk="1" fontAlgn="base" latinLnBrk="0" hangingPunct="1">
+              <a:lnSpc>
+                <a:spcPct val="90000"/>
+              </a:lnSpc>
+              <a:spcBef>
+                <a:spcPct val="30000"/>
+              </a:spcBef>
+              <a:spcAft>
+                <a:spcPts val="450"/>
+              </a:spcAft>
+              <a:buClrTx/>
+              <a:buSzTx/>
+              <a:buFontTx/>
+              <a:buNone/>
+              <a:tabLst/>
+              <a:defRPr/>
+            </a:pPr>
+            <a:endParaRPr lang="en-US" dirty="0" smtClean="0"/>
+          </a:p>
+          <a:p>
+            <a:pPr marL="0" marR="0" indent="0" algn="l" defTabSz="1217613" rtl="0" eaLnBrk="1" fontAlgn="base" latinLnBrk="0" hangingPunct="1">
+              <a:lnSpc>
+                <a:spcPct val="90000"/>
+              </a:lnSpc>
+              <a:spcBef>
+                <a:spcPct val="30000"/>
+              </a:spcBef>
+              <a:spcAft>
+                <a:spcPts val="450"/>
+              </a:spcAft>
+              <a:buClrTx/>
+              <a:buSzTx/>
+              <a:buFontTx/>
+              <a:buNone/>
+              <a:tabLst/>
+              <a:defRPr/>
+            </a:pPr>
+            <a:r>
+              <a:rPr lang="en-US" dirty="0" smtClean="0"/>
+              <a:t>As mentioned</a:t>
+            </a:r>
+            <a:r>
+              <a:rPr lang="en-US" baseline="0" dirty="0" smtClean="0"/>
+              <a:t> previously</a:t>
+            </a:r>
+            <a:r>
+              <a:rPr lang="en-US" dirty="0" smtClean="0"/>
+              <a:t>, in a</a:t>
+            </a:r>
+            <a:r>
+              <a:rPr lang="en-US" baseline="0" dirty="0" smtClean="0"/>
+              <a:t> production environment, </a:t>
+            </a:r>
+            <a:r>
+              <a:rPr lang="en-US" dirty="0" smtClean="0"/>
+              <a:t>you will likely write such recipes locally, add them to the node's</a:t>
+            </a:r>
+            <a:r>
+              <a:rPr lang="en-US" baseline="0" dirty="0" smtClean="0"/>
+              <a:t> run list, </a:t>
+            </a:r>
+            <a:r>
+              <a:rPr lang="en-US" dirty="0" smtClean="0"/>
+              <a:t>and then upload them to Chef Server. </a:t>
+            </a:r>
+          </a:p>
+          <a:p>
+            <a:pPr marL="0" marR="0" indent="0" algn="l" defTabSz="1217613" rtl="0" eaLnBrk="1" fontAlgn="base" latinLnBrk="0" hangingPunct="1">
+              <a:lnSpc>
+                <a:spcPct val="90000"/>
+              </a:lnSpc>
+              <a:spcBef>
+                <a:spcPct val="30000"/>
+              </a:spcBef>
+              <a:spcAft>
+                <a:spcPts val="450"/>
+              </a:spcAft>
+              <a:buClrTx/>
+              <a:buSzTx/>
+              <a:buFontTx/>
+              <a:buNone/>
+              <a:tabLst/>
+              <a:defRPr/>
+            </a:pPr>
+            <a:endParaRPr lang="en-US" smtClean="0"/>
+          </a:p>
+          <a:p>
+            <a:pPr marL="0" marR="0" indent="0" algn="l" defTabSz="1217613" rtl="0" eaLnBrk="1" fontAlgn="base" latinLnBrk="0" hangingPunct="1">
+              <a:lnSpc>
+                <a:spcPct val="90000"/>
+              </a:lnSpc>
+              <a:spcBef>
+                <a:spcPct val="30000"/>
+              </a:spcBef>
+              <a:spcAft>
+                <a:spcPts val="450"/>
+              </a:spcAft>
+              <a:buClrTx/>
+              <a:buSzTx/>
+              <a:buFontTx/>
+              <a:buNone/>
+              <a:tabLst/>
+              <a:defRPr/>
+            </a:pPr>
+            <a:r>
+              <a:rPr lang="en-US" dirty="0" smtClean="0"/>
+              <a:t>Then the nodes would download the recipes from Chef Server on their next chef-client</a:t>
+            </a:r>
+            <a:r>
+              <a:rPr lang="en-US" baseline="0" dirty="0" smtClean="0"/>
+              <a:t> run and also </a:t>
+            </a:r>
+            <a:r>
+              <a:rPr lang="en-US" dirty="0" smtClean="0"/>
+              <a:t>convergence the recipes.</a:t>
+            </a:r>
+          </a:p>
+          <a:p>
+            <a:endParaRPr lang="en-US" dirty="0"/>
+          </a:p>
+        </p:txBody>
+      </p:sp>
+      <p:sp>
+        <p:nvSpPr>
+          <p:cNvPr id="4" name="Slide Number Placeholder 3"/>
+          <p:cNvSpPr>
+            <a:spLocks noGrp="1"/>
+          </p:cNvSpPr>
+          <p:nvPr>
+            <p:ph type="sldNum" sz="quarter" idx="10"/>
+          </p:nvPr>
+        </p:nvSpPr>
+        <p:spPr/>
+        <p:txBody>
+          <a:bodyPr/>
+          <a:lstStyle/>
+          <a:p>
+            <a:pPr>
+              <a:defRPr/>
+            </a:pPr>
+            <a:fld id="{DC3734AA-3150-D947-AC52-2F5DF48BFCD5}" type="slidenum">
+              <a:rPr lang="en-US" smtClean="0"/>
+              <a:pPr>
+                <a:defRPr/>
+              </a:pPr>
+              <a:t>57</a:t>
+            </a:fld>
+            <a:endParaRPr lang="en-US" dirty="0"/>
+          </a:p>
+        </p:txBody>
+      </p:sp>
+      <p:sp>
+        <p:nvSpPr>
+          <p:cNvPr id="5" name="Header Placeholder 4"/>
+          <p:cNvSpPr>
+            <a:spLocks noGrp="1"/>
+          </p:cNvSpPr>
+          <p:nvPr>
+            <p:ph type="hdr" sz="quarter" idx="11"/>
+          </p:nvPr>
+        </p:nvSpPr>
+        <p:spPr/>
+        <p:txBody>
+          <a:bodyPr/>
+          <a:lstStyle/>
+          <a:p>
+            <a:pPr>
+              <a:defRPr/>
+            </a:pPr>
+            <a:endParaRPr lang="en-US"/>
+          </a:p>
+        </p:txBody>
+      </p:sp>
+      <p:sp>
+        <p:nvSpPr>
+          <p:cNvPr id="6" name="Footer Placeholder 5"/>
+          <p:cNvSpPr>
+            <a:spLocks noGrp="1"/>
+          </p:cNvSpPr>
+          <p:nvPr>
+            <p:ph type="ftr" sz="quarter" idx="12"/>
+          </p:nvPr>
+        </p:nvSpPr>
+        <p:spPr/>
+        <p:txBody>
+          <a:bodyPr/>
+          <a:lstStyle/>
+          <a:p>
+            <a:pPr>
+              <a:defRPr/>
+            </a:pPr>
+            <a:endParaRPr lang="en-US"/>
+          </a:p>
+        </p:txBody>
+      </p:sp>
+    </p:spTree>
+    <p:extLst>
+      <p:ext uri="{BB962C8B-B14F-4D97-AF65-F5344CB8AC3E}">
+        <p14:creationId xmlns:p14="http://schemas.microsoft.com/office/powerpoint/2010/main" val="3869094254"/>
       </p:ext>
     </p:extLst>
   </p:cSld>
@@ -18682,7 +18980,7 @@
           <a:p>
             <a:r>
               <a:rPr lang="en-US" dirty="0" smtClean="0"/>
-              <a:t>Initial Configuration and Running Scans</a:t>
+              <a:t>Running Scans, Remediation, and Testing</a:t>
             </a:r>
             <a:endParaRPr lang="en-US" dirty="0"/>
           </a:p>
@@ -18710,7 +19008,7 @@
           <a:p>
             <a:r>
               <a:rPr lang="en-US" dirty="0" smtClean="0"/>
-              <a:t>Configuring the Chef Compliance Server to Run Scans</a:t>
+              <a:t>Configuring the Chef Compliance Server to Run Scans and Writing Remediation Recipes</a:t>
             </a:r>
             <a:endParaRPr lang="en-US" dirty="0"/>
           </a:p>
@@ -21730,13 +22028,34 @@
             <a:endParaRPr lang="en-US" dirty="0"/>
           </a:p>
           <a:p>
+            <a:pPr>
+              <a:lnSpc>
+                <a:spcPct val="90000"/>
+              </a:lnSpc>
+              <a:spcBef>
+                <a:spcPct val="30000"/>
+              </a:spcBef>
+              <a:spcAft>
+                <a:spcPts val="450"/>
+              </a:spcAft>
+              <a:buSzTx/>
+              <a:defRPr/>
+            </a:pPr>
             <a:r>
               <a:rPr lang="en-US" b="1" dirty="0" smtClean="0"/>
               <a:t>Note</a:t>
             </a:r>
             <a:r>
               <a:rPr lang="en-US" dirty="0" smtClean="0"/>
-              <a:t>: In this course we will write a recipe directly on the node that we're running scans on. Of course, in the workplace you will likely write such recipes locally and upload them to Chef Server for convergence by the target nodes.</a:t>
+              <a:t>: In this course we will write a recipe directly on the node that we're running scans on. Of </a:t>
+            </a:r>
+            <a:r>
+              <a:rPr lang="en-US" dirty="0" smtClean="0"/>
+              <a:t>course </a:t>
+            </a:r>
+            <a:r>
+              <a:rPr lang="en-US" dirty="0"/>
+              <a:t>in a production environment you will likely write such recipes locally and upload them to Chef Server. Then the nodes would convergence the recipes on their next chef-client run.</a:t>
             </a:r>
           </a:p>
         </p:txBody>
@@ -21864,7 +22183,6 @@
               <a:rPr lang="en-US" dirty="0"/>
               <a:t>Rescan the node and ensure compliance.</a:t>
             </a:r>
-            <a:endParaRPr lang="en-US" dirty="0"/>
           </a:p>
         </p:txBody>
       </p:sp>
@@ -23117,7 +23435,11 @@
           <a:p>
             <a:r>
               <a:rPr lang="en-US" dirty="0" smtClean="0"/>
-              <a:t>Adding a Node to Test</a:t>
+              <a:t>Adding a Node </a:t>
+            </a:r>
+            <a:r>
+              <a:rPr lang="en-US" dirty="0" smtClean="0"/>
+              <a:t>to Scan</a:t>
             </a:r>
             <a:endParaRPr lang="en-US" dirty="0"/>
           </a:p>
@@ -23941,8 +24263,13 @@
           <a:p>
             <a:r>
               <a:rPr lang="en-US" dirty="0"/>
-              <a:t>  - name: client</a:t>
-            </a:r>
+              <a:t>  - name: </a:t>
+            </a:r>
+            <a:r>
+              <a:rPr lang="en-US" dirty="0" smtClean="0"/>
+              <a:t>default</a:t>
+            </a:r>
+            <a:endParaRPr lang="en-US" dirty="0"/>
           </a:p>
           <a:p>
             <a:r>
@@ -23953,8 +24280,13 @@
           <a:p>
             <a:r>
               <a:rPr lang="en-US" dirty="0"/>
-              <a:t>      - recipe[ssh::client]</a:t>
-            </a:r>
+              <a:t>      - recipe[ssh</a:t>
+            </a:r>
+            <a:r>
+              <a:rPr lang="en-US" dirty="0" smtClean="0"/>
+              <a:t>::default]</a:t>
+            </a:r>
+            <a:endParaRPr lang="en-US" dirty="0"/>
           </a:p>
           <a:p>
             <a:r>
@@ -25426,11 +25758,7 @@
             </a:pPr>
             <a:r>
               <a:rPr lang="en-US" dirty="0" smtClean="0"/>
-              <a:t>Add a Node to </a:t>
-            </a:r>
-            <a:r>
-              <a:rPr lang="en-US" dirty="0" smtClean="0"/>
-              <a:t>Scan</a:t>
+              <a:t>Add a Node to Scan</a:t>
             </a:r>
           </a:p>
           <a:p>
@@ -25522,7 +25850,6 @@
               <a:rPr lang="en-US" dirty="0"/>
               <a:t> Verification</a:t>
             </a:r>
-            <a:endParaRPr lang="en-US" dirty="0"/>
           </a:p>
         </p:txBody>
       </p:sp>
@@ -26363,7 +26690,7 @@
         <p:spPr>
           <a:xfrm>
             <a:off x="1121104" y="3135133"/>
-            <a:ext cx="14423693" cy="5228938"/>
+            <a:ext cx="14423693" cy="4938350"/>
           </a:xfrm>
         </p:spPr>
         <p:txBody>
@@ -27189,30 +27516,6 @@
       </p:sp>
       <p:sp>
         <p:nvSpPr>
-          <p:cNvPr id="4" name="Content Placeholder 3"/>
-          <p:cNvSpPr>
-            <a:spLocks noGrp="1"/>
-          </p:cNvSpPr>
-          <p:nvPr>
-            <p:ph sz="quarter" idx="12"/>
-          </p:nvPr>
-        </p:nvSpPr>
-        <p:spPr>
-          <a:xfrm>
-            <a:off x="1122782" y="2292313"/>
-            <a:ext cx="14420850" cy="557213"/>
-          </a:xfrm>
-        </p:spPr>
-        <p:txBody>
-          <a:bodyPr/>
-          <a:lstStyle/>
-          <a:p>
-            <a:endParaRPr lang="en-US" dirty="0"/>
-          </a:p>
-        </p:txBody>
-      </p:sp>
-      <p:sp>
-        <p:nvSpPr>
           <p:cNvPr id="5" name="Title 4"/>
           <p:cNvSpPr>
             <a:spLocks noGrp="1"/>
@@ -28452,11 +28755,7 @@
             </a:r>
             <a:r>
               <a:rPr lang="en-US" dirty="0" smtClean="0"/>
-              <a:t>3des</a:t>
-            </a:r>
-            <a:r>
-              <a:rPr lang="en-US" dirty="0" smtClean="0"/>
-              <a:t>esources </a:t>
+              <a:t>3desesources </a:t>
             </a:r>
             <a:r>
               <a:rPr lang="en-US" dirty="0"/>
@@ -29046,8 +29345,12 @@
               <a:buChar char="ü"/>
             </a:pPr>
             <a:r>
+              <a:rPr lang="en-US" dirty="0" smtClean="0"/>
+              <a:t> Log </a:t>
+            </a:r>
+            <a:r>
               <a:rPr lang="en-US" dirty="0"/>
-              <a:t>Log into your target node</a:t>
+              <a:t>into your target node</a:t>
             </a:r>
           </a:p>
           <a:p>
@@ -29057,7 +29360,7 @@
             </a:pPr>
             <a:r>
               <a:rPr lang="en-US" dirty="0" smtClean="0"/>
-              <a:t>Write </a:t>
+              <a:t> Write </a:t>
             </a:r>
             <a:r>
               <a:rPr lang="en-US" dirty="0"/>
@@ -29103,8 +29406,12 @@
               <a:buChar char="ü"/>
             </a:pPr>
             <a:r>
+              <a:rPr lang="en-US" dirty="0" smtClean="0"/>
+              <a:t>Rescan </a:t>
+            </a:r>
+            <a:r>
               <a:rPr lang="en-US" dirty="0"/>
-              <a:t>Rescan the node and ensure compliance</a:t>
+              <a:t>the node and ensure compliance</a:t>
             </a:r>
             <a:r>
               <a:rPr lang="en-US" dirty="0" smtClean="0"/>

--- a/03-initial-configuration-scans.pptx
+++ b/03-initial-configuration-scans.pptx
@@ -333,7 +333,7 @@
               <a:pPr>
                 <a:defRPr/>
               </a:pPr>
-              <a:t>2015-12-10</a:t>
+              <a:t>2015-12-11</a:t>
             </a:fld>
             <a:endParaRPr lang="en-US" dirty="0"/>
           </a:p>
@@ -516,7 +516,7 @@
               <a:pPr>
                 <a:defRPr/>
               </a:pPr>
-              <a:t>2015-12-10</a:t>
+              <a:t>2015-12-11</a:t>
             </a:fld>
             <a:endParaRPr lang="en-US" dirty="0"/>
           </a:p>
@@ -6964,11 +6964,7 @@
             </a:r>
             <a:r>
               <a:rPr lang="en-US" baseline="0" dirty="0" smtClean="0"/>
-              <a:t> command using the container ID you just copied, replacing CONTAINER_ID in the example</a:t>
-            </a:r>
-            <a:r>
-              <a:rPr lang="en-US" baseline="0" dirty="0" smtClean="0"/>
-              <a:t>.</a:t>
+              <a:t> command using the container ID you just copied, replacing CONTAINER_ID in the example.</a:t>
             </a:r>
           </a:p>
           <a:p>
@@ -7003,7 +6999,6 @@
               <a:rPr lang="en-US" dirty="0" smtClean="0"/>
               <a:t> -t docker://CONTAINER_ID`</a:t>
             </a:r>
-            <a:endParaRPr lang="en-US" dirty="0" smtClean="0"/>
           </a:p>
           <a:p>
             <a:endParaRPr lang="en-US" dirty="0" smtClean="0"/>
@@ -7081,13 +7076,7 @@
               <a:rPr lang="en-US" dirty="0" err="1" smtClean="0">
                 <a:effectLst/>
               </a:rPr>
-              <a:t>Nathen</a:t>
-            </a:r>
-            <a:r>
-              <a:rPr lang="en-US" dirty="0" err="1" smtClean="0">
-                <a:effectLst/>
-              </a:rPr>
-              <a:t>:"I</a:t>
+              <a:t>Nathen:"I</a:t>
             </a:r>
             <a:r>
               <a:rPr lang="en-US" dirty="0" smtClean="0">
@@ -9433,7 +9422,15 @@
             </a:pPr>
             <a:r>
               <a:rPr lang="en-US" dirty="0" smtClean="0"/>
-              <a:t>In this module we scanned a node for compliance issues. We identified an issues and then wrote a remediation recipe directly on the node that we ran scans on. We also tested out recipe with test kitchen.</a:t>
+              <a:t>In this module we scanned a node for compliance issues. We identified </a:t>
+            </a:r>
+            <a:r>
+              <a:rPr lang="en-US" smtClean="0"/>
+              <a:t>an issue </a:t>
+            </a:r>
+            <a:r>
+              <a:rPr lang="en-US" dirty="0" smtClean="0"/>
+              <a:t>and then wrote a remediation recipe directly on the node scanned. We also tested our recipe with test kitchen.</a:t>
             </a:r>
           </a:p>
           <a:p>
@@ -9521,7 +9518,7 @@
               <a:tabLst/>
               <a:defRPr/>
             </a:pPr>
-            <a:endParaRPr lang="en-US" smtClean="0"/>
+            <a:endParaRPr lang="en-US" dirty="0" smtClean="0"/>
           </a:p>
           <a:p>
             <a:pPr marL="0" marR="0" indent="0" algn="l" defTabSz="1217613" rtl="0" eaLnBrk="1" fontAlgn="base" latinLnBrk="0" hangingPunct="1">
@@ -21875,7 +21872,15 @@
           <a:p>
             <a:r>
               <a:rPr lang="en-US" dirty="0"/>
-              <a:t> more /etc/ssh/</a:t>
+              <a:t> </a:t>
+            </a:r>
+            <a:r>
+              <a:rPr lang="en-US" dirty="0" smtClean="0"/>
+              <a:t>$ more </a:t>
+            </a:r>
+            <a:r>
+              <a:rPr lang="en-US" dirty="0"/>
+              <a:t>/etc/ssh/</a:t>
             </a:r>
             <a:r>
               <a:rPr lang="en-US" dirty="0" err="1"/>
@@ -22047,11 +22052,7 @@
             </a:r>
             <a:r>
               <a:rPr lang="en-US" dirty="0" smtClean="0"/>
-              <a:t>: In this course we will write a recipe directly on the node that we're running scans on. Of </a:t>
-            </a:r>
-            <a:r>
-              <a:rPr lang="en-US" dirty="0" smtClean="0"/>
-              <a:t>course </a:t>
+              <a:t>: In this course we will write a recipe directly on the node that we're running scans on. Of course </a:t>
             </a:r>
             <a:r>
               <a:rPr lang="en-US" dirty="0"/>
@@ -23435,11 +23436,7 @@
           <a:p>
             <a:r>
               <a:rPr lang="en-US" dirty="0" smtClean="0"/>
-              <a:t>Adding a Node </a:t>
-            </a:r>
-            <a:r>
-              <a:rPr lang="en-US" dirty="0" smtClean="0"/>
-              <a:t>to Scan</a:t>
+              <a:t>Adding a Node to Scan</a:t>
             </a:r>
             <a:endParaRPr lang="en-US" dirty="0"/>
           </a:p>

--- a/03-initial-configuration-scans.pptx
+++ b/03-initial-configuration-scans.pptx
@@ -988,7 +988,7 @@
               <a:pPr>
                 <a:defRPr/>
               </a:pPr>
-              <a:t>3</a:t>
+              <a:t>1</a:t>
             </a:fld>
             <a:endParaRPr lang="en-US" dirty="0"/>
           </a:p>
@@ -1041,7 +1041,7 @@
     </p:spTree>
     <p:extLst>
       <p:ext uri="{BB962C8B-B14F-4D97-AF65-F5344CB8AC3E}">
-        <p14:creationId xmlns:p14="http://schemas.microsoft.com/office/powerpoint/2010/main" val="1083675655"/>
+        <p14:creationId xmlns:p14="http://schemas.microsoft.com/office/powerpoint/2010/main" val="279649326"/>
       </p:ext>
     </p:extLst>
   </p:cSld>
@@ -1095,6 +1095,49 @@
           <a:bodyPr/>
           <a:lstStyle/>
           <a:p>
+            <a:r>
+              <a:rPr lang="en-US" dirty="0" smtClean="0"/>
+              <a:t>This image shows the default Compliance Profiles as accessed from the Scan Nodes page. This page displays when you select</a:t>
+            </a:r>
+            <a:r>
+              <a:rPr lang="en-US" baseline="0" dirty="0" smtClean="0"/>
+              <a:t> nodes to scan and then click the Scan button.</a:t>
+            </a:r>
+            <a:endParaRPr lang="en-US" dirty="0" smtClean="0"/>
+          </a:p>
+          <a:p>
+            <a:endParaRPr lang="en-US" dirty="0" smtClean="0"/>
+          </a:p>
+          <a:p>
+            <a:r>
+              <a:rPr lang="en-US" dirty="0" smtClean="0"/>
+              <a:t>You'll access the profiles in a moment. These profiles</a:t>
+            </a:r>
+            <a:r>
+              <a:rPr lang="en-US" baseline="0" dirty="0" smtClean="0"/>
+              <a:t> determine what will be scanned on your nodes.</a:t>
+            </a:r>
+            <a:endParaRPr lang="en-US" dirty="0" smtClean="0"/>
+          </a:p>
+          <a:p>
+            <a:endParaRPr lang="en-US" dirty="0" smtClean="0"/>
+          </a:p>
+          <a:p>
+            <a:r>
+              <a:rPr lang="en-US" dirty="0" smtClean="0"/>
+              <a:t>You should be thoughtful with which profiles choose since the more you choose to run, the longer it will take to execute the scan.</a:t>
+            </a:r>
+          </a:p>
+          <a:p>
+            <a:endParaRPr lang="en-US" dirty="0" smtClean="0"/>
+          </a:p>
+          <a:p>
+            <a:r>
+              <a:rPr lang="en-US" dirty="0" smtClean="0"/>
+              <a:t>Notice how you can also choose to run a scan on demand (Scan now) or schedule a scan to run at a later time.</a:t>
+            </a:r>
+          </a:p>
+          <a:p>
             <a:endParaRPr lang="en-US" dirty="0"/>
           </a:p>
         </p:txBody>
@@ -1122,7 +1165,7 @@
               <a:pPr>
                 <a:defRPr/>
               </a:pPr>
-              <a:t>15</a:t>
+              <a:t>14</a:t>
             </a:fld>
             <a:endParaRPr lang="en-US" dirty="0"/>
           </a:p>
@@ -1175,7 +1218,7 @@
     </p:spTree>
     <p:extLst>
       <p:ext uri="{BB962C8B-B14F-4D97-AF65-F5344CB8AC3E}">
-        <p14:creationId xmlns:p14="http://schemas.microsoft.com/office/powerpoint/2010/main" val="2879381677"/>
+        <p14:creationId xmlns:p14="http://schemas.microsoft.com/office/powerpoint/2010/main" val="29724005"/>
       </p:ext>
     </p:extLst>
   </p:cSld>
@@ -1256,7 +1299,7 @@
               <a:pPr>
                 <a:defRPr/>
               </a:pPr>
-              <a:t>17</a:t>
+              <a:t>15</a:t>
             </a:fld>
             <a:endParaRPr lang="en-US" dirty="0"/>
           </a:p>
@@ -1309,7 +1352,7 @@
     </p:spTree>
     <p:extLst>
       <p:ext uri="{BB962C8B-B14F-4D97-AF65-F5344CB8AC3E}">
-        <p14:creationId xmlns:p14="http://schemas.microsoft.com/office/powerpoint/2010/main" val="2151536436"/>
+        <p14:creationId xmlns:p14="http://schemas.microsoft.com/office/powerpoint/2010/main" val="2879381677"/>
       </p:ext>
     </p:extLst>
   </p:cSld>
@@ -1363,23 +1406,6 @@
           <a:bodyPr/>
           <a:lstStyle/>
           <a:p>
-            <a:r>
-              <a:rPr lang="en-US" dirty="0" smtClean="0"/>
-              <a:t>There are also 6 critical issues related to ssh on the target node.</a:t>
-            </a:r>
-          </a:p>
-          <a:p>
-            <a:endParaRPr lang="en-US" dirty="0" smtClean="0"/>
-          </a:p>
-          <a:p>
-            <a:r>
-              <a:rPr lang="en-US" dirty="0" smtClean="0"/>
-              <a:t>Instructor Note: This</a:t>
-            </a:r>
-            <a:r>
-              <a:rPr lang="en-US" baseline="0" dirty="0" smtClean="0"/>
-              <a:t> and the following slide should be used for a discussion of the scan results. The group exercise continues after that.</a:t>
-            </a:r>
             <a:endParaRPr lang="en-US" dirty="0"/>
           </a:p>
         </p:txBody>
@@ -1407,7 +1433,7 @@
               <a:pPr>
                 <a:defRPr/>
               </a:pPr>
-              <a:t>18</a:t>
+              <a:t>17</a:t>
             </a:fld>
             <a:endParaRPr lang="en-US" dirty="0"/>
           </a:p>
@@ -1460,7 +1486,7 @@
     </p:spTree>
     <p:extLst>
       <p:ext uri="{BB962C8B-B14F-4D97-AF65-F5344CB8AC3E}">
-        <p14:creationId xmlns:p14="http://schemas.microsoft.com/office/powerpoint/2010/main" val="1213312203"/>
+        <p14:creationId xmlns:p14="http://schemas.microsoft.com/office/powerpoint/2010/main" val="2151536436"/>
       </p:ext>
     </p:extLst>
   </p:cSld>
@@ -1516,7 +1542,7 @@
           <a:p>
             <a:r>
               <a:rPr lang="en-US" dirty="0" smtClean="0"/>
-              <a:t>The bottom half of the Compliance Report has a table of details of test results.</a:t>
+              <a:t>There are also 6 critical issues related to ssh on the target node.</a:t>
             </a:r>
           </a:p>
           <a:p>
@@ -1525,44 +1551,12 @@
           <a:p>
             <a:r>
               <a:rPr lang="en-US" dirty="0" smtClean="0"/>
-              <a:t>These are sorted by severity so the critical issues are listed at the top and the compliant items are at the bottom of the list.     </a:t>
-            </a:r>
-          </a:p>
-          <a:p>
-            <a:endParaRPr lang="en-US" dirty="0" smtClean="0"/>
-          </a:p>
-          <a:p>
-            <a:pPr marL="0" marR="0" indent="0" algn="l" defTabSz="1217613" rtl="0" eaLnBrk="1" fontAlgn="base" latinLnBrk="0" hangingPunct="1">
-              <a:lnSpc>
-                <a:spcPct val="90000"/>
-              </a:lnSpc>
-              <a:spcBef>
-                <a:spcPct val="30000"/>
-              </a:spcBef>
-              <a:spcAft>
-                <a:spcPts val="450"/>
-              </a:spcAft>
-              <a:buClrTx/>
-              <a:buSzTx/>
-              <a:buFontTx/>
-              <a:buNone/>
-              <a:tabLst/>
-              <a:defRPr/>
-            </a:pPr>
-            <a:r>
-              <a:rPr lang="en-US" dirty="0" smtClean="0"/>
-              <a:t>If you click an issue as shown here, a bit more information about the issue displays,</a:t>
+              <a:t>Instructor Note: This</a:t>
             </a:r>
             <a:r>
               <a:rPr lang="en-US" baseline="0" dirty="0" smtClean="0"/>
-              <a:t> but that's not really telling us much.</a:t>
-            </a:r>
-            <a:endParaRPr lang="en-US" dirty="0" smtClean="0"/>
-          </a:p>
-          <a:p>
-            <a:endParaRPr lang="en-US" dirty="0" smtClean="0"/>
-          </a:p>
-          <a:p>
+              <a:t> and the following slide should be used for a discussion of the scan results. The group exercise continues after that.</a:t>
+            </a:r>
             <a:endParaRPr lang="en-US" dirty="0"/>
           </a:p>
         </p:txBody>
@@ -1590,7 +1584,7 @@
               <a:pPr>
                 <a:defRPr/>
               </a:pPr>
-              <a:t>19</a:t>
+              <a:t>18</a:t>
             </a:fld>
             <a:endParaRPr lang="en-US" dirty="0"/>
           </a:p>
@@ -1643,7 +1637,7 @@
     </p:spTree>
     <p:extLst>
       <p:ext uri="{BB962C8B-B14F-4D97-AF65-F5344CB8AC3E}">
-        <p14:creationId xmlns:p14="http://schemas.microsoft.com/office/powerpoint/2010/main" val="4045622586"/>
+        <p14:creationId xmlns:p14="http://schemas.microsoft.com/office/powerpoint/2010/main" val="1213312203"/>
       </p:ext>
     </p:extLst>
   </p:cSld>
@@ -1699,11 +1693,46 @@
           <a:p>
             <a:r>
               <a:rPr lang="en-US" dirty="0" smtClean="0"/>
-              <a:t>Instructor Note: Now we continue the group exercise but you</a:t>
+              <a:t>The bottom half of the Compliance Report has a table of details of test results.</a:t>
+            </a:r>
+          </a:p>
+          <a:p>
+            <a:endParaRPr lang="en-US" dirty="0" smtClean="0"/>
+          </a:p>
+          <a:p>
+            <a:r>
+              <a:rPr lang="en-US" dirty="0" smtClean="0"/>
+              <a:t>These are sorted by severity so the critical issues are listed at the top and the compliant items are at the bottom of the list.     </a:t>
+            </a:r>
+          </a:p>
+          <a:p>
+            <a:endParaRPr lang="en-US" dirty="0" smtClean="0"/>
+          </a:p>
+          <a:p>
+            <a:pPr marL="0" marR="0" indent="0" algn="l" defTabSz="1217613" rtl="0" eaLnBrk="1" fontAlgn="base" latinLnBrk="0" hangingPunct="1">
+              <a:lnSpc>
+                <a:spcPct val="90000"/>
+              </a:lnSpc>
+              <a:spcBef>
+                <a:spcPct val="30000"/>
+              </a:spcBef>
+              <a:spcAft>
+                <a:spcPts val="450"/>
+              </a:spcAft>
+              <a:buClrTx/>
+              <a:buSzTx/>
+              <a:buFontTx/>
+              <a:buNone/>
+              <a:tabLst/>
+              <a:defRPr/>
+            </a:pPr>
+            <a:r>
+              <a:rPr lang="en-US" dirty="0" smtClean="0"/>
+              <a:t>If you click an issue as shown here, a bit more information about the issue displays,</a:t>
             </a:r>
             <a:r>
               <a:rPr lang="en-US" baseline="0" dirty="0" smtClean="0"/>
-              <a:t> should stop as needed to explain what this code means.</a:t>
+              <a:t> but that's not really telling us much.</a:t>
             </a:r>
             <a:endParaRPr lang="en-US" dirty="0" smtClean="0"/>
           </a:p>
@@ -1738,7 +1767,7 @@
               <a:pPr>
                 <a:defRPr/>
               </a:pPr>
-              <a:t>20</a:t>
+              <a:t>19</a:t>
             </a:fld>
             <a:endParaRPr lang="en-US" dirty="0"/>
           </a:p>
@@ -1791,7 +1820,7 @@
     </p:spTree>
     <p:extLst>
       <p:ext uri="{BB962C8B-B14F-4D97-AF65-F5344CB8AC3E}">
-        <p14:creationId xmlns:p14="http://schemas.microsoft.com/office/powerpoint/2010/main" val="4240485001"/>
+        <p14:creationId xmlns:p14="http://schemas.microsoft.com/office/powerpoint/2010/main" val="4045622586"/>
       </p:ext>
     </p:extLst>
   </p:cSld>
@@ -1842,96 +1871,18 @@
         </p:nvSpPr>
         <p:spPr/>
         <p:txBody>
-          <a:bodyPr>
-            <a:normAutofit lnSpcReduction="10000"/>
-          </a:bodyPr>
-          <a:lstStyle/>
-          <a:p>
-            <a:r>
-              <a:rPr lang="en-US" dirty="0" smtClean="0"/>
-              <a:t>Let's discuss what this profile is doing.</a:t>
-            </a:r>
-          </a:p>
-          <a:p>
+          <a:bodyPr/>
+          <a:lstStyle/>
+          <a:p>
+            <a:r>
+              <a:rPr lang="en-US" dirty="0" smtClean="0"/>
+              <a:t>Instructor Note: Now we continue the group exercise but you</a:t>
+            </a:r>
+            <a:r>
+              <a:rPr lang="en-US" baseline="0" dirty="0" smtClean="0"/>
+              <a:t> should stop as needed to explain what this code means.</a:t>
+            </a:r>
             <a:endParaRPr lang="en-US" dirty="0" smtClean="0"/>
-          </a:p>
-          <a:p>
-            <a:r>
-              <a:rPr lang="en-US" sz="1200" dirty="0" smtClean="0"/>
-              <a:t>The impact of 3.0 indicates this is a Major issue</a:t>
-            </a:r>
-            <a:r>
-              <a:rPr lang="en-US" sz="1200" baseline="0" dirty="0" smtClean="0"/>
-              <a:t> if it the scanned node violates what is in this code.</a:t>
-            </a:r>
-            <a:endParaRPr lang="en-US" sz="1200" dirty="0" smtClean="0"/>
-          </a:p>
-          <a:p>
-            <a:endParaRPr lang="en-US" sz="1200" dirty="0" smtClean="0"/>
-          </a:p>
-          <a:p>
-            <a:r>
-              <a:rPr lang="en-US" sz="1200" dirty="0" smtClean="0"/>
-              <a:t>The title is what populates the Compliance Report issue title.</a:t>
-            </a:r>
-          </a:p>
-          <a:p>
-            <a:endParaRPr lang="en-US" sz="1200" dirty="0" smtClean="0"/>
-          </a:p>
-          <a:p>
-            <a:r>
-              <a:rPr lang="en-US" sz="1200" dirty="0" smtClean="0"/>
-              <a:t>The describe value is the actual test. In this case, this is saying the protocol for `</a:t>
-            </a:r>
-            <a:r>
-              <a:rPr lang="en-US" sz="1200" dirty="0" err="1" smtClean="0"/>
-              <a:t>ssh_config</a:t>
-            </a:r>
-            <a:r>
-              <a:rPr lang="en-US" sz="1200" dirty="0" smtClean="0"/>
-              <a:t>` should be `2`. If the actual value from the node is not Protocol 2, the Critical issue is reported </a:t>
-            </a:r>
-            <a:r>
-              <a:rPr lang="en-US" sz="1200" baseline="0" dirty="0" smtClean="0"/>
-              <a:t>as in this case.</a:t>
-            </a:r>
-          </a:p>
-          <a:p>
-            <a:endParaRPr lang="en-US" sz="1200" baseline="0" dirty="0" smtClean="0"/>
-          </a:p>
-          <a:p>
-            <a:r>
-              <a:rPr lang="en-US" sz="1200" baseline="0" dirty="0" smtClean="0"/>
-              <a:t>So when you run a scan, the Compliance Server connects to the node using the configuration we specified, in this case ssh, and then it will run this set of code, this </a:t>
-            </a:r>
-            <a:r>
-              <a:rPr lang="en-US" sz="1200" baseline="0" dirty="0" err="1" smtClean="0"/>
-              <a:t>InSpec</a:t>
-            </a:r>
-            <a:r>
-              <a:rPr lang="en-US" sz="1200" baseline="0" dirty="0" smtClean="0"/>
-              <a:t> control, on that node. The Compliance Server translates the </a:t>
-            </a:r>
-            <a:r>
-              <a:rPr lang="en-US" sz="1200" baseline="0" dirty="0" err="1" smtClean="0"/>
-              <a:t>InSpec</a:t>
-            </a:r>
-            <a:r>
-              <a:rPr lang="en-US" sz="1200" baseline="0" dirty="0" smtClean="0"/>
-              <a:t> code into ssh commands when it transmits across the wire.</a:t>
-            </a:r>
-          </a:p>
-          <a:p>
-            <a:endParaRPr lang="en-US" sz="1200" baseline="0" dirty="0" smtClean="0"/>
-          </a:p>
-          <a:p>
-            <a:r>
-              <a:rPr lang="en-US" sz="1200" baseline="0" dirty="0" smtClean="0"/>
-              <a:t>No agent or client is required to be running on the target node for this work.</a:t>
-            </a:r>
-          </a:p>
-          <a:p>
-            <a:endParaRPr lang="en-US" sz="1200" dirty="0" smtClean="0"/>
           </a:p>
           <a:p>
             <a:endParaRPr lang="en-US" dirty="0" smtClean="0"/>
@@ -1964,7 +1915,7 @@
               <a:pPr>
                 <a:defRPr/>
               </a:pPr>
-              <a:t>21</a:t>
+              <a:t>20</a:t>
             </a:fld>
             <a:endParaRPr lang="en-US" dirty="0"/>
           </a:p>
@@ -2017,7 +1968,7 @@
     </p:spTree>
     <p:extLst>
       <p:ext uri="{BB962C8B-B14F-4D97-AF65-F5344CB8AC3E}">
-        <p14:creationId xmlns:p14="http://schemas.microsoft.com/office/powerpoint/2010/main" val="445567721"/>
+        <p14:creationId xmlns:p14="http://schemas.microsoft.com/office/powerpoint/2010/main" val="4240485001"/>
       </p:ext>
     </p:extLst>
   </p:cSld>
@@ -2068,22 +2019,101 @@
         </p:nvSpPr>
         <p:spPr/>
         <p:txBody>
-          <a:bodyPr/>
-          <a:lstStyle/>
+          <a:bodyPr>
+            <a:normAutofit lnSpcReduction="10000"/>
+          </a:bodyPr>
+          <a:lstStyle/>
+          <a:p>
+            <a:r>
+              <a:rPr lang="en-US" dirty="0" smtClean="0"/>
+              <a:t>Let's discuss what this profile is doing.</a:t>
+            </a:r>
+          </a:p>
           <a:p>
             <a:endParaRPr lang="en-US" dirty="0" smtClean="0"/>
           </a:p>
           <a:p>
+            <a:r>
+              <a:rPr lang="en-US" sz="1200" dirty="0" smtClean="0"/>
+              <a:t>The impact of 3.0 indicates this is a Major issue</a:t>
+            </a:r>
+            <a:r>
+              <a:rPr lang="en-US" sz="1200" baseline="0" dirty="0" smtClean="0"/>
+              <a:t> if it the scanned node violates what is in this code.</a:t>
+            </a:r>
+            <a:endParaRPr lang="en-US" sz="1200" dirty="0" smtClean="0"/>
+          </a:p>
+          <a:p>
+            <a:endParaRPr lang="en-US" sz="1200" dirty="0" smtClean="0"/>
+          </a:p>
+          <a:p>
+            <a:r>
+              <a:rPr lang="en-US" sz="1200" dirty="0" smtClean="0"/>
+              <a:t>The title is what populates the Compliance Report issue title.</a:t>
+            </a:r>
+          </a:p>
+          <a:p>
+            <a:endParaRPr lang="en-US" sz="1200" dirty="0" smtClean="0"/>
+          </a:p>
+          <a:p>
+            <a:r>
+              <a:rPr lang="en-US" sz="1200" dirty="0" smtClean="0"/>
+              <a:t>The describe value is the actual test. In this case, this is saying the protocol for `</a:t>
+            </a:r>
+            <a:r>
+              <a:rPr lang="en-US" sz="1200" dirty="0" err="1" smtClean="0"/>
+              <a:t>ssh_config</a:t>
+            </a:r>
+            <a:r>
+              <a:rPr lang="en-US" sz="1200" dirty="0" smtClean="0"/>
+              <a:t>` should be `2`. If the actual value from the node is not Protocol 2, the Critical issue is reported </a:t>
+            </a:r>
+            <a:r>
+              <a:rPr lang="en-US" sz="1200" baseline="0" dirty="0" smtClean="0"/>
+              <a:t>as in this case.</a:t>
+            </a:r>
+          </a:p>
+          <a:p>
+            <a:endParaRPr lang="en-US" sz="1200" baseline="0" dirty="0" smtClean="0"/>
+          </a:p>
+          <a:p>
+            <a:r>
+              <a:rPr lang="en-US" sz="1200" baseline="0" dirty="0" smtClean="0"/>
+              <a:t>So when you run a scan, the Compliance Server connects to the node using the configuration we specified, in this case ssh, and then it will run this set of code, this </a:t>
+            </a:r>
+            <a:r>
+              <a:rPr lang="en-US" sz="1200" baseline="0" dirty="0" err="1" smtClean="0"/>
+              <a:t>InSpec</a:t>
+            </a:r>
+            <a:r>
+              <a:rPr lang="en-US" sz="1200" baseline="0" dirty="0" smtClean="0"/>
+              <a:t> control, on that node. The Compliance Server translates the </a:t>
+            </a:r>
+            <a:r>
+              <a:rPr lang="en-US" sz="1200" baseline="0" dirty="0" err="1" smtClean="0"/>
+              <a:t>InSpec</a:t>
+            </a:r>
+            <a:r>
+              <a:rPr lang="en-US" sz="1200" baseline="0" dirty="0" smtClean="0"/>
+              <a:t> code into ssh commands when it transmits across the wire.</a:t>
+            </a:r>
+          </a:p>
+          <a:p>
+            <a:endParaRPr lang="en-US" sz="1200" baseline="0" dirty="0" smtClean="0"/>
+          </a:p>
+          <a:p>
+            <a:r>
+              <a:rPr lang="en-US" sz="1200" baseline="0" dirty="0" smtClean="0"/>
+              <a:t>No agent or client is required to be running on the target node for this work.</a:t>
+            </a:r>
+          </a:p>
+          <a:p>
+            <a:endParaRPr lang="en-US" sz="1200" dirty="0" smtClean="0"/>
+          </a:p>
+          <a:p>
             <a:endParaRPr lang="en-US" dirty="0" smtClean="0"/>
           </a:p>
           <a:p>
-            <a:endParaRPr lang="en-US" dirty="0" smtClean="0"/>
-          </a:p>
-          <a:p>
-            <a:r>
-              <a:rPr lang="en-US" dirty="0" smtClean="0"/>
-              <a:t>Show logs a la 46:00 in video. ? TBD</a:t>
-            </a:r>
             <a:endParaRPr lang="en-US" dirty="0"/>
           </a:p>
         </p:txBody>
@@ -2111,7 +2141,7 @@
               <a:pPr>
                 <a:defRPr/>
               </a:pPr>
-              <a:t>22</a:t>
+              <a:t>21</a:t>
             </a:fld>
             <a:endParaRPr lang="en-US" dirty="0"/>
           </a:p>
@@ -2164,7 +2194,7 @@
     </p:spTree>
     <p:extLst>
       <p:ext uri="{BB962C8B-B14F-4D97-AF65-F5344CB8AC3E}">
-        <p14:creationId xmlns:p14="http://schemas.microsoft.com/office/powerpoint/2010/main" val="1489440238"/>
+        <p14:creationId xmlns:p14="http://schemas.microsoft.com/office/powerpoint/2010/main" val="445567721"/>
       </p:ext>
     </p:extLst>
   </p:cSld>
@@ -2218,6 +2248,19 @@
           <a:bodyPr/>
           <a:lstStyle/>
           <a:p>
+            <a:endParaRPr lang="en-US" dirty="0" smtClean="0"/>
+          </a:p>
+          <a:p>
+            <a:endParaRPr lang="en-US" dirty="0" smtClean="0"/>
+          </a:p>
+          <a:p>
+            <a:endParaRPr lang="en-US" dirty="0" smtClean="0"/>
+          </a:p>
+          <a:p>
+            <a:r>
+              <a:rPr lang="en-US" dirty="0" smtClean="0"/>
+              <a:t>Show logs a la 46:00 in video. ? TBD</a:t>
+            </a:r>
             <a:endParaRPr lang="en-US" dirty="0"/>
           </a:p>
         </p:txBody>
@@ -2245,7 +2288,7 @@
               <a:pPr>
                 <a:defRPr/>
               </a:pPr>
-              <a:t>23</a:t>
+              <a:t>22</a:t>
             </a:fld>
             <a:endParaRPr lang="en-US" dirty="0"/>
           </a:p>
@@ -2298,7 +2341,7 @@
     </p:spTree>
     <p:extLst>
       <p:ext uri="{BB962C8B-B14F-4D97-AF65-F5344CB8AC3E}">
-        <p14:creationId xmlns:p14="http://schemas.microsoft.com/office/powerpoint/2010/main" val="161960279"/>
+        <p14:creationId xmlns:p14="http://schemas.microsoft.com/office/powerpoint/2010/main" val="1489440238"/>
       </p:ext>
     </p:extLst>
   </p:cSld>
@@ -2349,82 +2392,9 @@
         </p:nvSpPr>
         <p:spPr/>
         <p:txBody>
-          <a:bodyPr>
-            <a:normAutofit/>
-          </a:bodyPr>
-          <a:lstStyle/>
-          <a:p>
-            <a:pPr marL="0" marR="0" indent="0" algn="l" defTabSz="1217613" rtl="0" eaLnBrk="1" fontAlgn="base" latinLnBrk="0" hangingPunct="1">
-              <a:lnSpc>
-                <a:spcPct val="90000"/>
-              </a:lnSpc>
-              <a:spcBef>
-                <a:spcPct val="30000"/>
-              </a:spcBef>
-              <a:spcAft>
-                <a:spcPts val="450"/>
-              </a:spcAft>
-              <a:buClrTx/>
-              <a:buSzTx/>
-              <a:buFontTx/>
-              <a:buNone/>
-              <a:tabLst/>
-              <a:defRPr/>
-            </a:pPr>
-            <a:r>
-              <a:rPr lang="en-US" dirty="0" smtClean="0"/>
-              <a:t>If you prefer to use emacs, nano, or vim to edit files on this training node, please do so now.</a:t>
-            </a:r>
-            <a:br>
-              <a:rPr lang="en-US" dirty="0" smtClean="0"/>
-            </a:br>
-            <a:r>
-              <a:rPr lang="en-US" dirty="0" smtClean="0"/>
-              <a:t/>
-            </a:r>
-            <a:br>
-              <a:rPr lang="en-US" dirty="0" smtClean="0"/>
-            </a:br>
-            <a:r>
-              <a:rPr lang="en-US" dirty="0" smtClean="0"/>
-              <a:t>For nano: sudo chef-apply -e "package 'nano'"</a:t>
-            </a:r>
-          </a:p>
-          <a:p>
-            <a:endParaRPr lang="en-US" dirty="0" smtClean="0"/>
-          </a:p>
-          <a:p>
-            <a:r>
-              <a:rPr lang="en-US" dirty="0" smtClean="0"/>
-              <a:t>For emacs: sudo chef-apply -e "package 'emacs'"</a:t>
-            </a:r>
-          </a:p>
-          <a:p>
-            <a:endParaRPr lang="en-US" dirty="0" smtClean="0"/>
-          </a:p>
-          <a:p>
-            <a:r>
-              <a:rPr lang="en-US" dirty="0" smtClean="0"/>
-              <a:t>For vim:</a:t>
-            </a:r>
-            <a:r>
-              <a:rPr lang="en-US" baseline="0" dirty="0" smtClean="0"/>
-              <a:t> sudo chef-apply -e "package 'vim'"</a:t>
-            </a:r>
-            <a:endParaRPr lang="en-US" dirty="0" smtClean="0"/>
-          </a:p>
-          <a:p>
-            <a:endParaRPr lang="en-US" dirty="0" smtClean="0"/>
-          </a:p>
-          <a:p>
-            <a:r>
-              <a:rPr lang="en-US" dirty="0" smtClean="0"/>
-              <a:t>Instructor Note: Allow</a:t>
-            </a:r>
-            <a:r>
-              <a:rPr lang="en-US" baseline="0" dirty="0" smtClean="0"/>
-              <a:t> the students time to install vim, emacs, or nano at this time in case they prefer not to use the existing vi editor.</a:t>
-            </a:r>
+          <a:bodyPr/>
+          <a:lstStyle/>
+          <a:p>
             <a:endParaRPr lang="en-US" dirty="0"/>
           </a:p>
         </p:txBody>
@@ -2452,7 +2422,7 @@
               <a:pPr>
                 <a:defRPr/>
               </a:pPr>
-              <a:t>25</a:t>
+              <a:t>23</a:t>
             </a:fld>
             <a:endParaRPr lang="en-US" dirty="0"/>
           </a:p>
@@ -2505,7 +2475,7 @@
     </p:spTree>
     <p:extLst>
       <p:ext uri="{BB962C8B-B14F-4D97-AF65-F5344CB8AC3E}">
-        <p14:creationId xmlns:p14="http://schemas.microsoft.com/office/powerpoint/2010/main" val="3262167288"/>
+        <p14:creationId xmlns:p14="http://schemas.microsoft.com/office/powerpoint/2010/main" val="161960279"/>
       </p:ext>
     </p:extLst>
   </p:cSld>
@@ -2556,9 +2526,82 @@
         </p:nvSpPr>
         <p:spPr/>
         <p:txBody>
-          <a:bodyPr/>
-          <a:lstStyle/>
-          <a:p>
+          <a:bodyPr>
+            <a:normAutofit/>
+          </a:bodyPr>
+          <a:lstStyle/>
+          <a:p>
+            <a:pPr marL="0" marR="0" indent="0" algn="l" defTabSz="1217613" rtl="0" eaLnBrk="1" fontAlgn="base" latinLnBrk="0" hangingPunct="1">
+              <a:lnSpc>
+                <a:spcPct val="90000"/>
+              </a:lnSpc>
+              <a:spcBef>
+                <a:spcPct val="30000"/>
+              </a:spcBef>
+              <a:spcAft>
+                <a:spcPts val="450"/>
+              </a:spcAft>
+              <a:buClrTx/>
+              <a:buSzTx/>
+              <a:buFontTx/>
+              <a:buNone/>
+              <a:tabLst/>
+              <a:defRPr/>
+            </a:pPr>
+            <a:r>
+              <a:rPr lang="en-US" dirty="0" smtClean="0"/>
+              <a:t>If you prefer to use emacs, nano, or vim to edit files on this training node, please do so now.</a:t>
+            </a:r>
+            <a:br>
+              <a:rPr lang="en-US" dirty="0" smtClean="0"/>
+            </a:br>
+            <a:r>
+              <a:rPr lang="en-US" dirty="0" smtClean="0"/>
+              <a:t/>
+            </a:r>
+            <a:br>
+              <a:rPr lang="en-US" dirty="0" smtClean="0"/>
+            </a:br>
+            <a:r>
+              <a:rPr lang="en-US" dirty="0" smtClean="0"/>
+              <a:t>For nano: sudo chef-apply -e "package 'nano'"</a:t>
+            </a:r>
+          </a:p>
+          <a:p>
+            <a:endParaRPr lang="en-US" dirty="0" smtClean="0"/>
+          </a:p>
+          <a:p>
+            <a:r>
+              <a:rPr lang="en-US" dirty="0" smtClean="0"/>
+              <a:t>For emacs: sudo chef-apply -e "package 'emacs'"</a:t>
+            </a:r>
+          </a:p>
+          <a:p>
+            <a:endParaRPr lang="en-US" dirty="0" smtClean="0"/>
+          </a:p>
+          <a:p>
+            <a:r>
+              <a:rPr lang="en-US" dirty="0" smtClean="0"/>
+              <a:t>For vim:</a:t>
+            </a:r>
+            <a:r>
+              <a:rPr lang="en-US" baseline="0" dirty="0" smtClean="0"/>
+              <a:t> sudo chef-apply -e "package 'vim'"</a:t>
+            </a:r>
+            <a:endParaRPr lang="en-US" dirty="0" smtClean="0"/>
+          </a:p>
+          <a:p>
+            <a:endParaRPr lang="en-US" dirty="0" smtClean="0"/>
+          </a:p>
+          <a:p>
+            <a:r>
+              <a:rPr lang="en-US" dirty="0" smtClean="0"/>
+              <a:t>Instructor Note: Allow</a:t>
+            </a:r>
+            <a:r>
+              <a:rPr lang="en-US" baseline="0" dirty="0" smtClean="0"/>
+              <a:t> the students time to install vim, emacs, or nano at this time in case they prefer not to use the existing vi editor.</a:t>
+            </a:r>
             <a:endParaRPr lang="en-US" dirty="0"/>
           </a:p>
         </p:txBody>
@@ -2586,7 +2629,7 @@
               <a:pPr>
                 <a:defRPr/>
               </a:pPr>
-              <a:t>27</a:t>
+              <a:t>25</a:t>
             </a:fld>
             <a:endParaRPr lang="en-US" dirty="0"/>
           </a:p>
@@ -2639,7 +2682,7 @@
     </p:spTree>
     <p:extLst>
       <p:ext uri="{BB962C8B-B14F-4D97-AF65-F5344CB8AC3E}">
-        <p14:creationId xmlns:p14="http://schemas.microsoft.com/office/powerpoint/2010/main" val="2896949549"/>
+        <p14:creationId xmlns:p14="http://schemas.microsoft.com/office/powerpoint/2010/main" val="3262167288"/>
       </p:ext>
     </p:extLst>
   </p:cSld>
@@ -2720,7 +2763,7 @@
               <a:pPr>
                 <a:defRPr/>
               </a:pPr>
-              <a:t>4</a:t>
+              <a:t>3</a:t>
             </a:fld>
             <a:endParaRPr lang="en-US" dirty="0"/>
           </a:p>
@@ -2773,7 +2816,7 @@
     </p:spTree>
     <p:extLst>
       <p:ext uri="{BB962C8B-B14F-4D97-AF65-F5344CB8AC3E}">
-        <p14:creationId xmlns:p14="http://schemas.microsoft.com/office/powerpoint/2010/main" val="3964402445"/>
+        <p14:creationId xmlns:p14="http://schemas.microsoft.com/office/powerpoint/2010/main" val="1083675655"/>
       </p:ext>
     </p:extLst>
   </p:cSld>
@@ -2827,47 +2870,6 @@
           <a:bodyPr/>
           <a:lstStyle/>
           <a:p>
-            <a:r>
-              <a:rPr lang="en-US" dirty="0" smtClean="0"/>
-              <a:t>In this step,</a:t>
-            </a:r>
-            <a:r>
-              <a:rPr lang="en-US" baseline="0" dirty="0" smtClean="0"/>
-              <a:t> instead of modifying the default recipe, </a:t>
-            </a:r>
-            <a:r>
-              <a:rPr lang="en-US" dirty="0" smtClean="0"/>
-              <a:t>we will create a new `</a:t>
-            </a:r>
-            <a:r>
-              <a:rPr lang="en-US" b="1" dirty="0" smtClean="0"/>
-              <a:t>ssh client</a:t>
-            </a:r>
-            <a:r>
-              <a:rPr lang="en-US" dirty="0" smtClean="0"/>
-              <a:t>` recipe.</a:t>
-            </a:r>
-          </a:p>
-          <a:p>
-            <a:endParaRPr lang="en-US" dirty="0" smtClean="0"/>
-          </a:p>
-          <a:p>
-            <a:r>
-              <a:rPr lang="en-US" dirty="0" smtClean="0"/>
-              <a:t>This is because</a:t>
-            </a:r>
-            <a:r>
-              <a:rPr lang="en-US" baseline="0" dirty="0" smtClean="0"/>
-              <a:t> a default ssh cookbook probably affects an ssh </a:t>
-            </a:r>
-            <a:r>
-              <a:rPr lang="en-US" dirty="0" smtClean="0"/>
-              <a:t>server config and ssh client config</a:t>
-            </a:r>
-            <a:r>
-              <a:rPr lang="en-US" baseline="0" dirty="0" smtClean="0"/>
-              <a:t> and we only want to affect an ssh client.  TBD - why?</a:t>
-            </a:r>
             <a:endParaRPr lang="en-US" dirty="0"/>
           </a:p>
         </p:txBody>
@@ -2895,7 +2897,7 @@
               <a:pPr>
                 <a:defRPr/>
               </a:pPr>
-              <a:t>28</a:t>
+              <a:t>27</a:t>
             </a:fld>
             <a:endParaRPr lang="en-US" dirty="0"/>
           </a:p>
@@ -2948,7 +2950,7 @@
     </p:spTree>
     <p:extLst>
       <p:ext uri="{BB962C8B-B14F-4D97-AF65-F5344CB8AC3E}">
-        <p14:creationId xmlns:p14="http://schemas.microsoft.com/office/powerpoint/2010/main" val="3783773599"/>
+        <p14:creationId xmlns:p14="http://schemas.microsoft.com/office/powerpoint/2010/main" val="2896949549"/>
       </p:ext>
     </p:extLst>
   </p:cSld>
@@ -3008,125 +3010,41 @@
             </a:r>
             <a:r>
               <a:rPr lang="en-US" baseline="0" dirty="0" smtClean="0"/>
-              <a:t> we want to create a template file to manage our `</a:t>
-            </a:r>
-            <a:r>
-              <a:rPr lang="en-US" baseline="0" dirty="0" err="1" smtClean="0"/>
-              <a:t>ssh_config</a:t>
+              <a:t> instead of modifying the default recipe, </a:t>
+            </a:r>
+            <a:r>
+              <a:rPr lang="en-US" dirty="0" smtClean="0"/>
+              <a:t>we will create a new `</a:t>
+            </a:r>
+            <a:r>
+              <a:rPr lang="en-US" b="1" dirty="0" smtClean="0"/>
+              <a:t>ssh client</a:t>
+            </a:r>
+            <a:r>
+              <a:rPr lang="en-US" dirty="0" smtClean="0"/>
+              <a:t>` recipe.</a:t>
+            </a:r>
+          </a:p>
+          <a:p>
+            <a:endParaRPr lang="en-US" dirty="0" smtClean="0"/>
+          </a:p>
+          <a:p>
+            <a:r>
+              <a:rPr lang="en-US" dirty="0" smtClean="0"/>
+              <a:t>This is because</a:t>
             </a:r>
             <a:r>
               <a:rPr lang="en-US" baseline="0" dirty="0" smtClean="0"/>
-              <a:t>` file.</a:t>
-            </a:r>
-          </a:p>
-          <a:p>
-            <a:endParaRPr lang="en-US" baseline="0" dirty="0" smtClean="0"/>
-          </a:p>
-          <a:p>
+              <a:t> a default ssh cookbook probably affects an ssh </a:t>
+            </a:r>
+            <a:r>
+              <a:rPr lang="en-US" dirty="0" smtClean="0"/>
+              <a:t>server config and ssh client config</a:t>
+            </a:r>
             <a:r>
               <a:rPr lang="en-US" baseline="0" dirty="0" smtClean="0"/>
-              <a:t>The `-s` option in this command takes the contents of the current `</a:t>
-            </a:r>
-            <a:r>
-              <a:rPr lang="en-US" b="1" baseline="0" dirty="0" smtClean="0"/>
-              <a:t>/etc/ssh/</a:t>
-            </a:r>
-            <a:r>
-              <a:rPr lang="en-US" b="1" baseline="0" dirty="0" err="1" smtClean="0"/>
-              <a:t>ssh_config</a:t>
-            </a:r>
-            <a:r>
-              <a:rPr lang="en-US" b="1" baseline="0" dirty="0" smtClean="0"/>
-              <a:t>` </a:t>
-            </a:r>
-            <a:r>
-              <a:rPr lang="en-US" baseline="0" dirty="0" smtClean="0"/>
-              <a:t>file and places it in the `</a:t>
-            </a:r>
-            <a:r>
-              <a:rPr lang="en-US" b="1" baseline="0" dirty="0" err="1" smtClean="0"/>
-              <a:t>ssh_config.erb</a:t>
-            </a:r>
-            <a:r>
-              <a:rPr lang="en-US" b="1" baseline="0" dirty="0" smtClean="0"/>
-              <a:t>`</a:t>
-            </a:r>
-            <a:r>
-              <a:rPr lang="en-US" baseline="0" dirty="0" smtClean="0"/>
-              <a:t> file. </a:t>
-            </a:r>
-          </a:p>
-          <a:p>
-            <a:endParaRPr lang="en-US" baseline="0" dirty="0" smtClean="0"/>
-          </a:p>
-          <a:p>
-            <a:pPr marL="0" marR="0" indent="0" algn="l" defTabSz="1217613" rtl="0" eaLnBrk="1" fontAlgn="base" latinLnBrk="0" hangingPunct="1">
-              <a:lnSpc>
-                <a:spcPct val="90000"/>
-              </a:lnSpc>
-              <a:spcBef>
-                <a:spcPct val="30000"/>
-              </a:spcBef>
-              <a:spcAft>
-                <a:spcPts val="450"/>
-              </a:spcAft>
-              <a:buClrTx/>
-              <a:buSzTx/>
-              <a:buFontTx/>
-              <a:buNone/>
-              <a:tabLst/>
-              <a:defRPr/>
-            </a:pPr>
-            <a:r>
-              <a:rPr lang="en-US" baseline="0" dirty="0" smtClean="0"/>
-              <a:t>Instructor Note: At this time you might want to show the class the contents of `</a:t>
-            </a:r>
-            <a:r>
-              <a:rPr lang="en-US" b="1" baseline="0" dirty="0" smtClean="0"/>
-              <a:t>/home/chef/cookbooks/ssh/templates/default/</a:t>
-            </a:r>
-            <a:r>
-              <a:rPr lang="en-US" b="1" baseline="0" dirty="0" err="1" smtClean="0"/>
-              <a:t>ssh_config.erb</a:t>
-            </a:r>
-            <a:r>
-              <a:rPr lang="en-US" b="1" baseline="0" dirty="0" smtClean="0"/>
-              <a:t>`</a:t>
-            </a:r>
-            <a:r>
-              <a:rPr lang="en-US" baseline="0" dirty="0" smtClean="0"/>
-              <a:t> to illustrate how the contents of the current `</a:t>
-            </a:r>
-            <a:r>
-              <a:rPr lang="en-US" b="1" baseline="0" dirty="0" smtClean="0"/>
-              <a:t>/etc/ssh/</a:t>
-            </a:r>
-            <a:r>
-              <a:rPr lang="en-US" b="1" baseline="0" dirty="0" err="1" smtClean="0"/>
-              <a:t>ssh_config</a:t>
-            </a:r>
-            <a:r>
-              <a:rPr lang="en-US" b="1" baseline="0" dirty="0" smtClean="0"/>
-              <a:t>` </a:t>
-            </a:r>
-            <a:r>
-              <a:rPr lang="en-US" baseline="0" dirty="0" smtClean="0"/>
-              <a:t>file is now in the `</a:t>
-            </a:r>
-            <a:r>
-              <a:rPr lang="en-US" b="1" baseline="0" dirty="0" err="1" smtClean="0"/>
-              <a:t>ssh_config.erb</a:t>
-            </a:r>
-            <a:r>
-              <a:rPr lang="en-US" b="1" baseline="0" dirty="0" smtClean="0"/>
-              <a:t>`</a:t>
-            </a:r>
-            <a:r>
-              <a:rPr lang="en-US" baseline="0" dirty="0" smtClean="0"/>
-              <a:t> file. </a:t>
-            </a:r>
-          </a:p>
-          <a:p>
+              <a:t> and we only want to affect an ssh client.  TBD - why?</a:t>
+            </a:r>
             <a:endParaRPr lang="en-US" dirty="0"/>
           </a:p>
         </p:txBody>
@@ -3154,7 +3072,7 @@
               <a:pPr>
                 <a:defRPr/>
               </a:pPr>
-              <a:t>29</a:t>
+              <a:t>28</a:t>
             </a:fld>
             <a:endParaRPr lang="en-US" dirty="0"/>
           </a:p>
@@ -3207,7 +3125,7 @@
     </p:spTree>
     <p:extLst>
       <p:ext uri="{BB962C8B-B14F-4D97-AF65-F5344CB8AC3E}">
-        <p14:creationId xmlns:p14="http://schemas.microsoft.com/office/powerpoint/2010/main" val="560908694"/>
+        <p14:creationId xmlns:p14="http://schemas.microsoft.com/office/powerpoint/2010/main" val="3783773599"/>
       </p:ext>
     </p:extLst>
   </p:cSld>
@@ -3261,6 +3179,64 @@
           <a:bodyPr/>
           <a:lstStyle/>
           <a:p>
+            <a:r>
+              <a:rPr lang="en-US" dirty="0" smtClean="0"/>
+              <a:t>In this step,</a:t>
+            </a:r>
+            <a:r>
+              <a:rPr lang="en-US" baseline="0" dirty="0" smtClean="0"/>
+              <a:t> we want to create a template file to manage our `</a:t>
+            </a:r>
+            <a:r>
+              <a:rPr lang="en-US" baseline="0" dirty="0" err="1" smtClean="0"/>
+              <a:t>ssh_config</a:t>
+            </a:r>
+            <a:r>
+              <a:rPr lang="en-US" baseline="0" dirty="0" smtClean="0"/>
+              <a:t>` file.</a:t>
+            </a:r>
+          </a:p>
+          <a:p>
+            <a:endParaRPr lang="en-US" baseline="0" dirty="0" smtClean="0"/>
+          </a:p>
+          <a:p>
+            <a:r>
+              <a:rPr lang="en-US" baseline="0" dirty="0" smtClean="0"/>
+              <a:t>The `-s` option in this command takes the contents of the current `</a:t>
+            </a:r>
+            <a:r>
+              <a:rPr lang="en-US" b="1" baseline="0" dirty="0" smtClean="0"/>
+              <a:t>/etc/ssh/</a:t>
+            </a:r>
+            <a:r>
+              <a:rPr lang="en-US" b="1" baseline="0" dirty="0" err="1" smtClean="0"/>
+              <a:t>ssh_config</a:t>
+            </a:r>
+            <a:r>
+              <a:rPr lang="en-US" b="1" baseline="0" dirty="0" smtClean="0"/>
+              <a:t>` </a:t>
+            </a:r>
+            <a:r>
+              <a:rPr lang="en-US" baseline="0" dirty="0" smtClean="0"/>
+              <a:t>file and places it in the `</a:t>
+            </a:r>
+            <a:r>
+              <a:rPr lang="en-US" b="1" baseline="0" dirty="0" err="1" smtClean="0"/>
+              <a:t>ssh_config.erb</a:t>
+            </a:r>
+            <a:r>
+              <a:rPr lang="en-US" b="1" baseline="0" dirty="0" smtClean="0"/>
+              <a:t>`</a:t>
+            </a:r>
+            <a:r>
+              <a:rPr lang="en-US" baseline="0" dirty="0" smtClean="0"/>
+              <a:t> file. </a:t>
+            </a:r>
+          </a:p>
+          <a:p>
+            <a:endParaRPr lang="en-US" baseline="0" dirty="0" smtClean="0"/>
+          </a:p>
+          <a:p>
             <a:pPr marL="0" marR="0" indent="0" algn="l" defTabSz="1217613" rtl="0" eaLnBrk="1" fontAlgn="base" latinLnBrk="0" hangingPunct="1">
               <a:lnSpc>
                 <a:spcPct val="90000"/>
@@ -3279,33 +3255,55 @@
               <a:defRPr/>
             </a:pPr>
             <a:r>
-              <a:rPr lang="en-US" dirty="0" smtClean="0"/>
-              <a:t>Edit the `</a:t>
-            </a:r>
-            <a:r>
-              <a:rPr lang="en-US" b="1" dirty="0" smtClean="0"/>
-              <a:t>~/cookbooks/ssh/recipes/</a:t>
-            </a:r>
-            <a:r>
-              <a:rPr lang="en-US" b="1" dirty="0" err="1" smtClean="0"/>
-              <a:t>client.rb</a:t>
-            </a:r>
-            <a:r>
-              <a:rPr lang="en-US" b="1" dirty="0" smtClean="0"/>
+              <a:rPr lang="en-US" baseline="0" dirty="0" smtClean="0"/>
+              <a:t>Instructor Note: At this time you might want to show the class the contents of `</a:t>
+            </a:r>
+            <a:r>
+              <a:rPr lang="en-US" b="1" baseline="0" dirty="0" smtClean="0"/>
+              <a:t>/home/chef/cookbooks/ssh/templates/default/</a:t>
+            </a:r>
+            <a:r>
+              <a:rPr lang="en-US" b="1" baseline="0" dirty="0" err="1" smtClean="0"/>
+              <a:t>ssh_config.erb</a:t>
+            </a:r>
+            <a:r>
+              <a:rPr lang="en-US" b="1" baseline="0" dirty="0" smtClean="0"/>
               <a:t>`</a:t>
             </a:r>
             <a:r>
+              <a:rPr lang="en-US" baseline="0" dirty="0" smtClean="0"/>
+              <a:t> to illustrate how the contents of the current `</a:t>
+            </a:r>
+            <a:r>
               <a:rPr lang="en-US" b="1" baseline="0" dirty="0" smtClean="0"/>
-              <a:t> </a:t>
-            </a:r>
-            <a:r>
-              <a:rPr lang="en-US" dirty="0" smtClean="0"/>
-              <a:t>file and</a:t>
+              <a:t>/etc/ssh/</a:t>
+            </a:r>
+            <a:r>
+              <a:rPr lang="en-US" b="1" baseline="0" dirty="0" err="1" smtClean="0"/>
+              <a:t>ssh_config</a:t>
+            </a:r>
+            <a:r>
+              <a:rPr lang="en-US" b="1" baseline="0" dirty="0" smtClean="0"/>
+              <a:t>` </a:t>
             </a:r>
             <a:r>
               <a:rPr lang="en-US" baseline="0" dirty="0" smtClean="0"/>
-              <a:t> add the contents shown here.</a:t>
-            </a:r>
+              <a:t>file is now in the `</a:t>
+            </a:r>
+            <a:r>
+              <a:rPr lang="en-US" b="1" baseline="0" dirty="0" err="1" smtClean="0"/>
+              <a:t>ssh_config.erb</a:t>
+            </a:r>
+            <a:r>
+              <a:rPr lang="en-US" b="1" baseline="0" dirty="0" smtClean="0"/>
+              <a:t>`</a:t>
+            </a:r>
+            <a:r>
+              <a:rPr lang="en-US" baseline="0" dirty="0" smtClean="0"/>
+              <a:t> file. </a:t>
+            </a:r>
+          </a:p>
+          <a:p>
             <a:endParaRPr lang="en-US" dirty="0"/>
           </a:p>
         </p:txBody>
@@ -3333,7 +3331,7 @@
               <a:pPr>
                 <a:defRPr/>
               </a:pPr>
-              <a:t>30</a:t>
+              <a:t>29</a:t>
             </a:fld>
             <a:endParaRPr lang="en-US" dirty="0"/>
           </a:p>
@@ -3386,7 +3384,7 @@
     </p:spTree>
     <p:extLst>
       <p:ext uri="{BB962C8B-B14F-4D97-AF65-F5344CB8AC3E}">
-        <p14:creationId xmlns:p14="http://schemas.microsoft.com/office/powerpoint/2010/main" val="1585885190"/>
+        <p14:creationId xmlns:p14="http://schemas.microsoft.com/office/powerpoint/2010/main" val="560908694"/>
       </p:ext>
     </p:extLst>
   </p:cSld>
@@ -3440,6 +3438,51 @@
           <a:bodyPr/>
           <a:lstStyle/>
           <a:p>
+            <a:pPr marL="0" marR="0" indent="0" algn="l" defTabSz="1217613" rtl="0" eaLnBrk="1" fontAlgn="base" latinLnBrk="0" hangingPunct="1">
+              <a:lnSpc>
+                <a:spcPct val="90000"/>
+              </a:lnSpc>
+              <a:spcBef>
+                <a:spcPct val="30000"/>
+              </a:spcBef>
+              <a:spcAft>
+                <a:spcPts val="450"/>
+              </a:spcAft>
+              <a:buClrTx/>
+              <a:buSzTx/>
+              <a:buFontTx/>
+              <a:buNone/>
+              <a:tabLst/>
+              <a:defRPr/>
+            </a:pPr>
+            <a:r>
+              <a:rPr lang="en-US" dirty="0" smtClean="0"/>
+              <a:t>Edit the `</a:t>
+            </a:r>
+            <a:r>
+              <a:rPr lang="en-US" b="1" dirty="0" smtClean="0"/>
+              <a:t>~/cookbooks/ssh/recipes/</a:t>
+            </a:r>
+            <a:r>
+              <a:rPr lang="en-US" b="1" dirty="0" err="1" smtClean="0"/>
+              <a:t>client.rb</a:t>
+            </a:r>
+            <a:r>
+              <a:rPr lang="en-US" b="1" dirty="0" smtClean="0"/>
+              <a:t>`</a:t>
+            </a:r>
+            <a:r>
+              <a:rPr lang="en-US" b="1" baseline="0" dirty="0" smtClean="0"/>
+              <a:t> </a:t>
+            </a:r>
+            <a:r>
+              <a:rPr lang="en-US" dirty="0" smtClean="0"/>
+              <a:t>file and</a:t>
+            </a:r>
+            <a:r>
+              <a:rPr lang="en-US" baseline="0" dirty="0" smtClean="0"/>
+              <a:t> add the contents shown here.</a:t>
+            </a:r>
             <a:endParaRPr lang="en-US" dirty="0"/>
           </a:p>
         </p:txBody>
@@ -3467,7 +3510,7 @@
               <a:pPr>
                 <a:defRPr/>
               </a:pPr>
-              <a:t>31</a:t>
+              <a:t>30</a:t>
             </a:fld>
             <a:endParaRPr lang="en-US" dirty="0"/>
           </a:p>
@@ -3520,7 +3563,7 @@
     </p:spTree>
     <p:extLst>
       <p:ext uri="{BB962C8B-B14F-4D97-AF65-F5344CB8AC3E}">
-        <p14:creationId xmlns:p14="http://schemas.microsoft.com/office/powerpoint/2010/main" val="492091542"/>
+        <p14:creationId xmlns:p14="http://schemas.microsoft.com/office/powerpoint/2010/main" val="1585885190"/>
       </p:ext>
     </p:extLst>
   </p:cSld>
@@ -3574,19 +3617,7 @@
           <a:bodyPr/>
           <a:lstStyle/>
           <a:p>
-            <a:r>
-              <a:rPr lang="en-US" dirty="0" smtClean="0"/>
-              <a:t>To test your recipe, first navigate to where</a:t>
-            </a:r>
-            <a:r>
-              <a:rPr lang="en-US" baseline="0" dirty="0" smtClean="0"/>
-              <a:t> the </a:t>
-            </a:r>
-            <a:r>
-              <a:rPr lang="en-US" baseline="0" smtClean="0"/>
-              <a:t>recipe lives</a:t>
-            </a:r>
-            <a:endParaRPr lang="en-US" baseline="0" dirty="0" smtClean="0"/>
+            <a:endParaRPr lang="en-US" dirty="0"/>
           </a:p>
         </p:txBody>
       </p:sp>
@@ -3613,7 +3644,7 @@
               <a:pPr>
                 <a:defRPr/>
               </a:pPr>
-              <a:t>32</a:t>
+              <a:t>31</a:t>
             </a:fld>
             <a:endParaRPr lang="en-US" dirty="0"/>
           </a:p>
@@ -3666,7 +3697,7 @@
     </p:spTree>
     <p:extLst>
       <p:ext uri="{BB962C8B-B14F-4D97-AF65-F5344CB8AC3E}">
-        <p14:creationId xmlns:p14="http://schemas.microsoft.com/office/powerpoint/2010/main" val="1996759426"/>
+        <p14:creationId xmlns:p14="http://schemas.microsoft.com/office/powerpoint/2010/main" val="492091542"/>
       </p:ext>
     </p:extLst>
   </p:cSld>
@@ -3722,47 +3753,16 @@
           <a:p>
             <a:r>
               <a:rPr lang="en-US" dirty="0" smtClean="0"/>
-              <a:t>Edit your</a:t>
+              <a:t>To test your recipe, first navigate to where</a:t>
             </a:r>
             <a:r>
               <a:rPr lang="en-US" baseline="0" dirty="0" smtClean="0"/>
-              <a:t> `.</a:t>
-            </a:r>
-            <a:r>
-              <a:rPr lang="en-US" baseline="0" dirty="0" err="1" smtClean="0"/>
-              <a:t>kitchen.yml</a:t>
-            </a:r>
-            <a:r>
-              <a:rPr lang="en-US" baseline="0" dirty="0" smtClean="0"/>
-              <a:t>` as shown here and on the following slide. </a:t>
-            </a:r>
-          </a:p>
-          <a:p>
-            <a:endParaRPr lang="en-US" baseline="0" dirty="0" smtClean="0"/>
-          </a:p>
-          <a:p>
-            <a:r>
-              <a:rPr lang="en-US" baseline="0" dirty="0" smtClean="0"/>
-              <a:t>Because our node is an EC2 AWS instance, we need to change the driver from vagrant to </a:t>
-            </a:r>
-            <a:r>
-              <a:rPr lang="en-US" baseline="0" dirty="0" err="1" smtClean="0"/>
-              <a:t>docker</a:t>
-            </a:r>
-            <a:r>
-              <a:rPr lang="en-US" baseline="0" dirty="0" smtClean="0"/>
-              <a:t>. </a:t>
-            </a:r>
-            <a:r>
-              <a:rPr lang="en-US" baseline="0" dirty="0" err="1" smtClean="0"/>
-              <a:t>docker</a:t>
-            </a:r>
-            <a:r>
-              <a:rPr lang="en-US" baseline="0" dirty="0" smtClean="0"/>
-              <a:t> should already be installed on the EC2 AWS training instances.</a:t>
-            </a:r>
-          </a:p>
-          <a:p>
+              <a:t> the </a:t>
+            </a:r>
+            <a:r>
+              <a:rPr lang="en-US" baseline="0" smtClean="0"/>
+              <a:t>recipe lives</a:t>
+            </a:r>
             <a:endParaRPr lang="en-US" baseline="0" dirty="0" smtClean="0"/>
           </a:p>
         </p:txBody>
@@ -3790,7 +3790,7 @@
               <a:pPr>
                 <a:defRPr/>
               </a:pPr>
-              <a:t>33</a:t>
+              <a:t>32</a:t>
             </a:fld>
             <a:endParaRPr lang="en-US" dirty="0"/>
           </a:p>
@@ -3843,7 +3843,7 @@
     </p:spTree>
     <p:extLst>
       <p:ext uri="{BB962C8B-B14F-4D97-AF65-F5344CB8AC3E}">
-        <p14:creationId xmlns:p14="http://schemas.microsoft.com/office/powerpoint/2010/main" val="2979663564"/>
+        <p14:creationId xmlns:p14="http://schemas.microsoft.com/office/powerpoint/2010/main" val="1996759426"/>
       </p:ext>
     </p:extLst>
   </p:cSld>
@@ -3898,16 +3898,20 @@
           <a:lstStyle/>
           <a:p>
             <a:r>
+              <a:rPr lang="en-US" dirty="0" smtClean="0"/>
+              <a:t>Edit your</a:t>
+            </a:r>
+            <a:r>
               <a:rPr lang="en-US" baseline="0" dirty="0" smtClean="0"/>
-              <a:t>Also comment the </a:t>
+              <a:t> `.</a:t>
             </a:r>
             <a:r>
               <a:rPr lang="en-US" baseline="0" dirty="0" err="1" smtClean="0"/>
-              <a:t>ubuntu</a:t>
+              <a:t>kitchen.yml</a:t>
             </a:r>
             <a:r>
               <a:rPr lang="en-US" baseline="0" dirty="0" smtClean="0"/>
-              <a:t> platform line and change the centos platform to `centos-6.7', which should be the version running on the training instance.</a:t>
+              <a:t>` as shown here and on the following slide. </a:t>
             </a:r>
           </a:p>
           <a:p>
@@ -3916,38 +3920,24 @@
           <a:p>
             <a:r>
               <a:rPr lang="en-US" baseline="0" dirty="0" smtClean="0"/>
-              <a:t>To confirm the centos release, you could execute  `more /etc/*-release`</a:t>
-            </a:r>
-          </a:p>
-          <a:p>
+              <a:t>Because our node is an EC2 AWS instance, we need to change the driver from vagrant to </a:t>
+            </a:r>
+            <a:r>
+              <a:rPr lang="en-US" baseline="0" dirty="0" err="1" smtClean="0"/>
+              <a:t>docker</a:t>
+            </a:r>
             <a:r>
               <a:rPr lang="en-US" baseline="0" dirty="0" smtClean="0"/>
-              <a:t>::::::::::::::</a:t>
-            </a:r>
-          </a:p>
-          <a:p>
+              <a:t>. </a:t>
+            </a:r>
+            <a:r>
+              <a:rPr lang="en-US" baseline="0" dirty="0" err="1" smtClean="0"/>
+              <a:t>docker</a:t>
+            </a:r>
             <a:r>
               <a:rPr lang="en-US" baseline="0" dirty="0" smtClean="0"/>
-              <a:t>/etc/centos-release</a:t>
-            </a:r>
-          </a:p>
-          <a:p>
-            <a:r>
-              <a:rPr lang="en-US" baseline="0" dirty="0" smtClean="0"/>
-              <a:t>::::::::::::::</a:t>
-            </a:r>
-          </a:p>
-          <a:p>
-            <a:r>
-              <a:rPr lang="en-US" baseline="0" dirty="0" smtClean="0"/>
-              <a:t>CentOS release 6.7 (Final)</a:t>
-            </a:r>
-          </a:p>
-          <a:p>
-            <a:endParaRPr lang="en-US" baseline="0" dirty="0" smtClean="0"/>
-          </a:p>
-          <a:p>
-            <a:endParaRPr lang="en-US" baseline="0" dirty="0" smtClean="0"/>
+              <a:t> should already be installed on the EC2 AWS training instances.</a:t>
+            </a:r>
           </a:p>
           <a:p>
             <a:endParaRPr lang="en-US" baseline="0" dirty="0" smtClean="0"/>
@@ -3977,7 +3967,7 @@
               <a:pPr>
                 <a:defRPr/>
               </a:pPr>
-              <a:t>34</a:t>
+              <a:t>33</a:t>
             </a:fld>
             <a:endParaRPr lang="en-US" dirty="0"/>
           </a:p>
@@ -4030,7 +4020,7 @@
     </p:spTree>
     <p:extLst>
       <p:ext uri="{BB962C8B-B14F-4D97-AF65-F5344CB8AC3E}">
-        <p14:creationId xmlns:p14="http://schemas.microsoft.com/office/powerpoint/2010/main" val="1633869159"/>
+        <p14:creationId xmlns:p14="http://schemas.microsoft.com/office/powerpoint/2010/main" val="2979663564"/>
       </p:ext>
     </p:extLst>
   </p:cSld>
@@ -4086,34 +4076,49 @@
           <a:p>
             <a:r>
               <a:rPr lang="en-US" baseline="0" dirty="0" smtClean="0"/>
-              <a:t>Finally, change the suites name to `client' and the run_list recipe name to `</a:t>
+              <a:t>Also comment the </a:t>
             </a:r>
             <a:r>
               <a:rPr lang="en-US" baseline="0" dirty="0" err="1" smtClean="0"/>
-              <a:t>ssh:client</a:t>
+              <a:t>ubuntu</a:t>
             </a:r>
             <a:r>
               <a:rPr lang="en-US" baseline="0" dirty="0" smtClean="0"/>
-              <a:t>`.</a:t>
-            </a:r>
+              <a:t> platform line and change the centos platform to `centos-6.7', which should be the version running on the training instance.</a:t>
+            </a:r>
+          </a:p>
+          <a:p>
+            <a:endParaRPr lang="en-US" baseline="0" dirty="0" smtClean="0"/>
           </a:p>
           <a:p>
             <a:r>
               <a:rPr lang="en-US" baseline="0" dirty="0" smtClean="0"/>
-              <a:t>run_list:</a:t>
+              <a:t>To confirm the centos release, you could execute  `more /etc/*-release`</a:t>
             </a:r>
           </a:p>
           <a:p>
             <a:r>
               <a:rPr lang="en-US" baseline="0" dirty="0" smtClean="0"/>
-              <a:t>      - recipe[ssh::client]</a:t>
-            </a:r>
-          </a:p>
-          <a:p>
-            <a:endParaRPr lang="en-US" baseline="0" dirty="0" smtClean="0"/>
-          </a:p>
-          <a:p>
-            <a:endParaRPr lang="en-US" baseline="0" dirty="0" smtClean="0"/>
+              <a:t>::::::::::::::</a:t>
+            </a:r>
+          </a:p>
+          <a:p>
+            <a:r>
+              <a:rPr lang="en-US" baseline="0" dirty="0" smtClean="0"/>
+              <a:t>/etc/centos-release</a:t>
+            </a:r>
+          </a:p>
+          <a:p>
+            <a:r>
+              <a:rPr lang="en-US" baseline="0" dirty="0" smtClean="0"/>
+              <a:t>::::::::::::::</a:t>
+            </a:r>
+          </a:p>
+          <a:p>
+            <a:r>
+              <a:rPr lang="en-US" baseline="0" dirty="0" smtClean="0"/>
+              <a:t>CentOS release 6.7 (Final)</a:t>
+            </a:r>
           </a:p>
           <a:p>
             <a:endParaRPr lang="en-US" baseline="0" dirty="0" smtClean="0"/>
@@ -4149,7 +4154,7 @@
               <a:pPr>
                 <a:defRPr/>
               </a:pPr>
-              <a:t>35</a:t>
+              <a:t>34</a:t>
             </a:fld>
             <a:endParaRPr lang="en-US" dirty="0"/>
           </a:p>
@@ -4202,7 +4207,7 @@
     </p:spTree>
     <p:extLst>
       <p:ext uri="{BB962C8B-B14F-4D97-AF65-F5344CB8AC3E}">
-        <p14:creationId xmlns:p14="http://schemas.microsoft.com/office/powerpoint/2010/main" val="3301825103"/>
+        <p14:creationId xmlns:p14="http://schemas.microsoft.com/office/powerpoint/2010/main" val="1633869159"/>
       </p:ext>
     </p:extLst>
   </p:cSld>
@@ -4258,25 +4263,28 @@
           <a:p>
             <a:r>
               <a:rPr lang="en-US" baseline="0" dirty="0" smtClean="0"/>
-              <a:t>Now run </a:t>
-            </a:r>
-            <a:r>
-              <a:rPr lang="en-US" dirty="0" smtClean="0"/>
-              <a:t>`kitchen list` from the ~/cookbooks/ssh directory. This command will tell you if you have a typo in your</a:t>
+              <a:t>Finally, change the suites name to `client' and the run_list recipe name to `</a:t>
+            </a:r>
+            <a:r>
+              <a:rPr lang="en-US" baseline="0" dirty="0" err="1" smtClean="0"/>
+              <a:t>ssh:client</a:t>
             </a:r>
             <a:r>
               <a:rPr lang="en-US" baseline="0" dirty="0" smtClean="0"/>
-              <a:t> `.</a:t>
-            </a:r>
-            <a:r>
-              <a:rPr lang="en-US" dirty="0" err="1" smtClean="0"/>
-              <a:t>kitchen.yml</a:t>
-            </a:r>
-            <a:r>
-              <a:rPr lang="en-US" dirty="0" smtClean="0"/>
               <a:t>`.</a:t>
             </a:r>
-            <a:endParaRPr lang="en-US" baseline="0" dirty="0" smtClean="0"/>
+          </a:p>
+          <a:p>
+            <a:r>
+              <a:rPr lang="en-US" baseline="0" dirty="0" smtClean="0"/>
+              <a:t>run_list:</a:t>
+            </a:r>
+          </a:p>
+          <a:p>
+            <a:r>
+              <a:rPr lang="en-US" baseline="0" dirty="0" smtClean="0"/>
+              <a:t>      - recipe[ssh::client]</a:t>
+            </a:r>
           </a:p>
           <a:p>
             <a:endParaRPr lang="en-US" baseline="0" dirty="0" smtClean="0"/>
@@ -4318,7 +4326,7 @@
               <a:pPr>
                 <a:defRPr/>
               </a:pPr>
-              <a:t>36</a:t>
+              <a:t>35</a:t>
             </a:fld>
             <a:endParaRPr lang="en-US" dirty="0"/>
           </a:p>
@@ -4371,7 +4379,7 @@
     </p:spTree>
     <p:extLst>
       <p:ext uri="{BB962C8B-B14F-4D97-AF65-F5344CB8AC3E}">
-        <p14:creationId xmlns:p14="http://schemas.microsoft.com/office/powerpoint/2010/main" val="2150267368"/>
+        <p14:creationId xmlns:p14="http://schemas.microsoft.com/office/powerpoint/2010/main" val="3301825103"/>
       </p:ext>
     </p:extLst>
   </p:cSld>
@@ -4431,227 +4439,20 @@
             </a:r>
             <a:r>
               <a:rPr lang="en-US" dirty="0" smtClean="0"/>
-              <a:t>`kitchen converge` from the ~/cookbooks/ssh directory. </a:t>
-            </a:r>
-          </a:p>
-          <a:p>
-            <a:endParaRPr lang="en-US" baseline="0" dirty="0" smtClean="0"/>
-          </a:p>
-          <a:p>
-            <a:r>
-              <a:rPr lang="en-US" dirty="0" smtClean="0"/>
-              <a:t>`kitchen converge` will:</a:t>
-            </a:r>
-          </a:p>
-          <a:p>
-            <a:endParaRPr lang="en-US" dirty="0" smtClean="0"/>
-          </a:p>
-          <a:p>
-            <a:pPr marL="171450" indent="-171450">
-              <a:buFont typeface="Arial" panose="020B0604020202020204" pitchFamily="34" charset="0"/>
-              <a:buChar char="•"/>
-            </a:pPr>
-            <a:r>
-              <a:rPr lang="en-US" dirty="0" smtClean="0"/>
-              <a:t>Launch a </a:t>
+              <a:t>`kitchen list` from the ~/cookbooks/ssh directory. This command will tell you if you have a typo in your</a:t>
+            </a:r>
+            <a:r>
+              <a:rPr lang="en-US" baseline="0" dirty="0" smtClean="0"/>
+              <a:t> `.</a:t>
             </a:r>
             <a:r>
               <a:rPr lang="en-US" dirty="0" err="1" smtClean="0"/>
-              <a:t>docker</a:t>
-            </a:r>
-            <a:r>
-              <a:rPr lang="en-US" dirty="0" smtClean="0"/>
-              <a:t> container.</a:t>
-            </a:r>
-          </a:p>
-          <a:p>
-            <a:pPr marL="171450" indent="-171450">
-              <a:buFont typeface="Arial" panose="020B0604020202020204" pitchFamily="34" charset="0"/>
-              <a:buChar char="•"/>
-            </a:pPr>
-            <a:r>
-              <a:rPr lang="en-US" dirty="0" smtClean="0"/>
-              <a:t>Place the cookbook into the </a:t>
-            </a:r>
-            <a:r>
-              <a:rPr lang="en-US" dirty="0" err="1" smtClean="0"/>
-              <a:t>docker</a:t>
-            </a:r>
-            <a:r>
-              <a:rPr lang="en-US" dirty="0" smtClean="0"/>
-              <a:t> container.</a:t>
-            </a:r>
-          </a:p>
-          <a:p>
-            <a:pPr marL="171450" marR="0" indent="-171450" algn="l" defTabSz="1217613" rtl="0" eaLnBrk="1" fontAlgn="base" latinLnBrk="0" hangingPunct="1">
-              <a:lnSpc>
-                <a:spcPct val="90000"/>
-              </a:lnSpc>
-              <a:spcBef>
-                <a:spcPct val="30000"/>
-              </a:spcBef>
-              <a:spcAft>
-                <a:spcPts val="450"/>
-              </a:spcAft>
-              <a:buClrTx/>
-              <a:buSzTx/>
-              <a:buFont typeface="Arial" panose="020B0604020202020204" pitchFamily="34" charset="0"/>
-              <a:buChar char="•"/>
-              <a:tabLst/>
-              <a:defRPr/>
-            </a:pPr>
-            <a:r>
-              <a:rPr lang="en-US" dirty="0" smtClean="0"/>
-              <a:t>Install chef-client in the </a:t>
-            </a:r>
-            <a:r>
-              <a:rPr lang="en-US" dirty="0" err="1" smtClean="0"/>
-              <a:t>docker</a:t>
-            </a:r>
-            <a:r>
-              <a:rPr lang="en-US" dirty="0" smtClean="0"/>
-              <a:t> container.</a:t>
-            </a:r>
-          </a:p>
-          <a:p>
-            <a:pPr marL="171450" marR="0" indent="-171450" algn="l" defTabSz="1217613" rtl="0" eaLnBrk="1" fontAlgn="base" latinLnBrk="0" hangingPunct="1">
-              <a:lnSpc>
-                <a:spcPct val="90000"/>
-              </a:lnSpc>
-              <a:spcBef>
-                <a:spcPct val="30000"/>
-              </a:spcBef>
-              <a:spcAft>
-                <a:spcPts val="450"/>
-              </a:spcAft>
-              <a:buClrTx/>
-              <a:buSzTx/>
-              <a:buFont typeface="Arial" panose="020B0604020202020204" pitchFamily="34" charset="0"/>
-              <a:buChar char="•"/>
-              <a:tabLst/>
-              <a:defRPr/>
-            </a:pPr>
-            <a:r>
-              <a:rPr lang="en-US" dirty="0" smtClean="0"/>
-              <a:t>Run chef</a:t>
-            </a:r>
-            <a:r>
-              <a:rPr lang="en-US" baseline="0" dirty="0" smtClean="0"/>
-              <a:t> zero (i.e., chef-client in local mode) across the client recipe.</a:t>
-            </a:r>
-          </a:p>
-          <a:p>
-            <a:pPr marL="171450" marR="0" indent="-171450" algn="l" defTabSz="1217613" rtl="0" eaLnBrk="1" fontAlgn="base" latinLnBrk="0" hangingPunct="1">
-              <a:lnSpc>
-                <a:spcPct val="90000"/>
-              </a:lnSpc>
-              <a:spcBef>
-                <a:spcPct val="30000"/>
-              </a:spcBef>
-              <a:spcAft>
-                <a:spcPts val="450"/>
-              </a:spcAft>
-              <a:buClrTx/>
-              <a:buSzTx/>
-              <a:buFont typeface="Arial" panose="020B0604020202020204" pitchFamily="34" charset="0"/>
-              <a:buChar char="•"/>
-              <a:tabLst/>
-              <a:defRPr/>
-            </a:pPr>
-            <a:endParaRPr lang="en-US" baseline="0" dirty="0" smtClean="0"/>
-          </a:p>
-          <a:p>
-            <a:pPr marL="0" marR="0" indent="0" algn="l" defTabSz="1217613" rtl="0" eaLnBrk="1" fontAlgn="base" latinLnBrk="0" hangingPunct="1">
-              <a:lnSpc>
-                <a:spcPct val="90000"/>
-              </a:lnSpc>
-              <a:spcBef>
-                <a:spcPct val="30000"/>
-              </a:spcBef>
-              <a:spcAft>
-                <a:spcPts val="450"/>
-              </a:spcAft>
-              <a:buClrTx/>
-              <a:buSzTx/>
-              <a:buFont typeface="Arial" panose="020B0604020202020204" pitchFamily="34" charset="0"/>
-              <a:buNone/>
-              <a:tabLst/>
-              <a:defRPr/>
-            </a:pPr>
-            <a:r>
-              <a:rPr lang="en-US" baseline="0" dirty="0" smtClean="0"/>
-              <a:t>The end result will be that it should write out the </a:t>
-            </a:r>
-            <a:r>
-              <a:rPr lang="en-US" baseline="0" dirty="0" err="1" smtClean="0"/>
-              <a:t>ssh_conf</a:t>
-            </a:r>
-            <a:r>
-              <a:rPr lang="en-US" baseline="0" dirty="0" smtClean="0"/>
-              <a:t> to the appropriate location (i.e</a:t>
-            </a:r>
-            <a:r>
-              <a:rPr lang="en-US" b="0" baseline="0" dirty="0" smtClean="0"/>
-              <a:t>., /etc/ssh/</a:t>
-            </a:r>
-            <a:r>
-              <a:rPr lang="en-US" b="0" baseline="0" dirty="0" err="1" smtClean="0"/>
-              <a:t>ssh_config</a:t>
-            </a:r>
-            <a:r>
-              <a:rPr lang="en-US" b="0" baseline="0" dirty="0" smtClean="0"/>
-              <a:t>).</a:t>
-            </a:r>
-          </a:p>
-          <a:p>
-            <a:pPr marL="0" marR="0" indent="0" algn="l" defTabSz="1217613" rtl="0" eaLnBrk="1" fontAlgn="base" latinLnBrk="0" hangingPunct="1">
-              <a:lnSpc>
-                <a:spcPct val="90000"/>
-              </a:lnSpc>
-              <a:spcBef>
-                <a:spcPct val="30000"/>
-              </a:spcBef>
-              <a:spcAft>
-                <a:spcPts val="450"/>
-              </a:spcAft>
-              <a:buClrTx/>
-              <a:buSzTx/>
-              <a:buFont typeface="Arial" panose="020B0604020202020204" pitchFamily="34" charset="0"/>
-              <a:buNone/>
-              <a:tabLst/>
-              <a:defRPr/>
-            </a:pPr>
-            <a:endParaRPr lang="en-US" b="0" baseline="0" dirty="0" smtClean="0"/>
-          </a:p>
-          <a:p>
-            <a:pPr marL="0" marR="0" indent="0" algn="l" defTabSz="1217613" rtl="0" eaLnBrk="1" fontAlgn="base" latinLnBrk="0" hangingPunct="1">
-              <a:lnSpc>
-                <a:spcPct val="90000"/>
-              </a:lnSpc>
-              <a:spcBef>
-                <a:spcPct val="30000"/>
-              </a:spcBef>
-              <a:spcAft>
-                <a:spcPts val="450"/>
-              </a:spcAft>
-              <a:buClrTx/>
-              <a:buSzTx/>
-              <a:buFont typeface="Arial" panose="020B0604020202020204" pitchFamily="34" charset="0"/>
-              <a:buNone/>
-              <a:tabLst/>
-              <a:defRPr/>
-            </a:pPr>
-            <a:r>
-              <a:rPr lang="en-US" b="0" baseline="0" dirty="0" smtClean="0"/>
-              <a:t>It could take a couple minutes or so for this command to complete.</a:t>
-            </a:r>
-            <a:endParaRPr lang="en-US" b="0" dirty="0" smtClean="0"/>
-          </a:p>
-          <a:p>
-            <a:pPr marL="171450" indent="-171450">
-              <a:buFont typeface="Arial" panose="020B0604020202020204" pitchFamily="34" charset="0"/>
-              <a:buChar char="•"/>
-            </a:pPr>
+              <a:t>kitchen.yml</a:t>
+            </a:r>
+            <a:r>
+              <a:rPr lang="en-US" dirty="0" smtClean="0"/>
+              <a:t>`.</a:t>
+            </a:r>
             <a:endParaRPr lang="en-US" baseline="0" dirty="0" smtClean="0"/>
           </a:p>
           <a:p>
@@ -4694,7 +4495,7 @@
               <a:pPr>
                 <a:defRPr/>
               </a:pPr>
-              <a:t>37</a:t>
+              <a:t>36</a:t>
             </a:fld>
             <a:endParaRPr lang="en-US" dirty="0"/>
           </a:p>
@@ -4747,7 +4548,7 @@
     </p:spTree>
     <p:extLst>
       <p:ext uri="{BB962C8B-B14F-4D97-AF65-F5344CB8AC3E}">
-        <p14:creationId xmlns:p14="http://schemas.microsoft.com/office/powerpoint/2010/main" val="1087261345"/>
+        <p14:creationId xmlns:p14="http://schemas.microsoft.com/office/powerpoint/2010/main" val="2150267368"/>
       </p:ext>
     </p:extLst>
   </p:cSld>
@@ -4801,37 +4602,6 @@
           <a:bodyPr/>
           <a:lstStyle/>
           <a:p>
-            <a:r>
-              <a:rPr lang="en-US" dirty="0" smtClean="0"/>
-              <a:t>Be sure you are using the hostname of</a:t>
-            </a:r>
-            <a:r>
-              <a:rPr lang="en-US" baseline="0" dirty="0" smtClean="0"/>
-              <a:t> the target node that you noted previously in class.</a:t>
-            </a:r>
-            <a:endParaRPr lang="en-US" dirty="0" smtClean="0"/>
-          </a:p>
-          <a:p>
-            <a:endParaRPr lang="en-US" dirty="0" smtClean="0"/>
-          </a:p>
-          <a:p>
-            <a:r>
-              <a:rPr lang="en-US" dirty="0" smtClean="0"/>
-              <a:t>In the workplace, the</a:t>
-            </a:r>
-            <a:r>
-              <a:rPr lang="en-US" baseline="0" dirty="0" smtClean="0"/>
-              <a:t> target node's username and password will likely be different than shown in this example.</a:t>
-            </a:r>
-          </a:p>
-          <a:p>
-            <a:endParaRPr lang="en-US" baseline="0" dirty="0" smtClean="0"/>
-          </a:p>
-          <a:p>
-            <a:r>
-              <a:rPr lang="en-US" baseline="0" dirty="0" smtClean="0"/>
-              <a:t>We'll discuss using key pair access later in the module.</a:t>
-            </a:r>
             <a:endParaRPr lang="en-US" dirty="0"/>
           </a:p>
         </p:txBody>
@@ -4859,7 +4629,7 @@
               <a:pPr>
                 <a:defRPr/>
               </a:pPr>
-              <a:t>6</a:t>
+              <a:t>4</a:t>
             </a:fld>
             <a:endParaRPr lang="en-US" dirty="0"/>
           </a:p>
@@ -4912,7 +4682,7 @@
     </p:spTree>
     <p:extLst>
       <p:ext uri="{BB962C8B-B14F-4D97-AF65-F5344CB8AC3E}">
-        <p14:creationId xmlns:p14="http://schemas.microsoft.com/office/powerpoint/2010/main" val="1824773967"/>
+        <p14:creationId xmlns:p14="http://schemas.microsoft.com/office/powerpoint/2010/main" val="3964402445"/>
       </p:ext>
     </p:extLst>
   </p:cSld>
@@ -4967,74 +4737,248 @@
           <a:lstStyle/>
           <a:p>
             <a:r>
-              <a:rPr lang="en-US" dirty="0" smtClean="0"/>
-              <a:t>In the preceding exercises we began writing a remediation recipe on our target node.</a:t>
+              <a:rPr lang="en-US" baseline="0" dirty="0" smtClean="0"/>
+              <a:t>Now run </a:t>
+            </a:r>
+            <a:r>
+              <a:rPr lang="en-US" dirty="0" smtClean="0"/>
+              <a:t>`kitchen converge` from the ~/cookbooks/ssh directory. </a:t>
+            </a:r>
+          </a:p>
+          <a:p>
+            <a:endParaRPr lang="en-US" baseline="0" dirty="0" smtClean="0"/>
+          </a:p>
+          <a:p>
+            <a:r>
+              <a:rPr lang="en-US" dirty="0" smtClean="0"/>
+              <a:t>`kitchen converge` will:</a:t>
             </a:r>
           </a:p>
           <a:p>
             <a:endParaRPr lang="en-US" dirty="0" smtClean="0"/>
           </a:p>
           <a:p>
-            <a:r>
-              <a:rPr lang="en-US" dirty="0" smtClean="0"/>
-              <a:t>We also tested the recipe with Test Kitchen.</a:t>
-            </a:r>
-          </a:p>
-          <a:p>
-            <a:endParaRPr lang="en-US" dirty="0" smtClean="0"/>
-          </a:p>
-          <a:p>
-            <a:r>
-              <a:rPr lang="en-US" dirty="0" smtClean="0"/>
-              <a:t>But have we even addressed the "Set the SSH protocol version to 2" issue?</a:t>
-            </a:r>
-          </a:p>
-          <a:p>
-            <a:endParaRPr lang="en-US" dirty="0" smtClean="0"/>
-          </a:p>
-          <a:p>
-            <a:r>
-              <a:rPr lang="en-US" dirty="0" smtClean="0"/>
-              <a:t>If you answered "no", you are correct. In</a:t>
+            <a:pPr marL="171450" indent="-171450">
+              <a:buFont typeface="Arial" panose="020B0604020202020204" pitchFamily="34" charset="0"/>
+              <a:buChar char="•"/>
+            </a:pPr>
+            <a:r>
+              <a:rPr lang="en-US" dirty="0" smtClean="0"/>
+              <a:t>Launch a </a:t>
+            </a:r>
+            <a:r>
+              <a:rPr lang="en-US" dirty="0" err="1" smtClean="0"/>
+              <a:t>docker</a:t>
+            </a:r>
+            <a:r>
+              <a:rPr lang="en-US" dirty="0" smtClean="0"/>
+              <a:t> container.</a:t>
+            </a:r>
+          </a:p>
+          <a:p>
+            <a:pPr marL="171450" indent="-171450">
+              <a:buFont typeface="Arial" panose="020B0604020202020204" pitchFamily="34" charset="0"/>
+              <a:buChar char="•"/>
+            </a:pPr>
+            <a:r>
+              <a:rPr lang="en-US" dirty="0" smtClean="0"/>
+              <a:t>Place the cookbook into the </a:t>
+            </a:r>
+            <a:r>
+              <a:rPr lang="en-US" dirty="0" err="1" smtClean="0"/>
+              <a:t>docker</a:t>
+            </a:r>
+            <a:r>
+              <a:rPr lang="en-US" dirty="0" smtClean="0"/>
+              <a:t> container.</a:t>
+            </a:r>
+          </a:p>
+          <a:p>
+            <a:pPr marL="171450" marR="0" indent="-171450" algn="l" defTabSz="1217613" rtl="0" eaLnBrk="1" fontAlgn="base" latinLnBrk="0" hangingPunct="1">
+              <a:lnSpc>
+                <a:spcPct val="90000"/>
+              </a:lnSpc>
+              <a:spcBef>
+                <a:spcPct val="30000"/>
+              </a:spcBef>
+              <a:spcAft>
+                <a:spcPts val="450"/>
+              </a:spcAft>
+              <a:buClrTx/>
+              <a:buSzTx/>
+              <a:buFont typeface="Arial" panose="020B0604020202020204" pitchFamily="34" charset="0"/>
+              <a:buChar char="•"/>
+              <a:tabLst/>
+              <a:defRPr/>
+            </a:pPr>
+            <a:r>
+              <a:rPr lang="en-US" dirty="0" smtClean="0"/>
+              <a:t>Install chef-client in the </a:t>
+            </a:r>
+            <a:r>
+              <a:rPr lang="en-US" dirty="0" err="1" smtClean="0"/>
+              <a:t>docker</a:t>
+            </a:r>
+            <a:r>
+              <a:rPr lang="en-US" dirty="0" smtClean="0"/>
+              <a:t> container.</a:t>
+            </a:r>
+          </a:p>
+          <a:p>
+            <a:pPr marL="171450" marR="0" indent="-171450" algn="l" defTabSz="1217613" rtl="0" eaLnBrk="1" fontAlgn="base" latinLnBrk="0" hangingPunct="1">
+              <a:lnSpc>
+                <a:spcPct val="90000"/>
+              </a:lnSpc>
+              <a:spcBef>
+                <a:spcPct val="30000"/>
+              </a:spcBef>
+              <a:spcAft>
+                <a:spcPts val="450"/>
+              </a:spcAft>
+              <a:buClrTx/>
+              <a:buSzTx/>
+              <a:buFont typeface="Arial" panose="020B0604020202020204" pitchFamily="34" charset="0"/>
+              <a:buChar char="•"/>
+              <a:tabLst/>
+              <a:defRPr/>
+            </a:pPr>
+            <a:r>
+              <a:rPr lang="en-US" dirty="0" smtClean="0"/>
+              <a:t>Run chef</a:t>
             </a:r>
             <a:r>
               <a:rPr lang="en-US" baseline="0" dirty="0" smtClean="0"/>
-              <a:t> a little while we</a:t>
-            </a:r>
-            <a:r>
-              <a:rPr lang="en-US" dirty="0" smtClean="0"/>
-              <a:t> will modify our recipe to address</a:t>
-            </a:r>
+              <a:t> zero (i.e., chef-client in local mode) across the client recipe.</a:t>
+            </a:r>
+          </a:p>
+          <a:p>
+            <a:pPr marL="171450" marR="0" indent="-171450" algn="l" defTabSz="1217613" rtl="0" eaLnBrk="1" fontAlgn="base" latinLnBrk="0" hangingPunct="1">
+              <a:lnSpc>
+                <a:spcPct val="90000"/>
+              </a:lnSpc>
+              <a:spcBef>
+                <a:spcPct val="30000"/>
+              </a:spcBef>
+              <a:spcAft>
+                <a:spcPts val="450"/>
+              </a:spcAft>
+              <a:buClrTx/>
+              <a:buSzTx/>
+              <a:buFont typeface="Arial" panose="020B0604020202020204" pitchFamily="34" charset="0"/>
+              <a:buChar char="•"/>
+              <a:tabLst/>
+              <a:defRPr/>
+            </a:pPr>
+            <a:endParaRPr lang="en-US" baseline="0" dirty="0" smtClean="0"/>
+          </a:p>
+          <a:p>
+            <a:pPr marL="0" marR="0" indent="0" algn="l" defTabSz="1217613" rtl="0" eaLnBrk="1" fontAlgn="base" latinLnBrk="0" hangingPunct="1">
+              <a:lnSpc>
+                <a:spcPct val="90000"/>
+              </a:lnSpc>
+              <a:spcBef>
+                <a:spcPct val="30000"/>
+              </a:spcBef>
+              <a:spcAft>
+                <a:spcPts val="450"/>
+              </a:spcAft>
+              <a:buClrTx/>
+              <a:buSzTx/>
+              <a:buFont typeface="Arial" panose="020B0604020202020204" pitchFamily="34" charset="0"/>
+              <a:buNone/>
+              <a:tabLst/>
+              <a:defRPr/>
+            </a:pPr>
             <a:r>
               <a:rPr lang="en-US" baseline="0" dirty="0" smtClean="0"/>
-              <a:t> the "</a:t>
-            </a:r>
-            <a:r>
-              <a:rPr lang="en-US" dirty="0" smtClean="0"/>
-              <a:t>Set the SSH protocol version to 2"</a:t>
+              <a:t>The end result will be that it should write out the </a:t>
+            </a:r>
+            <a:r>
+              <a:rPr lang="en-US" baseline="0" dirty="0" err="1" smtClean="0"/>
+              <a:t>ssh_conf</a:t>
             </a:r>
             <a:r>
               <a:rPr lang="en-US" baseline="0" dirty="0" smtClean="0"/>
-              <a:t> issue.</a:t>
-            </a:r>
-          </a:p>
-          <a:p>
+              <a:t> to the appropriate location (i.e</a:t>
+            </a:r>
+            <a:r>
+              <a:rPr lang="en-US" b="0" baseline="0" dirty="0" smtClean="0"/>
+              <a:t>., /etc/ssh/</a:t>
+            </a:r>
+            <a:r>
+              <a:rPr lang="en-US" b="0" baseline="0" dirty="0" err="1" smtClean="0"/>
+              <a:t>ssh_config</a:t>
+            </a:r>
+            <a:r>
+              <a:rPr lang="en-US" b="0" baseline="0" dirty="0" smtClean="0"/>
+              <a:t>).</a:t>
+            </a:r>
+          </a:p>
+          <a:p>
+            <a:pPr marL="0" marR="0" indent="0" algn="l" defTabSz="1217613" rtl="0" eaLnBrk="1" fontAlgn="base" latinLnBrk="0" hangingPunct="1">
+              <a:lnSpc>
+                <a:spcPct val="90000"/>
+              </a:lnSpc>
+              <a:spcBef>
+                <a:spcPct val="30000"/>
+              </a:spcBef>
+              <a:spcAft>
+                <a:spcPts val="450"/>
+              </a:spcAft>
+              <a:buClrTx/>
+              <a:buSzTx/>
+              <a:buFont typeface="Arial" panose="020B0604020202020204" pitchFamily="34" charset="0"/>
+              <a:buNone/>
+              <a:tabLst/>
+              <a:defRPr/>
+            </a:pPr>
+            <a:endParaRPr lang="en-US" b="0" baseline="0" dirty="0" smtClean="0"/>
+          </a:p>
+          <a:p>
+            <a:pPr marL="0" marR="0" indent="0" algn="l" defTabSz="1217613" rtl="0" eaLnBrk="1" fontAlgn="base" latinLnBrk="0" hangingPunct="1">
+              <a:lnSpc>
+                <a:spcPct val="90000"/>
+              </a:lnSpc>
+              <a:spcBef>
+                <a:spcPct val="30000"/>
+              </a:spcBef>
+              <a:spcAft>
+                <a:spcPts val="450"/>
+              </a:spcAft>
+              <a:buClrTx/>
+              <a:buSzTx/>
+              <a:buFont typeface="Arial" panose="020B0604020202020204" pitchFamily="34" charset="0"/>
+              <a:buNone/>
+              <a:tabLst/>
+              <a:defRPr/>
+            </a:pPr>
+            <a:r>
+              <a:rPr lang="en-US" b="0" baseline="0" dirty="0" smtClean="0"/>
+              <a:t>It could take a couple minutes or so for this command to complete.</a:t>
+            </a:r>
+            <a:endParaRPr lang="en-US" b="0" dirty="0" smtClean="0"/>
+          </a:p>
+          <a:p>
+            <a:pPr marL="171450" indent="-171450">
+              <a:buFont typeface="Arial" panose="020B0604020202020204" pitchFamily="34" charset="0"/>
+              <a:buChar char="•"/>
+            </a:pPr>
             <a:endParaRPr lang="en-US" baseline="0" dirty="0" smtClean="0"/>
           </a:p>
           <a:p>
-            <a:r>
-              <a:rPr lang="en-US" baseline="0" dirty="0" smtClean="0"/>
-              <a:t>But first, let's add an </a:t>
-            </a:r>
-            <a:r>
-              <a:rPr lang="en-US" baseline="0" dirty="0" err="1" smtClean="0"/>
-              <a:t>InSpec</a:t>
-            </a:r>
-            <a:r>
-              <a:rPr lang="en-US" baseline="0" dirty="0" smtClean="0"/>
-              <a:t> Verifier.</a:t>
-            </a:r>
-            <a:endParaRPr lang="en-US" dirty="0"/>
+            <a:endParaRPr lang="en-US" baseline="0" dirty="0" smtClean="0"/>
+          </a:p>
+          <a:p>
+            <a:endParaRPr lang="en-US" baseline="0" dirty="0" smtClean="0"/>
+          </a:p>
+          <a:p>
+            <a:endParaRPr lang="en-US" baseline="0" dirty="0" smtClean="0"/>
+          </a:p>
+          <a:p>
+            <a:endParaRPr lang="en-US" baseline="0" dirty="0" smtClean="0"/>
+          </a:p>
+          <a:p>
+            <a:endParaRPr lang="en-US" baseline="0" dirty="0" smtClean="0"/>
           </a:p>
         </p:txBody>
       </p:sp>
@@ -5061,7 +5005,7 @@
               <a:pPr>
                 <a:defRPr/>
               </a:pPr>
-              <a:t>38</a:t>
+              <a:t>37</a:t>
             </a:fld>
             <a:endParaRPr lang="en-US" dirty="0"/>
           </a:p>
@@ -5114,7 +5058,7 @@
     </p:spTree>
     <p:extLst>
       <p:ext uri="{BB962C8B-B14F-4D97-AF65-F5344CB8AC3E}">
-        <p14:creationId xmlns:p14="http://schemas.microsoft.com/office/powerpoint/2010/main" val="753225799"/>
+        <p14:creationId xmlns:p14="http://schemas.microsoft.com/office/powerpoint/2010/main" val="1087261345"/>
       </p:ext>
     </p:extLst>
   </p:cSld>
@@ -5168,6 +5112,74 @@
           <a:bodyPr/>
           <a:lstStyle/>
           <a:p>
+            <a:r>
+              <a:rPr lang="en-US" dirty="0" smtClean="0"/>
+              <a:t>In the preceding exercises we began writing a remediation recipe on our target node.</a:t>
+            </a:r>
+          </a:p>
+          <a:p>
+            <a:endParaRPr lang="en-US" dirty="0" smtClean="0"/>
+          </a:p>
+          <a:p>
+            <a:r>
+              <a:rPr lang="en-US" dirty="0" smtClean="0"/>
+              <a:t>We also tested the recipe with Test Kitchen.</a:t>
+            </a:r>
+          </a:p>
+          <a:p>
+            <a:endParaRPr lang="en-US" dirty="0" smtClean="0"/>
+          </a:p>
+          <a:p>
+            <a:r>
+              <a:rPr lang="en-US" dirty="0" smtClean="0"/>
+              <a:t>But have we even addressed the "Set the SSH protocol version to 2" issue?</a:t>
+            </a:r>
+          </a:p>
+          <a:p>
+            <a:endParaRPr lang="en-US" dirty="0" smtClean="0"/>
+          </a:p>
+          <a:p>
+            <a:r>
+              <a:rPr lang="en-US" dirty="0" smtClean="0"/>
+              <a:t>If you answered "no", you are correct. In</a:t>
+            </a:r>
+            <a:r>
+              <a:rPr lang="en-US" baseline="0" dirty="0" smtClean="0"/>
+              <a:t> a little while we</a:t>
+            </a:r>
+            <a:r>
+              <a:rPr lang="en-US" dirty="0" smtClean="0"/>
+              <a:t> will modify our recipe to address</a:t>
+            </a:r>
+            <a:r>
+              <a:rPr lang="en-US" baseline="0" dirty="0" smtClean="0"/>
+              <a:t> the "</a:t>
+            </a:r>
+            <a:r>
+              <a:rPr lang="en-US" dirty="0" smtClean="0"/>
+              <a:t>Set the SSH protocol version to 2"</a:t>
+            </a:r>
+            <a:r>
+              <a:rPr lang="en-US" baseline="0" dirty="0" smtClean="0"/>
+              <a:t> issue.</a:t>
+            </a:r>
+          </a:p>
+          <a:p>
+            <a:endParaRPr lang="en-US" baseline="0" dirty="0" smtClean="0"/>
+          </a:p>
+          <a:p>
+            <a:r>
+              <a:rPr lang="en-US" baseline="0" dirty="0" smtClean="0"/>
+              <a:t>But first, let's add an </a:t>
+            </a:r>
+            <a:r>
+              <a:rPr lang="en-US" baseline="0" dirty="0" err="1" smtClean="0"/>
+              <a:t>InSpec</a:t>
+            </a:r>
+            <a:r>
+              <a:rPr lang="en-US" baseline="0" dirty="0" smtClean="0"/>
+              <a:t> Verifier.</a:t>
+            </a:r>
             <a:endParaRPr lang="en-US" dirty="0"/>
           </a:p>
         </p:txBody>
@@ -5195,7 +5207,7 @@
               <a:pPr>
                 <a:defRPr/>
               </a:pPr>
-              <a:t>39</a:t>
+              <a:t>38</a:t>
             </a:fld>
             <a:endParaRPr lang="en-US" dirty="0"/>
           </a:p>
@@ -5248,7 +5260,7 @@
     </p:spTree>
     <p:extLst>
       <p:ext uri="{BB962C8B-B14F-4D97-AF65-F5344CB8AC3E}">
-        <p14:creationId xmlns:p14="http://schemas.microsoft.com/office/powerpoint/2010/main" val="3651809373"/>
+        <p14:creationId xmlns:p14="http://schemas.microsoft.com/office/powerpoint/2010/main" val="753225799"/>
       </p:ext>
     </p:extLst>
   </p:cSld>
@@ -5329,7 +5341,7 @@
               <a:pPr>
                 <a:defRPr/>
               </a:pPr>
-              <a:t>40</a:t>
+              <a:t>39</a:t>
             </a:fld>
             <a:endParaRPr lang="en-US" dirty="0"/>
           </a:p>
@@ -5382,7 +5394,7 @@
     </p:spTree>
     <p:extLst>
       <p:ext uri="{BB962C8B-B14F-4D97-AF65-F5344CB8AC3E}">
-        <p14:creationId xmlns:p14="http://schemas.microsoft.com/office/powerpoint/2010/main" val="1838538428"/>
+        <p14:creationId xmlns:p14="http://schemas.microsoft.com/office/powerpoint/2010/main" val="3651809373"/>
       </p:ext>
     </p:extLst>
   </p:cSld>
@@ -5463,7 +5475,7 @@
               <a:pPr>
                 <a:defRPr/>
               </a:pPr>
-              <a:t>41</a:t>
+              <a:t>40</a:t>
             </a:fld>
             <a:endParaRPr lang="en-US" dirty="0"/>
           </a:p>
@@ -5516,7 +5528,7 @@
     </p:spTree>
     <p:extLst>
       <p:ext uri="{BB962C8B-B14F-4D97-AF65-F5344CB8AC3E}">
-        <p14:creationId xmlns:p14="http://schemas.microsoft.com/office/powerpoint/2010/main" val="2201971819"/>
+        <p14:creationId xmlns:p14="http://schemas.microsoft.com/office/powerpoint/2010/main" val="1838538428"/>
       </p:ext>
     </p:extLst>
   </p:cSld>
@@ -5570,10 +5582,6 @@
           <a:bodyPr/>
           <a:lstStyle/>
           <a:p>
-            <a:r>
-              <a:rPr lang="en-US" dirty="0" smtClean="0"/>
-              <a:t>See the following slide for an example of a handy way to populate this file.</a:t>
-            </a:r>
             <a:endParaRPr lang="en-US" dirty="0"/>
           </a:p>
         </p:txBody>
@@ -5601,7 +5609,7 @@
               <a:pPr>
                 <a:defRPr/>
               </a:pPr>
-              <a:t>42</a:t>
+              <a:t>41</a:t>
             </a:fld>
             <a:endParaRPr lang="en-US" dirty="0"/>
           </a:p>
@@ -5654,7 +5662,7 @@
     </p:spTree>
     <p:extLst>
       <p:ext uri="{BB962C8B-B14F-4D97-AF65-F5344CB8AC3E}">
-        <p14:creationId xmlns:p14="http://schemas.microsoft.com/office/powerpoint/2010/main" val="1699919457"/>
+        <p14:creationId xmlns:p14="http://schemas.microsoft.com/office/powerpoint/2010/main" val="2201971819"/>
       </p:ext>
     </p:extLst>
   </p:cSld>
@@ -5708,59 +5716,9 @@
           <a:bodyPr/>
           <a:lstStyle/>
           <a:p>
-            <a:pPr marL="0" marR="0" indent="0" algn="l" defTabSz="1217613" rtl="0" eaLnBrk="1" fontAlgn="base" latinLnBrk="0" hangingPunct="1">
-              <a:lnSpc>
-                <a:spcPct val="90000"/>
-              </a:lnSpc>
-              <a:spcBef>
-                <a:spcPct val="30000"/>
-              </a:spcBef>
-              <a:spcAft>
-                <a:spcPts val="450"/>
-              </a:spcAft>
-              <a:buClrTx/>
-              <a:buSzTx/>
-              <a:buFontTx/>
-              <a:buNone/>
-              <a:tabLst/>
-              <a:defRPr/>
-            </a:pPr>
-            <a:r>
-              <a:rPr lang="en-US" dirty="0" smtClean="0"/>
-              <a:t>One handy way to populate the preceding `</a:t>
-            </a:r>
-            <a:r>
-              <a:rPr lang="en-US" dirty="0" err="1" smtClean="0"/>
-              <a:t>client_spec.rb</a:t>
-            </a:r>
-            <a:r>
-              <a:rPr lang="en-US" dirty="0" smtClean="0"/>
-              <a:t>' is to use the Compliance Web UI and copy the </a:t>
-            </a:r>
-            <a:r>
-              <a:rPr lang="en-US" dirty="0" err="1" smtClean="0"/>
-              <a:t>InSpec</a:t>
-            </a:r>
-            <a:r>
-              <a:rPr lang="en-US" dirty="0" smtClean="0"/>
-              <a:t> control code found in the relevant Compliance profile. </a:t>
-            </a:r>
-          </a:p>
-          <a:p>
-            <a:endParaRPr lang="en-US" dirty="0" smtClean="0"/>
-          </a:p>
-          <a:p>
-            <a:r>
-              <a:rPr lang="en-US" dirty="0" smtClean="0"/>
-              <a:t>Then you can paste it into the `</a:t>
-            </a:r>
-            <a:r>
-              <a:rPr lang="en-US" dirty="0" err="1" smtClean="0"/>
-              <a:t>client_spec.rb</a:t>
-            </a:r>
-            <a:r>
-              <a:rPr lang="en-US" dirty="0" smtClean="0"/>
-              <a:t>' file to save yourself some typing.</a:t>
+            <a:r>
+              <a:rPr lang="en-US" dirty="0" smtClean="0"/>
+              <a:t>See the following slide for an example of a handy way to populate this file.</a:t>
             </a:r>
             <a:endParaRPr lang="en-US" dirty="0"/>
           </a:p>
@@ -5789,7 +5747,7 @@
               <a:pPr>
                 <a:defRPr/>
               </a:pPr>
-              <a:t>43</a:t>
+              <a:t>42</a:t>
             </a:fld>
             <a:endParaRPr lang="en-US" dirty="0"/>
           </a:p>
@@ -5842,7 +5800,7 @@
     </p:spTree>
     <p:extLst>
       <p:ext uri="{BB962C8B-B14F-4D97-AF65-F5344CB8AC3E}">
-        <p14:creationId xmlns:p14="http://schemas.microsoft.com/office/powerpoint/2010/main" val="3465403761"/>
+        <p14:creationId xmlns:p14="http://schemas.microsoft.com/office/powerpoint/2010/main" val="1699919457"/>
       </p:ext>
     </p:extLst>
   </p:cSld>
@@ -5915,127 +5873,41 @@
             </a:pPr>
             <a:r>
               <a:rPr lang="en-US" dirty="0" smtClean="0"/>
-              <a:t>Edit ~/cookbooks/ssh/.</a:t>
+              <a:t>One handy way to populate the preceding `</a:t>
             </a:r>
             <a:r>
               <a:rPr lang="en-US" dirty="0" err="1" smtClean="0"/>
-              <a:t>kitchen.yml</a:t>
-            </a:r>
-            <a:r>
-              <a:rPr lang="en-US" dirty="0" smtClean="0"/>
-              <a:t> and uncomment the `verifier` and `name: </a:t>
+              <a:t>client_spec.rb</a:t>
+            </a:r>
+            <a:r>
+              <a:rPr lang="en-US" dirty="0" smtClean="0"/>
+              <a:t>' is to use the Compliance Web UI and copy the </a:t>
             </a:r>
             <a:r>
               <a:rPr lang="en-US" dirty="0" err="1" smtClean="0"/>
-              <a:t>inspec</a:t>
-            </a:r>
-            <a:r>
-              <a:rPr lang="en-US" dirty="0" smtClean="0"/>
-              <a:t>'</a:t>
-            </a:r>
-            <a:r>
-              <a:rPr lang="en-US" baseline="0" dirty="0" smtClean="0"/>
-              <a:t> lines.</a:t>
-            </a:r>
-          </a:p>
-          <a:p>
-            <a:endParaRPr lang="en-US" sz="1200" b="1" dirty="0" smtClean="0"/>
-          </a:p>
-          <a:p>
-            <a:r>
-              <a:rPr lang="en-US" sz="1200" b="0" dirty="0" smtClean="0"/>
-              <a:t>verifier:</a:t>
-            </a:r>
-          </a:p>
-          <a:p>
-            <a:r>
-              <a:rPr lang="en-US" sz="1200" b="0" dirty="0" smtClean="0"/>
-              <a:t> name: </a:t>
-            </a:r>
-            <a:r>
-              <a:rPr lang="en-US" sz="1200" b="0" dirty="0" err="1" smtClean="0"/>
-              <a:t>inspec</a:t>
-            </a:r>
-            <a:endParaRPr lang="en-US" sz="1200" b="0" dirty="0" smtClean="0"/>
-          </a:p>
-          <a:p>
-            <a:endParaRPr lang="en-US" sz="1200" b="0" dirty="0" smtClean="0"/>
-          </a:p>
-          <a:p>
-            <a:r>
-              <a:rPr lang="en-US" sz="1200" b="1" dirty="0" smtClean="0"/>
-              <a:t>Note</a:t>
-            </a:r>
-            <a:r>
-              <a:rPr lang="en-US" sz="1200" b="0" dirty="0" smtClean="0"/>
-              <a:t>: Be sure to remove any extra</a:t>
-            </a:r>
-            <a:r>
-              <a:rPr lang="en-US" sz="1200" b="0" baseline="0" dirty="0" smtClean="0"/>
-              <a:t> spaces that may precede `verifier`.</a:t>
-            </a:r>
-          </a:p>
-          <a:p>
-            <a:pPr marL="0" marR="0" indent="0" algn="l" defTabSz="1217613" rtl="0" eaLnBrk="1" fontAlgn="base" latinLnBrk="0" hangingPunct="1">
-              <a:lnSpc>
-                <a:spcPct val="90000"/>
-              </a:lnSpc>
-              <a:spcBef>
-                <a:spcPct val="30000"/>
-              </a:spcBef>
-              <a:spcAft>
-                <a:spcPts val="450"/>
-              </a:spcAft>
-              <a:buClrTx/>
-              <a:buSzTx/>
-              <a:buFontTx/>
-              <a:buNone/>
-              <a:tabLst/>
-              <a:defRPr/>
-            </a:pPr>
-            <a:endParaRPr lang="en-US" sz="1200" b="0" baseline="0" dirty="0" smtClean="0"/>
-          </a:p>
-          <a:p>
-            <a:pPr marL="0" marR="0" indent="0" algn="l" defTabSz="1217613" rtl="0" eaLnBrk="1" fontAlgn="base" latinLnBrk="0" hangingPunct="1">
-              <a:lnSpc>
-                <a:spcPct val="90000"/>
-              </a:lnSpc>
-              <a:spcBef>
-                <a:spcPct val="30000"/>
-              </a:spcBef>
-              <a:spcAft>
-                <a:spcPts val="450"/>
-              </a:spcAft>
-              <a:buClrTx/>
-              <a:buSzTx/>
-              <a:buFontTx/>
-              <a:buNone/>
-              <a:tabLst/>
-              <a:defRPr/>
-            </a:pPr>
-            <a:endParaRPr lang="nl-NL" dirty="0" smtClean="0"/>
-          </a:p>
-          <a:p>
-            <a:pPr marL="0" marR="0" indent="0" algn="l" defTabSz="1217613" rtl="0" eaLnBrk="1" fontAlgn="base" latinLnBrk="0" hangingPunct="1">
-              <a:lnSpc>
-                <a:spcPct val="90000"/>
-              </a:lnSpc>
-              <a:spcBef>
-                <a:spcPct val="30000"/>
-              </a:spcBef>
-              <a:spcAft>
-                <a:spcPts val="450"/>
-              </a:spcAft>
-              <a:buClrTx/>
-              <a:buSzTx/>
-              <a:buFontTx/>
-              <a:buNone/>
-              <a:tabLst/>
-              <a:defRPr/>
-            </a:pPr>
+              <a:t>InSpec</a:t>
+            </a:r>
+            <a:r>
+              <a:rPr lang="en-US" dirty="0" smtClean="0"/>
+              <a:t> control code found in the relevant Compliance profile. </a:t>
+            </a:r>
+          </a:p>
+          <a:p>
             <a:endParaRPr lang="en-US" dirty="0" smtClean="0"/>
           </a:p>
           <a:p>
+            <a:r>
+              <a:rPr lang="en-US" dirty="0" smtClean="0"/>
+              <a:t>Then you can paste it into the `</a:t>
+            </a:r>
+            <a:r>
+              <a:rPr lang="en-US" dirty="0" err="1" smtClean="0"/>
+              <a:t>client_spec.rb</a:t>
+            </a:r>
+            <a:r>
+              <a:rPr lang="en-US" dirty="0" smtClean="0"/>
+              <a:t>' file to save yourself some typing.</a:t>
+            </a:r>
             <a:endParaRPr lang="en-US" dirty="0"/>
           </a:p>
         </p:txBody>
@@ -6063,7 +5935,7 @@
               <a:pPr>
                 <a:defRPr/>
               </a:pPr>
-              <a:t>44</a:t>
+              <a:t>43</a:t>
             </a:fld>
             <a:endParaRPr lang="en-US" dirty="0"/>
           </a:p>
@@ -6116,7 +5988,7 @@
     </p:spTree>
     <p:extLst>
       <p:ext uri="{BB962C8B-B14F-4D97-AF65-F5344CB8AC3E}">
-        <p14:creationId xmlns:p14="http://schemas.microsoft.com/office/powerpoint/2010/main" val="3214270224"/>
+        <p14:creationId xmlns:p14="http://schemas.microsoft.com/office/powerpoint/2010/main" val="3465403761"/>
       </p:ext>
     </p:extLst>
   </p:cSld>
@@ -6189,19 +6061,64 @@
             </a:pPr>
             <a:r>
               <a:rPr lang="en-US" dirty="0" smtClean="0"/>
-              <a:t>Ensure you are in</a:t>
+              <a:t>Edit ~/cookbooks/ssh/.</a:t>
+            </a:r>
+            <a:r>
+              <a:rPr lang="en-US" dirty="0" err="1" smtClean="0"/>
+              <a:t>kitchen.yml</a:t>
+            </a:r>
+            <a:r>
+              <a:rPr lang="en-US" dirty="0" smtClean="0"/>
+              <a:t> and uncomment the `verifier` and `name: </a:t>
+            </a:r>
+            <a:r>
+              <a:rPr lang="en-US" dirty="0" err="1" smtClean="0"/>
+              <a:t>inspec</a:t>
+            </a:r>
+            <a:r>
+              <a:rPr lang="en-US" dirty="0" smtClean="0"/>
+              <a:t>'</a:t>
             </a:r>
             <a:r>
               <a:rPr lang="en-US" baseline="0" dirty="0" smtClean="0"/>
-              <a:t> </a:t>
-            </a:r>
-            <a:r>
-              <a:rPr lang="en-US" dirty="0" smtClean="0"/>
-              <a:t>~/cookbooks/ssh</a:t>
-            </a:r>
-            <a:r>
-              <a:rPr lang="en-US" baseline="0" dirty="0" smtClean="0"/>
-              <a:t> and run `kitchen verify`.</a:t>
+              <a:t> lines.</a:t>
+            </a:r>
+          </a:p>
+          <a:p>
+            <a:endParaRPr lang="en-US" sz="1200" b="1" dirty="0" smtClean="0"/>
+          </a:p>
+          <a:p>
+            <a:r>
+              <a:rPr lang="en-US" sz="1200" b="0" dirty="0" smtClean="0"/>
+              <a:t>verifier:</a:t>
+            </a:r>
+          </a:p>
+          <a:p>
+            <a:r>
+              <a:rPr lang="en-US" sz="1200" b="0" dirty="0" smtClean="0"/>
+              <a:t> name: </a:t>
+            </a:r>
+            <a:r>
+              <a:rPr lang="en-US" sz="1200" b="0" dirty="0" err="1" smtClean="0"/>
+              <a:t>inspec</a:t>
+            </a:r>
+            <a:endParaRPr lang="en-US" sz="1200" b="0" dirty="0" smtClean="0"/>
+          </a:p>
+          <a:p>
+            <a:endParaRPr lang="en-US" sz="1200" b="0" dirty="0" smtClean="0"/>
+          </a:p>
+          <a:p>
+            <a:r>
+              <a:rPr lang="en-US" sz="1200" b="1" dirty="0" smtClean="0"/>
+              <a:t>Note</a:t>
+            </a:r>
+            <a:r>
+              <a:rPr lang="en-US" sz="1200" b="0" dirty="0" smtClean="0"/>
+              <a:t>: Be sure to remove any extra</a:t>
+            </a:r>
+            <a:r>
+              <a:rPr lang="en-US" sz="1200" b="0" baseline="0" dirty="0" smtClean="0"/>
+              <a:t> spaces that may precede `verifier`.</a:t>
             </a:r>
           </a:p>
           <a:p>
@@ -6222,7 +6139,7 @@
               <a:tabLst/>
               <a:defRPr/>
             </a:pPr>
-            <a:endParaRPr lang="en-US" baseline="0" dirty="0" smtClean="0"/>
+            <a:endParaRPr lang="en-US" sz="1200" b="0" baseline="0" dirty="0" smtClean="0"/>
           </a:p>
           <a:p>
             <a:pPr marL="0" marR="0" indent="0" algn="l" defTabSz="1217613" rtl="0" eaLnBrk="1" fontAlgn="base" latinLnBrk="0" hangingPunct="1">
@@ -6242,22 +6159,7 @@
               <a:tabLst/>
               <a:defRPr/>
             </a:pPr>
-            <a:r>
-              <a:rPr lang="en-US" baseline="0" dirty="0" err="1" smtClean="0"/>
-              <a:t>InSpec</a:t>
-            </a:r>
-            <a:r>
-              <a:rPr lang="en-US" baseline="0" dirty="0" smtClean="0"/>
-              <a:t> verifier does not work with kitchen </a:t>
-            </a:r>
-            <a:r>
-              <a:rPr lang="en-US" baseline="0" dirty="0" err="1" smtClean="0"/>
-              <a:t>docker</a:t>
-            </a:r>
-            <a:r>
-              <a:rPr lang="en-US" baseline="0" dirty="0" smtClean="0"/>
-              <a:t> so we'll look at that issue in a moment.</a:t>
-            </a:r>
+            <a:endParaRPr lang="nl-NL" dirty="0" smtClean="0"/>
           </a:p>
           <a:p>
             <a:pPr marL="0" marR="0" indent="0" algn="l" defTabSz="1217613" rtl="0" eaLnBrk="1" fontAlgn="base" latinLnBrk="0" hangingPunct="1">
@@ -6277,30 +6179,9 @@
               <a:tabLst/>
               <a:defRPr/>
             </a:pPr>
-            <a:endParaRPr lang="en-US" baseline="0" dirty="0" smtClean="0"/>
-          </a:p>
-          <a:p>
-            <a:pPr marL="0" marR="0" indent="0" algn="l" defTabSz="1217613" rtl="0" eaLnBrk="1" fontAlgn="base" latinLnBrk="0" hangingPunct="1">
-              <a:lnSpc>
-                <a:spcPct val="90000"/>
-              </a:lnSpc>
-              <a:spcBef>
-                <a:spcPct val="30000"/>
-              </a:spcBef>
-              <a:spcAft>
-                <a:spcPts val="450"/>
-              </a:spcAft>
-              <a:buClrTx/>
-              <a:buSzTx/>
-              <a:buFontTx/>
-              <a:buNone/>
-              <a:tabLst/>
-              <a:defRPr/>
-            </a:pPr>
-            <a:r>
-              <a:rPr lang="en-US" baseline="0" dirty="0" smtClean="0"/>
-              <a:t>TBD explain the output </a:t>
-            </a:r>
+            <a:endParaRPr lang="en-US" dirty="0" smtClean="0"/>
+          </a:p>
+          <a:p>
             <a:endParaRPr lang="en-US" dirty="0"/>
           </a:p>
         </p:txBody>
@@ -6328,7 +6209,7 @@
               <a:pPr>
                 <a:defRPr/>
               </a:pPr>
-              <a:t>45</a:t>
+              <a:t>44</a:t>
             </a:fld>
             <a:endParaRPr lang="en-US" dirty="0"/>
           </a:p>
@@ -6381,7 +6262,7 @@
     </p:spTree>
     <p:extLst>
       <p:ext uri="{BB962C8B-B14F-4D97-AF65-F5344CB8AC3E}">
-        <p14:creationId xmlns:p14="http://schemas.microsoft.com/office/powerpoint/2010/main" val="232547243"/>
+        <p14:creationId xmlns:p14="http://schemas.microsoft.com/office/powerpoint/2010/main" val="3214270224"/>
       </p:ext>
     </p:extLst>
   </p:cSld>
@@ -6435,6 +6316,137 @@
           <a:bodyPr/>
           <a:lstStyle/>
           <a:p>
+            <a:pPr marL="0" marR="0" indent="0" algn="l" defTabSz="1217613" rtl="0" eaLnBrk="1" fontAlgn="base" latinLnBrk="0" hangingPunct="1">
+              <a:lnSpc>
+                <a:spcPct val="90000"/>
+              </a:lnSpc>
+              <a:spcBef>
+                <a:spcPct val="30000"/>
+              </a:spcBef>
+              <a:spcAft>
+                <a:spcPts val="450"/>
+              </a:spcAft>
+              <a:buClrTx/>
+              <a:buSzTx/>
+              <a:buFontTx/>
+              <a:buNone/>
+              <a:tabLst/>
+              <a:defRPr/>
+            </a:pPr>
+            <a:r>
+              <a:rPr lang="en-US" dirty="0" smtClean="0"/>
+              <a:t>Ensure you are in</a:t>
+            </a:r>
+            <a:r>
+              <a:rPr lang="en-US" baseline="0" dirty="0" smtClean="0"/>
+              <a:t> </a:t>
+            </a:r>
+            <a:r>
+              <a:rPr lang="en-US" dirty="0" smtClean="0"/>
+              <a:t>~/cookbooks/ssh</a:t>
+            </a:r>
+            <a:r>
+              <a:rPr lang="en-US" baseline="0" dirty="0" smtClean="0"/>
+              <a:t> and run `kitchen verify`.</a:t>
+            </a:r>
+          </a:p>
+          <a:p>
+            <a:pPr marL="0" marR="0" indent="0" algn="l" defTabSz="1217613" rtl="0" eaLnBrk="1" fontAlgn="base" latinLnBrk="0" hangingPunct="1">
+              <a:lnSpc>
+                <a:spcPct val="90000"/>
+              </a:lnSpc>
+              <a:spcBef>
+                <a:spcPct val="30000"/>
+              </a:spcBef>
+              <a:spcAft>
+                <a:spcPts val="450"/>
+              </a:spcAft>
+              <a:buClrTx/>
+              <a:buSzTx/>
+              <a:buFontTx/>
+              <a:buNone/>
+              <a:tabLst/>
+              <a:defRPr/>
+            </a:pPr>
+            <a:endParaRPr lang="en-US" baseline="0" dirty="0" smtClean="0"/>
+          </a:p>
+          <a:p>
+            <a:pPr marL="0" marR="0" indent="0" algn="l" defTabSz="1217613" rtl="0" eaLnBrk="1" fontAlgn="base" latinLnBrk="0" hangingPunct="1">
+              <a:lnSpc>
+                <a:spcPct val="90000"/>
+              </a:lnSpc>
+              <a:spcBef>
+                <a:spcPct val="30000"/>
+              </a:spcBef>
+              <a:spcAft>
+                <a:spcPts val="450"/>
+              </a:spcAft>
+              <a:buClrTx/>
+              <a:buSzTx/>
+              <a:buFontTx/>
+              <a:buNone/>
+              <a:tabLst/>
+              <a:defRPr/>
+            </a:pPr>
+            <a:r>
+              <a:rPr lang="en-US" baseline="0" dirty="0" err="1" smtClean="0"/>
+              <a:t>InSpec</a:t>
+            </a:r>
+            <a:r>
+              <a:rPr lang="en-US" baseline="0" dirty="0" smtClean="0"/>
+              <a:t> verifier does not work with kitchen </a:t>
+            </a:r>
+            <a:r>
+              <a:rPr lang="en-US" baseline="0" dirty="0" err="1" smtClean="0"/>
+              <a:t>docker</a:t>
+            </a:r>
+            <a:r>
+              <a:rPr lang="en-US" baseline="0" dirty="0" smtClean="0"/>
+              <a:t> so we'll look at that issue in a moment.</a:t>
+            </a:r>
+          </a:p>
+          <a:p>
+            <a:pPr marL="0" marR="0" indent="0" algn="l" defTabSz="1217613" rtl="0" eaLnBrk="1" fontAlgn="base" latinLnBrk="0" hangingPunct="1">
+              <a:lnSpc>
+                <a:spcPct val="90000"/>
+              </a:lnSpc>
+              <a:spcBef>
+                <a:spcPct val="30000"/>
+              </a:spcBef>
+              <a:spcAft>
+                <a:spcPts val="450"/>
+              </a:spcAft>
+              <a:buClrTx/>
+              <a:buSzTx/>
+              <a:buFontTx/>
+              <a:buNone/>
+              <a:tabLst/>
+              <a:defRPr/>
+            </a:pPr>
+            <a:endParaRPr lang="en-US" baseline="0" dirty="0" smtClean="0"/>
+          </a:p>
+          <a:p>
+            <a:pPr marL="0" marR="0" indent="0" algn="l" defTabSz="1217613" rtl="0" eaLnBrk="1" fontAlgn="base" latinLnBrk="0" hangingPunct="1">
+              <a:lnSpc>
+                <a:spcPct val="90000"/>
+              </a:lnSpc>
+              <a:spcBef>
+                <a:spcPct val="30000"/>
+              </a:spcBef>
+              <a:spcAft>
+                <a:spcPts val="450"/>
+              </a:spcAft>
+              <a:buClrTx/>
+              <a:buSzTx/>
+              <a:buFontTx/>
+              <a:buNone/>
+              <a:tabLst/>
+              <a:defRPr/>
+            </a:pPr>
+            <a:r>
+              <a:rPr lang="en-US" baseline="0" dirty="0" smtClean="0"/>
+              <a:t>TBD explain the output </a:t>
+            </a:r>
             <a:endParaRPr lang="en-US" dirty="0"/>
           </a:p>
         </p:txBody>
@@ -6462,7 +6474,7 @@
               <a:pPr>
                 <a:defRPr/>
               </a:pPr>
-              <a:t>46</a:t>
+              <a:t>45</a:t>
             </a:fld>
             <a:endParaRPr lang="en-US" dirty="0"/>
           </a:p>
@@ -6515,7 +6527,7 @@
     </p:spTree>
     <p:extLst>
       <p:ext uri="{BB962C8B-B14F-4D97-AF65-F5344CB8AC3E}">
-        <p14:creationId xmlns:p14="http://schemas.microsoft.com/office/powerpoint/2010/main" val="1916148903"/>
+        <p14:creationId xmlns:p14="http://schemas.microsoft.com/office/powerpoint/2010/main" val="232547243"/>
       </p:ext>
     </p:extLst>
   </p:cSld>
@@ -6569,121 +6581,6 @@
           <a:bodyPr/>
           <a:lstStyle/>
           <a:p>
-            <a:r>
-              <a:rPr lang="en-US" dirty="0" smtClean="0"/>
-              <a:t>Below</a:t>
-            </a:r>
-            <a:r>
-              <a:rPr lang="en-US" baseline="0" dirty="0" smtClean="0"/>
-              <a:t> is an example of the details of the `sudo </a:t>
-            </a:r>
-            <a:r>
-              <a:rPr lang="en-US" baseline="0" dirty="0" err="1" smtClean="0"/>
-              <a:t>docker</a:t>
-            </a:r>
-            <a:r>
-              <a:rPr lang="en-US" baseline="0" dirty="0" smtClean="0"/>
-              <a:t> </a:t>
-            </a:r>
-            <a:r>
-              <a:rPr lang="en-US" baseline="0" dirty="0" err="1" smtClean="0"/>
-              <a:t>ps`</a:t>
-            </a:r>
-            <a:r>
-              <a:rPr lang="en-US" baseline="0" dirty="0" smtClean="0"/>
-              <a:t> command. This shows one </a:t>
-            </a:r>
-            <a:r>
-              <a:rPr lang="en-US" baseline="0" dirty="0" err="1" smtClean="0"/>
-              <a:t>docker</a:t>
-            </a:r>
-            <a:r>
-              <a:rPr lang="en-US" baseline="0" dirty="0" smtClean="0"/>
-              <a:t> container running.</a:t>
-            </a:r>
-          </a:p>
-          <a:p>
-            <a:endParaRPr lang="en-US" baseline="0" dirty="0" smtClean="0"/>
-          </a:p>
-          <a:p>
-            <a:r>
-              <a:rPr lang="en-US" baseline="0" dirty="0" smtClean="0"/>
-              <a:t>You should only have only one </a:t>
-            </a:r>
-            <a:r>
-              <a:rPr lang="en-US" baseline="0" dirty="0" err="1" smtClean="0"/>
-              <a:t>docker</a:t>
-            </a:r>
-            <a:r>
-              <a:rPr lang="en-US" baseline="0" dirty="0" smtClean="0"/>
-              <a:t> container running too.</a:t>
-            </a:r>
-          </a:p>
-          <a:p>
-            <a:endParaRPr lang="en-US" baseline="0" dirty="0" smtClean="0"/>
-          </a:p>
-          <a:p>
-            <a:r>
-              <a:rPr lang="en-US" baseline="0" dirty="0" smtClean="0"/>
-              <a:t>You'll need the Container ID for the next step so copy your Container ID, which is the first value that is not a header.</a:t>
-            </a:r>
-          </a:p>
-          <a:p>
-            <a:endParaRPr lang="en-US" baseline="0" dirty="0" smtClean="0"/>
-          </a:p>
-          <a:p>
-            <a:endParaRPr lang="en-US" baseline="0" dirty="0" smtClean="0"/>
-          </a:p>
-          <a:p>
-            <a:endParaRPr lang="en-US" dirty="0" smtClean="0"/>
-          </a:p>
-          <a:p>
-            <a:r>
-              <a:rPr lang="en-US" dirty="0" smtClean="0"/>
-              <a:t>CONTAINER ID        IMAGE               COMMAND                CREATED             STATUS              PORTS                   NAMES</a:t>
-            </a:r>
-          </a:p>
-          <a:p>
-            <a:r>
-              <a:rPr lang="en-US" dirty="0" smtClean="0"/>
-              <a:t>5b51a4237437        d5b8fd3299b4        "/</a:t>
-            </a:r>
-            <a:r>
-              <a:rPr lang="en-US" dirty="0" err="1" smtClean="0"/>
-              <a:t>usr</a:t>
-            </a:r>
-            <a:r>
-              <a:rPr lang="en-US" dirty="0" smtClean="0"/>
-              <a:t>/</a:t>
-            </a:r>
-            <a:r>
-              <a:rPr lang="en-US" dirty="0" err="1" smtClean="0"/>
-              <a:t>sbin</a:t>
-            </a:r>
-            <a:r>
-              <a:rPr lang="en-US" dirty="0" smtClean="0"/>
-              <a:t>/</a:t>
-            </a:r>
-            <a:r>
-              <a:rPr lang="en-US" dirty="0" err="1" smtClean="0"/>
-              <a:t>sshd</a:t>
-            </a:r>
-            <a:r>
-              <a:rPr lang="en-US" dirty="0" smtClean="0"/>
-              <a:t> -D -   41 minutes ago      Up 41 minutes       0.0.0.0:32768-&gt;22/</a:t>
-            </a:r>
-            <a:r>
-              <a:rPr lang="en-US" dirty="0" err="1" smtClean="0"/>
-              <a:t>tcp</a:t>
-            </a:r>
-            <a:r>
-              <a:rPr lang="en-US" dirty="0" smtClean="0"/>
-              <a:t>   </a:t>
-            </a:r>
-            <a:r>
-              <a:rPr lang="en-US" dirty="0" err="1" smtClean="0"/>
-              <a:t>grave_davinci</a:t>
-            </a:r>
             <a:endParaRPr lang="en-US" dirty="0"/>
           </a:p>
         </p:txBody>
@@ -6711,7 +6608,7 @@
               <a:pPr>
                 <a:defRPr/>
               </a:pPr>
-              <a:t>47</a:t>
+              <a:t>46</a:t>
             </a:fld>
             <a:endParaRPr lang="en-US" dirty="0"/>
           </a:p>
@@ -6764,7 +6661,7 @@
     </p:spTree>
     <p:extLst>
       <p:ext uri="{BB962C8B-B14F-4D97-AF65-F5344CB8AC3E}">
-        <p14:creationId xmlns:p14="http://schemas.microsoft.com/office/powerpoint/2010/main" val="3435014385"/>
+        <p14:creationId xmlns:p14="http://schemas.microsoft.com/office/powerpoint/2010/main" val="1916148903"/>
       </p:ext>
     </p:extLst>
   </p:cSld>
@@ -6818,6 +6715,37 @@
           <a:bodyPr/>
           <a:lstStyle/>
           <a:p>
+            <a:r>
+              <a:rPr lang="en-US" dirty="0" smtClean="0"/>
+              <a:t>Be sure you are using the hostname of</a:t>
+            </a:r>
+            <a:r>
+              <a:rPr lang="en-US" baseline="0" dirty="0" smtClean="0"/>
+              <a:t> the target node that you noted previously in class.</a:t>
+            </a:r>
+            <a:endParaRPr lang="en-US" dirty="0" smtClean="0"/>
+          </a:p>
+          <a:p>
+            <a:endParaRPr lang="en-US" dirty="0" smtClean="0"/>
+          </a:p>
+          <a:p>
+            <a:r>
+              <a:rPr lang="en-US" dirty="0" smtClean="0"/>
+              <a:t>In the workplace, the</a:t>
+            </a:r>
+            <a:r>
+              <a:rPr lang="en-US" baseline="0" dirty="0" smtClean="0"/>
+              <a:t> target node's username and password will likely be different than shown in this example.</a:t>
+            </a:r>
+          </a:p>
+          <a:p>
+            <a:endParaRPr lang="en-US" baseline="0" dirty="0" smtClean="0"/>
+          </a:p>
+          <a:p>
+            <a:r>
+              <a:rPr lang="en-US" baseline="0" dirty="0" smtClean="0"/>
+              <a:t>We'll discuss using key pair access later in the module.</a:t>
+            </a:r>
             <a:endParaRPr lang="en-US" dirty="0"/>
           </a:p>
         </p:txBody>
@@ -6845,7 +6773,7 @@
               <a:pPr>
                 <a:defRPr/>
               </a:pPr>
-              <a:t>8</a:t>
+              <a:t>6</a:t>
             </a:fld>
             <a:endParaRPr lang="en-US" dirty="0"/>
           </a:p>
@@ -6898,7 +6826,7 @@
     </p:spTree>
     <p:extLst>
       <p:ext uri="{BB962C8B-B14F-4D97-AF65-F5344CB8AC3E}">
-        <p14:creationId xmlns:p14="http://schemas.microsoft.com/office/powerpoint/2010/main" val="561256705"/>
+        <p14:creationId xmlns:p14="http://schemas.microsoft.com/office/powerpoint/2010/main" val="1824773967"/>
       </p:ext>
     </p:extLst>
   </p:cSld>
@@ -6949,461 +6877,124 @@
         </p:nvSpPr>
         <p:spPr/>
         <p:txBody>
-          <a:bodyPr>
-            <a:normAutofit fontScale="25000" lnSpcReduction="20000"/>
-          </a:bodyPr>
-          <a:lstStyle/>
-          <a:p>
-            <a:r>
-              <a:rPr lang="en-US" dirty="0" smtClean="0"/>
-              <a:t>Run this </a:t>
-            </a:r>
-            <a:r>
-              <a:rPr lang="en-US" dirty="0" err="1" smtClean="0"/>
-              <a:t>inspec</a:t>
+          <a:bodyPr/>
+          <a:lstStyle/>
+          <a:p>
+            <a:r>
+              <a:rPr lang="en-US" dirty="0" smtClean="0"/>
+              <a:t>Below</a:t>
             </a:r>
             <a:r>
               <a:rPr lang="en-US" baseline="0" dirty="0" smtClean="0"/>
-              <a:t> command using the container ID you just copied, replacing CONTAINER_ID in the example.</a:t>
-            </a:r>
-          </a:p>
-          <a:p>
-            <a:endParaRPr lang="en-US" baseline="0" dirty="0" smtClean="0"/>
-          </a:p>
-          <a:p>
-            <a:r>
-              <a:rPr lang="en-US" dirty="0" smtClean="0"/>
-              <a:t>`</a:t>
-            </a:r>
-            <a:r>
-              <a:rPr lang="en-US" dirty="0" err="1" smtClean="0"/>
-              <a:t>inspec</a:t>
-            </a:r>
-            <a:r>
-              <a:rPr lang="en-US" dirty="0" smtClean="0"/>
-              <a:t> exec ~/cookbooks/ssh/test/integration/client/</a:t>
-            </a:r>
-            <a:r>
-              <a:rPr lang="en-US" dirty="0" err="1" smtClean="0"/>
-              <a:t>inspec</a:t>
-            </a:r>
-            <a:r>
-              <a:rPr lang="en-US" dirty="0" smtClean="0"/>
-              <a:t>/</a:t>
-            </a:r>
-            <a:r>
-              <a:rPr lang="en-US" dirty="0" err="1" smtClean="0"/>
-              <a:t>client_spec.rb</a:t>
-            </a:r>
-            <a:r>
-              <a:rPr lang="en-US" dirty="0" smtClean="0"/>
-              <a:t> -t docker://CONTAINER_ID`</a:t>
-            </a:r>
-          </a:p>
-          <a:p>
-            <a:endParaRPr lang="en-US" dirty="0" smtClean="0"/>
-          </a:p>
-          <a:p>
-            <a:r>
-              <a:rPr lang="en-US" dirty="0" smtClean="0"/>
-              <a:t>While the image of the output</a:t>
+              <a:t> is an example of the details of the `sudo </a:t>
+            </a:r>
+            <a:r>
+              <a:rPr lang="en-US" baseline="0" dirty="0" err="1" smtClean="0"/>
+              <a:t>docker</a:t>
             </a:r>
             <a:r>
               <a:rPr lang="en-US" baseline="0" dirty="0" smtClean="0"/>
               <a:t> </a:t>
             </a:r>
             <a:r>
-              <a:rPr lang="en-US" dirty="0" smtClean="0"/>
-              <a:t>may be hard to see, the</a:t>
+              <a:rPr lang="en-US" baseline="0" dirty="0" err="1" smtClean="0"/>
+              <a:t>ps`</a:t>
             </a:r>
             <a:r>
               <a:rPr lang="en-US" baseline="0" dirty="0" smtClean="0"/>
-              <a:t> output is also pasted below. Notice how </a:t>
+              <a:t> command. This shows one </a:t>
             </a:r>
             <a:r>
               <a:rPr lang="en-US" baseline="0" dirty="0" err="1" smtClean="0"/>
-              <a:t>inspec</a:t>
+              <a:t>docker</a:t>
             </a:r>
             <a:r>
               <a:rPr lang="en-US" baseline="0" dirty="0" smtClean="0"/>
-              <a:t> from the command line also found the "</a:t>
-            </a:r>
-            <a:r>
-              <a:rPr lang="en-US" dirty="0" smtClean="0"/>
-              <a:t>SSH Configuration Protocol should </a:t>
+              <a:t> container running.</a:t>
+            </a:r>
+          </a:p>
+          <a:p>
+            <a:endParaRPr lang="en-US" baseline="0" dirty="0" smtClean="0"/>
+          </a:p>
+          <a:p>
+            <a:r>
+              <a:rPr lang="en-US" baseline="0" dirty="0" smtClean="0"/>
+              <a:t>You should only have only one </a:t>
+            </a:r>
+            <a:r>
+              <a:rPr lang="en-US" baseline="0" dirty="0" err="1" smtClean="0"/>
+              <a:t>docker</a:t>
+            </a:r>
+            <a:r>
+              <a:rPr lang="en-US" baseline="0" dirty="0" smtClean="0"/>
+              <a:t> container running too.</a:t>
+            </a:r>
+          </a:p>
+          <a:p>
+            <a:endParaRPr lang="en-US" baseline="0" dirty="0" smtClean="0"/>
+          </a:p>
+          <a:p>
+            <a:r>
+              <a:rPr lang="en-US" baseline="0" dirty="0" smtClean="0"/>
+              <a:t>You'll need the Container ID for the next step so copy your Container ID, which is the first value that is not a header.</a:t>
+            </a:r>
+          </a:p>
+          <a:p>
+            <a:endParaRPr lang="en-US" baseline="0" dirty="0" smtClean="0"/>
+          </a:p>
+          <a:p>
+            <a:endParaRPr lang="en-US" baseline="0" dirty="0" smtClean="0"/>
+          </a:p>
+          <a:p>
+            <a:endParaRPr lang="en-US" dirty="0" smtClean="0"/>
+          </a:p>
+          <a:p>
+            <a:r>
+              <a:rPr lang="en-US" dirty="0" smtClean="0"/>
+              <a:t>CONTAINER ID        IMAGE               COMMAND                CREATED             STATUS              PORTS                   NAMES</a:t>
+            </a:r>
+          </a:p>
+          <a:p>
+            <a:r>
+              <a:rPr lang="en-US" dirty="0" smtClean="0"/>
+              <a:t>5b51a4237437        d5b8fd3299b4        "/</a:t>
             </a:r>
             <a:r>
               <a:rPr lang="en-US" dirty="0" err="1" smtClean="0"/>
-              <a:t>eq</a:t>
-            </a:r>
-            <a:r>
-              <a:rPr lang="en-US" dirty="0" smtClean="0"/>
-              <a:t> "2"</a:t>
-            </a:r>
-            <a:r>
-              <a:rPr lang="en-US" baseline="0" dirty="0" smtClean="0"/>
-              <a:t> non compliance issue.</a:t>
-            </a:r>
-          </a:p>
-          <a:p>
-            <a:endParaRPr lang="en-US" baseline="0" dirty="0" smtClean="0"/>
-          </a:p>
-          <a:p>
-            <a:r>
-              <a:rPr lang="en-US" baseline="0" dirty="0" smtClean="0"/>
-              <a:t>Running </a:t>
-            </a:r>
-            <a:r>
-              <a:rPr lang="en-US" baseline="0" dirty="0" err="1" smtClean="0"/>
-              <a:t>InSpec</a:t>
-            </a:r>
-            <a:r>
-              <a:rPr lang="en-US" baseline="0" dirty="0" smtClean="0"/>
-              <a:t> in this way can uncover more complex issues than the basic issue we are remediating in this module.</a:t>
-            </a:r>
-          </a:p>
-          <a:p>
-            <a:endParaRPr lang="en-US" baseline="0" dirty="0" smtClean="0"/>
-          </a:p>
-          <a:p>
-            <a:r>
-              <a:rPr lang="en-US" dirty="0" smtClean="0">
-                <a:effectLst/>
-              </a:rPr>
-              <a:t>TBD: </a:t>
-            </a:r>
-            <a:r>
-              <a:rPr lang="en-US" dirty="0" err="1" smtClean="0">
-                <a:effectLst/>
-              </a:rPr>
-              <a:t>Nathen:"I</a:t>
-            </a:r>
-            <a:r>
-              <a:rPr lang="en-US" dirty="0" smtClean="0">
-                <a:effectLst/>
-              </a:rPr>
-              <a:t> think it’s a critical part of the remediation b/c you want to make sure you are testing the same thing locally</a:t>
-            </a:r>
-            <a:r>
-              <a:rPr lang="en-US" i="1" dirty="0" smtClean="0">
-                <a:effectLst/>
-              </a:rPr>
-              <a:t/>
-            </a:r>
-            <a:br>
-              <a:rPr lang="en-US" i="1" dirty="0" smtClean="0">
-                <a:effectLst/>
-              </a:rPr>
-            </a:br>
-            <a:endParaRPr lang="en-US" dirty="0" smtClean="0">
-              <a:effectLst/>
-            </a:endParaRPr>
-          </a:p>
-          <a:p>
-            <a:r>
-              <a:rPr lang="en-US" sz="1200" u="none" strike="noStrike" kern="1200" dirty="0" smtClean="0">
-                <a:solidFill>
-                  <a:schemeClr val="tx1"/>
-                </a:solidFill>
-                <a:effectLst/>
-                <a:latin typeface="Arial" panose="020B0604020202020204" pitchFamily="34" charset="0"/>
-                <a:ea typeface="ＭＳ Ｐゴシック" charset="0"/>
-                <a:cs typeface="Arial" panose="020B0604020202020204" pitchFamily="34" charset="0"/>
-                <a:hlinkClick r:id="rId3" tooltip="Yesterday at 12:25:20 PM&#10;Click to open in archives"/>
-              </a:rPr>
-              <a:t>​</a:t>
-            </a:r>
-            <a:r>
-              <a:rPr lang="en-US" sz="1200" i="1" u="none" strike="noStrike" kern="1200" dirty="0" smtClean="0">
-                <a:solidFill>
-                  <a:schemeClr val="tx1"/>
-                </a:solidFill>
-                <a:effectLst/>
-                <a:latin typeface="Arial" panose="020B0604020202020204" pitchFamily="34" charset="0"/>
-                <a:ea typeface="ＭＳ Ｐゴシック" charset="0"/>
-                <a:cs typeface="Arial" panose="020B0604020202020204" pitchFamily="34" charset="0"/>
-                <a:hlinkClick r:id="rId3" tooltip="Yesterday at 12:25:20 PM&#10;Click to open in archives"/>
-              </a:rPr>
-              <a:t>[</a:t>
-            </a:r>
-            <a:r>
-              <a:rPr lang="en-US" sz="1200" u="none" strike="noStrike" kern="1200" dirty="0" smtClean="0">
-                <a:solidFill>
-                  <a:schemeClr val="tx1"/>
-                </a:solidFill>
-                <a:effectLst/>
-                <a:latin typeface="Arial" panose="020B0604020202020204" pitchFamily="34" charset="0"/>
-                <a:ea typeface="ＭＳ Ｐゴシック" charset="0"/>
-                <a:cs typeface="Arial" panose="020B0604020202020204" pitchFamily="34" charset="0"/>
-                <a:hlinkClick r:id="rId3" tooltip="Yesterday at 12:25:20 PM&#10;Click to open in archives"/>
-              </a:rPr>
-              <a:t>12:25 PM</a:t>
-            </a:r>
-            <a:r>
-              <a:rPr lang="en-US" sz="1200" i="1" u="none" strike="noStrike" kern="1200" dirty="0" smtClean="0">
-                <a:solidFill>
-                  <a:schemeClr val="tx1"/>
-                </a:solidFill>
-                <a:effectLst/>
-                <a:latin typeface="Arial" panose="020B0604020202020204" pitchFamily="34" charset="0"/>
-                <a:ea typeface="ＭＳ Ｐゴシック" charset="0"/>
-                <a:cs typeface="Arial" panose="020B0604020202020204" pitchFamily="34" charset="0"/>
-                <a:hlinkClick r:id="rId3" tooltip="Yesterday at 12:25:20 PM&#10;Click to open in archives"/>
-              </a:rPr>
-              <a:t>]</a:t>
-            </a:r>
-            <a:r>
-              <a:rPr lang="en-US" dirty="0" smtClean="0">
-                <a:effectLst/>
-              </a:rPr>
-              <a:t> </a:t>
-            </a:r>
-          </a:p>
-          <a:p>
-            <a:r>
-              <a:rPr lang="en-US" dirty="0" smtClean="0">
-                <a:effectLst/>
-              </a:rPr>
-              <a:t>in this case, it’s a pretty easy fix so you might feel you don’t need to test locally first but it’s important to get into that habit and, I believe, we should teach that pattern"</a:t>
-            </a:r>
-          </a:p>
-          <a:p>
-            <a:endParaRPr lang="en-US" dirty="0" smtClean="0"/>
-          </a:p>
-          <a:p>
-            <a:r>
-              <a:rPr lang="en-US" dirty="0" smtClean="0"/>
-              <a:t>The full output is here:</a:t>
-            </a:r>
-          </a:p>
-          <a:p>
-            <a:endParaRPr lang="en-US" dirty="0" smtClean="0"/>
-          </a:p>
-          <a:p>
-            <a:r>
-              <a:rPr lang="en-US" dirty="0" smtClean="0"/>
-              <a:t>F</a:t>
-            </a:r>
-          </a:p>
-          <a:p>
-            <a:endParaRPr lang="en-US" dirty="0" smtClean="0"/>
-          </a:p>
-          <a:p>
-            <a:r>
-              <a:rPr lang="en-US" dirty="0" smtClean="0"/>
-              <a:t>Failures:</a:t>
-            </a:r>
-          </a:p>
-          <a:p>
-            <a:endParaRPr lang="en-US" dirty="0" smtClean="0"/>
-          </a:p>
-          <a:p>
-            <a:r>
-              <a:rPr lang="en-US" dirty="0" smtClean="0"/>
-              <a:t>  1) SSH Configuration Protocol should </a:t>
+              <a:t>usr</a:t>
+            </a:r>
+            <a:r>
+              <a:rPr lang="en-US" dirty="0" smtClean="0"/>
+              <a:t>/</a:t>
             </a:r>
             <a:r>
               <a:rPr lang="en-US" dirty="0" err="1" smtClean="0"/>
-              <a:t>eq</a:t>
-            </a:r>
-            <a:r>
-              <a:rPr lang="en-US" dirty="0" smtClean="0"/>
-              <a:t> "2"</a:t>
-            </a:r>
-          </a:p>
-          <a:p>
-            <a:r>
-              <a:rPr lang="en-US" dirty="0" smtClean="0"/>
-              <a:t>     Failure/Error: its('Protocol') { should </a:t>
+              <a:t>sbin</a:t>
+            </a:r>
+            <a:r>
+              <a:rPr lang="en-US" dirty="0" smtClean="0"/>
+              <a:t>/</a:t>
             </a:r>
             <a:r>
               <a:rPr lang="en-US" dirty="0" err="1" smtClean="0"/>
-              <a:t>eq</a:t>
-            </a:r>
-            <a:r>
-              <a:rPr lang="en-US" dirty="0" smtClean="0"/>
-              <a:t>('2') }</a:t>
-            </a:r>
-          </a:p>
-          <a:p>
-            <a:endParaRPr lang="en-US" dirty="0" smtClean="0"/>
-          </a:p>
-          <a:p>
-            <a:r>
-              <a:rPr lang="en-US" dirty="0" smtClean="0"/>
-              <a:t>       expected: "2"</a:t>
-            </a:r>
-          </a:p>
-          <a:p>
-            <a:r>
-              <a:rPr lang="en-US" dirty="0" smtClean="0"/>
-              <a:t>            got: nil</a:t>
-            </a:r>
-          </a:p>
-          <a:p>
-            <a:endParaRPr lang="en-US" dirty="0" smtClean="0"/>
-          </a:p>
-          <a:p>
-            <a:r>
-              <a:rPr lang="en-US" dirty="0" smtClean="0"/>
-              <a:t>       (compared using ==)</a:t>
-            </a:r>
-          </a:p>
-          <a:p>
-            <a:r>
-              <a:rPr lang="en-US" dirty="0" smtClean="0"/>
-              <a:t>     # ./test/integration/client/</a:t>
+              <a:t>sshd</a:t>
+            </a:r>
+            <a:r>
+              <a:rPr lang="en-US" dirty="0" smtClean="0"/>
+              <a:t> -D -   41 minutes ago      Up 41 minutes       0.0.0.0:32768-&gt;22/</a:t>
             </a:r>
             <a:r>
               <a:rPr lang="en-US" dirty="0" err="1" smtClean="0"/>
-              <a:t>inspec</a:t>
-            </a:r>
-            <a:r>
-              <a:rPr lang="en-US" dirty="0" smtClean="0"/>
-              <a:t>/client_spec.rb:9:in `block (3 levels) in load'</a:t>
-            </a:r>
-          </a:p>
-          <a:p>
-            <a:endParaRPr lang="en-US" dirty="0" smtClean="0"/>
-          </a:p>
-          <a:p>
-            <a:r>
-              <a:rPr lang="en-US" dirty="0" smtClean="0"/>
-              <a:t>Finished in 0.79369 seconds (files took 0.7207 seconds to load)</a:t>
-            </a:r>
-          </a:p>
-          <a:p>
-            <a:r>
-              <a:rPr lang="en-US" dirty="0" smtClean="0"/>
-              <a:t>1 example, 1 failure</a:t>
-            </a:r>
-          </a:p>
-          <a:p>
-            <a:endParaRPr lang="en-US" dirty="0" smtClean="0"/>
-          </a:p>
-          <a:p>
-            <a:r>
-              <a:rPr lang="en-US" dirty="0" smtClean="0"/>
-              <a:t>Failed examples:</a:t>
-            </a:r>
-          </a:p>
-          <a:p>
-            <a:endParaRPr lang="en-US" dirty="0" smtClean="0"/>
-          </a:p>
-          <a:p>
+              <a:t>tcp</a:t>
+            </a:r>
+            <a:r>
+              <a:rPr lang="en-US" dirty="0" smtClean="0"/>
+              <a:t>   </a:t>
+            </a:r>
             <a:r>
               <a:rPr lang="en-US" dirty="0" err="1" smtClean="0"/>
-              <a:t>rspec</a:t>
-            </a:r>
-            <a:r>
-              <a:rPr lang="en-US" dirty="0" smtClean="0"/>
-              <a:t>  # SSH Configuration Protocol should </a:t>
-            </a:r>
-            <a:r>
-              <a:rPr lang="en-US" dirty="0" err="1" smtClean="0"/>
-              <a:t>eq</a:t>
-            </a:r>
-            <a:r>
-              <a:rPr lang="en-US" dirty="0" smtClean="0"/>
-              <a:t> "2"</a:t>
-            </a:r>
-          </a:p>
-          <a:p>
-            <a:endParaRPr lang="en-US" dirty="0" smtClean="0"/>
-          </a:p>
-          <a:p>
-            <a:endParaRPr lang="en-US" dirty="0" smtClean="0"/>
-          </a:p>
-          <a:p>
-            <a:r>
-              <a:rPr lang="en-US" dirty="0" smtClean="0"/>
-              <a:t>TBD IMPORTANT: We need to build </a:t>
-            </a:r>
-            <a:r>
-              <a:rPr lang="en-US" sz="1200" b="0" i="0" kern="1200" dirty="0" smtClean="0">
-                <a:solidFill>
-                  <a:schemeClr val="tx1"/>
-                </a:solidFill>
-                <a:effectLst/>
-                <a:latin typeface="Arial" panose="020B0604020202020204" pitchFamily="34" charset="0"/>
-                <a:ea typeface="ＭＳ Ｐゴシック" charset="0"/>
-                <a:cs typeface="Arial" panose="020B0604020202020204" pitchFamily="34" charset="0"/>
-              </a:rPr>
-              <a:t>the shell </a:t>
-            </a:r>
-            <a:r>
-              <a:rPr lang="en-US" sz="1200" b="0" i="0" kern="1200" dirty="0" err="1" smtClean="0">
-                <a:solidFill>
-                  <a:schemeClr val="tx1"/>
-                </a:solidFill>
-                <a:effectLst/>
-                <a:latin typeface="Arial" panose="020B0604020202020204" pitchFamily="34" charset="0"/>
-                <a:ea typeface="ＭＳ Ｐゴシック" charset="0"/>
-                <a:cs typeface="Arial" panose="020B0604020202020204" pitchFamily="34" charset="0"/>
-              </a:rPr>
-              <a:t>init</a:t>
-            </a:r>
-            <a:r>
-              <a:rPr lang="en-US" sz="1200" b="0" i="0" kern="1200" dirty="0" smtClean="0">
-                <a:solidFill>
-                  <a:schemeClr val="tx1"/>
-                </a:solidFill>
-                <a:effectLst/>
-                <a:latin typeface="Arial" panose="020B0604020202020204" pitchFamily="34" charset="0"/>
-                <a:ea typeface="ＭＳ Ｐゴシック" charset="0"/>
-                <a:cs typeface="Arial" panose="020B0604020202020204" pitchFamily="34" charset="0"/>
-              </a:rPr>
-              <a:t> stuff for chef </a:t>
-            </a:r>
-            <a:r>
-              <a:rPr lang="en-US" sz="1200" b="0" i="0" kern="1200" dirty="0" err="1" smtClean="0">
-                <a:solidFill>
-                  <a:schemeClr val="tx1"/>
-                </a:solidFill>
-                <a:effectLst/>
-                <a:latin typeface="Arial" panose="020B0604020202020204" pitchFamily="34" charset="0"/>
-                <a:ea typeface="ＭＳ Ｐゴシック" charset="0"/>
-                <a:cs typeface="Arial" panose="020B0604020202020204" pitchFamily="34" charset="0"/>
-              </a:rPr>
-              <a:t>dk</a:t>
-            </a:r>
-            <a:r>
-              <a:rPr lang="en-US" sz="1200" b="0" i="0" kern="1200" dirty="0" smtClean="0">
-                <a:solidFill>
-                  <a:schemeClr val="tx1"/>
-                </a:solidFill>
-                <a:effectLst/>
-                <a:latin typeface="Arial" panose="020B0604020202020204" pitchFamily="34" charset="0"/>
-                <a:ea typeface="ＭＳ Ｐゴシック" charset="0"/>
-                <a:cs typeface="Arial" panose="020B0604020202020204" pitchFamily="34" charset="0"/>
-              </a:rPr>
-              <a:t> into the AMI images.</a:t>
-            </a:r>
-          </a:p>
-          <a:p>
-            <a:endParaRPr lang="en-US" sz="1200" b="0" i="0" kern="1200" dirty="0" smtClean="0">
-              <a:solidFill>
-                <a:schemeClr val="tx1"/>
-              </a:solidFill>
-              <a:effectLst/>
-              <a:latin typeface="Arial" panose="020B0604020202020204" pitchFamily="34" charset="0"/>
-              <a:ea typeface="ＭＳ Ｐゴシック" charset="0"/>
-              <a:cs typeface="Arial" panose="020B0604020202020204" pitchFamily="34" charset="0"/>
-            </a:endParaRPr>
-          </a:p>
-          <a:p>
-            <a:r>
-              <a:rPr lang="en-US" dirty="0" smtClean="0"/>
-              <a:t>https://docs.chef.io/install_dk.html</a:t>
-            </a:r>
-          </a:p>
-          <a:p>
-            <a:endParaRPr lang="en-US" dirty="0" smtClean="0"/>
-          </a:p>
-          <a:p>
-            <a:endParaRPr lang="en-US" dirty="0" smtClean="0"/>
-          </a:p>
-          <a:p>
+              <a:t>grave_davinci</a:t>
+            </a:r>
             <a:endParaRPr lang="en-US" dirty="0"/>
           </a:p>
         </p:txBody>
@@ -7431,7 +7022,7 @@
               <a:pPr>
                 <a:defRPr/>
               </a:pPr>
-              <a:t>48</a:t>
+              <a:t>47</a:t>
             </a:fld>
             <a:endParaRPr lang="en-US" dirty="0"/>
           </a:p>
@@ -7484,7 +7075,7 @@
     </p:spTree>
     <p:extLst>
       <p:ext uri="{BB962C8B-B14F-4D97-AF65-F5344CB8AC3E}">
-        <p14:creationId xmlns:p14="http://schemas.microsoft.com/office/powerpoint/2010/main" val="2321952843"/>
+        <p14:creationId xmlns:p14="http://schemas.microsoft.com/office/powerpoint/2010/main" val="3435014385"/>
       </p:ext>
     </p:extLst>
   </p:cSld>
@@ -7535,84 +7126,458 @@
         </p:nvSpPr>
         <p:spPr/>
         <p:txBody>
-          <a:bodyPr/>
-          <a:lstStyle/>
-          <a:p>
-            <a:pPr marL="228600" marR="0" indent="-228600" algn="l" defTabSz="1217613" rtl="0" eaLnBrk="1" fontAlgn="base" latinLnBrk="0" hangingPunct="1">
-              <a:lnSpc>
-                <a:spcPct val="90000"/>
-              </a:lnSpc>
-              <a:spcBef>
-                <a:spcPct val="30000"/>
-              </a:spcBef>
-              <a:spcAft>
-                <a:spcPts val="450"/>
-              </a:spcAft>
-              <a:buClrTx/>
-              <a:buSzTx/>
-              <a:buFontTx/>
-              <a:buAutoNum type="arabicPeriod"/>
-              <a:tabLst/>
-              <a:defRPr/>
-            </a:pPr>
-            <a:r>
-              <a:rPr lang="en-US" dirty="0" smtClean="0"/>
-              <a:t>Edit the ~/cookbooks/ssh/templates/default/</a:t>
+          <a:bodyPr>
+            <a:normAutofit fontScale="25000" lnSpcReduction="20000"/>
+          </a:bodyPr>
+          <a:lstStyle/>
+          <a:p>
+            <a:r>
+              <a:rPr lang="en-US" dirty="0" smtClean="0"/>
+              <a:t>Run this </a:t>
             </a:r>
             <a:r>
               <a:rPr lang="en-US" dirty="0" err="1" smtClean="0"/>
-              <a:t>ssh_config.erb</a:t>
+              <a:t>inspec</a:t>
             </a:r>
             <a:r>
               <a:rPr lang="en-US" baseline="0" dirty="0" smtClean="0"/>
-              <a:t> file. </a:t>
-            </a:r>
-          </a:p>
-          <a:p>
-            <a:pPr marL="228600" marR="0" indent="-228600" algn="l" defTabSz="1217613" rtl="0" eaLnBrk="1" fontAlgn="base" latinLnBrk="0" hangingPunct="1">
-              <a:lnSpc>
-                <a:spcPct val="90000"/>
-              </a:lnSpc>
-              <a:spcBef>
-                <a:spcPct val="30000"/>
-              </a:spcBef>
-              <a:spcAft>
-                <a:spcPts val="450"/>
-              </a:spcAft>
-              <a:buClrTx/>
-              <a:buSzTx/>
-              <a:buFontTx/>
-              <a:buAutoNum type="arabicPeriod"/>
-              <a:tabLst/>
-              <a:defRPr/>
-            </a:pPr>
+              <a:t> command using the container ID you just copied, replacing CONTAINER_ID in the example.</a:t>
+            </a:r>
+          </a:p>
+          <a:p>
+            <a:endParaRPr lang="en-US" baseline="0" dirty="0" smtClean="0"/>
+          </a:p>
+          <a:p>
+            <a:r>
+              <a:rPr lang="en-US" dirty="0" smtClean="0"/>
+              <a:t>`</a:t>
+            </a:r>
+            <a:r>
+              <a:rPr lang="en-US" dirty="0" err="1" smtClean="0"/>
+              <a:t>inspec</a:t>
+            </a:r>
+            <a:r>
+              <a:rPr lang="en-US" dirty="0" smtClean="0"/>
+              <a:t> exec ~/cookbooks/ssh/test/integration/client/</a:t>
+            </a:r>
+            <a:r>
+              <a:rPr lang="en-US" dirty="0" err="1" smtClean="0"/>
+              <a:t>inspec</a:t>
+            </a:r>
+            <a:r>
+              <a:rPr lang="en-US" dirty="0" smtClean="0"/>
+              <a:t>/</a:t>
+            </a:r>
+            <a:r>
+              <a:rPr lang="en-US" dirty="0" err="1" smtClean="0"/>
+              <a:t>client_spec.rb</a:t>
+            </a:r>
+            <a:r>
+              <a:rPr lang="en-US" dirty="0" smtClean="0"/>
+              <a:t> -t docker://CONTAINER_ID`</a:t>
+            </a:r>
+          </a:p>
+          <a:p>
+            <a:endParaRPr lang="en-US" dirty="0" smtClean="0"/>
+          </a:p>
+          <a:p>
+            <a:r>
+              <a:rPr lang="en-US" dirty="0" smtClean="0"/>
+              <a:t>While the image of the output</a:t>
+            </a:r>
             <a:r>
               <a:rPr lang="en-US" baseline="0" dirty="0" smtClean="0"/>
-              <a:t>Uncomment the `#   Protocol 2,1` line.</a:t>
-            </a:r>
-          </a:p>
-          <a:p>
-            <a:pPr marL="228600" marR="0" indent="-228600" algn="l" defTabSz="1217613" rtl="0" eaLnBrk="1" fontAlgn="base" latinLnBrk="0" hangingPunct="1">
-              <a:lnSpc>
-                <a:spcPct val="90000"/>
-              </a:lnSpc>
-              <a:spcBef>
-                <a:spcPct val="30000"/>
-              </a:spcBef>
-              <a:spcAft>
-                <a:spcPts val="450"/>
-              </a:spcAft>
-              <a:buClrTx/>
-              <a:buSzTx/>
-              <a:buFontTx/>
-              <a:buAutoNum type="arabicPeriod"/>
-              <a:tabLst/>
-              <a:defRPr/>
-            </a:pPr>
+              <a:t> </a:t>
+            </a:r>
+            <a:r>
+              <a:rPr lang="en-US" dirty="0" smtClean="0"/>
+              <a:t>may be hard to see, the</a:t>
+            </a:r>
             <a:r>
               <a:rPr lang="en-US" baseline="0" dirty="0" smtClean="0"/>
-              <a:t>Change the protocol version to `2` only.</a:t>
-            </a:r>
+              <a:t> output is also pasted below. Notice how </a:t>
+            </a:r>
+            <a:r>
+              <a:rPr lang="en-US" baseline="0" dirty="0" err="1" smtClean="0"/>
+              <a:t>inspec</a:t>
+            </a:r>
+            <a:r>
+              <a:rPr lang="en-US" baseline="0" dirty="0" smtClean="0"/>
+              <a:t> from the command line also found the "</a:t>
+            </a:r>
+            <a:r>
+              <a:rPr lang="en-US" dirty="0" smtClean="0"/>
+              <a:t>SSH Configuration Protocol should </a:t>
+            </a:r>
+            <a:r>
+              <a:rPr lang="en-US" dirty="0" err="1" smtClean="0"/>
+              <a:t>eq</a:t>
+            </a:r>
+            <a:r>
+              <a:rPr lang="en-US" dirty="0" smtClean="0"/>
+              <a:t> "2"</a:t>
+            </a:r>
+            <a:r>
+              <a:rPr lang="en-US" baseline="0" dirty="0" smtClean="0"/>
+              <a:t> non compliance issue.</a:t>
+            </a:r>
+          </a:p>
+          <a:p>
+            <a:endParaRPr lang="en-US" baseline="0" dirty="0" smtClean="0"/>
+          </a:p>
+          <a:p>
+            <a:r>
+              <a:rPr lang="en-US" baseline="0" dirty="0" smtClean="0"/>
+              <a:t>Running </a:t>
+            </a:r>
+            <a:r>
+              <a:rPr lang="en-US" baseline="0" dirty="0" err="1" smtClean="0"/>
+              <a:t>InSpec</a:t>
+            </a:r>
+            <a:r>
+              <a:rPr lang="en-US" baseline="0" dirty="0" smtClean="0"/>
+              <a:t> in this way can uncover more complex issues than the basic issue we are remediating in this module.</a:t>
+            </a:r>
+          </a:p>
+          <a:p>
+            <a:endParaRPr lang="en-US" baseline="0" dirty="0" smtClean="0"/>
+          </a:p>
+          <a:p>
+            <a:r>
+              <a:rPr lang="en-US" dirty="0" smtClean="0">
+                <a:effectLst/>
+              </a:rPr>
+              <a:t>TBD: </a:t>
+            </a:r>
+            <a:r>
+              <a:rPr lang="en-US" dirty="0" err="1" smtClean="0">
+                <a:effectLst/>
+              </a:rPr>
+              <a:t>Nathen:"I</a:t>
+            </a:r>
+            <a:r>
+              <a:rPr lang="en-US" dirty="0" smtClean="0">
+                <a:effectLst/>
+              </a:rPr>
+              <a:t> think it’s a critical part of the remediation b/c you want to make sure you are testing the same thing locally</a:t>
+            </a:r>
+            <a:r>
+              <a:rPr lang="en-US" i="1" dirty="0" smtClean="0">
+                <a:effectLst/>
+              </a:rPr>
+              <a:t/>
+            </a:r>
+            <a:br>
+              <a:rPr lang="en-US" i="1" dirty="0" smtClean="0">
+                <a:effectLst/>
+              </a:rPr>
+            </a:br>
+            <a:endParaRPr lang="en-US" dirty="0" smtClean="0">
+              <a:effectLst/>
+            </a:endParaRPr>
+          </a:p>
+          <a:p>
+            <a:r>
+              <a:rPr lang="en-US" sz="1200" u="none" strike="noStrike" kern="1200" dirty="0" smtClean="0">
+                <a:solidFill>
+                  <a:schemeClr val="tx1"/>
+                </a:solidFill>
+                <a:effectLst/>
+                <a:latin typeface="Arial" panose="020B0604020202020204" pitchFamily="34" charset="0"/>
+                <a:ea typeface="ＭＳ Ｐゴシック" charset="0"/>
+                <a:cs typeface="Arial" panose="020B0604020202020204" pitchFamily="34" charset="0"/>
+                <a:hlinkClick r:id="rId3" tooltip="Yesterday at 12:25:20 PM&#10;Click to open in archives"/>
+              </a:rPr>
+              <a:t>​</a:t>
+            </a:r>
+            <a:r>
+              <a:rPr lang="en-US" sz="1200" i="1" u="none" strike="noStrike" kern="1200" dirty="0" smtClean="0">
+                <a:solidFill>
+                  <a:schemeClr val="tx1"/>
+                </a:solidFill>
+                <a:effectLst/>
+                <a:latin typeface="Arial" panose="020B0604020202020204" pitchFamily="34" charset="0"/>
+                <a:ea typeface="ＭＳ Ｐゴシック" charset="0"/>
+                <a:cs typeface="Arial" panose="020B0604020202020204" pitchFamily="34" charset="0"/>
+                <a:hlinkClick r:id="rId3" tooltip="Yesterday at 12:25:20 PM&#10;Click to open in archives"/>
+              </a:rPr>
+              <a:t>[</a:t>
+            </a:r>
+            <a:r>
+              <a:rPr lang="en-US" sz="1200" u="none" strike="noStrike" kern="1200" dirty="0" smtClean="0">
+                <a:solidFill>
+                  <a:schemeClr val="tx1"/>
+                </a:solidFill>
+                <a:effectLst/>
+                <a:latin typeface="Arial" panose="020B0604020202020204" pitchFamily="34" charset="0"/>
+                <a:ea typeface="ＭＳ Ｐゴシック" charset="0"/>
+                <a:cs typeface="Arial" panose="020B0604020202020204" pitchFamily="34" charset="0"/>
+                <a:hlinkClick r:id="rId3" tooltip="Yesterday at 12:25:20 PM&#10;Click to open in archives"/>
+              </a:rPr>
+              <a:t>12:25 PM</a:t>
+            </a:r>
+            <a:r>
+              <a:rPr lang="en-US" sz="1200" i="1" u="none" strike="noStrike" kern="1200" dirty="0" smtClean="0">
+                <a:solidFill>
+                  <a:schemeClr val="tx1"/>
+                </a:solidFill>
+                <a:effectLst/>
+                <a:latin typeface="Arial" panose="020B0604020202020204" pitchFamily="34" charset="0"/>
+                <a:ea typeface="ＭＳ Ｐゴシック" charset="0"/>
+                <a:cs typeface="Arial" panose="020B0604020202020204" pitchFamily="34" charset="0"/>
+                <a:hlinkClick r:id="rId3" tooltip="Yesterday at 12:25:20 PM&#10;Click to open in archives"/>
+              </a:rPr>
+              <a:t>]</a:t>
+            </a:r>
+            <a:r>
+              <a:rPr lang="en-US" dirty="0" smtClean="0">
+                <a:effectLst/>
+              </a:rPr>
+              <a:t> </a:t>
+            </a:r>
+          </a:p>
+          <a:p>
+            <a:r>
+              <a:rPr lang="en-US" dirty="0" smtClean="0">
+                <a:effectLst/>
+              </a:rPr>
+              <a:t>in this case, it’s a pretty easy fix so you might feel you don’t need to test locally first but it’s important to get into that habit and, I believe, we should teach that pattern"</a:t>
+            </a:r>
+          </a:p>
+          <a:p>
+            <a:endParaRPr lang="en-US" dirty="0" smtClean="0"/>
+          </a:p>
+          <a:p>
+            <a:r>
+              <a:rPr lang="en-US" dirty="0" smtClean="0"/>
+              <a:t>The full output is here:</a:t>
+            </a:r>
+          </a:p>
+          <a:p>
+            <a:endParaRPr lang="en-US" dirty="0" smtClean="0"/>
+          </a:p>
+          <a:p>
+            <a:r>
+              <a:rPr lang="en-US" dirty="0" smtClean="0"/>
+              <a:t>F</a:t>
+            </a:r>
+          </a:p>
+          <a:p>
+            <a:endParaRPr lang="en-US" dirty="0" smtClean="0"/>
+          </a:p>
+          <a:p>
+            <a:r>
+              <a:rPr lang="en-US" dirty="0" smtClean="0"/>
+              <a:t>Failures:</a:t>
+            </a:r>
+          </a:p>
+          <a:p>
+            <a:endParaRPr lang="en-US" dirty="0" smtClean="0"/>
+          </a:p>
+          <a:p>
+            <a:r>
+              <a:rPr lang="en-US" dirty="0" smtClean="0"/>
+              <a:t>  1) SSH Configuration Protocol should </a:t>
+            </a:r>
+            <a:r>
+              <a:rPr lang="en-US" dirty="0" err="1" smtClean="0"/>
+              <a:t>eq</a:t>
+            </a:r>
+            <a:r>
+              <a:rPr lang="en-US" dirty="0" smtClean="0"/>
+              <a:t> "2"</a:t>
+            </a:r>
+          </a:p>
+          <a:p>
+            <a:r>
+              <a:rPr lang="en-US" dirty="0" smtClean="0"/>
+              <a:t>     Failure/Error: its('Protocol') { should </a:t>
+            </a:r>
+            <a:r>
+              <a:rPr lang="en-US" dirty="0" err="1" smtClean="0"/>
+              <a:t>eq</a:t>
+            </a:r>
+            <a:r>
+              <a:rPr lang="en-US" dirty="0" smtClean="0"/>
+              <a:t>('2') }</a:t>
+            </a:r>
+          </a:p>
+          <a:p>
+            <a:endParaRPr lang="en-US" dirty="0" smtClean="0"/>
+          </a:p>
+          <a:p>
+            <a:r>
+              <a:rPr lang="en-US" dirty="0" smtClean="0"/>
+              <a:t>       expected: "2"</a:t>
+            </a:r>
+          </a:p>
+          <a:p>
+            <a:r>
+              <a:rPr lang="en-US" dirty="0" smtClean="0"/>
+              <a:t>            got: nil</a:t>
+            </a:r>
+          </a:p>
+          <a:p>
+            <a:endParaRPr lang="en-US" dirty="0" smtClean="0"/>
+          </a:p>
+          <a:p>
+            <a:r>
+              <a:rPr lang="en-US" dirty="0" smtClean="0"/>
+              <a:t>       (compared using ==)</a:t>
+            </a:r>
+          </a:p>
+          <a:p>
+            <a:r>
+              <a:rPr lang="en-US" dirty="0" smtClean="0"/>
+              <a:t>     # ./test/integration/client/</a:t>
+            </a:r>
+            <a:r>
+              <a:rPr lang="en-US" dirty="0" err="1" smtClean="0"/>
+              <a:t>inspec</a:t>
+            </a:r>
+            <a:r>
+              <a:rPr lang="en-US" dirty="0" smtClean="0"/>
+              <a:t>/client_spec.rb:9:in `block (3 levels) in load'</a:t>
+            </a:r>
+          </a:p>
+          <a:p>
+            <a:endParaRPr lang="en-US" dirty="0" smtClean="0"/>
+          </a:p>
+          <a:p>
+            <a:r>
+              <a:rPr lang="en-US" dirty="0" smtClean="0"/>
+              <a:t>Finished in 0.79369 seconds (files took 0.7207 seconds to load)</a:t>
+            </a:r>
+          </a:p>
+          <a:p>
+            <a:r>
+              <a:rPr lang="en-US" dirty="0" smtClean="0"/>
+              <a:t>1 example, 1 failure</a:t>
+            </a:r>
+          </a:p>
+          <a:p>
+            <a:endParaRPr lang="en-US" dirty="0" smtClean="0"/>
+          </a:p>
+          <a:p>
+            <a:r>
+              <a:rPr lang="en-US" dirty="0" smtClean="0"/>
+              <a:t>Failed examples:</a:t>
+            </a:r>
+          </a:p>
+          <a:p>
+            <a:endParaRPr lang="en-US" dirty="0" smtClean="0"/>
+          </a:p>
+          <a:p>
+            <a:r>
+              <a:rPr lang="en-US" dirty="0" err="1" smtClean="0"/>
+              <a:t>rspec</a:t>
+            </a:r>
+            <a:r>
+              <a:rPr lang="en-US" dirty="0" smtClean="0"/>
+              <a:t>  # SSH Configuration Protocol should </a:t>
+            </a:r>
+            <a:r>
+              <a:rPr lang="en-US" dirty="0" err="1" smtClean="0"/>
+              <a:t>eq</a:t>
+            </a:r>
+            <a:r>
+              <a:rPr lang="en-US" dirty="0" smtClean="0"/>
+              <a:t> "2"</a:t>
+            </a:r>
+          </a:p>
+          <a:p>
+            <a:endParaRPr lang="en-US" dirty="0" smtClean="0"/>
+          </a:p>
+          <a:p>
+            <a:endParaRPr lang="en-US" dirty="0" smtClean="0"/>
+          </a:p>
+          <a:p>
+            <a:r>
+              <a:rPr lang="en-US" dirty="0" smtClean="0"/>
+              <a:t>TBD IMPORTANT: We need to build </a:t>
+            </a:r>
+            <a:r>
+              <a:rPr lang="en-US" sz="1200" b="0" i="0" kern="1200" dirty="0" smtClean="0">
+                <a:solidFill>
+                  <a:schemeClr val="tx1"/>
+                </a:solidFill>
+                <a:effectLst/>
+                <a:latin typeface="Arial" panose="020B0604020202020204" pitchFamily="34" charset="0"/>
+                <a:ea typeface="ＭＳ Ｐゴシック" charset="0"/>
+                <a:cs typeface="Arial" panose="020B0604020202020204" pitchFamily="34" charset="0"/>
+              </a:rPr>
+              <a:t>the shell </a:t>
+            </a:r>
+            <a:r>
+              <a:rPr lang="en-US" sz="1200" b="0" i="0" kern="1200" dirty="0" err="1" smtClean="0">
+                <a:solidFill>
+                  <a:schemeClr val="tx1"/>
+                </a:solidFill>
+                <a:effectLst/>
+                <a:latin typeface="Arial" panose="020B0604020202020204" pitchFamily="34" charset="0"/>
+                <a:ea typeface="ＭＳ Ｐゴシック" charset="0"/>
+                <a:cs typeface="Arial" panose="020B0604020202020204" pitchFamily="34" charset="0"/>
+              </a:rPr>
+              <a:t>init</a:t>
+            </a:r>
+            <a:r>
+              <a:rPr lang="en-US" sz="1200" b="0" i="0" kern="1200" dirty="0" smtClean="0">
+                <a:solidFill>
+                  <a:schemeClr val="tx1"/>
+                </a:solidFill>
+                <a:effectLst/>
+                <a:latin typeface="Arial" panose="020B0604020202020204" pitchFamily="34" charset="0"/>
+                <a:ea typeface="ＭＳ Ｐゴシック" charset="0"/>
+                <a:cs typeface="Arial" panose="020B0604020202020204" pitchFamily="34" charset="0"/>
+              </a:rPr>
+              <a:t> stuff for chef </a:t>
+            </a:r>
+            <a:r>
+              <a:rPr lang="en-US" sz="1200" b="0" i="0" kern="1200" dirty="0" err="1" smtClean="0">
+                <a:solidFill>
+                  <a:schemeClr val="tx1"/>
+                </a:solidFill>
+                <a:effectLst/>
+                <a:latin typeface="Arial" panose="020B0604020202020204" pitchFamily="34" charset="0"/>
+                <a:ea typeface="ＭＳ Ｐゴシック" charset="0"/>
+                <a:cs typeface="Arial" panose="020B0604020202020204" pitchFamily="34" charset="0"/>
+              </a:rPr>
+              <a:t>dk</a:t>
+            </a:r>
+            <a:r>
+              <a:rPr lang="en-US" sz="1200" b="0" i="0" kern="1200" dirty="0" smtClean="0">
+                <a:solidFill>
+                  <a:schemeClr val="tx1"/>
+                </a:solidFill>
+                <a:effectLst/>
+                <a:latin typeface="Arial" panose="020B0604020202020204" pitchFamily="34" charset="0"/>
+                <a:ea typeface="ＭＳ Ｐゴシック" charset="0"/>
+                <a:cs typeface="Arial" panose="020B0604020202020204" pitchFamily="34" charset="0"/>
+              </a:rPr>
+              <a:t> into the AMI images.</a:t>
+            </a:r>
+          </a:p>
+          <a:p>
+            <a:endParaRPr lang="en-US" sz="1200" b="0" i="0" kern="1200" dirty="0" smtClean="0">
+              <a:solidFill>
+                <a:schemeClr val="tx1"/>
+              </a:solidFill>
+              <a:effectLst/>
+              <a:latin typeface="Arial" panose="020B0604020202020204" pitchFamily="34" charset="0"/>
+              <a:ea typeface="ＭＳ Ｐゴシック" charset="0"/>
+              <a:cs typeface="Arial" panose="020B0604020202020204" pitchFamily="34" charset="0"/>
+            </a:endParaRPr>
+          </a:p>
+          <a:p>
+            <a:r>
+              <a:rPr lang="en-US" dirty="0" smtClean="0"/>
+              <a:t>https://docs.chef.io/install_dk.html</a:t>
+            </a:r>
+          </a:p>
+          <a:p>
+            <a:endParaRPr lang="en-US" dirty="0" smtClean="0"/>
+          </a:p>
+          <a:p>
             <a:endParaRPr lang="en-US" dirty="0" smtClean="0"/>
           </a:p>
           <a:p>
@@ -7643,7 +7608,7 @@
               <a:pPr>
                 <a:defRPr/>
               </a:pPr>
-              <a:t>49</a:t>
+              <a:t>48</a:t>
             </a:fld>
             <a:endParaRPr lang="en-US" dirty="0"/>
           </a:p>
@@ -7696,7 +7661,7 @@
     </p:spTree>
     <p:extLst>
       <p:ext uri="{BB962C8B-B14F-4D97-AF65-F5344CB8AC3E}">
-        <p14:creationId xmlns:p14="http://schemas.microsoft.com/office/powerpoint/2010/main" val="2679144512"/>
+        <p14:creationId xmlns:p14="http://schemas.microsoft.com/office/powerpoint/2010/main" val="2321952843"/>
       </p:ext>
     </p:extLst>
   </p:cSld>
@@ -7750,7 +7715,7 @@
           <a:bodyPr/>
           <a:lstStyle/>
           <a:p>
-            <a:pPr marL="0" marR="0" indent="0" algn="l" defTabSz="1217613" rtl="0" eaLnBrk="1" fontAlgn="base" latinLnBrk="0" hangingPunct="1">
+            <a:pPr marL="228600" marR="0" indent="-228600" algn="l" defTabSz="1217613" rtl="0" eaLnBrk="1" fontAlgn="base" latinLnBrk="0" hangingPunct="1">
               <a:lnSpc>
                 <a:spcPct val="90000"/>
               </a:lnSpc>
@@ -7763,13 +7728,13 @@
               <a:buClrTx/>
               <a:buSzTx/>
               <a:buFontTx/>
-              <a:buNone/>
+              <a:buAutoNum type="arabicPeriod"/>
               <a:tabLst/>
               <a:defRPr/>
             </a:pPr>
             <a:r>
               <a:rPr lang="en-US" dirty="0" smtClean="0"/>
-              <a:t>Results: Your ~/cookbooks/ssh/templates/default/</a:t>
+              <a:t>Edit the ~/cookbooks/ssh/templates/default/</a:t>
             </a:r>
             <a:r>
               <a:rPr lang="en-US" dirty="0" err="1" smtClean="0"/>
@@ -7777,8 +7742,55 @@
             </a:r>
             <a:r>
               <a:rPr lang="en-US" baseline="0" dirty="0" smtClean="0"/>
-              <a:t> file's Protocol line should now look like this example.</a:t>
-            </a:r>
+              <a:t> file. </a:t>
+            </a:r>
+          </a:p>
+          <a:p>
+            <a:pPr marL="228600" marR="0" indent="-228600" algn="l" defTabSz="1217613" rtl="0" eaLnBrk="1" fontAlgn="base" latinLnBrk="0" hangingPunct="1">
+              <a:lnSpc>
+                <a:spcPct val="90000"/>
+              </a:lnSpc>
+              <a:spcBef>
+                <a:spcPct val="30000"/>
+              </a:spcBef>
+              <a:spcAft>
+                <a:spcPts val="450"/>
+              </a:spcAft>
+              <a:buClrTx/>
+              <a:buSzTx/>
+              <a:buFontTx/>
+              <a:buAutoNum type="arabicPeriod"/>
+              <a:tabLst/>
+              <a:defRPr/>
+            </a:pPr>
+            <a:r>
+              <a:rPr lang="en-US" baseline="0" dirty="0" smtClean="0"/>
+              <a:t>Uncomment the `#   Protocol 2,1` line.</a:t>
+            </a:r>
+          </a:p>
+          <a:p>
+            <a:pPr marL="228600" marR="0" indent="-228600" algn="l" defTabSz="1217613" rtl="0" eaLnBrk="1" fontAlgn="base" latinLnBrk="0" hangingPunct="1">
+              <a:lnSpc>
+                <a:spcPct val="90000"/>
+              </a:lnSpc>
+              <a:spcBef>
+                <a:spcPct val="30000"/>
+              </a:spcBef>
+              <a:spcAft>
+                <a:spcPts val="450"/>
+              </a:spcAft>
+              <a:buClrTx/>
+              <a:buSzTx/>
+              <a:buFontTx/>
+              <a:buAutoNum type="arabicPeriod"/>
+              <a:tabLst/>
+              <a:defRPr/>
+            </a:pPr>
+            <a:r>
+              <a:rPr lang="en-US" baseline="0" dirty="0" smtClean="0"/>
+              <a:t>Change the protocol version to `2` only.</a:t>
+            </a:r>
+            <a:endParaRPr lang="en-US" dirty="0" smtClean="0"/>
           </a:p>
           <a:p>
             <a:endParaRPr lang="en-US" dirty="0"/>
@@ -7808,7 +7820,7 @@
               <a:pPr>
                 <a:defRPr/>
               </a:pPr>
-              <a:t>50</a:t>
+              <a:t>49</a:t>
             </a:fld>
             <a:endParaRPr lang="en-US" dirty="0"/>
           </a:p>
@@ -7861,7 +7873,7 @@
     </p:spTree>
     <p:extLst>
       <p:ext uri="{BB962C8B-B14F-4D97-AF65-F5344CB8AC3E}">
-        <p14:creationId xmlns:p14="http://schemas.microsoft.com/office/powerpoint/2010/main" val="3645924741"/>
+        <p14:creationId xmlns:p14="http://schemas.microsoft.com/office/powerpoint/2010/main" val="2679144512"/>
       </p:ext>
     </p:extLst>
   </p:cSld>
@@ -7932,7 +7944,21 @@
               <a:tabLst/>
               <a:defRPr/>
             </a:pPr>
-            <a:endParaRPr lang="en-US" baseline="0" dirty="0" smtClean="0"/>
+            <a:r>
+              <a:rPr lang="en-US" dirty="0" smtClean="0"/>
+              <a:t>Results: Your ~/cookbooks/ssh/templates/default/</a:t>
+            </a:r>
+            <a:r>
+              <a:rPr lang="en-US" dirty="0" err="1" smtClean="0"/>
+              <a:t>ssh_config.erb</a:t>
+            </a:r>
+            <a:r>
+              <a:rPr lang="en-US" baseline="0" dirty="0" smtClean="0"/>
+              <a:t> file's Protocol line should now look like this example.</a:t>
+            </a:r>
+          </a:p>
+          <a:p>
+            <a:endParaRPr lang="en-US" dirty="0"/>
           </a:p>
         </p:txBody>
       </p:sp>
@@ -7959,7 +7985,7 @@
               <a:pPr>
                 <a:defRPr/>
               </a:pPr>
-              <a:t>51</a:t>
+              <a:t>50</a:t>
             </a:fld>
             <a:endParaRPr lang="en-US" dirty="0"/>
           </a:p>
@@ -8012,7 +8038,7 @@
     </p:spTree>
     <p:extLst>
       <p:ext uri="{BB962C8B-B14F-4D97-AF65-F5344CB8AC3E}">
-        <p14:creationId xmlns:p14="http://schemas.microsoft.com/office/powerpoint/2010/main" val="3314187838"/>
+        <p14:creationId xmlns:p14="http://schemas.microsoft.com/office/powerpoint/2010/main" val="3645924741"/>
       </p:ext>
     </p:extLst>
   </p:cSld>
@@ -8063,9 +8089,7 @@
         </p:nvSpPr>
         <p:spPr/>
         <p:txBody>
-          <a:bodyPr>
-            <a:normAutofit fontScale="77500" lnSpcReduction="20000"/>
-          </a:bodyPr>
+          <a:bodyPr/>
           <a:lstStyle/>
           <a:p>
             <a:pPr marL="0" marR="0" indent="0" algn="l" defTabSz="1217613" rtl="0" eaLnBrk="1" fontAlgn="base" latinLnBrk="0" hangingPunct="1">
@@ -8085,481 +8109,6 @@
               <a:tabLst/>
               <a:defRPr/>
             </a:pPr>
-            <a:r>
-              <a:rPr lang="en-US" dirty="0" smtClean="0"/>
-              <a:t>You should now see that only Protocol version 2 is currently set</a:t>
-            </a:r>
-            <a:r>
-              <a:rPr lang="en-US" baseline="0" dirty="0" smtClean="0"/>
-              <a:t> in test kitchen. </a:t>
-            </a:r>
-          </a:p>
-          <a:p>
-            <a:pPr marL="0" marR="0" indent="0" algn="l" defTabSz="1217613" rtl="0" eaLnBrk="1" fontAlgn="base" latinLnBrk="0" hangingPunct="1">
-              <a:lnSpc>
-                <a:spcPct val="90000"/>
-              </a:lnSpc>
-              <a:spcBef>
-                <a:spcPct val="30000"/>
-              </a:spcBef>
-              <a:spcAft>
-                <a:spcPts val="450"/>
-              </a:spcAft>
-              <a:buClrTx/>
-              <a:buSzTx/>
-              <a:buFontTx/>
-              <a:buNone/>
-              <a:tabLst/>
-              <a:defRPr/>
-            </a:pPr>
-            <a:endParaRPr lang="en-US" baseline="0" dirty="0" smtClean="0"/>
-          </a:p>
-          <a:p>
-            <a:pPr marL="0" marR="0" indent="0" algn="l" defTabSz="1217613" rtl="0" eaLnBrk="1" fontAlgn="base" latinLnBrk="0" hangingPunct="1">
-              <a:lnSpc>
-                <a:spcPct val="90000"/>
-              </a:lnSpc>
-              <a:spcBef>
-                <a:spcPct val="30000"/>
-              </a:spcBef>
-              <a:spcAft>
-                <a:spcPts val="450"/>
-              </a:spcAft>
-              <a:buClrTx/>
-              <a:buSzTx/>
-              <a:buFontTx/>
-              <a:buNone/>
-              <a:tabLst/>
-              <a:defRPr/>
-            </a:pPr>
-            <a:endParaRPr lang="en-US" baseline="0" dirty="0" smtClean="0"/>
-          </a:p>
-          <a:p>
-            <a:pPr marL="0" marR="0" indent="0" algn="l" defTabSz="1217613" rtl="0" eaLnBrk="1" fontAlgn="base" latinLnBrk="0" hangingPunct="1">
-              <a:lnSpc>
-                <a:spcPct val="90000"/>
-              </a:lnSpc>
-              <a:spcBef>
-                <a:spcPct val="30000"/>
-              </a:spcBef>
-              <a:spcAft>
-                <a:spcPts val="450"/>
-              </a:spcAft>
-              <a:buClrTx/>
-              <a:buSzTx/>
-              <a:buFontTx/>
-              <a:buNone/>
-              <a:tabLst/>
-              <a:defRPr/>
-            </a:pPr>
-            <a:r>
-              <a:rPr lang="en-US" baseline="0" dirty="0" smtClean="0"/>
-              <a:t> - update content in file /etc/ssh/</a:t>
-            </a:r>
-            <a:r>
-              <a:rPr lang="en-US" baseline="0" dirty="0" err="1" smtClean="0"/>
-              <a:t>ssh_config</a:t>
-            </a:r>
-            <a:r>
-              <a:rPr lang="en-US" baseline="0" dirty="0" smtClean="0"/>
-              <a:t> from 86eb9b to 065f90</a:t>
-            </a:r>
-          </a:p>
-          <a:p>
-            <a:pPr marL="0" marR="0" indent="0" algn="l" defTabSz="1217613" rtl="0" eaLnBrk="1" fontAlgn="base" latinLnBrk="0" hangingPunct="1">
-              <a:lnSpc>
-                <a:spcPct val="90000"/>
-              </a:lnSpc>
-              <a:spcBef>
-                <a:spcPct val="30000"/>
-              </a:spcBef>
-              <a:spcAft>
-                <a:spcPts val="450"/>
-              </a:spcAft>
-              <a:buClrTx/>
-              <a:buSzTx/>
-              <a:buFontTx/>
-              <a:buNone/>
-              <a:tabLst/>
-              <a:defRPr/>
-            </a:pPr>
-            <a:r>
-              <a:rPr lang="en-US" baseline="0" dirty="0" smtClean="0"/>
-              <a:t>           --- /etc/ssh/</a:t>
-            </a:r>
-            <a:r>
-              <a:rPr lang="en-US" baseline="0" dirty="0" err="1" smtClean="0"/>
-              <a:t>ssh_config</a:t>
-            </a:r>
-            <a:r>
-              <a:rPr lang="en-US" baseline="0" dirty="0" smtClean="0"/>
-              <a:t>      2015-08-13 09:58:26.000000000 +0000</a:t>
-            </a:r>
-          </a:p>
-          <a:p>
-            <a:pPr marL="0" marR="0" indent="0" algn="l" defTabSz="1217613" rtl="0" eaLnBrk="1" fontAlgn="base" latinLnBrk="0" hangingPunct="1">
-              <a:lnSpc>
-                <a:spcPct val="90000"/>
-              </a:lnSpc>
-              <a:spcBef>
-                <a:spcPct val="30000"/>
-              </a:spcBef>
-              <a:spcAft>
-                <a:spcPts val="450"/>
-              </a:spcAft>
-              <a:buClrTx/>
-              <a:buSzTx/>
-              <a:buFontTx/>
-              <a:buNone/>
-              <a:tabLst/>
-              <a:defRPr/>
-            </a:pPr>
-            <a:r>
-              <a:rPr lang="en-US" baseline="0" dirty="0" smtClean="0"/>
-              <a:t>           +++ /etc/ssh/.ssh_config20151209-412-cf7gd7  2015-12-09 20:35:29.734689138 +0000</a:t>
-            </a:r>
-          </a:p>
-          <a:p>
-            <a:pPr marL="0" marR="0" indent="0" algn="l" defTabSz="1217613" rtl="0" eaLnBrk="1" fontAlgn="base" latinLnBrk="0" hangingPunct="1">
-              <a:lnSpc>
-                <a:spcPct val="90000"/>
-              </a:lnSpc>
-              <a:spcBef>
-                <a:spcPct val="30000"/>
-              </a:spcBef>
-              <a:spcAft>
-                <a:spcPts val="450"/>
-              </a:spcAft>
-              <a:buClrTx/>
-              <a:buSzTx/>
-              <a:buFontTx/>
-              <a:buNone/>
-              <a:tabLst/>
-              <a:defRPr/>
-            </a:pPr>
-            <a:r>
-              <a:rPr lang="en-US" baseline="0" dirty="0" smtClean="0"/>
-              <a:t>           @@ -37,7 +37,7 @@</a:t>
-            </a:r>
-          </a:p>
-          <a:p>
-            <a:pPr marL="0" marR="0" indent="0" algn="l" defTabSz="1217613" rtl="0" eaLnBrk="1" fontAlgn="base" latinLnBrk="0" hangingPunct="1">
-              <a:lnSpc>
-                <a:spcPct val="90000"/>
-              </a:lnSpc>
-              <a:spcBef>
-                <a:spcPct val="30000"/>
-              </a:spcBef>
-              <a:spcAft>
-                <a:spcPts val="450"/>
-              </a:spcAft>
-              <a:buClrTx/>
-              <a:buSzTx/>
-              <a:buFontTx/>
-              <a:buNone/>
-              <a:tabLst/>
-              <a:defRPr/>
-            </a:pPr>
-            <a:r>
-              <a:rPr lang="en-US" baseline="0" dirty="0" smtClean="0"/>
-              <a:t>            #   </a:t>
-            </a:r>
-            <a:r>
-              <a:rPr lang="en-US" baseline="0" dirty="0" err="1" smtClean="0"/>
-              <a:t>IdentityFile</a:t>
-            </a:r>
-            <a:r>
-              <a:rPr lang="en-US" baseline="0" dirty="0" smtClean="0"/>
-              <a:t> ~/.ssh/</a:t>
-            </a:r>
-            <a:r>
-              <a:rPr lang="en-US" baseline="0" dirty="0" err="1" smtClean="0"/>
-              <a:t>id_rsa</a:t>
-            </a:r>
-            <a:endParaRPr lang="en-US" baseline="0" dirty="0" smtClean="0"/>
-          </a:p>
-          <a:p>
-            <a:pPr marL="0" marR="0" indent="0" algn="l" defTabSz="1217613" rtl="0" eaLnBrk="1" fontAlgn="base" latinLnBrk="0" hangingPunct="1">
-              <a:lnSpc>
-                <a:spcPct val="90000"/>
-              </a:lnSpc>
-              <a:spcBef>
-                <a:spcPct val="30000"/>
-              </a:spcBef>
-              <a:spcAft>
-                <a:spcPts val="450"/>
-              </a:spcAft>
-              <a:buClrTx/>
-              <a:buSzTx/>
-              <a:buFontTx/>
-              <a:buNone/>
-              <a:tabLst/>
-              <a:defRPr/>
-            </a:pPr>
-            <a:r>
-              <a:rPr lang="en-US" baseline="0" dirty="0" smtClean="0"/>
-              <a:t>            #   </a:t>
-            </a:r>
-            <a:r>
-              <a:rPr lang="en-US" baseline="0" dirty="0" err="1" smtClean="0"/>
-              <a:t>IdentityFile</a:t>
-            </a:r>
-            <a:r>
-              <a:rPr lang="en-US" baseline="0" dirty="0" smtClean="0"/>
-              <a:t> ~/.ssh/</a:t>
-            </a:r>
-            <a:r>
-              <a:rPr lang="en-US" baseline="0" dirty="0" err="1" smtClean="0"/>
-              <a:t>id_dsa</a:t>
-            </a:r>
-            <a:endParaRPr lang="en-US" baseline="0" dirty="0" smtClean="0"/>
-          </a:p>
-          <a:p>
-            <a:pPr marL="0" marR="0" indent="0" algn="l" defTabSz="1217613" rtl="0" eaLnBrk="1" fontAlgn="base" latinLnBrk="0" hangingPunct="1">
-              <a:lnSpc>
-                <a:spcPct val="90000"/>
-              </a:lnSpc>
-              <a:spcBef>
-                <a:spcPct val="30000"/>
-              </a:spcBef>
-              <a:spcAft>
-                <a:spcPts val="450"/>
-              </a:spcAft>
-              <a:buClrTx/>
-              <a:buSzTx/>
-              <a:buFontTx/>
-              <a:buNone/>
-              <a:tabLst/>
-              <a:defRPr/>
-            </a:pPr>
-            <a:r>
-              <a:rPr lang="en-US" baseline="0" dirty="0" smtClean="0"/>
-              <a:t>            #   Port 22</a:t>
-            </a:r>
-          </a:p>
-          <a:p>
-            <a:pPr marL="0" marR="0" indent="0" algn="l" defTabSz="1217613" rtl="0" eaLnBrk="1" fontAlgn="base" latinLnBrk="0" hangingPunct="1">
-              <a:lnSpc>
-                <a:spcPct val="90000"/>
-              </a:lnSpc>
-              <a:spcBef>
-                <a:spcPct val="30000"/>
-              </a:spcBef>
-              <a:spcAft>
-                <a:spcPts val="450"/>
-              </a:spcAft>
-              <a:buClrTx/>
-              <a:buSzTx/>
-              <a:buFontTx/>
-              <a:buNone/>
-              <a:tabLst/>
-              <a:defRPr/>
-            </a:pPr>
-            <a:r>
-              <a:rPr lang="en-US" baseline="0" dirty="0" smtClean="0"/>
-              <a:t>           -#   Protocol 2,1</a:t>
-            </a:r>
-          </a:p>
-          <a:p>
-            <a:pPr marL="0" marR="0" indent="0" algn="l" defTabSz="1217613" rtl="0" eaLnBrk="1" fontAlgn="base" latinLnBrk="0" hangingPunct="1">
-              <a:lnSpc>
-                <a:spcPct val="90000"/>
-              </a:lnSpc>
-              <a:spcBef>
-                <a:spcPct val="30000"/>
-              </a:spcBef>
-              <a:spcAft>
-                <a:spcPts val="450"/>
-              </a:spcAft>
-              <a:buClrTx/>
-              <a:buSzTx/>
-              <a:buFontTx/>
-              <a:buNone/>
-              <a:tabLst/>
-              <a:defRPr/>
-            </a:pPr>
-            <a:r>
-              <a:rPr lang="en-US" baseline="0" dirty="0" smtClean="0"/>
-              <a:t>           </a:t>
-            </a:r>
-            <a:r>
-              <a:rPr lang="en-US" b="1" baseline="0" dirty="0" smtClean="0"/>
-              <a:t>+Protocol 2</a:t>
-            </a:r>
-          </a:p>
-          <a:p>
-            <a:pPr marL="0" marR="0" indent="0" algn="l" defTabSz="1217613" rtl="0" eaLnBrk="1" fontAlgn="base" latinLnBrk="0" hangingPunct="1">
-              <a:lnSpc>
-                <a:spcPct val="90000"/>
-              </a:lnSpc>
-              <a:spcBef>
-                <a:spcPct val="30000"/>
-              </a:spcBef>
-              <a:spcAft>
-                <a:spcPts val="450"/>
-              </a:spcAft>
-              <a:buClrTx/>
-              <a:buSzTx/>
-              <a:buFontTx/>
-              <a:buNone/>
-              <a:tabLst/>
-              <a:defRPr/>
-            </a:pPr>
-            <a:r>
-              <a:rPr lang="en-US" baseline="0" dirty="0" smtClean="0"/>
-              <a:t>            #   Cipher 3des</a:t>
-            </a:r>
-          </a:p>
-          <a:p>
-            <a:pPr marL="0" marR="0" indent="0" algn="l" defTabSz="1217613" rtl="0" eaLnBrk="1" fontAlgn="base" latinLnBrk="0" hangingPunct="1">
-              <a:lnSpc>
-                <a:spcPct val="90000"/>
-              </a:lnSpc>
-              <a:spcBef>
-                <a:spcPct val="30000"/>
-              </a:spcBef>
-              <a:spcAft>
-                <a:spcPts val="450"/>
-              </a:spcAft>
-              <a:buClrTx/>
-              <a:buSzTx/>
-              <a:buFontTx/>
-              <a:buNone/>
-              <a:tabLst/>
-              <a:defRPr/>
-            </a:pPr>
-            <a:r>
-              <a:rPr lang="en-US" baseline="0" dirty="0" smtClean="0"/>
-              <a:t>            #   Ciphers aes128-ctr,aes192-ctr,aes256-ctr,arcfour256,arcfour128,aes128-cbc,3des-cbc</a:t>
-            </a:r>
-          </a:p>
-          <a:p>
-            <a:pPr marL="0" marR="0" indent="0" algn="l" defTabSz="1217613" rtl="0" eaLnBrk="1" fontAlgn="base" latinLnBrk="0" hangingPunct="1">
-              <a:lnSpc>
-                <a:spcPct val="90000"/>
-              </a:lnSpc>
-              <a:spcBef>
-                <a:spcPct val="30000"/>
-              </a:spcBef>
-              <a:spcAft>
-                <a:spcPts val="450"/>
-              </a:spcAft>
-              <a:buClrTx/>
-              <a:buSzTx/>
-              <a:buFontTx/>
-              <a:buNone/>
-              <a:tabLst/>
-              <a:defRPr/>
-            </a:pPr>
-            <a:endParaRPr lang="en-US" baseline="0" dirty="0" smtClean="0"/>
-          </a:p>
-          <a:p>
-            <a:pPr marL="0" marR="0" indent="0" algn="l" defTabSz="1217613" rtl="0" eaLnBrk="1" fontAlgn="base" latinLnBrk="0" hangingPunct="1">
-              <a:lnSpc>
-                <a:spcPct val="90000"/>
-              </a:lnSpc>
-              <a:spcBef>
-                <a:spcPct val="30000"/>
-              </a:spcBef>
-              <a:spcAft>
-                <a:spcPts val="450"/>
-              </a:spcAft>
-              <a:buClrTx/>
-              <a:buSzTx/>
-              <a:buFontTx/>
-              <a:buNone/>
-              <a:tabLst/>
-              <a:defRPr/>
-            </a:pPr>
-            <a:r>
-              <a:rPr lang="en-US" baseline="0" dirty="0" smtClean="0"/>
-              <a:t>       Running handlers:</a:t>
-            </a:r>
-          </a:p>
-          <a:p>
-            <a:pPr marL="0" marR="0" indent="0" algn="l" defTabSz="1217613" rtl="0" eaLnBrk="1" fontAlgn="base" latinLnBrk="0" hangingPunct="1">
-              <a:lnSpc>
-                <a:spcPct val="90000"/>
-              </a:lnSpc>
-              <a:spcBef>
-                <a:spcPct val="30000"/>
-              </a:spcBef>
-              <a:spcAft>
-                <a:spcPts val="450"/>
-              </a:spcAft>
-              <a:buClrTx/>
-              <a:buSzTx/>
-              <a:buFontTx/>
-              <a:buNone/>
-              <a:tabLst/>
-              <a:defRPr/>
-            </a:pPr>
-            <a:endParaRPr lang="en-US" baseline="0" dirty="0" smtClean="0"/>
-          </a:p>
-          <a:p>
-            <a:pPr marL="0" marR="0" indent="0" algn="l" defTabSz="1217613" rtl="0" eaLnBrk="1" fontAlgn="base" latinLnBrk="0" hangingPunct="1">
-              <a:lnSpc>
-                <a:spcPct val="90000"/>
-              </a:lnSpc>
-              <a:spcBef>
-                <a:spcPct val="30000"/>
-              </a:spcBef>
-              <a:spcAft>
-                <a:spcPts val="450"/>
-              </a:spcAft>
-              <a:buClrTx/>
-              <a:buSzTx/>
-              <a:buFontTx/>
-              <a:buNone/>
-              <a:tabLst/>
-              <a:defRPr/>
-            </a:pPr>
-            <a:r>
-              <a:rPr lang="en-US" baseline="0" dirty="0" smtClean="0"/>
-              <a:t>       Chef Client finished, 3/3 resources updated in 03 seconds</a:t>
-            </a:r>
-          </a:p>
-          <a:p>
-            <a:pPr marL="0" marR="0" indent="0" algn="l" defTabSz="1217613" rtl="0" eaLnBrk="1" fontAlgn="base" latinLnBrk="0" hangingPunct="1">
-              <a:lnSpc>
-                <a:spcPct val="90000"/>
-              </a:lnSpc>
-              <a:spcBef>
-                <a:spcPct val="30000"/>
-              </a:spcBef>
-              <a:spcAft>
-                <a:spcPts val="450"/>
-              </a:spcAft>
-              <a:buClrTx/>
-              <a:buSzTx/>
-              <a:buFontTx/>
-              <a:buNone/>
-              <a:tabLst/>
-              <a:defRPr/>
-            </a:pPr>
-            <a:r>
-              <a:rPr lang="en-US" baseline="0" dirty="0" smtClean="0"/>
-              <a:t>       Finished converging &lt;client-centos-67&gt; (0m8.22s).</a:t>
-            </a:r>
-          </a:p>
-          <a:p>
-            <a:pPr marL="0" marR="0" indent="0" algn="l" defTabSz="1217613" rtl="0" eaLnBrk="1" fontAlgn="base" latinLnBrk="0" hangingPunct="1">
-              <a:lnSpc>
-                <a:spcPct val="90000"/>
-              </a:lnSpc>
-              <a:spcBef>
-                <a:spcPct val="30000"/>
-              </a:spcBef>
-              <a:spcAft>
-                <a:spcPts val="450"/>
-              </a:spcAft>
-              <a:buClrTx/>
-              <a:buSzTx/>
-              <a:buFontTx/>
-              <a:buNone/>
-              <a:tabLst/>
-              <a:defRPr/>
-            </a:pPr>
             <a:endParaRPr lang="en-US" baseline="0" dirty="0" smtClean="0"/>
           </a:p>
         </p:txBody>
@@ -8587,7 +8136,7 @@
               <a:pPr>
                 <a:defRPr/>
               </a:pPr>
-              <a:t>52</a:t>
+              <a:t>51</a:t>
             </a:fld>
             <a:endParaRPr lang="en-US" dirty="0"/>
           </a:p>
@@ -8640,7 +8189,7 @@
     </p:spTree>
     <p:extLst>
       <p:ext uri="{BB962C8B-B14F-4D97-AF65-F5344CB8AC3E}">
-        <p14:creationId xmlns:p14="http://schemas.microsoft.com/office/powerpoint/2010/main" val="2354239035"/>
+        <p14:creationId xmlns:p14="http://schemas.microsoft.com/office/powerpoint/2010/main" val="3314187838"/>
       </p:ext>
     </p:extLst>
   </p:cSld>
@@ -8692,7 +8241,7 @@
         <p:spPr/>
         <p:txBody>
           <a:bodyPr>
-            <a:normAutofit/>
+            <a:normAutofit fontScale="77500" lnSpcReduction="20000"/>
           </a:bodyPr>
           <a:lstStyle/>
           <a:p>
@@ -8715,21 +8264,12 @@
             </a:pPr>
             <a:r>
               <a:rPr lang="en-US" dirty="0" smtClean="0"/>
-              <a:t>Now we</a:t>
+              <a:t>You should now see that only Protocol version 2 is currently set</a:t>
             </a:r>
             <a:r>
               <a:rPr lang="en-US" baseline="0" dirty="0" smtClean="0"/>
-              <a:t> need to actually apply the change to the node. We'll do this using </a:t>
-            </a:r>
-            <a:r>
-              <a:rPr lang="en-US" dirty="0" smtClean="0"/>
-              <a:t>chef-client in local mode. You should then see that only Protocol version 2 is currently set</a:t>
-            </a:r>
-            <a:r>
-              <a:rPr lang="en-US" baseline="0" dirty="0" smtClean="0"/>
-              <a:t> on the node. </a:t>
-            </a:r>
-            <a:endParaRPr lang="en-US" dirty="0" smtClean="0"/>
+              <a:t> in test kitchen. </a:t>
+            </a:r>
           </a:p>
           <a:p>
             <a:pPr marL="0" marR="0" indent="0" algn="l" defTabSz="1217613" rtl="0" eaLnBrk="1" fontAlgn="base" latinLnBrk="0" hangingPunct="1">
@@ -8749,7 +8289,7 @@
               <a:tabLst/>
               <a:defRPr/>
             </a:pPr>
-            <a:endParaRPr lang="en-US" dirty="0" smtClean="0"/>
+            <a:endParaRPr lang="en-US" baseline="0" dirty="0" smtClean="0"/>
           </a:p>
           <a:p>
             <a:pPr marL="0" marR="0" indent="0" algn="l" defTabSz="1217613" rtl="0" eaLnBrk="1" fontAlgn="base" latinLnBrk="0" hangingPunct="1">
@@ -8769,14 +8309,7 @@
               <a:tabLst/>
               <a:defRPr/>
             </a:pPr>
-            <a:r>
-              <a:rPr lang="en-US" dirty="0" smtClean="0"/>
-              <a:t>Of course</a:t>
-            </a:r>
-            <a:r>
-              <a:rPr lang="en-US" baseline="0" dirty="0" smtClean="0"/>
-              <a:t> in a production environment chef-client would most likely be set to run automatically to download and converge these changes from Chef Server.</a:t>
-            </a:r>
+            <a:endParaRPr lang="en-US" baseline="0" dirty="0" smtClean="0"/>
           </a:p>
           <a:p>
             <a:pPr marL="0" marR="0" indent="0" algn="l" defTabSz="1217613" rtl="0" eaLnBrk="1" fontAlgn="base" latinLnBrk="0" hangingPunct="1">
@@ -8796,7 +8329,18 @@
               <a:tabLst/>
               <a:defRPr/>
             </a:pPr>
-            <a:endParaRPr lang="en-US" baseline="0" dirty="0" smtClean="0"/>
+            <a:r>
+              <a:rPr lang="en-US" baseline="0" dirty="0" smtClean="0"/>
+              <a:t> - update content in file /etc/ssh/</a:t>
+            </a:r>
+            <a:r>
+              <a:rPr lang="en-US" baseline="0" dirty="0" err="1" smtClean="0"/>
+              <a:t>ssh_config</a:t>
+            </a:r>
+            <a:r>
+              <a:rPr lang="en-US" baseline="0" dirty="0" smtClean="0"/>
+              <a:t> from 86eb9b to 065f90</a:t>
+            </a:r>
           </a:p>
           <a:p>
             <a:pPr marL="0" marR="0" indent="0" algn="l" defTabSz="1217613" rtl="0" eaLnBrk="1" fontAlgn="base" latinLnBrk="0" hangingPunct="1">
@@ -8816,6 +8360,383 @@
               <a:tabLst/>
               <a:defRPr/>
             </a:pPr>
+            <a:r>
+              <a:rPr lang="en-US" baseline="0" dirty="0" smtClean="0"/>
+              <a:t>           --- /etc/ssh/</a:t>
+            </a:r>
+            <a:r>
+              <a:rPr lang="en-US" baseline="0" dirty="0" err="1" smtClean="0"/>
+              <a:t>ssh_config</a:t>
+            </a:r>
+            <a:r>
+              <a:rPr lang="en-US" baseline="0" dirty="0" smtClean="0"/>
+              <a:t>      2015-08-13 09:58:26.000000000 +0000</a:t>
+            </a:r>
+          </a:p>
+          <a:p>
+            <a:pPr marL="0" marR="0" indent="0" algn="l" defTabSz="1217613" rtl="0" eaLnBrk="1" fontAlgn="base" latinLnBrk="0" hangingPunct="1">
+              <a:lnSpc>
+                <a:spcPct val="90000"/>
+              </a:lnSpc>
+              <a:spcBef>
+                <a:spcPct val="30000"/>
+              </a:spcBef>
+              <a:spcAft>
+                <a:spcPts val="450"/>
+              </a:spcAft>
+              <a:buClrTx/>
+              <a:buSzTx/>
+              <a:buFontTx/>
+              <a:buNone/>
+              <a:tabLst/>
+              <a:defRPr/>
+            </a:pPr>
+            <a:r>
+              <a:rPr lang="en-US" baseline="0" dirty="0" smtClean="0"/>
+              <a:t>           +++ /etc/ssh/.ssh_config20151209-412-cf7gd7  2015-12-09 20:35:29.734689138 +0000</a:t>
+            </a:r>
+          </a:p>
+          <a:p>
+            <a:pPr marL="0" marR="0" indent="0" algn="l" defTabSz="1217613" rtl="0" eaLnBrk="1" fontAlgn="base" latinLnBrk="0" hangingPunct="1">
+              <a:lnSpc>
+                <a:spcPct val="90000"/>
+              </a:lnSpc>
+              <a:spcBef>
+                <a:spcPct val="30000"/>
+              </a:spcBef>
+              <a:spcAft>
+                <a:spcPts val="450"/>
+              </a:spcAft>
+              <a:buClrTx/>
+              <a:buSzTx/>
+              <a:buFontTx/>
+              <a:buNone/>
+              <a:tabLst/>
+              <a:defRPr/>
+            </a:pPr>
+            <a:r>
+              <a:rPr lang="en-US" baseline="0" dirty="0" smtClean="0"/>
+              <a:t>           @@ -37,7 +37,7 @@</a:t>
+            </a:r>
+          </a:p>
+          <a:p>
+            <a:pPr marL="0" marR="0" indent="0" algn="l" defTabSz="1217613" rtl="0" eaLnBrk="1" fontAlgn="base" latinLnBrk="0" hangingPunct="1">
+              <a:lnSpc>
+                <a:spcPct val="90000"/>
+              </a:lnSpc>
+              <a:spcBef>
+                <a:spcPct val="30000"/>
+              </a:spcBef>
+              <a:spcAft>
+                <a:spcPts val="450"/>
+              </a:spcAft>
+              <a:buClrTx/>
+              <a:buSzTx/>
+              <a:buFontTx/>
+              <a:buNone/>
+              <a:tabLst/>
+              <a:defRPr/>
+            </a:pPr>
+            <a:r>
+              <a:rPr lang="en-US" baseline="0" dirty="0" smtClean="0"/>
+              <a:t>            #   </a:t>
+            </a:r>
+            <a:r>
+              <a:rPr lang="en-US" baseline="0" dirty="0" err="1" smtClean="0"/>
+              <a:t>IdentityFile</a:t>
+            </a:r>
+            <a:r>
+              <a:rPr lang="en-US" baseline="0" dirty="0" smtClean="0"/>
+              <a:t> ~/.ssh/</a:t>
+            </a:r>
+            <a:r>
+              <a:rPr lang="en-US" baseline="0" dirty="0" err="1" smtClean="0"/>
+              <a:t>id_rsa</a:t>
+            </a:r>
+            <a:endParaRPr lang="en-US" baseline="0" dirty="0" smtClean="0"/>
+          </a:p>
+          <a:p>
+            <a:pPr marL="0" marR="0" indent="0" algn="l" defTabSz="1217613" rtl="0" eaLnBrk="1" fontAlgn="base" latinLnBrk="0" hangingPunct="1">
+              <a:lnSpc>
+                <a:spcPct val="90000"/>
+              </a:lnSpc>
+              <a:spcBef>
+                <a:spcPct val="30000"/>
+              </a:spcBef>
+              <a:spcAft>
+                <a:spcPts val="450"/>
+              </a:spcAft>
+              <a:buClrTx/>
+              <a:buSzTx/>
+              <a:buFontTx/>
+              <a:buNone/>
+              <a:tabLst/>
+              <a:defRPr/>
+            </a:pPr>
+            <a:r>
+              <a:rPr lang="en-US" baseline="0" dirty="0" smtClean="0"/>
+              <a:t>            #   </a:t>
+            </a:r>
+            <a:r>
+              <a:rPr lang="en-US" baseline="0" dirty="0" err="1" smtClean="0"/>
+              <a:t>IdentityFile</a:t>
+            </a:r>
+            <a:r>
+              <a:rPr lang="en-US" baseline="0" dirty="0" smtClean="0"/>
+              <a:t> ~/.ssh/</a:t>
+            </a:r>
+            <a:r>
+              <a:rPr lang="en-US" baseline="0" dirty="0" err="1" smtClean="0"/>
+              <a:t>id_dsa</a:t>
+            </a:r>
+            <a:endParaRPr lang="en-US" baseline="0" dirty="0" smtClean="0"/>
+          </a:p>
+          <a:p>
+            <a:pPr marL="0" marR="0" indent="0" algn="l" defTabSz="1217613" rtl="0" eaLnBrk="1" fontAlgn="base" latinLnBrk="0" hangingPunct="1">
+              <a:lnSpc>
+                <a:spcPct val="90000"/>
+              </a:lnSpc>
+              <a:spcBef>
+                <a:spcPct val="30000"/>
+              </a:spcBef>
+              <a:spcAft>
+                <a:spcPts val="450"/>
+              </a:spcAft>
+              <a:buClrTx/>
+              <a:buSzTx/>
+              <a:buFontTx/>
+              <a:buNone/>
+              <a:tabLst/>
+              <a:defRPr/>
+            </a:pPr>
+            <a:r>
+              <a:rPr lang="en-US" baseline="0" dirty="0" smtClean="0"/>
+              <a:t>            #   Port 22</a:t>
+            </a:r>
+          </a:p>
+          <a:p>
+            <a:pPr marL="0" marR="0" indent="0" algn="l" defTabSz="1217613" rtl="0" eaLnBrk="1" fontAlgn="base" latinLnBrk="0" hangingPunct="1">
+              <a:lnSpc>
+                <a:spcPct val="90000"/>
+              </a:lnSpc>
+              <a:spcBef>
+                <a:spcPct val="30000"/>
+              </a:spcBef>
+              <a:spcAft>
+                <a:spcPts val="450"/>
+              </a:spcAft>
+              <a:buClrTx/>
+              <a:buSzTx/>
+              <a:buFontTx/>
+              <a:buNone/>
+              <a:tabLst/>
+              <a:defRPr/>
+            </a:pPr>
+            <a:r>
+              <a:rPr lang="en-US" baseline="0" dirty="0" smtClean="0"/>
+              <a:t>           -#   Protocol 2,1</a:t>
+            </a:r>
+          </a:p>
+          <a:p>
+            <a:pPr marL="0" marR="0" indent="0" algn="l" defTabSz="1217613" rtl="0" eaLnBrk="1" fontAlgn="base" latinLnBrk="0" hangingPunct="1">
+              <a:lnSpc>
+                <a:spcPct val="90000"/>
+              </a:lnSpc>
+              <a:spcBef>
+                <a:spcPct val="30000"/>
+              </a:spcBef>
+              <a:spcAft>
+                <a:spcPts val="450"/>
+              </a:spcAft>
+              <a:buClrTx/>
+              <a:buSzTx/>
+              <a:buFontTx/>
+              <a:buNone/>
+              <a:tabLst/>
+              <a:defRPr/>
+            </a:pPr>
+            <a:r>
+              <a:rPr lang="en-US" baseline="0" dirty="0" smtClean="0"/>
+              <a:t>           </a:t>
+            </a:r>
+            <a:r>
+              <a:rPr lang="en-US" b="1" baseline="0" dirty="0" smtClean="0"/>
+              <a:t>+Protocol 2</a:t>
+            </a:r>
+          </a:p>
+          <a:p>
+            <a:pPr marL="0" marR="0" indent="0" algn="l" defTabSz="1217613" rtl="0" eaLnBrk="1" fontAlgn="base" latinLnBrk="0" hangingPunct="1">
+              <a:lnSpc>
+                <a:spcPct val="90000"/>
+              </a:lnSpc>
+              <a:spcBef>
+                <a:spcPct val="30000"/>
+              </a:spcBef>
+              <a:spcAft>
+                <a:spcPts val="450"/>
+              </a:spcAft>
+              <a:buClrTx/>
+              <a:buSzTx/>
+              <a:buFontTx/>
+              <a:buNone/>
+              <a:tabLst/>
+              <a:defRPr/>
+            </a:pPr>
+            <a:r>
+              <a:rPr lang="en-US" baseline="0" dirty="0" smtClean="0"/>
+              <a:t>            #   Cipher 3des</a:t>
+            </a:r>
+          </a:p>
+          <a:p>
+            <a:pPr marL="0" marR="0" indent="0" algn="l" defTabSz="1217613" rtl="0" eaLnBrk="1" fontAlgn="base" latinLnBrk="0" hangingPunct="1">
+              <a:lnSpc>
+                <a:spcPct val="90000"/>
+              </a:lnSpc>
+              <a:spcBef>
+                <a:spcPct val="30000"/>
+              </a:spcBef>
+              <a:spcAft>
+                <a:spcPts val="450"/>
+              </a:spcAft>
+              <a:buClrTx/>
+              <a:buSzTx/>
+              <a:buFontTx/>
+              <a:buNone/>
+              <a:tabLst/>
+              <a:defRPr/>
+            </a:pPr>
+            <a:r>
+              <a:rPr lang="en-US" baseline="0" dirty="0" smtClean="0"/>
+              <a:t>            #   Ciphers aes128-ctr,aes192-ctr,aes256-ctr,arcfour256,arcfour128,aes128-cbc,3des-cbc</a:t>
+            </a:r>
+          </a:p>
+          <a:p>
+            <a:pPr marL="0" marR="0" indent="0" algn="l" defTabSz="1217613" rtl="0" eaLnBrk="1" fontAlgn="base" latinLnBrk="0" hangingPunct="1">
+              <a:lnSpc>
+                <a:spcPct val="90000"/>
+              </a:lnSpc>
+              <a:spcBef>
+                <a:spcPct val="30000"/>
+              </a:spcBef>
+              <a:spcAft>
+                <a:spcPts val="450"/>
+              </a:spcAft>
+              <a:buClrTx/>
+              <a:buSzTx/>
+              <a:buFontTx/>
+              <a:buNone/>
+              <a:tabLst/>
+              <a:defRPr/>
+            </a:pPr>
+            <a:endParaRPr lang="en-US" baseline="0" dirty="0" smtClean="0"/>
+          </a:p>
+          <a:p>
+            <a:pPr marL="0" marR="0" indent="0" algn="l" defTabSz="1217613" rtl="0" eaLnBrk="1" fontAlgn="base" latinLnBrk="0" hangingPunct="1">
+              <a:lnSpc>
+                <a:spcPct val="90000"/>
+              </a:lnSpc>
+              <a:spcBef>
+                <a:spcPct val="30000"/>
+              </a:spcBef>
+              <a:spcAft>
+                <a:spcPts val="450"/>
+              </a:spcAft>
+              <a:buClrTx/>
+              <a:buSzTx/>
+              <a:buFontTx/>
+              <a:buNone/>
+              <a:tabLst/>
+              <a:defRPr/>
+            </a:pPr>
+            <a:r>
+              <a:rPr lang="en-US" baseline="0" dirty="0" smtClean="0"/>
+              <a:t>       Running handlers:</a:t>
+            </a:r>
+          </a:p>
+          <a:p>
+            <a:pPr marL="0" marR="0" indent="0" algn="l" defTabSz="1217613" rtl="0" eaLnBrk="1" fontAlgn="base" latinLnBrk="0" hangingPunct="1">
+              <a:lnSpc>
+                <a:spcPct val="90000"/>
+              </a:lnSpc>
+              <a:spcBef>
+                <a:spcPct val="30000"/>
+              </a:spcBef>
+              <a:spcAft>
+                <a:spcPts val="450"/>
+              </a:spcAft>
+              <a:buClrTx/>
+              <a:buSzTx/>
+              <a:buFontTx/>
+              <a:buNone/>
+              <a:tabLst/>
+              <a:defRPr/>
+            </a:pPr>
+            <a:endParaRPr lang="en-US" baseline="0" dirty="0" smtClean="0"/>
+          </a:p>
+          <a:p>
+            <a:pPr marL="0" marR="0" indent="0" algn="l" defTabSz="1217613" rtl="0" eaLnBrk="1" fontAlgn="base" latinLnBrk="0" hangingPunct="1">
+              <a:lnSpc>
+                <a:spcPct val="90000"/>
+              </a:lnSpc>
+              <a:spcBef>
+                <a:spcPct val="30000"/>
+              </a:spcBef>
+              <a:spcAft>
+                <a:spcPts val="450"/>
+              </a:spcAft>
+              <a:buClrTx/>
+              <a:buSzTx/>
+              <a:buFontTx/>
+              <a:buNone/>
+              <a:tabLst/>
+              <a:defRPr/>
+            </a:pPr>
+            <a:r>
+              <a:rPr lang="en-US" baseline="0" dirty="0" smtClean="0"/>
+              <a:t>       Chef Client finished, 3/3 resources updated in 03 seconds</a:t>
+            </a:r>
+          </a:p>
+          <a:p>
+            <a:pPr marL="0" marR="0" indent="0" algn="l" defTabSz="1217613" rtl="0" eaLnBrk="1" fontAlgn="base" latinLnBrk="0" hangingPunct="1">
+              <a:lnSpc>
+                <a:spcPct val="90000"/>
+              </a:lnSpc>
+              <a:spcBef>
+                <a:spcPct val="30000"/>
+              </a:spcBef>
+              <a:spcAft>
+                <a:spcPts val="450"/>
+              </a:spcAft>
+              <a:buClrTx/>
+              <a:buSzTx/>
+              <a:buFontTx/>
+              <a:buNone/>
+              <a:tabLst/>
+              <a:defRPr/>
+            </a:pPr>
+            <a:r>
+              <a:rPr lang="en-US" baseline="0" dirty="0" smtClean="0"/>
+              <a:t>       Finished converging &lt;client-centos-67&gt; (0m8.22s).</a:t>
+            </a:r>
+          </a:p>
+          <a:p>
+            <a:pPr marL="0" marR="0" indent="0" algn="l" defTabSz="1217613" rtl="0" eaLnBrk="1" fontAlgn="base" latinLnBrk="0" hangingPunct="1">
+              <a:lnSpc>
+                <a:spcPct val="90000"/>
+              </a:lnSpc>
+              <a:spcBef>
+                <a:spcPct val="30000"/>
+              </a:spcBef>
+              <a:spcAft>
+                <a:spcPts val="450"/>
+              </a:spcAft>
+              <a:buClrTx/>
+              <a:buSzTx/>
+              <a:buFontTx/>
+              <a:buNone/>
+              <a:tabLst/>
+              <a:defRPr/>
+            </a:pPr>
             <a:endParaRPr lang="en-US" baseline="0" dirty="0" smtClean="0"/>
           </a:p>
         </p:txBody>
@@ -8843,7 +8764,7 @@
               <a:pPr>
                 <a:defRPr/>
               </a:pPr>
-              <a:t>53</a:t>
+              <a:t>52</a:t>
             </a:fld>
             <a:endParaRPr lang="en-US" dirty="0"/>
           </a:p>
@@ -8896,7 +8817,7 @@
     </p:spTree>
     <p:extLst>
       <p:ext uri="{BB962C8B-B14F-4D97-AF65-F5344CB8AC3E}">
-        <p14:creationId xmlns:p14="http://schemas.microsoft.com/office/powerpoint/2010/main" val="67414775"/>
+        <p14:creationId xmlns:p14="http://schemas.microsoft.com/office/powerpoint/2010/main" val="2354239035"/>
       </p:ext>
     </p:extLst>
   </p:cSld>
@@ -8947,7 +8868,9 @@
         </p:nvSpPr>
         <p:spPr/>
         <p:txBody>
-          <a:bodyPr/>
+          <a:bodyPr>
+            <a:normAutofit/>
+          </a:bodyPr>
           <a:lstStyle/>
           <a:p>
             <a:pPr marL="0" marR="0" indent="0" algn="l" defTabSz="1217613" rtl="0" eaLnBrk="1" fontAlgn="base" latinLnBrk="0" hangingPunct="1">
@@ -8967,7 +8890,110 @@
               <a:tabLst/>
               <a:defRPr/>
             </a:pPr>
-            <a:endParaRPr lang="en-US" dirty="0"/>
+            <a:r>
+              <a:rPr lang="en-US" dirty="0" smtClean="0"/>
+              <a:t>Now we</a:t>
+            </a:r>
+            <a:r>
+              <a:rPr lang="en-US" baseline="0" dirty="0" smtClean="0"/>
+              <a:t> need to actually apply the change to the node. We'll do this using </a:t>
+            </a:r>
+            <a:r>
+              <a:rPr lang="en-US" dirty="0" smtClean="0"/>
+              <a:t>chef-client in local mode. You should then see that only Protocol version 2 is currently set</a:t>
+            </a:r>
+            <a:r>
+              <a:rPr lang="en-US" baseline="0" dirty="0" smtClean="0"/>
+              <a:t> on the node. </a:t>
+            </a:r>
+            <a:endParaRPr lang="en-US" dirty="0" smtClean="0"/>
+          </a:p>
+          <a:p>
+            <a:pPr marL="0" marR="0" indent="0" algn="l" defTabSz="1217613" rtl="0" eaLnBrk="1" fontAlgn="base" latinLnBrk="0" hangingPunct="1">
+              <a:lnSpc>
+                <a:spcPct val="90000"/>
+              </a:lnSpc>
+              <a:spcBef>
+                <a:spcPct val="30000"/>
+              </a:spcBef>
+              <a:spcAft>
+                <a:spcPts val="450"/>
+              </a:spcAft>
+              <a:buClrTx/>
+              <a:buSzTx/>
+              <a:buFontTx/>
+              <a:buNone/>
+              <a:tabLst/>
+              <a:defRPr/>
+            </a:pPr>
+            <a:endParaRPr lang="en-US" dirty="0" smtClean="0"/>
+          </a:p>
+          <a:p>
+            <a:pPr marL="0" marR="0" indent="0" algn="l" defTabSz="1217613" rtl="0" eaLnBrk="1" fontAlgn="base" latinLnBrk="0" hangingPunct="1">
+              <a:lnSpc>
+                <a:spcPct val="90000"/>
+              </a:lnSpc>
+              <a:spcBef>
+                <a:spcPct val="30000"/>
+              </a:spcBef>
+              <a:spcAft>
+                <a:spcPts val="450"/>
+              </a:spcAft>
+              <a:buClrTx/>
+              <a:buSzTx/>
+              <a:buFontTx/>
+              <a:buNone/>
+              <a:tabLst/>
+              <a:defRPr/>
+            </a:pPr>
+            <a:r>
+              <a:rPr lang="en-US" dirty="0" smtClean="0"/>
+              <a:t>Of course</a:t>
+            </a:r>
+            <a:r>
+              <a:rPr lang="en-US" baseline="0" dirty="0" smtClean="0"/>
+              <a:t> in a production environment chef-client would most likely be set to run automatically to download and converge these changes from Chef Server.</a:t>
+            </a:r>
+          </a:p>
+          <a:p>
+            <a:pPr marL="0" marR="0" indent="0" algn="l" defTabSz="1217613" rtl="0" eaLnBrk="1" fontAlgn="base" latinLnBrk="0" hangingPunct="1">
+              <a:lnSpc>
+                <a:spcPct val="90000"/>
+              </a:lnSpc>
+              <a:spcBef>
+                <a:spcPct val="30000"/>
+              </a:spcBef>
+              <a:spcAft>
+                <a:spcPts val="450"/>
+              </a:spcAft>
+              <a:buClrTx/>
+              <a:buSzTx/>
+              <a:buFontTx/>
+              <a:buNone/>
+              <a:tabLst/>
+              <a:defRPr/>
+            </a:pPr>
+            <a:endParaRPr lang="en-US" baseline="0" dirty="0" smtClean="0"/>
+          </a:p>
+          <a:p>
+            <a:pPr marL="0" marR="0" indent="0" algn="l" defTabSz="1217613" rtl="0" eaLnBrk="1" fontAlgn="base" latinLnBrk="0" hangingPunct="1">
+              <a:lnSpc>
+                <a:spcPct val="90000"/>
+              </a:lnSpc>
+              <a:spcBef>
+                <a:spcPct val="30000"/>
+              </a:spcBef>
+              <a:spcAft>
+                <a:spcPts val="450"/>
+              </a:spcAft>
+              <a:buClrTx/>
+              <a:buSzTx/>
+              <a:buFontTx/>
+              <a:buNone/>
+              <a:tabLst/>
+              <a:defRPr/>
+            </a:pPr>
+            <a:endParaRPr lang="en-US" baseline="0" dirty="0" smtClean="0"/>
           </a:p>
         </p:txBody>
       </p:sp>
@@ -8994,7 +9020,7 @@
               <a:pPr>
                 <a:defRPr/>
               </a:pPr>
-              <a:t>54</a:t>
+              <a:t>53</a:t>
             </a:fld>
             <a:endParaRPr lang="en-US" dirty="0"/>
           </a:p>
@@ -9047,7 +9073,7 @@
     </p:spTree>
     <p:extLst>
       <p:ext uri="{BB962C8B-B14F-4D97-AF65-F5344CB8AC3E}">
-        <p14:creationId xmlns:p14="http://schemas.microsoft.com/office/powerpoint/2010/main" val="903931591"/>
+        <p14:creationId xmlns:p14="http://schemas.microsoft.com/office/powerpoint/2010/main" val="67414775"/>
       </p:ext>
     </p:extLst>
   </p:cSld>
@@ -9145,7 +9171,7 @@
               <a:pPr>
                 <a:defRPr/>
               </a:pPr>
-              <a:t>55</a:t>
+              <a:t>54</a:t>
             </a:fld>
             <a:endParaRPr lang="en-US" dirty="0"/>
           </a:p>
@@ -9198,7 +9224,7 @@
     </p:spTree>
     <p:extLst>
       <p:ext uri="{BB962C8B-B14F-4D97-AF65-F5344CB8AC3E}">
-        <p14:creationId xmlns:p14="http://schemas.microsoft.com/office/powerpoint/2010/main" val="2126077804"/>
+        <p14:creationId xmlns:p14="http://schemas.microsoft.com/office/powerpoint/2010/main" val="903931591"/>
       </p:ext>
     </p:extLst>
   </p:cSld>
@@ -9296,7 +9322,7 @@
               <a:pPr>
                 <a:defRPr/>
               </a:pPr>
-              <a:t>56</a:t>
+              <a:t>55</a:t>
             </a:fld>
             <a:endParaRPr lang="en-US" dirty="0"/>
           </a:p>
@@ -9349,7 +9375,7 @@
     </p:spTree>
     <p:extLst>
       <p:ext uri="{BB962C8B-B14F-4D97-AF65-F5344CB8AC3E}">
-        <p14:creationId xmlns:p14="http://schemas.microsoft.com/office/powerpoint/2010/main" val="2355399236"/>
+        <p14:creationId xmlns:p14="http://schemas.microsoft.com/office/powerpoint/2010/main" val="2126077804"/>
       </p:ext>
     </p:extLst>
   </p:cSld>
@@ -9420,138 +9446,6 @@
               <a:tabLst/>
               <a:defRPr/>
             </a:pPr>
-            <a:r>
-              <a:rPr lang="en-US" dirty="0" smtClean="0"/>
-              <a:t>In this module we scanned a node for compliance issues. We identified </a:t>
-            </a:r>
-            <a:r>
-              <a:rPr lang="en-US" smtClean="0"/>
-              <a:t>an issue </a:t>
-            </a:r>
-            <a:r>
-              <a:rPr lang="en-US" dirty="0" smtClean="0"/>
-              <a:t>and then wrote a remediation recipe directly on the node scanned. We also tested our recipe with test kitchen.</a:t>
-            </a:r>
-          </a:p>
-          <a:p>
-            <a:pPr marL="0" marR="0" indent="0" algn="l" defTabSz="1217613" rtl="0" eaLnBrk="1" fontAlgn="base" latinLnBrk="0" hangingPunct="1">
-              <a:lnSpc>
-                <a:spcPct val="90000"/>
-              </a:lnSpc>
-              <a:spcBef>
-                <a:spcPct val="30000"/>
-              </a:spcBef>
-              <a:spcAft>
-                <a:spcPts val="450"/>
-              </a:spcAft>
-              <a:buClrTx/>
-              <a:buSzTx/>
-              <a:buFontTx/>
-              <a:buNone/>
-              <a:tabLst/>
-              <a:defRPr/>
-            </a:pPr>
-            <a:endParaRPr lang="en-US" dirty="0" smtClean="0"/>
-          </a:p>
-          <a:p>
-            <a:pPr marL="0" marR="0" indent="0" algn="l" defTabSz="1217613" rtl="0" eaLnBrk="1" fontAlgn="base" latinLnBrk="0" hangingPunct="1">
-              <a:lnSpc>
-                <a:spcPct val="90000"/>
-              </a:lnSpc>
-              <a:spcBef>
-                <a:spcPct val="30000"/>
-              </a:spcBef>
-              <a:spcAft>
-                <a:spcPts val="450"/>
-              </a:spcAft>
-              <a:buClrTx/>
-              <a:buSzTx/>
-              <a:buFontTx/>
-              <a:buNone/>
-              <a:tabLst/>
-              <a:defRPr/>
-            </a:pPr>
-            <a:r>
-              <a:rPr lang="en-US" dirty="0" smtClean="0"/>
-              <a:t>As mentioned</a:t>
-            </a:r>
-            <a:r>
-              <a:rPr lang="en-US" baseline="0" dirty="0" smtClean="0"/>
-              <a:t> previously</a:t>
-            </a:r>
-            <a:r>
-              <a:rPr lang="en-US" dirty="0" smtClean="0"/>
-              <a:t>, in a</a:t>
-            </a:r>
-            <a:r>
-              <a:rPr lang="en-US" baseline="0" dirty="0" smtClean="0"/>
-              <a:t> production environment, </a:t>
-            </a:r>
-            <a:r>
-              <a:rPr lang="en-US" dirty="0" smtClean="0"/>
-              <a:t>you will likely write such recipes locally, add them to the node's</a:t>
-            </a:r>
-            <a:r>
-              <a:rPr lang="en-US" baseline="0" dirty="0" smtClean="0"/>
-              <a:t> run list, </a:t>
-            </a:r>
-            <a:r>
-              <a:rPr lang="en-US" dirty="0" smtClean="0"/>
-              <a:t>and then upload them to Chef Server. </a:t>
-            </a:r>
-          </a:p>
-          <a:p>
-            <a:pPr marL="0" marR="0" indent="0" algn="l" defTabSz="1217613" rtl="0" eaLnBrk="1" fontAlgn="base" latinLnBrk="0" hangingPunct="1">
-              <a:lnSpc>
-                <a:spcPct val="90000"/>
-              </a:lnSpc>
-              <a:spcBef>
-                <a:spcPct val="30000"/>
-              </a:spcBef>
-              <a:spcAft>
-                <a:spcPts val="450"/>
-              </a:spcAft>
-              <a:buClrTx/>
-              <a:buSzTx/>
-              <a:buFontTx/>
-              <a:buNone/>
-              <a:tabLst/>
-              <a:defRPr/>
-            </a:pPr>
-            <a:endParaRPr lang="en-US" dirty="0" smtClean="0"/>
-          </a:p>
-          <a:p>
-            <a:pPr marL="0" marR="0" indent="0" algn="l" defTabSz="1217613" rtl="0" eaLnBrk="1" fontAlgn="base" latinLnBrk="0" hangingPunct="1">
-              <a:lnSpc>
-                <a:spcPct val="90000"/>
-              </a:lnSpc>
-              <a:spcBef>
-                <a:spcPct val="30000"/>
-              </a:spcBef>
-              <a:spcAft>
-                <a:spcPts val="450"/>
-              </a:spcAft>
-              <a:buClrTx/>
-              <a:buSzTx/>
-              <a:buFontTx/>
-              <a:buNone/>
-              <a:tabLst/>
-              <a:defRPr/>
-            </a:pPr>
-            <a:r>
-              <a:rPr lang="en-US" dirty="0" smtClean="0"/>
-              <a:t>Then the nodes would download the recipes from Chef Server on their next chef-client</a:t>
-            </a:r>
-            <a:r>
-              <a:rPr lang="en-US" baseline="0" dirty="0" smtClean="0"/>
-              <a:t> run and also </a:t>
-            </a:r>
-            <a:r>
-              <a:rPr lang="en-US" dirty="0" smtClean="0"/>
-              <a:t>convergence the recipes.</a:t>
-            </a:r>
-          </a:p>
-          <a:p>
             <a:endParaRPr lang="en-US" dirty="0"/>
           </a:p>
         </p:txBody>
@@ -9579,7 +9473,7 @@
               <a:pPr>
                 <a:defRPr/>
               </a:pPr>
-              <a:t>57</a:t>
+              <a:t>56</a:t>
             </a:fld>
             <a:endParaRPr lang="en-US" dirty="0"/>
           </a:p>
@@ -9632,7 +9526,7 @@
     </p:spTree>
     <p:extLst>
       <p:ext uri="{BB962C8B-B14F-4D97-AF65-F5344CB8AC3E}">
-        <p14:creationId xmlns:p14="http://schemas.microsoft.com/office/powerpoint/2010/main" val="3869094254"/>
+        <p14:creationId xmlns:p14="http://schemas.microsoft.com/office/powerpoint/2010/main" val="2355399236"/>
       </p:ext>
     </p:extLst>
   </p:cSld>
@@ -9686,30 +9580,6 @@
           <a:bodyPr/>
           <a:lstStyle/>
           <a:p>
-            <a:r>
-              <a:rPr lang="en-US" dirty="0" smtClean="0"/>
-              <a:t>If your Status column does not</a:t>
-            </a:r>
-            <a:r>
-              <a:rPr lang="en-US" baseline="0" dirty="0" smtClean="0"/>
-              <a:t> </a:t>
-            </a:r>
-            <a:r>
-              <a:rPr lang="en-US" dirty="0" smtClean="0"/>
-              <a:t>indicate `</a:t>
-            </a:r>
-            <a:r>
-              <a:rPr lang="en-US" b="1" dirty="0" smtClean="0"/>
-              <a:t>Connection established`</a:t>
-            </a:r>
-            <a:r>
-              <a:rPr lang="en-US" b="0" dirty="0" smtClean="0"/>
-              <a:t>,</a:t>
-            </a:r>
-            <a:r>
-              <a:rPr lang="en-US" b="0" baseline="0" dirty="0" smtClean="0"/>
-              <a:t> please notify the instructor.</a:t>
-            </a:r>
             <a:endParaRPr lang="en-US" dirty="0"/>
           </a:p>
         </p:txBody>
@@ -9737,7 +9607,7 @@
               <a:pPr>
                 <a:defRPr/>
               </a:pPr>
-              <a:t>10</a:t>
+              <a:t>8</a:t>
             </a:fld>
             <a:endParaRPr lang="en-US" dirty="0"/>
           </a:p>
@@ -9790,7 +9660,290 @@
     </p:spTree>
     <p:extLst>
       <p:ext uri="{BB962C8B-B14F-4D97-AF65-F5344CB8AC3E}">
-        <p14:creationId xmlns:p14="http://schemas.microsoft.com/office/powerpoint/2010/main" val="1923218108"/>
+        <p14:creationId xmlns:p14="http://schemas.microsoft.com/office/powerpoint/2010/main" val="561256705"/>
+      </p:ext>
+    </p:extLst>
+  </p:cSld>
+  <p:clrMapOvr>
+    <a:masterClrMapping/>
+  </p:clrMapOvr>
+</p:notes>
+</file>
+
+<file path=ppt/notesSlides/notesSlide50.xml><?xml version="1.0" encoding="utf-8"?>
+<p:notes xmlns:a="http://schemas.openxmlformats.org/drawingml/2006/main" xmlns:r="http://schemas.openxmlformats.org/officeDocument/2006/relationships" xmlns:p="http://schemas.openxmlformats.org/presentationml/2006/main">
+  <p:cSld>
+    <p:spTree>
+      <p:nvGrpSpPr>
+        <p:cNvPr id="1" name=""/>
+        <p:cNvGrpSpPr/>
+        <p:nvPr/>
+      </p:nvGrpSpPr>
+      <p:grpSpPr>
+        <a:xfrm>
+          <a:off x="0" y="0"/>
+          <a:ext cx="0" cy="0"/>
+          <a:chOff x="0" y="0"/>
+          <a:chExt cx="0" cy="0"/>
+        </a:xfrm>
+      </p:grpSpPr>
+      <p:sp>
+        <p:nvSpPr>
+          <p:cNvPr id="2" name="Slide Image Placeholder 1"/>
+          <p:cNvSpPr>
+            <a:spLocks noGrp="1" noRot="1" noChangeAspect="1"/>
+          </p:cNvSpPr>
+          <p:nvPr>
+            <p:ph type="sldImg"/>
+          </p:nvPr>
+        </p:nvSpPr>
+        <p:spPr/>
+      </p:sp>
+      <p:sp>
+        <p:nvSpPr>
+          <p:cNvPr id="3" name="Notes Placeholder 2"/>
+          <p:cNvSpPr>
+            <a:spLocks noGrp="1"/>
+          </p:cNvSpPr>
+          <p:nvPr>
+            <p:ph type="body" idx="1"/>
+          </p:nvPr>
+        </p:nvSpPr>
+        <p:spPr/>
+        <p:txBody>
+          <a:bodyPr/>
+          <a:lstStyle/>
+          <a:p>
+            <a:pPr marL="0" marR="0" indent="0" algn="l" defTabSz="1217613" rtl="0" eaLnBrk="1" fontAlgn="base" latinLnBrk="0" hangingPunct="1">
+              <a:lnSpc>
+                <a:spcPct val="90000"/>
+              </a:lnSpc>
+              <a:spcBef>
+                <a:spcPct val="30000"/>
+              </a:spcBef>
+              <a:spcAft>
+                <a:spcPts val="450"/>
+              </a:spcAft>
+              <a:buClrTx/>
+              <a:buSzTx/>
+              <a:buFontTx/>
+              <a:buNone/>
+              <a:tabLst/>
+              <a:defRPr/>
+            </a:pPr>
+            <a:r>
+              <a:rPr lang="en-US" dirty="0" smtClean="0"/>
+              <a:t>In this module we scanned a node for compliance issues. We identified </a:t>
+            </a:r>
+            <a:r>
+              <a:rPr lang="en-US" smtClean="0"/>
+              <a:t>an issue </a:t>
+            </a:r>
+            <a:r>
+              <a:rPr lang="en-US" dirty="0" smtClean="0"/>
+              <a:t>and then wrote a remediation recipe directly on the node scanned. We also tested our recipe with test kitchen.</a:t>
+            </a:r>
+          </a:p>
+          <a:p>
+            <a:pPr marL="0" marR="0" indent="0" algn="l" defTabSz="1217613" rtl="0" eaLnBrk="1" fontAlgn="base" latinLnBrk="0" hangingPunct="1">
+              <a:lnSpc>
+                <a:spcPct val="90000"/>
+              </a:lnSpc>
+              <a:spcBef>
+                <a:spcPct val="30000"/>
+              </a:spcBef>
+              <a:spcAft>
+                <a:spcPts val="450"/>
+              </a:spcAft>
+              <a:buClrTx/>
+              <a:buSzTx/>
+              <a:buFontTx/>
+              <a:buNone/>
+              <a:tabLst/>
+              <a:defRPr/>
+            </a:pPr>
+            <a:endParaRPr lang="en-US" dirty="0" smtClean="0"/>
+          </a:p>
+          <a:p>
+            <a:pPr marL="0" marR="0" indent="0" algn="l" defTabSz="1217613" rtl="0" eaLnBrk="1" fontAlgn="base" latinLnBrk="0" hangingPunct="1">
+              <a:lnSpc>
+                <a:spcPct val="90000"/>
+              </a:lnSpc>
+              <a:spcBef>
+                <a:spcPct val="30000"/>
+              </a:spcBef>
+              <a:spcAft>
+                <a:spcPts val="450"/>
+              </a:spcAft>
+              <a:buClrTx/>
+              <a:buSzTx/>
+              <a:buFontTx/>
+              <a:buNone/>
+              <a:tabLst/>
+              <a:defRPr/>
+            </a:pPr>
+            <a:r>
+              <a:rPr lang="en-US" dirty="0" smtClean="0"/>
+              <a:t>As mentioned</a:t>
+            </a:r>
+            <a:r>
+              <a:rPr lang="en-US" baseline="0" dirty="0" smtClean="0"/>
+              <a:t> previously</a:t>
+            </a:r>
+            <a:r>
+              <a:rPr lang="en-US" dirty="0" smtClean="0"/>
+              <a:t>, in a</a:t>
+            </a:r>
+            <a:r>
+              <a:rPr lang="en-US" baseline="0" dirty="0" smtClean="0"/>
+              <a:t> production environment, </a:t>
+            </a:r>
+            <a:r>
+              <a:rPr lang="en-US" dirty="0" smtClean="0"/>
+              <a:t>you will likely write such recipes locally, add them to the node's</a:t>
+            </a:r>
+            <a:r>
+              <a:rPr lang="en-US" baseline="0" dirty="0" smtClean="0"/>
+              <a:t> run list, </a:t>
+            </a:r>
+            <a:r>
+              <a:rPr lang="en-US" dirty="0" smtClean="0"/>
+              <a:t>and then upload them to Chef Server. </a:t>
+            </a:r>
+          </a:p>
+          <a:p>
+            <a:pPr marL="0" marR="0" indent="0" algn="l" defTabSz="1217613" rtl="0" eaLnBrk="1" fontAlgn="base" latinLnBrk="0" hangingPunct="1">
+              <a:lnSpc>
+                <a:spcPct val="90000"/>
+              </a:lnSpc>
+              <a:spcBef>
+                <a:spcPct val="30000"/>
+              </a:spcBef>
+              <a:spcAft>
+                <a:spcPts val="450"/>
+              </a:spcAft>
+              <a:buClrTx/>
+              <a:buSzTx/>
+              <a:buFontTx/>
+              <a:buNone/>
+              <a:tabLst/>
+              <a:defRPr/>
+            </a:pPr>
+            <a:endParaRPr lang="en-US" dirty="0" smtClean="0"/>
+          </a:p>
+          <a:p>
+            <a:pPr marL="0" marR="0" indent="0" algn="l" defTabSz="1217613" rtl="0" eaLnBrk="1" fontAlgn="base" latinLnBrk="0" hangingPunct="1">
+              <a:lnSpc>
+                <a:spcPct val="90000"/>
+              </a:lnSpc>
+              <a:spcBef>
+                <a:spcPct val="30000"/>
+              </a:spcBef>
+              <a:spcAft>
+                <a:spcPts val="450"/>
+              </a:spcAft>
+              <a:buClrTx/>
+              <a:buSzTx/>
+              <a:buFontTx/>
+              <a:buNone/>
+              <a:tabLst/>
+              <a:defRPr/>
+            </a:pPr>
+            <a:r>
+              <a:rPr lang="en-US" dirty="0" smtClean="0"/>
+              <a:t>Then the nodes would download the recipes from Chef Server on their next chef-client</a:t>
+            </a:r>
+            <a:r>
+              <a:rPr lang="en-US" baseline="0" dirty="0" smtClean="0"/>
+              <a:t> run and also </a:t>
+            </a:r>
+            <a:r>
+              <a:rPr lang="en-US" dirty="0" smtClean="0"/>
+              <a:t>convergence the recipes.</a:t>
+            </a:r>
+          </a:p>
+          <a:p>
+            <a:endParaRPr lang="en-US" dirty="0"/>
+          </a:p>
+        </p:txBody>
+      </p:sp>
+      <p:sp>
+        <p:nvSpPr>
+          <p:cNvPr id="4" name="Slide Number Placeholder 3"/>
+          <p:cNvSpPr>
+            <a:spLocks noGrp="1"/>
+          </p:cNvSpPr>
+          <p:nvPr>
+            <p:ph type="sldNum" sz="quarter" idx="10"/>
+          </p:nvPr>
+        </p:nvSpPr>
+        <p:spPr/>
+        <p:txBody>
+          <a:bodyPr/>
+          <a:lstStyle/>
+          <a:p>
+            <a:pPr>
+              <a:defRPr/>
+            </a:pPr>
+            <a:fld id="{DC3734AA-3150-D947-AC52-2F5DF48BFCD5}" type="slidenum">
+              <a:rPr lang="en-US" smtClean="0"/>
+              <a:pPr>
+                <a:defRPr/>
+              </a:pPr>
+              <a:t>57</a:t>
+            </a:fld>
+            <a:endParaRPr lang="en-US" dirty="0"/>
+          </a:p>
+        </p:txBody>
+      </p:sp>
+      <p:sp>
+        <p:nvSpPr>
+          <p:cNvPr id="5" name="Header Placeholder 4"/>
+          <p:cNvSpPr>
+            <a:spLocks noGrp="1"/>
+          </p:cNvSpPr>
+          <p:nvPr>
+            <p:ph type="hdr" sz="quarter" idx="11"/>
+          </p:nvPr>
+        </p:nvSpPr>
+        <p:spPr/>
+        <p:txBody>
+          <a:bodyPr/>
+          <a:lstStyle/>
+          <a:p>
+            <a:pPr>
+              <a:defRPr/>
+            </a:pPr>
+            <a:endParaRPr lang="en-US"/>
+          </a:p>
+        </p:txBody>
+      </p:sp>
+      <p:sp>
+        <p:nvSpPr>
+          <p:cNvPr id="6" name="Footer Placeholder 5"/>
+          <p:cNvSpPr>
+            <a:spLocks noGrp="1"/>
+          </p:cNvSpPr>
+          <p:nvPr>
+            <p:ph type="ftr" sz="quarter" idx="12"/>
+          </p:nvPr>
+        </p:nvSpPr>
+        <p:spPr/>
+        <p:txBody>
+          <a:bodyPr/>
+          <a:lstStyle/>
+          <a:p>
+            <a:pPr>
+              <a:defRPr/>
+            </a:pPr>
+            <a:endParaRPr lang="en-US"/>
+          </a:p>
+        </p:txBody>
+      </p:sp>
+    </p:spTree>
+    <p:extLst>
+      <p:ext uri="{BB962C8B-B14F-4D97-AF65-F5344CB8AC3E}">
+        <p14:creationId xmlns:p14="http://schemas.microsoft.com/office/powerpoint/2010/main" val="3869094254"/>
       </p:ext>
     </p:extLst>
   </p:cSld>
@@ -9846,19 +9999,28 @@
           <a:p>
             <a:r>
               <a:rPr lang="en-US" dirty="0" smtClean="0"/>
-              <a:t>As you may have noticed, you could add additional nodes by simply repeating the previous steps and entering the new nodes' IP addresses or FQDNs.</a:t>
-            </a:r>
-          </a:p>
-          <a:p>
-            <a:endParaRPr lang="en-US" dirty="0" smtClean="0"/>
-          </a:p>
-          <a:p>
-            <a:r>
-              <a:rPr lang="en-US" dirty="0" smtClean="0"/>
-              <a:t>You could also add nodes in bulk by separating each hostname or IP address with a comma or a space as shown in this illustration.</a:t>
-            </a:r>
-          </a:p>
-          <a:p>
+              <a:t>If your Status column does not</a:t>
+            </a:r>
+            <a:r>
+              <a:rPr lang="en-US" baseline="0" dirty="0" smtClean="0"/>
+              <a:t> </a:t>
+            </a:r>
+            <a:r>
+              <a:rPr lang="en-US" dirty="0" smtClean="0"/>
+              <a:t>indicate `</a:t>
+            </a:r>
+            <a:r>
+              <a:rPr lang="en-US" b="1" dirty="0" smtClean="0"/>
+              <a:t>Connection established`</a:t>
+            </a:r>
+            <a:r>
+              <a:rPr lang="en-US" b="0" dirty="0" smtClean="0"/>
+              <a:t>,</a:t>
+            </a:r>
+            <a:r>
+              <a:rPr lang="en-US" b="0" baseline="0" dirty="0" smtClean="0"/>
+              <a:t> please notify the instructor.</a:t>
+            </a:r>
             <a:endParaRPr lang="en-US" dirty="0"/>
           </a:p>
         </p:txBody>
@@ -9886,7 +10048,7 @@
               <a:pPr>
                 <a:defRPr/>
               </a:pPr>
-              <a:t>11</a:t>
+              <a:t>10</a:t>
             </a:fld>
             <a:endParaRPr lang="en-US" dirty="0"/>
           </a:p>
@@ -9939,7 +10101,7 @@
     </p:spTree>
     <p:extLst>
       <p:ext uri="{BB962C8B-B14F-4D97-AF65-F5344CB8AC3E}">
-        <p14:creationId xmlns:p14="http://schemas.microsoft.com/office/powerpoint/2010/main" val="2409257355"/>
+        <p14:creationId xmlns:p14="http://schemas.microsoft.com/office/powerpoint/2010/main" val="1923218108"/>
       </p:ext>
     </p:extLst>
   </p:cSld>
@@ -9995,7 +10157,7 @@
           <a:p>
             <a:r>
               <a:rPr lang="en-US" dirty="0" smtClean="0"/>
-              <a:t>In the workplace, using security key pairs would be a more secure method for connecting to nodes than using the password method we are using in class. </a:t>
+              <a:t>As you may have noticed, you could add additional nodes by simply repeating the previous steps and entering the new nodes' IP addresses or FQDNs.</a:t>
             </a:r>
           </a:p>
           <a:p>
@@ -10004,23 +10166,7 @@
           <a:p>
             <a:r>
               <a:rPr lang="en-US" dirty="0" smtClean="0"/>
-              <a:t>By clicking `</a:t>
-            </a:r>
-            <a:r>
-              <a:rPr lang="en-US" b="1" dirty="0" smtClean="0"/>
-              <a:t>Settings &gt; Add New Key Pair`  </a:t>
-            </a:r>
-            <a:r>
-              <a:rPr lang="en-US" dirty="0" smtClean="0"/>
-              <a:t>you will see where to paste</a:t>
-            </a:r>
-            <a:r>
-              <a:rPr lang="en-US" baseline="0" dirty="0" smtClean="0"/>
-              <a:t> </a:t>
-            </a:r>
-            <a:r>
-              <a:rPr lang="en-US" dirty="0" smtClean="0"/>
-              <a:t>your private and public keys. </a:t>
+              <a:t>You could also add nodes in bulk by separating each hostname or IP address with a comma or a space as shown in this illustration.</a:t>
             </a:r>
           </a:p>
           <a:p>
@@ -10051,7 +10197,7 @@
               <a:pPr>
                 <a:defRPr/>
               </a:pPr>
-              <a:t>12</a:t>
+              <a:t>11</a:t>
             </a:fld>
             <a:endParaRPr lang="en-US" dirty="0"/>
           </a:p>
@@ -10104,7 +10250,7 @@
     </p:spTree>
     <p:extLst>
       <p:ext uri="{BB962C8B-B14F-4D97-AF65-F5344CB8AC3E}">
-        <p14:creationId xmlns:p14="http://schemas.microsoft.com/office/powerpoint/2010/main" val="208647667"/>
+        <p14:creationId xmlns:p14="http://schemas.microsoft.com/office/powerpoint/2010/main" val="2409257355"/>
       </p:ext>
     </p:extLst>
   </p:cSld>
@@ -10158,6 +10304,37 @@
           <a:bodyPr/>
           <a:lstStyle/>
           <a:p>
+            <a:r>
+              <a:rPr lang="en-US" dirty="0" smtClean="0"/>
+              <a:t>In the workplace, using security key pairs would be a more secure method for connecting to nodes than using the password method we are using in class. </a:t>
+            </a:r>
+          </a:p>
+          <a:p>
+            <a:endParaRPr lang="en-US" dirty="0" smtClean="0"/>
+          </a:p>
+          <a:p>
+            <a:r>
+              <a:rPr lang="en-US" dirty="0" smtClean="0"/>
+              <a:t>By clicking `</a:t>
+            </a:r>
+            <a:r>
+              <a:rPr lang="en-US" b="1" dirty="0" smtClean="0"/>
+              <a:t>Settings &gt; Add New Key Pair`  </a:t>
+            </a:r>
+            <a:r>
+              <a:rPr lang="en-US" dirty="0" smtClean="0"/>
+              <a:t>you will see where to paste</a:t>
+            </a:r>
+            <a:r>
+              <a:rPr lang="en-US" baseline="0" dirty="0" smtClean="0"/>
+              <a:t> </a:t>
+            </a:r>
+            <a:r>
+              <a:rPr lang="en-US" dirty="0" smtClean="0"/>
+              <a:t>your private and public keys. </a:t>
+            </a:r>
+          </a:p>
+          <a:p>
             <a:endParaRPr lang="en-US" dirty="0"/>
           </a:p>
         </p:txBody>
@@ -10185,7 +10362,7 @@
               <a:pPr>
                 <a:defRPr/>
               </a:pPr>
-              <a:t>13</a:t>
+              <a:t>12</a:t>
             </a:fld>
             <a:endParaRPr lang="en-US" dirty="0"/>
           </a:p>
@@ -10238,7 +10415,7 @@
     </p:spTree>
     <p:extLst>
       <p:ext uri="{BB962C8B-B14F-4D97-AF65-F5344CB8AC3E}">
-        <p14:creationId xmlns:p14="http://schemas.microsoft.com/office/powerpoint/2010/main" val="958851555"/>
+        <p14:creationId xmlns:p14="http://schemas.microsoft.com/office/powerpoint/2010/main" val="208647667"/>
       </p:ext>
     </p:extLst>
   </p:cSld>
@@ -10292,49 +10469,6 @@
           <a:bodyPr/>
           <a:lstStyle/>
           <a:p>
-            <a:r>
-              <a:rPr lang="en-US" dirty="0" smtClean="0"/>
-              <a:t>This image shows the default Compliance Profiles as accessed from the Scan Nodes page. This page displays when you select</a:t>
-            </a:r>
-            <a:r>
-              <a:rPr lang="en-US" baseline="0" dirty="0" smtClean="0"/>
-              <a:t> nodes to scan and then click the Scan button.</a:t>
-            </a:r>
-            <a:endParaRPr lang="en-US" dirty="0" smtClean="0"/>
-          </a:p>
-          <a:p>
-            <a:endParaRPr lang="en-US" dirty="0" smtClean="0"/>
-          </a:p>
-          <a:p>
-            <a:r>
-              <a:rPr lang="en-US" dirty="0" smtClean="0"/>
-              <a:t>You'll access the profiles in a moment. These profiles</a:t>
-            </a:r>
-            <a:r>
-              <a:rPr lang="en-US" baseline="0" dirty="0" smtClean="0"/>
-              <a:t> determine what will be scanned on your nodes.</a:t>
-            </a:r>
-            <a:endParaRPr lang="en-US" dirty="0" smtClean="0"/>
-          </a:p>
-          <a:p>
-            <a:endParaRPr lang="en-US" dirty="0" smtClean="0"/>
-          </a:p>
-          <a:p>
-            <a:r>
-              <a:rPr lang="en-US" dirty="0" smtClean="0"/>
-              <a:t>You should be thoughtful with which profiles choose since the more you choose to run, the longer it will take to execute the scan.</a:t>
-            </a:r>
-          </a:p>
-          <a:p>
-            <a:endParaRPr lang="en-US" dirty="0" smtClean="0"/>
-          </a:p>
-          <a:p>
-            <a:r>
-              <a:rPr lang="en-US" dirty="0" smtClean="0"/>
-              <a:t>Notice how you can also choose to run a scan on demand (Scan now) or schedule a scan to run at a later time.</a:t>
-            </a:r>
-          </a:p>
-          <a:p>
             <a:endParaRPr lang="en-US" dirty="0"/>
           </a:p>
         </p:txBody>
@@ -10362,7 +10496,7 @@
               <a:pPr>
                 <a:defRPr/>
               </a:pPr>
-              <a:t>14</a:t>
+              <a:t>13</a:t>
             </a:fld>
             <a:endParaRPr lang="en-US" dirty="0"/>
           </a:p>
@@ -10415,7 +10549,7 @@
     </p:spTree>
     <p:extLst>
       <p:ext uri="{BB962C8B-B14F-4D97-AF65-F5344CB8AC3E}">
-        <p14:creationId xmlns:p14="http://schemas.microsoft.com/office/powerpoint/2010/main" val="29724005"/>
+        <p14:creationId xmlns:p14="http://schemas.microsoft.com/office/powerpoint/2010/main" val="958851555"/>
       </p:ext>
     </p:extLst>
   </p:cSld>
@@ -10990,14 +11124,14 @@
           </a:ln>
           <a:extLst>
             <a:ext uri="{909E8E84-426E-40dd-AFC4-6F175D3DCCD1}">
-              <a14:hiddenFill xmlns:a14="http://schemas.microsoft.com/office/drawing/2010/main" xmlns="">
+              <a14:hiddenFill xmlns="" xmlns:a14="http://schemas.microsoft.com/office/drawing/2010/main">
                 <a:solidFill>
                   <a:srgbClr val="FFFFFF"/>
                 </a:solidFill>
               </a14:hiddenFill>
             </a:ext>
             <a:ext uri="{91240B29-F687-4f45-9708-019B960494DF}">
-              <a14:hiddenLine xmlns:a14="http://schemas.microsoft.com/office/drawing/2010/main" xmlns="" w="9525">
+              <a14:hiddenLine xmlns="" xmlns:a14="http://schemas.microsoft.com/office/drawing/2010/main" w="9525">
                 <a:solidFill>
                   <a:srgbClr val="000000"/>
                 </a:solidFill>
@@ -11145,14 +11279,14 @@
           </a:ln>
           <a:extLst>
             <a:ext uri="{909E8E84-426E-40dd-AFC4-6F175D3DCCD1}">
-              <a14:hiddenFill xmlns:a14="http://schemas.microsoft.com/office/drawing/2010/main" xmlns="">
+              <a14:hiddenFill xmlns="" xmlns:a14="http://schemas.microsoft.com/office/drawing/2010/main">
                 <a:solidFill>
                   <a:srgbClr val="FFFFFF"/>
                 </a:solidFill>
               </a14:hiddenFill>
             </a:ext>
             <a:ext uri="{91240B29-F687-4f45-9708-019B960494DF}">
-              <a14:hiddenLine xmlns:a14="http://schemas.microsoft.com/office/drawing/2010/main" xmlns="" w="9525">
+              <a14:hiddenLine xmlns="" xmlns:a14="http://schemas.microsoft.com/office/drawing/2010/main" w="9525">
                 <a:solidFill>
                   <a:srgbClr val="000000"/>
                 </a:solidFill>
@@ -11643,14 +11777,14 @@
           </a:ln>
           <a:extLst>
             <a:ext uri="{909E8E84-426E-40dd-AFC4-6F175D3DCCD1}">
-              <a14:hiddenFill xmlns:a14="http://schemas.microsoft.com/office/drawing/2010/main" xmlns="">
+              <a14:hiddenFill xmlns="" xmlns:a14="http://schemas.microsoft.com/office/drawing/2010/main">
                 <a:solidFill>
                   <a:srgbClr val="FFFFFF"/>
                 </a:solidFill>
               </a14:hiddenFill>
             </a:ext>
             <a:ext uri="{91240B29-F687-4f45-9708-019B960494DF}">
-              <a14:hiddenLine xmlns:a14="http://schemas.microsoft.com/office/drawing/2010/main" xmlns="" w="9525">
+              <a14:hiddenLine xmlns="" xmlns:a14="http://schemas.microsoft.com/office/drawing/2010/main" w="9525">
                 <a:solidFill>
                   <a:srgbClr val="000000"/>
                 </a:solidFill>
@@ -11889,14 +12023,14 @@
           </a:ln>
           <a:extLst>
             <a:ext uri="{909E8E84-426E-40dd-AFC4-6F175D3DCCD1}">
-              <a14:hiddenFill xmlns:a14="http://schemas.microsoft.com/office/drawing/2010/main" xmlns="">
+              <a14:hiddenFill xmlns="" xmlns:a14="http://schemas.microsoft.com/office/drawing/2010/main">
                 <a:solidFill>
                   <a:srgbClr val="FFFFFF"/>
                 </a:solidFill>
               </a14:hiddenFill>
             </a:ext>
             <a:ext uri="{91240B29-F687-4f45-9708-019B960494DF}">
-              <a14:hiddenLine xmlns:a14="http://schemas.microsoft.com/office/drawing/2010/main" xmlns="" w="9525">
+              <a14:hiddenLine xmlns="" xmlns:a14="http://schemas.microsoft.com/office/drawing/2010/main" w="9525">
                 <a:solidFill>
                   <a:srgbClr val="000000"/>
                 </a:solidFill>
@@ -13824,14 +13958,14 @@
           </a:ln>
           <a:extLst>
             <a:ext uri="{909E8E84-426E-40dd-AFC4-6F175D3DCCD1}">
-              <a14:hiddenFill xmlns:a14="http://schemas.microsoft.com/office/drawing/2010/main" xmlns="">
+              <a14:hiddenFill xmlns="" xmlns:a14="http://schemas.microsoft.com/office/drawing/2010/main">
                 <a:solidFill>
                   <a:srgbClr val="FFFFFF"/>
                 </a:solidFill>
               </a14:hiddenFill>
             </a:ext>
             <a:ext uri="{91240B29-F687-4f45-9708-019B960494DF}">
-              <a14:hiddenLine xmlns:a14="http://schemas.microsoft.com/office/drawing/2010/main" xmlns="" w="9525">
+              <a14:hiddenLine xmlns="" xmlns:a14="http://schemas.microsoft.com/office/drawing/2010/main" w="9525">
                 <a:solidFill>
                   <a:srgbClr val="000000"/>
                 </a:solidFill>
@@ -15365,14 +15499,14 @@
           </a:ln>
           <a:extLst>
             <a:ext uri="{909E8E84-426E-40dd-AFC4-6F175D3DCCD1}">
-              <a14:hiddenFill xmlns:a14="http://schemas.microsoft.com/office/drawing/2010/main" xmlns="">
+              <a14:hiddenFill xmlns="" xmlns:a14="http://schemas.microsoft.com/office/drawing/2010/main">
                 <a:solidFill>
                   <a:srgbClr val="FFFFFF"/>
                 </a:solidFill>
               </a14:hiddenFill>
             </a:ext>
             <a:ext uri="{91240B29-F687-4f45-9708-019B960494DF}">
-              <a14:hiddenLine xmlns:a14="http://schemas.microsoft.com/office/drawing/2010/main" xmlns="" w="9525">
+              <a14:hiddenLine xmlns="" xmlns:a14="http://schemas.microsoft.com/office/drawing/2010/main" w="9525">
                 <a:solidFill>
                   <a:srgbClr val="000000"/>
                 </a:solidFill>
@@ -15930,14 +16064,14 @@
           </a:ln>
           <a:extLst>
             <a:ext uri="{909E8E84-426E-40dd-AFC4-6F175D3DCCD1}">
-              <a14:hiddenFill xmlns:a14="http://schemas.microsoft.com/office/drawing/2010/main" xmlns="">
+              <a14:hiddenFill xmlns="" xmlns:a14="http://schemas.microsoft.com/office/drawing/2010/main">
                 <a:solidFill>
                   <a:srgbClr val="FFFFFF"/>
                 </a:solidFill>
               </a14:hiddenFill>
             </a:ext>
             <a:ext uri="{91240B29-F687-4f45-9708-019B960494DF}">
-              <a14:hiddenLine xmlns:a14="http://schemas.microsoft.com/office/drawing/2010/main" xmlns="" w="9525">
+              <a14:hiddenLine xmlns="" xmlns:a14="http://schemas.microsoft.com/office/drawing/2010/main" w="9525">
                 <a:solidFill>
                   <a:srgbClr val="000000"/>
                 </a:solidFill>
@@ -16504,14 +16638,14 @@
           </a:ln>
           <a:extLst>
             <a:ext uri="{909E8E84-426E-40dd-AFC4-6F175D3DCCD1}">
-              <a14:hiddenFill xmlns:a14="http://schemas.microsoft.com/office/drawing/2010/main" xmlns="">
+              <a14:hiddenFill xmlns="" xmlns:a14="http://schemas.microsoft.com/office/drawing/2010/main">
                 <a:solidFill>
                   <a:srgbClr val="FFFFFF"/>
                 </a:solidFill>
               </a14:hiddenFill>
             </a:ext>
             <a:ext uri="{91240B29-F687-4f45-9708-019B960494DF}">
-              <a14:hiddenLine xmlns:a14="http://schemas.microsoft.com/office/drawing/2010/main" xmlns="" w="9525">
+              <a14:hiddenLine xmlns="" xmlns:a14="http://schemas.microsoft.com/office/drawing/2010/main" w="9525">
                 <a:solidFill>
                   <a:srgbClr val="000000"/>
                 </a:solidFill>
@@ -17451,14 +17585,14 @@
           </a:ln>
           <a:extLst>
             <a:ext uri="{909E8E84-426E-40dd-AFC4-6F175D3DCCD1}">
-              <a14:hiddenFill xmlns:a14="http://schemas.microsoft.com/office/drawing/2010/main" xmlns="">
+              <a14:hiddenFill xmlns="" xmlns:a14="http://schemas.microsoft.com/office/drawing/2010/main">
                 <a:solidFill>
                   <a:srgbClr val="FFFFFF"/>
                 </a:solidFill>
               </a14:hiddenFill>
             </a:ext>
             <a:ext uri="{91240B29-F687-4f45-9708-019B960494DF}">
-              <a14:hiddenLine xmlns:a14="http://schemas.microsoft.com/office/drawing/2010/main" xmlns="" w="9525">
+              <a14:hiddenLine xmlns="" xmlns:a14="http://schemas.microsoft.com/office/drawing/2010/main" w="9525">
                 <a:solidFill>
                   <a:srgbClr val="000000"/>
                 </a:solidFill>
@@ -18211,14 +18345,14 @@
           </a:ln>
           <a:extLst>
             <a:ext uri="{909E8E84-426E-40dd-AFC4-6F175D3DCCD1}">
-              <a14:hiddenFill xmlns:a14="http://schemas.microsoft.com/office/drawing/2010/main" xmlns="">
+              <a14:hiddenFill xmlns="" xmlns:a14="http://schemas.microsoft.com/office/drawing/2010/main">
                 <a:solidFill>
                   <a:srgbClr val="FFFFFF"/>
                 </a:solidFill>
               </a14:hiddenFill>
             </a:ext>
             <a:ext uri="{91240B29-F687-4f45-9708-019B960494DF}">
-              <a14:hiddenLine xmlns:a14="http://schemas.microsoft.com/office/drawing/2010/main" xmlns="" w="9525">
+              <a14:hiddenLine xmlns="" xmlns:a14="http://schemas.microsoft.com/office/drawing/2010/main" w="9525">
                 <a:solidFill>
                   <a:srgbClr val="000000"/>
                 </a:solidFill>
@@ -21068,6 +21202,9 @@
               <a:rPr lang="en-US" dirty="0" smtClean="0"/>
               <a:t>.</a:t>
             </a:r>
+          </a:p>
+          <a:p>
+            <a:endParaRPr lang="en-US" dirty="0" smtClean="0"/>
           </a:p>
           <a:p>
             <a:pPr marL="457200" indent="-457200">
@@ -32162,52 +32299,6 @@
 </file>
 
 <file path=customXml/item1.xml><?xml version="1.0" encoding="utf-8"?>
-<?mso-contentType ?>
-<spe:Receivers xmlns:spe="http://schemas.microsoft.com/sharepoint/events">
-  <Receiver>
-    <Name>Document ID Generator</Name>
-    <Synchronization>Synchronous</Synchronization>
-    <Type>10001</Type>
-    <SequenceNumber>1000</SequenceNumber>
-    <Assembly>Microsoft.Office.DocumentManagement, Version=14.0.0.0, Culture=neutral, PublicKeyToken=71e9bce111e9429c</Assembly>
-    <Class>Microsoft.Office.DocumentManagement.Internal.DocIdHandler</Class>
-    <Data/>
-    <Filter/>
-  </Receiver>
-  <Receiver>
-    <Name>Document ID Generator</Name>
-    <Synchronization>Synchronous</Synchronization>
-    <Type>10002</Type>
-    <SequenceNumber>1001</SequenceNumber>
-    <Assembly>Microsoft.Office.DocumentManagement, Version=14.0.0.0, Culture=neutral, PublicKeyToken=71e9bce111e9429c</Assembly>
-    <Class>Microsoft.Office.DocumentManagement.Internal.DocIdHandler</Class>
-    <Data/>
-    <Filter/>
-  </Receiver>
-  <Receiver>
-    <Name>Document ID Generator</Name>
-    <Synchronization>Synchronous</Synchronization>
-    <Type>10004</Type>
-    <SequenceNumber>1002</SequenceNumber>
-    <Assembly>Microsoft.Office.DocumentManagement, Version=14.0.0.0, Culture=neutral, PublicKeyToken=71e9bce111e9429c</Assembly>
-    <Class>Microsoft.Office.DocumentManagement.Internal.DocIdHandler</Class>
-    <Data/>
-    <Filter/>
-  </Receiver>
-  <Receiver>
-    <Name>Document ID Generator</Name>
-    <Synchronization>Synchronous</Synchronization>
-    <Type>10006</Type>
-    <SequenceNumber>1003</SequenceNumber>
-    <Assembly>Microsoft.Office.DocumentManagement, Version=14.0.0.0, Culture=neutral, PublicKeyToken=71e9bce111e9429c</Assembly>
-    <Class>Microsoft.Office.DocumentManagement.Internal.DocIdHandler</Class>
-    <Data/>
-    <Filter/>
-  </Receiver>
-</spe:Receivers>
-</file>
-
-<file path=customXml/item2.xml><?xml version="1.0" encoding="utf-8"?>
 <ct:contentTypeSchema xmlns:ct="http://schemas.microsoft.com/office/2006/metadata/contentType" xmlns:ma="http://schemas.microsoft.com/office/2006/metadata/properties/metaAttributes" ct:_="" ma:_="" ma:contentTypeName="Document" ma:contentTypeID="0x0101000812F700BE7F874999720E88173FE491" ma:contentTypeVersion="0" ma:contentTypeDescription="Create a new document." ma:contentTypeScope="" ma:versionID="3f79f408e2ca720b7aba6e0e32464d0c">
   <xsd:schema xmlns:xsd="http://www.w3.org/2001/XMLSchema" xmlns:xs="http://www.w3.org/2001/XMLSchema" xmlns:p="http://schemas.microsoft.com/office/2006/metadata/properties" xmlns:ns2="7bb5d761-a2ea-4873-95f7-7a6658fb3ef0" targetNamespace="http://schemas.microsoft.com/office/2006/metadata/properties" ma:root="true" ma:fieldsID="1e062cd38ba31e406bfc4340fbc7f87a" ns2:_="">
     <xsd:import namespace="7bb5d761-a2ea-4873-95f7-7a6658fb3ef0"/>
@@ -32352,7 +32443,62 @@
 </ct:contentTypeSchema>
 </file>
 
+<file path=customXml/item2.xml><?xml version="1.0" encoding="utf-8"?>
+<?mso-contentType ?>
+<spe:Receivers xmlns:spe="http://schemas.microsoft.com/sharepoint/events">
+  <Receiver>
+    <Name>Document ID Generator</Name>
+    <Synchronization>Synchronous</Synchronization>
+    <Type>10001</Type>
+    <SequenceNumber>1000</SequenceNumber>
+    <Assembly>Microsoft.Office.DocumentManagement, Version=14.0.0.0, Culture=neutral, PublicKeyToken=71e9bce111e9429c</Assembly>
+    <Class>Microsoft.Office.DocumentManagement.Internal.DocIdHandler</Class>
+    <Data/>
+    <Filter/>
+  </Receiver>
+  <Receiver>
+    <Name>Document ID Generator</Name>
+    <Synchronization>Synchronous</Synchronization>
+    <Type>10002</Type>
+    <SequenceNumber>1001</SequenceNumber>
+    <Assembly>Microsoft.Office.DocumentManagement, Version=14.0.0.0, Culture=neutral, PublicKeyToken=71e9bce111e9429c</Assembly>
+    <Class>Microsoft.Office.DocumentManagement.Internal.DocIdHandler</Class>
+    <Data/>
+    <Filter/>
+  </Receiver>
+  <Receiver>
+    <Name>Document ID Generator</Name>
+    <Synchronization>Synchronous</Synchronization>
+    <Type>10004</Type>
+    <SequenceNumber>1002</SequenceNumber>
+    <Assembly>Microsoft.Office.DocumentManagement, Version=14.0.0.0, Culture=neutral, PublicKeyToken=71e9bce111e9429c</Assembly>
+    <Class>Microsoft.Office.DocumentManagement.Internal.DocIdHandler</Class>
+    <Data/>
+    <Filter/>
+  </Receiver>
+  <Receiver>
+    <Name>Document ID Generator</Name>
+    <Synchronization>Synchronous</Synchronization>
+    <Type>10006</Type>
+    <SequenceNumber>1003</SequenceNumber>
+    <Assembly>Microsoft.Office.DocumentManagement, Version=14.0.0.0, Culture=neutral, PublicKeyToken=71e9bce111e9429c</Assembly>
+    <Class>Microsoft.Office.DocumentManagement.Internal.DocIdHandler</Class>
+    <Data/>
+    <Filter/>
+  </Receiver>
+</spe:Receivers>
+</file>
+
 <file path=customXml/item3.xml><?xml version="1.0" encoding="utf-8"?>
+<?mso-contentType ?>
+<FormTemplates xmlns="http://schemas.microsoft.com/sharepoint/v3/contenttype/forms">
+  <Display>DocumentLibraryForm</Display>
+  <Edit>DocumentLibraryForm</Edit>
+  <New>DocumentLibraryForm</New>
+</FormTemplates>
+</file>
+
+<file path=customXml/item4.xml><?xml version="1.0" encoding="utf-8"?>
 <p:properties xmlns:p="http://schemas.microsoft.com/office/2006/metadata/properties" xmlns:xsi="http://www.w3.org/2001/XMLSchema-instance" xmlns:pc="http://schemas.microsoft.com/office/infopath/2007/PartnerControls">
   <documentManagement>
     <_dlc_DocId xmlns="7bb5d761-a2ea-4873-95f7-7a6658fb3ef0">M4CWTKMW727E-592-73</_dlc_DocId>
@@ -32364,24 +32510,7 @@
 </p:properties>
 </file>
 
-<file path=customXml/item4.xml><?xml version="1.0" encoding="utf-8"?>
-<?mso-contentType ?>
-<FormTemplates xmlns="http://schemas.microsoft.com/sharepoint/v3/contenttype/forms">
-  <Display>DocumentLibraryForm</Display>
-  <Edit>DocumentLibraryForm</Edit>
-  <New>DocumentLibraryForm</New>
-</FormTemplates>
-</file>
-
 <file path=customXml/itemProps1.xml><?xml version="1.0" encoding="utf-8"?>
-<ds:datastoreItem xmlns:ds="http://schemas.openxmlformats.org/officeDocument/2006/customXml" ds:itemID="{B13EBC30-FE27-4C6A-B723-23FC2188F7DC}">
-  <ds:schemaRefs>
-    <ds:schemaRef ds:uri="http://schemas.microsoft.com/sharepoint/events"/>
-  </ds:schemaRefs>
-</ds:datastoreItem>
-</file>
-
-<file path=customXml/itemProps2.xml><?xml version="1.0" encoding="utf-8"?>
 <ds:datastoreItem xmlns:ds="http://schemas.openxmlformats.org/officeDocument/2006/customXml" ds:itemID="{164479E5-0B02-49AC-B79E-EC1D6164DDD3}">
   <ds:schemaRefs>
     <ds:schemaRef ds:uri="http://schemas.microsoft.com/office/2006/metadata/contentType"/>
@@ -32399,7 +32528,23 @@
 </ds:datastoreItem>
 </file>
 
+<file path=customXml/itemProps2.xml><?xml version="1.0" encoding="utf-8"?>
+<ds:datastoreItem xmlns:ds="http://schemas.openxmlformats.org/officeDocument/2006/customXml" ds:itemID="{B13EBC30-FE27-4C6A-B723-23FC2188F7DC}">
+  <ds:schemaRefs>
+    <ds:schemaRef ds:uri="http://schemas.microsoft.com/sharepoint/events"/>
+  </ds:schemaRefs>
+</ds:datastoreItem>
+</file>
+
 <file path=customXml/itemProps3.xml><?xml version="1.0" encoding="utf-8"?>
+<ds:datastoreItem xmlns:ds="http://schemas.openxmlformats.org/officeDocument/2006/customXml" ds:itemID="{5CDEB364-43EC-4510-9881-539C2A3FCE9E}">
+  <ds:schemaRefs>
+    <ds:schemaRef ds:uri="http://schemas.microsoft.com/sharepoint/v3/contenttype/forms"/>
+  </ds:schemaRefs>
+</ds:datastoreItem>
+</file>
+
+<file path=customXml/itemProps4.xml><?xml version="1.0" encoding="utf-8"?>
 <ds:datastoreItem xmlns:ds="http://schemas.openxmlformats.org/officeDocument/2006/customXml" ds:itemID="{6921749B-AEB7-461B-845F-603CABD25259}">
   <ds:schemaRefs>
     <ds:schemaRef ds:uri="http://purl.org/dc/dcmitype/"/>
@@ -32413,12 +32558,4 @@
     <ds:schemaRef ds:uri="http://www.w3.org/XML/1998/namespace"/>
   </ds:schemaRefs>
 </ds:datastoreItem>
-</file>
-
-<file path=customXml/itemProps4.xml><?xml version="1.0" encoding="utf-8"?>
-<ds:datastoreItem xmlns:ds="http://schemas.openxmlformats.org/officeDocument/2006/customXml" ds:itemID="{5CDEB364-43EC-4510-9881-539C2A3FCE9E}">
-  <ds:schemaRefs>
-    <ds:schemaRef ds:uri="http://schemas.microsoft.com/sharepoint/v3/contenttype/forms"/>
-  </ds:schemaRefs>
-</ds:datastoreItem>
 </file>
--- a/03-initial-configuration-scans.pptx
+++ b/03-initial-configuration-scans.pptx
@@ -55,7 +55,7 @@
     <p:sldId id="333" r:id="rId47"/>
     <p:sldId id="353" r:id="rId48"/>
     <p:sldId id="334" r:id="rId49"/>
-    <p:sldId id="335" r:id="rId50"/>
+    <p:sldId id="356" r:id="rId50"/>
     <p:sldId id="336" r:id="rId51"/>
     <p:sldId id="346" r:id="rId52"/>
     <p:sldId id="349" r:id="rId53"/>
@@ -335,7 +335,7 @@
               <a:pPr>
                 <a:defRPr/>
               </a:pPr>
-              <a:t>2015-12-17</a:t>
+              <a:t>2015-12-18</a:t>
             </a:fld>
             <a:endParaRPr lang="en-US" dirty="0"/>
           </a:p>
@@ -518,7 +518,7 @@
               <a:pPr>
                 <a:defRPr/>
               </a:pPr>
-              <a:t>2015-12-17</a:t>
+              <a:t>2015-12-18</a:t>
             </a:fld>
             <a:endParaRPr lang="en-US" dirty="0"/>
           </a:p>
@@ -6240,10 +6240,29 @@
           <a:bodyPr/>
           <a:lstStyle/>
           <a:p>
+            <a:pPr marL="0" marR="0" indent="0" algn="l" defTabSz="1217613" rtl="0" eaLnBrk="1" fontAlgn="base" latinLnBrk="0" hangingPunct="1">
+              <a:lnSpc>
+                <a:spcPct val="90000"/>
+              </a:lnSpc>
+              <a:spcBef>
+                <a:spcPct val="30000"/>
+              </a:spcBef>
+              <a:spcAft>
+                <a:spcPts val="450"/>
+              </a:spcAft>
+              <a:buClrTx/>
+              <a:buSzTx/>
+              <a:buFontTx/>
+              <a:buNone/>
+              <a:tabLst/>
+              <a:defRPr/>
+            </a:pPr>
             <a:r>
               <a:rPr lang="en-US" dirty="0" smtClean="0"/>
               <a:t>See the following slide for an example of a handy way to populate this file.</a:t>
             </a:r>
+          </a:p>
+          <a:p>
             <a:endParaRPr lang="en-US" dirty="0"/>
           </a:p>
         </p:txBody>
@@ -6324,7 +6343,7 @@
     </p:spTree>
     <p:extLst>
       <p:ext uri="{BB962C8B-B14F-4D97-AF65-F5344CB8AC3E}">
-        <p14:creationId xmlns:p14="http://schemas.microsoft.com/office/powerpoint/2010/main" val="1699919457"/>
+        <p14:creationId xmlns:p14="http://schemas.microsoft.com/office/powerpoint/2010/main" val="2659342432"/>
       </p:ext>
     </p:extLst>
   </p:cSld>
@@ -11648,14 +11667,14 @@
           </a:ln>
           <a:extLst>
             <a:ext uri="{909E8E84-426E-40dd-AFC4-6F175D3DCCD1}">
-              <a14:hiddenFill xmlns="" xmlns:a14="http://schemas.microsoft.com/office/drawing/2010/main">
+              <a14:hiddenFill xmlns:a14="http://schemas.microsoft.com/office/drawing/2010/main" xmlns="">
                 <a:solidFill>
                   <a:srgbClr val="FFFFFF"/>
                 </a:solidFill>
               </a14:hiddenFill>
             </a:ext>
             <a:ext uri="{91240B29-F687-4f45-9708-019B960494DF}">
-              <a14:hiddenLine xmlns="" xmlns:a14="http://schemas.microsoft.com/office/drawing/2010/main" w="9525">
+              <a14:hiddenLine xmlns:a14="http://schemas.microsoft.com/office/drawing/2010/main" xmlns="" w="9525">
                 <a:solidFill>
                   <a:srgbClr val="000000"/>
                 </a:solidFill>
@@ -11803,14 +11822,14 @@
           </a:ln>
           <a:extLst>
             <a:ext uri="{909E8E84-426E-40dd-AFC4-6F175D3DCCD1}">
-              <a14:hiddenFill xmlns="" xmlns:a14="http://schemas.microsoft.com/office/drawing/2010/main">
+              <a14:hiddenFill xmlns:a14="http://schemas.microsoft.com/office/drawing/2010/main" xmlns="">
                 <a:solidFill>
                   <a:srgbClr val="FFFFFF"/>
                 </a:solidFill>
               </a14:hiddenFill>
             </a:ext>
             <a:ext uri="{91240B29-F687-4f45-9708-019B960494DF}">
-              <a14:hiddenLine xmlns="" xmlns:a14="http://schemas.microsoft.com/office/drawing/2010/main" w="9525">
+              <a14:hiddenLine xmlns:a14="http://schemas.microsoft.com/office/drawing/2010/main" xmlns="" w="9525">
                 <a:solidFill>
                   <a:srgbClr val="000000"/>
                 </a:solidFill>
@@ -12301,14 +12320,14 @@
           </a:ln>
           <a:extLst>
             <a:ext uri="{909E8E84-426E-40dd-AFC4-6F175D3DCCD1}">
-              <a14:hiddenFill xmlns="" xmlns:a14="http://schemas.microsoft.com/office/drawing/2010/main">
+              <a14:hiddenFill xmlns:a14="http://schemas.microsoft.com/office/drawing/2010/main" xmlns="">
                 <a:solidFill>
                   <a:srgbClr val="FFFFFF"/>
                 </a:solidFill>
               </a14:hiddenFill>
             </a:ext>
             <a:ext uri="{91240B29-F687-4f45-9708-019B960494DF}">
-              <a14:hiddenLine xmlns="" xmlns:a14="http://schemas.microsoft.com/office/drawing/2010/main" w="9525">
+              <a14:hiddenLine xmlns:a14="http://schemas.microsoft.com/office/drawing/2010/main" xmlns="" w="9525">
                 <a:solidFill>
                   <a:srgbClr val="000000"/>
                 </a:solidFill>
@@ -12547,14 +12566,14 @@
           </a:ln>
           <a:extLst>
             <a:ext uri="{909E8E84-426E-40dd-AFC4-6F175D3DCCD1}">
-              <a14:hiddenFill xmlns="" xmlns:a14="http://schemas.microsoft.com/office/drawing/2010/main">
+              <a14:hiddenFill xmlns:a14="http://schemas.microsoft.com/office/drawing/2010/main" xmlns="">
                 <a:solidFill>
                   <a:srgbClr val="FFFFFF"/>
                 </a:solidFill>
               </a14:hiddenFill>
             </a:ext>
             <a:ext uri="{91240B29-F687-4f45-9708-019B960494DF}">
-              <a14:hiddenLine xmlns="" xmlns:a14="http://schemas.microsoft.com/office/drawing/2010/main" w="9525">
+              <a14:hiddenLine xmlns:a14="http://schemas.microsoft.com/office/drawing/2010/main" xmlns="" w="9525">
                 <a:solidFill>
                   <a:srgbClr val="000000"/>
                 </a:solidFill>
@@ -14482,14 +14501,14 @@
           </a:ln>
           <a:extLst>
             <a:ext uri="{909E8E84-426E-40dd-AFC4-6F175D3DCCD1}">
-              <a14:hiddenFill xmlns="" xmlns:a14="http://schemas.microsoft.com/office/drawing/2010/main">
+              <a14:hiddenFill xmlns:a14="http://schemas.microsoft.com/office/drawing/2010/main" xmlns="">
                 <a:solidFill>
                   <a:srgbClr val="FFFFFF"/>
                 </a:solidFill>
               </a14:hiddenFill>
             </a:ext>
             <a:ext uri="{91240B29-F687-4f45-9708-019B960494DF}">
-              <a14:hiddenLine xmlns="" xmlns:a14="http://schemas.microsoft.com/office/drawing/2010/main" w="9525">
+              <a14:hiddenLine xmlns:a14="http://schemas.microsoft.com/office/drawing/2010/main" xmlns="" w="9525">
                 <a:solidFill>
                   <a:srgbClr val="000000"/>
                 </a:solidFill>
@@ -16023,14 +16042,14 @@
           </a:ln>
           <a:extLst>
             <a:ext uri="{909E8E84-426E-40dd-AFC4-6F175D3DCCD1}">
-              <a14:hiddenFill xmlns="" xmlns:a14="http://schemas.microsoft.com/office/drawing/2010/main">
+              <a14:hiddenFill xmlns:a14="http://schemas.microsoft.com/office/drawing/2010/main" xmlns="">
                 <a:solidFill>
                   <a:srgbClr val="FFFFFF"/>
                 </a:solidFill>
               </a14:hiddenFill>
             </a:ext>
             <a:ext uri="{91240B29-F687-4f45-9708-019B960494DF}">
-              <a14:hiddenLine xmlns="" xmlns:a14="http://schemas.microsoft.com/office/drawing/2010/main" w="9525">
+              <a14:hiddenLine xmlns:a14="http://schemas.microsoft.com/office/drawing/2010/main" xmlns="" w="9525">
                 <a:solidFill>
                   <a:srgbClr val="000000"/>
                 </a:solidFill>
@@ -16588,14 +16607,14 @@
           </a:ln>
           <a:extLst>
             <a:ext uri="{909E8E84-426E-40dd-AFC4-6F175D3DCCD1}">
-              <a14:hiddenFill xmlns="" xmlns:a14="http://schemas.microsoft.com/office/drawing/2010/main">
+              <a14:hiddenFill xmlns:a14="http://schemas.microsoft.com/office/drawing/2010/main" xmlns="">
                 <a:solidFill>
                   <a:srgbClr val="FFFFFF"/>
                 </a:solidFill>
               </a14:hiddenFill>
             </a:ext>
             <a:ext uri="{91240B29-F687-4f45-9708-019B960494DF}">
-              <a14:hiddenLine xmlns="" xmlns:a14="http://schemas.microsoft.com/office/drawing/2010/main" w="9525">
+              <a14:hiddenLine xmlns:a14="http://schemas.microsoft.com/office/drawing/2010/main" xmlns="" w="9525">
                 <a:solidFill>
                   <a:srgbClr val="000000"/>
                 </a:solidFill>
@@ -17162,14 +17181,14 @@
           </a:ln>
           <a:extLst>
             <a:ext uri="{909E8E84-426E-40dd-AFC4-6F175D3DCCD1}">
-              <a14:hiddenFill xmlns="" xmlns:a14="http://schemas.microsoft.com/office/drawing/2010/main">
+              <a14:hiddenFill xmlns:a14="http://schemas.microsoft.com/office/drawing/2010/main" xmlns="">
                 <a:solidFill>
                   <a:srgbClr val="FFFFFF"/>
                 </a:solidFill>
               </a14:hiddenFill>
             </a:ext>
             <a:ext uri="{91240B29-F687-4f45-9708-019B960494DF}">
-              <a14:hiddenLine xmlns="" xmlns:a14="http://schemas.microsoft.com/office/drawing/2010/main" w="9525">
+              <a14:hiddenLine xmlns:a14="http://schemas.microsoft.com/office/drawing/2010/main" xmlns="" w="9525">
                 <a:solidFill>
                   <a:srgbClr val="000000"/>
                 </a:solidFill>
@@ -18109,14 +18128,14 @@
           </a:ln>
           <a:extLst>
             <a:ext uri="{909E8E84-426E-40dd-AFC4-6F175D3DCCD1}">
-              <a14:hiddenFill xmlns="" xmlns:a14="http://schemas.microsoft.com/office/drawing/2010/main">
+              <a14:hiddenFill xmlns:a14="http://schemas.microsoft.com/office/drawing/2010/main" xmlns="">
                 <a:solidFill>
                   <a:srgbClr val="FFFFFF"/>
                 </a:solidFill>
               </a14:hiddenFill>
             </a:ext>
             <a:ext uri="{91240B29-F687-4f45-9708-019B960494DF}">
-              <a14:hiddenLine xmlns="" xmlns:a14="http://schemas.microsoft.com/office/drawing/2010/main" w="9525">
+              <a14:hiddenLine xmlns:a14="http://schemas.microsoft.com/office/drawing/2010/main" xmlns="" w="9525">
                 <a:solidFill>
                   <a:srgbClr val="000000"/>
                 </a:solidFill>
@@ -18869,14 +18888,14 @@
           </a:ln>
           <a:extLst>
             <a:ext uri="{909E8E84-426E-40dd-AFC4-6F175D3DCCD1}">
-              <a14:hiddenFill xmlns="" xmlns:a14="http://schemas.microsoft.com/office/drawing/2010/main">
+              <a14:hiddenFill xmlns:a14="http://schemas.microsoft.com/office/drawing/2010/main" xmlns="">
                 <a:solidFill>
                   <a:srgbClr val="FFFFFF"/>
                 </a:solidFill>
               </a14:hiddenFill>
             </a:ext>
             <a:ext uri="{91240B29-F687-4f45-9708-019B960494DF}">
-              <a14:hiddenLine xmlns="" xmlns:a14="http://schemas.microsoft.com/office/drawing/2010/main" w="9525">
+              <a14:hiddenLine xmlns:a14="http://schemas.microsoft.com/office/drawing/2010/main" xmlns="" w="9525">
                 <a:solidFill>
                   <a:srgbClr val="000000"/>
                 </a:solidFill>
@@ -22974,11 +22993,7 @@
           <a:p>
             <a:r>
               <a:rPr lang="en-US" dirty="0"/>
-              <a:t># </a:t>
-            </a:r>
-            <a:r>
-              <a:rPr lang="en-US" dirty="0"/>
-              <a:t>  Protocol 2,1</a:t>
+              <a:t>#   Protocol 2,1</a:t>
             </a:r>
             <a:endParaRPr lang="en-US" dirty="0" smtClean="0"/>
           </a:p>
@@ -27219,7 +27234,37 @@
       </p:grpSpPr>
       <p:sp>
         <p:nvSpPr>
-          <p:cNvPr id="2" name="Content Placeholder 1"/>
+          <p:cNvPr id="2" name="Title 1"/>
+          <p:cNvSpPr>
+            <a:spLocks noGrp="1"/>
+          </p:cNvSpPr>
+          <p:nvPr>
+            <p:ph type="title"/>
+          </p:nvPr>
+        </p:nvSpPr>
+        <p:spPr/>
+        <p:txBody>
+          <a:bodyPr/>
+          <a:lstStyle/>
+          <a:p>
+            <a:r>
+              <a:rPr lang="en-US" dirty="0"/>
+              <a:t>GE: Create the `</a:t>
+            </a:r>
+            <a:r>
+              <a:rPr lang="en-US" dirty="0" err="1"/>
+              <a:t>client_spec.rb</a:t>
+            </a:r>
+            <a:r>
+              <a:rPr lang="en-US" dirty="0"/>
+              <a:t>' file</a:t>
+            </a:r>
+          </a:p>
+        </p:txBody>
+      </p:sp>
+      <p:sp>
+        <p:nvSpPr>
+          <p:cNvPr id="3" name="Content Placeholder 2"/>
           <p:cNvSpPr>
             <a:spLocks noGrp="1"/>
           </p:cNvSpPr>
@@ -27227,111 +27272,108 @@
             <p:ph sz="quarter" idx="10"/>
           </p:nvPr>
         </p:nvSpPr>
-        <p:spPr>
-          <a:xfrm>
-            <a:off x="1121104" y="2315962"/>
-            <a:ext cx="14423693" cy="5822197"/>
-          </a:xfrm>
-        </p:spPr>
+        <p:spPr/>
         <p:txBody>
           <a:bodyPr/>
           <a:lstStyle/>
           <a:p>
             <a:r>
-              <a:rPr lang="en-US" dirty="0" smtClean="0"/>
+              <a:rPr lang="en-US" b="1" dirty="0"/>
               <a:t>control 'ssh-4' do</a:t>
             </a:r>
           </a:p>
           <a:p>
             <a:r>
-              <a:rPr lang="en-US" dirty="0" smtClean="0"/>
+              <a:rPr lang="en-US" b="1" dirty="0"/>
               <a:t>  impact 3.0</a:t>
             </a:r>
           </a:p>
           <a:p>
             <a:r>
-              <a:rPr lang="en-US" dirty="0" smtClean="0"/>
+              <a:rPr lang="en-US" b="1" dirty="0"/>
               <a:t>  title 'Client: Set SSH protocol version to 2'</a:t>
             </a:r>
           </a:p>
           <a:p>
             <a:r>
-              <a:rPr lang="en-US" dirty="0" smtClean="0"/>
+              <a:rPr lang="en-US" b="1" dirty="0"/>
               <a:t>  </a:t>
             </a:r>
             <a:r>
-              <a:rPr lang="en-US" dirty="0" err="1" smtClean="0"/>
+              <a:rPr lang="en-US" b="1" dirty="0" err="1"/>
               <a:t>desc</a:t>
             </a:r>
             <a:r>
-              <a:rPr lang="en-US" dirty="0" smtClean="0"/>
+              <a:rPr lang="en-US" b="1" dirty="0"/>
               <a:t> "</a:t>
             </a:r>
           </a:p>
           <a:p>
             <a:r>
-              <a:rPr lang="en-US" dirty="0" smtClean="0"/>
+              <a:rPr lang="en-US" b="1" dirty="0"/>
               <a:t>    Set the SSH protocol version to 2. Don't use legacy</a:t>
             </a:r>
           </a:p>
           <a:p>
             <a:r>
-              <a:rPr lang="en-US" dirty="0" smtClean="0"/>
+              <a:rPr lang="en-US" b="1" dirty="0"/>
               <a:t>    insecure SSHv3 connections anymore.</a:t>
             </a:r>
           </a:p>
           <a:p>
             <a:r>
-              <a:rPr lang="en-US" dirty="0" smtClean="0"/>
+              <a:rPr lang="en-US" b="1" dirty="0"/>
               <a:t>  "</a:t>
             </a:r>
           </a:p>
           <a:p>
             <a:r>
-              <a:rPr lang="en-US" dirty="0" smtClean="0"/>
+              <a:rPr lang="en-US" b="1" dirty="0"/>
               <a:t>  describe </a:t>
             </a:r>
             <a:r>
-              <a:rPr lang="en-US" dirty="0" err="1" smtClean="0"/>
+              <a:rPr lang="en-US" b="1" dirty="0" err="1"/>
               <a:t>ssh_config</a:t>
             </a:r>
             <a:r>
-              <a:rPr lang="en-US" dirty="0" smtClean="0"/>
+              <a:rPr lang="en-US" b="1" dirty="0"/>
               <a:t> do</a:t>
             </a:r>
           </a:p>
           <a:p>
             <a:r>
-              <a:rPr lang="en-US" dirty="0" smtClean="0"/>
+              <a:rPr lang="en-US" b="1" dirty="0"/>
               <a:t>    its('Protocol') { should </a:t>
             </a:r>
             <a:r>
-              <a:rPr lang="en-US" dirty="0" err="1" smtClean="0"/>
+              <a:rPr lang="en-US" b="1" dirty="0" err="1"/>
               <a:t>eq</a:t>
             </a:r>
             <a:r>
-              <a:rPr lang="en-US" dirty="0" smtClean="0"/>
+              <a:rPr lang="en-US" b="1" dirty="0"/>
               <a:t>('2') }</a:t>
             </a:r>
           </a:p>
           <a:p>
             <a:r>
-              <a:rPr lang="en-US" dirty="0" smtClean="0"/>
+              <a:rPr lang="en-US" b="1" dirty="0"/>
               <a:t>  end</a:t>
             </a:r>
           </a:p>
           <a:p>
             <a:r>
-              <a:rPr lang="en-US" dirty="0" smtClean="0"/>
+              <a:rPr lang="en-US" b="1" dirty="0"/>
               <a:t>end</a:t>
             </a:r>
+          </a:p>
+          <a:p>
             <a:endParaRPr lang="en-US" dirty="0"/>
           </a:p>
         </p:txBody>
       </p:sp>
       <p:sp>
         <p:nvSpPr>
-          <p:cNvPr id="3" name="Text Placeholder 2"/>
+          <p:cNvPr id="4" name="Text Placeholder 3"/>
           <p:cNvSpPr>
             <a:spLocks noGrp="1"/>
           </p:cNvSpPr>
@@ -27344,53 +27386,32 @@
           <a:bodyPr/>
           <a:lstStyle/>
           <a:p>
-            <a:r>
-              <a:rPr lang="en-US" dirty="0" smtClean="0"/>
-              <a:t>$ ~/cookbooks/ssh/test/integration/client/</a:t>
-            </a:r>
-            <a:r>
-              <a:rPr lang="en-US" dirty="0" err="1" smtClean="0"/>
+            <a:endParaRPr lang="en-US" dirty="0" smtClean="0"/>
+          </a:p>
+          <a:p>
+            <a:r>
+              <a:rPr lang="en-US" dirty="0" smtClean="0"/>
+              <a:t>~/</a:t>
+            </a:r>
+            <a:r>
+              <a:rPr lang="en-US" dirty="0"/>
+              <a:t>cookbooks/ssh/test/integration/client/</a:t>
+            </a:r>
+            <a:r>
+              <a:rPr lang="en-US" dirty="0" err="1"/>
               <a:t>inspec</a:t>
             </a:r>
             <a:r>
-              <a:rPr lang="en-US" dirty="0" smtClean="0"/>
+              <a:rPr lang="en-US" dirty="0"/>
               <a:t>/</a:t>
             </a:r>
             <a:r>
-              <a:rPr lang="en-US" dirty="0" err="1" smtClean="0"/>
+              <a:rPr lang="en-US" dirty="0" err="1"/>
               <a:t>client_spec.rb</a:t>
             </a:r>
             <a:endParaRPr lang="en-US" dirty="0"/>
           </a:p>
-        </p:txBody>
-      </p:sp>
-      <p:sp>
-        <p:nvSpPr>
-          <p:cNvPr id="5" name="Title 4"/>
-          <p:cNvSpPr>
-            <a:spLocks noGrp="1"/>
-          </p:cNvSpPr>
-          <p:nvPr>
-            <p:ph type="title"/>
-          </p:nvPr>
-        </p:nvSpPr>
-        <p:spPr/>
-        <p:txBody>
-          <a:bodyPr/>
-          <a:lstStyle/>
-          <a:p>
-            <a:r>
-              <a:rPr lang="en-US" dirty="0" smtClean="0"/>
-              <a:t>GE: Create the `</a:t>
-            </a:r>
-            <a:r>
-              <a:rPr lang="en-US" dirty="0" err="1" smtClean="0"/>
-              <a:t>client_spec.rb</a:t>
-            </a:r>
-            <a:r>
-              <a:rPr lang="en-US" dirty="0" smtClean="0"/>
-              <a:t>' file</a:t>
-            </a:r>
+          <a:p>
             <a:endParaRPr lang="en-US" dirty="0"/>
           </a:p>
         </p:txBody>
@@ -27398,7 +27419,7 @@
     </p:spTree>
     <p:extLst>
       <p:ext uri="{BB962C8B-B14F-4D97-AF65-F5344CB8AC3E}">
-        <p14:creationId xmlns:p14="http://schemas.microsoft.com/office/powerpoint/2010/main" val="2216193123"/>
+        <p14:creationId xmlns:p14="http://schemas.microsoft.com/office/powerpoint/2010/main" val="2645572185"/>
       </p:ext>
     </p:extLst>
   </p:cSld>
@@ -29643,53 +29664,66 @@
       </p:sp>
       <p:sp>
         <p:nvSpPr>
-          <p:cNvPr id="9" name="Content Placeholder 5"/>
-          <p:cNvSpPr>
-            <a:spLocks noGrp="1"/>
-          </p:cNvSpPr>
-          <p:nvPr>
-            <p:ph sz="quarter" idx="12" hasCustomPrompt="1"/>
-          </p:nvPr>
-        </p:nvSpPr>
-        <p:spPr>
+          <p:cNvPr id="8" name="Rectangle 7"/>
+          <p:cNvSpPr/>
+          <p:nvPr/>
+        </p:nvSpPr>
+        <p:spPr bwMode="auto">
           <a:xfrm>
-            <a:off x="1122782" y="6086015"/>
-            <a:ext cx="14420850" cy="1114885"/>
+            <a:off x="1122159" y="5534527"/>
+            <a:ext cx="14431939" cy="1128344"/>
           </a:xfrm>
+          <a:prstGeom prst="rect">
+            <a:avLst/>
+          </a:prstGeom>
           <a:solidFill>
             <a:schemeClr val="accent1">
-              <a:alpha val="60000"/>
+              <a:alpha val="40000"/>
             </a:schemeClr>
           </a:solidFill>
           <a:ln>
-            <a:solidFill>
-              <a:schemeClr val="accent1">
-                <a:lumMod val="75000"/>
-              </a:schemeClr>
-            </a:solidFill>
+            <a:noFill/>
+            <a:headEnd type="none" w="med" len="med"/>
+            <a:tailEnd type="none" w="med" len="med"/>
           </a:ln>
+          <a:effectLst/>
         </p:spPr>
-        <p:txBody>
-          <a:bodyPr anchor="ctr">
-            <a:noAutofit/>
+        <p:style>
+          <a:lnRef idx="1">
+            <a:schemeClr val="accent4"/>
+          </a:lnRef>
+          <a:fillRef idx="3">
+            <a:schemeClr val="accent4"/>
+          </a:fillRef>
+          <a:effectRef idx="2">
+            <a:schemeClr val="accent4"/>
+          </a:effectRef>
+          <a:fontRef idx="minor">
+            <a:schemeClr val="lt1"/>
+          </a:fontRef>
+        </p:style>
+        <p:txBody>
+          <a:bodyPr vert="horz" wrap="square" lIns="121915" tIns="60957" rIns="121915" bIns="60957" numCol="1" rtlCol="0" anchor="ctr" anchorCtr="0" compatLnSpc="1">
+            <a:prstTxWarp prst="textNoShape">
+              <a:avLst/>
+            </a:prstTxWarp>
           </a:bodyPr>
-          <a:lstStyle>
-            <a:lvl1pPr algn="l">
-              <a:defRPr sz="4200" baseline="0">
-                <a:solidFill>
-                  <a:schemeClr val="bg2"/>
-                </a:solidFill>
-                <a:latin typeface="Courier New"/>
-                <a:cs typeface="Courier New"/>
-              </a:defRPr>
-            </a:lvl1pPr>
-          </a:lstStyle>
-          <a:p>
-            <a:pPr lvl="0"/>
-            <a:r>
-              <a:rPr lang="en-US" dirty="0" smtClean="0"/>
-              <a:t> </a:t>
-            </a:r>
+          <a:lstStyle/>
+          <a:p>
+            <a:pPr algn="ctr" defTabSz="1218768"/>
+            <a:endParaRPr lang="en-US" sz="3200" dirty="0">
+              <a:gradFill>
+                <a:gsLst>
+                  <a:gs pos="0">
+                    <a:srgbClr val="FFFFFF"/>
+                  </a:gs>
+                  <a:gs pos="100000">
+                    <a:srgbClr val="FFFFFF"/>
+                  </a:gs>
+                </a:gsLst>
+                <a:lin ang="5400000" scaled="0"/>
+              </a:gradFill>
+            </a:endParaRPr>
           </a:p>
         </p:txBody>
       </p:sp>
@@ -30010,53 +30044,66 @@
       </p:sp>
       <p:sp>
         <p:nvSpPr>
-          <p:cNvPr id="9" name="Content Placeholder 5"/>
-          <p:cNvSpPr>
-            <a:spLocks noGrp="1"/>
-          </p:cNvSpPr>
-          <p:nvPr>
-            <p:ph sz="quarter" idx="12" hasCustomPrompt="1"/>
-          </p:nvPr>
-        </p:nvSpPr>
-        <p:spPr>
+          <p:cNvPr id="6" name="Rectangle 5"/>
+          <p:cNvSpPr/>
+          <p:nvPr/>
+        </p:nvSpPr>
+        <p:spPr bwMode="auto">
           <a:xfrm>
-            <a:off x="1122782" y="6108875"/>
-            <a:ext cx="14420850" cy="1069165"/>
+            <a:off x="1122159" y="6160166"/>
+            <a:ext cx="14431939" cy="1034718"/>
           </a:xfrm>
+          <a:prstGeom prst="rect">
+            <a:avLst/>
+          </a:prstGeom>
           <a:solidFill>
             <a:schemeClr val="accent1">
-              <a:alpha val="60000"/>
+              <a:alpha val="40000"/>
             </a:schemeClr>
           </a:solidFill>
           <a:ln>
-            <a:solidFill>
-              <a:schemeClr val="accent1">
-                <a:lumMod val="75000"/>
-              </a:schemeClr>
-            </a:solidFill>
+            <a:noFill/>
+            <a:headEnd type="none" w="med" len="med"/>
+            <a:tailEnd type="none" w="med" len="med"/>
           </a:ln>
+          <a:effectLst/>
         </p:spPr>
-        <p:txBody>
-          <a:bodyPr anchor="ctr">
-            <a:noAutofit/>
+        <p:style>
+          <a:lnRef idx="1">
+            <a:schemeClr val="accent4"/>
+          </a:lnRef>
+          <a:fillRef idx="3">
+            <a:schemeClr val="accent4"/>
+          </a:fillRef>
+          <a:effectRef idx="2">
+            <a:schemeClr val="accent4"/>
+          </a:effectRef>
+          <a:fontRef idx="minor">
+            <a:schemeClr val="lt1"/>
+          </a:fontRef>
+        </p:style>
+        <p:txBody>
+          <a:bodyPr vert="horz" wrap="square" lIns="121915" tIns="60957" rIns="121915" bIns="60957" numCol="1" rtlCol="0" anchor="ctr" anchorCtr="0" compatLnSpc="1">
+            <a:prstTxWarp prst="textNoShape">
+              <a:avLst/>
+            </a:prstTxWarp>
           </a:bodyPr>
-          <a:lstStyle>
-            <a:lvl1pPr algn="l">
-              <a:defRPr sz="4200" baseline="0">
-                <a:solidFill>
-                  <a:schemeClr val="bg2"/>
-                </a:solidFill>
-                <a:latin typeface="Courier New"/>
-                <a:cs typeface="Courier New"/>
-              </a:defRPr>
-            </a:lvl1pPr>
-          </a:lstStyle>
-          <a:p>
-            <a:pPr lvl="0"/>
-            <a:r>
-              <a:rPr lang="en-US" dirty="0" smtClean="0"/>
-              <a:t> </a:t>
-            </a:r>
+          <a:lstStyle/>
+          <a:p>
+            <a:pPr algn="ctr" defTabSz="1218768"/>
+            <a:endParaRPr lang="en-US" sz="3200" dirty="0">
+              <a:gradFill>
+                <a:gsLst>
+                  <a:gs pos="0">
+                    <a:srgbClr val="FFFFFF"/>
+                  </a:gs>
+                  <a:gs pos="100000">
+                    <a:srgbClr val="FFFFFF"/>
+                  </a:gs>
+                </a:gsLst>
+                <a:lin ang="5400000" scaled="0"/>
+              </a:gradFill>
+            </a:endParaRPr>
           </a:p>
         </p:txBody>
       </p:sp>
@@ -33351,6 +33398,73 @@
 </file>
 
 <file path=customXml/item1.xml><?xml version="1.0" encoding="utf-8"?>
+<?mso-contentType ?>
+<FormTemplates xmlns="http://schemas.microsoft.com/sharepoint/v3/contenttype/forms">
+  <Display>DocumentLibraryForm</Display>
+  <Edit>DocumentLibraryForm</Edit>
+  <New>DocumentLibraryForm</New>
+</FormTemplates>
+</file>
+
+<file path=customXml/item2.xml><?xml version="1.0" encoding="utf-8"?>
+<?mso-contentType ?>
+<spe:Receivers xmlns:spe="http://schemas.microsoft.com/sharepoint/events">
+  <Receiver>
+    <Name>Document ID Generator</Name>
+    <Synchronization>Synchronous</Synchronization>
+    <Type>10001</Type>
+    <SequenceNumber>1000</SequenceNumber>
+    <Assembly>Microsoft.Office.DocumentManagement, Version=14.0.0.0, Culture=neutral, PublicKeyToken=71e9bce111e9429c</Assembly>
+    <Class>Microsoft.Office.DocumentManagement.Internal.DocIdHandler</Class>
+    <Data/>
+    <Filter/>
+  </Receiver>
+  <Receiver>
+    <Name>Document ID Generator</Name>
+    <Synchronization>Synchronous</Synchronization>
+    <Type>10002</Type>
+    <SequenceNumber>1001</SequenceNumber>
+    <Assembly>Microsoft.Office.DocumentManagement, Version=14.0.0.0, Culture=neutral, PublicKeyToken=71e9bce111e9429c</Assembly>
+    <Class>Microsoft.Office.DocumentManagement.Internal.DocIdHandler</Class>
+    <Data/>
+    <Filter/>
+  </Receiver>
+  <Receiver>
+    <Name>Document ID Generator</Name>
+    <Synchronization>Synchronous</Synchronization>
+    <Type>10004</Type>
+    <SequenceNumber>1002</SequenceNumber>
+    <Assembly>Microsoft.Office.DocumentManagement, Version=14.0.0.0, Culture=neutral, PublicKeyToken=71e9bce111e9429c</Assembly>
+    <Class>Microsoft.Office.DocumentManagement.Internal.DocIdHandler</Class>
+    <Data/>
+    <Filter/>
+  </Receiver>
+  <Receiver>
+    <Name>Document ID Generator</Name>
+    <Synchronization>Synchronous</Synchronization>
+    <Type>10006</Type>
+    <SequenceNumber>1003</SequenceNumber>
+    <Assembly>Microsoft.Office.DocumentManagement, Version=14.0.0.0, Culture=neutral, PublicKeyToken=71e9bce111e9429c</Assembly>
+    <Class>Microsoft.Office.DocumentManagement.Internal.DocIdHandler</Class>
+    <Data/>
+    <Filter/>
+  </Receiver>
+</spe:Receivers>
+</file>
+
+<file path=customXml/item3.xml><?xml version="1.0" encoding="utf-8"?>
+<p:properties xmlns:p="http://schemas.microsoft.com/office/2006/metadata/properties" xmlns:xsi="http://www.w3.org/2001/XMLSchema-instance" xmlns:pc="http://schemas.microsoft.com/office/infopath/2007/PartnerControls">
+  <documentManagement>
+    <_dlc_DocId xmlns="7bb5d761-a2ea-4873-95f7-7a6658fb3ef0">M4CWTKMW727E-592-73</_dlc_DocId>
+    <_dlc_DocIdUrl xmlns="7bb5d761-a2ea-4873-95f7-7a6658fb3ef0">
+      <Url>https://kms.vci.local/marketing/team/_layouts/DocIdRedir.aspx?ID=M4CWTKMW727E-592-73</Url>
+      <Description>M4CWTKMW727E-592-73</Description>
+    </_dlc_DocIdUrl>
+  </documentManagement>
+</p:properties>
+</file>
+
+<file path=customXml/item4.xml><?xml version="1.0" encoding="utf-8"?>
 <ct:contentTypeSchema xmlns:ct="http://schemas.microsoft.com/office/2006/metadata/contentType" xmlns:ma="http://schemas.microsoft.com/office/2006/metadata/properties/metaAttributes" ct:_="" ma:_="" ma:contentTypeName="Document" ma:contentTypeID="0x0101000812F700BE7F874999720E88173FE491" ma:contentTypeVersion="0" ma:contentTypeDescription="Create a new document." ma:contentTypeScope="" ma:versionID="3f79f408e2ca720b7aba6e0e32464d0c">
   <xsd:schema xmlns:xsd="http://www.w3.org/2001/XMLSchema" xmlns:xs="http://www.w3.org/2001/XMLSchema" xmlns:p="http://schemas.microsoft.com/office/2006/metadata/properties" xmlns:ns2="7bb5d761-a2ea-4873-95f7-7a6658fb3ef0" targetNamespace="http://schemas.microsoft.com/office/2006/metadata/properties" ma:root="true" ma:fieldsID="1e062cd38ba31e406bfc4340fbc7f87a" ns2:_="">
     <xsd:import namespace="7bb5d761-a2ea-4873-95f7-7a6658fb3ef0"/>
@@ -33495,95 +33609,18 @@
 </ct:contentTypeSchema>
 </file>
 
-<file path=customXml/item2.xml><?xml version="1.0" encoding="utf-8"?>
-<?mso-contentType ?>
-<FormTemplates xmlns="http://schemas.microsoft.com/sharepoint/v3/contenttype/forms">
-  <Display>DocumentLibraryForm</Display>
-  <Edit>DocumentLibraryForm</Edit>
-  <New>DocumentLibraryForm</New>
-</FormTemplates>
-</file>
-
-<file path=customXml/item3.xml><?xml version="1.0" encoding="utf-8"?>
-<p:properties xmlns:p="http://schemas.microsoft.com/office/2006/metadata/properties" xmlns:xsi="http://www.w3.org/2001/XMLSchema-instance" xmlns:pc="http://schemas.microsoft.com/office/infopath/2007/PartnerControls">
-  <documentManagement>
-    <_dlc_DocId xmlns="7bb5d761-a2ea-4873-95f7-7a6658fb3ef0">M4CWTKMW727E-592-73</_dlc_DocId>
-    <_dlc_DocIdUrl xmlns="7bb5d761-a2ea-4873-95f7-7a6658fb3ef0">
-      <Url>https://kms.vci.local/marketing/team/_layouts/DocIdRedir.aspx?ID=M4CWTKMW727E-592-73</Url>
-      <Description>M4CWTKMW727E-592-73</Description>
-    </_dlc_DocIdUrl>
-  </documentManagement>
-</p:properties>
-</file>
-
-<file path=customXml/item4.xml><?xml version="1.0" encoding="utf-8"?>
-<?mso-contentType ?>
-<spe:Receivers xmlns:spe="http://schemas.microsoft.com/sharepoint/events">
-  <Receiver>
-    <Name>Document ID Generator</Name>
-    <Synchronization>Synchronous</Synchronization>
-    <Type>10001</Type>
-    <SequenceNumber>1000</SequenceNumber>
-    <Assembly>Microsoft.Office.DocumentManagement, Version=14.0.0.0, Culture=neutral, PublicKeyToken=71e9bce111e9429c</Assembly>
-    <Class>Microsoft.Office.DocumentManagement.Internal.DocIdHandler</Class>
-    <Data/>
-    <Filter/>
-  </Receiver>
-  <Receiver>
-    <Name>Document ID Generator</Name>
-    <Synchronization>Synchronous</Synchronization>
-    <Type>10002</Type>
-    <SequenceNumber>1001</SequenceNumber>
-    <Assembly>Microsoft.Office.DocumentManagement, Version=14.0.0.0, Culture=neutral, PublicKeyToken=71e9bce111e9429c</Assembly>
-    <Class>Microsoft.Office.DocumentManagement.Internal.DocIdHandler</Class>
-    <Data/>
-    <Filter/>
-  </Receiver>
-  <Receiver>
-    <Name>Document ID Generator</Name>
-    <Synchronization>Synchronous</Synchronization>
-    <Type>10004</Type>
-    <SequenceNumber>1002</SequenceNumber>
-    <Assembly>Microsoft.Office.DocumentManagement, Version=14.0.0.0, Culture=neutral, PublicKeyToken=71e9bce111e9429c</Assembly>
-    <Class>Microsoft.Office.DocumentManagement.Internal.DocIdHandler</Class>
-    <Data/>
-    <Filter/>
-  </Receiver>
-  <Receiver>
-    <Name>Document ID Generator</Name>
-    <Synchronization>Synchronous</Synchronization>
-    <Type>10006</Type>
-    <SequenceNumber>1003</SequenceNumber>
-    <Assembly>Microsoft.Office.DocumentManagement, Version=14.0.0.0, Culture=neutral, PublicKeyToken=71e9bce111e9429c</Assembly>
-    <Class>Microsoft.Office.DocumentManagement.Internal.DocIdHandler</Class>
-    <Data/>
-    <Filter/>
-  </Receiver>
-</spe:Receivers>
-</file>
-
 <file path=customXml/itemProps1.xml><?xml version="1.0" encoding="utf-8"?>
-<ds:datastoreItem xmlns:ds="http://schemas.openxmlformats.org/officeDocument/2006/customXml" ds:itemID="{164479E5-0B02-49AC-B79E-EC1D6164DDD3}">
+<ds:datastoreItem xmlns:ds="http://schemas.openxmlformats.org/officeDocument/2006/customXml" ds:itemID="{5CDEB364-43EC-4510-9881-539C2A3FCE9E}">
   <ds:schemaRefs>
-    <ds:schemaRef ds:uri="http://schemas.microsoft.com/office/2006/metadata/contentType"/>
-    <ds:schemaRef ds:uri="http://schemas.microsoft.com/office/2006/metadata/properties/metaAttributes"/>
-    <ds:schemaRef ds:uri="http://www.w3.org/2001/XMLSchema"/>
-    <ds:schemaRef ds:uri="http://schemas.microsoft.com/office/2006/metadata/properties"/>
-    <ds:schemaRef ds:uri="7bb5d761-a2ea-4873-95f7-7a6658fb3ef0"/>
-    <ds:schemaRef ds:uri="http://schemas.microsoft.com/office/2006/documentManagement/types"/>
-    <ds:schemaRef ds:uri="http://schemas.microsoft.com/office/infopath/2007/PartnerControls"/>
-    <ds:schemaRef ds:uri="http://schemas.openxmlformats.org/package/2006/metadata/core-properties"/>
-    <ds:schemaRef ds:uri="http://purl.org/dc/elements/1.1/"/>
-    <ds:schemaRef ds:uri="http://purl.org/dc/terms/"/>
-    <ds:schemaRef ds:uri="http://schemas.microsoft.com/internal/obd"/>
+    <ds:schemaRef ds:uri="http://schemas.microsoft.com/sharepoint/v3/contenttype/forms"/>
   </ds:schemaRefs>
 </ds:datastoreItem>
 </file>
 
 <file path=customXml/itemProps2.xml><?xml version="1.0" encoding="utf-8"?>
-<ds:datastoreItem xmlns:ds="http://schemas.openxmlformats.org/officeDocument/2006/customXml" ds:itemID="{5CDEB364-43EC-4510-9881-539C2A3FCE9E}">
+<ds:datastoreItem xmlns:ds="http://schemas.openxmlformats.org/officeDocument/2006/customXml" ds:itemID="{B13EBC30-FE27-4C6A-B723-23FC2188F7DC}">
   <ds:schemaRefs>
-    <ds:schemaRef ds:uri="http://schemas.microsoft.com/sharepoint/v3/contenttype/forms"/>
+    <ds:schemaRef ds:uri="http://schemas.microsoft.com/sharepoint/events"/>
   </ds:schemaRefs>
 </ds:datastoreItem>
 </file>
@@ -33605,9 +33642,19 @@
 </file>
 
 <file path=customXml/itemProps4.xml><?xml version="1.0" encoding="utf-8"?>
-<ds:datastoreItem xmlns:ds="http://schemas.openxmlformats.org/officeDocument/2006/customXml" ds:itemID="{B13EBC30-FE27-4C6A-B723-23FC2188F7DC}">
+<ds:datastoreItem xmlns:ds="http://schemas.openxmlformats.org/officeDocument/2006/customXml" ds:itemID="{164479E5-0B02-49AC-B79E-EC1D6164DDD3}">
   <ds:schemaRefs>
-    <ds:schemaRef ds:uri="http://schemas.microsoft.com/sharepoint/events"/>
+    <ds:schemaRef ds:uri="http://schemas.microsoft.com/office/2006/metadata/contentType"/>
+    <ds:schemaRef ds:uri="http://schemas.microsoft.com/office/2006/metadata/properties/metaAttributes"/>
+    <ds:schemaRef ds:uri="http://www.w3.org/2001/XMLSchema"/>
+    <ds:schemaRef ds:uri="http://schemas.microsoft.com/office/2006/metadata/properties"/>
+    <ds:schemaRef ds:uri="7bb5d761-a2ea-4873-95f7-7a6658fb3ef0"/>
+    <ds:schemaRef ds:uri="http://schemas.microsoft.com/office/2006/documentManagement/types"/>
+    <ds:schemaRef ds:uri="http://schemas.microsoft.com/office/infopath/2007/PartnerControls"/>
+    <ds:schemaRef ds:uri="http://schemas.openxmlformats.org/package/2006/metadata/core-properties"/>
+    <ds:schemaRef ds:uri="http://purl.org/dc/elements/1.1/"/>
+    <ds:schemaRef ds:uri="http://purl.org/dc/terms/"/>
+    <ds:schemaRef ds:uri="http://schemas.microsoft.com/internal/obd"/>
   </ds:schemaRefs>
 </ds:datastoreItem>
 </file>
--- a/03-initial-configuration-scans.pptx
+++ b/03-initial-configuration-scans.pptx
@@ -6,10 +6,10 @@
     <p:sldMasterId id="2147483847" r:id="rId6"/>
   </p:sldMasterIdLst>
   <p:notesMasterIdLst>
-    <p:notesMasterId r:id="rId68"/>
+    <p:notesMasterId r:id="rId69"/>
   </p:notesMasterIdLst>
   <p:handoutMasterIdLst>
-    <p:handoutMasterId r:id="rId69"/>
+    <p:handoutMasterId r:id="rId70"/>
   </p:handoutMasterIdLst>
   <p:sldIdLst>
     <p:sldId id="256" r:id="rId7"/>
@@ -18,7 +18,7 @@
     <p:sldId id="272" r:id="rId10"/>
     <p:sldId id="283" r:id="rId11"/>
     <p:sldId id="290" r:id="rId12"/>
-    <p:sldId id="291" r:id="rId13"/>
+    <p:sldId id="359" r:id="rId13"/>
     <p:sldId id="292" r:id="rId14"/>
     <p:sldId id="293" r:id="rId15"/>
     <p:sldId id="295" r:id="rId16"/>
@@ -65,14 +65,15 @@
     <p:sldId id="347" r:id="rId57"/>
     <p:sldId id="339" r:id="rId58"/>
     <p:sldId id="340" r:id="rId59"/>
-    <p:sldId id="341" r:id="rId60"/>
-    <p:sldId id="342" r:id="rId61"/>
-    <p:sldId id="343" r:id="rId62"/>
-    <p:sldId id="344" r:id="rId63"/>
-    <p:sldId id="345" r:id="rId64"/>
-    <p:sldId id="275" r:id="rId65"/>
-    <p:sldId id="276" r:id="rId66"/>
-    <p:sldId id="267" r:id="rId67"/>
+    <p:sldId id="360" r:id="rId60"/>
+    <p:sldId id="341" r:id="rId61"/>
+    <p:sldId id="342" r:id="rId62"/>
+    <p:sldId id="343" r:id="rId63"/>
+    <p:sldId id="344" r:id="rId64"/>
+    <p:sldId id="345" r:id="rId65"/>
+    <p:sldId id="275" r:id="rId66"/>
+    <p:sldId id="276" r:id="rId67"/>
+    <p:sldId id="267" r:id="rId68"/>
   </p:sldIdLst>
   <p:sldSz cx="16256000" cy="9144000"/>
   <p:notesSz cx="6858000" cy="9144000"/>
@@ -203,7 +204,7 @@
   </p:defaultTextStyle>
   <p:extLst>
     <p:ext uri="{EFAFB233-063F-42B5-8137-9DF3F51BA10A}">
-      <p15:sldGuideLst xmlns:p15="http://schemas.microsoft.com/office/powerpoint/2012/main">
+      <p15:sldGuideLst xmlns="" xmlns:p15="http://schemas.microsoft.com/office/powerpoint/2012/main">
         <p15:guide id="1" orient="horz" pos="894">
           <p15:clr>
             <a:srgbClr val="A4A3A4"/>
@@ -217,7 +218,7 @@
       </p15:sldGuideLst>
     </p:ext>
     <p:ext uri="{2D200454-40CA-4A62-9FC3-DE9A4176ACB9}">
-      <p15:notesGuideLst xmlns:p15="http://schemas.microsoft.com/office/powerpoint/2012/main"/>
+      <p15:notesGuideLst xmlns="" xmlns:p15="http://schemas.microsoft.com/office/powerpoint/2012/main"/>
     </p:ext>
   </p:extLst>
 </p:presentation>
@@ -334,7 +335,7 @@
               <a:pPr>
                 <a:defRPr/>
               </a:pPr>
-              <a:t>2016-01-11</a:t>
+              <a:t>1/19/16</a:t>
             </a:fld>
             <a:endParaRPr lang="en-US" dirty="0"/>
           </a:p>
@@ -517,7 +518,7 @@
               <a:pPr>
                 <a:defRPr/>
               </a:pPr>
-              <a:t>2016-01-11</a:t>
+              <a:t>1/19/16</a:t>
             </a:fld>
             <a:endParaRPr lang="en-US" dirty="0"/>
           </a:p>
@@ -9037,131 +9038,23 @@
         <p:spPr/>
         <p:txBody>
           <a:bodyPr>
-            <a:normAutofit/>
+            <a:normAutofit fontScale="25000" lnSpcReduction="20000"/>
           </a:bodyPr>
           <a:lstStyle/>
           <a:p>
-            <a:pPr marL="0" marR="0" indent="0" algn="l" defTabSz="1217613" rtl="0" eaLnBrk="1" fontAlgn="base" latinLnBrk="0" hangingPunct="1">
-              <a:lnSpc>
-                <a:spcPct val="90000"/>
-              </a:lnSpc>
-              <a:spcBef>
-                <a:spcPct val="30000"/>
-              </a:spcBef>
-              <a:spcAft>
-                <a:spcPts val="450"/>
-              </a:spcAft>
-              <a:buClrTx/>
-              <a:buSzTx/>
-              <a:buFontTx/>
-              <a:buNone/>
-              <a:tabLst/>
-              <a:defRPr/>
-            </a:pPr>
-            <a:r>
-              <a:rPr lang="en-US" dirty="0" smtClean="0"/>
-              <a:t>Now we</a:t>
+            <a:r>
+              <a:rPr lang="en-US" dirty="0" smtClean="0"/>
+              <a:t>We</a:t>
             </a:r>
             <a:r>
               <a:rPr lang="en-US" baseline="0" dirty="0" smtClean="0"/>
-              <a:t> need to actually apply the change to the node. We'll do this using </a:t>
-            </a:r>
-            <a:r>
-              <a:rPr lang="en-US" dirty="0" smtClean="0"/>
-              <a:t>chef-client in local mode. You should then see that only Protocol version 2 is currently set</a:t>
-            </a:r>
-            <a:r>
-              <a:rPr lang="en-US" baseline="0" dirty="0" smtClean="0"/>
-              <a:t> on the node. </a:t>
-            </a:r>
-            <a:endParaRPr lang="en-US" dirty="0" smtClean="0"/>
-          </a:p>
-          <a:p>
-            <a:pPr marL="0" marR="0" indent="0" algn="l" defTabSz="1217613" rtl="0" eaLnBrk="1" fontAlgn="base" latinLnBrk="0" hangingPunct="1">
-              <a:lnSpc>
-                <a:spcPct val="90000"/>
-              </a:lnSpc>
-              <a:spcBef>
-                <a:spcPct val="30000"/>
-              </a:spcBef>
-              <a:spcAft>
-                <a:spcPts val="450"/>
-              </a:spcAft>
-              <a:buClrTx/>
-              <a:buSzTx/>
-              <a:buFontTx/>
-              <a:buNone/>
-              <a:tabLst/>
-              <a:defRPr/>
-            </a:pPr>
-            <a:endParaRPr lang="en-US" dirty="0" smtClean="0"/>
-          </a:p>
-          <a:p>
-            <a:pPr marL="0" marR="0" indent="0" algn="l" defTabSz="1217613" rtl="0" eaLnBrk="1" fontAlgn="base" latinLnBrk="0" hangingPunct="1">
-              <a:lnSpc>
-                <a:spcPct val="90000"/>
-              </a:lnSpc>
-              <a:spcBef>
-                <a:spcPct val="30000"/>
-              </a:spcBef>
-              <a:spcAft>
-                <a:spcPts val="450"/>
-              </a:spcAft>
-              <a:buClrTx/>
-              <a:buSzTx/>
-              <a:buFontTx/>
-              <a:buNone/>
-              <a:tabLst/>
-              <a:defRPr/>
-            </a:pPr>
-            <a:r>
-              <a:rPr lang="en-US" dirty="0" smtClean="0"/>
-              <a:t>Of course</a:t>
-            </a:r>
-            <a:r>
-              <a:rPr lang="en-US" baseline="0" dirty="0" smtClean="0"/>
-              <a:t> in a production environment chef-client would most likely be set to run automatically to download and converge these changes from Chef Server.</a:t>
-            </a:r>
-          </a:p>
-          <a:p>
-            <a:pPr marL="0" marR="0" indent="0" algn="l" defTabSz="1217613" rtl="0" eaLnBrk="1" fontAlgn="base" latinLnBrk="0" hangingPunct="1">
-              <a:lnSpc>
-                <a:spcPct val="90000"/>
-              </a:lnSpc>
-              <a:spcBef>
-                <a:spcPct val="30000"/>
-              </a:spcBef>
-              <a:spcAft>
-                <a:spcPts val="450"/>
-              </a:spcAft>
-              <a:buClrTx/>
-              <a:buSzTx/>
-              <a:buFontTx/>
-              <a:buNone/>
-              <a:tabLst/>
-              <a:defRPr/>
-            </a:pPr>
-            <a:endParaRPr lang="en-US" baseline="0" dirty="0" smtClean="0"/>
-          </a:p>
-          <a:p>
-            <a:pPr marL="0" marR="0" indent="0" algn="l" defTabSz="1217613" rtl="0" eaLnBrk="1" fontAlgn="base" latinLnBrk="0" hangingPunct="1">
-              <a:lnSpc>
-                <a:spcPct val="90000"/>
-              </a:lnSpc>
-              <a:spcBef>
-                <a:spcPct val="30000"/>
-              </a:spcBef>
-              <a:spcAft>
-                <a:spcPts val="450"/>
-              </a:spcAft>
-              <a:buClrTx/>
-              <a:buSzTx/>
-              <a:buFontTx/>
-              <a:buNone/>
-              <a:tabLst/>
-              <a:defRPr/>
-            </a:pPr>
-            <a:endParaRPr lang="en-US" baseline="0" dirty="0" smtClean="0"/>
+              <a:t> have now verified the change in our </a:t>
+            </a:r>
+            <a:r>
+              <a:rPr lang="en-US" baseline="0" smtClean="0"/>
+              <a:t>test kitchen</a:t>
+            </a:r>
+            <a:endParaRPr lang="en-US" dirty="0"/>
           </a:p>
         </p:txBody>
       </p:sp>
@@ -9241,7 +9134,7 @@
     </p:spTree>
     <p:extLst>
       <p:ext uri="{BB962C8B-B14F-4D97-AF65-F5344CB8AC3E}">
-        <p14:creationId xmlns:p14="http://schemas.microsoft.com/office/powerpoint/2010/main" val="67414775"/>
+        <p14:creationId xmlns:p14="http://schemas.microsoft.com/office/powerpoint/2010/main" val="2321952843"/>
       </p:ext>
     </p:extLst>
   </p:cSld>
@@ -9292,7 +9185,9 @@
         </p:nvSpPr>
         <p:spPr/>
         <p:txBody>
-          <a:bodyPr/>
+          <a:bodyPr>
+            <a:normAutofit/>
+          </a:bodyPr>
           <a:lstStyle/>
           <a:p>
             <a:pPr marL="0" marR="0" indent="0" algn="l" defTabSz="1217613" rtl="0" eaLnBrk="1" fontAlgn="base" latinLnBrk="0" hangingPunct="1">
@@ -9312,7 +9207,110 @@
               <a:tabLst/>
               <a:defRPr/>
             </a:pPr>
-            <a:endParaRPr lang="en-US" dirty="0"/>
+            <a:r>
+              <a:rPr lang="en-US" dirty="0" smtClean="0"/>
+              <a:t>Now we</a:t>
+            </a:r>
+            <a:r>
+              <a:rPr lang="en-US" baseline="0" dirty="0" smtClean="0"/>
+              <a:t> need to actually apply the change to the node. We'll do this using </a:t>
+            </a:r>
+            <a:r>
+              <a:rPr lang="en-US" dirty="0" smtClean="0"/>
+              <a:t>chef-client in local mode. You should then see that only Protocol version 2 is currently set</a:t>
+            </a:r>
+            <a:r>
+              <a:rPr lang="en-US" baseline="0" dirty="0" smtClean="0"/>
+              <a:t> on the node. </a:t>
+            </a:r>
+            <a:endParaRPr lang="en-US" dirty="0" smtClean="0"/>
+          </a:p>
+          <a:p>
+            <a:pPr marL="0" marR="0" indent="0" algn="l" defTabSz="1217613" rtl="0" eaLnBrk="1" fontAlgn="base" latinLnBrk="0" hangingPunct="1">
+              <a:lnSpc>
+                <a:spcPct val="90000"/>
+              </a:lnSpc>
+              <a:spcBef>
+                <a:spcPct val="30000"/>
+              </a:spcBef>
+              <a:spcAft>
+                <a:spcPts val="450"/>
+              </a:spcAft>
+              <a:buClrTx/>
+              <a:buSzTx/>
+              <a:buFontTx/>
+              <a:buNone/>
+              <a:tabLst/>
+              <a:defRPr/>
+            </a:pPr>
+            <a:endParaRPr lang="en-US" dirty="0" smtClean="0"/>
+          </a:p>
+          <a:p>
+            <a:pPr marL="0" marR="0" indent="0" algn="l" defTabSz="1217613" rtl="0" eaLnBrk="1" fontAlgn="base" latinLnBrk="0" hangingPunct="1">
+              <a:lnSpc>
+                <a:spcPct val="90000"/>
+              </a:lnSpc>
+              <a:spcBef>
+                <a:spcPct val="30000"/>
+              </a:spcBef>
+              <a:spcAft>
+                <a:spcPts val="450"/>
+              </a:spcAft>
+              <a:buClrTx/>
+              <a:buSzTx/>
+              <a:buFontTx/>
+              <a:buNone/>
+              <a:tabLst/>
+              <a:defRPr/>
+            </a:pPr>
+            <a:r>
+              <a:rPr lang="en-US" dirty="0" smtClean="0"/>
+              <a:t>Of course</a:t>
+            </a:r>
+            <a:r>
+              <a:rPr lang="en-US" baseline="0" dirty="0" smtClean="0"/>
+              <a:t> in a production environment chef-client would most likely be set to run automatically to download and converge these changes from Chef Server.</a:t>
+            </a:r>
+          </a:p>
+          <a:p>
+            <a:pPr marL="0" marR="0" indent="0" algn="l" defTabSz="1217613" rtl="0" eaLnBrk="1" fontAlgn="base" latinLnBrk="0" hangingPunct="1">
+              <a:lnSpc>
+                <a:spcPct val="90000"/>
+              </a:lnSpc>
+              <a:spcBef>
+                <a:spcPct val="30000"/>
+              </a:spcBef>
+              <a:spcAft>
+                <a:spcPts val="450"/>
+              </a:spcAft>
+              <a:buClrTx/>
+              <a:buSzTx/>
+              <a:buFontTx/>
+              <a:buNone/>
+              <a:tabLst/>
+              <a:defRPr/>
+            </a:pPr>
+            <a:endParaRPr lang="en-US" baseline="0" dirty="0" smtClean="0"/>
+          </a:p>
+          <a:p>
+            <a:pPr marL="0" marR="0" indent="0" algn="l" defTabSz="1217613" rtl="0" eaLnBrk="1" fontAlgn="base" latinLnBrk="0" hangingPunct="1">
+              <a:lnSpc>
+                <a:spcPct val="90000"/>
+              </a:lnSpc>
+              <a:spcBef>
+                <a:spcPct val="30000"/>
+              </a:spcBef>
+              <a:spcAft>
+                <a:spcPts val="450"/>
+              </a:spcAft>
+              <a:buClrTx/>
+              <a:buSzTx/>
+              <a:buFontTx/>
+              <a:buNone/>
+              <a:tabLst/>
+              <a:defRPr/>
+            </a:pPr>
+            <a:endParaRPr lang="en-US" baseline="0" dirty="0" smtClean="0"/>
           </a:p>
         </p:txBody>
       </p:sp>
@@ -9392,7 +9390,7 @@
     </p:spTree>
     <p:extLst>
       <p:ext uri="{BB962C8B-B14F-4D97-AF65-F5344CB8AC3E}">
-        <p14:creationId xmlns:p14="http://schemas.microsoft.com/office/powerpoint/2010/main" val="903931591"/>
+        <p14:creationId xmlns:p14="http://schemas.microsoft.com/office/powerpoint/2010/main" val="67414775"/>
       </p:ext>
     </p:extLst>
   </p:cSld>
@@ -9543,7 +9541,7 @@
     </p:spTree>
     <p:extLst>
       <p:ext uri="{BB962C8B-B14F-4D97-AF65-F5344CB8AC3E}">
-        <p14:creationId xmlns:p14="http://schemas.microsoft.com/office/powerpoint/2010/main" val="2126077804"/>
+        <p14:creationId xmlns:p14="http://schemas.microsoft.com/office/powerpoint/2010/main" val="903931591"/>
       </p:ext>
     </p:extLst>
   </p:cSld>
@@ -9828,7 +9826,7 @@
     </p:spTree>
     <p:extLst>
       <p:ext uri="{BB962C8B-B14F-4D97-AF65-F5344CB8AC3E}">
-        <p14:creationId xmlns:p14="http://schemas.microsoft.com/office/powerpoint/2010/main" val="2355399236"/>
+        <p14:creationId xmlns:p14="http://schemas.microsoft.com/office/powerpoint/2010/main" val="2126077804"/>
       </p:ext>
     </p:extLst>
   </p:cSld>
@@ -9899,19 +9897,139 @@
               <a:tabLst/>
               <a:defRPr/>
             </a:pPr>
-            <a:r>
-              <a:rPr lang="en-US" dirty="0" smtClean="0"/>
-              <a:t>In this module we scanned a node for compliance issues. We identified </a:t>
-            </a:r>
-            <a:r>
+            <a:endParaRPr lang="en-US" dirty="0"/>
+          </a:p>
+        </p:txBody>
+      </p:sp>
+      <p:sp>
+        <p:nvSpPr>
+          <p:cNvPr id="4" name="Slide Number Placeholder 3"/>
+          <p:cNvSpPr>
+            <a:spLocks noGrp="1"/>
+          </p:cNvSpPr>
+          <p:nvPr>
+            <p:ph type="sldNum" sz="quarter" idx="10"/>
+          </p:nvPr>
+        </p:nvSpPr>
+        <p:spPr/>
+        <p:txBody>
+          <a:bodyPr/>
+          <a:lstStyle/>
+          <a:p>
+            <a:pPr>
+              <a:defRPr/>
+            </a:pPr>
+            <a:fld id="{DC3734AA-3150-D947-AC52-2F5DF48BFCD5}" type="slidenum">
               <a:rPr lang="en-US" smtClean="0"/>
-              <a:t>an issue </a:t>
-            </a:r>
-            <a:r>
-              <a:rPr lang="en-US" dirty="0" smtClean="0"/>
-              <a:t>and then wrote a remediation recipe directly on the node scanned. We also tested our recipe with test kitchen.</a:t>
-            </a:r>
-          </a:p>
+              <a:pPr>
+                <a:defRPr/>
+              </a:pPr>
+              <a:t>58</a:t>
+            </a:fld>
+            <a:endParaRPr lang="en-US" dirty="0"/>
+          </a:p>
+        </p:txBody>
+      </p:sp>
+      <p:sp>
+        <p:nvSpPr>
+          <p:cNvPr id="5" name="Header Placeholder 4"/>
+          <p:cNvSpPr>
+            <a:spLocks noGrp="1"/>
+          </p:cNvSpPr>
+          <p:nvPr>
+            <p:ph type="hdr" sz="quarter" idx="11"/>
+          </p:nvPr>
+        </p:nvSpPr>
+        <p:spPr/>
+        <p:txBody>
+          <a:bodyPr/>
+          <a:lstStyle/>
+          <a:p>
+            <a:pPr>
+              <a:defRPr/>
+            </a:pPr>
+            <a:endParaRPr lang="en-US"/>
+          </a:p>
+        </p:txBody>
+      </p:sp>
+      <p:sp>
+        <p:nvSpPr>
+          <p:cNvPr id="6" name="Footer Placeholder 5"/>
+          <p:cNvSpPr>
+            <a:spLocks noGrp="1"/>
+          </p:cNvSpPr>
+          <p:nvPr>
+            <p:ph type="ftr" sz="quarter" idx="12"/>
+          </p:nvPr>
+        </p:nvSpPr>
+        <p:spPr/>
+        <p:txBody>
+          <a:bodyPr/>
+          <a:lstStyle/>
+          <a:p>
+            <a:pPr>
+              <a:defRPr/>
+            </a:pPr>
+            <a:endParaRPr lang="en-US"/>
+          </a:p>
+        </p:txBody>
+      </p:sp>
+    </p:spTree>
+    <p:extLst>
+      <p:ext uri="{BB962C8B-B14F-4D97-AF65-F5344CB8AC3E}">
+        <p14:creationId xmlns:p14="http://schemas.microsoft.com/office/powerpoint/2010/main" val="2355399236"/>
+      </p:ext>
+    </p:extLst>
+  </p:cSld>
+  <p:clrMapOvr>
+    <a:masterClrMapping/>
+  </p:clrMapOvr>
+</p:notes>
+</file>
+
+<file path=ppt/notesSlides/notesSlide52.xml><?xml version="1.0" encoding="utf-8"?>
+<p:notes xmlns:a="http://schemas.openxmlformats.org/drawingml/2006/main" xmlns:r="http://schemas.openxmlformats.org/officeDocument/2006/relationships" xmlns:p="http://schemas.openxmlformats.org/presentationml/2006/main">
+  <p:cSld>
+    <p:spTree>
+      <p:nvGrpSpPr>
+        <p:cNvPr id="1" name=""/>
+        <p:cNvGrpSpPr/>
+        <p:nvPr/>
+      </p:nvGrpSpPr>
+      <p:grpSpPr>
+        <a:xfrm>
+          <a:off x="0" y="0"/>
+          <a:ext cx="0" cy="0"/>
+          <a:chOff x="0" y="0"/>
+          <a:chExt cx="0" cy="0"/>
+        </a:xfrm>
+      </p:grpSpPr>
+      <p:sp>
+        <p:nvSpPr>
+          <p:cNvPr id="2" name="Slide Image Placeholder 1"/>
+          <p:cNvSpPr>
+            <a:spLocks noGrp="1" noRot="1" noChangeAspect="1"/>
+          </p:cNvSpPr>
+          <p:nvPr>
+            <p:ph type="sldImg"/>
+          </p:nvPr>
+        </p:nvSpPr>
+        <p:spPr/>
+      </p:sp>
+      <p:sp>
+        <p:nvSpPr>
+          <p:cNvPr id="3" name="Notes Placeholder 2"/>
+          <p:cNvSpPr>
+            <a:spLocks noGrp="1"/>
+          </p:cNvSpPr>
+          <p:nvPr>
+            <p:ph type="body" idx="1"/>
+          </p:nvPr>
+        </p:nvSpPr>
+        <p:spPr/>
+        <p:txBody>
+          <a:bodyPr/>
+          <a:lstStyle/>
           <a:p>
             <a:pPr marL="0" marR="0" indent="0" algn="l" defTabSz="1217613" rtl="0" eaLnBrk="1" fontAlgn="base" latinLnBrk="0" hangingPunct="1">
               <a:lnSpc>
@@ -9930,7 +10048,18 @@
               <a:tabLst/>
               <a:defRPr/>
             </a:pPr>
-            <a:endParaRPr lang="en-US" dirty="0" smtClean="0"/>
+            <a:r>
+              <a:rPr lang="en-US" dirty="0" smtClean="0"/>
+              <a:t>In this module we scanned a node for compliance issues. We identified </a:t>
+            </a:r>
+            <a:r>
+              <a:rPr lang="en-US" smtClean="0"/>
+              <a:t>an issue </a:t>
+            </a:r>
+            <a:r>
+              <a:rPr lang="en-US" dirty="0" smtClean="0"/>
+              <a:t>and then wrote a remediation recipe directly on the node scanned. We also tested our recipe with test kitchen.</a:t>
+            </a:r>
           </a:p>
           <a:p>
             <a:pPr marL="0" marR="0" indent="0" algn="l" defTabSz="1217613" rtl="0" eaLnBrk="1" fontAlgn="base" latinLnBrk="0" hangingPunct="1">
@@ -9950,34 +10079,7 @@
               <a:tabLst/>
               <a:defRPr/>
             </a:pPr>
-            <a:r>
-              <a:rPr lang="en-US" dirty="0" smtClean="0"/>
-              <a:t>As mentioned</a:t>
-            </a:r>
-            <a:r>
-              <a:rPr lang="en-US" baseline="0" dirty="0" smtClean="0"/>
-              <a:t> previously</a:t>
-            </a:r>
-            <a:r>
-              <a:rPr lang="en-US" dirty="0" smtClean="0"/>
-              <a:t>, in a</a:t>
-            </a:r>
-            <a:r>
-              <a:rPr lang="en-US" baseline="0" dirty="0" smtClean="0"/>
-              <a:t> production environment, </a:t>
-            </a:r>
-            <a:r>
-              <a:rPr lang="en-US" dirty="0" smtClean="0"/>
-              <a:t>you will likely write such recipes locally, add them to the node's</a:t>
-            </a:r>
-            <a:r>
-              <a:rPr lang="en-US" baseline="0" dirty="0" smtClean="0"/>
-              <a:t> run list, </a:t>
-            </a:r>
-            <a:r>
-              <a:rPr lang="en-US" dirty="0" smtClean="0"/>
-              <a:t>and then upload them to Chef Server. </a:t>
-            </a:r>
+            <a:endParaRPr lang="en-US" dirty="0" smtClean="0"/>
           </a:p>
           <a:p>
             <a:pPr marL="0" marR="0" indent="0" algn="l" defTabSz="1217613" rtl="0" eaLnBrk="1" fontAlgn="base" latinLnBrk="0" hangingPunct="1">
@@ -9997,7 +10099,34 @@
               <a:tabLst/>
               <a:defRPr/>
             </a:pPr>
-            <a:endParaRPr lang="en-US" dirty="0" smtClean="0"/>
+            <a:r>
+              <a:rPr lang="en-US" dirty="0" smtClean="0"/>
+              <a:t>As mentioned</a:t>
+            </a:r>
+            <a:r>
+              <a:rPr lang="en-US" baseline="0" dirty="0" smtClean="0"/>
+              <a:t> previously</a:t>
+            </a:r>
+            <a:r>
+              <a:rPr lang="en-US" dirty="0" smtClean="0"/>
+              <a:t>, in a</a:t>
+            </a:r>
+            <a:r>
+              <a:rPr lang="en-US" baseline="0" dirty="0" smtClean="0"/>
+              <a:t> production environment, </a:t>
+            </a:r>
+            <a:r>
+              <a:rPr lang="en-US" dirty="0" smtClean="0"/>
+              <a:t>you will likely write such recipes locally, add them to the node's</a:t>
+            </a:r>
+            <a:r>
+              <a:rPr lang="en-US" baseline="0" dirty="0" smtClean="0"/>
+              <a:t> run list, </a:t>
+            </a:r>
+            <a:r>
+              <a:rPr lang="en-US" dirty="0" smtClean="0"/>
+              <a:t>and then upload them to Chef Server. </a:t>
+            </a:r>
           </a:p>
           <a:p>
             <a:pPr marL="0" marR="0" indent="0" algn="l" defTabSz="1217613" rtl="0" eaLnBrk="1" fontAlgn="base" latinLnBrk="0" hangingPunct="1">
@@ -10017,6 +10146,26 @@
               <a:tabLst/>
               <a:defRPr/>
             </a:pPr>
+            <a:endParaRPr lang="en-US" dirty="0" smtClean="0"/>
+          </a:p>
+          <a:p>
+            <a:pPr marL="0" marR="0" indent="0" algn="l" defTabSz="1217613" rtl="0" eaLnBrk="1" fontAlgn="base" latinLnBrk="0" hangingPunct="1">
+              <a:lnSpc>
+                <a:spcPct val="90000"/>
+              </a:lnSpc>
+              <a:spcBef>
+                <a:spcPct val="30000"/>
+              </a:spcBef>
+              <a:spcAft>
+                <a:spcPts val="450"/>
+              </a:spcAft>
+              <a:buClrTx/>
+              <a:buSzTx/>
+              <a:buFontTx/>
+              <a:buNone/>
+              <a:tabLst/>
+              <a:defRPr/>
+            </a:pPr>
             <a:r>
               <a:rPr lang="en-US" dirty="0" smtClean="0"/>
               <a:t>Then the nodes would download the recipes from Chef Server on their next chef-client</a:t>
@@ -10058,7 +10207,7 @@
               <a:pPr>
                 <a:defRPr/>
               </a:pPr>
-              <a:t>58</a:t>
+              <a:t>59</a:t>
             </a:fld>
             <a:endParaRPr lang="en-US" dirty="0"/>
           </a:p>
@@ -10873,7 +11022,7 @@
   <p:clrMapOvr>
     <a:masterClrMapping/>
   </p:clrMapOvr>
-  <p:transition spd="med">
+  <p:transition xmlns:p14="http://schemas.microsoft.com/office/powerpoint/2010/main" spd="med">
     <p:fade/>
   </p:transition>
 </p:sldLayout>
@@ -11168,7 +11317,7 @@
   <p:clrMapOvr>
     <a:overrideClrMapping bg1="lt1" tx1="dk1" bg2="lt2" tx2="dk2" accent1="accent1" accent2="accent2" accent3="accent3" accent4="accent4" accent5="accent5" accent6="accent6" hlink="hlink" folHlink="folHlink"/>
   </p:clrMapOvr>
-  <p:transition spd="med">
+  <p:transition xmlns:p14="http://schemas.microsoft.com/office/powerpoint/2010/main" spd="med">
     <p:fade/>
   </p:transition>
 </p:sldLayout>
@@ -11301,14 +11450,14 @@
           </a:ln>
           <a:extLst>
             <a:ext uri="{909E8E84-426E-40dd-AFC4-6F175D3DCCD1}">
-              <a14:hiddenFill xmlns:a14="http://schemas.microsoft.com/office/drawing/2010/main" xmlns="">
+              <a14:hiddenFill xmlns:a14="http://schemas.microsoft.com/office/drawing/2010/main">
                 <a:solidFill>
                   <a:srgbClr val="FFFFFF"/>
                 </a:solidFill>
               </a14:hiddenFill>
             </a:ext>
             <a:ext uri="{91240B29-F687-4f45-9708-019B960494DF}">
-              <a14:hiddenLine xmlns:a14="http://schemas.microsoft.com/office/drawing/2010/main" xmlns="" w="9525">
+              <a14:hiddenLine xmlns:a14="http://schemas.microsoft.com/office/drawing/2010/main" w="9525">
                 <a:solidFill>
                   <a:srgbClr val="000000"/>
                 </a:solidFill>
@@ -11456,14 +11605,14 @@
           </a:ln>
           <a:extLst>
             <a:ext uri="{909E8E84-426E-40dd-AFC4-6F175D3DCCD1}">
-              <a14:hiddenFill xmlns:a14="http://schemas.microsoft.com/office/drawing/2010/main" xmlns="">
+              <a14:hiddenFill xmlns:a14="http://schemas.microsoft.com/office/drawing/2010/main">
                 <a:solidFill>
                   <a:srgbClr val="FFFFFF"/>
                 </a:solidFill>
               </a14:hiddenFill>
             </a:ext>
             <a:ext uri="{91240B29-F687-4f45-9708-019B960494DF}">
-              <a14:hiddenLine xmlns:a14="http://schemas.microsoft.com/office/drawing/2010/main" xmlns="" w="9525">
+              <a14:hiddenLine xmlns:a14="http://schemas.microsoft.com/office/drawing/2010/main" w="9525">
                 <a:solidFill>
                   <a:srgbClr val="000000"/>
                 </a:solidFill>
@@ -11861,7 +12010,7 @@
   <p:clrMapOvr>
     <a:overrideClrMapping bg1="lt1" tx1="dk1" bg2="lt2" tx2="dk2" accent1="accent1" accent2="accent2" accent3="accent3" accent4="accent4" accent5="accent5" accent6="accent6" hlink="hlink" folHlink="folHlink"/>
   </p:clrMapOvr>
-  <p:transition spd="med">
+  <p:transition xmlns:p14="http://schemas.microsoft.com/office/powerpoint/2010/main" spd="med">
     <p:fade/>
   </p:transition>
 </p:sldLayout>
@@ -11954,14 +12103,14 @@
           </a:ln>
           <a:extLst>
             <a:ext uri="{909E8E84-426E-40dd-AFC4-6F175D3DCCD1}">
-              <a14:hiddenFill xmlns:a14="http://schemas.microsoft.com/office/drawing/2010/main" xmlns="">
+              <a14:hiddenFill xmlns:a14="http://schemas.microsoft.com/office/drawing/2010/main">
                 <a:solidFill>
                   <a:srgbClr val="FFFFFF"/>
                 </a:solidFill>
               </a14:hiddenFill>
             </a:ext>
             <a:ext uri="{91240B29-F687-4f45-9708-019B960494DF}">
-              <a14:hiddenLine xmlns:a14="http://schemas.microsoft.com/office/drawing/2010/main" xmlns="" w="9525">
+              <a14:hiddenLine xmlns:a14="http://schemas.microsoft.com/office/drawing/2010/main" w="9525">
                 <a:solidFill>
                   <a:srgbClr val="000000"/>
                 </a:solidFill>
@@ -11983,7 +12132,7 @@
   <p:clrMapOvr>
     <a:masterClrMapping/>
   </p:clrMapOvr>
-  <p:transition spd="med">
+  <p:transition xmlns:p14="http://schemas.microsoft.com/office/powerpoint/2010/main" spd="med">
     <p:fade/>
   </p:transition>
 </p:sldLayout>
@@ -12200,14 +12349,14 @@
           </a:ln>
           <a:extLst>
             <a:ext uri="{909E8E84-426E-40dd-AFC4-6F175D3DCCD1}">
-              <a14:hiddenFill xmlns:a14="http://schemas.microsoft.com/office/drawing/2010/main" xmlns="">
+              <a14:hiddenFill xmlns:a14="http://schemas.microsoft.com/office/drawing/2010/main">
                 <a:solidFill>
                   <a:srgbClr val="FFFFFF"/>
                 </a:solidFill>
               </a14:hiddenFill>
             </a:ext>
             <a:ext uri="{91240B29-F687-4f45-9708-019B960494DF}">
-              <a14:hiddenLine xmlns:a14="http://schemas.microsoft.com/office/drawing/2010/main" xmlns="" w="9525">
+              <a14:hiddenLine xmlns:a14="http://schemas.microsoft.com/office/drawing/2010/main" w="9525">
                 <a:solidFill>
                   <a:srgbClr val="000000"/>
                 </a:solidFill>
@@ -12404,7 +12553,7 @@
   <p:clrMapOvr>
     <a:masterClrMapping/>
   </p:clrMapOvr>
-  <p:transition spd="med">
+  <p:transition xmlns:p14="http://schemas.microsoft.com/office/powerpoint/2010/main" spd="med">
     <p:fade/>
   </p:transition>
 </p:sldLayout>
@@ -12708,7 +12857,7 @@
   <p:clrMapOvr>
     <a:masterClrMapping/>
   </p:clrMapOvr>
-  <p:transition spd="med">
+  <p:transition xmlns:p14="http://schemas.microsoft.com/office/powerpoint/2010/main" spd="med">
     <p:fade/>
   </p:transition>
 </p:sldLayout>
@@ -12995,7 +13144,7 @@
   <p:clrMapOvr>
     <a:masterClrMapping/>
   </p:clrMapOvr>
-  <p:transition spd="med">
+  <p:transition xmlns:p14="http://schemas.microsoft.com/office/powerpoint/2010/main" spd="med">
     <p:fade/>
   </p:transition>
 </p:sldLayout>
@@ -13282,7 +13431,7 @@
   <p:clrMapOvr>
     <a:masterClrMapping/>
   </p:clrMapOvr>
-  <p:transition spd="med">
+  <p:transition xmlns:p14="http://schemas.microsoft.com/office/powerpoint/2010/main" spd="med">
     <p:fade/>
   </p:transition>
 </p:sldLayout>
@@ -13631,7 +13780,7 @@
   <p:clrMapOvr>
     <a:masterClrMapping/>
   </p:clrMapOvr>
-  <p:transition spd="med">
+  <p:transition xmlns:p14="http://schemas.microsoft.com/office/powerpoint/2010/main" spd="med">
     <p:fade/>
   </p:transition>
 </p:sldLayout>
@@ -13918,7 +14067,7 @@
   <p:clrMapOvr>
     <a:masterClrMapping/>
   </p:clrMapOvr>
-  <p:transition spd="med">
+  <p:transition xmlns:p14="http://schemas.microsoft.com/office/powerpoint/2010/main" spd="med">
     <p:fade/>
   </p:transition>
 </p:sldLayout>
@@ -14135,14 +14284,14 @@
           </a:ln>
           <a:extLst>
             <a:ext uri="{909E8E84-426E-40dd-AFC4-6F175D3DCCD1}">
-              <a14:hiddenFill xmlns:a14="http://schemas.microsoft.com/office/drawing/2010/main" xmlns="">
+              <a14:hiddenFill xmlns:a14="http://schemas.microsoft.com/office/drawing/2010/main">
                 <a:solidFill>
                   <a:srgbClr val="FFFFFF"/>
                 </a:solidFill>
               </a14:hiddenFill>
             </a:ext>
             <a:ext uri="{91240B29-F687-4f45-9708-019B960494DF}">
-              <a14:hiddenLine xmlns:a14="http://schemas.microsoft.com/office/drawing/2010/main" xmlns="" w="9525">
+              <a14:hiddenLine xmlns:a14="http://schemas.microsoft.com/office/drawing/2010/main" w="9525">
                 <a:solidFill>
                   <a:srgbClr val="000000"/>
                 </a:solidFill>
@@ -14339,7 +14488,7 @@
   <p:clrMapOvr>
     <a:masterClrMapping/>
   </p:clrMapOvr>
-  <p:transition spd="med">
+  <p:transition xmlns:p14="http://schemas.microsoft.com/office/powerpoint/2010/main" spd="med">
     <p:fade/>
   </p:transition>
 </p:sldLayout>
@@ -14516,7 +14665,7 @@
   <p:clrMapOvr>
     <a:masterClrMapping/>
   </p:clrMapOvr>
-  <p:transition spd="med">
+  <p:transition xmlns:p14="http://schemas.microsoft.com/office/powerpoint/2010/main" spd="med">
     <p:fade/>
   </p:transition>
 </p:sldLayout>
@@ -14804,7 +14953,7 @@
   <p:clrMapOvr>
     <a:masterClrMapping/>
   </p:clrMapOvr>
-  <p:transition spd="med">
+  <p:transition xmlns:p14="http://schemas.microsoft.com/office/powerpoint/2010/main" spd="med">
     <p:fade/>
   </p:transition>
 </p:sldLayout>
@@ -15116,7 +15265,7 @@
   <p:clrMapOvr>
     <a:masterClrMapping/>
   </p:clrMapOvr>
-  <p:transition spd="med">
+  <p:transition xmlns:p14="http://schemas.microsoft.com/office/powerpoint/2010/main" spd="med">
     <p:fade/>
   </p:transition>
 </p:sldLayout>
@@ -15420,7 +15569,7 @@
   <p:clrMapOvr>
     <a:masterClrMapping/>
   </p:clrMapOvr>
-  <p:transition spd="med">
+  <p:transition xmlns:p14="http://schemas.microsoft.com/office/powerpoint/2010/main" spd="med">
     <p:fade/>
   </p:transition>
 </p:sldLayout>
@@ -15600,7 +15749,7 @@
   <p:clrMapOvr>
     <a:masterClrMapping/>
   </p:clrMapOvr>
-  <p:transition spd="med">
+  <p:transition xmlns:p14="http://schemas.microsoft.com/office/powerpoint/2010/main" spd="med">
     <p:fade/>
   </p:transition>
 </p:sldLayout>
@@ -15676,14 +15825,14 @@
           </a:ln>
           <a:extLst>
             <a:ext uri="{909E8E84-426E-40dd-AFC4-6F175D3DCCD1}">
-              <a14:hiddenFill xmlns:a14="http://schemas.microsoft.com/office/drawing/2010/main" xmlns="">
+              <a14:hiddenFill xmlns:a14="http://schemas.microsoft.com/office/drawing/2010/main">
                 <a:solidFill>
                   <a:srgbClr val="FFFFFF"/>
                 </a:solidFill>
               </a14:hiddenFill>
             </a:ext>
             <a:ext uri="{91240B29-F687-4f45-9708-019B960494DF}">
-              <a14:hiddenLine xmlns:a14="http://schemas.microsoft.com/office/drawing/2010/main" xmlns="" w="9525">
+              <a14:hiddenLine xmlns:a14="http://schemas.microsoft.com/office/drawing/2010/main" w="9525">
                 <a:solidFill>
                   <a:srgbClr val="000000"/>
                 </a:solidFill>
@@ -15959,7 +16108,7 @@
   <p:clrMapOvr>
     <a:overrideClrMapping bg1="lt1" tx1="dk1" bg2="lt2" tx2="dk2" accent1="accent1" accent2="accent2" accent3="accent3" accent4="accent4" accent5="accent5" accent6="accent6" hlink="hlink" folHlink="folHlink"/>
   </p:clrMapOvr>
-  <p:transition spd="med">
+  <p:transition xmlns:p14="http://schemas.microsoft.com/office/powerpoint/2010/main" spd="med">
     <p:fade/>
   </p:transition>
 </p:sldLayout>
@@ -16165,7 +16314,7 @@
   <p:clrMapOvr>
     <a:overrideClrMapping bg1="lt1" tx1="dk1" bg2="lt2" tx2="dk2" accent1="accent1" accent2="accent2" accent3="accent3" accent4="accent4" accent5="accent5" accent6="accent6" hlink="hlink" folHlink="folHlink"/>
   </p:clrMapOvr>
-  <p:transition spd="med">
+  <p:transition xmlns:p14="http://schemas.microsoft.com/office/powerpoint/2010/main" spd="med">
     <p:fade/>
   </p:transition>
 </p:sldLayout>
@@ -16241,14 +16390,14 @@
           </a:ln>
           <a:extLst>
             <a:ext uri="{909E8E84-426E-40dd-AFC4-6F175D3DCCD1}">
-              <a14:hiddenFill xmlns:a14="http://schemas.microsoft.com/office/drawing/2010/main" xmlns="">
+              <a14:hiddenFill xmlns:a14="http://schemas.microsoft.com/office/drawing/2010/main">
                 <a:solidFill>
                   <a:srgbClr val="FFFFFF"/>
                 </a:solidFill>
               </a14:hiddenFill>
             </a:ext>
             <a:ext uri="{91240B29-F687-4f45-9708-019B960494DF}">
-              <a14:hiddenLine xmlns:a14="http://schemas.microsoft.com/office/drawing/2010/main" xmlns="" w="9525">
+              <a14:hiddenLine xmlns:a14="http://schemas.microsoft.com/office/drawing/2010/main" w="9525">
                 <a:solidFill>
                   <a:srgbClr val="000000"/>
                 </a:solidFill>
@@ -16531,7 +16680,7 @@
   <p:clrMapOvr>
     <a:overrideClrMapping bg1="lt1" tx1="dk1" bg2="lt2" tx2="dk2" accent1="accent1" accent2="accent2" accent3="accent3" accent4="accent4" accent5="accent5" accent6="accent6" hlink="hlink" folHlink="folHlink"/>
   </p:clrMapOvr>
-  <p:transition spd="med">
+  <p:transition xmlns:p14="http://schemas.microsoft.com/office/powerpoint/2010/main" spd="med">
     <p:fade/>
   </p:transition>
 </p:sldLayout>
@@ -16739,7 +16888,7 @@
   <p:clrMapOvr>
     <a:overrideClrMapping bg1="lt1" tx1="dk1" bg2="lt2" tx2="dk2" accent1="accent1" accent2="accent2" accent3="accent3" accent4="accent4" accent5="accent5" accent6="accent6" hlink="hlink" folHlink="folHlink"/>
   </p:clrMapOvr>
-  <p:transition spd="med">
+  <p:transition xmlns:p14="http://schemas.microsoft.com/office/powerpoint/2010/main" spd="med">
     <p:fade/>
   </p:transition>
 </p:sldLayout>
@@ -16815,14 +16964,14 @@
           </a:ln>
           <a:extLst>
             <a:ext uri="{909E8E84-426E-40dd-AFC4-6F175D3DCCD1}">
-              <a14:hiddenFill xmlns:a14="http://schemas.microsoft.com/office/drawing/2010/main" xmlns="">
+              <a14:hiddenFill xmlns:a14="http://schemas.microsoft.com/office/drawing/2010/main">
                 <a:solidFill>
                   <a:srgbClr val="FFFFFF"/>
                 </a:solidFill>
               </a14:hiddenFill>
             </a:ext>
             <a:ext uri="{91240B29-F687-4f45-9708-019B960494DF}">
-              <a14:hiddenLine xmlns:a14="http://schemas.microsoft.com/office/drawing/2010/main" xmlns="" w="9525">
+              <a14:hiddenLine xmlns:a14="http://schemas.microsoft.com/office/drawing/2010/main" w="9525">
                 <a:solidFill>
                   <a:srgbClr val="000000"/>
                 </a:solidFill>
@@ -17090,7 +17239,7 @@
   <p:clrMapOvr>
     <a:overrideClrMapping bg1="lt1" tx1="dk1" bg2="lt2" tx2="dk2" accent1="accent1" accent2="accent2" accent3="accent3" accent4="accent4" accent5="accent5" accent6="accent6" hlink="hlink" folHlink="folHlink"/>
   </p:clrMapOvr>
-  <p:transition spd="med">
+  <p:transition xmlns:p14="http://schemas.microsoft.com/office/powerpoint/2010/main" spd="med">
     <p:fade/>
   </p:transition>
 </p:sldLayout>
@@ -17318,7 +17467,7 @@
   <p:clrMapOvr>
     <a:overrideClrMapping bg1="lt1" tx1="dk1" bg2="lt2" tx2="dk2" accent1="accent1" accent2="accent2" accent3="accent3" accent4="accent4" accent5="accent5" accent6="accent6" hlink="hlink" folHlink="folHlink"/>
   </p:clrMapOvr>
-  <p:transition spd="med">
+  <p:transition xmlns:p14="http://schemas.microsoft.com/office/powerpoint/2010/main" spd="med">
     <p:fade/>
   </p:transition>
 </p:sldLayout>
@@ -17606,7 +17755,7 @@
   <p:clrMapOvr>
     <a:overrideClrMapping bg1="lt1" tx1="dk1" bg2="lt2" tx2="dk2" accent1="accent1" accent2="accent2" accent3="accent3" accent4="accent4" accent5="accent5" accent6="accent6" hlink="hlink" folHlink="folHlink"/>
   </p:clrMapOvr>
-  <p:transition spd="med">
+  <p:transition xmlns:p14="http://schemas.microsoft.com/office/powerpoint/2010/main" spd="med">
     <p:fade/>
   </p:transition>
 </p:sldLayout>
@@ -17762,14 +17911,14 @@
           </a:ln>
           <a:extLst>
             <a:ext uri="{909E8E84-426E-40dd-AFC4-6F175D3DCCD1}">
-              <a14:hiddenFill xmlns:a14="http://schemas.microsoft.com/office/drawing/2010/main" xmlns="">
+              <a14:hiddenFill xmlns:a14="http://schemas.microsoft.com/office/drawing/2010/main">
                 <a:solidFill>
                   <a:srgbClr val="FFFFFF"/>
                 </a:solidFill>
               </a14:hiddenFill>
             </a:ext>
             <a:ext uri="{91240B29-F687-4f45-9708-019B960494DF}">
-              <a14:hiddenLine xmlns:a14="http://schemas.microsoft.com/office/drawing/2010/main" xmlns="" w="9525">
+              <a14:hiddenLine xmlns:a14="http://schemas.microsoft.com/office/drawing/2010/main" w="9525">
                 <a:solidFill>
                   <a:srgbClr val="000000"/>
                 </a:solidFill>
@@ -17988,13 +18137,13 @@
     <p:sldLayoutId id="2147483868" r:id="rId13"/>
     <p:sldLayoutId id="2147483869" r:id="rId14"/>
   </p:sldLayoutIdLst>
-  <p:transition spd="med">
+  <p:transition xmlns:p14="http://schemas.microsoft.com/office/powerpoint/2010/main" spd="med">
     <p:fade/>
   </p:transition>
   <p:timing>
     <p:tnLst>
       <p:par>
-        <p:cTn id="1" dur="indefinite" restart="never" nodeType="tmRoot"/>
+        <p:cTn xmlns:p14="http://schemas.microsoft.com/office/powerpoint/2010/main" id="1" dur="indefinite" restart="never" nodeType="tmRoot"/>
       </p:par>
     </p:tnLst>
   </p:timing>
@@ -18522,14 +18671,14 @@
           </a:ln>
           <a:extLst>
             <a:ext uri="{909E8E84-426E-40dd-AFC4-6F175D3DCCD1}">
-              <a14:hiddenFill xmlns:a14="http://schemas.microsoft.com/office/drawing/2010/main" xmlns="">
+              <a14:hiddenFill xmlns:a14="http://schemas.microsoft.com/office/drawing/2010/main">
                 <a:solidFill>
                   <a:srgbClr val="FFFFFF"/>
                 </a:solidFill>
               </a14:hiddenFill>
             </a:ext>
             <a:ext uri="{91240B29-F687-4f45-9708-019B960494DF}">
-              <a14:hiddenLine xmlns:a14="http://schemas.microsoft.com/office/drawing/2010/main" xmlns="" w="9525">
+              <a14:hiddenLine xmlns:a14="http://schemas.microsoft.com/office/drawing/2010/main" w="9525">
                 <a:solidFill>
                   <a:srgbClr val="000000"/>
                 </a:solidFill>
@@ -18818,13 +18967,13 @@
     <p:sldLayoutId id="2147483866" r:id="rId8"/>
     <p:sldLayoutId id="2147483870" r:id="rId9"/>
   </p:sldLayoutIdLst>
-  <p:transition spd="med">
+  <p:transition xmlns:p14="http://schemas.microsoft.com/office/powerpoint/2010/main" spd="med">
     <p:fade/>
   </p:transition>
   <p:timing>
     <p:tnLst>
       <p:par>
-        <p:cTn id="1" dur="indefinite" restart="never" nodeType="tmRoot"/>
+        <p:cTn xmlns:p14="http://schemas.microsoft.com/office/powerpoint/2010/main" id="1" dur="indefinite" restart="never" nodeType="tmRoot"/>
       </p:par>
     </p:tnLst>
   </p:timing>
@@ -19332,13 +19481,13 @@
   <p:clrMapOvr>
     <a:masterClrMapping/>
   </p:clrMapOvr>
-  <p:transition spd="med">
+  <p:transition xmlns:p14="http://schemas.microsoft.com/office/powerpoint/2010/main" spd="med">
     <p:fade/>
   </p:transition>
   <p:timing>
     <p:tnLst>
       <p:par>
-        <p:cTn id="1" dur="indefinite" restart="never" nodeType="tmRoot"/>
+        <p:cTn xmlns:p14="http://schemas.microsoft.com/office/powerpoint/2010/main" id="1" dur="indefinite" restart="never" nodeType="tmRoot"/>
       </p:par>
     </p:tnLst>
   </p:timing>
@@ -19523,13 +19672,13 @@
   <p:clrMapOvr>
     <a:masterClrMapping/>
   </p:clrMapOvr>
-  <p:transition spd="med">
+  <p:transition xmlns:p14="http://schemas.microsoft.com/office/powerpoint/2010/main" spd="med">
     <p:fade/>
   </p:transition>
   <p:timing>
     <p:tnLst>
       <p:par>
-        <p:cTn id="1" dur="indefinite" restart="never" nodeType="tmRoot"/>
+        <p:cTn xmlns:p14="http://schemas.microsoft.com/office/powerpoint/2010/main" id="1" dur="indefinite" restart="never" nodeType="tmRoot"/>
       </p:par>
     </p:tnLst>
   </p:timing>
@@ -19726,13 +19875,13 @@
   <p:clrMapOvr>
     <a:masterClrMapping/>
   </p:clrMapOvr>
-  <p:transition spd="med">
+  <p:transition xmlns:p14="http://schemas.microsoft.com/office/powerpoint/2010/main" spd="med">
     <p:fade/>
   </p:transition>
   <p:timing>
     <p:tnLst>
       <p:par>
-        <p:cTn id="1" dur="indefinite" restart="never" nodeType="tmRoot"/>
+        <p:cTn xmlns:p14="http://schemas.microsoft.com/office/powerpoint/2010/main" id="1" dur="indefinite" restart="never" nodeType="tmRoot"/>
       </p:par>
     </p:tnLst>
   </p:timing>
@@ -19882,13 +20031,13 @@
   <p:clrMapOvr>
     <a:masterClrMapping/>
   </p:clrMapOvr>
-  <p:transition spd="med">
+  <p:transition xmlns:p14="http://schemas.microsoft.com/office/powerpoint/2010/main" spd="med">
     <p:fade/>
   </p:transition>
   <p:timing>
     <p:tnLst>
       <p:par>
-        <p:cTn id="1" dur="indefinite" restart="never" nodeType="tmRoot"/>
+        <p:cTn xmlns:p14="http://schemas.microsoft.com/office/powerpoint/2010/main" id="1" dur="indefinite" restart="never" nodeType="tmRoot"/>
       </p:par>
     </p:tnLst>
   </p:timing>
@@ -20001,13 +20150,13 @@
   <p:clrMapOvr>
     <a:masterClrMapping/>
   </p:clrMapOvr>
-  <p:transition spd="med">
+  <p:transition xmlns:p14="http://schemas.microsoft.com/office/powerpoint/2010/main" spd="med">
     <p:fade/>
   </p:transition>
   <p:timing>
     <p:tnLst>
       <p:par>
-        <p:cTn id="1" dur="indefinite" restart="never" nodeType="tmRoot"/>
+        <p:cTn xmlns:p14="http://schemas.microsoft.com/office/powerpoint/2010/main" id="1" dur="indefinite" restart="never" nodeType="tmRoot"/>
       </p:par>
     </p:tnLst>
   </p:timing>
@@ -20307,13 +20456,13 @@
   <p:clrMapOvr>
     <a:masterClrMapping/>
   </p:clrMapOvr>
-  <p:transition spd="med">
+  <p:transition xmlns:p14="http://schemas.microsoft.com/office/powerpoint/2010/main" spd="med">
     <p:fade/>
   </p:transition>
   <p:timing>
     <p:tnLst>
       <p:par>
-        <p:cTn id="1" dur="indefinite" restart="never" nodeType="tmRoot"/>
+        <p:cTn xmlns:p14="http://schemas.microsoft.com/office/powerpoint/2010/main" id="1" dur="indefinite" restart="never" nodeType="tmRoot"/>
       </p:par>
     </p:tnLst>
   </p:timing>
@@ -20441,13 +20590,13 @@
   <p:clrMapOvr>
     <a:masterClrMapping/>
   </p:clrMapOvr>
-  <p:transition spd="med">
+  <p:transition xmlns:p14="http://schemas.microsoft.com/office/powerpoint/2010/main" spd="med">
     <p:fade/>
   </p:transition>
   <p:timing>
     <p:tnLst>
       <p:par>
-        <p:cTn id="1" dur="indefinite" restart="never" nodeType="tmRoot"/>
+        <p:cTn xmlns:p14="http://schemas.microsoft.com/office/powerpoint/2010/main" id="1" dur="indefinite" restart="never" nodeType="tmRoot"/>
       </p:par>
     </p:tnLst>
   </p:timing>
@@ -20612,13 +20761,13 @@
   <p:clrMapOvr>
     <a:masterClrMapping/>
   </p:clrMapOvr>
-  <p:transition spd="med">
+  <p:transition xmlns:p14="http://schemas.microsoft.com/office/powerpoint/2010/main" spd="med">
     <p:fade/>
   </p:transition>
   <p:timing>
     <p:tnLst>
       <p:par>
-        <p:cTn id="1" dur="indefinite" restart="never" nodeType="tmRoot"/>
+        <p:cTn xmlns:p14="http://schemas.microsoft.com/office/powerpoint/2010/main" id="1" dur="indefinite" restart="never" nodeType="tmRoot"/>
       </p:par>
     </p:tnLst>
   </p:timing>
@@ -20787,8 +20936,8 @@
         </p:nvCxnSpPr>
         <p:spPr>
           <a:xfrm>
-            <a:off x="4914900" y="3467100"/>
-            <a:ext cx="6534150" cy="1600200"/>
+            <a:off x="5600850" y="3101778"/>
+            <a:ext cx="5848200" cy="1965522"/>
           </a:xfrm>
           <a:prstGeom prst="straightConnector1">
             <a:avLst/>
@@ -20825,13 +20974,13 @@
   <p:clrMapOvr>
     <a:masterClrMapping/>
   </p:clrMapOvr>
-  <p:transition spd="med">
+  <p:transition xmlns:p14="http://schemas.microsoft.com/office/powerpoint/2010/main" spd="med">
     <p:fade/>
   </p:transition>
   <p:timing>
     <p:tnLst>
       <p:par>
-        <p:cTn id="1" dur="indefinite" restart="never" nodeType="tmRoot"/>
+        <p:cTn xmlns:p14="http://schemas.microsoft.com/office/powerpoint/2010/main" id="1" dur="indefinite" restart="never" nodeType="tmRoot"/>
       </p:par>
     </p:tnLst>
   </p:timing>
@@ -20946,35 +21095,6 @@
           <a:prstGeom prst="rect">
             <a:avLst/>
           </a:prstGeom>
-        </p:spPr>
-      </p:pic>
-      <p:pic>
-        <p:nvPicPr>
-          <p:cNvPr id="8" name="Picture 7"/>
-          <p:cNvPicPr>
-            <a:picLocks noChangeAspect="1"/>
-          </p:cNvPicPr>
-          <p:nvPr/>
-        </p:nvPicPr>
-        <p:blipFill>
-          <a:blip r:embed="rId4"/>
-          <a:stretch>
-            <a:fillRect/>
-          </a:stretch>
-        </p:blipFill>
-        <p:spPr>
-          <a:xfrm>
-            <a:off x="5711825" y="4667250"/>
-            <a:ext cx="10487025" cy="3181350"/>
-          </a:xfrm>
-          <a:prstGeom prst="rect">
-            <a:avLst/>
-          </a:prstGeom>
-          <a:ln>
-            <a:solidFill>
-              <a:schemeClr val="accent1"/>
-            </a:solidFill>
-          </a:ln>
         </p:spPr>
       </p:pic>
       <p:cxnSp>
@@ -21013,6 +21133,34 @@
           </a:fontRef>
         </p:style>
       </p:cxnSp>
+      <p:pic>
+        <p:nvPicPr>
+          <p:cNvPr id="9" name="Picture 8"/>
+          <p:cNvPicPr>
+            <a:picLocks noChangeAspect="1"/>
+          </p:cNvPicPr>
+          <p:nvPr/>
+        </p:nvPicPr>
+        <p:blipFill rotWithShape="1">
+          <a:blip r:embed="rId4"/>
+          <a:srcRect l="21821" r="-293"/>
+          <a:stretch/>
+        </p:blipFill>
+        <p:spPr>
+          <a:xfrm>
+            <a:off x="7984289" y="4795482"/>
+            <a:ext cx="7724990" cy="2986281"/>
+          </a:xfrm>
+          <a:prstGeom prst="rect">
+            <a:avLst/>
+          </a:prstGeom>
+          <a:ln>
+            <a:solidFill>
+              <a:schemeClr val="accent1"/>
+            </a:solidFill>
+          </a:ln>
+        </p:spPr>
+      </p:pic>
     </p:spTree>
     <p:extLst>
       <p:ext uri="{BB962C8B-B14F-4D97-AF65-F5344CB8AC3E}">
@@ -21023,13 +21171,13 @@
   <p:clrMapOvr>
     <a:masterClrMapping/>
   </p:clrMapOvr>
-  <p:transition spd="med">
+  <p:transition xmlns:p14="http://schemas.microsoft.com/office/powerpoint/2010/main" spd="med">
     <p:fade/>
   </p:transition>
   <p:timing>
     <p:tnLst>
       <p:par>
-        <p:cTn id="1" dur="indefinite" restart="never" nodeType="tmRoot"/>
+        <p:cTn xmlns:p14="http://schemas.microsoft.com/office/powerpoint/2010/main" id="1" dur="indefinite" restart="never" nodeType="tmRoot"/>
       </p:par>
     </p:tnLst>
   </p:timing>
@@ -21199,13 +21347,13 @@
   <p:clrMapOvr>
     <a:masterClrMapping/>
   </p:clrMapOvr>
-  <p:transition spd="med">
+  <p:transition xmlns:p14="http://schemas.microsoft.com/office/powerpoint/2010/main" spd="med">
     <p:fade/>
   </p:transition>
   <p:timing>
     <p:tnLst>
       <p:par>
-        <p:cTn id="1" dur="indefinite" restart="never" nodeType="tmRoot"/>
+        <p:cTn xmlns:p14="http://schemas.microsoft.com/office/powerpoint/2010/main" id="1" dur="indefinite" restart="never" nodeType="tmRoot"/>
       </p:par>
     </p:tnLst>
   </p:timing>
@@ -21408,13 +21556,13 @@
   <p:clrMapOvr>
     <a:masterClrMapping/>
   </p:clrMapOvr>
-  <p:transition spd="med">
+  <p:transition xmlns:p14="http://schemas.microsoft.com/office/powerpoint/2010/main" spd="med">
     <p:fade/>
   </p:transition>
   <p:timing>
     <p:tnLst>
       <p:par>
-        <p:cTn id="1" dur="indefinite" restart="never" nodeType="tmRoot"/>
+        <p:cTn xmlns:p14="http://schemas.microsoft.com/office/powerpoint/2010/main" id="1" dur="indefinite" restart="never" nodeType="tmRoot"/>
       </p:par>
     </p:tnLst>
   </p:timing>
@@ -21770,13 +21918,13 @@
   <p:clrMapOvr>
     <a:masterClrMapping/>
   </p:clrMapOvr>
-  <p:transition spd="med">
+  <p:transition xmlns:p14="http://schemas.microsoft.com/office/powerpoint/2010/main" spd="med">
     <p:fade/>
   </p:transition>
   <p:timing>
     <p:tnLst>
       <p:par>
-        <p:cTn id="1" dur="indefinite" restart="never" nodeType="tmRoot"/>
+        <p:cTn xmlns:p14="http://schemas.microsoft.com/office/powerpoint/2010/main" id="1" dur="indefinite" restart="never" nodeType="tmRoot"/>
       </p:par>
     </p:tnLst>
   </p:timing>
@@ -21994,13 +22142,13 @@
   <p:clrMapOvr>
     <a:masterClrMapping/>
   </p:clrMapOvr>
-  <p:transition spd="med">
+  <p:transition xmlns:p14="http://schemas.microsoft.com/office/powerpoint/2010/main" spd="med">
     <p:fade/>
   </p:transition>
   <p:timing>
     <p:tnLst>
       <p:par>
-        <p:cTn id="1" dur="indefinite" restart="never" nodeType="tmRoot"/>
+        <p:cTn xmlns:p14="http://schemas.microsoft.com/office/powerpoint/2010/main" id="1" dur="indefinite" restart="never" nodeType="tmRoot"/>
       </p:par>
     </p:tnLst>
   </p:timing>
@@ -22240,13 +22388,13 @@
   <p:clrMapOvr>
     <a:masterClrMapping/>
   </p:clrMapOvr>
-  <p:transition spd="med">
+  <p:transition xmlns:p14="http://schemas.microsoft.com/office/powerpoint/2010/main" spd="med">
     <p:fade/>
   </p:transition>
   <p:timing>
     <p:tnLst>
       <p:par>
-        <p:cTn id="1" dur="indefinite" restart="never" nodeType="tmRoot"/>
+        <p:cTn xmlns:p14="http://schemas.microsoft.com/office/powerpoint/2010/main" id="1" dur="indefinite" restart="never" nodeType="tmRoot"/>
       </p:par>
     </p:tnLst>
   </p:timing>
@@ -22491,7 +22639,7 @@
   <p:clrMapOvr>
     <a:masterClrMapping/>
   </p:clrMapOvr>
-  <p:transition spd="med">
+  <p:transition xmlns:p14="http://schemas.microsoft.com/office/powerpoint/2010/main" spd="med">
     <p:fade/>
   </p:transition>
 </p:sld>
@@ -22615,13 +22763,13 @@
   <p:clrMapOvr>
     <a:masterClrMapping/>
   </p:clrMapOvr>
-  <p:transition spd="med">
+  <p:transition xmlns:p14="http://schemas.microsoft.com/office/powerpoint/2010/main" spd="med">
     <p:fade/>
   </p:transition>
   <p:timing>
     <p:tnLst>
       <p:par>
-        <p:cTn id="1" dur="indefinite" restart="never" nodeType="tmRoot"/>
+        <p:cTn xmlns:p14="http://schemas.microsoft.com/office/powerpoint/2010/main" id="1" dur="indefinite" restart="never" nodeType="tmRoot"/>
       </p:par>
     </p:tnLst>
   </p:timing>
@@ -22741,7 +22889,7 @@
   <p:clrMapOvr>
     <a:masterClrMapping/>
   </p:clrMapOvr>
-  <p:transition spd="med">
+  <p:transition xmlns:p14="http://schemas.microsoft.com/office/powerpoint/2010/main" spd="med">
     <p:fade/>
   </p:transition>
 </p:sld>
@@ -22822,15 +22970,7 @@
             </a:r>
             <a:r>
               <a:rPr lang="en-US" sz="2800" dirty="0" smtClean="0"/>
-              <a:t> node (not your compliance server node) </a:t>
-            </a:r>
-            <a:r>
-              <a:rPr lang="en-US" sz="2800" dirty="0" smtClean="0"/>
-              <a:t>using ssh and </a:t>
-            </a:r>
-            <a:r>
-              <a:rPr lang="en-US" sz="2800" dirty="0" smtClean="0"/>
-              <a:t>ensure you are in the home directory.</a:t>
+              <a:t> node (not your compliance server node) using ssh and ensure you are in the home directory.</a:t>
             </a:r>
           </a:p>
           <a:p>
@@ -23094,13 +23234,13 @@
   <p:clrMapOvr>
     <a:masterClrMapping/>
   </p:clrMapOvr>
-  <p:transition spd="med">
+  <p:transition xmlns:p14="http://schemas.microsoft.com/office/powerpoint/2010/main" spd="med">
     <p:fade/>
   </p:transition>
   <p:timing>
     <p:tnLst>
       <p:par>
-        <p:cTn id="1" dur="indefinite" restart="never" nodeType="tmRoot"/>
+        <p:cTn xmlns:p14="http://schemas.microsoft.com/office/powerpoint/2010/main" id="1" dur="indefinite" restart="never" nodeType="tmRoot"/>
       </p:par>
     </p:tnLst>
   </p:timing>
@@ -23175,15 +23315,19 @@
         <p:spPr/>
         <p:txBody>
           <a:bodyPr>
-            <a:normAutofit/>
+            <a:noAutofit/>
           </a:bodyPr>
           <a:lstStyle/>
           <a:p>
             <a:r>
-              <a:rPr lang="en-US" dirty="0" smtClean="0"/>
-              <a:t>GE: Create an SSH Cookbook and CD to it</a:t>
-            </a:r>
-            <a:endParaRPr lang="en-US" dirty="0"/>
+              <a:rPr lang="en-US" sz="4900" dirty="0" smtClean="0"/>
+              <a:t>GE: </a:t>
+            </a:r>
+            <a:r>
+              <a:rPr lang="en-US" sz="4900" dirty="0"/>
+              <a:t>Create and change to a ‘cookbooks’ directory</a:t>
+            </a:r>
+            <a:endParaRPr lang="en-US" sz="4900" dirty="0"/>
           </a:p>
         </p:txBody>
       </p:sp>
@@ -23384,7 +23528,7 @@
   <p:clrMapOvr>
     <a:masterClrMapping/>
   </p:clrMapOvr>
-  <p:transition spd="med">
+  <p:transition xmlns:p14="http://schemas.microsoft.com/office/powerpoint/2010/main" spd="med">
     <p:fade/>
   </p:transition>
 </p:sld>
@@ -23544,7 +23688,7 @@
   <p:clrMapOvr>
     <a:masterClrMapping/>
   </p:clrMapOvr>
-  <p:transition spd="med">
+  <p:transition xmlns:p14="http://schemas.microsoft.com/office/powerpoint/2010/main" spd="med">
     <p:fade/>
   </p:transition>
 </p:sld>
@@ -23748,7 +23892,7 @@
   <p:clrMapOvr>
     <a:masterClrMapping/>
   </p:clrMapOvr>
-  <p:transition spd="med">
+  <p:transition xmlns:p14="http://schemas.microsoft.com/office/powerpoint/2010/main" spd="med">
     <p:fade/>
   </p:transition>
 </p:sld>
@@ -23884,7 +24028,7 @@
   <p:clrMapOvr>
     <a:masterClrMapping/>
   </p:clrMapOvr>
-  <p:transition spd="med">
+  <p:transition xmlns:p14="http://schemas.microsoft.com/office/powerpoint/2010/main" spd="med">
     <p:fade/>
   </p:transition>
 </p:sld>
@@ -24065,8 +24209,12 @@
               <a:t>GE: Create an SSH </a:t>
             </a:r>
             <a:r>
-              <a:rPr lang="en-US" dirty="0" smtClean="0"/>
-              <a:t>Template</a:t>
+              <a:rPr lang="en-US" dirty="0" err="1" smtClean="0"/>
+              <a:t>Config</a:t>
+            </a:r>
+            <a:r>
+              <a:rPr lang="en-US" dirty="0" smtClean="0"/>
+              <a:t> Template</a:t>
             </a:r>
             <a:endParaRPr lang="en-US" dirty="0"/>
           </a:p>
@@ -24082,7 +24230,7 @@
   <p:clrMapOvr>
     <a:masterClrMapping/>
   </p:clrMapOvr>
-  <p:transition spd="med">
+  <p:transition xmlns:p14="http://schemas.microsoft.com/office/powerpoint/2010/main" spd="med">
     <p:fade/>
   </p:transition>
 </p:sld>
@@ -24276,7 +24424,7 @@
   <p:clrMapOvr>
     <a:masterClrMapping/>
   </p:clrMapOvr>
-  <p:transition spd="med">
+  <p:transition xmlns:p14="http://schemas.microsoft.com/office/powerpoint/2010/main" spd="med">
     <p:fade/>
   </p:transition>
 </p:sld>
@@ -24413,7 +24561,7 @@
   <p:clrMapOvr>
     <a:masterClrMapping/>
   </p:clrMapOvr>
-  <p:transition spd="med">
+  <p:transition xmlns:p14="http://schemas.microsoft.com/office/powerpoint/2010/main" spd="med">
     <p:fade/>
   </p:transition>
 </p:sld>
@@ -24502,13 +24650,13 @@
   <p:clrMapOvr>
     <a:masterClrMapping/>
   </p:clrMapOvr>
-  <p:transition spd="med">
+  <p:transition xmlns:p14="http://schemas.microsoft.com/office/powerpoint/2010/main" spd="med">
     <p:fade/>
   </p:transition>
   <p:timing>
     <p:tnLst>
       <p:par>
-        <p:cTn id="1" dur="indefinite" restart="never" nodeType="tmRoot"/>
+        <p:cTn xmlns:p14="http://schemas.microsoft.com/office/powerpoint/2010/main" id="1" dur="indefinite" restart="never" nodeType="tmRoot"/>
       </p:par>
     </p:tnLst>
   </p:timing>
@@ -24674,7 +24822,7 @@
             <a:spLocks noGrp="1"/>
           </p:cNvSpPr>
           <p:nvPr>
-            <p:ph sz="quarter" idx="12" hasCustomPrompt="1"/>
+            <p:ph sz="quarter" idx="12"/>
           </p:nvPr>
         </p:nvSpPr>
         <p:spPr>
@@ -24729,13 +24877,13 @@
   <p:clrMapOvr>
     <a:masterClrMapping/>
   </p:clrMapOvr>
-  <p:transition spd="med">
+  <p:transition xmlns:p14="http://schemas.microsoft.com/office/powerpoint/2010/main" spd="med">
     <p:fade/>
   </p:transition>
   <p:timing>
     <p:tnLst>
       <p:par>
-        <p:cTn id="1" dur="indefinite" restart="never" nodeType="tmRoot"/>
+        <p:cTn xmlns:p14="http://schemas.microsoft.com/office/powerpoint/2010/main" id="1" dur="indefinite" restart="never" nodeType="tmRoot"/>
       </p:par>
     </p:tnLst>
   </p:timing>
@@ -24930,7 +25078,7 @@
             <a:spLocks noGrp="1"/>
           </p:cNvSpPr>
           <p:nvPr>
-            <p:ph sz="quarter" idx="12" hasCustomPrompt="1"/>
+            <p:ph sz="quarter" idx="12"/>
           </p:nvPr>
         </p:nvSpPr>
         <p:spPr>
@@ -24985,13 +25133,13 @@
   <p:clrMapOvr>
     <a:masterClrMapping/>
   </p:clrMapOvr>
-  <p:transition spd="med">
+  <p:transition xmlns:p14="http://schemas.microsoft.com/office/powerpoint/2010/main" spd="med">
     <p:fade/>
   </p:transition>
   <p:timing>
     <p:tnLst>
       <p:par>
-        <p:cTn id="1" dur="indefinite" restart="never" nodeType="tmRoot"/>
+        <p:cTn xmlns:p14="http://schemas.microsoft.com/office/powerpoint/2010/main" id="1" dur="indefinite" restart="never" nodeType="tmRoot"/>
       </p:par>
     </p:tnLst>
   </p:timing>
@@ -25567,13 +25715,13 @@
   <p:clrMapOvr>
     <a:masterClrMapping/>
   </p:clrMapOvr>
-  <p:transition spd="med">
+  <p:transition xmlns:p14="http://schemas.microsoft.com/office/powerpoint/2010/main" spd="med">
     <p:fade/>
   </p:transition>
   <p:timing>
     <p:tnLst>
       <p:par>
-        <p:cTn id="1" dur="indefinite" restart="never" nodeType="tmRoot"/>
+        <p:cTn xmlns:p14="http://schemas.microsoft.com/office/powerpoint/2010/main" id="1" dur="indefinite" restart="never" nodeType="tmRoot"/>
       </p:par>
     </p:tnLst>
   </p:timing>
@@ -25736,13 +25884,13 @@
   <p:clrMapOvr>
     <a:masterClrMapping/>
   </p:clrMapOvr>
-  <p:transition spd="med">
+  <p:transition xmlns:p14="http://schemas.microsoft.com/office/powerpoint/2010/main" spd="med">
     <p:fade/>
   </p:transition>
   <p:timing>
     <p:tnLst>
       <p:par>
-        <p:cTn id="1" dur="indefinite" restart="never" nodeType="tmRoot"/>
+        <p:cTn xmlns:p14="http://schemas.microsoft.com/office/powerpoint/2010/main" id="1" dur="indefinite" restart="never" nodeType="tmRoot"/>
       </p:par>
     </p:tnLst>
   </p:timing>
@@ -25953,13 +26101,13 @@
   <p:clrMapOvr>
     <a:masterClrMapping/>
   </p:clrMapOvr>
-  <p:transition spd="med">
+  <p:transition xmlns:p14="http://schemas.microsoft.com/office/powerpoint/2010/main" spd="med">
     <p:fade/>
   </p:transition>
   <p:timing>
     <p:tnLst>
       <p:par>
-        <p:cTn id="1" dur="indefinite" restart="never" nodeType="tmRoot"/>
+        <p:cTn xmlns:p14="http://schemas.microsoft.com/office/powerpoint/2010/main" id="1" dur="indefinite" restart="never" nodeType="tmRoot"/>
       </p:par>
     </p:tnLst>
   </p:timing>
@@ -26085,7 +26233,7 @@
   <p:clrMapOvr>
     <a:masterClrMapping/>
   </p:clrMapOvr>
-  <p:transition spd="med">
+  <p:transition xmlns:p14="http://schemas.microsoft.com/office/powerpoint/2010/main" spd="med">
     <p:fade/>
   </p:transition>
 </p:sld>
@@ -26159,15 +26307,7 @@
             </a:pPr>
             <a:r>
               <a:rPr lang="en-US" dirty="0" smtClean="0"/>
-              <a:t>Add a </a:t>
-            </a:r>
-            <a:r>
-              <a:rPr lang="en-US" dirty="0" smtClean="0"/>
-              <a:t>Linux Node </a:t>
-            </a:r>
-            <a:r>
-              <a:rPr lang="en-US" dirty="0" smtClean="0"/>
-              <a:t>to Scan</a:t>
+              <a:t>Add a Linux Node to Scan</a:t>
             </a:r>
           </a:p>
           <a:p>
@@ -26177,11 +26317,7 @@
             </a:pPr>
             <a:r>
               <a:rPr lang="en-US" dirty="0" smtClean="0"/>
-              <a:t>Test </a:t>
-            </a:r>
-            <a:r>
-              <a:rPr lang="en-US" dirty="0" smtClean="0"/>
-              <a:t>connectivity</a:t>
+              <a:t>Test connectivity</a:t>
             </a:r>
           </a:p>
           <a:p>
@@ -26200,7 +26336,6 @@
               <a:rPr lang="en-US" dirty="0" smtClean="0"/>
               <a:t>: In the next module you will perform the same exercises as in this module but using a Windows node as your target node.</a:t>
             </a:r>
-            <a:endParaRPr lang="en-US" dirty="0" smtClean="0"/>
           </a:p>
           <a:p>
             <a:endParaRPr lang="en-US" dirty="0" smtClean="0"/>
@@ -26224,7 +26359,7 @@
   <p:clrMapOvr>
     <a:masterClrMapping/>
   </p:clrMapOvr>
-  <p:transition spd="med">
+  <p:transition xmlns:p14="http://schemas.microsoft.com/office/powerpoint/2010/main" spd="med">
     <p:fade/>
   </p:transition>
 </p:sld>
@@ -26388,7 +26523,7 @@
   <p:clrMapOvr>
     <a:masterClrMapping/>
   </p:clrMapOvr>
-  <p:transition spd="med">
+  <p:transition xmlns:p14="http://schemas.microsoft.com/office/powerpoint/2010/main" spd="med">
     <p:fade/>
   </p:transition>
 </p:sld>
@@ -26532,7 +26667,7 @@
   <p:clrMapOvr>
     <a:masterClrMapping/>
   </p:clrMapOvr>
-  <p:transition spd="med">
+  <p:transition xmlns:p14="http://schemas.microsoft.com/office/powerpoint/2010/main" spd="med">
     <p:fade/>
   </p:transition>
 </p:sld>
@@ -26615,7 +26750,7 @@
   <p:clrMapOvr>
     <a:masterClrMapping/>
   </p:clrMapOvr>
-  <p:transition spd="med">
+  <p:transition xmlns:p14="http://schemas.microsoft.com/office/powerpoint/2010/main" spd="med">
     <p:fade/>
   </p:transition>
 </p:sld>
@@ -26691,8 +26826,13 @@
           <a:p>
             <a:r>
               <a:rPr lang="en-US" b="1" dirty="0"/>
-              <a:t>  impact 3.0</a:t>
-            </a:r>
+              <a:t>  impact </a:t>
+            </a:r>
+            <a:r>
+              <a:rPr lang="en-US" b="1" dirty="0" smtClean="0"/>
+              <a:t>1.0</a:t>
+            </a:r>
+            <a:endParaRPr lang="en-US" b="1" dirty="0"/>
           </a:p>
           <a:p>
             <a:r>
@@ -26832,7 +26972,7 @@
   <p:clrMapOvr>
     <a:masterClrMapping/>
   </p:clrMapOvr>
-  <p:transition spd="med">
+  <p:transition xmlns:p14="http://schemas.microsoft.com/office/powerpoint/2010/main" spd="med">
     <p:fade/>
   </p:transition>
 </p:sld>
@@ -26962,7 +27102,7 @@
       </p:sp>
       <p:pic>
         <p:nvPicPr>
-          <p:cNvPr id="4" name="Picture 3"/>
+          <p:cNvPr id="5" name="Picture 4"/>
           <p:cNvPicPr>
             <a:picLocks noChangeAspect="1"/>
           </p:cNvPicPr>
@@ -26976,8 +27116,8 @@
         </p:blipFill>
         <p:spPr>
           <a:xfrm>
-            <a:off x="1712480" y="3420205"/>
-            <a:ext cx="12831041" cy="4504669"/>
+            <a:off x="2364224" y="3971602"/>
+            <a:ext cx="11522937" cy="4045425"/>
           </a:xfrm>
           <a:prstGeom prst="rect">
             <a:avLst/>
@@ -26999,14 +27139,14 @@
   <p:clrMapOvr>
     <a:masterClrMapping/>
   </p:clrMapOvr>
-  <p:transition spd="med">
+  <p:transition xmlns:p14="http://schemas.microsoft.com/office/powerpoint/2010/main" spd="med">
     <p:fade/>
   </p:transition>
 </p:sld>
 </file>
 
 <file path=ppt/slides/slide45.xml><?xml version="1.0" encoding="utf-8"?>
-<p:sld xmlns:a="http://schemas.openxmlformats.org/drawingml/2006/main" xmlns:r="http://schemas.openxmlformats.org/officeDocument/2006/relationships" xmlns:p="http://schemas.openxmlformats.org/presentationml/2006/main">
+<p:sld xmlns:a="http://schemas.openxmlformats.org/drawingml/2006/main" xmlns:r="http://schemas.openxmlformats.org/officeDocument/2006/relationships" xmlns:p="http://schemas.openxmlformats.org/presentationml/2006/main" show="0">
   <p:cSld>
     <p:spTree>
       <p:nvGrpSpPr>
@@ -27255,14 +27395,14 @@
   <p:clrMapOvr>
     <a:masterClrMapping/>
   </p:clrMapOvr>
-  <p:transition spd="med">
+  <p:transition xmlns:p14="http://schemas.microsoft.com/office/powerpoint/2010/main" spd="med">
     <p:fade/>
   </p:transition>
 </p:sld>
 </file>
 
 <file path=ppt/slides/slide46.xml><?xml version="1.0" encoding="utf-8"?>
-<p:sld xmlns:a="http://schemas.openxmlformats.org/drawingml/2006/main" xmlns:r="http://schemas.openxmlformats.org/officeDocument/2006/relationships" xmlns:p="http://schemas.openxmlformats.org/presentationml/2006/main">
+<p:sld xmlns:a="http://schemas.openxmlformats.org/drawingml/2006/main" xmlns:r="http://schemas.openxmlformats.org/officeDocument/2006/relationships" xmlns:p="http://schemas.openxmlformats.org/presentationml/2006/main" show="0">
   <p:cSld>
     <p:spTree>
       <p:nvGrpSpPr>
@@ -27459,7 +27599,7 @@
   <p:clrMapOvr>
     <a:masterClrMapping/>
   </p:clrMapOvr>
-  <p:transition spd="med">
+  <p:transition xmlns:p14="http://schemas.microsoft.com/office/powerpoint/2010/main" spd="med">
     <p:fade/>
   </p:transition>
 </p:sld>
@@ -27584,13 +27724,13 @@
   <p:clrMapOvr>
     <a:masterClrMapping/>
   </p:clrMapOvr>
-  <p:transition spd="med">
+  <p:transition xmlns:p14="http://schemas.microsoft.com/office/powerpoint/2010/main" spd="med">
     <p:fade/>
   </p:transition>
   <p:timing>
     <p:tnLst>
       <p:par>
-        <p:cTn id="1" dur="indefinite" restart="never" nodeType="tmRoot"/>
+        <p:cTn xmlns:p14="http://schemas.microsoft.com/office/powerpoint/2010/main" id="1" dur="indefinite" restart="never" nodeType="tmRoot"/>
       </p:par>
     </p:tnLst>
   </p:timing>
@@ -27879,13 +28019,13 @@
   <p:clrMapOvr>
     <a:masterClrMapping/>
   </p:clrMapOvr>
-  <p:transition spd="med">
+  <p:transition xmlns:p14="http://schemas.microsoft.com/office/powerpoint/2010/main" spd="med">
     <p:fade/>
   </p:transition>
   <p:timing>
     <p:tnLst>
       <p:par>
-        <p:cTn id="1" dur="indefinite" restart="never" nodeType="tmRoot"/>
+        <p:cTn xmlns:p14="http://schemas.microsoft.com/office/powerpoint/2010/main" id="1" dur="indefinite" restart="never" nodeType="tmRoot"/>
       </p:par>
     </p:tnLst>
   </p:timing>
@@ -28164,13 +28304,13 @@
   <p:clrMapOvr>
     <a:masterClrMapping/>
   </p:clrMapOvr>
-  <p:transition spd="med">
+  <p:transition xmlns:p14="http://schemas.microsoft.com/office/powerpoint/2010/main" spd="med">
     <p:fade/>
   </p:transition>
   <p:timing>
     <p:tnLst>
       <p:par>
-        <p:cTn id="1" dur="indefinite" restart="never" nodeType="tmRoot"/>
+        <p:cTn xmlns:p14="http://schemas.microsoft.com/office/powerpoint/2010/main" id="1" dur="indefinite" restart="never" nodeType="tmRoot"/>
       </p:par>
     </p:tnLst>
   </p:timing>
@@ -28281,31 +28421,32 @@
       </p:sp>
       <p:pic>
         <p:nvPicPr>
-          <p:cNvPr id="4" name="Picture 3"/>
+          <p:cNvPr id="5" name="Picture 4" descr="Chef_Compliance_Dashboard.png"/>
           <p:cNvPicPr>
             <a:picLocks noChangeAspect="1"/>
           </p:cNvPicPr>
           <p:nvPr/>
         </p:nvPicPr>
         <p:blipFill>
-          <a:blip r:embed="rId2"/>
+          <a:blip r:embed="rId2">
+            <a:extLst>
+              <a:ext uri="{28A0092B-C50C-407E-A947-70E740481C1C}">
+                <a14:useLocalDpi xmlns:a14="http://schemas.microsoft.com/office/drawing/2010/main" val="0"/>
+              </a:ext>
+            </a:extLst>
+          </a:blip>
           <a:stretch>
             <a:fillRect/>
           </a:stretch>
         </p:blipFill>
         <p:spPr>
           <a:xfrm>
-            <a:off x="6759742" y="2924211"/>
-            <a:ext cx="8785058" cy="3209925"/>
+            <a:off x="6912086" y="2951272"/>
+            <a:ext cx="8636000" cy="3632200"/>
           </a:xfrm>
           <a:prstGeom prst="rect">
             <a:avLst/>
           </a:prstGeom>
-          <a:ln>
-            <a:solidFill>
-              <a:schemeClr val="accent1"/>
-            </a:solidFill>
-          </a:ln>
         </p:spPr>
       </p:pic>
     </p:spTree>
@@ -28318,13 +28459,13 @@
   <p:clrMapOvr>
     <a:masterClrMapping/>
   </p:clrMapOvr>
-  <p:transition spd="med">
+  <p:transition xmlns:p14="http://schemas.microsoft.com/office/powerpoint/2010/main" spd="med">
     <p:fade/>
   </p:transition>
   <p:timing>
     <p:tnLst>
       <p:par>
-        <p:cTn id="1" dur="indefinite" restart="never" nodeType="tmRoot"/>
+        <p:cTn xmlns:p14="http://schemas.microsoft.com/office/powerpoint/2010/main" id="1" dur="indefinite" restart="never" nodeType="tmRoot"/>
       </p:par>
     </p:tnLst>
   </p:timing>
@@ -28505,13 +28646,13 @@
   <p:clrMapOvr>
     <a:masterClrMapping/>
   </p:clrMapOvr>
-  <p:transition spd="med">
+  <p:transition xmlns:p14="http://schemas.microsoft.com/office/powerpoint/2010/main" spd="med">
     <p:fade/>
   </p:transition>
   <p:timing>
     <p:tnLst>
       <p:par>
-        <p:cTn id="1" dur="indefinite" restart="never" nodeType="tmRoot"/>
+        <p:cTn xmlns:p14="http://schemas.microsoft.com/office/powerpoint/2010/main" id="1" dur="indefinite" restart="never" nodeType="tmRoot"/>
       </p:par>
     </p:tnLst>
   </p:timing>
@@ -28691,7 +28832,7 @@
   <p:clrMapOvr>
     <a:masterClrMapping/>
   </p:clrMapOvr>
-  <p:transition spd="med">
+  <p:transition xmlns:p14="http://schemas.microsoft.com/office/powerpoint/2010/main" spd="med">
     <p:fade/>
   </p:transition>
 </p:sld>
@@ -28787,7 +28928,7 @@
   <p:clrMapOvr>
     <a:masterClrMapping/>
   </p:clrMapOvr>
-  <p:transition spd="med">
+  <p:transition xmlns:p14="http://schemas.microsoft.com/office/powerpoint/2010/main" spd="med">
     <p:fade/>
   </p:transition>
 </p:sld>
@@ -29143,13 +29284,201 @@
   <p:clrMapOvr>
     <a:masterClrMapping/>
   </p:clrMapOvr>
-  <p:transition spd="med">
+  <p:transition xmlns:p14="http://schemas.microsoft.com/office/powerpoint/2010/main" spd="med">
     <p:fade/>
   </p:transition>
 </p:sld>
 </file>
 
 <file path=ppt/slides/slide54.xml><?xml version="1.0" encoding="utf-8"?>
+<p:sld xmlns:a="http://schemas.openxmlformats.org/drawingml/2006/main" xmlns:r="http://schemas.openxmlformats.org/officeDocument/2006/relationships" xmlns:p="http://schemas.openxmlformats.org/presentationml/2006/main">
+  <p:cSld>
+    <p:spTree>
+      <p:nvGrpSpPr>
+        <p:cNvPr id="1" name=""/>
+        <p:cNvGrpSpPr/>
+        <p:nvPr/>
+      </p:nvGrpSpPr>
+      <p:grpSpPr>
+        <a:xfrm>
+          <a:off x="0" y="0"/>
+          <a:ext cx="0" cy="0"/>
+          <a:chOff x="0" y="0"/>
+          <a:chExt cx="0" cy="0"/>
+        </a:xfrm>
+      </p:grpSpPr>
+      <p:sp>
+        <p:nvSpPr>
+          <p:cNvPr id="2" name="Content Placeholder 1"/>
+          <p:cNvSpPr>
+            <a:spLocks noGrp="1"/>
+          </p:cNvSpPr>
+          <p:nvPr>
+            <p:ph sz="quarter" idx="10"/>
+          </p:nvPr>
+        </p:nvSpPr>
+        <p:spPr>
+          <a:xfrm>
+            <a:off x="1121104" y="3228515"/>
+            <a:ext cx="14423693" cy="4667928"/>
+          </a:xfrm>
+        </p:spPr>
+        <p:txBody>
+          <a:bodyPr/>
+          <a:lstStyle/>
+          <a:p>
+            <a:r>
+              <a:rPr lang="en-US" sz="3600" dirty="0"/>
+              <a:t>.</a:t>
+            </a:r>
+          </a:p>
+          <a:p>
+            <a:endParaRPr lang="en-US" sz="3600" dirty="0"/>
+          </a:p>
+          <a:p>
+            <a:r>
+              <a:rPr lang="en-US" sz="3600" dirty="0"/>
+              <a:t>Finished in 0.21546 seconds (files took 0.3575 seconds to load)</a:t>
+            </a:r>
+          </a:p>
+          <a:p>
+            <a:r>
+              <a:rPr lang="en-US" sz="3600" dirty="0"/>
+              <a:t>1 example, 0 failures</a:t>
+            </a:r>
+          </a:p>
+          <a:p>
+            <a:endParaRPr lang="en-US" sz="3600" dirty="0"/>
+          </a:p>
+        </p:txBody>
+      </p:sp>
+      <p:sp>
+        <p:nvSpPr>
+          <p:cNvPr id="3" name="Text Placeholder 2"/>
+          <p:cNvSpPr>
+            <a:spLocks noGrp="1"/>
+          </p:cNvSpPr>
+          <p:nvPr>
+            <p:ph type="body" sz="quarter" idx="11"/>
+          </p:nvPr>
+        </p:nvSpPr>
+        <p:spPr>
+          <a:xfrm>
+            <a:off x="1121104" y="1337149"/>
+            <a:ext cx="14422528" cy="1512377"/>
+          </a:xfrm>
+        </p:spPr>
+        <p:txBody>
+          <a:bodyPr/>
+          <a:lstStyle/>
+          <a:p>
+            <a:r>
+              <a:rPr lang="en-US" dirty="0" smtClean="0"/>
+              <a:t>$ </a:t>
+            </a:r>
+            <a:r>
+              <a:rPr lang="en-US" dirty="0" err="1"/>
+              <a:t>inspec</a:t>
+            </a:r>
+            <a:r>
+              <a:rPr lang="en-US" dirty="0"/>
+              <a:t> </a:t>
+            </a:r>
+            <a:r>
+              <a:rPr lang="en-US" dirty="0" smtClean="0"/>
+              <a:t>exec ~/</a:t>
+            </a:r>
+            <a:r>
+              <a:rPr lang="en-US" dirty="0"/>
+              <a:t>cookbooks/ssh/test/integration/client/</a:t>
+            </a:r>
+            <a:r>
+              <a:rPr lang="en-US" dirty="0" err="1"/>
+              <a:t>inspec</a:t>
+            </a:r>
+            <a:r>
+              <a:rPr lang="en-US" dirty="0"/>
+              <a:t>/</a:t>
+            </a:r>
+            <a:r>
+              <a:rPr lang="en-US" dirty="0" err="1"/>
+              <a:t>client_spec.rb</a:t>
+            </a:r>
+            <a:r>
+              <a:rPr lang="en-US" dirty="0"/>
+              <a:t> -t docker</a:t>
+            </a:r>
+            <a:r>
+              <a:rPr lang="en-US" dirty="0" smtClean="0"/>
+              <a:t>://CONTAINER_ID </a:t>
+            </a:r>
+            <a:endParaRPr lang="en-US" dirty="0"/>
+          </a:p>
+        </p:txBody>
+      </p:sp>
+      <p:sp>
+        <p:nvSpPr>
+          <p:cNvPr id="5" name="Title 4"/>
+          <p:cNvSpPr>
+            <a:spLocks noGrp="1"/>
+          </p:cNvSpPr>
+          <p:nvPr>
+            <p:ph type="title"/>
+          </p:nvPr>
+        </p:nvSpPr>
+        <p:spPr>
+          <a:xfrm>
+            <a:off x="608432" y="360193"/>
+            <a:ext cx="14935200" cy="828675"/>
+          </a:xfrm>
+        </p:spPr>
+        <p:txBody>
+          <a:bodyPr/>
+          <a:lstStyle/>
+          <a:p>
+            <a:r>
+              <a:rPr lang="en-US" dirty="0" smtClean="0"/>
+              <a:t>GE: </a:t>
+            </a:r>
+            <a:r>
+              <a:rPr lang="en-US" dirty="0"/>
+              <a:t>Running </a:t>
+            </a:r>
+            <a:r>
+              <a:rPr lang="en-US" dirty="0" err="1"/>
+              <a:t>InSpec</a:t>
+            </a:r>
+            <a:r>
+              <a:rPr lang="en-US" dirty="0"/>
+              <a:t> from the CLI</a:t>
+            </a:r>
+          </a:p>
+        </p:txBody>
+      </p:sp>
+    </p:spTree>
+    <p:extLst>
+      <p:ext uri="{BB962C8B-B14F-4D97-AF65-F5344CB8AC3E}">
+        <p14:creationId xmlns:p14="http://schemas.microsoft.com/office/powerpoint/2010/main" val="722678992"/>
+      </p:ext>
+    </p:extLst>
+  </p:cSld>
+  <p:clrMapOvr>
+    <a:masterClrMapping/>
+  </p:clrMapOvr>
+  <p:transition xmlns:p14="http://schemas.microsoft.com/office/powerpoint/2010/main" spd="med">
+    <p:fade/>
+  </p:transition>
+  <p:timing>
+    <p:tnLst>
+      <p:par>
+        <p:cTn xmlns:p14="http://schemas.microsoft.com/office/powerpoint/2010/main" id="1" dur="indefinite" restart="never" nodeType="tmRoot"/>
+      </p:par>
+    </p:tnLst>
+  </p:timing>
+</p:sld>
+</file>
+
+<file path=ppt/slides/slide55.xml><?xml version="1.0" encoding="utf-8"?>
 <p:sld xmlns:a="http://schemas.openxmlformats.org/drawingml/2006/main" xmlns:r="http://schemas.openxmlformats.org/officeDocument/2006/relationships" xmlns:p="http://schemas.openxmlformats.org/presentationml/2006/main">
   <p:cSld>
     <p:spTree>
@@ -29523,13 +29852,13 @@
   <p:clrMapOvr>
     <a:masterClrMapping/>
   </p:clrMapOvr>
-  <p:transition spd="med">
+  <p:transition xmlns:p14="http://schemas.microsoft.com/office/powerpoint/2010/main" spd="med">
     <p:fade/>
   </p:transition>
 </p:sld>
 </file>
 
-<file path=ppt/slides/slide55.xml><?xml version="1.0" encoding="utf-8"?>
+<file path=ppt/slides/slide56.xml><?xml version="1.0" encoding="utf-8"?>
 <p:sld xmlns:a="http://schemas.openxmlformats.org/drawingml/2006/main" xmlns:r="http://schemas.openxmlformats.org/officeDocument/2006/relationships" xmlns:p="http://schemas.openxmlformats.org/presentationml/2006/main">
   <p:cSld>
     <p:spTree>
@@ -29647,13 +29976,13 @@
   <p:clrMapOvr>
     <a:masterClrMapping/>
   </p:clrMapOvr>
-  <p:transition spd="med">
+  <p:transition xmlns:p14="http://schemas.microsoft.com/office/powerpoint/2010/main" spd="med">
     <p:fade/>
   </p:transition>
 </p:sld>
 </file>
 
-<file path=ppt/slides/slide56.xml><?xml version="1.0" encoding="utf-8"?>
+<file path=ppt/slides/slide57.xml><?xml version="1.0" encoding="utf-8"?>
 <p:sld xmlns:a="http://schemas.openxmlformats.org/drawingml/2006/main" xmlns:r="http://schemas.openxmlformats.org/officeDocument/2006/relationships" xmlns:p="http://schemas.openxmlformats.org/presentationml/2006/main">
   <p:cSld>
     <p:spTree>
@@ -29770,20 +30099,20 @@
   <p:clrMapOvr>
     <a:masterClrMapping/>
   </p:clrMapOvr>
-  <p:transition spd="med">
+  <p:transition xmlns:p14="http://schemas.microsoft.com/office/powerpoint/2010/main" spd="med">
     <p:fade/>
   </p:transition>
   <p:timing>
     <p:tnLst>
       <p:par>
-        <p:cTn id="1" dur="indefinite" restart="never" nodeType="tmRoot"/>
+        <p:cTn xmlns:p14="http://schemas.microsoft.com/office/powerpoint/2010/main" id="1" dur="indefinite" restart="never" nodeType="tmRoot"/>
       </p:par>
     </p:tnLst>
   </p:timing>
 </p:sld>
 </file>
 
-<file path=ppt/slides/slide57.xml><?xml version="1.0" encoding="utf-8"?>
+<file path=ppt/slides/slide58.xml><?xml version="1.0" encoding="utf-8"?>
 <p:sld xmlns:a="http://schemas.openxmlformats.org/drawingml/2006/main" xmlns:r="http://schemas.openxmlformats.org/officeDocument/2006/relationships" xmlns:p="http://schemas.openxmlformats.org/presentationml/2006/main">
   <p:cSld>
     <p:spTree>
@@ -29892,191 +30221,13 @@
   <p:clrMapOvr>
     <a:masterClrMapping/>
   </p:clrMapOvr>
-  <p:transition spd="med">
+  <p:transition xmlns:p14="http://schemas.microsoft.com/office/powerpoint/2010/main" spd="med">
     <p:fade/>
   </p:transition>
   <p:timing>
     <p:tnLst>
       <p:par>
-        <p:cTn id="1" dur="indefinite" restart="never" nodeType="tmRoot"/>
-      </p:par>
-    </p:tnLst>
-  </p:timing>
-</p:sld>
-</file>
-
-<file path=ppt/slides/slide58.xml><?xml version="1.0" encoding="utf-8"?>
-<p:sld xmlns:a="http://schemas.openxmlformats.org/drawingml/2006/main" xmlns:r="http://schemas.openxmlformats.org/officeDocument/2006/relationships" xmlns:p="http://schemas.openxmlformats.org/presentationml/2006/main">
-  <p:cSld>
-    <p:spTree>
-      <p:nvGrpSpPr>
-        <p:cNvPr id="1" name=""/>
-        <p:cNvGrpSpPr/>
-        <p:nvPr/>
-      </p:nvGrpSpPr>
-      <p:grpSpPr>
-        <a:xfrm>
-          <a:off x="0" y="0"/>
-          <a:ext cx="0" cy="0"/>
-          <a:chOff x="0" y="0"/>
-          <a:chExt cx="0" cy="0"/>
-        </a:xfrm>
-      </p:grpSpPr>
-      <p:sp>
-        <p:nvSpPr>
-          <p:cNvPr id="2" name="Title 1"/>
-          <p:cNvSpPr>
-            <a:spLocks noGrp="1"/>
-          </p:cNvSpPr>
-          <p:nvPr>
-            <p:ph type="ctrTitle"/>
-          </p:nvPr>
-        </p:nvSpPr>
-        <p:spPr/>
-        <p:txBody>
-          <a:bodyPr>
-            <a:normAutofit fontScale="90000"/>
-          </a:bodyPr>
-          <a:lstStyle/>
-          <a:p>
-            <a:r>
-              <a:rPr lang="en-US" dirty="0" smtClean="0"/>
-              <a:t>Conclusion</a:t>
-            </a:r>
-            <a:endParaRPr lang="en-US" dirty="0"/>
-          </a:p>
-        </p:txBody>
-      </p:sp>
-      <p:sp>
-        <p:nvSpPr>
-          <p:cNvPr id="3" name="Subtitle 2"/>
-          <p:cNvSpPr>
-            <a:spLocks noGrp="1"/>
-          </p:cNvSpPr>
-          <p:nvPr>
-            <p:ph type="subTitle" idx="1"/>
-          </p:nvPr>
-        </p:nvSpPr>
-        <p:spPr>
-          <a:xfrm>
-            <a:off x="1660524" y="3420745"/>
-            <a:ext cx="12330113" cy="4123055"/>
-          </a:xfrm>
-        </p:spPr>
-        <p:txBody>
-          <a:bodyPr/>
-          <a:lstStyle/>
-          <a:p>
-            <a:pPr marL="342900" indent="-342900">
-              <a:buFont typeface="Wingdings" panose="05000000000000000000" pitchFamily="2" charset="2"/>
-              <a:buChar char="ü"/>
-            </a:pPr>
-            <a:r>
-              <a:rPr lang="en-US" dirty="0" smtClean="0"/>
-              <a:t> Log </a:t>
-            </a:r>
-            <a:r>
-              <a:rPr lang="en-US" dirty="0"/>
-              <a:t>into your target node</a:t>
-            </a:r>
-          </a:p>
-          <a:p>
-            <a:pPr marL="342900" indent="-342900">
-              <a:buFont typeface="Wingdings" panose="05000000000000000000" pitchFamily="2" charset="2"/>
-              <a:buChar char="ü"/>
-            </a:pPr>
-            <a:r>
-              <a:rPr lang="en-US" dirty="0" smtClean="0"/>
-              <a:t> Write </a:t>
-            </a:r>
-            <a:r>
-              <a:rPr lang="en-US" dirty="0"/>
-              <a:t>a remediation recipe on that node.</a:t>
-            </a:r>
-          </a:p>
-          <a:p>
-            <a:pPr marL="457200" indent="-457200">
-              <a:buFont typeface="Wingdings" panose="05000000000000000000" pitchFamily="2" charset="2"/>
-              <a:buChar char="ü"/>
-            </a:pPr>
-            <a:r>
-              <a:rPr lang="en-US" dirty="0"/>
-              <a:t>Test the recipe with Test Kitchen</a:t>
-            </a:r>
-            <a:r>
-              <a:rPr lang="en-US" dirty="0" smtClean="0"/>
-              <a:t>.</a:t>
-            </a:r>
-          </a:p>
-          <a:p>
-            <a:pPr marL="457200" indent="-457200">
-              <a:buFont typeface="Wingdings" panose="05000000000000000000" pitchFamily="2" charset="2"/>
-              <a:buChar char="ü"/>
-            </a:pPr>
-            <a:r>
-              <a:rPr lang="en-US" dirty="0" smtClean="0"/>
-              <a:t>Test for compliance with </a:t>
-            </a:r>
-            <a:r>
-              <a:rPr lang="en-US" dirty="0" err="1" smtClean="0"/>
-              <a:t>InSpec</a:t>
-            </a:r>
-            <a:r>
-              <a:rPr lang="en-US" dirty="0" smtClean="0"/>
-              <a:t> from the CLI</a:t>
-            </a:r>
-            <a:endParaRPr lang="en-US" dirty="0"/>
-          </a:p>
-          <a:p>
-            <a:pPr marL="457200" indent="-457200">
-              <a:buFont typeface="Wingdings" panose="05000000000000000000" pitchFamily="2" charset="2"/>
-              <a:buChar char="ü"/>
-            </a:pPr>
-            <a:r>
-              <a:rPr lang="en-US" dirty="0" smtClean="0"/>
-              <a:t>Rescan </a:t>
-            </a:r>
-            <a:r>
-              <a:rPr lang="en-US" dirty="0"/>
-              <a:t>the node and ensure compliance</a:t>
-            </a:r>
-            <a:r>
-              <a:rPr lang="en-US" dirty="0" smtClean="0"/>
-              <a:t>.</a:t>
-            </a:r>
-          </a:p>
-          <a:p>
-            <a:pPr marL="457200" indent="-457200">
-              <a:buFont typeface="Wingdings" panose="05000000000000000000" pitchFamily="2" charset="2"/>
-              <a:buChar char="ü"/>
-            </a:pPr>
-            <a:endParaRPr lang="en-US" dirty="0"/>
-          </a:p>
-          <a:p>
-            <a:endParaRPr lang="en-US" dirty="0"/>
-          </a:p>
-          <a:p>
-            <a:endParaRPr lang="en-US" dirty="0"/>
-          </a:p>
-        </p:txBody>
-      </p:sp>
-    </p:spTree>
-    <p:extLst>
-      <p:ext uri="{BB962C8B-B14F-4D97-AF65-F5344CB8AC3E}">
-        <p14:creationId xmlns:p14="http://schemas.microsoft.com/office/powerpoint/2010/main" val="1996638172"/>
-      </p:ext>
-    </p:extLst>
-  </p:cSld>
-  <p:clrMapOvr>
-    <a:masterClrMapping/>
-  </p:clrMapOvr>
-  <p:transition spd="med">
-    <p:fade/>
-  </p:transition>
-  <p:timing>
-    <p:tnLst>
-      <p:par>
-        <p:cTn id="1" dur="indefinite" restart="never" nodeType="tmRoot"/>
+        <p:cTn xmlns:p14="http://schemas.microsoft.com/office/powerpoint/2010/main" id="1" dur="indefinite" restart="never" nodeType="tmRoot"/>
       </p:par>
     </p:tnLst>
   </p:timing>
@@ -30117,7 +30268,11 @@
           </a:bodyPr>
           <a:lstStyle/>
           <a:p>
-            <a:endParaRPr lang="en-US"/>
+            <a:r>
+              <a:rPr lang="en-US" dirty="0" smtClean="0"/>
+              <a:t>Conclusion</a:t>
+            </a:r>
+            <a:endParaRPr lang="en-US" dirty="0"/>
           </a:p>
         </p:txBody>
       </p:sp>
@@ -30131,120 +30286,126 @@
             <p:ph type="subTitle" idx="1"/>
           </p:nvPr>
         </p:nvSpPr>
-        <p:spPr/>
+        <p:spPr>
+          <a:xfrm>
+            <a:off x="1660524" y="3420745"/>
+            <a:ext cx="12330113" cy="4123055"/>
+          </a:xfrm>
+        </p:spPr>
         <p:txBody>
           <a:bodyPr/>
           <a:lstStyle/>
           <a:p>
-            <a:endParaRPr lang="en-US" dirty="0" smtClean="0"/>
-          </a:p>
-          <a:p>
-            <a:r>
-              <a:rPr lang="en-US" dirty="0" err="1"/>
-              <a:t>i</a:t>
+            <a:pPr marL="342900" indent="-342900">
+              <a:buFont typeface="Wingdings" panose="05000000000000000000" pitchFamily="2" charset="2"/>
+              <a:buChar char="ü"/>
+            </a:pPr>
+            <a:r>
+              <a:rPr lang="en-US" dirty="0" smtClean="0"/>
+              <a:t> Log </a:t>
             </a:r>
             <a:r>
               <a:rPr lang="en-US" dirty="0"/>
-              <a:t> believe so.  that's how </a:t>
-            </a:r>
-            <a:r>
-              <a:rPr lang="en-US" dirty="0" err="1"/>
-              <a:t>i</a:t>
+              <a:t>into your target node</a:t>
+            </a:r>
+          </a:p>
+          <a:p>
+            <a:pPr marL="342900" indent="-342900">
+              <a:buFont typeface="Wingdings" panose="05000000000000000000" pitchFamily="2" charset="2"/>
+              <a:buChar char="ü"/>
+            </a:pPr>
+            <a:r>
+              <a:rPr lang="en-US" dirty="0" smtClean="0"/>
+              <a:t> Write </a:t>
             </a:r>
             <a:r>
               <a:rPr lang="en-US" dirty="0"/>
-              <a:t> have it running,  </a:t>
-            </a:r>
-            <a:r>
-              <a:rPr lang="en-US" dirty="0" err="1"/>
-              <a:t>i've</a:t>
-            </a:r>
+              <a:t>a remediation recipe on that node.</a:t>
+            </a:r>
+          </a:p>
+          <a:p>
+            <a:pPr marL="457200" indent="-457200">
+              <a:buFont typeface="Wingdings" panose="05000000000000000000" pitchFamily="2" charset="2"/>
+              <a:buChar char="ü"/>
+            </a:pPr>
             <a:r>
               <a:rPr lang="en-US" dirty="0"/>
-              <a:t> also been running a reconfigure and restart after </a:t>
-            </a:r>
-            <a:r>
-              <a:rPr lang="en-US" dirty="0" err="1"/>
-              <a:t>i</a:t>
+              <a:t>Test the recipe with Test Kitchen</a:t>
+            </a:r>
+            <a:r>
+              <a:rPr lang="en-US" dirty="0" smtClean="0"/>
+              <a:t>.</a:t>
+            </a:r>
+          </a:p>
+          <a:p>
+            <a:pPr marL="457200" indent="-457200">
+              <a:buFont typeface="Wingdings" panose="05000000000000000000" pitchFamily="2" charset="2"/>
+              <a:buChar char="ü"/>
+            </a:pPr>
+            <a:r>
+              <a:rPr lang="en-US" dirty="0" smtClean="0"/>
+              <a:t>Test for compliance with </a:t>
+            </a:r>
+            <a:r>
+              <a:rPr lang="en-US" dirty="0" err="1" smtClean="0"/>
+              <a:t>InSpec</a:t>
+            </a:r>
+            <a:r>
+              <a:rPr lang="en-US" dirty="0" smtClean="0"/>
+              <a:t> from the CLI</a:t>
+            </a:r>
+            <a:endParaRPr lang="en-US" dirty="0"/>
+          </a:p>
+          <a:p>
+            <a:pPr marL="457200" indent="-457200">
+              <a:buFont typeface="Wingdings" panose="05000000000000000000" pitchFamily="2" charset="2"/>
+              <a:buChar char="ü"/>
+            </a:pPr>
+            <a:r>
+              <a:rPr lang="en-US" dirty="0" smtClean="0"/>
+              <a:t>Rescan </a:t>
             </a:r>
             <a:r>
               <a:rPr lang="en-US" dirty="0"/>
-              <a:t> upgrade the package</a:t>
-            </a:r>
-          </a:p>
-          <a:p>
-            <a:r>
-              <a:rPr lang="en-US" dirty="0"/>
-              <a:t>​[9:04 AM] </a:t>
-            </a:r>
-          </a:p>
-          <a:p>
-            <a:r>
-              <a:rPr lang="en-US" dirty="0" err="1"/>
-              <a:t>steve_delfante</a:t>
-            </a:r>
-            <a:r>
-              <a:rPr lang="en-US" dirty="0"/>
-              <a:t> `sudo chef-compliance-</a:t>
-            </a:r>
-            <a:r>
-              <a:rPr lang="en-US" dirty="0" err="1"/>
-              <a:t>ctl</a:t>
-            </a:r>
-            <a:r>
-              <a:rPr lang="en-US" dirty="0"/>
-              <a:t> reconfigure` will reconfigure it but s=does that also restart it?</a:t>
-            </a:r>
-          </a:p>
-          <a:p>
-            <a:r>
-              <a:rPr lang="en-US" dirty="0"/>
-              <a:t>new messages</a:t>
-            </a:r>
-          </a:p>
-          <a:p>
-            <a:r>
-              <a:rPr lang="en-US" dirty="0"/>
-              <a:t>​[9:04 AM] </a:t>
-            </a:r>
-          </a:p>
-          <a:p>
-            <a:r>
-              <a:rPr lang="en-US" dirty="0" err="1"/>
-              <a:t>kennon</a:t>
-            </a:r>
-            <a:r>
-              <a:rPr lang="en-US" dirty="0"/>
-              <a:t> not always, you should also run `sudo chef-compliance-</a:t>
-            </a:r>
-            <a:r>
-              <a:rPr lang="en-US" dirty="0" err="1"/>
-              <a:t>ctl</a:t>
-            </a:r>
-            <a:r>
-              <a:rPr lang="en-US" dirty="0"/>
-              <a:t> restart</a:t>
-            </a:r>
+              <a:t>the node and ensure compliance</a:t>
+            </a:r>
+            <a:r>
+              <a:rPr lang="en-US" dirty="0" smtClean="0"/>
+              <a:t>.</a:t>
+            </a:r>
+          </a:p>
+          <a:p>
+            <a:pPr marL="457200" indent="-457200">
+              <a:buFont typeface="Wingdings" panose="05000000000000000000" pitchFamily="2" charset="2"/>
+              <a:buChar char="ü"/>
+            </a:pPr>
+            <a:endParaRPr lang="en-US" dirty="0"/>
+          </a:p>
+          <a:p>
+            <a:endParaRPr lang="en-US" dirty="0"/>
+          </a:p>
+          <a:p>
+            <a:endParaRPr lang="en-US" dirty="0"/>
           </a:p>
         </p:txBody>
       </p:sp>
     </p:spTree>
     <p:extLst>
       <p:ext uri="{BB962C8B-B14F-4D97-AF65-F5344CB8AC3E}">
-        <p14:creationId xmlns:p14="http://schemas.microsoft.com/office/powerpoint/2010/main" val="108599519"/>
+        <p14:creationId xmlns:p14="http://schemas.microsoft.com/office/powerpoint/2010/main" val="1996638172"/>
       </p:ext>
     </p:extLst>
   </p:cSld>
   <p:clrMapOvr>
     <a:masterClrMapping/>
   </p:clrMapOvr>
-  <p:transition spd="med">
+  <p:transition xmlns:p14="http://schemas.microsoft.com/office/powerpoint/2010/main" spd="med">
     <p:fade/>
   </p:transition>
   <p:timing>
     <p:tnLst>
       <p:par>
-        <p:cTn id="1" dur="indefinite" restart="never" nodeType="tmRoot"/>
+        <p:cTn xmlns:p14="http://schemas.microsoft.com/office/powerpoint/2010/main" id="1" dur="indefinite" restart="never" nodeType="tmRoot"/>
       </p:par>
     </p:tnLst>
   </p:timing>
@@ -30335,27 +30496,7 @@
             </a:pPr>
             <a:r>
               <a:rPr lang="en-US" dirty="0" smtClean="0"/>
-              <a:t>Select the </a:t>
-            </a:r>
-            <a:r>
-              <a:rPr lang="en-US" b="1" dirty="0" smtClean="0"/>
-              <a:t>default</a:t>
-            </a:r>
-            <a:r>
-              <a:rPr lang="en-US" dirty="0" smtClean="0"/>
-              <a:t> environment. You may need to type the </a:t>
-            </a:r>
-            <a:r>
-              <a:rPr lang="en-US" b="1" dirty="0"/>
-              <a:t>default</a:t>
-            </a:r>
-            <a:r>
-              <a:rPr lang="en-US" dirty="0"/>
-              <a:t> environment </a:t>
-            </a:r>
-            <a:r>
-              <a:rPr lang="en-US" dirty="0" smtClean="0"/>
-              <a:t>initially.</a:t>
+              <a:t>Leave environment blank.  A ‘default’ environment will be used</a:t>
             </a:r>
           </a:p>
           <a:p>
@@ -30503,13 +30644,13 @@
   <p:clrMapOvr>
     <a:masterClrMapping/>
   </p:clrMapOvr>
-  <p:transition spd="med">
+  <p:transition xmlns:p14="http://schemas.microsoft.com/office/powerpoint/2010/main" spd="med">
     <p:fade/>
   </p:transition>
   <p:timing>
     <p:tnLst>
       <p:par>
-        <p:cTn id="1" dur="indefinite" restart="never" nodeType="tmRoot"/>
+        <p:cTn xmlns:p14="http://schemas.microsoft.com/office/powerpoint/2010/main" id="1" dur="indefinite" restart="never" nodeType="tmRoot"/>
       </p:par>
     </p:tnLst>
   </p:timing>
@@ -30517,6 +30658,174 @@
 </file>
 
 <file path=ppt/slides/slide60.xml><?xml version="1.0" encoding="utf-8"?>
+<p:sld xmlns:a="http://schemas.openxmlformats.org/drawingml/2006/main" xmlns:r="http://schemas.openxmlformats.org/officeDocument/2006/relationships" xmlns:p="http://schemas.openxmlformats.org/presentationml/2006/main">
+  <p:cSld>
+    <p:spTree>
+      <p:nvGrpSpPr>
+        <p:cNvPr id="1" name=""/>
+        <p:cNvGrpSpPr/>
+        <p:nvPr/>
+      </p:nvGrpSpPr>
+      <p:grpSpPr>
+        <a:xfrm>
+          <a:off x="0" y="0"/>
+          <a:ext cx="0" cy="0"/>
+          <a:chOff x="0" y="0"/>
+          <a:chExt cx="0" cy="0"/>
+        </a:xfrm>
+      </p:grpSpPr>
+      <p:sp>
+        <p:nvSpPr>
+          <p:cNvPr id="2" name="Title 1"/>
+          <p:cNvSpPr>
+            <a:spLocks noGrp="1"/>
+          </p:cNvSpPr>
+          <p:nvPr>
+            <p:ph type="ctrTitle"/>
+          </p:nvPr>
+        </p:nvSpPr>
+        <p:spPr/>
+        <p:txBody>
+          <a:bodyPr>
+            <a:normAutofit fontScale="90000"/>
+          </a:bodyPr>
+          <a:lstStyle/>
+          <a:p>
+            <a:endParaRPr lang="en-US"/>
+          </a:p>
+        </p:txBody>
+      </p:sp>
+      <p:sp>
+        <p:nvSpPr>
+          <p:cNvPr id="3" name="Subtitle 2"/>
+          <p:cNvSpPr>
+            <a:spLocks noGrp="1"/>
+          </p:cNvSpPr>
+          <p:nvPr>
+            <p:ph type="subTitle" idx="1"/>
+          </p:nvPr>
+        </p:nvSpPr>
+        <p:spPr/>
+        <p:txBody>
+          <a:bodyPr/>
+          <a:lstStyle/>
+          <a:p>
+            <a:endParaRPr lang="en-US" dirty="0" smtClean="0"/>
+          </a:p>
+          <a:p>
+            <a:r>
+              <a:rPr lang="en-US" dirty="0" err="1"/>
+              <a:t>i</a:t>
+            </a:r>
+            <a:r>
+              <a:rPr lang="en-US" dirty="0"/>
+              <a:t> believe so.  that's how </a:t>
+            </a:r>
+            <a:r>
+              <a:rPr lang="en-US" dirty="0" err="1"/>
+              <a:t>i</a:t>
+            </a:r>
+            <a:r>
+              <a:rPr lang="en-US" dirty="0"/>
+              <a:t> have it running,  </a:t>
+            </a:r>
+            <a:r>
+              <a:rPr lang="en-US" dirty="0" err="1"/>
+              <a:t>i've</a:t>
+            </a:r>
+            <a:r>
+              <a:rPr lang="en-US" dirty="0"/>
+              <a:t> also been running a reconfigure and restart after </a:t>
+            </a:r>
+            <a:r>
+              <a:rPr lang="en-US" dirty="0" err="1"/>
+              <a:t>i</a:t>
+            </a:r>
+            <a:r>
+              <a:rPr lang="en-US" dirty="0"/>
+              <a:t> upgrade the package</a:t>
+            </a:r>
+          </a:p>
+          <a:p>
+            <a:r>
+              <a:rPr lang="en-US" dirty="0"/>
+              <a:t>​[9:04 AM] </a:t>
+            </a:r>
+          </a:p>
+          <a:p>
+            <a:r>
+              <a:rPr lang="en-US" dirty="0" err="1"/>
+              <a:t>steve_delfante</a:t>
+            </a:r>
+            <a:r>
+              <a:rPr lang="en-US" dirty="0"/>
+              <a:t> `sudo chef-compliance-</a:t>
+            </a:r>
+            <a:r>
+              <a:rPr lang="en-US" dirty="0" err="1"/>
+              <a:t>ctl</a:t>
+            </a:r>
+            <a:r>
+              <a:rPr lang="en-US" dirty="0"/>
+              <a:t> reconfigure` will reconfigure it but s=does that also restart it?</a:t>
+            </a:r>
+          </a:p>
+          <a:p>
+            <a:r>
+              <a:rPr lang="en-US" dirty="0"/>
+              <a:t>new messages</a:t>
+            </a:r>
+          </a:p>
+          <a:p>
+            <a:r>
+              <a:rPr lang="en-US" dirty="0"/>
+              <a:t>​[9:04 AM] </a:t>
+            </a:r>
+          </a:p>
+          <a:p>
+            <a:r>
+              <a:rPr lang="en-US" dirty="0" err="1"/>
+              <a:t>kennon</a:t>
+            </a:r>
+            <a:r>
+              <a:rPr lang="en-US" dirty="0"/>
+              <a:t> not always, you should also run `sudo chef-compliance-</a:t>
+            </a:r>
+            <a:r>
+              <a:rPr lang="en-US" dirty="0" err="1"/>
+              <a:t>ctl</a:t>
+            </a:r>
+            <a:r>
+              <a:rPr lang="en-US" dirty="0"/>
+              <a:t> restart</a:t>
+            </a:r>
+          </a:p>
+        </p:txBody>
+      </p:sp>
+    </p:spTree>
+    <p:extLst>
+      <p:ext uri="{BB962C8B-B14F-4D97-AF65-F5344CB8AC3E}">
+        <p14:creationId xmlns:p14="http://schemas.microsoft.com/office/powerpoint/2010/main" val="108599519"/>
+      </p:ext>
+    </p:extLst>
+  </p:cSld>
+  <p:clrMapOvr>
+    <a:masterClrMapping/>
+  </p:clrMapOvr>
+  <p:transition xmlns:p14="http://schemas.microsoft.com/office/powerpoint/2010/main" spd="med">
+    <p:fade/>
+  </p:transition>
+  <p:timing>
+    <p:tnLst>
+      <p:par>
+        <p:cTn xmlns:p14="http://schemas.microsoft.com/office/powerpoint/2010/main" id="1" dur="indefinite" restart="never" nodeType="tmRoot"/>
+      </p:par>
+    </p:tnLst>
+  </p:timing>
+</p:sld>
+</file>
+
+<file path=ppt/slides/slide61.xml><?xml version="1.0" encoding="utf-8"?>
 <p:sld xmlns:a="http://schemas.openxmlformats.org/drawingml/2006/main" xmlns:r="http://schemas.openxmlformats.org/officeDocument/2006/relationships" xmlns:p="http://schemas.openxmlformats.org/presentationml/2006/main">
   <p:cSld>
     <p:bg>
@@ -30690,13 +30999,13 @@
   <p:clrMapOvr>
     <a:masterClrMapping/>
   </p:clrMapOvr>
-  <p:transition spd="med">
+  <p:transition xmlns:p14="http://schemas.microsoft.com/office/powerpoint/2010/main" spd="med">
     <p:fade/>
   </p:transition>
 </p:sld>
 </file>
 
-<file path=ppt/slides/slide61.xml><?xml version="1.0" encoding="utf-8"?>
+<file path=ppt/slides/slide62.xml><?xml version="1.0" encoding="utf-8"?>
 <p:sld xmlns:a="http://schemas.openxmlformats.org/drawingml/2006/main" xmlns:r="http://schemas.openxmlformats.org/officeDocument/2006/relationships" xmlns:p="http://schemas.openxmlformats.org/presentationml/2006/main">
   <p:cSld>
     <p:spTree>
@@ -30884,7 +31193,7 @@
   <p:clrMapOvr>
     <a:masterClrMapping/>
   </p:clrMapOvr>
-  <p:transition spd="med">
+  <p:transition xmlns:p14="http://schemas.microsoft.com/office/powerpoint/2010/main" spd="med">
     <p:fade/>
   </p:transition>
 </p:sld>
@@ -31058,20 +31367,20 @@
     </p:spTree>
     <p:extLst>
       <p:ext uri="{BB962C8B-B14F-4D97-AF65-F5344CB8AC3E}">
-        <p14:creationId xmlns:p14="http://schemas.microsoft.com/office/powerpoint/2010/main" val="1041467821"/>
+        <p14:creationId xmlns:p14="http://schemas.microsoft.com/office/powerpoint/2010/main" val="74563133"/>
       </p:ext>
     </p:extLst>
   </p:cSld>
   <p:clrMapOvr>
     <a:masterClrMapping/>
   </p:clrMapOvr>
-  <p:transition spd="med">
+  <p:transition xmlns:p14="http://schemas.microsoft.com/office/powerpoint/2010/main" spd="med">
     <p:fade/>
   </p:transition>
   <p:timing>
     <p:tnLst>
       <p:par>
-        <p:cTn id="1" dur="indefinite" restart="never" nodeType="tmRoot"/>
+        <p:cTn xmlns:p14="http://schemas.microsoft.com/office/powerpoint/2010/main" id="1" dur="indefinite" restart="never" nodeType="tmRoot"/>
       </p:par>
     </p:tnLst>
   </p:timing>
@@ -31293,13 +31602,13 @@
   <p:clrMapOvr>
     <a:masterClrMapping/>
   </p:clrMapOvr>
-  <p:transition spd="med">
+  <p:transition xmlns:p14="http://schemas.microsoft.com/office/powerpoint/2010/main" spd="med">
     <p:fade/>
   </p:transition>
   <p:timing>
     <p:tnLst>
       <p:par>
-        <p:cTn id="1" dur="indefinite" restart="never" nodeType="tmRoot"/>
+        <p:cTn xmlns:p14="http://schemas.microsoft.com/office/powerpoint/2010/main" id="1" dur="indefinite" restart="never" nodeType="tmRoot"/>
       </p:par>
     </p:tnLst>
   </p:timing>
@@ -31460,13 +31769,13 @@
   <p:clrMapOvr>
     <a:masterClrMapping/>
   </p:clrMapOvr>
-  <p:transition spd="med">
+  <p:transition xmlns:p14="http://schemas.microsoft.com/office/powerpoint/2010/main" spd="med">
     <p:fade/>
   </p:transition>
   <p:timing>
     <p:tnLst>
       <p:par>
-        <p:cTn id="1" dur="indefinite" restart="never" nodeType="tmRoot"/>
+        <p:cTn xmlns:p14="http://schemas.microsoft.com/office/powerpoint/2010/main" id="1" dur="indefinite" restart="never" nodeType="tmRoot"/>
       </p:par>
     </p:tnLst>
   </p:timing>
@@ -31849,7 +32158,7 @@
   <a:extraClrSchemeLst/>
   <a:extLst>
     <a:ext uri="{05A4C25C-085E-4340-85A3-A5531E510DB2}">
-      <thm15:themeFamily xmlns:thm15="http://schemas.microsoft.com/office/thememl/2012/main" name="Chef-TemplateComps_v09-16x9-Light.potx" id="{078CEFDB-FA7A-4E36-9964-13EF367585CB}" vid="{8B87B0F3-7308-43D5-8388-E1B49EA02652}"/>
+      <thm15:themeFamily xmlns="" xmlns:thm15="http://schemas.microsoft.com/office/thememl/2012/main" name="Chef-TemplateComps_v09-16x9-Light.potx" id="{078CEFDB-FA7A-4E36-9964-13EF367585CB}" vid="{8B87B0F3-7308-43D5-8388-E1B49EA02652}"/>
     </a:ext>
   </a:extLst>
 </a:theme>
@@ -32231,7 +32540,7 @@
   <a:extraClrSchemeLst/>
   <a:extLst>
     <a:ext uri="{05A4C25C-085E-4340-85A3-A5531E510DB2}">
-      <thm15:themeFamily xmlns:thm15="http://schemas.microsoft.com/office/thememl/2012/main" name="Chef-TemplateComps_v09-16x9-Light.potx" id="{078CEFDB-FA7A-4E36-9964-13EF367585CB}" vid="{8B87B0F3-7308-43D5-8388-E1B49EA02652}"/>
+      <thm15:themeFamily xmlns="" xmlns:thm15="http://schemas.microsoft.com/office/thememl/2012/main" name="Chef-TemplateComps_v09-16x9-Light.potx" id="{078CEFDB-FA7A-4E36-9964-13EF367585CB}" vid="{8B87B0F3-7308-43D5-8388-E1B49EA02652}"/>
     </a:ext>
   </a:extLst>
 </a:theme>

--- a/03-initial-configuration-scans.pptx
+++ b/03-initial-configuration-scans.pptx
@@ -204,7 +204,7 @@
   </p:defaultTextStyle>
   <p:extLst>
     <p:ext uri="{EFAFB233-063F-42B5-8137-9DF3F51BA10A}">
-      <p15:sldGuideLst xmlns="" xmlns:p15="http://schemas.microsoft.com/office/powerpoint/2012/main">
+      <p15:sldGuideLst xmlns:p15="http://schemas.microsoft.com/office/powerpoint/2012/main" xmlns="">
         <p15:guide id="1" orient="horz" pos="894">
           <p15:clr>
             <a:srgbClr val="A4A3A4"/>
@@ -218,7 +218,7 @@
       </p15:sldGuideLst>
     </p:ext>
     <p:ext uri="{2D200454-40CA-4A62-9FC3-DE9A4176ACB9}">
-      <p15:notesGuideLst xmlns="" xmlns:p15="http://schemas.microsoft.com/office/powerpoint/2012/main"/>
+      <p15:notesGuideLst xmlns:p15="http://schemas.microsoft.com/office/powerpoint/2012/main" xmlns=""/>
     </p:ext>
   </p:extLst>
 </p:presentation>
@@ -21479,8 +21479,13 @@
             </a:r>
             <a:r>
               <a:rPr lang="en-US" dirty="0" smtClean="0"/>
-              <a:t> from the CLI.</a:t>
-            </a:r>
+              <a:t> from the </a:t>
+            </a:r>
+            <a:r>
+              <a:rPr lang="en-US" dirty="0" smtClean="0"/>
+              <a:t>command line interface.</a:t>
+            </a:r>
+            <a:endParaRPr lang="en-US" dirty="0" smtClean="0"/>
           </a:p>
           <a:p>
             <a:pPr marL="457200" indent="-457200">
@@ -23327,7 +23332,6 @@
               <a:rPr lang="en-US" sz="4900" dirty="0"/>
               <a:t>Create and change to a ‘cookbooks’ directory</a:t>
             </a:r>
-            <a:endParaRPr lang="en-US" sz="4900" dirty="0"/>
           </a:p>
         </p:txBody>
       </p:sp>
@@ -24536,8 +24540,21 @@
             </a:r>
             <a:r>
               <a:rPr lang="en-US" dirty="0"/>
-              <a:t> from the CLI</a:t>
-            </a:r>
+              <a:t> from the </a:t>
+            </a:r>
+            <a:r>
+              <a:rPr lang="en-US" dirty="0" smtClean="0"/>
+              <a:t>comman</a:t>
+            </a:r>
+            <a:r>
+              <a:rPr lang="en-US" dirty="0" smtClean="0"/>
+              <a:t>d line interface (</a:t>
+            </a:r>
+            <a:r>
+              <a:rPr lang="en-US" dirty="0" smtClean="0"/>
+              <a:t>CLI)</a:t>
+            </a:r>
+            <a:endParaRPr lang="en-US" dirty="0"/>
           </a:p>
           <a:p>
             <a:pPr marL="457200" indent="-457200">
@@ -26642,8 +26659,13 @@
             </a:r>
             <a:r>
               <a:rPr lang="en-US" dirty="0"/>
-              <a:t> from the CLI</a:t>
-            </a:r>
+              <a:t> from the </a:t>
+            </a:r>
+            <a:r>
+              <a:rPr lang="en-US" dirty="0" smtClean="0"/>
+              <a:t>command line interface (CLI)</a:t>
+            </a:r>
+            <a:endParaRPr lang="en-US" dirty="0"/>
           </a:p>
           <a:p>
             <a:pPr marL="457200" indent="-457200">
@@ -27649,7 +27671,15 @@
             </a:r>
             <a:r>
               <a:rPr lang="en-US" dirty="0" smtClean="0"/>
-              <a:t> from the CLI</a:t>
+              <a:t> from the </a:t>
+            </a:r>
+            <a:r>
+              <a:rPr lang="en-US" dirty="0" smtClean="0"/>
+              <a:t>command </a:t>
+            </a:r>
+            <a:r>
+              <a:rPr lang="en-US" smtClean="0"/>
+              <a:t>line interface (CLI)</a:t>
             </a:r>
             <a:endParaRPr lang="en-US" dirty="0"/>
           </a:p>
@@ -27665,7 +27695,12 @@
             <p:ph type="subTitle" idx="1"/>
           </p:nvPr>
         </p:nvSpPr>
-        <p:spPr/>
+        <p:spPr>
+          <a:xfrm>
+            <a:off x="1671638" y="3525842"/>
+            <a:ext cx="12319000" cy="3346421"/>
+          </a:xfrm>
+        </p:spPr>
         <p:txBody>
           <a:bodyPr/>
           <a:lstStyle/>
@@ -32158,7 +32193,7 @@
   <a:extraClrSchemeLst/>
   <a:extLst>
     <a:ext uri="{05A4C25C-085E-4340-85A3-A5531E510DB2}">
-      <thm15:themeFamily xmlns="" xmlns:thm15="http://schemas.microsoft.com/office/thememl/2012/main" name="Chef-TemplateComps_v09-16x9-Light.potx" id="{078CEFDB-FA7A-4E36-9964-13EF367585CB}" vid="{8B87B0F3-7308-43D5-8388-E1B49EA02652}"/>
+      <thm15:themeFamily xmlns:thm15="http://schemas.microsoft.com/office/thememl/2012/main" xmlns="" name="Chef-TemplateComps_v09-16x9-Light.potx" id="{078CEFDB-FA7A-4E36-9964-13EF367585CB}" vid="{8B87B0F3-7308-43D5-8388-E1B49EA02652}"/>
     </a:ext>
   </a:extLst>
 </a:theme>
@@ -32540,7 +32575,7 @@
   <a:extraClrSchemeLst/>
   <a:extLst>
     <a:ext uri="{05A4C25C-085E-4340-85A3-A5531E510DB2}">
-      <thm15:themeFamily xmlns="" xmlns:thm15="http://schemas.microsoft.com/office/thememl/2012/main" name="Chef-TemplateComps_v09-16x9-Light.potx" id="{078CEFDB-FA7A-4E36-9964-13EF367585CB}" vid="{8B87B0F3-7308-43D5-8388-E1B49EA02652}"/>
+      <thm15:themeFamily xmlns:thm15="http://schemas.microsoft.com/office/thememl/2012/main" xmlns="" name="Chef-TemplateComps_v09-16x9-Light.potx" id="{078CEFDB-FA7A-4E36-9964-13EF367585CB}" vid="{8B87B0F3-7308-43D5-8388-E1B49EA02652}"/>
     </a:ext>
   </a:extLst>
 </a:theme>

--- a/03-initial-configuration-scans.pptx
+++ b/03-initial-configuration-scans.pptx
@@ -204,7 +204,7 @@
   </p:defaultTextStyle>
   <p:extLst>
     <p:ext uri="{EFAFB233-063F-42B5-8137-9DF3F51BA10A}">
-      <p15:sldGuideLst xmlns:p15="http://schemas.microsoft.com/office/powerpoint/2012/main" xmlns="">
+      <p15:sldGuideLst xmlns="" xmlns:p15="http://schemas.microsoft.com/office/powerpoint/2012/main">
         <p15:guide id="1" orient="horz" pos="894">
           <p15:clr>
             <a:srgbClr val="A4A3A4"/>
@@ -218,7 +218,7 @@
       </p15:sldGuideLst>
     </p:ext>
     <p:ext uri="{2D200454-40CA-4A62-9FC3-DE9A4176ACB9}">
-      <p15:notesGuideLst xmlns:p15="http://schemas.microsoft.com/office/powerpoint/2012/main" xmlns=""/>
+      <p15:notesGuideLst xmlns="" xmlns:p15="http://schemas.microsoft.com/office/powerpoint/2012/main"/>
     </p:ext>
   </p:extLst>
 </p:presentation>
@@ -335,7 +335,7 @@
               <a:pPr>
                 <a:defRPr/>
               </a:pPr>
-              <a:t>1/19/16</a:t>
+              <a:t>1/20/16</a:t>
             </a:fld>
             <a:endParaRPr lang="en-US" dirty="0"/>
           </a:p>
@@ -518,7 +518,7 @@
               <a:pPr>
                 <a:defRPr/>
               </a:pPr>
-              <a:t>1/19/16</a:t>
+              <a:t>1/20/16</a:t>
             </a:fld>
             <a:endParaRPr lang="en-US" dirty="0"/>
           </a:p>
@@ -21479,13 +21479,8 @@
             </a:r>
             <a:r>
               <a:rPr lang="en-US" dirty="0" smtClean="0"/>
-              <a:t> from the </a:t>
-            </a:r>
-            <a:r>
-              <a:rPr lang="en-US" dirty="0" smtClean="0"/>
-              <a:t>command line interface.</a:t>
-            </a:r>
-            <a:endParaRPr lang="en-US" dirty="0" smtClean="0"/>
+              <a:t> from the command line interface.</a:t>
+            </a:r>
           </a:p>
           <a:p>
             <a:pPr marL="457200" indent="-457200">
@@ -22849,8 +22844,13 @@
             </a:pPr>
             <a:r>
               <a:rPr lang="en-US" dirty="0"/>
-              <a:t>Log into your target node</a:t>
-            </a:r>
+              <a:t>Log into your target </a:t>
+            </a:r>
+            <a:r>
+              <a:rPr lang="en-US" dirty="0" smtClean="0"/>
+              <a:t>node.</a:t>
+            </a:r>
+            <a:endParaRPr lang="en-US" dirty="0"/>
           </a:p>
           <a:p>
             <a:pPr marL="342900" indent="-342900">
@@ -24502,8 +24502,13 @@
             </a:pPr>
             <a:r>
               <a:rPr lang="en-US" dirty="0"/>
-              <a:t>Log into your target node</a:t>
-            </a:r>
+              <a:t>Log into your target </a:t>
+            </a:r>
+            <a:r>
+              <a:rPr lang="en-US" dirty="0" smtClean="0"/>
+              <a:t>node.</a:t>
+            </a:r>
+            <a:endParaRPr lang="en-US" dirty="0"/>
           </a:p>
           <a:p>
             <a:pPr marL="342900" indent="-342900">
@@ -24544,15 +24549,7 @@
             </a:r>
             <a:r>
               <a:rPr lang="en-US" dirty="0" smtClean="0"/>
-              <a:t>comman</a:t>
-            </a:r>
-            <a:r>
-              <a:rPr lang="en-US" dirty="0" smtClean="0"/>
-              <a:t>d line interface (</a:t>
-            </a:r>
-            <a:r>
-              <a:rPr lang="en-US" dirty="0" smtClean="0"/>
-              <a:t>CLI)</a:t>
+              <a:t>command line interface (CLI)</a:t>
             </a:r>
             <a:endParaRPr lang="en-US" dirty="0"/>
           </a:p>
@@ -26621,8 +26618,13 @@
             </a:pPr>
             <a:r>
               <a:rPr lang="en-US" dirty="0"/>
-              <a:t>Log into your target node</a:t>
-            </a:r>
+              <a:t>Log into your target </a:t>
+            </a:r>
+            <a:r>
+              <a:rPr lang="en-US" dirty="0" smtClean="0"/>
+              <a:t>node.</a:t>
+            </a:r>
+            <a:endParaRPr lang="en-US" dirty="0"/>
           </a:p>
           <a:p>
             <a:pPr marL="342900" indent="-342900">
@@ -27671,11 +27673,7 @@
             </a:r>
             <a:r>
               <a:rPr lang="en-US" dirty="0" smtClean="0"/>
-              <a:t> from the </a:t>
-            </a:r>
-            <a:r>
-              <a:rPr lang="en-US" dirty="0" smtClean="0"/>
-              <a:t>command </a:t>
+              <a:t> from the command </a:t>
             </a:r>
             <a:r>
               <a:rPr lang="en-US" smtClean="0"/>
@@ -30341,8 +30339,13 @@
             </a:r>
             <a:r>
               <a:rPr lang="en-US" dirty="0"/>
-              <a:t>into your target node</a:t>
-            </a:r>
+              <a:t>into your target </a:t>
+            </a:r>
+            <a:r>
+              <a:rPr lang="en-US" dirty="0" smtClean="0"/>
+              <a:t>node.</a:t>
+            </a:r>
+            <a:endParaRPr lang="en-US" dirty="0"/>
           </a:p>
           <a:p>
             <a:pPr marL="342900" indent="-342900">
@@ -32193,7 +32196,7 @@
   <a:extraClrSchemeLst/>
   <a:extLst>
     <a:ext uri="{05A4C25C-085E-4340-85A3-A5531E510DB2}">
-      <thm15:themeFamily xmlns:thm15="http://schemas.microsoft.com/office/thememl/2012/main" xmlns="" name="Chef-TemplateComps_v09-16x9-Light.potx" id="{078CEFDB-FA7A-4E36-9964-13EF367585CB}" vid="{8B87B0F3-7308-43D5-8388-E1B49EA02652}"/>
+      <thm15:themeFamily xmlns="" xmlns:thm15="http://schemas.microsoft.com/office/thememl/2012/main" name="Chef-TemplateComps_v09-16x9-Light.potx" id="{078CEFDB-FA7A-4E36-9964-13EF367585CB}" vid="{8B87B0F3-7308-43D5-8388-E1B49EA02652}"/>
     </a:ext>
   </a:extLst>
 </a:theme>
@@ -32575,7 +32578,7 @@
   <a:extraClrSchemeLst/>
   <a:extLst>
     <a:ext uri="{05A4C25C-085E-4340-85A3-A5531E510DB2}">
-      <thm15:themeFamily xmlns:thm15="http://schemas.microsoft.com/office/thememl/2012/main" xmlns="" name="Chef-TemplateComps_v09-16x9-Light.potx" id="{078CEFDB-FA7A-4E36-9964-13EF367585CB}" vid="{8B87B0F3-7308-43D5-8388-E1B49EA02652}"/>
+      <thm15:themeFamily xmlns="" xmlns:thm15="http://schemas.microsoft.com/office/thememl/2012/main" name="Chef-TemplateComps_v09-16x9-Light.potx" id="{078CEFDB-FA7A-4E36-9964-13EF367585CB}" vid="{8B87B0F3-7308-43D5-8388-E1B49EA02652}"/>
     </a:ext>
   </a:extLst>
 </a:theme>

--- a/03-initial-configuration-scans.pptx
+++ b/03-initial-configuration-scans.pptx
@@ -30339,10 +30339,14 @@
             </a:r>
             <a:r>
               <a:rPr lang="en-US" dirty="0"/>
-              <a:t>into your target </a:t>
-            </a:r>
-            <a:r>
-              <a:rPr lang="en-US" dirty="0" smtClean="0"/>
+              <a:t>into your </a:t>
+            </a:r>
+            <a:r>
+              <a:rPr lang="en-US"/>
+              <a:t>target </a:t>
+            </a:r>
+            <a:r>
+              <a:rPr lang="en-US" smtClean="0"/>
               <a:t>node.</a:t>
             </a:r>
             <a:endParaRPr lang="en-US" dirty="0"/>

--- a/03-initial-configuration-scans.pptx
+++ b/03-initial-configuration-scans.pptx
@@ -6,10 +6,10 @@
     <p:sldMasterId id="2147483847" r:id="rId6"/>
   </p:sldMasterIdLst>
   <p:notesMasterIdLst>
-    <p:notesMasterId r:id="rId69"/>
+    <p:notesMasterId r:id="rId66"/>
   </p:notesMasterIdLst>
   <p:handoutMasterIdLst>
-    <p:handoutMasterId r:id="rId70"/>
+    <p:handoutMasterId r:id="rId67"/>
   </p:handoutMasterIdLst>
   <p:sldIdLst>
     <p:sldId id="256" r:id="rId7"/>
@@ -56,24 +56,21 @@
     <p:sldId id="334" r:id="rId48"/>
     <p:sldId id="356" r:id="rId49"/>
     <p:sldId id="336" r:id="rId50"/>
-    <p:sldId id="346" r:id="rId51"/>
-    <p:sldId id="349" r:id="rId52"/>
-    <p:sldId id="350" r:id="rId53"/>
-    <p:sldId id="351" r:id="rId54"/>
-    <p:sldId id="352" r:id="rId55"/>
-    <p:sldId id="348" r:id="rId56"/>
-    <p:sldId id="347" r:id="rId57"/>
-    <p:sldId id="339" r:id="rId58"/>
-    <p:sldId id="340" r:id="rId59"/>
-    <p:sldId id="360" r:id="rId60"/>
-    <p:sldId id="341" r:id="rId61"/>
-    <p:sldId id="342" r:id="rId62"/>
-    <p:sldId id="343" r:id="rId63"/>
-    <p:sldId id="344" r:id="rId64"/>
-    <p:sldId id="345" r:id="rId65"/>
-    <p:sldId id="275" r:id="rId66"/>
-    <p:sldId id="276" r:id="rId67"/>
-    <p:sldId id="267" r:id="rId68"/>
+    <p:sldId id="350" r:id="rId51"/>
+    <p:sldId id="351" r:id="rId52"/>
+    <p:sldId id="352" r:id="rId53"/>
+    <p:sldId id="348" r:id="rId54"/>
+    <p:sldId id="347" r:id="rId55"/>
+    <p:sldId id="339" r:id="rId56"/>
+    <p:sldId id="340" r:id="rId57"/>
+    <p:sldId id="360" r:id="rId58"/>
+    <p:sldId id="341" r:id="rId59"/>
+    <p:sldId id="342" r:id="rId60"/>
+    <p:sldId id="343" r:id="rId61"/>
+    <p:sldId id="344" r:id="rId62"/>
+    <p:sldId id="345" r:id="rId63"/>
+    <p:sldId id="276" r:id="rId64"/>
+    <p:sldId id="267" r:id="rId65"/>
   </p:sldIdLst>
   <p:sldSz cx="16256000" cy="9144000"/>
   <p:notesSz cx="6858000" cy="9144000"/>
@@ -204,7 +201,7 @@
   </p:defaultTextStyle>
   <p:extLst>
     <p:ext uri="{EFAFB233-063F-42B5-8137-9DF3F51BA10A}">
-      <p15:sldGuideLst xmlns="" xmlns:p15="http://schemas.microsoft.com/office/powerpoint/2012/main">
+      <p15:sldGuideLst xmlns:p15="http://schemas.microsoft.com/office/powerpoint/2012/main">
         <p15:guide id="1" orient="horz" pos="894">
           <p15:clr>
             <a:srgbClr val="A4A3A4"/>
@@ -218,7 +215,7 @@
       </p15:sldGuideLst>
     </p:ext>
     <p:ext uri="{2D200454-40CA-4A62-9FC3-DE9A4176ACB9}">
-      <p15:notesGuideLst xmlns="" xmlns:p15="http://schemas.microsoft.com/office/powerpoint/2012/main"/>
+      <p15:notesGuideLst xmlns:p15="http://schemas.microsoft.com/office/powerpoint/2012/main"/>
     </p:ext>
   </p:extLst>
 </p:presentation>
@@ -335,7 +332,7 @@
               <a:pPr>
                 <a:defRPr/>
               </a:pPr>
-              <a:t>1/20/16</a:t>
+              <a:t>2016-01-21</a:t>
             </a:fld>
             <a:endParaRPr lang="en-US" dirty="0"/>
           </a:p>
@@ -518,7 +515,7 @@
               <a:pPr>
                 <a:defRPr/>
               </a:pPr>
-              <a:t>1/20/16</a:t>
+              <a:t>2016-01-21</a:t>
             </a:fld>
             <a:endParaRPr lang="en-US" dirty="0"/>
           </a:p>
@@ -1097,49 +1094,6 @@
           <a:bodyPr/>
           <a:lstStyle/>
           <a:p>
-            <a:r>
-              <a:rPr lang="en-US" dirty="0" smtClean="0"/>
-              <a:t>This image shows the default Compliance Profiles as accessed from the Scan Nodes page. This page displays when you select</a:t>
-            </a:r>
-            <a:r>
-              <a:rPr lang="en-US" baseline="0" dirty="0" smtClean="0"/>
-              <a:t> nodes to scan and then click the Scan button.</a:t>
-            </a:r>
-            <a:endParaRPr lang="en-US" dirty="0" smtClean="0"/>
-          </a:p>
-          <a:p>
-            <a:endParaRPr lang="en-US" dirty="0" smtClean="0"/>
-          </a:p>
-          <a:p>
-            <a:r>
-              <a:rPr lang="en-US" dirty="0" smtClean="0"/>
-              <a:t>You'll access the profiles in a moment. These profiles</a:t>
-            </a:r>
-            <a:r>
-              <a:rPr lang="en-US" baseline="0" dirty="0" smtClean="0"/>
-              <a:t> determine what will be scanned on your nodes.</a:t>
-            </a:r>
-            <a:endParaRPr lang="en-US" dirty="0" smtClean="0"/>
-          </a:p>
-          <a:p>
-            <a:endParaRPr lang="en-US" dirty="0" smtClean="0"/>
-          </a:p>
-          <a:p>
-            <a:r>
-              <a:rPr lang="en-US" dirty="0" smtClean="0"/>
-              <a:t>You should be thoughtful with which profiles choose since the more you choose to run, the longer it will take to execute the scan.</a:t>
-            </a:r>
-          </a:p>
-          <a:p>
-            <a:endParaRPr lang="en-US" dirty="0" smtClean="0"/>
-          </a:p>
-          <a:p>
-            <a:r>
-              <a:rPr lang="en-US" dirty="0" smtClean="0"/>
-              <a:t>Notice how you can also choose to run a scan on demand (Scan now) or schedule a scan to run at a later time.</a:t>
-            </a:r>
-          </a:p>
-          <a:p>
             <a:endParaRPr lang="en-US" dirty="0"/>
           </a:p>
         </p:txBody>
@@ -1167,7 +1121,7 @@
               <a:pPr>
                 <a:defRPr/>
               </a:pPr>
-              <a:t>14</a:t>
+              <a:t>13</a:t>
             </a:fld>
             <a:endParaRPr lang="en-US" dirty="0"/>
           </a:p>
@@ -1220,7 +1174,7 @@
     </p:spTree>
     <p:extLst>
       <p:ext uri="{BB962C8B-B14F-4D97-AF65-F5344CB8AC3E}">
-        <p14:creationId xmlns:p14="http://schemas.microsoft.com/office/powerpoint/2010/main" val="29724005"/>
+        <p14:creationId xmlns:p14="http://schemas.microsoft.com/office/powerpoint/2010/main" val="958851555"/>
       </p:ext>
     </p:extLst>
   </p:cSld>
@@ -1274,6 +1228,49 @@
           <a:bodyPr/>
           <a:lstStyle/>
           <a:p>
+            <a:r>
+              <a:rPr lang="en-US" dirty="0" smtClean="0"/>
+              <a:t>This image shows the default Compliance Profiles as accessed from the Scan Nodes page. This page displays when you select</a:t>
+            </a:r>
+            <a:r>
+              <a:rPr lang="en-US" baseline="0" dirty="0" smtClean="0"/>
+              <a:t> nodes to scan and then click the Scan button.</a:t>
+            </a:r>
+            <a:endParaRPr lang="en-US" dirty="0" smtClean="0"/>
+          </a:p>
+          <a:p>
+            <a:endParaRPr lang="en-US" dirty="0" smtClean="0"/>
+          </a:p>
+          <a:p>
+            <a:r>
+              <a:rPr lang="en-US" dirty="0" smtClean="0"/>
+              <a:t>You'll access the profiles in a moment. These profiles</a:t>
+            </a:r>
+            <a:r>
+              <a:rPr lang="en-US" baseline="0" dirty="0" smtClean="0"/>
+              <a:t> determine what will be scanned on your nodes.</a:t>
+            </a:r>
+            <a:endParaRPr lang="en-US" dirty="0" smtClean="0"/>
+          </a:p>
+          <a:p>
+            <a:endParaRPr lang="en-US" dirty="0" smtClean="0"/>
+          </a:p>
+          <a:p>
+            <a:r>
+              <a:rPr lang="en-US" dirty="0" smtClean="0"/>
+              <a:t>You should be thoughtful with which profiles choose since the more you choose to run, the longer it will take to execute the scan.</a:t>
+            </a:r>
+          </a:p>
+          <a:p>
+            <a:endParaRPr lang="en-US" dirty="0" smtClean="0"/>
+          </a:p>
+          <a:p>
+            <a:r>
+              <a:rPr lang="en-US" dirty="0" smtClean="0"/>
+              <a:t>Notice how you can also choose to run a scan on demand (Scan now) or schedule a scan to run at a later time.</a:t>
+            </a:r>
+          </a:p>
+          <a:p>
             <a:endParaRPr lang="en-US" dirty="0"/>
           </a:p>
         </p:txBody>
@@ -1301,7 +1298,7 @@
               <a:pPr>
                 <a:defRPr/>
               </a:pPr>
-              <a:t>15</a:t>
+              <a:t>14</a:t>
             </a:fld>
             <a:endParaRPr lang="en-US" dirty="0"/>
           </a:p>
@@ -1354,7 +1351,7 @@
     </p:spTree>
     <p:extLst>
       <p:ext uri="{BB962C8B-B14F-4D97-AF65-F5344CB8AC3E}">
-        <p14:creationId xmlns:p14="http://schemas.microsoft.com/office/powerpoint/2010/main" val="2879381677"/>
+        <p14:creationId xmlns:p14="http://schemas.microsoft.com/office/powerpoint/2010/main" val="29724005"/>
       </p:ext>
     </p:extLst>
   </p:cSld>
@@ -1435,7 +1432,7 @@
               <a:pPr>
                 <a:defRPr/>
               </a:pPr>
-              <a:t>17</a:t>
+              <a:t>15</a:t>
             </a:fld>
             <a:endParaRPr lang="en-US" dirty="0"/>
           </a:p>
@@ -1488,7 +1485,7 @@
     </p:spTree>
     <p:extLst>
       <p:ext uri="{BB962C8B-B14F-4D97-AF65-F5344CB8AC3E}">
-        <p14:creationId xmlns:p14="http://schemas.microsoft.com/office/powerpoint/2010/main" val="2151536436"/>
+        <p14:creationId xmlns:p14="http://schemas.microsoft.com/office/powerpoint/2010/main" val="2879381677"/>
       </p:ext>
     </p:extLst>
   </p:cSld>
@@ -1542,23 +1539,6 @@
           <a:bodyPr/>
           <a:lstStyle/>
           <a:p>
-            <a:r>
-              <a:rPr lang="en-US" dirty="0" smtClean="0"/>
-              <a:t>There are also 6 critical issues related to ssh on the target node.</a:t>
-            </a:r>
-          </a:p>
-          <a:p>
-            <a:endParaRPr lang="en-US" dirty="0" smtClean="0"/>
-          </a:p>
-          <a:p>
-            <a:r>
-              <a:rPr lang="en-US" dirty="0" smtClean="0"/>
-              <a:t>Instructor Note: This</a:t>
-            </a:r>
-            <a:r>
-              <a:rPr lang="en-US" baseline="0" dirty="0" smtClean="0"/>
-              <a:t> and the following slide should be used for a discussion of the scan results. The group exercise continues after that.</a:t>
-            </a:r>
             <a:endParaRPr lang="en-US" dirty="0"/>
           </a:p>
         </p:txBody>
@@ -1586,7 +1566,7 @@
               <a:pPr>
                 <a:defRPr/>
               </a:pPr>
-              <a:t>18</a:t>
+              <a:t>17</a:t>
             </a:fld>
             <a:endParaRPr lang="en-US" dirty="0"/>
           </a:p>
@@ -1639,7 +1619,7 @@
     </p:spTree>
     <p:extLst>
       <p:ext uri="{BB962C8B-B14F-4D97-AF65-F5344CB8AC3E}">
-        <p14:creationId xmlns:p14="http://schemas.microsoft.com/office/powerpoint/2010/main" val="1213312203"/>
+        <p14:creationId xmlns:p14="http://schemas.microsoft.com/office/powerpoint/2010/main" val="2151536436"/>
       </p:ext>
     </p:extLst>
   </p:cSld>
@@ -1695,7 +1675,7 @@
           <a:p>
             <a:r>
               <a:rPr lang="en-US" dirty="0" smtClean="0"/>
-              <a:t>The bottom half of the Compliance Report has a table of details of test results.</a:t>
+              <a:t>There are also 6 critical issues related to ssh on the target node.</a:t>
             </a:r>
           </a:p>
           <a:p>
@@ -1704,44 +1684,12 @@
           <a:p>
             <a:r>
               <a:rPr lang="en-US" dirty="0" smtClean="0"/>
-              <a:t>These are sorted by severity so the critical issues are listed at the top and the compliant items are at the bottom of the list.     </a:t>
-            </a:r>
-          </a:p>
-          <a:p>
-            <a:endParaRPr lang="en-US" dirty="0" smtClean="0"/>
-          </a:p>
-          <a:p>
-            <a:pPr marL="0" marR="0" indent="0" algn="l" defTabSz="1217613" rtl="0" eaLnBrk="1" fontAlgn="base" latinLnBrk="0" hangingPunct="1">
-              <a:lnSpc>
-                <a:spcPct val="90000"/>
-              </a:lnSpc>
-              <a:spcBef>
-                <a:spcPct val="30000"/>
-              </a:spcBef>
-              <a:spcAft>
-                <a:spcPts val="450"/>
-              </a:spcAft>
-              <a:buClrTx/>
-              <a:buSzTx/>
-              <a:buFontTx/>
-              <a:buNone/>
-              <a:tabLst/>
-              <a:defRPr/>
-            </a:pPr>
-            <a:r>
-              <a:rPr lang="en-US" dirty="0" smtClean="0"/>
-              <a:t>If you click an issue as shown here, a bit more information about the issue displays,</a:t>
+              <a:t>Instructor Note: This</a:t>
             </a:r>
             <a:r>
               <a:rPr lang="en-US" baseline="0" dirty="0" smtClean="0"/>
-              <a:t> but that's not really telling us much.</a:t>
-            </a:r>
-            <a:endParaRPr lang="en-US" dirty="0" smtClean="0"/>
-          </a:p>
-          <a:p>
-            <a:endParaRPr lang="en-US" dirty="0" smtClean="0"/>
-          </a:p>
-          <a:p>
+              <a:t> and the following slide should be used for a discussion of the scan results. The group exercise continues after that.</a:t>
+            </a:r>
             <a:endParaRPr lang="en-US" dirty="0"/>
           </a:p>
         </p:txBody>
@@ -1769,7 +1717,7 @@
               <a:pPr>
                 <a:defRPr/>
               </a:pPr>
-              <a:t>19</a:t>
+              <a:t>18</a:t>
             </a:fld>
             <a:endParaRPr lang="en-US" dirty="0"/>
           </a:p>
@@ -1822,7 +1770,7 @@
     </p:spTree>
     <p:extLst>
       <p:ext uri="{BB962C8B-B14F-4D97-AF65-F5344CB8AC3E}">
-        <p14:creationId xmlns:p14="http://schemas.microsoft.com/office/powerpoint/2010/main" val="4045622586"/>
+        <p14:creationId xmlns:p14="http://schemas.microsoft.com/office/powerpoint/2010/main" val="1213312203"/>
       </p:ext>
     </p:extLst>
   </p:cSld>
@@ -1878,11 +1826,46 @@
           <a:p>
             <a:r>
               <a:rPr lang="en-US" dirty="0" smtClean="0"/>
-              <a:t>Instructor Note: Now we continue the group exercise but you</a:t>
+              <a:t>The bottom half of the Compliance Report has a table of details of test results.</a:t>
+            </a:r>
+          </a:p>
+          <a:p>
+            <a:endParaRPr lang="en-US" dirty="0" smtClean="0"/>
+          </a:p>
+          <a:p>
+            <a:r>
+              <a:rPr lang="en-US" dirty="0" smtClean="0"/>
+              <a:t>These are sorted by severity so the critical issues are listed at the top and the compliant items are at the bottom of the list.     </a:t>
+            </a:r>
+          </a:p>
+          <a:p>
+            <a:endParaRPr lang="en-US" dirty="0" smtClean="0"/>
+          </a:p>
+          <a:p>
+            <a:pPr marL="0" marR="0" indent="0" algn="l" defTabSz="1217613" rtl="0" eaLnBrk="1" fontAlgn="base" latinLnBrk="0" hangingPunct="1">
+              <a:lnSpc>
+                <a:spcPct val="90000"/>
+              </a:lnSpc>
+              <a:spcBef>
+                <a:spcPct val="30000"/>
+              </a:spcBef>
+              <a:spcAft>
+                <a:spcPts val="450"/>
+              </a:spcAft>
+              <a:buClrTx/>
+              <a:buSzTx/>
+              <a:buFontTx/>
+              <a:buNone/>
+              <a:tabLst/>
+              <a:defRPr/>
+            </a:pPr>
+            <a:r>
+              <a:rPr lang="en-US" dirty="0" smtClean="0"/>
+              <a:t>If you click an issue as shown here, a bit more information about the issue displays,</a:t>
             </a:r>
             <a:r>
               <a:rPr lang="en-US" baseline="0" dirty="0" smtClean="0"/>
-              <a:t> should stop as needed to explain what this code means.</a:t>
+              <a:t> but that's not really telling us much.</a:t>
             </a:r>
             <a:endParaRPr lang="en-US" dirty="0" smtClean="0"/>
           </a:p>
@@ -1917,7 +1900,7 @@
               <a:pPr>
                 <a:defRPr/>
               </a:pPr>
-              <a:t>20</a:t>
+              <a:t>19</a:t>
             </a:fld>
             <a:endParaRPr lang="en-US" dirty="0"/>
           </a:p>
@@ -1970,7 +1953,7 @@
     </p:spTree>
     <p:extLst>
       <p:ext uri="{BB962C8B-B14F-4D97-AF65-F5344CB8AC3E}">
-        <p14:creationId xmlns:p14="http://schemas.microsoft.com/office/powerpoint/2010/main" val="4240485001"/>
+        <p14:creationId xmlns:p14="http://schemas.microsoft.com/office/powerpoint/2010/main" val="4045622586"/>
       </p:ext>
     </p:extLst>
   </p:cSld>
@@ -2021,32 +2004,32 @@
         </p:nvSpPr>
         <p:spPr/>
         <p:txBody>
-          <a:bodyPr>
-            <a:normAutofit/>
-          </a:bodyPr>
-          <a:lstStyle/>
-          <a:p>
-            <a:r>
-              <a:rPr lang="en-US" dirty="0" smtClean="0"/>
-              <a:t>Let's discuss what this profile is doing.</a:t>
-            </a:r>
-          </a:p>
-          <a:p>
+          <a:bodyPr/>
+          <a:lstStyle/>
+          <a:p>
+            <a:r>
+              <a:rPr lang="en-US" dirty="0" smtClean="0"/>
+              <a:t>Instructor Note: Now we continue the group </a:t>
+            </a:r>
+            <a:r>
+              <a:rPr lang="en-US" dirty="0" smtClean="0"/>
+              <a:t>Lab </a:t>
+            </a:r>
+            <a:r>
+              <a:rPr lang="en-US" dirty="0" smtClean="0"/>
+              <a:t>but you</a:t>
+            </a:r>
+            <a:r>
+              <a:rPr lang="en-US" baseline="0" dirty="0" smtClean="0"/>
+              <a:t> should stop as needed to explain what this code means.</a:t>
+            </a:r>
             <a:endParaRPr lang="en-US" dirty="0" smtClean="0"/>
           </a:p>
           <a:p>
-            <a:r>
-              <a:rPr lang="en-US" sz="1200" dirty="0" smtClean="0"/>
-              <a:t>TBD The impact of 1.0 indicates this is a Major issue</a:t>
-            </a:r>
-            <a:r>
-              <a:rPr lang="en-US" sz="1200" baseline="0" dirty="0" smtClean="0"/>
-              <a:t> if it the scanned node violates what is in this code.</a:t>
-            </a:r>
-            <a:endParaRPr lang="en-US" sz="1200" dirty="0" smtClean="0"/>
-          </a:p>
-          <a:p>
-            <a:endParaRPr lang="en-US" sz="1200" dirty="0" smtClean="0"/>
+            <a:endParaRPr lang="en-US" dirty="0" smtClean="0"/>
+          </a:p>
+          <a:p>
+            <a:endParaRPr lang="en-US" dirty="0"/>
           </a:p>
         </p:txBody>
       </p:sp>
@@ -2073,7 +2056,7 @@
               <a:pPr>
                 <a:defRPr/>
               </a:pPr>
-              <a:t>21</a:t>
+              <a:t>20</a:t>
             </a:fld>
             <a:endParaRPr lang="en-US" dirty="0"/>
           </a:p>
@@ -2126,7 +2109,7 @@
     </p:spTree>
     <p:extLst>
       <p:ext uri="{BB962C8B-B14F-4D97-AF65-F5344CB8AC3E}">
-        <p14:creationId xmlns:p14="http://schemas.microsoft.com/office/powerpoint/2010/main" val="3960459745"/>
+        <p14:creationId xmlns:p14="http://schemas.microsoft.com/office/powerpoint/2010/main" val="4240485001"/>
       </p:ext>
     </p:extLst>
   </p:cSld>
@@ -2182,102 +2165,27 @@
           </a:bodyPr>
           <a:lstStyle/>
           <a:p>
-            <a:pPr marL="0" marR="0" indent="0" algn="l" defTabSz="1217613" rtl="0" eaLnBrk="1" fontAlgn="base" latinLnBrk="0" hangingPunct="1">
-              <a:lnSpc>
-                <a:spcPct val="90000"/>
-              </a:lnSpc>
-              <a:spcBef>
-                <a:spcPct val="30000"/>
-              </a:spcBef>
-              <a:spcAft>
-                <a:spcPts val="450"/>
-              </a:spcAft>
-              <a:buClrTx/>
-              <a:buSzTx/>
-              <a:buFontTx/>
-              <a:buNone/>
-              <a:tabLst/>
-              <a:defRPr/>
-            </a:pPr>
+            <a:r>
+              <a:rPr lang="en-US" dirty="0" smtClean="0"/>
+              <a:t>Let's discuss what this profile is doing.</a:t>
+            </a:r>
+          </a:p>
+          <a:p>
+            <a:endParaRPr lang="en-US" dirty="0" smtClean="0"/>
+          </a:p>
+          <a:p>
             <a:r>
               <a:rPr lang="en-US" sz="1200" dirty="0" smtClean="0"/>
-              <a:t>The </a:t>
-            </a:r>
-            <a:r>
-              <a:rPr lang="en-US" sz="1200" b="1" dirty="0" err="1" smtClean="0"/>
-              <a:t>desc</a:t>
-            </a:r>
-            <a:r>
-              <a:rPr lang="en-US" sz="1200" dirty="0" smtClean="0"/>
-              <a:t> is typically human-readable description sourced from the CIS or source doc.</a:t>
-            </a:r>
-          </a:p>
-          <a:p>
+              <a:t>TBD The impact of 1.0 indicates this is a Major issue</a:t>
+            </a:r>
+            <a:r>
+              <a:rPr lang="en-US" sz="1200" baseline="0" dirty="0" smtClean="0"/>
+              <a:t> if it the scanned node violates what is in this code.</a:t>
+            </a:r>
             <a:endParaRPr lang="en-US" sz="1200" dirty="0" smtClean="0"/>
           </a:p>
           <a:p>
             <a:endParaRPr lang="en-US" sz="1200" dirty="0" smtClean="0"/>
-          </a:p>
-          <a:p>
-            <a:r>
-              <a:rPr lang="en-US" sz="1200" dirty="0" smtClean="0"/>
-              <a:t>The describe value is the actual test. In this case, this is saying the protocol for `</a:t>
-            </a:r>
-            <a:r>
-              <a:rPr lang="en-US" sz="1200" dirty="0" err="1" smtClean="0"/>
-              <a:t>ssh_config</a:t>
-            </a:r>
-            <a:r>
-              <a:rPr lang="en-US" sz="1200" dirty="0" smtClean="0"/>
-              <a:t>` Protocol should be `2`. If the actual value from the node is not Protocol 2, the Critical issue is reported </a:t>
-            </a:r>
-            <a:r>
-              <a:rPr lang="en-US" sz="1200" baseline="0" dirty="0" smtClean="0"/>
-              <a:t>as in this case.</a:t>
-            </a:r>
-          </a:p>
-          <a:p>
-            <a:endParaRPr lang="en-US" sz="1200" baseline="0" dirty="0" smtClean="0"/>
-          </a:p>
-          <a:p>
-            <a:r>
-              <a:rPr lang="en-US" sz="1200" baseline="0" dirty="0" smtClean="0"/>
-              <a:t>So when you run a scan, the Compliance Server connects to the node using the configuration we specified, in this case ssh, and then it will run this set of code, this </a:t>
-            </a:r>
-            <a:r>
-              <a:rPr lang="en-US" sz="1200" baseline="0" dirty="0" err="1" smtClean="0"/>
-              <a:t>InSpec</a:t>
-            </a:r>
-            <a:r>
-              <a:rPr lang="en-US" sz="1200" baseline="0" dirty="0" smtClean="0"/>
-              <a:t> control, on that node. The Compliance Server translates the </a:t>
-            </a:r>
-            <a:r>
-              <a:rPr lang="en-US" sz="1200" baseline="0" dirty="0" err="1" smtClean="0"/>
-              <a:t>InSpec</a:t>
-            </a:r>
-            <a:r>
-              <a:rPr lang="en-US" sz="1200" baseline="0" dirty="0" smtClean="0"/>
-              <a:t> code into ssh commands when it transmits across the wire.</a:t>
-            </a:r>
-          </a:p>
-          <a:p>
-            <a:endParaRPr lang="en-US" sz="1200" baseline="0" dirty="0" smtClean="0"/>
-          </a:p>
-          <a:p>
-            <a:r>
-              <a:rPr lang="en-US" sz="1200" baseline="0" dirty="0" smtClean="0"/>
-              <a:t>No agent or client is required to be running on the target node for this work.</a:t>
-            </a:r>
-          </a:p>
-          <a:p>
-            <a:endParaRPr lang="en-US" sz="1200" dirty="0" smtClean="0"/>
-          </a:p>
-          <a:p>
-            <a:endParaRPr lang="en-US" dirty="0" smtClean="0"/>
-          </a:p>
-          <a:p>
-            <a:endParaRPr lang="en-US" dirty="0"/>
           </a:p>
         </p:txBody>
       </p:sp>
@@ -2304,7 +2212,7 @@
               <a:pPr>
                 <a:defRPr/>
               </a:pPr>
-              <a:t>22</a:t>
+              <a:t>21</a:t>
             </a:fld>
             <a:endParaRPr lang="en-US" dirty="0"/>
           </a:p>
@@ -2357,7 +2265,7 @@
     </p:spTree>
     <p:extLst>
       <p:ext uri="{BB962C8B-B14F-4D97-AF65-F5344CB8AC3E}">
-        <p14:creationId xmlns:p14="http://schemas.microsoft.com/office/powerpoint/2010/main" val="445567721"/>
+        <p14:creationId xmlns:p14="http://schemas.microsoft.com/office/powerpoint/2010/main" val="3960459745"/>
       </p:ext>
     </p:extLst>
   </p:cSld>
@@ -2408,8 +2316,105 @@
         </p:nvSpPr>
         <p:spPr/>
         <p:txBody>
-          <a:bodyPr/>
-          <a:lstStyle/>
+          <a:bodyPr>
+            <a:normAutofit/>
+          </a:bodyPr>
+          <a:lstStyle/>
+          <a:p>
+            <a:pPr marL="0" marR="0" indent="0" algn="l" defTabSz="1217613" rtl="0" eaLnBrk="1" fontAlgn="base" latinLnBrk="0" hangingPunct="1">
+              <a:lnSpc>
+                <a:spcPct val="90000"/>
+              </a:lnSpc>
+              <a:spcBef>
+                <a:spcPct val="30000"/>
+              </a:spcBef>
+              <a:spcAft>
+                <a:spcPts val="450"/>
+              </a:spcAft>
+              <a:buClrTx/>
+              <a:buSzTx/>
+              <a:buFontTx/>
+              <a:buNone/>
+              <a:tabLst/>
+              <a:defRPr/>
+            </a:pPr>
+            <a:r>
+              <a:rPr lang="en-US" sz="1200" dirty="0" smtClean="0"/>
+              <a:t>The </a:t>
+            </a:r>
+            <a:r>
+              <a:rPr lang="en-US" sz="1200" b="1" dirty="0" err="1" smtClean="0"/>
+              <a:t>desc</a:t>
+            </a:r>
+            <a:r>
+              <a:rPr lang="en-US" sz="1200" dirty="0" smtClean="0"/>
+              <a:t> is typically human-readable description sourced from the CIS or source doc.</a:t>
+            </a:r>
+          </a:p>
+          <a:p>
+            <a:endParaRPr lang="en-US" sz="1200" dirty="0" smtClean="0"/>
+          </a:p>
+          <a:p>
+            <a:endParaRPr lang="en-US" sz="1200" dirty="0" smtClean="0"/>
+          </a:p>
+          <a:p>
+            <a:r>
+              <a:rPr lang="en-US" sz="1200" dirty="0" smtClean="0"/>
+              <a:t>The describe value is the actual test. In this case, this is saying the protocol for `</a:t>
+            </a:r>
+            <a:r>
+              <a:rPr lang="en-US" sz="1200" dirty="0" err="1" smtClean="0"/>
+              <a:t>ssh_config</a:t>
+            </a:r>
+            <a:r>
+              <a:rPr lang="en-US" sz="1200" dirty="0" smtClean="0"/>
+              <a:t>` Protocol should be `2`. If the actual value from the node is not Protocol 2, the Critical issue is reported </a:t>
+            </a:r>
+            <a:r>
+              <a:rPr lang="en-US" sz="1200" baseline="0" dirty="0" smtClean="0"/>
+              <a:t>as in this case.</a:t>
+            </a:r>
+          </a:p>
+          <a:p>
+            <a:endParaRPr lang="en-US" sz="1200" baseline="0" dirty="0" smtClean="0"/>
+          </a:p>
+          <a:p>
+            <a:r>
+              <a:rPr lang="en-US" sz="1200" baseline="0" dirty="0" smtClean="0"/>
+              <a:t>So when you run a scan, the Compliance Server connects to the node using the configuration we specified, in this case ssh, and then it will run this set of code, this </a:t>
+            </a:r>
+            <a:r>
+              <a:rPr lang="en-US" sz="1200" baseline="0" dirty="0" err="1" smtClean="0"/>
+              <a:t>InSpec</a:t>
+            </a:r>
+            <a:r>
+              <a:rPr lang="en-US" sz="1200" baseline="0" dirty="0" smtClean="0"/>
+              <a:t> control, on that node. The Compliance Server translates the </a:t>
+            </a:r>
+            <a:r>
+              <a:rPr lang="en-US" sz="1200" baseline="0" dirty="0" err="1" smtClean="0"/>
+              <a:t>InSpec</a:t>
+            </a:r>
+            <a:r>
+              <a:rPr lang="en-US" sz="1200" baseline="0" dirty="0" smtClean="0"/>
+              <a:t> code into ssh commands when it transmits across the wire.</a:t>
+            </a:r>
+          </a:p>
+          <a:p>
+            <a:endParaRPr lang="en-US" sz="1200" baseline="0" dirty="0" smtClean="0"/>
+          </a:p>
+          <a:p>
+            <a:r>
+              <a:rPr lang="en-US" sz="1200" baseline="0" dirty="0" smtClean="0"/>
+              <a:t>No agent or client is required to be running on the target node for this work.</a:t>
+            </a:r>
+          </a:p>
+          <a:p>
+            <a:endParaRPr lang="en-US" sz="1200" dirty="0" smtClean="0"/>
+          </a:p>
+          <a:p>
+            <a:endParaRPr lang="en-US" dirty="0" smtClean="0"/>
+          </a:p>
           <a:p>
             <a:endParaRPr lang="en-US" dirty="0"/>
           </a:p>
@@ -2438,7 +2443,7 @@
               <a:pPr>
                 <a:defRPr/>
               </a:pPr>
-              <a:t>23</a:t>
+              <a:t>22</a:t>
             </a:fld>
             <a:endParaRPr lang="en-US" dirty="0"/>
           </a:p>
@@ -2491,7 +2496,7 @@
     </p:spTree>
     <p:extLst>
       <p:ext uri="{BB962C8B-B14F-4D97-AF65-F5344CB8AC3E}">
-        <p14:creationId xmlns:p14="http://schemas.microsoft.com/office/powerpoint/2010/main" val="1489440238"/>
+        <p14:creationId xmlns:p14="http://schemas.microsoft.com/office/powerpoint/2010/main" val="445567721"/>
       </p:ext>
     </p:extLst>
   </p:cSld>
@@ -2572,7 +2577,7 @@
               <a:pPr>
                 <a:defRPr/>
               </a:pPr>
-              <a:t>24</a:t>
+              <a:t>23</a:t>
             </a:fld>
             <a:endParaRPr lang="en-US" dirty="0"/>
           </a:p>
@@ -2625,7 +2630,7 @@
     </p:spTree>
     <p:extLst>
       <p:ext uri="{BB962C8B-B14F-4D97-AF65-F5344CB8AC3E}">
-        <p14:creationId xmlns:p14="http://schemas.microsoft.com/office/powerpoint/2010/main" val="161960279"/>
+        <p14:creationId xmlns:p14="http://schemas.microsoft.com/office/powerpoint/2010/main" val="1489440238"/>
       </p:ext>
     </p:extLst>
   </p:cSld>
@@ -2810,82 +2815,9 @@
         </p:nvSpPr>
         <p:spPr/>
         <p:txBody>
-          <a:bodyPr>
-            <a:normAutofit/>
-          </a:bodyPr>
-          <a:lstStyle/>
-          <a:p>
-            <a:pPr marL="0" marR="0" indent="0" algn="l" defTabSz="1217613" rtl="0" eaLnBrk="1" fontAlgn="base" latinLnBrk="0" hangingPunct="1">
-              <a:lnSpc>
-                <a:spcPct val="90000"/>
-              </a:lnSpc>
-              <a:spcBef>
-                <a:spcPct val="30000"/>
-              </a:spcBef>
-              <a:spcAft>
-                <a:spcPts val="450"/>
-              </a:spcAft>
-              <a:buClrTx/>
-              <a:buSzTx/>
-              <a:buFontTx/>
-              <a:buNone/>
-              <a:tabLst/>
-              <a:defRPr/>
-            </a:pPr>
-            <a:r>
-              <a:rPr lang="en-US" dirty="0" smtClean="0"/>
-              <a:t>If you prefer to use emacs, nano, or vim to edit files on this training node, please do so now.</a:t>
-            </a:r>
-            <a:br>
-              <a:rPr lang="en-US" dirty="0" smtClean="0"/>
-            </a:br>
-            <a:r>
-              <a:rPr lang="en-US" dirty="0" smtClean="0"/>
-              <a:t/>
-            </a:r>
-            <a:br>
-              <a:rPr lang="en-US" dirty="0" smtClean="0"/>
-            </a:br>
-            <a:r>
-              <a:rPr lang="en-US" dirty="0" smtClean="0"/>
-              <a:t>For nano: sudo chef-apply -e "package 'nano'"</a:t>
-            </a:r>
-          </a:p>
-          <a:p>
-            <a:endParaRPr lang="en-US" dirty="0" smtClean="0"/>
-          </a:p>
-          <a:p>
-            <a:r>
-              <a:rPr lang="en-US" dirty="0" smtClean="0"/>
-              <a:t>For emacs: sudo chef-apply -e "package 'emacs'"</a:t>
-            </a:r>
-          </a:p>
-          <a:p>
-            <a:endParaRPr lang="en-US" dirty="0" smtClean="0"/>
-          </a:p>
-          <a:p>
-            <a:r>
-              <a:rPr lang="en-US" dirty="0" smtClean="0"/>
-              <a:t>For vim:</a:t>
-            </a:r>
-            <a:r>
-              <a:rPr lang="en-US" baseline="0" dirty="0" smtClean="0"/>
-              <a:t> sudo chef-apply -e "package 'vim'"</a:t>
-            </a:r>
-            <a:endParaRPr lang="en-US" dirty="0" smtClean="0"/>
-          </a:p>
-          <a:p>
-            <a:endParaRPr lang="en-US" dirty="0" smtClean="0"/>
-          </a:p>
-          <a:p>
-            <a:r>
-              <a:rPr lang="en-US" dirty="0" smtClean="0"/>
-              <a:t>Instructor Note: Allow</a:t>
-            </a:r>
-            <a:r>
-              <a:rPr lang="en-US" baseline="0" dirty="0" smtClean="0"/>
-              <a:t> the students time to install vim, emacs, or nano at this time in case they prefer not to use the existing vi editor.</a:t>
-            </a:r>
+          <a:bodyPr/>
+          <a:lstStyle/>
+          <a:p>
             <a:endParaRPr lang="en-US" dirty="0"/>
           </a:p>
         </p:txBody>
@@ -2913,7 +2845,7 @@
               <a:pPr>
                 <a:defRPr/>
               </a:pPr>
-              <a:t>26</a:t>
+              <a:t>24</a:t>
             </a:fld>
             <a:endParaRPr lang="en-US" dirty="0"/>
           </a:p>
@@ -2966,7 +2898,7 @@
     </p:spTree>
     <p:extLst>
       <p:ext uri="{BB962C8B-B14F-4D97-AF65-F5344CB8AC3E}">
-        <p14:creationId xmlns:p14="http://schemas.microsoft.com/office/powerpoint/2010/main" val="3262167288"/>
+        <p14:creationId xmlns:p14="http://schemas.microsoft.com/office/powerpoint/2010/main" val="161960279"/>
       </p:ext>
     </p:extLst>
   </p:cSld>
@@ -3017,9 +2949,82 @@
         </p:nvSpPr>
         <p:spPr/>
         <p:txBody>
-          <a:bodyPr/>
-          <a:lstStyle/>
-          <a:p>
+          <a:bodyPr>
+            <a:normAutofit/>
+          </a:bodyPr>
+          <a:lstStyle/>
+          <a:p>
+            <a:pPr marL="0" marR="0" indent="0" algn="l" defTabSz="1217613" rtl="0" eaLnBrk="1" fontAlgn="base" latinLnBrk="0" hangingPunct="1">
+              <a:lnSpc>
+                <a:spcPct val="90000"/>
+              </a:lnSpc>
+              <a:spcBef>
+                <a:spcPct val="30000"/>
+              </a:spcBef>
+              <a:spcAft>
+                <a:spcPts val="450"/>
+              </a:spcAft>
+              <a:buClrTx/>
+              <a:buSzTx/>
+              <a:buFontTx/>
+              <a:buNone/>
+              <a:tabLst/>
+              <a:defRPr/>
+            </a:pPr>
+            <a:r>
+              <a:rPr lang="en-US" dirty="0" smtClean="0"/>
+              <a:t>If you prefer to use emacs, nano, or vim to edit files on this training node, please do so now.</a:t>
+            </a:r>
+            <a:br>
+              <a:rPr lang="en-US" dirty="0" smtClean="0"/>
+            </a:br>
+            <a:r>
+              <a:rPr lang="en-US" dirty="0" smtClean="0"/>
+              <a:t/>
+            </a:r>
+            <a:br>
+              <a:rPr lang="en-US" dirty="0" smtClean="0"/>
+            </a:br>
+            <a:r>
+              <a:rPr lang="en-US" dirty="0" smtClean="0"/>
+              <a:t>For nano: sudo chef-apply -e "package 'nano'"</a:t>
+            </a:r>
+          </a:p>
+          <a:p>
+            <a:endParaRPr lang="en-US" dirty="0" smtClean="0"/>
+          </a:p>
+          <a:p>
+            <a:r>
+              <a:rPr lang="en-US" dirty="0" smtClean="0"/>
+              <a:t>For emacs: sudo chef-apply -e "package 'emacs'"</a:t>
+            </a:r>
+          </a:p>
+          <a:p>
+            <a:endParaRPr lang="en-US" dirty="0" smtClean="0"/>
+          </a:p>
+          <a:p>
+            <a:r>
+              <a:rPr lang="en-US" dirty="0" smtClean="0"/>
+              <a:t>For vim:</a:t>
+            </a:r>
+            <a:r>
+              <a:rPr lang="en-US" baseline="0" dirty="0" smtClean="0"/>
+              <a:t> sudo chef-apply -e "package 'vim'"</a:t>
+            </a:r>
+            <a:endParaRPr lang="en-US" dirty="0" smtClean="0"/>
+          </a:p>
+          <a:p>
+            <a:endParaRPr lang="en-US" dirty="0" smtClean="0"/>
+          </a:p>
+          <a:p>
+            <a:r>
+              <a:rPr lang="en-US" dirty="0" smtClean="0"/>
+              <a:t>Instructor Note: Allow</a:t>
+            </a:r>
+            <a:r>
+              <a:rPr lang="en-US" baseline="0" dirty="0" smtClean="0"/>
+              <a:t> the students time to install vim, emacs, or nano at this time in case they prefer not to use the existing vi editor.</a:t>
+            </a:r>
             <a:endParaRPr lang="en-US" dirty="0"/>
           </a:p>
         </p:txBody>
@@ -3047,7 +3052,7 @@
               <a:pPr>
                 <a:defRPr/>
               </a:pPr>
-              <a:t>28</a:t>
+              <a:t>26</a:t>
             </a:fld>
             <a:endParaRPr lang="en-US" dirty="0"/>
           </a:p>
@@ -3100,7 +3105,7 @@
     </p:spTree>
     <p:extLst>
       <p:ext uri="{BB962C8B-B14F-4D97-AF65-F5344CB8AC3E}">
-        <p14:creationId xmlns:p14="http://schemas.microsoft.com/office/powerpoint/2010/main" val="2896949549"/>
+        <p14:creationId xmlns:p14="http://schemas.microsoft.com/office/powerpoint/2010/main" val="3262167288"/>
       </p:ext>
     </p:extLst>
   </p:cSld>
@@ -3154,47 +3159,6 @@
           <a:bodyPr/>
           <a:lstStyle/>
           <a:p>
-            <a:r>
-              <a:rPr lang="en-US" dirty="0" smtClean="0"/>
-              <a:t>In this step,</a:t>
-            </a:r>
-            <a:r>
-              <a:rPr lang="en-US" baseline="0" dirty="0" smtClean="0"/>
-              <a:t> instead of modifying the default recipe, </a:t>
-            </a:r>
-            <a:r>
-              <a:rPr lang="en-US" dirty="0" smtClean="0"/>
-              <a:t>we will create a new `</a:t>
-            </a:r>
-            <a:r>
-              <a:rPr lang="en-US" b="1" dirty="0" smtClean="0"/>
-              <a:t>ssh client</a:t>
-            </a:r>
-            <a:r>
-              <a:rPr lang="en-US" dirty="0" smtClean="0"/>
-              <a:t>` recipe.</a:t>
-            </a:r>
-          </a:p>
-          <a:p>
-            <a:endParaRPr lang="en-US" dirty="0" smtClean="0"/>
-          </a:p>
-          <a:p>
-            <a:r>
-              <a:rPr lang="en-US" dirty="0" smtClean="0"/>
-              <a:t>This is because</a:t>
-            </a:r>
-            <a:r>
-              <a:rPr lang="en-US" baseline="0" dirty="0" smtClean="0"/>
-              <a:t> a default ssh cookbook probably affects an ssh </a:t>
-            </a:r>
-            <a:r>
-              <a:rPr lang="en-US" dirty="0" smtClean="0"/>
-              <a:t>server config and ssh client config</a:t>
-            </a:r>
-            <a:r>
-              <a:rPr lang="en-US" baseline="0" dirty="0" smtClean="0"/>
-              <a:t> and we only want to affect an ssh client.  TBD - why?</a:t>
-            </a:r>
             <a:endParaRPr lang="en-US" dirty="0"/>
           </a:p>
         </p:txBody>
@@ -3222,7 +3186,7 @@
               <a:pPr>
                 <a:defRPr/>
               </a:pPr>
-              <a:t>29</a:t>
+              <a:t>27</a:t>
             </a:fld>
             <a:endParaRPr lang="en-US" dirty="0"/>
           </a:p>
@@ -3275,7 +3239,7 @@
     </p:spTree>
     <p:extLst>
       <p:ext uri="{BB962C8B-B14F-4D97-AF65-F5344CB8AC3E}">
-        <p14:creationId xmlns:p14="http://schemas.microsoft.com/office/powerpoint/2010/main" val="3783773599"/>
+        <p14:creationId xmlns:p14="http://schemas.microsoft.com/office/powerpoint/2010/main" val="279997005"/>
       </p:ext>
     </p:extLst>
   </p:cSld>
@@ -3329,131 +3293,6 @@
           <a:bodyPr/>
           <a:lstStyle/>
           <a:p>
-            <a:r>
-              <a:rPr lang="en-US" dirty="0" smtClean="0"/>
-              <a:t>In this step,</a:t>
-            </a:r>
-            <a:r>
-              <a:rPr lang="en-US" baseline="0" dirty="0" smtClean="0"/>
-              <a:t> we want to create a template file to manage our `</a:t>
-            </a:r>
-            <a:r>
-              <a:rPr lang="en-US" baseline="0" dirty="0" err="1" smtClean="0"/>
-              <a:t>ssh_config</a:t>
-            </a:r>
-            <a:r>
-              <a:rPr lang="en-US" baseline="0" dirty="0" smtClean="0"/>
-              <a:t>` file.</a:t>
-            </a:r>
-          </a:p>
-          <a:p>
-            <a:endParaRPr lang="en-US" baseline="0" dirty="0" smtClean="0"/>
-          </a:p>
-          <a:p>
-            <a:r>
-              <a:rPr lang="en-US" baseline="0" dirty="0" smtClean="0"/>
-              <a:t>The `-s` option in this command takes the contents of the current `</a:t>
-            </a:r>
-            <a:r>
-              <a:rPr lang="en-US" b="1" baseline="0" dirty="0" smtClean="0"/>
-              <a:t>/etc/ssh/</a:t>
-            </a:r>
-            <a:r>
-              <a:rPr lang="en-US" b="1" baseline="0" dirty="0" err="1" smtClean="0"/>
-              <a:t>ssh_config</a:t>
-            </a:r>
-            <a:r>
-              <a:rPr lang="en-US" b="1" baseline="0" dirty="0" smtClean="0"/>
-              <a:t>` </a:t>
-            </a:r>
-            <a:r>
-              <a:rPr lang="en-US" baseline="0" dirty="0" smtClean="0"/>
-              <a:t>file and places it in the `</a:t>
-            </a:r>
-            <a:r>
-              <a:rPr lang="en-US" b="1" baseline="0" dirty="0" err="1" smtClean="0"/>
-              <a:t>ssh_config.erb</a:t>
-            </a:r>
-            <a:r>
-              <a:rPr lang="en-US" b="1" baseline="0" dirty="0" smtClean="0"/>
-              <a:t>`</a:t>
-            </a:r>
-            <a:r>
-              <a:rPr lang="en-US" baseline="0" dirty="0" smtClean="0"/>
-              <a:t> file. </a:t>
-            </a:r>
-          </a:p>
-          <a:p>
-            <a:endParaRPr lang="en-US" baseline="0" dirty="0" smtClean="0"/>
-          </a:p>
-          <a:p>
-            <a:pPr marL="0" marR="0" indent="0" algn="l" defTabSz="1217613" rtl="0" eaLnBrk="1" fontAlgn="base" latinLnBrk="0" hangingPunct="1">
-              <a:lnSpc>
-                <a:spcPct val="90000"/>
-              </a:lnSpc>
-              <a:spcBef>
-                <a:spcPct val="30000"/>
-              </a:spcBef>
-              <a:spcAft>
-                <a:spcPts val="450"/>
-              </a:spcAft>
-              <a:buClrTx/>
-              <a:buSzTx/>
-              <a:buFontTx/>
-              <a:buNone/>
-              <a:tabLst/>
-              <a:defRPr/>
-            </a:pPr>
-            <a:r>
-              <a:rPr lang="en-US" baseline="0" dirty="0" smtClean="0"/>
-              <a:t>Instructor Note: At this time you might want to show the class the contents of `</a:t>
-            </a:r>
-            <a:r>
-              <a:rPr lang="en-US" b="1" baseline="0" dirty="0" smtClean="0"/>
-              <a:t>/home/chef/cookbooks/ssh/templates/default/</a:t>
-            </a:r>
-            <a:r>
-              <a:rPr lang="en-US" b="1" baseline="0" dirty="0" err="1" smtClean="0"/>
-              <a:t>ssh_config.erb</a:t>
-            </a:r>
-            <a:r>
-              <a:rPr lang="en-US" b="1" baseline="0" dirty="0" smtClean="0"/>
-              <a:t>`</a:t>
-            </a:r>
-            <a:r>
-              <a:rPr lang="en-US" baseline="0" dirty="0" smtClean="0"/>
-              <a:t> to illustrate how the contents of the current `</a:t>
-            </a:r>
-            <a:r>
-              <a:rPr lang="en-US" b="1" baseline="0" dirty="0" smtClean="0"/>
-              <a:t>/etc/ssh/</a:t>
-            </a:r>
-            <a:r>
-              <a:rPr lang="en-US" b="1" baseline="0" dirty="0" err="1" smtClean="0"/>
-              <a:t>ssh_config</a:t>
-            </a:r>
-            <a:r>
-              <a:rPr lang="en-US" b="1" baseline="0" dirty="0" smtClean="0"/>
-              <a:t>` </a:t>
-            </a:r>
-            <a:r>
-              <a:rPr lang="en-US" baseline="0" dirty="0" smtClean="0"/>
-              <a:t>file is now in the `</a:t>
-            </a:r>
-            <a:r>
-              <a:rPr lang="en-US" b="1" baseline="0" dirty="0" err="1" smtClean="0"/>
-              <a:t>ssh_config.erb</a:t>
-            </a:r>
-            <a:r>
-              <a:rPr lang="en-US" b="1" baseline="0" dirty="0" smtClean="0"/>
-              <a:t>`</a:t>
-            </a:r>
-            <a:r>
-              <a:rPr lang="en-US" baseline="0" dirty="0" smtClean="0"/>
-              <a:t> file. </a:t>
-            </a:r>
-          </a:p>
-          <a:p>
             <a:endParaRPr lang="en-US" dirty="0"/>
           </a:p>
         </p:txBody>
@@ -3481,7 +3320,7 @@
               <a:pPr>
                 <a:defRPr/>
               </a:pPr>
-              <a:t>30</a:t>
+              <a:t>28</a:t>
             </a:fld>
             <a:endParaRPr lang="en-US" dirty="0"/>
           </a:p>
@@ -3534,7 +3373,7 @@
     </p:spTree>
     <p:extLst>
       <p:ext uri="{BB962C8B-B14F-4D97-AF65-F5344CB8AC3E}">
-        <p14:creationId xmlns:p14="http://schemas.microsoft.com/office/powerpoint/2010/main" val="560908694"/>
+        <p14:creationId xmlns:p14="http://schemas.microsoft.com/office/powerpoint/2010/main" val="2896949549"/>
       </p:ext>
     </p:extLst>
   </p:cSld>
@@ -3588,50 +3427,46 @@
           <a:bodyPr/>
           <a:lstStyle/>
           <a:p>
-            <a:pPr marL="0" marR="0" indent="0" algn="l" defTabSz="1217613" rtl="0" eaLnBrk="1" fontAlgn="base" latinLnBrk="0" hangingPunct="1">
-              <a:lnSpc>
-                <a:spcPct val="90000"/>
-              </a:lnSpc>
-              <a:spcBef>
-                <a:spcPct val="30000"/>
-              </a:spcBef>
-              <a:spcAft>
-                <a:spcPts val="450"/>
-              </a:spcAft>
-              <a:buClrTx/>
-              <a:buSzTx/>
-              <a:buFontTx/>
-              <a:buNone/>
-              <a:tabLst/>
-              <a:defRPr/>
-            </a:pPr>
-            <a:r>
-              <a:rPr lang="en-US" dirty="0" smtClean="0"/>
-              <a:t>Edit the `</a:t>
+            <a:r>
+              <a:rPr lang="en-US" dirty="0" smtClean="0"/>
+              <a:t>In this step,</a:t>
+            </a:r>
+            <a:r>
+              <a:rPr lang="en-US" baseline="0" dirty="0" smtClean="0"/>
+              <a:t> instead of modifying the default recipe, </a:t>
+            </a:r>
+            <a:r>
+              <a:rPr lang="en-US" dirty="0" smtClean="0"/>
+              <a:t>we will create a new `</a:t>
             </a:r>
             <a:r>
               <a:rPr lang="en-US" b="1" dirty="0" smtClean="0"/>
-              <a:t>~/cookbooks/ssh/recipes/</a:t>
-            </a:r>
-            <a:r>
-              <a:rPr lang="en-US" b="1" dirty="0" err="1" smtClean="0"/>
-              <a:t>client.rb</a:t>
-            </a:r>
-            <a:r>
-              <a:rPr lang="en-US" b="1" dirty="0" smtClean="0"/>
-              <a:t>`</a:t>
-            </a:r>
-            <a:r>
-              <a:rPr lang="en-US" b="1" baseline="0" dirty="0" smtClean="0"/>
-              <a:t> </a:t>
-            </a:r>
-            <a:r>
-              <a:rPr lang="en-US" dirty="0" smtClean="0"/>
-              <a:t>file and</a:t>
+              <a:t>ssh client</a:t>
+            </a:r>
+            <a:r>
+              <a:rPr lang="en-US" dirty="0" smtClean="0"/>
+              <a:t>` recipe.</a:t>
+            </a:r>
+          </a:p>
+          <a:p>
+            <a:endParaRPr lang="en-US" dirty="0" smtClean="0"/>
+          </a:p>
+          <a:p>
+            <a:r>
+              <a:rPr lang="en-US" dirty="0" smtClean="0"/>
+              <a:t>This is because</a:t>
             </a:r>
             <a:r>
               <a:rPr lang="en-US" baseline="0" dirty="0" smtClean="0"/>
-              <a:t> add the contents shown here.</a:t>
+              <a:t> a default ssh cookbook probably affects an ssh </a:t>
+            </a:r>
+            <a:r>
+              <a:rPr lang="en-US" dirty="0" smtClean="0"/>
+              <a:t>server config and ssh client config</a:t>
+            </a:r>
+            <a:r>
+              <a:rPr lang="en-US" baseline="0" dirty="0" smtClean="0"/>
+              <a:t> and we only want to affect an ssh client.  TBD - why?</a:t>
             </a:r>
             <a:endParaRPr lang="en-US" dirty="0"/>
           </a:p>
@@ -3660,7 +3495,7 @@
               <a:pPr>
                 <a:defRPr/>
               </a:pPr>
-              <a:t>31</a:t>
+              <a:t>29</a:t>
             </a:fld>
             <a:endParaRPr lang="en-US" dirty="0"/>
           </a:p>
@@ -3713,7 +3548,7 @@
     </p:spTree>
     <p:extLst>
       <p:ext uri="{BB962C8B-B14F-4D97-AF65-F5344CB8AC3E}">
-        <p14:creationId xmlns:p14="http://schemas.microsoft.com/office/powerpoint/2010/main" val="1585885190"/>
+        <p14:creationId xmlns:p14="http://schemas.microsoft.com/office/powerpoint/2010/main" val="3783773599"/>
       </p:ext>
     </p:extLst>
   </p:cSld>
@@ -3767,6 +3602,131 @@
           <a:bodyPr/>
           <a:lstStyle/>
           <a:p>
+            <a:r>
+              <a:rPr lang="en-US" dirty="0" smtClean="0"/>
+              <a:t>In this step,</a:t>
+            </a:r>
+            <a:r>
+              <a:rPr lang="en-US" baseline="0" dirty="0" smtClean="0"/>
+              <a:t> we want to create a template file to manage our `</a:t>
+            </a:r>
+            <a:r>
+              <a:rPr lang="en-US" baseline="0" dirty="0" err="1" smtClean="0"/>
+              <a:t>ssh_config</a:t>
+            </a:r>
+            <a:r>
+              <a:rPr lang="en-US" baseline="0" dirty="0" smtClean="0"/>
+              <a:t>` file.</a:t>
+            </a:r>
+          </a:p>
+          <a:p>
+            <a:endParaRPr lang="en-US" baseline="0" dirty="0" smtClean="0"/>
+          </a:p>
+          <a:p>
+            <a:r>
+              <a:rPr lang="en-US" baseline="0" dirty="0" smtClean="0"/>
+              <a:t>The `-s` option in this command takes the contents of the current `</a:t>
+            </a:r>
+            <a:r>
+              <a:rPr lang="en-US" b="1" baseline="0" dirty="0" smtClean="0"/>
+              <a:t>/etc/ssh/</a:t>
+            </a:r>
+            <a:r>
+              <a:rPr lang="en-US" b="1" baseline="0" dirty="0" err="1" smtClean="0"/>
+              <a:t>ssh_config</a:t>
+            </a:r>
+            <a:r>
+              <a:rPr lang="en-US" b="1" baseline="0" dirty="0" smtClean="0"/>
+              <a:t>` </a:t>
+            </a:r>
+            <a:r>
+              <a:rPr lang="en-US" baseline="0" dirty="0" smtClean="0"/>
+              <a:t>file and places it in the `</a:t>
+            </a:r>
+            <a:r>
+              <a:rPr lang="en-US" b="1" baseline="0" dirty="0" err="1" smtClean="0"/>
+              <a:t>ssh_config.erb</a:t>
+            </a:r>
+            <a:r>
+              <a:rPr lang="en-US" b="1" baseline="0" dirty="0" smtClean="0"/>
+              <a:t>`</a:t>
+            </a:r>
+            <a:r>
+              <a:rPr lang="en-US" baseline="0" dirty="0" smtClean="0"/>
+              <a:t> file. </a:t>
+            </a:r>
+          </a:p>
+          <a:p>
+            <a:endParaRPr lang="en-US" baseline="0" dirty="0" smtClean="0"/>
+          </a:p>
+          <a:p>
+            <a:pPr marL="0" marR="0" indent="0" algn="l" defTabSz="1217613" rtl="0" eaLnBrk="1" fontAlgn="base" latinLnBrk="0" hangingPunct="1">
+              <a:lnSpc>
+                <a:spcPct val="90000"/>
+              </a:lnSpc>
+              <a:spcBef>
+                <a:spcPct val="30000"/>
+              </a:spcBef>
+              <a:spcAft>
+                <a:spcPts val="450"/>
+              </a:spcAft>
+              <a:buClrTx/>
+              <a:buSzTx/>
+              <a:buFontTx/>
+              <a:buNone/>
+              <a:tabLst/>
+              <a:defRPr/>
+            </a:pPr>
+            <a:r>
+              <a:rPr lang="en-US" baseline="0" dirty="0" smtClean="0"/>
+              <a:t>Instructor Note: At this time you might want to show the class the contents of `</a:t>
+            </a:r>
+            <a:r>
+              <a:rPr lang="en-US" b="1" baseline="0" dirty="0" smtClean="0"/>
+              <a:t>/home/chef/cookbooks/ssh/templates/default/</a:t>
+            </a:r>
+            <a:r>
+              <a:rPr lang="en-US" b="1" baseline="0" dirty="0" err="1" smtClean="0"/>
+              <a:t>ssh_config.erb</a:t>
+            </a:r>
+            <a:r>
+              <a:rPr lang="en-US" b="1" baseline="0" dirty="0" smtClean="0"/>
+              <a:t>`</a:t>
+            </a:r>
+            <a:r>
+              <a:rPr lang="en-US" baseline="0" dirty="0" smtClean="0"/>
+              <a:t> to illustrate how the contents of the current `</a:t>
+            </a:r>
+            <a:r>
+              <a:rPr lang="en-US" b="1" baseline="0" dirty="0" smtClean="0"/>
+              <a:t>/etc/ssh/</a:t>
+            </a:r>
+            <a:r>
+              <a:rPr lang="en-US" b="1" baseline="0" dirty="0" err="1" smtClean="0"/>
+              <a:t>ssh_config</a:t>
+            </a:r>
+            <a:r>
+              <a:rPr lang="en-US" b="1" baseline="0" dirty="0" smtClean="0"/>
+              <a:t>` </a:t>
+            </a:r>
+            <a:r>
+              <a:rPr lang="en-US" baseline="0" dirty="0" smtClean="0"/>
+              <a:t>file is now in the `</a:t>
+            </a:r>
+            <a:r>
+              <a:rPr lang="en-US" b="1" baseline="0" dirty="0" err="1" smtClean="0"/>
+              <a:t>ssh_config.erb</a:t>
+            </a:r>
+            <a:r>
+              <a:rPr lang="en-US" b="1" baseline="0" dirty="0" smtClean="0"/>
+              <a:t>`</a:t>
+            </a:r>
+            <a:r>
+              <a:rPr lang="en-US" baseline="0" dirty="0" smtClean="0"/>
+              <a:t> file. </a:t>
+            </a:r>
+          </a:p>
+          <a:p>
             <a:endParaRPr lang="en-US" dirty="0"/>
           </a:p>
         </p:txBody>
@@ -3794,7 +3754,7 @@
               <a:pPr>
                 <a:defRPr/>
               </a:pPr>
-              <a:t>32</a:t>
+              <a:t>30</a:t>
             </a:fld>
             <a:endParaRPr lang="en-US" dirty="0"/>
           </a:p>
@@ -3847,7 +3807,7 @@
     </p:spTree>
     <p:extLst>
       <p:ext uri="{BB962C8B-B14F-4D97-AF65-F5344CB8AC3E}">
-        <p14:creationId xmlns:p14="http://schemas.microsoft.com/office/powerpoint/2010/main" val="492091542"/>
+        <p14:creationId xmlns:p14="http://schemas.microsoft.com/office/powerpoint/2010/main" val="560908694"/>
       </p:ext>
     </p:extLst>
   </p:cSld>
@@ -3901,19 +3861,52 @@
           <a:bodyPr/>
           <a:lstStyle/>
           <a:p>
-            <a:r>
-              <a:rPr lang="en-US" dirty="0" smtClean="0"/>
-              <a:t>To test your recipe, first navigate to where</a:t>
+            <a:pPr marL="0" marR="0" indent="0" algn="l" defTabSz="1217613" rtl="0" eaLnBrk="1" fontAlgn="base" latinLnBrk="0" hangingPunct="1">
+              <a:lnSpc>
+                <a:spcPct val="90000"/>
+              </a:lnSpc>
+              <a:spcBef>
+                <a:spcPct val="30000"/>
+              </a:spcBef>
+              <a:spcAft>
+                <a:spcPts val="450"/>
+              </a:spcAft>
+              <a:buClrTx/>
+              <a:buSzTx/>
+              <a:buFontTx/>
+              <a:buNone/>
+              <a:tabLst/>
+              <a:defRPr/>
+            </a:pPr>
+            <a:r>
+              <a:rPr lang="en-US" dirty="0" smtClean="0"/>
+              <a:t>Edit the `</a:t>
+            </a:r>
+            <a:r>
+              <a:rPr lang="en-US" b="1" dirty="0" smtClean="0"/>
+              <a:t>~/cookbooks/ssh/recipes/</a:t>
+            </a:r>
+            <a:r>
+              <a:rPr lang="en-US" b="1" dirty="0" err="1" smtClean="0"/>
+              <a:t>client.rb</a:t>
+            </a:r>
+            <a:r>
+              <a:rPr lang="en-US" b="1" dirty="0" smtClean="0"/>
+              <a:t>`</a:t>
+            </a:r>
+            <a:r>
+              <a:rPr lang="en-US" b="1" baseline="0" dirty="0" smtClean="0"/>
+              <a:t> </a:t>
+            </a:r>
+            <a:r>
+              <a:rPr lang="en-US" dirty="0" smtClean="0"/>
+              <a:t>file and</a:t>
             </a:r>
             <a:r>
               <a:rPr lang="en-US" baseline="0" dirty="0" smtClean="0"/>
-              <a:t> the </a:t>
-            </a:r>
-            <a:r>
-              <a:rPr lang="en-US" baseline="0" smtClean="0"/>
-              <a:t>recipe lives</a:t>
-            </a:r>
-            <a:endParaRPr lang="en-US" baseline="0" dirty="0" smtClean="0"/>
+              <a:t> add the contents shown here.</a:t>
+            </a:r>
+            <a:endParaRPr lang="en-US" dirty="0"/>
           </a:p>
         </p:txBody>
       </p:sp>
@@ -3940,7 +3933,7 @@
               <a:pPr>
                 <a:defRPr/>
               </a:pPr>
-              <a:t>33</a:t>
+              <a:t>31</a:t>
             </a:fld>
             <a:endParaRPr lang="en-US" dirty="0"/>
           </a:p>
@@ -3993,7 +3986,7 @@
     </p:spTree>
     <p:extLst>
       <p:ext uri="{BB962C8B-B14F-4D97-AF65-F5344CB8AC3E}">
-        <p14:creationId xmlns:p14="http://schemas.microsoft.com/office/powerpoint/2010/main" val="1996759426"/>
+        <p14:creationId xmlns:p14="http://schemas.microsoft.com/office/powerpoint/2010/main" val="1585885190"/>
       </p:ext>
     </p:extLst>
   </p:cSld>
@@ -4047,50 +4040,7 @@
           <a:bodyPr/>
           <a:lstStyle/>
           <a:p>
-            <a:r>
-              <a:rPr lang="en-US" dirty="0" smtClean="0"/>
-              <a:t>Edit your</a:t>
-            </a:r>
-            <a:r>
-              <a:rPr lang="en-US" baseline="0" dirty="0" smtClean="0"/>
-              <a:t> `.</a:t>
-            </a:r>
-            <a:r>
-              <a:rPr lang="en-US" baseline="0" dirty="0" err="1" smtClean="0"/>
-              <a:t>kitchen.yml</a:t>
-            </a:r>
-            <a:r>
-              <a:rPr lang="en-US" baseline="0" dirty="0" smtClean="0"/>
-              <a:t>` as shown here and on the following slide. </a:t>
-            </a:r>
-          </a:p>
-          <a:p>
-            <a:endParaRPr lang="en-US" baseline="0" dirty="0" smtClean="0"/>
-          </a:p>
-          <a:p>
-            <a:r>
-              <a:rPr lang="en-US" baseline="0" dirty="0" smtClean="0"/>
-              <a:t>Because our node is an EC2 AWS instance, we need to change the driver from vagrant to </a:t>
-            </a:r>
-            <a:r>
-              <a:rPr lang="en-US" baseline="0" dirty="0" err="1" smtClean="0"/>
-              <a:t>docker</a:t>
-            </a:r>
-            <a:r>
-              <a:rPr lang="en-US" baseline="0" dirty="0" smtClean="0"/>
-              <a:t>. </a:t>
-            </a:r>
-            <a:r>
-              <a:rPr lang="en-US" baseline="0" dirty="0" err="1" smtClean="0"/>
-              <a:t>docker</a:t>
-            </a:r>
-            <a:r>
-              <a:rPr lang="en-US" baseline="0" dirty="0" smtClean="0"/>
-              <a:t> should already be installed on the EC2 AWS training instances.</a:t>
-            </a:r>
-          </a:p>
-          <a:p>
-            <a:endParaRPr lang="en-US" baseline="0" dirty="0" smtClean="0"/>
+            <a:endParaRPr lang="en-US" dirty="0"/>
           </a:p>
         </p:txBody>
       </p:sp>
@@ -4117,7 +4067,7 @@
               <a:pPr>
                 <a:defRPr/>
               </a:pPr>
-              <a:t>34</a:t>
+              <a:t>32</a:t>
             </a:fld>
             <a:endParaRPr lang="en-US" dirty="0"/>
           </a:p>
@@ -4170,7 +4120,7 @@
     </p:spTree>
     <p:extLst>
       <p:ext uri="{BB962C8B-B14F-4D97-AF65-F5344CB8AC3E}">
-        <p14:creationId xmlns:p14="http://schemas.microsoft.com/office/powerpoint/2010/main" val="2979663564"/>
+        <p14:creationId xmlns:p14="http://schemas.microsoft.com/office/powerpoint/2010/main" val="492091542"/>
       </p:ext>
     </p:extLst>
   </p:cSld>
@@ -4225,58 +4175,17 @@
           <a:lstStyle/>
           <a:p>
             <a:r>
+              <a:rPr lang="en-US" dirty="0" smtClean="0"/>
+              <a:t>To test your recipe, first navigate to where</a:t>
+            </a:r>
+            <a:r>
               <a:rPr lang="en-US" baseline="0" dirty="0" smtClean="0"/>
-              <a:t>Also comment the </a:t>
-            </a:r>
-            <a:r>
-              <a:rPr lang="en-US" baseline="0" dirty="0" err="1" smtClean="0"/>
-              <a:t>ubuntu</a:t>
-            </a:r>
-            <a:r>
-              <a:rPr lang="en-US" baseline="0" dirty="0" smtClean="0"/>
-              <a:t> platform line and change the centos platform to `centos-6.7', which should be the version running on the training instance.</a:t>
-            </a:r>
-          </a:p>
-          <a:p>
-            <a:endParaRPr lang="en-US" baseline="0" dirty="0" smtClean="0"/>
-          </a:p>
-          <a:p>
-            <a:r>
-              <a:rPr lang="en-US" baseline="0" dirty="0" smtClean="0"/>
-              <a:t>To confirm the centos release, you could execute  `more /etc/*-release`</a:t>
-            </a:r>
-          </a:p>
-          <a:p>
-            <a:r>
-              <a:rPr lang="en-US" baseline="0" dirty="0" smtClean="0"/>
-              <a:t>::::::::::::::</a:t>
-            </a:r>
-          </a:p>
-          <a:p>
-            <a:r>
-              <a:rPr lang="en-US" baseline="0" dirty="0" smtClean="0"/>
-              <a:t>/etc/centos-release</a:t>
-            </a:r>
-          </a:p>
-          <a:p>
-            <a:r>
-              <a:rPr lang="en-US" baseline="0" dirty="0" smtClean="0"/>
-              <a:t>::::::::::::::</a:t>
-            </a:r>
-          </a:p>
-          <a:p>
-            <a:r>
-              <a:rPr lang="en-US" baseline="0" dirty="0" smtClean="0"/>
-              <a:t>CentOS release 6.7 (Final)</a:t>
-            </a:r>
-          </a:p>
-          <a:p>
-            <a:endParaRPr lang="en-US" baseline="0" dirty="0" smtClean="0"/>
-          </a:p>
-          <a:p>
-            <a:endParaRPr lang="en-US" baseline="0" dirty="0" smtClean="0"/>
-          </a:p>
-          <a:p>
+              <a:t> the </a:t>
+            </a:r>
+            <a:r>
+              <a:rPr lang="en-US" baseline="0" smtClean="0"/>
+              <a:t>recipe lives</a:t>
+            </a:r>
             <a:endParaRPr lang="en-US" baseline="0" dirty="0" smtClean="0"/>
           </a:p>
         </p:txBody>
@@ -4304,7 +4213,7 @@
               <a:pPr>
                 <a:defRPr/>
               </a:pPr>
-              <a:t>35</a:t>
+              <a:t>33</a:t>
             </a:fld>
             <a:endParaRPr lang="en-US" dirty="0"/>
           </a:p>
@@ -4357,7 +4266,7 @@
     </p:spTree>
     <p:extLst>
       <p:ext uri="{BB962C8B-B14F-4D97-AF65-F5344CB8AC3E}">
-        <p14:creationId xmlns:p14="http://schemas.microsoft.com/office/powerpoint/2010/main" val="1633869159"/>
+        <p14:creationId xmlns:p14="http://schemas.microsoft.com/office/powerpoint/2010/main" val="1996759426"/>
       </p:ext>
     </p:extLst>
   </p:cSld>
@@ -4412,41 +4321,46 @@
           <a:lstStyle/>
           <a:p>
             <a:r>
+              <a:rPr lang="en-US" dirty="0" smtClean="0"/>
+              <a:t>Edit your</a:t>
+            </a:r>
+            <a:r>
               <a:rPr lang="en-US" baseline="0" dirty="0" smtClean="0"/>
-              <a:t>Finally, change the suites name to `client' and the run_list recipe name to `</a:t>
+              <a:t> `.</a:t>
             </a:r>
             <a:r>
               <a:rPr lang="en-US" baseline="0" dirty="0" err="1" smtClean="0"/>
-              <a:t>ssh:client</a:t>
+              <a:t>kitchen.yml</a:t>
             </a:r>
             <a:r>
               <a:rPr lang="en-US" baseline="0" dirty="0" smtClean="0"/>
-              <a:t>`.</a:t>
-            </a:r>
+              <a:t>` as shown here and on the following slide. </a:t>
+            </a:r>
+          </a:p>
+          <a:p>
+            <a:endParaRPr lang="en-US" baseline="0" dirty="0" smtClean="0"/>
           </a:p>
           <a:p>
             <a:r>
               <a:rPr lang="en-US" baseline="0" dirty="0" smtClean="0"/>
-              <a:t>run_list:</a:t>
-            </a:r>
-          </a:p>
-          <a:p>
+              <a:t>Because our node is an EC2 AWS instance, we need to change the driver from vagrant to </a:t>
+            </a:r>
+            <a:r>
+              <a:rPr lang="en-US" baseline="0" dirty="0" err="1" smtClean="0"/>
+              <a:t>docker</a:t>
+            </a:r>
             <a:r>
               <a:rPr lang="en-US" baseline="0" dirty="0" smtClean="0"/>
-              <a:t>      - recipe[ssh::client]</a:t>
-            </a:r>
-          </a:p>
-          <a:p>
-            <a:endParaRPr lang="en-US" baseline="0" dirty="0" smtClean="0"/>
-          </a:p>
-          <a:p>
-            <a:endParaRPr lang="en-US" baseline="0" dirty="0" smtClean="0"/>
-          </a:p>
-          <a:p>
-            <a:endParaRPr lang="en-US" baseline="0" dirty="0" smtClean="0"/>
-          </a:p>
-          <a:p>
-            <a:endParaRPr lang="en-US" baseline="0" dirty="0" smtClean="0"/>
+              <a:t>. </a:t>
+            </a:r>
+            <a:r>
+              <a:rPr lang="en-US" baseline="0" dirty="0" err="1" smtClean="0"/>
+              <a:t>docker</a:t>
+            </a:r>
+            <a:r>
+              <a:rPr lang="en-US" baseline="0" dirty="0" smtClean="0"/>
+              <a:t> should already be installed on the EC2 AWS training instances.</a:t>
+            </a:r>
           </a:p>
           <a:p>
             <a:endParaRPr lang="en-US" baseline="0" dirty="0" smtClean="0"/>
@@ -4476,7 +4390,7 @@
               <a:pPr>
                 <a:defRPr/>
               </a:pPr>
-              <a:t>36</a:t>
+              <a:t>34</a:t>
             </a:fld>
             <a:endParaRPr lang="en-US" dirty="0"/>
           </a:p>
@@ -4529,7 +4443,7 @@
     </p:spTree>
     <p:extLst>
       <p:ext uri="{BB962C8B-B14F-4D97-AF65-F5344CB8AC3E}">
-        <p14:creationId xmlns:p14="http://schemas.microsoft.com/office/powerpoint/2010/main" val="3301825103"/>
+        <p14:creationId xmlns:p14="http://schemas.microsoft.com/office/powerpoint/2010/main" val="2979663564"/>
       </p:ext>
     </p:extLst>
   </p:cSld>
@@ -4719,31 +4633,49 @@
           <a:p>
             <a:r>
               <a:rPr lang="en-US" baseline="0" dirty="0" smtClean="0"/>
-              <a:t>Now run </a:t>
-            </a:r>
-            <a:r>
-              <a:rPr lang="en-US" dirty="0" smtClean="0"/>
-              <a:t>`kitchen list` from the ~/cookbooks/ssh directory. This command will tell you if you have a typo in your</a:t>
+              <a:t>Also comment the </a:t>
+            </a:r>
+            <a:r>
+              <a:rPr lang="en-US" baseline="0" dirty="0" err="1" smtClean="0"/>
+              <a:t>ubuntu</a:t>
             </a:r>
             <a:r>
               <a:rPr lang="en-US" baseline="0" dirty="0" smtClean="0"/>
-              <a:t> `.</a:t>
-            </a:r>
-            <a:r>
-              <a:rPr lang="en-US" dirty="0" err="1" smtClean="0"/>
-              <a:t>kitchen.yml</a:t>
-            </a:r>
-            <a:r>
-              <a:rPr lang="en-US" smtClean="0"/>
-              <a:t>`.</a:t>
-            </a:r>
+              <a:t> platform line and change the centos platform to `centos-6.7', which should be the version running on the training instance.</a:t>
+            </a:r>
+          </a:p>
+          <a:p>
             <a:endParaRPr lang="en-US" baseline="0" dirty="0" smtClean="0"/>
           </a:p>
           <a:p>
-            <a:endParaRPr lang="en-US" baseline="0" dirty="0" smtClean="0"/>
-          </a:p>
-          <a:p>
-            <a:endParaRPr lang="en-US" baseline="0" dirty="0" smtClean="0"/>
+            <a:r>
+              <a:rPr lang="en-US" baseline="0" dirty="0" smtClean="0"/>
+              <a:t>To confirm the centos release, you could execute  `more /etc/*-release`</a:t>
+            </a:r>
+          </a:p>
+          <a:p>
+            <a:r>
+              <a:rPr lang="en-US" baseline="0" dirty="0" smtClean="0"/>
+              <a:t>::::::::::::::</a:t>
+            </a:r>
+          </a:p>
+          <a:p>
+            <a:r>
+              <a:rPr lang="en-US" baseline="0" dirty="0" smtClean="0"/>
+              <a:t>/etc/centos-release</a:t>
+            </a:r>
+          </a:p>
+          <a:p>
+            <a:r>
+              <a:rPr lang="en-US" baseline="0" dirty="0" smtClean="0"/>
+              <a:t>::::::::::::::</a:t>
+            </a:r>
+          </a:p>
+          <a:p>
+            <a:r>
+              <a:rPr lang="en-US" baseline="0" dirty="0" smtClean="0"/>
+              <a:t>CentOS release 6.7 (Final)</a:t>
+            </a:r>
           </a:p>
           <a:p>
             <a:endParaRPr lang="en-US" baseline="0" dirty="0" smtClean="0"/>
@@ -4779,7 +4711,7 @@
               <a:pPr>
                 <a:defRPr/>
               </a:pPr>
-              <a:t>37</a:t>
+              <a:t>35</a:t>
             </a:fld>
             <a:endParaRPr lang="en-US" dirty="0"/>
           </a:p>
@@ -4832,7 +4764,7 @@
     </p:spTree>
     <p:extLst>
       <p:ext uri="{BB962C8B-B14F-4D97-AF65-F5344CB8AC3E}">
-        <p14:creationId xmlns:p14="http://schemas.microsoft.com/office/powerpoint/2010/main" val="2150267368"/>
+        <p14:creationId xmlns:p14="http://schemas.microsoft.com/office/powerpoint/2010/main" val="1633869159"/>
       </p:ext>
     </p:extLst>
   </p:cSld>
@@ -4888,232 +4820,28 @@
           <a:p>
             <a:r>
               <a:rPr lang="en-US" baseline="0" dirty="0" smtClean="0"/>
-              <a:t>Now run </a:t>
-            </a:r>
-            <a:r>
-              <a:rPr lang="en-US" dirty="0" smtClean="0"/>
-              <a:t>`kitchen converge` from the ~/cookbooks/ssh directory. </a:t>
-            </a:r>
-          </a:p>
-          <a:p>
-            <a:endParaRPr lang="en-US" baseline="0" dirty="0" smtClean="0"/>
-          </a:p>
-          <a:p>
-            <a:r>
-              <a:rPr lang="en-US" dirty="0" smtClean="0"/>
-              <a:t>`kitchen converge` will:</a:t>
-            </a:r>
-          </a:p>
-          <a:p>
-            <a:endParaRPr lang="en-US" dirty="0" smtClean="0"/>
-          </a:p>
-          <a:p>
-            <a:pPr marL="171450" indent="-171450">
-              <a:buFont typeface="Arial" panose="020B0604020202020204" pitchFamily="34" charset="0"/>
-              <a:buChar char="•"/>
-            </a:pPr>
-            <a:r>
-              <a:rPr lang="en-US" dirty="0" smtClean="0"/>
-              <a:t>Launch a </a:t>
-            </a:r>
-            <a:r>
-              <a:rPr lang="en-US" dirty="0" err="1" smtClean="0"/>
-              <a:t>docker</a:t>
-            </a:r>
-            <a:r>
-              <a:rPr lang="en-US" dirty="0" smtClean="0"/>
-              <a:t> container.</a:t>
-            </a:r>
-          </a:p>
-          <a:p>
-            <a:pPr marL="171450" indent="-171450">
-              <a:buFont typeface="Arial" panose="020B0604020202020204" pitchFamily="34" charset="0"/>
-              <a:buChar char="•"/>
-            </a:pPr>
-            <a:r>
-              <a:rPr lang="en-US" dirty="0" smtClean="0"/>
-              <a:t>Place the cookbook into the </a:t>
-            </a:r>
-            <a:r>
-              <a:rPr lang="en-US" dirty="0" err="1" smtClean="0"/>
-              <a:t>docker</a:t>
-            </a:r>
-            <a:r>
-              <a:rPr lang="en-US" dirty="0" smtClean="0"/>
-              <a:t> container.</a:t>
-            </a:r>
-          </a:p>
-          <a:p>
-            <a:pPr marL="171450" marR="0" indent="-171450" algn="l" defTabSz="1217613" rtl="0" eaLnBrk="1" fontAlgn="base" latinLnBrk="0" hangingPunct="1">
-              <a:lnSpc>
-                <a:spcPct val="90000"/>
-              </a:lnSpc>
-              <a:spcBef>
-                <a:spcPct val="30000"/>
-              </a:spcBef>
-              <a:spcAft>
-                <a:spcPts val="450"/>
-              </a:spcAft>
-              <a:buClrTx/>
-              <a:buSzTx/>
-              <a:buFont typeface="Arial" panose="020B0604020202020204" pitchFamily="34" charset="0"/>
-              <a:buChar char="•"/>
-              <a:tabLst/>
-              <a:defRPr/>
-            </a:pPr>
-            <a:r>
-              <a:rPr lang="en-US" dirty="0" smtClean="0"/>
-              <a:t>Install chef-client in the </a:t>
-            </a:r>
-            <a:r>
-              <a:rPr lang="en-US" dirty="0" err="1" smtClean="0"/>
-              <a:t>docker</a:t>
-            </a:r>
-            <a:r>
-              <a:rPr lang="en-US" dirty="0" smtClean="0"/>
-              <a:t> container.</a:t>
-            </a:r>
-          </a:p>
-          <a:p>
-            <a:pPr marL="171450" marR="0" indent="-171450" algn="l" defTabSz="1217613" rtl="0" eaLnBrk="1" fontAlgn="base" latinLnBrk="0" hangingPunct="1">
-              <a:lnSpc>
-                <a:spcPct val="90000"/>
-              </a:lnSpc>
-              <a:spcBef>
-                <a:spcPct val="30000"/>
-              </a:spcBef>
-              <a:spcAft>
-                <a:spcPts val="450"/>
-              </a:spcAft>
-              <a:buClrTx/>
-              <a:buSzTx/>
-              <a:buFont typeface="Arial" panose="020B0604020202020204" pitchFamily="34" charset="0"/>
-              <a:buChar char="•"/>
-              <a:tabLst/>
-              <a:defRPr/>
-            </a:pPr>
-            <a:r>
-              <a:rPr lang="en-US" dirty="0" smtClean="0"/>
-              <a:t>Run chef</a:t>
+              <a:t>Finally, change the suites name to `client' and the run_list recipe name to `</a:t>
+            </a:r>
+            <a:r>
+              <a:rPr lang="en-US" baseline="0" dirty="0" err="1" smtClean="0"/>
+              <a:t>ssh:client</a:t>
             </a:r>
             <a:r>
               <a:rPr lang="en-US" baseline="0" dirty="0" smtClean="0"/>
-              <a:t> zero (i.e., chef-client in local mode) across the client recipe.</a:t>
-            </a:r>
-          </a:p>
-          <a:p>
-            <a:pPr marL="171450" marR="0" indent="-171450" algn="l" defTabSz="1217613" rtl="0" eaLnBrk="1" fontAlgn="base" latinLnBrk="0" hangingPunct="1">
-              <a:lnSpc>
-                <a:spcPct val="90000"/>
-              </a:lnSpc>
-              <a:spcBef>
-                <a:spcPct val="30000"/>
-              </a:spcBef>
-              <a:spcAft>
-                <a:spcPts val="450"/>
-              </a:spcAft>
-              <a:buClrTx/>
-              <a:buSzTx/>
-              <a:buFont typeface="Arial" panose="020B0604020202020204" pitchFamily="34" charset="0"/>
-              <a:buChar char="•"/>
-              <a:tabLst/>
-              <a:defRPr/>
-            </a:pPr>
-            <a:endParaRPr lang="en-US" baseline="0" dirty="0" smtClean="0"/>
-          </a:p>
-          <a:p>
-            <a:pPr marL="0" marR="0" indent="0" algn="l" defTabSz="1217613" rtl="0" eaLnBrk="1" fontAlgn="base" latinLnBrk="0" hangingPunct="1">
-              <a:lnSpc>
-                <a:spcPct val="90000"/>
-              </a:lnSpc>
-              <a:spcBef>
-                <a:spcPct val="30000"/>
-              </a:spcBef>
-              <a:spcAft>
-                <a:spcPts val="450"/>
-              </a:spcAft>
-              <a:buClrTx/>
-              <a:buSzTx/>
-              <a:buFont typeface="Arial" panose="020B0604020202020204" pitchFamily="34" charset="0"/>
-              <a:buNone/>
-              <a:tabLst/>
-              <a:defRPr/>
-            </a:pPr>
+              <a:t>`.</a:t>
+            </a:r>
+          </a:p>
+          <a:p>
             <a:r>
               <a:rPr lang="en-US" baseline="0" dirty="0" smtClean="0"/>
-              <a:t>The end result will be that it should write out the </a:t>
-            </a:r>
-            <a:r>
-              <a:rPr lang="en-US" baseline="0" dirty="0" err="1" smtClean="0"/>
-              <a:t>ssh_conf</a:t>
-            </a:r>
+              <a:t>run_list:</a:t>
+            </a:r>
+          </a:p>
+          <a:p>
             <a:r>
               <a:rPr lang="en-US" baseline="0" dirty="0" smtClean="0"/>
-              <a:t> to the appropriate location (i.e</a:t>
-            </a:r>
-            <a:r>
-              <a:rPr lang="en-US" b="0" baseline="0" dirty="0" smtClean="0"/>
-              <a:t>., /etc/ssh/</a:t>
-            </a:r>
-            <a:r>
-              <a:rPr lang="en-US" b="0" baseline="0" dirty="0" err="1" smtClean="0"/>
-              <a:t>ssh_config</a:t>
-            </a:r>
-            <a:r>
-              <a:rPr lang="en-US" b="0" baseline="0" dirty="0" smtClean="0"/>
-              <a:t>).</a:t>
-            </a:r>
-          </a:p>
-          <a:p>
-            <a:pPr marL="0" marR="0" indent="0" algn="l" defTabSz="1217613" rtl="0" eaLnBrk="1" fontAlgn="base" latinLnBrk="0" hangingPunct="1">
-              <a:lnSpc>
-                <a:spcPct val="90000"/>
-              </a:lnSpc>
-              <a:spcBef>
-                <a:spcPct val="30000"/>
-              </a:spcBef>
-              <a:spcAft>
-                <a:spcPts val="450"/>
-              </a:spcAft>
-              <a:buClrTx/>
-              <a:buSzTx/>
-              <a:buFont typeface="Arial" panose="020B0604020202020204" pitchFamily="34" charset="0"/>
-              <a:buNone/>
-              <a:tabLst/>
-              <a:defRPr/>
-            </a:pPr>
-            <a:endParaRPr lang="en-US" b="0" baseline="0" dirty="0" smtClean="0"/>
-          </a:p>
-          <a:p>
-            <a:pPr marL="0" marR="0" indent="0" algn="l" defTabSz="1217613" rtl="0" eaLnBrk="1" fontAlgn="base" latinLnBrk="0" hangingPunct="1">
-              <a:lnSpc>
-                <a:spcPct val="90000"/>
-              </a:lnSpc>
-              <a:spcBef>
-                <a:spcPct val="30000"/>
-              </a:spcBef>
-              <a:spcAft>
-                <a:spcPts val="450"/>
-              </a:spcAft>
-              <a:buClrTx/>
-              <a:buSzTx/>
-              <a:buFont typeface="Arial" panose="020B0604020202020204" pitchFamily="34" charset="0"/>
-              <a:buNone/>
-              <a:tabLst/>
-              <a:defRPr/>
-            </a:pPr>
-            <a:r>
-              <a:rPr lang="en-US" b="0" baseline="0" dirty="0" smtClean="0"/>
-              <a:t>It could take a couple minutes or so for this command to complete.</a:t>
-            </a:r>
-            <a:endParaRPr lang="en-US" b="0" dirty="0" smtClean="0"/>
-          </a:p>
-          <a:p>
-            <a:pPr marL="171450" indent="-171450">
-              <a:buFont typeface="Arial" panose="020B0604020202020204" pitchFamily="34" charset="0"/>
-              <a:buChar char="•"/>
-            </a:pPr>
-            <a:endParaRPr lang="en-US" baseline="0" dirty="0" smtClean="0"/>
+              <a:t>      - recipe[ssh::client]</a:t>
+            </a:r>
           </a:p>
           <a:p>
             <a:endParaRPr lang="en-US" baseline="0" dirty="0" smtClean="0"/>
@@ -5155,7 +4883,7 @@
               <a:pPr>
                 <a:defRPr/>
               </a:pPr>
-              <a:t>38</a:t>
+              <a:t>36</a:t>
             </a:fld>
             <a:endParaRPr lang="en-US" dirty="0"/>
           </a:p>
@@ -5208,7 +4936,7 @@
     </p:spTree>
     <p:extLst>
       <p:ext uri="{BB962C8B-B14F-4D97-AF65-F5344CB8AC3E}">
-        <p14:creationId xmlns:p14="http://schemas.microsoft.com/office/powerpoint/2010/main" val="1087261345"/>
+        <p14:creationId xmlns:p14="http://schemas.microsoft.com/office/powerpoint/2010/main" val="3301825103"/>
       </p:ext>
     </p:extLst>
   </p:cSld>
@@ -5263,74 +4991,41 @@
           <a:lstStyle/>
           <a:p>
             <a:r>
-              <a:rPr lang="en-US" dirty="0" smtClean="0"/>
-              <a:t>In the preceding exercises we began writing a remediation recipe on our target node.</a:t>
-            </a:r>
-          </a:p>
-          <a:p>
-            <a:endParaRPr lang="en-US" dirty="0" smtClean="0"/>
-          </a:p>
-          <a:p>
-            <a:r>
-              <a:rPr lang="en-US" dirty="0" smtClean="0"/>
-              <a:t>We also tested the recipe with Test Kitchen.</a:t>
-            </a:r>
-          </a:p>
-          <a:p>
-            <a:endParaRPr lang="en-US" dirty="0" smtClean="0"/>
-          </a:p>
-          <a:p>
-            <a:r>
-              <a:rPr lang="en-US" dirty="0" smtClean="0"/>
-              <a:t>But have we even addressed the "Set the SSH protocol version to 2" issue?</a:t>
-            </a:r>
-          </a:p>
-          <a:p>
-            <a:endParaRPr lang="en-US" dirty="0" smtClean="0"/>
-          </a:p>
-          <a:p>
-            <a:r>
-              <a:rPr lang="en-US" dirty="0" smtClean="0"/>
-              <a:t>If you answered "no", you are correct. In</a:t>
-            </a:r>
-            <a:r>
               <a:rPr lang="en-US" baseline="0" dirty="0" smtClean="0"/>
-              <a:t> a little while we</a:t>
-            </a:r>
-            <a:r>
-              <a:rPr lang="en-US" dirty="0" smtClean="0"/>
-              <a:t> will modify our recipe to address</a:t>
+              <a:t>Now run </a:t>
+            </a:r>
+            <a:r>
+              <a:rPr lang="en-US" dirty="0" smtClean="0"/>
+              <a:t>`kitchen list` from the ~/cookbooks/ssh directory. This command will tell you if you have a typo in your</a:t>
             </a:r>
             <a:r>
               <a:rPr lang="en-US" baseline="0" dirty="0" smtClean="0"/>
-              <a:t> the "</a:t>
-            </a:r>
-            <a:r>
-              <a:rPr lang="en-US" dirty="0" smtClean="0"/>
-              <a:t>Set the SSH protocol version to 2"</a:t>
-            </a:r>
-            <a:r>
-              <a:rPr lang="en-US" baseline="0" dirty="0" smtClean="0"/>
-              <a:t> issue.</a:t>
-            </a:r>
-          </a:p>
-          <a:p>
+              <a:t> `.</a:t>
+            </a:r>
+            <a:r>
+              <a:rPr lang="en-US" dirty="0" err="1" smtClean="0"/>
+              <a:t>kitchen.yml</a:t>
+            </a:r>
+            <a:r>
+              <a:rPr lang="en-US" smtClean="0"/>
+              <a:t>`.</a:t>
+            </a:r>
             <a:endParaRPr lang="en-US" baseline="0" dirty="0" smtClean="0"/>
           </a:p>
           <a:p>
-            <a:r>
-              <a:rPr lang="en-US" baseline="0" dirty="0" smtClean="0"/>
-              <a:t>But first, let's add an </a:t>
-            </a:r>
-            <a:r>
-              <a:rPr lang="en-US" baseline="0" dirty="0" err="1" smtClean="0"/>
-              <a:t>InSpec</a:t>
-            </a:r>
-            <a:r>
-              <a:rPr lang="en-US" baseline="0" dirty="0" smtClean="0"/>
-              <a:t> Verifier.</a:t>
-            </a:r>
-            <a:endParaRPr lang="en-US" dirty="0"/>
+            <a:endParaRPr lang="en-US" baseline="0" dirty="0" smtClean="0"/>
+          </a:p>
+          <a:p>
+            <a:endParaRPr lang="en-US" baseline="0" dirty="0" smtClean="0"/>
+          </a:p>
+          <a:p>
+            <a:endParaRPr lang="en-US" baseline="0" dirty="0" smtClean="0"/>
+          </a:p>
+          <a:p>
+            <a:endParaRPr lang="en-US" baseline="0" dirty="0" smtClean="0"/>
+          </a:p>
+          <a:p>
+            <a:endParaRPr lang="en-US" baseline="0" dirty="0" smtClean="0"/>
           </a:p>
         </p:txBody>
       </p:sp>
@@ -5357,7 +5052,7 @@
               <a:pPr>
                 <a:defRPr/>
               </a:pPr>
-              <a:t>39</a:t>
+              <a:t>37</a:t>
             </a:fld>
             <a:endParaRPr lang="en-US" dirty="0"/>
           </a:p>
@@ -5410,7 +5105,7 @@
     </p:spTree>
     <p:extLst>
       <p:ext uri="{BB962C8B-B14F-4D97-AF65-F5344CB8AC3E}">
-        <p14:creationId xmlns:p14="http://schemas.microsoft.com/office/powerpoint/2010/main" val="753225799"/>
+        <p14:creationId xmlns:p14="http://schemas.microsoft.com/office/powerpoint/2010/main" val="2150267368"/>
       </p:ext>
     </p:extLst>
   </p:cSld>
@@ -5464,7 +5159,249 @@
           <a:bodyPr/>
           <a:lstStyle/>
           <a:p>
-            <a:endParaRPr lang="en-US" dirty="0"/>
+            <a:r>
+              <a:rPr lang="en-US" baseline="0" dirty="0" smtClean="0"/>
+              <a:t>Now run </a:t>
+            </a:r>
+            <a:r>
+              <a:rPr lang="en-US" dirty="0" smtClean="0"/>
+              <a:t>`kitchen converge` from the ~/cookbooks/ssh directory. </a:t>
+            </a:r>
+          </a:p>
+          <a:p>
+            <a:endParaRPr lang="en-US" baseline="0" dirty="0" smtClean="0"/>
+          </a:p>
+          <a:p>
+            <a:r>
+              <a:rPr lang="en-US" dirty="0" smtClean="0"/>
+              <a:t>`kitchen converge` will:</a:t>
+            </a:r>
+          </a:p>
+          <a:p>
+            <a:endParaRPr lang="en-US" dirty="0" smtClean="0"/>
+          </a:p>
+          <a:p>
+            <a:pPr marL="171450" indent="-171450">
+              <a:buFont typeface="Arial" panose="020B0604020202020204" pitchFamily="34" charset="0"/>
+              <a:buChar char="•"/>
+            </a:pPr>
+            <a:r>
+              <a:rPr lang="en-US" dirty="0" smtClean="0"/>
+              <a:t>Launch a </a:t>
+            </a:r>
+            <a:r>
+              <a:rPr lang="en-US" dirty="0" err="1" smtClean="0"/>
+              <a:t>docker</a:t>
+            </a:r>
+            <a:r>
+              <a:rPr lang="en-US" dirty="0" smtClean="0"/>
+              <a:t> container.</a:t>
+            </a:r>
+          </a:p>
+          <a:p>
+            <a:pPr marL="171450" indent="-171450">
+              <a:buFont typeface="Arial" panose="020B0604020202020204" pitchFamily="34" charset="0"/>
+              <a:buChar char="•"/>
+            </a:pPr>
+            <a:r>
+              <a:rPr lang="en-US" dirty="0" smtClean="0"/>
+              <a:t>Place the cookbook into the </a:t>
+            </a:r>
+            <a:r>
+              <a:rPr lang="en-US" dirty="0" err="1" smtClean="0"/>
+              <a:t>docker</a:t>
+            </a:r>
+            <a:r>
+              <a:rPr lang="en-US" dirty="0" smtClean="0"/>
+              <a:t> container.</a:t>
+            </a:r>
+          </a:p>
+          <a:p>
+            <a:pPr marL="171450" marR="0" indent="-171450" algn="l" defTabSz="1217613" rtl="0" eaLnBrk="1" fontAlgn="base" latinLnBrk="0" hangingPunct="1">
+              <a:lnSpc>
+                <a:spcPct val="90000"/>
+              </a:lnSpc>
+              <a:spcBef>
+                <a:spcPct val="30000"/>
+              </a:spcBef>
+              <a:spcAft>
+                <a:spcPts val="450"/>
+              </a:spcAft>
+              <a:buClrTx/>
+              <a:buSzTx/>
+              <a:buFont typeface="Arial" panose="020B0604020202020204" pitchFamily="34" charset="0"/>
+              <a:buChar char="•"/>
+              <a:tabLst/>
+              <a:defRPr/>
+            </a:pPr>
+            <a:r>
+              <a:rPr lang="en-US" dirty="0" smtClean="0"/>
+              <a:t>Install chef-client in the </a:t>
+            </a:r>
+            <a:r>
+              <a:rPr lang="en-US" dirty="0" err="1" smtClean="0"/>
+              <a:t>docker</a:t>
+            </a:r>
+            <a:r>
+              <a:rPr lang="en-US" dirty="0" smtClean="0"/>
+              <a:t> container.</a:t>
+            </a:r>
+          </a:p>
+          <a:p>
+            <a:pPr marL="171450" marR="0" indent="-171450" algn="l" defTabSz="1217613" rtl="0" eaLnBrk="1" fontAlgn="base" latinLnBrk="0" hangingPunct="1">
+              <a:lnSpc>
+                <a:spcPct val="90000"/>
+              </a:lnSpc>
+              <a:spcBef>
+                <a:spcPct val="30000"/>
+              </a:spcBef>
+              <a:spcAft>
+                <a:spcPts val="450"/>
+              </a:spcAft>
+              <a:buClrTx/>
+              <a:buSzTx/>
+              <a:buFont typeface="Arial" panose="020B0604020202020204" pitchFamily="34" charset="0"/>
+              <a:buChar char="•"/>
+              <a:tabLst/>
+              <a:defRPr/>
+            </a:pPr>
+            <a:r>
+              <a:rPr lang="en-US" dirty="0" smtClean="0"/>
+              <a:t>Run chef</a:t>
+            </a:r>
+            <a:r>
+              <a:rPr lang="en-US" baseline="0" dirty="0" smtClean="0"/>
+              <a:t> zero (i.e., chef-client in local mode) across the client recipe.</a:t>
+            </a:r>
+          </a:p>
+          <a:p>
+            <a:pPr marL="171450" marR="0" indent="-171450" algn="l" defTabSz="1217613" rtl="0" eaLnBrk="1" fontAlgn="base" latinLnBrk="0" hangingPunct="1">
+              <a:lnSpc>
+                <a:spcPct val="90000"/>
+              </a:lnSpc>
+              <a:spcBef>
+                <a:spcPct val="30000"/>
+              </a:spcBef>
+              <a:spcAft>
+                <a:spcPts val="450"/>
+              </a:spcAft>
+              <a:buClrTx/>
+              <a:buSzTx/>
+              <a:buFont typeface="Arial" panose="020B0604020202020204" pitchFamily="34" charset="0"/>
+              <a:buChar char="•"/>
+              <a:tabLst/>
+              <a:defRPr/>
+            </a:pPr>
+            <a:endParaRPr lang="en-US" baseline="0" dirty="0" smtClean="0"/>
+          </a:p>
+          <a:p>
+            <a:pPr marL="0" marR="0" indent="0" algn="l" defTabSz="1217613" rtl="0" eaLnBrk="1" fontAlgn="base" latinLnBrk="0" hangingPunct="1">
+              <a:lnSpc>
+                <a:spcPct val="90000"/>
+              </a:lnSpc>
+              <a:spcBef>
+                <a:spcPct val="30000"/>
+              </a:spcBef>
+              <a:spcAft>
+                <a:spcPts val="450"/>
+              </a:spcAft>
+              <a:buClrTx/>
+              <a:buSzTx/>
+              <a:buFont typeface="Arial" panose="020B0604020202020204" pitchFamily="34" charset="0"/>
+              <a:buNone/>
+              <a:tabLst/>
+              <a:defRPr/>
+            </a:pPr>
+            <a:r>
+              <a:rPr lang="en-US" baseline="0" dirty="0" smtClean="0"/>
+              <a:t>The end result will be that it should write out the </a:t>
+            </a:r>
+            <a:r>
+              <a:rPr lang="en-US" baseline="0" dirty="0" err="1" smtClean="0"/>
+              <a:t>ssh_conf</a:t>
+            </a:r>
+            <a:r>
+              <a:rPr lang="en-US" baseline="0" dirty="0" smtClean="0"/>
+              <a:t> to the appropriate location (i.e</a:t>
+            </a:r>
+            <a:r>
+              <a:rPr lang="en-US" b="0" baseline="0" dirty="0" smtClean="0"/>
+              <a:t>., /etc/ssh/</a:t>
+            </a:r>
+            <a:r>
+              <a:rPr lang="en-US" b="0" baseline="0" dirty="0" err="1" smtClean="0"/>
+              <a:t>ssh_config</a:t>
+            </a:r>
+            <a:r>
+              <a:rPr lang="en-US" b="0" baseline="0" dirty="0" smtClean="0"/>
+              <a:t>).</a:t>
+            </a:r>
+          </a:p>
+          <a:p>
+            <a:pPr marL="0" marR="0" indent="0" algn="l" defTabSz="1217613" rtl="0" eaLnBrk="1" fontAlgn="base" latinLnBrk="0" hangingPunct="1">
+              <a:lnSpc>
+                <a:spcPct val="90000"/>
+              </a:lnSpc>
+              <a:spcBef>
+                <a:spcPct val="30000"/>
+              </a:spcBef>
+              <a:spcAft>
+                <a:spcPts val="450"/>
+              </a:spcAft>
+              <a:buClrTx/>
+              <a:buSzTx/>
+              <a:buFont typeface="Arial" panose="020B0604020202020204" pitchFamily="34" charset="0"/>
+              <a:buNone/>
+              <a:tabLst/>
+              <a:defRPr/>
+            </a:pPr>
+            <a:endParaRPr lang="en-US" b="0" baseline="0" dirty="0" smtClean="0"/>
+          </a:p>
+          <a:p>
+            <a:pPr marL="0" marR="0" indent="0" algn="l" defTabSz="1217613" rtl="0" eaLnBrk="1" fontAlgn="base" latinLnBrk="0" hangingPunct="1">
+              <a:lnSpc>
+                <a:spcPct val="90000"/>
+              </a:lnSpc>
+              <a:spcBef>
+                <a:spcPct val="30000"/>
+              </a:spcBef>
+              <a:spcAft>
+                <a:spcPts val="450"/>
+              </a:spcAft>
+              <a:buClrTx/>
+              <a:buSzTx/>
+              <a:buFont typeface="Arial" panose="020B0604020202020204" pitchFamily="34" charset="0"/>
+              <a:buNone/>
+              <a:tabLst/>
+              <a:defRPr/>
+            </a:pPr>
+            <a:r>
+              <a:rPr lang="en-US" b="0" baseline="0" dirty="0" smtClean="0"/>
+              <a:t>It could take a couple minutes or so for this command to complete.</a:t>
+            </a:r>
+            <a:endParaRPr lang="en-US" b="0" dirty="0" smtClean="0"/>
+          </a:p>
+          <a:p>
+            <a:pPr marL="171450" indent="-171450">
+              <a:buFont typeface="Arial" panose="020B0604020202020204" pitchFamily="34" charset="0"/>
+              <a:buChar char="•"/>
+            </a:pPr>
+            <a:endParaRPr lang="en-US" baseline="0" dirty="0" smtClean="0"/>
+          </a:p>
+          <a:p>
+            <a:endParaRPr lang="en-US" baseline="0" dirty="0" smtClean="0"/>
+          </a:p>
+          <a:p>
+            <a:endParaRPr lang="en-US" baseline="0" dirty="0" smtClean="0"/>
+          </a:p>
+          <a:p>
+            <a:endParaRPr lang="en-US" baseline="0" dirty="0" smtClean="0"/>
+          </a:p>
+          <a:p>
+            <a:endParaRPr lang="en-US" baseline="0" dirty="0" smtClean="0"/>
+          </a:p>
+          <a:p>
+            <a:endParaRPr lang="en-US" baseline="0" dirty="0" smtClean="0"/>
           </a:p>
         </p:txBody>
       </p:sp>
@@ -5491,7 +5428,7 @@
               <a:pPr>
                 <a:defRPr/>
               </a:pPr>
-              <a:t>40</a:t>
+              <a:t>38</a:t>
             </a:fld>
             <a:endParaRPr lang="en-US" dirty="0"/>
           </a:p>
@@ -5544,7 +5481,7 @@
     </p:spTree>
     <p:extLst>
       <p:ext uri="{BB962C8B-B14F-4D97-AF65-F5344CB8AC3E}">
-        <p14:creationId xmlns:p14="http://schemas.microsoft.com/office/powerpoint/2010/main" val="3651809373"/>
+        <p14:creationId xmlns:p14="http://schemas.microsoft.com/office/powerpoint/2010/main" val="1087261345"/>
       </p:ext>
     </p:extLst>
   </p:cSld>
@@ -5598,6 +5535,74 @@
           <a:bodyPr/>
           <a:lstStyle/>
           <a:p>
+            <a:r>
+              <a:rPr lang="en-US" dirty="0" smtClean="0"/>
+              <a:t>In the preceding exercises we began writing a remediation recipe on our target node.</a:t>
+            </a:r>
+          </a:p>
+          <a:p>
+            <a:endParaRPr lang="en-US" dirty="0" smtClean="0"/>
+          </a:p>
+          <a:p>
+            <a:r>
+              <a:rPr lang="en-US" dirty="0" smtClean="0"/>
+              <a:t>We also tested the recipe with Test Kitchen.</a:t>
+            </a:r>
+          </a:p>
+          <a:p>
+            <a:endParaRPr lang="en-US" dirty="0" smtClean="0"/>
+          </a:p>
+          <a:p>
+            <a:r>
+              <a:rPr lang="en-US" dirty="0" smtClean="0"/>
+              <a:t>But have we even addressed the "Set the SSH protocol version to 2" issue?</a:t>
+            </a:r>
+          </a:p>
+          <a:p>
+            <a:endParaRPr lang="en-US" dirty="0" smtClean="0"/>
+          </a:p>
+          <a:p>
+            <a:r>
+              <a:rPr lang="en-US" dirty="0" smtClean="0"/>
+              <a:t>If you answered "no", you are correct. In</a:t>
+            </a:r>
+            <a:r>
+              <a:rPr lang="en-US" baseline="0" dirty="0" smtClean="0"/>
+              <a:t> a little while we</a:t>
+            </a:r>
+            <a:r>
+              <a:rPr lang="en-US" dirty="0" smtClean="0"/>
+              <a:t> will modify our recipe to address</a:t>
+            </a:r>
+            <a:r>
+              <a:rPr lang="en-US" baseline="0" dirty="0" smtClean="0"/>
+              <a:t> the "</a:t>
+            </a:r>
+            <a:r>
+              <a:rPr lang="en-US" dirty="0" smtClean="0"/>
+              <a:t>Set the SSH protocol version to 2"</a:t>
+            </a:r>
+            <a:r>
+              <a:rPr lang="en-US" baseline="0" dirty="0" smtClean="0"/>
+              <a:t> issue.</a:t>
+            </a:r>
+          </a:p>
+          <a:p>
+            <a:endParaRPr lang="en-US" baseline="0" dirty="0" smtClean="0"/>
+          </a:p>
+          <a:p>
+            <a:r>
+              <a:rPr lang="en-US" baseline="0" dirty="0" smtClean="0"/>
+              <a:t>But first, let's add an </a:t>
+            </a:r>
+            <a:r>
+              <a:rPr lang="en-US" baseline="0" dirty="0" err="1" smtClean="0"/>
+              <a:t>InSpec</a:t>
+            </a:r>
+            <a:r>
+              <a:rPr lang="en-US" baseline="0" dirty="0" smtClean="0"/>
+              <a:t> Verifier.</a:t>
+            </a:r>
             <a:endParaRPr lang="en-US" dirty="0"/>
           </a:p>
         </p:txBody>
@@ -5625,7 +5630,7 @@
               <a:pPr>
                 <a:defRPr/>
               </a:pPr>
-              <a:t>41</a:t>
+              <a:t>39</a:t>
             </a:fld>
             <a:endParaRPr lang="en-US" dirty="0"/>
           </a:p>
@@ -5678,7 +5683,7 @@
     </p:spTree>
     <p:extLst>
       <p:ext uri="{BB962C8B-B14F-4D97-AF65-F5344CB8AC3E}">
-        <p14:creationId xmlns:p14="http://schemas.microsoft.com/office/powerpoint/2010/main" val="1838538428"/>
+        <p14:creationId xmlns:p14="http://schemas.microsoft.com/office/powerpoint/2010/main" val="753225799"/>
       </p:ext>
     </p:extLst>
   </p:cSld>
@@ -5759,7 +5764,7 @@
               <a:pPr>
                 <a:defRPr/>
               </a:pPr>
-              <a:t>42</a:t>
+              <a:t>40</a:t>
             </a:fld>
             <a:endParaRPr lang="en-US" dirty="0"/>
           </a:p>
@@ -5812,7 +5817,7 @@
     </p:spTree>
     <p:extLst>
       <p:ext uri="{BB962C8B-B14F-4D97-AF65-F5344CB8AC3E}">
-        <p14:creationId xmlns:p14="http://schemas.microsoft.com/office/powerpoint/2010/main" val="2201971819"/>
+        <p14:creationId xmlns:p14="http://schemas.microsoft.com/office/powerpoint/2010/main" val="3651809373"/>
       </p:ext>
     </p:extLst>
   </p:cSld>
@@ -5866,29 +5871,6 @@
           <a:bodyPr/>
           <a:lstStyle/>
           <a:p>
-            <a:pPr marL="0" marR="0" indent="0" algn="l" defTabSz="1217613" rtl="0" eaLnBrk="1" fontAlgn="base" latinLnBrk="0" hangingPunct="1">
-              <a:lnSpc>
-                <a:spcPct val="90000"/>
-              </a:lnSpc>
-              <a:spcBef>
-                <a:spcPct val="30000"/>
-              </a:spcBef>
-              <a:spcAft>
-                <a:spcPts val="450"/>
-              </a:spcAft>
-              <a:buClrTx/>
-              <a:buSzTx/>
-              <a:buFontTx/>
-              <a:buNone/>
-              <a:tabLst/>
-              <a:defRPr/>
-            </a:pPr>
-            <a:r>
-              <a:rPr lang="en-US" dirty="0" smtClean="0"/>
-              <a:t>See the following slide for an example of a handy way to populate this file.</a:t>
-            </a:r>
-          </a:p>
-          <a:p>
             <a:endParaRPr lang="en-US" dirty="0"/>
           </a:p>
         </p:txBody>
@@ -5916,7 +5898,7 @@
               <a:pPr>
                 <a:defRPr/>
               </a:pPr>
-              <a:t>43</a:t>
+              <a:t>41</a:t>
             </a:fld>
             <a:endParaRPr lang="en-US" dirty="0"/>
           </a:p>
@@ -5969,7 +5951,7 @@
     </p:spTree>
     <p:extLst>
       <p:ext uri="{BB962C8B-B14F-4D97-AF65-F5344CB8AC3E}">
-        <p14:creationId xmlns:p14="http://schemas.microsoft.com/office/powerpoint/2010/main" val="2659342432"/>
+        <p14:creationId xmlns:p14="http://schemas.microsoft.com/office/powerpoint/2010/main" val="1838538428"/>
       </p:ext>
     </p:extLst>
   </p:cSld>
@@ -6023,60 +6005,6 @@
           <a:bodyPr/>
           <a:lstStyle/>
           <a:p>
-            <a:pPr marL="0" marR="0" indent="0" algn="l" defTabSz="1217613" rtl="0" eaLnBrk="1" fontAlgn="base" latinLnBrk="0" hangingPunct="1">
-              <a:lnSpc>
-                <a:spcPct val="90000"/>
-              </a:lnSpc>
-              <a:spcBef>
-                <a:spcPct val="30000"/>
-              </a:spcBef>
-              <a:spcAft>
-                <a:spcPts val="450"/>
-              </a:spcAft>
-              <a:buClrTx/>
-              <a:buSzTx/>
-              <a:buFontTx/>
-              <a:buNone/>
-              <a:tabLst/>
-              <a:defRPr/>
-            </a:pPr>
-            <a:r>
-              <a:rPr lang="en-US" dirty="0" smtClean="0"/>
-              <a:t>One handy way to populate the preceding `</a:t>
-            </a:r>
-            <a:r>
-              <a:rPr lang="en-US" dirty="0" err="1" smtClean="0"/>
-              <a:t>client_spec.rb</a:t>
-            </a:r>
-            <a:r>
-              <a:rPr lang="en-US" dirty="0" smtClean="0"/>
-              <a:t>' is to use the Compliance Web UI and copy the </a:t>
-            </a:r>
-            <a:r>
-              <a:rPr lang="en-US" dirty="0" err="1" smtClean="0"/>
-              <a:t>InSpec</a:t>
-            </a:r>
-            <a:r>
-              <a:rPr lang="en-US" dirty="0" smtClean="0"/>
-              <a:t> control code found in the relevant Compliance profile. </a:t>
-            </a:r>
-          </a:p>
-          <a:p>
-            <a:endParaRPr lang="en-US" dirty="0" smtClean="0"/>
-          </a:p>
-          <a:p>
-            <a:r>
-              <a:rPr lang="en-US" dirty="0" smtClean="0"/>
-              <a:t>Then you can paste it into the `</a:t>
-            </a:r>
-            <a:r>
-              <a:rPr lang="en-US" dirty="0" err="1" smtClean="0"/>
-              <a:t>client_spec.rb</a:t>
-            </a:r>
-            <a:r>
-              <a:rPr lang="en-US" dirty="0" smtClean="0"/>
-              <a:t>' file to save yourself some typing.</a:t>
-            </a:r>
             <a:endParaRPr lang="en-US" dirty="0"/>
           </a:p>
         </p:txBody>
@@ -6104,7 +6032,7 @@
               <a:pPr>
                 <a:defRPr/>
               </a:pPr>
-              <a:t>44</a:t>
+              <a:t>42</a:t>
             </a:fld>
             <a:endParaRPr lang="en-US" dirty="0"/>
           </a:p>
@@ -6157,7 +6085,7 @@
     </p:spTree>
     <p:extLst>
       <p:ext uri="{BB962C8B-B14F-4D97-AF65-F5344CB8AC3E}">
-        <p14:creationId xmlns:p14="http://schemas.microsoft.com/office/powerpoint/2010/main" val="3465403761"/>
+        <p14:creationId xmlns:p14="http://schemas.microsoft.com/office/powerpoint/2010/main" val="2201971819"/>
       </p:ext>
     </p:extLst>
   </p:cSld>
@@ -6230,125 +6158,8 @@
             </a:pPr>
             <a:r>
               <a:rPr lang="en-US" dirty="0" smtClean="0"/>
-              <a:t>Edit ~/cookbooks/ssh/.</a:t>
-            </a:r>
-            <a:r>
-              <a:rPr lang="en-US" dirty="0" err="1" smtClean="0"/>
-              <a:t>kitchen.yml</a:t>
-            </a:r>
-            <a:r>
-              <a:rPr lang="en-US" dirty="0" smtClean="0"/>
-              <a:t> and uncomment the `verifier` and `name: </a:t>
-            </a:r>
-            <a:r>
-              <a:rPr lang="en-US" dirty="0" err="1" smtClean="0"/>
-              <a:t>inspec</a:t>
-            </a:r>
-            <a:r>
-              <a:rPr lang="en-US" dirty="0" smtClean="0"/>
-              <a:t>'</a:t>
-            </a:r>
-            <a:r>
-              <a:rPr lang="en-US" baseline="0" dirty="0" smtClean="0"/>
-              <a:t> lines.</a:t>
-            </a:r>
-          </a:p>
-          <a:p>
-            <a:endParaRPr lang="en-US" sz="1200" b="1" dirty="0" smtClean="0"/>
-          </a:p>
-          <a:p>
-            <a:r>
-              <a:rPr lang="en-US" sz="1200" b="0" dirty="0" smtClean="0"/>
-              <a:t>verifier:</a:t>
-            </a:r>
-          </a:p>
-          <a:p>
-            <a:r>
-              <a:rPr lang="en-US" sz="1200" b="0" dirty="0" smtClean="0"/>
-              <a:t> name: </a:t>
-            </a:r>
-            <a:r>
-              <a:rPr lang="en-US" sz="1200" b="0" dirty="0" err="1" smtClean="0"/>
-              <a:t>inspec</a:t>
-            </a:r>
-            <a:endParaRPr lang="en-US" sz="1200" b="0" dirty="0" smtClean="0"/>
-          </a:p>
-          <a:p>
-            <a:endParaRPr lang="en-US" sz="1200" b="0" dirty="0" smtClean="0"/>
-          </a:p>
-          <a:p>
-            <a:r>
-              <a:rPr lang="en-US" sz="1200" b="1" dirty="0" smtClean="0"/>
-              <a:t>Note</a:t>
-            </a:r>
-            <a:r>
-              <a:rPr lang="en-US" sz="1200" b="0" dirty="0" smtClean="0"/>
-              <a:t>: Be sure to remove any extra</a:t>
-            </a:r>
-            <a:r>
-              <a:rPr lang="en-US" sz="1200" b="0" baseline="0" dirty="0" smtClean="0"/>
-              <a:t> spaces that may precede `verifier`.</a:t>
-            </a:r>
-          </a:p>
-          <a:p>
-            <a:pPr marL="0" marR="0" indent="0" algn="l" defTabSz="1217613" rtl="0" eaLnBrk="1" fontAlgn="base" latinLnBrk="0" hangingPunct="1">
-              <a:lnSpc>
-                <a:spcPct val="90000"/>
-              </a:lnSpc>
-              <a:spcBef>
-                <a:spcPct val="30000"/>
-              </a:spcBef>
-              <a:spcAft>
-                <a:spcPts val="450"/>
-              </a:spcAft>
-              <a:buClrTx/>
-              <a:buSzTx/>
-              <a:buFontTx/>
-              <a:buNone/>
-              <a:tabLst/>
-              <a:defRPr/>
-            </a:pPr>
-            <a:endParaRPr lang="en-US" sz="1200" b="0" baseline="0" dirty="0" smtClean="0"/>
-          </a:p>
-          <a:p>
-            <a:pPr marL="0" marR="0" indent="0" algn="l" defTabSz="1217613" rtl="0" eaLnBrk="1" fontAlgn="base" latinLnBrk="0" hangingPunct="1">
-              <a:lnSpc>
-                <a:spcPct val="90000"/>
-              </a:lnSpc>
-              <a:spcBef>
-                <a:spcPct val="30000"/>
-              </a:spcBef>
-              <a:spcAft>
-                <a:spcPts val="450"/>
-              </a:spcAft>
-              <a:buClrTx/>
-              <a:buSzTx/>
-              <a:buFontTx/>
-              <a:buNone/>
-              <a:tabLst/>
-              <a:defRPr/>
-            </a:pPr>
-            <a:endParaRPr lang="nl-NL" dirty="0" smtClean="0"/>
-          </a:p>
-          <a:p>
-            <a:pPr marL="0" marR="0" indent="0" algn="l" defTabSz="1217613" rtl="0" eaLnBrk="1" fontAlgn="base" latinLnBrk="0" hangingPunct="1">
-              <a:lnSpc>
-                <a:spcPct val="90000"/>
-              </a:lnSpc>
-              <a:spcBef>
-                <a:spcPct val="30000"/>
-              </a:spcBef>
-              <a:spcAft>
-                <a:spcPts val="450"/>
-              </a:spcAft>
-              <a:buClrTx/>
-              <a:buSzTx/>
-              <a:buFontTx/>
-              <a:buNone/>
-              <a:tabLst/>
-              <a:defRPr/>
-            </a:pPr>
-            <a:endParaRPr lang="en-US" dirty="0" smtClean="0"/>
+              <a:t>See the following slide for an example of a handy way to populate this file.</a:t>
+            </a:r>
           </a:p>
           <a:p>
             <a:endParaRPr lang="en-US" dirty="0"/>
@@ -6378,7 +6189,7 @@
               <a:pPr>
                 <a:defRPr/>
               </a:pPr>
-              <a:t>45</a:t>
+              <a:t>43</a:t>
             </a:fld>
             <a:endParaRPr lang="en-US" dirty="0"/>
           </a:p>
@@ -6431,7 +6242,7 @@
     </p:spTree>
     <p:extLst>
       <p:ext uri="{BB962C8B-B14F-4D97-AF65-F5344CB8AC3E}">
-        <p14:creationId xmlns:p14="http://schemas.microsoft.com/office/powerpoint/2010/main" val="3214270224"/>
+        <p14:creationId xmlns:p14="http://schemas.microsoft.com/office/powerpoint/2010/main" val="2659342432"/>
       </p:ext>
     </p:extLst>
   </p:cSld>
@@ -6504,117 +6315,40 @@
             </a:pPr>
             <a:r>
               <a:rPr lang="en-US" dirty="0" smtClean="0"/>
-              <a:t>Ensure you are in</a:t>
-            </a:r>
-            <a:r>
-              <a:rPr lang="en-US" baseline="0" dirty="0" smtClean="0"/>
-              <a:t> </a:t>
-            </a:r>
-            <a:r>
-              <a:rPr lang="en-US" dirty="0" smtClean="0"/>
-              <a:t>~/cookbooks/ssh</a:t>
-            </a:r>
-            <a:r>
-              <a:rPr lang="en-US" baseline="0" dirty="0" smtClean="0"/>
-              <a:t> and run `kitchen verify`.</a:t>
-            </a:r>
-          </a:p>
-          <a:p>
-            <a:pPr marL="0" marR="0" indent="0" algn="l" defTabSz="1217613" rtl="0" eaLnBrk="1" fontAlgn="base" latinLnBrk="0" hangingPunct="1">
-              <a:lnSpc>
-                <a:spcPct val="90000"/>
-              </a:lnSpc>
-              <a:spcBef>
-                <a:spcPct val="30000"/>
-              </a:spcBef>
-              <a:spcAft>
-                <a:spcPts val="450"/>
-              </a:spcAft>
-              <a:buClrTx/>
-              <a:buSzTx/>
-              <a:buFontTx/>
-              <a:buNone/>
-              <a:tabLst/>
-              <a:defRPr/>
-            </a:pPr>
-            <a:endParaRPr lang="en-US" baseline="0" dirty="0" smtClean="0"/>
-          </a:p>
-          <a:p>
-            <a:pPr marL="0" marR="0" indent="0" algn="l" defTabSz="1217613" rtl="0" eaLnBrk="1" fontAlgn="base" latinLnBrk="0" hangingPunct="1">
-              <a:lnSpc>
-                <a:spcPct val="90000"/>
-              </a:lnSpc>
-              <a:spcBef>
-                <a:spcPct val="30000"/>
-              </a:spcBef>
-              <a:spcAft>
-                <a:spcPts val="450"/>
-              </a:spcAft>
-              <a:buClrTx/>
-              <a:buSzTx/>
-              <a:buFontTx/>
-              <a:buNone/>
-              <a:tabLst/>
-              <a:defRPr/>
-            </a:pPr>
-            <a:r>
-              <a:rPr lang="en-US" baseline="0" dirty="0" err="1" smtClean="0"/>
+              <a:t>One handy way to populate the preceding `</a:t>
+            </a:r>
+            <a:r>
+              <a:rPr lang="en-US" dirty="0" err="1" smtClean="0"/>
+              <a:t>client_spec.rb</a:t>
+            </a:r>
+            <a:r>
+              <a:rPr lang="en-US" dirty="0" smtClean="0"/>
+              <a:t>' is to use the Compliance Web UI and copy the </a:t>
+            </a:r>
+            <a:r>
+              <a:rPr lang="en-US" dirty="0" err="1" smtClean="0"/>
               <a:t>InSpec</a:t>
             </a:r>
             <a:r>
-              <a:rPr lang="en-US" baseline="0" dirty="0" smtClean="0"/>
-              <a:t> verifier does not work with kitchen </a:t>
-            </a:r>
-            <a:r>
-              <a:rPr lang="en-US" baseline="0" dirty="0" err="1" smtClean="0"/>
-              <a:t>docker</a:t>
-            </a:r>
-            <a:r>
-              <a:rPr lang="en-US" baseline="0" dirty="0" smtClean="0"/>
-              <a:t> so we'll look at that issue in a moment.</a:t>
-            </a:r>
-          </a:p>
-          <a:p>
-            <a:pPr marL="0" marR="0" indent="0" algn="l" defTabSz="1217613" rtl="0" eaLnBrk="1" fontAlgn="base" latinLnBrk="0" hangingPunct="1">
-              <a:lnSpc>
-                <a:spcPct val="90000"/>
-              </a:lnSpc>
-              <a:spcBef>
-                <a:spcPct val="30000"/>
-              </a:spcBef>
-              <a:spcAft>
-                <a:spcPts val="450"/>
-              </a:spcAft>
-              <a:buClrTx/>
-              <a:buSzTx/>
-              <a:buFontTx/>
-              <a:buNone/>
-              <a:tabLst/>
-              <a:defRPr/>
-            </a:pPr>
-            <a:endParaRPr lang="en-US" baseline="0" dirty="0" smtClean="0"/>
-          </a:p>
-          <a:p>
-            <a:pPr marL="0" marR="0" indent="0" algn="l" defTabSz="1217613" rtl="0" eaLnBrk="1" fontAlgn="base" latinLnBrk="0" hangingPunct="1">
-              <a:lnSpc>
-                <a:spcPct val="90000"/>
-              </a:lnSpc>
-              <a:spcBef>
-                <a:spcPct val="30000"/>
-              </a:spcBef>
-              <a:spcAft>
-                <a:spcPts val="450"/>
-              </a:spcAft>
-              <a:buClrTx/>
-              <a:buSzTx/>
-              <a:buFontTx/>
-              <a:buNone/>
-              <a:tabLst/>
-              <a:defRPr/>
-            </a:pPr>
-            <a:r>
-              <a:rPr lang="en-US" baseline="0" dirty="0" smtClean="0"/>
-              <a:t>TBD explain the output </a:t>
+              <a:rPr lang="en-US" dirty="0" smtClean="0"/>
+              <a:t> control code found in the relevant Compliance profile. </a:t>
+            </a:r>
+          </a:p>
+          <a:p>
+            <a:endParaRPr lang="en-US" dirty="0" smtClean="0"/>
+          </a:p>
+          <a:p>
+            <a:r>
+              <a:rPr lang="en-US" dirty="0" smtClean="0"/>
+              <a:t>Then you can paste it into the `</a:t>
+            </a:r>
+            <a:r>
+              <a:rPr lang="en-US" dirty="0" err="1" smtClean="0"/>
+              <a:t>client_spec.rb</a:t>
+            </a:r>
+            <a:r>
+              <a:rPr lang="en-US" dirty="0" smtClean="0"/>
+              <a:t>' file to save yourself some typing.</a:t>
             </a:r>
             <a:endParaRPr lang="en-US" dirty="0"/>
           </a:p>
@@ -6643,7 +6377,7 @@
               <a:pPr>
                 <a:defRPr/>
               </a:pPr>
-              <a:t>46</a:t>
+              <a:t>44</a:t>
             </a:fld>
             <a:endParaRPr lang="en-US" dirty="0"/>
           </a:p>
@@ -6696,7 +6430,7 @@
     </p:spTree>
     <p:extLst>
       <p:ext uri="{BB962C8B-B14F-4D97-AF65-F5344CB8AC3E}">
-        <p14:creationId xmlns:p14="http://schemas.microsoft.com/office/powerpoint/2010/main" val="232547243"/>
+        <p14:creationId xmlns:p14="http://schemas.microsoft.com/office/powerpoint/2010/main" val="3465403761"/>
       </p:ext>
     </p:extLst>
   </p:cSld>
@@ -6750,37 +6484,6 @@
           <a:bodyPr/>
           <a:lstStyle/>
           <a:p>
-            <a:r>
-              <a:rPr lang="en-US" dirty="0" smtClean="0"/>
-              <a:t>Be sure you are using the hostname of</a:t>
-            </a:r>
-            <a:r>
-              <a:rPr lang="en-US" baseline="0" dirty="0" smtClean="0"/>
-              <a:t> the target node that you noted previously in class.</a:t>
-            </a:r>
-            <a:endParaRPr lang="en-US" dirty="0" smtClean="0"/>
-          </a:p>
-          <a:p>
-            <a:endParaRPr lang="en-US" dirty="0" smtClean="0"/>
-          </a:p>
-          <a:p>
-            <a:r>
-              <a:rPr lang="en-US" dirty="0" smtClean="0"/>
-              <a:t>In the workplace, the</a:t>
-            </a:r>
-            <a:r>
-              <a:rPr lang="en-US" baseline="0" dirty="0" smtClean="0"/>
-              <a:t> target node's username and password will likely be different than shown in this example.</a:t>
-            </a:r>
-          </a:p>
-          <a:p>
-            <a:endParaRPr lang="en-US" baseline="0" dirty="0" smtClean="0"/>
-          </a:p>
-          <a:p>
-            <a:r>
-              <a:rPr lang="en-US" baseline="0" dirty="0" smtClean="0"/>
-              <a:t>We'll discuss using key pair access later in the module.</a:t>
-            </a:r>
             <a:endParaRPr lang="en-US" dirty="0"/>
           </a:p>
         </p:txBody>
@@ -6808,7 +6511,7 @@
               <a:pPr>
                 <a:defRPr/>
               </a:pPr>
-              <a:t>6</a:t>
+              <a:t>5</a:t>
             </a:fld>
             <a:endParaRPr lang="en-US" dirty="0"/>
           </a:p>
@@ -6861,7 +6564,7 @@
     </p:spTree>
     <p:extLst>
       <p:ext uri="{BB962C8B-B14F-4D97-AF65-F5344CB8AC3E}">
-        <p14:creationId xmlns:p14="http://schemas.microsoft.com/office/powerpoint/2010/main" val="1824773967"/>
+        <p14:creationId xmlns:p14="http://schemas.microsoft.com/office/powerpoint/2010/main" val="2728525807"/>
       </p:ext>
     </p:extLst>
   </p:cSld>
@@ -6942,7 +6645,7 @@
               <a:pPr>
                 <a:defRPr/>
               </a:pPr>
-              <a:t>47</a:t>
+              <a:t>45</a:t>
             </a:fld>
             <a:endParaRPr lang="en-US" dirty="0"/>
           </a:p>
@@ -7191,7 +6894,7 @@
               <a:pPr>
                 <a:defRPr/>
               </a:pPr>
-              <a:t>48</a:t>
+              <a:t>46</a:t>
             </a:fld>
             <a:endParaRPr lang="en-US" dirty="0"/>
           </a:p>
@@ -7777,7 +7480,7 @@
               <a:pPr>
                 <a:defRPr/>
               </a:pPr>
-              <a:t>49</a:t>
+              <a:t>47</a:t>
             </a:fld>
             <a:endParaRPr lang="en-US" dirty="0"/>
           </a:p>
@@ -7989,7 +7692,7 @@
               <a:pPr>
                 <a:defRPr/>
               </a:pPr>
-              <a:t>50</a:t>
+              <a:t>48</a:t>
             </a:fld>
             <a:endParaRPr lang="en-US" dirty="0"/>
           </a:p>
@@ -8154,7 +7857,7 @@
               <a:pPr>
                 <a:defRPr/>
               </a:pPr>
-              <a:t>51</a:t>
+              <a:t>49</a:t>
             </a:fld>
             <a:endParaRPr lang="en-US" dirty="0"/>
           </a:p>
@@ -8305,7 +8008,7 @@
               <a:pPr>
                 <a:defRPr/>
               </a:pPr>
-              <a:t>52</a:t>
+              <a:t>50</a:t>
             </a:fld>
             <a:endParaRPr lang="en-US" dirty="0"/>
           </a:p>
@@ -8933,7 +8636,7 @@
               <a:pPr>
                 <a:defRPr/>
               </a:pPr>
-              <a:t>53</a:t>
+              <a:t>51</a:t>
             </a:fld>
             <a:endParaRPr lang="en-US" dirty="0"/>
           </a:p>
@@ -9038,7 +8741,7 @@
         <p:spPr/>
         <p:txBody>
           <a:bodyPr>
-            <a:normAutofit fontScale="25000" lnSpcReduction="20000"/>
+            <a:normAutofit/>
           </a:bodyPr>
           <a:lstStyle/>
           <a:p>
@@ -9081,7 +8784,7 @@
               <a:pPr>
                 <a:defRPr/>
               </a:pPr>
-              <a:t>54</a:t>
+              <a:t>52</a:t>
             </a:fld>
             <a:endParaRPr lang="en-US" dirty="0"/>
           </a:p>
@@ -9337,7 +9040,7 @@
               <a:pPr>
                 <a:defRPr/>
               </a:pPr>
-              <a:t>55</a:t>
+              <a:t>53</a:t>
             </a:fld>
             <a:endParaRPr lang="en-US" dirty="0"/>
           </a:p>
@@ -9488,7 +9191,7 @@
               <a:pPr>
                 <a:defRPr/>
               </a:pPr>
-              <a:t>56</a:t>
+              <a:t>54</a:t>
             </a:fld>
             <a:endParaRPr lang="en-US" dirty="0"/>
           </a:p>
@@ -9595,6 +9298,37 @@
           <a:bodyPr/>
           <a:lstStyle/>
           <a:p>
+            <a:r>
+              <a:rPr lang="en-US" dirty="0" smtClean="0"/>
+              <a:t>Be sure you are using the hostname of</a:t>
+            </a:r>
+            <a:r>
+              <a:rPr lang="en-US" baseline="0" dirty="0" smtClean="0"/>
+              <a:t> the target node that you noted previously in class.</a:t>
+            </a:r>
+            <a:endParaRPr lang="en-US" dirty="0" smtClean="0"/>
+          </a:p>
+          <a:p>
+            <a:endParaRPr lang="en-US" dirty="0" smtClean="0"/>
+          </a:p>
+          <a:p>
+            <a:r>
+              <a:rPr lang="en-US" dirty="0" smtClean="0"/>
+              <a:t>In the workplace, the</a:t>
+            </a:r>
+            <a:r>
+              <a:rPr lang="en-US" baseline="0" dirty="0" smtClean="0"/>
+              <a:t> target node's username and password will likely be different than shown in this example.</a:t>
+            </a:r>
+          </a:p>
+          <a:p>
+            <a:endParaRPr lang="en-US" baseline="0" dirty="0" smtClean="0"/>
+          </a:p>
+          <a:p>
+            <a:r>
+              <a:rPr lang="en-US" baseline="0" dirty="0" smtClean="0"/>
+              <a:t>We'll discuss using key pair access later in the module.</a:t>
+            </a:r>
             <a:endParaRPr lang="en-US" dirty="0"/>
           </a:p>
         </p:txBody>
@@ -9622,7 +9356,7 @@
               <a:pPr>
                 <a:defRPr/>
               </a:pPr>
-              <a:t>8</a:t>
+              <a:t>6</a:t>
             </a:fld>
             <a:endParaRPr lang="en-US" dirty="0"/>
           </a:p>
@@ -9675,7 +9409,7 @@
     </p:spTree>
     <p:extLst>
       <p:ext uri="{BB962C8B-B14F-4D97-AF65-F5344CB8AC3E}">
-        <p14:creationId xmlns:p14="http://schemas.microsoft.com/office/powerpoint/2010/main" val="561256705"/>
+        <p14:creationId xmlns:p14="http://schemas.microsoft.com/office/powerpoint/2010/main" val="1824773967"/>
       </p:ext>
     </p:extLst>
   </p:cSld>
@@ -9773,7 +9507,7 @@
               <a:pPr>
                 <a:defRPr/>
               </a:pPr>
-              <a:t>57</a:t>
+              <a:t>55</a:t>
             </a:fld>
             <a:endParaRPr lang="en-US" dirty="0"/>
           </a:p>
@@ -9924,7 +9658,7 @@
               <a:pPr>
                 <a:defRPr/>
               </a:pPr>
-              <a:t>58</a:t>
+              <a:t>56</a:t>
             </a:fld>
             <a:endParaRPr lang="en-US" dirty="0"/>
           </a:p>
@@ -10207,7 +9941,7 @@
               <a:pPr>
                 <a:defRPr/>
               </a:pPr>
-              <a:t>59</a:t>
+              <a:t>57</a:t>
             </a:fld>
             <a:endParaRPr lang="en-US" dirty="0"/>
           </a:p>
@@ -10314,30 +10048,6 @@
           <a:bodyPr/>
           <a:lstStyle/>
           <a:p>
-            <a:r>
-              <a:rPr lang="en-US" dirty="0" smtClean="0"/>
-              <a:t>If your Status column does not</a:t>
-            </a:r>
-            <a:r>
-              <a:rPr lang="en-US" baseline="0" dirty="0" smtClean="0"/>
-              <a:t> </a:t>
-            </a:r>
-            <a:r>
-              <a:rPr lang="en-US" dirty="0" smtClean="0"/>
-              <a:t>indicate `</a:t>
-            </a:r>
-            <a:r>
-              <a:rPr lang="en-US" b="1" dirty="0" smtClean="0"/>
-              <a:t>Connection established`</a:t>
-            </a:r>
-            <a:r>
-              <a:rPr lang="en-US" b="0" dirty="0" smtClean="0"/>
-              <a:t>,</a:t>
-            </a:r>
-            <a:r>
-              <a:rPr lang="en-US" b="0" baseline="0" dirty="0" smtClean="0"/>
-              <a:t> please notify the instructor.</a:t>
-            </a:r>
             <a:endParaRPr lang="en-US" dirty="0"/>
           </a:p>
         </p:txBody>
@@ -10365,7 +10075,7 @@
               <a:pPr>
                 <a:defRPr/>
               </a:pPr>
-              <a:t>10</a:t>
+              <a:t>8</a:t>
             </a:fld>
             <a:endParaRPr lang="en-US" dirty="0"/>
           </a:p>
@@ -10418,7 +10128,7 @@
     </p:spTree>
     <p:extLst>
       <p:ext uri="{BB962C8B-B14F-4D97-AF65-F5344CB8AC3E}">
-        <p14:creationId xmlns:p14="http://schemas.microsoft.com/office/powerpoint/2010/main" val="1923218108"/>
+        <p14:creationId xmlns:p14="http://schemas.microsoft.com/office/powerpoint/2010/main" val="561256705"/>
       </p:ext>
     </p:extLst>
   </p:cSld>
@@ -10474,28 +10184,28 @@
           <a:p>
             <a:r>
               <a:rPr lang="en-US" dirty="0" smtClean="0"/>
-              <a:t>As you may have noticed, you could add additional nodes by simply repeating the previous steps.</a:t>
-            </a:r>
-          </a:p>
-          <a:p>
-            <a:endParaRPr lang="en-US" dirty="0" smtClean="0"/>
-          </a:p>
-          <a:p>
-            <a:r>
-              <a:rPr lang="en-US" dirty="0" smtClean="0"/>
-              <a:t>You could also add a number of nodes at once by separating each hostname or IP address with a comma or a space, as shown in this illustration.</a:t>
-            </a:r>
-          </a:p>
-          <a:p>
-            <a:endParaRPr lang="en-US" dirty="0" smtClean="0"/>
-          </a:p>
-          <a:p>
-            <a:r>
-              <a:rPr lang="en-US" dirty="0" smtClean="0"/>
-              <a:t>Chef Compliance also supports bulk loading of nodes via API.</a:t>
-            </a:r>
-          </a:p>
-          <a:p>
+              <a:t>If your Status column does not</a:t>
+            </a:r>
+            <a:r>
+              <a:rPr lang="en-US" baseline="0" dirty="0" smtClean="0"/>
+              <a:t> </a:t>
+            </a:r>
+            <a:r>
+              <a:rPr lang="en-US" dirty="0" smtClean="0"/>
+              <a:t>indicate `</a:t>
+            </a:r>
+            <a:r>
+              <a:rPr lang="en-US" b="1" dirty="0" smtClean="0"/>
+              <a:t>Connection established`</a:t>
+            </a:r>
+            <a:r>
+              <a:rPr lang="en-US" b="0" dirty="0" smtClean="0"/>
+              <a:t>,</a:t>
+            </a:r>
+            <a:r>
+              <a:rPr lang="en-US" b="0" baseline="0" dirty="0" smtClean="0"/>
+              <a:t> please notify the instructor.</a:t>
+            </a:r>
             <a:endParaRPr lang="en-US" dirty="0"/>
           </a:p>
         </p:txBody>
@@ -10523,7 +10233,7 @@
               <a:pPr>
                 <a:defRPr/>
               </a:pPr>
-              <a:t>11</a:t>
+              <a:t>10</a:t>
             </a:fld>
             <a:endParaRPr lang="en-US" dirty="0"/>
           </a:p>
@@ -10576,7 +10286,7 @@
     </p:spTree>
     <p:extLst>
       <p:ext uri="{BB962C8B-B14F-4D97-AF65-F5344CB8AC3E}">
-        <p14:creationId xmlns:p14="http://schemas.microsoft.com/office/powerpoint/2010/main" val="2409257355"/>
+        <p14:creationId xmlns:p14="http://schemas.microsoft.com/office/powerpoint/2010/main" val="1923218108"/>
       </p:ext>
     </p:extLst>
   </p:cSld>
@@ -10632,7 +10342,7 @@
           <a:p>
             <a:r>
               <a:rPr lang="en-US" dirty="0" smtClean="0"/>
-              <a:t>In the workplace, using security key pairs would be a more secure method for connecting to nodes than using the password method we are using in class. </a:t>
+              <a:t>As you may have noticed, you could add additional nodes by simply repeating the previous steps.</a:t>
             </a:r>
           </a:p>
           <a:p>
@@ -10641,23 +10351,16 @@
           <a:p>
             <a:r>
               <a:rPr lang="en-US" dirty="0" smtClean="0"/>
-              <a:t>By clicking `</a:t>
-            </a:r>
-            <a:r>
-              <a:rPr lang="en-US" b="1" dirty="0" smtClean="0"/>
-              <a:t>Settings &gt; Add New Key Pair`  </a:t>
-            </a:r>
-            <a:r>
-              <a:rPr lang="en-US" dirty="0" smtClean="0"/>
-              <a:t>you will see where to paste</a:t>
-            </a:r>
-            <a:r>
-              <a:rPr lang="en-US" baseline="0" dirty="0" smtClean="0"/>
-              <a:t> </a:t>
-            </a:r>
-            <a:r>
-              <a:rPr lang="en-US" dirty="0" smtClean="0"/>
-              <a:t>your private and public keys. </a:t>
+              <a:t>You could also add a number of nodes at once by separating each hostname or IP address with a comma or a space, as shown in this illustration.</a:t>
+            </a:r>
+          </a:p>
+          <a:p>
+            <a:endParaRPr lang="en-US" dirty="0" smtClean="0"/>
+          </a:p>
+          <a:p>
+            <a:r>
+              <a:rPr lang="en-US" dirty="0" smtClean="0"/>
+              <a:t>Chef Compliance also supports bulk loading of nodes via API.</a:t>
             </a:r>
           </a:p>
           <a:p>
@@ -10688,7 +10391,7 @@
               <a:pPr>
                 <a:defRPr/>
               </a:pPr>
-              <a:t>12</a:t>
+              <a:t>11</a:t>
             </a:fld>
             <a:endParaRPr lang="en-US" dirty="0"/>
           </a:p>
@@ -10741,7 +10444,7 @@
     </p:spTree>
     <p:extLst>
       <p:ext uri="{BB962C8B-B14F-4D97-AF65-F5344CB8AC3E}">
-        <p14:creationId xmlns:p14="http://schemas.microsoft.com/office/powerpoint/2010/main" val="208647667"/>
+        <p14:creationId xmlns:p14="http://schemas.microsoft.com/office/powerpoint/2010/main" val="2409257355"/>
       </p:ext>
     </p:extLst>
   </p:cSld>
@@ -10795,6 +10498,37 @@
           <a:bodyPr/>
           <a:lstStyle/>
           <a:p>
+            <a:r>
+              <a:rPr lang="en-US" dirty="0" smtClean="0"/>
+              <a:t>In the workplace, using security key pairs would be a more secure method for connecting to nodes than using the password method we are using in class. </a:t>
+            </a:r>
+          </a:p>
+          <a:p>
+            <a:endParaRPr lang="en-US" dirty="0" smtClean="0"/>
+          </a:p>
+          <a:p>
+            <a:r>
+              <a:rPr lang="en-US" dirty="0" smtClean="0"/>
+              <a:t>By clicking `</a:t>
+            </a:r>
+            <a:r>
+              <a:rPr lang="en-US" b="1" dirty="0" smtClean="0"/>
+              <a:t>Settings &gt; Add New Key Pair`  </a:t>
+            </a:r>
+            <a:r>
+              <a:rPr lang="en-US" dirty="0" smtClean="0"/>
+              <a:t>you will see where to paste</a:t>
+            </a:r>
+            <a:r>
+              <a:rPr lang="en-US" baseline="0" dirty="0" smtClean="0"/>
+              <a:t> </a:t>
+            </a:r>
+            <a:r>
+              <a:rPr lang="en-US" dirty="0" smtClean="0"/>
+              <a:t>your private and public keys. </a:t>
+            </a:r>
+          </a:p>
+          <a:p>
             <a:endParaRPr lang="en-US" dirty="0"/>
           </a:p>
         </p:txBody>
@@ -10822,7 +10556,7 @@
               <a:pPr>
                 <a:defRPr/>
               </a:pPr>
-              <a:t>13</a:t>
+              <a:t>12</a:t>
             </a:fld>
             <a:endParaRPr lang="en-US" dirty="0"/>
           </a:p>
@@ -10875,7 +10609,7 @@
     </p:spTree>
     <p:extLst>
       <p:ext uri="{BB962C8B-B14F-4D97-AF65-F5344CB8AC3E}">
-        <p14:creationId xmlns:p14="http://schemas.microsoft.com/office/powerpoint/2010/main" val="958851555"/>
+        <p14:creationId xmlns:p14="http://schemas.microsoft.com/office/powerpoint/2010/main" val="208647667"/>
       </p:ext>
     </p:extLst>
   </p:cSld>
@@ -11022,7 +10756,7 @@
   <p:clrMapOvr>
     <a:masterClrMapping/>
   </p:clrMapOvr>
-  <p:transition xmlns:p14="http://schemas.microsoft.com/office/powerpoint/2010/main" spd="med">
+  <p:transition spd="med">
     <p:fade/>
   </p:transition>
 </p:sldLayout>
@@ -11317,7 +11051,7 @@
   <p:clrMapOvr>
     <a:overrideClrMapping bg1="lt1" tx1="dk1" bg2="lt2" tx2="dk2" accent1="accent1" accent2="accent2" accent3="accent3" accent4="accent4" accent5="accent5" accent6="accent6" hlink="hlink" folHlink="folHlink"/>
   </p:clrMapOvr>
-  <p:transition xmlns:p14="http://schemas.microsoft.com/office/powerpoint/2010/main" spd="med">
+  <p:transition spd="med">
     <p:fade/>
   </p:transition>
 </p:sldLayout>
@@ -11450,14 +11184,14 @@
           </a:ln>
           <a:extLst>
             <a:ext uri="{909E8E84-426E-40dd-AFC4-6F175D3DCCD1}">
-              <a14:hiddenFill xmlns:a14="http://schemas.microsoft.com/office/drawing/2010/main">
+              <a14:hiddenFill xmlns="" xmlns:a14="http://schemas.microsoft.com/office/drawing/2010/main">
                 <a:solidFill>
                   <a:srgbClr val="FFFFFF"/>
                 </a:solidFill>
               </a14:hiddenFill>
             </a:ext>
             <a:ext uri="{91240B29-F687-4f45-9708-019B960494DF}">
-              <a14:hiddenLine xmlns:a14="http://schemas.microsoft.com/office/drawing/2010/main" w="9525">
+              <a14:hiddenLine xmlns="" xmlns:a14="http://schemas.microsoft.com/office/drawing/2010/main" w="9525">
                 <a:solidFill>
                   <a:srgbClr val="000000"/>
                 </a:solidFill>
@@ -11605,14 +11339,14 @@
           </a:ln>
           <a:extLst>
             <a:ext uri="{909E8E84-426E-40dd-AFC4-6F175D3DCCD1}">
-              <a14:hiddenFill xmlns:a14="http://schemas.microsoft.com/office/drawing/2010/main">
+              <a14:hiddenFill xmlns="" xmlns:a14="http://schemas.microsoft.com/office/drawing/2010/main">
                 <a:solidFill>
                   <a:srgbClr val="FFFFFF"/>
                 </a:solidFill>
               </a14:hiddenFill>
             </a:ext>
             <a:ext uri="{91240B29-F687-4f45-9708-019B960494DF}">
-              <a14:hiddenLine xmlns:a14="http://schemas.microsoft.com/office/drawing/2010/main" w="9525">
+              <a14:hiddenLine xmlns="" xmlns:a14="http://schemas.microsoft.com/office/drawing/2010/main" w="9525">
                 <a:solidFill>
                   <a:srgbClr val="000000"/>
                 </a:solidFill>
@@ -12010,7 +11744,7 @@
   <p:clrMapOvr>
     <a:overrideClrMapping bg1="lt1" tx1="dk1" bg2="lt2" tx2="dk2" accent1="accent1" accent2="accent2" accent3="accent3" accent4="accent4" accent5="accent5" accent6="accent6" hlink="hlink" folHlink="folHlink"/>
   </p:clrMapOvr>
-  <p:transition xmlns:p14="http://schemas.microsoft.com/office/powerpoint/2010/main" spd="med">
+  <p:transition spd="med">
     <p:fade/>
   </p:transition>
 </p:sldLayout>
@@ -12103,14 +11837,14 @@
           </a:ln>
           <a:extLst>
             <a:ext uri="{909E8E84-426E-40dd-AFC4-6F175D3DCCD1}">
-              <a14:hiddenFill xmlns:a14="http://schemas.microsoft.com/office/drawing/2010/main">
+              <a14:hiddenFill xmlns="" xmlns:a14="http://schemas.microsoft.com/office/drawing/2010/main">
                 <a:solidFill>
                   <a:srgbClr val="FFFFFF"/>
                 </a:solidFill>
               </a14:hiddenFill>
             </a:ext>
             <a:ext uri="{91240B29-F687-4f45-9708-019B960494DF}">
-              <a14:hiddenLine xmlns:a14="http://schemas.microsoft.com/office/drawing/2010/main" w="9525">
+              <a14:hiddenLine xmlns="" xmlns:a14="http://schemas.microsoft.com/office/drawing/2010/main" w="9525">
                 <a:solidFill>
                   <a:srgbClr val="000000"/>
                 </a:solidFill>
@@ -12132,7 +11866,7 @@
   <p:clrMapOvr>
     <a:masterClrMapping/>
   </p:clrMapOvr>
-  <p:transition xmlns:p14="http://schemas.microsoft.com/office/powerpoint/2010/main" spd="med">
+  <p:transition spd="med">
     <p:fade/>
   </p:transition>
 </p:sldLayout>
@@ -12349,14 +12083,14 @@
           </a:ln>
           <a:extLst>
             <a:ext uri="{909E8E84-426E-40dd-AFC4-6F175D3DCCD1}">
-              <a14:hiddenFill xmlns:a14="http://schemas.microsoft.com/office/drawing/2010/main">
+              <a14:hiddenFill xmlns="" xmlns:a14="http://schemas.microsoft.com/office/drawing/2010/main">
                 <a:solidFill>
                   <a:srgbClr val="FFFFFF"/>
                 </a:solidFill>
               </a14:hiddenFill>
             </a:ext>
             <a:ext uri="{91240B29-F687-4f45-9708-019B960494DF}">
-              <a14:hiddenLine xmlns:a14="http://schemas.microsoft.com/office/drawing/2010/main" w="9525">
+              <a14:hiddenLine xmlns="" xmlns:a14="http://schemas.microsoft.com/office/drawing/2010/main" w="9525">
                 <a:solidFill>
                   <a:srgbClr val="000000"/>
                 </a:solidFill>
@@ -12553,7 +12287,7 @@
   <p:clrMapOvr>
     <a:masterClrMapping/>
   </p:clrMapOvr>
-  <p:transition xmlns:p14="http://schemas.microsoft.com/office/powerpoint/2010/main" spd="med">
+  <p:transition spd="med">
     <p:fade/>
   </p:transition>
 </p:sldLayout>
@@ -12857,7 +12591,7 @@
   <p:clrMapOvr>
     <a:masterClrMapping/>
   </p:clrMapOvr>
-  <p:transition xmlns:p14="http://schemas.microsoft.com/office/powerpoint/2010/main" spd="med">
+  <p:transition spd="med">
     <p:fade/>
   </p:transition>
 </p:sldLayout>
@@ -13144,7 +12878,7 @@
   <p:clrMapOvr>
     <a:masterClrMapping/>
   </p:clrMapOvr>
-  <p:transition xmlns:p14="http://schemas.microsoft.com/office/powerpoint/2010/main" spd="med">
+  <p:transition spd="med">
     <p:fade/>
   </p:transition>
 </p:sldLayout>
@@ -13431,7 +13165,7 @@
   <p:clrMapOvr>
     <a:masterClrMapping/>
   </p:clrMapOvr>
-  <p:transition xmlns:p14="http://schemas.microsoft.com/office/powerpoint/2010/main" spd="med">
+  <p:transition spd="med">
     <p:fade/>
   </p:transition>
 </p:sldLayout>
@@ -13780,7 +13514,7 @@
   <p:clrMapOvr>
     <a:masterClrMapping/>
   </p:clrMapOvr>
-  <p:transition xmlns:p14="http://schemas.microsoft.com/office/powerpoint/2010/main" spd="med">
+  <p:transition spd="med">
     <p:fade/>
   </p:transition>
 </p:sldLayout>
@@ -14067,7 +13801,7 @@
   <p:clrMapOvr>
     <a:masterClrMapping/>
   </p:clrMapOvr>
-  <p:transition xmlns:p14="http://schemas.microsoft.com/office/powerpoint/2010/main" spd="med">
+  <p:transition spd="med">
     <p:fade/>
   </p:transition>
 </p:sldLayout>
@@ -14284,14 +14018,14 @@
           </a:ln>
           <a:extLst>
             <a:ext uri="{909E8E84-426E-40dd-AFC4-6F175D3DCCD1}">
-              <a14:hiddenFill xmlns:a14="http://schemas.microsoft.com/office/drawing/2010/main">
+              <a14:hiddenFill xmlns="" xmlns:a14="http://schemas.microsoft.com/office/drawing/2010/main">
                 <a:solidFill>
                   <a:srgbClr val="FFFFFF"/>
                 </a:solidFill>
               </a14:hiddenFill>
             </a:ext>
             <a:ext uri="{91240B29-F687-4f45-9708-019B960494DF}">
-              <a14:hiddenLine xmlns:a14="http://schemas.microsoft.com/office/drawing/2010/main" w="9525">
+              <a14:hiddenLine xmlns="" xmlns:a14="http://schemas.microsoft.com/office/drawing/2010/main" w="9525">
                 <a:solidFill>
                   <a:srgbClr val="000000"/>
                 </a:solidFill>
@@ -14488,7 +14222,7 @@
   <p:clrMapOvr>
     <a:masterClrMapping/>
   </p:clrMapOvr>
-  <p:transition xmlns:p14="http://schemas.microsoft.com/office/powerpoint/2010/main" spd="med">
+  <p:transition spd="med">
     <p:fade/>
   </p:transition>
 </p:sldLayout>
@@ -14665,7 +14399,7 @@
   <p:clrMapOvr>
     <a:masterClrMapping/>
   </p:clrMapOvr>
-  <p:transition xmlns:p14="http://schemas.microsoft.com/office/powerpoint/2010/main" spd="med">
+  <p:transition spd="med">
     <p:fade/>
   </p:transition>
 </p:sldLayout>
@@ -14953,7 +14687,7 @@
   <p:clrMapOvr>
     <a:masterClrMapping/>
   </p:clrMapOvr>
-  <p:transition xmlns:p14="http://schemas.microsoft.com/office/powerpoint/2010/main" spd="med">
+  <p:transition spd="med">
     <p:fade/>
   </p:transition>
 </p:sldLayout>
@@ -15265,7 +14999,7 @@
   <p:clrMapOvr>
     <a:masterClrMapping/>
   </p:clrMapOvr>
-  <p:transition xmlns:p14="http://schemas.microsoft.com/office/powerpoint/2010/main" spd="med">
+  <p:transition spd="med">
     <p:fade/>
   </p:transition>
 </p:sldLayout>
@@ -15569,7 +15303,7 @@
   <p:clrMapOvr>
     <a:masterClrMapping/>
   </p:clrMapOvr>
-  <p:transition xmlns:p14="http://schemas.microsoft.com/office/powerpoint/2010/main" spd="med">
+  <p:transition spd="med">
     <p:fade/>
   </p:transition>
 </p:sldLayout>
@@ -15749,7 +15483,7 @@
   <p:clrMapOvr>
     <a:masterClrMapping/>
   </p:clrMapOvr>
-  <p:transition xmlns:p14="http://schemas.microsoft.com/office/powerpoint/2010/main" spd="med">
+  <p:transition spd="med">
     <p:fade/>
   </p:transition>
 </p:sldLayout>
@@ -15825,14 +15559,14 @@
           </a:ln>
           <a:extLst>
             <a:ext uri="{909E8E84-426E-40dd-AFC4-6F175D3DCCD1}">
-              <a14:hiddenFill xmlns:a14="http://schemas.microsoft.com/office/drawing/2010/main">
+              <a14:hiddenFill xmlns="" xmlns:a14="http://schemas.microsoft.com/office/drawing/2010/main">
                 <a:solidFill>
                   <a:srgbClr val="FFFFFF"/>
                 </a:solidFill>
               </a14:hiddenFill>
             </a:ext>
             <a:ext uri="{91240B29-F687-4f45-9708-019B960494DF}">
-              <a14:hiddenLine xmlns:a14="http://schemas.microsoft.com/office/drawing/2010/main" w="9525">
+              <a14:hiddenLine xmlns="" xmlns:a14="http://schemas.microsoft.com/office/drawing/2010/main" w="9525">
                 <a:solidFill>
                   <a:srgbClr val="000000"/>
                 </a:solidFill>
@@ -16108,7 +15842,7 @@
   <p:clrMapOvr>
     <a:overrideClrMapping bg1="lt1" tx1="dk1" bg2="lt2" tx2="dk2" accent1="accent1" accent2="accent2" accent3="accent3" accent4="accent4" accent5="accent5" accent6="accent6" hlink="hlink" folHlink="folHlink"/>
   </p:clrMapOvr>
-  <p:transition xmlns:p14="http://schemas.microsoft.com/office/powerpoint/2010/main" spd="med">
+  <p:transition spd="med">
     <p:fade/>
   </p:transition>
 </p:sldLayout>
@@ -16314,7 +16048,7 @@
   <p:clrMapOvr>
     <a:overrideClrMapping bg1="lt1" tx1="dk1" bg2="lt2" tx2="dk2" accent1="accent1" accent2="accent2" accent3="accent3" accent4="accent4" accent5="accent5" accent6="accent6" hlink="hlink" folHlink="folHlink"/>
   </p:clrMapOvr>
-  <p:transition xmlns:p14="http://schemas.microsoft.com/office/powerpoint/2010/main" spd="med">
+  <p:transition spd="med">
     <p:fade/>
   </p:transition>
 </p:sldLayout>
@@ -16390,14 +16124,14 @@
           </a:ln>
           <a:extLst>
             <a:ext uri="{909E8E84-426E-40dd-AFC4-6F175D3DCCD1}">
-              <a14:hiddenFill xmlns:a14="http://schemas.microsoft.com/office/drawing/2010/main">
+              <a14:hiddenFill xmlns="" xmlns:a14="http://schemas.microsoft.com/office/drawing/2010/main">
                 <a:solidFill>
                   <a:srgbClr val="FFFFFF"/>
                 </a:solidFill>
               </a14:hiddenFill>
             </a:ext>
             <a:ext uri="{91240B29-F687-4f45-9708-019B960494DF}">
-              <a14:hiddenLine xmlns:a14="http://schemas.microsoft.com/office/drawing/2010/main" w="9525">
+              <a14:hiddenLine xmlns="" xmlns:a14="http://schemas.microsoft.com/office/drawing/2010/main" w="9525">
                 <a:solidFill>
                   <a:srgbClr val="000000"/>
                 </a:solidFill>
@@ -16680,7 +16414,7 @@
   <p:clrMapOvr>
     <a:overrideClrMapping bg1="lt1" tx1="dk1" bg2="lt2" tx2="dk2" accent1="accent1" accent2="accent2" accent3="accent3" accent4="accent4" accent5="accent5" accent6="accent6" hlink="hlink" folHlink="folHlink"/>
   </p:clrMapOvr>
-  <p:transition xmlns:p14="http://schemas.microsoft.com/office/powerpoint/2010/main" spd="med">
+  <p:transition spd="med">
     <p:fade/>
   </p:transition>
 </p:sldLayout>
@@ -16888,7 +16622,7 @@
   <p:clrMapOvr>
     <a:overrideClrMapping bg1="lt1" tx1="dk1" bg2="lt2" tx2="dk2" accent1="accent1" accent2="accent2" accent3="accent3" accent4="accent4" accent5="accent5" accent6="accent6" hlink="hlink" folHlink="folHlink"/>
   </p:clrMapOvr>
-  <p:transition xmlns:p14="http://schemas.microsoft.com/office/powerpoint/2010/main" spd="med">
+  <p:transition spd="med">
     <p:fade/>
   </p:transition>
 </p:sldLayout>
@@ -16964,14 +16698,14 @@
           </a:ln>
           <a:extLst>
             <a:ext uri="{909E8E84-426E-40dd-AFC4-6F175D3DCCD1}">
-              <a14:hiddenFill xmlns:a14="http://schemas.microsoft.com/office/drawing/2010/main">
+              <a14:hiddenFill xmlns="" xmlns:a14="http://schemas.microsoft.com/office/drawing/2010/main">
                 <a:solidFill>
                   <a:srgbClr val="FFFFFF"/>
                 </a:solidFill>
               </a14:hiddenFill>
             </a:ext>
             <a:ext uri="{91240B29-F687-4f45-9708-019B960494DF}">
-              <a14:hiddenLine xmlns:a14="http://schemas.microsoft.com/office/drawing/2010/main" w="9525">
+              <a14:hiddenLine xmlns="" xmlns:a14="http://schemas.microsoft.com/office/drawing/2010/main" w="9525">
                 <a:solidFill>
                   <a:srgbClr val="000000"/>
                 </a:solidFill>
@@ -17239,7 +16973,7 @@
   <p:clrMapOvr>
     <a:overrideClrMapping bg1="lt1" tx1="dk1" bg2="lt2" tx2="dk2" accent1="accent1" accent2="accent2" accent3="accent3" accent4="accent4" accent5="accent5" accent6="accent6" hlink="hlink" folHlink="folHlink"/>
   </p:clrMapOvr>
-  <p:transition xmlns:p14="http://schemas.microsoft.com/office/powerpoint/2010/main" spd="med">
+  <p:transition spd="med">
     <p:fade/>
   </p:transition>
 </p:sldLayout>
@@ -17467,7 +17201,7 @@
   <p:clrMapOvr>
     <a:overrideClrMapping bg1="lt1" tx1="dk1" bg2="lt2" tx2="dk2" accent1="accent1" accent2="accent2" accent3="accent3" accent4="accent4" accent5="accent5" accent6="accent6" hlink="hlink" folHlink="folHlink"/>
   </p:clrMapOvr>
-  <p:transition xmlns:p14="http://schemas.microsoft.com/office/powerpoint/2010/main" spd="med">
+  <p:transition spd="med">
     <p:fade/>
   </p:transition>
 </p:sldLayout>
@@ -17755,7 +17489,7 @@
   <p:clrMapOvr>
     <a:overrideClrMapping bg1="lt1" tx1="dk1" bg2="lt2" tx2="dk2" accent1="accent1" accent2="accent2" accent3="accent3" accent4="accent4" accent5="accent5" accent6="accent6" hlink="hlink" folHlink="folHlink"/>
   </p:clrMapOvr>
-  <p:transition xmlns:p14="http://schemas.microsoft.com/office/powerpoint/2010/main" spd="med">
+  <p:transition spd="med">
     <p:fade/>
   </p:transition>
 </p:sldLayout>
@@ -17911,14 +17645,14 @@
           </a:ln>
           <a:extLst>
             <a:ext uri="{909E8E84-426E-40dd-AFC4-6F175D3DCCD1}">
-              <a14:hiddenFill xmlns:a14="http://schemas.microsoft.com/office/drawing/2010/main">
+              <a14:hiddenFill xmlns="" xmlns:a14="http://schemas.microsoft.com/office/drawing/2010/main">
                 <a:solidFill>
                   <a:srgbClr val="FFFFFF"/>
                 </a:solidFill>
               </a14:hiddenFill>
             </a:ext>
             <a:ext uri="{91240B29-F687-4f45-9708-019B960494DF}">
-              <a14:hiddenLine xmlns:a14="http://schemas.microsoft.com/office/drawing/2010/main" w="9525">
+              <a14:hiddenLine xmlns="" xmlns:a14="http://schemas.microsoft.com/office/drawing/2010/main" w="9525">
                 <a:solidFill>
                   <a:srgbClr val="000000"/>
                 </a:solidFill>
@@ -18137,13 +17871,13 @@
     <p:sldLayoutId id="2147483868" r:id="rId13"/>
     <p:sldLayoutId id="2147483869" r:id="rId14"/>
   </p:sldLayoutIdLst>
-  <p:transition xmlns:p14="http://schemas.microsoft.com/office/powerpoint/2010/main" spd="med">
+  <p:transition spd="med">
     <p:fade/>
   </p:transition>
   <p:timing>
     <p:tnLst>
       <p:par>
-        <p:cTn xmlns:p14="http://schemas.microsoft.com/office/powerpoint/2010/main" id="1" dur="indefinite" restart="never" nodeType="tmRoot"/>
+        <p:cTn id="1" dur="indefinite" restart="never" nodeType="tmRoot"/>
       </p:par>
     </p:tnLst>
   </p:timing>
@@ -18671,14 +18405,14 @@
           </a:ln>
           <a:extLst>
             <a:ext uri="{909E8E84-426E-40dd-AFC4-6F175D3DCCD1}">
-              <a14:hiddenFill xmlns:a14="http://schemas.microsoft.com/office/drawing/2010/main">
+              <a14:hiddenFill xmlns="" xmlns:a14="http://schemas.microsoft.com/office/drawing/2010/main">
                 <a:solidFill>
                   <a:srgbClr val="FFFFFF"/>
                 </a:solidFill>
               </a14:hiddenFill>
             </a:ext>
             <a:ext uri="{91240B29-F687-4f45-9708-019B960494DF}">
-              <a14:hiddenLine xmlns:a14="http://schemas.microsoft.com/office/drawing/2010/main" w="9525">
+              <a14:hiddenLine xmlns="" xmlns:a14="http://schemas.microsoft.com/office/drawing/2010/main" w="9525">
                 <a:solidFill>
                   <a:srgbClr val="000000"/>
                 </a:solidFill>
@@ -18967,13 +18701,13 @@
     <p:sldLayoutId id="2147483866" r:id="rId8"/>
     <p:sldLayoutId id="2147483870" r:id="rId9"/>
   </p:sldLayoutIdLst>
-  <p:transition xmlns:p14="http://schemas.microsoft.com/office/powerpoint/2010/main" spd="med">
+  <p:transition spd="med">
     <p:fade/>
   </p:transition>
   <p:timing>
     <p:tnLst>
       <p:par>
-        <p:cTn xmlns:p14="http://schemas.microsoft.com/office/powerpoint/2010/main" id="1" dur="indefinite" restart="never" nodeType="tmRoot"/>
+        <p:cTn id="1" dur="indefinite" restart="never" nodeType="tmRoot"/>
       </p:par>
     </p:tnLst>
   </p:timing>
@@ -19481,13 +19215,13 @@
   <p:clrMapOvr>
     <a:masterClrMapping/>
   </p:clrMapOvr>
-  <p:transition xmlns:p14="http://schemas.microsoft.com/office/powerpoint/2010/main" spd="med">
+  <p:transition spd="med">
     <p:fade/>
   </p:transition>
   <p:timing>
     <p:tnLst>
       <p:par>
-        <p:cTn xmlns:p14="http://schemas.microsoft.com/office/powerpoint/2010/main" id="1" dur="indefinite" restart="never" nodeType="tmRoot"/>
+        <p:cTn id="1" dur="indefinite" restart="never" nodeType="tmRoot"/>
       </p:par>
     </p:tnLst>
   </p:timing>
@@ -19528,7 +19262,11 @@
           <a:p>
             <a:r>
               <a:rPr lang="en-US" dirty="0" smtClean="0"/>
-              <a:t>GE: Testing Connectivity to your Node</a:t>
+              <a:t>GL: </a:t>
+            </a:r>
+            <a:r>
+              <a:rPr lang="en-US" dirty="0" smtClean="0"/>
+              <a:t>Testing Connectivity to your Node</a:t>
             </a:r>
             <a:endParaRPr lang="en-US" dirty="0"/>
           </a:p>
@@ -19672,13 +19410,13 @@
   <p:clrMapOvr>
     <a:masterClrMapping/>
   </p:clrMapOvr>
-  <p:transition xmlns:p14="http://schemas.microsoft.com/office/powerpoint/2010/main" spd="med">
+  <p:transition spd="med">
     <p:fade/>
   </p:transition>
   <p:timing>
     <p:tnLst>
       <p:par>
-        <p:cTn xmlns:p14="http://schemas.microsoft.com/office/powerpoint/2010/main" id="1" dur="indefinite" restart="never" nodeType="tmRoot"/>
+        <p:cTn id="1" dur="indefinite" restart="never" nodeType="tmRoot"/>
       </p:par>
     </p:tnLst>
   </p:timing>
@@ -19875,13 +19613,13 @@
   <p:clrMapOvr>
     <a:masterClrMapping/>
   </p:clrMapOvr>
-  <p:transition xmlns:p14="http://schemas.microsoft.com/office/powerpoint/2010/main" spd="med">
+  <p:transition spd="med">
     <p:fade/>
   </p:transition>
   <p:timing>
     <p:tnLst>
       <p:par>
-        <p:cTn xmlns:p14="http://schemas.microsoft.com/office/powerpoint/2010/main" id="1" dur="indefinite" restart="never" nodeType="tmRoot"/>
+        <p:cTn id="1" dur="indefinite" restart="never" nodeType="tmRoot"/>
       </p:par>
     </p:tnLst>
   </p:timing>
@@ -20031,13 +19769,13 @@
   <p:clrMapOvr>
     <a:masterClrMapping/>
   </p:clrMapOvr>
-  <p:transition xmlns:p14="http://schemas.microsoft.com/office/powerpoint/2010/main" spd="med">
+  <p:transition spd="med">
     <p:fade/>
   </p:transition>
   <p:timing>
     <p:tnLst>
       <p:par>
-        <p:cTn xmlns:p14="http://schemas.microsoft.com/office/powerpoint/2010/main" id="1" dur="indefinite" restart="never" nodeType="tmRoot"/>
+        <p:cTn id="1" dur="indefinite" restart="never" nodeType="tmRoot"/>
       </p:par>
     </p:tnLst>
   </p:timing>
@@ -20150,13 +19888,13 @@
   <p:clrMapOvr>
     <a:masterClrMapping/>
   </p:clrMapOvr>
-  <p:transition xmlns:p14="http://schemas.microsoft.com/office/powerpoint/2010/main" spd="med">
+  <p:transition spd="med">
     <p:fade/>
   </p:transition>
   <p:timing>
     <p:tnLst>
       <p:par>
-        <p:cTn xmlns:p14="http://schemas.microsoft.com/office/powerpoint/2010/main" id="1" dur="indefinite" restart="never" nodeType="tmRoot"/>
+        <p:cTn id="1" dur="indefinite" restart="never" nodeType="tmRoot"/>
       </p:par>
     </p:tnLst>
   </p:timing>
@@ -20456,13 +20194,13 @@
   <p:clrMapOvr>
     <a:masterClrMapping/>
   </p:clrMapOvr>
-  <p:transition xmlns:p14="http://schemas.microsoft.com/office/powerpoint/2010/main" spd="med">
+  <p:transition spd="med">
     <p:fade/>
   </p:transition>
   <p:timing>
     <p:tnLst>
       <p:par>
-        <p:cTn xmlns:p14="http://schemas.microsoft.com/office/powerpoint/2010/main" id="1" dur="indefinite" restart="never" nodeType="tmRoot"/>
+        <p:cTn id="1" dur="indefinite" restart="never" nodeType="tmRoot"/>
       </p:par>
     </p:tnLst>
   </p:timing>
@@ -20505,28 +20243,17 @@
           <a:p>
             <a:r>
               <a:rPr lang="en-US" dirty="0" smtClean="0"/>
-              <a:t>Group Exercise: Running a Scan</a:t>
+              <a:t>Group </a:t>
+            </a:r>
+            <a:r>
+              <a:rPr lang="en-US" dirty="0" smtClean="0"/>
+              <a:t>Lab: </a:t>
+            </a:r>
+            <a:r>
+              <a:rPr lang="en-US" dirty="0" smtClean="0"/>
+              <a:t>Running a Scan</a:t>
             </a:r>
             <a:endParaRPr lang="en-US" dirty="0"/>
-          </a:p>
-        </p:txBody>
-      </p:sp>
-      <p:sp>
-        <p:nvSpPr>
-          <p:cNvPr id="3" name="Content Placeholder 2"/>
-          <p:cNvSpPr>
-            <a:spLocks noGrp="1"/>
-          </p:cNvSpPr>
-          <p:nvPr>
-            <p:ph sz="quarter" idx="11"/>
-          </p:nvPr>
-        </p:nvSpPr>
-        <p:spPr/>
-        <p:txBody>
-          <a:bodyPr/>
-          <a:lstStyle/>
-          <a:p>
-            <a:endParaRPr lang="en-US"/>
           </a:p>
         </p:txBody>
       </p:sp>
@@ -20590,13 +20317,13 @@
   <p:clrMapOvr>
     <a:masterClrMapping/>
   </p:clrMapOvr>
-  <p:transition xmlns:p14="http://schemas.microsoft.com/office/powerpoint/2010/main" spd="med">
+  <p:transition spd="med">
     <p:fade/>
   </p:transition>
   <p:timing>
     <p:tnLst>
       <p:par>
-        <p:cTn xmlns:p14="http://schemas.microsoft.com/office/powerpoint/2010/main" id="1" dur="indefinite" restart="never" nodeType="tmRoot"/>
+        <p:cTn id="1" dur="indefinite" restart="never" nodeType="tmRoot"/>
       </p:par>
     </p:tnLst>
   </p:timing>
@@ -20637,7 +20364,11 @@
           <a:p>
             <a:r>
               <a:rPr lang="en-US" dirty="0" smtClean="0"/>
-              <a:t>GE: Running a Scan</a:t>
+              <a:t>GL: </a:t>
+            </a:r>
+            <a:r>
+              <a:rPr lang="en-US" dirty="0" smtClean="0"/>
+              <a:t>Running a Scan</a:t>
             </a:r>
             <a:endParaRPr lang="en-US" dirty="0"/>
           </a:p>
@@ -20761,13 +20492,13 @@
   <p:clrMapOvr>
     <a:masterClrMapping/>
   </p:clrMapOvr>
-  <p:transition xmlns:p14="http://schemas.microsoft.com/office/powerpoint/2010/main" spd="med">
+  <p:transition spd="med">
     <p:fade/>
   </p:transition>
   <p:timing>
     <p:tnLst>
       <p:par>
-        <p:cTn xmlns:p14="http://schemas.microsoft.com/office/powerpoint/2010/main" id="1" dur="indefinite" restart="never" nodeType="tmRoot"/>
+        <p:cTn id="1" dur="indefinite" restart="never" nodeType="tmRoot"/>
       </p:par>
     </p:tnLst>
   </p:timing>
@@ -20808,7 +20539,11 @@
           <a:p>
             <a:r>
               <a:rPr lang="en-US" dirty="0" smtClean="0"/>
-              <a:t>GE: Running a Scan</a:t>
+              <a:t>GL: </a:t>
+            </a:r>
+            <a:r>
+              <a:rPr lang="en-US" dirty="0" smtClean="0"/>
+              <a:t>Running a Scan</a:t>
             </a:r>
             <a:endParaRPr lang="en-US" dirty="0"/>
           </a:p>
@@ -20840,7 +20575,15 @@
             </a:pPr>
             <a:r>
               <a:rPr lang="en-US" dirty="0" smtClean="0"/>
-              <a:t>From the resulting page, check the base/ssh profile and uncheck any other check boxes.</a:t>
+              <a:t>From the resulting page, check the </a:t>
+            </a:r>
+            <a:r>
+              <a:rPr lang="en-US" b="1" dirty="0" smtClean="0"/>
+              <a:t>base/ssh</a:t>
+            </a:r>
+            <a:r>
+              <a:rPr lang="en-US" dirty="0" smtClean="0"/>
+              <a:t> profile and uncheck any other check boxes.</a:t>
             </a:r>
           </a:p>
           <a:p>
@@ -20974,13 +20717,13 @@
   <p:clrMapOvr>
     <a:masterClrMapping/>
   </p:clrMapOvr>
-  <p:transition xmlns:p14="http://schemas.microsoft.com/office/powerpoint/2010/main" spd="med">
+  <p:transition spd="med">
     <p:fade/>
   </p:transition>
   <p:timing>
     <p:tnLst>
       <p:par>
-        <p:cTn xmlns:p14="http://schemas.microsoft.com/office/powerpoint/2010/main" id="1" dur="indefinite" restart="never" nodeType="tmRoot"/>
+        <p:cTn id="1" dur="indefinite" restart="never" nodeType="tmRoot"/>
       </p:par>
     </p:tnLst>
   </p:timing>
@@ -21171,13 +20914,13 @@
   <p:clrMapOvr>
     <a:masterClrMapping/>
   </p:clrMapOvr>
-  <p:transition xmlns:p14="http://schemas.microsoft.com/office/powerpoint/2010/main" spd="med">
+  <p:transition spd="med">
     <p:fade/>
   </p:transition>
   <p:timing>
     <p:tnLst>
       <p:par>
-        <p:cTn xmlns:p14="http://schemas.microsoft.com/office/powerpoint/2010/main" id="1" dur="indefinite" restart="never" nodeType="tmRoot"/>
+        <p:cTn id="1" dur="indefinite" restart="never" nodeType="tmRoot"/>
       </p:par>
     </p:tnLst>
   </p:timing>
@@ -21347,13 +21090,13 @@
   <p:clrMapOvr>
     <a:masterClrMapping/>
   </p:clrMapOvr>
-  <p:transition xmlns:p14="http://schemas.microsoft.com/office/powerpoint/2010/main" spd="med">
+  <p:transition spd="med">
     <p:fade/>
   </p:transition>
   <p:timing>
     <p:tnLst>
       <p:par>
-        <p:cTn xmlns:p14="http://schemas.microsoft.com/office/powerpoint/2010/main" id="1" dur="indefinite" restart="never" nodeType="tmRoot"/>
+        <p:cTn id="1" dur="indefinite" restart="never" nodeType="tmRoot"/>
       </p:par>
     </p:tnLst>
   </p:timing>
@@ -21556,13 +21299,13 @@
   <p:clrMapOvr>
     <a:masterClrMapping/>
   </p:clrMapOvr>
-  <p:transition xmlns:p14="http://schemas.microsoft.com/office/powerpoint/2010/main" spd="med">
+  <p:transition spd="med">
     <p:fade/>
   </p:transition>
   <p:timing>
     <p:tnLst>
       <p:par>
-        <p:cTn xmlns:p14="http://schemas.microsoft.com/office/powerpoint/2010/main" id="1" dur="indefinite" restart="never" nodeType="tmRoot"/>
+        <p:cTn id="1" dur="indefinite" restart="never" nodeType="tmRoot"/>
       </p:par>
     </p:tnLst>
   </p:timing>
@@ -21639,7 +21382,11 @@
           <a:p>
             <a:r>
               <a:rPr lang="en-US" dirty="0" smtClean="0"/>
-              <a:t>GE: Profile</a:t>
+              <a:t>GL: </a:t>
+            </a:r>
+            <a:r>
+              <a:rPr lang="en-US" dirty="0" smtClean="0"/>
+              <a:t>Profile</a:t>
             </a:r>
             <a:endParaRPr lang="en-US" dirty="0"/>
           </a:p>
@@ -21918,13 +21665,13 @@
   <p:clrMapOvr>
     <a:masterClrMapping/>
   </p:clrMapOvr>
-  <p:transition xmlns:p14="http://schemas.microsoft.com/office/powerpoint/2010/main" spd="med">
+  <p:transition spd="med">
     <p:fade/>
   </p:transition>
   <p:timing>
     <p:tnLst>
       <p:par>
-        <p:cTn xmlns:p14="http://schemas.microsoft.com/office/powerpoint/2010/main" id="1" dur="indefinite" restart="never" nodeType="tmRoot"/>
+        <p:cTn id="1" dur="indefinite" restart="never" nodeType="tmRoot"/>
       </p:par>
     </p:tnLst>
   </p:timing>
@@ -22142,13 +21889,13 @@
   <p:clrMapOvr>
     <a:masterClrMapping/>
   </p:clrMapOvr>
-  <p:transition xmlns:p14="http://schemas.microsoft.com/office/powerpoint/2010/main" spd="med">
+  <p:transition spd="med">
     <p:fade/>
   </p:transition>
   <p:timing>
     <p:tnLst>
       <p:par>
-        <p:cTn xmlns:p14="http://schemas.microsoft.com/office/powerpoint/2010/main" id="1" dur="indefinite" restart="never" nodeType="tmRoot"/>
+        <p:cTn id="1" dur="indefinite" restart="never" nodeType="tmRoot"/>
       </p:par>
     </p:tnLst>
   </p:timing>
@@ -22388,13 +22135,13 @@
   <p:clrMapOvr>
     <a:masterClrMapping/>
   </p:clrMapOvr>
-  <p:transition xmlns:p14="http://schemas.microsoft.com/office/powerpoint/2010/main" spd="med">
+  <p:transition spd="med">
     <p:fade/>
   </p:transition>
   <p:timing>
     <p:tnLst>
       <p:par>
-        <p:cTn xmlns:p14="http://schemas.microsoft.com/office/powerpoint/2010/main" id="1" dur="indefinite" restart="never" nodeType="tmRoot"/>
+        <p:cTn id="1" dur="indefinite" restart="never" nodeType="tmRoot"/>
       </p:par>
     </p:tnLst>
   </p:timing>
@@ -22639,7 +22386,7 @@
   <p:clrMapOvr>
     <a:masterClrMapping/>
   </p:clrMapOvr>
-  <p:transition xmlns:p14="http://schemas.microsoft.com/office/powerpoint/2010/main" spd="med">
+  <p:transition spd="med">
     <p:fade/>
   </p:transition>
 </p:sld>
@@ -22763,13 +22510,13 @@
   <p:clrMapOvr>
     <a:masterClrMapping/>
   </p:clrMapOvr>
-  <p:transition xmlns:p14="http://schemas.microsoft.com/office/powerpoint/2010/main" spd="med">
+  <p:transition spd="med">
     <p:fade/>
   </p:transition>
   <p:timing>
     <p:tnLst>
       <p:par>
-        <p:cTn xmlns:p14="http://schemas.microsoft.com/office/powerpoint/2010/main" id="1" dur="indefinite" restart="never" nodeType="tmRoot"/>
+        <p:cTn id="1" dur="indefinite" restart="never" nodeType="tmRoot"/>
       </p:par>
     </p:tnLst>
   </p:timing>
@@ -22817,7 +22564,11 @@
           <a:p>
             <a:r>
               <a:rPr lang="en-US" dirty="0" smtClean="0"/>
-              <a:t>GE: Remediating the Issue</a:t>
+              <a:t>GL: </a:t>
+            </a:r>
+            <a:r>
+              <a:rPr lang="en-US" dirty="0" smtClean="0"/>
+              <a:t>Remediating the Issue</a:t>
             </a:r>
             <a:endParaRPr lang="en-US" dirty="0"/>
           </a:p>
@@ -22894,7 +22645,7 @@
   <p:clrMapOvr>
     <a:masterClrMapping/>
   </p:clrMapOvr>
-  <p:transition xmlns:p14="http://schemas.microsoft.com/office/powerpoint/2010/main" spd="med">
+  <p:transition spd="med">
     <p:fade/>
   </p:transition>
 </p:sld>
@@ -22936,7 +22687,7 @@
           <a:p>
             <a:r>
               <a:rPr lang="en-US" dirty="0" smtClean="0"/>
-              <a:t>GE: </a:t>
+              <a:t>GL: </a:t>
             </a:r>
             <a:r>
               <a:rPr lang="en-US" dirty="0"/>
@@ -23239,13 +22990,13 @@
   <p:clrMapOvr>
     <a:masterClrMapping/>
   </p:clrMapOvr>
-  <p:transition xmlns:p14="http://schemas.microsoft.com/office/powerpoint/2010/main" spd="med">
+  <p:transition spd="med">
     <p:fade/>
   </p:transition>
   <p:timing>
     <p:tnLst>
       <p:par>
-        <p:cTn xmlns:p14="http://schemas.microsoft.com/office/powerpoint/2010/main" id="1" dur="indefinite" restart="never" nodeType="tmRoot"/>
+        <p:cTn id="1" dur="indefinite" restart="never" nodeType="tmRoot"/>
       </p:par>
     </p:tnLst>
   </p:timing>
@@ -23326,12 +23077,25 @@
           <a:p>
             <a:r>
               <a:rPr lang="en-US" sz="4900" dirty="0" smtClean="0"/>
-              <a:t>GE: </a:t>
+              <a:t>GL: </a:t>
             </a:r>
             <a:r>
               <a:rPr lang="en-US" sz="4900" dirty="0"/>
-              <a:t>Create and change to a ‘cookbooks’ directory</a:t>
-            </a:r>
+              <a:t>Create and </a:t>
+            </a:r>
+            <a:r>
+              <a:rPr lang="en-US" sz="4900" dirty="0" smtClean="0"/>
+              <a:t>Change </a:t>
+            </a:r>
+            <a:r>
+              <a:rPr lang="en-US" sz="4900" dirty="0"/>
+              <a:t>to a ‘cookbooks’ </a:t>
+            </a:r>
+            <a:r>
+              <a:rPr lang="en-US" sz="4900" dirty="0" smtClean="0"/>
+              <a:t>Directory</a:t>
+            </a:r>
+            <a:endParaRPr lang="en-US" sz="4900" dirty="0"/>
           </a:p>
         </p:txBody>
       </p:sp>
@@ -23532,7 +23296,7 @@
   <p:clrMapOvr>
     <a:masterClrMapping/>
   </p:clrMapOvr>
-  <p:transition xmlns:p14="http://schemas.microsoft.com/office/powerpoint/2010/main" spd="med">
+  <p:transition spd="med">
     <p:fade/>
   </p:transition>
 </p:sld>
@@ -23676,8 +23440,12 @@
           <a:lstStyle/>
           <a:p>
             <a:r>
+              <a:rPr lang="en-US" dirty="0" smtClean="0"/>
+              <a:t>GL: </a:t>
+            </a:r>
+            <a:r>
               <a:rPr lang="en-US" dirty="0"/>
-              <a:t>GE: Create an SSH Cookbook</a:t>
+              <a:t>Create an SSH Cookbook</a:t>
             </a:r>
           </a:p>
         </p:txBody>
@@ -23692,7 +23460,7 @@
   <p:clrMapOvr>
     <a:masterClrMapping/>
   </p:clrMapOvr>
-  <p:transition xmlns:p14="http://schemas.microsoft.com/office/powerpoint/2010/main" spd="med">
+  <p:transition spd="med">
     <p:fade/>
   </p:transition>
 </p:sld>
@@ -23875,8 +23643,12 @@
           <a:lstStyle/>
           <a:p>
             <a:r>
+              <a:rPr lang="en-US" dirty="0" smtClean="0"/>
+              <a:t>GL: </a:t>
+            </a:r>
+            <a:r>
               <a:rPr lang="en-US" dirty="0"/>
-              <a:t>GE: Create an SSH </a:t>
+              <a:t>Create an SSH </a:t>
             </a:r>
             <a:r>
               <a:rPr lang="en-US" dirty="0" smtClean="0"/>
@@ -23896,7 +23668,7 @@
   <p:clrMapOvr>
     <a:masterClrMapping/>
   </p:clrMapOvr>
-  <p:transition xmlns:p14="http://schemas.microsoft.com/office/powerpoint/2010/main" spd="med">
+  <p:transition spd="med">
     <p:fade/>
   </p:transition>
 </p:sld>
@@ -24032,7 +23804,7 @@
   <p:clrMapOvr>
     <a:masterClrMapping/>
   </p:clrMapOvr>
-  <p:transition xmlns:p14="http://schemas.microsoft.com/office/powerpoint/2010/main" spd="med">
+  <p:transition spd="med">
     <p:fade/>
   </p:transition>
 </p:sld>
@@ -24209,16 +23981,16 @@
           <a:lstStyle/>
           <a:p>
             <a:r>
+              <a:rPr lang="en-US" dirty="0" smtClean="0"/>
+              <a:t>GL: </a:t>
+            </a:r>
+            <a:r>
               <a:rPr lang="en-US" dirty="0"/>
-              <a:t>GE: Create an SSH </a:t>
-            </a:r>
-            <a:r>
-              <a:rPr lang="en-US" dirty="0" err="1" smtClean="0"/>
-              <a:t>Config</a:t>
-            </a:r>
-            <a:r>
-              <a:rPr lang="en-US" dirty="0" smtClean="0"/>
-              <a:t> Template</a:t>
+              <a:t>Create an SSH </a:t>
+            </a:r>
+            <a:r>
+              <a:rPr lang="en-US" dirty="0" smtClean="0"/>
+              <a:t>Config Template</a:t>
             </a:r>
             <a:endParaRPr lang="en-US" dirty="0"/>
           </a:p>
@@ -24234,7 +24006,7 @@
   <p:clrMapOvr>
     <a:masterClrMapping/>
   </p:clrMapOvr>
-  <p:transition xmlns:p14="http://schemas.microsoft.com/office/powerpoint/2010/main" spd="med">
+  <p:transition spd="med">
     <p:fade/>
   </p:transition>
 </p:sld>
@@ -24407,8 +24179,8 @@
           <a:lstStyle/>
           <a:p>
             <a:r>
-              <a:rPr lang="en-US" dirty="0"/>
-              <a:t>GE: </a:t>
+              <a:rPr lang="en-US" dirty="0" smtClean="0"/>
+              <a:t>GL: </a:t>
             </a:r>
             <a:r>
               <a:rPr lang="en-US" dirty="0" smtClean="0"/>
@@ -24428,7 +24200,7 @@
   <p:clrMapOvr>
     <a:masterClrMapping/>
   </p:clrMapOvr>
-  <p:transition xmlns:p14="http://schemas.microsoft.com/office/powerpoint/2010/main" spd="med">
+  <p:transition spd="med">
     <p:fade/>
   </p:transition>
 </p:sld>
@@ -24475,7 +24247,11 @@
           <a:p>
             <a:r>
               <a:rPr lang="en-US" dirty="0" smtClean="0"/>
-              <a:t>GE: Testing the Recipe</a:t>
+              <a:t>GL: </a:t>
+            </a:r>
+            <a:r>
+              <a:rPr lang="en-US" dirty="0" smtClean="0"/>
+              <a:t>Testing the Recipe</a:t>
             </a:r>
             <a:endParaRPr lang="en-US" dirty="0"/>
           </a:p>
@@ -24575,7 +24351,7 @@
   <p:clrMapOvr>
     <a:masterClrMapping/>
   </p:clrMapOvr>
-  <p:transition xmlns:p14="http://schemas.microsoft.com/office/powerpoint/2010/main" spd="med">
+  <p:transition spd="med">
     <p:fade/>
   </p:transition>
 </p:sld>
@@ -24648,7 +24424,11 @@
           <a:p>
             <a:r>
               <a:rPr lang="en-US" dirty="0" smtClean="0"/>
-              <a:t>GE: Navigate to your SSH Cookbook</a:t>
+              <a:t>GL: </a:t>
+            </a:r>
+            <a:r>
+              <a:rPr lang="en-US" dirty="0" smtClean="0"/>
+              <a:t>Navigate to your SSH Cookbook</a:t>
             </a:r>
             <a:endParaRPr lang="en-US" dirty="0"/>
           </a:p>
@@ -24664,13 +24444,13 @@
   <p:clrMapOvr>
     <a:masterClrMapping/>
   </p:clrMapOvr>
-  <p:transition xmlns:p14="http://schemas.microsoft.com/office/powerpoint/2010/main" spd="med">
+  <p:transition spd="med">
     <p:fade/>
   </p:transition>
   <p:timing>
     <p:tnLst>
       <p:par>
-        <p:cTn xmlns:p14="http://schemas.microsoft.com/office/powerpoint/2010/main" id="1" dur="indefinite" restart="never" nodeType="tmRoot"/>
+        <p:cTn id="1" dur="indefinite" restart="never" nodeType="tmRoot"/>
       </p:par>
     </p:tnLst>
   </p:timing>
@@ -24815,7 +24595,11 @@
           <a:p>
             <a:r>
               <a:rPr lang="en-US" dirty="0" smtClean="0"/>
-              <a:t>GE: Edit your .</a:t>
+              <a:t>GL: </a:t>
+            </a:r>
+            <a:r>
+              <a:rPr lang="en-US" dirty="0" smtClean="0"/>
+              <a:t>Edit your .</a:t>
             </a:r>
             <a:r>
               <a:rPr lang="en-US" dirty="0" err="1" smtClean="0"/>
@@ -24891,13 +24675,13 @@
   <p:clrMapOvr>
     <a:masterClrMapping/>
   </p:clrMapOvr>
-  <p:transition xmlns:p14="http://schemas.microsoft.com/office/powerpoint/2010/main" spd="med">
+  <p:transition spd="med">
     <p:fade/>
   </p:transition>
   <p:timing>
     <p:tnLst>
       <p:par>
-        <p:cTn xmlns:p14="http://schemas.microsoft.com/office/powerpoint/2010/main" id="1" dur="indefinite" restart="never" nodeType="tmRoot"/>
+        <p:cTn id="1" dur="indefinite" restart="never" nodeType="tmRoot"/>
       </p:par>
     </p:tnLst>
   </p:timing>
@@ -25071,7 +24855,11 @@
           <a:p>
             <a:r>
               <a:rPr lang="en-US" dirty="0" smtClean="0"/>
-              <a:t>GE: Edit your .</a:t>
+              <a:t>GL: </a:t>
+            </a:r>
+            <a:r>
+              <a:rPr lang="en-US" dirty="0" smtClean="0"/>
+              <a:t>Edit your .</a:t>
             </a:r>
             <a:r>
               <a:rPr lang="en-US" dirty="0" err="1" smtClean="0"/>
@@ -25147,13 +24935,13 @@
   <p:clrMapOvr>
     <a:masterClrMapping/>
   </p:clrMapOvr>
-  <p:transition xmlns:p14="http://schemas.microsoft.com/office/powerpoint/2010/main" spd="med">
+  <p:transition spd="med">
     <p:fade/>
   </p:transition>
   <p:timing>
     <p:tnLst>
       <p:par>
-        <p:cTn xmlns:p14="http://schemas.microsoft.com/office/powerpoint/2010/main" id="1" dur="indefinite" restart="never" nodeType="tmRoot"/>
+        <p:cTn id="1" dur="indefinite" restart="never" nodeType="tmRoot"/>
       </p:par>
     </p:tnLst>
   </p:timing>
@@ -25317,7 +25105,11 @@
           <a:p>
             <a:r>
               <a:rPr lang="en-US" dirty="0" smtClean="0"/>
-              <a:t>GE: Edit your .</a:t>
+              <a:t>GL: </a:t>
+            </a:r>
+            <a:r>
+              <a:rPr lang="en-US" dirty="0" smtClean="0"/>
+              <a:t>Edit your .</a:t>
             </a:r>
             <a:r>
               <a:rPr lang="en-US" dirty="0" err="1" smtClean="0"/>
@@ -25729,13 +25521,13 @@
   <p:clrMapOvr>
     <a:masterClrMapping/>
   </p:clrMapOvr>
-  <p:transition xmlns:p14="http://schemas.microsoft.com/office/powerpoint/2010/main" spd="med">
+  <p:transition spd="med">
     <p:fade/>
   </p:transition>
   <p:timing>
     <p:tnLst>
       <p:par>
-        <p:cTn xmlns:p14="http://schemas.microsoft.com/office/powerpoint/2010/main" id="1" dur="indefinite" restart="never" nodeType="tmRoot"/>
+        <p:cTn id="1" dur="indefinite" restart="never" nodeType="tmRoot"/>
       </p:par>
     </p:tnLst>
   </p:timing>
@@ -25867,7 +25659,11 @@
           <a:p>
             <a:r>
               <a:rPr lang="en-US" dirty="0" smtClean="0"/>
-              <a:t>GE: Run `kitchen list` </a:t>
+              <a:t>GL: </a:t>
+            </a:r>
+            <a:r>
+              <a:rPr lang="en-US" dirty="0" smtClean="0"/>
+              <a:t>Run `kitchen list` </a:t>
             </a:r>
             <a:r>
               <a:rPr lang="en-US" dirty="0"/>
@@ -25898,13 +25694,13 @@
   <p:clrMapOvr>
     <a:masterClrMapping/>
   </p:clrMapOvr>
-  <p:transition xmlns:p14="http://schemas.microsoft.com/office/powerpoint/2010/main" spd="med">
+  <p:transition spd="med">
     <p:fade/>
   </p:transition>
   <p:timing>
     <p:tnLst>
       <p:par>
-        <p:cTn xmlns:p14="http://schemas.microsoft.com/office/powerpoint/2010/main" id="1" dur="indefinite" restart="never" nodeType="tmRoot"/>
+        <p:cTn id="1" dur="indefinite" restart="never" nodeType="tmRoot"/>
       </p:par>
     </p:tnLst>
   </p:timing>
@@ -26092,7 +25888,11 @@
           <a:p>
             <a:r>
               <a:rPr lang="en-US" dirty="0" smtClean="0"/>
-              <a:t>GE: Run `kitchen converge`</a:t>
+              <a:t>GL: </a:t>
+            </a:r>
+            <a:r>
+              <a:rPr lang="en-US" dirty="0" smtClean="0"/>
+              <a:t>Run `kitchen converge`</a:t>
             </a:r>
             <a:r>
               <a:rPr lang="en-US" dirty="0"/>
@@ -26115,13 +25915,13 @@
   <p:clrMapOvr>
     <a:masterClrMapping/>
   </p:clrMapOvr>
-  <p:transition xmlns:p14="http://schemas.microsoft.com/office/powerpoint/2010/main" spd="med">
+  <p:transition spd="med">
     <p:fade/>
   </p:transition>
   <p:timing>
     <p:tnLst>
       <p:par>
-        <p:cTn xmlns:p14="http://schemas.microsoft.com/office/powerpoint/2010/main" id="1" dur="indefinite" restart="never" nodeType="tmRoot"/>
+        <p:cTn id="1" dur="indefinite" restart="never" nodeType="tmRoot"/>
       </p:par>
     </p:tnLst>
   </p:timing>
@@ -26247,7 +26047,7 @@
   <p:clrMapOvr>
     <a:masterClrMapping/>
   </p:clrMapOvr>
-  <p:transition xmlns:p14="http://schemas.microsoft.com/office/powerpoint/2010/main" spd="med">
+  <p:transition spd="med">
     <p:fade/>
   </p:transition>
 </p:sld>
@@ -26288,13 +26088,21 @@
         </p:spPr>
         <p:txBody>
           <a:bodyPr>
-            <a:normAutofit fontScale="90000"/>
+            <a:normAutofit/>
           </a:bodyPr>
           <a:lstStyle/>
           <a:p>
             <a:r>
               <a:rPr lang="en-US" dirty="0" smtClean="0"/>
-              <a:t>Group Exercise: Adding a Node to Scan</a:t>
+              <a:t>Group </a:t>
+            </a:r>
+            <a:r>
+              <a:rPr lang="en-US" dirty="0" smtClean="0"/>
+              <a:t>Lab: </a:t>
+            </a:r>
+            <a:r>
+              <a:rPr lang="en-US" dirty="0" smtClean="0"/>
+              <a:t>Adding a Node to Scan</a:t>
             </a:r>
             <a:endParaRPr lang="en-US" dirty="0"/>
           </a:p>
@@ -26373,7 +26181,7 @@
   <p:clrMapOvr>
     <a:masterClrMapping/>
   </p:clrMapOvr>
-  <p:transition xmlns:p14="http://schemas.microsoft.com/office/powerpoint/2010/main" spd="med">
+  <p:transition spd="med">
     <p:fade/>
   </p:transition>
 </p:sld>
@@ -26503,26 +26311,12 @@
             </a:r>
             <a:r>
               <a:rPr lang="en-US" dirty="0" smtClean="0"/>
-              <a:t>instance. </a:t>
-            </a:r>
-            <a:r>
-              <a:rPr lang="en-US" dirty="0" err="1" smtClean="0"/>
-              <a:t>tbd</a:t>
-            </a:r>
-            <a:r>
-              <a:rPr lang="en-US" dirty="0" smtClean="0"/>
-              <a:t> check cases </a:t>
-            </a:r>
-            <a:r>
-              <a:rPr lang="en-US" dirty="0" err="1" smtClean="0"/>
-              <a:t>abive</a:t>
-            </a:r>
-            <a:r>
-              <a:rPr lang="en-US" dirty="0" smtClean="0"/>
-              <a:t>,</a:t>
-            </a:r>
-          </a:p>
-          <a:p>
+              <a:t>instance</a:t>
+            </a:r>
+            <a:r>
+              <a:rPr lang="en-US" dirty="0" smtClean="0"/>
+              <a:t>.</a:t>
+            </a:r>
             <a:endParaRPr lang="en-US" dirty="0"/>
           </a:p>
         </p:txBody>
@@ -26537,7 +26331,7 @@
   <p:clrMapOvr>
     <a:masterClrMapping/>
   </p:clrMapOvr>
-  <p:transition xmlns:p14="http://schemas.microsoft.com/office/powerpoint/2010/main" spd="med">
+  <p:transition spd="med">
     <p:fade/>
   </p:transition>
 </p:sld>
@@ -26583,8 +26377,12 @@
           <a:lstStyle/>
           <a:p>
             <a:r>
+              <a:rPr lang="en-US" dirty="0" smtClean="0"/>
+              <a:t>GL: </a:t>
+            </a:r>
+            <a:r>
               <a:rPr lang="en-US" dirty="0"/>
-              <a:t>GE: Adding an </a:t>
+              <a:t>Adding an </a:t>
             </a:r>
             <a:r>
               <a:rPr lang="en-US" dirty="0" err="1"/>
@@ -26691,7 +26489,7 @@
   <p:clrMapOvr>
     <a:masterClrMapping/>
   </p:clrMapOvr>
-  <p:transition xmlns:p14="http://schemas.microsoft.com/office/powerpoint/2010/main" spd="med">
+  <p:transition spd="med">
     <p:fade/>
   </p:transition>
 </p:sld>
@@ -26757,8 +26555,20 @@
           <a:lstStyle/>
           <a:p>
             <a:r>
-              <a:rPr lang="en-US" smtClean="0"/>
-              <a:t>GE: Create the `inspec` Directory</a:t>
+              <a:rPr lang="en-US" dirty="0" smtClean="0"/>
+              <a:t>GL: </a:t>
+            </a:r>
+            <a:r>
+              <a:rPr lang="en-US" dirty="0" smtClean="0"/>
+              <a:t>Create the `</a:t>
+            </a:r>
+            <a:r>
+              <a:rPr lang="en-US" dirty="0" err="1" smtClean="0"/>
+              <a:t>inspec</a:t>
+            </a:r>
+            <a:r>
+              <a:rPr lang="en-US" dirty="0" smtClean="0"/>
+              <a:t>` Directory</a:t>
             </a:r>
             <a:endParaRPr lang="en-US" dirty="0"/>
           </a:p>
@@ -26774,7 +26584,7 @@
   <p:clrMapOvr>
     <a:masterClrMapping/>
   </p:clrMapOvr>
-  <p:transition xmlns:p14="http://schemas.microsoft.com/office/powerpoint/2010/main" spd="med">
+  <p:transition spd="med">
     <p:fade/>
   </p:transition>
 </p:sld>
@@ -26813,8 +26623,12 @@
           <a:lstStyle/>
           <a:p>
             <a:r>
+              <a:rPr lang="en-US" dirty="0" smtClean="0"/>
+              <a:t>GL: </a:t>
+            </a:r>
+            <a:r>
               <a:rPr lang="en-US" dirty="0"/>
-              <a:t>GE: Create the `</a:t>
+              <a:t>Create the `</a:t>
             </a:r>
             <a:r>
               <a:rPr lang="en-US" dirty="0" err="1"/>
@@ -26996,7 +26810,7 @@
   <p:clrMapOvr>
     <a:masterClrMapping/>
   </p:clrMapOvr>
-  <p:transition xmlns:p14="http://schemas.microsoft.com/office/powerpoint/2010/main" spd="med">
+  <p:transition spd="med">
     <p:fade/>
   </p:transition>
 </p:sld>
@@ -27163,473 +26977,13 @@
   <p:clrMapOvr>
     <a:masterClrMapping/>
   </p:clrMapOvr>
-  <p:transition xmlns:p14="http://schemas.microsoft.com/office/powerpoint/2010/main" spd="med">
+  <p:transition spd="med">
     <p:fade/>
   </p:transition>
 </p:sld>
 </file>
 
 <file path=ppt/slides/slide45.xml><?xml version="1.0" encoding="utf-8"?>
-<p:sld xmlns:a="http://schemas.openxmlformats.org/drawingml/2006/main" xmlns:r="http://schemas.openxmlformats.org/officeDocument/2006/relationships" xmlns:p="http://schemas.openxmlformats.org/presentationml/2006/main" show="0">
-  <p:cSld>
-    <p:spTree>
-      <p:nvGrpSpPr>
-        <p:cNvPr id="1" name=""/>
-        <p:cNvGrpSpPr/>
-        <p:nvPr/>
-      </p:nvGrpSpPr>
-      <p:grpSpPr>
-        <a:xfrm>
-          <a:off x="0" y="0"/>
-          <a:ext cx="0" cy="0"/>
-          <a:chOff x="0" y="0"/>
-          <a:chExt cx="0" cy="0"/>
-        </a:xfrm>
-      </p:grpSpPr>
-      <p:sp>
-        <p:nvSpPr>
-          <p:cNvPr id="2" name="Title 1"/>
-          <p:cNvSpPr>
-            <a:spLocks noGrp="1"/>
-          </p:cNvSpPr>
-          <p:nvPr>
-            <p:ph type="title"/>
-          </p:nvPr>
-        </p:nvSpPr>
-        <p:spPr/>
-        <p:txBody>
-          <a:bodyPr/>
-          <a:lstStyle/>
-          <a:p>
-            <a:r>
-              <a:rPr lang="en-US" dirty="0"/>
-              <a:t>GE: </a:t>
-            </a:r>
-            <a:r>
-              <a:rPr lang="en-US" dirty="0" smtClean="0"/>
-              <a:t>Add the </a:t>
-            </a:r>
-            <a:r>
-              <a:rPr lang="en-US" dirty="0" err="1" smtClean="0"/>
-              <a:t>InSpec</a:t>
-            </a:r>
-            <a:r>
-              <a:rPr lang="en-US" dirty="0" smtClean="0"/>
-              <a:t> Verifier</a:t>
-            </a:r>
-            <a:endParaRPr lang="en-US" dirty="0"/>
-          </a:p>
-        </p:txBody>
-      </p:sp>
-      <p:sp>
-        <p:nvSpPr>
-          <p:cNvPr id="3" name="Content Placeholder 2"/>
-          <p:cNvSpPr>
-            <a:spLocks noGrp="1"/>
-          </p:cNvSpPr>
-          <p:nvPr>
-            <p:ph sz="quarter" idx="10"/>
-          </p:nvPr>
-        </p:nvSpPr>
-        <p:spPr/>
-        <p:txBody>
-          <a:bodyPr>
-            <a:normAutofit fontScale="77500" lnSpcReduction="20000"/>
-          </a:bodyPr>
-          <a:lstStyle/>
-          <a:p>
-            <a:r>
-              <a:rPr lang="en-US" sz="2900" b="1" dirty="0"/>
-              <a:t>---</a:t>
-            </a:r>
-          </a:p>
-          <a:p>
-            <a:r>
-              <a:rPr lang="en-US" sz="2900" b="1" dirty="0"/>
-              <a:t>driver:</a:t>
-            </a:r>
-          </a:p>
-          <a:p>
-            <a:r>
-              <a:rPr lang="en-US" sz="2900" b="1" dirty="0"/>
-              <a:t>  name: </a:t>
-            </a:r>
-            <a:r>
-              <a:rPr lang="en-US" sz="2900" b="1" dirty="0" err="1"/>
-              <a:t>docker</a:t>
-            </a:r>
-            <a:endParaRPr lang="en-US" sz="2900" b="1" dirty="0"/>
-          </a:p>
-          <a:p>
-            <a:endParaRPr lang="en-US" sz="2900" b="1" dirty="0"/>
-          </a:p>
-          <a:p>
-            <a:r>
-              <a:rPr lang="en-US" sz="2900" b="1" dirty="0" err="1"/>
-              <a:t>provisioner</a:t>
-            </a:r>
-            <a:r>
-              <a:rPr lang="en-US" sz="2900" b="1" dirty="0"/>
-              <a:t>:</a:t>
-            </a:r>
-          </a:p>
-          <a:p>
-            <a:r>
-              <a:rPr lang="en-US" sz="2900" b="1" dirty="0"/>
-              <a:t>  name: </a:t>
-            </a:r>
-            <a:r>
-              <a:rPr lang="en-US" sz="2900" b="1" dirty="0" err="1"/>
-              <a:t>chef_zero</a:t>
-            </a:r>
-            <a:endParaRPr lang="en-US" sz="2900" b="1" dirty="0"/>
-          </a:p>
-          <a:p>
-            <a:endParaRPr lang="en-US" sz="2900" b="1" dirty="0"/>
-          </a:p>
-          <a:p>
-            <a:r>
-              <a:rPr lang="en-US" sz="2900" b="1" dirty="0"/>
-              <a:t># Uncomment the following verifier to leverage </a:t>
-            </a:r>
-            <a:r>
-              <a:rPr lang="en-US" sz="2900" b="1" dirty="0" err="1"/>
-              <a:t>Inspec</a:t>
-            </a:r>
-            <a:r>
-              <a:rPr lang="en-US" sz="2900" b="1" dirty="0"/>
-              <a:t> instead of Busser (the</a:t>
-            </a:r>
-          </a:p>
-          <a:p>
-            <a:r>
-              <a:rPr lang="en-US" sz="2900" b="1" dirty="0" smtClean="0"/>
-              <a:t># </a:t>
-            </a:r>
-            <a:r>
-              <a:rPr lang="en-US" sz="2900" b="1" dirty="0"/>
-              <a:t>default verifier)</a:t>
-            </a:r>
-          </a:p>
-          <a:p>
-            <a:r>
-              <a:rPr lang="en-US" sz="2900" b="1" dirty="0"/>
-              <a:t>verifier:</a:t>
-            </a:r>
-          </a:p>
-          <a:p>
-            <a:r>
-              <a:rPr lang="en-US" sz="2900" b="1" dirty="0" smtClean="0"/>
-              <a:t> name</a:t>
-            </a:r>
-            <a:r>
-              <a:rPr lang="en-US" sz="2900" b="1" dirty="0"/>
-              <a:t>: </a:t>
-            </a:r>
-            <a:r>
-              <a:rPr lang="en-US" sz="2900" b="1" dirty="0" err="1" smtClean="0"/>
-              <a:t>inspec</a:t>
-            </a:r>
-            <a:endParaRPr lang="en-US" sz="2900" b="1" dirty="0" smtClean="0"/>
-          </a:p>
-          <a:p>
-            <a:endParaRPr lang="en-US" sz="2900" b="1" dirty="0"/>
-          </a:p>
-          <a:p>
-            <a:r>
-              <a:rPr lang="en-US" sz="2900" b="1" dirty="0"/>
-              <a:t>platforms:</a:t>
-            </a:r>
-          </a:p>
-          <a:p>
-            <a:r>
-              <a:rPr lang="en-US" sz="2900" b="1" dirty="0"/>
-              <a:t>  # - name: ubuntu-14.04</a:t>
-            </a:r>
-          </a:p>
-          <a:p>
-            <a:r>
-              <a:rPr lang="en-US" sz="2900" b="1" dirty="0"/>
-              <a:t>  - name: centos-6.7</a:t>
-            </a:r>
-          </a:p>
-          <a:p>
-            <a:endParaRPr lang="en-US" sz="2900" b="1" dirty="0"/>
-          </a:p>
-        </p:txBody>
-      </p:sp>
-      <p:sp>
-        <p:nvSpPr>
-          <p:cNvPr id="4" name="Text Placeholder 3"/>
-          <p:cNvSpPr>
-            <a:spLocks noGrp="1"/>
-          </p:cNvSpPr>
-          <p:nvPr>
-            <p:ph type="body" sz="quarter" idx="11"/>
-          </p:nvPr>
-        </p:nvSpPr>
-        <p:spPr/>
-        <p:txBody>
-          <a:bodyPr/>
-          <a:lstStyle/>
-          <a:p>
-            <a:r>
-              <a:rPr lang="en-US" dirty="0"/>
-              <a:t>~/cookbooks/ssh/.</a:t>
-            </a:r>
-            <a:r>
-              <a:rPr lang="en-US" dirty="0" err="1"/>
-              <a:t>kitchen.yml</a:t>
-            </a:r>
-            <a:endParaRPr lang="en-US" dirty="0"/>
-          </a:p>
-        </p:txBody>
-      </p:sp>
-      <p:sp>
-        <p:nvSpPr>
-          <p:cNvPr id="6" name="Text Placeholder 5"/>
-          <p:cNvSpPr>
-            <a:spLocks noGrp="1"/>
-          </p:cNvSpPr>
-          <p:nvPr>
-            <p:ph type="body" sz="quarter" idx="13"/>
-          </p:nvPr>
-        </p:nvSpPr>
-        <p:spPr>
-          <a:xfrm>
-            <a:off x="1121104" y="5459506"/>
-            <a:ext cx="14404273" cy="804134"/>
-          </a:xfrm>
-        </p:spPr>
-        <p:txBody>
-          <a:bodyPr/>
-          <a:lstStyle/>
-          <a:p>
-            <a:endParaRPr lang="en-US" dirty="0"/>
-          </a:p>
-        </p:txBody>
-      </p:sp>
-    </p:spTree>
-    <p:extLst>
-      <p:ext uri="{BB962C8B-B14F-4D97-AF65-F5344CB8AC3E}">
-        <p14:creationId xmlns:p14="http://schemas.microsoft.com/office/powerpoint/2010/main" val="1836666162"/>
-      </p:ext>
-    </p:extLst>
-  </p:cSld>
-  <p:clrMapOvr>
-    <a:masterClrMapping/>
-  </p:clrMapOvr>
-  <p:transition xmlns:p14="http://schemas.microsoft.com/office/powerpoint/2010/main" spd="med">
-    <p:fade/>
-  </p:transition>
-</p:sld>
-</file>
-
-<file path=ppt/slides/slide46.xml><?xml version="1.0" encoding="utf-8"?>
-<p:sld xmlns:a="http://schemas.openxmlformats.org/drawingml/2006/main" xmlns:r="http://schemas.openxmlformats.org/officeDocument/2006/relationships" xmlns:p="http://schemas.openxmlformats.org/presentationml/2006/main" show="0">
-  <p:cSld>
-    <p:spTree>
-      <p:nvGrpSpPr>
-        <p:cNvPr id="1" name=""/>
-        <p:cNvGrpSpPr/>
-        <p:nvPr/>
-      </p:nvGrpSpPr>
-      <p:grpSpPr>
-        <a:xfrm>
-          <a:off x="0" y="0"/>
-          <a:ext cx="0" cy="0"/>
-          <a:chOff x="0" y="0"/>
-          <a:chExt cx="0" cy="0"/>
-        </a:xfrm>
-      </p:grpSpPr>
-      <p:sp>
-        <p:nvSpPr>
-          <p:cNvPr id="2" name="Content Placeholder 1"/>
-          <p:cNvSpPr>
-            <a:spLocks noGrp="1"/>
-          </p:cNvSpPr>
-          <p:nvPr>
-            <p:ph sz="quarter" idx="10"/>
-          </p:nvPr>
-        </p:nvSpPr>
-        <p:spPr>
-          <a:xfrm>
-            <a:off x="1121104" y="3135133"/>
-            <a:ext cx="14423693" cy="4938350"/>
-          </a:xfrm>
-        </p:spPr>
-        <p:txBody>
-          <a:bodyPr/>
-          <a:lstStyle/>
-          <a:p>
-            <a:r>
-              <a:rPr lang="en-US" dirty="0"/>
-              <a:t>-----&gt; Starting Kitchen (v1.4.2)</a:t>
-            </a:r>
-          </a:p>
-          <a:p>
-            <a:r>
-              <a:rPr lang="en-US" dirty="0"/>
-              <a:t>/opt/chefdk/embedded/lib/ruby/gems/2.1.0/gems/httpclient-2.6.0.1/lib/</a:t>
-            </a:r>
-            <a:r>
-              <a:rPr lang="en-US" dirty="0" err="1"/>
-              <a:t>httpclient</a:t>
-            </a:r>
-            <a:r>
-              <a:rPr lang="en-US" dirty="0"/>
-              <a:t>/webagent-cookie.rb:458: warning: already initialized constant </a:t>
-            </a:r>
-            <a:r>
-              <a:rPr lang="en-US" dirty="0" err="1"/>
-              <a:t>HTTPClient</a:t>
-            </a:r>
-            <a:r>
-              <a:rPr lang="en-US" dirty="0"/>
-              <a:t>::</a:t>
-            </a:r>
-            <a:r>
-              <a:rPr lang="en-US" dirty="0" err="1"/>
-              <a:t>CookieManager</a:t>
-            </a:r>
-            <a:endParaRPr lang="en-US" dirty="0"/>
-          </a:p>
-          <a:p>
-            <a:r>
-              <a:rPr lang="en-US" dirty="0" smtClean="0"/>
-              <a:t>...</a:t>
-            </a:r>
-          </a:p>
-          <a:p>
-            <a:r>
-              <a:rPr lang="en-US" dirty="0" smtClean="0"/>
-              <a:t>Preparing </a:t>
-            </a:r>
-            <a:r>
-              <a:rPr lang="en-US" dirty="0"/>
-              <a:t>files for transfer</a:t>
-            </a:r>
-          </a:p>
-          <a:p>
-            <a:r>
-              <a:rPr lang="en-US" dirty="0"/>
-              <a:t>       Transferring files to &lt;client-centos-67&gt;</a:t>
-            </a:r>
-          </a:p>
-          <a:p>
-            <a:r>
-              <a:rPr lang="en-US" dirty="0"/>
-              <a:t>       Finished verifying &lt;client-centos-67&gt; (0m0.00s</a:t>
-            </a:r>
-            <a:r>
-              <a:rPr lang="en-US" dirty="0" smtClean="0"/>
-              <a:t>).</a:t>
-            </a:r>
-            <a:endParaRPr lang="en-US" dirty="0"/>
-          </a:p>
-          <a:p>
-            <a:r>
-              <a:rPr lang="en-US" dirty="0"/>
-              <a:t>-----&gt; Kitchen is finished. (0m1.91s)</a:t>
-            </a:r>
-          </a:p>
-          <a:p>
-            <a:endParaRPr lang="en-US" dirty="0"/>
-          </a:p>
-          <a:p>
-            <a:endParaRPr lang="en-US" dirty="0"/>
-          </a:p>
-        </p:txBody>
-      </p:sp>
-      <p:sp>
-        <p:nvSpPr>
-          <p:cNvPr id="3" name="Text Placeholder 2"/>
-          <p:cNvSpPr>
-            <a:spLocks noGrp="1"/>
-          </p:cNvSpPr>
-          <p:nvPr>
-            <p:ph type="body" sz="quarter" idx="11"/>
-          </p:nvPr>
-        </p:nvSpPr>
-        <p:spPr>
-          <a:xfrm>
-            <a:off x="1121104" y="1337149"/>
-            <a:ext cx="14422528" cy="1594310"/>
-          </a:xfrm>
-        </p:spPr>
-        <p:txBody>
-          <a:bodyPr/>
-          <a:lstStyle/>
-          <a:p>
-            <a:endParaRPr lang="en-US" dirty="0" smtClean="0"/>
-          </a:p>
-          <a:p>
-            <a:r>
-              <a:rPr lang="en-US" dirty="0" smtClean="0"/>
-              <a:t>$ cd </a:t>
-            </a:r>
-            <a:r>
-              <a:rPr lang="en-US" dirty="0"/>
-              <a:t>~/</a:t>
-            </a:r>
-            <a:r>
-              <a:rPr lang="en-US" dirty="0" smtClean="0"/>
-              <a:t>cookbooks/ssh</a:t>
-            </a:r>
-            <a:endParaRPr lang="en-US" dirty="0"/>
-          </a:p>
-          <a:p>
-            <a:r>
-              <a:rPr lang="en-US" dirty="0" smtClean="0"/>
-              <a:t>$ kitchen verify</a:t>
-            </a:r>
-            <a:endParaRPr lang="en-US" dirty="0"/>
-          </a:p>
-          <a:p>
-            <a:endParaRPr lang="en-US" dirty="0"/>
-          </a:p>
-        </p:txBody>
-      </p:sp>
-      <p:sp>
-        <p:nvSpPr>
-          <p:cNvPr id="5" name="Title 4"/>
-          <p:cNvSpPr>
-            <a:spLocks noGrp="1"/>
-          </p:cNvSpPr>
-          <p:nvPr>
-            <p:ph type="title"/>
-          </p:nvPr>
-        </p:nvSpPr>
-        <p:spPr/>
-        <p:txBody>
-          <a:bodyPr/>
-          <a:lstStyle/>
-          <a:p>
-            <a:r>
-              <a:rPr lang="en-US" dirty="0" smtClean="0"/>
-              <a:t>GE: Run the Verifier</a:t>
-            </a:r>
-            <a:endParaRPr lang="en-US" dirty="0"/>
-          </a:p>
-        </p:txBody>
-      </p:sp>
-    </p:spTree>
-    <p:extLst>
-      <p:ext uri="{BB962C8B-B14F-4D97-AF65-F5344CB8AC3E}">
-        <p14:creationId xmlns:p14="http://schemas.microsoft.com/office/powerpoint/2010/main" val="1515688099"/>
-      </p:ext>
-    </p:extLst>
-  </p:cSld>
-  <p:clrMapOvr>
-    <a:masterClrMapping/>
-  </p:clrMapOvr>
-  <p:transition xmlns:p14="http://schemas.microsoft.com/office/powerpoint/2010/main" spd="med">
-    <p:fade/>
-  </p:transition>
-</p:sld>
-</file>
-
-<file path=ppt/slides/slide47.xml><?xml version="1.0" encoding="utf-8"?>
 <p:sld xmlns:a="http://schemas.openxmlformats.org/drawingml/2006/main" xmlns:r="http://schemas.openxmlformats.org/officeDocument/2006/relationships" xmlns:p="http://schemas.openxmlformats.org/presentationml/2006/main">
   <p:cSld>
     <p:spTree>
@@ -27673,11 +27027,31 @@
             </a:r>
             <a:r>
               <a:rPr lang="en-US" dirty="0" smtClean="0"/>
-              <a:t> from the command </a:t>
-            </a:r>
-            <a:r>
-              <a:rPr lang="en-US" smtClean="0"/>
-              <a:t>line interface (CLI)</a:t>
+              <a:t> from the </a:t>
+            </a:r>
+            <a:r>
+              <a:rPr lang="en-US" dirty="0" smtClean="0"/>
+              <a:t>Command </a:t>
+            </a:r>
+            <a:r>
+              <a:rPr lang="en-US" dirty="0"/>
+              <a:t>L</a:t>
+            </a:r>
+            <a:r>
+              <a:rPr lang="en-US" dirty="0" smtClean="0"/>
+              <a:t>ine </a:t>
+            </a:r>
+            <a:r>
+              <a:rPr lang="en-US" dirty="0"/>
+              <a:t>I</a:t>
+            </a:r>
+            <a:r>
+              <a:rPr lang="en-US" dirty="0" smtClean="0"/>
+              <a:t>nterface </a:t>
+            </a:r>
+            <a:r>
+              <a:rPr lang="en-US" dirty="0" smtClean="0"/>
+              <a:t>(CLI)</a:t>
             </a:r>
             <a:endParaRPr lang="en-US" dirty="0"/>
           </a:p>
@@ -27757,20 +27131,20 @@
   <p:clrMapOvr>
     <a:masterClrMapping/>
   </p:clrMapOvr>
-  <p:transition xmlns:p14="http://schemas.microsoft.com/office/powerpoint/2010/main" spd="med">
+  <p:transition spd="med">
     <p:fade/>
   </p:transition>
   <p:timing>
     <p:tnLst>
       <p:par>
-        <p:cTn xmlns:p14="http://schemas.microsoft.com/office/powerpoint/2010/main" id="1" dur="indefinite" restart="never" nodeType="tmRoot"/>
+        <p:cTn id="1" dur="indefinite" restart="never" nodeType="tmRoot"/>
       </p:par>
     </p:tnLst>
   </p:timing>
 </p:sld>
 </file>
 
-<file path=ppt/slides/slide48.xml><?xml version="1.0" encoding="utf-8"?>
+<file path=ppt/slides/slide46.xml><?xml version="1.0" encoding="utf-8"?>
 <p:sld xmlns:a="http://schemas.openxmlformats.org/drawingml/2006/main" xmlns:r="http://schemas.openxmlformats.org/officeDocument/2006/relationships" xmlns:p="http://schemas.openxmlformats.org/presentationml/2006/main">
   <p:cSld>
     <p:spTree>
@@ -27913,7 +27287,11 @@
           <a:p>
             <a:r>
               <a:rPr lang="en-US" dirty="0" smtClean="0"/>
-              <a:t>GE: What is your Docker ID?</a:t>
+              <a:t>GL: </a:t>
+            </a:r>
+            <a:r>
+              <a:rPr lang="en-US" dirty="0" smtClean="0"/>
+              <a:t>What is your Docker ID?</a:t>
             </a:r>
             <a:endParaRPr lang="en-US" dirty="0"/>
           </a:p>
@@ -28052,13 +27430,489 @@
   <p:clrMapOvr>
     <a:masterClrMapping/>
   </p:clrMapOvr>
-  <p:transition xmlns:p14="http://schemas.microsoft.com/office/powerpoint/2010/main" spd="med">
+  <p:transition spd="med">
     <p:fade/>
   </p:transition>
   <p:timing>
     <p:tnLst>
       <p:par>
-        <p:cTn xmlns:p14="http://schemas.microsoft.com/office/powerpoint/2010/main" id="1" dur="indefinite" restart="never" nodeType="tmRoot"/>
+        <p:cTn id="1" dur="indefinite" restart="never" nodeType="tmRoot"/>
+      </p:par>
+    </p:tnLst>
+  </p:timing>
+</p:sld>
+</file>
+
+<file path=ppt/slides/slide47.xml><?xml version="1.0" encoding="utf-8"?>
+<p:sld xmlns:a="http://schemas.openxmlformats.org/drawingml/2006/main" xmlns:r="http://schemas.openxmlformats.org/officeDocument/2006/relationships" xmlns:p="http://schemas.openxmlformats.org/presentationml/2006/main">
+  <p:cSld>
+    <p:spTree>
+      <p:nvGrpSpPr>
+        <p:cNvPr id="1" name=""/>
+        <p:cNvGrpSpPr/>
+        <p:nvPr/>
+      </p:nvGrpSpPr>
+      <p:grpSpPr>
+        <a:xfrm>
+          <a:off x="0" y="0"/>
+          <a:ext cx="0" cy="0"/>
+          <a:chOff x="0" y="0"/>
+          <a:chExt cx="0" cy="0"/>
+        </a:xfrm>
+      </p:grpSpPr>
+      <p:sp>
+        <p:nvSpPr>
+          <p:cNvPr id="2" name="Content Placeholder 1"/>
+          <p:cNvSpPr>
+            <a:spLocks noGrp="1"/>
+          </p:cNvSpPr>
+          <p:nvPr>
+            <p:ph sz="quarter" idx="10"/>
+          </p:nvPr>
+        </p:nvSpPr>
+        <p:spPr>
+          <a:xfrm>
+            <a:off x="1121104" y="3228515"/>
+            <a:ext cx="14423693" cy="4667928"/>
+          </a:xfrm>
+        </p:spPr>
+        <p:txBody>
+          <a:bodyPr/>
+          <a:lstStyle/>
+          <a:p>
+            <a:r>
+              <a:rPr lang="en-US" sz="1200" dirty="0" smtClean="0"/>
+              <a:t>Failures:</a:t>
+            </a:r>
+            <a:endParaRPr lang="en-US" sz="1200" dirty="0"/>
+          </a:p>
+          <a:p>
+            <a:r>
+              <a:rPr lang="en-US" sz="1200" dirty="0"/>
+              <a:t>  1) SSH Configuration Protocol should </a:t>
+            </a:r>
+            <a:r>
+              <a:rPr lang="en-US" sz="1200" dirty="0" err="1"/>
+              <a:t>eq</a:t>
+            </a:r>
+            <a:r>
+              <a:rPr lang="en-US" sz="1200" dirty="0"/>
+              <a:t> "2"</a:t>
+            </a:r>
+          </a:p>
+          <a:p>
+            <a:r>
+              <a:rPr lang="en-US" sz="1200" dirty="0"/>
+              <a:t>     Failure/Error: its('Protocol') { should </a:t>
+            </a:r>
+            <a:r>
+              <a:rPr lang="en-US" sz="1200" dirty="0" err="1"/>
+              <a:t>eq</a:t>
+            </a:r>
+            <a:r>
+              <a:rPr lang="en-US" sz="1200" dirty="0"/>
+              <a:t>('2') }</a:t>
+            </a:r>
+          </a:p>
+          <a:p>
+            <a:endParaRPr lang="en-US" sz="1200" dirty="0"/>
+          </a:p>
+          <a:p>
+            <a:r>
+              <a:rPr lang="en-US" sz="1200" dirty="0"/>
+              <a:t>       expected: "2"</a:t>
+            </a:r>
+          </a:p>
+          <a:p>
+            <a:r>
+              <a:rPr lang="en-US" sz="1200" dirty="0"/>
+              <a:t>            got: nil</a:t>
+            </a:r>
+          </a:p>
+          <a:p>
+            <a:endParaRPr lang="en-US" sz="1200" dirty="0"/>
+          </a:p>
+          <a:p>
+            <a:r>
+              <a:rPr lang="en-US" sz="1200" dirty="0"/>
+              <a:t>       (compared using ==)</a:t>
+            </a:r>
+          </a:p>
+          <a:p>
+            <a:r>
+              <a:rPr lang="en-US" sz="1200" dirty="0"/>
+              <a:t>     # ./test/integration/client/</a:t>
+            </a:r>
+            <a:r>
+              <a:rPr lang="en-US" sz="1200" dirty="0" err="1"/>
+              <a:t>inspec</a:t>
+            </a:r>
+            <a:r>
+              <a:rPr lang="en-US" sz="1200" dirty="0"/>
+              <a:t>/client_spec.rb:9:in `block (3 levels) in load'</a:t>
+            </a:r>
+          </a:p>
+          <a:p>
+            <a:endParaRPr lang="en-US" sz="1200" dirty="0"/>
+          </a:p>
+          <a:p>
+            <a:r>
+              <a:rPr lang="en-US" sz="1200" dirty="0"/>
+              <a:t>Finished in 0.79369 seconds (files took 0.7207 seconds to load)</a:t>
+            </a:r>
+          </a:p>
+          <a:p>
+            <a:r>
+              <a:rPr lang="en-US" sz="1200" dirty="0"/>
+              <a:t>1 example, 1 failure</a:t>
+            </a:r>
+          </a:p>
+          <a:p>
+            <a:endParaRPr lang="en-US" sz="1200" dirty="0"/>
+          </a:p>
+          <a:p>
+            <a:r>
+              <a:rPr lang="en-US" sz="1200" dirty="0"/>
+              <a:t>Failed examples:</a:t>
+            </a:r>
+          </a:p>
+          <a:p>
+            <a:endParaRPr lang="en-US" sz="1200" dirty="0"/>
+          </a:p>
+          <a:p>
+            <a:r>
+              <a:rPr lang="en-US" sz="1200" dirty="0" err="1"/>
+              <a:t>rspec</a:t>
+            </a:r>
+            <a:r>
+              <a:rPr lang="en-US" sz="1200" dirty="0"/>
+              <a:t>  # SSH Configuration Protocol should </a:t>
+            </a:r>
+            <a:r>
+              <a:rPr lang="en-US" sz="1200" dirty="0" err="1"/>
+              <a:t>eq</a:t>
+            </a:r>
+            <a:r>
+              <a:rPr lang="en-US" sz="1200" dirty="0"/>
+              <a:t> "2"</a:t>
+            </a:r>
+          </a:p>
+          <a:p>
+            <a:endParaRPr lang="en-US" sz="1200" dirty="0"/>
+          </a:p>
+        </p:txBody>
+      </p:sp>
+      <p:sp>
+        <p:nvSpPr>
+          <p:cNvPr id="3" name="Text Placeholder 2"/>
+          <p:cNvSpPr>
+            <a:spLocks noGrp="1"/>
+          </p:cNvSpPr>
+          <p:nvPr>
+            <p:ph type="body" sz="quarter" idx="11"/>
+          </p:nvPr>
+        </p:nvSpPr>
+        <p:spPr>
+          <a:xfrm>
+            <a:off x="1121104" y="1337149"/>
+            <a:ext cx="14422528" cy="1512377"/>
+          </a:xfrm>
+        </p:spPr>
+        <p:txBody>
+          <a:bodyPr/>
+          <a:lstStyle/>
+          <a:p>
+            <a:r>
+              <a:rPr lang="en-US" dirty="0" smtClean="0"/>
+              <a:t>$ </a:t>
+            </a:r>
+            <a:r>
+              <a:rPr lang="en-US" dirty="0" err="1"/>
+              <a:t>inspec</a:t>
+            </a:r>
+            <a:r>
+              <a:rPr lang="en-US" dirty="0"/>
+              <a:t> </a:t>
+            </a:r>
+            <a:r>
+              <a:rPr lang="en-US" dirty="0" smtClean="0"/>
+              <a:t>exec ~/</a:t>
+            </a:r>
+            <a:r>
+              <a:rPr lang="en-US" dirty="0"/>
+              <a:t>cookbooks/ssh/test/integration/client/</a:t>
+            </a:r>
+            <a:r>
+              <a:rPr lang="en-US" dirty="0" err="1"/>
+              <a:t>inspec</a:t>
+            </a:r>
+            <a:r>
+              <a:rPr lang="en-US" dirty="0"/>
+              <a:t>/</a:t>
+            </a:r>
+            <a:r>
+              <a:rPr lang="en-US" dirty="0" err="1"/>
+              <a:t>client_spec.rb</a:t>
+            </a:r>
+            <a:r>
+              <a:rPr lang="en-US" dirty="0"/>
+              <a:t> -t docker</a:t>
+            </a:r>
+            <a:r>
+              <a:rPr lang="en-US" dirty="0" smtClean="0"/>
+              <a:t>://CONTAINER_ID </a:t>
+            </a:r>
+            <a:endParaRPr lang="en-US" dirty="0"/>
+          </a:p>
+        </p:txBody>
+      </p:sp>
+      <p:sp>
+        <p:nvSpPr>
+          <p:cNvPr id="5" name="Title 4"/>
+          <p:cNvSpPr>
+            <a:spLocks noGrp="1"/>
+          </p:cNvSpPr>
+          <p:nvPr>
+            <p:ph type="title"/>
+          </p:nvPr>
+        </p:nvSpPr>
+        <p:spPr>
+          <a:xfrm>
+            <a:off x="608432" y="360193"/>
+            <a:ext cx="14935200" cy="828675"/>
+          </a:xfrm>
+        </p:spPr>
+        <p:txBody>
+          <a:bodyPr/>
+          <a:lstStyle/>
+          <a:p>
+            <a:r>
+              <a:rPr lang="en-US" dirty="0" smtClean="0"/>
+              <a:t>GL: </a:t>
+            </a:r>
+            <a:r>
+              <a:rPr lang="en-US" dirty="0"/>
+              <a:t>Running </a:t>
+            </a:r>
+            <a:r>
+              <a:rPr lang="en-US" dirty="0" err="1"/>
+              <a:t>InSpec</a:t>
+            </a:r>
+            <a:r>
+              <a:rPr lang="en-US" dirty="0"/>
+              <a:t> from the CLI</a:t>
+            </a:r>
+          </a:p>
+        </p:txBody>
+      </p:sp>
+    </p:spTree>
+    <p:extLst>
+      <p:ext uri="{BB962C8B-B14F-4D97-AF65-F5344CB8AC3E}">
+        <p14:creationId xmlns:p14="http://schemas.microsoft.com/office/powerpoint/2010/main" val="372084642"/>
+      </p:ext>
+    </p:extLst>
+  </p:cSld>
+  <p:clrMapOvr>
+    <a:masterClrMapping/>
+  </p:clrMapOvr>
+  <p:transition spd="med">
+    <p:fade/>
+  </p:transition>
+  <p:timing>
+    <p:tnLst>
+      <p:par>
+        <p:cTn id="1" dur="indefinite" restart="never" nodeType="tmRoot"/>
+      </p:par>
+    </p:tnLst>
+  </p:timing>
+</p:sld>
+</file>
+
+<file path=ppt/slides/slide48.xml><?xml version="1.0" encoding="utf-8"?>
+<p:sld xmlns:a="http://schemas.openxmlformats.org/drawingml/2006/main" xmlns:r="http://schemas.openxmlformats.org/officeDocument/2006/relationships" xmlns:p="http://schemas.openxmlformats.org/presentationml/2006/main">
+  <p:cSld>
+    <p:spTree>
+      <p:nvGrpSpPr>
+        <p:cNvPr id="1" name=""/>
+        <p:cNvGrpSpPr/>
+        <p:nvPr/>
+      </p:nvGrpSpPr>
+      <p:grpSpPr>
+        <a:xfrm>
+          <a:off x="0" y="0"/>
+          <a:ext cx="0" cy="0"/>
+          <a:chOff x="0" y="0"/>
+          <a:chExt cx="0" cy="0"/>
+        </a:xfrm>
+      </p:grpSpPr>
+      <p:sp>
+        <p:nvSpPr>
+          <p:cNvPr id="2" name="Title 1"/>
+          <p:cNvSpPr>
+            <a:spLocks noGrp="1"/>
+          </p:cNvSpPr>
+          <p:nvPr>
+            <p:ph type="title"/>
+          </p:nvPr>
+        </p:nvSpPr>
+        <p:spPr/>
+        <p:txBody>
+          <a:bodyPr/>
+          <a:lstStyle/>
+          <a:p>
+            <a:r>
+              <a:rPr lang="en-US" dirty="0" smtClean="0"/>
+              <a:t>GL: </a:t>
+            </a:r>
+            <a:r>
+              <a:rPr lang="en-US" dirty="0"/>
+              <a:t>Update the Template</a:t>
+            </a:r>
+          </a:p>
+        </p:txBody>
+      </p:sp>
+      <p:sp>
+        <p:nvSpPr>
+          <p:cNvPr id="3" name="Content Placeholder 2"/>
+          <p:cNvSpPr>
+            <a:spLocks noGrp="1"/>
+          </p:cNvSpPr>
+          <p:nvPr>
+            <p:ph sz="quarter" idx="10"/>
+          </p:nvPr>
+        </p:nvSpPr>
+        <p:spPr/>
+        <p:txBody>
+          <a:bodyPr/>
+          <a:lstStyle/>
+          <a:p>
+            <a:r>
+              <a:rPr lang="en-US" b="1" dirty="0"/>
+              <a:t>#   </a:t>
+            </a:r>
+            <a:r>
+              <a:rPr lang="en-US" b="1" dirty="0" err="1"/>
+              <a:t>IdentityFile</a:t>
+            </a:r>
+            <a:r>
+              <a:rPr lang="en-US" b="1" dirty="0"/>
+              <a:t> ~/.ssh/</a:t>
+            </a:r>
+            <a:r>
+              <a:rPr lang="en-US" b="1" dirty="0" err="1"/>
+              <a:t>id_rsa</a:t>
+            </a:r>
+            <a:endParaRPr lang="en-US" b="1" dirty="0"/>
+          </a:p>
+          <a:p>
+            <a:r>
+              <a:rPr lang="en-US" b="1" dirty="0"/>
+              <a:t>#   </a:t>
+            </a:r>
+            <a:r>
+              <a:rPr lang="en-US" b="1" dirty="0" err="1"/>
+              <a:t>IdentityFile</a:t>
+            </a:r>
+            <a:r>
+              <a:rPr lang="en-US" b="1" dirty="0"/>
+              <a:t> ~/.ssh/</a:t>
+            </a:r>
+            <a:r>
+              <a:rPr lang="en-US" b="1" dirty="0" err="1"/>
+              <a:t>id_dsa</a:t>
+            </a:r>
+            <a:endParaRPr lang="en-US" b="1" dirty="0"/>
+          </a:p>
+          <a:p>
+            <a:r>
+              <a:rPr lang="en-US" b="1" dirty="0"/>
+              <a:t>#   Port 22</a:t>
+            </a:r>
+          </a:p>
+          <a:p>
+            <a:r>
+              <a:rPr lang="en-US" b="1" dirty="0"/>
+              <a:t>#   Protocol </a:t>
+            </a:r>
+            <a:r>
+              <a:rPr lang="en-US" b="1" dirty="0" smtClean="0"/>
+              <a:t>2,1</a:t>
+            </a:r>
+            <a:endParaRPr lang="en-US" b="1" dirty="0"/>
+          </a:p>
+          <a:p>
+            <a:endParaRPr lang="en-US" dirty="0"/>
+          </a:p>
+        </p:txBody>
+      </p:sp>
+      <p:sp>
+        <p:nvSpPr>
+          <p:cNvPr id="4" name="Text Placeholder 3"/>
+          <p:cNvSpPr>
+            <a:spLocks noGrp="1"/>
+          </p:cNvSpPr>
+          <p:nvPr>
+            <p:ph type="body" sz="quarter" idx="11"/>
+          </p:nvPr>
+        </p:nvSpPr>
+        <p:spPr/>
+        <p:txBody>
+          <a:bodyPr/>
+          <a:lstStyle/>
+          <a:p>
+            <a:r>
+              <a:rPr lang="en-US" dirty="0" smtClean="0"/>
+              <a:t>~/cookbooks/ssh/templates/default/</a:t>
+            </a:r>
+            <a:r>
+              <a:rPr lang="en-US" dirty="0" err="1" smtClean="0"/>
+              <a:t>ssh_config.erb</a:t>
+            </a:r>
+            <a:endParaRPr lang="en-US" dirty="0"/>
+          </a:p>
+        </p:txBody>
+      </p:sp>
+      <p:sp>
+        <p:nvSpPr>
+          <p:cNvPr id="5" name="Text Placeholder 4"/>
+          <p:cNvSpPr>
+            <a:spLocks noGrp="1"/>
+          </p:cNvSpPr>
+          <p:nvPr>
+            <p:ph type="body" sz="quarter" idx="12"/>
+          </p:nvPr>
+        </p:nvSpPr>
+        <p:spPr>
+          <a:xfrm>
+            <a:off x="1198583" y="3627899"/>
+            <a:ext cx="14404273" cy="659007"/>
+          </a:xfrm>
+        </p:spPr>
+        <p:txBody>
+          <a:bodyPr/>
+          <a:lstStyle/>
+          <a:p>
+            <a:endParaRPr lang="en-US" dirty="0"/>
+          </a:p>
+        </p:txBody>
+      </p:sp>
+    </p:spTree>
+    <p:extLst>
+      <p:ext uri="{BB962C8B-B14F-4D97-AF65-F5344CB8AC3E}">
+        <p14:creationId xmlns:p14="http://schemas.microsoft.com/office/powerpoint/2010/main" val="1938383060"/>
+      </p:ext>
+    </p:extLst>
+  </p:cSld>
+  <p:clrMapOvr>
+    <a:masterClrMapping/>
+  </p:clrMapOvr>
+  <p:transition spd="med">
+    <p:fade/>
+  </p:transition>
+  <p:timing>
+    <p:tnLst>
+      <p:par>
+        <p:cTn id="1" dur="indefinite" restart="never" nodeType="tmRoot"/>
       </p:par>
     </p:tnLst>
   </p:timing>
@@ -28084,269 +27938,167 @@
       </p:grpSpPr>
       <p:sp>
         <p:nvSpPr>
-          <p:cNvPr id="2" name="Content Placeholder 1"/>
+          <p:cNvPr id="2" name="Title 1"/>
+          <p:cNvSpPr>
+            <a:spLocks noGrp="1"/>
+          </p:cNvSpPr>
+          <p:nvPr>
+            <p:ph type="title"/>
+          </p:nvPr>
+        </p:nvSpPr>
+        <p:spPr/>
+        <p:txBody>
+          <a:bodyPr/>
+          <a:lstStyle/>
+          <a:p>
+            <a:r>
+              <a:rPr lang="en-US" dirty="0" smtClean="0"/>
+              <a:t>GL: </a:t>
+            </a:r>
+            <a:r>
+              <a:rPr lang="en-US" dirty="0"/>
+              <a:t>Update the Template</a:t>
+            </a:r>
+          </a:p>
+        </p:txBody>
+      </p:sp>
+      <p:sp>
+        <p:nvSpPr>
+          <p:cNvPr id="3" name="Content Placeholder 2"/>
           <p:cNvSpPr>
             <a:spLocks noGrp="1"/>
           </p:cNvSpPr>
           <p:nvPr>
             <p:ph sz="quarter" idx="10"/>
+          </p:nvPr>
+        </p:nvSpPr>
+        <p:spPr/>
+        <p:txBody>
+          <a:bodyPr/>
+          <a:lstStyle/>
+          <a:p>
+            <a:r>
+              <a:rPr lang="en-US" b="1" dirty="0"/>
+              <a:t>#   </a:t>
+            </a:r>
+            <a:r>
+              <a:rPr lang="en-US" b="1" dirty="0" err="1"/>
+              <a:t>IdentityFile</a:t>
+            </a:r>
+            <a:r>
+              <a:rPr lang="en-US" b="1" dirty="0"/>
+              <a:t> ~/.ssh/</a:t>
+            </a:r>
+            <a:r>
+              <a:rPr lang="en-US" b="1" dirty="0" err="1"/>
+              <a:t>id_rsa</a:t>
+            </a:r>
+            <a:endParaRPr lang="en-US" b="1" dirty="0"/>
+          </a:p>
+          <a:p>
+            <a:r>
+              <a:rPr lang="en-US" b="1" dirty="0"/>
+              <a:t>#   </a:t>
+            </a:r>
+            <a:r>
+              <a:rPr lang="en-US" b="1" dirty="0" err="1"/>
+              <a:t>IdentityFile</a:t>
+            </a:r>
+            <a:r>
+              <a:rPr lang="en-US" b="1" dirty="0"/>
+              <a:t> ~/.ssh/</a:t>
+            </a:r>
+            <a:r>
+              <a:rPr lang="en-US" b="1" dirty="0" err="1"/>
+              <a:t>id_dsa</a:t>
+            </a:r>
+            <a:endParaRPr lang="en-US" b="1" dirty="0"/>
+          </a:p>
+          <a:p>
+            <a:r>
+              <a:rPr lang="en-US" b="1" dirty="0"/>
+              <a:t>#   Port </a:t>
+            </a:r>
+            <a:r>
+              <a:rPr lang="en-US" b="1" dirty="0" smtClean="0"/>
+              <a:t>22</a:t>
+            </a:r>
+          </a:p>
+          <a:p>
+            <a:r>
+              <a:rPr lang="en-US" b="1" dirty="0" smtClean="0"/>
+              <a:t>Protocol 2</a:t>
+            </a:r>
+          </a:p>
+          <a:p>
+            <a:endParaRPr lang="en-US" dirty="0"/>
+          </a:p>
+        </p:txBody>
+      </p:sp>
+      <p:sp>
+        <p:nvSpPr>
+          <p:cNvPr id="4" name="Text Placeholder 3"/>
+          <p:cNvSpPr>
+            <a:spLocks noGrp="1"/>
+          </p:cNvSpPr>
+          <p:nvPr>
+            <p:ph type="body" sz="quarter" idx="11"/>
+          </p:nvPr>
+        </p:nvSpPr>
+        <p:spPr/>
+        <p:txBody>
+          <a:bodyPr/>
+          <a:lstStyle/>
+          <a:p>
+            <a:r>
+              <a:rPr lang="en-US" dirty="0" smtClean="0"/>
+              <a:t>~/cookbooks/ssh/templates/default/</a:t>
+            </a:r>
+            <a:r>
+              <a:rPr lang="en-US" dirty="0" err="1" smtClean="0"/>
+              <a:t>ssh_config.erb</a:t>
+            </a:r>
+            <a:endParaRPr lang="en-US" dirty="0"/>
+          </a:p>
+        </p:txBody>
+      </p:sp>
+      <p:sp>
+        <p:nvSpPr>
+          <p:cNvPr id="6" name="Text Placeholder 5"/>
+          <p:cNvSpPr>
+            <a:spLocks noGrp="1"/>
+          </p:cNvSpPr>
+          <p:nvPr>
+            <p:ph type="body" sz="quarter" idx="13"/>
           </p:nvPr>
         </p:nvSpPr>
         <p:spPr>
           <a:xfrm>
-            <a:off x="1121104" y="3228515"/>
-            <a:ext cx="14423693" cy="4667928"/>
+            <a:off x="1139359" y="3696890"/>
+            <a:ext cx="14404273" cy="626533"/>
           </a:xfrm>
         </p:spPr>
         <p:txBody>
           <a:bodyPr/>
           <a:lstStyle/>
           <a:p>
-            <a:r>
-              <a:rPr lang="en-US" sz="1200" dirty="0" smtClean="0"/>
-              <a:t>Failures:</a:t>
-            </a:r>
-            <a:endParaRPr lang="en-US" sz="1200" dirty="0"/>
-          </a:p>
-          <a:p>
-            <a:r>
-              <a:rPr lang="en-US" sz="1200" dirty="0"/>
-              <a:t>  1) SSH Configuration Protocol should </a:t>
-            </a:r>
-            <a:r>
-              <a:rPr lang="en-US" sz="1200" dirty="0" err="1"/>
-              <a:t>eq</a:t>
-            </a:r>
-            <a:r>
-              <a:rPr lang="en-US" sz="1200" dirty="0"/>
-              <a:t> "2"</a:t>
-            </a:r>
-          </a:p>
-          <a:p>
-            <a:r>
-              <a:rPr lang="en-US" sz="1200" dirty="0"/>
-              <a:t>     Failure/Error: its('Protocol') { should </a:t>
-            </a:r>
-            <a:r>
-              <a:rPr lang="en-US" sz="1200" dirty="0" err="1"/>
-              <a:t>eq</a:t>
-            </a:r>
-            <a:r>
-              <a:rPr lang="en-US" sz="1200" dirty="0"/>
-              <a:t>('2') }</a:t>
-            </a:r>
-          </a:p>
-          <a:p>
-            <a:endParaRPr lang="en-US" sz="1200" dirty="0"/>
-          </a:p>
-          <a:p>
-            <a:r>
-              <a:rPr lang="en-US" sz="1200" dirty="0"/>
-              <a:t>       expected: "2"</a:t>
-            </a:r>
-          </a:p>
-          <a:p>
-            <a:r>
-              <a:rPr lang="en-US" sz="1200" dirty="0"/>
-              <a:t>            got: nil</a:t>
-            </a:r>
-          </a:p>
-          <a:p>
-            <a:endParaRPr lang="en-US" sz="1200" dirty="0"/>
-          </a:p>
-          <a:p>
-            <a:r>
-              <a:rPr lang="en-US" sz="1200" dirty="0"/>
-              <a:t>       (compared using ==)</a:t>
-            </a:r>
-          </a:p>
-          <a:p>
-            <a:r>
-              <a:rPr lang="en-US" sz="1200" dirty="0"/>
-              <a:t>     # ./test/integration/client/</a:t>
-            </a:r>
-            <a:r>
-              <a:rPr lang="en-US" sz="1200" dirty="0" err="1"/>
-              <a:t>inspec</a:t>
-            </a:r>
-            <a:r>
-              <a:rPr lang="en-US" sz="1200" dirty="0"/>
-              <a:t>/client_spec.rb:9:in `block (3 levels) in load'</a:t>
-            </a:r>
-          </a:p>
-          <a:p>
-            <a:endParaRPr lang="en-US" sz="1200" dirty="0"/>
-          </a:p>
-          <a:p>
-            <a:r>
-              <a:rPr lang="en-US" sz="1200" dirty="0"/>
-              <a:t>Finished in 0.79369 seconds (files took 0.7207 seconds to load)</a:t>
-            </a:r>
-          </a:p>
-          <a:p>
-            <a:r>
-              <a:rPr lang="en-US" sz="1200" dirty="0"/>
-              <a:t>1 example, 1 failure</a:t>
-            </a:r>
-          </a:p>
-          <a:p>
-            <a:endParaRPr lang="en-US" sz="1200" dirty="0"/>
-          </a:p>
-          <a:p>
-            <a:r>
-              <a:rPr lang="en-US" sz="1200" dirty="0"/>
-              <a:t>Failed examples:</a:t>
-            </a:r>
-          </a:p>
-          <a:p>
-            <a:endParaRPr lang="en-US" sz="1200" dirty="0"/>
-          </a:p>
-          <a:p>
-            <a:r>
-              <a:rPr lang="en-US" sz="1200" dirty="0" err="1"/>
-              <a:t>rspec</a:t>
-            </a:r>
-            <a:r>
-              <a:rPr lang="en-US" sz="1200" dirty="0"/>
-              <a:t>  # SSH Configuration Protocol should </a:t>
-            </a:r>
-            <a:r>
-              <a:rPr lang="en-US" sz="1200" dirty="0" err="1"/>
-              <a:t>eq</a:t>
-            </a:r>
-            <a:r>
-              <a:rPr lang="en-US" sz="1200" dirty="0"/>
-              <a:t> "2"</a:t>
-            </a:r>
-          </a:p>
-          <a:p>
-            <a:endParaRPr lang="en-US" sz="1200" dirty="0"/>
-          </a:p>
-        </p:txBody>
-      </p:sp>
-      <p:sp>
-        <p:nvSpPr>
-          <p:cNvPr id="3" name="Text Placeholder 2"/>
-          <p:cNvSpPr>
-            <a:spLocks noGrp="1"/>
-          </p:cNvSpPr>
-          <p:nvPr>
-            <p:ph type="body" sz="quarter" idx="11"/>
-          </p:nvPr>
-        </p:nvSpPr>
-        <p:spPr>
-          <a:xfrm>
-            <a:off x="1121104" y="1337149"/>
-            <a:ext cx="14422528" cy="1512377"/>
-          </a:xfrm>
-        </p:spPr>
-        <p:txBody>
-          <a:bodyPr/>
-          <a:lstStyle/>
-          <a:p>
-            <a:r>
-              <a:rPr lang="en-US" dirty="0" smtClean="0"/>
-              <a:t>$ </a:t>
-            </a:r>
-            <a:r>
-              <a:rPr lang="en-US" dirty="0" err="1"/>
-              <a:t>inspec</a:t>
-            </a:r>
-            <a:r>
-              <a:rPr lang="en-US" dirty="0"/>
-              <a:t> </a:t>
-            </a:r>
-            <a:r>
-              <a:rPr lang="en-US" dirty="0" smtClean="0"/>
-              <a:t>exec ~/</a:t>
-            </a:r>
-            <a:r>
-              <a:rPr lang="en-US" dirty="0"/>
-              <a:t>cookbooks/ssh/test/integration/client/</a:t>
-            </a:r>
-            <a:r>
-              <a:rPr lang="en-US" dirty="0" err="1"/>
-              <a:t>inspec</a:t>
-            </a:r>
-            <a:r>
-              <a:rPr lang="en-US" dirty="0"/>
-              <a:t>/</a:t>
-            </a:r>
-            <a:r>
-              <a:rPr lang="en-US" dirty="0" err="1"/>
-              <a:t>client_spec.rb</a:t>
-            </a:r>
-            <a:r>
-              <a:rPr lang="en-US" dirty="0"/>
-              <a:t> -t docker</a:t>
-            </a:r>
-            <a:r>
-              <a:rPr lang="en-US" dirty="0" smtClean="0"/>
-              <a:t>://CONTAINER_ID </a:t>
-            </a:r>
             <a:endParaRPr lang="en-US" dirty="0"/>
-          </a:p>
-        </p:txBody>
-      </p:sp>
-      <p:sp>
-        <p:nvSpPr>
-          <p:cNvPr id="5" name="Title 4"/>
-          <p:cNvSpPr>
-            <a:spLocks noGrp="1"/>
-          </p:cNvSpPr>
-          <p:nvPr>
-            <p:ph type="title"/>
-          </p:nvPr>
-        </p:nvSpPr>
-        <p:spPr>
-          <a:xfrm>
-            <a:off x="608432" y="360193"/>
-            <a:ext cx="14935200" cy="828675"/>
-          </a:xfrm>
-        </p:spPr>
-        <p:txBody>
-          <a:bodyPr/>
-          <a:lstStyle/>
-          <a:p>
-            <a:r>
-              <a:rPr lang="en-US" dirty="0" smtClean="0"/>
-              <a:t>GE: </a:t>
-            </a:r>
-            <a:r>
-              <a:rPr lang="en-US" dirty="0"/>
-              <a:t>Running </a:t>
-            </a:r>
-            <a:r>
-              <a:rPr lang="en-US" dirty="0" err="1"/>
-              <a:t>InSpec</a:t>
-            </a:r>
-            <a:r>
-              <a:rPr lang="en-US" dirty="0"/>
-              <a:t> from the CLI</a:t>
-            </a:r>
           </a:p>
         </p:txBody>
       </p:sp>
     </p:spTree>
     <p:extLst>
       <p:ext uri="{BB962C8B-B14F-4D97-AF65-F5344CB8AC3E}">
-        <p14:creationId xmlns:p14="http://schemas.microsoft.com/office/powerpoint/2010/main" val="372084642"/>
+        <p14:creationId xmlns:p14="http://schemas.microsoft.com/office/powerpoint/2010/main" val="3137575415"/>
       </p:ext>
     </p:extLst>
   </p:cSld>
   <p:clrMapOvr>
     <a:masterClrMapping/>
   </p:clrMapOvr>
-  <p:transition xmlns:p14="http://schemas.microsoft.com/office/powerpoint/2010/main" spd="med">
+  <p:transition spd="med">
     <p:fade/>
   </p:transition>
-  <p:timing>
-    <p:tnLst>
-      <p:par>
-        <p:cTn xmlns:p14="http://schemas.microsoft.com/office/powerpoint/2010/main" id="1" dur="indefinite" restart="never" nodeType="tmRoot"/>
-      </p:par>
-    </p:tnLst>
-  </p:timing>
 </p:sld>
 </file>
 
@@ -28384,7 +28136,7 @@
           <a:p>
             <a:r>
               <a:rPr lang="en-US" dirty="0" smtClean="0"/>
-              <a:t>GE: </a:t>
+              <a:t>GL: </a:t>
             </a:r>
             <a:r>
               <a:rPr lang="en-US" dirty="0"/>
@@ -28461,7 +28213,7 @@
           <p:nvPr/>
         </p:nvPicPr>
         <p:blipFill>
-          <a:blip r:embed="rId2">
+          <a:blip r:embed="rId3">
             <a:extLst>
               <a:ext uri="{28A0092B-C50C-407E-A947-70E740481C1C}">
                 <a14:useLocalDpi xmlns:a14="http://schemas.microsoft.com/office/drawing/2010/main" val="0"/>
@@ -28474,12 +28226,17 @@
         </p:blipFill>
         <p:spPr>
           <a:xfrm>
-            <a:off x="6912086" y="2951272"/>
-            <a:ext cx="8636000" cy="3632200"/>
+            <a:off x="6139532" y="3110419"/>
+            <a:ext cx="9728594" cy="4091732"/>
           </a:xfrm>
           <a:prstGeom prst="rect">
             <a:avLst/>
           </a:prstGeom>
+          <a:ln>
+            <a:solidFill>
+              <a:schemeClr val="accent1"/>
+            </a:solidFill>
+          </a:ln>
         </p:spPr>
       </p:pic>
     </p:spTree>
@@ -28492,13 +28249,13 @@
   <p:clrMapOvr>
     <a:masterClrMapping/>
   </p:clrMapOvr>
-  <p:transition xmlns:p14="http://schemas.microsoft.com/office/powerpoint/2010/main" spd="med">
+  <p:transition spd="med">
     <p:fade/>
   </p:transition>
   <p:timing>
     <p:tnLst>
       <p:par>
-        <p:cTn xmlns:p14="http://schemas.microsoft.com/office/powerpoint/2010/main" id="1" dur="indefinite" restart="never" nodeType="tmRoot"/>
+        <p:cTn id="1" dur="indefinite" restart="never" nodeType="tmRoot"/>
       </p:par>
     </p:tnLst>
   </p:timing>
@@ -28524,171 +28281,80 @@
       </p:grpSpPr>
       <p:sp>
         <p:nvSpPr>
-          <p:cNvPr id="2" name="Title 1"/>
-          <p:cNvSpPr>
-            <a:spLocks noGrp="1"/>
-          </p:cNvSpPr>
-          <p:nvPr>
-            <p:ph type="title"/>
-          </p:nvPr>
-        </p:nvSpPr>
-        <p:spPr/>
-        <p:txBody>
-          <a:bodyPr/>
-          <a:lstStyle/>
-          <a:p>
-            <a:r>
-              <a:rPr lang="en-US" dirty="0"/>
-              <a:t>GE: Update the Template</a:t>
-            </a:r>
-          </a:p>
-        </p:txBody>
-      </p:sp>
-      <p:sp>
-        <p:nvSpPr>
-          <p:cNvPr id="3" name="Content Placeholder 2"/>
-          <p:cNvSpPr>
-            <a:spLocks noGrp="1"/>
-          </p:cNvSpPr>
-          <p:nvPr>
-            <p:ph sz="quarter" idx="10"/>
-          </p:nvPr>
-        </p:nvSpPr>
-        <p:spPr/>
-        <p:txBody>
-          <a:bodyPr/>
-          <a:lstStyle/>
-          <a:p>
-            <a:r>
-              <a:rPr lang="en-US" b="1" dirty="0"/>
-              <a:t>#   </a:t>
-            </a:r>
-            <a:r>
-              <a:rPr lang="en-US" b="1" dirty="0" err="1"/>
-              <a:t>IdentityFile</a:t>
-            </a:r>
-            <a:r>
-              <a:rPr lang="en-US" b="1" dirty="0"/>
-              <a:t> ~/.ssh/</a:t>
-            </a:r>
-            <a:r>
-              <a:rPr lang="en-US" b="1" dirty="0" err="1"/>
-              <a:t>id_rsa</a:t>
-            </a:r>
-            <a:endParaRPr lang="en-US" b="1" dirty="0"/>
-          </a:p>
-          <a:p>
-            <a:r>
-              <a:rPr lang="en-US" b="1" dirty="0"/>
-              <a:t>#   </a:t>
-            </a:r>
-            <a:r>
-              <a:rPr lang="en-US" b="1" dirty="0" err="1"/>
-              <a:t>IdentityFile</a:t>
-            </a:r>
-            <a:r>
-              <a:rPr lang="en-US" b="1" dirty="0"/>
-              <a:t> ~/.ssh/</a:t>
-            </a:r>
-            <a:r>
-              <a:rPr lang="en-US" b="1" dirty="0" err="1"/>
-              <a:t>id_dsa</a:t>
-            </a:r>
-            <a:endParaRPr lang="en-US" b="1" dirty="0"/>
-          </a:p>
-          <a:p>
-            <a:r>
-              <a:rPr lang="en-US" b="1" dirty="0"/>
-              <a:t>#   Port 22</a:t>
-            </a:r>
-          </a:p>
-          <a:p>
-            <a:r>
-              <a:rPr lang="en-US" b="1" dirty="0"/>
-              <a:t>#   Protocol </a:t>
-            </a:r>
-            <a:r>
-              <a:rPr lang="en-US" b="1" dirty="0" smtClean="0"/>
-              <a:t>2,1</a:t>
-            </a:r>
-            <a:endParaRPr lang="en-US" b="1" dirty="0"/>
-          </a:p>
-          <a:p>
-            <a:endParaRPr lang="en-US" dirty="0"/>
-          </a:p>
-        </p:txBody>
-      </p:sp>
-      <p:sp>
-        <p:nvSpPr>
-          <p:cNvPr id="4" name="Text Placeholder 3"/>
+          <p:cNvPr id="3" name="Text Placeholder 2"/>
           <p:cNvSpPr>
             <a:spLocks noGrp="1"/>
           </p:cNvSpPr>
           <p:nvPr>
             <p:ph type="body" sz="quarter" idx="11"/>
-          </p:nvPr>
-        </p:nvSpPr>
-        <p:spPr/>
-        <p:txBody>
-          <a:bodyPr/>
-          <a:lstStyle/>
-          <a:p>
-            <a:r>
-              <a:rPr lang="en-US" dirty="0" smtClean="0"/>
-              <a:t>~/cookbooks/ssh/templates/default/</a:t>
-            </a:r>
-            <a:r>
-              <a:rPr lang="en-US" dirty="0" err="1" smtClean="0"/>
-              <a:t>ssh_config.erb</a:t>
-            </a:r>
-            <a:endParaRPr lang="en-US" dirty="0"/>
-          </a:p>
-        </p:txBody>
-      </p:sp>
-      <p:sp>
-        <p:nvSpPr>
-          <p:cNvPr id="5" name="Text Placeholder 4"/>
-          <p:cNvSpPr>
-            <a:spLocks noGrp="1"/>
-          </p:cNvSpPr>
-          <p:nvPr>
-            <p:ph type="body" sz="quarter" idx="12"/>
           </p:nvPr>
         </p:nvSpPr>
         <p:spPr>
           <a:xfrm>
-            <a:off x="1198583" y="3627899"/>
-            <a:ext cx="14404273" cy="659007"/>
+            <a:off x="1121104" y="1337149"/>
+            <a:ext cx="14422528" cy="1108871"/>
           </a:xfrm>
         </p:spPr>
         <p:txBody>
           <a:bodyPr/>
           <a:lstStyle/>
           <a:p>
-            <a:endParaRPr lang="en-US" dirty="0"/>
+            <a:r>
+              <a:rPr lang="en-US" dirty="0" smtClean="0"/>
+              <a:t>$ </a:t>
+            </a:r>
+            <a:r>
+              <a:rPr lang="en-US" dirty="0"/>
+              <a:t>cd ~/cookbooks/ssh</a:t>
+            </a:r>
+          </a:p>
+        </p:txBody>
+      </p:sp>
+      <p:sp>
+        <p:nvSpPr>
+          <p:cNvPr id="5" name="Title 4"/>
+          <p:cNvSpPr>
+            <a:spLocks noGrp="1"/>
+          </p:cNvSpPr>
+          <p:nvPr>
+            <p:ph type="title"/>
+          </p:nvPr>
+        </p:nvSpPr>
+        <p:spPr/>
+        <p:txBody>
+          <a:bodyPr>
+            <a:normAutofit/>
+          </a:bodyPr>
+          <a:lstStyle/>
+          <a:p>
+            <a:r>
+              <a:rPr lang="en-US" dirty="0" smtClean="0"/>
+              <a:t>GL: </a:t>
+            </a:r>
+            <a:r>
+              <a:rPr lang="en-US" dirty="0" smtClean="0"/>
+              <a:t>Ensure you are in ~/</a:t>
+            </a:r>
+            <a:r>
+              <a:rPr lang="en-US" dirty="0"/>
+              <a:t>cookbooks/ssh</a:t>
+            </a:r>
           </a:p>
         </p:txBody>
       </p:sp>
     </p:spTree>
     <p:extLst>
       <p:ext uri="{BB962C8B-B14F-4D97-AF65-F5344CB8AC3E}">
-        <p14:creationId xmlns:p14="http://schemas.microsoft.com/office/powerpoint/2010/main" val="1938383060"/>
+        <p14:creationId xmlns:p14="http://schemas.microsoft.com/office/powerpoint/2010/main" val="2566115230"/>
       </p:ext>
     </p:extLst>
   </p:cSld>
   <p:clrMapOvr>
     <a:masterClrMapping/>
   </p:clrMapOvr>
-  <p:transition xmlns:p14="http://schemas.microsoft.com/office/powerpoint/2010/main" spd="med">
+  <p:transition spd="med">
     <p:fade/>
   </p:transition>
-  <p:timing>
-    <p:tnLst>
-      <p:par>
-        <p:cTn xmlns:p14="http://schemas.microsoft.com/office/powerpoint/2010/main" id="1" dur="indefinite" restart="never" nodeType="tmRoot"/>
-      </p:par>
-    </p:tnLst>
-  </p:timing>
 </p:sld>
 </file>
 
@@ -28711,281 +28377,6 @@
       </p:grpSpPr>
       <p:sp>
         <p:nvSpPr>
-          <p:cNvPr id="2" name="Title 1"/>
-          <p:cNvSpPr>
-            <a:spLocks noGrp="1"/>
-          </p:cNvSpPr>
-          <p:nvPr>
-            <p:ph type="title"/>
-          </p:nvPr>
-        </p:nvSpPr>
-        <p:spPr/>
-        <p:txBody>
-          <a:bodyPr/>
-          <a:lstStyle/>
-          <a:p>
-            <a:r>
-              <a:rPr lang="en-US" dirty="0"/>
-              <a:t>GE: Update the Template</a:t>
-            </a:r>
-          </a:p>
-        </p:txBody>
-      </p:sp>
-      <p:sp>
-        <p:nvSpPr>
-          <p:cNvPr id="3" name="Content Placeholder 2"/>
-          <p:cNvSpPr>
-            <a:spLocks noGrp="1"/>
-          </p:cNvSpPr>
-          <p:nvPr>
-            <p:ph sz="quarter" idx="10"/>
-          </p:nvPr>
-        </p:nvSpPr>
-        <p:spPr/>
-        <p:txBody>
-          <a:bodyPr/>
-          <a:lstStyle/>
-          <a:p>
-            <a:r>
-              <a:rPr lang="en-US" b="1" dirty="0"/>
-              <a:t>#   </a:t>
-            </a:r>
-            <a:r>
-              <a:rPr lang="en-US" b="1" dirty="0" err="1"/>
-              <a:t>IdentityFile</a:t>
-            </a:r>
-            <a:r>
-              <a:rPr lang="en-US" b="1" dirty="0"/>
-              <a:t> ~/.ssh/</a:t>
-            </a:r>
-            <a:r>
-              <a:rPr lang="en-US" b="1" dirty="0" err="1"/>
-              <a:t>id_rsa</a:t>
-            </a:r>
-            <a:endParaRPr lang="en-US" b="1" dirty="0"/>
-          </a:p>
-          <a:p>
-            <a:r>
-              <a:rPr lang="en-US" b="1" dirty="0"/>
-              <a:t>#   </a:t>
-            </a:r>
-            <a:r>
-              <a:rPr lang="en-US" b="1" dirty="0" err="1"/>
-              <a:t>IdentityFile</a:t>
-            </a:r>
-            <a:r>
-              <a:rPr lang="en-US" b="1" dirty="0"/>
-              <a:t> ~/.ssh/</a:t>
-            </a:r>
-            <a:r>
-              <a:rPr lang="en-US" b="1" dirty="0" err="1"/>
-              <a:t>id_dsa</a:t>
-            </a:r>
-            <a:endParaRPr lang="en-US" b="1" dirty="0"/>
-          </a:p>
-          <a:p>
-            <a:r>
-              <a:rPr lang="en-US" b="1" dirty="0"/>
-              <a:t>#   Port </a:t>
-            </a:r>
-            <a:r>
-              <a:rPr lang="en-US" b="1" dirty="0" smtClean="0"/>
-              <a:t>22</a:t>
-            </a:r>
-          </a:p>
-          <a:p>
-            <a:r>
-              <a:rPr lang="en-US" b="1" dirty="0" smtClean="0"/>
-              <a:t>Protocol 2</a:t>
-            </a:r>
-          </a:p>
-          <a:p>
-            <a:endParaRPr lang="en-US" dirty="0"/>
-          </a:p>
-        </p:txBody>
-      </p:sp>
-      <p:sp>
-        <p:nvSpPr>
-          <p:cNvPr id="4" name="Text Placeholder 3"/>
-          <p:cNvSpPr>
-            <a:spLocks noGrp="1"/>
-          </p:cNvSpPr>
-          <p:nvPr>
-            <p:ph type="body" sz="quarter" idx="11"/>
-          </p:nvPr>
-        </p:nvSpPr>
-        <p:spPr/>
-        <p:txBody>
-          <a:bodyPr/>
-          <a:lstStyle/>
-          <a:p>
-            <a:r>
-              <a:rPr lang="en-US" dirty="0" smtClean="0"/>
-              <a:t>~/cookbooks/ssh/templates/default/</a:t>
-            </a:r>
-            <a:r>
-              <a:rPr lang="en-US" dirty="0" err="1" smtClean="0"/>
-              <a:t>ssh_config.erb</a:t>
-            </a:r>
-            <a:endParaRPr lang="en-US" dirty="0"/>
-          </a:p>
-        </p:txBody>
-      </p:sp>
-      <p:sp>
-        <p:nvSpPr>
-          <p:cNvPr id="6" name="Text Placeholder 5"/>
-          <p:cNvSpPr>
-            <a:spLocks noGrp="1"/>
-          </p:cNvSpPr>
-          <p:nvPr>
-            <p:ph type="body" sz="quarter" idx="13"/>
-          </p:nvPr>
-        </p:nvSpPr>
-        <p:spPr>
-          <a:xfrm>
-            <a:off x="1139359" y="3696890"/>
-            <a:ext cx="14404273" cy="626533"/>
-          </a:xfrm>
-        </p:spPr>
-        <p:txBody>
-          <a:bodyPr/>
-          <a:lstStyle/>
-          <a:p>
-            <a:endParaRPr lang="en-US" dirty="0"/>
-          </a:p>
-        </p:txBody>
-      </p:sp>
-    </p:spTree>
-    <p:extLst>
-      <p:ext uri="{BB962C8B-B14F-4D97-AF65-F5344CB8AC3E}">
-        <p14:creationId xmlns:p14="http://schemas.microsoft.com/office/powerpoint/2010/main" val="3137575415"/>
-      </p:ext>
-    </p:extLst>
-  </p:cSld>
-  <p:clrMapOvr>
-    <a:masterClrMapping/>
-  </p:clrMapOvr>
-  <p:transition xmlns:p14="http://schemas.microsoft.com/office/powerpoint/2010/main" spd="med">
-    <p:fade/>
-  </p:transition>
-</p:sld>
-</file>
-
-<file path=ppt/slides/slide52.xml><?xml version="1.0" encoding="utf-8"?>
-<p:sld xmlns:a="http://schemas.openxmlformats.org/drawingml/2006/main" xmlns:r="http://schemas.openxmlformats.org/officeDocument/2006/relationships" xmlns:p="http://schemas.openxmlformats.org/presentationml/2006/main">
-  <p:cSld>
-    <p:spTree>
-      <p:nvGrpSpPr>
-        <p:cNvPr id="1" name=""/>
-        <p:cNvGrpSpPr/>
-        <p:nvPr/>
-      </p:nvGrpSpPr>
-      <p:grpSpPr>
-        <a:xfrm>
-          <a:off x="0" y="0"/>
-          <a:ext cx="0" cy="0"/>
-          <a:chOff x="0" y="0"/>
-          <a:chExt cx="0" cy="0"/>
-        </a:xfrm>
-      </p:grpSpPr>
-      <p:sp>
-        <p:nvSpPr>
-          <p:cNvPr id="3" name="Text Placeholder 2"/>
-          <p:cNvSpPr>
-            <a:spLocks noGrp="1"/>
-          </p:cNvSpPr>
-          <p:nvPr>
-            <p:ph type="body" sz="quarter" idx="11"/>
-          </p:nvPr>
-        </p:nvSpPr>
-        <p:spPr>
-          <a:xfrm>
-            <a:off x="1121104" y="1337149"/>
-            <a:ext cx="14422528" cy="1108871"/>
-          </a:xfrm>
-        </p:spPr>
-        <p:txBody>
-          <a:bodyPr/>
-          <a:lstStyle/>
-          <a:p>
-            <a:r>
-              <a:rPr lang="en-US" dirty="0" smtClean="0"/>
-              <a:t>$ </a:t>
-            </a:r>
-            <a:r>
-              <a:rPr lang="en-US" dirty="0"/>
-              <a:t>cd ~/cookbooks/ssh</a:t>
-            </a:r>
-          </a:p>
-        </p:txBody>
-      </p:sp>
-      <p:sp>
-        <p:nvSpPr>
-          <p:cNvPr id="5" name="Title 4"/>
-          <p:cNvSpPr>
-            <a:spLocks noGrp="1"/>
-          </p:cNvSpPr>
-          <p:nvPr>
-            <p:ph type="title"/>
-          </p:nvPr>
-        </p:nvSpPr>
-        <p:spPr/>
-        <p:txBody>
-          <a:bodyPr>
-            <a:normAutofit/>
-          </a:bodyPr>
-          <a:lstStyle/>
-          <a:p>
-            <a:r>
-              <a:rPr lang="en-US" dirty="0"/>
-              <a:t>GE: </a:t>
-            </a:r>
-            <a:r>
-              <a:rPr lang="en-US" dirty="0" smtClean="0"/>
-              <a:t>Ensure you are in ~/</a:t>
-            </a:r>
-            <a:r>
-              <a:rPr lang="en-US" dirty="0"/>
-              <a:t>cookbooks/ssh</a:t>
-            </a:r>
-          </a:p>
-        </p:txBody>
-      </p:sp>
-    </p:spTree>
-    <p:extLst>
-      <p:ext uri="{BB962C8B-B14F-4D97-AF65-F5344CB8AC3E}">
-        <p14:creationId xmlns:p14="http://schemas.microsoft.com/office/powerpoint/2010/main" val="2566115230"/>
-      </p:ext>
-    </p:extLst>
-  </p:cSld>
-  <p:clrMapOvr>
-    <a:masterClrMapping/>
-  </p:clrMapOvr>
-  <p:transition xmlns:p14="http://schemas.microsoft.com/office/powerpoint/2010/main" spd="med">
-    <p:fade/>
-  </p:transition>
-</p:sld>
-</file>
-
-<file path=ppt/slides/slide53.xml><?xml version="1.0" encoding="utf-8"?>
-<p:sld xmlns:a="http://schemas.openxmlformats.org/drawingml/2006/main" xmlns:r="http://schemas.openxmlformats.org/officeDocument/2006/relationships" xmlns:p="http://schemas.openxmlformats.org/presentationml/2006/main">
-  <p:cSld>
-    <p:spTree>
-      <p:nvGrpSpPr>
-        <p:cNvPr id="1" name=""/>
-        <p:cNvGrpSpPr/>
-        <p:nvPr/>
-      </p:nvGrpSpPr>
-      <p:grpSpPr>
-        <a:xfrm>
-          <a:off x="0" y="0"/>
-          <a:ext cx="0" cy="0"/>
-          <a:chOff x="0" y="0"/>
-          <a:chExt cx="0" cy="0"/>
-        </a:xfrm>
-      </p:grpSpPr>
-      <p:sp>
-        <p:nvSpPr>
           <p:cNvPr id="2" name="Content Placeholder 1"/>
           <p:cNvSpPr>
             <a:spLocks noGrp="1"/>
@@ -29231,8 +28622,8 @@
           <a:lstStyle/>
           <a:p>
             <a:r>
-              <a:rPr lang="en-US" dirty="0"/>
-              <a:t>GE: </a:t>
+              <a:rPr lang="en-US" dirty="0" smtClean="0"/>
+              <a:t>GL: </a:t>
             </a:r>
             <a:r>
               <a:rPr lang="en-US" dirty="0" smtClean="0"/>
@@ -29317,13 +28708,13 @@
   <p:clrMapOvr>
     <a:masterClrMapping/>
   </p:clrMapOvr>
-  <p:transition xmlns:p14="http://schemas.microsoft.com/office/powerpoint/2010/main" spd="med">
+  <p:transition spd="med">
     <p:fade/>
   </p:transition>
 </p:sld>
 </file>
 
-<file path=ppt/slides/slide54.xml><?xml version="1.0" encoding="utf-8"?>
+<file path=ppt/slides/slide52.xml><?xml version="1.0" encoding="utf-8"?>
 <p:sld xmlns:a="http://schemas.openxmlformats.org/drawingml/2006/main" xmlns:r="http://schemas.openxmlformats.org/officeDocument/2006/relationships" xmlns:p="http://schemas.openxmlformats.org/presentationml/2006/main">
   <p:cSld>
     <p:spTree>
@@ -29471,7 +28862,7 @@
           <a:p>
             <a:r>
               <a:rPr lang="en-US" dirty="0" smtClean="0"/>
-              <a:t>GE: </a:t>
+              <a:t>GL: </a:t>
             </a:r>
             <a:r>
               <a:rPr lang="en-US" dirty="0"/>
@@ -29498,20 +28889,20 @@
   <p:clrMapOvr>
     <a:masterClrMapping/>
   </p:clrMapOvr>
-  <p:transition xmlns:p14="http://schemas.microsoft.com/office/powerpoint/2010/main" spd="med">
+  <p:transition spd="med">
     <p:fade/>
   </p:transition>
   <p:timing>
     <p:tnLst>
       <p:par>
-        <p:cTn xmlns:p14="http://schemas.microsoft.com/office/powerpoint/2010/main" id="1" dur="indefinite" restart="never" nodeType="tmRoot"/>
+        <p:cTn id="1" dur="indefinite" restart="never" nodeType="tmRoot"/>
       </p:par>
     </p:tnLst>
   </p:timing>
 </p:sld>
 </file>
 
-<file path=ppt/slides/slide55.xml><?xml version="1.0" encoding="utf-8"?>
+<file path=ppt/slides/slide53.xml><?xml version="1.0" encoding="utf-8"?>
 <p:sld xmlns:a="http://schemas.openxmlformats.org/drawingml/2006/main" xmlns:r="http://schemas.openxmlformats.org/officeDocument/2006/relationships" xmlns:p="http://schemas.openxmlformats.org/presentationml/2006/main">
   <p:cSld>
     <p:spTree>
@@ -29799,8 +29190,8 @@
           <a:lstStyle/>
           <a:p>
             <a:r>
-              <a:rPr lang="en-US" dirty="0"/>
-              <a:t>GE: </a:t>
+              <a:rPr lang="en-US" dirty="0" smtClean="0"/>
+              <a:t>GL: </a:t>
             </a:r>
             <a:r>
               <a:rPr lang="en-US" dirty="0" smtClean="0"/>
@@ -29885,13 +29276,13 @@
   <p:clrMapOvr>
     <a:masterClrMapping/>
   </p:clrMapOvr>
-  <p:transition xmlns:p14="http://schemas.microsoft.com/office/powerpoint/2010/main" spd="med">
+  <p:transition spd="med">
     <p:fade/>
   </p:transition>
 </p:sld>
 </file>
 
-<file path=ppt/slides/slide56.xml><?xml version="1.0" encoding="utf-8"?>
+<file path=ppt/slides/slide54.xml><?xml version="1.0" encoding="utf-8"?>
 <p:sld xmlns:a="http://schemas.openxmlformats.org/drawingml/2006/main" xmlns:r="http://schemas.openxmlformats.org/officeDocument/2006/relationships" xmlns:p="http://schemas.openxmlformats.org/presentationml/2006/main">
   <p:cSld>
     <p:spTree>
@@ -29927,7 +29318,11 @@
           <a:p>
             <a:r>
               <a:rPr lang="en-US" dirty="0" smtClean="0"/>
-              <a:t>GE: Re-run the Compliance Scan</a:t>
+              <a:t>GL: </a:t>
+            </a:r>
+            <a:r>
+              <a:rPr lang="en-US" dirty="0" smtClean="0"/>
+              <a:t>Re-run the Compliance Scan</a:t>
             </a:r>
             <a:endParaRPr lang="en-US" dirty="0"/>
           </a:p>
@@ -30009,13 +29404,13 @@
   <p:clrMapOvr>
     <a:masterClrMapping/>
   </p:clrMapOvr>
-  <p:transition xmlns:p14="http://schemas.microsoft.com/office/powerpoint/2010/main" spd="med">
+  <p:transition spd="med">
     <p:fade/>
   </p:transition>
 </p:sld>
 </file>
 
-<file path=ppt/slides/slide57.xml><?xml version="1.0" encoding="utf-8"?>
+<file path=ppt/slides/slide55.xml><?xml version="1.0" encoding="utf-8"?>
 <p:sld xmlns:a="http://schemas.openxmlformats.org/drawingml/2006/main" xmlns:r="http://schemas.openxmlformats.org/officeDocument/2006/relationships" xmlns:p="http://schemas.openxmlformats.org/presentationml/2006/main">
   <p:cSld>
     <p:spTree>
@@ -30051,7 +29446,11 @@
           <a:p>
             <a:r>
               <a:rPr lang="en-US" dirty="0" smtClean="0"/>
-              <a:t>GE: Re-run the Compliance Scan</a:t>
+              <a:t>GL: </a:t>
+            </a:r>
+            <a:r>
+              <a:rPr lang="en-US" dirty="0" smtClean="0"/>
+              <a:t>Re-run the Compliance Scan</a:t>
             </a:r>
             <a:endParaRPr lang="en-US" dirty="0"/>
           </a:p>
@@ -30132,20 +29531,20 @@
   <p:clrMapOvr>
     <a:masterClrMapping/>
   </p:clrMapOvr>
-  <p:transition xmlns:p14="http://schemas.microsoft.com/office/powerpoint/2010/main" spd="med">
+  <p:transition spd="med">
     <p:fade/>
   </p:transition>
   <p:timing>
     <p:tnLst>
       <p:par>
-        <p:cTn xmlns:p14="http://schemas.microsoft.com/office/powerpoint/2010/main" id="1" dur="indefinite" restart="never" nodeType="tmRoot"/>
+        <p:cTn id="1" dur="indefinite" restart="never" nodeType="tmRoot"/>
       </p:par>
     </p:tnLst>
   </p:timing>
 </p:sld>
 </file>
 
-<file path=ppt/slides/slide58.xml><?xml version="1.0" encoding="utf-8"?>
+<file path=ppt/slides/slide56.xml><?xml version="1.0" encoding="utf-8"?>
 <p:sld xmlns:a="http://schemas.openxmlformats.org/drawingml/2006/main" xmlns:r="http://schemas.openxmlformats.org/officeDocument/2006/relationships" xmlns:p="http://schemas.openxmlformats.org/presentationml/2006/main">
   <p:cSld>
     <p:spTree>
@@ -30181,7 +29580,11 @@
           <a:p>
             <a:r>
               <a:rPr lang="en-US" dirty="0" smtClean="0"/>
-              <a:t>GE: Results of this Exercise</a:t>
+              <a:t>GL: </a:t>
+            </a:r>
+            <a:r>
+              <a:rPr lang="en-US" dirty="0" smtClean="0"/>
+              <a:t>Results of this Exercise</a:t>
             </a:r>
             <a:endParaRPr lang="en-US" dirty="0"/>
           </a:p>
@@ -30254,20 +29657,20 @@
   <p:clrMapOvr>
     <a:masterClrMapping/>
   </p:clrMapOvr>
-  <p:transition xmlns:p14="http://schemas.microsoft.com/office/powerpoint/2010/main" spd="med">
+  <p:transition spd="med">
     <p:fade/>
   </p:transition>
   <p:timing>
     <p:tnLst>
       <p:par>
-        <p:cTn xmlns:p14="http://schemas.microsoft.com/office/powerpoint/2010/main" id="1" dur="indefinite" restart="never" nodeType="tmRoot"/>
+        <p:cTn id="1" dur="indefinite" restart="never" nodeType="tmRoot"/>
       </p:par>
     </p:tnLst>
   </p:timing>
 </p:sld>
 </file>
 
-<file path=ppt/slides/slide59.xml><?xml version="1.0" encoding="utf-8"?>
+<file path=ppt/slides/slide57.xml><?xml version="1.0" encoding="utf-8"?>
 <p:sld xmlns:a="http://schemas.openxmlformats.org/drawingml/2006/main" xmlns:r="http://schemas.openxmlformats.org/officeDocument/2006/relationships" xmlns:p="http://schemas.openxmlformats.org/presentationml/2006/main">
   <p:cSld>
     <p:spTree>
@@ -30441,433 +29844,20 @@
   <p:clrMapOvr>
     <a:masterClrMapping/>
   </p:clrMapOvr>
-  <p:transition xmlns:p14="http://schemas.microsoft.com/office/powerpoint/2010/main" spd="med">
+  <p:transition spd="med">
     <p:fade/>
   </p:transition>
   <p:timing>
     <p:tnLst>
       <p:par>
-        <p:cTn xmlns:p14="http://schemas.microsoft.com/office/powerpoint/2010/main" id="1" dur="indefinite" restart="never" nodeType="tmRoot"/>
+        <p:cTn id="1" dur="indefinite" restart="never" nodeType="tmRoot"/>
       </p:par>
     </p:tnLst>
   </p:timing>
 </p:sld>
 </file>
 
-<file path=ppt/slides/slide6.xml><?xml version="1.0" encoding="utf-8"?>
-<p:sld xmlns:a="http://schemas.openxmlformats.org/drawingml/2006/main" xmlns:r="http://schemas.openxmlformats.org/officeDocument/2006/relationships" xmlns:p="http://schemas.openxmlformats.org/presentationml/2006/main">
-  <p:cSld>
-    <p:spTree>
-      <p:nvGrpSpPr>
-        <p:cNvPr id="1" name=""/>
-        <p:cNvGrpSpPr/>
-        <p:nvPr/>
-      </p:nvGrpSpPr>
-      <p:grpSpPr>
-        <a:xfrm>
-          <a:off x="0" y="0"/>
-          <a:ext cx="0" cy="0"/>
-          <a:chOff x="0" y="0"/>
-          <a:chExt cx="0" cy="0"/>
-        </a:xfrm>
-      </p:grpSpPr>
-      <p:sp>
-        <p:nvSpPr>
-          <p:cNvPr id="2" name="Title 1"/>
-          <p:cNvSpPr>
-            <a:spLocks noGrp="1"/>
-          </p:cNvSpPr>
-          <p:nvPr>
-            <p:ph type="title"/>
-          </p:nvPr>
-        </p:nvSpPr>
-        <p:spPr/>
-        <p:txBody>
-          <a:bodyPr/>
-          <a:lstStyle/>
-          <a:p>
-            <a:r>
-              <a:rPr lang="en-US" dirty="0" smtClean="0"/>
-              <a:t>GE: </a:t>
-            </a:r>
-            <a:r>
-              <a:rPr lang="en-US" dirty="0"/>
-              <a:t>Adding a </a:t>
-            </a:r>
-            <a:r>
-              <a:rPr lang="en-US" dirty="0" smtClean="0"/>
-              <a:t>Node</a:t>
-            </a:r>
-            <a:endParaRPr lang="en-US" dirty="0"/>
-          </a:p>
-        </p:txBody>
-      </p:sp>
-      <p:sp>
-        <p:nvSpPr>
-          <p:cNvPr id="3" name="Text Placeholder 2"/>
-          <p:cNvSpPr>
-            <a:spLocks noGrp="1"/>
-          </p:cNvSpPr>
-          <p:nvPr>
-            <p:ph type="body" sz="quarter" idx="12"/>
-          </p:nvPr>
-        </p:nvSpPr>
-        <p:spPr>
-          <a:xfrm>
-            <a:off x="546130" y="1856198"/>
-            <a:ext cx="6855660" cy="5345953"/>
-          </a:xfrm>
-        </p:spPr>
-        <p:txBody>
-          <a:bodyPr/>
-          <a:lstStyle/>
-          <a:p>
-            <a:pPr marL="514350" indent="-514350">
-              <a:buFont typeface="+mj-lt"/>
-              <a:buAutoNum type="arabicPeriod" startAt="2"/>
-            </a:pPr>
-            <a:r>
-              <a:rPr lang="en-US" dirty="0" smtClean="0"/>
-              <a:t>From the resulting page, enter the node's FQDN or IP address.</a:t>
-            </a:r>
-          </a:p>
-          <a:p>
-            <a:pPr marL="514350" indent="-514350">
-              <a:buFont typeface="+mj-lt"/>
-              <a:buAutoNum type="arabicPeriod" startAt="2"/>
-            </a:pPr>
-            <a:r>
-              <a:rPr lang="en-US" dirty="0" smtClean="0"/>
-              <a:t>Leave environment blank.  A ‘default’ environment will be used</a:t>
-            </a:r>
-          </a:p>
-          <a:p>
-            <a:pPr marL="514350" indent="-514350">
-              <a:buFont typeface="+mj-lt"/>
-              <a:buAutoNum type="arabicPeriod" startAt="2"/>
-            </a:pPr>
-            <a:r>
-              <a:rPr lang="en-US" dirty="0" smtClean="0"/>
-              <a:t>Accept the default </a:t>
-            </a:r>
-            <a:r>
-              <a:rPr lang="en-US" b="1" dirty="0" smtClean="0"/>
-              <a:t>SSH</a:t>
-            </a:r>
-            <a:r>
-              <a:rPr lang="en-US" dirty="0" smtClean="0"/>
-              <a:t> Access configuration</a:t>
-            </a:r>
-          </a:p>
-          <a:p>
-            <a:pPr marL="514350" indent="-514350">
-              <a:buFont typeface="+mj-lt"/>
-              <a:buAutoNum type="arabicPeriod" startAt="2"/>
-            </a:pPr>
-            <a:r>
-              <a:rPr lang="en-US" dirty="0" smtClean="0"/>
-              <a:t>Type </a:t>
-            </a:r>
-            <a:r>
-              <a:rPr lang="en-US" b="1" dirty="0" smtClean="0"/>
-              <a:t>chef</a:t>
-            </a:r>
-            <a:r>
-              <a:rPr lang="en-US" dirty="0" smtClean="0"/>
-              <a:t> in the </a:t>
-            </a:r>
-            <a:r>
-              <a:rPr lang="en-US" b="1" dirty="0" smtClean="0"/>
-              <a:t>username</a:t>
-            </a:r>
-            <a:r>
-              <a:rPr lang="en-US" dirty="0" smtClean="0"/>
-              <a:t> field.</a:t>
-            </a:r>
-          </a:p>
-          <a:p>
-            <a:pPr marL="514350" indent="-514350">
-              <a:buFont typeface="+mj-lt"/>
-              <a:buAutoNum type="arabicPeriod" startAt="2"/>
-            </a:pPr>
-            <a:r>
-              <a:rPr lang="en-US" dirty="0" smtClean="0"/>
-              <a:t>Click the </a:t>
-            </a:r>
-            <a:r>
-              <a:rPr lang="en-US" b="1" dirty="0" smtClean="0"/>
-              <a:t>password</a:t>
-            </a:r>
-            <a:r>
-              <a:rPr lang="en-US" dirty="0" smtClean="0"/>
-              <a:t> link as shown in this illustration.</a:t>
-            </a:r>
-          </a:p>
-          <a:p>
-            <a:pPr marL="514350" indent="-514350">
-              <a:buFont typeface="+mj-lt"/>
-              <a:buAutoNum type="arabicPeriod" startAt="2"/>
-            </a:pPr>
-            <a:endParaRPr lang="en-US" dirty="0" smtClean="0"/>
-          </a:p>
-          <a:p>
-            <a:pPr marL="514350" indent="-514350">
-              <a:buFont typeface="+mj-lt"/>
-              <a:buAutoNum type="arabicPeriod" startAt="2"/>
-            </a:pPr>
-            <a:endParaRPr lang="en-US" dirty="0" smtClean="0"/>
-          </a:p>
-          <a:p>
-            <a:pPr marL="514350" indent="-514350">
-              <a:buFont typeface="+mj-lt"/>
-              <a:buAutoNum type="arabicPeriod" startAt="2"/>
-            </a:pPr>
-            <a:endParaRPr lang="en-US" dirty="0"/>
-          </a:p>
-          <a:p>
-            <a:pPr marL="514350" indent="-514350">
-              <a:buFont typeface="+mj-lt"/>
-              <a:buAutoNum type="arabicPeriod" startAt="2"/>
-            </a:pPr>
-            <a:endParaRPr lang="en-US" dirty="0" smtClean="0"/>
-          </a:p>
-          <a:p>
-            <a:pPr marL="457200" indent="-457200">
-              <a:buFont typeface="Arial" panose="020B0604020202020204" pitchFamily="34" charset="0"/>
-              <a:buChar char="•"/>
-            </a:pPr>
-            <a:endParaRPr lang="en-US" dirty="0"/>
-          </a:p>
-          <a:p>
-            <a:pPr marL="457200" indent="-457200">
-              <a:buFont typeface="Arial" panose="020B0604020202020204" pitchFamily="34" charset="0"/>
-              <a:buChar char="•"/>
-            </a:pPr>
-            <a:endParaRPr lang="en-US" dirty="0"/>
-          </a:p>
-        </p:txBody>
-      </p:sp>
-      <p:pic>
-        <p:nvPicPr>
-          <p:cNvPr id="5" name="Picture 4"/>
-          <p:cNvPicPr>
-            <a:picLocks noChangeAspect="1"/>
-          </p:cNvPicPr>
-          <p:nvPr/>
-        </p:nvPicPr>
-        <p:blipFill>
-          <a:blip r:embed="rId3"/>
-          <a:stretch>
-            <a:fillRect/>
-          </a:stretch>
-        </p:blipFill>
-        <p:spPr>
-          <a:xfrm>
-            <a:off x="7639376" y="353289"/>
-            <a:ext cx="8474616" cy="7516091"/>
-          </a:xfrm>
-          <a:prstGeom prst="rect">
-            <a:avLst/>
-          </a:prstGeom>
-          <a:ln>
-            <a:solidFill>
-              <a:schemeClr val="accent1"/>
-            </a:solidFill>
-          </a:ln>
-        </p:spPr>
-      </p:pic>
-    </p:spTree>
-    <p:extLst>
-      <p:ext uri="{BB962C8B-B14F-4D97-AF65-F5344CB8AC3E}">
-        <p14:creationId xmlns:p14="http://schemas.microsoft.com/office/powerpoint/2010/main" val="2579876178"/>
-      </p:ext>
-    </p:extLst>
-  </p:cSld>
-  <p:clrMapOvr>
-    <a:masterClrMapping/>
-  </p:clrMapOvr>
-  <p:transition xmlns:p14="http://schemas.microsoft.com/office/powerpoint/2010/main" spd="med">
-    <p:fade/>
-  </p:transition>
-  <p:timing>
-    <p:tnLst>
-      <p:par>
-        <p:cTn xmlns:p14="http://schemas.microsoft.com/office/powerpoint/2010/main" id="1" dur="indefinite" restart="never" nodeType="tmRoot"/>
-      </p:par>
-    </p:tnLst>
-  </p:timing>
-</p:sld>
-</file>
-
-<file path=ppt/slides/slide60.xml><?xml version="1.0" encoding="utf-8"?>
-<p:sld xmlns:a="http://schemas.openxmlformats.org/drawingml/2006/main" xmlns:r="http://schemas.openxmlformats.org/officeDocument/2006/relationships" xmlns:p="http://schemas.openxmlformats.org/presentationml/2006/main">
-  <p:cSld>
-    <p:spTree>
-      <p:nvGrpSpPr>
-        <p:cNvPr id="1" name=""/>
-        <p:cNvGrpSpPr/>
-        <p:nvPr/>
-      </p:nvGrpSpPr>
-      <p:grpSpPr>
-        <a:xfrm>
-          <a:off x="0" y="0"/>
-          <a:ext cx="0" cy="0"/>
-          <a:chOff x="0" y="0"/>
-          <a:chExt cx="0" cy="0"/>
-        </a:xfrm>
-      </p:grpSpPr>
-      <p:sp>
-        <p:nvSpPr>
-          <p:cNvPr id="2" name="Title 1"/>
-          <p:cNvSpPr>
-            <a:spLocks noGrp="1"/>
-          </p:cNvSpPr>
-          <p:nvPr>
-            <p:ph type="ctrTitle"/>
-          </p:nvPr>
-        </p:nvSpPr>
-        <p:spPr/>
-        <p:txBody>
-          <a:bodyPr>
-            <a:normAutofit fontScale="90000"/>
-          </a:bodyPr>
-          <a:lstStyle/>
-          <a:p>
-            <a:endParaRPr lang="en-US"/>
-          </a:p>
-        </p:txBody>
-      </p:sp>
-      <p:sp>
-        <p:nvSpPr>
-          <p:cNvPr id="3" name="Subtitle 2"/>
-          <p:cNvSpPr>
-            <a:spLocks noGrp="1"/>
-          </p:cNvSpPr>
-          <p:nvPr>
-            <p:ph type="subTitle" idx="1"/>
-          </p:nvPr>
-        </p:nvSpPr>
-        <p:spPr/>
-        <p:txBody>
-          <a:bodyPr/>
-          <a:lstStyle/>
-          <a:p>
-            <a:endParaRPr lang="en-US" dirty="0" smtClean="0"/>
-          </a:p>
-          <a:p>
-            <a:r>
-              <a:rPr lang="en-US" dirty="0" err="1"/>
-              <a:t>i</a:t>
-            </a:r>
-            <a:r>
-              <a:rPr lang="en-US" dirty="0"/>
-              <a:t> believe so.  that's how </a:t>
-            </a:r>
-            <a:r>
-              <a:rPr lang="en-US" dirty="0" err="1"/>
-              <a:t>i</a:t>
-            </a:r>
-            <a:r>
-              <a:rPr lang="en-US" dirty="0"/>
-              <a:t> have it running,  </a:t>
-            </a:r>
-            <a:r>
-              <a:rPr lang="en-US" dirty="0" err="1"/>
-              <a:t>i've</a:t>
-            </a:r>
-            <a:r>
-              <a:rPr lang="en-US" dirty="0"/>
-              <a:t> also been running a reconfigure and restart after </a:t>
-            </a:r>
-            <a:r>
-              <a:rPr lang="en-US" dirty="0" err="1"/>
-              <a:t>i</a:t>
-            </a:r>
-            <a:r>
-              <a:rPr lang="en-US" dirty="0"/>
-              <a:t> upgrade the package</a:t>
-            </a:r>
-          </a:p>
-          <a:p>
-            <a:r>
-              <a:rPr lang="en-US" dirty="0"/>
-              <a:t>​[9:04 AM] </a:t>
-            </a:r>
-          </a:p>
-          <a:p>
-            <a:r>
-              <a:rPr lang="en-US" dirty="0" err="1"/>
-              <a:t>steve_delfante</a:t>
-            </a:r>
-            <a:r>
-              <a:rPr lang="en-US" dirty="0"/>
-              <a:t> `sudo chef-compliance-</a:t>
-            </a:r>
-            <a:r>
-              <a:rPr lang="en-US" dirty="0" err="1"/>
-              <a:t>ctl</a:t>
-            </a:r>
-            <a:r>
-              <a:rPr lang="en-US" dirty="0"/>
-              <a:t> reconfigure` will reconfigure it but s=does that also restart it?</a:t>
-            </a:r>
-          </a:p>
-          <a:p>
-            <a:r>
-              <a:rPr lang="en-US" dirty="0"/>
-              <a:t>new messages</a:t>
-            </a:r>
-          </a:p>
-          <a:p>
-            <a:r>
-              <a:rPr lang="en-US" dirty="0"/>
-              <a:t>​[9:04 AM] </a:t>
-            </a:r>
-          </a:p>
-          <a:p>
-            <a:r>
-              <a:rPr lang="en-US" dirty="0" err="1"/>
-              <a:t>kennon</a:t>
-            </a:r>
-            <a:r>
-              <a:rPr lang="en-US" dirty="0"/>
-              <a:t> not always, you should also run `sudo chef-compliance-</a:t>
-            </a:r>
-            <a:r>
-              <a:rPr lang="en-US" dirty="0" err="1"/>
-              <a:t>ctl</a:t>
-            </a:r>
-            <a:r>
-              <a:rPr lang="en-US" dirty="0"/>
-              <a:t> restart</a:t>
-            </a:r>
-          </a:p>
-        </p:txBody>
-      </p:sp>
-    </p:spTree>
-    <p:extLst>
-      <p:ext uri="{BB962C8B-B14F-4D97-AF65-F5344CB8AC3E}">
-        <p14:creationId xmlns:p14="http://schemas.microsoft.com/office/powerpoint/2010/main" val="108599519"/>
-      </p:ext>
-    </p:extLst>
-  </p:cSld>
-  <p:clrMapOvr>
-    <a:masterClrMapping/>
-  </p:clrMapOvr>
-  <p:transition xmlns:p14="http://schemas.microsoft.com/office/powerpoint/2010/main" spd="med">
-    <p:fade/>
-  </p:transition>
-  <p:timing>
-    <p:tnLst>
-      <p:par>
-        <p:cTn xmlns:p14="http://schemas.microsoft.com/office/powerpoint/2010/main" id="1" dur="indefinite" restart="never" nodeType="tmRoot"/>
-      </p:par>
-    </p:tnLst>
-  </p:timing>
-</p:sld>
-</file>
-
-<file path=ppt/slides/slide61.xml><?xml version="1.0" encoding="utf-8"?>
+<file path=ppt/slides/slide58.xml><?xml version="1.0" encoding="utf-8"?>
 <p:sld xmlns:a="http://schemas.openxmlformats.org/drawingml/2006/main" xmlns:r="http://schemas.openxmlformats.org/officeDocument/2006/relationships" xmlns:p="http://schemas.openxmlformats.org/presentationml/2006/main">
   <p:cSld>
     <p:bg>
@@ -31041,13 +30031,13 @@
   <p:clrMapOvr>
     <a:masterClrMapping/>
   </p:clrMapOvr>
-  <p:transition xmlns:p14="http://schemas.microsoft.com/office/powerpoint/2010/main" spd="med">
+  <p:transition spd="med">
     <p:fade/>
   </p:transition>
 </p:sld>
 </file>
 
-<file path=ppt/slides/slide62.xml><?xml version="1.0" encoding="utf-8"?>
+<file path=ppt/slides/slide59.xml><?xml version="1.0" encoding="utf-8"?>
 <p:sld xmlns:a="http://schemas.openxmlformats.org/drawingml/2006/main" xmlns:r="http://schemas.openxmlformats.org/officeDocument/2006/relationships" xmlns:p="http://schemas.openxmlformats.org/presentationml/2006/main">
   <p:cSld>
     <p:spTree>
@@ -31235,9 +30225,254 @@
   <p:clrMapOvr>
     <a:masterClrMapping/>
   </p:clrMapOvr>
-  <p:transition xmlns:p14="http://schemas.microsoft.com/office/powerpoint/2010/main" spd="med">
+  <p:transition spd="med">
     <p:fade/>
   </p:transition>
+</p:sld>
+</file>
+
+<file path=ppt/slides/slide6.xml><?xml version="1.0" encoding="utf-8"?>
+<p:sld xmlns:a="http://schemas.openxmlformats.org/drawingml/2006/main" xmlns:r="http://schemas.openxmlformats.org/officeDocument/2006/relationships" xmlns:p="http://schemas.openxmlformats.org/presentationml/2006/main">
+  <p:cSld>
+    <p:spTree>
+      <p:nvGrpSpPr>
+        <p:cNvPr id="1" name=""/>
+        <p:cNvGrpSpPr/>
+        <p:nvPr/>
+      </p:nvGrpSpPr>
+      <p:grpSpPr>
+        <a:xfrm>
+          <a:off x="0" y="0"/>
+          <a:ext cx="0" cy="0"/>
+          <a:chOff x="0" y="0"/>
+          <a:chExt cx="0" cy="0"/>
+        </a:xfrm>
+      </p:grpSpPr>
+      <p:sp>
+        <p:nvSpPr>
+          <p:cNvPr id="2" name="Title 1"/>
+          <p:cNvSpPr>
+            <a:spLocks noGrp="1"/>
+          </p:cNvSpPr>
+          <p:nvPr>
+            <p:ph type="title"/>
+          </p:nvPr>
+        </p:nvSpPr>
+        <p:spPr/>
+        <p:txBody>
+          <a:bodyPr/>
+          <a:lstStyle/>
+          <a:p>
+            <a:r>
+              <a:rPr lang="en-US" dirty="0" smtClean="0"/>
+              <a:t>GL: </a:t>
+            </a:r>
+            <a:r>
+              <a:rPr lang="en-US" dirty="0"/>
+              <a:t>Adding a </a:t>
+            </a:r>
+            <a:r>
+              <a:rPr lang="en-US" dirty="0" smtClean="0"/>
+              <a:t>Node</a:t>
+            </a:r>
+            <a:endParaRPr lang="en-US" dirty="0"/>
+          </a:p>
+        </p:txBody>
+      </p:sp>
+      <p:sp>
+        <p:nvSpPr>
+          <p:cNvPr id="3" name="Text Placeholder 2"/>
+          <p:cNvSpPr>
+            <a:spLocks noGrp="1"/>
+          </p:cNvSpPr>
+          <p:nvPr>
+            <p:ph type="body" sz="quarter" idx="12"/>
+          </p:nvPr>
+        </p:nvSpPr>
+        <p:spPr>
+          <a:xfrm>
+            <a:off x="546130" y="1856198"/>
+            <a:ext cx="6855660" cy="5345953"/>
+          </a:xfrm>
+        </p:spPr>
+        <p:txBody>
+          <a:bodyPr/>
+          <a:lstStyle/>
+          <a:p>
+            <a:pPr marL="514350" indent="-514350">
+              <a:buFont typeface="+mj-lt"/>
+              <a:buAutoNum type="arabicPeriod" startAt="2"/>
+            </a:pPr>
+            <a:r>
+              <a:rPr lang="en-US" dirty="0" smtClean="0"/>
+              <a:t>From the resulting page, enter the node's FQDN or IP address.</a:t>
+            </a:r>
+          </a:p>
+          <a:p>
+            <a:pPr marL="514350" indent="-514350">
+              <a:buFont typeface="+mj-lt"/>
+              <a:buAutoNum type="arabicPeriod" startAt="2"/>
+            </a:pPr>
+            <a:r>
+              <a:rPr lang="en-US" dirty="0" smtClean="0"/>
+              <a:t>Leave environment blank.  A ‘default’ environment will be used</a:t>
+            </a:r>
+          </a:p>
+          <a:p>
+            <a:pPr marL="514350" indent="-514350">
+              <a:buFont typeface="+mj-lt"/>
+              <a:buAutoNum type="arabicPeriod" startAt="2"/>
+            </a:pPr>
+            <a:r>
+              <a:rPr lang="en-US" dirty="0" smtClean="0"/>
+              <a:t>Accept the default </a:t>
+            </a:r>
+            <a:r>
+              <a:rPr lang="en-US" b="1" dirty="0" smtClean="0"/>
+              <a:t>SSH</a:t>
+            </a:r>
+            <a:r>
+              <a:rPr lang="en-US" dirty="0" smtClean="0"/>
+              <a:t> Access configuration</a:t>
+            </a:r>
+          </a:p>
+          <a:p>
+            <a:pPr marL="514350" indent="-514350">
+              <a:buFont typeface="+mj-lt"/>
+              <a:buAutoNum type="arabicPeriod" startAt="2"/>
+            </a:pPr>
+            <a:r>
+              <a:rPr lang="en-US" dirty="0" smtClean="0"/>
+              <a:t>Type </a:t>
+            </a:r>
+            <a:r>
+              <a:rPr lang="en-US" b="1" dirty="0" smtClean="0"/>
+              <a:t>chef</a:t>
+            </a:r>
+            <a:r>
+              <a:rPr lang="en-US" dirty="0" smtClean="0"/>
+              <a:t> in the </a:t>
+            </a:r>
+            <a:r>
+              <a:rPr lang="en-US" b="1" dirty="0" smtClean="0"/>
+              <a:t>username</a:t>
+            </a:r>
+            <a:r>
+              <a:rPr lang="en-US" dirty="0" smtClean="0"/>
+              <a:t> field.</a:t>
+            </a:r>
+          </a:p>
+          <a:p>
+            <a:pPr marL="514350" indent="-514350">
+              <a:buFont typeface="+mj-lt"/>
+              <a:buAutoNum type="arabicPeriod" startAt="2"/>
+            </a:pPr>
+            <a:r>
+              <a:rPr lang="en-US" dirty="0" smtClean="0"/>
+              <a:t>Click the </a:t>
+            </a:r>
+            <a:r>
+              <a:rPr lang="en-US" b="1" dirty="0" smtClean="0"/>
+              <a:t>password</a:t>
+            </a:r>
+            <a:r>
+              <a:rPr lang="en-US" dirty="0" smtClean="0"/>
+              <a:t> link as shown in this illustration.</a:t>
+            </a:r>
+          </a:p>
+          <a:p>
+            <a:pPr marL="514350" indent="-514350">
+              <a:buFont typeface="+mj-lt"/>
+              <a:buAutoNum type="arabicPeriod" startAt="2"/>
+            </a:pPr>
+            <a:endParaRPr lang="en-US" dirty="0" smtClean="0"/>
+          </a:p>
+          <a:p>
+            <a:pPr marL="514350" indent="-514350">
+              <a:buFont typeface="+mj-lt"/>
+              <a:buAutoNum type="arabicPeriod" startAt="2"/>
+            </a:pPr>
+            <a:endParaRPr lang="en-US" dirty="0" smtClean="0"/>
+          </a:p>
+          <a:p>
+            <a:pPr marL="514350" indent="-514350">
+              <a:buFont typeface="+mj-lt"/>
+              <a:buAutoNum type="arabicPeriod" startAt="2"/>
+            </a:pPr>
+            <a:endParaRPr lang="en-US" dirty="0"/>
+          </a:p>
+          <a:p>
+            <a:pPr marL="514350" indent="-514350">
+              <a:buFont typeface="+mj-lt"/>
+              <a:buAutoNum type="arabicPeriod" startAt="2"/>
+            </a:pPr>
+            <a:endParaRPr lang="en-US" dirty="0" smtClean="0"/>
+          </a:p>
+          <a:p>
+            <a:pPr marL="457200" indent="-457200">
+              <a:buFont typeface="Arial" panose="020B0604020202020204" pitchFamily="34" charset="0"/>
+              <a:buChar char="•"/>
+            </a:pPr>
+            <a:endParaRPr lang="en-US" dirty="0"/>
+          </a:p>
+          <a:p>
+            <a:pPr marL="457200" indent="-457200">
+              <a:buFont typeface="Arial" panose="020B0604020202020204" pitchFamily="34" charset="0"/>
+              <a:buChar char="•"/>
+            </a:pPr>
+            <a:endParaRPr lang="en-US" dirty="0"/>
+          </a:p>
+        </p:txBody>
+      </p:sp>
+      <p:pic>
+        <p:nvPicPr>
+          <p:cNvPr id="5" name="Picture 4"/>
+          <p:cNvPicPr>
+            <a:picLocks noChangeAspect="1"/>
+          </p:cNvPicPr>
+          <p:nvPr/>
+        </p:nvPicPr>
+        <p:blipFill>
+          <a:blip r:embed="rId3"/>
+          <a:stretch>
+            <a:fillRect/>
+          </a:stretch>
+        </p:blipFill>
+        <p:spPr>
+          <a:xfrm>
+            <a:off x="7639376" y="353289"/>
+            <a:ext cx="8474616" cy="7516091"/>
+          </a:xfrm>
+          <a:prstGeom prst="rect">
+            <a:avLst/>
+          </a:prstGeom>
+          <a:ln>
+            <a:solidFill>
+              <a:schemeClr val="accent1"/>
+            </a:solidFill>
+          </a:ln>
+        </p:spPr>
+      </p:pic>
+    </p:spTree>
+    <p:extLst>
+      <p:ext uri="{BB962C8B-B14F-4D97-AF65-F5344CB8AC3E}">
+        <p14:creationId xmlns:p14="http://schemas.microsoft.com/office/powerpoint/2010/main" val="2579876178"/>
+      </p:ext>
+    </p:extLst>
+  </p:cSld>
+  <p:clrMapOvr>
+    <a:masterClrMapping/>
+  </p:clrMapOvr>
+  <p:transition spd="med">
+    <p:fade/>
+  </p:transition>
+  <p:timing>
+    <p:tnLst>
+      <p:par>
+        <p:cTn id="1" dur="indefinite" restart="never" nodeType="tmRoot"/>
+      </p:par>
+    </p:tnLst>
+  </p:timing>
 </p:sld>
 </file>
 
@@ -31275,7 +30510,7 @@
           <a:p>
             <a:r>
               <a:rPr lang="en-US" dirty="0" smtClean="0"/>
-              <a:t>GE: </a:t>
+              <a:t>GL: </a:t>
             </a:r>
             <a:r>
               <a:rPr lang="en-US" dirty="0"/>
@@ -31416,13 +30651,13 @@
   <p:clrMapOvr>
     <a:masterClrMapping/>
   </p:clrMapOvr>
-  <p:transition xmlns:p14="http://schemas.microsoft.com/office/powerpoint/2010/main" spd="med">
+  <p:transition spd="med">
     <p:fade/>
   </p:transition>
   <p:timing>
     <p:tnLst>
       <p:par>
-        <p:cTn xmlns:p14="http://schemas.microsoft.com/office/powerpoint/2010/main" id="1" dur="indefinite" restart="never" nodeType="tmRoot"/>
+        <p:cTn id="1" dur="indefinite" restart="never" nodeType="tmRoot"/>
       </p:par>
     </p:tnLst>
   </p:timing>
@@ -31463,7 +30698,7 @@
           <a:p>
             <a:r>
               <a:rPr lang="en-US" dirty="0" smtClean="0"/>
-              <a:t>GE: </a:t>
+              <a:t>GL: </a:t>
             </a:r>
             <a:r>
               <a:rPr lang="en-US" dirty="0"/>
@@ -31644,13 +30879,13 @@
   <p:clrMapOvr>
     <a:masterClrMapping/>
   </p:clrMapOvr>
-  <p:transition xmlns:p14="http://schemas.microsoft.com/office/powerpoint/2010/main" spd="med">
+  <p:transition spd="med">
     <p:fade/>
   </p:transition>
   <p:timing>
     <p:tnLst>
       <p:par>
-        <p:cTn xmlns:p14="http://schemas.microsoft.com/office/powerpoint/2010/main" id="1" dur="indefinite" restart="never" nodeType="tmRoot"/>
+        <p:cTn id="1" dur="indefinite" restart="never" nodeType="tmRoot"/>
       </p:par>
     </p:tnLst>
   </p:timing>
@@ -31691,7 +30926,11 @@
           <a:p>
             <a:r>
               <a:rPr lang="en-US" dirty="0" smtClean="0"/>
-              <a:t>GE: Testing Connectivity to your Node</a:t>
+              <a:t>GL: </a:t>
+            </a:r>
+            <a:r>
+              <a:rPr lang="en-US" dirty="0" smtClean="0"/>
+              <a:t>Testing Connectivity to your Node</a:t>
             </a:r>
             <a:endParaRPr lang="en-US" dirty="0"/>
           </a:p>
@@ -31811,13 +31050,13 @@
   <p:clrMapOvr>
     <a:masterClrMapping/>
   </p:clrMapOvr>
-  <p:transition xmlns:p14="http://schemas.microsoft.com/office/powerpoint/2010/main" spd="med">
+  <p:transition spd="med">
     <p:fade/>
   </p:transition>
   <p:timing>
     <p:tnLst>
       <p:par>
-        <p:cTn xmlns:p14="http://schemas.microsoft.com/office/powerpoint/2010/main" id="1" dur="indefinite" restart="never" nodeType="tmRoot"/>
+        <p:cTn id="1" dur="indefinite" restart="never" nodeType="tmRoot"/>
       </p:par>
     </p:tnLst>
   </p:timing>
@@ -32200,7 +31439,7 @@
   <a:extraClrSchemeLst/>
   <a:extLst>
     <a:ext uri="{05A4C25C-085E-4340-85A3-A5531E510DB2}">
-      <thm15:themeFamily xmlns="" xmlns:thm15="http://schemas.microsoft.com/office/thememl/2012/main" name="Chef-TemplateComps_v09-16x9-Light.potx" id="{078CEFDB-FA7A-4E36-9964-13EF367585CB}" vid="{8B87B0F3-7308-43D5-8388-E1B49EA02652}"/>
+      <thm15:themeFamily xmlns:thm15="http://schemas.microsoft.com/office/thememl/2012/main" name="Chef-TemplateComps_v09-16x9-Light.potx" id="{078CEFDB-FA7A-4E36-9964-13EF367585CB}" vid="{8B87B0F3-7308-43D5-8388-E1B49EA02652}"/>
     </a:ext>
   </a:extLst>
 </a:theme>
@@ -32582,7 +31821,7 @@
   <a:extraClrSchemeLst/>
   <a:extLst>
     <a:ext uri="{05A4C25C-085E-4340-85A3-A5531E510DB2}">
-      <thm15:themeFamily xmlns="" xmlns:thm15="http://schemas.microsoft.com/office/thememl/2012/main" name="Chef-TemplateComps_v09-16x9-Light.potx" id="{078CEFDB-FA7A-4E36-9964-13EF367585CB}" vid="{8B87B0F3-7308-43D5-8388-E1B49EA02652}"/>
+      <thm15:themeFamily xmlns:thm15="http://schemas.microsoft.com/office/thememl/2012/main" name="Chef-TemplateComps_v09-16x9-Light.potx" id="{078CEFDB-FA7A-4E36-9964-13EF367585CB}" vid="{8B87B0F3-7308-43D5-8388-E1B49EA02652}"/>
     </a:ext>
   </a:extLst>
 </a:theme>
@@ -33156,6 +32395,15 @@
 
 <file path=customXml/item1.xml><?xml version="1.0" encoding="utf-8"?>
 <?mso-contentType ?>
+<FormTemplates xmlns="http://schemas.microsoft.com/sharepoint/v3/contenttype/forms">
+  <Display>DocumentLibraryForm</Display>
+  <Edit>DocumentLibraryForm</Edit>
+  <New>DocumentLibraryForm</New>
+</FormTemplates>
+</file>
+
+<file path=customXml/item2.xml><?xml version="1.0" encoding="utf-8"?>
+<?mso-contentType ?>
 <spe:Receivers xmlns:spe="http://schemas.microsoft.com/sharepoint/events">
   <Receiver>
     <Name>Document ID Generator</Name>
@@ -33200,7 +32448,19 @@
 </spe:Receivers>
 </file>
 
-<file path=customXml/item2.xml><?xml version="1.0" encoding="utf-8"?>
+<file path=customXml/item3.xml><?xml version="1.0" encoding="utf-8"?>
+<p:properties xmlns:p="http://schemas.microsoft.com/office/2006/metadata/properties" xmlns:xsi="http://www.w3.org/2001/XMLSchema-instance" xmlns:pc="http://schemas.microsoft.com/office/infopath/2007/PartnerControls">
+  <documentManagement>
+    <_dlc_DocId xmlns="7bb5d761-a2ea-4873-95f7-7a6658fb3ef0">M4CWTKMW727E-592-73</_dlc_DocId>
+    <_dlc_DocIdUrl xmlns="7bb5d761-a2ea-4873-95f7-7a6658fb3ef0">
+      <Url>https://kms.vci.local/marketing/team/_layouts/DocIdRedir.aspx?ID=M4CWTKMW727E-592-73</Url>
+      <Description>M4CWTKMW727E-592-73</Description>
+    </_dlc_DocIdUrl>
+  </documentManagement>
+</p:properties>
+</file>
+
+<file path=customXml/item4.xml><?xml version="1.0" encoding="utf-8"?>
 <ct:contentTypeSchema xmlns:ct="http://schemas.microsoft.com/office/2006/metadata/contentType" xmlns:ma="http://schemas.microsoft.com/office/2006/metadata/properties/metaAttributes" ct:_="" ma:_="" ma:contentTypeName="Document" ma:contentTypeID="0x0101000812F700BE7F874999720E88173FE491" ma:contentTypeVersion="0" ma:contentTypeDescription="Create a new document." ma:contentTypeScope="" ma:versionID="3f79f408e2ca720b7aba6e0e32464d0c">
   <xsd:schema xmlns:xsd="http://www.w3.org/2001/XMLSchema" xmlns:xs="http://www.w3.org/2001/XMLSchema" xmlns:p="http://schemas.microsoft.com/office/2006/metadata/properties" xmlns:ns2="7bb5d761-a2ea-4873-95f7-7a6658fb3ef0" targetNamespace="http://schemas.microsoft.com/office/2006/metadata/properties" ma:root="true" ma:fieldsID="1e062cd38ba31e406bfc4340fbc7f87a" ns2:_="">
     <xsd:import namespace="7bb5d761-a2ea-4873-95f7-7a6658fb3ef0"/>
@@ -33345,49 +32605,18 @@
 </ct:contentTypeSchema>
 </file>
 
-<file path=customXml/item3.xml><?xml version="1.0" encoding="utf-8"?>
-<p:properties xmlns:p="http://schemas.microsoft.com/office/2006/metadata/properties" xmlns:xsi="http://www.w3.org/2001/XMLSchema-instance" xmlns:pc="http://schemas.microsoft.com/office/infopath/2007/PartnerControls">
-  <documentManagement>
-    <_dlc_DocId xmlns="7bb5d761-a2ea-4873-95f7-7a6658fb3ef0">M4CWTKMW727E-592-73</_dlc_DocId>
-    <_dlc_DocIdUrl xmlns="7bb5d761-a2ea-4873-95f7-7a6658fb3ef0">
-      <Url>https://kms.vci.local/marketing/team/_layouts/DocIdRedir.aspx?ID=M4CWTKMW727E-592-73</Url>
-      <Description>M4CWTKMW727E-592-73</Description>
-    </_dlc_DocIdUrl>
-  </documentManagement>
-</p:properties>
-</file>
-
-<file path=customXml/item4.xml><?xml version="1.0" encoding="utf-8"?>
-<?mso-contentType ?>
-<FormTemplates xmlns="http://schemas.microsoft.com/sharepoint/v3/contenttype/forms">
-  <Display>DocumentLibraryForm</Display>
-  <Edit>DocumentLibraryForm</Edit>
-  <New>DocumentLibraryForm</New>
-</FormTemplates>
-</file>
-
 <file path=customXml/itemProps1.xml><?xml version="1.0" encoding="utf-8"?>
-<ds:datastoreItem xmlns:ds="http://schemas.openxmlformats.org/officeDocument/2006/customXml" ds:itemID="{B13EBC30-FE27-4C6A-B723-23FC2188F7DC}">
+<ds:datastoreItem xmlns:ds="http://schemas.openxmlformats.org/officeDocument/2006/customXml" ds:itemID="{5CDEB364-43EC-4510-9881-539C2A3FCE9E}">
   <ds:schemaRefs>
-    <ds:schemaRef ds:uri="http://schemas.microsoft.com/sharepoint/events"/>
+    <ds:schemaRef ds:uri="http://schemas.microsoft.com/sharepoint/v3/contenttype/forms"/>
   </ds:schemaRefs>
 </ds:datastoreItem>
 </file>
 
 <file path=customXml/itemProps2.xml><?xml version="1.0" encoding="utf-8"?>
-<ds:datastoreItem xmlns:ds="http://schemas.openxmlformats.org/officeDocument/2006/customXml" ds:itemID="{164479E5-0B02-49AC-B79E-EC1D6164DDD3}">
+<ds:datastoreItem xmlns:ds="http://schemas.openxmlformats.org/officeDocument/2006/customXml" ds:itemID="{B13EBC30-FE27-4C6A-B723-23FC2188F7DC}">
   <ds:schemaRefs>
-    <ds:schemaRef ds:uri="http://schemas.microsoft.com/office/2006/metadata/contentType"/>
-    <ds:schemaRef ds:uri="http://schemas.microsoft.com/office/2006/metadata/properties/metaAttributes"/>
-    <ds:schemaRef ds:uri="http://www.w3.org/2001/XMLSchema"/>
-    <ds:schemaRef ds:uri="http://schemas.microsoft.com/office/2006/metadata/properties"/>
-    <ds:schemaRef ds:uri="7bb5d761-a2ea-4873-95f7-7a6658fb3ef0"/>
-    <ds:schemaRef ds:uri="http://schemas.microsoft.com/office/2006/documentManagement/types"/>
-    <ds:schemaRef ds:uri="http://schemas.microsoft.com/office/infopath/2007/PartnerControls"/>
-    <ds:schemaRef ds:uri="http://schemas.openxmlformats.org/package/2006/metadata/core-properties"/>
-    <ds:schemaRef ds:uri="http://purl.org/dc/elements/1.1/"/>
-    <ds:schemaRef ds:uri="http://purl.org/dc/terms/"/>
-    <ds:schemaRef ds:uri="http://schemas.microsoft.com/internal/obd"/>
+    <ds:schemaRef ds:uri="http://schemas.microsoft.com/sharepoint/events"/>
   </ds:schemaRefs>
 </ds:datastoreItem>
 </file>
@@ -33409,9 +32638,19 @@
 </file>
 
 <file path=customXml/itemProps4.xml><?xml version="1.0" encoding="utf-8"?>
-<ds:datastoreItem xmlns:ds="http://schemas.openxmlformats.org/officeDocument/2006/customXml" ds:itemID="{5CDEB364-43EC-4510-9881-539C2A3FCE9E}">
+<ds:datastoreItem xmlns:ds="http://schemas.openxmlformats.org/officeDocument/2006/customXml" ds:itemID="{164479E5-0B02-49AC-B79E-EC1D6164DDD3}">
   <ds:schemaRefs>
-    <ds:schemaRef ds:uri="http://schemas.microsoft.com/sharepoint/v3/contenttype/forms"/>
+    <ds:schemaRef ds:uri="http://schemas.microsoft.com/office/2006/metadata/contentType"/>
+    <ds:schemaRef ds:uri="http://schemas.microsoft.com/office/2006/metadata/properties/metaAttributes"/>
+    <ds:schemaRef ds:uri="http://www.w3.org/2001/XMLSchema"/>
+    <ds:schemaRef ds:uri="http://schemas.microsoft.com/office/2006/metadata/properties"/>
+    <ds:schemaRef ds:uri="7bb5d761-a2ea-4873-95f7-7a6658fb3ef0"/>
+    <ds:schemaRef ds:uri="http://schemas.microsoft.com/office/2006/documentManagement/types"/>
+    <ds:schemaRef ds:uri="http://schemas.microsoft.com/office/infopath/2007/PartnerControls"/>
+    <ds:schemaRef ds:uri="http://schemas.openxmlformats.org/package/2006/metadata/core-properties"/>
+    <ds:schemaRef ds:uri="http://purl.org/dc/elements/1.1/"/>
+    <ds:schemaRef ds:uri="http://purl.org/dc/terms/"/>
+    <ds:schemaRef ds:uri="http://schemas.microsoft.com/internal/obd"/>
   </ds:schemaRefs>
 </ds:datastoreItem>
 </file>
--- a/03-initial-configuration-scans.pptx
+++ b/03-initial-configuration-scans.pptx
@@ -2009,15 +2009,7 @@
           <a:p>
             <a:r>
               <a:rPr lang="en-US" dirty="0" smtClean="0"/>
-              <a:t>Instructor Note: Now we continue the group </a:t>
-            </a:r>
-            <a:r>
-              <a:rPr lang="en-US" dirty="0" smtClean="0"/>
-              <a:t>Lab </a:t>
-            </a:r>
-            <a:r>
-              <a:rPr lang="en-US" dirty="0" smtClean="0"/>
-              <a:t>but you</a:t>
+              <a:t>Instructor Note: Now we continue the group Lab but you</a:t>
             </a:r>
             <a:r>
               <a:rPr lang="en-US" baseline="0" dirty="0" smtClean="0"/>
@@ -6348,8 +6340,62 @@
             </a:r>
             <a:r>
               <a:rPr lang="en-US" dirty="0" smtClean="0"/>
-              <a:t>' file to save yourself some typing.</a:t>
-            </a:r>
+              <a:t>' file to save yourself some typing</a:t>
+            </a:r>
+            <a:r>
+              <a:rPr lang="en-US" dirty="0" smtClean="0"/>
+              <a:t>.</a:t>
+            </a:r>
+          </a:p>
+          <a:p>
+            <a:endParaRPr lang="en-US" dirty="0" smtClean="0"/>
+          </a:p>
+          <a:p>
+            <a:r>
+              <a:rPr lang="en-US" dirty="0" smtClean="0"/>
+              <a:t>Instructor Note: TBD </a:t>
+            </a:r>
+            <a:r>
+              <a:rPr lang="en-US" dirty="0" smtClean="0">
+                <a:effectLst/>
+              </a:rPr>
+              <a:t>It would also be good for the instructor to demonstrate using the </a:t>
+            </a:r>
+            <a:r>
+              <a:rPr lang="en-US" dirty="0" err="1" smtClean="0">
+                <a:effectLst/>
+              </a:rPr>
+              <a:t>InSpec</a:t>
+            </a:r>
+            <a:r>
+              <a:rPr lang="en-US" dirty="0" smtClean="0">
+                <a:effectLst/>
+              </a:rPr>
+              <a:t> verifier in test kitchen locally </a:t>
+            </a:r>
+            <a:r>
+              <a:rPr lang="en-US" smtClean="0">
+                <a:effectLst/>
+              </a:rPr>
+              <a:t>with Vagrant to </a:t>
+            </a:r>
+            <a:r>
+              <a:rPr lang="en-US" dirty="0" smtClean="0">
+                <a:effectLst/>
+              </a:rPr>
+              <a:t>show the students that it can </a:t>
+            </a:r>
+            <a:r>
+              <a:rPr lang="en-US" smtClean="0">
+                <a:effectLst/>
+              </a:rPr>
+              <a:t>be done.</a:t>
+            </a:r>
+            <a:endParaRPr lang="en-US" dirty="0" smtClean="0">
+              <a:effectLst/>
+            </a:endParaRPr>
+          </a:p>
+          <a:p>
             <a:endParaRPr lang="en-US" dirty="0"/>
           </a:p>
         </p:txBody>
@@ -11184,14 +11230,14 @@
           </a:ln>
           <a:extLst>
             <a:ext uri="{909E8E84-426E-40dd-AFC4-6F175D3DCCD1}">
-              <a14:hiddenFill xmlns="" xmlns:a14="http://schemas.microsoft.com/office/drawing/2010/main">
+              <a14:hiddenFill xmlns:a14="http://schemas.microsoft.com/office/drawing/2010/main" xmlns="">
                 <a:solidFill>
                   <a:srgbClr val="FFFFFF"/>
                 </a:solidFill>
               </a14:hiddenFill>
             </a:ext>
             <a:ext uri="{91240B29-F687-4f45-9708-019B960494DF}">
-              <a14:hiddenLine xmlns="" xmlns:a14="http://schemas.microsoft.com/office/drawing/2010/main" w="9525">
+              <a14:hiddenLine xmlns:a14="http://schemas.microsoft.com/office/drawing/2010/main" xmlns="" w="9525">
                 <a:solidFill>
                   <a:srgbClr val="000000"/>
                 </a:solidFill>
@@ -11339,14 +11385,14 @@
           </a:ln>
           <a:extLst>
             <a:ext uri="{909E8E84-426E-40dd-AFC4-6F175D3DCCD1}">
-              <a14:hiddenFill xmlns="" xmlns:a14="http://schemas.microsoft.com/office/drawing/2010/main">
+              <a14:hiddenFill xmlns:a14="http://schemas.microsoft.com/office/drawing/2010/main" xmlns="">
                 <a:solidFill>
                   <a:srgbClr val="FFFFFF"/>
                 </a:solidFill>
               </a14:hiddenFill>
             </a:ext>
             <a:ext uri="{91240B29-F687-4f45-9708-019B960494DF}">
-              <a14:hiddenLine xmlns="" xmlns:a14="http://schemas.microsoft.com/office/drawing/2010/main" w="9525">
+              <a14:hiddenLine xmlns:a14="http://schemas.microsoft.com/office/drawing/2010/main" xmlns="" w="9525">
                 <a:solidFill>
                   <a:srgbClr val="000000"/>
                 </a:solidFill>
@@ -11837,14 +11883,14 @@
           </a:ln>
           <a:extLst>
             <a:ext uri="{909E8E84-426E-40dd-AFC4-6F175D3DCCD1}">
-              <a14:hiddenFill xmlns="" xmlns:a14="http://schemas.microsoft.com/office/drawing/2010/main">
+              <a14:hiddenFill xmlns:a14="http://schemas.microsoft.com/office/drawing/2010/main" xmlns="">
                 <a:solidFill>
                   <a:srgbClr val="FFFFFF"/>
                 </a:solidFill>
               </a14:hiddenFill>
             </a:ext>
             <a:ext uri="{91240B29-F687-4f45-9708-019B960494DF}">
-              <a14:hiddenLine xmlns="" xmlns:a14="http://schemas.microsoft.com/office/drawing/2010/main" w="9525">
+              <a14:hiddenLine xmlns:a14="http://schemas.microsoft.com/office/drawing/2010/main" xmlns="" w="9525">
                 <a:solidFill>
                   <a:srgbClr val="000000"/>
                 </a:solidFill>
@@ -12083,14 +12129,14 @@
           </a:ln>
           <a:extLst>
             <a:ext uri="{909E8E84-426E-40dd-AFC4-6F175D3DCCD1}">
-              <a14:hiddenFill xmlns="" xmlns:a14="http://schemas.microsoft.com/office/drawing/2010/main">
+              <a14:hiddenFill xmlns:a14="http://schemas.microsoft.com/office/drawing/2010/main" xmlns="">
                 <a:solidFill>
                   <a:srgbClr val="FFFFFF"/>
                 </a:solidFill>
               </a14:hiddenFill>
             </a:ext>
             <a:ext uri="{91240B29-F687-4f45-9708-019B960494DF}">
-              <a14:hiddenLine xmlns="" xmlns:a14="http://schemas.microsoft.com/office/drawing/2010/main" w="9525">
+              <a14:hiddenLine xmlns:a14="http://schemas.microsoft.com/office/drawing/2010/main" xmlns="" w="9525">
                 <a:solidFill>
                   <a:srgbClr val="000000"/>
                 </a:solidFill>
@@ -14018,14 +14064,14 @@
           </a:ln>
           <a:extLst>
             <a:ext uri="{909E8E84-426E-40dd-AFC4-6F175D3DCCD1}">
-              <a14:hiddenFill xmlns="" xmlns:a14="http://schemas.microsoft.com/office/drawing/2010/main">
+              <a14:hiddenFill xmlns:a14="http://schemas.microsoft.com/office/drawing/2010/main" xmlns="">
                 <a:solidFill>
                   <a:srgbClr val="FFFFFF"/>
                 </a:solidFill>
               </a14:hiddenFill>
             </a:ext>
             <a:ext uri="{91240B29-F687-4f45-9708-019B960494DF}">
-              <a14:hiddenLine xmlns="" xmlns:a14="http://schemas.microsoft.com/office/drawing/2010/main" w="9525">
+              <a14:hiddenLine xmlns:a14="http://schemas.microsoft.com/office/drawing/2010/main" xmlns="" w="9525">
                 <a:solidFill>
                   <a:srgbClr val="000000"/>
                 </a:solidFill>
@@ -15559,14 +15605,14 @@
           </a:ln>
           <a:extLst>
             <a:ext uri="{909E8E84-426E-40dd-AFC4-6F175D3DCCD1}">
-              <a14:hiddenFill xmlns="" xmlns:a14="http://schemas.microsoft.com/office/drawing/2010/main">
+              <a14:hiddenFill xmlns:a14="http://schemas.microsoft.com/office/drawing/2010/main" xmlns="">
                 <a:solidFill>
                   <a:srgbClr val="FFFFFF"/>
                 </a:solidFill>
               </a14:hiddenFill>
             </a:ext>
             <a:ext uri="{91240B29-F687-4f45-9708-019B960494DF}">
-              <a14:hiddenLine xmlns="" xmlns:a14="http://schemas.microsoft.com/office/drawing/2010/main" w="9525">
+              <a14:hiddenLine xmlns:a14="http://schemas.microsoft.com/office/drawing/2010/main" xmlns="" w="9525">
                 <a:solidFill>
                   <a:srgbClr val="000000"/>
                 </a:solidFill>
@@ -16124,14 +16170,14 @@
           </a:ln>
           <a:extLst>
             <a:ext uri="{909E8E84-426E-40dd-AFC4-6F175D3DCCD1}">
-              <a14:hiddenFill xmlns="" xmlns:a14="http://schemas.microsoft.com/office/drawing/2010/main">
+              <a14:hiddenFill xmlns:a14="http://schemas.microsoft.com/office/drawing/2010/main" xmlns="">
                 <a:solidFill>
                   <a:srgbClr val="FFFFFF"/>
                 </a:solidFill>
               </a14:hiddenFill>
             </a:ext>
             <a:ext uri="{91240B29-F687-4f45-9708-019B960494DF}">
-              <a14:hiddenLine xmlns="" xmlns:a14="http://schemas.microsoft.com/office/drawing/2010/main" w="9525">
+              <a14:hiddenLine xmlns:a14="http://schemas.microsoft.com/office/drawing/2010/main" xmlns="" w="9525">
                 <a:solidFill>
                   <a:srgbClr val="000000"/>
                 </a:solidFill>
@@ -16698,14 +16744,14 @@
           </a:ln>
           <a:extLst>
             <a:ext uri="{909E8E84-426E-40dd-AFC4-6F175D3DCCD1}">
-              <a14:hiddenFill xmlns="" xmlns:a14="http://schemas.microsoft.com/office/drawing/2010/main">
+              <a14:hiddenFill xmlns:a14="http://schemas.microsoft.com/office/drawing/2010/main" xmlns="">
                 <a:solidFill>
                   <a:srgbClr val="FFFFFF"/>
                 </a:solidFill>
               </a14:hiddenFill>
             </a:ext>
             <a:ext uri="{91240B29-F687-4f45-9708-019B960494DF}">
-              <a14:hiddenLine xmlns="" xmlns:a14="http://schemas.microsoft.com/office/drawing/2010/main" w="9525">
+              <a14:hiddenLine xmlns:a14="http://schemas.microsoft.com/office/drawing/2010/main" xmlns="" w="9525">
                 <a:solidFill>
                   <a:srgbClr val="000000"/>
                 </a:solidFill>
@@ -17645,14 +17691,14 @@
           </a:ln>
           <a:extLst>
             <a:ext uri="{909E8E84-426E-40dd-AFC4-6F175D3DCCD1}">
-              <a14:hiddenFill xmlns="" xmlns:a14="http://schemas.microsoft.com/office/drawing/2010/main">
+              <a14:hiddenFill xmlns:a14="http://schemas.microsoft.com/office/drawing/2010/main" xmlns="">
                 <a:solidFill>
                   <a:srgbClr val="FFFFFF"/>
                 </a:solidFill>
               </a14:hiddenFill>
             </a:ext>
             <a:ext uri="{91240B29-F687-4f45-9708-019B960494DF}">
-              <a14:hiddenLine xmlns="" xmlns:a14="http://schemas.microsoft.com/office/drawing/2010/main" w="9525">
+              <a14:hiddenLine xmlns:a14="http://schemas.microsoft.com/office/drawing/2010/main" xmlns="" w="9525">
                 <a:solidFill>
                   <a:srgbClr val="000000"/>
                 </a:solidFill>
@@ -18405,14 +18451,14 @@
           </a:ln>
           <a:extLst>
             <a:ext uri="{909E8E84-426E-40dd-AFC4-6F175D3DCCD1}">
-              <a14:hiddenFill xmlns="" xmlns:a14="http://schemas.microsoft.com/office/drawing/2010/main">
+              <a14:hiddenFill xmlns:a14="http://schemas.microsoft.com/office/drawing/2010/main" xmlns="">
                 <a:solidFill>
                   <a:srgbClr val="FFFFFF"/>
                 </a:solidFill>
               </a14:hiddenFill>
             </a:ext>
             <a:ext uri="{91240B29-F687-4f45-9708-019B960494DF}">
-              <a14:hiddenLine xmlns="" xmlns:a14="http://schemas.microsoft.com/office/drawing/2010/main" w="9525">
+              <a14:hiddenLine xmlns:a14="http://schemas.microsoft.com/office/drawing/2010/main" xmlns="" w="9525">
                 <a:solidFill>
                   <a:srgbClr val="000000"/>
                 </a:solidFill>
@@ -19262,11 +19308,7 @@
           <a:p>
             <a:r>
               <a:rPr lang="en-US" dirty="0" smtClean="0"/>
-              <a:t>GL: </a:t>
-            </a:r>
-            <a:r>
-              <a:rPr lang="en-US" dirty="0" smtClean="0"/>
-              <a:t>Testing Connectivity to your Node</a:t>
+              <a:t>GL: Testing Connectivity to your Node</a:t>
             </a:r>
             <a:endParaRPr lang="en-US" dirty="0"/>
           </a:p>
@@ -20243,15 +20285,7 @@
           <a:p>
             <a:r>
               <a:rPr lang="en-US" dirty="0" smtClean="0"/>
-              <a:t>Group </a:t>
-            </a:r>
-            <a:r>
-              <a:rPr lang="en-US" dirty="0" smtClean="0"/>
-              <a:t>Lab: </a:t>
-            </a:r>
-            <a:r>
-              <a:rPr lang="en-US" dirty="0" smtClean="0"/>
-              <a:t>Running a Scan</a:t>
+              <a:t>Group Lab: Running a Scan</a:t>
             </a:r>
             <a:endParaRPr lang="en-US" dirty="0"/>
           </a:p>
@@ -20364,11 +20398,7 @@
           <a:p>
             <a:r>
               <a:rPr lang="en-US" dirty="0" smtClean="0"/>
-              <a:t>GL: </a:t>
-            </a:r>
-            <a:r>
-              <a:rPr lang="en-US" dirty="0" smtClean="0"/>
-              <a:t>Running a Scan</a:t>
+              <a:t>GL: Running a Scan</a:t>
             </a:r>
             <a:endParaRPr lang="en-US" dirty="0"/>
           </a:p>
@@ -20539,11 +20569,7 @@
           <a:p>
             <a:r>
               <a:rPr lang="en-US" dirty="0" smtClean="0"/>
-              <a:t>GL: </a:t>
-            </a:r>
-            <a:r>
-              <a:rPr lang="en-US" dirty="0" smtClean="0"/>
-              <a:t>Running a Scan</a:t>
+              <a:t>GL: Running a Scan</a:t>
             </a:r>
             <a:endParaRPr lang="en-US" dirty="0"/>
           </a:p>
@@ -21382,11 +21408,7 @@
           <a:p>
             <a:r>
               <a:rPr lang="en-US" dirty="0" smtClean="0"/>
-              <a:t>GL: </a:t>
-            </a:r>
-            <a:r>
-              <a:rPr lang="en-US" dirty="0" smtClean="0"/>
-              <a:t>Profile</a:t>
+              <a:t>GL: Profile</a:t>
             </a:r>
             <a:endParaRPr lang="en-US" dirty="0"/>
           </a:p>
@@ -22564,11 +22586,7 @@
           <a:p>
             <a:r>
               <a:rPr lang="en-US" dirty="0" smtClean="0"/>
-              <a:t>GL: </a:t>
-            </a:r>
-            <a:r>
-              <a:rPr lang="en-US" dirty="0" smtClean="0"/>
-              <a:t>Remediating the Issue</a:t>
+              <a:t>GL: Remediating the Issue</a:t>
             </a:r>
             <a:endParaRPr lang="en-US" dirty="0"/>
           </a:p>
@@ -24180,11 +24198,7 @@
           <a:p>
             <a:r>
               <a:rPr lang="en-US" dirty="0" smtClean="0"/>
-              <a:t>GL: </a:t>
-            </a:r>
-            <a:r>
-              <a:rPr lang="en-US" dirty="0" smtClean="0"/>
-              <a:t>Write the Client Recipe</a:t>
+              <a:t>GL: Write the Client Recipe</a:t>
             </a:r>
             <a:endParaRPr lang="en-US" dirty="0"/>
           </a:p>
@@ -24247,11 +24261,7 @@
           <a:p>
             <a:r>
               <a:rPr lang="en-US" dirty="0" smtClean="0"/>
-              <a:t>GL: </a:t>
-            </a:r>
-            <a:r>
-              <a:rPr lang="en-US" dirty="0" smtClean="0"/>
-              <a:t>Testing the Recipe</a:t>
+              <a:t>GL: Testing the Recipe</a:t>
             </a:r>
             <a:endParaRPr lang="en-US" dirty="0"/>
           </a:p>
@@ -24424,11 +24434,7 @@
           <a:p>
             <a:r>
               <a:rPr lang="en-US" dirty="0" smtClean="0"/>
-              <a:t>GL: </a:t>
-            </a:r>
-            <a:r>
-              <a:rPr lang="en-US" dirty="0" smtClean="0"/>
-              <a:t>Navigate to your SSH Cookbook</a:t>
+              <a:t>GL: Navigate to your SSH Cookbook</a:t>
             </a:r>
             <a:endParaRPr lang="en-US" dirty="0"/>
           </a:p>
@@ -24595,11 +24601,7 @@
           <a:p>
             <a:r>
               <a:rPr lang="en-US" dirty="0" smtClean="0"/>
-              <a:t>GL: </a:t>
-            </a:r>
-            <a:r>
-              <a:rPr lang="en-US" dirty="0" smtClean="0"/>
-              <a:t>Edit your .</a:t>
+              <a:t>GL: Edit your .</a:t>
             </a:r>
             <a:r>
               <a:rPr lang="en-US" dirty="0" err="1" smtClean="0"/>
@@ -24855,11 +24857,7 @@
           <a:p>
             <a:r>
               <a:rPr lang="en-US" dirty="0" smtClean="0"/>
-              <a:t>GL: </a:t>
-            </a:r>
-            <a:r>
-              <a:rPr lang="en-US" dirty="0" smtClean="0"/>
-              <a:t>Edit your .</a:t>
+              <a:t>GL: Edit your .</a:t>
             </a:r>
             <a:r>
               <a:rPr lang="en-US" dirty="0" err="1" smtClean="0"/>
@@ -25105,11 +25103,7 @@
           <a:p>
             <a:r>
               <a:rPr lang="en-US" dirty="0" smtClean="0"/>
-              <a:t>GL: </a:t>
-            </a:r>
-            <a:r>
-              <a:rPr lang="en-US" dirty="0" smtClean="0"/>
-              <a:t>Edit your .</a:t>
+              <a:t>GL: Edit your .</a:t>
             </a:r>
             <a:r>
               <a:rPr lang="en-US" dirty="0" err="1" smtClean="0"/>
@@ -25659,11 +25653,7 @@
           <a:p>
             <a:r>
               <a:rPr lang="en-US" dirty="0" smtClean="0"/>
-              <a:t>GL: </a:t>
-            </a:r>
-            <a:r>
-              <a:rPr lang="en-US" dirty="0" smtClean="0"/>
-              <a:t>Run `kitchen list` </a:t>
+              <a:t>GL: Run `kitchen list` </a:t>
             </a:r>
             <a:r>
               <a:rPr lang="en-US" dirty="0"/>
@@ -25888,11 +25878,7 @@
           <a:p>
             <a:r>
               <a:rPr lang="en-US" dirty="0" smtClean="0"/>
-              <a:t>GL: </a:t>
-            </a:r>
-            <a:r>
-              <a:rPr lang="en-US" dirty="0" smtClean="0"/>
-              <a:t>Run `kitchen converge`</a:t>
+              <a:t>GL: Run `kitchen converge`</a:t>
             </a:r>
             <a:r>
               <a:rPr lang="en-US" dirty="0"/>
@@ -26094,15 +26080,7 @@
           <a:p>
             <a:r>
               <a:rPr lang="en-US" dirty="0" smtClean="0"/>
-              <a:t>Group </a:t>
-            </a:r>
-            <a:r>
-              <a:rPr lang="en-US" dirty="0" smtClean="0"/>
-              <a:t>Lab: </a:t>
-            </a:r>
-            <a:r>
-              <a:rPr lang="en-US" dirty="0" smtClean="0"/>
-              <a:t>Adding a Node to Scan</a:t>
+              <a:t>Group Lab: Adding a Node to Scan</a:t>
             </a:r>
             <a:endParaRPr lang="en-US" dirty="0"/>
           </a:p>
@@ -26311,11 +26289,7 @@
             </a:r>
             <a:r>
               <a:rPr lang="en-US" dirty="0" smtClean="0"/>
-              <a:t>instance</a:t>
-            </a:r>
-            <a:r>
-              <a:rPr lang="en-US" dirty="0" smtClean="0"/>
-              <a:t>.</a:t>
+              <a:t>instance.</a:t>
             </a:r>
             <a:endParaRPr lang="en-US" dirty="0"/>
           </a:p>
@@ -26382,7 +26356,7 @@
             </a:r>
             <a:r>
               <a:rPr lang="en-US" dirty="0"/>
-              <a:t>Adding an </a:t>
+              <a:t>Using </a:t>
             </a:r>
             <a:r>
               <a:rPr lang="en-US" dirty="0" err="1"/>
@@ -26390,8 +26364,9 @@
             </a:r>
             <a:r>
               <a:rPr lang="en-US" dirty="0"/>
-              <a:t> Verification</a:t>
-            </a:r>
+              <a:t> for Verification</a:t>
+            </a:r>
+            <a:endParaRPr lang="en-US" dirty="0"/>
           </a:p>
         </p:txBody>
       </p:sp>
@@ -26556,11 +26531,7 @@
           <a:p>
             <a:r>
               <a:rPr lang="en-US" dirty="0" smtClean="0"/>
-              <a:t>GL: </a:t>
-            </a:r>
-            <a:r>
-              <a:rPr lang="en-US" dirty="0" smtClean="0"/>
-              <a:t>Create the `</a:t>
+              <a:t>GL: Create the `</a:t>
             </a:r>
             <a:r>
               <a:rPr lang="en-US" dirty="0" err="1" smtClean="0"/>
@@ -27027,11 +26998,7 @@
             </a:r>
             <a:r>
               <a:rPr lang="en-US" dirty="0" smtClean="0"/>
-              <a:t> from the </a:t>
-            </a:r>
-            <a:r>
-              <a:rPr lang="en-US" dirty="0" smtClean="0"/>
-              <a:t>Command </a:t>
+              <a:t> from the Command </a:t>
             </a:r>
             <a:r>
               <a:rPr lang="en-US" dirty="0"/>
@@ -27047,11 +27014,7 @@
             </a:r>
             <a:r>
               <a:rPr lang="en-US" dirty="0" smtClean="0"/>
-              <a:t>nterface </a:t>
-            </a:r>
-            <a:r>
-              <a:rPr lang="en-US" dirty="0" smtClean="0"/>
-              <a:t>(CLI)</a:t>
+              <a:t>nterface (CLI)</a:t>
             </a:r>
             <a:endParaRPr lang="en-US" dirty="0"/>
           </a:p>
@@ -27287,11 +27250,7 @@
           <a:p>
             <a:r>
               <a:rPr lang="en-US" dirty="0" smtClean="0"/>
-              <a:t>GL: </a:t>
-            </a:r>
-            <a:r>
-              <a:rPr lang="en-US" dirty="0" smtClean="0"/>
-              <a:t>What is your Docker ID?</a:t>
+              <a:t>GL: What is your Docker ID?</a:t>
             </a:r>
             <a:endParaRPr lang="en-US" dirty="0"/>
           </a:p>
@@ -28329,11 +28288,7 @@
           <a:p>
             <a:r>
               <a:rPr lang="en-US" dirty="0" smtClean="0"/>
-              <a:t>GL: </a:t>
-            </a:r>
-            <a:r>
-              <a:rPr lang="en-US" dirty="0" smtClean="0"/>
-              <a:t>Ensure you are in ~/</a:t>
+              <a:t>GL: Ensure you are in ~/</a:t>
             </a:r>
             <a:r>
               <a:rPr lang="en-US" dirty="0"/>
@@ -28623,11 +28578,7 @@
           <a:p>
             <a:r>
               <a:rPr lang="en-US" dirty="0" smtClean="0"/>
-              <a:t>GL: </a:t>
-            </a:r>
-            <a:r>
-              <a:rPr lang="en-US" dirty="0" smtClean="0"/>
-              <a:t>Run `kitchen converge`</a:t>
+              <a:t>GL: Run `kitchen converge`</a:t>
             </a:r>
             <a:endParaRPr lang="en-US" dirty="0"/>
           </a:p>
@@ -29191,11 +29142,7 @@
           <a:p>
             <a:r>
               <a:rPr lang="en-US" dirty="0" smtClean="0"/>
-              <a:t>GL: </a:t>
-            </a:r>
-            <a:r>
-              <a:rPr lang="en-US" dirty="0" smtClean="0"/>
-              <a:t>Apply the New SSH Recipe</a:t>
+              <a:t>GL: Apply the New SSH Recipe</a:t>
             </a:r>
             <a:endParaRPr lang="en-US" dirty="0"/>
           </a:p>
@@ -29318,11 +29265,7 @@
           <a:p>
             <a:r>
               <a:rPr lang="en-US" dirty="0" smtClean="0"/>
-              <a:t>GL: </a:t>
-            </a:r>
-            <a:r>
-              <a:rPr lang="en-US" dirty="0" smtClean="0"/>
-              <a:t>Re-run the Compliance Scan</a:t>
+              <a:t>GL: Re-run the Compliance Scan</a:t>
             </a:r>
             <a:endParaRPr lang="en-US" dirty="0"/>
           </a:p>
@@ -29446,11 +29389,7 @@
           <a:p>
             <a:r>
               <a:rPr lang="en-US" dirty="0" smtClean="0"/>
-              <a:t>GL: </a:t>
-            </a:r>
-            <a:r>
-              <a:rPr lang="en-US" dirty="0" smtClean="0"/>
-              <a:t>Re-run the Compliance Scan</a:t>
+              <a:t>GL: Re-run the Compliance Scan</a:t>
             </a:r>
             <a:endParaRPr lang="en-US" dirty="0"/>
           </a:p>
@@ -29580,11 +29519,7 @@
           <a:p>
             <a:r>
               <a:rPr lang="en-US" dirty="0" smtClean="0"/>
-              <a:t>GL: </a:t>
-            </a:r>
-            <a:r>
-              <a:rPr lang="en-US" dirty="0" smtClean="0"/>
-              <a:t>Results of this Exercise</a:t>
+              <a:t>GL: Results of this Exercise</a:t>
             </a:r>
             <a:endParaRPr lang="en-US" dirty="0"/>
           </a:p>
@@ -30926,11 +30861,7 @@
           <a:p>
             <a:r>
               <a:rPr lang="en-US" dirty="0" smtClean="0"/>
-              <a:t>GL: </a:t>
-            </a:r>
-            <a:r>
-              <a:rPr lang="en-US" dirty="0" smtClean="0"/>
-              <a:t>Testing Connectivity to your Node</a:t>
+              <a:t>GL: Testing Connectivity to your Node</a:t>
             </a:r>
             <a:endParaRPr lang="en-US" dirty="0"/>
           </a:p>
@@ -32395,15 +32326,6 @@
 
 <file path=customXml/item1.xml><?xml version="1.0" encoding="utf-8"?>
 <?mso-contentType ?>
-<FormTemplates xmlns="http://schemas.microsoft.com/sharepoint/v3/contenttype/forms">
-  <Display>DocumentLibraryForm</Display>
-  <Edit>DocumentLibraryForm</Edit>
-  <New>DocumentLibraryForm</New>
-</FormTemplates>
-</file>
-
-<file path=customXml/item2.xml><?xml version="1.0" encoding="utf-8"?>
-<?mso-contentType ?>
 <spe:Receivers xmlns:spe="http://schemas.microsoft.com/sharepoint/events">
   <Receiver>
     <Name>Document ID Generator</Name>
@@ -32448,19 +32370,16 @@
 </spe:Receivers>
 </file>
 
-<file path=customXml/item3.xml><?xml version="1.0" encoding="utf-8"?>
-<p:properties xmlns:p="http://schemas.microsoft.com/office/2006/metadata/properties" xmlns:xsi="http://www.w3.org/2001/XMLSchema-instance" xmlns:pc="http://schemas.microsoft.com/office/infopath/2007/PartnerControls">
-  <documentManagement>
-    <_dlc_DocId xmlns="7bb5d761-a2ea-4873-95f7-7a6658fb3ef0">M4CWTKMW727E-592-73</_dlc_DocId>
-    <_dlc_DocIdUrl xmlns="7bb5d761-a2ea-4873-95f7-7a6658fb3ef0">
-      <Url>https://kms.vci.local/marketing/team/_layouts/DocIdRedir.aspx?ID=M4CWTKMW727E-592-73</Url>
-      <Description>M4CWTKMW727E-592-73</Description>
-    </_dlc_DocIdUrl>
-  </documentManagement>
-</p:properties>
+<file path=customXml/item2.xml><?xml version="1.0" encoding="utf-8"?>
+<?mso-contentType ?>
+<FormTemplates xmlns="http://schemas.microsoft.com/sharepoint/v3/contenttype/forms">
+  <Display>DocumentLibraryForm</Display>
+  <Edit>DocumentLibraryForm</Edit>
+  <New>DocumentLibraryForm</New>
+</FormTemplates>
 </file>
 
-<file path=customXml/item4.xml><?xml version="1.0" encoding="utf-8"?>
+<file path=customXml/item3.xml><?xml version="1.0" encoding="utf-8"?>
 <ct:contentTypeSchema xmlns:ct="http://schemas.microsoft.com/office/2006/metadata/contentType" xmlns:ma="http://schemas.microsoft.com/office/2006/metadata/properties/metaAttributes" ct:_="" ma:_="" ma:contentTypeName="Document" ma:contentTypeID="0x0101000812F700BE7F874999720E88173FE491" ma:contentTypeVersion="0" ma:contentTypeDescription="Create a new document." ma:contentTypeScope="" ma:versionID="3f79f408e2ca720b7aba6e0e32464d0c">
   <xsd:schema xmlns:xsd="http://www.w3.org/2001/XMLSchema" xmlns:xs="http://www.w3.org/2001/XMLSchema" xmlns:p="http://schemas.microsoft.com/office/2006/metadata/properties" xmlns:ns2="7bb5d761-a2ea-4873-95f7-7a6658fb3ef0" targetNamespace="http://schemas.microsoft.com/office/2006/metadata/properties" ma:root="true" ma:fieldsID="1e062cd38ba31e406bfc4340fbc7f87a" ns2:_="">
     <xsd:import namespace="7bb5d761-a2ea-4873-95f7-7a6658fb3ef0"/>
@@ -32605,7 +32524,27 @@
 </ct:contentTypeSchema>
 </file>
 
+<file path=customXml/item4.xml><?xml version="1.0" encoding="utf-8"?>
+<p:properties xmlns:p="http://schemas.microsoft.com/office/2006/metadata/properties" xmlns:xsi="http://www.w3.org/2001/XMLSchema-instance" xmlns:pc="http://schemas.microsoft.com/office/infopath/2007/PartnerControls">
+  <documentManagement>
+    <_dlc_DocId xmlns="7bb5d761-a2ea-4873-95f7-7a6658fb3ef0">M4CWTKMW727E-592-73</_dlc_DocId>
+    <_dlc_DocIdUrl xmlns="7bb5d761-a2ea-4873-95f7-7a6658fb3ef0">
+      <Url>https://kms.vci.local/marketing/team/_layouts/DocIdRedir.aspx?ID=M4CWTKMW727E-592-73</Url>
+      <Description>M4CWTKMW727E-592-73</Description>
+    </_dlc_DocIdUrl>
+  </documentManagement>
+</p:properties>
+</file>
+
 <file path=customXml/itemProps1.xml><?xml version="1.0" encoding="utf-8"?>
+<ds:datastoreItem xmlns:ds="http://schemas.openxmlformats.org/officeDocument/2006/customXml" ds:itemID="{B13EBC30-FE27-4C6A-B723-23FC2188F7DC}">
+  <ds:schemaRefs>
+    <ds:schemaRef ds:uri="http://schemas.microsoft.com/sharepoint/events"/>
+  </ds:schemaRefs>
+</ds:datastoreItem>
+</file>
+
+<file path=customXml/itemProps2.xml><?xml version="1.0" encoding="utf-8"?>
 <ds:datastoreItem xmlns:ds="http://schemas.openxmlformats.org/officeDocument/2006/customXml" ds:itemID="{5CDEB364-43EC-4510-9881-539C2A3FCE9E}">
   <ds:schemaRefs>
     <ds:schemaRef ds:uri="http://schemas.microsoft.com/sharepoint/v3/contenttype/forms"/>
@@ -32613,31 +32552,7 @@
 </ds:datastoreItem>
 </file>
 
-<file path=customXml/itemProps2.xml><?xml version="1.0" encoding="utf-8"?>
-<ds:datastoreItem xmlns:ds="http://schemas.openxmlformats.org/officeDocument/2006/customXml" ds:itemID="{B13EBC30-FE27-4C6A-B723-23FC2188F7DC}">
-  <ds:schemaRefs>
-    <ds:schemaRef ds:uri="http://schemas.microsoft.com/sharepoint/events"/>
-  </ds:schemaRefs>
-</ds:datastoreItem>
-</file>
-
 <file path=customXml/itemProps3.xml><?xml version="1.0" encoding="utf-8"?>
-<ds:datastoreItem xmlns:ds="http://schemas.openxmlformats.org/officeDocument/2006/customXml" ds:itemID="{6921749B-AEB7-461B-845F-603CABD25259}">
-  <ds:schemaRefs>
-    <ds:schemaRef ds:uri="http://purl.org/dc/dcmitype/"/>
-    <ds:schemaRef ds:uri="http://schemas.microsoft.com/office/2006/documentManagement/types"/>
-    <ds:schemaRef ds:uri="http://purl.org/dc/elements/1.1/"/>
-    <ds:schemaRef ds:uri="http://schemas.microsoft.com/office/2006/metadata/properties"/>
-    <ds:schemaRef ds:uri="7bb5d761-a2ea-4873-95f7-7a6658fb3ef0"/>
-    <ds:schemaRef ds:uri="http://purl.org/dc/terms/"/>
-    <ds:schemaRef ds:uri="http://schemas.openxmlformats.org/package/2006/metadata/core-properties"/>
-    <ds:schemaRef ds:uri="http://schemas.microsoft.com/office/infopath/2007/PartnerControls"/>
-    <ds:schemaRef ds:uri="http://www.w3.org/XML/1998/namespace"/>
-  </ds:schemaRefs>
-</ds:datastoreItem>
-</file>
-
-<file path=customXml/itemProps4.xml><?xml version="1.0" encoding="utf-8"?>
 <ds:datastoreItem xmlns:ds="http://schemas.openxmlformats.org/officeDocument/2006/customXml" ds:itemID="{164479E5-0B02-49AC-B79E-EC1D6164DDD3}">
   <ds:schemaRefs>
     <ds:schemaRef ds:uri="http://schemas.microsoft.com/office/2006/metadata/contentType"/>
@@ -32653,4 +32568,20 @@
     <ds:schemaRef ds:uri="http://schemas.microsoft.com/internal/obd"/>
   </ds:schemaRefs>
 </ds:datastoreItem>
+</file>
+
+<file path=customXml/itemProps4.xml><?xml version="1.0" encoding="utf-8"?>
+<ds:datastoreItem xmlns:ds="http://schemas.openxmlformats.org/officeDocument/2006/customXml" ds:itemID="{6921749B-AEB7-461B-845F-603CABD25259}">
+  <ds:schemaRefs>
+    <ds:schemaRef ds:uri="http://purl.org/dc/dcmitype/"/>
+    <ds:schemaRef ds:uri="http://schemas.microsoft.com/office/2006/documentManagement/types"/>
+    <ds:schemaRef ds:uri="http://purl.org/dc/elements/1.1/"/>
+    <ds:schemaRef ds:uri="http://schemas.microsoft.com/office/2006/metadata/properties"/>
+    <ds:schemaRef ds:uri="7bb5d761-a2ea-4873-95f7-7a6658fb3ef0"/>
+    <ds:schemaRef ds:uri="http://purl.org/dc/terms/"/>
+    <ds:schemaRef ds:uri="http://schemas.openxmlformats.org/package/2006/metadata/core-properties"/>
+    <ds:schemaRef ds:uri="http://schemas.microsoft.com/office/infopath/2007/PartnerControls"/>
+    <ds:schemaRef ds:uri="http://www.w3.org/XML/1998/namespace"/>
+  </ds:schemaRefs>
+</ds:datastoreItem>
 </file>
--- a/03-initial-configuration-scans.pptx
+++ b/03-initial-configuration-scans.pptx
@@ -6340,11 +6340,7 @@
             </a:r>
             <a:r>
               <a:rPr lang="en-US" dirty="0" smtClean="0"/>
-              <a:t>' file to save yourself some typing</a:t>
-            </a:r>
-            <a:r>
-              <a:rPr lang="en-US" dirty="0" smtClean="0"/>
-              <a:t>.</a:t>
+              <a:t>' file to save yourself some typing.</a:t>
             </a:r>
           </a:p>
           <a:p>
@@ -8793,17 +8789,87 @@
           <a:p>
             <a:r>
               <a:rPr lang="en-US" dirty="0" smtClean="0"/>
-              <a:t>We</a:t>
+              <a:t>Run this </a:t>
+            </a:r>
+            <a:r>
+              <a:rPr lang="en-US" dirty="0" err="1" smtClean="0"/>
+              <a:t>inspec</a:t>
             </a:r>
             <a:r>
               <a:rPr lang="en-US" baseline="0" dirty="0" smtClean="0"/>
-              <a:t> have now verified the change in our </a:t>
-            </a:r>
-            <a:r>
-              <a:rPr lang="en-US" baseline="0" smtClean="0"/>
-              <a:t>test kitchen</a:t>
-            </a:r>
-            <a:endParaRPr lang="en-US" dirty="0"/>
+              <a:t> command again using the container ID you copied previously, replacing CONTAINER_ID in the example.</a:t>
+            </a:r>
+          </a:p>
+          <a:p>
+            <a:endParaRPr lang="en-US" baseline="0" dirty="0" smtClean="0"/>
+          </a:p>
+          <a:p>
+            <a:r>
+              <a:rPr lang="en-US" dirty="0" smtClean="0"/>
+              <a:t>`</a:t>
+            </a:r>
+            <a:r>
+              <a:rPr lang="en-US" dirty="0" err="1" smtClean="0"/>
+              <a:t>inspec</a:t>
+            </a:r>
+            <a:r>
+              <a:rPr lang="en-US" dirty="0" smtClean="0"/>
+              <a:t> exec ~/cookbooks/ssh/test/integration/client/</a:t>
+            </a:r>
+            <a:r>
+              <a:rPr lang="en-US" dirty="0" err="1" smtClean="0"/>
+              <a:t>inspec</a:t>
+            </a:r>
+            <a:r>
+              <a:rPr lang="en-US" dirty="0" smtClean="0"/>
+              <a:t>/</a:t>
+            </a:r>
+            <a:r>
+              <a:rPr lang="en-US" dirty="0" err="1" smtClean="0"/>
+              <a:t>client_spec.rb</a:t>
+            </a:r>
+            <a:r>
+              <a:rPr lang="en-US" dirty="0" smtClean="0"/>
+              <a:t> -t docker://CONTAINER_ID`</a:t>
+            </a:r>
+          </a:p>
+          <a:p>
+            <a:endParaRPr lang="en-US" dirty="0" smtClean="0"/>
+          </a:p>
+          <a:p>
+            <a:r>
+              <a:rPr lang="en-US" dirty="0" smtClean="0"/>
+              <a:t>You should now see that the</a:t>
+            </a:r>
+            <a:r>
+              <a:rPr lang="en-US" baseline="0" dirty="0" smtClean="0"/>
+              <a:t> test</a:t>
+            </a:r>
+            <a:r>
+              <a:rPr lang="en-US" dirty="0" smtClean="0"/>
+              <a:t> has passed. In</a:t>
+            </a:r>
+            <a:r>
+              <a:rPr lang="en-US" baseline="0" dirty="0" smtClean="0"/>
+              <a:t> addition to the output text that says there were 0 failures, th</a:t>
+            </a:r>
+            <a:r>
+              <a:rPr lang="en-US" dirty="0" smtClean="0"/>
+              <a:t>e single dot at the top-left of the output means there</a:t>
+            </a:r>
+            <a:r>
+              <a:rPr lang="en-US" baseline="0" dirty="0" smtClean="0"/>
+              <a:t> was </a:t>
+            </a:r>
+            <a:r>
+              <a:rPr lang="en-US" dirty="0" smtClean="0"/>
+              <a:t>one</a:t>
+            </a:r>
+            <a:r>
+              <a:rPr lang="en-US" baseline="0" dirty="0" smtClean="0"/>
+              <a:t> test made and that it passed.</a:t>
+            </a:r>
+            <a:endParaRPr lang="en-US" dirty="0" smtClean="0"/>
           </a:p>
         </p:txBody>
       </p:sp>
@@ -19308,7 +19374,7 @@
           <a:p>
             <a:r>
               <a:rPr lang="en-US" dirty="0" smtClean="0"/>
-              <a:t>GL: Testing Connectivity to your Node</a:t>
+              <a:t>GL: Testing Connectivity to Your Node</a:t>
             </a:r>
             <a:endParaRPr lang="en-US" dirty="0"/>
           </a:p>
@@ -26366,7 +26432,6 @@
               <a:rPr lang="en-US" dirty="0"/>
               <a:t> for Verification</a:t>
             </a:r>
-            <a:endParaRPr lang="en-US" dirty="0"/>
           </a:p>
         </p:txBody>
       </p:sp>
@@ -30861,7 +30926,7 @@
           <a:p>
             <a:r>
               <a:rPr lang="en-US" dirty="0" smtClean="0"/>
-              <a:t>GL: Testing Connectivity to your Node</a:t>
+              <a:t>GL: Testing Connectivity to Your Node</a:t>
             </a:r>
             <a:endParaRPr lang="en-US" dirty="0"/>
           </a:p>

--- a/03-initial-configuration-scans.pptx
+++ b/03-initial-configuration-scans.pptx
@@ -332,7 +332,7 @@
               <a:pPr>
                 <a:defRPr/>
               </a:pPr>
-              <a:t>2016-01-21</a:t>
+              <a:t>2016-01-25</a:t>
             </a:fld>
             <a:endParaRPr lang="en-US" dirty="0"/>
           </a:p>
@@ -515,7 +515,7 @@
               <a:pPr>
                 <a:defRPr/>
               </a:pPr>
-              <a:t>2016-01-21</a:t>
+              <a:t>2016-01-25</a:t>
             </a:fld>
             <a:endParaRPr lang="en-US" dirty="0"/>
           </a:p>
@@ -4999,10 +4999,9 @@
               <a:t>kitchen.yml</a:t>
             </a:r>
             <a:r>
-              <a:rPr lang="en-US" smtClean="0"/>
+              <a:rPr lang="en-US" dirty="0" smtClean="0"/>
               <a:t>`.</a:t>
             </a:r>
-            <a:endParaRPr lang="en-US" baseline="0" dirty="0" smtClean="0"/>
           </a:p>
           <a:p>
             <a:endParaRPr lang="en-US" baseline="0" dirty="0" smtClean="0"/>
@@ -11296,14 +11295,14 @@
           </a:ln>
           <a:extLst>
             <a:ext uri="{909E8E84-426E-40dd-AFC4-6F175D3DCCD1}">
-              <a14:hiddenFill xmlns:a14="http://schemas.microsoft.com/office/drawing/2010/main" xmlns="">
+              <a14:hiddenFill xmlns="" xmlns:a14="http://schemas.microsoft.com/office/drawing/2010/main">
                 <a:solidFill>
                   <a:srgbClr val="FFFFFF"/>
                 </a:solidFill>
               </a14:hiddenFill>
             </a:ext>
             <a:ext uri="{91240B29-F687-4f45-9708-019B960494DF}">
-              <a14:hiddenLine xmlns:a14="http://schemas.microsoft.com/office/drawing/2010/main" xmlns="" w="9525">
+              <a14:hiddenLine xmlns="" xmlns:a14="http://schemas.microsoft.com/office/drawing/2010/main" w="9525">
                 <a:solidFill>
                   <a:srgbClr val="000000"/>
                 </a:solidFill>
@@ -11451,14 +11450,14 @@
           </a:ln>
           <a:extLst>
             <a:ext uri="{909E8E84-426E-40dd-AFC4-6F175D3DCCD1}">
-              <a14:hiddenFill xmlns:a14="http://schemas.microsoft.com/office/drawing/2010/main" xmlns="">
+              <a14:hiddenFill xmlns="" xmlns:a14="http://schemas.microsoft.com/office/drawing/2010/main">
                 <a:solidFill>
                   <a:srgbClr val="FFFFFF"/>
                 </a:solidFill>
               </a14:hiddenFill>
             </a:ext>
             <a:ext uri="{91240B29-F687-4f45-9708-019B960494DF}">
-              <a14:hiddenLine xmlns:a14="http://schemas.microsoft.com/office/drawing/2010/main" xmlns="" w="9525">
+              <a14:hiddenLine xmlns="" xmlns:a14="http://schemas.microsoft.com/office/drawing/2010/main" w="9525">
                 <a:solidFill>
                   <a:srgbClr val="000000"/>
                 </a:solidFill>
@@ -11949,14 +11948,14 @@
           </a:ln>
           <a:extLst>
             <a:ext uri="{909E8E84-426E-40dd-AFC4-6F175D3DCCD1}">
-              <a14:hiddenFill xmlns:a14="http://schemas.microsoft.com/office/drawing/2010/main" xmlns="">
+              <a14:hiddenFill xmlns="" xmlns:a14="http://schemas.microsoft.com/office/drawing/2010/main">
                 <a:solidFill>
                   <a:srgbClr val="FFFFFF"/>
                 </a:solidFill>
               </a14:hiddenFill>
             </a:ext>
             <a:ext uri="{91240B29-F687-4f45-9708-019B960494DF}">
-              <a14:hiddenLine xmlns:a14="http://schemas.microsoft.com/office/drawing/2010/main" xmlns="" w="9525">
+              <a14:hiddenLine xmlns="" xmlns:a14="http://schemas.microsoft.com/office/drawing/2010/main" w="9525">
                 <a:solidFill>
                   <a:srgbClr val="000000"/>
                 </a:solidFill>
@@ -12195,14 +12194,14 @@
           </a:ln>
           <a:extLst>
             <a:ext uri="{909E8E84-426E-40dd-AFC4-6F175D3DCCD1}">
-              <a14:hiddenFill xmlns:a14="http://schemas.microsoft.com/office/drawing/2010/main" xmlns="">
+              <a14:hiddenFill xmlns="" xmlns:a14="http://schemas.microsoft.com/office/drawing/2010/main">
                 <a:solidFill>
                   <a:srgbClr val="FFFFFF"/>
                 </a:solidFill>
               </a14:hiddenFill>
             </a:ext>
             <a:ext uri="{91240B29-F687-4f45-9708-019B960494DF}">
-              <a14:hiddenLine xmlns:a14="http://schemas.microsoft.com/office/drawing/2010/main" xmlns="" w="9525">
+              <a14:hiddenLine xmlns="" xmlns:a14="http://schemas.microsoft.com/office/drawing/2010/main" w="9525">
                 <a:solidFill>
                   <a:srgbClr val="000000"/>
                 </a:solidFill>
@@ -14130,14 +14129,14 @@
           </a:ln>
           <a:extLst>
             <a:ext uri="{909E8E84-426E-40dd-AFC4-6F175D3DCCD1}">
-              <a14:hiddenFill xmlns:a14="http://schemas.microsoft.com/office/drawing/2010/main" xmlns="">
+              <a14:hiddenFill xmlns="" xmlns:a14="http://schemas.microsoft.com/office/drawing/2010/main">
                 <a:solidFill>
                   <a:srgbClr val="FFFFFF"/>
                 </a:solidFill>
               </a14:hiddenFill>
             </a:ext>
             <a:ext uri="{91240B29-F687-4f45-9708-019B960494DF}">
-              <a14:hiddenLine xmlns:a14="http://schemas.microsoft.com/office/drawing/2010/main" xmlns="" w="9525">
+              <a14:hiddenLine xmlns="" xmlns:a14="http://schemas.microsoft.com/office/drawing/2010/main" w="9525">
                 <a:solidFill>
                   <a:srgbClr val="000000"/>
                 </a:solidFill>
@@ -15671,14 +15670,14 @@
           </a:ln>
           <a:extLst>
             <a:ext uri="{909E8E84-426E-40dd-AFC4-6F175D3DCCD1}">
-              <a14:hiddenFill xmlns:a14="http://schemas.microsoft.com/office/drawing/2010/main" xmlns="">
+              <a14:hiddenFill xmlns="" xmlns:a14="http://schemas.microsoft.com/office/drawing/2010/main">
                 <a:solidFill>
                   <a:srgbClr val="FFFFFF"/>
                 </a:solidFill>
               </a14:hiddenFill>
             </a:ext>
             <a:ext uri="{91240B29-F687-4f45-9708-019B960494DF}">
-              <a14:hiddenLine xmlns:a14="http://schemas.microsoft.com/office/drawing/2010/main" xmlns="" w="9525">
+              <a14:hiddenLine xmlns="" xmlns:a14="http://schemas.microsoft.com/office/drawing/2010/main" w="9525">
                 <a:solidFill>
                   <a:srgbClr val="000000"/>
                 </a:solidFill>
@@ -16236,14 +16235,14 @@
           </a:ln>
           <a:extLst>
             <a:ext uri="{909E8E84-426E-40dd-AFC4-6F175D3DCCD1}">
-              <a14:hiddenFill xmlns:a14="http://schemas.microsoft.com/office/drawing/2010/main" xmlns="">
+              <a14:hiddenFill xmlns="" xmlns:a14="http://schemas.microsoft.com/office/drawing/2010/main">
                 <a:solidFill>
                   <a:srgbClr val="FFFFFF"/>
                 </a:solidFill>
               </a14:hiddenFill>
             </a:ext>
             <a:ext uri="{91240B29-F687-4f45-9708-019B960494DF}">
-              <a14:hiddenLine xmlns:a14="http://schemas.microsoft.com/office/drawing/2010/main" xmlns="" w="9525">
+              <a14:hiddenLine xmlns="" xmlns:a14="http://schemas.microsoft.com/office/drawing/2010/main" w="9525">
                 <a:solidFill>
                   <a:srgbClr val="000000"/>
                 </a:solidFill>
@@ -16810,14 +16809,14 @@
           </a:ln>
           <a:extLst>
             <a:ext uri="{909E8E84-426E-40dd-AFC4-6F175D3DCCD1}">
-              <a14:hiddenFill xmlns:a14="http://schemas.microsoft.com/office/drawing/2010/main" xmlns="">
+              <a14:hiddenFill xmlns="" xmlns:a14="http://schemas.microsoft.com/office/drawing/2010/main">
                 <a:solidFill>
                   <a:srgbClr val="FFFFFF"/>
                 </a:solidFill>
               </a14:hiddenFill>
             </a:ext>
             <a:ext uri="{91240B29-F687-4f45-9708-019B960494DF}">
-              <a14:hiddenLine xmlns:a14="http://schemas.microsoft.com/office/drawing/2010/main" xmlns="" w="9525">
+              <a14:hiddenLine xmlns="" xmlns:a14="http://schemas.microsoft.com/office/drawing/2010/main" w="9525">
                 <a:solidFill>
                   <a:srgbClr val="000000"/>
                 </a:solidFill>
@@ -17757,14 +17756,14 @@
           </a:ln>
           <a:extLst>
             <a:ext uri="{909E8E84-426E-40dd-AFC4-6F175D3DCCD1}">
-              <a14:hiddenFill xmlns:a14="http://schemas.microsoft.com/office/drawing/2010/main" xmlns="">
+              <a14:hiddenFill xmlns="" xmlns:a14="http://schemas.microsoft.com/office/drawing/2010/main">
                 <a:solidFill>
                   <a:srgbClr val="FFFFFF"/>
                 </a:solidFill>
               </a14:hiddenFill>
             </a:ext>
             <a:ext uri="{91240B29-F687-4f45-9708-019B960494DF}">
-              <a14:hiddenLine xmlns:a14="http://schemas.microsoft.com/office/drawing/2010/main" xmlns="" w="9525">
+              <a14:hiddenLine xmlns="" xmlns:a14="http://schemas.microsoft.com/office/drawing/2010/main" w="9525">
                 <a:solidFill>
                   <a:srgbClr val="000000"/>
                 </a:solidFill>
@@ -18517,14 +18516,14 @@
           </a:ln>
           <a:extLst>
             <a:ext uri="{909E8E84-426E-40dd-AFC4-6F175D3DCCD1}">
-              <a14:hiddenFill xmlns:a14="http://schemas.microsoft.com/office/drawing/2010/main" xmlns="">
+              <a14:hiddenFill xmlns="" xmlns:a14="http://schemas.microsoft.com/office/drawing/2010/main">
                 <a:solidFill>
                   <a:srgbClr val="FFFFFF"/>
                 </a:solidFill>
               </a14:hiddenFill>
             </a:ext>
             <a:ext uri="{91240B29-F687-4f45-9708-019B960494DF}">
-              <a14:hiddenLine xmlns:a14="http://schemas.microsoft.com/office/drawing/2010/main" xmlns="" w="9525">
+              <a14:hiddenLine xmlns="" xmlns:a14="http://schemas.microsoft.com/office/drawing/2010/main" w="9525">
                 <a:solidFill>
                   <a:srgbClr val="000000"/>
                 </a:solidFill>
@@ -32391,6 +32390,15 @@
 
 <file path=customXml/item1.xml><?xml version="1.0" encoding="utf-8"?>
 <?mso-contentType ?>
+<FormTemplates xmlns="http://schemas.microsoft.com/sharepoint/v3/contenttype/forms">
+  <Display>DocumentLibraryForm</Display>
+  <Edit>DocumentLibraryForm</Edit>
+  <New>DocumentLibraryForm</New>
+</FormTemplates>
+</file>
+
+<file path=customXml/item2.xml><?xml version="1.0" encoding="utf-8"?>
+<?mso-contentType ?>
 <spe:Receivers xmlns:spe="http://schemas.microsoft.com/sharepoint/events">
   <Receiver>
     <Name>Document ID Generator</Name>
@@ -32435,16 +32443,19 @@
 </spe:Receivers>
 </file>
 
-<file path=customXml/item2.xml><?xml version="1.0" encoding="utf-8"?>
-<?mso-contentType ?>
-<FormTemplates xmlns="http://schemas.microsoft.com/sharepoint/v3/contenttype/forms">
-  <Display>DocumentLibraryForm</Display>
-  <Edit>DocumentLibraryForm</Edit>
-  <New>DocumentLibraryForm</New>
-</FormTemplates>
+<file path=customXml/item3.xml><?xml version="1.0" encoding="utf-8"?>
+<p:properties xmlns:p="http://schemas.microsoft.com/office/2006/metadata/properties" xmlns:xsi="http://www.w3.org/2001/XMLSchema-instance" xmlns:pc="http://schemas.microsoft.com/office/infopath/2007/PartnerControls">
+  <documentManagement>
+    <_dlc_DocId xmlns="7bb5d761-a2ea-4873-95f7-7a6658fb3ef0">M4CWTKMW727E-592-73</_dlc_DocId>
+    <_dlc_DocIdUrl xmlns="7bb5d761-a2ea-4873-95f7-7a6658fb3ef0">
+      <Url>https://kms.vci.local/marketing/team/_layouts/DocIdRedir.aspx?ID=M4CWTKMW727E-592-73</Url>
+      <Description>M4CWTKMW727E-592-73</Description>
+    </_dlc_DocIdUrl>
+  </documentManagement>
+</p:properties>
 </file>
 
-<file path=customXml/item3.xml><?xml version="1.0" encoding="utf-8"?>
+<file path=customXml/item4.xml><?xml version="1.0" encoding="utf-8"?>
 <ct:contentTypeSchema xmlns:ct="http://schemas.microsoft.com/office/2006/metadata/contentType" xmlns:ma="http://schemas.microsoft.com/office/2006/metadata/properties/metaAttributes" ct:_="" ma:_="" ma:contentTypeName="Document" ma:contentTypeID="0x0101000812F700BE7F874999720E88173FE491" ma:contentTypeVersion="0" ma:contentTypeDescription="Create a new document." ma:contentTypeScope="" ma:versionID="3f79f408e2ca720b7aba6e0e32464d0c">
   <xsd:schema xmlns:xsd="http://www.w3.org/2001/XMLSchema" xmlns:xs="http://www.w3.org/2001/XMLSchema" xmlns:p="http://schemas.microsoft.com/office/2006/metadata/properties" xmlns:ns2="7bb5d761-a2ea-4873-95f7-7a6658fb3ef0" targetNamespace="http://schemas.microsoft.com/office/2006/metadata/properties" ma:root="true" ma:fieldsID="1e062cd38ba31e406bfc4340fbc7f87a" ns2:_="">
     <xsd:import namespace="7bb5d761-a2ea-4873-95f7-7a6658fb3ef0"/>
@@ -32589,19 +32600,15 @@
 </ct:contentTypeSchema>
 </file>
 
-<file path=customXml/item4.xml><?xml version="1.0" encoding="utf-8"?>
-<p:properties xmlns:p="http://schemas.microsoft.com/office/2006/metadata/properties" xmlns:xsi="http://www.w3.org/2001/XMLSchema-instance" xmlns:pc="http://schemas.microsoft.com/office/infopath/2007/PartnerControls">
-  <documentManagement>
-    <_dlc_DocId xmlns="7bb5d761-a2ea-4873-95f7-7a6658fb3ef0">M4CWTKMW727E-592-73</_dlc_DocId>
-    <_dlc_DocIdUrl xmlns="7bb5d761-a2ea-4873-95f7-7a6658fb3ef0">
-      <Url>https://kms.vci.local/marketing/team/_layouts/DocIdRedir.aspx?ID=M4CWTKMW727E-592-73</Url>
-      <Description>M4CWTKMW727E-592-73</Description>
-    </_dlc_DocIdUrl>
-  </documentManagement>
-</p:properties>
+<file path=customXml/itemProps1.xml><?xml version="1.0" encoding="utf-8"?>
+<ds:datastoreItem xmlns:ds="http://schemas.openxmlformats.org/officeDocument/2006/customXml" ds:itemID="{5CDEB364-43EC-4510-9881-539C2A3FCE9E}">
+  <ds:schemaRefs>
+    <ds:schemaRef ds:uri="http://schemas.microsoft.com/sharepoint/v3/contenttype/forms"/>
+  </ds:schemaRefs>
+</ds:datastoreItem>
 </file>
 
-<file path=customXml/itemProps1.xml><?xml version="1.0" encoding="utf-8"?>
+<file path=customXml/itemProps2.xml><?xml version="1.0" encoding="utf-8"?>
 <ds:datastoreItem xmlns:ds="http://schemas.openxmlformats.org/officeDocument/2006/customXml" ds:itemID="{B13EBC30-FE27-4C6A-B723-23FC2188F7DC}">
   <ds:schemaRefs>
     <ds:schemaRef ds:uri="http://schemas.microsoft.com/sharepoint/events"/>
@@ -32609,15 +32616,23 @@
 </ds:datastoreItem>
 </file>
 
-<file path=customXml/itemProps2.xml><?xml version="1.0" encoding="utf-8"?>
-<ds:datastoreItem xmlns:ds="http://schemas.openxmlformats.org/officeDocument/2006/customXml" ds:itemID="{5CDEB364-43EC-4510-9881-539C2A3FCE9E}">
+<file path=customXml/itemProps3.xml><?xml version="1.0" encoding="utf-8"?>
+<ds:datastoreItem xmlns:ds="http://schemas.openxmlformats.org/officeDocument/2006/customXml" ds:itemID="{6921749B-AEB7-461B-845F-603CABD25259}">
   <ds:schemaRefs>
-    <ds:schemaRef ds:uri="http://schemas.microsoft.com/sharepoint/v3/contenttype/forms"/>
+    <ds:schemaRef ds:uri="http://purl.org/dc/dcmitype/"/>
+    <ds:schemaRef ds:uri="http://schemas.microsoft.com/office/2006/documentManagement/types"/>
+    <ds:schemaRef ds:uri="http://purl.org/dc/elements/1.1/"/>
+    <ds:schemaRef ds:uri="http://schemas.microsoft.com/office/2006/metadata/properties"/>
+    <ds:schemaRef ds:uri="7bb5d761-a2ea-4873-95f7-7a6658fb3ef0"/>
+    <ds:schemaRef ds:uri="http://purl.org/dc/terms/"/>
+    <ds:schemaRef ds:uri="http://schemas.openxmlformats.org/package/2006/metadata/core-properties"/>
+    <ds:schemaRef ds:uri="http://schemas.microsoft.com/office/infopath/2007/PartnerControls"/>
+    <ds:schemaRef ds:uri="http://www.w3.org/XML/1998/namespace"/>
   </ds:schemaRefs>
 </ds:datastoreItem>
 </file>
 
-<file path=customXml/itemProps3.xml><?xml version="1.0" encoding="utf-8"?>
+<file path=customXml/itemProps4.xml><?xml version="1.0" encoding="utf-8"?>
 <ds:datastoreItem xmlns:ds="http://schemas.openxmlformats.org/officeDocument/2006/customXml" ds:itemID="{164479E5-0B02-49AC-B79E-EC1D6164DDD3}">
   <ds:schemaRefs>
     <ds:schemaRef ds:uri="http://schemas.microsoft.com/office/2006/metadata/contentType"/>
@@ -32633,20 +32648,4 @@
     <ds:schemaRef ds:uri="http://schemas.microsoft.com/internal/obd"/>
   </ds:schemaRefs>
 </ds:datastoreItem>
-</file>
-
-<file path=customXml/itemProps4.xml><?xml version="1.0" encoding="utf-8"?>
-<ds:datastoreItem xmlns:ds="http://schemas.openxmlformats.org/officeDocument/2006/customXml" ds:itemID="{6921749B-AEB7-461B-845F-603CABD25259}">
-  <ds:schemaRefs>
-    <ds:schemaRef ds:uri="http://purl.org/dc/dcmitype/"/>
-    <ds:schemaRef ds:uri="http://schemas.microsoft.com/office/2006/documentManagement/types"/>
-    <ds:schemaRef ds:uri="http://purl.org/dc/elements/1.1/"/>
-    <ds:schemaRef ds:uri="http://schemas.microsoft.com/office/2006/metadata/properties"/>
-    <ds:schemaRef ds:uri="7bb5d761-a2ea-4873-95f7-7a6658fb3ef0"/>
-    <ds:schemaRef ds:uri="http://purl.org/dc/terms/"/>
-    <ds:schemaRef ds:uri="http://schemas.openxmlformats.org/package/2006/metadata/core-properties"/>
-    <ds:schemaRef ds:uri="http://schemas.microsoft.com/office/infopath/2007/PartnerControls"/>
-    <ds:schemaRef ds:uri="http://www.w3.org/XML/1998/namespace"/>
-  </ds:schemaRefs>
-</ds:datastoreItem>
 </file>
--- a/03-initial-configuration-scans.pptx
+++ b/03-initial-configuration-scans.pptx
@@ -332,7 +332,7 @@
               <a:pPr>
                 <a:defRPr/>
               </a:pPr>
-              <a:t>2016-01-25</a:t>
+              <a:t>2016-01-27</a:t>
             </a:fld>
             <a:endParaRPr lang="en-US" dirty="0"/>
           </a:p>
@@ -515,7 +515,7 @@
               <a:pPr>
                 <a:defRPr/>
               </a:pPr>
-              <a:t>2016-01-25</a:t>
+              <a:t>2016-01-27</a:t>
             </a:fld>
             <a:endParaRPr lang="en-US" dirty="0"/>
           </a:p>
@@ -6366,29 +6366,8 @@
               <a:rPr lang="en-US" dirty="0" smtClean="0">
                 <a:effectLst/>
               </a:rPr>
-              <a:t> verifier in test kitchen locally </a:t>
-            </a:r>
-            <a:r>
-              <a:rPr lang="en-US" smtClean="0">
-                <a:effectLst/>
-              </a:rPr>
-              <a:t>with Vagrant to </a:t>
-            </a:r>
-            <a:r>
-              <a:rPr lang="en-US" dirty="0" smtClean="0">
-                <a:effectLst/>
-              </a:rPr>
-              <a:t>show the students that it can </a:t>
-            </a:r>
-            <a:r>
-              <a:rPr lang="en-US" smtClean="0">
-                <a:effectLst/>
-              </a:rPr>
-              <a:t>be done.</a:t>
-            </a:r>
-            <a:endParaRPr lang="en-US" dirty="0" smtClean="0">
-              <a:effectLst/>
-            </a:endParaRPr>
+              <a:t> verifier in test kitchen locally with Vagrant to show the students that it can be done.</a:t>
+            </a:r>
           </a:p>
           <a:p>
             <a:endParaRPr lang="en-US" dirty="0"/>
@@ -11295,14 +11274,14 @@
           </a:ln>
           <a:extLst>
             <a:ext uri="{909E8E84-426E-40dd-AFC4-6F175D3DCCD1}">
-              <a14:hiddenFill xmlns="" xmlns:a14="http://schemas.microsoft.com/office/drawing/2010/main">
+              <a14:hiddenFill xmlns:a14="http://schemas.microsoft.com/office/drawing/2010/main" xmlns="">
                 <a:solidFill>
                   <a:srgbClr val="FFFFFF"/>
                 </a:solidFill>
               </a14:hiddenFill>
             </a:ext>
             <a:ext uri="{91240B29-F687-4f45-9708-019B960494DF}">
-              <a14:hiddenLine xmlns="" xmlns:a14="http://schemas.microsoft.com/office/drawing/2010/main" w="9525">
+              <a14:hiddenLine xmlns:a14="http://schemas.microsoft.com/office/drawing/2010/main" xmlns="" w="9525">
                 <a:solidFill>
                   <a:srgbClr val="000000"/>
                 </a:solidFill>
@@ -11450,14 +11429,14 @@
           </a:ln>
           <a:extLst>
             <a:ext uri="{909E8E84-426E-40dd-AFC4-6F175D3DCCD1}">
-              <a14:hiddenFill xmlns="" xmlns:a14="http://schemas.microsoft.com/office/drawing/2010/main">
+              <a14:hiddenFill xmlns:a14="http://schemas.microsoft.com/office/drawing/2010/main" xmlns="">
                 <a:solidFill>
                   <a:srgbClr val="FFFFFF"/>
                 </a:solidFill>
               </a14:hiddenFill>
             </a:ext>
             <a:ext uri="{91240B29-F687-4f45-9708-019B960494DF}">
-              <a14:hiddenLine xmlns="" xmlns:a14="http://schemas.microsoft.com/office/drawing/2010/main" w="9525">
+              <a14:hiddenLine xmlns:a14="http://schemas.microsoft.com/office/drawing/2010/main" xmlns="" w="9525">
                 <a:solidFill>
                   <a:srgbClr val="000000"/>
                 </a:solidFill>
@@ -11948,14 +11927,14 @@
           </a:ln>
           <a:extLst>
             <a:ext uri="{909E8E84-426E-40dd-AFC4-6F175D3DCCD1}">
-              <a14:hiddenFill xmlns="" xmlns:a14="http://schemas.microsoft.com/office/drawing/2010/main">
+              <a14:hiddenFill xmlns:a14="http://schemas.microsoft.com/office/drawing/2010/main" xmlns="">
                 <a:solidFill>
                   <a:srgbClr val="FFFFFF"/>
                 </a:solidFill>
               </a14:hiddenFill>
             </a:ext>
             <a:ext uri="{91240B29-F687-4f45-9708-019B960494DF}">
-              <a14:hiddenLine xmlns="" xmlns:a14="http://schemas.microsoft.com/office/drawing/2010/main" w="9525">
+              <a14:hiddenLine xmlns:a14="http://schemas.microsoft.com/office/drawing/2010/main" xmlns="" w="9525">
                 <a:solidFill>
                   <a:srgbClr val="000000"/>
                 </a:solidFill>
@@ -12194,14 +12173,14 @@
           </a:ln>
           <a:extLst>
             <a:ext uri="{909E8E84-426E-40dd-AFC4-6F175D3DCCD1}">
-              <a14:hiddenFill xmlns="" xmlns:a14="http://schemas.microsoft.com/office/drawing/2010/main">
+              <a14:hiddenFill xmlns:a14="http://schemas.microsoft.com/office/drawing/2010/main" xmlns="">
                 <a:solidFill>
                   <a:srgbClr val="FFFFFF"/>
                 </a:solidFill>
               </a14:hiddenFill>
             </a:ext>
             <a:ext uri="{91240B29-F687-4f45-9708-019B960494DF}">
-              <a14:hiddenLine xmlns="" xmlns:a14="http://schemas.microsoft.com/office/drawing/2010/main" w="9525">
+              <a14:hiddenLine xmlns:a14="http://schemas.microsoft.com/office/drawing/2010/main" xmlns="" w="9525">
                 <a:solidFill>
                   <a:srgbClr val="000000"/>
                 </a:solidFill>
@@ -14129,14 +14108,14 @@
           </a:ln>
           <a:extLst>
             <a:ext uri="{909E8E84-426E-40dd-AFC4-6F175D3DCCD1}">
-              <a14:hiddenFill xmlns="" xmlns:a14="http://schemas.microsoft.com/office/drawing/2010/main">
+              <a14:hiddenFill xmlns:a14="http://schemas.microsoft.com/office/drawing/2010/main" xmlns="">
                 <a:solidFill>
                   <a:srgbClr val="FFFFFF"/>
                 </a:solidFill>
               </a14:hiddenFill>
             </a:ext>
             <a:ext uri="{91240B29-F687-4f45-9708-019B960494DF}">
-              <a14:hiddenLine xmlns="" xmlns:a14="http://schemas.microsoft.com/office/drawing/2010/main" w="9525">
+              <a14:hiddenLine xmlns:a14="http://schemas.microsoft.com/office/drawing/2010/main" xmlns="" w="9525">
                 <a:solidFill>
                   <a:srgbClr val="000000"/>
                 </a:solidFill>
@@ -15670,14 +15649,14 @@
           </a:ln>
           <a:extLst>
             <a:ext uri="{909E8E84-426E-40dd-AFC4-6F175D3DCCD1}">
-              <a14:hiddenFill xmlns="" xmlns:a14="http://schemas.microsoft.com/office/drawing/2010/main">
+              <a14:hiddenFill xmlns:a14="http://schemas.microsoft.com/office/drawing/2010/main" xmlns="">
                 <a:solidFill>
                   <a:srgbClr val="FFFFFF"/>
                 </a:solidFill>
               </a14:hiddenFill>
             </a:ext>
             <a:ext uri="{91240B29-F687-4f45-9708-019B960494DF}">
-              <a14:hiddenLine xmlns="" xmlns:a14="http://schemas.microsoft.com/office/drawing/2010/main" w="9525">
+              <a14:hiddenLine xmlns:a14="http://schemas.microsoft.com/office/drawing/2010/main" xmlns="" w="9525">
                 <a:solidFill>
                   <a:srgbClr val="000000"/>
                 </a:solidFill>
@@ -16235,14 +16214,14 @@
           </a:ln>
           <a:extLst>
             <a:ext uri="{909E8E84-426E-40dd-AFC4-6F175D3DCCD1}">
-              <a14:hiddenFill xmlns="" xmlns:a14="http://schemas.microsoft.com/office/drawing/2010/main">
+              <a14:hiddenFill xmlns:a14="http://schemas.microsoft.com/office/drawing/2010/main" xmlns="">
                 <a:solidFill>
                   <a:srgbClr val="FFFFFF"/>
                 </a:solidFill>
               </a14:hiddenFill>
             </a:ext>
             <a:ext uri="{91240B29-F687-4f45-9708-019B960494DF}">
-              <a14:hiddenLine xmlns="" xmlns:a14="http://schemas.microsoft.com/office/drawing/2010/main" w="9525">
+              <a14:hiddenLine xmlns:a14="http://schemas.microsoft.com/office/drawing/2010/main" xmlns="" w="9525">
                 <a:solidFill>
                   <a:srgbClr val="000000"/>
                 </a:solidFill>
@@ -16809,14 +16788,14 @@
           </a:ln>
           <a:extLst>
             <a:ext uri="{909E8E84-426E-40dd-AFC4-6F175D3DCCD1}">
-              <a14:hiddenFill xmlns="" xmlns:a14="http://schemas.microsoft.com/office/drawing/2010/main">
+              <a14:hiddenFill xmlns:a14="http://schemas.microsoft.com/office/drawing/2010/main" xmlns="">
                 <a:solidFill>
                   <a:srgbClr val="FFFFFF"/>
                 </a:solidFill>
               </a14:hiddenFill>
             </a:ext>
             <a:ext uri="{91240B29-F687-4f45-9708-019B960494DF}">
-              <a14:hiddenLine xmlns="" xmlns:a14="http://schemas.microsoft.com/office/drawing/2010/main" w="9525">
+              <a14:hiddenLine xmlns:a14="http://schemas.microsoft.com/office/drawing/2010/main" xmlns="" w="9525">
                 <a:solidFill>
                   <a:srgbClr val="000000"/>
                 </a:solidFill>
@@ -17756,14 +17735,14 @@
           </a:ln>
           <a:extLst>
             <a:ext uri="{909E8E84-426E-40dd-AFC4-6F175D3DCCD1}">
-              <a14:hiddenFill xmlns="" xmlns:a14="http://schemas.microsoft.com/office/drawing/2010/main">
+              <a14:hiddenFill xmlns:a14="http://schemas.microsoft.com/office/drawing/2010/main" xmlns="">
                 <a:solidFill>
                   <a:srgbClr val="FFFFFF"/>
                 </a:solidFill>
               </a14:hiddenFill>
             </a:ext>
             <a:ext uri="{91240B29-F687-4f45-9708-019B960494DF}">
-              <a14:hiddenLine xmlns="" xmlns:a14="http://schemas.microsoft.com/office/drawing/2010/main" w="9525">
+              <a14:hiddenLine xmlns:a14="http://schemas.microsoft.com/office/drawing/2010/main" xmlns="" w="9525">
                 <a:solidFill>
                   <a:srgbClr val="000000"/>
                 </a:solidFill>
@@ -18516,14 +18495,14 @@
           </a:ln>
           <a:extLst>
             <a:ext uri="{909E8E84-426E-40dd-AFC4-6F175D3DCCD1}">
-              <a14:hiddenFill xmlns="" xmlns:a14="http://schemas.microsoft.com/office/drawing/2010/main">
+              <a14:hiddenFill xmlns:a14="http://schemas.microsoft.com/office/drawing/2010/main" xmlns="">
                 <a:solidFill>
                   <a:srgbClr val="FFFFFF"/>
                 </a:solidFill>
               </a14:hiddenFill>
             </a:ext>
             <a:ext uri="{91240B29-F687-4f45-9708-019B960494DF}">
-              <a14:hiddenLine xmlns="" xmlns:a14="http://schemas.microsoft.com/office/drawing/2010/main" w="9525">
+              <a14:hiddenLine xmlns:a14="http://schemas.microsoft.com/office/drawing/2010/main" xmlns="" w="9525">
                 <a:solidFill>
                   <a:srgbClr val="000000"/>
                 </a:solidFill>
@@ -22678,7 +22657,15 @@
             </a:pPr>
             <a:r>
               <a:rPr lang="en-US" dirty="0"/>
-              <a:t>Log into your target </a:t>
+              <a:t>Log </a:t>
+            </a:r>
+            <a:r>
+              <a:rPr lang="en-US" dirty="0" smtClean="0"/>
+              <a:t>in to </a:t>
+            </a:r>
+            <a:r>
+              <a:rPr lang="en-US" dirty="0"/>
+              <a:t>your target </a:t>
             </a:r>
             <a:r>
               <a:rPr lang="en-US" dirty="0" smtClean="0"/>
@@ -22801,7 +22788,15 @@
           <a:p>
             <a:r>
               <a:rPr lang="en-US" sz="2800" dirty="0" smtClean="0"/>
-              <a:t>Log into your </a:t>
+              <a:t>Log </a:t>
+            </a:r>
+            <a:r>
+              <a:rPr lang="en-US" sz="2800" dirty="0" smtClean="0"/>
+              <a:t>in to </a:t>
+            </a:r>
+            <a:r>
+              <a:rPr lang="en-US" sz="2800" dirty="0" smtClean="0"/>
+              <a:t>your </a:t>
             </a:r>
             <a:r>
               <a:rPr lang="en-US" sz="2800" b="1" dirty="0" smtClean="0"/>
@@ -24353,7 +24348,15 @@
             </a:pPr>
             <a:r>
               <a:rPr lang="en-US" dirty="0"/>
-              <a:t>Log into your target </a:t>
+              <a:t>Log </a:t>
+            </a:r>
+            <a:r>
+              <a:rPr lang="en-US" dirty="0" smtClean="0"/>
+              <a:t>in to </a:t>
+            </a:r>
+            <a:r>
+              <a:rPr lang="en-US" dirty="0"/>
+              <a:t>your target </a:t>
             </a:r>
             <a:r>
               <a:rPr lang="en-US" dirty="0" smtClean="0"/>
@@ -26455,7 +26458,15 @@
             </a:pPr>
             <a:r>
               <a:rPr lang="en-US" dirty="0"/>
-              <a:t>Log into your target </a:t>
+              <a:t>Log </a:t>
+            </a:r>
+            <a:r>
+              <a:rPr lang="en-US" dirty="0" smtClean="0"/>
+              <a:t>in to </a:t>
+            </a:r>
+            <a:r>
+              <a:rPr lang="en-US" dirty="0"/>
+              <a:t>your target </a:t>
             </a:r>
             <a:r>
               <a:rPr lang="en-US" dirty="0" smtClean="0"/>
@@ -29737,18 +29748,22 @@
             </a:pPr>
             <a:r>
               <a:rPr lang="en-US" dirty="0" smtClean="0"/>
-              <a:t> Log </a:t>
+              <a:t> </a:t>
+            </a:r>
+            <a:r>
+              <a:rPr lang="en-US" smtClean="0"/>
+              <a:t>Log </a:t>
+            </a:r>
+            <a:r>
+              <a:rPr lang="en-US" smtClean="0"/>
+              <a:t>in to </a:t>
             </a:r>
             <a:r>
               <a:rPr lang="en-US" dirty="0"/>
-              <a:t>into your </a:t>
-            </a:r>
-            <a:r>
-              <a:rPr lang="en-US"/>
-              <a:t>target </a:t>
-            </a:r>
-            <a:r>
-              <a:rPr lang="en-US" smtClean="0"/>
+              <a:t>your target </a:t>
+            </a:r>
+            <a:r>
+              <a:rPr lang="en-US" dirty="0" smtClean="0"/>
               <a:t>node.</a:t>
             </a:r>
             <a:endParaRPr lang="en-US" dirty="0"/>
@@ -32398,64 +32413,6 @@
 </file>
 
 <file path=customXml/item2.xml><?xml version="1.0" encoding="utf-8"?>
-<?mso-contentType ?>
-<spe:Receivers xmlns:spe="http://schemas.microsoft.com/sharepoint/events">
-  <Receiver>
-    <Name>Document ID Generator</Name>
-    <Synchronization>Synchronous</Synchronization>
-    <Type>10001</Type>
-    <SequenceNumber>1000</SequenceNumber>
-    <Assembly>Microsoft.Office.DocumentManagement, Version=14.0.0.0, Culture=neutral, PublicKeyToken=71e9bce111e9429c</Assembly>
-    <Class>Microsoft.Office.DocumentManagement.Internal.DocIdHandler</Class>
-    <Data/>
-    <Filter/>
-  </Receiver>
-  <Receiver>
-    <Name>Document ID Generator</Name>
-    <Synchronization>Synchronous</Synchronization>
-    <Type>10002</Type>
-    <SequenceNumber>1001</SequenceNumber>
-    <Assembly>Microsoft.Office.DocumentManagement, Version=14.0.0.0, Culture=neutral, PublicKeyToken=71e9bce111e9429c</Assembly>
-    <Class>Microsoft.Office.DocumentManagement.Internal.DocIdHandler</Class>
-    <Data/>
-    <Filter/>
-  </Receiver>
-  <Receiver>
-    <Name>Document ID Generator</Name>
-    <Synchronization>Synchronous</Synchronization>
-    <Type>10004</Type>
-    <SequenceNumber>1002</SequenceNumber>
-    <Assembly>Microsoft.Office.DocumentManagement, Version=14.0.0.0, Culture=neutral, PublicKeyToken=71e9bce111e9429c</Assembly>
-    <Class>Microsoft.Office.DocumentManagement.Internal.DocIdHandler</Class>
-    <Data/>
-    <Filter/>
-  </Receiver>
-  <Receiver>
-    <Name>Document ID Generator</Name>
-    <Synchronization>Synchronous</Synchronization>
-    <Type>10006</Type>
-    <SequenceNumber>1003</SequenceNumber>
-    <Assembly>Microsoft.Office.DocumentManagement, Version=14.0.0.0, Culture=neutral, PublicKeyToken=71e9bce111e9429c</Assembly>
-    <Class>Microsoft.Office.DocumentManagement.Internal.DocIdHandler</Class>
-    <Data/>
-    <Filter/>
-  </Receiver>
-</spe:Receivers>
-</file>
-
-<file path=customXml/item3.xml><?xml version="1.0" encoding="utf-8"?>
-<p:properties xmlns:p="http://schemas.microsoft.com/office/2006/metadata/properties" xmlns:xsi="http://www.w3.org/2001/XMLSchema-instance" xmlns:pc="http://schemas.microsoft.com/office/infopath/2007/PartnerControls">
-  <documentManagement>
-    <_dlc_DocId xmlns="7bb5d761-a2ea-4873-95f7-7a6658fb3ef0">M4CWTKMW727E-592-73</_dlc_DocId>
-    <_dlc_DocIdUrl xmlns="7bb5d761-a2ea-4873-95f7-7a6658fb3ef0">
-      <Url>https://kms.vci.local/marketing/team/_layouts/DocIdRedir.aspx?ID=M4CWTKMW727E-592-73</Url>
-      <Description>M4CWTKMW727E-592-73</Description>
-    </_dlc_DocIdUrl>
-  </documentManagement>
-</p:properties>
-</file>
-
-<file path=customXml/item4.xml><?xml version="1.0" encoding="utf-8"?>
 <ct:contentTypeSchema xmlns:ct="http://schemas.microsoft.com/office/2006/metadata/contentType" xmlns:ma="http://schemas.microsoft.com/office/2006/metadata/properties/metaAttributes" ct:_="" ma:_="" ma:contentTypeName="Document" ma:contentTypeID="0x0101000812F700BE7F874999720E88173FE491" ma:contentTypeVersion="0" ma:contentTypeDescription="Create a new document." ma:contentTypeScope="" ma:versionID="3f79f408e2ca720b7aba6e0e32464d0c">
   <xsd:schema xmlns:xsd="http://www.w3.org/2001/XMLSchema" xmlns:xs="http://www.w3.org/2001/XMLSchema" xmlns:p="http://schemas.microsoft.com/office/2006/metadata/properties" xmlns:ns2="7bb5d761-a2ea-4873-95f7-7a6658fb3ef0" targetNamespace="http://schemas.microsoft.com/office/2006/metadata/properties" ma:root="true" ma:fieldsID="1e062cd38ba31e406bfc4340fbc7f87a" ns2:_="">
     <xsd:import namespace="7bb5d761-a2ea-4873-95f7-7a6658fb3ef0"/>
@@ -32600,6 +32557,64 @@
 </ct:contentTypeSchema>
 </file>
 
+<file path=customXml/item3.xml><?xml version="1.0" encoding="utf-8"?>
+<p:properties xmlns:p="http://schemas.microsoft.com/office/2006/metadata/properties" xmlns:xsi="http://www.w3.org/2001/XMLSchema-instance" xmlns:pc="http://schemas.microsoft.com/office/infopath/2007/PartnerControls">
+  <documentManagement>
+    <_dlc_DocId xmlns="7bb5d761-a2ea-4873-95f7-7a6658fb3ef0">M4CWTKMW727E-592-73</_dlc_DocId>
+    <_dlc_DocIdUrl xmlns="7bb5d761-a2ea-4873-95f7-7a6658fb3ef0">
+      <Url>https://kms.vci.local/marketing/team/_layouts/DocIdRedir.aspx?ID=M4CWTKMW727E-592-73</Url>
+      <Description>M4CWTKMW727E-592-73</Description>
+    </_dlc_DocIdUrl>
+  </documentManagement>
+</p:properties>
+</file>
+
+<file path=customXml/item4.xml><?xml version="1.0" encoding="utf-8"?>
+<?mso-contentType ?>
+<spe:Receivers xmlns:spe="http://schemas.microsoft.com/sharepoint/events">
+  <Receiver>
+    <Name>Document ID Generator</Name>
+    <Synchronization>Synchronous</Synchronization>
+    <Type>10001</Type>
+    <SequenceNumber>1000</SequenceNumber>
+    <Assembly>Microsoft.Office.DocumentManagement, Version=14.0.0.0, Culture=neutral, PublicKeyToken=71e9bce111e9429c</Assembly>
+    <Class>Microsoft.Office.DocumentManagement.Internal.DocIdHandler</Class>
+    <Data/>
+    <Filter/>
+  </Receiver>
+  <Receiver>
+    <Name>Document ID Generator</Name>
+    <Synchronization>Synchronous</Synchronization>
+    <Type>10002</Type>
+    <SequenceNumber>1001</SequenceNumber>
+    <Assembly>Microsoft.Office.DocumentManagement, Version=14.0.0.0, Culture=neutral, PublicKeyToken=71e9bce111e9429c</Assembly>
+    <Class>Microsoft.Office.DocumentManagement.Internal.DocIdHandler</Class>
+    <Data/>
+    <Filter/>
+  </Receiver>
+  <Receiver>
+    <Name>Document ID Generator</Name>
+    <Synchronization>Synchronous</Synchronization>
+    <Type>10004</Type>
+    <SequenceNumber>1002</SequenceNumber>
+    <Assembly>Microsoft.Office.DocumentManagement, Version=14.0.0.0, Culture=neutral, PublicKeyToken=71e9bce111e9429c</Assembly>
+    <Class>Microsoft.Office.DocumentManagement.Internal.DocIdHandler</Class>
+    <Data/>
+    <Filter/>
+  </Receiver>
+  <Receiver>
+    <Name>Document ID Generator</Name>
+    <Synchronization>Synchronous</Synchronization>
+    <Type>10006</Type>
+    <SequenceNumber>1003</SequenceNumber>
+    <Assembly>Microsoft.Office.DocumentManagement, Version=14.0.0.0, Culture=neutral, PublicKeyToken=71e9bce111e9429c</Assembly>
+    <Class>Microsoft.Office.DocumentManagement.Internal.DocIdHandler</Class>
+    <Data/>
+    <Filter/>
+  </Receiver>
+</spe:Receivers>
+</file>
+
 <file path=customXml/itemProps1.xml><?xml version="1.0" encoding="utf-8"?>
 <ds:datastoreItem xmlns:ds="http://schemas.openxmlformats.org/officeDocument/2006/customXml" ds:itemID="{5CDEB364-43EC-4510-9881-539C2A3FCE9E}">
   <ds:schemaRefs>
@@ -32609,9 +32624,19 @@
 </file>
 
 <file path=customXml/itemProps2.xml><?xml version="1.0" encoding="utf-8"?>
-<ds:datastoreItem xmlns:ds="http://schemas.openxmlformats.org/officeDocument/2006/customXml" ds:itemID="{B13EBC30-FE27-4C6A-B723-23FC2188F7DC}">
+<ds:datastoreItem xmlns:ds="http://schemas.openxmlformats.org/officeDocument/2006/customXml" ds:itemID="{164479E5-0B02-49AC-B79E-EC1D6164DDD3}">
   <ds:schemaRefs>
-    <ds:schemaRef ds:uri="http://schemas.microsoft.com/sharepoint/events"/>
+    <ds:schemaRef ds:uri="http://schemas.microsoft.com/office/2006/metadata/contentType"/>
+    <ds:schemaRef ds:uri="http://schemas.microsoft.com/office/2006/metadata/properties/metaAttributes"/>
+    <ds:schemaRef ds:uri="http://www.w3.org/2001/XMLSchema"/>
+    <ds:schemaRef ds:uri="http://schemas.microsoft.com/office/2006/metadata/properties"/>
+    <ds:schemaRef ds:uri="7bb5d761-a2ea-4873-95f7-7a6658fb3ef0"/>
+    <ds:schemaRef ds:uri="http://schemas.microsoft.com/office/2006/documentManagement/types"/>
+    <ds:schemaRef ds:uri="http://schemas.microsoft.com/office/infopath/2007/PartnerControls"/>
+    <ds:schemaRef ds:uri="http://schemas.openxmlformats.org/package/2006/metadata/core-properties"/>
+    <ds:schemaRef ds:uri="http://purl.org/dc/elements/1.1/"/>
+    <ds:schemaRef ds:uri="http://purl.org/dc/terms/"/>
+    <ds:schemaRef ds:uri="http://schemas.microsoft.com/internal/obd"/>
   </ds:schemaRefs>
 </ds:datastoreItem>
 </file>
@@ -32633,19 +32658,9 @@
 </file>
 
 <file path=customXml/itemProps4.xml><?xml version="1.0" encoding="utf-8"?>
-<ds:datastoreItem xmlns:ds="http://schemas.openxmlformats.org/officeDocument/2006/customXml" ds:itemID="{164479E5-0B02-49AC-B79E-EC1D6164DDD3}">
+<ds:datastoreItem xmlns:ds="http://schemas.openxmlformats.org/officeDocument/2006/customXml" ds:itemID="{B13EBC30-FE27-4C6A-B723-23FC2188F7DC}">
   <ds:schemaRefs>
-    <ds:schemaRef ds:uri="http://schemas.microsoft.com/office/2006/metadata/contentType"/>
-    <ds:schemaRef ds:uri="http://schemas.microsoft.com/office/2006/metadata/properties/metaAttributes"/>
-    <ds:schemaRef ds:uri="http://www.w3.org/2001/XMLSchema"/>
-    <ds:schemaRef ds:uri="http://schemas.microsoft.com/office/2006/metadata/properties"/>
-    <ds:schemaRef ds:uri="7bb5d761-a2ea-4873-95f7-7a6658fb3ef0"/>
-    <ds:schemaRef ds:uri="http://schemas.microsoft.com/office/2006/documentManagement/types"/>
-    <ds:schemaRef ds:uri="http://schemas.microsoft.com/office/infopath/2007/PartnerControls"/>
-    <ds:schemaRef ds:uri="http://schemas.openxmlformats.org/package/2006/metadata/core-properties"/>
-    <ds:schemaRef ds:uri="http://purl.org/dc/elements/1.1/"/>
-    <ds:schemaRef ds:uri="http://purl.org/dc/terms/"/>
-    <ds:schemaRef ds:uri="http://schemas.microsoft.com/internal/obd"/>
+    <ds:schemaRef ds:uri="http://schemas.microsoft.com/sharepoint/events"/>
   </ds:schemaRefs>
 </ds:datastoreItem>
 </file>
--- a/03-initial-configuration-scans.pptx
+++ b/03-initial-configuration-scans.pptx
@@ -6,10 +6,10 @@
     <p:sldMasterId id="2147483847" r:id="rId6"/>
   </p:sldMasterIdLst>
   <p:notesMasterIdLst>
-    <p:notesMasterId r:id="rId69"/>
+    <p:notesMasterId r:id="rId68"/>
   </p:notesMasterIdLst>
   <p:handoutMasterIdLst>
-    <p:handoutMasterId r:id="rId70"/>
+    <p:handoutMasterId r:id="rId69"/>
   </p:handoutMasterIdLst>
   <p:sldIdLst>
     <p:sldId id="256" r:id="rId7"/>
@@ -53,27 +53,26 @@
     <p:sldId id="328" r:id="rId45"/>
     <p:sldId id="329" r:id="rId46"/>
     <p:sldId id="332" r:id="rId47"/>
-    <p:sldId id="333" r:id="rId48"/>
-    <p:sldId id="353" r:id="rId49"/>
-    <p:sldId id="334" r:id="rId50"/>
-    <p:sldId id="356" r:id="rId51"/>
-    <p:sldId id="336" r:id="rId52"/>
-    <p:sldId id="350" r:id="rId53"/>
-    <p:sldId id="361" r:id="rId54"/>
-    <p:sldId id="351" r:id="rId55"/>
-    <p:sldId id="352" r:id="rId56"/>
-    <p:sldId id="348" r:id="rId57"/>
-    <p:sldId id="347" r:id="rId58"/>
-    <p:sldId id="339" r:id="rId59"/>
-    <p:sldId id="340" r:id="rId60"/>
-    <p:sldId id="360" r:id="rId61"/>
-    <p:sldId id="341" r:id="rId62"/>
-    <p:sldId id="342" r:id="rId63"/>
-    <p:sldId id="343" r:id="rId64"/>
-    <p:sldId id="344" r:id="rId65"/>
-    <p:sldId id="345" r:id="rId66"/>
-    <p:sldId id="276" r:id="rId67"/>
-    <p:sldId id="267" r:id="rId68"/>
+    <p:sldId id="353" r:id="rId48"/>
+    <p:sldId id="334" r:id="rId49"/>
+    <p:sldId id="356" r:id="rId50"/>
+    <p:sldId id="336" r:id="rId51"/>
+    <p:sldId id="350" r:id="rId52"/>
+    <p:sldId id="361" r:id="rId53"/>
+    <p:sldId id="351" r:id="rId54"/>
+    <p:sldId id="352" r:id="rId55"/>
+    <p:sldId id="348" r:id="rId56"/>
+    <p:sldId id="347" r:id="rId57"/>
+    <p:sldId id="339" r:id="rId58"/>
+    <p:sldId id="340" r:id="rId59"/>
+    <p:sldId id="360" r:id="rId60"/>
+    <p:sldId id="341" r:id="rId61"/>
+    <p:sldId id="342" r:id="rId62"/>
+    <p:sldId id="343" r:id="rId63"/>
+    <p:sldId id="344" r:id="rId64"/>
+    <p:sldId id="345" r:id="rId65"/>
+    <p:sldId id="276" r:id="rId66"/>
+    <p:sldId id="267" r:id="rId67"/>
   </p:sldIdLst>
   <p:sldSz cx="16256000" cy="9144000"/>
   <p:notesSz cx="6858000" cy="9144000"/>
@@ -335,7 +334,7 @@
               <a:pPr>
                 <a:defRPr/>
               </a:pPr>
-              <a:t>2016-02-04</a:t>
+              <a:t>2016-02-08</a:t>
             </a:fld>
             <a:endParaRPr lang="en-US" dirty="0"/>
           </a:p>
@@ -518,7 +517,7 @@
               <a:pPr>
                 <a:defRPr/>
               </a:pPr>
-              <a:t>2016-02-04</a:t>
+              <a:t>2016-02-08</a:t>
             </a:fld>
             <a:endParaRPr lang="en-US" dirty="0"/>
           </a:p>
@@ -2494,11 +2493,7 @@
             </a:r>
             <a:r>
               <a:rPr lang="en-US" sz="1200" baseline="0" dirty="0" smtClean="0"/>
-              <a:t> if it the scanned node violates what is in this code</a:t>
-            </a:r>
-            <a:r>
-              <a:rPr lang="en-US" sz="1200" baseline="0" dirty="0" smtClean="0"/>
-              <a:t>. We'll discuss severity mapping in a moment.</a:t>
+              <a:t> if it the scanned node violates what is in this code. We'll discuss severity mapping in a moment.</a:t>
             </a:r>
             <a:endParaRPr lang="en-US" sz="1200" dirty="0" smtClean="0"/>
           </a:p>
@@ -4427,11 +4422,7 @@
             </a:r>
             <a:r>
               <a:rPr lang="en-US" baseline="0" smtClean="0"/>
-              <a:t>ssh </a:t>
-            </a:r>
-            <a:r>
-              <a:rPr lang="en-US" baseline="0" smtClean="0"/>
-              <a:t>client.</a:t>
+              <a:t>ssh client.</a:t>
             </a:r>
             <a:endParaRPr lang="en-US" dirty="0"/>
           </a:p>
@@ -6531,18 +6522,13 @@
             </a:r>
             <a:r>
               <a:rPr lang="en-US" baseline="0" dirty="0" smtClean="0"/>
-              <a:t> issue.</a:t>
-            </a:r>
-          </a:p>
-          <a:p>
+              <a:t> issue</a:t>
+            </a:r>
+            <a:r>
+              <a:rPr lang="en-US" baseline="0" dirty="0" smtClean="0"/>
+              <a:t>.</a:t>
+            </a:r>
             <a:endParaRPr lang="en-US" baseline="0" dirty="0" smtClean="0"/>
-          </a:p>
-          <a:p>
-            <a:r>
-              <a:rPr lang="en-US" baseline="0" dirty="0" smtClean="0"/>
-              <a:t>But first, let's add an InSpec Verifier.</a:t>
-            </a:r>
-            <a:endParaRPr lang="en-US" dirty="0"/>
           </a:p>
         </p:txBody>
       </p:sp>
@@ -6756,7 +6742,7 @@
     </p:spTree>
     <p:extLst>
       <p:ext uri="{BB962C8B-B14F-4D97-AF65-F5344CB8AC3E}">
-        <p14:creationId xmlns:p14="http://schemas.microsoft.com/office/powerpoint/2010/main" val="3651809373"/>
+        <p14:creationId xmlns:p14="http://schemas.microsoft.com/office/powerpoint/2010/main" val="1838538428"/>
       </p:ext>
     </p:extLst>
   </p:cSld>
@@ -6890,7 +6876,7 @@
     </p:spTree>
     <p:extLst>
       <p:ext uri="{BB962C8B-B14F-4D97-AF65-F5344CB8AC3E}">
-        <p14:creationId xmlns:p14="http://schemas.microsoft.com/office/powerpoint/2010/main" val="1838538428"/>
+        <p14:creationId xmlns:p14="http://schemas.microsoft.com/office/powerpoint/2010/main" val="2201971819"/>
       </p:ext>
     </p:extLst>
   </p:cSld>
@@ -7078,6 +7064,29 @@
           <a:bodyPr/>
           <a:lstStyle/>
           <a:p>
+            <a:pPr marL="0" marR="0" indent="0" algn="l" defTabSz="1217613" rtl="0" eaLnBrk="1" fontAlgn="base" latinLnBrk="0" hangingPunct="1">
+              <a:lnSpc>
+                <a:spcPct val="90000"/>
+              </a:lnSpc>
+              <a:spcBef>
+                <a:spcPct val="30000"/>
+              </a:spcBef>
+              <a:spcAft>
+                <a:spcPts val="450"/>
+              </a:spcAft>
+              <a:buClrTx/>
+              <a:buSzTx/>
+              <a:buFontTx/>
+              <a:buNone/>
+              <a:tabLst/>
+              <a:defRPr/>
+            </a:pPr>
+            <a:r>
+              <a:rPr lang="en-US" dirty="0" smtClean="0"/>
+              <a:t>See the following slide for an example of a handy way to populate this file.</a:t>
+            </a:r>
+          </a:p>
+          <a:p>
             <a:endParaRPr lang="en-US" dirty="0"/>
           </a:p>
         </p:txBody>
@@ -7158,7 +7167,7 @@
     </p:spTree>
     <p:extLst>
       <p:ext uri="{BB962C8B-B14F-4D97-AF65-F5344CB8AC3E}">
-        <p14:creationId xmlns:p14="http://schemas.microsoft.com/office/powerpoint/2010/main" val="2201971819"/>
+        <p14:creationId xmlns:p14="http://schemas.microsoft.com/office/powerpoint/2010/main" val="2659342432"/>
       </p:ext>
     </p:extLst>
   </p:cSld>
@@ -7231,7 +7240,47 @@
             </a:pPr>
             <a:r>
               <a:rPr lang="en-US" dirty="0" smtClean="0"/>
-              <a:t>See the following slide for an example of a handy way to populate this file.</a:t>
+              <a:t>One handy way to populate the preceding `</a:t>
+            </a:r>
+            <a:r>
+              <a:rPr lang="en-US" dirty="0" err="1" smtClean="0"/>
+              <a:t>client_spec.rb</a:t>
+            </a:r>
+            <a:r>
+              <a:rPr lang="en-US" dirty="0" smtClean="0"/>
+              <a:t>' is to use the Compliance Web UI and copy the InSpec control code found in the relevant Compliance profile. </a:t>
+            </a:r>
+          </a:p>
+          <a:p>
+            <a:endParaRPr lang="en-US" dirty="0" smtClean="0"/>
+          </a:p>
+          <a:p>
+            <a:r>
+              <a:rPr lang="en-US" dirty="0" smtClean="0"/>
+              <a:t>Then you can paste it into the `</a:t>
+            </a:r>
+            <a:r>
+              <a:rPr lang="en-US" dirty="0" err="1" smtClean="0"/>
+              <a:t>client_spec.rb</a:t>
+            </a:r>
+            <a:r>
+              <a:rPr lang="en-US" dirty="0" smtClean="0"/>
+              <a:t>' file to save yourself some typing.</a:t>
+            </a:r>
+          </a:p>
+          <a:p>
+            <a:endParaRPr lang="en-US" dirty="0" smtClean="0"/>
+          </a:p>
+          <a:p>
+            <a:r>
+              <a:rPr lang="en-US" dirty="0" smtClean="0"/>
+              <a:t>Instructor Note: </a:t>
+            </a:r>
+            <a:r>
+              <a:rPr lang="en-US" dirty="0" smtClean="0">
+                <a:effectLst/>
+              </a:rPr>
+              <a:t>It could also be good for the instructor to demonstrate using the InSpec verifier in test kitchen locally with Vagrant to show the students that it can be done.</a:t>
             </a:r>
           </a:p>
           <a:p>
@@ -7315,7 +7364,7 @@
     </p:spTree>
     <p:extLst>
       <p:ext uri="{BB962C8B-B14F-4D97-AF65-F5344CB8AC3E}">
-        <p14:creationId xmlns:p14="http://schemas.microsoft.com/office/powerpoint/2010/main" val="2659342432"/>
+        <p14:creationId xmlns:p14="http://schemas.microsoft.com/office/powerpoint/2010/main" val="3465403761"/>
       </p:ext>
     </p:extLst>
   </p:cSld>
@@ -7369,69 +7418,6 @@
           <a:bodyPr/>
           <a:lstStyle/>
           <a:p>
-            <a:pPr marL="0" marR="0" indent="0" algn="l" defTabSz="1217613" rtl="0" eaLnBrk="1" fontAlgn="base" latinLnBrk="0" hangingPunct="1">
-              <a:lnSpc>
-                <a:spcPct val="90000"/>
-              </a:lnSpc>
-              <a:spcBef>
-                <a:spcPct val="30000"/>
-              </a:spcBef>
-              <a:spcAft>
-                <a:spcPts val="450"/>
-              </a:spcAft>
-              <a:buClrTx/>
-              <a:buSzTx/>
-              <a:buFontTx/>
-              <a:buNone/>
-              <a:tabLst/>
-              <a:defRPr/>
-            </a:pPr>
-            <a:r>
-              <a:rPr lang="en-US" dirty="0" smtClean="0"/>
-              <a:t>One handy way to populate the preceding `</a:t>
-            </a:r>
-            <a:r>
-              <a:rPr lang="en-US" dirty="0" err="1" smtClean="0"/>
-              <a:t>client_spec.rb</a:t>
-            </a:r>
-            <a:r>
-              <a:rPr lang="en-US" dirty="0" smtClean="0"/>
-              <a:t>' is to use the Compliance Web UI and copy the InSpec control code found in the relevant Compliance profile. </a:t>
-            </a:r>
-          </a:p>
-          <a:p>
-            <a:endParaRPr lang="en-US" dirty="0" smtClean="0"/>
-          </a:p>
-          <a:p>
-            <a:r>
-              <a:rPr lang="en-US" dirty="0" smtClean="0"/>
-              <a:t>Then you can paste it into the `</a:t>
-            </a:r>
-            <a:r>
-              <a:rPr lang="en-US" dirty="0" err="1" smtClean="0"/>
-              <a:t>client_spec.rb</a:t>
-            </a:r>
-            <a:r>
-              <a:rPr lang="en-US" dirty="0" smtClean="0"/>
-              <a:t>' file to save yourself some typing.</a:t>
-            </a:r>
-          </a:p>
-          <a:p>
-            <a:endParaRPr lang="en-US" dirty="0" smtClean="0"/>
-          </a:p>
-          <a:p>
-            <a:r>
-              <a:rPr lang="en-US" dirty="0" smtClean="0"/>
-              <a:t>Instructor Note: </a:t>
-            </a:r>
-            <a:r>
-              <a:rPr lang="en-US" dirty="0" smtClean="0">
-                <a:effectLst/>
-              </a:rPr>
-              <a:t>It could also be good for the instructor to demonstrate using the InSpec verifier in test kitchen locally with Vagrant to show the students that it can be done.</a:t>
-            </a:r>
-          </a:p>
-          <a:p>
             <a:endParaRPr lang="en-US" dirty="0"/>
           </a:p>
         </p:txBody>
@@ -7512,7 +7498,7 @@
     </p:spTree>
     <p:extLst>
       <p:ext uri="{BB962C8B-B14F-4D97-AF65-F5344CB8AC3E}">
-        <p14:creationId xmlns:p14="http://schemas.microsoft.com/office/powerpoint/2010/main" val="3465403761"/>
+        <p14:creationId xmlns:p14="http://schemas.microsoft.com/office/powerpoint/2010/main" val="1916148903"/>
       </p:ext>
     </p:extLst>
   </p:cSld>
@@ -7563,10 +7549,146 @@
         </p:nvSpPr>
         <p:spPr/>
         <p:txBody>
-          <a:bodyPr/>
-          <a:lstStyle/>
-          <a:p>
-            <a:endParaRPr lang="en-US" dirty="0"/>
+          <a:bodyPr>
+            <a:normAutofit/>
+          </a:bodyPr>
+          <a:lstStyle/>
+          <a:p>
+            <a:r>
+              <a:rPr lang="en-US" dirty="0" smtClean="0"/>
+              <a:t>First, we need to run this command </a:t>
+            </a:r>
+            <a:r>
+              <a:rPr lang="en-US" sz="1200" b="0" i="0" kern="1200" dirty="0" smtClean="0">
+                <a:solidFill>
+                  <a:schemeClr val="tx1"/>
+                </a:solidFill>
+                <a:effectLst/>
+                <a:latin typeface="Arial" panose="020B0604020202020204" pitchFamily="34" charset="0"/>
+                <a:ea typeface="ＭＳ Ｐゴシック" charset="0"/>
+                <a:cs typeface="Arial" panose="020B0604020202020204" pitchFamily="34" charset="0"/>
+              </a:rPr>
+              <a:t>because</a:t>
+            </a:r>
+            <a:r>
+              <a:rPr lang="en-US" sz="1200" b="0" i="0" kern="1200" baseline="0" dirty="0" smtClean="0">
+                <a:solidFill>
+                  <a:schemeClr val="tx1"/>
+                </a:solidFill>
+                <a:effectLst/>
+                <a:latin typeface="Arial" panose="020B0604020202020204" pitchFamily="34" charset="0"/>
+                <a:ea typeface="ＭＳ Ｐゴシック" charset="0"/>
+                <a:cs typeface="Arial" panose="020B0604020202020204" pitchFamily="34" charset="0"/>
+              </a:rPr>
+              <a:t> </a:t>
+            </a:r>
+            <a:r>
+              <a:rPr lang="en-US" sz="1200" b="0" i="0" kern="1200" dirty="0" smtClean="0">
+                <a:solidFill>
+                  <a:schemeClr val="tx1"/>
+                </a:solidFill>
+                <a:effectLst/>
+                <a:latin typeface="Arial" panose="020B0604020202020204" pitchFamily="34" charset="0"/>
+                <a:ea typeface="ＭＳ Ｐゴシック" charset="0"/>
+                <a:cs typeface="Arial" panose="020B0604020202020204" pitchFamily="34" charset="0"/>
+              </a:rPr>
+              <a:t>we are using Docker solely for testing and placing it in this configuration is not secure. We are doing it here because it is necessary if we do not want to prefix </a:t>
+            </a:r>
+            <a:r>
+              <a:rPr lang="en-US" dirty="0" smtClean="0">
+                <a:effectLst/>
+              </a:rPr>
+              <a:t>`</a:t>
+            </a:r>
+            <a:r>
+              <a:rPr lang="en-US" dirty="0" smtClean="0"/>
+              <a:t>sudo</a:t>
+            </a:r>
+            <a:r>
+              <a:rPr lang="en-US" dirty="0" smtClean="0">
+                <a:effectLst/>
+              </a:rPr>
+              <a:t>`</a:t>
+            </a:r>
+            <a:r>
+              <a:rPr lang="en-US" sz="1200" b="0" i="0" kern="1200" dirty="0" smtClean="0">
+                <a:solidFill>
+                  <a:schemeClr val="tx1"/>
+                </a:solidFill>
+                <a:effectLst/>
+                <a:latin typeface="Arial" panose="020B0604020202020204" pitchFamily="34" charset="0"/>
+                <a:ea typeface="ＭＳ Ｐゴシック" charset="0"/>
+                <a:cs typeface="Arial" panose="020B0604020202020204" pitchFamily="34" charset="0"/>
+              </a:rPr>
+              <a:t> in front of the commands we execute. </a:t>
+            </a:r>
+          </a:p>
+          <a:p>
+            <a:endParaRPr lang="en-US" sz="1200" b="0" i="0" kern="1200" dirty="0" smtClean="0">
+              <a:solidFill>
+                <a:schemeClr val="tx1"/>
+              </a:solidFill>
+              <a:effectLst/>
+              <a:latin typeface="Arial" panose="020B0604020202020204" pitchFamily="34" charset="0"/>
+              <a:ea typeface="ＭＳ Ｐゴシック" charset="0"/>
+              <a:cs typeface="Arial" panose="020B0604020202020204" pitchFamily="34" charset="0"/>
+            </a:endParaRPr>
+          </a:p>
+          <a:p>
+            <a:r>
+              <a:rPr lang="en-US" sz="1200" b="0" i="0" kern="1200" dirty="0" smtClean="0">
+                <a:solidFill>
+                  <a:schemeClr val="tx1"/>
+                </a:solidFill>
+                <a:effectLst/>
+                <a:latin typeface="Arial" panose="020B0604020202020204" pitchFamily="34" charset="0"/>
+                <a:ea typeface="ＭＳ Ｐゴシック" charset="0"/>
+                <a:cs typeface="Arial" panose="020B0604020202020204" pitchFamily="34" charset="0"/>
+              </a:rPr>
+              <a:t>So it’s done here namely for speed and ease of training so you can focus on Compliance. On your local system you may use vagrant, ec2, or the azure driver and those will not have the same concern that we are experiencing here.</a:t>
+            </a:r>
+            <a:endParaRPr lang="en-US" dirty="0" smtClean="0"/>
+          </a:p>
+          <a:p>
+            <a:endParaRPr lang="en-US" dirty="0" smtClean="0"/>
+          </a:p>
+          <a:p>
+            <a:r>
+              <a:rPr lang="en-US" dirty="0" smtClean="0"/>
+              <a:t>Instructor Note: This command is done in order to put the chef user in the </a:t>
+            </a:r>
+            <a:r>
+              <a:rPr lang="en-US" dirty="0" err="1" smtClean="0"/>
+              <a:t>dockerroot</a:t>
+            </a:r>
+            <a:r>
+              <a:rPr lang="en-US" dirty="0" smtClean="0"/>
+              <a:t> group and make /var/run/</a:t>
+            </a:r>
+            <a:r>
+              <a:rPr lang="en-US" dirty="0" err="1" smtClean="0"/>
+              <a:t>docker.sock's</a:t>
+            </a:r>
+            <a:r>
+              <a:rPr lang="en-US" dirty="0" smtClean="0"/>
+              <a:t> group </a:t>
+            </a:r>
+            <a:r>
+              <a:rPr lang="en-US" dirty="0" err="1" smtClean="0"/>
+              <a:t>dockerroot</a:t>
+            </a:r>
+            <a:r>
+              <a:rPr lang="en-US" dirty="0" smtClean="0"/>
+              <a:t>. This change would</a:t>
+            </a:r>
+            <a:r>
+              <a:rPr lang="en-US" baseline="0" dirty="0" smtClean="0"/>
+              <a:t> not persist when making part of the AMI so we run the command here.</a:t>
+            </a:r>
+            <a:endParaRPr lang="en-US" dirty="0" smtClean="0"/>
+          </a:p>
+          <a:p>
+            <a:endParaRPr lang="en-US" dirty="0" smtClean="0"/>
           </a:p>
         </p:txBody>
       </p:sp>
@@ -7646,7 +7768,7 @@
     </p:spTree>
     <p:extLst>
       <p:ext uri="{BB962C8B-B14F-4D97-AF65-F5344CB8AC3E}">
-        <p14:creationId xmlns:p14="http://schemas.microsoft.com/office/powerpoint/2010/main" val="1916148903"/>
+        <p14:creationId xmlns:p14="http://schemas.microsoft.com/office/powerpoint/2010/main" val="3259237308"/>
       </p:ext>
     </p:extLst>
   </p:cSld>
@@ -7697,146 +7819,125 @@
         </p:nvSpPr>
         <p:spPr/>
         <p:txBody>
-          <a:bodyPr>
-            <a:normAutofit/>
-          </a:bodyPr>
-          <a:lstStyle/>
-          <a:p>
-            <a:r>
-              <a:rPr lang="en-US" dirty="0" smtClean="0"/>
-              <a:t>First, we need to run this command </a:t>
-            </a:r>
-            <a:r>
-              <a:rPr lang="en-US" sz="1200" b="0" i="0" kern="1200" dirty="0" smtClean="0">
-                <a:solidFill>
-                  <a:schemeClr val="tx1"/>
-                </a:solidFill>
-                <a:effectLst/>
-                <a:latin typeface="Arial" panose="020B0604020202020204" pitchFamily="34" charset="0"/>
-                <a:ea typeface="ＭＳ Ｐゴシック" charset="0"/>
-                <a:cs typeface="Arial" panose="020B0604020202020204" pitchFamily="34" charset="0"/>
-              </a:rPr>
-              <a:t>because</a:t>
-            </a:r>
-            <a:r>
-              <a:rPr lang="en-US" sz="1200" b="0" i="0" kern="1200" baseline="0" dirty="0" smtClean="0">
-                <a:solidFill>
-                  <a:schemeClr val="tx1"/>
-                </a:solidFill>
-                <a:effectLst/>
-                <a:latin typeface="Arial" panose="020B0604020202020204" pitchFamily="34" charset="0"/>
-                <a:ea typeface="ＭＳ Ｐゴシック" charset="0"/>
-                <a:cs typeface="Arial" panose="020B0604020202020204" pitchFamily="34" charset="0"/>
-              </a:rPr>
+          <a:bodyPr/>
+          <a:lstStyle/>
+          <a:p>
+            <a:r>
+              <a:rPr lang="en-US" dirty="0" smtClean="0"/>
+              <a:t>Below</a:t>
+            </a:r>
+            <a:r>
+              <a:rPr lang="en-US" baseline="0" dirty="0" smtClean="0"/>
+              <a:t> is an example of the details of the `sudo </a:t>
+            </a:r>
+            <a:r>
+              <a:rPr lang="en-US" baseline="0" dirty="0" err="1" smtClean="0"/>
+              <a:t>docker</a:t>
+            </a:r>
+            <a:r>
+              <a:rPr lang="en-US" baseline="0" dirty="0" smtClean="0"/>
               <a:t> </a:t>
             </a:r>
             <a:r>
-              <a:rPr lang="en-US" sz="1200" b="0" i="0" kern="1200" dirty="0" smtClean="0">
-                <a:solidFill>
-                  <a:schemeClr val="tx1"/>
-                </a:solidFill>
-                <a:effectLst/>
-                <a:latin typeface="Arial" panose="020B0604020202020204" pitchFamily="34" charset="0"/>
-                <a:ea typeface="ＭＳ Ｐゴシック" charset="0"/>
-                <a:cs typeface="Arial" panose="020B0604020202020204" pitchFamily="34" charset="0"/>
-              </a:rPr>
-              <a:t>we are using Docker solely for testing and placing it in this configuration is not secure. We are doing it here because it is necessary if we do not want to prefix </a:t>
-            </a:r>
-            <a:r>
-              <a:rPr lang="en-US" dirty="0" smtClean="0">
-                <a:effectLst/>
-              </a:rPr>
-              <a:t>`</a:t>
-            </a:r>
-            <a:r>
-              <a:rPr lang="en-US" dirty="0" smtClean="0"/>
-              <a:t>sudo</a:t>
-            </a:r>
-            <a:r>
-              <a:rPr lang="en-US" dirty="0" smtClean="0">
-                <a:effectLst/>
-              </a:rPr>
-              <a:t>`</a:t>
-            </a:r>
-            <a:r>
-              <a:rPr lang="en-US" sz="1200" b="0" i="0" kern="1200" dirty="0" smtClean="0">
-                <a:solidFill>
-                  <a:schemeClr val="tx1"/>
-                </a:solidFill>
-                <a:effectLst/>
-                <a:latin typeface="Arial" panose="020B0604020202020204" pitchFamily="34" charset="0"/>
-                <a:ea typeface="ＭＳ Ｐゴシック" charset="0"/>
-                <a:cs typeface="Arial" panose="020B0604020202020204" pitchFamily="34" charset="0"/>
-              </a:rPr>
-              <a:t> in front of the commands we execute. </a:t>
-            </a:r>
-          </a:p>
-          <a:p>
-            <a:endParaRPr lang="en-US" sz="1200" b="0" i="0" kern="1200" dirty="0" smtClean="0">
-              <a:solidFill>
-                <a:schemeClr val="tx1"/>
-              </a:solidFill>
-              <a:effectLst/>
-              <a:latin typeface="Arial" panose="020B0604020202020204" pitchFamily="34" charset="0"/>
-              <a:ea typeface="ＭＳ Ｐゴシック" charset="0"/>
-              <a:cs typeface="Arial" panose="020B0604020202020204" pitchFamily="34" charset="0"/>
-            </a:endParaRPr>
-          </a:p>
-          <a:p>
-            <a:r>
-              <a:rPr lang="en-US" sz="1200" b="0" i="0" kern="1200" dirty="0" smtClean="0">
-                <a:solidFill>
-                  <a:schemeClr val="tx1"/>
-                </a:solidFill>
-                <a:effectLst/>
-                <a:latin typeface="Arial" panose="020B0604020202020204" pitchFamily="34" charset="0"/>
-                <a:ea typeface="ＭＳ Ｐゴシック" charset="0"/>
-                <a:cs typeface="Arial" panose="020B0604020202020204" pitchFamily="34" charset="0"/>
-              </a:rPr>
-              <a:t>So it’s done here namely for speed and ease of training so you can focus on Compliance. On your local system you may use vagrant, ec2, or the azure driver and those will not have the same concern that we are experiencing here.</a:t>
-            </a:r>
+              <a:rPr lang="en-US" baseline="0" dirty="0" err="1" smtClean="0"/>
+              <a:t>ps`</a:t>
+            </a:r>
+            <a:r>
+              <a:rPr lang="en-US" baseline="0" dirty="0" smtClean="0"/>
+              <a:t> command. This shows one </a:t>
+            </a:r>
+            <a:r>
+              <a:rPr lang="en-US" baseline="0" dirty="0" err="1" smtClean="0"/>
+              <a:t>docker</a:t>
+            </a:r>
+            <a:r>
+              <a:rPr lang="en-US" baseline="0" dirty="0" smtClean="0"/>
+              <a:t> container running.</a:t>
+            </a:r>
+          </a:p>
+          <a:p>
+            <a:endParaRPr lang="en-US" baseline="0" dirty="0" smtClean="0"/>
+          </a:p>
+          <a:p>
+            <a:r>
+              <a:rPr lang="en-US" baseline="0" dirty="0" smtClean="0"/>
+              <a:t>You should only have only one </a:t>
+            </a:r>
+            <a:r>
+              <a:rPr lang="en-US" baseline="0" dirty="0" err="1" smtClean="0"/>
+              <a:t>docker</a:t>
+            </a:r>
+            <a:r>
+              <a:rPr lang="en-US" baseline="0" dirty="0" smtClean="0"/>
+              <a:t> container running too.</a:t>
+            </a:r>
+          </a:p>
+          <a:p>
+            <a:endParaRPr lang="en-US" baseline="0" dirty="0" smtClean="0"/>
+          </a:p>
+          <a:p>
+            <a:r>
+              <a:rPr lang="en-US" baseline="0" dirty="0" smtClean="0"/>
+              <a:t>You'll need the Container ID for the next step so copy your Container ID, which is the first value that is not a header.</a:t>
+            </a:r>
+          </a:p>
+          <a:p>
+            <a:endParaRPr lang="en-US" baseline="0" dirty="0" smtClean="0"/>
+          </a:p>
+          <a:p>
+            <a:endParaRPr lang="en-US" baseline="0" dirty="0" smtClean="0"/>
+          </a:p>
+          <a:p>
             <a:endParaRPr lang="en-US" dirty="0" smtClean="0"/>
           </a:p>
           <a:p>
-            <a:endParaRPr lang="en-US" dirty="0" smtClean="0"/>
-          </a:p>
-          <a:p>
-            <a:r>
-              <a:rPr lang="en-US" dirty="0" smtClean="0"/>
-              <a:t>Instructor Note: This command is done in order to put the chef user in the </a:t>
+            <a:r>
+              <a:rPr lang="en-US" dirty="0" smtClean="0"/>
+              <a:t>CONTAINER ID        IMAGE               COMMAND                CREATED             STATUS              PORTS                   NAMES</a:t>
+            </a:r>
+          </a:p>
+          <a:p>
+            <a:r>
+              <a:rPr lang="en-US" dirty="0" smtClean="0"/>
+              <a:t>5b51a4237437        d5b8fd3299b4        "/</a:t>
             </a:r>
             <a:r>
               <a:rPr lang="en-US" dirty="0" err="1" smtClean="0"/>
-              <a:t>dockerroot</a:t>
-            </a:r>
-            <a:r>
-              <a:rPr lang="en-US" dirty="0" smtClean="0"/>
-              <a:t> group and make /var/run/</a:t>
+              <a:t>usr</a:t>
+            </a:r>
+            <a:r>
+              <a:rPr lang="en-US" dirty="0" smtClean="0"/>
+              <a:t>/</a:t>
             </a:r>
             <a:r>
               <a:rPr lang="en-US" dirty="0" err="1" smtClean="0"/>
-              <a:t>docker.sock's</a:t>
-            </a:r>
-            <a:r>
-              <a:rPr lang="en-US" dirty="0" smtClean="0"/>
-              <a:t> group </a:t>
+              <a:t>sbin</a:t>
+            </a:r>
+            <a:r>
+              <a:rPr lang="en-US" dirty="0" smtClean="0"/>
+              <a:t>/</a:t>
             </a:r>
             <a:r>
               <a:rPr lang="en-US" dirty="0" err="1" smtClean="0"/>
-              <a:t>dockerroot</a:t>
-            </a:r>
-            <a:r>
-              <a:rPr lang="en-US" dirty="0" smtClean="0"/>
-              <a:t>. This change would</a:t>
-            </a:r>
-            <a:r>
-              <a:rPr lang="en-US" baseline="0" dirty="0" smtClean="0"/>
-              <a:t> not persist when making part of the AMI so we run the command here.</a:t>
-            </a:r>
-            <a:endParaRPr lang="en-US" dirty="0" smtClean="0"/>
-          </a:p>
-          <a:p>
-            <a:endParaRPr lang="en-US" dirty="0" smtClean="0"/>
+              <a:t>sshd</a:t>
+            </a:r>
+            <a:r>
+              <a:rPr lang="en-US" dirty="0" smtClean="0"/>
+              <a:t> -D -   41 minutes ago      Up 41 minutes       0.0.0.0:32768-&gt;22/</a:t>
+            </a:r>
+            <a:r>
+              <a:rPr lang="en-US" dirty="0" err="1" smtClean="0"/>
+              <a:t>tcp</a:t>
+            </a:r>
+            <a:r>
+              <a:rPr lang="en-US" dirty="0" smtClean="0"/>
+              <a:t>   </a:t>
+            </a:r>
+            <a:r>
+              <a:rPr lang="en-US" dirty="0" err="1" smtClean="0"/>
+              <a:t>grave_davinci</a:t>
+            </a:r>
+            <a:endParaRPr lang="en-US" dirty="0"/>
           </a:p>
         </p:txBody>
       </p:sp>
@@ -7916,7 +8017,7 @@
     </p:spTree>
     <p:extLst>
       <p:ext uri="{BB962C8B-B14F-4D97-AF65-F5344CB8AC3E}">
-        <p14:creationId xmlns:p14="http://schemas.microsoft.com/office/powerpoint/2010/main" val="3259237308"/>
+        <p14:creationId xmlns:p14="http://schemas.microsoft.com/office/powerpoint/2010/main" val="3435014385"/>
       </p:ext>
     </p:extLst>
   </p:cSld>
@@ -7967,73 +8068,141 @@
         </p:nvSpPr>
         <p:spPr/>
         <p:txBody>
-          <a:bodyPr/>
-          <a:lstStyle/>
-          <a:p>
-            <a:r>
-              <a:rPr lang="en-US" dirty="0" smtClean="0"/>
-              <a:t>Below</a:t>
+          <a:bodyPr>
+            <a:normAutofit fontScale="77500" lnSpcReduction="20000"/>
+          </a:bodyPr>
+          <a:lstStyle/>
+          <a:p>
+            <a:r>
+              <a:rPr lang="en-US" dirty="0" smtClean="0"/>
+              <a:t>Run this </a:t>
+            </a:r>
+            <a:r>
+              <a:rPr lang="en-US" dirty="0" err="1" smtClean="0"/>
+              <a:t>inspec</a:t>
             </a:r>
             <a:r>
               <a:rPr lang="en-US" baseline="0" dirty="0" smtClean="0"/>
-              <a:t> is an example of the details of the `sudo </a:t>
-            </a:r>
-            <a:r>
-              <a:rPr lang="en-US" baseline="0" dirty="0" err="1" smtClean="0"/>
-              <a:t>docker</a:t>
+              <a:t> command using the container ID you just copied, replacing CONTAINER_ID in the example. </a:t>
+            </a:r>
+          </a:p>
+          <a:p>
+            <a:r>
+              <a:rPr lang="en-US" dirty="0" smtClean="0"/>
+              <a:t>`</a:t>
+            </a:r>
+            <a:r>
+              <a:rPr lang="en-US" dirty="0" err="1" smtClean="0"/>
+              <a:t>inspec</a:t>
+            </a:r>
+            <a:r>
+              <a:rPr lang="en-US" dirty="0" smtClean="0"/>
+              <a:t> exec ~/cookbooks/ssh/test/integration/client/</a:t>
+            </a:r>
+            <a:r>
+              <a:rPr lang="en-US" dirty="0" err="1" smtClean="0"/>
+              <a:t>inspec</a:t>
+            </a:r>
+            <a:r>
+              <a:rPr lang="en-US" dirty="0" smtClean="0"/>
+              <a:t>/</a:t>
+            </a:r>
+            <a:r>
+              <a:rPr lang="en-US" dirty="0" err="1" smtClean="0"/>
+              <a:t>client_spec.rb</a:t>
+            </a:r>
+            <a:r>
+              <a:rPr lang="en-US" dirty="0" smtClean="0"/>
+              <a:t> -t docker://CONTAINER_ID`</a:t>
+            </a:r>
+          </a:p>
+          <a:p>
+            <a:endParaRPr lang="en-US" dirty="0" smtClean="0"/>
+          </a:p>
+          <a:p>
+            <a:pPr marL="0" marR="0" indent="0" algn="l" defTabSz="1217613" rtl="0" eaLnBrk="1" fontAlgn="base" latinLnBrk="0" hangingPunct="1">
+              <a:lnSpc>
+                <a:spcPct val="90000"/>
+              </a:lnSpc>
+              <a:spcBef>
+                <a:spcPct val="30000"/>
+              </a:spcBef>
+              <a:spcAft>
+                <a:spcPts val="450"/>
+              </a:spcAft>
+              <a:buClrTx/>
+              <a:buSzTx/>
+              <a:buFontTx/>
+              <a:buNone/>
+              <a:tabLst/>
+              <a:defRPr/>
+            </a:pPr>
+            <a:r>
+              <a:rPr lang="en-US" baseline="0" dirty="0" smtClean="0"/>
+              <a:t>Running InSpec in this way can uncover more complex issues than the basic issue we are remediating in this module.</a:t>
+            </a:r>
+          </a:p>
+          <a:p>
+            <a:pPr marL="0" marR="0" indent="0" algn="l" defTabSz="1217613" rtl="0" eaLnBrk="1" fontAlgn="base" latinLnBrk="0" hangingPunct="1">
+              <a:lnSpc>
+                <a:spcPct val="90000"/>
+              </a:lnSpc>
+              <a:spcBef>
+                <a:spcPct val="30000"/>
+              </a:spcBef>
+              <a:spcAft>
+                <a:spcPts val="450"/>
+              </a:spcAft>
+              <a:buClrTx/>
+              <a:buSzTx/>
+              <a:buFontTx/>
+              <a:buNone/>
+              <a:tabLst/>
+              <a:defRPr/>
+            </a:pPr>
+            <a:endParaRPr lang="en-US" dirty="0" smtClean="0"/>
+          </a:p>
+          <a:p>
+            <a:r>
+              <a:rPr lang="en-US" dirty="0" smtClean="0"/>
+              <a:t>While the image of the output</a:t>
             </a:r>
             <a:r>
               <a:rPr lang="en-US" baseline="0" dirty="0" smtClean="0"/>
               <a:t> </a:t>
             </a:r>
             <a:r>
+              <a:rPr lang="en-US" dirty="0" smtClean="0"/>
+              <a:t>may be hard to see, key parts of the</a:t>
+            </a:r>
+            <a:r>
+              <a:rPr lang="en-US" baseline="0" dirty="0" smtClean="0"/>
+              <a:t> output is also pasted below. Notice how </a:t>
+            </a:r>
+            <a:r>
               <a:rPr lang="en-US" baseline="0" dirty="0" err="1" smtClean="0"/>
-              <a:t>ps`</a:t>
+              <a:t>inspec</a:t>
             </a:r>
             <a:r>
               <a:rPr lang="en-US" baseline="0" dirty="0" smtClean="0"/>
-              <a:t> command. This shows one </a:t>
-            </a:r>
-            <a:r>
-              <a:rPr lang="en-US" baseline="0" dirty="0" err="1" smtClean="0"/>
-              <a:t>docker</a:t>
+              <a:t> from the command line also found the "</a:t>
+            </a:r>
+            <a:r>
+              <a:rPr lang="en-US" dirty="0" smtClean="0"/>
+              <a:t>SSH Configuration Protocol should </a:t>
+            </a:r>
+            <a:r>
+              <a:rPr lang="en-US" dirty="0" err="1" smtClean="0"/>
+              <a:t>eq</a:t>
+            </a:r>
+            <a:r>
+              <a:rPr lang="en-US" dirty="0" smtClean="0"/>
+              <a:t> "2"</a:t>
             </a:r>
             <a:r>
               <a:rPr lang="en-US" baseline="0" dirty="0" smtClean="0"/>
-              <a:t> container running.</a:t>
-            </a:r>
-          </a:p>
-          <a:p>
-            <a:endParaRPr lang="en-US" baseline="0" dirty="0" smtClean="0"/>
-          </a:p>
-          <a:p>
-            <a:r>
-              <a:rPr lang="en-US" baseline="0" dirty="0" smtClean="0"/>
-              <a:t>You should only have only one </a:t>
-            </a:r>
-            <a:r>
-              <a:rPr lang="en-US" baseline="0" dirty="0" err="1" smtClean="0"/>
-              <a:t>docker</a:t>
-            </a:r>
-            <a:r>
-              <a:rPr lang="en-US" baseline="0" dirty="0" smtClean="0"/>
-              <a:t> container running too.</a:t>
-            </a:r>
-          </a:p>
-          <a:p>
-            <a:endParaRPr lang="en-US" baseline="0" dirty="0" smtClean="0"/>
-          </a:p>
-          <a:p>
-            <a:r>
-              <a:rPr lang="en-US" baseline="0" dirty="0" smtClean="0"/>
-              <a:t>You'll need the Container ID for the next step so copy your Container ID, which is the first value that is not a header.</a:t>
-            </a:r>
-          </a:p>
-          <a:p>
-            <a:endParaRPr lang="en-US" baseline="0" dirty="0" smtClean="0"/>
-          </a:p>
-          <a:p>
-            <a:endParaRPr lang="en-US" baseline="0" dirty="0" smtClean="0"/>
+              <a:t> non compliance issue.</a:t>
+            </a:r>
           </a:p>
           <a:p>
             <a:endParaRPr lang="en-US" dirty="0" smtClean="0"/>
@@ -8041,50 +8210,95 @@
           <a:p>
             <a:r>
               <a:rPr lang="en-US" dirty="0" smtClean="0"/>
-              <a:t>CONTAINER ID        IMAGE               COMMAND                CREATED             STATUS              PORTS                   NAMES</a:t>
-            </a:r>
-          </a:p>
-          <a:p>
-            <a:r>
-              <a:rPr lang="en-US" dirty="0" smtClean="0"/>
-              <a:t>5b51a4237437        d5b8fd3299b4        "/</a:t>
+              <a:t>Key parts of the output is here:</a:t>
+            </a:r>
+          </a:p>
+          <a:p>
+            <a:r>
+              <a:rPr lang="en-US" dirty="0" smtClean="0"/>
+              <a:t>Failures:</a:t>
+            </a:r>
+          </a:p>
+          <a:p>
+            <a:endParaRPr lang="en-US" dirty="0" smtClean="0"/>
+          </a:p>
+          <a:p>
+            <a:r>
+              <a:rPr lang="en-US" dirty="0" smtClean="0"/>
+              <a:t>  1) SSH Configuration Protocol should </a:t>
             </a:r>
             <a:r>
               <a:rPr lang="en-US" dirty="0" err="1" smtClean="0"/>
-              <a:t>usr</a:t>
-            </a:r>
-            <a:r>
-              <a:rPr lang="en-US" dirty="0" smtClean="0"/>
-              <a:t>/</a:t>
+              <a:t>eq</a:t>
+            </a:r>
+            <a:r>
+              <a:rPr lang="en-US" dirty="0" smtClean="0"/>
+              <a:t> "2"</a:t>
+            </a:r>
+          </a:p>
+          <a:p>
+            <a:r>
+              <a:rPr lang="en-US" dirty="0" smtClean="0"/>
+              <a:t>     Failure/Error: its('Protocol') { should </a:t>
             </a:r>
             <a:r>
               <a:rPr lang="en-US" dirty="0" err="1" smtClean="0"/>
-              <a:t>sbin</a:t>
-            </a:r>
-            <a:r>
-              <a:rPr lang="en-US" dirty="0" smtClean="0"/>
-              <a:t>/</a:t>
-            </a:r>
+              <a:t>eq</a:t>
+            </a:r>
+            <a:r>
+              <a:rPr lang="en-US" dirty="0" smtClean="0"/>
+              <a:t>('2') }</a:t>
+            </a:r>
+          </a:p>
+          <a:p>
+            <a:r>
+              <a:rPr lang="en-US" dirty="0" smtClean="0"/>
+              <a:t>expected: "2"</a:t>
+            </a:r>
+          </a:p>
+          <a:p>
+            <a:r>
+              <a:rPr lang="en-US" dirty="0" smtClean="0"/>
+              <a:t>            got: nil</a:t>
+            </a:r>
+          </a:p>
+          <a:p>
+            <a:r>
+              <a:rPr lang="en-US" dirty="0" smtClean="0"/>
+              <a:t>...</a:t>
+            </a:r>
+          </a:p>
+          <a:p>
+            <a:r>
+              <a:rPr lang="en-US" dirty="0" smtClean="0"/>
+              <a:t>Failed examples:</a:t>
+            </a:r>
+          </a:p>
+          <a:p>
             <a:r>
               <a:rPr lang="en-US" dirty="0" err="1" smtClean="0"/>
-              <a:t>sshd</a:t>
-            </a:r>
-            <a:r>
-              <a:rPr lang="en-US" dirty="0" smtClean="0"/>
-              <a:t> -D -   41 minutes ago      Up 41 minutes       0.0.0.0:32768-&gt;22/</a:t>
+              <a:t>rspec</a:t>
+            </a:r>
+            <a:r>
+              <a:rPr lang="en-US" dirty="0" smtClean="0"/>
+              <a:t>  # SSH Configuration Protocol should </a:t>
             </a:r>
             <a:r>
               <a:rPr lang="en-US" dirty="0" err="1" smtClean="0"/>
-              <a:t>tcp</a:t>
-            </a:r>
-            <a:r>
-              <a:rPr lang="en-US" dirty="0" smtClean="0"/>
-              <a:t>   </a:t>
-            </a:r>
-            <a:r>
-              <a:rPr lang="en-US" dirty="0" err="1" smtClean="0"/>
-              <a:t>grave_davinci</a:t>
-            </a:r>
+              <a:t>eq</a:t>
+            </a:r>
+            <a:r>
+              <a:rPr lang="en-US" dirty="0" smtClean="0"/>
+              <a:t> "2"</a:t>
+            </a:r>
+          </a:p>
+          <a:p>
+            <a:endParaRPr lang="en-US" dirty="0" smtClean="0"/>
+          </a:p>
+          <a:p>
+            <a:endParaRPr lang="en-US" dirty="0" smtClean="0"/>
+          </a:p>
+          <a:p>
             <a:endParaRPr lang="en-US" dirty="0"/>
           </a:p>
         </p:txBody>
@@ -8165,7 +8379,7 @@
     </p:spTree>
     <p:extLst>
       <p:ext uri="{BB962C8B-B14F-4D97-AF65-F5344CB8AC3E}">
-        <p14:creationId xmlns:p14="http://schemas.microsoft.com/office/powerpoint/2010/main" val="3435014385"/>
+        <p14:creationId xmlns:p14="http://schemas.microsoft.com/office/powerpoint/2010/main" val="2321952843"/>
       </p:ext>
     </p:extLst>
   </p:cSld>
@@ -8216,59 +8430,10 @@
         </p:nvSpPr>
         <p:spPr/>
         <p:txBody>
-          <a:bodyPr>
-            <a:normAutofit fontScale="77500" lnSpcReduction="20000"/>
-          </a:bodyPr>
-          <a:lstStyle/>
-          <a:p>
-            <a:r>
-              <a:rPr lang="en-US" dirty="0" smtClean="0"/>
-              <a:t>Run this </a:t>
-            </a:r>
-            <a:r>
-              <a:rPr lang="en-US" dirty="0" err="1" smtClean="0"/>
-              <a:t>inspec</a:t>
-            </a:r>
-            <a:r>
-              <a:rPr lang="en-US" baseline="0" dirty="0" smtClean="0"/>
-              <a:t> command using the container ID you just copied, replacing CONTAINER_ID in the example. </a:t>
-            </a:r>
-          </a:p>
-          <a:p>
-            <a:r>
-              <a:rPr lang="en-US" dirty="0" smtClean="0"/>
-              <a:t>`</a:t>
-            </a:r>
-            <a:r>
-              <a:rPr lang="en-US" dirty="0" err="1" smtClean="0"/>
-              <a:t>inspec</a:t>
-            </a:r>
-            <a:r>
-              <a:rPr lang="en-US" dirty="0" smtClean="0"/>
-              <a:t> exec ~/cookbooks/ssh/test/integration/client/</a:t>
-            </a:r>
-            <a:r>
-              <a:rPr lang="en-US" dirty="0" err="1" smtClean="0"/>
-              <a:t>inspec</a:t>
-            </a:r>
-            <a:r>
-              <a:rPr lang="en-US" dirty="0" smtClean="0"/>
-              <a:t>/</a:t>
-            </a:r>
-            <a:r>
-              <a:rPr lang="en-US" dirty="0" err="1" smtClean="0"/>
-              <a:t>client_spec.rb</a:t>
-            </a:r>
-            <a:r>
-              <a:rPr lang="en-US" dirty="0" smtClean="0"/>
-              <a:t> -t docker://CONTAINER_ID`</a:t>
-            </a:r>
-          </a:p>
-          <a:p>
-            <a:endParaRPr lang="en-US" dirty="0" smtClean="0"/>
-          </a:p>
-          <a:p>
-            <a:pPr marL="0" marR="0" indent="0" algn="l" defTabSz="1217613" rtl="0" eaLnBrk="1" fontAlgn="base" latinLnBrk="0" hangingPunct="1">
+          <a:bodyPr/>
+          <a:lstStyle/>
+          <a:p>
+            <a:pPr marL="228600" marR="0" indent="-228600" algn="l" defTabSz="1217613" rtl="0" eaLnBrk="1" fontAlgn="base" latinLnBrk="0" hangingPunct="1">
               <a:lnSpc>
                 <a:spcPct val="90000"/>
               </a:lnSpc>
@@ -8281,17 +8446,25 @@
               <a:buClrTx/>
               <a:buSzTx/>
               <a:buFontTx/>
-              <a:buNone/>
+              <a:buAutoNum type="arabicPeriod"/>
               <a:tabLst/>
               <a:defRPr/>
             </a:pPr>
             <a:r>
+              <a:rPr lang="en-US" dirty="0" smtClean="0"/>
+              <a:t>Edit the ~/cookbooks/ssh/templates/default/</a:t>
+            </a:r>
+            <a:r>
+              <a:rPr lang="en-US" dirty="0" err="1" smtClean="0"/>
+              <a:t>ssh_config.erb</a:t>
+            </a:r>
+            <a:r>
               <a:rPr lang="en-US" baseline="0" dirty="0" smtClean="0"/>
-              <a:t>Running InSpec in this way can uncover more complex issues than the basic issue we are remediating in this module.</a:t>
-            </a:r>
-          </a:p>
-          <a:p>
-            <a:pPr marL="0" marR="0" indent="0" algn="l" defTabSz="1217613" rtl="0" eaLnBrk="1" fontAlgn="base" latinLnBrk="0" hangingPunct="1">
+              <a:t> file. </a:t>
+            </a:r>
+          </a:p>
+          <a:p>
+            <a:pPr marL="228600" marR="0" indent="-228600" algn="l" defTabSz="1217613" rtl="0" eaLnBrk="1" fontAlgn="base" latinLnBrk="0" hangingPunct="1">
               <a:lnSpc>
                 <a:spcPct val="90000"/>
               </a:lnSpc>
@@ -8304,146 +8477,37 @@
               <a:buClrTx/>
               <a:buSzTx/>
               <a:buFontTx/>
-              <a:buNone/>
+              <a:buAutoNum type="arabicPeriod"/>
               <a:tabLst/>
               <a:defRPr/>
             </a:pPr>
-            <a:endParaRPr lang="en-US" dirty="0" smtClean="0"/>
-          </a:p>
-          <a:p>
-            <a:r>
-              <a:rPr lang="en-US" dirty="0" smtClean="0"/>
-              <a:t>While the image of the output</a:t>
-            </a:r>
             <a:r>
               <a:rPr lang="en-US" baseline="0" dirty="0" smtClean="0"/>
-              <a:t> </a:t>
-            </a:r>
-            <a:r>
-              <a:rPr lang="en-US" dirty="0" smtClean="0"/>
-              <a:t>may be hard to see, key parts of the</a:t>
-            </a:r>
+              <a:t>Uncomment the `#   Protocol 2,1` line.</a:t>
+            </a:r>
+          </a:p>
+          <a:p>
+            <a:pPr marL="228600" marR="0" indent="-228600" algn="l" defTabSz="1217613" rtl="0" eaLnBrk="1" fontAlgn="base" latinLnBrk="0" hangingPunct="1">
+              <a:lnSpc>
+                <a:spcPct val="90000"/>
+              </a:lnSpc>
+              <a:spcBef>
+                <a:spcPct val="30000"/>
+              </a:spcBef>
+              <a:spcAft>
+                <a:spcPts val="450"/>
+              </a:spcAft>
+              <a:buClrTx/>
+              <a:buSzTx/>
+              <a:buFontTx/>
+              <a:buAutoNum type="arabicPeriod"/>
+              <a:tabLst/>
+              <a:defRPr/>
+            </a:pPr>
             <a:r>
               <a:rPr lang="en-US" baseline="0" dirty="0" smtClean="0"/>
-              <a:t> output is also pasted below. Notice how </a:t>
-            </a:r>
-            <a:r>
-              <a:rPr lang="en-US" baseline="0" dirty="0" err="1" smtClean="0"/>
-              <a:t>inspec</a:t>
-            </a:r>
-            <a:r>
-              <a:rPr lang="en-US" baseline="0" dirty="0" smtClean="0"/>
-              <a:t> from the command line also found the "</a:t>
-            </a:r>
-            <a:r>
-              <a:rPr lang="en-US" dirty="0" smtClean="0"/>
-              <a:t>SSH Configuration Protocol should </a:t>
-            </a:r>
-            <a:r>
-              <a:rPr lang="en-US" dirty="0" err="1" smtClean="0"/>
-              <a:t>eq</a:t>
-            </a:r>
-            <a:r>
-              <a:rPr lang="en-US" dirty="0" smtClean="0"/>
-              <a:t> "2"</a:t>
-            </a:r>
-            <a:r>
-              <a:rPr lang="en-US" baseline="0" dirty="0" smtClean="0"/>
-              <a:t> non compliance issue.</a:t>
-            </a:r>
-          </a:p>
-          <a:p>
-            <a:endParaRPr lang="en-US" dirty="0" smtClean="0"/>
-          </a:p>
-          <a:p>
-            <a:r>
-              <a:rPr lang="en-US" dirty="0" smtClean="0"/>
-              <a:t>Key parts of the output is here:</a:t>
-            </a:r>
-          </a:p>
-          <a:p>
-            <a:r>
-              <a:rPr lang="en-US" dirty="0" smtClean="0"/>
-              <a:t>Failures:</a:t>
-            </a:r>
-          </a:p>
-          <a:p>
-            <a:endParaRPr lang="en-US" dirty="0" smtClean="0"/>
-          </a:p>
-          <a:p>
-            <a:r>
-              <a:rPr lang="en-US" dirty="0" smtClean="0"/>
-              <a:t>  1) SSH Configuration Protocol should </a:t>
-            </a:r>
-            <a:r>
-              <a:rPr lang="en-US" dirty="0" err="1" smtClean="0"/>
-              <a:t>eq</a:t>
-            </a:r>
-            <a:r>
-              <a:rPr lang="en-US" dirty="0" smtClean="0"/>
-              <a:t> "2"</a:t>
-            </a:r>
-          </a:p>
-          <a:p>
-            <a:r>
-              <a:rPr lang="en-US" dirty="0" smtClean="0"/>
-              <a:t>     Failure/Error: its('Protocol') { should </a:t>
-            </a:r>
-            <a:r>
-              <a:rPr lang="en-US" dirty="0" err="1" smtClean="0"/>
-              <a:t>eq</a:t>
-            </a:r>
-            <a:r>
-              <a:rPr lang="en-US" dirty="0" smtClean="0"/>
-              <a:t>('2') }</a:t>
-            </a:r>
-          </a:p>
-          <a:p>
-            <a:r>
-              <a:rPr lang="en-US" dirty="0" smtClean="0"/>
-              <a:t>expected: "2"</a:t>
-            </a:r>
-          </a:p>
-          <a:p>
-            <a:r>
-              <a:rPr lang="en-US" dirty="0" smtClean="0"/>
-              <a:t>            got: nil</a:t>
-            </a:r>
-          </a:p>
-          <a:p>
-            <a:r>
-              <a:rPr lang="en-US" dirty="0" smtClean="0"/>
-              <a:t>...</a:t>
-            </a:r>
-          </a:p>
-          <a:p>
-            <a:r>
-              <a:rPr lang="en-US" dirty="0" smtClean="0"/>
-              <a:t>Failed examples:</a:t>
-            </a:r>
-          </a:p>
-          <a:p>
-            <a:r>
-              <a:rPr lang="en-US" dirty="0" err="1" smtClean="0"/>
-              <a:t>rspec</a:t>
-            </a:r>
-            <a:r>
-              <a:rPr lang="en-US" dirty="0" smtClean="0"/>
-              <a:t>  # SSH Configuration Protocol should </a:t>
-            </a:r>
-            <a:r>
-              <a:rPr lang="en-US" dirty="0" err="1" smtClean="0"/>
-              <a:t>eq</a:t>
-            </a:r>
-            <a:r>
-              <a:rPr lang="en-US" dirty="0" smtClean="0"/>
-              <a:t> "2"</a:t>
-            </a:r>
-          </a:p>
-          <a:p>
-            <a:endParaRPr lang="en-US" dirty="0" smtClean="0"/>
-          </a:p>
-          <a:p>
+              <a:t>Change the protocol version to `2` only.</a:t>
+            </a:r>
             <a:endParaRPr lang="en-US" dirty="0" smtClean="0"/>
           </a:p>
           <a:p>
@@ -8527,7 +8591,7 @@
     </p:spTree>
     <p:extLst>
       <p:ext uri="{BB962C8B-B14F-4D97-AF65-F5344CB8AC3E}">
-        <p14:creationId xmlns:p14="http://schemas.microsoft.com/office/powerpoint/2010/main" val="2321952843"/>
+        <p14:creationId xmlns:p14="http://schemas.microsoft.com/office/powerpoint/2010/main" val="2679144512"/>
       </p:ext>
     </p:extLst>
   </p:cSld>
@@ -8581,7 +8645,7 @@
           <a:bodyPr/>
           <a:lstStyle/>
           <a:p>
-            <a:pPr marL="228600" marR="0" indent="-228600" algn="l" defTabSz="1217613" rtl="0" eaLnBrk="1" fontAlgn="base" latinLnBrk="0" hangingPunct="1">
+            <a:pPr marL="0" marR="0" indent="0" algn="l" defTabSz="1217613" rtl="0" eaLnBrk="1" fontAlgn="base" latinLnBrk="0" hangingPunct="1">
               <a:lnSpc>
                 <a:spcPct val="90000"/>
               </a:lnSpc>
@@ -8594,13 +8658,13 @@
               <a:buClrTx/>
               <a:buSzTx/>
               <a:buFontTx/>
-              <a:buAutoNum type="arabicPeriod"/>
+              <a:buNone/>
               <a:tabLst/>
               <a:defRPr/>
             </a:pPr>
             <a:r>
               <a:rPr lang="en-US" dirty="0" smtClean="0"/>
-              <a:t>Edit the ~/cookbooks/ssh/templates/default/</a:t>
+              <a:t>Results: Your ~/cookbooks/ssh/templates/default/</a:t>
             </a:r>
             <a:r>
               <a:rPr lang="en-US" dirty="0" err="1" smtClean="0"/>
@@ -8608,55 +8672,8 @@
             </a:r>
             <a:r>
               <a:rPr lang="en-US" baseline="0" dirty="0" smtClean="0"/>
-              <a:t> file. </a:t>
-            </a:r>
-          </a:p>
-          <a:p>
-            <a:pPr marL="228600" marR="0" indent="-228600" algn="l" defTabSz="1217613" rtl="0" eaLnBrk="1" fontAlgn="base" latinLnBrk="0" hangingPunct="1">
-              <a:lnSpc>
-                <a:spcPct val="90000"/>
-              </a:lnSpc>
-              <a:spcBef>
-                <a:spcPct val="30000"/>
-              </a:spcBef>
-              <a:spcAft>
-                <a:spcPts val="450"/>
-              </a:spcAft>
-              <a:buClrTx/>
-              <a:buSzTx/>
-              <a:buFontTx/>
-              <a:buAutoNum type="arabicPeriod"/>
-              <a:tabLst/>
-              <a:defRPr/>
-            </a:pPr>
-            <a:r>
-              <a:rPr lang="en-US" baseline="0" dirty="0" smtClean="0"/>
-              <a:t>Uncomment the `#   Protocol 2,1` line.</a:t>
-            </a:r>
-          </a:p>
-          <a:p>
-            <a:pPr marL="228600" marR="0" indent="-228600" algn="l" defTabSz="1217613" rtl="0" eaLnBrk="1" fontAlgn="base" latinLnBrk="0" hangingPunct="1">
-              <a:lnSpc>
-                <a:spcPct val="90000"/>
-              </a:lnSpc>
-              <a:spcBef>
-                <a:spcPct val="30000"/>
-              </a:spcBef>
-              <a:spcAft>
-                <a:spcPts val="450"/>
-              </a:spcAft>
-              <a:buClrTx/>
-              <a:buSzTx/>
-              <a:buFontTx/>
-              <a:buAutoNum type="arabicPeriod"/>
-              <a:tabLst/>
-              <a:defRPr/>
-            </a:pPr>
-            <a:r>
-              <a:rPr lang="en-US" baseline="0" dirty="0" smtClean="0"/>
-              <a:t>Change the protocol version to `2` only.</a:t>
-            </a:r>
-            <a:endParaRPr lang="en-US" dirty="0" smtClean="0"/>
+              <a:t> file's Protocol line should now look like this example.</a:t>
+            </a:r>
           </a:p>
           <a:p>
             <a:endParaRPr lang="en-US" dirty="0"/>
@@ -8739,7 +8756,7 @@
     </p:spTree>
     <p:extLst>
       <p:ext uri="{BB962C8B-B14F-4D97-AF65-F5344CB8AC3E}">
-        <p14:creationId xmlns:p14="http://schemas.microsoft.com/office/powerpoint/2010/main" val="2679144512"/>
+        <p14:creationId xmlns:p14="http://schemas.microsoft.com/office/powerpoint/2010/main" val="3645924741"/>
       </p:ext>
     </p:extLst>
   </p:cSld>
@@ -8811,20 +8828,17 @@
               <a:defRPr/>
             </a:pPr>
             <a:r>
-              <a:rPr lang="en-US" dirty="0" smtClean="0"/>
-              <a:t>Results: Your ~/cookbooks/ssh/templates/default/</a:t>
-            </a:r>
-            <a:r>
-              <a:rPr lang="en-US" dirty="0" err="1" smtClean="0"/>
-              <a:t>ssh_config.erb</a:t>
-            </a:r>
-            <a:r>
               <a:rPr lang="en-US" baseline="0" dirty="0" smtClean="0"/>
-              <a:t> file's Protocol line should now look like this example.</a:t>
-            </a:r>
-          </a:p>
-          <a:p>
-            <a:endParaRPr lang="en-US" dirty="0"/>
+              <a:t>Change to </a:t>
+            </a:r>
+            <a:r>
+              <a:rPr lang="en-US" dirty="0" smtClean="0"/>
+              <a:t>~/cookbooks/ssh if not</a:t>
+            </a:r>
+            <a:r>
+              <a:rPr lang="en-US" baseline="0" dirty="0" smtClean="0"/>
+              <a:t> there already.</a:t>
+            </a:r>
           </a:p>
         </p:txBody>
       </p:sp>
@@ -8904,7 +8918,7 @@
     </p:spTree>
     <p:extLst>
       <p:ext uri="{BB962C8B-B14F-4D97-AF65-F5344CB8AC3E}">
-        <p14:creationId xmlns:p14="http://schemas.microsoft.com/office/powerpoint/2010/main" val="3645924741"/>
+        <p14:creationId xmlns:p14="http://schemas.microsoft.com/office/powerpoint/2010/main" val="3314187838"/>
       </p:ext>
     </p:extLst>
   </p:cSld>
@@ -8955,7 +8969,9 @@
         </p:nvSpPr>
         <p:spPr/>
         <p:txBody>
-          <a:bodyPr/>
+          <a:bodyPr>
+            <a:normAutofit fontScale="77500" lnSpcReduction="20000"/>
+          </a:bodyPr>
           <a:lstStyle/>
           <a:p>
             <a:pPr marL="0" marR="0" indent="0" algn="l" defTabSz="1217613" rtl="0" eaLnBrk="1" fontAlgn="base" latinLnBrk="0" hangingPunct="1">
@@ -8976,17 +8992,465 @@
               <a:defRPr/>
             </a:pPr>
             <a:r>
+              <a:rPr lang="en-US" dirty="0" smtClean="0"/>
+              <a:t>You should now see that only Protocol version 2 is currently set</a:t>
+            </a:r>
+            <a:r>
               <a:rPr lang="en-US" baseline="0" dirty="0" smtClean="0"/>
-              <a:t>Change to </a:t>
-            </a:r>
-            <a:r>
-              <a:rPr lang="en-US" dirty="0" smtClean="0"/>
-              <a:t>~/cookbooks/ssh if not</a:t>
-            </a:r>
+              <a:t> in test kitchen. </a:t>
+            </a:r>
+          </a:p>
+          <a:p>
+            <a:pPr marL="0" marR="0" indent="0" algn="l" defTabSz="1217613" rtl="0" eaLnBrk="1" fontAlgn="base" latinLnBrk="0" hangingPunct="1">
+              <a:lnSpc>
+                <a:spcPct val="90000"/>
+              </a:lnSpc>
+              <a:spcBef>
+                <a:spcPct val="30000"/>
+              </a:spcBef>
+              <a:spcAft>
+                <a:spcPts val="450"/>
+              </a:spcAft>
+              <a:buClrTx/>
+              <a:buSzTx/>
+              <a:buFontTx/>
+              <a:buNone/>
+              <a:tabLst/>
+              <a:defRPr/>
+            </a:pPr>
+            <a:endParaRPr lang="en-US" baseline="0" dirty="0" smtClean="0"/>
+          </a:p>
+          <a:p>
+            <a:pPr marL="0" marR="0" indent="0" algn="l" defTabSz="1217613" rtl="0" eaLnBrk="1" fontAlgn="base" latinLnBrk="0" hangingPunct="1">
+              <a:lnSpc>
+                <a:spcPct val="90000"/>
+              </a:lnSpc>
+              <a:spcBef>
+                <a:spcPct val="30000"/>
+              </a:spcBef>
+              <a:spcAft>
+                <a:spcPts val="450"/>
+              </a:spcAft>
+              <a:buClrTx/>
+              <a:buSzTx/>
+              <a:buFontTx/>
+              <a:buNone/>
+              <a:tabLst/>
+              <a:defRPr/>
+            </a:pPr>
+            <a:endParaRPr lang="en-US" baseline="0" dirty="0" smtClean="0"/>
+          </a:p>
+          <a:p>
+            <a:pPr marL="0" marR="0" indent="0" algn="l" defTabSz="1217613" rtl="0" eaLnBrk="1" fontAlgn="base" latinLnBrk="0" hangingPunct="1">
+              <a:lnSpc>
+                <a:spcPct val="90000"/>
+              </a:lnSpc>
+              <a:spcBef>
+                <a:spcPct val="30000"/>
+              </a:spcBef>
+              <a:spcAft>
+                <a:spcPts val="450"/>
+              </a:spcAft>
+              <a:buClrTx/>
+              <a:buSzTx/>
+              <a:buFontTx/>
+              <a:buNone/>
+              <a:tabLst/>
+              <a:defRPr/>
+            </a:pPr>
             <a:r>
               <a:rPr lang="en-US" baseline="0" dirty="0" smtClean="0"/>
-              <a:t> there already.</a:t>
-            </a:r>
+              <a:t> - update content in file /etc/ssh/</a:t>
+            </a:r>
+            <a:r>
+              <a:rPr lang="en-US" baseline="0" dirty="0" err="1" smtClean="0"/>
+              <a:t>ssh_config</a:t>
+            </a:r>
+            <a:r>
+              <a:rPr lang="en-US" baseline="0" dirty="0" smtClean="0"/>
+              <a:t> from 86eb9b to 065f90</a:t>
+            </a:r>
+          </a:p>
+          <a:p>
+            <a:pPr marL="0" marR="0" indent="0" algn="l" defTabSz="1217613" rtl="0" eaLnBrk="1" fontAlgn="base" latinLnBrk="0" hangingPunct="1">
+              <a:lnSpc>
+                <a:spcPct val="90000"/>
+              </a:lnSpc>
+              <a:spcBef>
+                <a:spcPct val="30000"/>
+              </a:spcBef>
+              <a:spcAft>
+                <a:spcPts val="450"/>
+              </a:spcAft>
+              <a:buClrTx/>
+              <a:buSzTx/>
+              <a:buFontTx/>
+              <a:buNone/>
+              <a:tabLst/>
+              <a:defRPr/>
+            </a:pPr>
+            <a:r>
+              <a:rPr lang="en-US" baseline="0" dirty="0" smtClean="0"/>
+              <a:t>           --- /etc/ssh/</a:t>
+            </a:r>
+            <a:r>
+              <a:rPr lang="en-US" baseline="0" dirty="0" err="1" smtClean="0"/>
+              <a:t>ssh_config</a:t>
+            </a:r>
+            <a:r>
+              <a:rPr lang="en-US" baseline="0" dirty="0" smtClean="0"/>
+              <a:t>      2015-08-13 09:58:26.000000000 +0000</a:t>
+            </a:r>
+          </a:p>
+          <a:p>
+            <a:pPr marL="0" marR="0" indent="0" algn="l" defTabSz="1217613" rtl="0" eaLnBrk="1" fontAlgn="base" latinLnBrk="0" hangingPunct="1">
+              <a:lnSpc>
+                <a:spcPct val="90000"/>
+              </a:lnSpc>
+              <a:spcBef>
+                <a:spcPct val="30000"/>
+              </a:spcBef>
+              <a:spcAft>
+                <a:spcPts val="450"/>
+              </a:spcAft>
+              <a:buClrTx/>
+              <a:buSzTx/>
+              <a:buFontTx/>
+              <a:buNone/>
+              <a:tabLst/>
+              <a:defRPr/>
+            </a:pPr>
+            <a:r>
+              <a:rPr lang="en-US" baseline="0" dirty="0" smtClean="0"/>
+              <a:t>           +++ /etc/ssh/.ssh_config20151209-412-cf7gd7  2015-12-09 20:35:29.734689138 +0000</a:t>
+            </a:r>
+          </a:p>
+          <a:p>
+            <a:pPr marL="0" marR="0" indent="0" algn="l" defTabSz="1217613" rtl="0" eaLnBrk="1" fontAlgn="base" latinLnBrk="0" hangingPunct="1">
+              <a:lnSpc>
+                <a:spcPct val="90000"/>
+              </a:lnSpc>
+              <a:spcBef>
+                <a:spcPct val="30000"/>
+              </a:spcBef>
+              <a:spcAft>
+                <a:spcPts val="450"/>
+              </a:spcAft>
+              <a:buClrTx/>
+              <a:buSzTx/>
+              <a:buFontTx/>
+              <a:buNone/>
+              <a:tabLst/>
+              <a:defRPr/>
+            </a:pPr>
+            <a:r>
+              <a:rPr lang="en-US" baseline="0" dirty="0" smtClean="0"/>
+              <a:t>           @@ -37,7 +37,7 @@</a:t>
+            </a:r>
+          </a:p>
+          <a:p>
+            <a:pPr marL="0" marR="0" indent="0" algn="l" defTabSz="1217613" rtl="0" eaLnBrk="1" fontAlgn="base" latinLnBrk="0" hangingPunct="1">
+              <a:lnSpc>
+                <a:spcPct val="90000"/>
+              </a:lnSpc>
+              <a:spcBef>
+                <a:spcPct val="30000"/>
+              </a:spcBef>
+              <a:spcAft>
+                <a:spcPts val="450"/>
+              </a:spcAft>
+              <a:buClrTx/>
+              <a:buSzTx/>
+              <a:buFontTx/>
+              <a:buNone/>
+              <a:tabLst/>
+              <a:defRPr/>
+            </a:pPr>
+            <a:r>
+              <a:rPr lang="en-US" baseline="0" dirty="0" smtClean="0"/>
+              <a:t>            #   IdentityFile ~/.ssh/</a:t>
+            </a:r>
+            <a:r>
+              <a:rPr lang="en-US" baseline="0" dirty="0" err="1" smtClean="0"/>
+              <a:t>id_rsa</a:t>
+            </a:r>
+            <a:endParaRPr lang="en-US" baseline="0" dirty="0" smtClean="0"/>
+          </a:p>
+          <a:p>
+            <a:pPr marL="0" marR="0" indent="0" algn="l" defTabSz="1217613" rtl="0" eaLnBrk="1" fontAlgn="base" latinLnBrk="0" hangingPunct="1">
+              <a:lnSpc>
+                <a:spcPct val="90000"/>
+              </a:lnSpc>
+              <a:spcBef>
+                <a:spcPct val="30000"/>
+              </a:spcBef>
+              <a:spcAft>
+                <a:spcPts val="450"/>
+              </a:spcAft>
+              <a:buClrTx/>
+              <a:buSzTx/>
+              <a:buFontTx/>
+              <a:buNone/>
+              <a:tabLst/>
+              <a:defRPr/>
+            </a:pPr>
+            <a:r>
+              <a:rPr lang="en-US" baseline="0" dirty="0" smtClean="0"/>
+              <a:t>            #   IdentityFile ~/.ssh/</a:t>
+            </a:r>
+            <a:r>
+              <a:rPr lang="en-US" baseline="0" dirty="0" err="1" smtClean="0"/>
+              <a:t>id_dsa</a:t>
+            </a:r>
+            <a:endParaRPr lang="en-US" baseline="0" dirty="0" smtClean="0"/>
+          </a:p>
+          <a:p>
+            <a:pPr marL="0" marR="0" indent="0" algn="l" defTabSz="1217613" rtl="0" eaLnBrk="1" fontAlgn="base" latinLnBrk="0" hangingPunct="1">
+              <a:lnSpc>
+                <a:spcPct val="90000"/>
+              </a:lnSpc>
+              <a:spcBef>
+                <a:spcPct val="30000"/>
+              </a:spcBef>
+              <a:spcAft>
+                <a:spcPts val="450"/>
+              </a:spcAft>
+              <a:buClrTx/>
+              <a:buSzTx/>
+              <a:buFontTx/>
+              <a:buNone/>
+              <a:tabLst/>
+              <a:defRPr/>
+            </a:pPr>
+            <a:r>
+              <a:rPr lang="en-US" baseline="0" dirty="0" smtClean="0"/>
+              <a:t>            #   Port 22</a:t>
+            </a:r>
+          </a:p>
+          <a:p>
+            <a:pPr marL="0" marR="0" indent="0" algn="l" defTabSz="1217613" rtl="0" eaLnBrk="1" fontAlgn="base" latinLnBrk="0" hangingPunct="1">
+              <a:lnSpc>
+                <a:spcPct val="90000"/>
+              </a:lnSpc>
+              <a:spcBef>
+                <a:spcPct val="30000"/>
+              </a:spcBef>
+              <a:spcAft>
+                <a:spcPts val="450"/>
+              </a:spcAft>
+              <a:buClrTx/>
+              <a:buSzTx/>
+              <a:buFontTx/>
+              <a:buNone/>
+              <a:tabLst/>
+              <a:defRPr/>
+            </a:pPr>
+            <a:r>
+              <a:rPr lang="en-US" baseline="0" dirty="0" smtClean="0"/>
+              <a:t>           -#   Protocol 2,1</a:t>
+            </a:r>
+          </a:p>
+          <a:p>
+            <a:pPr marL="0" marR="0" indent="0" algn="l" defTabSz="1217613" rtl="0" eaLnBrk="1" fontAlgn="base" latinLnBrk="0" hangingPunct="1">
+              <a:lnSpc>
+                <a:spcPct val="90000"/>
+              </a:lnSpc>
+              <a:spcBef>
+                <a:spcPct val="30000"/>
+              </a:spcBef>
+              <a:spcAft>
+                <a:spcPts val="450"/>
+              </a:spcAft>
+              <a:buClrTx/>
+              <a:buSzTx/>
+              <a:buFontTx/>
+              <a:buNone/>
+              <a:tabLst/>
+              <a:defRPr/>
+            </a:pPr>
+            <a:r>
+              <a:rPr lang="en-US" baseline="0" dirty="0" smtClean="0"/>
+              <a:t>           </a:t>
+            </a:r>
+            <a:r>
+              <a:rPr lang="en-US" b="1" baseline="0" dirty="0" smtClean="0"/>
+              <a:t>+Protocol 2</a:t>
+            </a:r>
+          </a:p>
+          <a:p>
+            <a:pPr marL="0" marR="0" indent="0" algn="l" defTabSz="1217613" rtl="0" eaLnBrk="1" fontAlgn="base" latinLnBrk="0" hangingPunct="1">
+              <a:lnSpc>
+                <a:spcPct val="90000"/>
+              </a:lnSpc>
+              <a:spcBef>
+                <a:spcPct val="30000"/>
+              </a:spcBef>
+              <a:spcAft>
+                <a:spcPts val="450"/>
+              </a:spcAft>
+              <a:buClrTx/>
+              <a:buSzTx/>
+              <a:buFontTx/>
+              <a:buNone/>
+              <a:tabLst/>
+              <a:defRPr/>
+            </a:pPr>
+            <a:r>
+              <a:rPr lang="en-US" baseline="0" dirty="0" smtClean="0"/>
+              <a:t>            #   Cipher 3des</a:t>
+            </a:r>
+          </a:p>
+          <a:p>
+            <a:pPr marL="0" marR="0" indent="0" algn="l" defTabSz="1217613" rtl="0" eaLnBrk="1" fontAlgn="base" latinLnBrk="0" hangingPunct="1">
+              <a:lnSpc>
+                <a:spcPct val="90000"/>
+              </a:lnSpc>
+              <a:spcBef>
+                <a:spcPct val="30000"/>
+              </a:spcBef>
+              <a:spcAft>
+                <a:spcPts val="450"/>
+              </a:spcAft>
+              <a:buClrTx/>
+              <a:buSzTx/>
+              <a:buFontTx/>
+              <a:buNone/>
+              <a:tabLst/>
+              <a:defRPr/>
+            </a:pPr>
+            <a:r>
+              <a:rPr lang="en-US" baseline="0" dirty="0" smtClean="0"/>
+              <a:t>            #   Ciphers aes128-ctr,aes192-ctr,aes256-ctr,arcfour256,arcfour128,aes128-cbc,3des-cbc</a:t>
+            </a:r>
+          </a:p>
+          <a:p>
+            <a:pPr marL="0" marR="0" indent="0" algn="l" defTabSz="1217613" rtl="0" eaLnBrk="1" fontAlgn="base" latinLnBrk="0" hangingPunct="1">
+              <a:lnSpc>
+                <a:spcPct val="90000"/>
+              </a:lnSpc>
+              <a:spcBef>
+                <a:spcPct val="30000"/>
+              </a:spcBef>
+              <a:spcAft>
+                <a:spcPts val="450"/>
+              </a:spcAft>
+              <a:buClrTx/>
+              <a:buSzTx/>
+              <a:buFontTx/>
+              <a:buNone/>
+              <a:tabLst/>
+              <a:defRPr/>
+            </a:pPr>
+            <a:endParaRPr lang="en-US" baseline="0" dirty="0" smtClean="0"/>
+          </a:p>
+          <a:p>
+            <a:pPr marL="0" marR="0" indent="0" algn="l" defTabSz="1217613" rtl="0" eaLnBrk="1" fontAlgn="base" latinLnBrk="0" hangingPunct="1">
+              <a:lnSpc>
+                <a:spcPct val="90000"/>
+              </a:lnSpc>
+              <a:spcBef>
+                <a:spcPct val="30000"/>
+              </a:spcBef>
+              <a:spcAft>
+                <a:spcPts val="450"/>
+              </a:spcAft>
+              <a:buClrTx/>
+              <a:buSzTx/>
+              <a:buFontTx/>
+              <a:buNone/>
+              <a:tabLst/>
+              <a:defRPr/>
+            </a:pPr>
+            <a:r>
+              <a:rPr lang="en-US" baseline="0" dirty="0" smtClean="0"/>
+              <a:t>       Running handlers:</a:t>
+            </a:r>
+          </a:p>
+          <a:p>
+            <a:pPr marL="0" marR="0" indent="0" algn="l" defTabSz="1217613" rtl="0" eaLnBrk="1" fontAlgn="base" latinLnBrk="0" hangingPunct="1">
+              <a:lnSpc>
+                <a:spcPct val="90000"/>
+              </a:lnSpc>
+              <a:spcBef>
+                <a:spcPct val="30000"/>
+              </a:spcBef>
+              <a:spcAft>
+                <a:spcPts val="450"/>
+              </a:spcAft>
+              <a:buClrTx/>
+              <a:buSzTx/>
+              <a:buFontTx/>
+              <a:buNone/>
+              <a:tabLst/>
+              <a:defRPr/>
+            </a:pPr>
+            <a:endParaRPr lang="en-US" baseline="0" dirty="0" smtClean="0"/>
+          </a:p>
+          <a:p>
+            <a:pPr marL="0" marR="0" indent="0" algn="l" defTabSz="1217613" rtl="0" eaLnBrk="1" fontAlgn="base" latinLnBrk="0" hangingPunct="1">
+              <a:lnSpc>
+                <a:spcPct val="90000"/>
+              </a:lnSpc>
+              <a:spcBef>
+                <a:spcPct val="30000"/>
+              </a:spcBef>
+              <a:spcAft>
+                <a:spcPts val="450"/>
+              </a:spcAft>
+              <a:buClrTx/>
+              <a:buSzTx/>
+              <a:buFontTx/>
+              <a:buNone/>
+              <a:tabLst/>
+              <a:defRPr/>
+            </a:pPr>
+            <a:r>
+              <a:rPr lang="en-US" baseline="0" dirty="0" smtClean="0"/>
+              <a:t>       Chef Client finished, 3/3 resources updated in 03 seconds</a:t>
+            </a:r>
+          </a:p>
+          <a:p>
+            <a:pPr marL="0" marR="0" indent="0" algn="l" defTabSz="1217613" rtl="0" eaLnBrk="1" fontAlgn="base" latinLnBrk="0" hangingPunct="1">
+              <a:lnSpc>
+                <a:spcPct val="90000"/>
+              </a:lnSpc>
+              <a:spcBef>
+                <a:spcPct val="30000"/>
+              </a:spcBef>
+              <a:spcAft>
+                <a:spcPts val="450"/>
+              </a:spcAft>
+              <a:buClrTx/>
+              <a:buSzTx/>
+              <a:buFontTx/>
+              <a:buNone/>
+              <a:tabLst/>
+              <a:defRPr/>
+            </a:pPr>
+            <a:r>
+              <a:rPr lang="en-US" baseline="0" dirty="0" smtClean="0"/>
+              <a:t>       Finished converging &lt;client-centos-67&gt; (0m8.22s).</a:t>
+            </a:r>
+          </a:p>
+          <a:p>
+            <a:pPr marL="0" marR="0" indent="0" algn="l" defTabSz="1217613" rtl="0" eaLnBrk="1" fontAlgn="base" latinLnBrk="0" hangingPunct="1">
+              <a:lnSpc>
+                <a:spcPct val="90000"/>
+              </a:lnSpc>
+              <a:spcBef>
+                <a:spcPct val="30000"/>
+              </a:spcBef>
+              <a:spcAft>
+                <a:spcPts val="450"/>
+              </a:spcAft>
+              <a:buClrTx/>
+              <a:buSzTx/>
+              <a:buFontTx/>
+              <a:buNone/>
+              <a:tabLst/>
+              <a:defRPr/>
+            </a:pPr>
+            <a:endParaRPr lang="en-US" baseline="0" dirty="0" smtClean="0"/>
           </a:p>
         </p:txBody>
       </p:sp>
@@ -9066,7 +9530,7 @@
     </p:spTree>
     <p:extLst>
       <p:ext uri="{BB962C8B-B14F-4D97-AF65-F5344CB8AC3E}">
-        <p14:creationId xmlns:p14="http://schemas.microsoft.com/office/powerpoint/2010/main" val="3314187838"/>
+        <p14:creationId xmlns:p14="http://schemas.microsoft.com/office/powerpoint/2010/main" val="2354239035"/>
       </p:ext>
     </p:extLst>
   </p:cSld>
@@ -9283,487 +9747,93 @@
         <p:spPr/>
         <p:txBody>
           <a:bodyPr>
-            <a:normAutofit fontScale="77500" lnSpcReduction="20000"/>
+            <a:normAutofit/>
           </a:bodyPr>
           <a:lstStyle/>
           <a:p>
-            <a:pPr marL="0" marR="0" indent="0" algn="l" defTabSz="1217613" rtl="0" eaLnBrk="1" fontAlgn="base" latinLnBrk="0" hangingPunct="1">
-              <a:lnSpc>
-                <a:spcPct val="90000"/>
-              </a:lnSpc>
-              <a:spcBef>
-                <a:spcPct val="30000"/>
-              </a:spcBef>
-              <a:spcAft>
-                <a:spcPts val="450"/>
-              </a:spcAft>
-              <a:buClrTx/>
-              <a:buSzTx/>
-              <a:buFontTx/>
-              <a:buNone/>
-              <a:tabLst/>
-              <a:defRPr/>
-            </a:pPr>
-            <a:r>
-              <a:rPr lang="en-US" dirty="0" smtClean="0"/>
-              <a:t>You should now see that only Protocol version 2 is currently set</a:t>
+            <a:r>
+              <a:rPr lang="en-US" dirty="0" smtClean="0"/>
+              <a:t>Run this </a:t>
+            </a:r>
+            <a:r>
+              <a:rPr lang="en-US" dirty="0" err="1" smtClean="0"/>
+              <a:t>inspec</a:t>
             </a:r>
             <a:r>
               <a:rPr lang="en-US" baseline="0" dirty="0" smtClean="0"/>
-              <a:t> in test kitchen. </a:t>
-            </a:r>
-          </a:p>
-          <a:p>
-            <a:pPr marL="0" marR="0" indent="0" algn="l" defTabSz="1217613" rtl="0" eaLnBrk="1" fontAlgn="base" latinLnBrk="0" hangingPunct="1">
-              <a:lnSpc>
-                <a:spcPct val="90000"/>
-              </a:lnSpc>
-              <a:spcBef>
-                <a:spcPct val="30000"/>
-              </a:spcBef>
-              <a:spcAft>
-                <a:spcPts val="450"/>
-              </a:spcAft>
-              <a:buClrTx/>
-              <a:buSzTx/>
-              <a:buFontTx/>
-              <a:buNone/>
-              <a:tabLst/>
-              <a:defRPr/>
-            </a:pPr>
+              <a:t> command again using the container ID you copied previously, replacing CONTAINER_ID in the example.</a:t>
+            </a:r>
+          </a:p>
+          <a:p>
             <a:endParaRPr lang="en-US" baseline="0" dirty="0" smtClean="0"/>
           </a:p>
           <a:p>
-            <a:pPr marL="0" marR="0" indent="0" algn="l" defTabSz="1217613" rtl="0" eaLnBrk="1" fontAlgn="base" latinLnBrk="0" hangingPunct="1">
-              <a:lnSpc>
-                <a:spcPct val="90000"/>
-              </a:lnSpc>
-              <a:spcBef>
-                <a:spcPct val="30000"/>
-              </a:spcBef>
-              <a:spcAft>
-                <a:spcPts val="450"/>
-              </a:spcAft>
-              <a:buClrTx/>
-              <a:buSzTx/>
-              <a:buFontTx/>
-              <a:buNone/>
-              <a:tabLst/>
-              <a:defRPr/>
-            </a:pPr>
-            <a:endParaRPr lang="en-US" baseline="0" dirty="0" smtClean="0"/>
-          </a:p>
-          <a:p>
-            <a:pPr marL="0" marR="0" indent="0" algn="l" defTabSz="1217613" rtl="0" eaLnBrk="1" fontAlgn="base" latinLnBrk="0" hangingPunct="1">
-              <a:lnSpc>
-                <a:spcPct val="90000"/>
-              </a:lnSpc>
-              <a:spcBef>
-                <a:spcPct val="30000"/>
-              </a:spcBef>
-              <a:spcAft>
-                <a:spcPts val="450"/>
-              </a:spcAft>
-              <a:buClrTx/>
-              <a:buSzTx/>
-              <a:buFontTx/>
-              <a:buNone/>
-              <a:tabLst/>
-              <a:defRPr/>
-            </a:pPr>
+            <a:r>
+              <a:rPr lang="en-US" dirty="0" smtClean="0"/>
+              <a:t>`</a:t>
+            </a:r>
+            <a:r>
+              <a:rPr lang="en-US" dirty="0" err="1" smtClean="0"/>
+              <a:t>inspec</a:t>
+            </a:r>
+            <a:r>
+              <a:rPr lang="en-US" dirty="0" smtClean="0"/>
+              <a:t> exec ~/cookbooks/ssh/test/integration/client/</a:t>
+            </a:r>
+            <a:r>
+              <a:rPr lang="en-US" dirty="0" err="1" smtClean="0"/>
+              <a:t>inspec</a:t>
+            </a:r>
+            <a:r>
+              <a:rPr lang="en-US" dirty="0" smtClean="0"/>
+              <a:t>/</a:t>
+            </a:r>
+            <a:r>
+              <a:rPr lang="en-US" dirty="0" err="1" smtClean="0"/>
+              <a:t>client_spec.rb</a:t>
+            </a:r>
+            <a:r>
+              <a:rPr lang="en-US" dirty="0" smtClean="0"/>
+              <a:t> -t docker://CONTAINER_ID`</a:t>
+            </a:r>
+          </a:p>
+          <a:p>
+            <a:endParaRPr lang="en-US" dirty="0" smtClean="0"/>
+          </a:p>
+          <a:p>
+            <a:r>
+              <a:rPr lang="en-US" dirty="0" smtClean="0"/>
+              <a:t>You should now see that the</a:t>
+            </a:r>
             <a:r>
               <a:rPr lang="en-US" baseline="0" dirty="0" smtClean="0"/>
-              <a:t> - update content in file /etc/ssh/</a:t>
-            </a:r>
-            <a:r>
-              <a:rPr lang="en-US" baseline="0" dirty="0" err="1" smtClean="0"/>
-              <a:t>ssh_config</a:t>
+              <a:t> test</a:t>
+            </a:r>
+            <a:r>
+              <a:rPr lang="en-US" dirty="0" smtClean="0"/>
+              <a:t> has passed. In</a:t>
             </a:r>
             <a:r>
               <a:rPr lang="en-US" baseline="0" dirty="0" smtClean="0"/>
-              <a:t> from 86eb9b to 065f90</a:t>
-            </a:r>
-          </a:p>
-          <a:p>
-            <a:pPr marL="0" marR="0" indent="0" algn="l" defTabSz="1217613" rtl="0" eaLnBrk="1" fontAlgn="base" latinLnBrk="0" hangingPunct="1">
-              <a:lnSpc>
-                <a:spcPct val="90000"/>
-              </a:lnSpc>
-              <a:spcBef>
-                <a:spcPct val="30000"/>
-              </a:spcBef>
-              <a:spcAft>
-                <a:spcPts val="450"/>
-              </a:spcAft>
-              <a:buClrTx/>
-              <a:buSzTx/>
-              <a:buFontTx/>
-              <a:buNone/>
-              <a:tabLst/>
-              <a:defRPr/>
-            </a:pPr>
+              <a:t> addition to the output text that says there were 0 failures, th</a:t>
+            </a:r>
+            <a:r>
+              <a:rPr lang="en-US" dirty="0" smtClean="0"/>
+              <a:t>e single dot at the top-left of the output means there</a:t>
+            </a:r>
             <a:r>
               <a:rPr lang="en-US" baseline="0" dirty="0" smtClean="0"/>
-              <a:t>           --- /etc/ssh/</a:t>
-            </a:r>
-            <a:r>
-              <a:rPr lang="en-US" baseline="0" dirty="0" err="1" smtClean="0"/>
-              <a:t>ssh_config</a:t>
+              <a:t> was </a:t>
+            </a:r>
+            <a:r>
+              <a:rPr lang="en-US" dirty="0" smtClean="0"/>
+              <a:t>one</a:t>
             </a:r>
             <a:r>
               <a:rPr lang="en-US" baseline="0" dirty="0" smtClean="0"/>
-              <a:t>      2015-08-13 09:58:26.000000000 +0000</a:t>
-            </a:r>
-          </a:p>
-          <a:p>
-            <a:pPr marL="0" marR="0" indent="0" algn="l" defTabSz="1217613" rtl="0" eaLnBrk="1" fontAlgn="base" latinLnBrk="0" hangingPunct="1">
-              <a:lnSpc>
-                <a:spcPct val="90000"/>
-              </a:lnSpc>
-              <a:spcBef>
-                <a:spcPct val="30000"/>
-              </a:spcBef>
-              <a:spcAft>
-                <a:spcPts val="450"/>
-              </a:spcAft>
-              <a:buClrTx/>
-              <a:buSzTx/>
-              <a:buFontTx/>
-              <a:buNone/>
-              <a:tabLst/>
-              <a:defRPr/>
-            </a:pPr>
-            <a:r>
-              <a:rPr lang="en-US" baseline="0" dirty="0" smtClean="0"/>
-              <a:t>           +++ /etc/ssh/.ssh_config20151209-412-cf7gd7  2015-12-09 20:35:29.734689138 +0000</a:t>
-            </a:r>
-          </a:p>
-          <a:p>
-            <a:pPr marL="0" marR="0" indent="0" algn="l" defTabSz="1217613" rtl="0" eaLnBrk="1" fontAlgn="base" latinLnBrk="0" hangingPunct="1">
-              <a:lnSpc>
-                <a:spcPct val="90000"/>
-              </a:lnSpc>
-              <a:spcBef>
-                <a:spcPct val="30000"/>
-              </a:spcBef>
-              <a:spcAft>
-                <a:spcPts val="450"/>
-              </a:spcAft>
-              <a:buClrTx/>
-              <a:buSzTx/>
-              <a:buFontTx/>
-              <a:buNone/>
-              <a:tabLst/>
-              <a:defRPr/>
-            </a:pPr>
-            <a:r>
-              <a:rPr lang="en-US" baseline="0" dirty="0" smtClean="0"/>
-              <a:t>           @@ -37,7 +37,7 @@</a:t>
-            </a:r>
-          </a:p>
-          <a:p>
-            <a:pPr marL="0" marR="0" indent="0" algn="l" defTabSz="1217613" rtl="0" eaLnBrk="1" fontAlgn="base" latinLnBrk="0" hangingPunct="1">
-              <a:lnSpc>
-                <a:spcPct val="90000"/>
-              </a:lnSpc>
-              <a:spcBef>
-                <a:spcPct val="30000"/>
-              </a:spcBef>
-              <a:spcAft>
-                <a:spcPts val="450"/>
-              </a:spcAft>
-              <a:buClrTx/>
-              <a:buSzTx/>
-              <a:buFontTx/>
-              <a:buNone/>
-              <a:tabLst/>
-              <a:defRPr/>
-            </a:pPr>
-            <a:r>
-              <a:rPr lang="en-US" baseline="0" dirty="0" smtClean="0"/>
-              <a:t>            #   IdentityFile ~/.ssh/</a:t>
-            </a:r>
-            <a:r>
-              <a:rPr lang="en-US" baseline="0" dirty="0" err="1" smtClean="0"/>
-              <a:t>id_rsa</a:t>
-            </a:r>
-            <a:endParaRPr lang="en-US" baseline="0" dirty="0" smtClean="0"/>
-          </a:p>
-          <a:p>
-            <a:pPr marL="0" marR="0" indent="0" algn="l" defTabSz="1217613" rtl="0" eaLnBrk="1" fontAlgn="base" latinLnBrk="0" hangingPunct="1">
-              <a:lnSpc>
-                <a:spcPct val="90000"/>
-              </a:lnSpc>
-              <a:spcBef>
-                <a:spcPct val="30000"/>
-              </a:spcBef>
-              <a:spcAft>
-                <a:spcPts val="450"/>
-              </a:spcAft>
-              <a:buClrTx/>
-              <a:buSzTx/>
-              <a:buFontTx/>
-              <a:buNone/>
-              <a:tabLst/>
-              <a:defRPr/>
-            </a:pPr>
-            <a:r>
-              <a:rPr lang="en-US" baseline="0" dirty="0" smtClean="0"/>
-              <a:t>            #   IdentityFile ~/.ssh/</a:t>
-            </a:r>
-            <a:r>
-              <a:rPr lang="en-US" baseline="0" dirty="0" err="1" smtClean="0"/>
-              <a:t>id_dsa</a:t>
-            </a:r>
-            <a:endParaRPr lang="en-US" baseline="0" dirty="0" smtClean="0"/>
-          </a:p>
-          <a:p>
-            <a:pPr marL="0" marR="0" indent="0" algn="l" defTabSz="1217613" rtl="0" eaLnBrk="1" fontAlgn="base" latinLnBrk="0" hangingPunct="1">
-              <a:lnSpc>
-                <a:spcPct val="90000"/>
-              </a:lnSpc>
-              <a:spcBef>
-                <a:spcPct val="30000"/>
-              </a:spcBef>
-              <a:spcAft>
-                <a:spcPts val="450"/>
-              </a:spcAft>
-              <a:buClrTx/>
-              <a:buSzTx/>
-              <a:buFontTx/>
-              <a:buNone/>
-              <a:tabLst/>
-              <a:defRPr/>
-            </a:pPr>
-            <a:r>
-              <a:rPr lang="en-US" baseline="0" dirty="0" smtClean="0"/>
-              <a:t>            #   Port 22</a:t>
-            </a:r>
-          </a:p>
-          <a:p>
-            <a:pPr marL="0" marR="0" indent="0" algn="l" defTabSz="1217613" rtl="0" eaLnBrk="1" fontAlgn="base" latinLnBrk="0" hangingPunct="1">
-              <a:lnSpc>
-                <a:spcPct val="90000"/>
-              </a:lnSpc>
-              <a:spcBef>
-                <a:spcPct val="30000"/>
-              </a:spcBef>
-              <a:spcAft>
-                <a:spcPts val="450"/>
-              </a:spcAft>
-              <a:buClrTx/>
-              <a:buSzTx/>
-              <a:buFontTx/>
-              <a:buNone/>
-              <a:tabLst/>
-              <a:defRPr/>
-            </a:pPr>
-            <a:r>
-              <a:rPr lang="en-US" baseline="0" dirty="0" smtClean="0"/>
-              <a:t>           -#   Protocol 2,1</a:t>
-            </a:r>
-          </a:p>
-          <a:p>
-            <a:pPr marL="0" marR="0" indent="0" algn="l" defTabSz="1217613" rtl="0" eaLnBrk="1" fontAlgn="base" latinLnBrk="0" hangingPunct="1">
-              <a:lnSpc>
-                <a:spcPct val="90000"/>
-              </a:lnSpc>
-              <a:spcBef>
-                <a:spcPct val="30000"/>
-              </a:spcBef>
-              <a:spcAft>
-                <a:spcPts val="450"/>
-              </a:spcAft>
-              <a:buClrTx/>
-              <a:buSzTx/>
-              <a:buFontTx/>
-              <a:buNone/>
-              <a:tabLst/>
-              <a:defRPr/>
-            </a:pPr>
-            <a:r>
-              <a:rPr lang="en-US" baseline="0" dirty="0" smtClean="0"/>
-              <a:t>           </a:t>
-            </a:r>
-            <a:r>
-              <a:rPr lang="en-US" b="1" baseline="0" dirty="0" smtClean="0"/>
-              <a:t>+Protocol 2</a:t>
-            </a:r>
-          </a:p>
-          <a:p>
-            <a:pPr marL="0" marR="0" indent="0" algn="l" defTabSz="1217613" rtl="0" eaLnBrk="1" fontAlgn="base" latinLnBrk="0" hangingPunct="1">
-              <a:lnSpc>
-                <a:spcPct val="90000"/>
-              </a:lnSpc>
-              <a:spcBef>
-                <a:spcPct val="30000"/>
-              </a:spcBef>
-              <a:spcAft>
-                <a:spcPts val="450"/>
-              </a:spcAft>
-              <a:buClrTx/>
-              <a:buSzTx/>
-              <a:buFontTx/>
-              <a:buNone/>
-              <a:tabLst/>
-              <a:defRPr/>
-            </a:pPr>
-            <a:r>
-              <a:rPr lang="en-US" baseline="0" dirty="0" smtClean="0"/>
-              <a:t>            #   Cipher 3des</a:t>
-            </a:r>
-          </a:p>
-          <a:p>
-            <a:pPr marL="0" marR="0" indent="0" algn="l" defTabSz="1217613" rtl="0" eaLnBrk="1" fontAlgn="base" latinLnBrk="0" hangingPunct="1">
-              <a:lnSpc>
-                <a:spcPct val="90000"/>
-              </a:lnSpc>
-              <a:spcBef>
-                <a:spcPct val="30000"/>
-              </a:spcBef>
-              <a:spcAft>
-                <a:spcPts val="450"/>
-              </a:spcAft>
-              <a:buClrTx/>
-              <a:buSzTx/>
-              <a:buFontTx/>
-              <a:buNone/>
-              <a:tabLst/>
-              <a:defRPr/>
-            </a:pPr>
-            <a:r>
-              <a:rPr lang="en-US" baseline="0" dirty="0" smtClean="0"/>
-              <a:t>            #   Ciphers aes128-ctr,aes192-ctr,aes256-ctr,arcfour256,arcfour128,aes128-cbc,3des-cbc</a:t>
-            </a:r>
-          </a:p>
-          <a:p>
-            <a:pPr marL="0" marR="0" indent="0" algn="l" defTabSz="1217613" rtl="0" eaLnBrk="1" fontAlgn="base" latinLnBrk="0" hangingPunct="1">
-              <a:lnSpc>
-                <a:spcPct val="90000"/>
-              </a:lnSpc>
-              <a:spcBef>
-                <a:spcPct val="30000"/>
-              </a:spcBef>
-              <a:spcAft>
-                <a:spcPts val="450"/>
-              </a:spcAft>
-              <a:buClrTx/>
-              <a:buSzTx/>
-              <a:buFontTx/>
-              <a:buNone/>
-              <a:tabLst/>
-              <a:defRPr/>
-            </a:pPr>
-            <a:endParaRPr lang="en-US" baseline="0" dirty="0" smtClean="0"/>
-          </a:p>
-          <a:p>
-            <a:pPr marL="0" marR="0" indent="0" algn="l" defTabSz="1217613" rtl="0" eaLnBrk="1" fontAlgn="base" latinLnBrk="0" hangingPunct="1">
-              <a:lnSpc>
-                <a:spcPct val="90000"/>
-              </a:lnSpc>
-              <a:spcBef>
-                <a:spcPct val="30000"/>
-              </a:spcBef>
-              <a:spcAft>
-                <a:spcPts val="450"/>
-              </a:spcAft>
-              <a:buClrTx/>
-              <a:buSzTx/>
-              <a:buFontTx/>
-              <a:buNone/>
-              <a:tabLst/>
-              <a:defRPr/>
-            </a:pPr>
-            <a:r>
-              <a:rPr lang="en-US" baseline="0" dirty="0" smtClean="0"/>
-              <a:t>       Running handlers:</a:t>
-            </a:r>
-          </a:p>
-          <a:p>
-            <a:pPr marL="0" marR="0" indent="0" algn="l" defTabSz="1217613" rtl="0" eaLnBrk="1" fontAlgn="base" latinLnBrk="0" hangingPunct="1">
-              <a:lnSpc>
-                <a:spcPct val="90000"/>
-              </a:lnSpc>
-              <a:spcBef>
-                <a:spcPct val="30000"/>
-              </a:spcBef>
-              <a:spcAft>
-                <a:spcPts val="450"/>
-              </a:spcAft>
-              <a:buClrTx/>
-              <a:buSzTx/>
-              <a:buFontTx/>
-              <a:buNone/>
-              <a:tabLst/>
-              <a:defRPr/>
-            </a:pPr>
-            <a:endParaRPr lang="en-US" baseline="0" dirty="0" smtClean="0"/>
-          </a:p>
-          <a:p>
-            <a:pPr marL="0" marR="0" indent="0" algn="l" defTabSz="1217613" rtl="0" eaLnBrk="1" fontAlgn="base" latinLnBrk="0" hangingPunct="1">
-              <a:lnSpc>
-                <a:spcPct val="90000"/>
-              </a:lnSpc>
-              <a:spcBef>
-                <a:spcPct val="30000"/>
-              </a:spcBef>
-              <a:spcAft>
-                <a:spcPts val="450"/>
-              </a:spcAft>
-              <a:buClrTx/>
-              <a:buSzTx/>
-              <a:buFontTx/>
-              <a:buNone/>
-              <a:tabLst/>
-              <a:defRPr/>
-            </a:pPr>
-            <a:r>
-              <a:rPr lang="en-US" baseline="0" dirty="0" smtClean="0"/>
-              <a:t>       Chef Client finished, 3/3 resources updated in 03 seconds</a:t>
-            </a:r>
-          </a:p>
-          <a:p>
-            <a:pPr marL="0" marR="0" indent="0" algn="l" defTabSz="1217613" rtl="0" eaLnBrk="1" fontAlgn="base" latinLnBrk="0" hangingPunct="1">
-              <a:lnSpc>
-                <a:spcPct val="90000"/>
-              </a:lnSpc>
-              <a:spcBef>
-                <a:spcPct val="30000"/>
-              </a:spcBef>
-              <a:spcAft>
-                <a:spcPts val="450"/>
-              </a:spcAft>
-              <a:buClrTx/>
-              <a:buSzTx/>
-              <a:buFontTx/>
-              <a:buNone/>
-              <a:tabLst/>
-              <a:defRPr/>
-            </a:pPr>
-            <a:r>
-              <a:rPr lang="en-US" baseline="0" dirty="0" smtClean="0"/>
-              <a:t>       Finished converging &lt;client-centos-67&gt; (0m8.22s).</a:t>
-            </a:r>
-          </a:p>
-          <a:p>
-            <a:pPr marL="0" marR="0" indent="0" algn="l" defTabSz="1217613" rtl="0" eaLnBrk="1" fontAlgn="base" latinLnBrk="0" hangingPunct="1">
-              <a:lnSpc>
-                <a:spcPct val="90000"/>
-              </a:lnSpc>
-              <a:spcBef>
-                <a:spcPct val="30000"/>
-              </a:spcBef>
-              <a:spcAft>
-                <a:spcPts val="450"/>
-              </a:spcAft>
-              <a:buClrTx/>
-              <a:buSzTx/>
-              <a:buFontTx/>
-              <a:buNone/>
-              <a:tabLst/>
-              <a:defRPr/>
-            </a:pPr>
-            <a:endParaRPr lang="en-US" baseline="0" dirty="0" smtClean="0"/>
+              <a:t> test made and that it passed.</a:t>
+            </a:r>
+            <a:endParaRPr lang="en-US" dirty="0" smtClean="0"/>
           </a:p>
         </p:txBody>
       </p:sp>
@@ -9843,7 +9913,7 @@
     </p:spTree>
     <p:extLst>
       <p:ext uri="{BB962C8B-B14F-4D97-AF65-F5344CB8AC3E}">
-        <p14:creationId xmlns:p14="http://schemas.microsoft.com/office/powerpoint/2010/main" val="2354239035"/>
+        <p14:creationId xmlns:p14="http://schemas.microsoft.com/office/powerpoint/2010/main" val="2321952843"/>
       </p:ext>
     </p:extLst>
   </p:cSld>
@@ -9899,89 +9969,127 @@
           </a:bodyPr>
           <a:lstStyle/>
           <a:p>
-            <a:r>
-              <a:rPr lang="en-US" dirty="0" smtClean="0"/>
-              <a:t>Run this </a:t>
-            </a:r>
-            <a:r>
-              <a:rPr lang="en-US" dirty="0" err="1" smtClean="0"/>
-              <a:t>inspec</a:t>
+            <a:pPr marL="0" marR="0" indent="0" algn="l" defTabSz="1217613" rtl="0" eaLnBrk="1" fontAlgn="base" latinLnBrk="0" hangingPunct="1">
+              <a:lnSpc>
+                <a:spcPct val="90000"/>
+              </a:lnSpc>
+              <a:spcBef>
+                <a:spcPct val="30000"/>
+              </a:spcBef>
+              <a:spcAft>
+                <a:spcPts val="450"/>
+              </a:spcAft>
+              <a:buClrTx/>
+              <a:buSzTx/>
+              <a:buFontTx/>
+              <a:buNone/>
+              <a:tabLst/>
+              <a:defRPr/>
+            </a:pPr>
+            <a:r>
+              <a:rPr lang="en-US" dirty="0" smtClean="0"/>
+              <a:t>Now we</a:t>
             </a:r>
             <a:r>
               <a:rPr lang="en-US" baseline="0" dirty="0" smtClean="0"/>
-              <a:t> command again using the container ID you copied previously, replacing CONTAINER_ID in the example.</a:t>
-            </a:r>
-          </a:p>
-          <a:p>
+              <a:t> need to actually apply the change to the node. We'll do this using </a:t>
+            </a:r>
+            <a:r>
+              <a:rPr lang="en-US" dirty="0" smtClean="0"/>
+              <a:t>chef-client in local mode. You should then see that only Protocol version 2 is currently set</a:t>
+            </a:r>
+            <a:r>
+              <a:rPr lang="en-US" baseline="0" dirty="0" smtClean="0"/>
+              <a:t> on the node. </a:t>
+            </a:r>
+            <a:endParaRPr lang="en-US" dirty="0" smtClean="0"/>
+          </a:p>
+          <a:p>
+            <a:pPr marL="0" marR="0" indent="0" algn="l" defTabSz="1217613" rtl="0" eaLnBrk="1" fontAlgn="base" latinLnBrk="0" hangingPunct="1">
+              <a:lnSpc>
+                <a:spcPct val="90000"/>
+              </a:lnSpc>
+              <a:spcBef>
+                <a:spcPct val="30000"/>
+              </a:spcBef>
+              <a:spcAft>
+                <a:spcPts val="450"/>
+              </a:spcAft>
+              <a:buClrTx/>
+              <a:buSzTx/>
+              <a:buFontTx/>
+              <a:buNone/>
+              <a:tabLst/>
+              <a:defRPr/>
+            </a:pPr>
+            <a:endParaRPr lang="en-US" dirty="0" smtClean="0"/>
+          </a:p>
+          <a:p>
+            <a:pPr marL="0" marR="0" indent="0" algn="l" defTabSz="1217613" rtl="0" eaLnBrk="1" fontAlgn="base" latinLnBrk="0" hangingPunct="1">
+              <a:lnSpc>
+                <a:spcPct val="90000"/>
+              </a:lnSpc>
+              <a:spcBef>
+                <a:spcPct val="30000"/>
+              </a:spcBef>
+              <a:spcAft>
+                <a:spcPts val="450"/>
+              </a:spcAft>
+              <a:buClrTx/>
+              <a:buSzTx/>
+              <a:buFontTx/>
+              <a:buNone/>
+              <a:tabLst/>
+              <a:defRPr/>
+            </a:pPr>
+            <a:r>
+              <a:rPr lang="en-US" dirty="0" smtClean="0"/>
+              <a:t>Of course</a:t>
+            </a:r>
+            <a:r>
+              <a:rPr lang="en-US" baseline="0" dirty="0" smtClean="0"/>
+              <a:t> in a production environment chef-client would most likely be set to run automatically to download and converge these changes from Chef Server.</a:t>
+            </a:r>
+          </a:p>
+          <a:p>
+            <a:pPr marL="0" marR="0" indent="0" algn="l" defTabSz="1217613" rtl="0" eaLnBrk="1" fontAlgn="base" latinLnBrk="0" hangingPunct="1">
+              <a:lnSpc>
+                <a:spcPct val="90000"/>
+              </a:lnSpc>
+              <a:spcBef>
+                <a:spcPct val="30000"/>
+              </a:spcBef>
+              <a:spcAft>
+                <a:spcPts val="450"/>
+              </a:spcAft>
+              <a:buClrTx/>
+              <a:buSzTx/>
+              <a:buFontTx/>
+              <a:buNone/>
+              <a:tabLst/>
+              <a:defRPr/>
+            </a:pPr>
             <a:endParaRPr lang="en-US" baseline="0" dirty="0" smtClean="0"/>
           </a:p>
           <a:p>
-            <a:r>
-              <a:rPr lang="en-US" dirty="0" smtClean="0"/>
-              <a:t>`</a:t>
-            </a:r>
-            <a:r>
-              <a:rPr lang="en-US" dirty="0" err="1" smtClean="0"/>
-              <a:t>inspec</a:t>
-            </a:r>
-            <a:r>
-              <a:rPr lang="en-US" dirty="0" smtClean="0"/>
-              <a:t> exec ~/cookbooks/ssh/test/integration/client/</a:t>
-            </a:r>
-            <a:r>
-              <a:rPr lang="en-US" dirty="0" err="1" smtClean="0"/>
-              <a:t>inspec</a:t>
-            </a:r>
-            <a:r>
-              <a:rPr lang="en-US" dirty="0" smtClean="0"/>
-              <a:t>/</a:t>
-            </a:r>
-            <a:r>
-              <a:rPr lang="en-US" dirty="0" err="1" smtClean="0"/>
-              <a:t>client_spec.rb</a:t>
-            </a:r>
-            <a:r>
-              <a:rPr lang="en-US" dirty="0" smtClean="0"/>
-              <a:t> -t docker://CONTAINER_ID`</a:t>
-            </a:r>
-          </a:p>
-          <a:p>
-            <a:endParaRPr lang="en-US" dirty="0" smtClean="0"/>
-          </a:p>
-          <a:p>
-            <a:r>
-              <a:rPr lang="en-US" dirty="0" smtClean="0"/>
-              <a:t>You should now see that the</a:t>
-            </a:r>
-            <a:r>
-              <a:rPr lang="en-US" baseline="0" dirty="0" smtClean="0"/>
-              <a:t> test</a:t>
-            </a:r>
-            <a:r>
-              <a:rPr lang="en-US" dirty="0" smtClean="0"/>
-              <a:t> has passed. In</a:t>
-            </a:r>
-            <a:r>
-              <a:rPr lang="en-US" baseline="0" dirty="0" smtClean="0"/>
-              <a:t> addition to the output text that says there were 0 failures, th</a:t>
-            </a:r>
-            <a:r>
-              <a:rPr lang="en-US" dirty="0" smtClean="0"/>
-              <a:t>e single dot at the top-left of the output means there</a:t>
-            </a:r>
-            <a:r>
-              <a:rPr lang="en-US" baseline="0" dirty="0" smtClean="0"/>
-              <a:t> was </a:t>
-            </a:r>
-            <a:r>
-              <a:rPr lang="en-US" dirty="0" smtClean="0"/>
-              <a:t>one</a:t>
-            </a:r>
-            <a:r>
-              <a:rPr lang="en-US" baseline="0" dirty="0" smtClean="0"/>
-              <a:t> test made and that it passed.</a:t>
-            </a:r>
-            <a:endParaRPr lang="en-US" dirty="0" smtClean="0"/>
+            <a:pPr marL="0" marR="0" indent="0" algn="l" defTabSz="1217613" rtl="0" eaLnBrk="1" fontAlgn="base" latinLnBrk="0" hangingPunct="1">
+              <a:lnSpc>
+                <a:spcPct val="90000"/>
+              </a:lnSpc>
+              <a:spcBef>
+                <a:spcPct val="30000"/>
+              </a:spcBef>
+              <a:spcAft>
+                <a:spcPts val="450"/>
+              </a:spcAft>
+              <a:buClrTx/>
+              <a:buSzTx/>
+              <a:buFontTx/>
+              <a:buNone/>
+              <a:tabLst/>
+              <a:defRPr/>
+            </a:pPr>
+            <a:endParaRPr lang="en-US" baseline="0" dirty="0" smtClean="0"/>
           </a:p>
         </p:txBody>
       </p:sp>
@@ -10061,7 +10169,7 @@
     </p:spTree>
     <p:extLst>
       <p:ext uri="{BB962C8B-B14F-4D97-AF65-F5344CB8AC3E}">
-        <p14:creationId xmlns:p14="http://schemas.microsoft.com/office/powerpoint/2010/main" val="2321952843"/>
+        <p14:creationId xmlns:p14="http://schemas.microsoft.com/office/powerpoint/2010/main" val="67414775"/>
       </p:ext>
     </p:extLst>
   </p:cSld>
@@ -10112,9 +10220,7 @@
         </p:nvSpPr>
         <p:spPr/>
         <p:txBody>
-          <a:bodyPr>
-            <a:normAutofit/>
-          </a:bodyPr>
+          <a:bodyPr/>
           <a:lstStyle/>
           <a:p>
             <a:pPr marL="0" marR="0" indent="0" algn="l" defTabSz="1217613" rtl="0" eaLnBrk="1" fontAlgn="base" latinLnBrk="0" hangingPunct="1">
@@ -10134,110 +10240,7 @@
               <a:tabLst/>
               <a:defRPr/>
             </a:pPr>
-            <a:r>
-              <a:rPr lang="en-US" dirty="0" smtClean="0"/>
-              <a:t>Now we</a:t>
-            </a:r>
-            <a:r>
-              <a:rPr lang="en-US" baseline="0" dirty="0" smtClean="0"/>
-              <a:t> need to actually apply the change to the node. We'll do this using </a:t>
-            </a:r>
-            <a:r>
-              <a:rPr lang="en-US" dirty="0" smtClean="0"/>
-              <a:t>chef-client in local mode. You should then see that only Protocol version 2 is currently set</a:t>
-            </a:r>
-            <a:r>
-              <a:rPr lang="en-US" baseline="0" dirty="0" smtClean="0"/>
-              <a:t> on the node. </a:t>
-            </a:r>
-            <a:endParaRPr lang="en-US" dirty="0" smtClean="0"/>
-          </a:p>
-          <a:p>
-            <a:pPr marL="0" marR="0" indent="0" algn="l" defTabSz="1217613" rtl="0" eaLnBrk="1" fontAlgn="base" latinLnBrk="0" hangingPunct="1">
-              <a:lnSpc>
-                <a:spcPct val="90000"/>
-              </a:lnSpc>
-              <a:spcBef>
-                <a:spcPct val="30000"/>
-              </a:spcBef>
-              <a:spcAft>
-                <a:spcPts val="450"/>
-              </a:spcAft>
-              <a:buClrTx/>
-              <a:buSzTx/>
-              <a:buFontTx/>
-              <a:buNone/>
-              <a:tabLst/>
-              <a:defRPr/>
-            </a:pPr>
-            <a:endParaRPr lang="en-US" dirty="0" smtClean="0"/>
-          </a:p>
-          <a:p>
-            <a:pPr marL="0" marR="0" indent="0" algn="l" defTabSz="1217613" rtl="0" eaLnBrk="1" fontAlgn="base" latinLnBrk="0" hangingPunct="1">
-              <a:lnSpc>
-                <a:spcPct val="90000"/>
-              </a:lnSpc>
-              <a:spcBef>
-                <a:spcPct val="30000"/>
-              </a:spcBef>
-              <a:spcAft>
-                <a:spcPts val="450"/>
-              </a:spcAft>
-              <a:buClrTx/>
-              <a:buSzTx/>
-              <a:buFontTx/>
-              <a:buNone/>
-              <a:tabLst/>
-              <a:defRPr/>
-            </a:pPr>
-            <a:r>
-              <a:rPr lang="en-US" dirty="0" smtClean="0"/>
-              <a:t>Of course</a:t>
-            </a:r>
-            <a:r>
-              <a:rPr lang="en-US" baseline="0" dirty="0" smtClean="0"/>
-              <a:t> in a production environment chef-client would most likely be set to run automatically to download and converge these changes from Chef Server.</a:t>
-            </a:r>
-          </a:p>
-          <a:p>
-            <a:pPr marL="0" marR="0" indent="0" algn="l" defTabSz="1217613" rtl="0" eaLnBrk="1" fontAlgn="base" latinLnBrk="0" hangingPunct="1">
-              <a:lnSpc>
-                <a:spcPct val="90000"/>
-              </a:lnSpc>
-              <a:spcBef>
-                <a:spcPct val="30000"/>
-              </a:spcBef>
-              <a:spcAft>
-                <a:spcPts val="450"/>
-              </a:spcAft>
-              <a:buClrTx/>
-              <a:buSzTx/>
-              <a:buFontTx/>
-              <a:buNone/>
-              <a:tabLst/>
-              <a:defRPr/>
-            </a:pPr>
-            <a:endParaRPr lang="en-US" baseline="0" dirty="0" smtClean="0"/>
-          </a:p>
-          <a:p>
-            <a:pPr marL="0" marR="0" indent="0" algn="l" defTabSz="1217613" rtl="0" eaLnBrk="1" fontAlgn="base" latinLnBrk="0" hangingPunct="1">
-              <a:lnSpc>
-                <a:spcPct val="90000"/>
-              </a:lnSpc>
-              <a:spcBef>
-                <a:spcPct val="30000"/>
-              </a:spcBef>
-              <a:spcAft>
-                <a:spcPts val="450"/>
-              </a:spcAft>
-              <a:buClrTx/>
-              <a:buSzTx/>
-              <a:buFontTx/>
-              <a:buNone/>
-              <a:tabLst/>
-              <a:defRPr/>
-            </a:pPr>
-            <a:endParaRPr lang="en-US" baseline="0" dirty="0" smtClean="0"/>
+            <a:endParaRPr lang="en-US" dirty="0"/>
           </a:p>
         </p:txBody>
       </p:sp>
@@ -10317,7 +10320,7 @@
     </p:spTree>
     <p:extLst>
       <p:ext uri="{BB962C8B-B14F-4D97-AF65-F5344CB8AC3E}">
-        <p14:creationId xmlns:p14="http://schemas.microsoft.com/office/powerpoint/2010/main" val="67414775"/>
+        <p14:creationId xmlns:p14="http://schemas.microsoft.com/office/powerpoint/2010/main" val="903931591"/>
       </p:ext>
     </p:extLst>
   </p:cSld>
@@ -10468,7 +10471,7 @@
     </p:spTree>
     <p:extLst>
       <p:ext uri="{BB962C8B-B14F-4D97-AF65-F5344CB8AC3E}">
-        <p14:creationId xmlns:p14="http://schemas.microsoft.com/office/powerpoint/2010/main" val="903931591"/>
+        <p14:creationId xmlns:p14="http://schemas.microsoft.com/office/powerpoint/2010/main" val="2126077804"/>
       </p:ext>
     </p:extLst>
   </p:cSld>
@@ -10619,7 +10622,7 @@
     </p:spTree>
     <p:extLst>
       <p:ext uri="{BB962C8B-B14F-4D97-AF65-F5344CB8AC3E}">
-        <p14:creationId xmlns:p14="http://schemas.microsoft.com/office/powerpoint/2010/main" val="2126077804"/>
+        <p14:creationId xmlns:p14="http://schemas.microsoft.com/office/powerpoint/2010/main" val="2355399236"/>
       </p:ext>
     </p:extLst>
   </p:cSld>
@@ -10690,6 +10693,130 @@
               <a:tabLst/>
               <a:defRPr/>
             </a:pPr>
+            <a:r>
+              <a:rPr lang="en-US" dirty="0" smtClean="0"/>
+              <a:t>In this module we scanned a node for compliance issues. We identified an issue and then wrote a remediation recipe directly on the node scanned. We also tested our recipe with test kitchen.</a:t>
+            </a:r>
+          </a:p>
+          <a:p>
+            <a:pPr marL="0" marR="0" indent="0" algn="l" defTabSz="1217613" rtl="0" eaLnBrk="1" fontAlgn="base" latinLnBrk="0" hangingPunct="1">
+              <a:lnSpc>
+                <a:spcPct val="90000"/>
+              </a:lnSpc>
+              <a:spcBef>
+                <a:spcPct val="30000"/>
+              </a:spcBef>
+              <a:spcAft>
+                <a:spcPts val="450"/>
+              </a:spcAft>
+              <a:buClrTx/>
+              <a:buSzTx/>
+              <a:buFontTx/>
+              <a:buNone/>
+              <a:tabLst/>
+              <a:defRPr/>
+            </a:pPr>
+            <a:endParaRPr lang="en-US" dirty="0" smtClean="0"/>
+          </a:p>
+          <a:p>
+            <a:pPr marL="0" marR="0" indent="0" algn="l" defTabSz="1217613" rtl="0" eaLnBrk="1" fontAlgn="base" latinLnBrk="0" hangingPunct="1">
+              <a:lnSpc>
+                <a:spcPct val="90000"/>
+              </a:lnSpc>
+              <a:spcBef>
+                <a:spcPct val="30000"/>
+              </a:spcBef>
+              <a:spcAft>
+                <a:spcPts val="450"/>
+              </a:spcAft>
+              <a:buClrTx/>
+              <a:buSzTx/>
+              <a:buFontTx/>
+              <a:buNone/>
+              <a:tabLst/>
+              <a:defRPr/>
+            </a:pPr>
+            <a:r>
+              <a:rPr lang="en-US" dirty="0" smtClean="0"/>
+              <a:t>As mentioned</a:t>
+            </a:r>
+            <a:r>
+              <a:rPr lang="en-US" baseline="0" dirty="0" smtClean="0"/>
+              <a:t> previously</a:t>
+            </a:r>
+            <a:r>
+              <a:rPr lang="en-US" dirty="0" smtClean="0"/>
+              <a:t>, in a</a:t>
+            </a:r>
+            <a:r>
+              <a:rPr lang="en-US" baseline="0" dirty="0" smtClean="0"/>
+              <a:t> production environment, </a:t>
+            </a:r>
+            <a:r>
+              <a:rPr lang="en-US" dirty="0" smtClean="0"/>
+              <a:t>you will likely write such recipes locally, add them to the node's</a:t>
+            </a:r>
+            <a:r>
+              <a:rPr lang="en-US" baseline="0" dirty="0" smtClean="0"/>
+              <a:t> run list, </a:t>
+            </a:r>
+            <a:r>
+              <a:rPr lang="en-US" dirty="0" smtClean="0"/>
+              <a:t>and then upload them to Chef Server. </a:t>
+            </a:r>
+          </a:p>
+          <a:p>
+            <a:pPr marL="0" marR="0" indent="0" algn="l" defTabSz="1217613" rtl="0" eaLnBrk="1" fontAlgn="base" latinLnBrk="0" hangingPunct="1">
+              <a:lnSpc>
+                <a:spcPct val="90000"/>
+              </a:lnSpc>
+              <a:spcBef>
+                <a:spcPct val="30000"/>
+              </a:spcBef>
+              <a:spcAft>
+                <a:spcPts val="450"/>
+              </a:spcAft>
+              <a:buClrTx/>
+              <a:buSzTx/>
+              <a:buFontTx/>
+              <a:buNone/>
+              <a:tabLst/>
+              <a:defRPr/>
+            </a:pPr>
+            <a:endParaRPr lang="en-US" dirty="0" smtClean="0"/>
+          </a:p>
+          <a:p>
+            <a:pPr marL="0" marR="0" indent="0" algn="l" defTabSz="1217613" rtl="0" eaLnBrk="1" fontAlgn="base" latinLnBrk="0" hangingPunct="1">
+              <a:lnSpc>
+                <a:spcPct val="90000"/>
+              </a:lnSpc>
+              <a:spcBef>
+                <a:spcPct val="30000"/>
+              </a:spcBef>
+              <a:spcAft>
+                <a:spcPts val="450"/>
+              </a:spcAft>
+              <a:buClrTx/>
+              <a:buSzTx/>
+              <a:buFontTx/>
+              <a:buNone/>
+              <a:tabLst/>
+              <a:defRPr/>
+            </a:pPr>
+            <a:r>
+              <a:rPr lang="en-US" dirty="0" smtClean="0"/>
+              <a:t>Then the nodes would download the recipes from Chef Server on their next chef-client</a:t>
+            </a:r>
+            <a:r>
+              <a:rPr lang="en-US" baseline="0" dirty="0" smtClean="0"/>
+              <a:t> run and also </a:t>
+            </a:r>
+            <a:r>
+              <a:rPr lang="en-US" dirty="0" smtClean="0"/>
+              <a:t>convergence the recipes.</a:t>
+            </a:r>
+          </a:p>
+          <a:p>
             <a:endParaRPr lang="en-US" dirty="0"/>
           </a:p>
         </p:txBody>
@@ -10770,7 +10897,7 @@
     </p:spTree>
     <p:extLst>
       <p:ext uri="{BB962C8B-B14F-4D97-AF65-F5344CB8AC3E}">
-        <p14:creationId xmlns:p14="http://schemas.microsoft.com/office/powerpoint/2010/main" val="2355399236"/>
+        <p14:creationId xmlns:p14="http://schemas.microsoft.com/office/powerpoint/2010/main" val="3869094254"/>
       </p:ext>
     </p:extLst>
   </p:cSld>
@@ -10824,147 +10951,6 @@
           <a:bodyPr/>
           <a:lstStyle/>
           <a:p>
-            <a:pPr marL="0" marR="0" indent="0" algn="l" defTabSz="1217613" rtl="0" eaLnBrk="1" fontAlgn="base" latinLnBrk="0" hangingPunct="1">
-              <a:lnSpc>
-                <a:spcPct val="90000"/>
-              </a:lnSpc>
-              <a:spcBef>
-                <a:spcPct val="30000"/>
-              </a:spcBef>
-              <a:spcAft>
-                <a:spcPts val="450"/>
-              </a:spcAft>
-              <a:buClrTx/>
-              <a:buSzTx/>
-              <a:buFontTx/>
-              <a:buNone/>
-              <a:tabLst/>
-              <a:defRPr/>
-            </a:pPr>
-            <a:r>
-              <a:rPr lang="en-US" dirty="0" smtClean="0"/>
-              <a:t>In this module we scanned a node for compliance issues. We identified an issue and then wrote a remediation recipe directly on the node scanned. We also tested our recipe with test kitchen.</a:t>
-            </a:r>
-          </a:p>
-          <a:p>
-            <a:pPr marL="0" marR="0" indent="0" algn="l" defTabSz="1217613" rtl="0" eaLnBrk="1" fontAlgn="base" latinLnBrk="0" hangingPunct="1">
-              <a:lnSpc>
-                <a:spcPct val="90000"/>
-              </a:lnSpc>
-              <a:spcBef>
-                <a:spcPct val="30000"/>
-              </a:spcBef>
-              <a:spcAft>
-                <a:spcPts val="450"/>
-              </a:spcAft>
-              <a:buClrTx/>
-              <a:buSzTx/>
-              <a:buFontTx/>
-              <a:buNone/>
-              <a:tabLst/>
-              <a:defRPr/>
-            </a:pPr>
-            <a:endParaRPr lang="en-US" dirty="0" smtClean="0"/>
-          </a:p>
-          <a:p>
-            <a:pPr marL="0" marR="0" indent="0" algn="l" defTabSz="1217613" rtl="0" eaLnBrk="1" fontAlgn="base" latinLnBrk="0" hangingPunct="1">
-              <a:lnSpc>
-                <a:spcPct val="90000"/>
-              </a:lnSpc>
-              <a:spcBef>
-                <a:spcPct val="30000"/>
-              </a:spcBef>
-              <a:spcAft>
-                <a:spcPts val="450"/>
-              </a:spcAft>
-              <a:buClrTx/>
-              <a:buSzTx/>
-              <a:buFontTx/>
-              <a:buNone/>
-              <a:tabLst/>
-              <a:defRPr/>
-            </a:pPr>
-            <a:r>
-              <a:rPr lang="en-US" dirty="0" smtClean="0"/>
-              <a:t>As mentioned</a:t>
-            </a:r>
-            <a:r>
-              <a:rPr lang="en-US" baseline="0" dirty="0" smtClean="0"/>
-              <a:t> previously</a:t>
-            </a:r>
-            <a:r>
-              <a:rPr lang="en-US" dirty="0" smtClean="0"/>
-              <a:t>, in a</a:t>
-            </a:r>
-            <a:r>
-              <a:rPr lang="en-US" baseline="0" dirty="0" smtClean="0"/>
-              <a:t> production environment, </a:t>
-            </a:r>
-            <a:r>
-              <a:rPr lang="en-US" dirty="0" smtClean="0"/>
-              <a:t>you will likely write such recipes locally, add them to the node's</a:t>
-            </a:r>
-            <a:r>
-              <a:rPr lang="en-US" baseline="0" dirty="0" smtClean="0"/>
-              <a:t> run list, </a:t>
-            </a:r>
-            <a:r>
-              <a:rPr lang="en-US" dirty="0" smtClean="0"/>
-              <a:t>and then upload them to Chef Server. </a:t>
-            </a:r>
-          </a:p>
-          <a:p>
-            <a:pPr marL="0" marR="0" indent="0" algn="l" defTabSz="1217613" rtl="0" eaLnBrk="1" fontAlgn="base" latinLnBrk="0" hangingPunct="1">
-              <a:lnSpc>
-                <a:spcPct val="90000"/>
-              </a:lnSpc>
-              <a:spcBef>
-                <a:spcPct val="30000"/>
-              </a:spcBef>
-              <a:spcAft>
-                <a:spcPts val="450"/>
-              </a:spcAft>
-              <a:buClrTx/>
-              <a:buSzTx/>
-              <a:buFontTx/>
-              <a:buNone/>
-              <a:tabLst/>
-              <a:defRPr/>
-            </a:pPr>
-            <a:endParaRPr lang="en-US" dirty="0" smtClean="0"/>
-          </a:p>
-          <a:p>
-            <a:pPr marL="0" marR="0" indent="0" algn="l" defTabSz="1217613" rtl="0" eaLnBrk="1" fontAlgn="base" latinLnBrk="0" hangingPunct="1">
-              <a:lnSpc>
-                <a:spcPct val="90000"/>
-              </a:lnSpc>
-              <a:spcBef>
-                <a:spcPct val="30000"/>
-              </a:spcBef>
-              <a:spcAft>
-                <a:spcPts val="450"/>
-              </a:spcAft>
-              <a:buClrTx/>
-              <a:buSzTx/>
-              <a:buFontTx/>
-              <a:buNone/>
-              <a:tabLst/>
-              <a:defRPr/>
-            </a:pPr>
-            <a:r>
-              <a:rPr lang="en-US" dirty="0" smtClean="0"/>
-              <a:t>Then the nodes would download the recipes from Chef Server on their next chef-client</a:t>
-            </a:r>
-            <a:r>
-              <a:rPr lang="en-US" baseline="0" dirty="0" smtClean="0"/>
-              <a:t> run and also </a:t>
-            </a:r>
-            <a:r>
-              <a:rPr lang="en-US" dirty="0" smtClean="0"/>
-              <a:t>convergence the recipes.</a:t>
-            </a:r>
-          </a:p>
-          <a:p>
             <a:endParaRPr lang="en-US" dirty="0"/>
           </a:p>
         </p:txBody>
@@ -10993,140 +10979,6 @@
                 <a:defRPr/>
               </a:pPr>
               <a:t>60</a:t>
-            </a:fld>
-            <a:endParaRPr lang="en-US" dirty="0"/>
-          </a:p>
-        </p:txBody>
-      </p:sp>
-      <p:sp>
-        <p:nvSpPr>
-          <p:cNvPr id="5" name="Header Placeholder 4"/>
-          <p:cNvSpPr>
-            <a:spLocks noGrp="1"/>
-          </p:cNvSpPr>
-          <p:nvPr>
-            <p:ph type="hdr" sz="quarter" idx="11"/>
-          </p:nvPr>
-        </p:nvSpPr>
-        <p:spPr/>
-        <p:txBody>
-          <a:bodyPr/>
-          <a:lstStyle/>
-          <a:p>
-            <a:pPr>
-              <a:defRPr/>
-            </a:pPr>
-            <a:endParaRPr lang="en-US"/>
-          </a:p>
-        </p:txBody>
-      </p:sp>
-      <p:sp>
-        <p:nvSpPr>
-          <p:cNvPr id="6" name="Footer Placeholder 5"/>
-          <p:cNvSpPr>
-            <a:spLocks noGrp="1"/>
-          </p:cNvSpPr>
-          <p:nvPr>
-            <p:ph type="ftr" sz="quarter" idx="12"/>
-          </p:nvPr>
-        </p:nvSpPr>
-        <p:spPr/>
-        <p:txBody>
-          <a:bodyPr/>
-          <a:lstStyle/>
-          <a:p>
-            <a:pPr>
-              <a:defRPr/>
-            </a:pPr>
-            <a:endParaRPr lang="en-US"/>
-          </a:p>
-        </p:txBody>
-      </p:sp>
-    </p:spTree>
-    <p:extLst>
-      <p:ext uri="{BB962C8B-B14F-4D97-AF65-F5344CB8AC3E}">
-        <p14:creationId xmlns:p14="http://schemas.microsoft.com/office/powerpoint/2010/main" val="3869094254"/>
-      </p:ext>
-    </p:extLst>
-  </p:cSld>
-  <p:clrMapOvr>
-    <a:masterClrMapping/>
-  </p:clrMapOvr>
-</p:notes>
-</file>
-
-<file path=ppt/notesSlides/notesSlide57.xml><?xml version="1.0" encoding="utf-8"?>
-<p:notes xmlns:a="http://schemas.openxmlformats.org/drawingml/2006/main" xmlns:r="http://schemas.openxmlformats.org/officeDocument/2006/relationships" xmlns:p="http://schemas.openxmlformats.org/presentationml/2006/main">
-  <p:cSld>
-    <p:spTree>
-      <p:nvGrpSpPr>
-        <p:cNvPr id="1" name=""/>
-        <p:cNvGrpSpPr/>
-        <p:nvPr/>
-      </p:nvGrpSpPr>
-      <p:grpSpPr>
-        <a:xfrm>
-          <a:off x="0" y="0"/>
-          <a:ext cx="0" cy="0"/>
-          <a:chOff x="0" y="0"/>
-          <a:chExt cx="0" cy="0"/>
-        </a:xfrm>
-      </p:grpSpPr>
-      <p:sp>
-        <p:nvSpPr>
-          <p:cNvPr id="2" name="Slide Image Placeholder 1"/>
-          <p:cNvSpPr>
-            <a:spLocks noGrp="1" noRot="1" noChangeAspect="1"/>
-          </p:cNvSpPr>
-          <p:nvPr>
-            <p:ph type="sldImg"/>
-          </p:nvPr>
-        </p:nvSpPr>
-        <p:spPr/>
-      </p:sp>
-      <p:sp>
-        <p:nvSpPr>
-          <p:cNvPr id="3" name="Notes Placeholder 2"/>
-          <p:cNvSpPr>
-            <a:spLocks noGrp="1"/>
-          </p:cNvSpPr>
-          <p:nvPr>
-            <p:ph type="body" idx="1"/>
-          </p:nvPr>
-        </p:nvSpPr>
-        <p:spPr/>
-        <p:txBody>
-          <a:bodyPr/>
-          <a:lstStyle/>
-          <a:p>
-            <a:endParaRPr lang="en-US" dirty="0"/>
-          </a:p>
-        </p:txBody>
-      </p:sp>
-      <p:sp>
-        <p:nvSpPr>
-          <p:cNvPr id="4" name="Slide Number Placeholder 3"/>
-          <p:cNvSpPr>
-            <a:spLocks noGrp="1"/>
-          </p:cNvSpPr>
-          <p:nvPr>
-            <p:ph type="sldNum" sz="quarter" idx="10"/>
-          </p:nvPr>
-        </p:nvSpPr>
-        <p:spPr/>
-        <p:txBody>
-          <a:bodyPr/>
-          <a:lstStyle/>
-          <a:p>
-            <a:pPr>
-              <a:defRPr/>
-            </a:pPr>
-            <a:fld id="{DC3734AA-3150-D947-AC52-2F5DF48BFCD5}" type="slidenum">
-              <a:rPr lang="en-US" smtClean="0"/>
-              <a:pPr>
-                <a:defRPr/>
-              </a:pPr>
-              <a:t>61</a:t>
             </a:fld>
             <a:endParaRPr lang="en-US" dirty="0"/>
           </a:p>
@@ -12417,14 +12269,14 @@
           </a:ln>
           <a:extLst>
             <a:ext uri="{909E8E84-426E-40dd-AFC4-6F175D3DCCD1}">
-              <a14:hiddenFill xmlns:a14="http://schemas.microsoft.com/office/drawing/2010/main" xmlns="">
+              <a14:hiddenFill xmlns="" xmlns:a14="http://schemas.microsoft.com/office/drawing/2010/main">
                 <a:solidFill>
                   <a:srgbClr val="FFFFFF"/>
                 </a:solidFill>
               </a14:hiddenFill>
             </a:ext>
             <a:ext uri="{91240B29-F687-4f45-9708-019B960494DF}">
-              <a14:hiddenLine xmlns:a14="http://schemas.microsoft.com/office/drawing/2010/main" xmlns="" w="9525">
+              <a14:hiddenLine xmlns="" xmlns:a14="http://schemas.microsoft.com/office/drawing/2010/main" w="9525">
                 <a:solidFill>
                   <a:srgbClr val="000000"/>
                 </a:solidFill>
@@ -12572,14 +12424,14 @@
           </a:ln>
           <a:extLst>
             <a:ext uri="{909E8E84-426E-40dd-AFC4-6F175D3DCCD1}">
-              <a14:hiddenFill xmlns:a14="http://schemas.microsoft.com/office/drawing/2010/main" xmlns="">
+              <a14:hiddenFill xmlns="" xmlns:a14="http://schemas.microsoft.com/office/drawing/2010/main">
                 <a:solidFill>
                   <a:srgbClr val="FFFFFF"/>
                 </a:solidFill>
               </a14:hiddenFill>
             </a:ext>
             <a:ext uri="{91240B29-F687-4f45-9708-019B960494DF}">
-              <a14:hiddenLine xmlns:a14="http://schemas.microsoft.com/office/drawing/2010/main" xmlns="" w="9525">
+              <a14:hiddenLine xmlns="" xmlns:a14="http://schemas.microsoft.com/office/drawing/2010/main" w="9525">
                 <a:solidFill>
                   <a:srgbClr val="000000"/>
                 </a:solidFill>
@@ -13070,14 +12922,14 @@
           </a:ln>
           <a:extLst>
             <a:ext uri="{909E8E84-426E-40dd-AFC4-6F175D3DCCD1}">
-              <a14:hiddenFill xmlns:a14="http://schemas.microsoft.com/office/drawing/2010/main" xmlns="">
+              <a14:hiddenFill xmlns="" xmlns:a14="http://schemas.microsoft.com/office/drawing/2010/main">
                 <a:solidFill>
                   <a:srgbClr val="FFFFFF"/>
                 </a:solidFill>
               </a14:hiddenFill>
             </a:ext>
             <a:ext uri="{91240B29-F687-4f45-9708-019B960494DF}">
-              <a14:hiddenLine xmlns:a14="http://schemas.microsoft.com/office/drawing/2010/main" xmlns="" w="9525">
+              <a14:hiddenLine xmlns="" xmlns:a14="http://schemas.microsoft.com/office/drawing/2010/main" w="9525">
                 <a:solidFill>
                   <a:srgbClr val="000000"/>
                 </a:solidFill>
@@ -13316,14 +13168,14 @@
           </a:ln>
           <a:extLst>
             <a:ext uri="{909E8E84-426E-40dd-AFC4-6F175D3DCCD1}">
-              <a14:hiddenFill xmlns:a14="http://schemas.microsoft.com/office/drawing/2010/main" xmlns="">
+              <a14:hiddenFill xmlns="" xmlns:a14="http://schemas.microsoft.com/office/drawing/2010/main">
                 <a:solidFill>
                   <a:srgbClr val="FFFFFF"/>
                 </a:solidFill>
               </a14:hiddenFill>
             </a:ext>
             <a:ext uri="{91240B29-F687-4f45-9708-019B960494DF}">
-              <a14:hiddenLine xmlns:a14="http://schemas.microsoft.com/office/drawing/2010/main" xmlns="" w="9525">
+              <a14:hiddenLine xmlns="" xmlns:a14="http://schemas.microsoft.com/office/drawing/2010/main" w="9525">
                 <a:solidFill>
                   <a:srgbClr val="000000"/>
                 </a:solidFill>
@@ -15251,14 +15103,14 @@
           </a:ln>
           <a:extLst>
             <a:ext uri="{909E8E84-426E-40dd-AFC4-6F175D3DCCD1}">
-              <a14:hiddenFill xmlns:a14="http://schemas.microsoft.com/office/drawing/2010/main" xmlns="">
+              <a14:hiddenFill xmlns="" xmlns:a14="http://schemas.microsoft.com/office/drawing/2010/main">
                 <a:solidFill>
                   <a:srgbClr val="FFFFFF"/>
                 </a:solidFill>
               </a14:hiddenFill>
             </a:ext>
             <a:ext uri="{91240B29-F687-4f45-9708-019B960494DF}">
-              <a14:hiddenLine xmlns:a14="http://schemas.microsoft.com/office/drawing/2010/main" xmlns="" w="9525">
+              <a14:hiddenLine xmlns="" xmlns:a14="http://schemas.microsoft.com/office/drawing/2010/main" w="9525">
                 <a:solidFill>
                   <a:srgbClr val="000000"/>
                 </a:solidFill>
@@ -16792,14 +16644,14 @@
           </a:ln>
           <a:extLst>
             <a:ext uri="{909E8E84-426E-40dd-AFC4-6F175D3DCCD1}">
-              <a14:hiddenFill xmlns:a14="http://schemas.microsoft.com/office/drawing/2010/main" xmlns="">
+              <a14:hiddenFill xmlns="" xmlns:a14="http://schemas.microsoft.com/office/drawing/2010/main">
                 <a:solidFill>
                   <a:srgbClr val="FFFFFF"/>
                 </a:solidFill>
               </a14:hiddenFill>
             </a:ext>
             <a:ext uri="{91240B29-F687-4f45-9708-019B960494DF}">
-              <a14:hiddenLine xmlns:a14="http://schemas.microsoft.com/office/drawing/2010/main" xmlns="" w="9525">
+              <a14:hiddenLine xmlns="" xmlns:a14="http://schemas.microsoft.com/office/drawing/2010/main" w="9525">
                 <a:solidFill>
                   <a:srgbClr val="000000"/>
                 </a:solidFill>
@@ -17357,14 +17209,14 @@
           </a:ln>
           <a:extLst>
             <a:ext uri="{909E8E84-426E-40dd-AFC4-6F175D3DCCD1}">
-              <a14:hiddenFill xmlns:a14="http://schemas.microsoft.com/office/drawing/2010/main" xmlns="">
+              <a14:hiddenFill xmlns="" xmlns:a14="http://schemas.microsoft.com/office/drawing/2010/main">
                 <a:solidFill>
                   <a:srgbClr val="FFFFFF"/>
                 </a:solidFill>
               </a14:hiddenFill>
             </a:ext>
             <a:ext uri="{91240B29-F687-4f45-9708-019B960494DF}">
-              <a14:hiddenLine xmlns:a14="http://schemas.microsoft.com/office/drawing/2010/main" xmlns="" w="9525">
+              <a14:hiddenLine xmlns="" xmlns:a14="http://schemas.microsoft.com/office/drawing/2010/main" w="9525">
                 <a:solidFill>
                   <a:srgbClr val="000000"/>
                 </a:solidFill>
@@ -17931,14 +17783,14 @@
           </a:ln>
           <a:extLst>
             <a:ext uri="{909E8E84-426E-40dd-AFC4-6F175D3DCCD1}">
-              <a14:hiddenFill xmlns:a14="http://schemas.microsoft.com/office/drawing/2010/main" xmlns="">
+              <a14:hiddenFill xmlns="" xmlns:a14="http://schemas.microsoft.com/office/drawing/2010/main">
                 <a:solidFill>
                   <a:srgbClr val="FFFFFF"/>
                 </a:solidFill>
               </a14:hiddenFill>
             </a:ext>
             <a:ext uri="{91240B29-F687-4f45-9708-019B960494DF}">
-              <a14:hiddenLine xmlns:a14="http://schemas.microsoft.com/office/drawing/2010/main" xmlns="" w="9525">
+              <a14:hiddenLine xmlns="" xmlns:a14="http://schemas.microsoft.com/office/drawing/2010/main" w="9525">
                 <a:solidFill>
                   <a:srgbClr val="000000"/>
                 </a:solidFill>
@@ -18878,14 +18730,14 @@
           </a:ln>
           <a:extLst>
             <a:ext uri="{909E8E84-426E-40dd-AFC4-6F175D3DCCD1}">
-              <a14:hiddenFill xmlns:a14="http://schemas.microsoft.com/office/drawing/2010/main" xmlns="">
+              <a14:hiddenFill xmlns="" xmlns:a14="http://schemas.microsoft.com/office/drawing/2010/main">
                 <a:solidFill>
                   <a:srgbClr val="FFFFFF"/>
                 </a:solidFill>
               </a14:hiddenFill>
             </a:ext>
             <a:ext uri="{91240B29-F687-4f45-9708-019B960494DF}">
-              <a14:hiddenLine xmlns:a14="http://schemas.microsoft.com/office/drawing/2010/main" xmlns="" w="9525">
+              <a14:hiddenLine xmlns="" xmlns:a14="http://schemas.microsoft.com/office/drawing/2010/main" w="9525">
                 <a:solidFill>
                   <a:srgbClr val="000000"/>
                 </a:solidFill>
@@ -19638,14 +19490,14 @@
           </a:ln>
           <a:extLst>
             <a:ext uri="{909E8E84-426E-40dd-AFC4-6F175D3DCCD1}">
-              <a14:hiddenFill xmlns:a14="http://schemas.microsoft.com/office/drawing/2010/main" xmlns="">
+              <a14:hiddenFill xmlns="" xmlns:a14="http://schemas.microsoft.com/office/drawing/2010/main">
                 <a:solidFill>
                   <a:srgbClr val="FFFFFF"/>
                 </a:solidFill>
               </a14:hiddenFill>
             </a:ext>
             <a:ext uri="{91240B29-F687-4f45-9708-019B960494DF}">
-              <a14:hiddenLine xmlns:a14="http://schemas.microsoft.com/office/drawing/2010/main" xmlns="" w="9525">
+              <a14:hiddenLine xmlns="" xmlns:a14="http://schemas.microsoft.com/office/drawing/2010/main" w="9525">
                 <a:solidFill>
                   <a:srgbClr val="000000"/>
                 </a:solidFill>
@@ -28127,7 +27979,12 @@
             <p:ph type="ctrTitle"/>
           </p:nvPr>
         </p:nvSpPr>
-        <p:spPr/>
+        <p:spPr>
+          <a:xfrm>
+            <a:off x="1671637" y="2961599"/>
+            <a:ext cx="12319001" cy="852712"/>
+          </a:xfrm>
+        </p:spPr>
         <p:txBody>
           <a:bodyPr>
             <a:normAutofit fontScale="90000"/>
@@ -28136,88 +27993,99 @@
           <a:p>
             <a:r>
               <a:rPr lang="en-US" dirty="0" smtClean="0"/>
-              <a:t>InSpec Verifier</a:t>
+              <a:t>GL: </a:t>
+            </a:r>
+            <a:r>
+              <a:rPr lang="en-US" dirty="0"/>
+              <a:t>Using InSpec for Verification</a:t>
+            </a:r>
+          </a:p>
+        </p:txBody>
+      </p:sp>
+      <p:sp>
+        <p:nvSpPr>
+          <p:cNvPr id="4" name="Text Placeholder 3"/>
+          <p:cNvSpPr>
+            <a:spLocks noGrp="1"/>
+          </p:cNvSpPr>
+          <p:nvPr>
+            <p:ph type="body" sz="quarter" idx="10"/>
+          </p:nvPr>
+        </p:nvSpPr>
+        <p:spPr>
+          <a:xfrm>
+            <a:off x="1671637" y="5650764"/>
+            <a:ext cx="12319000" cy="2445486"/>
+          </a:xfrm>
+        </p:spPr>
+        <p:txBody>
+          <a:bodyPr/>
+          <a:lstStyle/>
+          <a:p>
+            <a:pPr marL="342900" indent="-342900">
+              <a:buFont typeface="Wingdings" panose="05000000000000000000" pitchFamily="2" charset="2"/>
+              <a:buChar char="ü"/>
+            </a:pPr>
+            <a:r>
+              <a:rPr lang="en-US" dirty="0" smtClean="0"/>
+              <a:t>Write </a:t>
+            </a:r>
+            <a:r>
+              <a:rPr lang="en-US" dirty="0"/>
+              <a:t>a remediation recipe on that node.</a:t>
+            </a:r>
+          </a:p>
+          <a:p>
+            <a:pPr marL="457200" indent="-457200">
+              <a:buFont typeface="Wingdings" panose="05000000000000000000" pitchFamily="2" charset="2"/>
+              <a:buChar char="ü"/>
+            </a:pPr>
+            <a:r>
+              <a:rPr lang="en-US" dirty="0"/>
+              <a:t>Test the recipe with Test Kitchen.</a:t>
+            </a:r>
+          </a:p>
+          <a:p>
+            <a:pPr marL="457200" indent="-457200">
+              <a:buFont typeface="Wingdings" panose="05000000000000000000" pitchFamily="2" charset="2"/>
+              <a:buChar char="q"/>
+            </a:pPr>
+            <a:r>
+              <a:rPr lang="en-US" dirty="0"/>
+              <a:t>Test for compliance with InSpec from the </a:t>
+            </a:r>
+            <a:r>
+              <a:rPr lang="en-US" dirty="0" smtClean="0"/>
+              <a:t>command line interface (CLI)</a:t>
+            </a:r>
+          </a:p>
+          <a:p>
+            <a:pPr marL="457200" indent="-457200">
+              <a:buFont typeface="Wingdings" panose="05000000000000000000" pitchFamily="2" charset="2"/>
+              <a:buChar char="q"/>
+            </a:pPr>
+            <a:r>
+              <a:rPr lang="en-US" dirty="0" smtClean="0"/>
+              <a:t>Converge the recipe .</a:t>
             </a:r>
             <a:endParaRPr lang="en-US" dirty="0"/>
           </a:p>
-        </p:txBody>
-      </p:sp>
-      <p:sp>
-        <p:nvSpPr>
-          <p:cNvPr id="3" name="Subtitle 2"/>
-          <p:cNvSpPr>
-            <a:spLocks noGrp="1"/>
-          </p:cNvSpPr>
-          <p:nvPr>
-            <p:ph type="subTitle" idx="1"/>
-          </p:nvPr>
-        </p:nvSpPr>
-        <p:spPr/>
-        <p:txBody>
-          <a:bodyPr/>
-          <a:lstStyle/>
-          <a:p>
-            <a:r>
-              <a:rPr lang="en-US" dirty="0" smtClean="0"/>
-              <a:t>An InSpec verifier </a:t>
-            </a:r>
+          <a:p>
+            <a:pPr marL="457200" indent="-457200">
+              <a:buFont typeface="Wingdings" panose="05000000000000000000" pitchFamily="2" charset="2"/>
+              <a:buChar char="q"/>
+            </a:pPr>
             <a:r>
               <a:rPr lang="en-US" dirty="0"/>
-              <a:t>is responsible for running tests post-converge to confirm that the instance is in a known/consistent state</a:t>
-            </a:r>
-            <a:r>
-              <a:rPr lang="en-US" dirty="0" smtClean="0"/>
-              <a:t>.</a:t>
-            </a:r>
-          </a:p>
-          <a:p>
-            <a:endParaRPr lang="en-US" dirty="0"/>
-          </a:p>
-          <a:p>
-            <a:r>
-              <a:rPr lang="en-US" dirty="0" smtClean="0"/>
-              <a:t>InSpec </a:t>
-            </a:r>
-            <a:r>
-              <a:rPr lang="en-US" dirty="0"/>
-              <a:t>can be used as a verifier for test </a:t>
-            </a:r>
-            <a:r>
-              <a:rPr lang="en-US" dirty="0" smtClean="0"/>
-              <a:t>kitchen. After </a:t>
-            </a:r>
-            <a:r>
-              <a:rPr lang="en-US" dirty="0"/>
-              <a:t>the converge, the kitchen verify step uses a verifier such as bats, </a:t>
-            </a:r>
-            <a:r>
-              <a:rPr lang="en-US" dirty="0" err="1"/>
-              <a:t>serverspec</a:t>
-            </a:r>
-            <a:r>
-              <a:rPr lang="en-US" dirty="0"/>
-              <a:t>, or </a:t>
-            </a:r>
-            <a:r>
-              <a:rPr lang="en-US" dirty="0" err="1"/>
-              <a:t>inspec</a:t>
-            </a:r>
-            <a:r>
-              <a:rPr lang="en-US" dirty="0"/>
-              <a:t> to verify the state of the test </a:t>
-            </a:r>
-            <a:r>
-              <a:rPr lang="en-US" dirty="0" smtClean="0"/>
-              <a:t>instance.</a:t>
-            </a:r>
-            <a:endParaRPr lang="en-US" dirty="0"/>
+              <a:t>Rescan the node and ensure compliance.</a:t>
+            </a:r>
           </a:p>
         </p:txBody>
       </p:sp>
     </p:spTree>
     <p:extLst>
       <p:ext uri="{BB962C8B-B14F-4D97-AF65-F5344CB8AC3E}">
-        <p14:creationId xmlns:p14="http://schemas.microsoft.com/office/powerpoint/2010/main" val="1470440467"/>
+        <p14:creationId xmlns:p14="http://schemas.microsoft.com/office/powerpoint/2010/main" val="3279481553"/>
       </p:ext>
     </p:extLst>
   </p:cSld>
@@ -28256,121 +28124,66 @@
       </p:grpSpPr>
       <p:sp>
         <p:nvSpPr>
-          <p:cNvPr id="2" name="Title 1"/>
-          <p:cNvSpPr>
-            <a:spLocks noGrp="1"/>
-          </p:cNvSpPr>
-          <p:nvPr>
-            <p:ph type="ctrTitle"/>
-          </p:nvPr>
-        </p:nvSpPr>
-        <p:spPr>
-          <a:xfrm>
-            <a:off x="1671637" y="2961599"/>
-            <a:ext cx="12319001" cy="852712"/>
-          </a:xfrm>
-        </p:spPr>
-        <p:txBody>
-          <a:bodyPr>
-            <a:normAutofit fontScale="90000"/>
-          </a:bodyPr>
-          <a:lstStyle/>
-          <a:p>
-            <a:r>
-              <a:rPr lang="en-US" dirty="0" smtClean="0"/>
-              <a:t>GL: </a:t>
-            </a:r>
-            <a:r>
-              <a:rPr lang="en-US" dirty="0"/>
-              <a:t>Using InSpec for Verification</a:t>
-            </a:r>
-          </a:p>
-        </p:txBody>
-      </p:sp>
-      <p:sp>
-        <p:nvSpPr>
-          <p:cNvPr id="4" name="Text Placeholder 3"/>
-          <p:cNvSpPr>
-            <a:spLocks noGrp="1"/>
-          </p:cNvSpPr>
-          <p:nvPr>
-            <p:ph type="body" sz="quarter" idx="10"/>
-          </p:nvPr>
-        </p:nvSpPr>
-        <p:spPr>
-          <a:xfrm>
-            <a:off x="1671637" y="5650764"/>
-            <a:ext cx="12319000" cy="2445486"/>
-          </a:xfrm>
-        </p:spPr>
+          <p:cNvPr id="3" name="Text Placeholder 2"/>
+          <p:cNvSpPr>
+            <a:spLocks noGrp="1"/>
+          </p:cNvSpPr>
+          <p:nvPr>
+            <p:ph type="body" sz="quarter" idx="11"/>
+          </p:nvPr>
+        </p:nvSpPr>
+        <p:spPr/>
         <p:txBody>
           <a:bodyPr/>
           <a:lstStyle/>
           <a:p>
-            <a:pPr marL="342900" indent="-342900">
-              <a:buFont typeface="Wingdings" panose="05000000000000000000" pitchFamily="2" charset="2"/>
-              <a:buChar char="ü"/>
-            </a:pPr>
-            <a:r>
-              <a:rPr lang="en-US" dirty="0" smtClean="0"/>
-              <a:t>Write </a:t>
-            </a:r>
-            <a:r>
-              <a:rPr lang="en-US" dirty="0"/>
-              <a:t>a remediation recipe on that node.</a:t>
-            </a:r>
-          </a:p>
-          <a:p>
-            <a:pPr marL="457200" indent="-457200">
-              <a:buFont typeface="Wingdings" panose="05000000000000000000" pitchFamily="2" charset="2"/>
-              <a:buChar char="ü"/>
-            </a:pPr>
-            <a:r>
-              <a:rPr lang="en-US" dirty="0"/>
-              <a:t>Test the recipe with Test Kitchen.</a:t>
-            </a:r>
-          </a:p>
-          <a:p>
-            <a:pPr marL="457200" indent="-457200">
-              <a:buFont typeface="Wingdings" panose="05000000000000000000" pitchFamily="2" charset="2"/>
-              <a:buChar char="q"/>
-            </a:pPr>
-            <a:r>
-              <a:rPr lang="en-US" dirty="0"/>
-              <a:t>Test for compliance with InSpec from the </a:t>
-            </a:r>
-            <a:r>
-              <a:rPr lang="en-US" dirty="0" smtClean="0"/>
-              <a:t>command line interface (CLI)</a:t>
-            </a:r>
-          </a:p>
-          <a:p>
-            <a:pPr marL="457200" indent="-457200">
-              <a:buFont typeface="Wingdings" panose="05000000000000000000" pitchFamily="2" charset="2"/>
-              <a:buChar char="q"/>
-            </a:pPr>
-            <a:r>
-              <a:rPr lang="en-US" dirty="0" smtClean="0"/>
-              <a:t>Converge the recipe .</a:t>
+            <a:r>
+              <a:rPr lang="en-US" dirty="0" smtClean="0"/>
+              <a:t>$ mkdir -p ~/cookbooks/ssh/test/integration/client/</a:t>
+            </a:r>
+            <a:r>
+              <a:rPr lang="en-US" dirty="0" err="1" smtClean="0"/>
+              <a:t>inspec</a:t>
+            </a:r>
+            <a:endParaRPr lang="en-US" dirty="0" smtClean="0"/>
+          </a:p>
+        </p:txBody>
+      </p:sp>
+      <p:sp>
+        <p:nvSpPr>
+          <p:cNvPr id="5" name="Title 4"/>
+          <p:cNvSpPr>
+            <a:spLocks noGrp="1"/>
+          </p:cNvSpPr>
+          <p:nvPr>
+            <p:ph type="title"/>
+          </p:nvPr>
+        </p:nvSpPr>
+        <p:spPr/>
+        <p:txBody>
+          <a:bodyPr/>
+          <a:lstStyle/>
+          <a:p>
+            <a:r>
+              <a:rPr lang="en-US" dirty="0" smtClean="0"/>
+              <a:t>GL: Create the `</a:t>
+            </a:r>
+            <a:r>
+              <a:rPr lang="en-US" dirty="0" err="1" smtClean="0"/>
+              <a:t>inspec</a:t>
+            </a:r>
+            <a:r>
+              <a:rPr lang="en-US" dirty="0" smtClean="0"/>
+              <a:t>` Directory</a:t>
             </a:r>
             <a:endParaRPr lang="en-US" dirty="0"/>
-          </a:p>
-          <a:p>
-            <a:pPr marL="457200" indent="-457200">
-              <a:buFont typeface="Wingdings" panose="05000000000000000000" pitchFamily="2" charset="2"/>
-              <a:buChar char="q"/>
-            </a:pPr>
-            <a:r>
-              <a:rPr lang="en-US" dirty="0"/>
-              <a:t>Rescan the node and ensure compliance.</a:t>
-            </a:r>
           </a:p>
         </p:txBody>
       </p:sp>
     </p:spTree>
     <p:extLst>
       <p:ext uri="{BB962C8B-B14F-4D97-AF65-F5344CB8AC3E}">
-        <p14:creationId xmlns:p14="http://schemas.microsoft.com/office/powerpoint/2010/main" val="3279481553"/>
+        <p14:creationId xmlns:p14="http://schemas.microsoft.com/office/powerpoint/2010/main" val="3368399157"/>
       </p:ext>
     </p:extLst>
   </p:cSld>
@@ -28409,104 +28222,6 @@
       </p:grpSpPr>
       <p:sp>
         <p:nvSpPr>
-          <p:cNvPr id="3" name="Text Placeholder 2"/>
-          <p:cNvSpPr>
-            <a:spLocks noGrp="1"/>
-          </p:cNvSpPr>
-          <p:nvPr>
-            <p:ph type="body" sz="quarter" idx="11"/>
-          </p:nvPr>
-        </p:nvSpPr>
-        <p:spPr/>
-        <p:txBody>
-          <a:bodyPr/>
-          <a:lstStyle/>
-          <a:p>
-            <a:r>
-              <a:rPr lang="en-US" dirty="0" smtClean="0"/>
-              <a:t>$ mkdir -p ~/cookbooks/ssh/test/integration/client/</a:t>
-            </a:r>
-            <a:r>
-              <a:rPr lang="en-US" dirty="0" err="1" smtClean="0"/>
-              <a:t>inspec</a:t>
-            </a:r>
-            <a:endParaRPr lang="en-US" dirty="0" smtClean="0"/>
-          </a:p>
-        </p:txBody>
-      </p:sp>
-      <p:sp>
-        <p:nvSpPr>
-          <p:cNvPr id="5" name="Title 4"/>
-          <p:cNvSpPr>
-            <a:spLocks noGrp="1"/>
-          </p:cNvSpPr>
-          <p:nvPr>
-            <p:ph type="title"/>
-          </p:nvPr>
-        </p:nvSpPr>
-        <p:spPr/>
-        <p:txBody>
-          <a:bodyPr/>
-          <a:lstStyle/>
-          <a:p>
-            <a:r>
-              <a:rPr lang="en-US" dirty="0" smtClean="0"/>
-              <a:t>GL: Create the `</a:t>
-            </a:r>
-            <a:r>
-              <a:rPr lang="en-US" dirty="0" err="1" smtClean="0"/>
-              <a:t>inspec</a:t>
-            </a:r>
-            <a:r>
-              <a:rPr lang="en-US" dirty="0" smtClean="0"/>
-              <a:t>` Directory</a:t>
-            </a:r>
-            <a:endParaRPr lang="en-US" dirty="0"/>
-          </a:p>
-        </p:txBody>
-      </p:sp>
-    </p:spTree>
-    <p:extLst>
-      <p:ext uri="{BB962C8B-B14F-4D97-AF65-F5344CB8AC3E}">
-        <p14:creationId xmlns:p14="http://schemas.microsoft.com/office/powerpoint/2010/main" val="3368399157"/>
-      </p:ext>
-    </p:extLst>
-  </p:cSld>
-  <p:clrMapOvr>
-    <a:masterClrMapping/>
-  </p:clrMapOvr>
-  <p:transition spd="med">
-    <p:fade/>
-  </p:transition>
-  <p:timing>
-    <p:tnLst>
-      <p:par>
-        <p:cTn id="1" dur="indefinite" restart="never" nodeType="tmRoot"/>
-      </p:par>
-    </p:tnLst>
-  </p:timing>
-</p:sld>
-</file>
-
-<file path=ppt/slides/slide45.xml><?xml version="1.0" encoding="utf-8"?>
-<p:sld xmlns:a="http://schemas.openxmlformats.org/drawingml/2006/main" xmlns:r="http://schemas.openxmlformats.org/officeDocument/2006/relationships" xmlns:p="http://schemas.openxmlformats.org/presentationml/2006/main">
-  <p:cSld>
-    <p:spTree>
-      <p:nvGrpSpPr>
-        <p:cNvPr id="1" name=""/>
-        <p:cNvGrpSpPr/>
-        <p:nvPr/>
-      </p:nvGrpSpPr>
-      <p:grpSpPr>
-        <a:xfrm>
-          <a:off x="0" y="0"/>
-          <a:ext cx="0" cy="0"/>
-          <a:chOff x="0" y="0"/>
-          <a:chExt cx="0" cy="0"/>
-        </a:xfrm>
-      </p:grpSpPr>
-      <p:sp>
-        <p:nvSpPr>
           <p:cNvPr id="2" name="Title 1"/>
           <p:cNvSpPr>
             <a:spLocks noGrp="1"/>
@@ -28705,7 +28420,7 @@
 </p:sld>
 </file>
 
-<file path=ppt/slides/slide46.xml><?xml version="1.0" encoding="utf-8"?>
+<file path=ppt/slides/slide45.xml><?xml version="1.0" encoding="utf-8"?>
 <p:sld xmlns:a="http://schemas.openxmlformats.org/drawingml/2006/main" xmlns:r="http://schemas.openxmlformats.org/officeDocument/2006/relationships" xmlns:p="http://schemas.openxmlformats.org/presentationml/2006/main">
   <p:cSld>
     <p:spTree>
@@ -28871,7 +28586,7 @@
 </p:sld>
 </file>
 
-<file path=ppt/slides/slide47.xml><?xml version="1.0" encoding="utf-8"?>
+<file path=ppt/slides/slide46.xml><?xml version="1.0" encoding="utf-8"?>
 <p:sld xmlns:a="http://schemas.openxmlformats.org/drawingml/2006/main" xmlns:r="http://schemas.openxmlformats.org/officeDocument/2006/relationships" xmlns:p="http://schemas.openxmlformats.org/presentationml/2006/main">
   <p:cSld>
     <p:spTree>
@@ -29008,7 +28723,7 @@
 </p:sld>
 </file>
 
-<file path=ppt/slides/slide48.xml><?xml version="1.0" encoding="utf-8"?>
+<file path=ppt/slides/slide47.xml><?xml version="1.0" encoding="utf-8"?>
 <p:sld xmlns:a="http://schemas.openxmlformats.org/drawingml/2006/main" xmlns:r="http://schemas.openxmlformats.org/officeDocument/2006/relationships" xmlns:p="http://schemas.openxmlformats.org/presentationml/2006/main">
   <p:cSld>
     <p:spTree>
@@ -29138,7 +28853,7 @@
 </p:sld>
 </file>
 
-<file path=ppt/slides/slide49.xml><?xml version="1.0" encoding="utf-8"?>
+<file path=ppt/slides/slide48.xml><?xml version="1.0" encoding="utf-8"?>
 <p:sld xmlns:a="http://schemas.openxmlformats.org/drawingml/2006/main" xmlns:r="http://schemas.openxmlformats.org/officeDocument/2006/relationships" xmlns:p="http://schemas.openxmlformats.org/presentationml/2006/main">
   <p:cSld>
     <p:spTree>
@@ -29414,6 +29129,283 @@
     <p:extLst>
       <p:ext uri="{BB962C8B-B14F-4D97-AF65-F5344CB8AC3E}">
         <p14:creationId xmlns:p14="http://schemas.microsoft.com/office/powerpoint/2010/main" val="4012328690"/>
+      </p:ext>
+    </p:extLst>
+  </p:cSld>
+  <p:clrMapOvr>
+    <a:masterClrMapping/>
+  </p:clrMapOvr>
+  <p:transition spd="med">
+    <p:fade/>
+  </p:transition>
+  <p:timing>
+    <p:tnLst>
+      <p:par>
+        <p:cTn id="1" dur="indefinite" restart="never" nodeType="tmRoot"/>
+      </p:par>
+    </p:tnLst>
+  </p:timing>
+</p:sld>
+</file>
+
+<file path=ppt/slides/slide49.xml><?xml version="1.0" encoding="utf-8"?>
+<p:sld xmlns:a="http://schemas.openxmlformats.org/drawingml/2006/main" xmlns:r="http://schemas.openxmlformats.org/officeDocument/2006/relationships" xmlns:p="http://schemas.openxmlformats.org/presentationml/2006/main">
+  <p:cSld>
+    <p:spTree>
+      <p:nvGrpSpPr>
+        <p:cNvPr id="1" name=""/>
+        <p:cNvGrpSpPr/>
+        <p:nvPr/>
+      </p:nvGrpSpPr>
+      <p:grpSpPr>
+        <a:xfrm>
+          <a:off x="0" y="0"/>
+          <a:ext cx="0" cy="0"/>
+          <a:chOff x="0" y="0"/>
+          <a:chExt cx="0" cy="0"/>
+        </a:xfrm>
+      </p:grpSpPr>
+      <p:sp>
+        <p:nvSpPr>
+          <p:cNvPr id="2" name="Content Placeholder 1"/>
+          <p:cNvSpPr>
+            <a:spLocks noGrp="1"/>
+          </p:cNvSpPr>
+          <p:nvPr>
+            <p:ph sz="quarter" idx="10"/>
+          </p:nvPr>
+        </p:nvSpPr>
+        <p:spPr>
+          <a:xfrm>
+            <a:off x="1121104" y="3228515"/>
+            <a:ext cx="14423693" cy="4667928"/>
+          </a:xfrm>
+        </p:spPr>
+        <p:txBody>
+          <a:bodyPr/>
+          <a:lstStyle/>
+          <a:p>
+            <a:r>
+              <a:rPr lang="en-US" sz="1200" dirty="0" smtClean="0"/>
+              <a:t>Failures:</a:t>
+            </a:r>
+            <a:endParaRPr lang="en-US" sz="1200" dirty="0"/>
+          </a:p>
+          <a:p>
+            <a:r>
+              <a:rPr lang="en-US" sz="1200" dirty="0"/>
+              <a:t>  1) SSH Configuration Protocol should </a:t>
+            </a:r>
+            <a:r>
+              <a:rPr lang="en-US" sz="1200" dirty="0" err="1"/>
+              <a:t>eq</a:t>
+            </a:r>
+            <a:r>
+              <a:rPr lang="en-US" sz="1200" dirty="0"/>
+              <a:t> "2"</a:t>
+            </a:r>
+          </a:p>
+          <a:p>
+            <a:r>
+              <a:rPr lang="en-US" sz="1200" dirty="0"/>
+              <a:t>     Failure/Error: its('Protocol') { should </a:t>
+            </a:r>
+            <a:r>
+              <a:rPr lang="en-US" sz="1200" dirty="0" err="1"/>
+              <a:t>eq</a:t>
+            </a:r>
+            <a:r>
+              <a:rPr lang="en-US" sz="1200" dirty="0"/>
+              <a:t>('2') }</a:t>
+            </a:r>
+          </a:p>
+          <a:p>
+            <a:endParaRPr lang="en-US" sz="1200" dirty="0"/>
+          </a:p>
+          <a:p>
+            <a:r>
+              <a:rPr lang="en-US" sz="1200" dirty="0"/>
+              <a:t>       expected: "2"</a:t>
+            </a:r>
+          </a:p>
+          <a:p>
+            <a:r>
+              <a:rPr lang="en-US" sz="1200" dirty="0"/>
+              <a:t>            got: nil</a:t>
+            </a:r>
+          </a:p>
+          <a:p>
+            <a:endParaRPr lang="en-US" sz="1200" dirty="0"/>
+          </a:p>
+          <a:p>
+            <a:r>
+              <a:rPr lang="en-US" sz="1200" dirty="0"/>
+              <a:t>       (compared using ==)</a:t>
+            </a:r>
+          </a:p>
+          <a:p>
+            <a:r>
+              <a:rPr lang="en-US" sz="1200" dirty="0"/>
+              <a:t>     # ./test/integration/client/</a:t>
+            </a:r>
+            <a:r>
+              <a:rPr lang="en-US" sz="1200" dirty="0" err="1"/>
+              <a:t>inspec</a:t>
+            </a:r>
+            <a:r>
+              <a:rPr lang="en-US" sz="1200" dirty="0"/>
+              <a:t>/client_spec.rb:9:in `block (3 levels) in load'</a:t>
+            </a:r>
+          </a:p>
+          <a:p>
+            <a:endParaRPr lang="en-US" sz="1200" dirty="0"/>
+          </a:p>
+          <a:p>
+            <a:r>
+              <a:rPr lang="en-US" sz="1200" dirty="0"/>
+              <a:t>Finished in 0.79369 seconds (files took 0.7207 seconds to load)</a:t>
+            </a:r>
+          </a:p>
+          <a:p>
+            <a:r>
+              <a:rPr lang="en-US" sz="1200" dirty="0"/>
+              <a:t>1 example, 1 failure</a:t>
+            </a:r>
+          </a:p>
+          <a:p>
+            <a:endParaRPr lang="en-US" sz="1200" dirty="0"/>
+          </a:p>
+          <a:p>
+            <a:r>
+              <a:rPr lang="en-US" sz="1200" dirty="0"/>
+              <a:t>Failed examples:</a:t>
+            </a:r>
+          </a:p>
+          <a:p>
+            <a:endParaRPr lang="en-US" sz="1200" dirty="0"/>
+          </a:p>
+          <a:p>
+            <a:r>
+              <a:rPr lang="en-US" sz="1200" dirty="0" err="1"/>
+              <a:t>rspec</a:t>
+            </a:r>
+            <a:r>
+              <a:rPr lang="en-US" sz="1200" dirty="0"/>
+              <a:t>  # SSH Configuration Protocol should </a:t>
+            </a:r>
+            <a:r>
+              <a:rPr lang="en-US" sz="1200" dirty="0" err="1"/>
+              <a:t>eq</a:t>
+            </a:r>
+            <a:r>
+              <a:rPr lang="en-US" sz="1200" dirty="0"/>
+              <a:t> "2"</a:t>
+            </a:r>
+          </a:p>
+          <a:p>
+            <a:endParaRPr lang="en-US" sz="1200" dirty="0"/>
+          </a:p>
+        </p:txBody>
+      </p:sp>
+      <p:sp>
+        <p:nvSpPr>
+          <p:cNvPr id="3" name="Text Placeholder 2"/>
+          <p:cNvSpPr>
+            <a:spLocks noGrp="1"/>
+          </p:cNvSpPr>
+          <p:nvPr>
+            <p:ph type="body" sz="quarter" idx="11"/>
+          </p:nvPr>
+        </p:nvSpPr>
+        <p:spPr>
+          <a:xfrm>
+            <a:off x="1121104" y="1337149"/>
+            <a:ext cx="14422528" cy="1512377"/>
+          </a:xfrm>
+        </p:spPr>
+        <p:txBody>
+          <a:bodyPr/>
+          <a:lstStyle/>
+          <a:p>
+            <a:r>
+              <a:rPr lang="en-US" dirty="0" smtClean="0"/>
+              <a:t>$ </a:t>
+            </a:r>
+            <a:r>
+              <a:rPr lang="en-US" dirty="0" err="1"/>
+              <a:t>inspec</a:t>
+            </a:r>
+            <a:r>
+              <a:rPr lang="en-US" dirty="0"/>
+              <a:t> </a:t>
+            </a:r>
+            <a:r>
+              <a:rPr lang="en-US" dirty="0" smtClean="0"/>
+              <a:t>exec ~/</a:t>
+            </a:r>
+            <a:r>
+              <a:rPr lang="en-US" dirty="0"/>
+              <a:t>cookbooks/ssh/test/integration/client/</a:t>
+            </a:r>
+            <a:r>
+              <a:rPr lang="en-US" dirty="0" err="1"/>
+              <a:t>inspec</a:t>
+            </a:r>
+            <a:r>
+              <a:rPr lang="en-US" dirty="0"/>
+              <a:t>/</a:t>
+            </a:r>
+            <a:r>
+              <a:rPr lang="en-US" dirty="0" err="1"/>
+              <a:t>client_spec.rb</a:t>
+            </a:r>
+            <a:r>
+              <a:rPr lang="en-US" dirty="0"/>
+              <a:t> -t docker</a:t>
+            </a:r>
+            <a:r>
+              <a:rPr lang="en-US" dirty="0" smtClean="0"/>
+              <a:t>://CONTAINER_ID </a:t>
+            </a:r>
+            <a:endParaRPr lang="en-US" dirty="0"/>
+          </a:p>
+        </p:txBody>
+      </p:sp>
+      <p:sp>
+        <p:nvSpPr>
+          <p:cNvPr id="5" name="Title 4"/>
+          <p:cNvSpPr>
+            <a:spLocks noGrp="1"/>
+          </p:cNvSpPr>
+          <p:nvPr>
+            <p:ph type="title"/>
+          </p:nvPr>
+        </p:nvSpPr>
+        <p:spPr>
+          <a:xfrm>
+            <a:off x="608432" y="360193"/>
+            <a:ext cx="14935200" cy="828675"/>
+          </a:xfrm>
+        </p:spPr>
+        <p:txBody>
+          <a:bodyPr/>
+          <a:lstStyle/>
+          <a:p>
+            <a:r>
+              <a:rPr lang="en-US" dirty="0" smtClean="0"/>
+              <a:t>GL: </a:t>
+            </a:r>
+            <a:r>
+              <a:rPr lang="en-US" dirty="0"/>
+              <a:t>Running InSpec from the CLI</a:t>
+            </a:r>
+          </a:p>
+        </p:txBody>
+      </p:sp>
+    </p:spTree>
+    <p:extLst>
+      <p:ext uri="{BB962C8B-B14F-4D97-AF65-F5344CB8AC3E}">
+        <p14:creationId xmlns:p14="http://schemas.microsoft.com/office/powerpoint/2010/main" val="372084642"/>
       </p:ext>
     </p:extLst>
   </p:cSld>
@@ -29612,245 +29604,143 @@
       </p:grpSpPr>
       <p:sp>
         <p:nvSpPr>
-          <p:cNvPr id="2" name="Content Placeholder 1"/>
+          <p:cNvPr id="2" name="Title 1"/>
+          <p:cNvSpPr>
+            <a:spLocks noGrp="1"/>
+          </p:cNvSpPr>
+          <p:nvPr>
+            <p:ph type="title"/>
+          </p:nvPr>
+        </p:nvSpPr>
+        <p:spPr/>
+        <p:txBody>
+          <a:bodyPr/>
+          <a:lstStyle/>
+          <a:p>
+            <a:r>
+              <a:rPr lang="en-US" dirty="0" smtClean="0"/>
+              <a:t>GL: </a:t>
+            </a:r>
+            <a:r>
+              <a:rPr lang="en-US" dirty="0"/>
+              <a:t>Update the Template</a:t>
+            </a:r>
+          </a:p>
+        </p:txBody>
+      </p:sp>
+      <p:sp>
+        <p:nvSpPr>
+          <p:cNvPr id="3" name="Content Placeholder 2"/>
           <p:cNvSpPr>
             <a:spLocks noGrp="1"/>
           </p:cNvSpPr>
           <p:nvPr>
             <p:ph sz="quarter" idx="10"/>
+          </p:nvPr>
+        </p:nvSpPr>
+        <p:spPr/>
+        <p:txBody>
+          <a:bodyPr/>
+          <a:lstStyle/>
+          <a:p>
+            <a:r>
+              <a:rPr lang="en-US" b="1" dirty="0"/>
+              <a:t>#   IdentityFile ~/.ssh/</a:t>
+            </a:r>
+            <a:r>
+              <a:rPr lang="en-US" b="1" dirty="0" err="1"/>
+              <a:t>id_rsa</a:t>
+            </a:r>
+            <a:endParaRPr lang="en-US" b="1" dirty="0"/>
+          </a:p>
+          <a:p>
+            <a:r>
+              <a:rPr lang="en-US" b="1" dirty="0"/>
+              <a:t>#   IdentityFile ~/.ssh/</a:t>
+            </a:r>
+            <a:r>
+              <a:rPr lang="en-US" b="1" dirty="0" err="1"/>
+              <a:t>id_dsa</a:t>
+            </a:r>
+            <a:endParaRPr lang="en-US" b="1" dirty="0"/>
+          </a:p>
+          <a:p>
+            <a:r>
+              <a:rPr lang="en-US" b="1" dirty="0"/>
+              <a:t>#   Port 22</a:t>
+            </a:r>
+          </a:p>
+          <a:p>
+            <a:r>
+              <a:rPr lang="en-US" b="1" dirty="0"/>
+              <a:t>#   Protocol </a:t>
+            </a:r>
+            <a:r>
+              <a:rPr lang="en-US" b="1" dirty="0" smtClean="0"/>
+              <a:t>2,1</a:t>
+            </a:r>
+            <a:endParaRPr lang="en-US" b="1" dirty="0"/>
+          </a:p>
+          <a:p>
+            <a:endParaRPr lang="en-US" dirty="0"/>
+          </a:p>
+        </p:txBody>
+      </p:sp>
+      <p:sp>
+        <p:nvSpPr>
+          <p:cNvPr id="4" name="Text Placeholder 3"/>
+          <p:cNvSpPr>
+            <a:spLocks noGrp="1"/>
+          </p:cNvSpPr>
+          <p:nvPr>
+            <p:ph type="body" sz="quarter" idx="11"/>
+          </p:nvPr>
+        </p:nvSpPr>
+        <p:spPr/>
+        <p:txBody>
+          <a:bodyPr/>
+          <a:lstStyle/>
+          <a:p>
+            <a:r>
+              <a:rPr lang="en-US" dirty="0" smtClean="0"/>
+              <a:t>~/cookbooks/ssh/templates/default/</a:t>
+            </a:r>
+            <a:r>
+              <a:rPr lang="en-US" dirty="0" err="1" smtClean="0"/>
+              <a:t>ssh_config.erb</a:t>
+            </a:r>
+            <a:endParaRPr lang="en-US" dirty="0"/>
+          </a:p>
+        </p:txBody>
+      </p:sp>
+      <p:sp>
+        <p:nvSpPr>
+          <p:cNvPr id="5" name="Text Placeholder 4"/>
+          <p:cNvSpPr>
+            <a:spLocks noGrp="1"/>
+          </p:cNvSpPr>
+          <p:nvPr>
+            <p:ph type="body" sz="quarter" idx="12"/>
           </p:nvPr>
         </p:nvSpPr>
         <p:spPr>
           <a:xfrm>
-            <a:off x="1121104" y="3228515"/>
-            <a:ext cx="14423693" cy="4667928"/>
+            <a:off x="1198583" y="3627899"/>
+            <a:ext cx="14404273" cy="659007"/>
           </a:xfrm>
         </p:spPr>
         <p:txBody>
           <a:bodyPr/>
           <a:lstStyle/>
           <a:p>
-            <a:r>
-              <a:rPr lang="en-US" sz="1200" dirty="0" smtClean="0"/>
-              <a:t>Failures:</a:t>
-            </a:r>
-            <a:endParaRPr lang="en-US" sz="1200" dirty="0"/>
-          </a:p>
-          <a:p>
-            <a:r>
-              <a:rPr lang="en-US" sz="1200" dirty="0"/>
-              <a:t>  1) SSH Configuration Protocol should </a:t>
-            </a:r>
-            <a:r>
-              <a:rPr lang="en-US" sz="1200" dirty="0" err="1"/>
-              <a:t>eq</a:t>
-            </a:r>
-            <a:r>
-              <a:rPr lang="en-US" sz="1200" dirty="0"/>
-              <a:t> "2"</a:t>
-            </a:r>
-          </a:p>
-          <a:p>
-            <a:r>
-              <a:rPr lang="en-US" sz="1200" dirty="0"/>
-              <a:t>     Failure/Error: its('Protocol') { should </a:t>
-            </a:r>
-            <a:r>
-              <a:rPr lang="en-US" sz="1200" dirty="0" err="1"/>
-              <a:t>eq</a:t>
-            </a:r>
-            <a:r>
-              <a:rPr lang="en-US" sz="1200" dirty="0"/>
-              <a:t>('2') }</a:t>
-            </a:r>
-          </a:p>
-          <a:p>
-            <a:endParaRPr lang="en-US" sz="1200" dirty="0"/>
-          </a:p>
-          <a:p>
-            <a:r>
-              <a:rPr lang="en-US" sz="1200" dirty="0"/>
-              <a:t>       expected: "2"</a:t>
-            </a:r>
-          </a:p>
-          <a:p>
-            <a:r>
-              <a:rPr lang="en-US" sz="1200" dirty="0"/>
-              <a:t>            got: nil</a:t>
-            </a:r>
-          </a:p>
-          <a:p>
-            <a:endParaRPr lang="en-US" sz="1200" dirty="0"/>
-          </a:p>
-          <a:p>
-            <a:r>
-              <a:rPr lang="en-US" sz="1200" dirty="0"/>
-              <a:t>       (compared using ==)</a:t>
-            </a:r>
-          </a:p>
-          <a:p>
-            <a:r>
-              <a:rPr lang="en-US" sz="1200" dirty="0"/>
-              <a:t>     # ./test/integration/client/</a:t>
-            </a:r>
-            <a:r>
-              <a:rPr lang="en-US" sz="1200" dirty="0" err="1"/>
-              <a:t>inspec</a:t>
-            </a:r>
-            <a:r>
-              <a:rPr lang="en-US" sz="1200" dirty="0"/>
-              <a:t>/client_spec.rb:9:in `block (3 levels) in load'</a:t>
-            </a:r>
-          </a:p>
-          <a:p>
-            <a:endParaRPr lang="en-US" sz="1200" dirty="0"/>
-          </a:p>
-          <a:p>
-            <a:r>
-              <a:rPr lang="en-US" sz="1200" dirty="0"/>
-              <a:t>Finished in 0.79369 seconds (files took 0.7207 seconds to load)</a:t>
-            </a:r>
-          </a:p>
-          <a:p>
-            <a:r>
-              <a:rPr lang="en-US" sz="1200" dirty="0"/>
-              <a:t>1 example, 1 failure</a:t>
-            </a:r>
-          </a:p>
-          <a:p>
-            <a:endParaRPr lang="en-US" sz="1200" dirty="0"/>
-          </a:p>
-          <a:p>
-            <a:r>
-              <a:rPr lang="en-US" sz="1200" dirty="0"/>
-              <a:t>Failed examples:</a:t>
-            </a:r>
-          </a:p>
-          <a:p>
-            <a:endParaRPr lang="en-US" sz="1200" dirty="0"/>
-          </a:p>
-          <a:p>
-            <a:r>
-              <a:rPr lang="en-US" sz="1200" dirty="0" err="1"/>
-              <a:t>rspec</a:t>
-            </a:r>
-            <a:r>
-              <a:rPr lang="en-US" sz="1200" dirty="0"/>
-              <a:t>  # SSH Configuration Protocol should </a:t>
-            </a:r>
-            <a:r>
-              <a:rPr lang="en-US" sz="1200" dirty="0" err="1"/>
-              <a:t>eq</a:t>
-            </a:r>
-            <a:r>
-              <a:rPr lang="en-US" sz="1200" dirty="0"/>
-              <a:t> "2"</a:t>
-            </a:r>
-          </a:p>
-          <a:p>
-            <a:endParaRPr lang="en-US" sz="1200" dirty="0"/>
-          </a:p>
-        </p:txBody>
-      </p:sp>
-      <p:sp>
-        <p:nvSpPr>
-          <p:cNvPr id="3" name="Text Placeholder 2"/>
-          <p:cNvSpPr>
-            <a:spLocks noGrp="1"/>
-          </p:cNvSpPr>
-          <p:nvPr>
-            <p:ph type="body" sz="quarter" idx="11"/>
-          </p:nvPr>
-        </p:nvSpPr>
-        <p:spPr>
-          <a:xfrm>
-            <a:off x="1121104" y="1337149"/>
-            <a:ext cx="14422528" cy="1512377"/>
-          </a:xfrm>
-        </p:spPr>
-        <p:txBody>
-          <a:bodyPr/>
-          <a:lstStyle/>
-          <a:p>
-            <a:r>
-              <a:rPr lang="en-US" dirty="0" smtClean="0"/>
-              <a:t>$ </a:t>
-            </a:r>
-            <a:r>
-              <a:rPr lang="en-US" dirty="0" err="1"/>
-              <a:t>inspec</a:t>
-            </a:r>
-            <a:r>
-              <a:rPr lang="en-US" dirty="0"/>
-              <a:t> </a:t>
-            </a:r>
-            <a:r>
-              <a:rPr lang="en-US" dirty="0" smtClean="0"/>
-              <a:t>exec ~/</a:t>
-            </a:r>
-            <a:r>
-              <a:rPr lang="en-US" dirty="0"/>
-              <a:t>cookbooks/ssh/test/integration/client/</a:t>
-            </a:r>
-            <a:r>
-              <a:rPr lang="en-US" dirty="0" err="1"/>
-              <a:t>inspec</a:t>
-            </a:r>
-            <a:r>
-              <a:rPr lang="en-US" dirty="0"/>
-              <a:t>/</a:t>
-            </a:r>
-            <a:r>
-              <a:rPr lang="en-US" dirty="0" err="1"/>
-              <a:t>client_spec.rb</a:t>
-            </a:r>
-            <a:r>
-              <a:rPr lang="en-US" dirty="0"/>
-              <a:t> -t docker</a:t>
-            </a:r>
-            <a:r>
-              <a:rPr lang="en-US" dirty="0" smtClean="0"/>
-              <a:t>://CONTAINER_ID </a:t>
-            </a:r>
             <a:endParaRPr lang="en-US" dirty="0"/>
-          </a:p>
-        </p:txBody>
-      </p:sp>
-      <p:sp>
-        <p:nvSpPr>
-          <p:cNvPr id="5" name="Title 4"/>
-          <p:cNvSpPr>
-            <a:spLocks noGrp="1"/>
-          </p:cNvSpPr>
-          <p:nvPr>
-            <p:ph type="title"/>
-          </p:nvPr>
-        </p:nvSpPr>
-        <p:spPr>
-          <a:xfrm>
-            <a:off x="608432" y="360193"/>
-            <a:ext cx="14935200" cy="828675"/>
-          </a:xfrm>
-        </p:spPr>
-        <p:txBody>
-          <a:bodyPr/>
-          <a:lstStyle/>
-          <a:p>
-            <a:r>
-              <a:rPr lang="en-US" dirty="0" smtClean="0"/>
-              <a:t>GL: </a:t>
-            </a:r>
-            <a:r>
-              <a:rPr lang="en-US" dirty="0"/>
-              <a:t>Running InSpec from the CLI</a:t>
-            </a:r>
           </a:p>
         </p:txBody>
       </p:sp>
     </p:spTree>
     <p:extLst>
       <p:ext uri="{BB962C8B-B14F-4D97-AF65-F5344CB8AC3E}">
-        <p14:creationId xmlns:p14="http://schemas.microsoft.com/office/powerpoint/2010/main" val="372084642"/>
+        <p14:creationId xmlns:p14="http://schemas.microsoft.com/office/powerpoint/2010/main" val="1938383060"/>
       </p:ext>
     </p:extLst>
   </p:cSld>
@@ -29952,19 +29842,18 @@
           <a:p>
             <a:r>
               <a:rPr lang="en-US" b="1" dirty="0"/>
-              <a:t>#   Port 22</a:t>
-            </a:r>
-          </a:p>
-          <a:p>
-            <a:r>
-              <a:rPr lang="en-US" b="1" dirty="0"/>
-              <a:t>#   Protocol </a:t>
+              <a:t>#   Port </a:t>
             </a:r>
             <a:r>
               <a:rPr lang="en-US" b="1" dirty="0" smtClean="0"/>
-              <a:t>2,1</a:t>
-            </a:r>
-            <a:endParaRPr lang="en-US" b="1" dirty="0"/>
+              <a:t>22</a:t>
+            </a:r>
+          </a:p>
+          <a:p>
+            <a:r>
+              <a:rPr lang="en-US" b="1" dirty="0" smtClean="0"/>
+              <a:t>Protocol 2</a:t>
+            </a:r>
           </a:p>
           <a:p>
             <a:endParaRPr lang="en-US" dirty="0"/>
@@ -30000,18 +29889,18 @@
       </p:sp>
       <p:sp>
         <p:nvSpPr>
-          <p:cNvPr id="5" name="Text Placeholder 4"/>
-          <p:cNvSpPr>
-            <a:spLocks noGrp="1"/>
-          </p:cNvSpPr>
-          <p:nvPr>
-            <p:ph type="body" sz="quarter" idx="12"/>
+          <p:cNvPr id="6" name="Text Placeholder 5"/>
+          <p:cNvSpPr>
+            <a:spLocks noGrp="1"/>
+          </p:cNvSpPr>
+          <p:nvPr>
+            <p:ph type="body" sz="quarter" idx="13"/>
           </p:nvPr>
         </p:nvSpPr>
         <p:spPr>
           <a:xfrm>
-            <a:off x="1198583" y="3627899"/>
-            <a:ext cx="14404273" cy="659007"/>
+            <a:off x="1139359" y="3696890"/>
+            <a:ext cx="14404273" cy="626533"/>
           </a:xfrm>
         </p:spPr>
         <p:txBody>
@@ -30025,7 +29914,7 @@
     </p:spTree>
     <p:extLst>
       <p:ext uri="{BB962C8B-B14F-4D97-AF65-F5344CB8AC3E}">
-        <p14:creationId xmlns:p14="http://schemas.microsoft.com/office/powerpoint/2010/main" val="1938383060"/>
+        <p14:creationId xmlns:p14="http://schemas.microsoft.com/office/powerpoint/2010/main" val="3137575415"/>
       </p:ext>
     </p:extLst>
   </p:cSld>
@@ -30064,142 +29953,67 @@
       </p:grpSpPr>
       <p:sp>
         <p:nvSpPr>
-          <p:cNvPr id="2" name="Title 1"/>
-          <p:cNvSpPr>
-            <a:spLocks noGrp="1"/>
-          </p:cNvSpPr>
-          <p:nvPr>
-            <p:ph type="title"/>
-          </p:nvPr>
-        </p:nvSpPr>
-        <p:spPr/>
-        <p:txBody>
-          <a:bodyPr/>
-          <a:lstStyle/>
-          <a:p>
-            <a:r>
-              <a:rPr lang="en-US" dirty="0" smtClean="0"/>
-              <a:t>GL: </a:t>
-            </a:r>
-            <a:r>
-              <a:rPr lang="en-US" dirty="0"/>
-              <a:t>Update the Template</a:t>
-            </a:r>
-          </a:p>
-        </p:txBody>
-      </p:sp>
-      <p:sp>
-        <p:nvSpPr>
-          <p:cNvPr id="3" name="Content Placeholder 2"/>
-          <p:cNvSpPr>
-            <a:spLocks noGrp="1"/>
-          </p:cNvSpPr>
-          <p:nvPr>
-            <p:ph sz="quarter" idx="10"/>
-          </p:nvPr>
-        </p:nvSpPr>
-        <p:spPr/>
-        <p:txBody>
-          <a:bodyPr/>
-          <a:lstStyle/>
-          <a:p>
-            <a:r>
-              <a:rPr lang="en-US" b="1" dirty="0"/>
-              <a:t>#   IdentityFile ~/.ssh/</a:t>
-            </a:r>
-            <a:r>
-              <a:rPr lang="en-US" b="1" dirty="0" err="1"/>
-              <a:t>id_rsa</a:t>
-            </a:r>
-            <a:endParaRPr lang="en-US" b="1" dirty="0"/>
-          </a:p>
-          <a:p>
-            <a:r>
-              <a:rPr lang="en-US" b="1" dirty="0"/>
-              <a:t>#   IdentityFile ~/.ssh/</a:t>
-            </a:r>
-            <a:r>
-              <a:rPr lang="en-US" b="1" dirty="0" err="1"/>
-              <a:t>id_dsa</a:t>
-            </a:r>
-            <a:endParaRPr lang="en-US" b="1" dirty="0"/>
-          </a:p>
-          <a:p>
-            <a:r>
-              <a:rPr lang="en-US" b="1" dirty="0"/>
-              <a:t>#   Port </a:t>
-            </a:r>
-            <a:r>
-              <a:rPr lang="en-US" b="1" dirty="0" smtClean="0"/>
-              <a:t>22</a:t>
-            </a:r>
-          </a:p>
-          <a:p>
-            <a:r>
-              <a:rPr lang="en-US" b="1" dirty="0" smtClean="0"/>
-              <a:t>Protocol 2</a:t>
-            </a:r>
-          </a:p>
-          <a:p>
-            <a:endParaRPr lang="en-US" dirty="0"/>
-          </a:p>
-        </p:txBody>
-      </p:sp>
-      <p:sp>
-        <p:nvSpPr>
-          <p:cNvPr id="4" name="Text Placeholder 3"/>
+          <p:cNvPr id="3" name="Text Placeholder 2"/>
           <p:cNvSpPr>
             <a:spLocks noGrp="1"/>
           </p:cNvSpPr>
           <p:nvPr>
             <p:ph type="body" sz="quarter" idx="11"/>
-          </p:nvPr>
-        </p:nvSpPr>
-        <p:spPr/>
-        <p:txBody>
-          <a:bodyPr/>
-          <a:lstStyle/>
-          <a:p>
-            <a:r>
-              <a:rPr lang="en-US" dirty="0" smtClean="0"/>
-              <a:t>~/cookbooks/ssh/templates/default/</a:t>
-            </a:r>
-            <a:r>
-              <a:rPr lang="en-US" dirty="0" err="1" smtClean="0"/>
-              <a:t>ssh_config.erb</a:t>
-            </a:r>
-            <a:endParaRPr lang="en-US" dirty="0"/>
-          </a:p>
-        </p:txBody>
-      </p:sp>
-      <p:sp>
-        <p:nvSpPr>
-          <p:cNvPr id="6" name="Text Placeholder 5"/>
-          <p:cNvSpPr>
-            <a:spLocks noGrp="1"/>
-          </p:cNvSpPr>
-          <p:nvPr>
-            <p:ph type="body" sz="quarter" idx="13"/>
           </p:nvPr>
         </p:nvSpPr>
         <p:spPr>
           <a:xfrm>
-            <a:off x="1139359" y="3696890"/>
-            <a:ext cx="14404273" cy="626533"/>
+            <a:off x="1121104" y="1337149"/>
+            <a:ext cx="14422528" cy="1108871"/>
           </a:xfrm>
         </p:spPr>
         <p:txBody>
           <a:bodyPr/>
           <a:lstStyle/>
           <a:p>
-            <a:endParaRPr lang="en-US" dirty="0"/>
+            <a:r>
+              <a:rPr lang="en-US" dirty="0" smtClean="0"/>
+              <a:t>$ </a:t>
+            </a:r>
+            <a:r>
+              <a:rPr lang="en-US" dirty="0"/>
+              <a:t>cd ~/cookbooks/ssh</a:t>
+            </a:r>
+          </a:p>
+        </p:txBody>
+      </p:sp>
+      <p:sp>
+        <p:nvSpPr>
+          <p:cNvPr id="5" name="Title 4"/>
+          <p:cNvSpPr>
+            <a:spLocks noGrp="1"/>
+          </p:cNvSpPr>
+          <p:nvPr>
+            <p:ph type="title"/>
+          </p:nvPr>
+        </p:nvSpPr>
+        <p:spPr/>
+        <p:txBody>
+          <a:bodyPr>
+            <a:normAutofit/>
+          </a:bodyPr>
+          <a:lstStyle/>
+          <a:p>
+            <a:r>
+              <a:rPr lang="en-US" dirty="0" smtClean="0"/>
+              <a:t>GL: Ensure you are in ~/</a:t>
+            </a:r>
+            <a:r>
+              <a:rPr lang="en-US" dirty="0"/>
+              <a:t>cookbooks/ssh</a:t>
+            </a:r>
           </a:p>
         </p:txBody>
       </p:sp>
     </p:spTree>
     <p:extLst>
       <p:ext uri="{BB962C8B-B14F-4D97-AF65-F5344CB8AC3E}">
-        <p14:creationId xmlns:p14="http://schemas.microsoft.com/office/powerpoint/2010/main" val="3137575415"/>
+        <p14:creationId xmlns:p14="http://schemas.microsoft.com/office/powerpoint/2010/main" val="2566115230"/>
       </p:ext>
     </p:extLst>
   </p:cSld>
@@ -30238,6 +30052,199 @@
       </p:grpSpPr>
       <p:sp>
         <p:nvSpPr>
+          <p:cNvPr id="2" name="Content Placeholder 1"/>
+          <p:cNvSpPr>
+            <a:spLocks noGrp="1"/>
+          </p:cNvSpPr>
+          <p:nvPr>
+            <p:ph sz="quarter" idx="10"/>
+          </p:nvPr>
+        </p:nvSpPr>
+        <p:spPr/>
+        <p:txBody>
+          <a:bodyPr/>
+          <a:lstStyle/>
+          <a:p>
+            <a:r>
+              <a:rPr lang="en-US" dirty="0" smtClean="0"/>
+              <a:t>...</a:t>
+            </a:r>
+          </a:p>
+          <a:p>
+            <a:pPr defTabSz="1217613" fontAlgn="base">
+              <a:lnSpc>
+                <a:spcPct val="90000"/>
+              </a:lnSpc>
+              <a:spcBef>
+                <a:spcPct val="30000"/>
+              </a:spcBef>
+              <a:spcAft>
+                <a:spcPts val="450"/>
+              </a:spcAft>
+              <a:buSzTx/>
+              <a:defRPr/>
+            </a:pPr>
+            <a:r>
+              <a:rPr lang="en-US" dirty="0" smtClean="0"/>
+              <a:t>+++ </a:t>
+            </a:r>
+            <a:r>
+              <a:rPr lang="en-US" dirty="0"/>
+              <a:t>/etc/ssh/.ssh_config20151209-412-cf7gd7  2015-12-09 20:35:29.734689138 +0000</a:t>
+            </a:r>
+          </a:p>
+          <a:p>
+            <a:pPr defTabSz="1217613" fontAlgn="base">
+              <a:lnSpc>
+                <a:spcPct val="90000"/>
+              </a:lnSpc>
+              <a:spcBef>
+                <a:spcPct val="30000"/>
+              </a:spcBef>
+              <a:spcAft>
+                <a:spcPts val="450"/>
+              </a:spcAft>
+              <a:buSzTx/>
+              <a:defRPr/>
+            </a:pPr>
+            <a:r>
+              <a:rPr lang="en-US" dirty="0"/>
+              <a:t>           @@ -37,7 +37,7 @@</a:t>
+            </a:r>
+          </a:p>
+          <a:p>
+            <a:pPr defTabSz="1217613" fontAlgn="base">
+              <a:lnSpc>
+                <a:spcPct val="90000"/>
+              </a:lnSpc>
+              <a:spcBef>
+                <a:spcPct val="30000"/>
+              </a:spcBef>
+              <a:spcAft>
+                <a:spcPts val="450"/>
+              </a:spcAft>
+              <a:buSzTx/>
+              <a:defRPr/>
+            </a:pPr>
+            <a:r>
+              <a:rPr lang="en-US" dirty="0"/>
+              <a:t>            #   IdentityFile ~/.ssh/</a:t>
+            </a:r>
+            <a:r>
+              <a:rPr lang="en-US" dirty="0" err="1"/>
+              <a:t>id_rsa</a:t>
+            </a:r>
+            <a:endParaRPr lang="en-US" dirty="0"/>
+          </a:p>
+          <a:p>
+            <a:pPr defTabSz="1217613" fontAlgn="base">
+              <a:lnSpc>
+                <a:spcPct val="90000"/>
+              </a:lnSpc>
+              <a:spcBef>
+                <a:spcPct val="30000"/>
+              </a:spcBef>
+              <a:spcAft>
+                <a:spcPts val="450"/>
+              </a:spcAft>
+              <a:buSzTx/>
+              <a:defRPr/>
+            </a:pPr>
+            <a:r>
+              <a:rPr lang="en-US" dirty="0"/>
+              <a:t>            #   IdentityFile ~/.ssh/</a:t>
+            </a:r>
+            <a:r>
+              <a:rPr lang="en-US" dirty="0" err="1"/>
+              <a:t>id_dsa</a:t>
+            </a:r>
+            <a:endParaRPr lang="en-US" dirty="0"/>
+          </a:p>
+          <a:p>
+            <a:pPr defTabSz="1217613" fontAlgn="base">
+              <a:lnSpc>
+                <a:spcPct val="90000"/>
+              </a:lnSpc>
+              <a:spcBef>
+                <a:spcPct val="30000"/>
+              </a:spcBef>
+              <a:spcAft>
+                <a:spcPts val="450"/>
+              </a:spcAft>
+              <a:buSzTx/>
+              <a:defRPr/>
+            </a:pPr>
+            <a:r>
+              <a:rPr lang="en-US" dirty="0"/>
+              <a:t>            #   Port 22</a:t>
+            </a:r>
+          </a:p>
+          <a:p>
+            <a:pPr defTabSz="1217613" fontAlgn="base">
+              <a:lnSpc>
+                <a:spcPct val="90000"/>
+              </a:lnSpc>
+              <a:spcBef>
+                <a:spcPct val="30000"/>
+              </a:spcBef>
+              <a:spcAft>
+                <a:spcPts val="450"/>
+              </a:spcAft>
+              <a:buSzTx/>
+              <a:defRPr/>
+            </a:pPr>
+            <a:r>
+              <a:rPr lang="en-US" dirty="0"/>
+              <a:t>           -#   Protocol 2,1</a:t>
+            </a:r>
+          </a:p>
+          <a:p>
+            <a:pPr defTabSz="1217613" fontAlgn="base">
+              <a:lnSpc>
+                <a:spcPct val="90000"/>
+              </a:lnSpc>
+              <a:spcBef>
+                <a:spcPct val="30000"/>
+              </a:spcBef>
+              <a:spcAft>
+                <a:spcPts val="450"/>
+              </a:spcAft>
+              <a:buSzTx/>
+              <a:defRPr/>
+            </a:pPr>
+            <a:r>
+              <a:rPr lang="en-US" dirty="0"/>
+              <a:t>           +Protocol 2</a:t>
+            </a:r>
+          </a:p>
+          <a:p>
+            <a:pPr defTabSz="1217613" fontAlgn="base">
+              <a:lnSpc>
+                <a:spcPct val="90000"/>
+              </a:lnSpc>
+              <a:spcBef>
+                <a:spcPct val="30000"/>
+              </a:spcBef>
+              <a:spcAft>
+                <a:spcPts val="450"/>
+              </a:spcAft>
+              <a:buSzTx/>
+              <a:defRPr/>
+            </a:pPr>
+            <a:r>
+              <a:rPr lang="en-US" dirty="0"/>
+              <a:t>            #   Cipher </a:t>
+            </a:r>
+            <a:r>
+              <a:rPr lang="en-US" dirty="0" smtClean="0"/>
+              <a:t>3des</a:t>
+            </a:r>
+            <a:endParaRPr lang="en-US" dirty="0"/>
+          </a:p>
+        </p:txBody>
+      </p:sp>
+      <p:sp>
+        <p:nvSpPr>
           <p:cNvPr id="3" name="Text Placeholder 2"/>
           <p:cNvSpPr>
             <a:spLocks noGrp="1"/>
@@ -30246,59 +30253,110 @@
             <p:ph type="body" sz="quarter" idx="11"/>
           </p:nvPr>
         </p:nvSpPr>
-        <p:spPr>
+        <p:spPr/>
+        <p:txBody>
+          <a:bodyPr/>
+          <a:lstStyle/>
+          <a:p>
+            <a:r>
+              <a:rPr lang="en-US" dirty="0"/>
+              <a:t>$ kitchen converge</a:t>
+            </a:r>
+          </a:p>
+        </p:txBody>
+      </p:sp>
+      <p:sp>
+        <p:nvSpPr>
+          <p:cNvPr id="5" name="Title 4"/>
+          <p:cNvSpPr>
+            <a:spLocks noGrp="1"/>
+          </p:cNvSpPr>
+          <p:nvPr>
+            <p:ph type="title"/>
+          </p:nvPr>
+        </p:nvSpPr>
+        <p:spPr/>
+        <p:txBody>
+          <a:bodyPr/>
+          <a:lstStyle/>
+          <a:p>
+            <a:r>
+              <a:rPr lang="en-US" dirty="0" smtClean="0"/>
+              <a:t>GL: Run `kitchen converge`</a:t>
+            </a:r>
+            <a:endParaRPr lang="en-US" dirty="0"/>
+          </a:p>
+        </p:txBody>
+      </p:sp>
+      <p:sp>
+        <p:nvSpPr>
+          <p:cNvPr id="8" name="Rectangle 7"/>
+          <p:cNvSpPr/>
+          <p:nvPr/>
+        </p:nvSpPr>
+        <p:spPr bwMode="auto">
           <a:xfrm>
-            <a:off x="1121104" y="1337149"/>
-            <a:ext cx="14422528" cy="1108871"/>
+            <a:off x="1122159" y="5534527"/>
+            <a:ext cx="14431939" cy="1128344"/>
           </a:xfrm>
+          <a:prstGeom prst="rect">
+            <a:avLst/>
+          </a:prstGeom>
+          <a:solidFill>
+            <a:schemeClr val="accent1">
+              <a:alpha val="40000"/>
+            </a:schemeClr>
+          </a:solidFill>
+          <a:ln>
+            <a:noFill/>
+            <a:headEnd type="none" w="med" len="med"/>
+            <a:tailEnd type="none" w="med" len="med"/>
+          </a:ln>
+          <a:effectLst/>
         </p:spPr>
-        <p:txBody>
-          <a:bodyPr/>
-          <a:lstStyle/>
-          <a:p>
-            <a:r>
-              <a:rPr lang="en-US" dirty="0" smtClean="0"/>
-              <a:t>$ </a:t>
-            </a:r>
-            <a:r>
-              <a:rPr lang="en-US" dirty="0"/>
-              <a:t>cd ~/cookbooks/ssh</a:t>
-            </a:r>
-          </a:p>
-        </p:txBody>
-      </p:sp>
-      <p:sp>
-        <p:nvSpPr>
-          <p:cNvPr id="5" name="Title 4"/>
-          <p:cNvSpPr>
-            <a:spLocks noGrp="1"/>
-          </p:cNvSpPr>
-          <p:nvPr>
-            <p:ph type="title"/>
-          </p:nvPr>
-        </p:nvSpPr>
-        <p:spPr/>
-        <p:txBody>
-          <a:bodyPr>
-            <a:normAutofit/>
+        <p:style>
+          <a:lnRef idx="1">
+            <a:schemeClr val="accent4"/>
+          </a:lnRef>
+          <a:fillRef idx="3">
+            <a:schemeClr val="accent4"/>
+          </a:fillRef>
+          <a:effectRef idx="2">
+            <a:schemeClr val="accent4"/>
+          </a:effectRef>
+          <a:fontRef idx="minor">
+            <a:schemeClr val="lt1"/>
+          </a:fontRef>
+        </p:style>
+        <p:txBody>
+          <a:bodyPr vert="horz" wrap="square" lIns="121915" tIns="60957" rIns="121915" bIns="60957" numCol="1" rtlCol="0" anchor="ctr" anchorCtr="0" compatLnSpc="1">
+            <a:prstTxWarp prst="textNoShape">
+              <a:avLst/>
+            </a:prstTxWarp>
           </a:bodyPr>
           <a:lstStyle/>
           <a:p>
-            <a:r>
-              <a:rPr lang="en-US" dirty="0" smtClean="0"/>
-              <a:t>GL: Ensure you are in ~/</a:t>
-            </a:r>
-            <a:r>
-              <a:rPr lang="en-US" dirty="0"/>
-              <a:t>cookbooks/ssh</a:t>
-            </a:r>
+            <a:pPr algn="ctr" defTabSz="1218768"/>
+            <a:endParaRPr lang="en-US" sz="3200" dirty="0">
+              <a:gradFill>
+                <a:gsLst>
+                  <a:gs pos="0">
+                    <a:srgbClr val="FFFFFF"/>
+                  </a:gs>
+                  <a:gs pos="100000">
+                    <a:srgbClr val="FFFFFF"/>
+                  </a:gs>
+                </a:gsLst>
+                <a:lin ang="5400000" scaled="0"/>
+              </a:gradFill>
+            </a:endParaRPr>
           </a:p>
         </p:txBody>
       </p:sp>
     </p:spTree>
     <p:extLst>
       <p:ext uri="{BB962C8B-B14F-4D97-AF65-F5344CB8AC3E}">
-        <p14:creationId xmlns:p14="http://schemas.microsoft.com/office/powerpoint/2010/main" val="2566115230"/>
+        <p14:creationId xmlns:p14="http://schemas.microsoft.com/office/powerpoint/2010/main" val="313274046"/>
       </p:ext>
     </p:extLst>
   </p:cSld>
@@ -30345,303 +30403,140 @@
             <p:ph sz="quarter" idx="10"/>
           </p:nvPr>
         </p:nvSpPr>
-        <p:spPr/>
+        <p:spPr>
+          <a:xfrm>
+            <a:off x="1121104" y="3228515"/>
+            <a:ext cx="14423693" cy="4667928"/>
+          </a:xfrm>
+        </p:spPr>
         <p:txBody>
           <a:bodyPr/>
           <a:lstStyle/>
           <a:p>
             <a:r>
-              <a:rPr lang="en-US" dirty="0" smtClean="0"/>
-              <a:t>...</a:t>
-            </a:r>
-          </a:p>
-          <a:p>
-            <a:pPr defTabSz="1217613" fontAlgn="base">
-              <a:lnSpc>
-                <a:spcPct val="90000"/>
-              </a:lnSpc>
-              <a:spcBef>
-                <a:spcPct val="30000"/>
-              </a:spcBef>
-              <a:spcAft>
-                <a:spcPts val="450"/>
-              </a:spcAft>
-              <a:buSzTx/>
-              <a:defRPr/>
-            </a:pPr>
-            <a:r>
-              <a:rPr lang="en-US" dirty="0" smtClean="0"/>
-              <a:t>+++ </a:t>
+              <a:rPr lang="en-US" sz="3600" dirty="0"/>
+              <a:t>.</a:t>
+            </a:r>
+          </a:p>
+          <a:p>
+            <a:endParaRPr lang="en-US" sz="3600" dirty="0"/>
+          </a:p>
+          <a:p>
+            <a:r>
+              <a:rPr lang="en-US" sz="3600" dirty="0"/>
+              <a:t>Finished in 0.21546 seconds (files took 0.3575 seconds to load)</a:t>
+            </a:r>
+          </a:p>
+          <a:p>
+            <a:r>
+              <a:rPr lang="en-US" sz="3600" dirty="0"/>
+              <a:t>1 example, 0 failures</a:t>
+            </a:r>
+          </a:p>
+          <a:p>
+            <a:endParaRPr lang="en-US" sz="3600" dirty="0"/>
+          </a:p>
+        </p:txBody>
+      </p:sp>
+      <p:sp>
+        <p:nvSpPr>
+          <p:cNvPr id="3" name="Text Placeholder 2"/>
+          <p:cNvSpPr>
+            <a:spLocks noGrp="1"/>
+          </p:cNvSpPr>
+          <p:nvPr>
+            <p:ph type="body" sz="quarter" idx="11"/>
+          </p:nvPr>
+        </p:nvSpPr>
+        <p:spPr>
+          <a:xfrm>
+            <a:off x="1121104" y="1337149"/>
+            <a:ext cx="14422528" cy="1512377"/>
+          </a:xfrm>
+        </p:spPr>
+        <p:txBody>
+          <a:bodyPr/>
+          <a:lstStyle/>
+          <a:p>
+            <a:r>
+              <a:rPr lang="en-US" dirty="0" smtClean="0"/>
+              <a:t>$ </a:t>
+            </a:r>
+            <a:r>
+              <a:rPr lang="en-US" dirty="0" err="1"/>
+              <a:t>inspec</a:t>
             </a:r>
             <a:r>
               <a:rPr lang="en-US" dirty="0"/>
-              <a:t>/etc/ssh/.ssh_config20151209-412-cf7gd7  2015-12-09 20:35:29.734689138 +0000</a:t>
-            </a:r>
-          </a:p>
-          <a:p>
-            <a:pPr defTabSz="1217613" fontAlgn="base">
-              <a:lnSpc>
-                <a:spcPct val="90000"/>
-              </a:lnSpc>
-              <a:spcBef>
-                <a:spcPct val="30000"/>
-              </a:spcBef>
-              <a:spcAft>
-                <a:spcPts val="450"/>
-              </a:spcAft>
-              <a:buSzTx/>
-              <a:defRPr/>
-            </a:pPr>
+              <a:t> </a:t>
+            </a:r>
+            <a:r>
+              <a:rPr lang="en-US" dirty="0" smtClean="0"/>
+              <a:t>exec ~/</a:t>
+            </a:r>
             <a:r>
               <a:rPr lang="en-US" dirty="0"/>
-              <a:t>           @@ -37,7 +37,7 @@</a:t>
-            </a:r>
-          </a:p>
-          <a:p>
-            <a:pPr defTabSz="1217613" fontAlgn="base">
-              <a:lnSpc>
-                <a:spcPct val="90000"/>
-              </a:lnSpc>
-              <a:spcBef>
-                <a:spcPct val="30000"/>
-              </a:spcBef>
-              <a:spcAft>
-                <a:spcPts val="450"/>
-              </a:spcAft>
-              <a:buSzTx/>
-              <a:defRPr/>
-            </a:pPr>
+              <a:t>cookbooks/ssh/test/integration/client/</a:t>
+            </a:r>
+            <a:r>
+              <a:rPr lang="en-US" dirty="0" err="1"/>
+              <a:t>inspec</a:t>
+            </a:r>
             <a:r>
               <a:rPr lang="en-US" dirty="0"/>
-              <a:t>            #   IdentityFile ~/.ssh/</a:t>
+              <a:t>/</a:t>
             </a:r>
             <a:r>
               <a:rPr lang="en-US" dirty="0" err="1"/>
-              <a:t>id_rsa</a:t>
+              <a:t>client_spec.rb</a:t>
+            </a:r>
+            <a:r>
+              <a:rPr lang="en-US" dirty="0"/>
+              <a:t> -t docker</a:t>
+            </a:r>
+            <a:r>
+              <a:rPr lang="en-US" dirty="0" smtClean="0"/>
+              <a:t>://CONTAINER_ID </a:t>
             </a:r>
             <a:endParaRPr lang="en-US" dirty="0"/>
           </a:p>
-          <a:p>
-            <a:pPr defTabSz="1217613" fontAlgn="base">
-              <a:lnSpc>
-                <a:spcPct val="90000"/>
-              </a:lnSpc>
-              <a:spcBef>
-                <a:spcPct val="30000"/>
-              </a:spcBef>
-              <a:spcAft>
-                <a:spcPts val="450"/>
-              </a:spcAft>
-              <a:buSzTx/>
-              <a:defRPr/>
-            </a:pPr>
+        </p:txBody>
+      </p:sp>
+      <p:sp>
+        <p:nvSpPr>
+          <p:cNvPr id="5" name="Title 4"/>
+          <p:cNvSpPr>
+            <a:spLocks noGrp="1"/>
+          </p:cNvSpPr>
+          <p:nvPr>
+            <p:ph type="title"/>
+          </p:nvPr>
+        </p:nvSpPr>
+        <p:spPr>
+          <a:xfrm>
+            <a:off x="608432" y="360193"/>
+            <a:ext cx="14935200" cy="828675"/>
+          </a:xfrm>
+        </p:spPr>
+        <p:txBody>
+          <a:bodyPr/>
+          <a:lstStyle/>
+          <a:p>
+            <a:r>
+              <a:rPr lang="en-US" dirty="0" smtClean="0"/>
+              <a:t>GL: </a:t>
+            </a:r>
             <a:r>
               <a:rPr lang="en-US" dirty="0"/>
-              <a:t>            #   IdentityFile ~/.ssh/</a:t>
-            </a:r>
-            <a:r>
-              <a:rPr lang="en-US" dirty="0" err="1"/>
-              <a:t>id_dsa</a:t>
-            </a:r>
-            <a:endParaRPr lang="en-US" dirty="0"/>
-          </a:p>
-          <a:p>
-            <a:pPr defTabSz="1217613" fontAlgn="base">
-              <a:lnSpc>
-                <a:spcPct val="90000"/>
-              </a:lnSpc>
-              <a:spcBef>
-                <a:spcPct val="30000"/>
-              </a:spcBef>
-              <a:spcAft>
-                <a:spcPts val="450"/>
-              </a:spcAft>
-              <a:buSzTx/>
-              <a:defRPr/>
-            </a:pPr>
-            <a:r>
-              <a:rPr lang="en-US" dirty="0"/>
-              <a:t>            #   Port 22</a:t>
-            </a:r>
-          </a:p>
-          <a:p>
-            <a:pPr defTabSz="1217613" fontAlgn="base">
-              <a:lnSpc>
-                <a:spcPct val="90000"/>
-              </a:lnSpc>
-              <a:spcBef>
-                <a:spcPct val="30000"/>
-              </a:spcBef>
-              <a:spcAft>
-                <a:spcPts val="450"/>
-              </a:spcAft>
-              <a:buSzTx/>
-              <a:defRPr/>
-            </a:pPr>
-            <a:r>
-              <a:rPr lang="en-US" dirty="0"/>
-              <a:t>           -#   Protocol 2,1</a:t>
-            </a:r>
-          </a:p>
-          <a:p>
-            <a:pPr defTabSz="1217613" fontAlgn="base">
-              <a:lnSpc>
-                <a:spcPct val="90000"/>
-              </a:lnSpc>
-              <a:spcBef>
-                <a:spcPct val="30000"/>
-              </a:spcBef>
-              <a:spcAft>
-                <a:spcPts val="450"/>
-              </a:spcAft>
-              <a:buSzTx/>
-              <a:defRPr/>
-            </a:pPr>
-            <a:r>
-              <a:rPr lang="en-US" dirty="0"/>
-              <a:t>           +Protocol 2</a:t>
-            </a:r>
-          </a:p>
-          <a:p>
-            <a:pPr defTabSz="1217613" fontAlgn="base">
-              <a:lnSpc>
-                <a:spcPct val="90000"/>
-              </a:lnSpc>
-              <a:spcBef>
-                <a:spcPct val="30000"/>
-              </a:spcBef>
-              <a:spcAft>
-                <a:spcPts val="450"/>
-              </a:spcAft>
-              <a:buSzTx/>
-              <a:defRPr/>
-            </a:pPr>
-            <a:r>
-              <a:rPr lang="en-US" dirty="0"/>
-              <a:t>            #   Cipher </a:t>
-            </a:r>
-            <a:r>
-              <a:rPr lang="en-US" dirty="0" smtClean="0"/>
-              <a:t>3des</a:t>
-            </a:r>
-            <a:endParaRPr lang="en-US" dirty="0"/>
-          </a:p>
-        </p:txBody>
-      </p:sp>
-      <p:sp>
-        <p:nvSpPr>
-          <p:cNvPr id="3" name="Text Placeholder 2"/>
-          <p:cNvSpPr>
-            <a:spLocks noGrp="1"/>
-          </p:cNvSpPr>
-          <p:nvPr>
-            <p:ph type="body" sz="quarter" idx="11"/>
-          </p:nvPr>
-        </p:nvSpPr>
-        <p:spPr/>
-        <p:txBody>
-          <a:bodyPr/>
-          <a:lstStyle/>
-          <a:p>
-            <a:r>
-              <a:rPr lang="en-US" dirty="0"/>
-              <a:t>$ kitchen converge</a:t>
-            </a:r>
-          </a:p>
-        </p:txBody>
-      </p:sp>
-      <p:sp>
-        <p:nvSpPr>
-          <p:cNvPr id="5" name="Title 4"/>
-          <p:cNvSpPr>
-            <a:spLocks noGrp="1"/>
-          </p:cNvSpPr>
-          <p:nvPr>
-            <p:ph type="title"/>
-          </p:nvPr>
-        </p:nvSpPr>
-        <p:spPr/>
-        <p:txBody>
-          <a:bodyPr/>
-          <a:lstStyle/>
-          <a:p>
-            <a:r>
-              <a:rPr lang="en-US" dirty="0" smtClean="0"/>
-              <a:t>GL: Run `kitchen converge`</a:t>
-            </a:r>
-            <a:endParaRPr lang="en-US" dirty="0"/>
-          </a:p>
-        </p:txBody>
-      </p:sp>
-      <p:sp>
-        <p:nvSpPr>
-          <p:cNvPr id="8" name="Rectangle 7"/>
-          <p:cNvSpPr/>
-          <p:nvPr/>
-        </p:nvSpPr>
-        <p:spPr bwMode="auto">
-          <a:xfrm>
-            <a:off x="1122159" y="5534527"/>
-            <a:ext cx="14431939" cy="1128344"/>
-          </a:xfrm>
-          <a:prstGeom prst="rect">
-            <a:avLst/>
-          </a:prstGeom>
-          <a:solidFill>
-            <a:schemeClr val="accent1">
-              <a:alpha val="40000"/>
-            </a:schemeClr>
-          </a:solidFill>
-          <a:ln>
-            <a:noFill/>
-            <a:headEnd type="none" w="med" len="med"/>
-            <a:tailEnd type="none" w="med" len="med"/>
-          </a:ln>
-          <a:effectLst/>
-        </p:spPr>
-        <p:style>
-          <a:lnRef idx="1">
-            <a:schemeClr val="accent4"/>
-          </a:lnRef>
-          <a:fillRef idx="3">
-            <a:schemeClr val="accent4"/>
-          </a:fillRef>
-          <a:effectRef idx="2">
-            <a:schemeClr val="accent4"/>
-          </a:effectRef>
-          <a:fontRef idx="minor">
-            <a:schemeClr val="lt1"/>
-          </a:fontRef>
-        </p:style>
-        <p:txBody>
-          <a:bodyPr vert="horz" wrap="square" lIns="121915" tIns="60957" rIns="121915" bIns="60957" numCol="1" rtlCol="0" anchor="ctr" anchorCtr="0" compatLnSpc="1">
-            <a:prstTxWarp prst="textNoShape">
-              <a:avLst/>
-            </a:prstTxWarp>
-          </a:bodyPr>
-          <a:lstStyle/>
-          <a:p>
-            <a:pPr algn="ctr" defTabSz="1218768"/>
-            <a:endParaRPr lang="en-US" sz="3200" dirty="0">
-              <a:gradFill>
-                <a:gsLst>
-                  <a:gs pos="0">
-                    <a:srgbClr val="FFFFFF"/>
-                  </a:gs>
-                  <a:gs pos="100000">
-                    <a:srgbClr val="FFFFFF"/>
-                  </a:gs>
-                </a:gsLst>
-                <a:lin ang="5400000" scaled="0"/>
-              </a:gradFill>
-            </a:endParaRPr>
+              <a:t>Running InSpec from the CLI</a:t>
+            </a:r>
           </a:p>
         </p:txBody>
       </p:sp>
     </p:spTree>
     <p:extLst>
       <p:ext uri="{BB962C8B-B14F-4D97-AF65-F5344CB8AC3E}">
-        <p14:creationId xmlns:p14="http://schemas.microsoft.com/office/powerpoint/2010/main" val="313274046"/>
+        <p14:creationId xmlns:p14="http://schemas.microsoft.com/office/powerpoint/2010/main" val="722678992"/>
       </p:ext>
     </p:extLst>
   </p:cSld>
@@ -30688,186 +30583,6 @@
             <p:ph sz="quarter" idx="10"/>
           </p:nvPr>
         </p:nvSpPr>
-        <p:spPr>
-          <a:xfrm>
-            <a:off x="1121104" y="3228515"/>
-            <a:ext cx="14423693" cy="4667928"/>
-          </a:xfrm>
-        </p:spPr>
-        <p:txBody>
-          <a:bodyPr/>
-          <a:lstStyle/>
-          <a:p>
-            <a:r>
-              <a:rPr lang="en-US" sz="3600" dirty="0"/>
-              <a:t>.</a:t>
-            </a:r>
-          </a:p>
-          <a:p>
-            <a:endParaRPr lang="en-US" sz="3600" dirty="0"/>
-          </a:p>
-          <a:p>
-            <a:r>
-              <a:rPr lang="en-US" sz="3600" dirty="0"/>
-              <a:t>Finished in 0.21546 seconds (files took 0.3575 seconds to load)</a:t>
-            </a:r>
-          </a:p>
-          <a:p>
-            <a:r>
-              <a:rPr lang="en-US" sz="3600" dirty="0"/>
-              <a:t>1 example, 0 failures</a:t>
-            </a:r>
-          </a:p>
-          <a:p>
-            <a:endParaRPr lang="en-US" sz="3600" dirty="0"/>
-          </a:p>
-        </p:txBody>
-      </p:sp>
-      <p:sp>
-        <p:nvSpPr>
-          <p:cNvPr id="3" name="Text Placeholder 2"/>
-          <p:cNvSpPr>
-            <a:spLocks noGrp="1"/>
-          </p:cNvSpPr>
-          <p:nvPr>
-            <p:ph type="body" sz="quarter" idx="11"/>
-          </p:nvPr>
-        </p:nvSpPr>
-        <p:spPr>
-          <a:xfrm>
-            <a:off x="1121104" y="1337149"/>
-            <a:ext cx="14422528" cy="1512377"/>
-          </a:xfrm>
-        </p:spPr>
-        <p:txBody>
-          <a:bodyPr/>
-          <a:lstStyle/>
-          <a:p>
-            <a:r>
-              <a:rPr lang="en-US" dirty="0" smtClean="0"/>
-              <a:t>$ </a:t>
-            </a:r>
-            <a:r>
-              <a:rPr lang="en-US" dirty="0" err="1"/>
-              <a:t>inspec</a:t>
-            </a:r>
-            <a:r>
-              <a:rPr lang="en-US" dirty="0"/>
-              <a:t> </a:t>
-            </a:r>
-            <a:r>
-              <a:rPr lang="en-US" dirty="0" smtClean="0"/>
-              <a:t>exec ~/</a:t>
-            </a:r>
-            <a:r>
-              <a:rPr lang="en-US" dirty="0"/>
-              <a:t>cookbooks/ssh/test/integration/client/</a:t>
-            </a:r>
-            <a:r>
-              <a:rPr lang="en-US" dirty="0" err="1"/>
-              <a:t>inspec</a:t>
-            </a:r>
-            <a:r>
-              <a:rPr lang="en-US" dirty="0"/>
-              <a:t>/</a:t>
-            </a:r>
-            <a:r>
-              <a:rPr lang="en-US" dirty="0" err="1"/>
-              <a:t>client_spec.rb</a:t>
-            </a:r>
-            <a:r>
-              <a:rPr lang="en-US" dirty="0"/>
-              <a:t> -t docker</a:t>
-            </a:r>
-            <a:r>
-              <a:rPr lang="en-US" dirty="0" smtClean="0"/>
-              <a:t>://CONTAINER_ID </a:t>
-            </a:r>
-            <a:endParaRPr lang="en-US" dirty="0"/>
-          </a:p>
-        </p:txBody>
-      </p:sp>
-      <p:sp>
-        <p:nvSpPr>
-          <p:cNvPr id="5" name="Title 4"/>
-          <p:cNvSpPr>
-            <a:spLocks noGrp="1"/>
-          </p:cNvSpPr>
-          <p:nvPr>
-            <p:ph type="title"/>
-          </p:nvPr>
-        </p:nvSpPr>
-        <p:spPr>
-          <a:xfrm>
-            <a:off x="608432" y="360193"/>
-            <a:ext cx="14935200" cy="828675"/>
-          </a:xfrm>
-        </p:spPr>
-        <p:txBody>
-          <a:bodyPr/>
-          <a:lstStyle/>
-          <a:p>
-            <a:r>
-              <a:rPr lang="en-US" dirty="0" smtClean="0"/>
-              <a:t>GL: </a:t>
-            </a:r>
-            <a:r>
-              <a:rPr lang="en-US" dirty="0"/>
-              <a:t>Running InSpec from the CLI</a:t>
-            </a:r>
-          </a:p>
-        </p:txBody>
-      </p:sp>
-    </p:spTree>
-    <p:extLst>
-      <p:ext uri="{BB962C8B-B14F-4D97-AF65-F5344CB8AC3E}">
-        <p14:creationId xmlns:p14="http://schemas.microsoft.com/office/powerpoint/2010/main" val="722678992"/>
-      </p:ext>
-    </p:extLst>
-  </p:cSld>
-  <p:clrMapOvr>
-    <a:masterClrMapping/>
-  </p:clrMapOvr>
-  <p:transition spd="med">
-    <p:fade/>
-  </p:transition>
-  <p:timing>
-    <p:tnLst>
-      <p:par>
-        <p:cTn id="1" dur="indefinite" restart="never" nodeType="tmRoot"/>
-      </p:par>
-    </p:tnLst>
-  </p:timing>
-</p:sld>
-</file>
-
-<file path=ppt/slides/slide56.xml><?xml version="1.0" encoding="utf-8"?>
-<p:sld xmlns:a="http://schemas.openxmlformats.org/drawingml/2006/main" xmlns:r="http://schemas.openxmlformats.org/officeDocument/2006/relationships" xmlns:p="http://schemas.openxmlformats.org/presentationml/2006/main">
-  <p:cSld>
-    <p:spTree>
-      <p:nvGrpSpPr>
-        <p:cNvPr id="1" name=""/>
-        <p:cNvGrpSpPr/>
-        <p:nvPr/>
-      </p:nvGrpSpPr>
-      <p:grpSpPr>
-        <a:xfrm>
-          <a:off x="0" y="0"/>
-          <a:ext cx="0" cy="0"/>
-          <a:chOff x="0" y="0"/>
-          <a:chExt cx="0" cy="0"/>
-        </a:xfrm>
-      </p:grpSpPr>
-      <p:sp>
-        <p:nvSpPr>
-          <p:cNvPr id="2" name="Content Placeholder 1"/>
-          <p:cNvSpPr>
-            <a:spLocks noGrp="1"/>
-          </p:cNvSpPr>
-          <p:nvPr>
-            <p:ph sz="quarter" idx="10"/>
-          </p:nvPr>
-        </p:nvSpPr>
         <p:spPr/>
         <p:txBody>
           <a:bodyPr/>
@@ -31208,7 +30923,7 @@
 </p:sld>
 </file>
 
-<file path=ppt/slides/slide57.xml><?xml version="1.0" encoding="utf-8"?>
+<file path=ppt/slides/slide56.xml><?xml version="1.0" encoding="utf-8"?>
 <p:sld xmlns:a="http://schemas.openxmlformats.org/drawingml/2006/main" xmlns:r="http://schemas.openxmlformats.org/officeDocument/2006/relationships" xmlns:p="http://schemas.openxmlformats.org/presentationml/2006/main">
   <p:cSld>
     <p:spTree>
@@ -31402,7 +31117,7 @@
 </p:sld>
 </file>
 
-<file path=ppt/slides/slide58.xml><?xml version="1.0" encoding="utf-8"?>
+<file path=ppt/slides/slide57.xml><?xml version="1.0" encoding="utf-8"?>
 <p:sld xmlns:a="http://schemas.openxmlformats.org/drawingml/2006/main" xmlns:r="http://schemas.openxmlformats.org/officeDocument/2006/relationships" xmlns:p="http://schemas.openxmlformats.org/presentationml/2006/main">
   <p:cSld>
     <p:spTree>
@@ -31532,7 +31247,7 @@
 </p:sld>
 </file>
 
-<file path=ppt/slides/slide59.xml><?xml version="1.0" encoding="utf-8"?>
+<file path=ppt/slides/slide58.xml><?xml version="1.0" encoding="utf-8"?>
 <p:sld xmlns:a="http://schemas.openxmlformats.org/drawingml/2006/main" xmlns:r="http://schemas.openxmlformats.org/officeDocument/2006/relationships" xmlns:p="http://schemas.openxmlformats.org/presentationml/2006/main">
   <p:cSld>
     <p:spTree>
@@ -31635,6 +31350,166 @@
     <p:extLst>
       <p:ext uri="{BB962C8B-B14F-4D97-AF65-F5344CB8AC3E}">
         <p14:creationId xmlns:p14="http://schemas.microsoft.com/office/powerpoint/2010/main" val="2621874911"/>
+      </p:ext>
+    </p:extLst>
+  </p:cSld>
+  <p:clrMapOvr>
+    <a:masterClrMapping/>
+  </p:clrMapOvr>
+  <p:transition spd="med">
+    <p:fade/>
+  </p:transition>
+  <p:timing>
+    <p:tnLst>
+      <p:par>
+        <p:cTn id="1" dur="indefinite" restart="never" nodeType="tmRoot"/>
+      </p:par>
+    </p:tnLst>
+  </p:timing>
+</p:sld>
+</file>
+
+<file path=ppt/slides/slide59.xml><?xml version="1.0" encoding="utf-8"?>
+<p:sld xmlns:a="http://schemas.openxmlformats.org/drawingml/2006/main" xmlns:r="http://schemas.openxmlformats.org/officeDocument/2006/relationships" xmlns:p="http://schemas.openxmlformats.org/presentationml/2006/main">
+  <p:cSld>
+    <p:spTree>
+      <p:nvGrpSpPr>
+        <p:cNvPr id="1" name=""/>
+        <p:cNvGrpSpPr/>
+        <p:nvPr/>
+      </p:nvGrpSpPr>
+      <p:grpSpPr>
+        <a:xfrm>
+          <a:off x="0" y="0"/>
+          <a:ext cx="0" cy="0"/>
+          <a:chOff x="0" y="0"/>
+          <a:chExt cx="0" cy="0"/>
+        </a:xfrm>
+      </p:grpSpPr>
+      <p:sp>
+        <p:nvSpPr>
+          <p:cNvPr id="2" name="Title 1"/>
+          <p:cNvSpPr>
+            <a:spLocks noGrp="1"/>
+          </p:cNvSpPr>
+          <p:nvPr>
+            <p:ph type="ctrTitle"/>
+          </p:nvPr>
+        </p:nvSpPr>
+        <p:spPr/>
+        <p:txBody>
+          <a:bodyPr>
+            <a:normAutofit fontScale="90000"/>
+          </a:bodyPr>
+          <a:lstStyle/>
+          <a:p>
+            <a:r>
+              <a:rPr lang="en-US" dirty="0" smtClean="0"/>
+              <a:t>Conclusion</a:t>
+            </a:r>
+            <a:endParaRPr lang="en-US" dirty="0"/>
+          </a:p>
+        </p:txBody>
+      </p:sp>
+      <p:sp>
+        <p:nvSpPr>
+          <p:cNvPr id="3" name="Subtitle 2"/>
+          <p:cNvSpPr>
+            <a:spLocks noGrp="1"/>
+          </p:cNvSpPr>
+          <p:nvPr>
+            <p:ph type="subTitle" idx="1"/>
+          </p:nvPr>
+        </p:nvSpPr>
+        <p:spPr>
+          <a:xfrm>
+            <a:off x="1660524" y="3420745"/>
+            <a:ext cx="12330113" cy="4123055"/>
+          </a:xfrm>
+        </p:spPr>
+        <p:txBody>
+          <a:bodyPr/>
+          <a:lstStyle/>
+          <a:p>
+            <a:pPr marL="342900" indent="-342900">
+              <a:buFont typeface="Wingdings" panose="05000000000000000000" pitchFamily="2" charset="2"/>
+              <a:buChar char="ü"/>
+            </a:pPr>
+            <a:r>
+              <a:rPr lang="en-US" dirty="0" smtClean="0"/>
+              <a:t> Log in to your target node.</a:t>
+            </a:r>
+          </a:p>
+          <a:p>
+            <a:pPr marL="342900" indent="-342900">
+              <a:buFont typeface="Wingdings" panose="05000000000000000000" pitchFamily="2" charset="2"/>
+              <a:buChar char="ü"/>
+            </a:pPr>
+            <a:r>
+              <a:rPr lang="en-US" dirty="0" smtClean="0"/>
+              <a:t> Write a remediation recipe on that node.</a:t>
+            </a:r>
+          </a:p>
+          <a:p>
+            <a:pPr marL="457200" indent="-457200">
+              <a:buFont typeface="Wingdings" panose="05000000000000000000" pitchFamily="2" charset="2"/>
+              <a:buChar char="ü"/>
+            </a:pPr>
+            <a:r>
+              <a:rPr lang="en-US" dirty="0" smtClean="0"/>
+              <a:t>Test the recipe with Test Kitchen.</a:t>
+            </a:r>
+          </a:p>
+          <a:p>
+            <a:pPr marL="457200" indent="-457200">
+              <a:buFont typeface="Wingdings" panose="05000000000000000000" pitchFamily="2" charset="2"/>
+              <a:buChar char="ü"/>
+            </a:pPr>
+            <a:r>
+              <a:rPr lang="en-US" dirty="0" smtClean="0"/>
+              <a:t>Test for compliance with InSpec from the CLI</a:t>
+            </a:r>
+          </a:p>
+          <a:p>
+            <a:pPr marL="457200" indent="-457200">
+              <a:buFont typeface="Wingdings" panose="05000000000000000000" pitchFamily="2" charset="2"/>
+              <a:buChar char="ü"/>
+            </a:pPr>
+            <a:r>
+              <a:rPr lang="en-US" dirty="0"/>
+              <a:t>Converge the recipe.</a:t>
+            </a:r>
+            <a:endParaRPr lang="en-US" dirty="0" smtClean="0"/>
+          </a:p>
+          <a:p>
+            <a:pPr marL="457200" indent="-457200">
+              <a:buFont typeface="Wingdings" panose="05000000000000000000" pitchFamily="2" charset="2"/>
+              <a:buChar char="ü"/>
+            </a:pPr>
+            <a:r>
+              <a:rPr lang="en-US" dirty="0" smtClean="0"/>
+              <a:t>Rescan the node and ensure compliance.</a:t>
+            </a:r>
+          </a:p>
+          <a:p>
+            <a:pPr marL="457200" indent="-457200">
+              <a:buFont typeface="Wingdings" panose="05000000000000000000" pitchFamily="2" charset="2"/>
+              <a:buChar char="ü"/>
+            </a:pPr>
+            <a:endParaRPr lang="en-US" dirty="0"/>
+          </a:p>
+          <a:p>
+            <a:endParaRPr lang="en-US" dirty="0"/>
+          </a:p>
+          <a:p>
+            <a:endParaRPr lang="en-US" dirty="0"/>
+          </a:p>
+        </p:txBody>
+      </p:sp>
+    </p:spTree>
+    <p:extLst>
+      <p:ext uri="{BB962C8B-B14F-4D97-AF65-F5344CB8AC3E}">
+        <p14:creationId xmlns:p14="http://schemas.microsoft.com/office/powerpoint/2010/main" val="1996638172"/>
       </p:ext>
     </p:extLst>
   </p:cSld>
@@ -31902,166 +31777,6 @@
 <file path=ppt/slides/slide60.xml><?xml version="1.0" encoding="utf-8"?>
 <p:sld xmlns:a="http://schemas.openxmlformats.org/drawingml/2006/main" xmlns:r="http://schemas.openxmlformats.org/officeDocument/2006/relationships" xmlns:p="http://schemas.openxmlformats.org/presentationml/2006/main">
   <p:cSld>
-    <p:spTree>
-      <p:nvGrpSpPr>
-        <p:cNvPr id="1" name=""/>
-        <p:cNvGrpSpPr/>
-        <p:nvPr/>
-      </p:nvGrpSpPr>
-      <p:grpSpPr>
-        <a:xfrm>
-          <a:off x="0" y="0"/>
-          <a:ext cx="0" cy="0"/>
-          <a:chOff x="0" y="0"/>
-          <a:chExt cx="0" cy="0"/>
-        </a:xfrm>
-      </p:grpSpPr>
-      <p:sp>
-        <p:nvSpPr>
-          <p:cNvPr id="2" name="Title 1"/>
-          <p:cNvSpPr>
-            <a:spLocks noGrp="1"/>
-          </p:cNvSpPr>
-          <p:nvPr>
-            <p:ph type="ctrTitle"/>
-          </p:nvPr>
-        </p:nvSpPr>
-        <p:spPr/>
-        <p:txBody>
-          <a:bodyPr>
-            <a:normAutofit fontScale="90000"/>
-          </a:bodyPr>
-          <a:lstStyle/>
-          <a:p>
-            <a:r>
-              <a:rPr lang="en-US" dirty="0" smtClean="0"/>
-              <a:t>Conclusion</a:t>
-            </a:r>
-            <a:endParaRPr lang="en-US" dirty="0"/>
-          </a:p>
-        </p:txBody>
-      </p:sp>
-      <p:sp>
-        <p:nvSpPr>
-          <p:cNvPr id="3" name="Subtitle 2"/>
-          <p:cNvSpPr>
-            <a:spLocks noGrp="1"/>
-          </p:cNvSpPr>
-          <p:nvPr>
-            <p:ph type="subTitle" idx="1"/>
-          </p:nvPr>
-        </p:nvSpPr>
-        <p:spPr>
-          <a:xfrm>
-            <a:off x="1660524" y="3420745"/>
-            <a:ext cx="12330113" cy="4123055"/>
-          </a:xfrm>
-        </p:spPr>
-        <p:txBody>
-          <a:bodyPr/>
-          <a:lstStyle/>
-          <a:p>
-            <a:pPr marL="342900" indent="-342900">
-              <a:buFont typeface="Wingdings" panose="05000000000000000000" pitchFamily="2" charset="2"/>
-              <a:buChar char="ü"/>
-            </a:pPr>
-            <a:r>
-              <a:rPr lang="en-US" dirty="0" smtClean="0"/>
-              <a:t> Log in to your target node.</a:t>
-            </a:r>
-          </a:p>
-          <a:p>
-            <a:pPr marL="342900" indent="-342900">
-              <a:buFont typeface="Wingdings" panose="05000000000000000000" pitchFamily="2" charset="2"/>
-              <a:buChar char="ü"/>
-            </a:pPr>
-            <a:r>
-              <a:rPr lang="en-US" dirty="0" smtClean="0"/>
-              <a:t> Write a remediation recipe on that node.</a:t>
-            </a:r>
-          </a:p>
-          <a:p>
-            <a:pPr marL="457200" indent="-457200">
-              <a:buFont typeface="Wingdings" panose="05000000000000000000" pitchFamily="2" charset="2"/>
-              <a:buChar char="ü"/>
-            </a:pPr>
-            <a:r>
-              <a:rPr lang="en-US" dirty="0" smtClean="0"/>
-              <a:t>Test the recipe with Test Kitchen.</a:t>
-            </a:r>
-          </a:p>
-          <a:p>
-            <a:pPr marL="457200" indent="-457200">
-              <a:buFont typeface="Wingdings" panose="05000000000000000000" pitchFamily="2" charset="2"/>
-              <a:buChar char="ü"/>
-            </a:pPr>
-            <a:r>
-              <a:rPr lang="en-US" dirty="0" smtClean="0"/>
-              <a:t>Test for compliance with InSpec from the CLI</a:t>
-            </a:r>
-          </a:p>
-          <a:p>
-            <a:pPr marL="457200" indent="-457200">
-              <a:buFont typeface="Wingdings" panose="05000000000000000000" pitchFamily="2" charset="2"/>
-              <a:buChar char="ü"/>
-            </a:pPr>
-            <a:r>
-              <a:rPr lang="en-US" dirty="0"/>
-              <a:t>Converge the recipe.</a:t>
-            </a:r>
-            <a:endParaRPr lang="en-US" dirty="0" smtClean="0"/>
-          </a:p>
-          <a:p>
-            <a:pPr marL="457200" indent="-457200">
-              <a:buFont typeface="Wingdings" panose="05000000000000000000" pitchFamily="2" charset="2"/>
-              <a:buChar char="ü"/>
-            </a:pPr>
-            <a:r>
-              <a:rPr lang="en-US" dirty="0" smtClean="0"/>
-              <a:t>Rescan the node and ensure compliance.</a:t>
-            </a:r>
-          </a:p>
-          <a:p>
-            <a:pPr marL="457200" indent="-457200">
-              <a:buFont typeface="Wingdings" panose="05000000000000000000" pitchFamily="2" charset="2"/>
-              <a:buChar char="ü"/>
-            </a:pPr>
-            <a:endParaRPr lang="en-US" dirty="0"/>
-          </a:p>
-          <a:p>
-            <a:endParaRPr lang="en-US" dirty="0"/>
-          </a:p>
-          <a:p>
-            <a:endParaRPr lang="en-US" dirty="0"/>
-          </a:p>
-        </p:txBody>
-      </p:sp>
-    </p:spTree>
-    <p:extLst>
-      <p:ext uri="{BB962C8B-B14F-4D97-AF65-F5344CB8AC3E}">
-        <p14:creationId xmlns:p14="http://schemas.microsoft.com/office/powerpoint/2010/main" val="1996638172"/>
-      </p:ext>
-    </p:extLst>
-  </p:cSld>
-  <p:clrMapOvr>
-    <a:masterClrMapping/>
-  </p:clrMapOvr>
-  <p:transition spd="med">
-    <p:fade/>
-  </p:transition>
-  <p:timing>
-    <p:tnLst>
-      <p:par>
-        <p:cTn id="1" dur="indefinite" restart="never" nodeType="tmRoot"/>
-      </p:par>
-    </p:tnLst>
-  </p:timing>
-</p:sld>
-</file>
-
-<file path=ppt/slides/slide61.xml><?xml version="1.0" encoding="utf-8"?>
-<p:sld xmlns:a="http://schemas.openxmlformats.org/drawingml/2006/main" xmlns:r="http://schemas.openxmlformats.org/officeDocument/2006/relationships" xmlns:p="http://schemas.openxmlformats.org/presentationml/2006/main">
-  <p:cSld>
     <p:bg>
       <p:bgPr>
         <a:gradFill rotWithShape="0">
@@ -32246,7 +31961,7 @@
 </p:sld>
 </file>
 
-<file path=ppt/slides/slide62.xml><?xml version="1.0" encoding="utf-8"?>
+<file path=ppt/slides/slide61.xml><?xml version="1.0" encoding="utf-8"?>
 <p:sld xmlns:a="http://schemas.openxmlformats.org/drawingml/2006/main" xmlns:r="http://schemas.openxmlformats.org/officeDocument/2006/relationships" xmlns:p="http://schemas.openxmlformats.org/presentationml/2006/main">
   <p:cSld>
     <p:spTree>
@@ -34361,6 +34076,73 @@
 </file>
 
 <file path=customXml/item1.xml><?xml version="1.0" encoding="utf-8"?>
+<?mso-contentType ?>
+<FormTemplates xmlns="http://schemas.microsoft.com/sharepoint/v3/contenttype/forms">
+  <Display>DocumentLibraryForm</Display>
+  <Edit>DocumentLibraryForm</Edit>
+  <New>DocumentLibraryForm</New>
+</FormTemplates>
+</file>
+
+<file path=customXml/item2.xml><?xml version="1.0" encoding="utf-8"?>
+<p:properties xmlns:p="http://schemas.microsoft.com/office/2006/metadata/properties" xmlns:xsi="http://www.w3.org/2001/XMLSchema-instance" xmlns:pc="http://schemas.microsoft.com/office/infopath/2007/PartnerControls">
+  <documentManagement>
+    <_dlc_DocId xmlns="7bb5d761-a2ea-4873-95f7-7a6658fb3ef0">M4CWTKMW727E-592-73</_dlc_DocId>
+    <_dlc_DocIdUrl xmlns="7bb5d761-a2ea-4873-95f7-7a6658fb3ef0">
+      <Url>https://kms.vci.local/marketing/team/_layouts/DocIdRedir.aspx?ID=M4CWTKMW727E-592-73</Url>
+      <Description>M4CWTKMW727E-592-73</Description>
+    </_dlc_DocIdUrl>
+  </documentManagement>
+</p:properties>
+</file>
+
+<file path=customXml/item3.xml><?xml version="1.0" encoding="utf-8"?>
+<?mso-contentType ?>
+<spe:Receivers xmlns:spe="http://schemas.microsoft.com/sharepoint/events">
+  <Receiver>
+    <Name>Document ID Generator</Name>
+    <Synchronization>Synchronous</Synchronization>
+    <Type>10001</Type>
+    <SequenceNumber>1000</SequenceNumber>
+    <Assembly>Microsoft.Office.DocumentManagement, Version=14.0.0.0, Culture=neutral, PublicKeyToken=71e9bce111e9429c</Assembly>
+    <Class>Microsoft.Office.DocumentManagement.Internal.DocIdHandler</Class>
+    <Data/>
+    <Filter/>
+  </Receiver>
+  <Receiver>
+    <Name>Document ID Generator</Name>
+    <Synchronization>Synchronous</Synchronization>
+    <Type>10002</Type>
+    <SequenceNumber>1001</SequenceNumber>
+    <Assembly>Microsoft.Office.DocumentManagement, Version=14.0.0.0, Culture=neutral, PublicKeyToken=71e9bce111e9429c</Assembly>
+    <Class>Microsoft.Office.DocumentManagement.Internal.DocIdHandler</Class>
+    <Data/>
+    <Filter/>
+  </Receiver>
+  <Receiver>
+    <Name>Document ID Generator</Name>
+    <Synchronization>Synchronous</Synchronization>
+    <Type>10004</Type>
+    <SequenceNumber>1002</SequenceNumber>
+    <Assembly>Microsoft.Office.DocumentManagement, Version=14.0.0.0, Culture=neutral, PublicKeyToken=71e9bce111e9429c</Assembly>
+    <Class>Microsoft.Office.DocumentManagement.Internal.DocIdHandler</Class>
+    <Data/>
+    <Filter/>
+  </Receiver>
+  <Receiver>
+    <Name>Document ID Generator</Name>
+    <Synchronization>Synchronous</Synchronization>
+    <Type>10006</Type>
+    <SequenceNumber>1003</SequenceNumber>
+    <Assembly>Microsoft.Office.DocumentManagement, Version=14.0.0.0, Culture=neutral, PublicKeyToken=71e9bce111e9429c</Assembly>
+    <Class>Microsoft.Office.DocumentManagement.Internal.DocIdHandler</Class>
+    <Data/>
+    <Filter/>
+  </Receiver>
+</spe:Receivers>
+</file>
+
+<file path=customXml/item4.xml><?xml version="1.0" encoding="utf-8"?>
 <ct:contentTypeSchema xmlns:ct="http://schemas.microsoft.com/office/2006/metadata/contentType" xmlns:ma="http://schemas.microsoft.com/office/2006/metadata/properties/metaAttributes" ct:_="" ma:_="" ma:contentTypeName="Document" ma:contentTypeID="0x0101000812F700BE7F874999720E88173FE491" ma:contentTypeVersion="0" ma:contentTypeDescription="Create a new document." ma:contentTypeScope="" ma:versionID="3f79f408e2ca720b7aba6e0e32464d0c">
   <xsd:schema xmlns:xsd="http://www.w3.org/2001/XMLSchema" xmlns:xs="http://www.w3.org/2001/XMLSchema" xmlns:p="http://schemas.microsoft.com/office/2006/metadata/properties" xmlns:ns2="7bb5d761-a2ea-4873-95f7-7a6658fb3ef0" targetNamespace="http://schemas.microsoft.com/office/2006/metadata/properties" ma:root="true" ma:fieldsID="1e062cd38ba31e406bfc4340fbc7f87a" ns2:_="">
     <xsd:import namespace="7bb5d761-a2ea-4873-95f7-7a6658fb3ef0"/>
@@ -34505,74 +34287,39 @@
 </ct:contentTypeSchema>
 </file>
 
-<file path=customXml/item2.xml><?xml version="1.0" encoding="utf-8"?>
-<?mso-contentType ?>
-<FormTemplates xmlns="http://schemas.microsoft.com/sharepoint/v3/contenttype/forms">
-  <Display>DocumentLibraryForm</Display>
-  <Edit>DocumentLibraryForm</Edit>
-  <New>DocumentLibraryForm</New>
-</FormTemplates>
+<file path=customXml/itemProps1.xml><?xml version="1.0" encoding="utf-8"?>
+<ds:datastoreItem xmlns:ds="http://schemas.openxmlformats.org/officeDocument/2006/customXml" ds:itemID="{5CDEB364-43EC-4510-9881-539C2A3FCE9E}">
+  <ds:schemaRefs>
+    <ds:schemaRef ds:uri="http://schemas.microsoft.com/sharepoint/v3/contenttype/forms"/>
+  </ds:schemaRefs>
+</ds:datastoreItem>
 </file>
 
-<file path=customXml/item3.xml><?xml version="1.0" encoding="utf-8"?>
-<?mso-contentType ?>
-<spe:Receivers xmlns:spe="http://schemas.microsoft.com/sharepoint/events">
-  <Receiver>
-    <Name>Document ID Generator</Name>
-    <Synchronization>Synchronous</Synchronization>
-    <Type>10001</Type>
-    <SequenceNumber>1000</SequenceNumber>
-    <Assembly>Microsoft.Office.DocumentManagement, Version=14.0.0.0, Culture=neutral, PublicKeyToken=71e9bce111e9429c</Assembly>
-    <Class>Microsoft.Office.DocumentManagement.Internal.DocIdHandler</Class>
-    <Data/>
-    <Filter/>
-  </Receiver>
-  <Receiver>
-    <Name>Document ID Generator</Name>
-    <Synchronization>Synchronous</Synchronization>
-    <Type>10002</Type>
-    <SequenceNumber>1001</SequenceNumber>
-    <Assembly>Microsoft.Office.DocumentManagement, Version=14.0.0.0, Culture=neutral, PublicKeyToken=71e9bce111e9429c</Assembly>
-    <Class>Microsoft.Office.DocumentManagement.Internal.DocIdHandler</Class>
-    <Data/>
-    <Filter/>
-  </Receiver>
-  <Receiver>
-    <Name>Document ID Generator</Name>
-    <Synchronization>Synchronous</Synchronization>
-    <Type>10004</Type>
-    <SequenceNumber>1002</SequenceNumber>
-    <Assembly>Microsoft.Office.DocumentManagement, Version=14.0.0.0, Culture=neutral, PublicKeyToken=71e9bce111e9429c</Assembly>
-    <Class>Microsoft.Office.DocumentManagement.Internal.DocIdHandler</Class>
-    <Data/>
-    <Filter/>
-  </Receiver>
-  <Receiver>
-    <Name>Document ID Generator</Name>
-    <Synchronization>Synchronous</Synchronization>
-    <Type>10006</Type>
-    <SequenceNumber>1003</SequenceNumber>
-    <Assembly>Microsoft.Office.DocumentManagement, Version=14.0.0.0, Culture=neutral, PublicKeyToken=71e9bce111e9429c</Assembly>
-    <Class>Microsoft.Office.DocumentManagement.Internal.DocIdHandler</Class>
-    <Data/>
-    <Filter/>
-  </Receiver>
-</spe:Receivers>
+<file path=customXml/itemProps2.xml><?xml version="1.0" encoding="utf-8"?>
+<ds:datastoreItem xmlns:ds="http://schemas.openxmlformats.org/officeDocument/2006/customXml" ds:itemID="{6921749B-AEB7-461B-845F-603CABD25259}">
+  <ds:schemaRefs>
+    <ds:schemaRef ds:uri="http://purl.org/dc/terms/"/>
+    <ds:schemaRef ds:uri="http://schemas.openxmlformats.org/package/2006/metadata/core-properties"/>
+    <ds:schemaRef ds:uri="http://purl.org/dc/dcmitype/"/>
+    <ds:schemaRef ds:uri="http://schemas.microsoft.com/office/infopath/2007/PartnerControls"/>
+    <ds:schemaRef ds:uri="http://purl.org/dc/elements/1.1/"/>
+    <ds:schemaRef ds:uri="http://schemas.microsoft.com/office/2006/metadata/properties"/>
+    <ds:schemaRef ds:uri="http://schemas.microsoft.com/office/2006/documentManagement/types"/>
+    <ds:schemaRef ds:uri="7bb5d761-a2ea-4873-95f7-7a6658fb3ef0"/>
+    <ds:schemaRef ds:uri="http://www.w3.org/XML/1998/namespace"/>
+  </ds:schemaRefs>
+</ds:datastoreItem>
 </file>
 
-<file path=customXml/item4.xml><?xml version="1.0" encoding="utf-8"?>
-<p:properties xmlns:p="http://schemas.microsoft.com/office/2006/metadata/properties" xmlns:xsi="http://www.w3.org/2001/XMLSchema-instance" xmlns:pc="http://schemas.microsoft.com/office/infopath/2007/PartnerControls">
-  <documentManagement>
-    <_dlc_DocId xmlns="7bb5d761-a2ea-4873-95f7-7a6658fb3ef0">M4CWTKMW727E-592-73</_dlc_DocId>
-    <_dlc_DocIdUrl xmlns="7bb5d761-a2ea-4873-95f7-7a6658fb3ef0">
-      <Url>https://kms.vci.local/marketing/team/_layouts/DocIdRedir.aspx?ID=M4CWTKMW727E-592-73</Url>
-      <Description>M4CWTKMW727E-592-73</Description>
-    </_dlc_DocIdUrl>
-  </documentManagement>
-</p:properties>
+<file path=customXml/itemProps3.xml><?xml version="1.0" encoding="utf-8"?>
+<ds:datastoreItem xmlns:ds="http://schemas.openxmlformats.org/officeDocument/2006/customXml" ds:itemID="{B13EBC30-FE27-4C6A-B723-23FC2188F7DC}">
+  <ds:schemaRefs>
+    <ds:schemaRef ds:uri="http://schemas.microsoft.com/sharepoint/events"/>
+  </ds:schemaRefs>
+</ds:datastoreItem>
 </file>
 
-<file path=customXml/itemProps1.xml><?xml version="1.0" encoding="utf-8"?>
+<file path=customXml/itemProps4.xml><?xml version="1.0" encoding="utf-8"?>
 <ds:datastoreItem xmlns:ds="http://schemas.openxmlformats.org/officeDocument/2006/customXml" ds:itemID="{164479E5-0B02-49AC-B79E-EC1D6164DDD3}">
   <ds:schemaRefs>
     <ds:schemaRef ds:uri="http://schemas.microsoft.com/office/2006/metadata/contentType"/>
@@ -34588,36 +34335,4 @@
     <ds:schemaRef ds:uri="http://schemas.microsoft.com/internal/obd"/>
   </ds:schemaRefs>
 </ds:datastoreItem>
-</file>
-
-<file path=customXml/itemProps2.xml><?xml version="1.0" encoding="utf-8"?>
-<ds:datastoreItem xmlns:ds="http://schemas.openxmlformats.org/officeDocument/2006/customXml" ds:itemID="{5CDEB364-43EC-4510-9881-539C2A3FCE9E}">
-  <ds:schemaRefs>
-    <ds:schemaRef ds:uri="http://schemas.microsoft.com/sharepoint/v3/contenttype/forms"/>
-  </ds:schemaRefs>
-</ds:datastoreItem>
-</file>
-
-<file path=customXml/itemProps3.xml><?xml version="1.0" encoding="utf-8"?>
-<ds:datastoreItem xmlns:ds="http://schemas.openxmlformats.org/officeDocument/2006/customXml" ds:itemID="{B13EBC30-FE27-4C6A-B723-23FC2188F7DC}">
-  <ds:schemaRefs>
-    <ds:schemaRef ds:uri="http://schemas.microsoft.com/sharepoint/events"/>
-  </ds:schemaRefs>
-</ds:datastoreItem>
-</file>
-
-<file path=customXml/itemProps4.xml><?xml version="1.0" encoding="utf-8"?>
-<ds:datastoreItem xmlns:ds="http://schemas.openxmlformats.org/officeDocument/2006/customXml" ds:itemID="{6921749B-AEB7-461B-845F-603CABD25259}">
-  <ds:schemaRefs>
-    <ds:schemaRef ds:uri="http://purl.org/dc/terms/"/>
-    <ds:schemaRef ds:uri="http://schemas.openxmlformats.org/package/2006/metadata/core-properties"/>
-    <ds:schemaRef ds:uri="http://purl.org/dc/dcmitype/"/>
-    <ds:schemaRef ds:uri="http://schemas.microsoft.com/office/infopath/2007/PartnerControls"/>
-    <ds:schemaRef ds:uri="http://purl.org/dc/elements/1.1/"/>
-    <ds:schemaRef ds:uri="http://schemas.microsoft.com/office/2006/metadata/properties"/>
-    <ds:schemaRef ds:uri="http://schemas.microsoft.com/office/2006/documentManagement/types"/>
-    <ds:schemaRef ds:uri="7bb5d761-a2ea-4873-95f7-7a6658fb3ef0"/>
-    <ds:schemaRef ds:uri="http://www.w3.org/XML/1998/namespace"/>
-  </ds:schemaRefs>
-</ds:datastoreItem>
 </file>
--- a/03-initial-configuration-scans.pptx
+++ b/03-initial-configuration-scans.pptx
@@ -334,7 +334,7 @@
               <a:pPr>
                 <a:defRPr/>
               </a:pPr>
-              <a:t>2016-02-08</a:t>
+              <a:t>2016-02-11</a:t>
             </a:fld>
             <a:endParaRPr lang="en-US" dirty="0"/>
           </a:p>
@@ -517,7 +517,7 @@
               <a:pPr>
                 <a:defRPr/>
               </a:pPr>
-              <a:t>2016-02-08</a:t>
+              <a:t>2016-02-11</a:t>
             </a:fld>
             <a:endParaRPr lang="en-US" dirty="0"/>
           </a:p>
@@ -962,6 +962,14 @@
           <a:bodyPr/>
           <a:lstStyle/>
           <a:p>
+            <a:r>
+              <a:rPr lang="en-US" dirty="0" smtClean="0"/>
+              <a:t>Instructor Note: Answers</a:t>
+            </a:r>
+            <a:r>
+              <a:rPr lang="en-US" baseline="0" dirty="0" smtClean="0"/>
+              <a:t> to quizzes are contained in Instructor Notes found below each quiz slide so participants won't see the answers.</a:t>
+            </a:r>
             <a:endParaRPr lang="en-US" dirty="0"/>
           </a:p>
         </p:txBody>
@@ -1996,7 +2004,15 @@
           <a:p>
             <a:r>
               <a:rPr lang="en-US" dirty="0" smtClean="0"/>
-              <a:t>There are also 6 critical issues related to ssh on the target node. Your results may be slightly different that this example.</a:t>
+              <a:t>There are also 6 critical issues related to ssh on the target node. Your results may be slightly different </a:t>
+            </a:r>
+            <a:r>
+              <a:rPr lang="en-US" dirty="0" smtClean="0"/>
+              <a:t>than </a:t>
+            </a:r>
+            <a:r>
+              <a:rPr lang="en-US" dirty="0" smtClean="0"/>
+              <a:t>this example.</a:t>
             </a:r>
           </a:p>
           <a:p>
@@ -6522,13 +6538,8 @@
             </a:r>
             <a:r>
               <a:rPr lang="en-US" baseline="0" dirty="0" smtClean="0"/>
-              <a:t> issue</a:t>
-            </a:r>
-            <a:r>
-              <a:rPr lang="en-US" baseline="0" dirty="0" smtClean="0"/>
-              <a:t>.</a:t>
-            </a:r>
-            <a:endParaRPr lang="en-US" baseline="0" dirty="0" smtClean="0"/>
+              <a:t> issue.</a:t>
+            </a:r>
           </a:p>
         </p:txBody>
       </p:sp>
@@ -10948,8 +10959,79 @@
         </p:nvSpPr>
         <p:spPr/>
         <p:txBody>
-          <a:bodyPr/>
-          <a:lstStyle/>
+          <a:bodyPr>
+            <a:normAutofit lnSpcReduction="10000"/>
+          </a:bodyPr>
+          <a:lstStyle/>
+          <a:p>
+            <a:r>
+              <a:rPr lang="en-US" dirty="0" smtClean="0"/>
+              <a:t>Instructor Note Answers:</a:t>
+            </a:r>
+          </a:p>
+          <a:p>
+            <a:r>
+              <a:rPr lang="en-US" dirty="0" smtClean="0"/>
+              <a:t>1.</a:t>
+            </a:r>
+            <a:r>
+              <a:rPr lang="en-US" baseline="0" dirty="0" smtClean="0"/>
+              <a:t> It doesn't matter...you could use the </a:t>
+            </a:r>
+            <a:r>
+              <a:rPr lang="en-US" dirty="0" smtClean="0"/>
+              <a:t>node's FQDN or just its IP address.</a:t>
+            </a:r>
+          </a:p>
+          <a:p>
+            <a:r>
+              <a:rPr lang="en-US" dirty="0" smtClean="0"/>
+              <a:t>2. </a:t>
+            </a:r>
+            <a:r>
+              <a:rPr lang="en-US" baseline="0" dirty="0" smtClean="0"/>
+              <a:t>`</a:t>
+            </a:r>
+            <a:r>
+              <a:rPr lang="en-US" baseline="0" dirty="0" err="1" smtClean="0"/>
+              <a:t>inspec</a:t>
+            </a:r>
+            <a:r>
+              <a:rPr lang="en-US" baseline="0" dirty="0" smtClean="0"/>
+              <a:t> exec` can be used to test a compliance profile against </a:t>
+            </a:r>
+            <a:r>
+              <a:rPr lang="en-US" dirty="0" smtClean="0"/>
+              <a:t>remote hosts, including </a:t>
+            </a:r>
+            <a:r>
+              <a:rPr lang="en-US" dirty="0" err="1" smtClean="0"/>
+              <a:t>docker</a:t>
+            </a:r>
+            <a:r>
+              <a:rPr lang="en-US" dirty="0" smtClean="0"/>
+              <a:t> containers.</a:t>
+            </a:r>
+          </a:p>
+          <a:p>
+            <a:r>
+              <a:rPr lang="en-US" sz="1200" baseline="0" dirty="0" smtClean="0"/>
+              <a:t>3. </a:t>
+            </a:r>
+            <a:r>
+              <a:rPr lang="en-US" sz="1200" dirty="0" smtClean="0"/>
+              <a:t>The `impact` value in a Compliance Profile defines severity. See slide 3-22 through slide 3-24 for examples.</a:t>
+            </a:r>
+          </a:p>
+          <a:p>
+            <a:r>
+              <a:rPr lang="en-US" sz="1200" dirty="0" smtClean="0"/>
+              <a:t>4. The `describe` section is the actual test.</a:t>
+            </a:r>
+          </a:p>
+          <a:p>
+            <a:endParaRPr lang="en-US" sz="1200" dirty="0" smtClean="0"/>
+          </a:p>
           <a:p>
             <a:endParaRPr lang="en-US" dirty="0"/>
           </a:p>
@@ -11156,6 +11238,52 @@
                 <a:effectLst/>
               </a:rPr>
               <a:t>` is uncommented. </a:t>
+            </a:r>
+            <a:r>
+              <a:rPr lang="en-US" dirty="0" smtClean="0">
+                <a:effectLst/>
+              </a:rPr>
+              <a:t>The Linux</a:t>
+            </a:r>
+            <a:r>
+              <a:rPr lang="en-US" baseline="0" dirty="0" smtClean="0">
+                <a:effectLst/>
+              </a:rPr>
+              <a:t> AMI used in this course </a:t>
+            </a:r>
+            <a:r>
+              <a:rPr lang="en-US" sz="1200" b="0" i="0" kern="1200" dirty="0" smtClean="0">
+                <a:solidFill>
+                  <a:schemeClr val="tx1"/>
+                </a:solidFill>
+                <a:effectLst/>
+                <a:latin typeface="Arial" panose="020B0604020202020204" pitchFamily="34" charset="0"/>
+                <a:ea typeface="ＭＳ Ｐゴシック" charset="0"/>
+                <a:cs typeface="Arial" panose="020B0604020202020204" pitchFamily="34" charset="0"/>
+              </a:rPr>
+              <a:t>has /etc/sudoers  </a:t>
+            </a:r>
+            <a:r>
+              <a:rPr lang="en-US" dirty="0" smtClean="0">
+                <a:effectLst/>
+              </a:rPr>
+              <a:t>`</a:t>
+            </a:r>
+            <a:r>
+              <a:rPr lang="en-US" dirty="0" smtClean="0"/>
+              <a:t>Defaults    requiretty</a:t>
+            </a:r>
+            <a:r>
+              <a:rPr lang="en-US" dirty="0" smtClean="0">
+                <a:effectLst/>
+              </a:rPr>
+              <a:t>` commented</a:t>
+            </a:r>
+            <a:r>
+              <a:rPr lang="en-US" baseline="0" dirty="0" smtClean="0">
+                <a:effectLst/>
+              </a:rPr>
+              <a:t> so no worries."</a:t>
             </a:r>
             <a:r>
               <a:rPr lang="en-US" dirty="0" smtClean="0"/>
@@ -12269,14 +12397,14 @@
           </a:ln>
           <a:extLst>
             <a:ext uri="{909E8E84-426E-40dd-AFC4-6F175D3DCCD1}">
-              <a14:hiddenFill xmlns="" xmlns:a14="http://schemas.microsoft.com/office/drawing/2010/main">
+              <a14:hiddenFill xmlns:a14="http://schemas.microsoft.com/office/drawing/2010/main" xmlns="">
                 <a:solidFill>
                   <a:srgbClr val="FFFFFF"/>
                 </a:solidFill>
               </a14:hiddenFill>
             </a:ext>
             <a:ext uri="{91240B29-F687-4f45-9708-019B960494DF}">
-              <a14:hiddenLine xmlns="" xmlns:a14="http://schemas.microsoft.com/office/drawing/2010/main" w="9525">
+              <a14:hiddenLine xmlns:a14="http://schemas.microsoft.com/office/drawing/2010/main" xmlns="" w="9525">
                 <a:solidFill>
                   <a:srgbClr val="000000"/>
                 </a:solidFill>
@@ -12424,14 +12552,14 @@
           </a:ln>
           <a:extLst>
             <a:ext uri="{909E8E84-426E-40dd-AFC4-6F175D3DCCD1}">
-              <a14:hiddenFill xmlns="" xmlns:a14="http://schemas.microsoft.com/office/drawing/2010/main">
+              <a14:hiddenFill xmlns:a14="http://schemas.microsoft.com/office/drawing/2010/main" xmlns="">
                 <a:solidFill>
                   <a:srgbClr val="FFFFFF"/>
                 </a:solidFill>
               </a14:hiddenFill>
             </a:ext>
             <a:ext uri="{91240B29-F687-4f45-9708-019B960494DF}">
-              <a14:hiddenLine xmlns="" xmlns:a14="http://schemas.microsoft.com/office/drawing/2010/main" w="9525">
+              <a14:hiddenLine xmlns:a14="http://schemas.microsoft.com/office/drawing/2010/main" xmlns="" w="9525">
                 <a:solidFill>
                   <a:srgbClr val="000000"/>
                 </a:solidFill>
@@ -12922,14 +13050,14 @@
           </a:ln>
           <a:extLst>
             <a:ext uri="{909E8E84-426E-40dd-AFC4-6F175D3DCCD1}">
-              <a14:hiddenFill xmlns="" xmlns:a14="http://schemas.microsoft.com/office/drawing/2010/main">
+              <a14:hiddenFill xmlns:a14="http://schemas.microsoft.com/office/drawing/2010/main" xmlns="">
                 <a:solidFill>
                   <a:srgbClr val="FFFFFF"/>
                 </a:solidFill>
               </a14:hiddenFill>
             </a:ext>
             <a:ext uri="{91240B29-F687-4f45-9708-019B960494DF}">
-              <a14:hiddenLine xmlns="" xmlns:a14="http://schemas.microsoft.com/office/drawing/2010/main" w="9525">
+              <a14:hiddenLine xmlns:a14="http://schemas.microsoft.com/office/drawing/2010/main" xmlns="" w="9525">
                 <a:solidFill>
                   <a:srgbClr val="000000"/>
                 </a:solidFill>
@@ -13168,14 +13296,14 @@
           </a:ln>
           <a:extLst>
             <a:ext uri="{909E8E84-426E-40dd-AFC4-6F175D3DCCD1}">
-              <a14:hiddenFill xmlns="" xmlns:a14="http://schemas.microsoft.com/office/drawing/2010/main">
+              <a14:hiddenFill xmlns:a14="http://schemas.microsoft.com/office/drawing/2010/main" xmlns="">
                 <a:solidFill>
                   <a:srgbClr val="FFFFFF"/>
                 </a:solidFill>
               </a14:hiddenFill>
             </a:ext>
             <a:ext uri="{91240B29-F687-4f45-9708-019B960494DF}">
-              <a14:hiddenLine xmlns="" xmlns:a14="http://schemas.microsoft.com/office/drawing/2010/main" w="9525">
+              <a14:hiddenLine xmlns:a14="http://schemas.microsoft.com/office/drawing/2010/main" xmlns="" w="9525">
                 <a:solidFill>
                   <a:srgbClr val="000000"/>
                 </a:solidFill>
@@ -15103,14 +15231,14 @@
           </a:ln>
           <a:extLst>
             <a:ext uri="{909E8E84-426E-40dd-AFC4-6F175D3DCCD1}">
-              <a14:hiddenFill xmlns="" xmlns:a14="http://schemas.microsoft.com/office/drawing/2010/main">
+              <a14:hiddenFill xmlns:a14="http://schemas.microsoft.com/office/drawing/2010/main" xmlns="">
                 <a:solidFill>
                   <a:srgbClr val="FFFFFF"/>
                 </a:solidFill>
               </a14:hiddenFill>
             </a:ext>
             <a:ext uri="{91240B29-F687-4f45-9708-019B960494DF}">
-              <a14:hiddenLine xmlns="" xmlns:a14="http://schemas.microsoft.com/office/drawing/2010/main" w="9525">
+              <a14:hiddenLine xmlns:a14="http://schemas.microsoft.com/office/drawing/2010/main" xmlns="" w="9525">
                 <a:solidFill>
                   <a:srgbClr val="000000"/>
                 </a:solidFill>
@@ -16644,14 +16772,14 @@
           </a:ln>
           <a:extLst>
             <a:ext uri="{909E8E84-426E-40dd-AFC4-6F175D3DCCD1}">
-              <a14:hiddenFill xmlns="" xmlns:a14="http://schemas.microsoft.com/office/drawing/2010/main">
+              <a14:hiddenFill xmlns:a14="http://schemas.microsoft.com/office/drawing/2010/main" xmlns="">
                 <a:solidFill>
                   <a:srgbClr val="FFFFFF"/>
                 </a:solidFill>
               </a14:hiddenFill>
             </a:ext>
             <a:ext uri="{91240B29-F687-4f45-9708-019B960494DF}">
-              <a14:hiddenLine xmlns="" xmlns:a14="http://schemas.microsoft.com/office/drawing/2010/main" w="9525">
+              <a14:hiddenLine xmlns:a14="http://schemas.microsoft.com/office/drawing/2010/main" xmlns="" w="9525">
                 <a:solidFill>
                   <a:srgbClr val="000000"/>
                 </a:solidFill>
@@ -17209,14 +17337,14 @@
           </a:ln>
           <a:extLst>
             <a:ext uri="{909E8E84-426E-40dd-AFC4-6F175D3DCCD1}">
-              <a14:hiddenFill xmlns="" xmlns:a14="http://schemas.microsoft.com/office/drawing/2010/main">
+              <a14:hiddenFill xmlns:a14="http://schemas.microsoft.com/office/drawing/2010/main" xmlns="">
                 <a:solidFill>
                   <a:srgbClr val="FFFFFF"/>
                 </a:solidFill>
               </a14:hiddenFill>
             </a:ext>
             <a:ext uri="{91240B29-F687-4f45-9708-019B960494DF}">
-              <a14:hiddenLine xmlns="" xmlns:a14="http://schemas.microsoft.com/office/drawing/2010/main" w="9525">
+              <a14:hiddenLine xmlns:a14="http://schemas.microsoft.com/office/drawing/2010/main" xmlns="" w="9525">
                 <a:solidFill>
                   <a:srgbClr val="000000"/>
                 </a:solidFill>
@@ -17783,14 +17911,14 @@
           </a:ln>
           <a:extLst>
             <a:ext uri="{909E8E84-426E-40dd-AFC4-6F175D3DCCD1}">
-              <a14:hiddenFill xmlns="" xmlns:a14="http://schemas.microsoft.com/office/drawing/2010/main">
+              <a14:hiddenFill xmlns:a14="http://schemas.microsoft.com/office/drawing/2010/main" xmlns="">
                 <a:solidFill>
                   <a:srgbClr val="FFFFFF"/>
                 </a:solidFill>
               </a14:hiddenFill>
             </a:ext>
             <a:ext uri="{91240B29-F687-4f45-9708-019B960494DF}">
-              <a14:hiddenLine xmlns="" xmlns:a14="http://schemas.microsoft.com/office/drawing/2010/main" w="9525">
+              <a14:hiddenLine xmlns:a14="http://schemas.microsoft.com/office/drawing/2010/main" xmlns="" w="9525">
                 <a:solidFill>
                   <a:srgbClr val="000000"/>
                 </a:solidFill>
@@ -18730,14 +18858,14 @@
           </a:ln>
           <a:extLst>
             <a:ext uri="{909E8E84-426E-40dd-AFC4-6F175D3DCCD1}">
-              <a14:hiddenFill xmlns="" xmlns:a14="http://schemas.microsoft.com/office/drawing/2010/main">
+              <a14:hiddenFill xmlns:a14="http://schemas.microsoft.com/office/drawing/2010/main" xmlns="">
                 <a:solidFill>
                   <a:srgbClr val="FFFFFF"/>
                 </a:solidFill>
               </a14:hiddenFill>
             </a:ext>
             <a:ext uri="{91240B29-F687-4f45-9708-019B960494DF}">
-              <a14:hiddenLine xmlns="" xmlns:a14="http://schemas.microsoft.com/office/drawing/2010/main" w="9525">
+              <a14:hiddenLine xmlns:a14="http://schemas.microsoft.com/office/drawing/2010/main" xmlns="" w="9525">
                 <a:solidFill>
                   <a:srgbClr val="000000"/>
                 </a:solidFill>
@@ -19490,14 +19618,14 @@
           </a:ln>
           <a:extLst>
             <a:ext uri="{909E8E84-426E-40dd-AFC4-6F175D3DCCD1}">
-              <a14:hiddenFill xmlns="" xmlns:a14="http://schemas.microsoft.com/office/drawing/2010/main">
+              <a14:hiddenFill xmlns:a14="http://schemas.microsoft.com/office/drawing/2010/main" xmlns="">
                 <a:solidFill>
                   <a:srgbClr val="FFFFFF"/>
                 </a:solidFill>
               </a14:hiddenFill>
             </a:ext>
             <a:ext uri="{91240B29-F687-4f45-9708-019B960494DF}">
-              <a14:hiddenLine xmlns="" xmlns:a14="http://schemas.microsoft.com/office/drawing/2010/main" w="9525">
+              <a14:hiddenLine xmlns:a14="http://schemas.microsoft.com/office/drawing/2010/main" xmlns="" w="9525">
                 <a:solidFill>
                   <a:srgbClr val="000000"/>
                 </a:solidFill>
@@ -28694,7 +28822,48 @@
           <a:p>
             <a:r>
               <a:rPr lang="en-US" dirty="0" smtClean="0"/>
-              <a:t>containers.</a:t>
+              <a:t>containers</a:t>
+            </a:r>
+            <a:r>
+              <a:rPr lang="en-US" dirty="0" smtClean="0"/>
+              <a:t>.</a:t>
+            </a:r>
+          </a:p>
+          <a:p>
+            <a:endParaRPr lang="en-US" dirty="0"/>
+          </a:p>
+          <a:p>
+            <a:r>
+              <a:rPr lang="en-US" dirty="0" smtClean="0"/>
+              <a:t>You can use '</a:t>
+            </a:r>
+            <a:r>
+              <a:rPr lang="en-US" dirty="0" err="1" smtClean="0"/>
+              <a:t>inspec</a:t>
+            </a:r>
+            <a:r>
+              <a:rPr lang="en-US" dirty="0" smtClean="0"/>
+              <a:t> exec' </a:t>
+            </a:r>
+            <a:r>
+              <a:rPr lang="en-US" dirty="0"/>
+              <a:t>to run </a:t>
+            </a:r>
+            <a:r>
+              <a:rPr lang="en-US" dirty="0" smtClean="0"/>
+              <a:t>tests </a:t>
+            </a:r>
+            <a:r>
+              <a:rPr lang="en-US" dirty="0"/>
+              <a:t>at </a:t>
+            </a:r>
+            <a:r>
+              <a:rPr lang="en-US" dirty="0" smtClean="0"/>
+              <a:t>a specified </a:t>
+            </a:r>
+            <a:r>
+              <a:rPr lang="en-US" dirty="0"/>
+              <a:t>path.</a:t>
             </a:r>
             <a:endParaRPr lang="en-US" dirty="0"/>
           </a:p>
@@ -31840,7 +32009,12 @@
             <p:ph type="body" sz="quarter" idx="12"/>
           </p:nvPr>
         </p:nvSpPr>
-        <p:spPr/>
+        <p:spPr>
+          <a:xfrm>
+            <a:off x="650039" y="1856198"/>
+            <a:ext cx="15089313" cy="5345953"/>
+          </a:xfrm>
+        </p:spPr>
         <p:txBody>
           <a:bodyPr/>
           <a:lstStyle/>
@@ -31851,15 +32025,24 @@
             </a:pPr>
             <a:r>
               <a:rPr lang="en-US" dirty="0" smtClean="0"/>
-              <a:t>What is ...?</a:t>
+              <a:t>When adding a node to the Compliance server's dashboard, should you </a:t>
+            </a:r>
+            <a:r>
+              <a:rPr lang="en-US" dirty="0"/>
+              <a:t>use the node's FQDN or </a:t>
+            </a:r>
+            <a:r>
+              <a:rPr lang="en-US" dirty="0" smtClean="0"/>
+              <a:t>just its IP address?</a:t>
+            </a:r>
+            <a:r>
+              <a:rPr lang="en-US" dirty="0" smtClean="0"/>
+              <a:t/>
             </a:r>
             <a:br>
               <a:rPr lang="en-US" dirty="0" smtClean="0"/>
             </a:br>
-            <a:r>
-              <a:rPr lang="en-US" dirty="0" smtClean="0"/>
-              <a:t>______________________________</a:t>
-            </a:r>
+            <a:endParaRPr lang="en-US" dirty="0" smtClean="0"/>
           </a:p>
           <a:p>
             <a:pPr marL="514350" indent="-514350">
@@ -31868,47 +32051,19 @@
             </a:pPr>
             <a:r>
               <a:rPr lang="en-US" dirty="0" smtClean="0"/>
-              <a:t>Which is the correct answer?  </a:t>
-            </a:r>
-          </a:p>
-          <a:p>
-            <a:pPr marL="822325" lvl="1" indent="-514350">
-              <a:buFont typeface="+mj-lt"/>
-              <a:buAutoNum type="alphaLcPeriod"/>
-            </a:pPr>
-            <a:r>
-              <a:rPr lang="en-US" dirty="0" smtClean="0"/>
-              <a:t>answer</a:t>
-            </a:r>
-          </a:p>
-          <a:p>
-            <a:pPr marL="822325" lvl="1" indent="-514350">
-              <a:buFont typeface="+mj-lt"/>
-              <a:buAutoNum type="alphaLcPeriod"/>
-            </a:pPr>
-            <a:r>
-              <a:rPr lang="en-US" dirty="0" smtClean="0"/>
-              <a:t>answer</a:t>
-            </a:r>
-          </a:p>
-          <a:p>
-            <a:pPr marL="822325" lvl="1" indent="-514350">
-              <a:buFont typeface="+mj-lt"/>
-              <a:buAutoNum type="alphaLcPeriod"/>
-            </a:pPr>
-            <a:r>
-              <a:rPr lang="en-US" dirty="0" smtClean="0"/>
-              <a:t>answer</a:t>
-            </a:r>
-          </a:p>
-          <a:p>
-            <a:pPr marL="822325" lvl="1" indent="-514350">
-              <a:buFont typeface="+mj-lt"/>
-              <a:buAutoNum type="alphaLcPeriod"/>
-            </a:pPr>
-            <a:r>
-              <a:rPr lang="en-US" dirty="0" smtClean="0"/>
-              <a:t>answer</a:t>
+              <a:t>What can `</a:t>
+            </a:r>
+            <a:r>
+              <a:rPr lang="en-US" dirty="0" err="1" smtClean="0"/>
+              <a:t>inspec</a:t>
+            </a:r>
+            <a:r>
+              <a:rPr lang="en-US" dirty="0" smtClean="0"/>
+              <a:t> exec` be used for?</a:t>
+            </a:r>
+            <a:r>
+              <a:rPr lang="en-US" dirty="0" smtClean="0"/>
+              <a:t/>
             </a:r>
             <a:br>
               <a:rPr lang="en-US" dirty="0" smtClean="0"/>
@@ -31922,7 +32077,7 @@
             </a:pPr>
             <a:r>
               <a:rPr lang="en-US" dirty="0" smtClean="0"/>
-              <a:t>Capable of carrying on a conversation</a:t>
+              <a:t>How are compliance severities defined?</a:t>
             </a:r>
           </a:p>
           <a:p>
@@ -31930,14 +32085,57 @@
               <a:buFont typeface="+mj-lt"/>
               <a:buAutoNum type="arabicPeriod"/>
             </a:pPr>
-            <a:r>
-              <a:rPr lang="en-US" dirty="0" smtClean="0"/>
-              <a:t>Explain</a:t>
-            </a:r>
             <a:endParaRPr lang="en-US" dirty="0"/>
           </a:p>
-        </p:txBody>
-      </p:sp>
+          <a:p>
+            <a:pPr marL="514350" indent="-514350">
+              <a:buFont typeface="+mj-lt"/>
+              <a:buAutoNum type="arabicPeriod"/>
+            </a:pPr>
+            <a:r>
+              <a:rPr lang="en-US" dirty="0" smtClean="0"/>
+              <a:t>Using the image on the right, what section</a:t>
+            </a:r>
+            <a:br>
+              <a:rPr lang="en-US" dirty="0" smtClean="0"/>
+            </a:br>
+            <a:r>
+              <a:rPr lang="en-US" dirty="0" smtClean="0"/>
+              <a:t>is the actual test?</a:t>
+            </a:r>
+            <a:endParaRPr lang="en-US" dirty="0"/>
+          </a:p>
+        </p:txBody>
+      </p:sp>
+      <p:pic>
+        <p:nvPicPr>
+          <p:cNvPr id="4" name="Picture 3"/>
+          <p:cNvPicPr>
+            <a:picLocks noChangeAspect="1"/>
+          </p:cNvPicPr>
+          <p:nvPr/>
+        </p:nvPicPr>
+        <p:blipFill>
+          <a:blip r:embed="rId3"/>
+          <a:stretch>
+            <a:fillRect/>
+          </a:stretch>
+        </p:blipFill>
+        <p:spPr>
+          <a:xfrm>
+            <a:off x="9299643" y="5164954"/>
+            <a:ext cx="6439709" cy="2780456"/>
+          </a:xfrm>
+          <a:prstGeom prst="rect">
+            <a:avLst/>
+          </a:prstGeom>
+          <a:ln>
+            <a:solidFill>
+              <a:schemeClr val="accent1"/>
+            </a:solidFill>
+          </a:ln>
+        </p:spPr>
+      </p:pic>
     </p:spTree>
     <p:extLst>
       <p:ext uri="{BB962C8B-B14F-4D97-AF65-F5344CB8AC3E}">
@@ -34076,73 +34274,6 @@
 </file>
 
 <file path=customXml/item1.xml><?xml version="1.0" encoding="utf-8"?>
-<?mso-contentType ?>
-<FormTemplates xmlns="http://schemas.microsoft.com/sharepoint/v3/contenttype/forms">
-  <Display>DocumentLibraryForm</Display>
-  <Edit>DocumentLibraryForm</Edit>
-  <New>DocumentLibraryForm</New>
-</FormTemplates>
-</file>
-
-<file path=customXml/item2.xml><?xml version="1.0" encoding="utf-8"?>
-<p:properties xmlns:p="http://schemas.microsoft.com/office/2006/metadata/properties" xmlns:xsi="http://www.w3.org/2001/XMLSchema-instance" xmlns:pc="http://schemas.microsoft.com/office/infopath/2007/PartnerControls">
-  <documentManagement>
-    <_dlc_DocId xmlns="7bb5d761-a2ea-4873-95f7-7a6658fb3ef0">M4CWTKMW727E-592-73</_dlc_DocId>
-    <_dlc_DocIdUrl xmlns="7bb5d761-a2ea-4873-95f7-7a6658fb3ef0">
-      <Url>https://kms.vci.local/marketing/team/_layouts/DocIdRedir.aspx?ID=M4CWTKMW727E-592-73</Url>
-      <Description>M4CWTKMW727E-592-73</Description>
-    </_dlc_DocIdUrl>
-  </documentManagement>
-</p:properties>
-</file>
-
-<file path=customXml/item3.xml><?xml version="1.0" encoding="utf-8"?>
-<?mso-contentType ?>
-<spe:Receivers xmlns:spe="http://schemas.microsoft.com/sharepoint/events">
-  <Receiver>
-    <Name>Document ID Generator</Name>
-    <Synchronization>Synchronous</Synchronization>
-    <Type>10001</Type>
-    <SequenceNumber>1000</SequenceNumber>
-    <Assembly>Microsoft.Office.DocumentManagement, Version=14.0.0.0, Culture=neutral, PublicKeyToken=71e9bce111e9429c</Assembly>
-    <Class>Microsoft.Office.DocumentManagement.Internal.DocIdHandler</Class>
-    <Data/>
-    <Filter/>
-  </Receiver>
-  <Receiver>
-    <Name>Document ID Generator</Name>
-    <Synchronization>Synchronous</Synchronization>
-    <Type>10002</Type>
-    <SequenceNumber>1001</SequenceNumber>
-    <Assembly>Microsoft.Office.DocumentManagement, Version=14.0.0.0, Culture=neutral, PublicKeyToken=71e9bce111e9429c</Assembly>
-    <Class>Microsoft.Office.DocumentManagement.Internal.DocIdHandler</Class>
-    <Data/>
-    <Filter/>
-  </Receiver>
-  <Receiver>
-    <Name>Document ID Generator</Name>
-    <Synchronization>Synchronous</Synchronization>
-    <Type>10004</Type>
-    <SequenceNumber>1002</SequenceNumber>
-    <Assembly>Microsoft.Office.DocumentManagement, Version=14.0.0.0, Culture=neutral, PublicKeyToken=71e9bce111e9429c</Assembly>
-    <Class>Microsoft.Office.DocumentManagement.Internal.DocIdHandler</Class>
-    <Data/>
-    <Filter/>
-  </Receiver>
-  <Receiver>
-    <Name>Document ID Generator</Name>
-    <Synchronization>Synchronous</Synchronization>
-    <Type>10006</Type>
-    <SequenceNumber>1003</SequenceNumber>
-    <Assembly>Microsoft.Office.DocumentManagement, Version=14.0.0.0, Culture=neutral, PublicKeyToken=71e9bce111e9429c</Assembly>
-    <Class>Microsoft.Office.DocumentManagement.Internal.DocIdHandler</Class>
-    <Data/>
-    <Filter/>
-  </Receiver>
-</spe:Receivers>
-</file>
-
-<file path=customXml/item4.xml><?xml version="1.0" encoding="utf-8"?>
 <ct:contentTypeSchema xmlns:ct="http://schemas.microsoft.com/office/2006/metadata/contentType" xmlns:ma="http://schemas.microsoft.com/office/2006/metadata/properties/metaAttributes" ct:_="" ma:_="" ma:contentTypeName="Document" ma:contentTypeID="0x0101000812F700BE7F874999720E88173FE491" ma:contentTypeVersion="0" ma:contentTypeDescription="Create a new document." ma:contentTypeScope="" ma:versionID="3f79f408e2ca720b7aba6e0e32464d0c">
   <xsd:schema xmlns:xsd="http://www.w3.org/2001/XMLSchema" xmlns:xs="http://www.w3.org/2001/XMLSchema" xmlns:p="http://schemas.microsoft.com/office/2006/metadata/properties" xmlns:ns2="7bb5d761-a2ea-4873-95f7-7a6658fb3ef0" targetNamespace="http://schemas.microsoft.com/office/2006/metadata/properties" ma:root="true" ma:fieldsID="1e062cd38ba31e406bfc4340fbc7f87a" ns2:_="">
     <xsd:import namespace="7bb5d761-a2ea-4873-95f7-7a6658fb3ef0"/>
@@ -34287,39 +34418,74 @@
 </ct:contentTypeSchema>
 </file>
 
-<file path=customXml/itemProps1.xml><?xml version="1.0" encoding="utf-8"?>
-<ds:datastoreItem xmlns:ds="http://schemas.openxmlformats.org/officeDocument/2006/customXml" ds:itemID="{5CDEB364-43EC-4510-9881-539C2A3FCE9E}">
-  <ds:schemaRefs>
-    <ds:schemaRef ds:uri="http://schemas.microsoft.com/sharepoint/v3/contenttype/forms"/>
-  </ds:schemaRefs>
-</ds:datastoreItem>
+<file path=customXml/item2.xml><?xml version="1.0" encoding="utf-8"?>
+<?mso-contentType ?>
+<spe:Receivers xmlns:spe="http://schemas.microsoft.com/sharepoint/events">
+  <Receiver>
+    <Name>Document ID Generator</Name>
+    <Synchronization>Synchronous</Synchronization>
+    <Type>10001</Type>
+    <SequenceNumber>1000</SequenceNumber>
+    <Assembly>Microsoft.Office.DocumentManagement, Version=14.0.0.0, Culture=neutral, PublicKeyToken=71e9bce111e9429c</Assembly>
+    <Class>Microsoft.Office.DocumentManagement.Internal.DocIdHandler</Class>
+    <Data/>
+    <Filter/>
+  </Receiver>
+  <Receiver>
+    <Name>Document ID Generator</Name>
+    <Synchronization>Synchronous</Synchronization>
+    <Type>10002</Type>
+    <SequenceNumber>1001</SequenceNumber>
+    <Assembly>Microsoft.Office.DocumentManagement, Version=14.0.0.0, Culture=neutral, PublicKeyToken=71e9bce111e9429c</Assembly>
+    <Class>Microsoft.Office.DocumentManagement.Internal.DocIdHandler</Class>
+    <Data/>
+    <Filter/>
+  </Receiver>
+  <Receiver>
+    <Name>Document ID Generator</Name>
+    <Synchronization>Synchronous</Synchronization>
+    <Type>10004</Type>
+    <SequenceNumber>1002</SequenceNumber>
+    <Assembly>Microsoft.Office.DocumentManagement, Version=14.0.0.0, Culture=neutral, PublicKeyToken=71e9bce111e9429c</Assembly>
+    <Class>Microsoft.Office.DocumentManagement.Internal.DocIdHandler</Class>
+    <Data/>
+    <Filter/>
+  </Receiver>
+  <Receiver>
+    <Name>Document ID Generator</Name>
+    <Synchronization>Synchronous</Synchronization>
+    <Type>10006</Type>
+    <SequenceNumber>1003</SequenceNumber>
+    <Assembly>Microsoft.Office.DocumentManagement, Version=14.0.0.0, Culture=neutral, PublicKeyToken=71e9bce111e9429c</Assembly>
+    <Class>Microsoft.Office.DocumentManagement.Internal.DocIdHandler</Class>
+    <Data/>
+    <Filter/>
+  </Receiver>
+</spe:Receivers>
 </file>
 
-<file path=customXml/itemProps2.xml><?xml version="1.0" encoding="utf-8"?>
-<ds:datastoreItem xmlns:ds="http://schemas.openxmlformats.org/officeDocument/2006/customXml" ds:itemID="{6921749B-AEB7-461B-845F-603CABD25259}">
-  <ds:schemaRefs>
-    <ds:schemaRef ds:uri="http://purl.org/dc/terms/"/>
-    <ds:schemaRef ds:uri="http://schemas.openxmlformats.org/package/2006/metadata/core-properties"/>
-    <ds:schemaRef ds:uri="http://purl.org/dc/dcmitype/"/>
-    <ds:schemaRef ds:uri="http://schemas.microsoft.com/office/infopath/2007/PartnerControls"/>
-    <ds:schemaRef ds:uri="http://purl.org/dc/elements/1.1/"/>
-    <ds:schemaRef ds:uri="http://schemas.microsoft.com/office/2006/metadata/properties"/>
-    <ds:schemaRef ds:uri="http://schemas.microsoft.com/office/2006/documentManagement/types"/>
-    <ds:schemaRef ds:uri="7bb5d761-a2ea-4873-95f7-7a6658fb3ef0"/>
-    <ds:schemaRef ds:uri="http://www.w3.org/XML/1998/namespace"/>
-  </ds:schemaRefs>
-</ds:datastoreItem>
+<file path=customXml/item3.xml><?xml version="1.0" encoding="utf-8"?>
+<?mso-contentType ?>
+<FormTemplates xmlns="http://schemas.microsoft.com/sharepoint/v3/contenttype/forms">
+  <Display>DocumentLibraryForm</Display>
+  <Edit>DocumentLibraryForm</Edit>
+  <New>DocumentLibraryForm</New>
+</FormTemplates>
 </file>
 
-<file path=customXml/itemProps3.xml><?xml version="1.0" encoding="utf-8"?>
-<ds:datastoreItem xmlns:ds="http://schemas.openxmlformats.org/officeDocument/2006/customXml" ds:itemID="{B13EBC30-FE27-4C6A-B723-23FC2188F7DC}">
-  <ds:schemaRefs>
-    <ds:schemaRef ds:uri="http://schemas.microsoft.com/sharepoint/events"/>
-  </ds:schemaRefs>
-</ds:datastoreItem>
+<file path=customXml/item4.xml><?xml version="1.0" encoding="utf-8"?>
+<p:properties xmlns:p="http://schemas.microsoft.com/office/2006/metadata/properties" xmlns:xsi="http://www.w3.org/2001/XMLSchema-instance" xmlns:pc="http://schemas.microsoft.com/office/infopath/2007/PartnerControls">
+  <documentManagement>
+    <_dlc_DocId xmlns="7bb5d761-a2ea-4873-95f7-7a6658fb3ef0">M4CWTKMW727E-592-73</_dlc_DocId>
+    <_dlc_DocIdUrl xmlns="7bb5d761-a2ea-4873-95f7-7a6658fb3ef0">
+      <Url>https://kms.vci.local/marketing/team/_layouts/DocIdRedir.aspx?ID=M4CWTKMW727E-592-73</Url>
+      <Description>M4CWTKMW727E-592-73</Description>
+    </_dlc_DocIdUrl>
+  </documentManagement>
+</p:properties>
 </file>
 
-<file path=customXml/itemProps4.xml><?xml version="1.0" encoding="utf-8"?>
+<file path=customXml/itemProps1.xml><?xml version="1.0" encoding="utf-8"?>
 <ds:datastoreItem xmlns:ds="http://schemas.openxmlformats.org/officeDocument/2006/customXml" ds:itemID="{164479E5-0B02-49AC-B79E-EC1D6164DDD3}">
   <ds:schemaRefs>
     <ds:schemaRef ds:uri="http://schemas.microsoft.com/office/2006/metadata/contentType"/>
@@ -34335,4 +34501,36 @@
     <ds:schemaRef ds:uri="http://schemas.microsoft.com/internal/obd"/>
   </ds:schemaRefs>
 </ds:datastoreItem>
+</file>
+
+<file path=customXml/itemProps2.xml><?xml version="1.0" encoding="utf-8"?>
+<ds:datastoreItem xmlns:ds="http://schemas.openxmlformats.org/officeDocument/2006/customXml" ds:itemID="{B13EBC30-FE27-4C6A-B723-23FC2188F7DC}">
+  <ds:schemaRefs>
+    <ds:schemaRef ds:uri="http://schemas.microsoft.com/sharepoint/events"/>
+  </ds:schemaRefs>
+</ds:datastoreItem>
+</file>
+
+<file path=customXml/itemProps3.xml><?xml version="1.0" encoding="utf-8"?>
+<ds:datastoreItem xmlns:ds="http://schemas.openxmlformats.org/officeDocument/2006/customXml" ds:itemID="{5CDEB364-43EC-4510-9881-539C2A3FCE9E}">
+  <ds:schemaRefs>
+    <ds:schemaRef ds:uri="http://schemas.microsoft.com/sharepoint/v3/contenttype/forms"/>
+  </ds:schemaRefs>
+</ds:datastoreItem>
+</file>
+
+<file path=customXml/itemProps4.xml><?xml version="1.0" encoding="utf-8"?>
+<ds:datastoreItem xmlns:ds="http://schemas.openxmlformats.org/officeDocument/2006/customXml" ds:itemID="{6921749B-AEB7-461B-845F-603CABD25259}">
+  <ds:schemaRefs>
+    <ds:schemaRef ds:uri="http://purl.org/dc/terms/"/>
+    <ds:schemaRef ds:uri="http://schemas.openxmlformats.org/package/2006/metadata/core-properties"/>
+    <ds:schemaRef ds:uri="http://purl.org/dc/dcmitype/"/>
+    <ds:schemaRef ds:uri="http://schemas.microsoft.com/office/infopath/2007/PartnerControls"/>
+    <ds:schemaRef ds:uri="http://purl.org/dc/elements/1.1/"/>
+    <ds:schemaRef ds:uri="http://schemas.microsoft.com/office/2006/metadata/properties"/>
+    <ds:schemaRef ds:uri="http://schemas.microsoft.com/office/2006/documentManagement/types"/>
+    <ds:schemaRef ds:uri="7bb5d761-a2ea-4873-95f7-7a6658fb3ef0"/>
+    <ds:schemaRef ds:uri="http://www.w3.org/XML/1998/namespace"/>
+  </ds:schemaRefs>
+</ds:datastoreItem>
 </file>
--- a/03-initial-configuration-scans.pptx
+++ b/03-initial-configuration-scans.pptx
@@ -6,10 +6,10 @@
     <p:sldMasterId id="2147483847" r:id="rId6"/>
   </p:sldMasterIdLst>
   <p:notesMasterIdLst>
-    <p:notesMasterId r:id="rId68"/>
+    <p:notesMasterId r:id="rId69"/>
   </p:notesMasterIdLst>
   <p:handoutMasterIdLst>
-    <p:handoutMasterId r:id="rId69"/>
+    <p:handoutMasterId r:id="rId70"/>
   </p:handoutMasterIdLst>
   <p:sldIdLst>
     <p:sldId id="256" r:id="rId7"/>
@@ -72,7 +72,8 @@
     <p:sldId id="344" r:id="rId64"/>
     <p:sldId id="345" r:id="rId65"/>
     <p:sldId id="276" r:id="rId66"/>
-    <p:sldId id="267" r:id="rId67"/>
+    <p:sldId id="368" r:id="rId67"/>
+    <p:sldId id="267" r:id="rId68"/>
   </p:sldIdLst>
   <p:sldSz cx="16256000" cy="9144000"/>
   <p:notesSz cx="6858000" cy="9144000"/>
@@ -2004,15 +2005,7 @@
           <a:p>
             <a:r>
               <a:rPr lang="en-US" dirty="0" smtClean="0"/>
-              <a:t>There are also 6 critical issues related to ssh on the target node. Your results may be slightly different </a:t>
-            </a:r>
-            <a:r>
-              <a:rPr lang="en-US" dirty="0" smtClean="0"/>
-              <a:t>than </a:t>
-            </a:r>
-            <a:r>
-              <a:rPr lang="en-US" dirty="0" smtClean="0"/>
-              <a:t>this example.</a:t>
+              <a:t>There are also 6 critical issues related to ssh on the target node. Your results may be slightly different than this example.</a:t>
             </a:r>
           </a:p>
           <a:p>
@@ -10960,7 +10953,7 @@
         <p:spPr/>
         <p:txBody>
           <a:bodyPr>
-            <a:normAutofit lnSpcReduction="10000"/>
+            <a:normAutofit/>
           </a:bodyPr>
           <a:lstStyle/>
           <a:p>
@@ -11020,7 +11013,15 @@
             </a:r>
             <a:r>
               <a:rPr lang="en-US" sz="1200" dirty="0" smtClean="0"/>
-              <a:t>The `impact` value in a Compliance Profile defines severity. See slide 3-22 through slide 3-24 for examples.</a:t>
+              <a:t>The `impact` value in a Compliance </a:t>
+            </a:r>
+            <a:r>
+              <a:rPr lang="en-US" sz="1200" dirty="0" smtClean="0"/>
+              <a:t>Profile/control </a:t>
+            </a:r>
+            <a:r>
+              <a:rPr lang="en-US" sz="1200" dirty="0" smtClean="0"/>
+              <a:t>defines severity. See slide 3-22 through slide 3-24 for examples.</a:t>
             </a:r>
           </a:p>
           <a:p>
@@ -11114,6 +11115,197 @@
     <p:extLst>
       <p:ext uri="{BB962C8B-B14F-4D97-AF65-F5344CB8AC3E}">
         <p14:creationId xmlns:p14="http://schemas.microsoft.com/office/powerpoint/2010/main" val="497300533"/>
+      </p:ext>
+    </p:extLst>
+  </p:cSld>
+  <p:clrMapOvr>
+    <a:masterClrMapping/>
+  </p:clrMapOvr>
+</p:notes>
+</file>
+
+<file path=ppt/notesSlides/notesSlide57.xml><?xml version="1.0" encoding="utf-8"?>
+<p:notes xmlns:a="http://schemas.openxmlformats.org/drawingml/2006/main" xmlns:r="http://schemas.openxmlformats.org/officeDocument/2006/relationships" xmlns:p="http://schemas.openxmlformats.org/presentationml/2006/main">
+  <p:cSld>
+    <p:spTree>
+      <p:nvGrpSpPr>
+        <p:cNvPr id="1" name=""/>
+        <p:cNvGrpSpPr/>
+        <p:nvPr/>
+      </p:nvGrpSpPr>
+      <p:grpSpPr>
+        <a:xfrm>
+          <a:off x="0" y="0"/>
+          <a:ext cx="0" cy="0"/>
+          <a:chOff x="0" y="0"/>
+          <a:chExt cx="0" cy="0"/>
+        </a:xfrm>
+      </p:grpSpPr>
+      <p:sp>
+        <p:nvSpPr>
+          <p:cNvPr id="2" name="Slide Image Placeholder 1"/>
+          <p:cNvSpPr>
+            <a:spLocks noGrp="1" noRot="1" noChangeAspect="1"/>
+          </p:cNvSpPr>
+          <p:nvPr>
+            <p:ph type="sldImg"/>
+          </p:nvPr>
+        </p:nvSpPr>
+        <p:spPr/>
+      </p:sp>
+      <p:sp>
+        <p:nvSpPr>
+          <p:cNvPr id="3" name="Notes Placeholder 2"/>
+          <p:cNvSpPr>
+            <a:spLocks noGrp="1"/>
+          </p:cNvSpPr>
+          <p:nvPr>
+            <p:ph type="body" idx="1"/>
+          </p:nvPr>
+        </p:nvSpPr>
+        <p:spPr/>
+        <p:txBody>
+          <a:bodyPr>
+            <a:normAutofit/>
+          </a:bodyPr>
+          <a:lstStyle/>
+          <a:p>
+            <a:r>
+              <a:rPr lang="en-US" dirty="0" smtClean="0"/>
+              <a:t>Instructor Note Answers:</a:t>
+            </a:r>
+          </a:p>
+          <a:p>
+            <a:pPr marL="0" indent="0">
+              <a:buNone/>
+            </a:pPr>
+            <a:r>
+              <a:rPr lang="en-US" sz="1200" b="0" i="0" kern="1200" dirty="0" smtClean="0">
+                <a:solidFill>
+                  <a:schemeClr val="tx1"/>
+                </a:solidFill>
+                <a:effectLst/>
+                <a:latin typeface="Arial" panose="020B0604020202020204" pitchFamily="34" charset="0"/>
+                <a:ea typeface="ＭＳ Ｐゴシック" charset="0"/>
+                <a:cs typeface="Arial" panose="020B0604020202020204" pitchFamily="34" charset="0"/>
+              </a:rPr>
+              <a:t>5. You could use the Dashboard's "check the connectivity"</a:t>
+            </a:r>
+            <a:r>
+              <a:rPr lang="en-US" sz="1200" b="0" i="0" kern="1200" baseline="0" dirty="0" smtClean="0">
+                <a:solidFill>
+                  <a:schemeClr val="tx1"/>
+                </a:solidFill>
+                <a:effectLst/>
+                <a:latin typeface="Arial" panose="020B0604020202020204" pitchFamily="34" charset="0"/>
+                <a:ea typeface="ＭＳ Ｐゴシック" charset="0"/>
+                <a:cs typeface="Arial" panose="020B0604020202020204" pitchFamily="34" charset="0"/>
+              </a:rPr>
+              <a:t> test, ssh into the target, and/or check the node's configuration in the Web UI (IP address, login credentials.) </a:t>
+            </a:r>
+          </a:p>
+          <a:p>
+            <a:pPr marL="0" indent="0">
+              <a:buNone/>
+            </a:pPr>
+            <a:r>
+              <a:rPr lang="en-US" sz="1200" b="0" i="0" kern="1200" baseline="0" dirty="0" smtClean="0">
+                <a:solidFill>
+                  <a:schemeClr val="tx1"/>
+                </a:solidFill>
+                <a:effectLst/>
+                <a:latin typeface="Arial" panose="020B0604020202020204" pitchFamily="34" charset="0"/>
+                <a:ea typeface="ＭＳ Ｐゴシック" charset="0"/>
+                <a:cs typeface="Arial" panose="020B0604020202020204" pitchFamily="34" charset="0"/>
+              </a:rPr>
+              <a:t>6. InSpec.</a:t>
+            </a:r>
+          </a:p>
+          <a:p>
+            <a:endParaRPr lang="en-US" sz="1200" dirty="0" smtClean="0"/>
+          </a:p>
+          <a:p>
+            <a:endParaRPr lang="en-US" dirty="0"/>
+          </a:p>
+        </p:txBody>
+      </p:sp>
+      <p:sp>
+        <p:nvSpPr>
+          <p:cNvPr id="4" name="Slide Number Placeholder 3"/>
+          <p:cNvSpPr>
+            <a:spLocks noGrp="1"/>
+          </p:cNvSpPr>
+          <p:nvPr>
+            <p:ph type="sldNum" sz="quarter" idx="10"/>
+          </p:nvPr>
+        </p:nvSpPr>
+        <p:spPr/>
+        <p:txBody>
+          <a:bodyPr/>
+          <a:lstStyle/>
+          <a:p>
+            <a:pPr>
+              <a:defRPr/>
+            </a:pPr>
+            <a:fld id="{DC3734AA-3150-D947-AC52-2F5DF48BFCD5}" type="slidenum">
+              <a:rPr lang="en-US" smtClean="0"/>
+              <a:pPr>
+                <a:defRPr/>
+              </a:pPr>
+              <a:t>61</a:t>
+            </a:fld>
+            <a:endParaRPr lang="en-US" dirty="0"/>
+          </a:p>
+        </p:txBody>
+      </p:sp>
+      <p:sp>
+        <p:nvSpPr>
+          <p:cNvPr id="5" name="Header Placeholder 4"/>
+          <p:cNvSpPr>
+            <a:spLocks noGrp="1"/>
+          </p:cNvSpPr>
+          <p:nvPr>
+            <p:ph type="hdr" sz="quarter" idx="11"/>
+          </p:nvPr>
+        </p:nvSpPr>
+        <p:spPr/>
+        <p:txBody>
+          <a:bodyPr/>
+          <a:lstStyle/>
+          <a:p>
+            <a:pPr>
+              <a:defRPr/>
+            </a:pPr>
+            <a:endParaRPr lang="en-US"/>
+          </a:p>
+        </p:txBody>
+      </p:sp>
+      <p:sp>
+        <p:nvSpPr>
+          <p:cNvPr id="6" name="Footer Placeholder 5"/>
+          <p:cNvSpPr>
+            <a:spLocks noGrp="1"/>
+          </p:cNvSpPr>
+          <p:nvPr>
+            <p:ph type="ftr" sz="quarter" idx="12"/>
+          </p:nvPr>
+        </p:nvSpPr>
+        <p:spPr/>
+        <p:txBody>
+          <a:bodyPr/>
+          <a:lstStyle/>
+          <a:p>
+            <a:pPr>
+              <a:defRPr/>
+            </a:pPr>
+            <a:endParaRPr lang="en-US"/>
+          </a:p>
+        </p:txBody>
+      </p:sp>
+    </p:spTree>
+    <p:extLst>
+      <p:ext uri="{BB962C8B-B14F-4D97-AF65-F5344CB8AC3E}">
+        <p14:creationId xmlns:p14="http://schemas.microsoft.com/office/powerpoint/2010/main" val="1139806950"/>
       </p:ext>
     </p:extLst>
   </p:cSld>
@@ -11237,13 +11429,7 @@
               <a:rPr lang="en-US" dirty="0" smtClean="0">
                 <a:effectLst/>
               </a:rPr>
-              <a:t>` is uncommented. </a:t>
-            </a:r>
-            <a:r>
-              <a:rPr lang="en-US" dirty="0" smtClean="0">
-                <a:effectLst/>
-              </a:rPr>
-              <a:t>The Linux</a:t>
+              <a:t>` is uncommented. The Linux</a:t>
             </a:r>
             <a:r>
               <a:rPr lang="en-US" baseline="0" dirty="0" smtClean="0">
@@ -12397,14 +12583,14 @@
           </a:ln>
           <a:extLst>
             <a:ext uri="{909E8E84-426E-40dd-AFC4-6F175D3DCCD1}">
-              <a14:hiddenFill xmlns:a14="http://schemas.microsoft.com/office/drawing/2010/main" xmlns="">
+              <a14:hiddenFill xmlns="" xmlns:a14="http://schemas.microsoft.com/office/drawing/2010/main">
                 <a:solidFill>
                   <a:srgbClr val="FFFFFF"/>
                 </a:solidFill>
               </a14:hiddenFill>
             </a:ext>
             <a:ext uri="{91240B29-F687-4f45-9708-019B960494DF}">
-              <a14:hiddenLine xmlns:a14="http://schemas.microsoft.com/office/drawing/2010/main" xmlns="" w="9525">
+              <a14:hiddenLine xmlns="" xmlns:a14="http://schemas.microsoft.com/office/drawing/2010/main" w="9525">
                 <a:solidFill>
                   <a:srgbClr val="000000"/>
                 </a:solidFill>
@@ -12552,14 +12738,14 @@
           </a:ln>
           <a:extLst>
             <a:ext uri="{909E8E84-426E-40dd-AFC4-6F175D3DCCD1}">
-              <a14:hiddenFill xmlns:a14="http://schemas.microsoft.com/office/drawing/2010/main" xmlns="">
+              <a14:hiddenFill xmlns="" xmlns:a14="http://schemas.microsoft.com/office/drawing/2010/main">
                 <a:solidFill>
                   <a:srgbClr val="FFFFFF"/>
                 </a:solidFill>
               </a14:hiddenFill>
             </a:ext>
             <a:ext uri="{91240B29-F687-4f45-9708-019B960494DF}">
-              <a14:hiddenLine xmlns:a14="http://schemas.microsoft.com/office/drawing/2010/main" xmlns="" w="9525">
+              <a14:hiddenLine xmlns="" xmlns:a14="http://schemas.microsoft.com/office/drawing/2010/main" w="9525">
                 <a:solidFill>
                   <a:srgbClr val="000000"/>
                 </a:solidFill>
@@ -13050,14 +13236,14 @@
           </a:ln>
           <a:extLst>
             <a:ext uri="{909E8E84-426E-40dd-AFC4-6F175D3DCCD1}">
-              <a14:hiddenFill xmlns:a14="http://schemas.microsoft.com/office/drawing/2010/main" xmlns="">
+              <a14:hiddenFill xmlns="" xmlns:a14="http://schemas.microsoft.com/office/drawing/2010/main">
                 <a:solidFill>
                   <a:srgbClr val="FFFFFF"/>
                 </a:solidFill>
               </a14:hiddenFill>
             </a:ext>
             <a:ext uri="{91240B29-F687-4f45-9708-019B960494DF}">
-              <a14:hiddenLine xmlns:a14="http://schemas.microsoft.com/office/drawing/2010/main" xmlns="" w="9525">
+              <a14:hiddenLine xmlns="" xmlns:a14="http://schemas.microsoft.com/office/drawing/2010/main" w="9525">
                 <a:solidFill>
                   <a:srgbClr val="000000"/>
                 </a:solidFill>
@@ -13296,14 +13482,14 @@
           </a:ln>
           <a:extLst>
             <a:ext uri="{909E8E84-426E-40dd-AFC4-6F175D3DCCD1}">
-              <a14:hiddenFill xmlns:a14="http://schemas.microsoft.com/office/drawing/2010/main" xmlns="">
+              <a14:hiddenFill xmlns="" xmlns:a14="http://schemas.microsoft.com/office/drawing/2010/main">
                 <a:solidFill>
                   <a:srgbClr val="FFFFFF"/>
                 </a:solidFill>
               </a14:hiddenFill>
             </a:ext>
             <a:ext uri="{91240B29-F687-4f45-9708-019B960494DF}">
-              <a14:hiddenLine xmlns:a14="http://schemas.microsoft.com/office/drawing/2010/main" xmlns="" w="9525">
+              <a14:hiddenLine xmlns="" xmlns:a14="http://schemas.microsoft.com/office/drawing/2010/main" w="9525">
                 <a:solidFill>
                   <a:srgbClr val="000000"/>
                 </a:solidFill>
@@ -15231,14 +15417,14 @@
           </a:ln>
           <a:extLst>
             <a:ext uri="{909E8E84-426E-40dd-AFC4-6F175D3DCCD1}">
-              <a14:hiddenFill xmlns:a14="http://schemas.microsoft.com/office/drawing/2010/main" xmlns="">
+              <a14:hiddenFill xmlns="" xmlns:a14="http://schemas.microsoft.com/office/drawing/2010/main">
                 <a:solidFill>
                   <a:srgbClr val="FFFFFF"/>
                 </a:solidFill>
               </a14:hiddenFill>
             </a:ext>
             <a:ext uri="{91240B29-F687-4f45-9708-019B960494DF}">
-              <a14:hiddenLine xmlns:a14="http://schemas.microsoft.com/office/drawing/2010/main" xmlns="" w="9525">
+              <a14:hiddenLine xmlns="" xmlns:a14="http://schemas.microsoft.com/office/drawing/2010/main" w="9525">
                 <a:solidFill>
                   <a:srgbClr val="000000"/>
                 </a:solidFill>
@@ -16772,14 +16958,14 @@
           </a:ln>
           <a:extLst>
             <a:ext uri="{909E8E84-426E-40dd-AFC4-6F175D3DCCD1}">
-              <a14:hiddenFill xmlns:a14="http://schemas.microsoft.com/office/drawing/2010/main" xmlns="">
+              <a14:hiddenFill xmlns="" xmlns:a14="http://schemas.microsoft.com/office/drawing/2010/main">
                 <a:solidFill>
                   <a:srgbClr val="FFFFFF"/>
                 </a:solidFill>
               </a14:hiddenFill>
             </a:ext>
             <a:ext uri="{91240B29-F687-4f45-9708-019B960494DF}">
-              <a14:hiddenLine xmlns:a14="http://schemas.microsoft.com/office/drawing/2010/main" xmlns="" w="9525">
+              <a14:hiddenLine xmlns="" xmlns:a14="http://schemas.microsoft.com/office/drawing/2010/main" w="9525">
                 <a:solidFill>
                   <a:srgbClr val="000000"/>
                 </a:solidFill>
@@ -17337,14 +17523,14 @@
           </a:ln>
           <a:extLst>
             <a:ext uri="{909E8E84-426E-40dd-AFC4-6F175D3DCCD1}">
-              <a14:hiddenFill xmlns:a14="http://schemas.microsoft.com/office/drawing/2010/main" xmlns="">
+              <a14:hiddenFill xmlns="" xmlns:a14="http://schemas.microsoft.com/office/drawing/2010/main">
                 <a:solidFill>
                   <a:srgbClr val="FFFFFF"/>
                 </a:solidFill>
               </a14:hiddenFill>
             </a:ext>
             <a:ext uri="{91240B29-F687-4f45-9708-019B960494DF}">
-              <a14:hiddenLine xmlns:a14="http://schemas.microsoft.com/office/drawing/2010/main" xmlns="" w="9525">
+              <a14:hiddenLine xmlns="" xmlns:a14="http://schemas.microsoft.com/office/drawing/2010/main" w="9525">
                 <a:solidFill>
                   <a:srgbClr val="000000"/>
                 </a:solidFill>
@@ -17911,14 +18097,14 @@
           </a:ln>
           <a:extLst>
             <a:ext uri="{909E8E84-426E-40dd-AFC4-6F175D3DCCD1}">
-              <a14:hiddenFill xmlns:a14="http://schemas.microsoft.com/office/drawing/2010/main" xmlns="">
+              <a14:hiddenFill xmlns="" xmlns:a14="http://schemas.microsoft.com/office/drawing/2010/main">
                 <a:solidFill>
                   <a:srgbClr val="FFFFFF"/>
                 </a:solidFill>
               </a14:hiddenFill>
             </a:ext>
             <a:ext uri="{91240B29-F687-4f45-9708-019B960494DF}">
-              <a14:hiddenLine xmlns:a14="http://schemas.microsoft.com/office/drawing/2010/main" xmlns="" w="9525">
+              <a14:hiddenLine xmlns="" xmlns:a14="http://schemas.microsoft.com/office/drawing/2010/main" w="9525">
                 <a:solidFill>
                   <a:srgbClr val="000000"/>
                 </a:solidFill>
@@ -18858,14 +19044,14 @@
           </a:ln>
           <a:extLst>
             <a:ext uri="{909E8E84-426E-40dd-AFC4-6F175D3DCCD1}">
-              <a14:hiddenFill xmlns:a14="http://schemas.microsoft.com/office/drawing/2010/main" xmlns="">
+              <a14:hiddenFill xmlns="" xmlns:a14="http://schemas.microsoft.com/office/drawing/2010/main">
                 <a:solidFill>
                   <a:srgbClr val="FFFFFF"/>
                 </a:solidFill>
               </a14:hiddenFill>
             </a:ext>
             <a:ext uri="{91240B29-F687-4f45-9708-019B960494DF}">
-              <a14:hiddenLine xmlns:a14="http://schemas.microsoft.com/office/drawing/2010/main" xmlns="" w="9525">
+              <a14:hiddenLine xmlns="" xmlns:a14="http://schemas.microsoft.com/office/drawing/2010/main" w="9525">
                 <a:solidFill>
                   <a:srgbClr val="000000"/>
                 </a:solidFill>
@@ -19618,14 +19804,14 @@
           </a:ln>
           <a:extLst>
             <a:ext uri="{909E8E84-426E-40dd-AFC4-6F175D3DCCD1}">
-              <a14:hiddenFill xmlns:a14="http://schemas.microsoft.com/office/drawing/2010/main" xmlns="">
+              <a14:hiddenFill xmlns="" xmlns:a14="http://schemas.microsoft.com/office/drawing/2010/main">
                 <a:solidFill>
                   <a:srgbClr val="FFFFFF"/>
                 </a:solidFill>
               </a14:hiddenFill>
             </a:ext>
             <a:ext uri="{91240B29-F687-4f45-9708-019B960494DF}">
-              <a14:hiddenLine xmlns:a14="http://schemas.microsoft.com/office/drawing/2010/main" xmlns="" w="9525">
+              <a14:hiddenLine xmlns="" xmlns:a14="http://schemas.microsoft.com/office/drawing/2010/main" w="9525">
                 <a:solidFill>
                   <a:srgbClr val="000000"/>
                 </a:solidFill>
@@ -28822,11 +29008,7 @@
           <a:p>
             <a:r>
               <a:rPr lang="en-US" dirty="0" smtClean="0"/>
-              <a:t>containers</a:t>
-            </a:r>
-            <a:r>
-              <a:rPr lang="en-US" dirty="0" smtClean="0"/>
-              <a:t>.</a:t>
+              <a:t>containers.</a:t>
             </a:r>
           </a:p>
           <a:p>
@@ -28865,7 +29047,6 @@
               <a:rPr lang="en-US" dirty="0"/>
               <a:t>path.</a:t>
             </a:r>
-            <a:endParaRPr lang="en-US" dirty="0"/>
           </a:p>
         </p:txBody>
       </p:sp>
@@ -32035,10 +32216,6 @@
               <a:rPr lang="en-US" dirty="0" smtClean="0"/>
               <a:t>just its IP address?</a:t>
             </a:r>
-            <a:r>
-              <a:rPr lang="en-US" dirty="0" smtClean="0"/>
-              <a:t/>
-            </a:r>
             <a:br>
               <a:rPr lang="en-US" dirty="0" smtClean="0"/>
             </a:br>
@@ -32060,10 +32237,6 @@
             <a:r>
               <a:rPr lang="en-US" dirty="0" smtClean="0"/>
               <a:t> exec` be used for?</a:t>
-            </a:r>
-            <a:r>
-              <a:rPr lang="en-US" dirty="0" smtClean="0"/>
-              <a:t/>
             </a:r>
             <a:br>
               <a:rPr lang="en-US" dirty="0" smtClean="0"/>
@@ -32123,8 +32296,8 @@
         </p:blipFill>
         <p:spPr>
           <a:xfrm>
-            <a:off x="9299643" y="5164954"/>
-            <a:ext cx="6439709" cy="2780456"/>
+            <a:off x="8879339" y="4983480"/>
+            <a:ext cx="6860014" cy="2961930"/>
           </a:xfrm>
           <a:prstGeom prst="rect">
             <a:avLst/>
@@ -32160,6 +32333,162 @@
 </file>
 
 <file path=ppt/slides/slide61.xml><?xml version="1.0" encoding="utf-8"?>
+<p:sld xmlns:a="http://schemas.openxmlformats.org/drawingml/2006/main" xmlns:r="http://schemas.openxmlformats.org/officeDocument/2006/relationships" xmlns:p="http://schemas.openxmlformats.org/presentationml/2006/main">
+  <p:cSld>
+    <p:spTree>
+      <p:nvGrpSpPr>
+        <p:cNvPr id="1" name=""/>
+        <p:cNvGrpSpPr/>
+        <p:nvPr/>
+      </p:nvGrpSpPr>
+      <p:grpSpPr>
+        <a:xfrm>
+          <a:off x="0" y="0"/>
+          <a:ext cx="0" cy="0"/>
+          <a:chOff x="0" y="0"/>
+          <a:chExt cx="0" cy="0"/>
+        </a:xfrm>
+      </p:grpSpPr>
+      <p:sp>
+        <p:nvSpPr>
+          <p:cNvPr id="2" name="Title 1"/>
+          <p:cNvSpPr>
+            <a:spLocks noGrp="1"/>
+          </p:cNvSpPr>
+          <p:nvPr>
+            <p:ph type="title"/>
+          </p:nvPr>
+        </p:nvSpPr>
+        <p:spPr/>
+        <p:txBody>
+          <a:bodyPr/>
+          <a:lstStyle/>
+          <a:p>
+            <a:r>
+              <a:rPr lang="en-US" dirty="0" smtClean="0"/>
+              <a:t>Review Questions</a:t>
+            </a:r>
+            <a:endParaRPr lang="en-US" dirty="0"/>
+          </a:p>
+        </p:txBody>
+      </p:sp>
+      <p:sp>
+        <p:nvSpPr>
+          <p:cNvPr id="3" name="Text Placeholder 2"/>
+          <p:cNvSpPr>
+            <a:spLocks noGrp="1"/>
+          </p:cNvSpPr>
+          <p:nvPr>
+            <p:ph type="body" sz="quarter" idx="12"/>
+          </p:nvPr>
+        </p:nvSpPr>
+        <p:spPr>
+          <a:xfrm>
+            <a:off x="650039" y="1856198"/>
+            <a:ext cx="15089313" cy="5345953"/>
+          </a:xfrm>
+        </p:spPr>
+        <p:txBody>
+          <a:bodyPr/>
+          <a:lstStyle/>
+          <a:p>
+            <a:pPr marL="514350" indent="-514350">
+              <a:buFont typeface="+mj-lt"/>
+              <a:buAutoNum type="arabicPeriod" startAt="5"/>
+            </a:pPr>
+            <a:r>
+              <a:rPr lang="en-US" dirty="0">
+                <a:solidFill>
+                  <a:schemeClr val="tx1"/>
+                </a:solidFill>
+                <a:latin typeface="Arial" panose="020B0604020202020204" pitchFamily="34" charset="0"/>
+                <a:cs typeface="Arial" panose="020B0604020202020204" pitchFamily="34" charset="0"/>
+              </a:rPr>
+              <a:t>If a compliance scan tells you that a node is unreachable, what might you use to troubleshoot the </a:t>
+            </a:r>
+            <a:r>
+              <a:rPr lang="en-US" dirty="0" smtClean="0">
+                <a:solidFill>
+                  <a:schemeClr val="tx1"/>
+                </a:solidFill>
+                <a:latin typeface="Arial" panose="020B0604020202020204" pitchFamily="34" charset="0"/>
+                <a:cs typeface="Arial" panose="020B0604020202020204" pitchFamily="34" charset="0"/>
+              </a:rPr>
+              <a:t>connection</a:t>
+            </a:r>
+            <a:r>
+              <a:rPr lang="en-US" dirty="0" smtClean="0"/>
+              <a:t>?</a:t>
+            </a:r>
+            <a:r>
+              <a:rPr lang="en-US" dirty="0" smtClean="0"/>
+              <a:t/>
+            </a:r>
+            <a:br>
+              <a:rPr lang="en-US" dirty="0" smtClean="0"/>
+            </a:br>
+            <a:endParaRPr lang="en-US" dirty="0" smtClean="0"/>
+          </a:p>
+          <a:p>
+            <a:pPr marL="514350" indent="-514350">
+              <a:buFont typeface="+mj-lt"/>
+              <a:buAutoNum type="arabicPeriod" startAt="5"/>
+            </a:pPr>
+            <a:r>
+              <a:rPr lang="en-US" dirty="0">
+                <a:solidFill>
+                  <a:schemeClr val="tx1"/>
+                </a:solidFill>
+                <a:latin typeface="Arial" panose="020B0604020202020204" pitchFamily="34" charset="0"/>
+                <a:cs typeface="Arial" panose="020B0604020202020204" pitchFamily="34" charset="0"/>
+              </a:rPr>
+              <a:t>What language is used to define controls</a:t>
+            </a:r>
+            <a:r>
+              <a:rPr lang="en-US" dirty="0" smtClean="0">
+                <a:solidFill>
+                  <a:schemeClr val="tx1"/>
+                </a:solidFill>
+                <a:latin typeface="Arial" panose="020B0604020202020204" pitchFamily="34" charset="0"/>
+                <a:cs typeface="Arial" panose="020B0604020202020204" pitchFamily="34" charset="0"/>
+              </a:rPr>
+              <a:t>?</a:t>
+            </a:r>
+            <a:r>
+              <a:rPr lang="en-US" dirty="0" smtClean="0"/>
+              <a:t/>
+            </a:r>
+            <a:br>
+              <a:rPr lang="en-US" dirty="0" smtClean="0"/>
+            </a:br>
+            <a:endParaRPr lang="en-US" dirty="0" smtClean="0"/>
+          </a:p>
+        </p:txBody>
+      </p:sp>
+    </p:spTree>
+    <p:extLst>
+      <p:ext uri="{BB962C8B-B14F-4D97-AF65-F5344CB8AC3E}">
+        <p14:creationId xmlns:p14="http://schemas.microsoft.com/office/powerpoint/2010/main" val="3352508445"/>
+      </p:ext>
+    </p:extLst>
+  </p:cSld>
+  <p:clrMapOvr>
+    <a:masterClrMapping/>
+  </p:clrMapOvr>
+  <p:transition spd="med">
+    <p:fade/>
+  </p:transition>
+  <p:timing>
+    <p:tnLst>
+      <p:par>
+        <p:cTn id="1" dur="indefinite" restart="never" nodeType="tmRoot"/>
+      </p:par>
+    </p:tnLst>
+  </p:timing>
+</p:sld>
+</file>
+
+<file path=ppt/slides/slide62.xml><?xml version="1.0" encoding="utf-8"?>
 <p:sld xmlns:a="http://schemas.openxmlformats.org/drawingml/2006/main" xmlns:r="http://schemas.openxmlformats.org/officeDocument/2006/relationships" xmlns:p="http://schemas.openxmlformats.org/presentationml/2006/main">
   <p:cSld>
     <p:spTree>
@@ -34274,6 +34603,73 @@
 </file>
 
 <file path=customXml/item1.xml><?xml version="1.0" encoding="utf-8"?>
+<?mso-contentType ?>
+<spe:Receivers xmlns:spe="http://schemas.microsoft.com/sharepoint/events">
+  <Receiver>
+    <Name>Document ID Generator</Name>
+    <Synchronization>Synchronous</Synchronization>
+    <Type>10001</Type>
+    <SequenceNumber>1000</SequenceNumber>
+    <Assembly>Microsoft.Office.DocumentManagement, Version=14.0.0.0, Culture=neutral, PublicKeyToken=71e9bce111e9429c</Assembly>
+    <Class>Microsoft.Office.DocumentManagement.Internal.DocIdHandler</Class>
+    <Data/>
+    <Filter/>
+  </Receiver>
+  <Receiver>
+    <Name>Document ID Generator</Name>
+    <Synchronization>Synchronous</Synchronization>
+    <Type>10002</Type>
+    <SequenceNumber>1001</SequenceNumber>
+    <Assembly>Microsoft.Office.DocumentManagement, Version=14.0.0.0, Culture=neutral, PublicKeyToken=71e9bce111e9429c</Assembly>
+    <Class>Microsoft.Office.DocumentManagement.Internal.DocIdHandler</Class>
+    <Data/>
+    <Filter/>
+  </Receiver>
+  <Receiver>
+    <Name>Document ID Generator</Name>
+    <Synchronization>Synchronous</Synchronization>
+    <Type>10004</Type>
+    <SequenceNumber>1002</SequenceNumber>
+    <Assembly>Microsoft.Office.DocumentManagement, Version=14.0.0.0, Culture=neutral, PublicKeyToken=71e9bce111e9429c</Assembly>
+    <Class>Microsoft.Office.DocumentManagement.Internal.DocIdHandler</Class>
+    <Data/>
+    <Filter/>
+  </Receiver>
+  <Receiver>
+    <Name>Document ID Generator</Name>
+    <Synchronization>Synchronous</Synchronization>
+    <Type>10006</Type>
+    <SequenceNumber>1003</SequenceNumber>
+    <Assembly>Microsoft.Office.DocumentManagement, Version=14.0.0.0, Culture=neutral, PublicKeyToken=71e9bce111e9429c</Assembly>
+    <Class>Microsoft.Office.DocumentManagement.Internal.DocIdHandler</Class>
+    <Data/>
+    <Filter/>
+  </Receiver>
+</spe:Receivers>
+</file>
+
+<file path=customXml/item2.xml><?xml version="1.0" encoding="utf-8"?>
+<p:properties xmlns:p="http://schemas.microsoft.com/office/2006/metadata/properties" xmlns:xsi="http://www.w3.org/2001/XMLSchema-instance" xmlns:pc="http://schemas.microsoft.com/office/infopath/2007/PartnerControls">
+  <documentManagement>
+    <_dlc_DocId xmlns="7bb5d761-a2ea-4873-95f7-7a6658fb3ef0">M4CWTKMW727E-592-73</_dlc_DocId>
+    <_dlc_DocIdUrl xmlns="7bb5d761-a2ea-4873-95f7-7a6658fb3ef0">
+      <Url>https://kms.vci.local/marketing/team/_layouts/DocIdRedir.aspx?ID=M4CWTKMW727E-592-73</Url>
+      <Description>M4CWTKMW727E-592-73</Description>
+    </_dlc_DocIdUrl>
+  </documentManagement>
+</p:properties>
+</file>
+
+<file path=customXml/item3.xml><?xml version="1.0" encoding="utf-8"?>
+<?mso-contentType ?>
+<FormTemplates xmlns="http://schemas.microsoft.com/sharepoint/v3/contenttype/forms">
+  <Display>DocumentLibraryForm</Display>
+  <Edit>DocumentLibraryForm</Edit>
+  <New>DocumentLibraryForm</New>
+</FormTemplates>
+</file>
+
+<file path=customXml/item4.xml><?xml version="1.0" encoding="utf-8"?>
 <ct:contentTypeSchema xmlns:ct="http://schemas.microsoft.com/office/2006/metadata/contentType" xmlns:ma="http://schemas.microsoft.com/office/2006/metadata/properties/metaAttributes" ct:_="" ma:_="" ma:contentTypeName="Document" ma:contentTypeID="0x0101000812F700BE7F874999720E88173FE491" ma:contentTypeVersion="0" ma:contentTypeDescription="Create a new document." ma:contentTypeScope="" ma:versionID="3f79f408e2ca720b7aba6e0e32464d0c">
   <xsd:schema xmlns:xsd="http://www.w3.org/2001/XMLSchema" xmlns:xs="http://www.w3.org/2001/XMLSchema" xmlns:p="http://schemas.microsoft.com/office/2006/metadata/properties" xmlns:ns2="7bb5d761-a2ea-4873-95f7-7a6658fb3ef0" targetNamespace="http://schemas.microsoft.com/office/2006/metadata/properties" ma:root="true" ma:fieldsID="1e062cd38ba31e406bfc4340fbc7f87a" ns2:_="">
     <xsd:import namespace="7bb5d761-a2ea-4873-95f7-7a6658fb3ef0"/>
@@ -34418,74 +34814,39 @@
 </ct:contentTypeSchema>
 </file>
 
-<file path=customXml/item2.xml><?xml version="1.0" encoding="utf-8"?>
-<?mso-contentType ?>
-<spe:Receivers xmlns:spe="http://schemas.microsoft.com/sharepoint/events">
-  <Receiver>
-    <Name>Document ID Generator</Name>
-    <Synchronization>Synchronous</Synchronization>
-    <Type>10001</Type>
-    <SequenceNumber>1000</SequenceNumber>
-    <Assembly>Microsoft.Office.DocumentManagement, Version=14.0.0.0, Culture=neutral, PublicKeyToken=71e9bce111e9429c</Assembly>
-    <Class>Microsoft.Office.DocumentManagement.Internal.DocIdHandler</Class>
-    <Data/>
-    <Filter/>
-  </Receiver>
-  <Receiver>
-    <Name>Document ID Generator</Name>
-    <Synchronization>Synchronous</Synchronization>
-    <Type>10002</Type>
-    <SequenceNumber>1001</SequenceNumber>
-    <Assembly>Microsoft.Office.DocumentManagement, Version=14.0.0.0, Culture=neutral, PublicKeyToken=71e9bce111e9429c</Assembly>
-    <Class>Microsoft.Office.DocumentManagement.Internal.DocIdHandler</Class>
-    <Data/>
-    <Filter/>
-  </Receiver>
-  <Receiver>
-    <Name>Document ID Generator</Name>
-    <Synchronization>Synchronous</Synchronization>
-    <Type>10004</Type>
-    <SequenceNumber>1002</SequenceNumber>
-    <Assembly>Microsoft.Office.DocumentManagement, Version=14.0.0.0, Culture=neutral, PublicKeyToken=71e9bce111e9429c</Assembly>
-    <Class>Microsoft.Office.DocumentManagement.Internal.DocIdHandler</Class>
-    <Data/>
-    <Filter/>
-  </Receiver>
-  <Receiver>
-    <Name>Document ID Generator</Name>
-    <Synchronization>Synchronous</Synchronization>
-    <Type>10006</Type>
-    <SequenceNumber>1003</SequenceNumber>
-    <Assembly>Microsoft.Office.DocumentManagement, Version=14.0.0.0, Culture=neutral, PublicKeyToken=71e9bce111e9429c</Assembly>
-    <Class>Microsoft.Office.DocumentManagement.Internal.DocIdHandler</Class>
-    <Data/>
-    <Filter/>
-  </Receiver>
-</spe:Receivers>
+<file path=customXml/itemProps1.xml><?xml version="1.0" encoding="utf-8"?>
+<ds:datastoreItem xmlns:ds="http://schemas.openxmlformats.org/officeDocument/2006/customXml" ds:itemID="{B13EBC30-FE27-4C6A-B723-23FC2188F7DC}">
+  <ds:schemaRefs>
+    <ds:schemaRef ds:uri="http://schemas.microsoft.com/sharepoint/events"/>
+  </ds:schemaRefs>
+</ds:datastoreItem>
 </file>
 
-<file path=customXml/item3.xml><?xml version="1.0" encoding="utf-8"?>
-<?mso-contentType ?>
-<FormTemplates xmlns="http://schemas.microsoft.com/sharepoint/v3/contenttype/forms">
-  <Display>DocumentLibraryForm</Display>
-  <Edit>DocumentLibraryForm</Edit>
-  <New>DocumentLibraryForm</New>
-</FormTemplates>
+<file path=customXml/itemProps2.xml><?xml version="1.0" encoding="utf-8"?>
+<ds:datastoreItem xmlns:ds="http://schemas.openxm